--- a/BIG Data.pptx
+++ b/BIG Data.pptx
@@ -5,17 +5,22 @@
     <p:sldMasterId id="2147483720" r:id="rId1"/>
   </p:sldMasterIdLst>
   <p:notesMasterIdLst>
-    <p:notesMasterId r:id="rId10"/>
+    <p:notesMasterId r:id="rId15"/>
   </p:notesMasterIdLst>
   <p:sldIdLst>
     <p:sldId id="257" r:id="rId2"/>
-    <p:sldId id="1123" r:id="rId3"/>
-    <p:sldId id="1177" r:id="rId4"/>
-    <p:sldId id="1180" r:id="rId5"/>
-    <p:sldId id="1181" r:id="rId6"/>
-    <p:sldId id="1182" r:id="rId7"/>
-    <p:sldId id="1179" r:id="rId8"/>
-    <p:sldId id="1183" r:id="rId9"/>
+    <p:sldId id="599" r:id="rId3"/>
+    <p:sldId id="271" r:id="rId4"/>
+    <p:sldId id="1184" r:id="rId5"/>
+    <p:sldId id="1185" r:id="rId6"/>
+    <p:sldId id="1123" r:id="rId7"/>
+    <p:sldId id="1177" r:id="rId8"/>
+    <p:sldId id="1180" r:id="rId9"/>
+    <p:sldId id="1181" r:id="rId10"/>
+    <p:sldId id="1182" r:id="rId11"/>
+    <p:sldId id="1186" r:id="rId12"/>
+    <p:sldId id="1179" r:id="rId13"/>
+    <p:sldId id="1183" r:id="rId14"/>
   </p:sldIdLst>
   <p:sldSz cx="12192000" cy="6858000"/>
   <p:notesSz cx="6858000" cy="9144000"/>
@@ -3975,8 +3980,8 @@
 </p:sld>
 </file>
 
-<file path=ppt/slides/slide2.xml><?xml version="1.0" encoding="utf-8"?>
-<p:sld xmlns:a="http://schemas.openxmlformats.org/drawingml/2006/main" xmlns:r="http://schemas.openxmlformats.org/officeDocument/2006/relationships" xmlns:p="http://schemas.openxmlformats.org/presentationml/2006/main" showMasterSp="0">
+<file path=ppt/slides/slide10.xml><?xml version="1.0" encoding="utf-8"?>
+<p:sld xmlns:a="http://schemas.openxmlformats.org/drawingml/2006/main" xmlns:r="http://schemas.openxmlformats.org/officeDocument/2006/relationships" xmlns:p="http://schemas.openxmlformats.org/presentationml/2006/main">
   <p:cSld>
     <p:spTree>
       <p:nvGrpSpPr>
@@ -3994,6 +3999,498 @@
       </p:grpSpPr>
       <p:sp>
         <p:nvSpPr>
+          <p:cNvPr id="4" name="Rectangle 3">
+            <a:extLst>
+              <a:ext uri="{FF2B5EF4-FFF2-40B4-BE49-F238E27FC236}">
+                <a16:creationId xmlns:a16="http://schemas.microsoft.com/office/drawing/2014/main" id="{6524962B-7610-4EFD-AA5E-DDE403AB8860}"/>
+              </a:ext>
+            </a:extLst>
+          </p:cNvPr>
+          <p:cNvSpPr/>
+          <p:nvPr/>
+        </p:nvSpPr>
+        <p:spPr>
+          <a:xfrm>
+            <a:off x="1524000" y="1"/>
+            <a:ext cx="9144000" cy="584775"/>
+          </a:xfrm>
+          <a:prstGeom prst="rect">
+            <a:avLst/>
+          </a:prstGeom>
+          <a:noFill/>
+        </p:spPr>
+        <p:txBody>
+          <a:bodyPr wrap="square">
+            <a:spAutoFit/>
+          </a:bodyPr>
+          <a:lstStyle/>
+          <a:p>
+            <a:pPr algn="r"/>
+            <a:r>
+              <a:rPr lang="en-US" sz="3200" i="1" dirty="0">
+                <a:solidFill>
+                  <a:srgbClr val="FF9900"/>
+                </a:solidFill>
+                <a:latin typeface="Arial" pitchFamily="34" charset="0"/>
+                <a:cs typeface="Arial" pitchFamily="34" charset="0"/>
+              </a:rPr>
+              <a:t>Variety </a:t>
+            </a:r>
+            <a:endParaRPr lang="en-IN" sz="3200" i="1" dirty="0">
+              <a:solidFill>
+                <a:srgbClr val="FF9900"/>
+              </a:solidFill>
+              <a:latin typeface="Arial" pitchFamily="34" charset="0"/>
+              <a:cs typeface="Arial" pitchFamily="34" charset="0"/>
+            </a:endParaRPr>
+          </a:p>
+        </p:txBody>
+      </p:sp>
+      <p:pic>
+        <p:nvPicPr>
+          <p:cNvPr id="8" name="Picture 7">
+            <a:extLst>
+              <a:ext uri="{FF2B5EF4-FFF2-40B4-BE49-F238E27FC236}">
+                <a16:creationId xmlns:a16="http://schemas.microsoft.com/office/drawing/2014/main" id="{AF1A7F1D-E2F5-31E0-8529-E05791A42820}"/>
+              </a:ext>
+            </a:extLst>
+          </p:cNvPr>
+          <p:cNvPicPr>
+            <a:picLocks noChangeAspect="1"/>
+          </p:cNvPicPr>
+          <p:nvPr/>
+        </p:nvPicPr>
+        <p:blipFill>
+          <a:blip r:embed="rId2"/>
+          <a:stretch>
+            <a:fillRect/>
+          </a:stretch>
+        </p:blipFill>
+        <p:spPr>
+          <a:xfrm>
+            <a:off x="1087810" y="1124744"/>
+            <a:ext cx="9577064" cy="5220225"/>
+          </a:xfrm>
+          <a:prstGeom prst="rect">
+            <a:avLst/>
+          </a:prstGeom>
+        </p:spPr>
+      </p:pic>
+    </p:spTree>
+    <p:extLst>
+      <p:ext uri="{BB962C8B-B14F-4D97-AF65-F5344CB8AC3E}">
+        <p14:creationId xmlns:p14="http://schemas.microsoft.com/office/powerpoint/2010/main" val="157082165"/>
+      </p:ext>
+    </p:extLst>
+  </p:cSld>
+  <p:clrMapOvr>
+    <a:masterClrMapping/>
+  </p:clrMapOvr>
+</p:sld>
+</file>
+
+<file path=ppt/slides/slide11.xml><?xml version="1.0" encoding="utf-8"?>
+<p:sld xmlns:a="http://schemas.openxmlformats.org/drawingml/2006/main" xmlns:r="http://schemas.openxmlformats.org/officeDocument/2006/relationships" xmlns:p="http://schemas.openxmlformats.org/presentationml/2006/main">
+  <p:cSld>
+    <p:spTree>
+      <p:nvGrpSpPr>
+        <p:cNvPr id="1" name=""/>
+        <p:cNvGrpSpPr/>
+        <p:nvPr/>
+      </p:nvGrpSpPr>
+      <p:grpSpPr>
+        <a:xfrm>
+          <a:off x="0" y="0"/>
+          <a:ext cx="0" cy="0"/>
+          <a:chOff x="0" y="0"/>
+          <a:chExt cx="0" cy="0"/>
+        </a:xfrm>
+      </p:grpSpPr>
+      <p:sp>
+        <p:nvSpPr>
+          <p:cNvPr id="4" name="Rectangle 3">
+            <a:extLst>
+              <a:ext uri="{FF2B5EF4-FFF2-40B4-BE49-F238E27FC236}">
+                <a16:creationId xmlns:a16="http://schemas.microsoft.com/office/drawing/2014/main" id="{6524962B-7610-4EFD-AA5E-DDE403AB8860}"/>
+              </a:ext>
+            </a:extLst>
+          </p:cNvPr>
+          <p:cNvSpPr/>
+          <p:nvPr/>
+        </p:nvSpPr>
+        <p:spPr>
+          <a:xfrm>
+            <a:off x="1524000" y="1"/>
+            <a:ext cx="9144000" cy="584775"/>
+          </a:xfrm>
+          <a:prstGeom prst="rect">
+            <a:avLst/>
+          </a:prstGeom>
+          <a:noFill/>
+        </p:spPr>
+        <p:txBody>
+          <a:bodyPr wrap="square">
+            <a:spAutoFit/>
+          </a:bodyPr>
+          <a:lstStyle/>
+          <a:p>
+            <a:pPr algn="r"/>
+            <a:r>
+              <a:rPr lang="en-US" sz="3200" i="1" dirty="0">
+                <a:solidFill>
+                  <a:srgbClr val="FF9900"/>
+                </a:solidFill>
+                <a:latin typeface="Arial" pitchFamily="34" charset="0"/>
+                <a:cs typeface="Arial" pitchFamily="34" charset="0"/>
+              </a:rPr>
+              <a:t>Variety </a:t>
+            </a:r>
+            <a:endParaRPr lang="en-IN" sz="3200" i="1" dirty="0">
+              <a:solidFill>
+                <a:srgbClr val="FF9900"/>
+              </a:solidFill>
+              <a:latin typeface="Arial" pitchFamily="34" charset="0"/>
+              <a:cs typeface="Arial" pitchFamily="34" charset="0"/>
+            </a:endParaRPr>
+          </a:p>
+        </p:txBody>
+      </p:sp>
+      <p:sp>
+        <p:nvSpPr>
+          <p:cNvPr id="3" name="TextBox 2">
+            <a:extLst>
+              <a:ext uri="{FF2B5EF4-FFF2-40B4-BE49-F238E27FC236}">
+                <a16:creationId xmlns:a16="http://schemas.microsoft.com/office/drawing/2014/main" id="{D7CAC3F6-9750-AAB5-EE8B-FBB6E7ECF339}"/>
+              </a:ext>
+            </a:extLst>
+          </p:cNvPr>
+          <p:cNvSpPr txBox="1"/>
+          <p:nvPr/>
+        </p:nvSpPr>
+        <p:spPr>
+          <a:xfrm>
+            <a:off x="263352" y="850933"/>
+            <a:ext cx="11665296" cy="3477875"/>
+          </a:xfrm>
+          <a:prstGeom prst="rect">
+            <a:avLst/>
+          </a:prstGeom>
+          <a:noFill/>
+        </p:spPr>
+        <p:txBody>
+          <a:bodyPr wrap="square">
+            <a:spAutoFit/>
+          </a:bodyPr>
+          <a:lstStyle/>
+          <a:p>
+            <a:pPr marL="342900" indent="-342900">
+              <a:buFont typeface="Arial" panose="020B0604020202020204" pitchFamily="34" charset="0"/>
+              <a:buChar char="•"/>
+            </a:pPr>
+            <a:r>
+              <a:rPr lang="en-IN" sz="2000" b="1" dirty="0">
+                <a:latin typeface="Arial" panose="020B0604020202020204" pitchFamily="34" charset="0"/>
+                <a:cs typeface="Arial" panose="020B0604020202020204" pitchFamily="34" charset="0"/>
+              </a:rPr>
+              <a:t>Structured data</a:t>
+            </a:r>
+            <a:r>
+              <a:rPr lang="en-IN" sz="2000" dirty="0">
+                <a:latin typeface="Arial" panose="020B0604020202020204" pitchFamily="34" charset="0"/>
+                <a:cs typeface="Arial" panose="020B0604020202020204" pitchFamily="34" charset="0"/>
+              </a:rPr>
+              <a:t>: In Structured schema, along with all the required columns. It is in a tabular form. Structured Data is stored in the relational database management system.</a:t>
+            </a:r>
+          </a:p>
+          <a:p>
+            <a:pPr marL="342900" indent="-342900">
+              <a:buFont typeface="Arial" panose="020B0604020202020204" pitchFamily="34" charset="0"/>
+              <a:buChar char="•"/>
+            </a:pPr>
+            <a:endParaRPr lang="en-IN" sz="2000" dirty="0">
+              <a:latin typeface="Arial" panose="020B0604020202020204" pitchFamily="34" charset="0"/>
+              <a:cs typeface="Arial" panose="020B0604020202020204" pitchFamily="34" charset="0"/>
+            </a:endParaRPr>
+          </a:p>
+          <a:p>
+            <a:pPr marL="342900" indent="-342900">
+              <a:buFont typeface="Arial" panose="020B0604020202020204" pitchFamily="34" charset="0"/>
+              <a:buChar char="•"/>
+            </a:pPr>
+            <a:r>
+              <a:rPr lang="en-IN" sz="2000" b="1" dirty="0">
+                <a:latin typeface="Arial" panose="020B0604020202020204" pitchFamily="34" charset="0"/>
+                <a:cs typeface="Arial" panose="020B0604020202020204" pitchFamily="34" charset="0"/>
+              </a:rPr>
+              <a:t>Semi-structured</a:t>
+            </a:r>
+            <a:r>
+              <a:rPr lang="en-IN" sz="2000" dirty="0">
+                <a:latin typeface="Arial" panose="020B0604020202020204" pitchFamily="34" charset="0"/>
+                <a:cs typeface="Arial" panose="020B0604020202020204" pitchFamily="34" charset="0"/>
+              </a:rPr>
+              <a:t>: In Semi-structured, the schema is not appropriately defined, e.g., JSON, XML, CSV, TSV. It is stored in relations, i.e., tables.</a:t>
+            </a:r>
+          </a:p>
+          <a:p>
+            <a:pPr marL="342900" indent="-342900">
+              <a:buFont typeface="Arial" panose="020B0604020202020204" pitchFamily="34" charset="0"/>
+              <a:buChar char="•"/>
+            </a:pPr>
+            <a:endParaRPr lang="en-IN" sz="2000" dirty="0">
+              <a:latin typeface="Arial" panose="020B0604020202020204" pitchFamily="34" charset="0"/>
+              <a:cs typeface="Arial" panose="020B0604020202020204" pitchFamily="34" charset="0"/>
+            </a:endParaRPr>
+          </a:p>
+          <a:p>
+            <a:pPr marL="342900" indent="-342900">
+              <a:buFont typeface="Arial" panose="020B0604020202020204" pitchFamily="34" charset="0"/>
+              <a:buChar char="•"/>
+            </a:pPr>
+            <a:r>
+              <a:rPr lang="en-IN" sz="2000" b="1" dirty="0">
+                <a:latin typeface="Arial" panose="020B0604020202020204" pitchFamily="34" charset="0"/>
+                <a:cs typeface="Arial" panose="020B0604020202020204" pitchFamily="34" charset="0"/>
+              </a:rPr>
+              <a:t>Unstructured Data</a:t>
+            </a:r>
+            <a:r>
+              <a:rPr lang="en-IN" sz="2000" dirty="0">
+                <a:latin typeface="Arial" panose="020B0604020202020204" pitchFamily="34" charset="0"/>
+                <a:cs typeface="Arial" panose="020B0604020202020204" pitchFamily="34" charset="0"/>
+              </a:rPr>
+              <a:t>: All the unstructured files, log files, audio files, and image files are included in the unstructured </a:t>
+            </a:r>
+            <a:r>
+              <a:rPr lang="en-IN" sz="2000">
+                <a:latin typeface="Arial" panose="020B0604020202020204" pitchFamily="34" charset="0"/>
+                <a:cs typeface="Arial" panose="020B0604020202020204" pitchFamily="34" charset="0"/>
+              </a:rPr>
+              <a:t>data.</a:t>
+            </a:r>
+          </a:p>
+          <a:p>
+            <a:pPr marL="342900" indent="-342900">
+              <a:buFont typeface="Arial" panose="020B0604020202020204" pitchFamily="34" charset="0"/>
+              <a:buChar char="•"/>
+            </a:pPr>
+            <a:endParaRPr lang="en-IN" sz="2000" dirty="0">
+              <a:latin typeface="Arial" panose="020B0604020202020204" pitchFamily="34" charset="0"/>
+              <a:cs typeface="Arial" panose="020B0604020202020204" pitchFamily="34" charset="0"/>
+            </a:endParaRPr>
+          </a:p>
+          <a:p>
+            <a:pPr marL="342900" indent="-342900">
+              <a:buFont typeface="Arial" panose="020B0604020202020204" pitchFamily="34" charset="0"/>
+              <a:buChar char="•"/>
+            </a:pPr>
+            <a:r>
+              <a:rPr lang="en-IN" sz="2000" b="1" dirty="0">
+                <a:latin typeface="Arial" panose="020B0604020202020204" pitchFamily="34" charset="0"/>
+                <a:cs typeface="Arial" panose="020B0604020202020204" pitchFamily="34" charset="0"/>
+              </a:rPr>
+              <a:t>Quasi-structured Data</a:t>
+            </a:r>
+            <a:r>
+              <a:rPr lang="en-IN" sz="2000" dirty="0">
+                <a:latin typeface="Arial" panose="020B0604020202020204" pitchFamily="34" charset="0"/>
+                <a:cs typeface="Arial" panose="020B0604020202020204" pitchFamily="34" charset="0"/>
+              </a:rPr>
+              <a:t>: The data format contains textual data with inconsistent data formats that are formatted with effort and time with some tools.</a:t>
+            </a:r>
+          </a:p>
+        </p:txBody>
+      </p:sp>
+    </p:spTree>
+    <p:extLst>
+      <p:ext uri="{BB962C8B-B14F-4D97-AF65-F5344CB8AC3E}">
+        <p14:creationId xmlns:p14="http://schemas.microsoft.com/office/powerpoint/2010/main" val="1095015284"/>
+      </p:ext>
+    </p:extLst>
+  </p:cSld>
+  <p:clrMapOvr>
+    <a:masterClrMapping/>
+  </p:clrMapOvr>
+</p:sld>
+</file>
+
+<file path=ppt/slides/slide12.xml><?xml version="1.0" encoding="utf-8"?>
+<p:sld xmlns:a="http://schemas.openxmlformats.org/drawingml/2006/main" xmlns:r="http://schemas.openxmlformats.org/officeDocument/2006/relationships" xmlns:p="http://schemas.openxmlformats.org/presentationml/2006/main">
+  <p:cSld>
+    <p:spTree>
+      <p:nvGrpSpPr>
+        <p:cNvPr id="1" name=""/>
+        <p:cNvGrpSpPr/>
+        <p:nvPr/>
+      </p:nvGrpSpPr>
+      <p:grpSpPr>
+        <a:xfrm>
+          <a:off x="0" y="0"/>
+          <a:ext cx="0" cy="0"/>
+          <a:chOff x="0" y="0"/>
+          <a:chExt cx="0" cy="0"/>
+        </a:xfrm>
+      </p:grpSpPr>
+      <p:sp>
+        <p:nvSpPr>
+          <p:cNvPr id="4" name="Rectangle 3">
+            <a:extLst>
+              <a:ext uri="{FF2B5EF4-FFF2-40B4-BE49-F238E27FC236}">
+                <a16:creationId xmlns:a16="http://schemas.microsoft.com/office/drawing/2014/main" id="{6524962B-7610-4EFD-AA5E-DDE403AB8860}"/>
+              </a:ext>
+            </a:extLst>
+          </p:cNvPr>
+          <p:cNvSpPr/>
+          <p:nvPr/>
+        </p:nvSpPr>
+        <p:spPr>
+          <a:xfrm>
+            <a:off x="1524000" y="1"/>
+            <a:ext cx="9144000" cy="584775"/>
+          </a:xfrm>
+          <a:prstGeom prst="rect">
+            <a:avLst/>
+          </a:prstGeom>
+          <a:noFill/>
+        </p:spPr>
+        <p:txBody>
+          <a:bodyPr wrap="square">
+            <a:spAutoFit/>
+          </a:bodyPr>
+          <a:lstStyle/>
+          <a:p>
+            <a:pPr algn="r"/>
+            <a:r>
+              <a:rPr lang="en-US" sz="3200" i="1" dirty="0">
+                <a:solidFill>
+                  <a:srgbClr val="FF9900"/>
+                </a:solidFill>
+                <a:latin typeface="Arial" pitchFamily="34" charset="0"/>
+                <a:cs typeface="Arial" pitchFamily="34" charset="0"/>
+              </a:rPr>
+              <a:t>Value</a:t>
+            </a:r>
+            <a:endParaRPr lang="en-IN" sz="3200" i="1" dirty="0">
+              <a:solidFill>
+                <a:srgbClr val="FF9900"/>
+              </a:solidFill>
+              <a:latin typeface="Arial" pitchFamily="34" charset="0"/>
+              <a:cs typeface="Arial" pitchFamily="34" charset="0"/>
+            </a:endParaRPr>
+          </a:p>
+        </p:txBody>
+      </p:sp>
+    </p:spTree>
+    <p:extLst>
+      <p:ext uri="{BB962C8B-B14F-4D97-AF65-F5344CB8AC3E}">
+        <p14:creationId xmlns:p14="http://schemas.microsoft.com/office/powerpoint/2010/main" val="1804314253"/>
+      </p:ext>
+    </p:extLst>
+  </p:cSld>
+  <p:clrMapOvr>
+    <a:masterClrMapping/>
+  </p:clrMapOvr>
+</p:sld>
+</file>
+
+<file path=ppt/slides/slide13.xml><?xml version="1.0" encoding="utf-8"?>
+<p:sld xmlns:a="http://schemas.openxmlformats.org/drawingml/2006/main" xmlns:r="http://schemas.openxmlformats.org/officeDocument/2006/relationships" xmlns:p="http://schemas.openxmlformats.org/presentationml/2006/main">
+  <p:cSld>
+    <p:spTree>
+      <p:nvGrpSpPr>
+        <p:cNvPr id="1" name=""/>
+        <p:cNvGrpSpPr/>
+        <p:nvPr/>
+      </p:nvGrpSpPr>
+      <p:grpSpPr>
+        <a:xfrm>
+          <a:off x="0" y="0"/>
+          <a:ext cx="0" cy="0"/>
+          <a:chOff x="0" y="0"/>
+          <a:chExt cx="0" cy="0"/>
+        </a:xfrm>
+      </p:grpSpPr>
+      <p:sp>
+        <p:nvSpPr>
+          <p:cNvPr id="4" name="Rectangle 3">
+            <a:extLst>
+              <a:ext uri="{FF2B5EF4-FFF2-40B4-BE49-F238E27FC236}">
+                <a16:creationId xmlns:a16="http://schemas.microsoft.com/office/drawing/2014/main" id="{6524962B-7610-4EFD-AA5E-DDE403AB8860}"/>
+              </a:ext>
+            </a:extLst>
+          </p:cNvPr>
+          <p:cNvSpPr/>
+          <p:nvPr/>
+        </p:nvSpPr>
+        <p:spPr>
+          <a:xfrm>
+            <a:off x="1524000" y="1"/>
+            <a:ext cx="9144000" cy="584775"/>
+          </a:xfrm>
+          <a:prstGeom prst="rect">
+            <a:avLst/>
+          </a:prstGeom>
+          <a:noFill/>
+        </p:spPr>
+        <p:txBody>
+          <a:bodyPr wrap="square">
+            <a:spAutoFit/>
+          </a:bodyPr>
+          <a:lstStyle/>
+          <a:p>
+            <a:pPr algn="r"/>
+            <a:r>
+              <a:rPr lang="en-US" sz="3200" i="1" dirty="0">
+                <a:solidFill>
+                  <a:srgbClr val="FF9900"/>
+                </a:solidFill>
+                <a:latin typeface="Arial" pitchFamily="34" charset="0"/>
+                <a:cs typeface="Arial" pitchFamily="34" charset="0"/>
+              </a:rPr>
+              <a:t>Velocity</a:t>
+            </a:r>
+            <a:endParaRPr lang="en-IN" sz="3200" i="1" dirty="0">
+              <a:solidFill>
+                <a:srgbClr val="FF9900"/>
+              </a:solidFill>
+              <a:latin typeface="Arial" pitchFamily="34" charset="0"/>
+              <a:cs typeface="Arial" pitchFamily="34" charset="0"/>
+            </a:endParaRPr>
+          </a:p>
+        </p:txBody>
+      </p:sp>
+    </p:spTree>
+    <p:extLst>
+      <p:ext uri="{BB962C8B-B14F-4D97-AF65-F5344CB8AC3E}">
+        <p14:creationId xmlns:p14="http://schemas.microsoft.com/office/powerpoint/2010/main" val="4166802548"/>
+      </p:ext>
+    </p:extLst>
+  </p:cSld>
+  <p:clrMapOvr>
+    <a:masterClrMapping/>
+  </p:clrMapOvr>
+</p:sld>
+</file>
+
+<file path=ppt/slides/slide2.xml><?xml version="1.0" encoding="utf-8"?>
+<p:sld xmlns:a="http://schemas.openxmlformats.org/drawingml/2006/main" xmlns:r="http://schemas.openxmlformats.org/officeDocument/2006/relationships" xmlns:p="http://schemas.openxmlformats.org/presentationml/2006/main">
+  <p:cSld>
+    <p:spTree>
+      <p:nvGrpSpPr>
+        <p:cNvPr id="1" name=""/>
+        <p:cNvGrpSpPr/>
+        <p:nvPr/>
+      </p:nvGrpSpPr>
+      <p:grpSpPr>
+        <a:xfrm>
+          <a:off x="0" y="0"/>
+          <a:ext cx="0" cy="0"/>
+          <a:chOff x="0" y="0"/>
+          <a:chExt cx="0" cy="0"/>
+        </a:xfrm>
+      </p:grpSpPr>
+      <p:sp>
+        <p:nvSpPr>
           <p:cNvPr id="2" name="Title 1"/>
           <p:cNvSpPr txBox="1">
             <a:spLocks/>
@@ -4002,8 +4499,8 @@
         </p:nvSpPr>
         <p:spPr>
           <a:xfrm>
-            <a:off x="1676400" y="2057400"/>
-            <a:ext cx="8839200" cy="1676400"/>
+            <a:off x="1676400" y="2133600"/>
+            <a:ext cx="8839200" cy="838200"/>
           </a:xfrm>
           <a:prstGeom prst="rect">
             <a:avLst/>
@@ -4029,22 +4526,59 @@
           </a:lstStyle>
           <a:p>
             <a:r>
-              <a:rPr lang="en-US" dirty="0">
+              <a:rPr lang="en-IN" dirty="0">
                 <a:solidFill>
                   <a:srgbClr val="DC525C"/>
                 </a:solidFill>
                 <a:latin typeface="Segoe UI Light" panose="020B0502040204020203" pitchFamily="34" charset="0"/>
                 <a:cs typeface="Segoe UI Light" panose="020B0502040204020203" pitchFamily="34" charset="0"/>
               </a:rPr>
-              <a:t>Basic Concepts of Big</a:t>
-            </a:r>
-          </a:p>
-        </p:txBody>
-      </p:sp>
+              <a:t>What is data?</a:t>
+            </a:r>
+            <a:endParaRPr lang="en-US" dirty="0">
+              <a:solidFill>
+                <a:srgbClr val="DC525C"/>
+              </a:solidFill>
+              <a:latin typeface="Segoe UI Light" panose="020B0502040204020203" pitchFamily="34" charset="0"/>
+              <a:cs typeface="Segoe UI Light" panose="020B0502040204020203" pitchFamily="34" charset="0"/>
+            </a:endParaRPr>
+          </a:p>
+        </p:txBody>
+      </p:sp>
+      <p:pic>
+        <p:nvPicPr>
+          <p:cNvPr id="5" name="Picture 4"/>
+          <p:cNvPicPr>
+            <a:picLocks noChangeAspect="1"/>
+          </p:cNvPicPr>
+          <p:nvPr/>
+        </p:nvPicPr>
+        <p:blipFill>
+          <a:blip r:embed="rId2" cstate="print">
+            <a:extLst>
+              <a:ext uri="{28A0092B-C50C-407E-A947-70E740481C1C}">
+                <a14:useLocalDpi xmlns:a14="http://schemas.microsoft.com/office/drawing/2010/main" val="0"/>
+              </a:ext>
+            </a:extLst>
+          </a:blip>
+          <a:stretch>
+            <a:fillRect/>
+          </a:stretch>
+        </p:blipFill>
+        <p:spPr>
+          <a:xfrm>
+            <a:off x="3896680" y="3435879"/>
+            <a:ext cx="4398640" cy="1837715"/>
+          </a:xfrm>
+          <a:prstGeom prst="rect">
+            <a:avLst/>
+          </a:prstGeom>
+        </p:spPr>
+      </p:pic>
     </p:spTree>
     <p:extLst>
       <p:ext uri="{BB962C8B-B14F-4D97-AF65-F5344CB8AC3E}">
-        <p14:creationId xmlns:p14="http://schemas.microsoft.com/office/powerpoint/2010/main" val="862324416"/>
+        <p14:creationId xmlns:p14="http://schemas.microsoft.com/office/powerpoint/2010/main" val="1235374328"/>
       </p:ext>
     </p:extLst>
   </p:cSld>
@@ -4073,20 +4607,343 @@
       </p:grpSpPr>
       <p:sp>
         <p:nvSpPr>
-          <p:cNvPr id="4" name="Rectangle 3">
-            <a:extLst>
-              <a:ext uri="{FF2B5EF4-FFF2-40B4-BE49-F238E27FC236}">
-                <a16:creationId xmlns:a16="http://schemas.microsoft.com/office/drawing/2014/main" id="{6524962B-7610-4EFD-AA5E-DDE403AB8860}"/>
-              </a:ext>
-            </a:extLst>
-          </p:cNvPr>
+          <p:cNvPr id="3" name="Rectangle 2"/>
           <p:cNvSpPr/>
           <p:nvPr/>
         </p:nvSpPr>
         <p:spPr>
           <a:xfrm>
-            <a:off x="1524000" y="1"/>
-            <a:ext cx="9144000" cy="584775"/>
+            <a:off x="239433" y="758315"/>
+            <a:ext cx="11617207" cy="2739211"/>
+          </a:xfrm>
+          <a:prstGeom prst="rect">
+            <a:avLst/>
+          </a:prstGeom>
+        </p:spPr>
+        <p:txBody>
+          <a:bodyPr wrap="square">
+            <a:spAutoFit/>
+          </a:bodyPr>
+          <a:lstStyle/>
+          <a:p>
+            <a:r>
+              <a:rPr lang="en-US" sz="2200" dirty="0">
+                <a:latin typeface="Arial" pitchFamily="34" charset="0"/>
+                <a:cs typeface="Arial" pitchFamily="34" charset="0"/>
+              </a:rPr>
+              <a:t>Data is any facts that can be stored and that can be processed by a computer.</a:t>
+            </a:r>
+          </a:p>
+          <a:p>
+            <a:endParaRPr lang="en-US" sz="2200" dirty="0">
+              <a:latin typeface="Arial" pitchFamily="34" charset="0"/>
+              <a:cs typeface="Arial" pitchFamily="34" charset="0"/>
+            </a:endParaRPr>
+          </a:p>
+          <a:p>
+            <a:r>
+              <a:rPr lang="en-US" sz="2400" dirty="0">
+                <a:latin typeface="Arial" pitchFamily="34" charset="0"/>
+                <a:cs typeface="Arial" pitchFamily="34" charset="0"/>
+              </a:rPr>
+              <a:t>Data can be in the form of </a:t>
+            </a:r>
+            <a:r>
+              <a:rPr lang="en-US" sz="2800" dirty="0">
+                <a:solidFill>
+                  <a:schemeClr val="bg2">
+                    <a:lumMod val="25000"/>
+                  </a:schemeClr>
+                </a:solidFill>
+                <a:latin typeface="Arial" pitchFamily="34" charset="0"/>
+                <a:cs typeface="Arial" pitchFamily="34" charset="0"/>
+              </a:rPr>
+              <a:t>Text</a:t>
+            </a:r>
+            <a:r>
+              <a:rPr lang="en-US" sz="2800" dirty="0">
+                <a:latin typeface="Arial" pitchFamily="34" charset="0"/>
+                <a:cs typeface="Arial" pitchFamily="34" charset="0"/>
+              </a:rPr>
+              <a:t> or </a:t>
+            </a:r>
+            <a:r>
+              <a:rPr lang="en-US" sz="2800" dirty="0">
+                <a:solidFill>
+                  <a:schemeClr val="bg2">
+                    <a:lumMod val="25000"/>
+                  </a:schemeClr>
+                </a:solidFill>
+                <a:latin typeface="Arial" pitchFamily="34" charset="0"/>
+                <a:cs typeface="Arial" pitchFamily="34" charset="0"/>
+              </a:rPr>
+              <a:t>Multimedia</a:t>
+            </a:r>
+            <a:endParaRPr lang="en-US" sz="3200" dirty="0">
+              <a:solidFill>
+                <a:schemeClr val="bg2">
+                  <a:lumMod val="25000"/>
+                </a:schemeClr>
+              </a:solidFill>
+              <a:latin typeface="Arial" pitchFamily="34" charset="0"/>
+              <a:cs typeface="Arial" pitchFamily="34" charset="0"/>
+            </a:endParaRPr>
+          </a:p>
+          <a:p>
+            <a:endParaRPr lang="en-US" sz="2200" dirty="0">
+              <a:solidFill>
+                <a:srgbClr val="FF0000"/>
+              </a:solidFill>
+              <a:latin typeface="Arial" panose="020B0604020202020204" pitchFamily="34" charset="0"/>
+              <a:cs typeface="Arial" panose="020B0604020202020204" pitchFamily="34" charset="0"/>
+            </a:endParaRPr>
+          </a:p>
+          <a:p>
+            <a:r>
+              <a:rPr lang="en-US" sz="2200" dirty="0">
+                <a:solidFill>
+                  <a:srgbClr val="FF0000"/>
+                </a:solidFill>
+                <a:latin typeface="Arial" panose="020B0604020202020204" pitchFamily="34" charset="0"/>
+                <a:cs typeface="Arial" panose="020B0604020202020204" pitchFamily="34" charset="0"/>
+              </a:rPr>
+              <a:t>e.g.</a:t>
+            </a:r>
+          </a:p>
+          <a:p>
+            <a:endParaRPr lang="en-US" sz="800" dirty="0">
+              <a:latin typeface="Arial" pitchFamily="34" charset="0"/>
+              <a:cs typeface="Arial" pitchFamily="34" charset="0"/>
+            </a:endParaRPr>
+          </a:p>
+          <a:p>
+            <a:pPr marL="457200" indent="-457200">
+              <a:buFont typeface="Arial" panose="020B0604020202020204" pitchFamily="34" charset="0"/>
+              <a:buChar char="•"/>
+            </a:pPr>
+            <a:r>
+              <a:rPr lang="en-US" sz="2000" dirty="0">
+                <a:solidFill>
+                  <a:schemeClr val="bg2">
+                    <a:lumMod val="25000"/>
+                  </a:schemeClr>
+                </a:solidFill>
+                <a:latin typeface="Arial" pitchFamily="34" charset="0"/>
+                <a:cs typeface="Arial" pitchFamily="34" charset="0"/>
+              </a:rPr>
+              <a:t>number</a:t>
+            </a:r>
+            <a:r>
+              <a:rPr lang="en-US" sz="2000" b="1" dirty="0">
+                <a:solidFill>
+                  <a:schemeClr val="bg2">
+                    <a:lumMod val="25000"/>
+                  </a:schemeClr>
+                </a:solidFill>
+                <a:latin typeface="Arial" pitchFamily="34" charset="0"/>
+                <a:cs typeface="Arial" pitchFamily="34" charset="0"/>
+              </a:rPr>
+              <a:t>, </a:t>
+            </a:r>
+            <a:r>
+              <a:rPr lang="en-IN" sz="2000" dirty="0">
+                <a:solidFill>
+                  <a:schemeClr val="bg2">
+                    <a:lumMod val="25000"/>
+                  </a:schemeClr>
+                </a:solidFill>
+                <a:latin typeface="Arial" pitchFamily="34" charset="0"/>
+                <a:cs typeface="Arial" pitchFamily="34" charset="0"/>
+              </a:rPr>
+              <a:t>characters</a:t>
+            </a:r>
+            <a:r>
+              <a:rPr lang="en-US" sz="2000" b="1" dirty="0">
+                <a:solidFill>
+                  <a:schemeClr val="bg2">
+                    <a:lumMod val="25000"/>
+                  </a:schemeClr>
+                </a:solidFill>
+                <a:latin typeface="Arial" pitchFamily="34" charset="0"/>
+                <a:cs typeface="Arial" pitchFamily="34" charset="0"/>
+              </a:rPr>
+              <a:t>, </a:t>
+            </a:r>
+            <a:r>
+              <a:rPr lang="en-US" sz="1600" dirty="0">
+                <a:solidFill>
+                  <a:schemeClr val="bg2">
+                    <a:lumMod val="25000"/>
+                  </a:schemeClr>
+                </a:solidFill>
+                <a:latin typeface="Arial" pitchFamily="34" charset="0"/>
+                <a:cs typeface="Arial" pitchFamily="34" charset="0"/>
+              </a:rPr>
+              <a:t>or</a:t>
+            </a:r>
+            <a:r>
+              <a:rPr lang="en-US" sz="2000" dirty="0">
+                <a:solidFill>
+                  <a:schemeClr val="bg2">
+                    <a:lumMod val="25000"/>
+                  </a:schemeClr>
+                </a:solidFill>
+                <a:latin typeface="Arial" pitchFamily="34" charset="0"/>
+                <a:cs typeface="Arial" pitchFamily="34" charset="0"/>
+              </a:rPr>
+              <a:t> symbol</a:t>
+            </a:r>
+          </a:p>
+          <a:p>
+            <a:pPr marL="457200" indent="-457200">
+              <a:buFont typeface="Arial" panose="020B0604020202020204" pitchFamily="34" charset="0"/>
+              <a:buChar char="•"/>
+            </a:pPr>
+            <a:endParaRPr lang="en-US" sz="800" b="1" dirty="0">
+              <a:solidFill>
+                <a:schemeClr val="bg2">
+                  <a:lumMod val="25000"/>
+                </a:schemeClr>
+              </a:solidFill>
+              <a:latin typeface="Arial" pitchFamily="34" charset="0"/>
+              <a:cs typeface="Arial" pitchFamily="34" charset="0"/>
+            </a:endParaRPr>
+          </a:p>
+          <a:p>
+            <a:pPr marL="457200" indent="-457200">
+              <a:buFont typeface="Arial" panose="020B0604020202020204" pitchFamily="34" charset="0"/>
+              <a:buChar char="•"/>
+            </a:pPr>
+            <a:r>
+              <a:rPr lang="en-US" sz="2000" dirty="0">
+                <a:solidFill>
+                  <a:schemeClr val="bg2">
+                    <a:lumMod val="25000"/>
+                  </a:schemeClr>
+                </a:solidFill>
+                <a:latin typeface="Arial" pitchFamily="34" charset="0"/>
+                <a:cs typeface="Arial" pitchFamily="34" charset="0"/>
+              </a:rPr>
+              <a:t>images</a:t>
+            </a:r>
+            <a:r>
+              <a:rPr lang="en-US" sz="2000" b="1" dirty="0">
+                <a:solidFill>
+                  <a:schemeClr val="bg2">
+                    <a:lumMod val="25000"/>
+                  </a:schemeClr>
+                </a:solidFill>
+                <a:latin typeface="Arial" pitchFamily="34" charset="0"/>
+                <a:cs typeface="Arial" pitchFamily="34" charset="0"/>
+              </a:rPr>
+              <a:t>, </a:t>
+            </a:r>
+            <a:r>
+              <a:rPr lang="en-US" sz="2000" dirty="0">
+                <a:solidFill>
+                  <a:schemeClr val="bg2">
+                    <a:lumMod val="25000"/>
+                  </a:schemeClr>
+                </a:solidFill>
+                <a:latin typeface="Arial" pitchFamily="34" charset="0"/>
+                <a:cs typeface="Arial" pitchFamily="34" charset="0"/>
+              </a:rPr>
+              <a:t>audio</a:t>
+            </a:r>
+            <a:r>
+              <a:rPr lang="en-US" sz="2000" b="1" dirty="0">
+                <a:solidFill>
+                  <a:schemeClr val="bg2">
+                    <a:lumMod val="25000"/>
+                  </a:schemeClr>
+                </a:solidFill>
+                <a:latin typeface="Arial" pitchFamily="34" charset="0"/>
+                <a:cs typeface="Arial" pitchFamily="34" charset="0"/>
+              </a:rPr>
+              <a:t>, </a:t>
+            </a:r>
+            <a:r>
+              <a:rPr lang="en-US" sz="2000" dirty="0">
+                <a:solidFill>
+                  <a:schemeClr val="bg2">
+                    <a:lumMod val="25000"/>
+                  </a:schemeClr>
+                </a:solidFill>
+                <a:latin typeface="Arial" pitchFamily="34" charset="0"/>
+                <a:cs typeface="Arial" pitchFamily="34" charset="0"/>
+              </a:rPr>
+              <a:t>video</a:t>
+            </a:r>
+            <a:r>
+              <a:rPr lang="en-US" sz="2000" b="1" dirty="0">
+                <a:solidFill>
+                  <a:schemeClr val="bg2">
+                    <a:lumMod val="25000"/>
+                  </a:schemeClr>
+                </a:solidFill>
+                <a:latin typeface="Arial" pitchFamily="34" charset="0"/>
+                <a:cs typeface="Arial" pitchFamily="34" charset="0"/>
+              </a:rPr>
+              <a:t>, </a:t>
+            </a:r>
+            <a:r>
+              <a:rPr lang="en-US" sz="1600" dirty="0">
+                <a:solidFill>
+                  <a:schemeClr val="bg2">
+                    <a:lumMod val="25000"/>
+                  </a:schemeClr>
+                </a:solidFill>
+                <a:latin typeface="Arial" pitchFamily="34" charset="0"/>
+                <a:cs typeface="Arial" pitchFamily="34" charset="0"/>
+              </a:rPr>
+              <a:t>or</a:t>
+            </a:r>
+            <a:r>
+              <a:rPr lang="en-US" sz="2000" b="1" dirty="0">
+                <a:solidFill>
+                  <a:schemeClr val="bg2">
+                    <a:lumMod val="25000"/>
+                  </a:schemeClr>
+                </a:solidFill>
+                <a:latin typeface="Arial" pitchFamily="34" charset="0"/>
+                <a:cs typeface="Arial" pitchFamily="34" charset="0"/>
+              </a:rPr>
+              <a:t> </a:t>
+            </a:r>
+            <a:r>
+              <a:rPr lang="en-US" sz="2000" dirty="0">
+                <a:solidFill>
+                  <a:schemeClr val="bg2">
+                    <a:lumMod val="25000"/>
+                  </a:schemeClr>
+                </a:solidFill>
+                <a:latin typeface="Arial" pitchFamily="34" charset="0"/>
+                <a:cs typeface="Arial" pitchFamily="34" charset="0"/>
+              </a:rPr>
+              <a:t>signal</a:t>
+            </a:r>
+            <a:endParaRPr lang="en-US" sz="1600" dirty="0">
+              <a:solidFill>
+                <a:schemeClr val="bg2">
+                  <a:lumMod val="25000"/>
+                </a:schemeClr>
+              </a:solidFill>
+              <a:latin typeface="Arial" pitchFamily="34" charset="0"/>
+              <a:cs typeface="Arial" pitchFamily="34" charset="0"/>
+            </a:endParaRPr>
+          </a:p>
+        </p:txBody>
+      </p:sp>
+      <p:sp>
+        <p:nvSpPr>
+          <p:cNvPr id="5" name="Rectangle 4"/>
+          <p:cNvSpPr/>
+          <p:nvPr/>
+        </p:nvSpPr>
+        <p:spPr>
+          <a:xfrm>
+            <a:off x="1524596" y="4"/>
+            <a:ext cx="9142810" cy="584775"/>
           </a:xfrm>
           <a:prstGeom prst="rect">
             <a:avLst/>
@@ -4101,293 +4958,69 @@
           <a:p>
             <a:pPr algn="r"/>
             <a:r>
-              <a:rPr lang="en-US" sz="3200" i="1" dirty="0">
+              <a:rPr lang="en-IN" sz="3200" i="1" dirty="0">
                 <a:solidFill>
                   <a:srgbClr val="FF9900"/>
                 </a:solidFill>
                 <a:latin typeface="Arial" pitchFamily="34" charset="0"/>
                 <a:cs typeface="Arial" pitchFamily="34" charset="0"/>
               </a:rPr>
-              <a:t>Concept and characteristics of Big Data</a:t>
-            </a:r>
-            <a:endParaRPr lang="en-IN" sz="3200" i="1" dirty="0">
-              <a:solidFill>
-                <a:srgbClr val="FF9900"/>
-              </a:solidFill>
-              <a:latin typeface="Arial" pitchFamily="34" charset="0"/>
-              <a:cs typeface="Arial" pitchFamily="34" charset="0"/>
-            </a:endParaRPr>
-          </a:p>
-        </p:txBody>
-      </p:sp>
-      <p:sp>
-        <p:nvSpPr>
-          <p:cNvPr id="6" name="TextBox 5">
+              <a:t>what is </a:t>
+            </a:r>
+            <a:r>
+              <a:rPr lang="en-US" sz="3200" i="1" dirty="0">
+                <a:solidFill>
+                  <a:srgbClr val="FF9900"/>
+                </a:solidFill>
+                <a:latin typeface="Arial" pitchFamily="34" charset="0"/>
+                <a:cs typeface="Arial" pitchFamily="34" charset="0"/>
+              </a:rPr>
+              <a:t>data </a:t>
+            </a:r>
+            <a:r>
+              <a:rPr lang="en-IN" sz="3200" i="1" dirty="0">
+                <a:solidFill>
+                  <a:srgbClr val="FF9900"/>
+                </a:solidFill>
+                <a:latin typeface="Arial" pitchFamily="34" charset="0"/>
+                <a:cs typeface="Arial" pitchFamily="34" charset="0"/>
+              </a:rPr>
+              <a:t> </a:t>
+            </a:r>
+          </a:p>
+        </p:txBody>
+      </p:sp>
+      <p:pic>
+        <p:nvPicPr>
+          <p:cNvPr id="6" name="Picture 5"/>
+          <p:cNvPicPr>
+            <a:picLocks noChangeAspect="1"/>
+          </p:cNvPicPr>
+          <p:nvPr/>
+        </p:nvPicPr>
+        <p:blipFill>
+          <a:blip r:embed="rId2" cstate="print">
             <a:extLst>
-              <a:ext uri="{FF2B5EF4-FFF2-40B4-BE49-F238E27FC236}">
-                <a16:creationId xmlns:a16="http://schemas.microsoft.com/office/drawing/2014/main" id="{7A4EC6FF-50F3-7757-E8E3-74F1C85A625C}"/>
+              <a:ext uri="{28A0092B-C50C-407E-A947-70E740481C1C}">
+                <a14:useLocalDpi xmlns:a14="http://schemas.microsoft.com/office/drawing/2010/main" val="0"/>
               </a:ext>
             </a:extLst>
-          </p:cNvPr>
-          <p:cNvSpPr txBox="1"/>
-          <p:nvPr/>
-        </p:nvSpPr>
-        <p:spPr>
-          <a:xfrm>
-            <a:off x="191344" y="908720"/>
-            <a:ext cx="11809312" cy="1420325"/>
+          </a:blip>
+          <a:stretch>
+            <a:fillRect/>
+          </a:stretch>
+        </p:blipFill>
+        <p:spPr>
+          <a:xfrm>
+            <a:off x="7896200" y="2626251"/>
+            <a:ext cx="3816424" cy="3972779"/>
           </a:xfrm>
           <a:prstGeom prst="rect">
             <a:avLst/>
           </a:prstGeom>
-          <a:noFill/>
-        </p:spPr>
-        <p:txBody>
-          <a:bodyPr wrap="square">
-            <a:spAutoFit/>
-          </a:bodyPr>
-          <a:lstStyle/>
-          <a:p>
-            <a:pPr>
-              <a:lnSpc>
-                <a:spcPct val="150000"/>
-              </a:lnSpc>
-            </a:pPr>
-            <a:r>
-              <a:rPr lang="en-IN" sz="2000" dirty="0">
-                <a:latin typeface="Arial" panose="020B0604020202020204" pitchFamily="34" charset="0"/>
-                <a:cs typeface="Arial" panose="020B0604020202020204" pitchFamily="34" charset="0"/>
-              </a:rPr>
-              <a:t>Big Data contains a large amount of data that is not being processed by traditional data storage or the processing unit. It is used by many multinational companies to process the data and business of many organizations. The data flow would exceed 150 exabytes per day before replication.</a:t>
-            </a:r>
-          </a:p>
-        </p:txBody>
-      </p:sp>
-      <p:sp>
-        <p:nvSpPr>
-          <p:cNvPr id="9" name="TextBox 8">
-            <a:extLst>
-              <a:ext uri="{FF2B5EF4-FFF2-40B4-BE49-F238E27FC236}">
-                <a16:creationId xmlns:a16="http://schemas.microsoft.com/office/drawing/2014/main" id="{AB4E6DC9-BF67-59E6-9A9C-1C759377F018}"/>
-              </a:ext>
-            </a:extLst>
-          </p:cNvPr>
-          <p:cNvSpPr txBox="1"/>
-          <p:nvPr/>
-        </p:nvSpPr>
-        <p:spPr>
-          <a:xfrm>
-            <a:off x="407368" y="2708920"/>
-            <a:ext cx="11377264" cy="3697872"/>
-          </a:xfrm>
-          <a:prstGeom prst="rect">
-            <a:avLst/>
-          </a:prstGeom>
-          <a:noFill/>
-        </p:spPr>
-        <p:txBody>
-          <a:bodyPr wrap="square">
-            <a:spAutoFit/>
-          </a:bodyPr>
-          <a:lstStyle/>
-          <a:p>
-            <a:pPr algn="just"/>
-            <a:r>
-              <a:rPr lang="en-US" sz="2400" b="0" i="0" dirty="0">
-                <a:solidFill>
-                  <a:srgbClr val="C00000"/>
-                </a:solidFill>
-                <a:effectLst/>
-                <a:latin typeface="Arial" panose="020B0604020202020204" pitchFamily="34" charset="0"/>
-                <a:cs typeface="Arial" panose="020B0604020202020204" pitchFamily="34" charset="0"/>
-              </a:rPr>
-              <a:t>There are five v's of Big Data that explains the characteristics.</a:t>
-            </a:r>
-          </a:p>
-          <a:p>
-            <a:pPr algn="just"/>
-            <a:endParaRPr lang="en-US" sz="2000" b="0" i="0" dirty="0">
-              <a:solidFill>
-                <a:srgbClr val="333333"/>
-              </a:solidFill>
-              <a:effectLst/>
-              <a:latin typeface="Arial" panose="020B0604020202020204" pitchFamily="34" charset="0"/>
-              <a:cs typeface="Arial" panose="020B0604020202020204" pitchFamily="34" charset="0"/>
-            </a:endParaRPr>
-          </a:p>
-          <a:p>
-            <a:pPr algn="just"/>
-            <a:r>
-              <a:rPr lang="en-US" sz="2200" b="0" i="0" dirty="0">
-                <a:solidFill>
-                  <a:srgbClr val="610B4B"/>
-                </a:solidFill>
-                <a:effectLst/>
-                <a:latin typeface="Arial" panose="020B0604020202020204" pitchFamily="34" charset="0"/>
-                <a:cs typeface="Arial" panose="020B0604020202020204" pitchFamily="34" charset="0"/>
-              </a:rPr>
-              <a:t>5 V's of Big Data</a:t>
-            </a:r>
-          </a:p>
-          <a:p>
-            <a:pPr algn="just"/>
-            <a:endParaRPr lang="en-US" sz="2200" b="0" i="0" dirty="0">
-              <a:solidFill>
-                <a:srgbClr val="610B4B"/>
-              </a:solidFill>
-              <a:effectLst/>
-              <a:latin typeface="Arial" panose="020B0604020202020204" pitchFamily="34" charset="0"/>
-              <a:cs typeface="Arial" panose="020B0604020202020204" pitchFamily="34" charset="0"/>
-            </a:endParaRPr>
-          </a:p>
-          <a:p>
-            <a:pPr marL="342900" indent="-342900" algn="just">
-              <a:lnSpc>
-                <a:spcPct val="150000"/>
-              </a:lnSpc>
-              <a:buFont typeface="Arial" panose="020B0604020202020204" pitchFamily="34" charset="0"/>
-              <a:buChar char="•"/>
-            </a:pPr>
-            <a:r>
-              <a:rPr lang="en-US" sz="2000" b="1" i="0" dirty="0">
-                <a:solidFill>
-                  <a:srgbClr val="000000"/>
-                </a:solidFill>
-                <a:effectLst/>
-                <a:latin typeface="Arial" panose="020B0604020202020204" pitchFamily="34" charset="0"/>
-                <a:cs typeface="Arial" panose="020B0604020202020204" pitchFamily="34" charset="0"/>
-              </a:rPr>
-              <a:t>Volume</a:t>
-            </a:r>
-            <a:endParaRPr lang="en-US" sz="2000" b="0" i="0" dirty="0">
-              <a:solidFill>
-                <a:srgbClr val="000000"/>
-              </a:solidFill>
-              <a:effectLst/>
-              <a:latin typeface="Arial" panose="020B0604020202020204" pitchFamily="34" charset="0"/>
-              <a:cs typeface="Arial" panose="020B0604020202020204" pitchFamily="34" charset="0"/>
-            </a:endParaRPr>
-          </a:p>
-          <a:p>
-            <a:pPr marL="342900" indent="-342900" algn="just">
-              <a:lnSpc>
-                <a:spcPct val="150000"/>
-              </a:lnSpc>
-              <a:buFont typeface="Arial" panose="020B0604020202020204" pitchFamily="34" charset="0"/>
-              <a:buChar char="•"/>
-            </a:pPr>
-            <a:r>
-              <a:rPr lang="en-US" sz="2000" b="1" i="0" dirty="0">
-                <a:solidFill>
-                  <a:srgbClr val="000000"/>
-                </a:solidFill>
-                <a:effectLst/>
-                <a:latin typeface="Arial" panose="020B0604020202020204" pitchFamily="34" charset="0"/>
-                <a:cs typeface="Arial" panose="020B0604020202020204" pitchFamily="34" charset="0"/>
-              </a:rPr>
-              <a:t>Veracity</a:t>
-            </a:r>
-            <a:endParaRPr lang="en-US" sz="2000" b="0" i="0" dirty="0">
-              <a:solidFill>
-                <a:srgbClr val="000000"/>
-              </a:solidFill>
-              <a:effectLst/>
-              <a:latin typeface="Arial" panose="020B0604020202020204" pitchFamily="34" charset="0"/>
-              <a:cs typeface="Arial" panose="020B0604020202020204" pitchFamily="34" charset="0"/>
-            </a:endParaRPr>
-          </a:p>
-          <a:p>
-            <a:pPr marL="342900" indent="-342900" algn="just">
-              <a:lnSpc>
-                <a:spcPct val="150000"/>
-              </a:lnSpc>
-              <a:buFont typeface="Arial" panose="020B0604020202020204" pitchFamily="34" charset="0"/>
-              <a:buChar char="•"/>
-            </a:pPr>
-            <a:r>
-              <a:rPr lang="en-US" sz="2000" b="1" i="0" dirty="0">
-                <a:solidFill>
-                  <a:srgbClr val="000000"/>
-                </a:solidFill>
-                <a:effectLst/>
-                <a:latin typeface="Arial" panose="020B0604020202020204" pitchFamily="34" charset="0"/>
-                <a:cs typeface="Arial" panose="020B0604020202020204" pitchFamily="34" charset="0"/>
-              </a:rPr>
-              <a:t>Variety</a:t>
-            </a:r>
-            <a:endParaRPr lang="en-US" sz="2000" b="0" i="0" dirty="0">
-              <a:solidFill>
-                <a:srgbClr val="000000"/>
-              </a:solidFill>
-              <a:effectLst/>
-              <a:latin typeface="Arial" panose="020B0604020202020204" pitchFamily="34" charset="0"/>
-              <a:cs typeface="Arial" panose="020B0604020202020204" pitchFamily="34" charset="0"/>
-            </a:endParaRPr>
-          </a:p>
-          <a:p>
-            <a:pPr marL="342900" indent="-342900" algn="just">
-              <a:lnSpc>
-                <a:spcPct val="150000"/>
-              </a:lnSpc>
-              <a:buFont typeface="Arial" panose="020B0604020202020204" pitchFamily="34" charset="0"/>
-              <a:buChar char="•"/>
-            </a:pPr>
-            <a:r>
-              <a:rPr lang="en-US" sz="2000" b="1" i="0" dirty="0">
-                <a:solidFill>
-                  <a:srgbClr val="000000"/>
-                </a:solidFill>
-                <a:effectLst/>
-                <a:latin typeface="Arial" panose="020B0604020202020204" pitchFamily="34" charset="0"/>
-                <a:cs typeface="Arial" panose="020B0604020202020204" pitchFamily="34" charset="0"/>
-              </a:rPr>
-              <a:t>Value</a:t>
-            </a:r>
-            <a:endParaRPr lang="en-US" sz="2000" b="0" i="0" dirty="0">
-              <a:solidFill>
-                <a:srgbClr val="000000"/>
-              </a:solidFill>
-              <a:effectLst/>
-              <a:latin typeface="Arial" panose="020B0604020202020204" pitchFamily="34" charset="0"/>
-              <a:cs typeface="Arial" panose="020B0604020202020204" pitchFamily="34" charset="0"/>
-            </a:endParaRPr>
-          </a:p>
-          <a:p>
-            <a:pPr marL="342900" indent="-342900" algn="just">
-              <a:lnSpc>
-                <a:spcPct val="150000"/>
-              </a:lnSpc>
-              <a:buFont typeface="Arial" panose="020B0604020202020204" pitchFamily="34" charset="0"/>
-              <a:buChar char="•"/>
-            </a:pPr>
-            <a:r>
-              <a:rPr lang="en-US" sz="2000" b="1" i="0" dirty="0">
-                <a:solidFill>
-                  <a:srgbClr val="000000"/>
-                </a:solidFill>
-                <a:effectLst/>
-                <a:latin typeface="Arial" panose="020B0604020202020204" pitchFamily="34" charset="0"/>
-                <a:cs typeface="Arial" panose="020B0604020202020204" pitchFamily="34" charset="0"/>
-              </a:rPr>
-              <a:t>Velocity</a:t>
-            </a:r>
-            <a:endParaRPr lang="en-US" sz="2000" b="0" i="0" dirty="0">
-              <a:solidFill>
-                <a:srgbClr val="000000"/>
-              </a:solidFill>
-              <a:effectLst/>
-              <a:latin typeface="Arial" panose="020B0604020202020204" pitchFamily="34" charset="0"/>
-              <a:cs typeface="Arial" panose="020B0604020202020204" pitchFamily="34" charset="0"/>
-            </a:endParaRPr>
-          </a:p>
-        </p:txBody>
-      </p:sp>
+        </p:spPr>
+      </p:pic>
     </p:spTree>
-    <p:extLst>
-      <p:ext uri="{BB962C8B-B14F-4D97-AF65-F5344CB8AC3E}">
-        <p14:creationId xmlns:p14="http://schemas.microsoft.com/office/powerpoint/2010/main" val="3232024903"/>
-      </p:ext>
-    </p:extLst>
   </p:cSld>
   <p:clrMapOvr>
     <a:masterClrMapping/>
@@ -4414,316 +5047,64 @@
       </p:grpSpPr>
       <p:sp>
         <p:nvSpPr>
-          <p:cNvPr id="4" name="Rectangle 3">
-            <a:extLst>
-              <a:ext uri="{FF2B5EF4-FFF2-40B4-BE49-F238E27FC236}">
-                <a16:creationId xmlns:a16="http://schemas.microsoft.com/office/drawing/2014/main" id="{6524962B-7610-4EFD-AA5E-DDE403AB8860}"/>
-              </a:ext>
-            </a:extLst>
-          </p:cNvPr>
-          <p:cNvSpPr/>
+          <p:cNvPr id="2" name="Title 1"/>
+          <p:cNvSpPr txBox="1">
+            <a:spLocks/>
+          </p:cNvSpPr>
           <p:nvPr/>
         </p:nvSpPr>
         <p:spPr>
           <a:xfrm>
-            <a:off x="1524000" y="1"/>
-            <a:ext cx="9144000" cy="584775"/>
+            <a:off x="1676400" y="2133600"/>
+            <a:ext cx="8839200" cy="838200"/>
           </a:xfrm>
           <a:prstGeom prst="rect">
             <a:avLst/>
           </a:prstGeom>
-          <a:noFill/>
-        </p:spPr>
-        <p:txBody>
-          <a:bodyPr wrap="square">
-            <a:spAutoFit/>
+        </p:spPr>
+        <p:txBody>
+          <a:bodyPr>
+            <a:noAutofit/>
           </a:bodyPr>
-          <a:lstStyle/>
-          <a:p>
-            <a:pPr algn="r"/>
-            <a:r>
-              <a:rPr lang="en-US" sz="3200" i="1" dirty="0">
-                <a:solidFill>
-                  <a:srgbClr val="FF9900"/>
-                </a:solidFill>
+          <a:lstStyle>
+            <a:defPPr>
+              <a:defRPr lang="en-US"/>
+            </a:defPPr>
+            <a:lvl1pPr lvl="0" algn="ctr">
+              <a:spcBef>
+                <a:spcPct val="0"/>
+              </a:spcBef>
+              <a:defRPr sz="4800">
                 <a:latin typeface="Arial" pitchFamily="34" charset="0"/>
                 <a:cs typeface="Arial" pitchFamily="34" charset="0"/>
-              </a:rPr>
-              <a:t>Volume</a:t>
-            </a:r>
-            <a:endParaRPr lang="en-IN" sz="3200" i="1" dirty="0">
+              </a:defRPr>
+            </a:lvl1pPr>
+          </a:lstStyle>
+          <a:p>
+            <a:r>
+              <a:rPr lang="en-IN" dirty="0">
+                <a:solidFill>
+                  <a:srgbClr val="DC525C"/>
+                </a:solidFill>
+                <a:latin typeface="Segoe UI Light" panose="020B0502040204020203" pitchFamily="34" charset="0"/>
+                <a:cs typeface="Segoe UI Light" panose="020B0502040204020203" pitchFamily="34" charset="0"/>
+              </a:rPr>
+              <a:t>What is big data?</a:t>
+            </a:r>
+            <a:endParaRPr lang="en-US" dirty="0">
               <a:solidFill>
-                <a:srgbClr val="FF9900"/>
+                <a:srgbClr val="DC525C"/>
               </a:solidFill>
-              <a:latin typeface="Arial" pitchFamily="34" charset="0"/>
-              <a:cs typeface="Arial" pitchFamily="34" charset="0"/>
+              <a:latin typeface="Segoe UI Light" panose="020B0502040204020203" pitchFamily="34" charset="0"/>
+              <a:cs typeface="Segoe UI Light" panose="020B0502040204020203" pitchFamily="34" charset="0"/>
             </a:endParaRPr>
-          </a:p>
-        </p:txBody>
-      </p:sp>
-      <p:sp>
-        <p:nvSpPr>
-          <p:cNvPr id="3" name="TextBox 2">
-            <a:extLst>
-              <a:ext uri="{FF2B5EF4-FFF2-40B4-BE49-F238E27FC236}">
-                <a16:creationId xmlns:a16="http://schemas.microsoft.com/office/drawing/2014/main" id="{0BD80FA2-0692-8C0A-410E-6B42560A0A5E}"/>
-              </a:ext>
-            </a:extLst>
-          </p:cNvPr>
-          <p:cNvSpPr txBox="1"/>
-          <p:nvPr/>
-        </p:nvSpPr>
-        <p:spPr>
-          <a:xfrm>
-            <a:off x="263352" y="1086979"/>
-            <a:ext cx="11521280" cy="3170099"/>
-          </a:xfrm>
-          <a:prstGeom prst="rect">
-            <a:avLst/>
-          </a:prstGeom>
-          <a:noFill/>
-        </p:spPr>
-        <p:txBody>
-          <a:bodyPr wrap="square">
-            <a:spAutoFit/>
-          </a:bodyPr>
-          <a:lstStyle/>
-          <a:p>
-            <a:pPr marL="342900" indent="-342900" algn="just">
-              <a:buFont typeface="Arial" panose="020B0604020202020204" pitchFamily="34" charset="0"/>
-              <a:buChar char="•"/>
-            </a:pPr>
-            <a:r>
-              <a:rPr lang="en-US" sz="2000" b="0" i="0" dirty="0">
-                <a:solidFill>
-                  <a:srgbClr val="333333"/>
-                </a:solidFill>
-                <a:effectLst/>
-                <a:latin typeface="Arial" panose="020B0604020202020204" pitchFamily="34" charset="0"/>
-                <a:cs typeface="Arial" panose="020B0604020202020204" pitchFamily="34" charset="0"/>
-              </a:rPr>
-              <a:t>The name Big Data itself is related to an enormous size.</a:t>
-            </a:r>
-          </a:p>
-          <a:p>
-            <a:pPr marL="342900" indent="-342900" algn="just">
-              <a:buFont typeface="Arial" panose="020B0604020202020204" pitchFamily="34" charset="0"/>
-              <a:buChar char="•"/>
-            </a:pPr>
-            <a:endParaRPr lang="en-US" sz="2000" b="0" i="0" dirty="0">
-              <a:solidFill>
-                <a:srgbClr val="333333"/>
-              </a:solidFill>
-              <a:effectLst/>
-              <a:latin typeface="Arial" panose="020B0604020202020204" pitchFamily="34" charset="0"/>
-              <a:cs typeface="Arial" panose="020B0604020202020204" pitchFamily="34" charset="0"/>
-            </a:endParaRPr>
-          </a:p>
-          <a:p>
-            <a:pPr marL="342900" indent="-342900" algn="just">
-              <a:buFont typeface="Arial" panose="020B0604020202020204" pitchFamily="34" charset="0"/>
-              <a:buChar char="•"/>
-            </a:pPr>
-            <a:r>
-              <a:rPr lang="en-US" sz="2000" b="0" i="0" dirty="0">
-                <a:solidFill>
-                  <a:srgbClr val="333333"/>
-                </a:solidFill>
-                <a:effectLst/>
-                <a:latin typeface="Arial" panose="020B0604020202020204" pitchFamily="34" charset="0"/>
-                <a:cs typeface="Arial" panose="020B0604020202020204" pitchFamily="34" charset="0"/>
-              </a:rPr>
-              <a:t>Big Data is a vast 'volumes' of data generated from many sources daily, such as </a:t>
-            </a:r>
-            <a:r>
-              <a:rPr lang="en-US" sz="2000" b="1" i="0" dirty="0">
-                <a:solidFill>
-                  <a:srgbClr val="333333"/>
-                </a:solidFill>
-                <a:effectLst/>
-                <a:latin typeface="Arial" panose="020B0604020202020204" pitchFamily="34" charset="0"/>
-                <a:cs typeface="Arial" panose="020B0604020202020204" pitchFamily="34" charset="0"/>
-              </a:rPr>
-              <a:t>business processes, machines, social media platforms, networks, human interactions,</a:t>
-            </a:r>
-            <a:r>
-              <a:rPr lang="en-US" sz="2000" b="0" i="0" dirty="0">
-                <a:solidFill>
-                  <a:srgbClr val="333333"/>
-                </a:solidFill>
-                <a:effectLst/>
-                <a:latin typeface="Arial" panose="020B0604020202020204" pitchFamily="34" charset="0"/>
-                <a:cs typeface="Arial" panose="020B0604020202020204" pitchFamily="34" charset="0"/>
-              </a:rPr>
-              <a:t> and many more.</a:t>
-            </a:r>
-          </a:p>
-          <a:p>
-            <a:pPr marL="342900" indent="-342900" algn="just">
-              <a:buFont typeface="Arial" panose="020B0604020202020204" pitchFamily="34" charset="0"/>
-              <a:buChar char="•"/>
-            </a:pPr>
-            <a:endParaRPr lang="en-US" sz="2000" b="0" i="0" dirty="0">
-              <a:solidFill>
-                <a:srgbClr val="333333"/>
-              </a:solidFill>
-              <a:effectLst/>
-              <a:latin typeface="Arial" panose="020B0604020202020204" pitchFamily="34" charset="0"/>
-              <a:cs typeface="Arial" panose="020B0604020202020204" pitchFamily="34" charset="0"/>
-            </a:endParaRPr>
-          </a:p>
-          <a:p>
-            <a:pPr marL="342900" indent="-342900" algn="just">
-              <a:buFont typeface="Arial" panose="020B0604020202020204" pitchFamily="34" charset="0"/>
-              <a:buChar char="•"/>
-            </a:pPr>
-            <a:r>
-              <a:rPr lang="en-US" sz="2000" b="1" i="0" dirty="0">
-                <a:solidFill>
-                  <a:srgbClr val="333333"/>
-                </a:solidFill>
-                <a:effectLst/>
-                <a:latin typeface="Arial" panose="020B0604020202020204" pitchFamily="34" charset="0"/>
-                <a:cs typeface="Arial" panose="020B0604020202020204" pitchFamily="34" charset="0"/>
-              </a:rPr>
-              <a:t>Facebook</a:t>
-            </a:r>
-            <a:r>
-              <a:rPr lang="en-US" sz="2000" b="0" i="0" dirty="0">
-                <a:solidFill>
-                  <a:srgbClr val="333333"/>
-                </a:solidFill>
-                <a:effectLst/>
-                <a:latin typeface="Arial" panose="020B0604020202020204" pitchFamily="34" charset="0"/>
-                <a:cs typeface="Arial" panose="020B0604020202020204" pitchFamily="34" charset="0"/>
-              </a:rPr>
-              <a:t> can generate approximately a </a:t>
-            </a:r>
-            <a:r>
-              <a:rPr lang="en-US" sz="2000" b="1" i="0" dirty="0">
-                <a:solidFill>
-                  <a:srgbClr val="333333"/>
-                </a:solidFill>
-                <a:effectLst/>
-                <a:latin typeface="Arial" panose="020B0604020202020204" pitchFamily="34" charset="0"/>
-                <a:cs typeface="Arial" panose="020B0604020202020204" pitchFamily="34" charset="0"/>
-              </a:rPr>
-              <a:t>billion</a:t>
-            </a:r>
-            <a:r>
-              <a:rPr lang="en-US" sz="2000" b="0" i="0" dirty="0">
-                <a:solidFill>
-                  <a:srgbClr val="333333"/>
-                </a:solidFill>
-                <a:effectLst/>
-                <a:latin typeface="Arial" panose="020B0604020202020204" pitchFamily="34" charset="0"/>
-                <a:cs typeface="Arial" panose="020B0604020202020204" pitchFamily="34" charset="0"/>
-              </a:rPr>
-              <a:t> messages, </a:t>
-            </a:r>
-            <a:r>
-              <a:rPr lang="en-US" sz="2000" b="1" i="0" dirty="0">
-                <a:solidFill>
-                  <a:srgbClr val="333333"/>
-                </a:solidFill>
-                <a:effectLst/>
-                <a:latin typeface="Arial" panose="020B0604020202020204" pitchFamily="34" charset="0"/>
-                <a:cs typeface="Arial" panose="020B0604020202020204" pitchFamily="34" charset="0"/>
-              </a:rPr>
-              <a:t>4.5 billion</a:t>
-            </a:r>
-            <a:r>
-              <a:rPr lang="en-US" sz="2000" b="0" i="0" dirty="0">
-                <a:solidFill>
-                  <a:srgbClr val="333333"/>
-                </a:solidFill>
-                <a:effectLst/>
-                <a:latin typeface="Arial" panose="020B0604020202020204" pitchFamily="34" charset="0"/>
-                <a:cs typeface="Arial" panose="020B0604020202020204" pitchFamily="34" charset="0"/>
-              </a:rPr>
-              <a:t> times that the "</a:t>
-            </a:r>
-            <a:r>
-              <a:rPr lang="en-US" sz="2000" b="1" i="0" dirty="0">
-                <a:solidFill>
-                  <a:srgbClr val="333333"/>
-                </a:solidFill>
-                <a:effectLst/>
-                <a:latin typeface="Arial" panose="020B0604020202020204" pitchFamily="34" charset="0"/>
-                <a:cs typeface="Arial" panose="020B0604020202020204" pitchFamily="34" charset="0"/>
-              </a:rPr>
-              <a:t>Like</a:t>
-            </a:r>
-            <a:r>
-              <a:rPr lang="en-US" sz="2000" b="0" i="0" dirty="0">
-                <a:solidFill>
-                  <a:srgbClr val="333333"/>
-                </a:solidFill>
-                <a:effectLst/>
-                <a:latin typeface="Arial" panose="020B0604020202020204" pitchFamily="34" charset="0"/>
-                <a:cs typeface="Arial" panose="020B0604020202020204" pitchFamily="34" charset="0"/>
-              </a:rPr>
-              <a:t>" button is recorded, and more than </a:t>
-            </a:r>
-            <a:r>
-              <a:rPr lang="en-US" sz="2000" b="1" i="0" dirty="0">
-                <a:solidFill>
-                  <a:srgbClr val="333333"/>
-                </a:solidFill>
-                <a:effectLst/>
-                <a:latin typeface="Arial" panose="020B0604020202020204" pitchFamily="34" charset="0"/>
-                <a:cs typeface="Arial" panose="020B0604020202020204" pitchFamily="34" charset="0"/>
-              </a:rPr>
-              <a:t>350 million</a:t>
-            </a:r>
-            <a:r>
-              <a:rPr lang="en-US" sz="2000" b="0" i="0" dirty="0">
-                <a:solidFill>
-                  <a:srgbClr val="333333"/>
-                </a:solidFill>
-                <a:effectLst/>
-                <a:latin typeface="Arial" panose="020B0604020202020204" pitchFamily="34" charset="0"/>
-                <a:cs typeface="Arial" panose="020B0604020202020204" pitchFamily="34" charset="0"/>
-              </a:rPr>
-              <a:t> new posts are uploaded each day. </a:t>
-            </a:r>
-          </a:p>
-          <a:p>
-            <a:pPr marL="342900" indent="-342900" algn="just">
-              <a:buFont typeface="Arial" panose="020B0604020202020204" pitchFamily="34" charset="0"/>
-              <a:buChar char="•"/>
-            </a:pPr>
-            <a:endParaRPr lang="en-US" sz="2000" dirty="0">
-              <a:solidFill>
-                <a:srgbClr val="333333"/>
-              </a:solidFill>
-              <a:latin typeface="Arial" panose="020B0604020202020204" pitchFamily="34" charset="0"/>
-              <a:cs typeface="Arial" panose="020B0604020202020204" pitchFamily="34" charset="0"/>
-            </a:endParaRPr>
-          </a:p>
-          <a:p>
-            <a:pPr marL="342900" indent="-342900" algn="just">
-              <a:buFont typeface="Arial" panose="020B0604020202020204" pitchFamily="34" charset="0"/>
-              <a:buChar char="•"/>
-            </a:pPr>
-            <a:r>
-              <a:rPr lang="en-US" sz="2000" b="0" i="0" dirty="0">
-                <a:solidFill>
-                  <a:srgbClr val="333333"/>
-                </a:solidFill>
-                <a:effectLst/>
-                <a:latin typeface="Arial" panose="020B0604020202020204" pitchFamily="34" charset="0"/>
-                <a:cs typeface="Arial" panose="020B0604020202020204" pitchFamily="34" charset="0"/>
-              </a:rPr>
-              <a:t>Big data technologies can handle large amounts of data.</a:t>
-            </a:r>
           </a:p>
         </p:txBody>
       </p:sp>
     </p:spTree>
     <p:extLst>
       <p:ext uri="{BB962C8B-B14F-4D97-AF65-F5344CB8AC3E}">
-        <p14:creationId xmlns:p14="http://schemas.microsoft.com/office/powerpoint/2010/main" val="255849756"/>
+        <p14:creationId xmlns:p14="http://schemas.microsoft.com/office/powerpoint/2010/main" val="3930946044"/>
       </p:ext>
     </p:extLst>
   </p:cSld>
@@ -4752,20 +5133,74 @@
       </p:grpSpPr>
       <p:sp>
         <p:nvSpPr>
-          <p:cNvPr id="4" name="Rectangle 3">
-            <a:extLst>
-              <a:ext uri="{FF2B5EF4-FFF2-40B4-BE49-F238E27FC236}">
-                <a16:creationId xmlns:a16="http://schemas.microsoft.com/office/drawing/2014/main" id="{6524962B-7610-4EFD-AA5E-DDE403AB8860}"/>
-              </a:ext>
-            </a:extLst>
-          </p:cNvPr>
+          <p:cNvPr id="3" name="Rectangle 2"/>
           <p:cNvSpPr/>
           <p:nvPr/>
         </p:nvSpPr>
         <p:spPr>
           <a:xfrm>
-            <a:off x="1524000" y="1"/>
-            <a:ext cx="9144000" cy="584775"/>
+            <a:off x="239433" y="758315"/>
+            <a:ext cx="11617207" cy="2247859"/>
+          </a:xfrm>
+          <a:prstGeom prst="rect">
+            <a:avLst/>
+          </a:prstGeom>
+        </p:spPr>
+        <p:txBody>
+          <a:bodyPr wrap="square">
+            <a:spAutoFit/>
+          </a:bodyPr>
+          <a:lstStyle/>
+          <a:p>
+            <a:pPr>
+              <a:lnSpc>
+                <a:spcPct val="150000"/>
+              </a:lnSpc>
+            </a:pPr>
+            <a:r>
+              <a:rPr lang="en-US" sz="2400" b="1" i="0" dirty="0">
+                <a:solidFill>
+                  <a:srgbClr val="222222"/>
+                </a:solidFill>
+                <a:effectLst/>
+                <a:latin typeface="Arial" panose="020B0604020202020204" pitchFamily="34" charset="0"/>
+                <a:cs typeface="Arial" panose="020B0604020202020204" pitchFamily="34" charset="0"/>
+              </a:rPr>
+              <a:t>Big Data</a:t>
+            </a:r>
+            <a:r>
+              <a:rPr lang="en-US" sz="2400" b="0" i="0" dirty="0">
+                <a:solidFill>
+                  <a:srgbClr val="222222"/>
+                </a:solidFill>
+                <a:effectLst/>
+                <a:latin typeface="Arial" panose="020B0604020202020204" pitchFamily="34" charset="0"/>
+                <a:cs typeface="Arial" panose="020B0604020202020204" pitchFamily="34" charset="0"/>
+              </a:rPr>
+              <a:t> is a collection of data that is huge in volume, yet growing exponentially with time. It is a data with so large size and complexity that none of traditional data management tools can store it or process it efficiently. Big data is also a data but with huge size.</a:t>
+            </a:r>
+            <a:endParaRPr lang="en-US" sz="1600" dirty="0">
+              <a:solidFill>
+                <a:schemeClr val="bg2">
+                  <a:lumMod val="25000"/>
+                </a:schemeClr>
+              </a:solidFill>
+              <a:latin typeface="Arial" panose="020B0604020202020204" pitchFamily="34" charset="0"/>
+              <a:cs typeface="Arial" pitchFamily="34" charset="0"/>
+            </a:endParaRPr>
+          </a:p>
+        </p:txBody>
+      </p:sp>
+      <p:sp>
+        <p:nvSpPr>
+          <p:cNvPr id="5" name="Rectangle 4"/>
+          <p:cNvSpPr/>
+          <p:nvPr/>
+        </p:nvSpPr>
+        <p:spPr>
+          <a:xfrm>
+            <a:off x="1524596" y="4"/>
+            <a:ext cx="9142810" cy="584775"/>
           </a:xfrm>
           <a:prstGeom prst="rect">
             <a:avLst/>
@@ -4780,29 +5215,42 @@
           <a:p>
             <a:pPr algn="r"/>
             <a:r>
-              <a:rPr lang="en-US" sz="3200" i="1" dirty="0">
+              <a:rPr lang="en-IN" sz="3200" i="1" dirty="0">
                 <a:solidFill>
                   <a:srgbClr val="FF9900"/>
                 </a:solidFill>
                 <a:latin typeface="Arial" pitchFamily="34" charset="0"/>
                 <a:cs typeface="Arial" pitchFamily="34" charset="0"/>
               </a:rPr>
-              <a:t>Veracity</a:t>
-            </a:r>
-            <a:endParaRPr lang="en-IN" sz="3200" i="1" dirty="0">
-              <a:solidFill>
-                <a:srgbClr val="FF9900"/>
-              </a:solidFill>
-              <a:latin typeface="Arial" pitchFamily="34" charset="0"/>
-              <a:cs typeface="Arial" pitchFamily="34" charset="0"/>
-            </a:endParaRPr>
+              <a:t>what is big </a:t>
+            </a:r>
+            <a:r>
+              <a:rPr lang="en-US" sz="3200" i="1" dirty="0">
+                <a:solidFill>
+                  <a:srgbClr val="FF9900"/>
+                </a:solidFill>
+                <a:latin typeface="Arial" pitchFamily="34" charset="0"/>
+                <a:cs typeface="Arial" pitchFamily="34" charset="0"/>
+              </a:rPr>
+              <a:t>data </a:t>
+            </a:r>
+            <a:r>
+              <a:rPr lang="en-IN" sz="3200" i="1" dirty="0">
+                <a:solidFill>
+                  <a:srgbClr val="FF9900"/>
+                </a:solidFill>
+                <a:latin typeface="Arial" pitchFamily="34" charset="0"/>
+                <a:cs typeface="Arial" pitchFamily="34" charset="0"/>
+              </a:rPr>
+              <a:t> </a:t>
+            </a:r>
           </a:p>
         </p:txBody>
       </p:sp>
     </p:spTree>
     <p:extLst>
       <p:ext uri="{BB962C8B-B14F-4D97-AF65-F5344CB8AC3E}">
-        <p14:creationId xmlns:p14="http://schemas.microsoft.com/office/powerpoint/2010/main" val="2413428036"/>
+        <p14:creationId xmlns:p14="http://schemas.microsoft.com/office/powerpoint/2010/main" val="1282666908"/>
       </p:ext>
     </p:extLst>
   </p:cSld>
@@ -4813,7 +5261,7 @@
 </file>
 
 <file path=ppt/slides/slide6.xml><?xml version="1.0" encoding="utf-8"?>
-<p:sld xmlns:a="http://schemas.openxmlformats.org/drawingml/2006/main" xmlns:r="http://schemas.openxmlformats.org/officeDocument/2006/relationships" xmlns:p="http://schemas.openxmlformats.org/presentationml/2006/main">
+<p:sld xmlns:a="http://schemas.openxmlformats.org/drawingml/2006/main" xmlns:r="http://schemas.openxmlformats.org/officeDocument/2006/relationships" xmlns:p="http://schemas.openxmlformats.org/presentationml/2006/main" showMasterSp="0">
   <p:cSld>
     <p:spTree>
       <p:nvGrpSpPr>
@@ -4831,57 +5279,57 @@
       </p:grpSpPr>
       <p:sp>
         <p:nvSpPr>
-          <p:cNvPr id="4" name="Rectangle 3">
-            <a:extLst>
-              <a:ext uri="{FF2B5EF4-FFF2-40B4-BE49-F238E27FC236}">
-                <a16:creationId xmlns:a16="http://schemas.microsoft.com/office/drawing/2014/main" id="{6524962B-7610-4EFD-AA5E-DDE403AB8860}"/>
-              </a:ext>
-            </a:extLst>
-          </p:cNvPr>
-          <p:cNvSpPr/>
+          <p:cNvPr id="2" name="Title 1"/>
+          <p:cNvSpPr txBox="1">
+            <a:spLocks/>
+          </p:cNvSpPr>
           <p:nvPr/>
         </p:nvSpPr>
         <p:spPr>
           <a:xfrm>
-            <a:off x="1524000" y="1"/>
-            <a:ext cx="9144000" cy="584775"/>
+            <a:off x="1676400" y="2057400"/>
+            <a:ext cx="8839200" cy="1676400"/>
           </a:xfrm>
           <a:prstGeom prst="rect">
             <a:avLst/>
           </a:prstGeom>
-          <a:noFill/>
-        </p:spPr>
-        <p:txBody>
-          <a:bodyPr wrap="square">
-            <a:spAutoFit/>
+        </p:spPr>
+        <p:txBody>
+          <a:bodyPr>
+            <a:noAutofit/>
           </a:bodyPr>
-          <a:lstStyle/>
-          <a:p>
-            <a:pPr algn="r"/>
-            <a:r>
-              <a:rPr lang="en-US" sz="3200" i="1" dirty="0">
-                <a:solidFill>
-                  <a:srgbClr val="FF9900"/>
-                </a:solidFill>
+          <a:lstStyle>
+            <a:defPPr>
+              <a:defRPr lang="en-US"/>
+            </a:defPPr>
+            <a:lvl1pPr lvl="0" algn="ctr">
+              <a:spcBef>
+                <a:spcPct val="0"/>
+              </a:spcBef>
+              <a:defRPr sz="4800">
                 <a:latin typeface="Arial" pitchFamily="34" charset="0"/>
                 <a:cs typeface="Arial" pitchFamily="34" charset="0"/>
-              </a:rPr>
-              <a:t>Variety </a:t>
-            </a:r>
-            <a:endParaRPr lang="en-IN" sz="3200" i="1" dirty="0">
-              <a:solidFill>
-                <a:srgbClr val="FF9900"/>
-              </a:solidFill>
-              <a:latin typeface="Arial" pitchFamily="34" charset="0"/>
-              <a:cs typeface="Arial" pitchFamily="34" charset="0"/>
-            </a:endParaRPr>
+              </a:defRPr>
+            </a:lvl1pPr>
+          </a:lstStyle>
+          <a:p>
+            <a:r>
+              <a:rPr lang="en-US" dirty="0">
+                <a:solidFill>
+                  <a:srgbClr val="DC525C"/>
+                </a:solidFill>
+                <a:latin typeface="Segoe UI Light" panose="020B0502040204020203" pitchFamily="34" charset="0"/>
+                <a:cs typeface="Segoe UI Light" panose="020B0502040204020203" pitchFamily="34" charset="0"/>
+              </a:rPr>
+              <a:t>Basic Concepts of Big Data</a:t>
+            </a:r>
           </a:p>
         </p:txBody>
       </p:sp>
     </p:spTree>
     <p:extLst>
       <p:ext uri="{BB962C8B-B14F-4D97-AF65-F5344CB8AC3E}">
-        <p14:creationId xmlns:p14="http://schemas.microsoft.com/office/powerpoint/2010/main" val="157082165"/>
+        <p14:creationId xmlns:p14="http://schemas.microsoft.com/office/powerpoint/2010/main" val="862324416"/>
       </p:ext>
     </p:extLst>
   </p:cSld>
@@ -4945,7 +5393,7 @@
                 <a:latin typeface="Arial" pitchFamily="34" charset="0"/>
                 <a:cs typeface="Arial" pitchFamily="34" charset="0"/>
               </a:rPr>
-              <a:t>Value</a:t>
+              <a:t>Characteristics of Big Data</a:t>
             </a:r>
             <a:endParaRPr lang="en-IN" sz="3200" i="1" dirty="0">
               <a:solidFill>
@@ -4957,10 +5405,272 @@
           </a:p>
         </p:txBody>
       </p:sp>
+      <p:sp>
+        <p:nvSpPr>
+          <p:cNvPr id="6" name="TextBox 5">
+            <a:extLst>
+              <a:ext uri="{FF2B5EF4-FFF2-40B4-BE49-F238E27FC236}">
+                <a16:creationId xmlns:a16="http://schemas.microsoft.com/office/drawing/2014/main" id="{7A4EC6FF-50F3-7757-E8E3-74F1C85A625C}"/>
+              </a:ext>
+            </a:extLst>
+          </p:cNvPr>
+          <p:cNvSpPr txBox="1"/>
+          <p:nvPr/>
+        </p:nvSpPr>
+        <p:spPr>
+          <a:xfrm>
+            <a:off x="191344" y="908720"/>
+            <a:ext cx="11809312" cy="1045223"/>
+          </a:xfrm>
+          <a:prstGeom prst="rect">
+            <a:avLst/>
+          </a:prstGeom>
+          <a:noFill/>
+        </p:spPr>
+        <p:txBody>
+          <a:bodyPr wrap="square">
+            <a:spAutoFit/>
+          </a:bodyPr>
+          <a:lstStyle/>
+          <a:p>
+            <a:pPr>
+              <a:lnSpc>
+                <a:spcPct val="150000"/>
+              </a:lnSpc>
+            </a:pPr>
+            <a:r>
+              <a:rPr lang="en-IN" sz="2200" dirty="0">
+                <a:latin typeface="Arial" panose="020B0604020202020204" pitchFamily="34" charset="0"/>
+                <a:cs typeface="Arial" panose="020B0604020202020204" pitchFamily="34" charset="0"/>
+              </a:rPr>
+              <a:t>It is used by many multinational companies to process the data and business of many organizations. The data flow would exceed 150 exabytes per day before replication.</a:t>
+            </a:r>
+          </a:p>
+        </p:txBody>
+      </p:sp>
+      <p:sp>
+        <p:nvSpPr>
+          <p:cNvPr id="9" name="TextBox 8">
+            <a:extLst>
+              <a:ext uri="{FF2B5EF4-FFF2-40B4-BE49-F238E27FC236}">
+                <a16:creationId xmlns:a16="http://schemas.microsoft.com/office/drawing/2014/main" id="{AB4E6DC9-BF67-59E6-9A9C-1C759377F018}"/>
+              </a:ext>
+            </a:extLst>
+          </p:cNvPr>
+          <p:cNvSpPr txBox="1"/>
+          <p:nvPr/>
+        </p:nvSpPr>
+        <p:spPr>
+          <a:xfrm>
+            <a:off x="407368" y="2420888"/>
+            <a:ext cx="11377264" cy="3297762"/>
+          </a:xfrm>
+          <a:prstGeom prst="rect">
+            <a:avLst/>
+          </a:prstGeom>
+          <a:noFill/>
+        </p:spPr>
+        <p:txBody>
+          <a:bodyPr wrap="square">
+            <a:spAutoFit/>
+          </a:bodyPr>
+          <a:lstStyle/>
+          <a:p>
+            <a:pPr algn="just"/>
+            <a:r>
+              <a:rPr lang="en-US" sz="2400" b="0" i="0" dirty="0">
+                <a:solidFill>
+                  <a:srgbClr val="C00000"/>
+                </a:solidFill>
+                <a:effectLst/>
+                <a:latin typeface="Arial" panose="020B0604020202020204" pitchFamily="34" charset="0"/>
+                <a:cs typeface="Arial" panose="020B0604020202020204" pitchFamily="34" charset="0"/>
+              </a:rPr>
+              <a:t>There are five v's of Big Data that explains the characteristics.</a:t>
+            </a:r>
+          </a:p>
+          <a:p>
+            <a:pPr algn="just"/>
+            <a:endParaRPr lang="en-US" sz="800" b="0" i="0" dirty="0">
+              <a:solidFill>
+                <a:srgbClr val="333333"/>
+              </a:solidFill>
+              <a:effectLst/>
+              <a:latin typeface="Arial" panose="020B0604020202020204" pitchFamily="34" charset="0"/>
+              <a:cs typeface="Arial" panose="020B0604020202020204" pitchFamily="34" charset="0"/>
+            </a:endParaRPr>
+          </a:p>
+          <a:p>
+            <a:pPr algn="just"/>
+            <a:r>
+              <a:rPr lang="en-US" sz="2200" b="0" i="0" dirty="0">
+                <a:solidFill>
+                  <a:srgbClr val="610B4B"/>
+                </a:solidFill>
+                <a:effectLst/>
+                <a:latin typeface="Arial" panose="020B0604020202020204" pitchFamily="34" charset="0"/>
+                <a:cs typeface="Arial" panose="020B0604020202020204" pitchFamily="34" charset="0"/>
+              </a:rPr>
+              <a:t>5 V's of Big Data</a:t>
+            </a:r>
+          </a:p>
+          <a:p>
+            <a:pPr algn="just"/>
+            <a:endParaRPr lang="en-US" sz="800" b="0" i="0" dirty="0">
+              <a:solidFill>
+                <a:srgbClr val="610B4B"/>
+              </a:solidFill>
+              <a:effectLst/>
+              <a:latin typeface="Arial" panose="020B0604020202020204" pitchFamily="34" charset="0"/>
+              <a:cs typeface="Arial" panose="020B0604020202020204" pitchFamily="34" charset="0"/>
+            </a:endParaRPr>
+          </a:p>
+          <a:p>
+            <a:pPr marL="342900" indent="-342900" algn="just">
+              <a:lnSpc>
+                <a:spcPct val="150000"/>
+              </a:lnSpc>
+              <a:buFont typeface="Arial" panose="020B0604020202020204" pitchFamily="34" charset="0"/>
+              <a:buChar char="•"/>
+            </a:pPr>
+            <a:r>
+              <a:rPr lang="en-US" sz="2000" b="1" i="0" dirty="0">
+                <a:solidFill>
+                  <a:srgbClr val="000000"/>
+                </a:solidFill>
+                <a:effectLst/>
+                <a:latin typeface="Arial" panose="020B0604020202020204" pitchFamily="34" charset="0"/>
+                <a:cs typeface="Arial" panose="020B0604020202020204" pitchFamily="34" charset="0"/>
+              </a:rPr>
+              <a:t>Volume</a:t>
+            </a:r>
+            <a:endParaRPr lang="en-US" sz="2000" b="0" i="0" dirty="0">
+              <a:solidFill>
+                <a:srgbClr val="000000"/>
+              </a:solidFill>
+              <a:effectLst/>
+              <a:latin typeface="Arial" panose="020B0604020202020204" pitchFamily="34" charset="0"/>
+              <a:cs typeface="Arial" panose="020B0604020202020204" pitchFamily="34" charset="0"/>
+            </a:endParaRPr>
+          </a:p>
+          <a:p>
+            <a:pPr marL="342900" indent="-342900" algn="just">
+              <a:lnSpc>
+                <a:spcPct val="150000"/>
+              </a:lnSpc>
+              <a:buFont typeface="Arial" panose="020B0604020202020204" pitchFamily="34" charset="0"/>
+              <a:buChar char="•"/>
+            </a:pPr>
+            <a:r>
+              <a:rPr lang="en-US" sz="2000" b="1" i="0" dirty="0">
+                <a:solidFill>
+                  <a:srgbClr val="000000"/>
+                </a:solidFill>
+                <a:effectLst/>
+                <a:latin typeface="Arial" panose="020B0604020202020204" pitchFamily="34" charset="0"/>
+                <a:cs typeface="Arial" panose="020B0604020202020204" pitchFamily="34" charset="0"/>
+              </a:rPr>
+              <a:t>Veracity</a:t>
+            </a:r>
+            <a:endParaRPr lang="en-US" sz="2000" b="0" i="0" dirty="0">
+              <a:solidFill>
+                <a:srgbClr val="000000"/>
+              </a:solidFill>
+              <a:effectLst/>
+              <a:latin typeface="Arial" panose="020B0604020202020204" pitchFamily="34" charset="0"/>
+              <a:cs typeface="Arial" panose="020B0604020202020204" pitchFamily="34" charset="0"/>
+            </a:endParaRPr>
+          </a:p>
+          <a:p>
+            <a:pPr marL="342900" indent="-342900" algn="just">
+              <a:lnSpc>
+                <a:spcPct val="150000"/>
+              </a:lnSpc>
+              <a:buFont typeface="Arial" panose="020B0604020202020204" pitchFamily="34" charset="0"/>
+              <a:buChar char="•"/>
+            </a:pPr>
+            <a:r>
+              <a:rPr lang="en-US" sz="2000" b="1" i="0" dirty="0">
+                <a:solidFill>
+                  <a:srgbClr val="000000"/>
+                </a:solidFill>
+                <a:effectLst/>
+                <a:latin typeface="Arial" panose="020B0604020202020204" pitchFamily="34" charset="0"/>
+                <a:cs typeface="Arial" panose="020B0604020202020204" pitchFamily="34" charset="0"/>
+              </a:rPr>
+              <a:t>Variety</a:t>
+            </a:r>
+            <a:endParaRPr lang="en-US" sz="2000" b="0" i="0" dirty="0">
+              <a:solidFill>
+                <a:srgbClr val="000000"/>
+              </a:solidFill>
+              <a:effectLst/>
+              <a:latin typeface="Arial" panose="020B0604020202020204" pitchFamily="34" charset="0"/>
+              <a:cs typeface="Arial" panose="020B0604020202020204" pitchFamily="34" charset="0"/>
+            </a:endParaRPr>
+          </a:p>
+          <a:p>
+            <a:pPr marL="342900" indent="-342900" algn="just">
+              <a:lnSpc>
+                <a:spcPct val="150000"/>
+              </a:lnSpc>
+              <a:buFont typeface="Arial" panose="020B0604020202020204" pitchFamily="34" charset="0"/>
+              <a:buChar char="•"/>
+            </a:pPr>
+            <a:r>
+              <a:rPr lang="en-US" sz="2000" b="1" i="0" dirty="0">
+                <a:solidFill>
+                  <a:srgbClr val="000000"/>
+                </a:solidFill>
+                <a:effectLst/>
+                <a:latin typeface="Arial" panose="020B0604020202020204" pitchFamily="34" charset="0"/>
+                <a:cs typeface="Arial" panose="020B0604020202020204" pitchFamily="34" charset="0"/>
+              </a:rPr>
+              <a:t>Value</a:t>
+            </a:r>
+            <a:endParaRPr lang="en-US" sz="2000" b="0" i="0" dirty="0">
+              <a:solidFill>
+                <a:srgbClr val="000000"/>
+              </a:solidFill>
+              <a:effectLst/>
+              <a:latin typeface="Arial" panose="020B0604020202020204" pitchFamily="34" charset="0"/>
+              <a:cs typeface="Arial" panose="020B0604020202020204" pitchFamily="34" charset="0"/>
+            </a:endParaRPr>
+          </a:p>
+          <a:p>
+            <a:pPr marL="342900" indent="-342900" algn="just">
+              <a:lnSpc>
+                <a:spcPct val="150000"/>
+              </a:lnSpc>
+              <a:buFont typeface="Arial" panose="020B0604020202020204" pitchFamily="34" charset="0"/>
+              <a:buChar char="•"/>
+            </a:pPr>
+            <a:r>
+              <a:rPr lang="en-US" sz="2000" b="1" i="0" dirty="0">
+                <a:solidFill>
+                  <a:srgbClr val="000000"/>
+                </a:solidFill>
+                <a:effectLst/>
+                <a:latin typeface="Arial" panose="020B0604020202020204" pitchFamily="34" charset="0"/>
+                <a:cs typeface="Arial" panose="020B0604020202020204" pitchFamily="34" charset="0"/>
+              </a:rPr>
+              <a:t>Velocity</a:t>
+            </a:r>
+            <a:endParaRPr lang="en-US" sz="2000" b="0" i="0" dirty="0">
+              <a:solidFill>
+                <a:srgbClr val="000000"/>
+              </a:solidFill>
+              <a:effectLst/>
+              <a:latin typeface="Arial" panose="020B0604020202020204" pitchFamily="34" charset="0"/>
+              <a:cs typeface="Arial" panose="020B0604020202020204" pitchFamily="34" charset="0"/>
+            </a:endParaRPr>
+          </a:p>
+        </p:txBody>
+      </p:sp>
     </p:spTree>
     <p:extLst>
       <p:ext uri="{BB962C8B-B14F-4D97-AF65-F5344CB8AC3E}">
-        <p14:creationId xmlns:p14="http://schemas.microsoft.com/office/powerpoint/2010/main" val="1804314253"/>
+        <p14:creationId xmlns:p14="http://schemas.microsoft.com/office/powerpoint/2010/main" val="3232024903"/>
       </p:ext>
     </p:extLst>
   </p:cSld>
@@ -5024,7 +5734,7 @@
                 <a:latin typeface="Arial" pitchFamily="34" charset="0"/>
                 <a:cs typeface="Arial" pitchFamily="34" charset="0"/>
               </a:rPr>
-              <a:t>Velocity</a:t>
+              <a:t>Volume</a:t>
             </a:r>
             <a:endParaRPr lang="en-IN" sz="3200" i="1" dirty="0">
               <a:solidFill>
@@ -5036,10 +5746,482 @@
           </a:p>
         </p:txBody>
       </p:sp>
+      <p:sp>
+        <p:nvSpPr>
+          <p:cNvPr id="3" name="TextBox 2">
+            <a:extLst>
+              <a:ext uri="{FF2B5EF4-FFF2-40B4-BE49-F238E27FC236}">
+                <a16:creationId xmlns:a16="http://schemas.microsoft.com/office/drawing/2014/main" id="{0BD80FA2-0692-8C0A-410E-6B42560A0A5E}"/>
+              </a:ext>
+            </a:extLst>
+          </p:cNvPr>
+          <p:cNvSpPr txBox="1"/>
+          <p:nvPr/>
+        </p:nvSpPr>
+        <p:spPr>
+          <a:xfrm>
+            <a:off x="263352" y="2366878"/>
+            <a:ext cx="11521280" cy="2862322"/>
+          </a:xfrm>
+          <a:prstGeom prst="rect">
+            <a:avLst/>
+          </a:prstGeom>
+          <a:noFill/>
+        </p:spPr>
+        <p:txBody>
+          <a:bodyPr wrap="square">
+            <a:spAutoFit/>
+          </a:bodyPr>
+          <a:lstStyle/>
+          <a:p>
+            <a:pPr marL="342900" indent="-342900" algn="just">
+              <a:buFont typeface="Arial" panose="020B0604020202020204" pitchFamily="34" charset="0"/>
+              <a:buChar char="•"/>
+            </a:pPr>
+            <a:r>
+              <a:rPr lang="en-US" sz="2000" b="0" i="0" dirty="0">
+                <a:solidFill>
+                  <a:srgbClr val="333333"/>
+                </a:solidFill>
+                <a:effectLst/>
+                <a:latin typeface="Arial" panose="020B0604020202020204" pitchFamily="34" charset="0"/>
+                <a:cs typeface="Arial" panose="020B0604020202020204" pitchFamily="34" charset="0"/>
+              </a:rPr>
+              <a:t>Big Data is a vast 'volumes' of data generated from many sources daily, such as </a:t>
+            </a:r>
+            <a:r>
+              <a:rPr lang="en-US" sz="2000" b="1" i="0" dirty="0">
+                <a:solidFill>
+                  <a:srgbClr val="333333"/>
+                </a:solidFill>
+                <a:effectLst/>
+                <a:latin typeface="Arial" panose="020B0604020202020204" pitchFamily="34" charset="0"/>
+                <a:cs typeface="Arial" panose="020B0604020202020204" pitchFamily="34" charset="0"/>
+              </a:rPr>
+              <a:t>business processes, machines, social media platforms, networks, human interactions,</a:t>
+            </a:r>
+            <a:r>
+              <a:rPr lang="en-US" sz="2000" b="0" i="0" dirty="0">
+                <a:solidFill>
+                  <a:srgbClr val="333333"/>
+                </a:solidFill>
+                <a:effectLst/>
+                <a:latin typeface="Arial" panose="020B0604020202020204" pitchFamily="34" charset="0"/>
+                <a:cs typeface="Arial" panose="020B0604020202020204" pitchFamily="34" charset="0"/>
+              </a:rPr>
+              <a:t> and many more.</a:t>
+            </a:r>
+          </a:p>
+          <a:p>
+            <a:pPr marL="342900" indent="-342900" algn="just">
+              <a:buFont typeface="Arial" panose="020B0604020202020204" pitchFamily="34" charset="0"/>
+              <a:buChar char="•"/>
+            </a:pPr>
+            <a:endParaRPr lang="en-US" sz="2000" b="0" i="0" dirty="0">
+              <a:solidFill>
+                <a:srgbClr val="333333"/>
+              </a:solidFill>
+              <a:effectLst/>
+              <a:latin typeface="Arial" panose="020B0604020202020204" pitchFamily="34" charset="0"/>
+              <a:cs typeface="Arial" panose="020B0604020202020204" pitchFamily="34" charset="0"/>
+            </a:endParaRPr>
+          </a:p>
+          <a:p>
+            <a:pPr marL="342900" indent="-342900" algn="just">
+              <a:buFont typeface="Arial" panose="020B0604020202020204" pitchFamily="34" charset="0"/>
+              <a:buChar char="•"/>
+            </a:pPr>
+            <a:r>
+              <a:rPr lang="en-US" sz="2000" b="1" i="0" dirty="0">
+                <a:solidFill>
+                  <a:srgbClr val="333333"/>
+                </a:solidFill>
+                <a:effectLst/>
+                <a:latin typeface="Arial" panose="020B0604020202020204" pitchFamily="34" charset="0"/>
+                <a:cs typeface="Arial" panose="020B0604020202020204" pitchFamily="34" charset="0"/>
+              </a:rPr>
+              <a:t>Facebook</a:t>
+            </a:r>
+            <a:r>
+              <a:rPr lang="en-US" sz="2000" b="0" i="0" dirty="0">
+                <a:solidFill>
+                  <a:srgbClr val="333333"/>
+                </a:solidFill>
+                <a:effectLst/>
+                <a:latin typeface="Arial" panose="020B0604020202020204" pitchFamily="34" charset="0"/>
+                <a:cs typeface="Arial" panose="020B0604020202020204" pitchFamily="34" charset="0"/>
+              </a:rPr>
+              <a:t> can generate approximately a </a:t>
+            </a:r>
+            <a:r>
+              <a:rPr lang="en-US" sz="2000" b="1" i="0" dirty="0">
+                <a:solidFill>
+                  <a:srgbClr val="333333"/>
+                </a:solidFill>
+                <a:effectLst/>
+                <a:latin typeface="Arial" panose="020B0604020202020204" pitchFamily="34" charset="0"/>
+                <a:cs typeface="Arial" panose="020B0604020202020204" pitchFamily="34" charset="0"/>
+              </a:rPr>
+              <a:t>billion</a:t>
+            </a:r>
+            <a:r>
+              <a:rPr lang="en-US" sz="2000" b="0" i="0" dirty="0">
+                <a:solidFill>
+                  <a:srgbClr val="333333"/>
+                </a:solidFill>
+                <a:effectLst/>
+                <a:latin typeface="Arial" panose="020B0604020202020204" pitchFamily="34" charset="0"/>
+                <a:cs typeface="Arial" panose="020B0604020202020204" pitchFamily="34" charset="0"/>
+              </a:rPr>
+              <a:t> messages, </a:t>
+            </a:r>
+          </a:p>
+          <a:p>
+            <a:pPr marL="342900" indent="-342900" algn="just">
+              <a:buFont typeface="Arial" panose="020B0604020202020204" pitchFamily="34" charset="0"/>
+              <a:buChar char="•"/>
+            </a:pPr>
+            <a:endParaRPr lang="en-US" sz="2000" dirty="0">
+              <a:solidFill>
+                <a:srgbClr val="333333"/>
+              </a:solidFill>
+              <a:latin typeface="Arial" panose="020B0604020202020204" pitchFamily="34" charset="0"/>
+              <a:cs typeface="Arial" panose="020B0604020202020204" pitchFamily="34" charset="0"/>
+            </a:endParaRPr>
+          </a:p>
+          <a:p>
+            <a:pPr marL="342900" indent="-342900" algn="just">
+              <a:buFont typeface="Arial" panose="020B0604020202020204" pitchFamily="34" charset="0"/>
+              <a:buChar char="•"/>
+            </a:pPr>
+            <a:r>
+              <a:rPr lang="en-US" sz="2000" b="1" i="0" dirty="0">
+                <a:solidFill>
+                  <a:srgbClr val="333333"/>
+                </a:solidFill>
+                <a:effectLst/>
+                <a:latin typeface="Arial" panose="020B0604020202020204" pitchFamily="34" charset="0"/>
+                <a:cs typeface="Arial" panose="020B0604020202020204" pitchFamily="34" charset="0"/>
+              </a:rPr>
+              <a:t>Billion</a:t>
+            </a:r>
+            <a:r>
+              <a:rPr lang="en-US" sz="2000" b="0" i="0" dirty="0">
+                <a:solidFill>
+                  <a:srgbClr val="333333"/>
+                </a:solidFill>
+                <a:effectLst/>
+                <a:latin typeface="Arial" panose="020B0604020202020204" pitchFamily="34" charset="0"/>
+                <a:cs typeface="Arial" panose="020B0604020202020204" pitchFamily="34" charset="0"/>
+              </a:rPr>
+              <a:t> times that the "</a:t>
+            </a:r>
+            <a:r>
+              <a:rPr lang="en-US" sz="2000" b="1" i="0" dirty="0">
+                <a:solidFill>
+                  <a:srgbClr val="333333"/>
+                </a:solidFill>
+                <a:effectLst/>
+                <a:latin typeface="Arial" panose="020B0604020202020204" pitchFamily="34" charset="0"/>
+                <a:cs typeface="Arial" panose="020B0604020202020204" pitchFamily="34" charset="0"/>
+              </a:rPr>
+              <a:t>Like</a:t>
+            </a:r>
+            <a:r>
+              <a:rPr lang="en-US" sz="2000" b="0" i="0" dirty="0">
+                <a:solidFill>
+                  <a:srgbClr val="333333"/>
+                </a:solidFill>
+                <a:effectLst/>
+                <a:latin typeface="Arial" panose="020B0604020202020204" pitchFamily="34" charset="0"/>
+                <a:cs typeface="Arial" panose="020B0604020202020204" pitchFamily="34" charset="0"/>
+              </a:rPr>
+              <a:t>" button is recorded, </a:t>
+            </a:r>
+          </a:p>
+          <a:p>
+            <a:pPr marL="342900" indent="-342900" algn="just">
+              <a:buFont typeface="Arial" panose="020B0604020202020204" pitchFamily="34" charset="0"/>
+              <a:buChar char="•"/>
+            </a:pPr>
+            <a:endParaRPr lang="en-US" sz="2000" dirty="0">
+              <a:solidFill>
+                <a:srgbClr val="333333"/>
+              </a:solidFill>
+              <a:latin typeface="Arial" panose="020B0604020202020204" pitchFamily="34" charset="0"/>
+              <a:cs typeface="Arial" panose="020B0604020202020204" pitchFamily="34" charset="0"/>
+            </a:endParaRPr>
+          </a:p>
+          <a:p>
+            <a:pPr marL="342900" indent="-342900" algn="just">
+              <a:buFont typeface="Arial" panose="020B0604020202020204" pitchFamily="34" charset="0"/>
+              <a:buChar char="•"/>
+            </a:pPr>
+            <a:r>
+              <a:rPr lang="en-US" sz="2000" b="0" i="0" dirty="0">
+                <a:solidFill>
+                  <a:srgbClr val="333333"/>
+                </a:solidFill>
+                <a:effectLst/>
+                <a:latin typeface="Arial" panose="020B0604020202020204" pitchFamily="34" charset="0"/>
+                <a:cs typeface="Arial" panose="020B0604020202020204" pitchFamily="34" charset="0"/>
+              </a:rPr>
+              <a:t>and more than </a:t>
+            </a:r>
+            <a:r>
+              <a:rPr lang="en-US" sz="2000" b="1" i="0" dirty="0">
+                <a:solidFill>
+                  <a:srgbClr val="333333"/>
+                </a:solidFill>
+                <a:effectLst/>
+                <a:latin typeface="Arial" panose="020B0604020202020204" pitchFamily="34" charset="0"/>
+                <a:cs typeface="Arial" panose="020B0604020202020204" pitchFamily="34" charset="0"/>
+              </a:rPr>
+              <a:t>350 million</a:t>
+            </a:r>
+            <a:r>
+              <a:rPr lang="en-US" sz="2000" b="0" i="0" dirty="0">
+                <a:solidFill>
+                  <a:srgbClr val="333333"/>
+                </a:solidFill>
+                <a:effectLst/>
+                <a:latin typeface="Arial" panose="020B0604020202020204" pitchFamily="34" charset="0"/>
+                <a:cs typeface="Arial" panose="020B0604020202020204" pitchFamily="34" charset="0"/>
+              </a:rPr>
+              <a:t> new posts are uploaded each day. </a:t>
+            </a:r>
+          </a:p>
+        </p:txBody>
+      </p:sp>
+      <p:sp>
+        <p:nvSpPr>
+          <p:cNvPr id="5" name="TextBox 4">
+            <a:extLst>
+              <a:ext uri="{FF2B5EF4-FFF2-40B4-BE49-F238E27FC236}">
+                <a16:creationId xmlns:a16="http://schemas.microsoft.com/office/drawing/2014/main" id="{4BBE33AB-BF80-A13E-D5B7-119EB9740A68}"/>
+              </a:ext>
+            </a:extLst>
+          </p:cNvPr>
+          <p:cNvSpPr txBox="1"/>
+          <p:nvPr/>
+        </p:nvSpPr>
+        <p:spPr>
+          <a:xfrm>
+            <a:off x="551384" y="1008355"/>
+            <a:ext cx="11233248" cy="830997"/>
+          </a:xfrm>
+          <a:prstGeom prst="rect">
+            <a:avLst/>
+          </a:prstGeom>
+          <a:noFill/>
+        </p:spPr>
+        <p:txBody>
+          <a:bodyPr wrap="square">
+            <a:spAutoFit/>
+          </a:bodyPr>
+          <a:lstStyle/>
+          <a:p>
+            <a:pPr algn="just"/>
+            <a:r>
+              <a:rPr lang="en-US" sz="2400" b="0" i="0" dirty="0">
+                <a:solidFill>
+                  <a:srgbClr val="C00000"/>
+                </a:solidFill>
+                <a:effectLst/>
+                <a:latin typeface="Arial" panose="020B0604020202020204" pitchFamily="34" charset="0"/>
+                <a:cs typeface="Arial" panose="020B0604020202020204" pitchFamily="34" charset="0"/>
+              </a:rPr>
+              <a:t>The name Big Data itself is related to an enormous size of data. </a:t>
+            </a:r>
+            <a:r>
+              <a:rPr lang="en-US" sz="2400" b="0" i="0" dirty="0">
+                <a:solidFill>
+                  <a:srgbClr val="333333"/>
+                </a:solidFill>
+                <a:effectLst/>
+                <a:latin typeface="Arial" panose="020B0604020202020204" pitchFamily="34" charset="0"/>
+                <a:cs typeface="Arial" panose="020B0604020202020204" pitchFamily="34" charset="0"/>
+              </a:rPr>
+              <a:t>Big data technologies can handle large amounts of data.</a:t>
+            </a:r>
+          </a:p>
+        </p:txBody>
+      </p:sp>
     </p:spTree>
     <p:extLst>
       <p:ext uri="{BB962C8B-B14F-4D97-AF65-F5344CB8AC3E}">
-        <p14:creationId xmlns:p14="http://schemas.microsoft.com/office/powerpoint/2010/main" val="4166802548"/>
+        <p14:creationId xmlns:p14="http://schemas.microsoft.com/office/powerpoint/2010/main" val="255849756"/>
+      </p:ext>
+    </p:extLst>
+  </p:cSld>
+  <p:clrMapOvr>
+    <a:masterClrMapping/>
+  </p:clrMapOvr>
+</p:sld>
+</file>
+
+<file path=ppt/slides/slide9.xml><?xml version="1.0" encoding="utf-8"?>
+<p:sld xmlns:a="http://schemas.openxmlformats.org/drawingml/2006/main" xmlns:r="http://schemas.openxmlformats.org/officeDocument/2006/relationships" xmlns:p="http://schemas.openxmlformats.org/presentationml/2006/main">
+  <p:cSld>
+    <p:spTree>
+      <p:nvGrpSpPr>
+        <p:cNvPr id="1" name=""/>
+        <p:cNvGrpSpPr/>
+        <p:nvPr/>
+      </p:nvGrpSpPr>
+      <p:grpSpPr>
+        <a:xfrm>
+          <a:off x="0" y="0"/>
+          <a:ext cx="0" cy="0"/>
+          <a:chOff x="0" y="0"/>
+          <a:chExt cx="0" cy="0"/>
+        </a:xfrm>
+      </p:grpSpPr>
+      <p:sp>
+        <p:nvSpPr>
+          <p:cNvPr id="4" name="Rectangle 3">
+            <a:extLst>
+              <a:ext uri="{FF2B5EF4-FFF2-40B4-BE49-F238E27FC236}">
+                <a16:creationId xmlns:a16="http://schemas.microsoft.com/office/drawing/2014/main" id="{6524962B-7610-4EFD-AA5E-DDE403AB8860}"/>
+              </a:ext>
+            </a:extLst>
+          </p:cNvPr>
+          <p:cNvSpPr/>
+          <p:nvPr/>
+        </p:nvSpPr>
+        <p:spPr>
+          <a:xfrm>
+            <a:off x="1524000" y="1"/>
+            <a:ext cx="9144000" cy="584775"/>
+          </a:xfrm>
+          <a:prstGeom prst="rect">
+            <a:avLst/>
+          </a:prstGeom>
+          <a:noFill/>
+        </p:spPr>
+        <p:txBody>
+          <a:bodyPr wrap="square">
+            <a:spAutoFit/>
+          </a:bodyPr>
+          <a:lstStyle/>
+          <a:p>
+            <a:pPr algn="r"/>
+            <a:r>
+              <a:rPr lang="en-US" sz="3200" i="1" dirty="0">
+                <a:solidFill>
+                  <a:srgbClr val="FF9900"/>
+                </a:solidFill>
+                <a:latin typeface="Arial" pitchFamily="34" charset="0"/>
+                <a:cs typeface="Arial" pitchFamily="34" charset="0"/>
+              </a:rPr>
+              <a:t>Veracity</a:t>
+            </a:r>
+            <a:endParaRPr lang="en-IN" sz="3200" i="1" dirty="0">
+              <a:solidFill>
+                <a:srgbClr val="FF9900"/>
+              </a:solidFill>
+              <a:latin typeface="Arial" pitchFamily="34" charset="0"/>
+              <a:cs typeface="Arial" pitchFamily="34" charset="0"/>
+            </a:endParaRPr>
+          </a:p>
+        </p:txBody>
+      </p:sp>
+      <p:sp>
+        <p:nvSpPr>
+          <p:cNvPr id="3" name="TextBox 2">
+            <a:extLst>
+              <a:ext uri="{FF2B5EF4-FFF2-40B4-BE49-F238E27FC236}">
+                <a16:creationId xmlns:a16="http://schemas.microsoft.com/office/drawing/2014/main" id="{4B5CEDCA-EEE7-04D8-EDEC-C2FA5EFF6CE5}"/>
+              </a:ext>
+            </a:extLst>
+          </p:cNvPr>
+          <p:cNvSpPr txBox="1"/>
+          <p:nvPr/>
+        </p:nvSpPr>
+        <p:spPr>
+          <a:xfrm>
+            <a:off x="191344" y="215444"/>
+            <a:ext cx="4608512" cy="461665"/>
+          </a:xfrm>
+          <a:prstGeom prst="rect">
+            <a:avLst/>
+          </a:prstGeom>
+          <a:noFill/>
+        </p:spPr>
+        <p:txBody>
+          <a:bodyPr wrap="square">
+            <a:spAutoFit/>
+          </a:bodyPr>
+          <a:lstStyle/>
+          <a:p>
+            <a:r>
+              <a:rPr lang="en-IN" sz="2400" b="0" i="0" u="none" strike="noStrike" dirty="0">
+                <a:solidFill>
+                  <a:srgbClr val="202124"/>
+                </a:solidFill>
+                <a:effectLst/>
+                <a:latin typeface="arial" panose="020B0604020202020204" pitchFamily="34" charset="0"/>
+              </a:rPr>
+              <a:t>Conformity</a:t>
+            </a:r>
+            <a:r>
+              <a:rPr lang="en-IN" sz="2400" b="0" i="0" dirty="0">
+                <a:solidFill>
+                  <a:srgbClr val="202124"/>
+                </a:solidFill>
+                <a:effectLst/>
+                <a:latin typeface="arial" panose="020B0604020202020204" pitchFamily="34" charset="0"/>
+              </a:rPr>
+              <a:t> to facts; accuracy.</a:t>
+            </a:r>
+            <a:endParaRPr lang="en-IN" sz="2400" dirty="0"/>
+          </a:p>
+        </p:txBody>
+      </p:sp>
+      <p:sp>
+        <p:nvSpPr>
+          <p:cNvPr id="5" name="TextBox 4">
+            <a:extLst>
+              <a:ext uri="{FF2B5EF4-FFF2-40B4-BE49-F238E27FC236}">
+                <a16:creationId xmlns:a16="http://schemas.microsoft.com/office/drawing/2014/main" id="{60A76E6C-5DA9-1FE0-BCA5-8C766DE8FD05}"/>
+              </a:ext>
+            </a:extLst>
+          </p:cNvPr>
+          <p:cNvSpPr txBox="1"/>
+          <p:nvPr/>
+        </p:nvSpPr>
+        <p:spPr>
+          <a:xfrm>
+            <a:off x="551384" y="1008355"/>
+            <a:ext cx="11233248" cy="1200329"/>
+          </a:xfrm>
+          <a:prstGeom prst="rect">
+            <a:avLst/>
+          </a:prstGeom>
+          <a:noFill/>
+        </p:spPr>
+        <p:txBody>
+          <a:bodyPr wrap="square">
+            <a:spAutoFit/>
+          </a:bodyPr>
+          <a:lstStyle/>
+          <a:p>
+            <a:pPr algn="just"/>
+            <a:r>
+              <a:rPr lang="en-US" sz="2400" b="0" i="0" dirty="0">
+                <a:effectLst/>
+                <a:latin typeface="Arial" panose="020B0604020202020204" pitchFamily="34" charset="0"/>
+                <a:cs typeface="Arial" panose="020B0604020202020204" pitchFamily="34" charset="0"/>
+              </a:rPr>
+              <a:t>Veracity means how much the data is reliable and accurate. It has many ways to filter the data. Veracity is the process of being able to handle and manage data efficiently.</a:t>
+            </a:r>
+          </a:p>
+        </p:txBody>
+      </p:sp>
+    </p:spTree>
+    <p:extLst>
+      <p:ext uri="{BB962C8B-B14F-4D97-AF65-F5344CB8AC3E}">
+        <p14:creationId xmlns:p14="http://schemas.microsoft.com/office/powerpoint/2010/main" val="2413428036"/>
       </p:ext>
     </p:extLst>
   </p:cSld>

--- a/BIG Data.pptx
+++ b/BIG Data.pptx
@@ -5,7 +5,7 @@
     <p:sldMasterId id="2147483720" r:id="rId1"/>
   </p:sldMasterIdLst>
   <p:notesMasterIdLst>
-    <p:notesMasterId r:id="rId15"/>
+    <p:notesMasterId r:id="rId19"/>
   </p:notesMasterIdLst>
   <p:sldIdLst>
     <p:sldId id="257" r:id="rId2"/>
@@ -18,9 +18,13 @@
     <p:sldId id="1180" r:id="rId9"/>
     <p:sldId id="1181" r:id="rId10"/>
     <p:sldId id="1182" r:id="rId11"/>
-    <p:sldId id="1186" r:id="rId12"/>
-    <p:sldId id="1179" r:id="rId13"/>
-    <p:sldId id="1183" r:id="rId14"/>
+    <p:sldId id="1321" r:id="rId12"/>
+    <p:sldId id="864" r:id="rId13"/>
+    <p:sldId id="1179" r:id="rId14"/>
+    <p:sldId id="1183" r:id="rId15"/>
+    <p:sldId id="1322" r:id="rId16"/>
+    <p:sldId id="1323" r:id="rId17"/>
+    <p:sldId id="1324" r:id="rId18"/>
   </p:sldIdLst>
   <p:sldSz cx="12192000" cy="6858000"/>
   <p:notesSz cx="6858000" cy="9144000"/>
@@ -4068,8 +4072,8 @@
         </p:blipFill>
         <p:spPr>
           <a:xfrm>
-            <a:off x="1087810" y="1124744"/>
-            <a:ext cx="9577064" cy="5220225"/>
+            <a:off x="1127448" y="908720"/>
+            <a:ext cx="9716326" cy="5296133"/>
           </a:xfrm>
           <a:prstGeom prst="rect">
             <a:avLst/>
@@ -4108,10 +4112,270 @@
       </p:grpSpPr>
       <p:sp>
         <p:nvSpPr>
-          <p:cNvPr id="4" name="Rectangle 3">
+          <p:cNvPr id="2" name="AutoShape 4" descr="Big Data">
             <a:extLst>
               <a:ext uri="{FF2B5EF4-FFF2-40B4-BE49-F238E27FC236}">
-                <a16:creationId xmlns:a16="http://schemas.microsoft.com/office/drawing/2014/main" id="{6524962B-7610-4EFD-AA5E-DDE403AB8860}"/>
+                <a16:creationId xmlns:a16="http://schemas.microsoft.com/office/drawing/2014/main" id="{18AD7EE6-ABDB-4214-8FAF-9A686CBFFA71}"/>
+              </a:ext>
+            </a:extLst>
+          </p:cNvPr>
+          <p:cNvSpPr>
+            <a:spLocks noChangeAspect="1" noChangeArrowheads="1"/>
+          </p:cNvSpPr>
+          <p:nvPr/>
+        </p:nvSpPr>
+        <p:spPr bwMode="auto">
+          <a:xfrm>
+            <a:off x="5942807" y="3276600"/>
+            <a:ext cx="304800" cy="304800"/>
+          </a:xfrm>
+          <a:prstGeom prst="rect">
+            <a:avLst/>
+          </a:prstGeom>
+          <a:noFill/>
+          <a:extLst>
+            <a:ext uri="{909E8E84-426E-40DD-AFC4-6F175D3DCCD1}">
+              <a14:hiddenFill xmlns:a14="http://schemas.microsoft.com/office/drawing/2010/main">
+                <a:solidFill>
+                  <a:srgbClr val="FFFFFF"/>
+                </a:solidFill>
+              </a14:hiddenFill>
+            </a:ext>
+          </a:extLst>
+        </p:spPr>
+        <p:txBody>
+          <a:bodyPr vert="horz" wrap="square" lIns="91440" tIns="45720" rIns="91440" bIns="45720" numCol="1" anchor="t" anchorCtr="0" compatLnSpc="1">
+            <a:prstTxWarp prst="textNoShape">
+              <a:avLst/>
+            </a:prstTxWarp>
+          </a:bodyPr>
+          <a:lstStyle/>
+          <a:p>
+            <a:endParaRPr lang="en-IN" dirty="0"/>
+          </a:p>
+        </p:txBody>
+      </p:sp>
+      <p:pic>
+        <p:nvPicPr>
+          <p:cNvPr id="5" name="Picture 4">
+            <a:extLst>
+              <a:ext uri="{FF2B5EF4-FFF2-40B4-BE49-F238E27FC236}">
+                <a16:creationId xmlns:a16="http://schemas.microsoft.com/office/drawing/2014/main" id="{B1118E38-D123-47A0-B778-FE2DF4912987}"/>
+              </a:ext>
+            </a:extLst>
+          </p:cNvPr>
+          <p:cNvPicPr>
+            <a:picLocks noChangeAspect="1"/>
+          </p:cNvPicPr>
+          <p:nvPr/>
+        </p:nvPicPr>
+        <p:blipFill>
+          <a:blip r:embed="rId2" cstate="print"/>
+          <a:stretch>
+            <a:fillRect/>
+          </a:stretch>
+        </p:blipFill>
+        <p:spPr>
+          <a:xfrm>
+            <a:off x="4142582" y="1772817"/>
+            <a:ext cx="3600450" cy="3819525"/>
+          </a:xfrm>
+          <a:prstGeom prst="rect">
+            <a:avLst/>
+          </a:prstGeom>
+        </p:spPr>
+      </p:pic>
+      <p:sp>
+        <p:nvSpPr>
+          <p:cNvPr id="7" name="Rectangle 6">
+            <a:extLst>
+              <a:ext uri="{FF2B5EF4-FFF2-40B4-BE49-F238E27FC236}">
+                <a16:creationId xmlns:a16="http://schemas.microsoft.com/office/drawing/2014/main" id="{77AC5AC2-05EF-4768-BB27-462605F875F9}"/>
+              </a:ext>
+            </a:extLst>
+          </p:cNvPr>
+          <p:cNvSpPr/>
+          <p:nvPr/>
+        </p:nvSpPr>
+        <p:spPr>
+          <a:xfrm>
+            <a:off x="4405946" y="914448"/>
+            <a:ext cx="1851789" cy="369332"/>
+          </a:xfrm>
+          <a:prstGeom prst="rect">
+            <a:avLst/>
+          </a:prstGeom>
+        </p:spPr>
+        <p:txBody>
+          <a:bodyPr wrap="none">
+            <a:spAutoFit/>
+          </a:bodyPr>
+          <a:lstStyle/>
+          <a:p>
+            <a:r>
+              <a:rPr lang="en-US" b="1" i="1" dirty="0">
+                <a:solidFill>
+                  <a:schemeClr val="accent1">
+                    <a:lumMod val="75000"/>
+                  </a:schemeClr>
+                </a:solidFill>
+                <a:latin typeface="Palatino Linotype" panose="02040502050505030304" pitchFamily="18" charset="0"/>
+              </a:rPr>
+              <a:t>Semi-Structured</a:t>
+            </a:r>
+          </a:p>
+        </p:txBody>
+      </p:sp>
+      <p:pic>
+        <p:nvPicPr>
+          <p:cNvPr id="8" name="Picture 7">
+            <a:extLst>
+              <a:ext uri="{FF2B5EF4-FFF2-40B4-BE49-F238E27FC236}">
+                <a16:creationId xmlns:a16="http://schemas.microsoft.com/office/drawing/2014/main" id="{B01FBB5B-3941-4D68-B189-D4C24D6EDCD3}"/>
+              </a:ext>
+            </a:extLst>
+          </p:cNvPr>
+          <p:cNvPicPr>
+            <a:picLocks noChangeAspect="1"/>
+          </p:cNvPicPr>
+          <p:nvPr/>
+        </p:nvPicPr>
+        <p:blipFill>
+          <a:blip r:embed="rId3" cstate="print"/>
+          <a:stretch>
+            <a:fillRect/>
+          </a:stretch>
+        </p:blipFill>
+        <p:spPr>
+          <a:xfrm>
+            <a:off x="407369" y="1409700"/>
+            <a:ext cx="2600325" cy="4038600"/>
+          </a:xfrm>
+          <a:prstGeom prst="rect">
+            <a:avLst/>
+          </a:prstGeom>
+        </p:spPr>
+      </p:pic>
+      <p:pic>
+        <p:nvPicPr>
+          <p:cNvPr id="9" name="Picture 8">
+            <a:extLst>
+              <a:ext uri="{FF2B5EF4-FFF2-40B4-BE49-F238E27FC236}">
+                <a16:creationId xmlns:a16="http://schemas.microsoft.com/office/drawing/2014/main" id="{96593B7E-C28E-4DCF-A380-E4747E28E9D0}"/>
+              </a:ext>
+            </a:extLst>
+          </p:cNvPr>
+          <p:cNvPicPr>
+            <a:picLocks noChangeAspect="1"/>
+          </p:cNvPicPr>
+          <p:nvPr/>
+        </p:nvPicPr>
+        <p:blipFill>
+          <a:blip r:embed="rId4" cstate="print"/>
+          <a:stretch>
+            <a:fillRect/>
+          </a:stretch>
+        </p:blipFill>
+        <p:spPr>
+          <a:xfrm>
+            <a:off x="8536609" y="2343150"/>
+            <a:ext cx="3248025" cy="2476500"/>
+          </a:xfrm>
+          <a:prstGeom prst="rect">
+            <a:avLst/>
+          </a:prstGeom>
+        </p:spPr>
+      </p:pic>
+      <p:sp>
+        <p:nvSpPr>
+          <p:cNvPr id="10" name="Rectangle 9">
+            <a:extLst>
+              <a:ext uri="{FF2B5EF4-FFF2-40B4-BE49-F238E27FC236}">
+                <a16:creationId xmlns:a16="http://schemas.microsoft.com/office/drawing/2014/main" id="{4E5EA228-59D1-459B-944D-844973FAB145}"/>
+              </a:ext>
+            </a:extLst>
+          </p:cNvPr>
+          <p:cNvSpPr/>
+          <p:nvPr/>
+        </p:nvSpPr>
+        <p:spPr>
+          <a:xfrm>
+            <a:off x="767408" y="914448"/>
+            <a:ext cx="1261884" cy="369332"/>
+          </a:xfrm>
+          <a:prstGeom prst="rect">
+            <a:avLst/>
+          </a:prstGeom>
+        </p:spPr>
+        <p:txBody>
+          <a:bodyPr wrap="none">
+            <a:spAutoFit/>
+          </a:bodyPr>
+          <a:lstStyle/>
+          <a:p>
+            <a:r>
+              <a:rPr lang="en-US" b="1" i="1" dirty="0">
+                <a:solidFill>
+                  <a:schemeClr val="accent1">
+                    <a:lumMod val="75000"/>
+                  </a:schemeClr>
+                </a:solidFill>
+                <a:latin typeface="Palatino Linotype" panose="02040502050505030304" pitchFamily="18" charset="0"/>
+              </a:rPr>
+              <a:t>Structured</a:t>
+            </a:r>
+            <a:endParaRPr lang="en-IN" dirty="0"/>
+          </a:p>
+        </p:txBody>
+      </p:sp>
+      <p:sp>
+        <p:nvSpPr>
+          <p:cNvPr id="12" name="Rectangle 11">
+            <a:extLst>
+              <a:ext uri="{FF2B5EF4-FFF2-40B4-BE49-F238E27FC236}">
+                <a16:creationId xmlns:a16="http://schemas.microsoft.com/office/drawing/2014/main" id="{4B533DD1-1B5E-451B-836C-C54940E7FA33}"/>
+              </a:ext>
+            </a:extLst>
+          </p:cNvPr>
+          <p:cNvSpPr/>
+          <p:nvPr/>
+        </p:nvSpPr>
+        <p:spPr>
+          <a:xfrm>
+            <a:off x="8976320" y="920135"/>
+            <a:ext cx="1544012" cy="369332"/>
+          </a:xfrm>
+          <a:prstGeom prst="rect">
+            <a:avLst/>
+          </a:prstGeom>
+        </p:spPr>
+        <p:txBody>
+          <a:bodyPr wrap="none">
+            <a:spAutoFit/>
+          </a:bodyPr>
+          <a:lstStyle/>
+          <a:p>
+            <a:r>
+              <a:rPr lang="en-US" b="1" i="1" dirty="0">
+                <a:solidFill>
+                  <a:schemeClr val="accent1">
+                    <a:lumMod val="75000"/>
+                  </a:schemeClr>
+                </a:solidFill>
+                <a:latin typeface="Palatino Linotype" panose="02040502050505030304" pitchFamily="18" charset="0"/>
+              </a:rPr>
+              <a:t>Unstructured</a:t>
+            </a:r>
+            <a:endParaRPr lang="en-IN" dirty="0"/>
+          </a:p>
+        </p:txBody>
+      </p:sp>
+      <p:sp>
+        <p:nvSpPr>
+          <p:cNvPr id="3" name="Rectangle 2">
+            <a:extLst>
+              <a:ext uri="{FF2B5EF4-FFF2-40B4-BE49-F238E27FC236}">
+                <a16:creationId xmlns:a16="http://schemas.microsoft.com/office/drawing/2014/main" id="{A0E59B27-ACC8-FE63-F904-CF7318D5C223}"/>
               </a:ext>
             </a:extLst>
           </p:cNvPr>
@@ -4155,156 +4419,10 @@
           </a:p>
         </p:txBody>
       </p:sp>
-      <p:sp>
-        <p:nvSpPr>
-          <p:cNvPr id="3" name="TextBox 2">
-            <a:extLst>
-              <a:ext uri="{FF2B5EF4-FFF2-40B4-BE49-F238E27FC236}">
-                <a16:creationId xmlns:a16="http://schemas.microsoft.com/office/drawing/2014/main" id="{D7CAC3F6-9750-AAB5-EE8B-FBB6E7ECF339}"/>
-              </a:ext>
-            </a:extLst>
-          </p:cNvPr>
-          <p:cNvSpPr txBox="1"/>
-          <p:nvPr/>
-        </p:nvSpPr>
-        <p:spPr>
-          <a:xfrm>
-            <a:off x="263352" y="850933"/>
-            <a:ext cx="11665296" cy="3477875"/>
-          </a:xfrm>
-          <a:prstGeom prst="rect">
-            <a:avLst/>
-          </a:prstGeom>
-          <a:noFill/>
-        </p:spPr>
-        <p:txBody>
-          <a:bodyPr wrap="square">
-            <a:spAutoFit/>
-          </a:bodyPr>
-          <a:lstStyle/>
-          <a:p>
-            <a:pPr marL="342900" indent="-342900">
-              <a:buFont typeface="Arial" panose="020B0604020202020204" pitchFamily="34" charset="0"/>
-              <a:buChar char="•"/>
-            </a:pPr>
-            <a:r>
-              <a:rPr lang="en-IN" sz="2000" b="1" dirty="0">
-                <a:latin typeface="Arial" panose="020B0604020202020204" pitchFamily="34" charset="0"/>
-                <a:cs typeface="Arial" panose="020B0604020202020204" pitchFamily="34" charset="0"/>
-              </a:rPr>
-              <a:t>Structured data</a:t>
-            </a:r>
-            <a:r>
-              <a:rPr lang="en-IN" sz="2000" dirty="0">
-                <a:latin typeface="Arial" panose="020B0604020202020204" pitchFamily="34" charset="0"/>
-                <a:cs typeface="Arial" panose="020B0604020202020204" pitchFamily="34" charset="0"/>
-              </a:rPr>
-              <a:t>: In Structured schema, along with all the required columns. It is in a tabular form. Structured Data is stored in the relational database management system.</a:t>
-            </a:r>
-          </a:p>
-          <a:p>
-            <a:pPr marL="342900" indent="-342900">
-              <a:buFont typeface="Arial" panose="020B0604020202020204" pitchFamily="34" charset="0"/>
-              <a:buChar char="•"/>
-            </a:pPr>
-            <a:endParaRPr lang="en-IN" sz="2000" dirty="0">
-              <a:latin typeface="Arial" panose="020B0604020202020204" pitchFamily="34" charset="0"/>
-              <a:cs typeface="Arial" panose="020B0604020202020204" pitchFamily="34" charset="0"/>
-            </a:endParaRPr>
-          </a:p>
-          <a:p>
-            <a:pPr marL="342900" indent="-342900">
-              <a:buFont typeface="Arial" panose="020B0604020202020204" pitchFamily="34" charset="0"/>
-              <a:buChar char="•"/>
-            </a:pPr>
-            <a:r>
-              <a:rPr lang="en-IN" sz="2000" b="1" dirty="0">
-                <a:latin typeface="Arial" panose="020B0604020202020204" pitchFamily="34" charset="0"/>
-                <a:cs typeface="Arial" panose="020B0604020202020204" pitchFamily="34" charset="0"/>
-              </a:rPr>
-              <a:t>Semi-structured</a:t>
-            </a:r>
-            <a:r>
-              <a:rPr lang="en-IN" sz="2000" dirty="0">
-                <a:latin typeface="Arial" panose="020B0604020202020204" pitchFamily="34" charset="0"/>
-                <a:cs typeface="Arial" panose="020B0604020202020204" pitchFamily="34" charset="0"/>
-              </a:rPr>
-              <a:t>: In Semi-structured, the schema is not appropriately defined, e.g., JSON, XML, CSV, TSV. It is stored in relations, i.e., tables.</a:t>
-            </a:r>
-          </a:p>
-          <a:p>
-            <a:pPr marL="342900" indent="-342900">
-              <a:buFont typeface="Arial" panose="020B0604020202020204" pitchFamily="34" charset="0"/>
-              <a:buChar char="•"/>
-            </a:pPr>
-            <a:endParaRPr lang="en-IN" sz="2000" dirty="0">
-              <a:latin typeface="Arial" panose="020B0604020202020204" pitchFamily="34" charset="0"/>
-              <a:cs typeface="Arial" panose="020B0604020202020204" pitchFamily="34" charset="0"/>
-            </a:endParaRPr>
-          </a:p>
-          <a:p>
-            <a:pPr marL="342900" indent="-342900">
-              <a:buFont typeface="Arial" panose="020B0604020202020204" pitchFamily="34" charset="0"/>
-              <a:buChar char="•"/>
-            </a:pPr>
-            <a:r>
-              <a:rPr lang="en-IN" sz="2000" b="1" dirty="0">
-                <a:latin typeface="Arial" panose="020B0604020202020204" pitchFamily="34" charset="0"/>
-                <a:cs typeface="Arial" panose="020B0604020202020204" pitchFamily="34" charset="0"/>
-              </a:rPr>
-              <a:t>Unstructured Data</a:t>
-            </a:r>
-            <a:r>
-              <a:rPr lang="en-IN" sz="2000" dirty="0">
-                <a:latin typeface="Arial" panose="020B0604020202020204" pitchFamily="34" charset="0"/>
-                <a:cs typeface="Arial" panose="020B0604020202020204" pitchFamily="34" charset="0"/>
-              </a:rPr>
-              <a:t>: All the unstructured files, log files, audio files, and image files are included in the unstructured </a:t>
-            </a:r>
-            <a:r>
-              <a:rPr lang="en-IN" sz="2000">
-                <a:latin typeface="Arial" panose="020B0604020202020204" pitchFamily="34" charset="0"/>
-                <a:cs typeface="Arial" panose="020B0604020202020204" pitchFamily="34" charset="0"/>
-              </a:rPr>
-              <a:t>data.</a:t>
-            </a:r>
-          </a:p>
-          <a:p>
-            <a:pPr marL="342900" indent="-342900">
-              <a:buFont typeface="Arial" panose="020B0604020202020204" pitchFamily="34" charset="0"/>
-              <a:buChar char="•"/>
-            </a:pPr>
-            <a:endParaRPr lang="en-IN" sz="2000" dirty="0">
-              <a:latin typeface="Arial" panose="020B0604020202020204" pitchFamily="34" charset="0"/>
-              <a:cs typeface="Arial" panose="020B0604020202020204" pitchFamily="34" charset="0"/>
-            </a:endParaRPr>
-          </a:p>
-          <a:p>
-            <a:pPr marL="342900" indent="-342900">
-              <a:buFont typeface="Arial" panose="020B0604020202020204" pitchFamily="34" charset="0"/>
-              <a:buChar char="•"/>
-            </a:pPr>
-            <a:r>
-              <a:rPr lang="en-IN" sz="2000" b="1" dirty="0">
-                <a:latin typeface="Arial" panose="020B0604020202020204" pitchFamily="34" charset="0"/>
-                <a:cs typeface="Arial" panose="020B0604020202020204" pitchFamily="34" charset="0"/>
-              </a:rPr>
-              <a:t>Quasi-structured Data</a:t>
-            </a:r>
-            <a:r>
-              <a:rPr lang="en-IN" sz="2000" dirty="0">
-                <a:latin typeface="Arial" panose="020B0604020202020204" pitchFamily="34" charset="0"/>
-                <a:cs typeface="Arial" panose="020B0604020202020204" pitchFamily="34" charset="0"/>
-              </a:rPr>
-              <a:t>: The data format contains textual data with inconsistent data formats that are formatted with effort and time with some tools.</a:t>
-            </a:r>
-          </a:p>
-        </p:txBody>
-      </p:sp>
     </p:spTree>
     <p:extLst>
       <p:ext uri="{BB962C8B-B14F-4D97-AF65-F5344CB8AC3E}">
-        <p14:creationId xmlns:p14="http://schemas.microsoft.com/office/powerpoint/2010/main" val="1095015284"/>
+        <p14:creationId xmlns:p14="http://schemas.microsoft.com/office/powerpoint/2010/main" val="1921061291"/>
       </p:ext>
     </p:extLst>
   </p:cSld>
@@ -4333,10 +4451,164 @@
       </p:grpSpPr>
       <p:sp>
         <p:nvSpPr>
-          <p:cNvPr id="4" name="Rectangle 3">
+          <p:cNvPr id="5" name="Rectangle 4"/>
+          <p:cNvSpPr/>
+          <p:nvPr/>
+        </p:nvSpPr>
+        <p:spPr>
+          <a:xfrm>
+            <a:off x="309522" y="785795"/>
+            <a:ext cx="11572956" cy="5232202"/>
+          </a:xfrm>
+          <a:prstGeom prst="rect">
+            <a:avLst/>
+          </a:prstGeom>
+        </p:spPr>
+        <p:txBody>
+          <a:bodyPr wrap="square">
+            <a:spAutoFit/>
+          </a:bodyPr>
+          <a:lstStyle/>
+          <a:p>
+            <a:pPr marL="342900" indent="-342900">
+              <a:buFont typeface="Arial" panose="020B0604020202020204" pitchFamily="34" charset="0"/>
+              <a:buChar char="•"/>
+            </a:pPr>
+            <a:r>
+              <a:rPr lang="en-US" sz="2000" b="1" i="1" dirty="0">
+                <a:solidFill>
+                  <a:schemeClr val="accent1">
+                    <a:lumMod val="75000"/>
+                  </a:schemeClr>
+                </a:solidFill>
+                <a:latin typeface="Palatino Linotype" panose="02040502050505030304" pitchFamily="18" charset="0"/>
+              </a:rPr>
+              <a:t>Structured</a:t>
+            </a:r>
+            <a:endParaRPr lang="en-US" sz="2000" dirty="0">
+              <a:solidFill>
+                <a:schemeClr val="accent1">
+                  <a:lumMod val="75000"/>
+                </a:schemeClr>
+              </a:solidFill>
+              <a:latin typeface="Palatino Linotype" panose="02040502050505030304" pitchFamily="18" charset="0"/>
+            </a:endParaRPr>
+          </a:p>
+          <a:p>
+            <a:pPr marL="363538"/>
+            <a:r>
+              <a:rPr lang="en-US" dirty="0">
+                <a:latin typeface="Palatino Linotype" panose="02040502050505030304" pitchFamily="18" charset="0"/>
+              </a:rPr>
+              <a:t>The data that can be stored and processed in a fixed format is called as Structured Data. Data stored in a relational database management system (RDBMS) is one example of  ‘structured’ data. It is easy to process structured data as it has a fixed schema. Structured Query Language (SQL) is often used to manage such kind of Data.</a:t>
+            </a:r>
+          </a:p>
+          <a:p>
+            <a:endParaRPr lang="en-US" sz="2000" dirty="0">
+              <a:latin typeface="Palatino Linotype" panose="02040502050505030304" pitchFamily="18" charset="0"/>
+            </a:endParaRPr>
+          </a:p>
+          <a:p>
+            <a:pPr marL="342900" indent="-342900">
+              <a:buFont typeface="Arial" panose="020B0604020202020204" pitchFamily="34" charset="0"/>
+              <a:buChar char="•"/>
+            </a:pPr>
+            <a:r>
+              <a:rPr lang="en-US" sz="2000" b="1" i="1" dirty="0">
+                <a:solidFill>
+                  <a:schemeClr val="accent1">
+                    <a:lumMod val="75000"/>
+                  </a:schemeClr>
+                </a:solidFill>
+                <a:latin typeface="Palatino Linotype" panose="02040502050505030304" pitchFamily="18" charset="0"/>
+              </a:rPr>
+              <a:t>Semi-Structured</a:t>
+            </a:r>
+          </a:p>
+          <a:p>
+            <a:pPr marL="363538"/>
+            <a:r>
+              <a:rPr lang="en-US" dirty="0">
+                <a:latin typeface="Palatino Linotype" panose="02040502050505030304" pitchFamily="18" charset="0"/>
+              </a:rPr>
+              <a:t>Semi-Structured Data is a type of data which does not have a formal structure of a data model, i.e. a table definition in a relational DBMS,  XML files or JSON documents are examples of semi-structured data.</a:t>
+            </a:r>
+          </a:p>
+          <a:p>
+            <a:endParaRPr lang="en-US" sz="2000" dirty="0">
+              <a:latin typeface="Palatino Linotype" panose="02040502050505030304" pitchFamily="18" charset="0"/>
+            </a:endParaRPr>
+          </a:p>
+          <a:p>
+            <a:pPr marL="342900" indent="-342900">
+              <a:buFont typeface="Arial" panose="020B0604020202020204" pitchFamily="34" charset="0"/>
+              <a:buChar char="•"/>
+            </a:pPr>
+            <a:r>
+              <a:rPr lang="en-US" sz="2000" b="1" i="1" dirty="0">
+                <a:solidFill>
+                  <a:schemeClr val="accent1">
+                    <a:lumMod val="75000"/>
+                  </a:schemeClr>
+                </a:solidFill>
+                <a:latin typeface="Palatino Linotype" panose="02040502050505030304" pitchFamily="18" charset="0"/>
+              </a:rPr>
+              <a:t>Unstructured</a:t>
+            </a:r>
+          </a:p>
+          <a:p>
+            <a:pPr marL="363538"/>
+            <a:r>
+              <a:rPr lang="en-US" dirty="0">
+                <a:latin typeface="Palatino Linotype" panose="02040502050505030304" pitchFamily="18" charset="0"/>
+              </a:rPr>
+              <a:t>The data which have unknown form and cannot be stored in RDBMS and cannot be analyzed unless it is transformed into a structured format is called as unstructured data. Text Files and multimedia contents like images, audios, videos are example of unstructured data.</a:t>
+            </a:r>
+          </a:p>
+          <a:p>
+            <a:pPr marL="363538"/>
+            <a:endParaRPr lang="en-US" dirty="0">
+              <a:latin typeface="Palatino Linotype" panose="02040502050505030304" pitchFamily="18" charset="0"/>
+            </a:endParaRPr>
+          </a:p>
+          <a:p>
+            <a:pPr marL="342900" indent="-342900">
+              <a:buFont typeface="Arial" panose="020B0604020202020204" pitchFamily="34" charset="0"/>
+              <a:buChar char="•"/>
+            </a:pPr>
+            <a:r>
+              <a:rPr lang="en-IN" sz="2000" b="1" i="1" dirty="0">
+                <a:solidFill>
+                  <a:schemeClr val="accent1">
+                    <a:lumMod val="75000"/>
+                  </a:schemeClr>
+                </a:solidFill>
+                <a:latin typeface="Palatino Linotype" panose="02040502050505030304" pitchFamily="18" charset="0"/>
+              </a:rPr>
+              <a:t>Quasi-structured Data</a:t>
+            </a:r>
+            <a:r>
+              <a:rPr lang="en-IN" sz="1800" dirty="0">
+                <a:latin typeface="Arial" panose="020B0604020202020204" pitchFamily="34" charset="0"/>
+                <a:cs typeface="Arial" panose="020B0604020202020204" pitchFamily="34" charset="0"/>
+              </a:rPr>
+              <a:t>: The data format contains textual data with inconsistent data formats that are formatted with effort and time with some tools.</a:t>
+            </a:r>
+          </a:p>
+          <a:p>
+            <a:pPr marL="363538"/>
+            <a:endParaRPr lang="en-US" dirty="0">
+              <a:latin typeface="Palatino Linotype" panose="02040502050505030304" pitchFamily="18" charset="0"/>
+            </a:endParaRPr>
+          </a:p>
+        </p:txBody>
+      </p:sp>
+      <p:sp>
+        <p:nvSpPr>
+          <p:cNvPr id="2" name="Rectangle 1">
             <a:extLst>
               <a:ext uri="{FF2B5EF4-FFF2-40B4-BE49-F238E27FC236}">
-                <a16:creationId xmlns:a16="http://schemas.microsoft.com/office/drawing/2014/main" id="{6524962B-7610-4EFD-AA5E-DDE403AB8860}"/>
+                <a16:creationId xmlns:a16="http://schemas.microsoft.com/office/drawing/2014/main" id="{5D37DDD8-ED2D-67DA-46C1-73764D544429}"/>
               </a:ext>
             </a:extLst>
           </p:cNvPr>
@@ -4368,7 +4640,7 @@
                 <a:latin typeface="Arial" pitchFamily="34" charset="0"/>
                 <a:cs typeface="Arial" pitchFamily="34" charset="0"/>
               </a:rPr>
-              <a:t>Value</a:t>
+              <a:t>Variety </a:t>
             </a:r>
             <a:endParaRPr lang="en-IN" sz="3200" i="1" dirty="0">
               <a:solidFill>
@@ -4383,7 +4655,7 @@
     </p:spTree>
     <p:extLst>
       <p:ext uri="{BB962C8B-B14F-4D97-AF65-F5344CB8AC3E}">
-        <p14:creationId xmlns:p14="http://schemas.microsoft.com/office/powerpoint/2010/main" val="1804314253"/>
+        <p14:creationId xmlns:p14="http://schemas.microsoft.com/office/powerpoint/2010/main" val="3232694154"/>
       </p:ext>
     </p:extLst>
   </p:cSld>
@@ -4447,7 +4719,7 @@
                 <a:latin typeface="Arial" pitchFamily="34" charset="0"/>
                 <a:cs typeface="Arial" pitchFamily="34" charset="0"/>
               </a:rPr>
-              <a:t>Velocity</a:t>
+              <a:t>Value</a:t>
             </a:r>
             <a:endParaRPr lang="en-IN" sz="3200" i="1" dirty="0">
               <a:solidFill>
@@ -4459,10 +4731,755 @@
           </a:p>
         </p:txBody>
       </p:sp>
+      <p:sp>
+        <p:nvSpPr>
+          <p:cNvPr id="2" name="TextBox 1">
+            <a:extLst>
+              <a:ext uri="{FF2B5EF4-FFF2-40B4-BE49-F238E27FC236}">
+                <a16:creationId xmlns:a16="http://schemas.microsoft.com/office/drawing/2014/main" id="{F0B1D105-7EE0-AA2E-400E-AA8B45C872E1}"/>
+              </a:ext>
+            </a:extLst>
+          </p:cNvPr>
+          <p:cNvSpPr txBox="1"/>
+          <p:nvPr/>
+        </p:nvSpPr>
+        <p:spPr>
+          <a:xfrm>
+            <a:off x="335360" y="1008355"/>
+            <a:ext cx="11449272" cy="830997"/>
+          </a:xfrm>
+          <a:prstGeom prst="rect">
+            <a:avLst/>
+          </a:prstGeom>
+          <a:noFill/>
+        </p:spPr>
+        <p:txBody>
+          <a:bodyPr wrap="square">
+            <a:spAutoFit/>
+          </a:bodyPr>
+          <a:lstStyle/>
+          <a:p>
+            <a:pPr algn="just"/>
+            <a:r>
+              <a:rPr lang="en-US" sz="2400" b="0" i="0" dirty="0">
+                <a:effectLst/>
+                <a:latin typeface="Arial" panose="020B0604020202020204" pitchFamily="34" charset="0"/>
+                <a:cs typeface="Arial" panose="020B0604020202020204" pitchFamily="34" charset="0"/>
+              </a:rPr>
+              <a:t>Value is an essential characteristic of big data. It is not the data that we process or store. It is valuable and reliable data that we store, process, and also analyze.</a:t>
+            </a:r>
+          </a:p>
+        </p:txBody>
+      </p:sp>
+    </p:spTree>
+    <p:extLst>
+      <p:ext uri="{BB962C8B-B14F-4D97-AF65-F5344CB8AC3E}">
+        <p14:creationId xmlns:p14="http://schemas.microsoft.com/office/powerpoint/2010/main" val="1804314253"/>
+      </p:ext>
+    </p:extLst>
+  </p:cSld>
+  <p:clrMapOvr>
+    <a:masterClrMapping/>
+  </p:clrMapOvr>
+</p:sld>
+</file>
+
+<file path=ppt/slides/slide14.xml><?xml version="1.0" encoding="utf-8"?>
+<p:sld xmlns:a="http://schemas.openxmlformats.org/drawingml/2006/main" xmlns:r="http://schemas.openxmlformats.org/officeDocument/2006/relationships" xmlns:p="http://schemas.openxmlformats.org/presentationml/2006/main">
+  <p:cSld>
+    <p:spTree>
+      <p:nvGrpSpPr>
+        <p:cNvPr id="1" name=""/>
+        <p:cNvGrpSpPr/>
+        <p:nvPr/>
+      </p:nvGrpSpPr>
+      <p:grpSpPr>
+        <a:xfrm>
+          <a:off x="0" y="0"/>
+          <a:ext cx="0" cy="0"/>
+          <a:chOff x="0" y="0"/>
+          <a:chExt cx="0" cy="0"/>
+        </a:xfrm>
+      </p:grpSpPr>
+      <p:sp>
+        <p:nvSpPr>
+          <p:cNvPr id="4" name="Rectangle 3">
+            <a:extLst>
+              <a:ext uri="{FF2B5EF4-FFF2-40B4-BE49-F238E27FC236}">
+                <a16:creationId xmlns:a16="http://schemas.microsoft.com/office/drawing/2014/main" id="{6524962B-7610-4EFD-AA5E-DDE403AB8860}"/>
+              </a:ext>
+            </a:extLst>
+          </p:cNvPr>
+          <p:cNvSpPr/>
+          <p:nvPr/>
+        </p:nvSpPr>
+        <p:spPr>
+          <a:xfrm>
+            <a:off x="1524000" y="1"/>
+            <a:ext cx="9144000" cy="584775"/>
+          </a:xfrm>
+          <a:prstGeom prst="rect">
+            <a:avLst/>
+          </a:prstGeom>
+          <a:noFill/>
+        </p:spPr>
+        <p:txBody>
+          <a:bodyPr wrap="square">
+            <a:spAutoFit/>
+          </a:bodyPr>
+          <a:lstStyle/>
+          <a:p>
+            <a:pPr algn="r"/>
+            <a:r>
+              <a:rPr lang="en-US" sz="3200" i="1" dirty="0">
+                <a:solidFill>
+                  <a:srgbClr val="FF9900"/>
+                </a:solidFill>
+                <a:latin typeface="Arial" pitchFamily="34" charset="0"/>
+                <a:cs typeface="Arial" pitchFamily="34" charset="0"/>
+              </a:rPr>
+              <a:t>Velocity</a:t>
+            </a:r>
+            <a:endParaRPr lang="en-IN" sz="3200" i="1" dirty="0">
+              <a:solidFill>
+                <a:srgbClr val="FF9900"/>
+              </a:solidFill>
+              <a:latin typeface="Arial" pitchFamily="34" charset="0"/>
+              <a:cs typeface="Arial" pitchFamily="34" charset="0"/>
+            </a:endParaRPr>
+          </a:p>
+        </p:txBody>
+      </p:sp>
+      <p:pic>
+        <p:nvPicPr>
+          <p:cNvPr id="5" name="Picture 4">
+            <a:extLst>
+              <a:ext uri="{FF2B5EF4-FFF2-40B4-BE49-F238E27FC236}">
+                <a16:creationId xmlns:a16="http://schemas.microsoft.com/office/drawing/2014/main" id="{5287A31C-4250-DD07-96FC-E2341DACE96E}"/>
+              </a:ext>
+            </a:extLst>
+          </p:cNvPr>
+          <p:cNvPicPr>
+            <a:picLocks noChangeAspect="1"/>
+          </p:cNvPicPr>
+          <p:nvPr/>
+        </p:nvPicPr>
+        <p:blipFill>
+          <a:blip r:embed="rId2"/>
+          <a:stretch>
+            <a:fillRect/>
+          </a:stretch>
+        </p:blipFill>
+        <p:spPr>
+          <a:xfrm>
+            <a:off x="1415480" y="3356992"/>
+            <a:ext cx="9545044" cy="3229347"/>
+          </a:xfrm>
+          <a:prstGeom prst="rect">
+            <a:avLst/>
+          </a:prstGeom>
+        </p:spPr>
+      </p:pic>
+      <p:sp>
+        <p:nvSpPr>
+          <p:cNvPr id="6" name="TextBox 5">
+            <a:extLst>
+              <a:ext uri="{FF2B5EF4-FFF2-40B4-BE49-F238E27FC236}">
+                <a16:creationId xmlns:a16="http://schemas.microsoft.com/office/drawing/2014/main" id="{DECBAD34-3220-60D3-B61D-4FD2174EA290}"/>
+              </a:ext>
+            </a:extLst>
+          </p:cNvPr>
+          <p:cNvSpPr txBox="1"/>
+          <p:nvPr/>
+        </p:nvSpPr>
+        <p:spPr>
+          <a:xfrm>
+            <a:off x="335360" y="1008355"/>
+            <a:ext cx="11449272" cy="1200329"/>
+          </a:xfrm>
+          <a:prstGeom prst="rect">
+            <a:avLst/>
+          </a:prstGeom>
+          <a:noFill/>
+        </p:spPr>
+        <p:txBody>
+          <a:bodyPr wrap="square">
+            <a:spAutoFit/>
+          </a:bodyPr>
+          <a:lstStyle/>
+          <a:p>
+            <a:pPr algn="just"/>
+            <a:r>
+              <a:rPr lang="en-US" sz="2400" b="0" i="0" dirty="0">
+                <a:effectLst/>
+                <a:latin typeface="Arial" panose="020B0604020202020204" pitchFamily="34" charset="0"/>
+                <a:cs typeface="Arial" panose="020B0604020202020204" pitchFamily="34" charset="0"/>
+              </a:rPr>
+              <a:t>Velocity deals with the speed at the data flows from sources like application logs, business processes, networks, and social media sites, sensors, mobile devices, etc.</a:t>
+            </a:r>
+          </a:p>
+        </p:txBody>
+      </p:sp>
     </p:spTree>
     <p:extLst>
       <p:ext uri="{BB962C8B-B14F-4D97-AF65-F5344CB8AC3E}">
         <p14:creationId xmlns:p14="http://schemas.microsoft.com/office/powerpoint/2010/main" val="4166802548"/>
+      </p:ext>
+    </p:extLst>
+  </p:cSld>
+  <p:clrMapOvr>
+    <a:masterClrMapping/>
+  </p:clrMapOvr>
+</p:sld>
+</file>
+
+<file path=ppt/slides/slide15.xml><?xml version="1.0" encoding="utf-8"?>
+<p:sld xmlns:a="http://schemas.openxmlformats.org/drawingml/2006/main" xmlns:r="http://schemas.openxmlformats.org/officeDocument/2006/relationships" xmlns:p="http://schemas.openxmlformats.org/presentationml/2006/main">
+  <p:cSld>
+    <p:spTree>
+      <p:nvGrpSpPr>
+        <p:cNvPr id="1" name=""/>
+        <p:cNvGrpSpPr/>
+        <p:nvPr/>
+      </p:nvGrpSpPr>
+      <p:grpSpPr>
+        <a:xfrm>
+          <a:off x="0" y="0"/>
+          <a:ext cx="0" cy="0"/>
+          <a:chOff x="0" y="0"/>
+          <a:chExt cx="0" cy="0"/>
+        </a:xfrm>
+      </p:grpSpPr>
+      <p:sp>
+        <p:nvSpPr>
+          <p:cNvPr id="2" name="Title 1"/>
+          <p:cNvSpPr txBox="1">
+            <a:spLocks/>
+          </p:cNvSpPr>
+          <p:nvPr/>
+        </p:nvSpPr>
+        <p:spPr>
+          <a:xfrm>
+            <a:off x="1676400" y="2057400"/>
+            <a:ext cx="8839200" cy="1676400"/>
+          </a:xfrm>
+          <a:prstGeom prst="rect">
+            <a:avLst/>
+          </a:prstGeom>
+        </p:spPr>
+        <p:txBody>
+          <a:bodyPr>
+            <a:noAutofit/>
+          </a:bodyPr>
+          <a:lstStyle>
+            <a:defPPr>
+              <a:defRPr lang="en-US"/>
+            </a:defPPr>
+            <a:lvl1pPr lvl="0" algn="ctr">
+              <a:spcBef>
+                <a:spcPct val="0"/>
+              </a:spcBef>
+              <a:defRPr sz="4800">
+                <a:latin typeface="Arial" pitchFamily="34" charset="0"/>
+                <a:cs typeface="Arial" pitchFamily="34" charset="0"/>
+              </a:defRPr>
+            </a:lvl1pPr>
+          </a:lstStyle>
+          <a:p>
+            <a:r>
+              <a:rPr lang="en-US" dirty="0">
+                <a:solidFill>
+                  <a:srgbClr val="DC525C"/>
+                </a:solidFill>
+                <a:latin typeface="Segoe UI Light" panose="020B0502040204020203" pitchFamily="34" charset="0"/>
+                <a:cs typeface="Segoe UI Light" panose="020B0502040204020203" pitchFamily="34" charset="0"/>
+              </a:rPr>
+              <a:t>Jobs in Big Data</a:t>
+            </a:r>
+          </a:p>
+        </p:txBody>
+      </p:sp>
+    </p:spTree>
+    <p:extLst>
+      <p:ext uri="{BB962C8B-B14F-4D97-AF65-F5344CB8AC3E}">
+        <p14:creationId xmlns:p14="http://schemas.microsoft.com/office/powerpoint/2010/main" val="3468983804"/>
+      </p:ext>
+    </p:extLst>
+  </p:cSld>
+  <p:clrMapOvr>
+    <a:masterClrMapping/>
+  </p:clrMapOvr>
+</p:sld>
+</file>
+
+<file path=ppt/slides/slide16.xml><?xml version="1.0" encoding="utf-8"?>
+<p:sld xmlns:a="http://schemas.openxmlformats.org/drawingml/2006/main" xmlns:r="http://schemas.openxmlformats.org/officeDocument/2006/relationships" xmlns:p="http://schemas.openxmlformats.org/presentationml/2006/main">
+  <p:cSld>
+    <p:spTree>
+      <p:nvGrpSpPr>
+        <p:cNvPr id="1" name=""/>
+        <p:cNvGrpSpPr/>
+        <p:nvPr/>
+      </p:nvGrpSpPr>
+      <p:grpSpPr>
+        <a:xfrm>
+          <a:off x="0" y="0"/>
+          <a:ext cx="0" cy="0"/>
+          <a:chOff x="0" y="0"/>
+          <a:chExt cx="0" cy="0"/>
+        </a:xfrm>
+      </p:grpSpPr>
+      <p:sp>
+        <p:nvSpPr>
+          <p:cNvPr id="4" name="Rectangle 3">
+            <a:extLst>
+              <a:ext uri="{FF2B5EF4-FFF2-40B4-BE49-F238E27FC236}">
+                <a16:creationId xmlns:a16="http://schemas.microsoft.com/office/drawing/2014/main" id="{6524962B-7610-4EFD-AA5E-DDE403AB8860}"/>
+              </a:ext>
+            </a:extLst>
+          </p:cNvPr>
+          <p:cNvSpPr/>
+          <p:nvPr/>
+        </p:nvSpPr>
+        <p:spPr>
+          <a:xfrm>
+            <a:off x="1524000" y="1"/>
+            <a:ext cx="9144000" cy="584775"/>
+          </a:xfrm>
+          <a:prstGeom prst="rect">
+            <a:avLst/>
+          </a:prstGeom>
+          <a:noFill/>
+        </p:spPr>
+        <p:txBody>
+          <a:bodyPr wrap="square">
+            <a:spAutoFit/>
+          </a:bodyPr>
+          <a:lstStyle/>
+          <a:p>
+            <a:pPr algn="r"/>
+            <a:r>
+              <a:rPr lang="en-US" sz="3200" i="1" dirty="0">
+                <a:solidFill>
+                  <a:srgbClr val="FF9900"/>
+                </a:solidFill>
+                <a:latin typeface="Arial" pitchFamily="34" charset="0"/>
+                <a:cs typeface="Arial" pitchFamily="34" charset="0"/>
+              </a:rPr>
+              <a:t>List of Job Roles in Data Science / Big Data</a:t>
+            </a:r>
+            <a:endParaRPr lang="en-IN" sz="3200" i="1" dirty="0">
+              <a:solidFill>
+                <a:srgbClr val="FF9900"/>
+              </a:solidFill>
+              <a:latin typeface="Arial" pitchFamily="34" charset="0"/>
+              <a:cs typeface="Arial" pitchFamily="34" charset="0"/>
+            </a:endParaRPr>
+          </a:p>
+        </p:txBody>
+      </p:sp>
+      <p:sp>
+        <p:nvSpPr>
+          <p:cNvPr id="3" name="TextBox 2">
+            <a:extLst>
+              <a:ext uri="{FF2B5EF4-FFF2-40B4-BE49-F238E27FC236}">
+                <a16:creationId xmlns:a16="http://schemas.microsoft.com/office/drawing/2014/main" id="{2565C291-4449-7040-F797-629192AAC461}"/>
+              </a:ext>
+            </a:extLst>
+          </p:cNvPr>
+          <p:cNvSpPr txBox="1"/>
+          <p:nvPr/>
+        </p:nvSpPr>
+        <p:spPr>
+          <a:xfrm>
+            <a:off x="119336" y="1124744"/>
+            <a:ext cx="11809312" cy="5078313"/>
+          </a:xfrm>
+          <a:prstGeom prst="rect">
+            <a:avLst/>
+          </a:prstGeom>
+          <a:noFill/>
+        </p:spPr>
+        <p:txBody>
+          <a:bodyPr wrap="square">
+            <a:spAutoFit/>
+          </a:bodyPr>
+          <a:lstStyle/>
+          <a:p>
+            <a:pPr marL="285750" indent="-285750">
+              <a:buFont typeface="Arial" panose="020B0604020202020204" pitchFamily="34" charset="0"/>
+              <a:buChar char="•"/>
+            </a:pPr>
+            <a:r>
+              <a:rPr lang="en-IN" b="1" dirty="0">
+                <a:latin typeface="Arial" panose="020B0604020202020204" pitchFamily="34" charset="0"/>
+                <a:cs typeface="Arial" panose="020B0604020202020204" pitchFamily="34" charset="0"/>
+              </a:rPr>
+              <a:t>MIS Reporting Executive</a:t>
+            </a:r>
+            <a:r>
+              <a:rPr lang="en-IN" dirty="0">
+                <a:latin typeface="Arial" panose="020B0604020202020204" pitchFamily="34" charset="0"/>
+                <a:cs typeface="Arial" panose="020B0604020202020204" pitchFamily="34" charset="0"/>
+              </a:rPr>
+              <a:t>: Business managers rely on Management Information System reports to automatically track progress, make decisions, and identify problems.</a:t>
+            </a:r>
+          </a:p>
+          <a:p>
+            <a:pPr marL="285750" indent="-285750">
+              <a:buFont typeface="Arial" panose="020B0604020202020204" pitchFamily="34" charset="0"/>
+              <a:buChar char="•"/>
+            </a:pPr>
+            <a:endParaRPr lang="en-IN" dirty="0">
+              <a:latin typeface="Arial" panose="020B0604020202020204" pitchFamily="34" charset="0"/>
+              <a:cs typeface="Arial" panose="020B0604020202020204" pitchFamily="34" charset="0"/>
+            </a:endParaRPr>
+          </a:p>
+          <a:p>
+            <a:pPr marL="285750" indent="-285750">
+              <a:buFont typeface="Arial" panose="020B0604020202020204" pitchFamily="34" charset="0"/>
+              <a:buChar char="•"/>
+            </a:pPr>
+            <a:r>
+              <a:rPr lang="en-US" b="1" dirty="0">
+                <a:latin typeface="Arial" panose="020B0604020202020204" pitchFamily="34" charset="0"/>
+                <a:cs typeface="Arial" panose="020B0604020202020204" pitchFamily="34" charset="0"/>
+              </a:rPr>
+              <a:t>Business Analyst</a:t>
+            </a:r>
+            <a:r>
+              <a:rPr lang="en-US" dirty="0">
+                <a:latin typeface="Arial" panose="020B0604020202020204" pitchFamily="34" charset="0"/>
+                <a:cs typeface="Arial" panose="020B0604020202020204" pitchFamily="34" charset="0"/>
+              </a:rPr>
+              <a:t>:  Although many of their job tasks are similar to that of data analysts, business analysts are experts in the domain they work in. They try to narrow the gap between business and IT.</a:t>
+            </a:r>
+          </a:p>
+          <a:p>
+            <a:pPr marL="285750" indent="-285750">
+              <a:buFont typeface="Arial" panose="020B0604020202020204" pitchFamily="34" charset="0"/>
+              <a:buChar char="•"/>
+            </a:pPr>
+            <a:endParaRPr lang="en-US" dirty="0">
+              <a:latin typeface="Arial" panose="020B0604020202020204" pitchFamily="34" charset="0"/>
+              <a:cs typeface="Arial" panose="020B0604020202020204" pitchFamily="34" charset="0"/>
+            </a:endParaRPr>
+          </a:p>
+          <a:p>
+            <a:pPr marL="285750" indent="-285750">
+              <a:buFont typeface="Arial" panose="020B0604020202020204" pitchFamily="34" charset="0"/>
+              <a:buChar char="•"/>
+            </a:pPr>
+            <a:r>
+              <a:rPr lang="en-US" b="1" dirty="0">
+                <a:latin typeface="Arial" panose="020B0604020202020204" pitchFamily="34" charset="0"/>
+                <a:cs typeface="Arial" panose="020B0604020202020204" pitchFamily="34" charset="0"/>
+              </a:rPr>
+              <a:t>Data Analyst</a:t>
+            </a:r>
+            <a:r>
+              <a:rPr lang="en-US" dirty="0">
+                <a:latin typeface="Arial" panose="020B0604020202020204" pitchFamily="34" charset="0"/>
+                <a:cs typeface="Arial" panose="020B0604020202020204" pitchFamily="34" charset="0"/>
+              </a:rPr>
+              <a:t>: </a:t>
+            </a:r>
+            <a:r>
+              <a:rPr lang="en-US" b="0" i="0" dirty="0">
+                <a:solidFill>
+                  <a:srgbClr val="202124"/>
+                </a:solidFill>
+                <a:effectLst/>
+                <a:latin typeface="Arial" panose="020B0604020202020204" pitchFamily="34" charset="0"/>
+                <a:cs typeface="Arial" panose="020B0604020202020204" pitchFamily="34" charset="0"/>
+              </a:rPr>
+              <a:t>A Data Analyst's responsibilities include the </a:t>
+            </a:r>
+            <a:r>
+              <a:rPr lang="en-US" b="0" i="0" dirty="0">
+                <a:solidFill>
+                  <a:srgbClr val="040C28"/>
+                </a:solidFill>
+                <a:effectLst/>
+                <a:latin typeface="Arial" panose="020B0604020202020204" pitchFamily="34" charset="0"/>
+                <a:cs typeface="Arial" panose="020B0604020202020204" pitchFamily="34" charset="0"/>
+              </a:rPr>
+              <a:t>deep analysis of data and then determining the best way to represent it visually to managers and stakeholders</a:t>
+            </a:r>
+            <a:r>
+              <a:rPr lang="en-US" b="0" i="0" dirty="0">
+                <a:solidFill>
+                  <a:srgbClr val="202124"/>
+                </a:solidFill>
+                <a:effectLst/>
+                <a:latin typeface="Arial" panose="020B0604020202020204" pitchFamily="34" charset="0"/>
+                <a:cs typeface="Arial" panose="020B0604020202020204" pitchFamily="34" charset="0"/>
+              </a:rPr>
+              <a:t>. They also ensure quality assurance and process documentation and define Key Performance Indicators</a:t>
+            </a:r>
+          </a:p>
+          <a:p>
+            <a:pPr marL="285750" indent="-285750">
+              <a:buFont typeface="Arial" panose="020B0604020202020204" pitchFamily="34" charset="0"/>
+              <a:buChar char="•"/>
+            </a:pPr>
+            <a:endParaRPr lang="en-US" dirty="0">
+              <a:latin typeface="Arial" panose="020B0604020202020204" pitchFamily="34" charset="0"/>
+              <a:cs typeface="Arial" panose="020B0604020202020204" pitchFamily="34" charset="0"/>
+            </a:endParaRPr>
+          </a:p>
+          <a:p>
+            <a:pPr marL="285750" indent="-285750">
+              <a:buFont typeface="Arial" panose="020B0604020202020204" pitchFamily="34" charset="0"/>
+              <a:buChar char="•"/>
+            </a:pPr>
+            <a:r>
+              <a:rPr lang="en-US" b="1" dirty="0">
+                <a:latin typeface="Arial" panose="020B0604020202020204" pitchFamily="34" charset="0"/>
+                <a:cs typeface="Arial" panose="020B0604020202020204" pitchFamily="34" charset="0"/>
+              </a:rPr>
+              <a:t>Statistician</a:t>
+            </a:r>
+            <a:r>
+              <a:rPr lang="en-US" dirty="0">
+                <a:latin typeface="Arial" panose="020B0604020202020204" pitchFamily="34" charset="0"/>
+                <a:cs typeface="Arial" panose="020B0604020202020204" pitchFamily="34" charset="0"/>
+              </a:rPr>
+              <a:t>: Statisticians collect, organize, present, analyze, and interpret data to reach valid conclusions and make correct decisions. They are key players in ensuring the success of companies involved in market research, transportation, product development, finance, forensics, sport, quality control, environment, education, and also in governmental agencies.</a:t>
+            </a:r>
+          </a:p>
+          <a:p>
+            <a:pPr marL="285750" indent="-285750">
+              <a:buFont typeface="Arial" panose="020B0604020202020204" pitchFamily="34" charset="0"/>
+              <a:buChar char="•"/>
+            </a:pPr>
+            <a:endParaRPr lang="en-US" dirty="0">
+              <a:latin typeface="Arial" panose="020B0604020202020204" pitchFamily="34" charset="0"/>
+              <a:cs typeface="Arial" panose="020B0604020202020204" pitchFamily="34" charset="0"/>
+            </a:endParaRPr>
+          </a:p>
+          <a:p>
+            <a:pPr marL="285750" indent="-285750">
+              <a:buFont typeface="Arial" panose="020B0604020202020204" pitchFamily="34" charset="0"/>
+              <a:buChar char="•"/>
+            </a:pPr>
+            <a:r>
+              <a:rPr lang="en-US" b="1" dirty="0">
+                <a:latin typeface="Arial" panose="020B0604020202020204" pitchFamily="34" charset="0"/>
+                <a:cs typeface="Arial" panose="020B0604020202020204" pitchFamily="34" charset="0"/>
+              </a:rPr>
+              <a:t>Data Scientist</a:t>
+            </a:r>
+            <a:r>
+              <a:rPr lang="en-US" dirty="0">
+                <a:latin typeface="Arial" panose="020B0604020202020204" pitchFamily="34" charset="0"/>
+                <a:cs typeface="Arial" panose="020B0604020202020204" pitchFamily="34" charset="0"/>
+              </a:rPr>
+              <a:t>: A Data Scientist is a professional who collects large amounts of data using analytical, statistical, and programmable skills. It is their responsibility to use data to develop solutions tailored to meet the organization's unique needs.</a:t>
+            </a:r>
+            <a:endParaRPr lang="en-IN" dirty="0">
+              <a:latin typeface="Arial" panose="020B0604020202020204" pitchFamily="34" charset="0"/>
+              <a:cs typeface="Arial" panose="020B0604020202020204" pitchFamily="34" charset="0"/>
+            </a:endParaRPr>
+          </a:p>
+        </p:txBody>
+      </p:sp>
+    </p:spTree>
+    <p:extLst>
+      <p:ext uri="{BB962C8B-B14F-4D97-AF65-F5344CB8AC3E}">
+        <p14:creationId xmlns:p14="http://schemas.microsoft.com/office/powerpoint/2010/main" val="3264250979"/>
+      </p:ext>
+    </p:extLst>
+  </p:cSld>
+  <p:clrMapOvr>
+    <a:masterClrMapping/>
+  </p:clrMapOvr>
+</p:sld>
+</file>
+
+<file path=ppt/slides/slide17.xml><?xml version="1.0" encoding="utf-8"?>
+<p:sld xmlns:a="http://schemas.openxmlformats.org/drawingml/2006/main" xmlns:r="http://schemas.openxmlformats.org/officeDocument/2006/relationships" xmlns:p="http://schemas.openxmlformats.org/presentationml/2006/main">
+  <p:cSld>
+    <p:spTree>
+      <p:nvGrpSpPr>
+        <p:cNvPr id="1" name=""/>
+        <p:cNvGrpSpPr/>
+        <p:nvPr/>
+      </p:nvGrpSpPr>
+      <p:grpSpPr>
+        <a:xfrm>
+          <a:off x="0" y="0"/>
+          <a:ext cx="0" cy="0"/>
+          <a:chOff x="0" y="0"/>
+          <a:chExt cx="0" cy="0"/>
+        </a:xfrm>
+      </p:grpSpPr>
+      <p:sp>
+        <p:nvSpPr>
+          <p:cNvPr id="4" name="Rectangle 3">
+            <a:extLst>
+              <a:ext uri="{FF2B5EF4-FFF2-40B4-BE49-F238E27FC236}">
+                <a16:creationId xmlns:a16="http://schemas.microsoft.com/office/drawing/2014/main" id="{6524962B-7610-4EFD-AA5E-DDE403AB8860}"/>
+              </a:ext>
+            </a:extLst>
+          </p:cNvPr>
+          <p:cNvSpPr/>
+          <p:nvPr/>
+        </p:nvSpPr>
+        <p:spPr>
+          <a:xfrm>
+            <a:off x="1524000" y="1"/>
+            <a:ext cx="9144000" cy="584775"/>
+          </a:xfrm>
+          <a:prstGeom prst="rect">
+            <a:avLst/>
+          </a:prstGeom>
+          <a:noFill/>
+        </p:spPr>
+        <p:txBody>
+          <a:bodyPr wrap="square">
+            <a:spAutoFit/>
+          </a:bodyPr>
+          <a:lstStyle/>
+          <a:p>
+            <a:pPr algn="r"/>
+            <a:r>
+              <a:rPr lang="en-US" sz="3200" i="1" dirty="0">
+                <a:solidFill>
+                  <a:srgbClr val="FF9900"/>
+                </a:solidFill>
+                <a:latin typeface="Arial" pitchFamily="34" charset="0"/>
+                <a:cs typeface="Arial" pitchFamily="34" charset="0"/>
+              </a:rPr>
+              <a:t>List of Job Roles in Data Science / Big Data</a:t>
+            </a:r>
+            <a:endParaRPr lang="en-IN" sz="3200" i="1" dirty="0">
+              <a:solidFill>
+                <a:srgbClr val="FF9900"/>
+              </a:solidFill>
+              <a:latin typeface="Arial" pitchFamily="34" charset="0"/>
+              <a:cs typeface="Arial" pitchFamily="34" charset="0"/>
+            </a:endParaRPr>
+          </a:p>
+        </p:txBody>
+      </p:sp>
+      <p:sp>
+        <p:nvSpPr>
+          <p:cNvPr id="3" name="TextBox 2">
+            <a:extLst>
+              <a:ext uri="{FF2B5EF4-FFF2-40B4-BE49-F238E27FC236}">
+                <a16:creationId xmlns:a16="http://schemas.microsoft.com/office/drawing/2014/main" id="{2565C291-4449-7040-F797-629192AAC461}"/>
+              </a:ext>
+            </a:extLst>
+          </p:cNvPr>
+          <p:cNvSpPr txBox="1"/>
+          <p:nvPr/>
+        </p:nvSpPr>
+        <p:spPr>
+          <a:xfrm>
+            <a:off x="119336" y="1124744"/>
+            <a:ext cx="11809312" cy="2862322"/>
+          </a:xfrm>
+          <a:prstGeom prst="rect">
+            <a:avLst/>
+          </a:prstGeom>
+          <a:noFill/>
+        </p:spPr>
+        <p:txBody>
+          <a:bodyPr wrap="square">
+            <a:spAutoFit/>
+          </a:bodyPr>
+          <a:lstStyle/>
+          <a:p>
+            <a:pPr marL="285750" indent="-285750">
+              <a:buFont typeface="Arial" panose="020B0604020202020204" pitchFamily="34" charset="0"/>
+              <a:buChar char="•"/>
+            </a:pPr>
+            <a:r>
+              <a:rPr lang="en-US" b="1" dirty="0">
+                <a:latin typeface="Arial" panose="020B0604020202020204" pitchFamily="34" charset="0"/>
+                <a:cs typeface="Arial" panose="020B0604020202020204" pitchFamily="34" charset="0"/>
+              </a:rPr>
+              <a:t>Data Engineer/Data Architect: </a:t>
+            </a:r>
+            <a:r>
+              <a:rPr lang="en-US" dirty="0">
+                <a:latin typeface="Arial" panose="020B0604020202020204" pitchFamily="34" charset="0"/>
+                <a:cs typeface="Arial" panose="020B0604020202020204" pitchFamily="34" charset="0"/>
+              </a:rPr>
+              <a:t>“Data engineers are the designers, builders and managers of the information or “big data” infrastructure.” Data engineers ensure that an organization’s big data ecosystem is running without glitches for data scientists to carry out the analysis.</a:t>
+            </a:r>
+          </a:p>
+          <a:p>
+            <a:pPr marL="285750" indent="-285750">
+              <a:buFont typeface="Arial" panose="020B0604020202020204" pitchFamily="34" charset="0"/>
+              <a:buChar char="•"/>
+            </a:pPr>
+            <a:endParaRPr lang="en-US" dirty="0">
+              <a:latin typeface="Arial" panose="020B0604020202020204" pitchFamily="34" charset="0"/>
+              <a:cs typeface="Arial" panose="020B0604020202020204" pitchFamily="34" charset="0"/>
+            </a:endParaRPr>
+          </a:p>
+          <a:p>
+            <a:pPr marL="285750" indent="-285750">
+              <a:buFont typeface="Arial" panose="020B0604020202020204" pitchFamily="34" charset="0"/>
+              <a:buChar char="•"/>
+            </a:pPr>
+            <a:r>
+              <a:rPr lang="en-US" b="1" dirty="0">
+                <a:latin typeface="Arial" panose="020B0604020202020204" pitchFamily="34" charset="0"/>
+                <a:cs typeface="Arial" panose="020B0604020202020204" pitchFamily="34" charset="0"/>
+              </a:rPr>
+              <a:t>Machine Learning Engineer</a:t>
+            </a:r>
+            <a:r>
+              <a:rPr lang="en-US" dirty="0">
+                <a:latin typeface="Arial" panose="020B0604020202020204" pitchFamily="34" charset="0"/>
+                <a:cs typeface="Arial" panose="020B0604020202020204" pitchFamily="34" charset="0"/>
+              </a:rPr>
+              <a:t>: A Machine Learning Engineer is responsible for designing and developing machine learning systems, implementing appropriate ML algorithms, and conducting experiments. They possess strong programming skills, knowledge of data science, and expertise in statistics.</a:t>
+            </a:r>
+          </a:p>
+          <a:p>
+            <a:pPr marL="285750" indent="-285750">
+              <a:buFont typeface="Arial" panose="020B0604020202020204" pitchFamily="34" charset="0"/>
+              <a:buChar char="•"/>
+            </a:pPr>
+            <a:endParaRPr lang="en-US" dirty="0">
+              <a:latin typeface="Arial" panose="020B0604020202020204" pitchFamily="34" charset="0"/>
+              <a:cs typeface="Arial" panose="020B0604020202020204" pitchFamily="34" charset="0"/>
+            </a:endParaRPr>
+          </a:p>
+          <a:p>
+            <a:pPr marL="285750" indent="-285750">
+              <a:buFont typeface="Arial" panose="020B0604020202020204" pitchFamily="34" charset="0"/>
+              <a:buChar char="•"/>
+            </a:pPr>
+            <a:r>
+              <a:rPr lang="en-US" b="1" dirty="0">
+                <a:latin typeface="Arial" panose="020B0604020202020204" pitchFamily="34" charset="0"/>
+                <a:cs typeface="Arial" panose="020B0604020202020204" pitchFamily="34" charset="0"/>
+              </a:rPr>
+              <a:t>Big Data Engineer</a:t>
+            </a:r>
+            <a:r>
+              <a:rPr lang="en-US" dirty="0">
+                <a:latin typeface="Arial" panose="020B0604020202020204" pitchFamily="34" charset="0"/>
+                <a:cs typeface="Arial" panose="020B0604020202020204" pitchFamily="34" charset="0"/>
+              </a:rPr>
+              <a:t>: The big data engineer's role is to Design, construct and maintain large-scale data processing systems.</a:t>
+            </a:r>
+            <a:endParaRPr lang="en-IN" dirty="0">
+              <a:latin typeface="Arial" panose="020B0604020202020204" pitchFamily="34" charset="0"/>
+              <a:cs typeface="Arial" panose="020B0604020202020204" pitchFamily="34" charset="0"/>
+            </a:endParaRPr>
+          </a:p>
+        </p:txBody>
+      </p:sp>
+    </p:spTree>
+    <p:extLst>
+      <p:ext uri="{BB962C8B-B14F-4D97-AF65-F5344CB8AC3E}">
+        <p14:creationId xmlns:p14="http://schemas.microsoft.com/office/powerpoint/2010/main" val="2577086294"/>
       </p:ext>
     </p:extLst>
   </p:cSld>
@@ -5321,7 +6338,27 @@
                 <a:latin typeface="Segoe UI Light" panose="020B0502040204020203" pitchFamily="34" charset="0"/>
                 <a:cs typeface="Segoe UI Light" panose="020B0502040204020203" pitchFamily="34" charset="0"/>
               </a:rPr>
-              <a:t>Basic Concepts of Big Data</a:t>
+              <a:t>Characteristics</a:t>
+            </a:r>
+            <a:r>
+              <a:rPr lang="en-US" sz="4800" i="1" dirty="0">
+                <a:solidFill>
+                  <a:srgbClr val="FF9900"/>
+                </a:solidFill>
+                <a:latin typeface="Arial" pitchFamily="34" charset="0"/>
+                <a:cs typeface="Arial" pitchFamily="34" charset="0"/>
+              </a:rPr>
+              <a:t> </a:t>
+            </a:r>
+            <a:r>
+              <a:rPr lang="en-US" dirty="0">
+                <a:solidFill>
+                  <a:srgbClr val="DC525C"/>
+                </a:solidFill>
+                <a:latin typeface="Segoe UI Light" panose="020B0502040204020203" pitchFamily="34" charset="0"/>
+                <a:cs typeface="Segoe UI Light" panose="020B0502040204020203" pitchFamily="34" charset="0"/>
+              </a:rPr>
+              <a:t>of Big Data</a:t>
             </a:r>
           </a:p>
         </p:txBody>
@@ -5463,7 +6500,7 @@
         <p:spPr>
           <a:xfrm>
             <a:off x="407368" y="2420888"/>
-            <a:ext cx="11377264" cy="3297762"/>
+            <a:ext cx="11377264" cy="3420873"/>
           </a:xfrm>
           <a:prstGeom prst="rect">
             <a:avLst/>
@@ -5491,7 +6528,7 @@
           </a:p>
           <a:p>
             <a:pPr algn="just"/>
-            <a:endParaRPr lang="en-US" sz="800" b="0" i="0" dirty="0">
+            <a:endParaRPr lang="en-US" sz="1200" b="0" i="0" dirty="0">
               <a:solidFill>
                 <a:srgbClr val="333333"/>
               </a:solidFill>
@@ -5516,7 +6553,7 @@
           </a:p>
           <a:p>
             <a:pPr algn="just"/>
-            <a:endParaRPr lang="en-US" sz="800" b="0" i="0" dirty="0">
+            <a:endParaRPr lang="en-US" sz="1200" b="0" i="0" dirty="0">
               <a:solidFill>
                 <a:srgbClr val="610B4B"/>
               </a:solidFill>
@@ -5535,23 +6572,12 @@
             </a:pPr>
             <a:r>
               <a:rPr lang="en-US" sz="2000" b="1" i="0" dirty="0">
-                <a:solidFill>
-                  <a:srgbClr val="000000"/>
-                </a:solidFill>
                 <a:effectLst/>
                 <a:latin typeface="Arial" panose="020B0604020202020204" pitchFamily="34" charset="0"/>
                 <a:cs typeface="Arial" panose="020B0604020202020204" pitchFamily="34" charset="0"/>
               </a:rPr>
               <a:t>Volume</a:t>
             </a:r>
-            <a:endParaRPr lang="en-US" sz="2000" b="0" i="0" dirty="0">
-              <a:solidFill>
-                <a:srgbClr val="000000"/>
-              </a:solidFill>
-              <a:effectLst/>
-              <a:latin typeface="Arial" panose="020B0604020202020204" pitchFamily="34" charset="0"/>
-              <a:cs typeface="Arial" panose="020B0604020202020204" pitchFamily="34" charset="0"/>
-            </a:endParaRPr>
           </a:p>
           <a:p>
             <a:pPr marL="342900" indent="-342900" algn="just">
@@ -5563,23 +6589,12 @@
             </a:pPr>
             <a:r>
               <a:rPr lang="en-US" sz="2000" b="1" i="0" dirty="0">
-                <a:solidFill>
-                  <a:srgbClr val="000000"/>
-                </a:solidFill>
                 <a:effectLst/>
                 <a:latin typeface="Arial" panose="020B0604020202020204" pitchFamily="34" charset="0"/>
                 <a:cs typeface="Arial" panose="020B0604020202020204" pitchFamily="34" charset="0"/>
               </a:rPr>
               <a:t>Veracity</a:t>
             </a:r>
-            <a:endParaRPr lang="en-US" sz="2000" b="0" i="0" dirty="0">
-              <a:solidFill>
-                <a:srgbClr val="000000"/>
-              </a:solidFill>
-              <a:effectLst/>
-              <a:latin typeface="Arial" panose="020B0604020202020204" pitchFamily="34" charset="0"/>
-              <a:cs typeface="Arial" panose="020B0604020202020204" pitchFamily="34" charset="0"/>
-            </a:endParaRPr>
           </a:p>
           <a:p>
             <a:pPr marL="342900" indent="-342900" algn="just">
@@ -5591,23 +6606,12 @@
             </a:pPr>
             <a:r>
               <a:rPr lang="en-US" sz="2000" b="1" i="0" dirty="0">
-                <a:solidFill>
-                  <a:srgbClr val="000000"/>
-                </a:solidFill>
                 <a:effectLst/>
                 <a:latin typeface="Arial" panose="020B0604020202020204" pitchFamily="34" charset="0"/>
                 <a:cs typeface="Arial" panose="020B0604020202020204" pitchFamily="34" charset="0"/>
               </a:rPr>
               <a:t>Variety</a:t>
             </a:r>
-            <a:endParaRPr lang="en-US" sz="2000" b="0" i="0" dirty="0">
-              <a:solidFill>
-                <a:srgbClr val="000000"/>
-              </a:solidFill>
-              <a:effectLst/>
-              <a:latin typeface="Arial" panose="020B0604020202020204" pitchFamily="34" charset="0"/>
-              <a:cs typeface="Arial" panose="020B0604020202020204" pitchFamily="34" charset="0"/>
-            </a:endParaRPr>
           </a:p>
           <a:p>
             <a:pPr marL="342900" indent="-342900" algn="just">
@@ -5619,23 +6623,12 @@
             </a:pPr>
             <a:r>
               <a:rPr lang="en-US" sz="2000" b="1" i="0" dirty="0">
-                <a:solidFill>
-                  <a:srgbClr val="000000"/>
-                </a:solidFill>
                 <a:effectLst/>
                 <a:latin typeface="Arial" panose="020B0604020202020204" pitchFamily="34" charset="0"/>
                 <a:cs typeface="Arial" panose="020B0604020202020204" pitchFamily="34" charset="0"/>
               </a:rPr>
               <a:t>Value</a:t>
             </a:r>
-            <a:endParaRPr lang="en-US" sz="2000" b="0" i="0" dirty="0">
-              <a:solidFill>
-                <a:srgbClr val="000000"/>
-              </a:solidFill>
-              <a:effectLst/>
-              <a:latin typeface="Arial" panose="020B0604020202020204" pitchFamily="34" charset="0"/>
-              <a:cs typeface="Arial" panose="020B0604020202020204" pitchFamily="34" charset="0"/>
-            </a:endParaRPr>
           </a:p>
           <a:p>
             <a:pPr marL="342900" indent="-342900" algn="just">
@@ -5647,23 +6640,12 @@
             </a:pPr>
             <a:r>
               <a:rPr lang="en-US" sz="2000" b="1" i="0" dirty="0">
-                <a:solidFill>
-                  <a:srgbClr val="000000"/>
-                </a:solidFill>
                 <a:effectLst/>
                 <a:latin typeface="Arial" panose="020B0604020202020204" pitchFamily="34" charset="0"/>
                 <a:cs typeface="Arial" panose="020B0604020202020204" pitchFamily="34" charset="0"/>
               </a:rPr>
               <a:t>Velocity</a:t>
             </a:r>
-            <a:endParaRPr lang="en-US" sz="2000" b="0" i="0" dirty="0">
-              <a:solidFill>
-                <a:srgbClr val="000000"/>
-              </a:solidFill>
-              <a:effectLst/>
-              <a:latin typeface="Arial" panose="020B0604020202020204" pitchFamily="34" charset="0"/>
-              <a:cs typeface="Arial" panose="020B0604020202020204" pitchFamily="34" charset="0"/>
-            </a:endParaRPr>
           </a:p>
         </p:txBody>
       </p:sp>
@@ -6047,6 +7029,38 @@
           </a:p>
         </p:txBody>
       </p:sp>
+      <p:pic>
+        <p:nvPicPr>
+          <p:cNvPr id="2" name="Picture 2" descr="Big Data Volume Growth - Big Data Tutorial - Edureka">
+            <a:extLst>
+              <a:ext uri="{FF2B5EF4-FFF2-40B4-BE49-F238E27FC236}">
+                <a16:creationId xmlns:a16="http://schemas.microsoft.com/office/drawing/2014/main" id="{5A774089-67ED-8738-2FF5-785289EB2AC4}"/>
+              </a:ext>
+            </a:extLst>
+          </p:cNvPr>
+          <p:cNvPicPr>
+            <a:picLocks noChangeAspect="1" noChangeArrowheads="1"/>
+          </p:cNvPicPr>
+          <p:nvPr/>
+        </p:nvPicPr>
+        <p:blipFill>
+          <a:blip r:embed="rId2"/>
+          <a:srcRect/>
+          <a:stretch>
+            <a:fillRect/>
+          </a:stretch>
+        </p:blipFill>
+        <p:spPr bwMode="auto">
+          <a:xfrm>
+            <a:off x="8382016" y="3535026"/>
+            <a:ext cx="3258600" cy="3299418"/>
+          </a:xfrm>
+          <a:prstGeom prst="rect">
+            <a:avLst/>
+          </a:prstGeom>
+          <a:noFill/>
+        </p:spPr>
+      </p:pic>
     </p:spTree>
     <p:extLst>
       <p:ext uri="{BB962C8B-B14F-4D97-AF65-F5344CB8AC3E}">
@@ -6192,8 +7206,8 @@
         </p:nvSpPr>
         <p:spPr>
           <a:xfrm>
-            <a:off x="551384" y="1008355"/>
-            <a:ext cx="11233248" cy="1200329"/>
+            <a:off x="407368" y="1008355"/>
+            <a:ext cx="11377264" cy="1200329"/>
           </a:xfrm>
           <a:prstGeom prst="rect">
             <a:avLst/>

--- a/BIG Data.pptx
+++ b/BIG Data.pptx
@@ -5,7 +5,7 @@
     <p:sldMasterId id="2147483720" r:id="rId1"/>
   </p:sldMasterIdLst>
   <p:notesMasterIdLst>
-    <p:notesMasterId r:id="rId37"/>
+    <p:notesMasterId r:id="rId39"/>
   </p:notesMasterIdLst>
   <p:sldIdLst>
     <p:sldId id="257" r:id="rId2"/>
@@ -16,33 +16,35 @@
     <p:sldId id="1341" r:id="rId7"/>
     <p:sldId id="1342" r:id="rId8"/>
     <p:sldId id="1344" r:id="rId9"/>
-    <p:sldId id="1337" r:id="rId10"/>
-    <p:sldId id="599" r:id="rId11"/>
-    <p:sldId id="271" r:id="rId12"/>
-    <p:sldId id="1184" r:id="rId13"/>
-    <p:sldId id="1185" r:id="rId14"/>
-    <p:sldId id="1123" r:id="rId15"/>
-    <p:sldId id="1177" r:id="rId16"/>
-    <p:sldId id="1180" r:id="rId17"/>
-    <p:sldId id="1181" r:id="rId18"/>
-    <p:sldId id="1182" r:id="rId19"/>
-    <p:sldId id="1321" r:id="rId20"/>
-    <p:sldId id="864" r:id="rId21"/>
-    <p:sldId id="1179" r:id="rId22"/>
-    <p:sldId id="1183" r:id="rId23"/>
-    <p:sldId id="1322" r:id="rId24"/>
-    <p:sldId id="1323" r:id="rId25"/>
-    <p:sldId id="1324" r:id="rId26"/>
-    <p:sldId id="1325" r:id="rId27"/>
-    <p:sldId id="1326" r:id="rId28"/>
-    <p:sldId id="1327" r:id="rId29"/>
-    <p:sldId id="1328" r:id="rId30"/>
-    <p:sldId id="1329" r:id="rId31"/>
-    <p:sldId id="1330" r:id="rId32"/>
-    <p:sldId id="1331" r:id="rId33"/>
-    <p:sldId id="1332" r:id="rId34"/>
-    <p:sldId id="1335" r:id="rId35"/>
-    <p:sldId id="1336" r:id="rId36"/>
+    <p:sldId id="1346" r:id="rId10"/>
+    <p:sldId id="1345" r:id="rId11"/>
+    <p:sldId id="1337" r:id="rId12"/>
+    <p:sldId id="599" r:id="rId13"/>
+    <p:sldId id="271" r:id="rId14"/>
+    <p:sldId id="1184" r:id="rId15"/>
+    <p:sldId id="1185" r:id="rId16"/>
+    <p:sldId id="1123" r:id="rId17"/>
+    <p:sldId id="1177" r:id="rId18"/>
+    <p:sldId id="1180" r:id="rId19"/>
+    <p:sldId id="1181" r:id="rId20"/>
+    <p:sldId id="1182" r:id="rId21"/>
+    <p:sldId id="1321" r:id="rId22"/>
+    <p:sldId id="864" r:id="rId23"/>
+    <p:sldId id="1179" r:id="rId24"/>
+    <p:sldId id="1183" r:id="rId25"/>
+    <p:sldId id="1322" r:id="rId26"/>
+    <p:sldId id="1323" r:id="rId27"/>
+    <p:sldId id="1324" r:id="rId28"/>
+    <p:sldId id="1325" r:id="rId29"/>
+    <p:sldId id="1326" r:id="rId30"/>
+    <p:sldId id="1327" r:id="rId31"/>
+    <p:sldId id="1328" r:id="rId32"/>
+    <p:sldId id="1329" r:id="rId33"/>
+    <p:sldId id="1330" r:id="rId34"/>
+    <p:sldId id="1331" r:id="rId35"/>
+    <p:sldId id="1332" r:id="rId36"/>
+    <p:sldId id="1335" r:id="rId37"/>
+    <p:sldId id="1336" r:id="rId38"/>
   </p:sldIdLst>
   <p:sldSz cx="12192000" cy="6858000"/>
   <p:notesSz cx="6858000" cy="9144000"/>
@@ -255,7 +257,7 @@
             <a:fld id="{757F699C-254E-44B6-B18D-E7E82B2FC743}" type="datetimeFigureOut">
               <a:rPr lang="en-IN" smtClean="0"/>
               <a:pPr/>
-              <a:t>18-08-2023</a:t>
+              <a:t>22-08-2023</a:t>
             </a:fld>
             <a:endParaRPr lang="en-IN"/>
           </a:p>
@@ -1081,7 +1083,7 @@
             <a:fld id="{52F73076-280E-4994-B9AF-08CB19D7A53F}" type="datetimeFigureOut">
               <a:rPr lang="en-US" smtClean="0"/>
               <a:pPr/>
-              <a:t>8/18/2023</a:t>
+              <a:t>8/22/2023</a:t>
             </a:fld>
             <a:endParaRPr lang="en-US" dirty="0"/>
           </a:p>
@@ -1526,7 +1528,7 @@
             <a:fld id="{52F73076-280E-4994-B9AF-08CB19D7A53F}" type="datetimeFigureOut">
               <a:rPr lang="en-US" smtClean="0"/>
               <a:pPr/>
-              <a:t>8/18/2023</a:t>
+              <a:t>8/22/2023</a:t>
             </a:fld>
             <a:endParaRPr lang="en-US" dirty="0"/>
           </a:p>
@@ -2458,7 +2460,7 @@
             <a:fld id="{52F73076-280E-4994-B9AF-08CB19D7A53F}" type="datetimeFigureOut">
               <a:rPr lang="en-US" smtClean="0"/>
               <a:pPr/>
-              <a:t>8/18/2023</a:t>
+              <a:t>8/22/2023</a:t>
             </a:fld>
             <a:endParaRPr lang="en-US" dirty="0"/>
           </a:p>
@@ -2876,7 +2878,7 @@
             <a:fld id="{52F73076-280E-4994-B9AF-08CB19D7A53F}" type="datetimeFigureOut">
               <a:rPr lang="en-US" smtClean="0"/>
               <a:pPr/>
-              <a:t>8/18/2023</a:t>
+              <a:t>8/22/2023</a:t>
             </a:fld>
             <a:endParaRPr lang="en-US" dirty="0"/>
           </a:p>
@@ -3983,451 +3985,6 @@
       </p:grpSpPr>
       <p:sp>
         <p:nvSpPr>
-          <p:cNvPr id="2" name="Title 1"/>
-          <p:cNvSpPr txBox="1">
-            <a:spLocks/>
-          </p:cNvSpPr>
-          <p:nvPr/>
-        </p:nvSpPr>
-        <p:spPr>
-          <a:xfrm>
-            <a:off x="1676400" y="2133600"/>
-            <a:ext cx="8839200" cy="838200"/>
-          </a:xfrm>
-          <a:prstGeom prst="rect">
-            <a:avLst/>
-          </a:prstGeom>
-        </p:spPr>
-        <p:txBody>
-          <a:bodyPr>
-            <a:noAutofit/>
-          </a:bodyPr>
-          <a:lstStyle>
-            <a:defPPr>
-              <a:defRPr lang="en-US"/>
-            </a:defPPr>
-            <a:lvl1pPr lvl="0" algn="ctr">
-              <a:spcBef>
-                <a:spcPct val="0"/>
-              </a:spcBef>
-              <a:defRPr sz="4800">
-                <a:latin typeface="Arial" pitchFamily="34" charset="0"/>
-                <a:cs typeface="Arial" pitchFamily="34" charset="0"/>
-              </a:defRPr>
-            </a:lvl1pPr>
-          </a:lstStyle>
-          <a:p>
-            <a:r>
-              <a:rPr lang="en-IN" dirty="0">
-                <a:solidFill>
-                  <a:srgbClr val="DC525C"/>
-                </a:solidFill>
-                <a:latin typeface="Segoe UI Light" panose="020B0502040204020203" pitchFamily="34" charset="0"/>
-                <a:cs typeface="Segoe UI Light" panose="020B0502040204020203" pitchFamily="34" charset="0"/>
-              </a:rPr>
-              <a:t>What is data?</a:t>
-            </a:r>
-            <a:endParaRPr lang="en-US" dirty="0">
-              <a:solidFill>
-                <a:srgbClr val="DC525C"/>
-              </a:solidFill>
-              <a:latin typeface="Segoe UI Light" panose="020B0502040204020203" pitchFamily="34" charset="0"/>
-              <a:cs typeface="Segoe UI Light" panose="020B0502040204020203" pitchFamily="34" charset="0"/>
-            </a:endParaRPr>
-          </a:p>
-        </p:txBody>
-      </p:sp>
-      <p:pic>
-        <p:nvPicPr>
-          <p:cNvPr id="5" name="Picture 4"/>
-          <p:cNvPicPr>
-            <a:picLocks noChangeAspect="1"/>
-          </p:cNvPicPr>
-          <p:nvPr/>
-        </p:nvPicPr>
-        <p:blipFill>
-          <a:blip r:embed="rId2" cstate="print">
-            <a:extLst>
-              <a:ext uri="{28A0092B-C50C-407E-A947-70E740481C1C}">
-                <a14:useLocalDpi xmlns:a14="http://schemas.microsoft.com/office/drawing/2010/main" val="0"/>
-              </a:ext>
-            </a:extLst>
-          </a:blip>
-          <a:stretch>
-            <a:fillRect/>
-          </a:stretch>
-        </p:blipFill>
-        <p:spPr>
-          <a:xfrm>
-            <a:off x="3896680" y="3435879"/>
-            <a:ext cx="4398640" cy="1837715"/>
-          </a:xfrm>
-          <a:prstGeom prst="rect">
-            <a:avLst/>
-          </a:prstGeom>
-        </p:spPr>
-      </p:pic>
-    </p:spTree>
-    <p:extLst>
-      <p:ext uri="{BB962C8B-B14F-4D97-AF65-F5344CB8AC3E}">
-        <p14:creationId xmlns:p14="http://schemas.microsoft.com/office/powerpoint/2010/main" val="1235374328"/>
-      </p:ext>
-    </p:extLst>
-  </p:cSld>
-  <p:clrMapOvr>
-    <a:masterClrMapping/>
-  </p:clrMapOvr>
-</p:sld>
-</file>
-
-<file path=ppt/slides/slide11.xml><?xml version="1.0" encoding="utf-8"?>
-<p:sld xmlns:a="http://schemas.openxmlformats.org/drawingml/2006/main" xmlns:r="http://schemas.openxmlformats.org/officeDocument/2006/relationships" xmlns:p="http://schemas.openxmlformats.org/presentationml/2006/main">
-  <p:cSld>
-    <p:spTree>
-      <p:nvGrpSpPr>
-        <p:cNvPr id="1" name=""/>
-        <p:cNvGrpSpPr/>
-        <p:nvPr/>
-      </p:nvGrpSpPr>
-      <p:grpSpPr>
-        <a:xfrm>
-          <a:off x="0" y="0"/>
-          <a:ext cx="0" cy="0"/>
-          <a:chOff x="0" y="0"/>
-          <a:chExt cx="0" cy="0"/>
-        </a:xfrm>
-      </p:grpSpPr>
-      <p:sp>
-        <p:nvSpPr>
-          <p:cNvPr id="3" name="Rectangle 2"/>
-          <p:cNvSpPr/>
-          <p:nvPr/>
-        </p:nvSpPr>
-        <p:spPr>
-          <a:xfrm>
-            <a:off x="239433" y="758315"/>
-            <a:ext cx="11617207" cy="2739211"/>
-          </a:xfrm>
-          <a:prstGeom prst="rect">
-            <a:avLst/>
-          </a:prstGeom>
-        </p:spPr>
-        <p:txBody>
-          <a:bodyPr wrap="square">
-            <a:spAutoFit/>
-          </a:bodyPr>
-          <a:lstStyle/>
-          <a:p>
-            <a:r>
-              <a:rPr lang="en-US" sz="2200" dirty="0">
-                <a:latin typeface="Arial" pitchFamily="34" charset="0"/>
-                <a:cs typeface="Arial" pitchFamily="34" charset="0"/>
-              </a:rPr>
-              <a:t>Data is any facts that can be stored and that can be processed by a computer.</a:t>
-            </a:r>
-          </a:p>
-          <a:p>
-            <a:endParaRPr lang="en-US" sz="2200" dirty="0">
-              <a:latin typeface="Arial" pitchFamily="34" charset="0"/>
-              <a:cs typeface="Arial" pitchFamily="34" charset="0"/>
-            </a:endParaRPr>
-          </a:p>
-          <a:p>
-            <a:r>
-              <a:rPr lang="en-US" sz="2400" dirty="0">
-                <a:latin typeface="Arial" pitchFamily="34" charset="0"/>
-                <a:cs typeface="Arial" pitchFamily="34" charset="0"/>
-              </a:rPr>
-              <a:t>Data can be in the form of </a:t>
-            </a:r>
-            <a:r>
-              <a:rPr lang="en-US" sz="2800" dirty="0">
-                <a:solidFill>
-                  <a:schemeClr val="bg2">
-                    <a:lumMod val="25000"/>
-                  </a:schemeClr>
-                </a:solidFill>
-                <a:latin typeface="Arial" pitchFamily="34" charset="0"/>
-                <a:cs typeface="Arial" pitchFamily="34" charset="0"/>
-              </a:rPr>
-              <a:t>Text</a:t>
-            </a:r>
-            <a:r>
-              <a:rPr lang="en-US" sz="2800" dirty="0">
-                <a:latin typeface="Arial" pitchFamily="34" charset="0"/>
-                <a:cs typeface="Arial" pitchFamily="34" charset="0"/>
-              </a:rPr>
-              <a:t> or </a:t>
-            </a:r>
-            <a:r>
-              <a:rPr lang="en-US" sz="2800" dirty="0">
-                <a:solidFill>
-                  <a:schemeClr val="bg2">
-                    <a:lumMod val="25000"/>
-                  </a:schemeClr>
-                </a:solidFill>
-                <a:latin typeface="Arial" pitchFamily="34" charset="0"/>
-                <a:cs typeface="Arial" pitchFamily="34" charset="0"/>
-              </a:rPr>
-              <a:t>Multimedia</a:t>
-            </a:r>
-            <a:endParaRPr lang="en-US" sz="3200" dirty="0">
-              <a:solidFill>
-                <a:schemeClr val="bg2">
-                  <a:lumMod val="25000"/>
-                </a:schemeClr>
-              </a:solidFill>
-              <a:latin typeface="Arial" pitchFamily="34" charset="0"/>
-              <a:cs typeface="Arial" pitchFamily="34" charset="0"/>
-            </a:endParaRPr>
-          </a:p>
-          <a:p>
-            <a:endParaRPr lang="en-US" sz="2200" dirty="0">
-              <a:solidFill>
-                <a:srgbClr val="FF0000"/>
-              </a:solidFill>
-              <a:latin typeface="Arial" panose="020B0604020202020204" pitchFamily="34" charset="0"/>
-              <a:cs typeface="Arial" panose="020B0604020202020204" pitchFamily="34" charset="0"/>
-            </a:endParaRPr>
-          </a:p>
-          <a:p>
-            <a:r>
-              <a:rPr lang="en-US" sz="2200" dirty="0">
-                <a:solidFill>
-                  <a:srgbClr val="FF0000"/>
-                </a:solidFill>
-                <a:latin typeface="Arial" panose="020B0604020202020204" pitchFamily="34" charset="0"/>
-                <a:cs typeface="Arial" panose="020B0604020202020204" pitchFamily="34" charset="0"/>
-              </a:rPr>
-              <a:t>e.g.</a:t>
-            </a:r>
-          </a:p>
-          <a:p>
-            <a:endParaRPr lang="en-US" sz="800" dirty="0">
-              <a:latin typeface="Arial" pitchFamily="34" charset="0"/>
-              <a:cs typeface="Arial" pitchFamily="34" charset="0"/>
-            </a:endParaRPr>
-          </a:p>
-          <a:p>
-            <a:pPr marL="457200" indent="-457200">
-              <a:buFont typeface="Arial" panose="020B0604020202020204" pitchFamily="34" charset="0"/>
-              <a:buChar char="•"/>
-            </a:pPr>
-            <a:r>
-              <a:rPr lang="en-US" sz="2000" dirty="0">
-                <a:solidFill>
-                  <a:schemeClr val="bg2">
-                    <a:lumMod val="25000"/>
-                  </a:schemeClr>
-                </a:solidFill>
-                <a:latin typeface="Arial" pitchFamily="34" charset="0"/>
-                <a:cs typeface="Arial" pitchFamily="34" charset="0"/>
-              </a:rPr>
-              <a:t>number</a:t>
-            </a:r>
-            <a:r>
-              <a:rPr lang="en-US" sz="2000" b="1" dirty="0">
-                <a:solidFill>
-                  <a:schemeClr val="bg2">
-                    <a:lumMod val="25000"/>
-                  </a:schemeClr>
-                </a:solidFill>
-                <a:latin typeface="Arial" pitchFamily="34" charset="0"/>
-                <a:cs typeface="Arial" pitchFamily="34" charset="0"/>
-              </a:rPr>
-              <a:t>, </a:t>
-            </a:r>
-            <a:r>
-              <a:rPr lang="en-IN" sz="2000" dirty="0">
-                <a:solidFill>
-                  <a:schemeClr val="bg2">
-                    <a:lumMod val="25000"/>
-                  </a:schemeClr>
-                </a:solidFill>
-                <a:latin typeface="Arial" pitchFamily="34" charset="0"/>
-                <a:cs typeface="Arial" pitchFamily="34" charset="0"/>
-              </a:rPr>
-              <a:t>characters</a:t>
-            </a:r>
-            <a:r>
-              <a:rPr lang="en-US" sz="2000" b="1" dirty="0">
-                <a:solidFill>
-                  <a:schemeClr val="bg2">
-                    <a:lumMod val="25000"/>
-                  </a:schemeClr>
-                </a:solidFill>
-                <a:latin typeface="Arial" pitchFamily="34" charset="0"/>
-                <a:cs typeface="Arial" pitchFamily="34" charset="0"/>
-              </a:rPr>
-              <a:t>, </a:t>
-            </a:r>
-            <a:r>
-              <a:rPr lang="en-US" sz="1600" dirty="0">
-                <a:solidFill>
-                  <a:schemeClr val="bg2">
-                    <a:lumMod val="25000"/>
-                  </a:schemeClr>
-                </a:solidFill>
-                <a:latin typeface="Arial" pitchFamily="34" charset="0"/>
-                <a:cs typeface="Arial" pitchFamily="34" charset="0"/>
-              </a:rPr>
-              <a:t>or</a:t>
-            </a:r>
-            <a:r>
-              <a:rPr lang="en-US" sz="2000" dirty="0">
-                <a:solidFill>
-                  <a:schemeClr val="bg2">
-                    <a:lumMod val="25000"/>
-                  </a:schemeClr>
-                </a:solidFill>
-                <a:latin typeface="Arial" pitchFamily="34" charset="0"/>
-                <a:cs typeface="Arial" pitchFamily="34" charset="0"/>
-              </a:rPr>
-              <a:t> symbol</a:t>
-            </a:r>
-          </a:p>
-          <a:p>
-            <a:pPr marL="457200" indent="-457200">
-              <a:buFont typeface="Arial" panose="020B0604020202020204" pitchFamily="34" charset="0"/>
-              <a:buChar char="•"/>
-            </a:pPr>
-            <a:endParaRPr lang="en-US" sz="800" b="1" dirty="0">
-              <a:solidFill>
-                <a:schemeClr val="bg2">
-                  <a:lumMod val="25000"/>
-                </a:schemeClr>
-              </a:solidFill>
-              <a:latin typeface="Arial" pitchFamily="34" charset="0"/>
-              <a:cs typeface="Arial" pitchFamily="34" charset="0"/>
-            </a:endParaRPr>
-          </a:p>
-          <a:p>
-            <a:pPr marL="457200" indent="-457200">
-              <a:buFont typeface="Arial" panose="020B0604020202020204" pitchFamily="34" charset="0"/>
-              <a:buChar char="•"/>
-            </a:pPr>
-            <a:r>
-              <a:rPr lang="en-US" sz="2000" dirty="0">
-                <a:solidFill>
-                  <a:schemeClr val="bg2">
-                    <a:lumMod val="25000"/>
-                  </a:schemeClr>
-                </a:solidFill>
-                <a:latin typeface="Arial" pitchFamily="34" charset="0"/>
-                <a:cs typeface="Arial" pitchFamily="34" charset="0"/>
-              </a:rPr>
-              <a:t>images</a:t>
-            </a:r>
-            <a:r>
-              <a:rPr lang="en-US" sz="2000" b="1" dirty="0">
-                <a:solidFill>
-                  <a:schemeClr val="bg2">
-                    <a:lumMod val="25000"/>
-                  </a:schemeClr>
-                </a:solidFill>
-                <a:latin typeface="Arial" pitchFamily="34" charset="0"/>
-                <a:cs typeface="Arial" pitchFamily="34" charset="0"/>
-              </a:rPr>
-              <a:t>, </a:t>
-            </a:r>
-            <a:r>
-              <a:rPr lang="en-US" sz="2000" dirty="0">
-                <a:solidFill>
-                  <a:schemeClr val="bg2">
-                    <a:lumMod val="25000"/>
-                  </a:schemeClr>
-                </a:solidFill>
-                <a:latin typeface="Arial" pitchFamily="34" charset="0"/>
-                <a:cs typeface="Arial" pitchFamily="34" charset="0"/>
-              </a:rPr>
-              <a:t>audio</a:t>
-            </a:r>
-            <a:r>
-              <a:rPr lang="en-US" sz="2000" b="1" dirty="0">
-                <a:solidFill>
-                  <a:schemeClr val="bg2">
-                    <a:lumMod val="25000"/>
-                  </a:schemeClr>
-                </a:solidFill>
-                <a:latin typeface="Arial" pitchFamily="34" charset="0"/>
-                <a:cs typeface="Arial" pitchFamily="34" charset="0"/>
-              </a:rPr>
-              <a:t>, </a:t>
-            </a:r>
-            <a:r>
-              <a:rPr lang="en-US" sz="2000" dirty="0">
-                <a:solidFill>
-                  <a:schemeClr val="bg2">
-                    <a:lumMod val="25000"/>
-                  </a:schemeClr>
-                </a:solidFill>
-                <a:latin typeface="Arial" pitchFamily="34" charset="0"/>
-                <a:cs typeface="Arial" pitchFamily="34" charset="0"/>
-              </a:rPr>
-              <a:t>video</a:t>
-            </a:r>
-            <a:r>
-              <a:rPr lang="en-US" sz="2000" b="1" dirty="0">
-                <a:solidFill>
-                  <a:schemeClr val="bg2">
-                    <a:lumMod val="25000"/>
-                  </a:schemeClr>
-                </a:solidFill>
-                <a:latin typeface="Arial" pitchFamily="34" charset="0"/>
-                <a:cs typeface="Arial" pitchFamily="34" charset="0"/>
-              </a:rPr>
-              <a:t>, </a:t>
-            </a:r>
-            <a:r>
-              <a:rPr lang="en-US" sz="1600" dirty="0">
-                <a:solidFill>
-                  <a:schemeClr val="bg2">
-                    <a:lumMod val="25000"/>
-                  </a:schemeClr>
-                </a:solidFill>
-                <a:latin typeface="Arial" pitchFamily="34" charset="0"/>
-                <a:cs typeface="Arial" pitchFamily="34" charset="0"/>
-              </a:rPr>
-              <a:t>or</a:t>
-            </a:r>
-            <a:r>
-              <a:rPr lang="en-US" sz="2000" b="1" dirty="0">
-                <a:solidFill>
-                  <a:schemeClr val="bg2">
-                    <a:lumMod val="25000"/>
-                  </a:schemeClr>
-                </a:solidFill>
-                <a:latin typeface="Arial" pitchFamily="34" charset="0"/>
-                <a:cs typeface="Arial" pitchFamily="34" charset="0"/>
-              </a:rPr>
-              <a:t> </a:t>
-            </a:r>
-            <a:r>
-              <a:rPr lang="en-US" sz="2000" dirty="0">
-                <a:solidFill>
-                  <a:schemeClr val="bg2">
-                    <a:lumMod val="25000"/>
-                  </a:schemeClr>
-                </a:solidFill>
-                <a:latin typeface="Arial" pitchFamily="34" charset="0"/>
-                <a:cs typeface="Arial" pitchFamily="34" charset="0"/>
-              </a:rPr>
-              <a:t>signal</a:t>
-            </a:r>
-            <a:endParaRPr lang="en-US" sz="1600" dirty="0">
-              <a:solidFill>
-                <a:schemeClr val="bg2">
-                  <a:lumMod val="25000"/>
-                </a:schemeClr>
-              </a:solidFill>
-              <a:latin typeface="Arial" pitchFamily="34" charset="0"/>
-              <a:cs typeface="Arial" pitchFamily="34" charset="0"/>
-            </a:endParaRPr>
-          </a:p>
-        </p:txBody>
-      </p:sp>
-      <p:sp>
-        <p:nvSpPr>
           <p:cNvPr id="5" name="Rectangle 4"/>
           <p:cNvSpPr/>
           <p:nvPr/>
@@ -4457,62 +4014,460 @@
                 <a:latin typeface="Arial" pitchFamily="34" charset="0"/>
                 <a:cs typeface="Arial" pitchFamily="34" charset="0"/>
               </a:rPr>
-              <a:t>what is </a:t>
-            </a:r>
-            <a:r>
-              <a:rPr lang="en-US" sz="3200" i="1" dirty="0">
-                <a:solidFill>
-                  <a:srgbClr val="FF9900"/>
-                </a:solidFill>
-                <a:latin typeface="Arial" pitchFamily="34" charset="0"/>
-                <a:cs typeface="Arial" pitchFamily="34" charset="0"/>
-              </a:rPr>
-              <a:t>data </a:t>
-            </a:r>
-            <a:r>
-              <a:rPr lang="en-IN" sz="3200" i="1" dirty="0">
-                <a:solidFill>
-                  <a:srgbClr val="FF9900"/>
-                </a:solidFill>
-                <a:latin typeface="Arial" pitchFamily="34" charset="0"/>
-                <a:cs typeface="Arial" pitchFamily="34" charset="0"/>
-              </a:rPr>
-              <a:t> </a:t>
+              <a:t>High level language</a:t>
             </a:r>
           </a:p>
         </p:txBody>
       </p:sp>
-      <p:pic>
-        <p:nvPicPr>
-          <p:cNvPr id="6" name="Picture 5"/>
-          <p:cNvPicPr>
-            <a:picLocks noChangeAspect="1"/>
-          </p:cNvPicPr>
-          <p:nvPr/>
-        </p:nvPicPr>
-        <p:blipFill>
-          <a:blip r:embed="rId2" cstate="print">
+      <p:sp>
+        <p:nvSpPr>
+          <p:cNvPr id="3" name="TextBox 2">
             <a:extLst>
-              <a:ext uri="{28A0092B-C50C-407E-A947-70E740481C1C}">
-                <a14:useLocalDpi xmlns:a14="http://schemas.microsoft.com/office/drawing/2010/main" val="0"/>
+              <a:ext uri="{FF2B5EF4-FFF2-40B4-BE49-F238E27FC236}">
+                <a16:creationId xmlns:a16="http://schemas.microsoft.com/office/drawing/2014/main" id="{58AB581D-83C6-3256-C60D-A719F7FEE21B}"/>
               </a:ext>
             </a:extLst>
-          </a:blip>
-          <a:stretch>
-            <a:fillRect/>
-          </a:stretch>
-        </p:blipFill>
+          </p:cNvPr>
+          <p:cNvSpPr txBox="1"/>
+          <p:nvPr/>
+        </p:nvSpPr>
         <p:spPr>
           <a:xfrm>
-            <a:off x="7896200" y="2626251"/>
-            <a:ext cx="3816424" cy="3972779"/>
+            <a:off x="191344" y="913938"/>
+            <a:ext cx="11665296" cy="5755422"/>
+          </a:xfrm>
+          <a:prstGeom prst="rect">
+            <a:avLst/>
+          </a:prstGeom>
+          <a:noFill/>
+        </p:spPr>
+        <p:txBody>
+          <a:bodyPr wrap="square">
+            <a:spAutoFit/>
+          </a:bodyPr>
+          <a:lstStyle/>
+          <a:p>
+            <a:r>
+              <a:rPr lang="en-IN" sz="2000" dirty="0">
+                <a:latin typeface="Arial" panose="020B0604020202020204" pitchFamily="34" charset="0"/>
+                <a:cs typeface="Arial" panose="020B0604020202020204" pitchFamily="34" charset="0"/>
+              </a:rPr>
+              <a:t>A High-Level Language is a computer programming language that uses English like statements to write the computer instructions. High-level languages are most widely programming languages because they are easy to understand to human being.</a:t>
+            </a:r>
+          </a:p>
+          <a:p>
+            <a:endParaRPr lang="en-IN" sz="2000" dirty="0">
+              <a:latin typeface="Arial" panose="020B0604020202020204" pitchFamily="34" charset="0"/>
+              <a:cs typeface="Arial" panose="020B0604020202020204" pitchFamily="34" charset="0"/>
+            </a:endParaRPr>
+          </a:p>
+          <a:p>
+            <a:r>
+              <a:rPr lang="en-IN" b="1" dirty="0">
+                <a:latin typeface="Arial" panose="020B0604020202020204" pitchFamily="34" charset="0"/>
+                <a:cs typeface="Arial" panose="020B0604020202020204" pitchFamily="34" charset="0"/>
+              </a:rPr>
+              <a:t>Here is a list of some important characteristics of high-level languages</a:t>
+            </a:r>
+            <a:endParaRPr lang="en-IN" sz="2000" dirty="0">
+              <a:latin typeface="Arial" panose="020B0604020202020204" pitchFamily="34" charset="0"/>
+              <a:cs typeface="Arial" panose="020B0604020202020204" pitchFamily="34" charset="0"/>
+            </a:endParaRPr>
+          </a:p>
+          <a:p>
+            <a:endParaRPr lang="en-IN" sz="800" dirty="0">
+              <a:latin typeface="Arial" panose="020B0604020202020204" pitchFamily="34" charset="0"/>
+              <a:cs typeface="Arial" panose="020B0604020202020204" pitchFamily="34" charset="0"/>
+            </a:endParaRPr>
+          </a:p>
+          <a:p>
+            <a:pPr marL="342900" indent="-342900">
+              <a:buFont typeface="Arial" panose="020B0604020202020204" pitchFamily="34" charset="0"/>
+              <a:buChar char="•"/>
+            </a:pPr>
+            <a:r>
+              <a:rPr lang="en-IN" sz="2000" dirty="0">
+                <a:latin typeface="Arial" panose="020B0604020202020204" pitchFamily="34" charset="0"/>
+                <a:cs typeface="Arial" panose="020B0604020202020204" pitchFamily="34" charset="0"/>
+              </a:rPr>
+              <a:t>It can be easily interpreted as well as compiled in comparison to low-level language.</a:t>
+            </a:r>
+          </a:p>
+          <a:p>
+            <a:pPr marL="342900" indent="-342900">
+              <a:buFont typeface="Arial" panose="020B0604020202020204" pitchFamily="34" charset="0"/>
+              <a:buChar char="•"/>
+            </a:pPr>
+            <a:endParaRPr lang="en-IN" sz="400" dirty="0">
+              <a:latin typeface="Arial" panose="020B0604020202020204" pitchFamily="34" charset="0"/>
+              <a:cs typeface="Arial" panose="020B0604020202020204" pitchFamily="34" charset="0"/>
+            </a:endParaRPr>
+          </a:p>
+          <a:p>
+            <a:pPr marL="342900" indent="-342900">
+              <a:buFont typeface="Arial" panose="020B0604020202020204" pitchFamily="34" charset="0"/>
+              <a:buChar char="•"/>
+            </a:pPr>
+            <a:r>
+              <a:rPr lang="en-IN" sz="2000" dirty="0">
+                <a:latin typeface="Arial" panose="020B0604020202020204" pitchFamily="34" charset="0"/>
+                <a:cs typeface="Arial" panose="020B0604020202020204" pitchFamily="34" charset="0"/>
+              </a:rPr>
+              <a:t>It can be considered as a programmer-friendly language.</a:t>
+            </a:r>
+          </a:p>
+          <a:p>
+            <a:pPr marL="342900" indent="-342900">
+              <a:buFont typeface="Arial" panose="020B0604020202020204" pitchFamily="34" charset="0"/>
+              <a:buChar char="•"/>
+            </a:pPr>
+            <a:endParaRPr lang="en-IN" sz="400" dirty="0">
+              <a:latin typeface="Arial" panose="020B0604020202020204" pitchFamily="34" charset="0"/>
+              <a:cs typeface="Arial" panose="020B0604020202020204" pitchFamily="34" charset="0"/>
+            </a:endParaRPr>
+          </a:p>
+          <a:p>
+            <a:pPr marL="342900" indent="-342900">
+              <a:buFont typeface="Arial" panose="020B0604020202020204" pitchFamily="34" charset="0"/>
+              <a:buChar char="•"/>
+            </a:pPr>
+            <a:r>
+              <a:rPr lang="en-IN" sz="2000" dirty="0">
+                <a:latin typeface="Arial" panose="020B0604020202020204" pitchFamily="34" charset="0"/>
+                <a:cs typeface="Arial" panose="020B0604020202020204" pitchFamily="34" charset="0"/>
+              </a:rPr>
+              <a:t>It is easy to understand.</a:t>
+            </a:r>
+          </a:p>
+          <a:p>
+            <a:pPr marL="342900" indent="-342900">
+              <a:buFont typeface="Arial" panose="020B0604020202020204" pitchFamily="34" charset="0"/>
+              <a:buChar char="•"/>
+            </a:pPr>
+            <a:endParaRPr lang="en-IN" sz="400" dirty="0">
+              <a:latin typeface="Arial" panose="020B0604020202020204" pitchFamily="34" charset="0"/>
+              <a:cs typeface="Arial" panose="020B0604020202020204" pitchFamily="34" charset="0"/>
+            </a:endParaRPr>
+          </a:p>
+          <a:p>
+            <a:pPr marL="342900" indent="-342900">
+              <a:buFont typeface="Arial" panose="020B0604020202020204" pitchFamily="34" charset="0"/>
+              <a:buChar char="•"/>
+            </a:pPr>
+            <a:r>
+              <a:rPr lang="en-IN" sz="2000" dirty="0">
+                <a:latin typeface="Arial" panose="020B0604020202020204" pitchFamily="34" charset="0"/>
+                <a:cs typeface="Arial" panose="020B0604020202020204" pitchFamily="34" charset="0"/>
+              </a:rPr>
+              <a:t>It is easy to debug.</a:t>
+            </a:r>
+          </a:p>
+          <a:p>
+            <a:pPr marL="342900" indent="-342900">
+              <a:buFont typeface="Arial" panose="020B0604020202020204" pitchFamily="34" charset="0"/>
+              <a:buChar char="•"/>
+            </a:pPr>
+            <a:endParaRPr lang="en-IN" sz="400" dirty="0">
+              <a:latin typeface="Arial" panose="020B0604020202020204" pitchFamily="34" charset="0"/>
+              <a:cs typeface="Arial" panose="020B0604020202020204" pitchFamily="34" charset="0"/>
+            </a:endParaRPr>
+          </a:p>
+          <a:p>
+            <a:pPr marL="342900" indent="-342900">
+              <a:buFont typeface="Arial" panose="020B0604020202020204" pitchFamily="34" charset="0"/>
+              <a:buChar char="•"/>
+            </a:pPr>
+            <a:r>
+              <a:rPr lang="en-IN" sz="2000" dirty="0">
+                <a:latin typeface="Arial" panose="020B0604020202020204" pitchFamily="34" charset="0"/>
+                <a:cs typeface="Arial" panose="020B0604020202020204" pitchFamily="34" charset="0"/>
+              </a:rPr>
+              <a:t>It is simple in terms of maintenance.</a:t>
+            </a:r>
+          </a:p>
+          <a:p>
+            <a:pPr marL="342900" indent="-342900">
+              <a:buFont typeface="Arial" panose="020B0604020202020204" pitchFamily="34" charset="0"/>
+              <a:buChar char="•"/>
+            </a:pPr>
+            <a:endParaRPr lang="en-IN" sz="400" dirty="0">
+              <a:latin typeface="Arial" panose="020B0604020202020204" pitchFamily="34" charset="0"/>
+              <a:cs typeface="Arial" panose="020B0604020202020204" pitchFamily="34" charset="0"/>
+            </a:endParaRPr>
+          </a:p>
+          <a:p>
+            <a:pPr marL="342900" indent="-342900">
+              <a:buFont typeface="Arial" panose="020B0604020202020204" pitchFamily="34" charset="0"/>
+              <a:buChar char="•"/>
+            </a:pPr>
+            <a:r>
+              <a:rPr lang="en-IN" sz="2000" dirty="0">
+                <a:latin typeface="Arial" panose="020B0604020202020204" pitchFamily="34" charset="0"/>
+                <a:cs typeface="Arial" panose="020B0604020202020204" pitchFamily="34" charset="0"/>
+              </a:rPr>
+              <a:t>It requires a compiler/interpreter to be translated into machine code.</a:t>
+            </a:r>
+          </a:p>
+          <a:p>
+            <a:pPr marL="342900" indent="-342900">
+              <a:buFont typeface="Arial" panose="020B0604020202020204" pitchFamily="34" charset="0"/>
+              <a:buChar char="•"/>
+            </a:pPr>
+            <a:endParaRPr lang="en-IN" sz="400" dirty="0">
+              <a:latin typeface="Arial" panose="020B0604020202020204" pitchFamily="34" charset="0"/>
+              <a:cs typeface="Arial" panose="020B0604020202020204" pitchFamily="34" charset="0"/>
+            </a:endParaRPr>
+          </a:p>
+          <a:p>
+            <a:pPr marL="342900" indent="-342900">
+              <a:buFont typeface="Arial" panose="020B0604020202020204" pitchFamily="34" charset="0"/>
+              <a:buChar char="•"/>
+            </a:pPr>
+            <a:r>
+              <a:rPr lang="en-IN" sz="2000" dirty="0">
+                <a:latin typeface="Arial" panose="020B0604020202020204" pitchFamily="34" charset="0"/>
+                <a:cs typeface="Arial" panose="020B0604020202020204" pitchFamily="34" charset="0"/>
+              </a:rPr>
+              <a:t>It can be run on different platforms.</a:t>
+            </a:r>
+          </a:p>
+          <a:p>
+            <a:pPr marL="342900" indent="-342900">
+              <a:buFont typeface="Arial" panose="020B0604020202020204" pitchFamily="34" charset="0"/>
+              <a:buChar char="•"/>
+            </a:pPr>
+            <a:endParaRPr lang="en-IN" sz="400" dirty="0">
+              <a:latin typeface="Arial" panose="020B0604020202020204" pitchFamily="34" charset="0"/>
+              <a:cs typeface="Arial" panose="020B0604020202020204" pitchFamily="34" charset="0"/>
+            </a:endParaRPr>
+          </a:p>
+          <a:p>
+            <a:pPr marL="342900" indent="-342900">
+              <a:buFont typeface="Arial" panose="020B0604020202020204" pitchFamily="34" charset="0"/>
+              <a:buChar char="•"/>
+            </a:pPr>
+            <a:r>
+              <a:rPr lang="en-IN" sz="2000" dirty="0">
+                <a:latin typeface="Arial" panose="020B0604020202020204" pitchFamily="34" charset="0"/>
+                <a:cs typeface="Arial" panose="020B0604020202020204" pitchFamily="34" charset="0"/>
+              </a:rPr>
+              <a:t>It can be ported from one location to another.</a:t>
+            </a:r>
+          </a:p>
+          <a:p>
+            <a:pPr marL="342900" indent="-342900">
+              <a:buFont typeface="Arial" panose="020B0604020202020204" pitchFamily="34" charset="0"/>
+              <a:buChar char="•"/>
+            </a:pPr>
+            <a:endParaRPr lang="en-IN" sz="400" dirty="0">
+              <a:latin typeface="Arial" panose="020B0604020202020204" pitchFamily="34" charset="0"/>
+              <a:cs typeface="Arial" panose="020B0604020202020204" pitchFamily="34" charset="0"/>
+            </a:endParaRPr>
+          </a:p>
+          <a:p>
+            <a:pPr marL="342900" indent="-342900">
+              <a:buFont typeface="Arial" panose="020B0604020202020204" pitchFamily="34" charset="0"/>
+              <a:buChar char="•"/>
+            </a:pPr>
+            <a:r>
+              <a:rPr lang="en-IN" sz="2000" dirty="0">
+                <a:latin typeface="Arial" panose="020B0604020202020204" pitchFamily="34" charset="0"/>
+                <a:cs typeface="Arial" panose="020B0604020202020204" pitchFamily="34" charset="0"/>
+              </a:rPr>
+              <a:t>It is less memory efficient, i.e., it consumes more memory in comparison to low-level languages.</a:t>
+            </a:r>
+          </a:p>
+          <a:p>
+            <a:pPr marL="342900" indent="-342900">
+              <a:buFont typeface="Arial" panose="020B0604020202020204" pitchFamily="34" charset="0"/>
+              <a:buChar char="•"/>
+            </a:pPr>
+            <a:endParaRPr lang="en-IN" sz="400" dirty="0">
+              <a:latin typeface="Arial" panose="020B0604020202020204" pitchFamily="34" charset="0"/>
+              <a:cs typeface="Arial" panose="020B0604020202020204" pitchFamily="34" charset="0"/>
+            </a:endParaRPr>
+          </a:p>
+          <a:p>
+            <a:pPr marL="342900" indent="-342900">
+              <a:buFont typeface="Arial" panose="020B0604020202020204" pitchFamily="34" charset="0"/>
+              <a:buChar char="•"/>
+            </a:pPr>
+            <a:r>
+              <a:rPr lang="en-IN" sz="2000" dirty="0">
+                <a:latin typeface="Arial" panose="020B0604020202020204" pitchFamily="34" charset="0"/>
+                <a:cs typeface="Arial" panose="020B0604020202020204" pitchFamily="34" charset="0"/>
+              </a:rPr>
+              <a:t>Examples of high-level languages include C, C++, Java, and Python.</a:t>
+            </a:r>
+          </a:p>
+          <a:p>
+            <a:pPr marL="342900" indent="-342900">
+              <a:buFont typeface="Arial" panose="020B0604020202020204" pitchFamily="34" charset="0"/>
+              <a:buChar char="•"/>
+            </a:pPr>
+            <a:endParaRPr lang="en-IN" sz="400" dirty="0">
+              <a:latin typeface="Arial" panose="020B0604020202020204" pitchFamily="34" charset="0"/>
+              <a:cs typeface="Arial" panose="020B0604020202020204" pitchFamily="34" charset="0"/>
+            </a:endParaRPr>
+          </a:p>
+          <a:p>
+            <a:pPr marL="342900" indent="-342900">
+              <a:buFont typeface="Arial" panose="020B0604020202020204" pitchFamily="34" charset="0"/>
+              <a:buChar char="•"/>
+            </a:pPr>
+            <a:r>
+              <a:rPr lang="en-IN" sz="2000" dirty="0">
+                <a:latin typeface="Arial" panose="020B0604020202020204" pitchFamily="34" charset="0"/>
+                <a:cs typeface="Arial" panose="020B0604020202020204" pitchFamily="34" charset="0"/>
+              </a:rPr>
+              <a:t>It is widely used.</a:t>
+            </a:r>
+          </a:p>
+        </p:txBody>
+      </p:sp>
+    </p:spTree>
+    <p:extLst>
+      <p:ext uri="{BB962C8B-B14F-4D97-AF65-F5344CB8AC3E}">
+        <p14:creationId xmlns:p14="http://schemas.microsoft.com/office/powerpoint/2010/main" val="392900703"/>
+      </p:ext>
+    </p:extLst>
+  </p:cSld>
+  <p:clrMapOvr>
+    <a:masterClrMapping/>
+  </p:clrMapOvr>
+</p:sld>
+</file>
+
+<file path=ppt/slides/slide11.xml><?xml version="1.0" encoding="utf-8"?>
+<p:sld xmlns:a="http://schemas.openxmlformats.org/drawingml/2006/main" xmlns:r="http://schemas.openxmlformats.org/officeDocument/2006/relationships" xmlns:p="http://schemas.openxmlformats.org/presentationml/2006/main" showMasterSp="0">
+  <p:cSld>
+    <p:spTree>
+      <p:nvGrpSpPr>
+        <p:cNvPr id="1" name=""/>
+        <p:cNvGrpSpPr/>
+        <p:nvPr/>
+      </p:nvGrpSpPr>
+      <p:grpSpPr>
+        <a:xfrm>
+          <a:off x="0" y="0"/>
+          <a:ext cx="0" cy="0"/>
+          <a:chOff x="0" y="0"/>
+          <a:chExt cx="0" cy="0"/>
+        </a:xfrm>
+      </p:grpSpPr>
+      <p:sp>
+        <p:nvSpPr>
+          <p:cNvPr id="5" name="Rectangle 4"/>
+          <p:cNvSpPr/>
+          <p:nvPr/>
+        </p:nvSpPr>
+        <p:spPr>
+          <a:xfrm>
+            <a:off x="4583833" y="145754"/>
+            <a:ext cx="7608168" cy="1569660"/>
           </a:xfrm>
           <a:prstGeom prst="rect">
             <a:avLst/>
           </a:prstGeom>
         </p:spPr>
-      </p:pic>
+        <p:txBody>
+          <a:bodyPr wrap="square">
+            <a:spAutoFit/>
+          </a:bodyPr>
+          <a:lstStyle/>
+          <a:p>
+            <a:r>
+              <a:rPr lang="en-IN" sz="4800" dirty="0">
+                <a:solidFill>
+                  <a:srgbClr val="FF6000"/>
+                </a:solidFill>
+                <a:latin typeface="Segoe Print" panose="02000600000000000000" pitchFamily="2" charset="0"/>
+              </a:rPr>
+              <a:t>A day without new knowledge is a lost day.</a:t>
+            </a:r>
+          </a:p>
+        </p:txBody>
+      </p:sp>
+      <p:sp>
+        <p:nvSpPr>
+          <p:cNvPr id="8" name="Title 2"/>
+          <p:cNvSpPr>
+            <a:spLocks noGrp="1"/>
+          </p:cNvSpPr>
+          <p:nvPr>
+            <p:ph type="ctrTitle"/>
+          </p:nvPr>
+        </p:nvSpPr>
+        <p:spPr>
+          <a:xfrm>
+            <a:off x="1367120" y="3068960"/>
+            <a:ext cx="9142810" cy="990600"/>
+          </a:xfrm>
+        </p:spPr>
+        <p:txBody>
+          <a:bodyPr vert="horz" anchor="t" anchorCtr="0">
+            <a:noAutofit/>
+          </a:bodyPr>
+          <a:lstStyle/>
+          <a:p>
+            <a:r>
+              <a:rPr lang="en-US" sz="4200" b="1" i="1" dirty="0">
+                <a:solidFill>
+                  <a:srgbClr val="00B0F0"/>
+                </a:solidFill>
+                <a:latin typeface="SimSun" panose="02010600030101010101" pitchFamily="2" charset="-122"/>
+                <a:ea typeface="SimSun" panose="02010600030101010101" pitchFamily="2" charset="-122"/>
+                <a:cs typeface="Arial" pitchFamily="34" charset="0"/>
+              </a:rPr>
+              <a:t>Big Data</a:t>
+            </a:r>
+          </a:p>
+        </p:txBody>
+      </p:sp>
+      <p:sp>
+        <p:nvSpPr>
+          <p:cNvPr id="7" name="Rectangle 6">
+            <a:extLst>
+              <a:ext uri="{FF2B5EF4-FFF2-40B4-BE49-F238E27FC236}">
+                <a16:creationId xmlns:a16="http://schemas.microsoft.com/office/drawing/2014/main" id="{682DE853-F794-4EAA-A4F6-EF487D25296F}"/>
+              </a:ext>
+            </a:extLst>
+          </p:cNvPr>
+          <p:cNvSpPr/>
+          <p:nvPr/>
+        </p:nvSpPr>
+        <p:spPr>
+          <a:xfrm>
+            <a:off x="181341" y="1767537"/>
+            <a:ext cx="3610403" cy="430887"/>
+          </a:xfrm>
+          <a:prstGeom prst="rect">
+            <a:avLst/>
+          </a:prstGeom>
+        </p:spPr>
+        <p:txBody>
+          <a:bodyPr wrap="square">
+            <a:spAutoFit/>
+          </a:bodyPr>
+          <a:lstStyle/>
+          <a:p>
+            <a:r>
+              <a:rPr lang="en-IN" sz="2200" dirty="0">
+                <a:solidFill>
+                  <a:schemeClr val="bg1"/>
+                </a:solidFill>
+              </a:rPr>
+              <a:t>Before we start DBT module.</a:t>
+            </a:r>
+          </a:p>
+        </p:txBody>
+      </p:sp>
     </p:spTree>
+    <p:extLst>
+      <p:ext uri="{BB962C8B-B14F-4D97-AF65-F5344CB8AC3E}">
+        <p14:creationId xmlns:p14="http://schemas.microsoft.com/office/powerpoint/2010/main" val="2378133558"/>
+      </p:ext>
+    </p:extLst>
   </p:cSld>
   <p:clrMapOvr>
     <a:masterClrMapping/>
@@ -4581,6 +4536,562 @@
                 <a:latin typeface="Segoe UI Light" panose="020B0502040204020203" pitchFamily="34" charset="0"/>
                 <a:cs typeface="Segoe UI Light" panose="020B0502040204020203" pitchFamily="34" charset="0"/>
               </a:rPr>
+              <a:t>What is data?</a:t>
+            </a:r>
+            <a:endParaRPr lang="en-US" dirty="0">
+              <a:solidFill>
+                <a:srgbClr val="DC525C"/>
+              </a:solidFill>
+              <a:latin typeface="Segoe UI Light" panose="020B0502040204020203" pitchFamily="34" charset="0"/>
+              <a:cs typeface="Segoe UI Light" panose="020B0502040204020203" pitchFamily="34" charset="0"/>
+            </a:endParaRPr>
+          </a:p>
+        </p:txBody>
+      </p:sp>
+      <p:pic>
+        <p:nvPicPr>
+          <p:cNvPr id="5" name="Picture 4"/>
+          <p:cNvPicPr>
+            <a:picLocks noChangeAspect="1"/>
+          </p:cNvPicPr>
+          <p:nvPr/>
+        </p:nvPicPr>
+        <p:blipFill>
+          <a:blip r:embed="rId2" cstate="print">
+            <a:extLst>
+              <a:ext uri="{28A0092B-C50C-407E-A947-70E740481C1C}">
+                <a14:useLocalDpi xmlns:a14="http://schemas.microsoft.com/office/drawing/2010/main" val="0"/>
+              </a:ext>
+            </a:extLst>
+          </a:blip>
+          <a:stretch>
+            <a:fillRect/>
+          </a:stretch>
+        </p:blipFill>
+        <p:spPr>
+          <a:xfrm>
+            <a:off x="3896680" y="3435879"/>
+            <a:ext cx="4398640" cy="1837715"/>
+          </a:xfrm>
+          <a:prstGeom prst="rect">
+            <a:avLst/>
+          </a:prstGeom>
+        </p:spPr>
+      </p:pic>
+    </p:spTree>
+    <p:extLst>
+      <p:ext uri="{BB962C8B-B14F-4D97-AF65-F5344CB8AC3E}">
+        <p14:creationId xmlns:p14="http://schemas.microsoft.com/office/powerpoint/2010/main" val="1235374328"/>
+      </p:ext>
+    </p:extLst>
+  </p:cSld>
+  <p:clrMapOvr>
+    <a:masterClrMapping/>
+  </p:clrMapOvr>
+</p:sld>
+</file>
+
+<file path=ppt/slides/slide13.xml><?xml version="1.0" encoding="utf-8"?>
+<p:sld xmlns:a="http://schemas.openxmlformats.org/drawingml/2006/main" xmlns:r="http://schemas.openxmlformats.org/officeDocument/2006/relationships" xmlns:p="http://schemas.openxmlformats.org/presentationml/2006/main">
+  <p:cSld>
+    <p:spTree>
+      <p:nvGrpSpPr>
+        <p:cNvPr id="1" name=""/>
+        <p:cNvGrpSpPr/>
+        <p:nvPr/>
+      </p:nvGrpSpPr>
+      <p:grpSpPr>
+        <a:xfrm>
+          <a:off x="0" y="0"/>
+          <a:ext cx="0" cy="0"/>
+          <a:chOff x="0" y="0"/>
+          <a:chExt cx="0" cy="0"/>
+        </a:xfrm>
+      </p:grpSpPr>
+      <p:sp>
+        <p:nvSpPr>
+          <p:cNvPr id="3" name="Rectangle 2"/>
+          <p:cNvSpPr/>
+          <p:nvPr/>
+        </p:nvSpPr>
+        <p:spPr>
+          <a:xfrm>
+            <a:off x="239433" y="758315"/>
+            <a:ext cx="11617207" cy="2739211"/>
+          </a:xfrm>
+          <a:prstGeom prst="rect">
+            <a:avLst/>
+          </a:prstGeom>
+        </p:spPr>
+        <p:txBody>
+          <a:bodyPr wrap="square">
+            <a:spAutoFit/>
+          </a:bodyPr>
+          <a:lstStyle/>
+          <a:p>
+            <a:r>
+              <a:rPr lang="en-US" sz="2200" dirty="0">
+                <a:latin typeface="Arial" pitchFamily="34" charset="0"/>
+                <a:cs typeface="Arial" pitchFamily="34" charset="0"/>
+              </a:rPr>
+              <a:t>Data is any facts that can be stored and that can be processed by a computer.</a:t>
+            </a:r>
+          </a:p>
+          <a:p>
+            <a:endParaRPr lang="en-US" sz="2200" dirty="0">
+              <a:latin typeface="Arial" pitchFamily="34" charset="0"/>
+              <a:cs typeface="Arial" pitchFamily="34" charset="0"/>
+            </a:endParaRPr>
+          </a:p>
+          <a:p>
+            <a:r>
+              <a:rPr lang="en-US" sz="2400" dirty="0">
+                <a:latin typeface="Arial" pitchFamily="34" charset="0"/>
+                <a:cs typeface="Arial" pitchFamily="34" charset="0"/>
+              </a:rPr>
+              <a:t>Data can be in the form of </a:t>
+            </a:r>
+            <a:r>
+              <a:rPr lang="en-US" sz="2800" dirty="0">
+                <a:solidFill>
+                  <a:schemeClr val="bg2">
+                    <a:lumMod val="25000"/>
+                  </a:schemeClr>
+                </a:solidFill>
+                <a:latin typeface="Arial" pitchFamily="34" charset="0"/>
+                <a:cs typeface="Arial" pitchFamily="34" charset="0"/>
+              </a:rPr>
+              <a:t>Text</a:t>
+            </a:r>
+            <a:r>
+              <a:rPr lang="en-US" sz="2800" dirty="0">
+                <a:latin typeface="Arial" pitchFamily="34" charset="0"/>
+                <a:cs typeface="Arial" pitchFamily="34" charset="0"/>
+              </a:rPr>
+              <a:t> or </a:t>
+            </a:r>
+            <a:r>
+              <a:rPr lang="en-US" sz="2800" dirty="0">
+                <a:solidFill>
+                  <a:schemeClr val="bg2">
+                    <a:lumMod val="25000"/>
+                  </a:schemeClr>
+                </a:solidFill>
+                <a:latin typeface="Arial" pitchFamily="34" charset="0"/>
+                <a:cs typeface="Arial" pitchFamily="34" charset="0"/>
+              </a:rPr>
+              <a:t>Multimedia</a:t>
+            </a:r>
+            <a:endParaRPr lang="en-US" sz="3200" dirty="0">
+              <a:solidFill>
+                <a:schemeClr val="bg2">
+                  <a:lumMod val="25000"/>
+                </a:schemeClr>
+              </a:solidFill>
+              <a:latin typeface="Arial" pitchFamily="34" charset="0"/>
+              <a:cs typeface="Arial" pitchFamily="34" charset="0"/>
+            </a:endParaRPr>
+          </a:p>
+          <a:p>
+            <a:endParaRPr lang="en-US" sz="2200" dirty="0">
+              <a:solidFill>
+                <a:srgbClr val="FF0000"/>
+              </a:solidFill>
+              <a:latin typeface="Arial" panose="020B0604020202020204" pitchFamily="34" charset="0"/>
+              <a:cs typeface="Arial" panose="020B0604020202020204" pitchFamily="34" charset="0"/>
+            </a:endParaRPr>
+          </a:p>
+          <a:p>
+            <a:r>
+              <a:rPr lang="en-US" sz="2200" dirty="0">
+                <a:solidFill>
+                  <a:srgbClr val="FF0000"/>
+                </a:solidFill>
+                <a:latin typeface="Arial" panose="020B0604020202020204" pitchFamily="34" charset="0"/>
+                <a:cs typeface="Arial" panose="020B0604020202020204" pitchFamily="34" charset="0"/>
+              </a:rPr>
+              <a:t>e.g.</a:t>
+            </a:r>
+          </a:p>
+          <a:p>
+            <a:endParaRPr lang="en-US" sz="800" dirty="0">
+              <a:latin typeface="Arial" pitchFamily="34" charset="0"/>
+              <a:cs typeface="Arial" pitchFamily="34" charset="0"/>
+            </a:endParaRPr>
+          </a:p>
+          <a:p>
+            <a:pPr marL="457200" indent="-457200">
+              <a:buFont typeface="Arial" panose="020B0604020202020204" pitchFamily="34" charset="0"/>
+              <a:buChar char="•"/>
+            </a:pPr>
+            <a:r>
+              <a:rPr lang="en-US" sz="2000" dirty="0">
+                <a:solidFill>
+                  <a:schemeClr val="bg2">
+                    <a:lumMod val="25000"/>
+                  </a:schemeClr>
+                </a:solidFill>
+                <a:latin typeface="Arial" pitchFamily="34" charset="0"/>
+                <a:cs typeface="Arial" pitchFamily="34" charset="0"/>
+              </a:rPr>
+              <a:t>number</a:t>
+            </a:r>
+            <a:r>
+              <a:rPr lang="en-US" sz="2000" b="1" dirty="0">
+                <a:solidFill>
+                  <a:schemeClr val="bg2">
+                    <a:lumMod val="25000"/>
+                  </a:schemeClr>
+                </a:solidFill>
+                <a:latin typeface="Arial" pitchFamily="34" charset="0"/>
+                <a:cs typeface="Arial" pitchFamily="34" charset="0"/>
+              </a:rPr>
+              <a:t>, </a:t>
+            </a:r>
+            <a:r>
+              <a:rPr lang="en-IN" sz="2000" dirty="0">
+                <a:solidFill>
+                  <a:schemeClr val="bg2">
+                    <a:lumMod val="25000"/>
+                  </a:schemeClr>
+                </a:solidFill>
+                <a:latin typeface="Arial" pitchFamily="34" charset="0"/>
+                <a:cs typeface="Arial" pitchFamily="34" charset="0"/>
+              </a:rPr>
+              <a:t>characters</a:t>
+            </a:r>
+            <a:r>
+              <a:rPr lang="en-US" sz="2000" b="1" dirty="0">
+                <a:solidFill>
+                  <a:schemeClr val="bg2">
+                    <a:lumMod val="25000"/>
+                  </a:schemeClr>
+                </a:solidFill>
+                <a:latin typeface="Arial" pitchFamily="34" charset="0"/>
+                <a:cs typeface="Arial" pitchFamily="34" charset="0"/>
+              </a:rPr>
+              <a:t>, </a:t>
+            </a:r>
+            <a:r>
+              <a:rPr lang="en-US" sz="1600" dirty="0">
+                <a:solidFill>
+                  <a:schemeClr val="bg2">
+                    <a:lumMod val="25000"/>
+                  </a:schemeClr>
+                </a:solidFill>
+                <a:latin typeface="Arial" pitchFamily="34" charset="0"/>
+                <a:cs typeface="Arial" pitchFamily="34" charset="0"/>
+              </a:rPr>
+              <a:t>or</a:t>
+            </a:r>
+            <a:r>
+              <a:rPr lang="en-US" sz="2000" dirty="0">
+                <a:solidFill>
+                  <a:schemeClr val="bg2">
+                    <a:lumMod val="25000"/>
+                  </a:schemeClr>
+                </a:solidFill>
+                <a:latin typeface="Arial" pitchFamily="34" charset="0"/>
+                <a:cs typeface="Arial" pitchFamily="34" charset="0"/>
+              </a:rPr>
+              <a:t> symbol</a:t>
+            </a:r>
+          </a:p>
+          <a:p>
+            <a:pPr marL="457200" indent="-457200">
+              <a:buFont typeface="Arial" panose="020B0604020202020204" pitchFamily="34" charset="0"/>
+              <a:buChar char="•"/>
+            </a:pPr>
+            <a:endParaRPr lang="en-US" sz="800" b="1" dirty="0">
+              <a:solidFill>
+                <a:schemeClr val="bg2">
+                  <a:lumMod val="25000"/>
+                </a:schemeClr>
+              </a:solidFill>
+              <a:latin typeface="Arial" pitchFamily="34" charset="0"/>
+              <a:cs typeface="Arial" pitchFamily="34" charset="0"/>
+            </a:endParaRPr>
+          </a:p>
+          <a:p>
+            <a:pPr marL="457200" indent="-457200">
+              <a:buFont typeface="Arial" panose="020B0604020202020204" pitchFamily="34" charset="0"/>
+              <a:buChar char="•"/>
+            </a:pPr>
+            <a:r>
+              <a:rPr lang="en-US" sz="2000" dirty="0">
+                <a:solidFill>
+                  <a:schemeClr val="bg2">
+                    <a:lumMod val="25000"/>
+                  </a:schemeClr>
+                </a:solidFill>
+                <a:latin typeface="Arial" pitchFamily="34" charset="0"/>
+                <a:cs typeface="Arial" pitchFamily="34" charset="0"/>
+              </a:rPr>
+              <a:t>images</a:t>
+            </a:r>
+            <a:r>
+              <a:rPr lang="en-US" sz="2000" b="1" dirty="0">
+                <a:solidFill>
+                  <a:schemeClr val="bg2">
+                    <a:lumMod val="25000"/>
+                  </a:schemeClr>
+                </a:solidFill>
+                <a:latin typeface="Arial" pitchFamily="34" charset="0"/>
+                <a:cs typeface="Arial" pitchFamily="34" charset="0"/>
+              </a:rPr>
+              <a:t>, </a:t>
+            </a:r>
+            <a:r>
+              <a:rPr lang="en-US" sz="2000" dirty="0">
+                <a:solidFill>
+                  <a:schemeClr val="bg2">
+                    <a:lumMod val="25000"/>
+                  </a:schemeClr>
+                </a:solidFill>
+                <a:latin typeface="Arial" pitchFamily="34" charset="0"/>
+                <a:cs typeface="Arial" pitchFamily="34" charset="0"/>
+              </a:rPr>
+              <a:t>audio</a:t>
+            </a:r>
+            <a:r>
+              <a:rPr lang="en-US" sz="2000" b="1" dirty="0">
+                <a:solidFill>
+                  <a:schemeClr val="bg2">
+                    <a:lumMod val="25000"/>
+                  </a:schemeClr>
+                </a:solidFill>
+                <a:latin typeface="Arial" pitchFamily="34" charset="0"/>
+                <a:cs typeface="Arial" pitchFamily="34" charset="0"/>
+              </a:rPr>
+              <a:t>, </a:t>
+            </a:r>
+            <a:r>
+              <a:rPr lang="en-US" sz="2000" dirty="0">
+                <a:solidFill>
+                  <a:schemeClr val="bg2">
+                    <a:lumMod val="25000"/>
+                  </a:schemeClr>
+                </a:solidFill>
+                <a:latin typeface="Arial" pitchFamily="34" charset="0"/>
+                <a:cs typeface="Arial" pitchFamily="34" charset="0"/>
+              </a:rPr>
+              <a:t>video</a:t>
+            </a:r>
+            <a:r>
+              <a:rPr lang="en-US" sz="2000" b="1" dirty="0">
+                <a:solidFill>
+                  <a:schemeClr val="bg2">
+                    <a:lumMod val="25000"/>
+                  </a:schemeClr>
+                </a:solidFill>
+                <a:latin typeface="Arial" pitchFamily="34" charset="0"/>
+                <a:cs typeface="Arial" pitchFamily="34" charset="0"/>
+              </a:rPr>
+              <a:t>, </a:t>
+            </a:r>
+            <a:r>
+              <a:rPr lang="en-US" sz="1600" dirty="0">
+                <a:solidFill>
+                  <a:schemeClr val="bg2">
+                    <a:lumMod val="25000"/>
+                  </a:schemeClr>
+                </a:solidFill>
+                <a:latin typeface="Arial" pitchFamily="34" charset="0"/>
+                <a:cs typeface="Arial" pitchFamily="34" charset="0"/>
+              </a:rPr>
+              <a:t>or</a:t>
+            </a:r>
+            <a:r>
+              <a:rPr lang="en-US" sz="2000" b="1" dirty="0">
+                <a:solidFill>
+                  <a:schemeClr val="bg2">
+                    <a:lumMod val="25000"/>
+                  </a:schemeClr>
+                </a:solidFill>
+                <a:latin typeface="Arial" pitchFamily="34" charset="0"/>
+                <a:cs typeface="Arial" pitchFamily="34" charset="0"/>
+              </a:rPr>
+              <a:t> </a:t>
+            </a:r>
+            <a:r>
+              <a:rPr lang="en-US" sz="2000" dirty="0">
+                <a:solidFill>
+                  <a:schemeClr val="bg2">
+                    <a:lumMod val="25000"/>
+                  </a:schemeClr>
+                </a:solidFill>
+                <a:latin typeface="Arial" pitchFamily="34" charset="0"/>
+                <a:cs typeface="Arial" pitchFamily="34" charset="0"/>
+              </a:rPr>
+              <a:t>signal</a:t>
+            </a:r>
+            <a:endParaRPr lang="en-US" sz="1600" dirty="0">
+              <a:solidFill>
+                <a:schemeClr val="bg2">
+                  <a:lumMod val="25000"/>
+                </a:schemeClr>
+              </a:solidFill>
+              <a:latin typeface="Arial" pitchFamily="34" charset="0"/>
+              <a:cs typeface="Arial" pitchFamily="34" charset="0"/>
+            </a:endParaRPr>
+          </a:p>
+        </p:txBody>
+      </p:sp>
+      <p:sp>
+        <p:nvSpPr>
+          <p:cNvPr id="5" name="Rectangle 4"/>
+          <p:cNvSpPr/>
+          <p:nvPr/>
+        </p:nvSpPr>
+        <p:spPr>
+          <a:xfrm>
+            <a:off x="1524596" y="4"/>
+            <a:ext cx="9142810" cy="584775"/>
+          </a:xfrm>
+          <a:prstGeom prst="rect">
+            <a:avLst/>
+          </a:prstGeom>
+          <a:noFill/>
+        </p:spPr>
+        <p:txBody>
+          <a:bodyPr wrap="square">
+            <a:spAutoFit/>
+          </a:bodyPr>
+          <a:lstStyle/>
+          <a:p>
+            <a:pPr algn="r"/>
+            <a:r>
+              <a:rPr lang="en-IN" sz="3200" i="1" dirty="0">
+                <a:solidFill>
+                  <a:srgbClr val="FF9900"/>
+                </a:solidFill>
+                <a:latin typeface="Arial" pitchFamily="34" charset="0"/>
+                <a:cs typeface="Arial" pitchFamily="34" charset="0"/>
+              </a:rPr>
+              <a:t>what is </a:t>
+            </a:r>
+            <a:r>
+              <a:rPr lang="en-US" sz="3200" i="1" dirty="0">
+                <a:solidFill>
+                  <a:srgbClr val="FF9900"/>
+                </a:solidFill>
+                <a:latin typeface="Arial" pitchFamily="34" charset="0"/>
+                <a:cs typeface="Arial" pitchFamily="34" charset="0"/>
+              </a:rPr>
+              <a:t>data </a:t>
+            </a:r>
+            <a:r>
+              <a:rPr lang="en-IN" sz="3200" i="1" dirty="0">
+                <a:solidFill>
+                  <a:srgbClr val="FF9900"/>
+                </a:solidFill>
+                <a:latin typeface="Arial" pitchFamily="34" charset="0"/>
+                <a:cs typeface="Arial" pitchFamily="34" charset="0"/>
+              </a:rPr>
+              <a:t> </a:t>
+            </a:r>
+          </a:p>
+        </p:txBody>
+      </p:sp>
+      <p:pic>
+        <p:nvPicPr>
+          <p:cNvPr id="6" name="Picture 5"/>
+          <p:cNvPicPr>
+            <a:picLocks noChangeAspect="1"/>
+          </p:cNvPicPr>
+          <p:nvPr/>
+        </p:nvPicPr>
+        <p:blipFill>
+          <a:blip r:embed="rId2" cstate="print">
+            <a:extLst>
+              <a:ext uri="{28A0092B-C50C-407E-A947-70E740481C1C}">
+                <a14:useLocalDpi xmlns:a14="http://schemas.microsoft.com/office/drawing/2010/main" val="0"/>
+              </a:ext>
+            </a:extLst>
+          </a:blip>
+          <a:stretch>
+            <a:fillRect/>
+          </a:stretch>
+        </p:blipFill>
+        <p:spPr>
+          <a:xfrm>
+            <a:off x="7896200" y="2626251"/>
+            <a:ext cx="3816424" cy="3972779"/>
+          </a:xfrm>
+          <a:prstGeom prst="rect">
+            <a:avLst/>
+          </a:prstGeom>
+        </p:spPr>
+      </p:pic>
+    </p:spTree>
+  </p:cSld>
+  <p:clrMapOvr>
+    <a:masterClrMapping/>
+  </p:clrMapOvr>
+</p:sld>
+</file>
+
+<file path=ppt/slides/slide14.xml><?xml version="1.0" encoding="utf-8"?>
+<p:sld xmlns:a="http://schemas.openxmlformats.org/drawingml/2006/main" xmlns:r="http://schemas.openxmlformats.org/officeDocument/2006/relationships" xmlns:p="http://schemas.openxmlformats.org/presentationml/2006/main">
+  <p:cSld>
+    <p:spTree>
+      <p:nvGrpSpPr>
+        <p:cNvPr id="1" name=""/>
+        <p:cNvGrpSpPr/>
+        <p:nvPr/>
+      </p:nvGrpSpPr>
+      <p:grpSpPr>
+        <a:xfrm>
+          <a:off x="0" y="0"/>
+          <a:ext cx="0" cy="0"/>
+          <a:chOff x="0" y="0"/>
+          <a:chExt cx="0" cy="0"/>
+        </a:xfrm>
+      </p:grpSpPr>
+      <p:sp>
+        <p:nvSpPr>
+          <p:cNvPr id="2" name="Title 1"/>
+          <p:cNvSpPr txBox="1">
+            <a:spLocks/>
+          </p:cNvSpPr>
+          <p:nvPr/>
+        </p:nvSpPr>
+        <p:spPr>
+          <a:xfrm>
+            <a:off x="1676400" y="2133600"/>
+            <a:ext cx="8839200" cy="838200"/>
+          </a:xfrm>
+          <a:prstGeom prst="rect">
+            <a:avLst/>
+          </a:prstGeom>
+        </p:spPr>
+        <p:txBody>
+          <a:bodyPr>
+            <a:noAutofit/>
+          </a:bodyPr>
+          <a:lstStyle>
+            <a:defPPr>
+              <a:defRPr lang="en-US"/>
+            </a:defPPr>
+            <a:lvl1pPr lvl="0" algn="ctr">
+              <a:spcBef>
+                <a:spcPct val="0"/>
+              </a:spcBef>
+              <a:defRPr sz="4800">
+                <a:latin typeface="Arial" pitchFamily="34" charset="0"/>
+                <a:cs typeface="Arial" pitchFamily="34" charset="0"/>
+              </a:defRPr>
+            </a:lvl1pPr>
+          </a:lstStyle>
+          <a:p>
+            <a:r>
+              <a:rPr lang="en-IN" dirty="0">
+                <a:solidFill>
+                  <a:srgbClr val="DC525C"/>
+                </a:solidFill>
+                <a:latin typeface="Segoe UI Light" panose="020B0502040204020203" pitchFamily="34" charset="0"/>
+                <a:cs typeface="Segoe UI Light" panose="020B0502040204020203" pitchFamily="34" charset="0"/>
+              </a:rPr>
               <a:t>What is big data?</a:t>
             </a:r>
             <a:endParaRPr lang="en-US" dirty="0">
@@ -4606,7 +5117,7 @@
 </p:sld>
 </file>
 
-<file path=ppt/slides/slide13.xml><?xml version="1.0" encoding="utf-8"?>
+<file path=ppt/slides/slide15.xml><?xml version="1.0" encoding="utf-8"?>
 <p:sld xmlns:a="http://schemas.openxmlformats.org/drawingml/2006/main" xmlns:r="http://schemas.openxmlformats.org/officeDocument/2006/relationships" xmlns:p="http://schemas.openxmlformats.org/presentationml/2006/main">
   <p:cSld>
     <p:spTree>
@@ -4752,7 +5263,7 @@
 </p:sld>
 </file>
 
-<file path=ppt/slides/slide14.xml><?xml version="1.0" encoding="utf-8"?>
+<file path=ppt/slides/slide16.xml><?xml version="1.0" encoding="utf-8"?>
 <p:sld xmlns:a="http://schemas.openxmlformats.org/drawingml/2006/main" xmlns:r="http://schemas.openxmlformats.org/officeDocument/2006/relationships" xmlns:p="http://schemas.openxmlformats.org/presentationml/2006/main" showMasterSp="0">
   <p:cSld>
     <p:spTree>
@@ -4842,704 +5353,6 @@
     <p:extLst>
       <p:ext uri="{BB962C8B-B14F-4D97-AF65-F5344CB8AC3E}">
         <p14:creationId xmlns:p14="http://schemas.microsoft.com/office/powerpoint/2010/main" val="862324416"/>
-      </p:ext>
-    </p:extLst>
-  </p:cSld>
-  <p:clrMapOvr>
-    <a:masterClrMapping/>
-  </p:clrMapOvr>
-</p:sld>
-</file>
-
-<file path=ppt/slides/slide15.xml><?xml version="1.0" encoding="utf-8"?>
-<p:sld xmlns:a="http://schemas.openxmlformats.org/drawingml/2006/main" xmlns:r="http://schemas.openxmlformats.org/officeDocument/2006/relationships" xmlns:p="http://schemas.openxmlformats.org/presentationml/2006/main">
-  <p:cSld>
-    <p:spTree>
-      <p:nvGrpSpPr>
-        <p:cNvPr id="1" name=""/>
-        <p:cNvGrpSpPr/>
-        <p:nvPr/>
-      </p:nvGrpSpPr>
-      <p:grpSpPr>
-        <a:xfrm>
-          <a:off x="0" y="0"/>
-          <a:ext cx="0" cy="0"/>
-          <a:chOff x="0" y="0"/>
-          <a:chExt cx="0" cy="0"/>
-        </a:xfrm>
-      </p:grpSpPr>
-      <p:sp>
-        <p:nvSpPr>
-          <p:cNvPr id="4" name="Rectangle 3">
-            <a:extLst>
-              <a:ext uri="{FF2B5EF4-FFF2-40B4-BE49-F238E27FC236}">
-                <a16:creationId xmlns:a16="http://schemas.microsoft.com/office/drawing/2014/main" id="{6524962B-7610-4EFD-AA5E-DDE403AB8860}"/>
-              </a:ext>
-            </a:extLst>
-          </p:cNvPr>
-          <p:cNvSpPr/>
-          <p:nvPr/>
-        </p:nvSpPr>
-        <p:spPr>
-          <a:xfrm>
-            <a:off x="1524000" y="1"/>
-            <a:ext cx="9144000" cy="584775"/>
-          </a:xfrm>
-          <a:prstGeom prst="rect">
-            <a:avLst/>
-          </a:prstGeom>
-          <a:noFill/>
-        </p:spPr>
-        <p:txBody>
-          <a:bodyPr wrap="square">
-            <a:spAutoFit/>
-          </a:bodyPr>
-          <a:lstStyle/>
-          <a:p>
-            <a:pPr algn="r"/>
-            <a:r>
-              <a:rPr lang="en-US" sz="3200" i="1" dirty="0">
-                <a:solidFill>
-                  <a:srgbClr val="FF9900"/>
-                </a:solidFill>
-                <a:latin typeface="Arial" pitchFamily="34" charset="0"/>
-                <a:cs typeface="Arial" pitchFamily="34" charset="0"/>
-              </a:rPr>
-              <a:t>Characteristics of Big Data</a:t>
-            </a:r>
-            <a:endParaRPr lang="en-IN" sz="3200" i="1" dirty="0">
-              <a:solidFill>
-                <a:srgbClr val="FF9900"/>
-              </a:solidFill>
-              <a:latin typeface="Arial" pitchFamily="34" charset="0"/>
-              <a:cs typeface="Arial" pitchFamily="34" charset="0"/>
-            </a:endParaRPr>
-          </a:p>
-        </p:txBody>
-      </p:sp>
-      <p:sp>
-        <p:nvSpPr>
-          <p:cNvPr id="6" name="TextBox 5">
-            <a:extLst>
-              <a:ext uri="{FF2B5EF4-FFF2-40B4-BE49-F238E27FC236}">
-                <a16:creationId xmlns:a16="http://schemas.microsoft.com/office/drawing/2014/main" id="{7A4EC6FF-50F3-7757-E8E3-74F1C85A625C}"/>
-              </a:ext>
-            </a:extLst>
-          </p:cNvPr>
-          <p:cNvSpPr txBox="1"/>
-          <p:nvPr/>
-        </p:nvSpPr>
-        <p:spPr>
-          <a:xfrm>
-            <a:off x="191344" y="908720"/>
-            <a:ext cx="11809312" cy="1045223"/>
-          </a:xfrm>
-          <a:prstGeom prst="rect">
-            <a:avLst/>
-          </a:prstGeom>
-          <a:noFill/>
-        </p:spPr>
-        <p:txBody>
-          <a:bodyPr wrap="square">
-            <a:spAutoFit/>
-          </a:bodyPr>
-          <a:lstStyle/>
-          <a:p>
-            <a:pPr>
-              <a:lnSpc>
-                <a:spcPct val="150000"/>
-              </a:lnSpc>
-            </a:pPr>
-            <a:r>
-              <a:rPr lang="en-IN" sz="2200" dirty="0">
-                <a:latin typeface="Arial" panose="020B0604020202020204" pitchFamily="34" charset="0"/>
-                <a:cs typeface="Arial" panose="020B0604020202020204" pitchFamily="34" charset="0"/>
-              </a:rPr>
-              <a:t>It is used by many multinational companies to process the data and business of many organizations. The data flow would exceed 150 exabytes per day before replication.</a:t>
-            </a:r>
-          </a:p>
-        </p:txBody>
-      </p:sp>
-      <p:sp>
-        <p:nvSpPr>
-          <p:cNvPr id="9" name="TextBox 8">
-            <a:extLst>
-              <a:ext uri="{FF2B5EF4-FFF2-40B4-BE49-F238E27FC236}">
-                <a16:creationId xmlns:a16="http://schemas.microsoft.com/office/drawing/2014/main" id="{AB4E6DC9-BF67-59E6-9A9C-1C759377F018}"/>
-              </a:ext>
-            </a:extLst>
-          </p:cNvPr>
-          <p:cNvSpPr txBox="1"/>
-          <p:nvPr/>
-        </p:nvSpPr>
-        <p:spPr>
-          <a:xfrm>
-            <a:off x="407368" y="2420888"/>
-            <a:ext cx="11377264" cy="3420873"/>
-          </a:xfrm>
-          <a:prstGeom prst="rect">
-            <a:avLst/>
-          </a:prstGeom>
-          <a:noFill/>
-        </p:spPr>
-        <p:txBody>
-          <a:bodyPr wrap="square">
-            <a:spAutoFit/>
-          </a:bodyPr>
-          <a:lstStyle/>
-          <a:p>
-            <a:pPr algn="just"/>
-            <a:r>
-              <a:rPr lang="en-US" sz="2400" b="0" i="0" dirty="0">
-                <a:solidFill>
-                  <a:srgbClr val="C00000"/>
-                </a:solidFill>
-                <a:effectLst/>
-                <a:latin typeface="Arial" panose="020B0604020202020204" pitchFamily="34" charset="0"/>
-                <a:cs typeface="Arial" panose="020B0604020202020204" pitchFamily="34" charset="0"/>
-              </a:rPr>
-              <a:t>There are five v's of Big Data that explains the characteristics.</a:t>
-            </a:r>
-          </a:p>
-          <a:p>
-            <a:pPr algn="just"/>
-            <a:endParaRPr lang="en-US" sz="1200" b="0" i="0" dirty="0">
-              <a:solidFill>
-                <a:srgbClr val="333333"/>
-              </a:solidFill>
-              <a:effectLst/>
-              <a:latin typeface="Arial" panose="020B0604020202020204" pitchFamily="34" charset="0"/>
-              <a:cs typeface="Arial" panose="020B0604020202020204" pitchFamily="34" charset="0"/>
-            </a:endParaRPr>
-          </a:p>
-          <a:p>
-            <a:pPr algn="just"/>
-            <a:r>
-              <a:rPr lang="en-US" sz="2200" b="0" i="0" dirty="0">
-                <a:solidFill>
-                  <a:srgbClr val="610B4B"/>
-                </a:solidFill>
-                <a:effectLst/>
-                <a:latin typeface="Arial" panose="020B0604020202020204" pitchFamily="34" charset="0"/>
-                <a:cs typeface="Arial" panose="020B0604020202020204" pitchFamily="34" charset="0"/>
-              </a:rPr>
-              <a:t>5 V's of Big Data</a:t>
-            </a:r>
-          </a:p>
-          <a:p>
-            <a:pPr algn="just"/>
-            <a:endParaRPr lang="en-US" sz="1200" b="0" i="0" dirty="0">
-              <a:solidFill>
-                <a:srgbClr val="610B4B"/>
-              </a:solidFill>
-              <a:effectLst/>
-              <a:latin typeface="Arial" panose="020B0604020202020204" pitchFamily="34" charset="0"/>
-              <a:cs typeface="Arial" panose="020B0604020202020204" pitchFamily="34" charset="0"/>
-            </a:endParaRPr>
-          </a:p>
-          <a:p>
-            <a:pPr marL="342900" indent="-342900" algn="just">
-              <a:lnSpc>
-                <a:spcPct val="150000"/>
-              </a:lnSpc>
-              <a:buFont typeface="Arial" panose="020B0604020202020204" pitchFamily="34" charset="0"/>
-              <a:buChar char="•"/>
-            </a:pPr>
-            <a:r>
-              <a:rPr lang="en-US" sz="2000" b="1" i="0" dirty="0">
-                <a:effectLst/>
-                <a:latin typeface="Arial" panose="020B0604020202020204" pitchFamily="34" charset="0"/>
-                <a:cs typeface="Arial" panose="020B0604020202020204" pitchFamily="34" charset="0"/>
-              </a:rPr>
-              <a:t>Volume</a:t>
-            </a:r>
-          </a:p>
-          <a:p>
-            <a:pPr marL="342900" indent="-342900" algn="just">
-              <a:lnSpc>
-                <a:spcPct val="150000"/>
-              </a:lnSpc>
-              <a:buFont typeface="Arial" panose="020B0604020202020204" pitchFamily="34" charset="0"/>
-              <a:buChar char="•"/>
-            </a:pPr>
-            <a:r>
-              <a:rPr lang="en-US" sz="2000" b="1" i="0" dirty="0">
-                <a:effectLst/>
-                <a:latin typeface="Arial" panose="020B0604020202020204" pitchFamily="34" charset="0"/>
-                <a:cs typeface="Arial" panose="020B0604020202020204" pitchFamily="34" charset="0"/>
-              </a:rPr>
-              <a:t>Veracity</a:t>
-            </a:r>
-          </a:p>
-          <a:p>
-            <a:pPr marL="342900" indent="-342900" algn="just">
-              <a:lnSpc>
-                <a:spcPct val="150000"/>
-              </a:lnSpc>
-              <a:buFont typeface="Arial" panose="020B0604020202020204" pitchFamily="34" charset="0"/>
-              <a:buChar char="•"/>
-            </a:pPr>
-            <a:r>
-              <a:rPr lang="en-US" sz="2000" b="1" i="0" dirty="0">
-                <a:effectLst/>
-                <a:latin typeface="Arial" panose="020B0604020202020204" pitchFamily="34" charset="0"/>
-                <a:cs typeface="Arial" panose="020B0604020202020204" pitchFamily="34" charset="0"/>
-              </a:rPr>
-              <a:t>Variety</a:t>
-            </a:r>
-          </a:p>
-          <a:p>
-            <a:pPr marL="342900" indent="-342900" algn="just">
-              <a:lnSpc>
-                <a:spcPct val="150000"/>
-              </a:lnSpc>
-              <a:buFont typeface="Arial" panose="020B0604020202020204" pitchFamily="34" charset="0"/>
-              <a:buChar char="•"/>
-            </a:pPr>
-            <a:r>
-              <a:rPr lang="en-US" sz="2000" b="1" i="0" dirty="0">
-                <a:effectLst/>
-                <a:latin typeface="Arial" panose="020B0604020202020204" pitchFamily="34" charset="0"/>
-                <a:cs typeface="Arial" panose="020B0604020202020204" pitchFamily="34" charset="0"/>
-              </a:rPr>
-              <a:t>Value</a:t>
-            </a:r>
-          </a:p>
-          <a:p>
-            <a:pPr marL="342900" indent="-342900" algn="just">
-              <a:lnSpc>
-                <a:spcPct val="150000"/>
-              </a:lnSpc>
-              <a:buFont typeface="Arial" panose="020B0604020202020204" pitchFamily="34" charset="0"/>
-              <a:buChar char="•"/>
-            </a:pPr>
-            <a:r>
-              <a:rPr lang="en-US" sz="2000" b="1" i="0" dirty="0">
-                <a:effectLst/>
-                <a:latin typeface="Arial" panose="020B0604020202020204" pitchFamily="34" charset="0"/>
-                <a:cs typeface="Arial" panose="020B0604020202020204" pitchFamily="34" charset="0"/>
-              </a:rPr>
-              <a:t>Velocity</a:t>
-            </a:r>
-          </a:p>
-        </p:txBody>
-      </p:sp>
-    </p:spTree>
-    <p:extLst>
-      <p:ext uri="{BB962C8B-B14F-4D97-AF65-F5344CB8AC3E}">
-        <p14:creationId xmlns:p14="http://schemas.microsoft.com/office/powerpoint/2010/main" val="3232024903"/>
-      </p:ext>
-    </p:extLst>
-  </p:cSld>
-  <p:clrMapOvr>
-    <a:masterClrMapping/>
-  </p:clrMapOvr>
-</p:sld>
-</file>
-
-<file path=ppt/slides/slide16.xml><?xml version="1.0" encoding="utf-8"?>
-<p:sld xmlns:a="http://schemas.openxmlformats.org/drawingml/2006/main" xmlns:r="http://schemas.openxmlformats.org/officeDocument/2006/relationships" xmlns:p="http://schemas.openxmlformats.org/presentationml/2006/main">
-  <p:cSld>
-    <p:spTree>
-      <p:nvGrpSpPr>
-        <p:cNvPr id="1" name=""/>
-        <p:cNvGrpSpPr/>
-        <p:nvPr/>
-      </p:nvGrpSpPr>
-      <p:grpSpPr>
-        <a:xfrm>
-          <a:off x="0" y="0"/>
-          <a:ext cx="0" cy="0"/>
-          <a:chOff x="0" y="0"/>
-          <a:chExt cx="0" cy="0"/>
-        </a:xfrm>
-      </p:grpSpPr>
-      <p:sp>
-        <p:nvSpPr>
-          <p:cNvPr id="4" name="Rectangle 3">
-            <a:extLst>
-              <a:ext uri="{FF2B5EF4-FFF2-40B4-BE49-F238E27FC236}">
-                <a16:creationId xmlns:a16="http://schemas.microsoft.com/office/drawing/2014/main" id="{6524962B-7610-4EFD-AA5E-DDE403AB8860}"/>
-              </a:ext>
-            </a:extLst>
-          </p:cNvPr>
-          <p:cNvSpPr/>
-          <p:nvPr/>
-        </p:nvSpPr>
-        <p:spPr>
-          <a:xfrm>
-            <a:off x="1524000" y="1"/>
-            <a:ext cx="9144000" cy="584775"/>
-          </a:xfrm>
-          <a:prstGeom prst="rect">
-            <a:avLst/>
-          </a:prstGeom>
-          <a:noFill/>
-        </p:spPr>
-        <p:txBody>
-          <a:bodyPr wrap="square">
-            <a:spAutoFit/>
-          </a:bodyPr>
-          <a:lstStyle/>
-          <a:p>
-            <a:pPr algn="r"/>
-            <a:r>
-              <a:rPr lang="en-US" sz="3200" i="1" dirty="0">
-                <a:solidFill>
-                  <a:srgbClr val="FF9900"/>
-                </a:solidFill>
-                <a:latin typeface="Arial" pitchFamily="34" charset="0"/>
-                <a:cs typeface="Arial" pitchFamily="34" charset="0"/>
-              </a:rPr>
-              <a:t>Volume</a:t>
-            </a:r>
-            <a:endParaRPr lang="en-IN" sz="3200" i="1" dirty="0">
-              <a:solidFill>
-                <a:srgbClr val="FF9900"/>
-              </a:solidFill>
-              <a:latin typeface="Arial" pitchFamily="34" charset="0"/>
-              <a:cs typeface="Arial" pitchFamily="34" charset="0"/>
-            </a:endParaRPr>
-          </a:p>
-        </p:txBody>
-      </p:sp>
-      <p:sp>
-        <p:nvSpPr>
-          <p:cNvPr id="3" name="TextBox 2">
-            <a:extLst>
-              <a:ext uri="{FF2B5EF4-FFF2-40B4-BE49-F238E27FC236}">
-                <a16:creationId xmlns:a16="http://schemas.microsoft.com/office/drawing/2014/main" id="{0BD80FA2-0692-8C0A-410E-6B42560A0A5E}"/>
-              </a:ext>
-            </a:extLst>
-          </p:cNvPr>
-          <p:cNvSpPr txBox="1"/>
-          <p:nvPr/>
-        </p:nvSpPr>
-        <p:spPr>
-          <a:xfrm>
-            <a:off x="263352" y="2366878"/>
-            <a:ext cx="11521280" cy="2862322"/>
-          </a:xfrm>
-          <a:prstGeom prst="rect">
-            <a:avLst/>
-          </a:prstGeom>
-          <a:noFill/>
-        </p:spPr>
-        <p:txBody>
-          <a:bodyPr wrap="square">
-            <a:spAutoFit/>
-          </a:bodyPr>
-          <a:lstStyle/>
-          <a:p>
-            <a:pPr marL="342900" indent="-342900" algn="just">
-              <a:buFont typeface="Arial" panose="020B0604020202020204" pitchFamily="34" charset="0"/>
-              <a:buChar char="•"/>
-            </a:pPr>
-            <a:r>
-              <a:rPr lang="en-US" sz="2000" b="0" i="0" dirty="0">
-                <a:solidFill>
-                  <a:srgbClr val="333333"/>
-                </a:solidFill>
-                <a:effectLst/>
-                <a:latin typeface="Arial" panose="020B0604020202020204" pitchFamily="34" charset="0"/>
-                <a:cs typeface="Arial" panose="020B0604020202020204" pitchFamily="34" charset="0"/>
-              </a:rPr>
-              <a:t>Big Data is a vast 'volumes' of data generated from many sources daily, such as </a:t>
-            </a:r>
-            <a:r>
-              <a:rPr lang="en-US" sz="2000" b="1" i="0" dirty="0">
-                <a:solidFill>
-                  <a:srgbClr val="333333"/>
-                </a:solidFill>
-                <a:effectLst/>
-                <a:latin typeface="Arial" panose="020B0604020202020204" pitchFamily="34" charset="0"/>
-                <a:cs typeface="Arial" panose="020B0604020202020204" pitchFamily="34" charset="0"/>
-              </a:rPr>
-              <a:t>business processes, machines, social media platforms, networks, human interactions,</a:t>
-            </a:r>
-            <a:r>
-              <a:rPr lang="en-US" sz="2000" b="0" i="0" dirty="0">
-                <a:solidFill>
-                  <a:srgbClr val="333333"/>
-                </a:solidFill>
-                <a:effectLst/>
-                <a:latin typeface="Arial" panose="020B0604020202020204" pitchFamily="34" charset="0"/>
-                <a:cs typeface="Arial" panose="020B0604020202020204" pitchFamily="34" charset="0"/>
-              </a:rPr>
-              <a:t> and many more.</a:t>
-            </a:r>
-          </a:p>
-          <a:p>
-            <a:pPr marL="342900" indent="-342900" algn="just">
-              <a:buFont typeface="Arial" panose="020B0604020202020204" pitchFamily="34" charset="0"/>
-              <a:buChar char="•"/>
-            </a:pPr>
-            <a:endParaRPr lang="en-US" sz="2000" b="0" i="0" dirty="0">
-              <a:solidFill>
-                <a:srgbClr val="333333"/>
-              </a:solidFill>
-              <a:effectLst/>
-              <a:latin typeface="Arial" panose="020B0604020202020204" pitchFamily="34" charset="0"/>
-              <a:cs typeface="Arial" panose="020B0604020202020204" pitchFamily="34" charset="0"/>
-            </a:endParaRPr>
-          </a:p>
-          <a:p>
-            <a:pPr marL="342900" indent="-342900" algn="just">
-              <a:buFont typeface="Arial" panose="020B0604020202020204" pitchFamily="34" charset="0"/>
-              <a:buChar char="•"/>
-            </a:pPr>
-            <a:r>
-              <a:rPr lang="en-US" sz="2000" b="1" i="0" dirty="0">
-                <a:solidFill>
-                  <a:srgbClr val="333333"/>
-                </a:solidFill>
-                <a:effectLst/>
-                <a:latin typeface="Arial" panose="020B0604020202020204" pitchFamily="34" charset="0"/>
-                <a:cs typeface="Arial" panose="020B0604020202020204" pitchFamily="34" charset="0"/>
-              </a:rPr>
-              <a:t>Facebook</a:t>
-            </a:r>
-            <a:r>
-              <a:rPr lang="en-US" sz="2000" b="0" i="0" dirty="0">
-                <a:solidFill>
-                  <a:srgbClr val="333333"/>
-                </a:solidFill>
-                <a:effectLst/>
-                <a:latin typeface="Arial" panose="020B0604020202020204" pitchFamily="34" charset="0"/>
-                <a:cs typeface="Arial" panose="020B0604020202020204" pitchFamily="34" charset="0"/>
-              </a:rPr>
-              <a:t> can generate approximately a </a:t>
-            </a:r>
-            <a:r>
-              <a:rPr lang="en-US" sz="2000" b="1" i="0" dirty="0">
-                <a:solidFill>
-                  <a:srgbClr val="333333"/>
-                </a:solidFill>
-                <a:effectLst/>
-                <a:latin typeface="Arial" panose="020B0604020202020204" pitchFamily="34" charset="0"/>
-                <a:cs typeface="Arial" panose="020B0604020202020204" pitchFamily="34" charset="0"/>
-              </a:rPr>
-              <a:t>billion</a:t>
-            </a:r>
-            <a:r>
-              <a:rPr lang="en-US" sz="2000" b="0" i="0" dirty="0">
-                <a:solidFill>
-                  <a:srgbClr val="333333"/>
-                </a:solidFill>
-                <a:effectLst/>
-                <a:latin typeface="Arial" panose="020B0604020202020204" pitchFamily="34" charset="0"/>
-                <a:cs typeface="Arial" panose="020B0604020202020204" pitchFamily="34" charset="0"/>
-              </a:rPr>
-              <a:t> messages, </a:t>
-            </a:r>
-          </a:p>
-          <a:p>
-            <a:pPr marL="342900" indent="-342900" algn="just">
-              <a:buFont typeface="Arial" panose="020B0604020202020204" pitchFamily="34" charset="0"/>
-              <a:buChar char="•"/>
-            </a:pPr>
-            <a:endParaRPr lang="en-US" sz="2000" dirty="0">
-              <a:solidFill>
-                <a:srgbClr val="333333"/>
-              </a:solidFill>
-              <a:latin typeface="Arial" panose="020B0604020202020204" pitchFamily="34" charset="0"/>
-              <a:cs typeface="Arial" panose="020B0604020202020204" pitchFamily="34" charset="0"/>
-            </a:endParaRPr>
-          </a:p>
-          <a:p>
-            <a:pPr marL="342900" indent="-342900" algn="just">
-              <a:buFont typeface="Arial" panose="020B0604020202020204" pitchFamily="34" charset="0"/>
-              <a:buChar char="•"/>
-            </a:pPr>
-            <a:r>
-              <a:rPr lang="en-US" sz="2000" b="1" i="0" dirty="0">
-                <a:solidFill>
-                  <a:srgbClr val="333333"/>
-                </a:solidFill>
-                <a:effectLst/>
-                <a:latin typeface="Arial" panose="020B0604020202020204" pitchFamily="34" charset="0"/>
-                <a:cs typeface="Arial" panose="020B0604020202020204" pitchFamily="34" charset="0"/>
-              </a:rPr>
-              <a:t>Billion</a:t>
-            </a:r>
-            <a:r>
-              <a:rPr lang="en-US" sz="2000" b="0" i="0" dirty="0">
-                <a:solidFill>
-                  <a:srgbClr val="333333"/>
-                </a:solidFill>
-                <a:effectLst/>
-                <a:latin typeface="Arial" panose="020B0604020202020204" pitchFamily="34" charset="0"/>
-                <a:cs typeface="Arial" panose="020B0604020202020204" pitchFamily="34" charset="0"/>
-              </a:rPr>
-              <a:t> of times, the "</a:t>
-            </a:r>
-            <a:r>
-              <a:rPr lang="en-US" sz="2000" b="1" i="0" dirty="0">
-                <a:solidFill>
-                  <a:srgbClr val="333333"/>
-                </a:solidFill>
-                <a:effectLst/>
-                <a:latin typeface="Arial" panose="020B0604020202020204" pitchFamily="34" charset="0"/>
-                <a:cs typeface="Arial" panose="020B0604020202020204" pitchFamily="34" charset="0"/>
-              </a:rPr>
-              <a:t>Like</a:t>
-            </a:r>
-            <a:r>
-              <a:rPr lang="en-US" sz="2000" b="0" i="0" dirty="0">
-                <a:solidFill>
-                  <a:srgbClr val="333333"/>
-                </a:solidFill>
-                <a:effectLst/>
-                <a:latin typeface="Arial" panose="020B0604020202020204" pitchFamily="34" charset="0"/>
-                <a:cs typeface="Arial" panose="020B0604020202020204" pitchFamily="34" charset="0"/>
-              </a:rPr>
-              <a:t>" button is recorded, </a:t>
-            </a:r>
-          </a:p>
-          <a:p>
-            <a:pPr marL="342900" indent="-342900" algn="just">
-              <a:buFont typeface="Arial" panose="020B0604020202020204" pitchFamily="34" charset="0"/>
-              <a:buChar char="•"/>
-            </a:pPr>
-            <a:endParaRPr lang="en-US" sz="2000" dirty="0">
-              <a:solidFill>
-                <a:srgbClr val="333333"/>
-              </a:solidFill>
-              <a:latin typeface="Arial" panose="020B0604020202020204" pitchFamily="34" charset="0"/>
-              <a:cs typeface="Arial" panose="020B0604020202020204" pitchFamily="34" charset="0"/>
-            </a:endParaRPr>
-          </a:p>
-          <a:p>
-            <a:pPr marL="342900" indent="-342900" algn="just">
-              <a:buFont typeface="Arial" panose="020B0604020202020204" pitchFamily="34" charset="0"/>
-              <a:buChar char="•"/>
-            </a:pPr>
-            <a:r>
-              <a:rPr lang="en-US" sz="2000" b="0" i="0" dirty="0">
-                <a:solidFill>
-                  <a:srgbClr val="333333"/>
-                </a:solidFill>
-                <a:effectLst/>
-                <a:latin typeface="Arial" panose="020B0604020202020204" pitchFamily="34" charset="0"/>
-                <a:cs typeface="Arial" panose="020B0604020202020204" pitchFamily="34" charset="0"/>
-              </a:rPr>
-              <a:t>and </a:t>
-            </a:r>
-            <a:r>
-              <a:rPr lang="en-US" sz="2000" b="1" i="0" dirty="0">
-                <a:solidFill>
-                  <a:srgbClr val="333333"/>
-                </a:solidFill>
-                <a:effectLst/>
-                <a:latin typeface="Arial" panose="020B0604020202020204" pitchFamily="34" charset="0"/>
-                <a:cs typeface="Arial" panose="020B0604020202020204" pitchFamily="34" charset="0"/>
-              </a:rPr>
-              <a:t>millions</a:t>
-            </a:r>
-            <a:r>
-              <a:rPr lang="en-US" sz="2000" b="0" i="0" dirty="0">
-                <a:solidFill>
-                  <a:srgbClr val="333333"/>
-                </a:solidFill>
-                <a:effectLst/>
-                <a:latin typeface="Arial" panose="020B0604020202020204" pitchFamily="34" charset="0"/>
-                <a:cs typeface="Arial" panose="020B0604020202020204" pitchFamily="34" charset="0"/>
-              </a:rPr>
-              <a:t> of new posts are uploaded each day. </a:t>
-            </a:r>
-          </a:p>
-        </p:txBody>
-      </p:sp>
-      <p:sp>
-        <p:nvSpPr>
-          <p:cNvPr id="5" name="TextBox 4">
-            <a:extLst>
-              <a:ext uri="{FF2B5EF4-FFF2-40B4-BE49-F238E27FC236}">
-                <a16:creationId xmlns:a16="http://schemas.microsoft.com/office/drawing/2014/main" id="{4BBE33AB-BF80-A13E-D5B7-119EB9740A68}"/>
-              </a:ext>
-            </a:extLst>
-          </p:cNvPr>
-          <p:cNvSpPr txBox="1"/>
-          <p:nvPr/>
-        </p:nvSpPr>
-        <p:spPr>
-          <a:xfrm>
-            <a:off x="551384" y="1008355"/>
-            <a:ext cx="11233248" cy="830997"/>
-          </a:xfrm>
-          <a:prstGeom prst="rect">
-            <a:avLst/>
-          </a:prstGeom>
-          <a:noFill/>
-        </p:spPr>
-        <p:txBody>
-          <a:bodyPr wrap="square">
-            <a:spAutoFit/>
-          </a:bodyPr>
-          <a:lstStyle/>
-          <a:p>
-            <a:pPr algn="just"/>
-            <a:r>
-              <a:rPr lang="en-US" sz="2400" b="0" i="0" dirty="0">
-                <a:solidFill>
-                  <a:srgbClr val="C00000"/>
-                </a:solidFill>
-                <a:effectLst/>
-                <a:latin typeface="Arial" panose="020B0604020202020204" pitchFamily="34" charset="0"/>
-                <a:cs typeface="Arial" panose="020B0604020202020204" pitchFamily="34" charset="0"/>
-              </a:rPr>
-              <a:t>The name Big Data itself is related to an enormous size of data. </a:t>
-            </a:r>
-            <a:r>
-              <a:rPr lang="en-US" sz="2400" b="0" i="0" dirty="0">
-                <a:solidFill>
-                  <a:srgbClr val="333333"/>
-                </a:solidFill>
-                <a:effectLst/>
-                <a:latin typeface="Arial" panose="020B0604020202020204" pitchFamily="34" charset="0"/>
-                <a:cs typeface="Arial" panose="020B0604020202020204" pitchFamily="34" charset="0"/>
-              </a:rPr>
-              <a:t>Big data technologies can handle large amounts of data.</a:t>
-            </a:r>
-          </a:p>
-        </p:txBody>
-      </p:sp>
-      <p:pic>
-        <p:nvPicPr>
-          <p:cNvPr id="2" name="Picture 2" descr="Big Data Volume Growth - Big Data Tutorial - Edureka">
-            <a:extLst>
-              <a:ext uri="{FF2B5EF4-FFF2-40B4-BE49-F238E27FC236}">
-                <a16:creationId xmlns:a16="http://schemas.microsoft.com/office/drawing/2014/main" id="{5A774089-67ED-8738-2FF5-785289EB2AC4}"/>
-              </a:ext>
-            </a:extLst>
-          </p:cNvPr>
-          <p:cNvPicPr>
-            <a:picLocks noChangeAspect="1" noChangeArrowheads="1"/>
-          </p:cNvPicPr>
-          <p:nvPr/>
-        </p:nvPicPr>
-        <p:blipFill>
-          <a:blip r:embed="rId2"/>
-          <a:srcRect/>
-          <a:stretch>
-            <a:fillRect/>
-          </a:stretch>
-        </p:blipFill>
-        <p:spPr bwMode="auto">
-          <a:xfrm>
-            <a:off x="8382016" y="3535026"/>
-            <a:ext cx="3258600" cy="3299418"/>
-          </a:xfrm>
-          <a:prstGeom prst="rect">
-            <a:avLst/>
-          </a:prstGeom>
-          <a:noFill/>
-        </p:spPr>
-      </p:pic>
-    </p:spTree>
-    <p:extLst>
-      <p:ext uri="{BB962C8B-B14F-4D97-AF65-F5344CB8AC3E}">
-        <p14:creationId xmlns:p14="http://schemas.microsoft.com/office/powerpoint/2010/main" val="255849756"/>
       </p:ext>
     </p:extLst>
   </p:cSld>
@@ -5603,7 +5416,7 @@
                 <a:latin typeface="Arial" pitchFamily="34" charset="0"/>
                 <a:cs typeface="Arial" pitchFamily="34" charset="0"/>
               </a:rPr>
-              <a:t>Veracity</a:t>
+              <a:t>Characteristics of Big Data</a:t>
             </a:r>
             <a:endParaRPr lang="en-IN" sz="3200" i="1" dirty="0">
               <a:solidFill>
@@ -5617,10 +5430,10 @@
       </p:sp>
       <p:sp>
         <p:nvSpPr>
-          <p:cNvPr id="3" name="TextBox 2">
+          <p:cNvPr id="6" name="TextBox 5">
             <a:extLst>
               <a:ext uri="{FF2B5EF4-FFF2-40B4-BE49-F238E27FC236}">
-                <a16:creationId xmlns:a16="http://schemas.microsoft.com/office/drawing/2014/main" id="{4B5CEDCA-EEE7-04D8-EDEC-C2FA5EFF6CE5}"/>
+                <a16:creationId xmlns:a16="http://schemas.microsoft.com/office/drawing/2014/main" id="{7A4EC6FF-50F3-7757-E8E3-74F1C85A625C}"/>
               </a:ext>
             </a:extLst>
           </p:cNvPr>
@@ -5629,8 +5442,8 @@
         </p:nvSpPr>
         <p:spPr>
           <a:xfrm>
-            <a:off x="191344" y="215444"/>
-            <a:ext cx="4608512" cy="461665"/>
+            <a:off x="191344" y="908720"/>
+            <a:ext cx="11809312" cy="1045223"/>
           </a:xfrm>
           <a:prstGeom prst="rect">
             <a:avLst/>
@@ -5643,36 +5456,27 @@
           </a:bodyPr>
           <a:lstStyle/>
           <a:p>
-            <a:r>
-              <a:rPr lang="en-IN" sz="2400" b="0" i="0" u="none" strike="noStrike" dirty="0">
-                <a:solidFill>
-                  <a:srgbClr val="202124"/>
-                </a:solidFill>
-                <a:effectLst/>
-                <a:latin typeface="arial" panose="020B0604020202020204" pitchFamily="34" charset="0"/>
-              </a:rPr>
-              <a:t>Conformity</a:t>
-            </a:r>
-            <a:r>
-              <a:rPr lang="en-IN" sz="2400" b="0" i="0" dirty="0">
-                <a:solidFill>
-                  <a:srgbClr val="202124"/>
-                </a:solidFill>
-                <a:effectLst/>
-                <a:latin typeface="arial" panose="020B0604020202020204" pitchFamily="34" charset="0"/>
-              </a:rPr>
-              <a:t> to facts; accuracy.</a:t>
-            </a:r>
-            <a:endParaRPr lang="en-IN" sz="2400" dirty="0"/>
+            <a:pPr>
+              <a:lnSpc>
+                <a:spcPct val="150000"/>
+              </a:lnSpc>
+            </a:pPr>
+            <a:r>
+              <a:rPr lang="en-IN" sz="2200" dirty="0">
+                <a:latin typeface="Arial" panose="020B0604020202020204" pitchFamily="34" charset="0"/>
+                <a:cs typeface="Arial" panose="020B0604020202020204" pitchFamily="34" charset="0"/>
+              </a:rPr>
+              <a:t>It is used by many multinational companies to process the data and business of many organizations. The data flow would exceed 150 exabytes per day before replication.</a:t>
+            </a:r>
           </a:p>
         </p:txBody>
       </p:sp>
       <p:sp>
         <p:nvSpPr>
-          <p:cNvPr id="5" name="TextBox 4">
+          <p:cNvPr id="9" name="TextBox 8">
             <a:extLst>
               <a:ext uri="{FF2B5EF4-FFF2-40B4-BE49-F238E27FC236}">
-                <a16:creationId xmlns:a16="http://schemas.microsoft.com/office/drawing/2014/main" id="{60A76E6C-5DA9-1FE0-BCA5-8C766DE8FD05}"/>
+                <a16:creationId xmlns:a16="http://schemas.microsoft.com/office/drawing/2014/main" id="{AB4E6DC9-BF67-59E6-9A9C-1C759377F018}"/>
               </a:ext>
             </a:extLst>
           </p:cNvPr>
@@ -5681,8 +5485,8 @@
         </p:nvSpPr>
         <p:spPr>
           <a:xfrm>
-            <a:off x="407368" y="1008355"/>
-            <a:ext cx="11377264" cy="1938992"/>
+            <a:off x="407368" y="2420888"/>
+            <a:ext cx="11377264" cy="3420873"/>
           </a:xfrm>
           <a:prstGeom prst="rect">
             <a:avLst/>
@@ -5695,44 +5499,50 @@
           </a:bodyPr>
           <a:lstStyle/>
           <a:p>
-            <a:pPr marL="342900" indent="-342900" algn="just">
-              <a:buFont typeface="Arial" panose="020B0604020202020204" pitchFamily="34" charset="0"/>
-              <a:buChar char="•"/>
-            </a:pPr>
+            <a:pPr algn="just"/>
             <a:r>
               <a:rPr lang="en-US" sz="2400" b="0" i="0" dirty="0">
-                <a:effectLst/>
-                <a:latin typeface="Arial" panose="020B0604020202020204" pitchFamily="34" charset="0"/>
-                <a:cs typeface="Arial" panose="020B0604020202020204" pitchFamily="34" charset="0"/>
-              </a:rPr>
-              <a:t>Veracity means how much the data is reliable and accurate. </a:t>
+                <a:solidFill>
+                  <a:srgbClr val="C00000"/>
+                </a:solidFill>
+                <a:effectLst/>
+                <a:latin typeface="Arial" panose="020B0604020202020204" pitchFamily="34" charset="0"/>
+                <a:cs typeface="Arial" panose="020B0604020202020204" pitchFamily="34" charset="0"/>
+              </a:rPr>
+              <a:t>There are five v's of Big Data that explains the characteristics.</a:t>
             </a:r>
           </a:p>
           <a:p>
             <a:pPr algn="just"/>
-            <a:endParaRPr lang="en-US" sz="2400" b="0" i="0" dirty="0">
+            <a:endParaRPr lang="en-US" sz="1200" b="0" i="0" dirty="0">
+              <a:solidFill>
+                <a:srgbClr val="333333"/>
+              </a:solidFill>
               <a:effectLst/>
               <a:latin typeface="Arial" panose="020B0604020202020204" pitchFamily="34" charset="0"/>
               <a:cs typeface="Arial" panose="020B0604020202020204" pitchFamily="34" charset="0"/>
             </a:endParaRPr>
           </a:p>
           <a:p>
-            <a:pPr marL="342900" indent="-342900" algn="just">
-              <a:buFont typeface="Arial" panose="020B0604020202020204" pitchFamily="34" charset="0"/>
-              <a:buChar char="•"/>
-            </a:pPr>
-            <a:r>
-              <a:rPr lang="en-US" sz="2400" b="0" i="0" dirty="0">
-                <a:effectLst/>
-                <a:latin typeface="Arial" panose="020B0604020202020204" pitchFamily="34" charset="0"/>
-                <a:cs typeface="Arial" panose="020B0604020202020204" pitchFamily="34" charset="0"/>
-              </a:rPr>
-              <a:t>It has many ways to filter the data.</a:t>
-            </a:r>
-          </a:p>
-          <a:p>
             <a:pPr algn="just"/>
-            <a:endParaRPr lang="en-US" sz="2400" b="0" i="0" dirty="0">
+            <a:r>
+              <a:rPr lang="en-US" sz="2200" b="0" i="0" dirty="0">
+                <a:solidFill>
+                  <a:srgbClr val="610B4B"/>
+                </a:solidFill>
+                <a:effectLst/>
+                <a:latin typeface="Arial" panose="020B0604020202020204" pitchFamily="34" charset="0"/>
+                <a:cs typeface="Arial" panose="020B0604020202020204" pitchFamily="34" charset="0"/>
+              </a:rPr>
+              <a:t>5 V's of Big Data</a:t>
+            </a:r>
+          </a:p>
+          <a:p>
+            <a:pPr algn="just"/>
+            <a:endParaRPr lang="en-US" sz="1200" b="0" i="0" dirty="0">
+              <a:solidFill>
+                <a:srgbClr val="610B4B"/>
+              </a:solidFill>
               <a:effectLst/>
               <a:latin typeface="Arial" panose="020B0604020202020204" pitchFamily="34" charset="0"/>
               <a:cs typeface="Arial" panose="020B0604020202020204" pitchFamily="34" charset="0"/>
@@ -5740,16 +5550,87 @@
           </a:p>
           <a:p>
             <a:pPr marL="342900" indent="-342900" algn="just">
+              <a:lnSpc>
+                <a:spcPct val="150000"/>
+              </a:lnSpc>
               <a:buFont typeface="Arial" panose="020B0604020202020204" pitchFamily="34" charset="0"/>
               <a:buChar char="•"/>
             </a:pPr>
             <a:r>
-              <a:rPr lang="en-US" sz="2400" b="0" i="0" dirty="0">
-                <a:effectLst/>
-                <a:latin typeface="Arial" panose="020B0604020202020204" pitchFamily="34" charset="0"/>
-                <a:cs typeface="Arial" panose="020B0604020202020204" pitchFamily="34" charset="0"/>
-              </a:rPr>
-              <a:t> Veracity is the process to handle and manage data efficiently.</a:t>
+              <a:rPr lang="en-US" sz="2000" b="1" i="0" dirty="0">
+                <a:effectLst/>
+                <a:latin typeface="Arial" panose="020B0604020202020204" pitchFamily="34" charset="0"/>
+                <a:cs typeface="Arial" panose="020B0604020202020204" pitchFamily="34" charset="0"/>
+              </a:rPr>
+              <a:t>Volume</a:t>
+            </a:r>
+          </a:p>
+          <a:p>
+            <a:pPr marL="342900" indent="-342900" algn="just">
+              <a:lnSpc>
+                <a:spcPct val="150000"/>
+              </a:lnSpc>
+              <a:buFont typeface="Arial" panose="020B0604020202020204" pitchFamily="34" charset="0"/>
+              <a:buChar char="•"/>
+            </a:pPr>
+            <a:r>
+              <a:rPr lang="en-US" sz="2000" b="1" i="0" dirty="0">
+                <a:effectLst/>
+                <a:latin typeface="Arial" panose="020B0604020202020204" pitchFamily="34" charset="0"/>
+                <a:cs typeface="Arial" panose="020B0604020202020204" pitchFamily="34" charset="0"/>
+              </a:rPr>
+              <a:t>Veracity</a:t>
+            </a:r>
+          </a:p>
+          <a:p>
+            <a:pPr marL="342900" indent="-342900" algn="just">
+              <a:lnSpc>
+                <a:spcPct val="150000"/>
+              </a:lnSpc>
+              <a:buFont typeface="Arial" panose="020B0604020202020204" pitchFamily="34" charset="0"/>
+              <a:buChar char="•"/>
+            </a:pPr>
+            <a:r>
+              <a:rPr lang="en-US" sz="2000" b="1" i="0" dirty="0">
+                <a:effectLst/>
+                <a:latin typeface="Arial" panose="020B0604020202020204" pitchFamily="34" charset="0"/>
+                <a:cs typeface="Arial" panose="020B0604020202020204" pitchFamily="34" charset="0"/>
+              </a:rPr>
+              <a:t>Variety</a:t>
+            </a:r>
+          </a:p>
+          <a:p>
+            <a:pPr marL="342900" indent="-342900" algn="just">
+              <a:lnSpc>
+                <a:spcPct val="150000"/>
+              </a:lnSpc>
+              <a:buFont typeface="Arial" panose="020B0604020202020204" pitchFamily="34" charset="0"/>
+              <a:buChar char="•"/>
+            </a:pPr>
+            <a:r>
+              <a:rPr lang="en-US" sz="2000" b="1" i="0" dirty="0">
+                <a:effectLst/>
+                <a:latin typeface="Arial" panose="020B0604020202020204" pitchFamily="34" charset="0"/>
+                <a:cs typeface="Arial" panose="020B0604020202020204" pitchFamily="34" charset="0"/>
+              </a:rPr>
+              <a:t>Value</a:t>
+            </a:r>
+          </a:p>
+          <a:p>
+            <a:pPr marL="342900" indent="-342900" algn="just">
+              <a:lnSpc>
+                <a:spcPct val="150000"/>
+              </a:lnSpc>
+              <a:buFont typeface="Arial" panose="020B0604020202020204" pitchFamily="34" charset="0"/>
+              <a:buChar char="•"/>
+            </a:pPr>
+            <a:r>
+              <a:rPr lang="en-US" sz="2000" b="1" i="0" dirty="0">
+                <a:effectLst/>
+                <a:latin typeface="Arial" panose="020B0604020202020204" pitchFamily="34" charset="0"/>
+                <a:cs typeface="Arial" panose="020B0604020202020204" pitchFamily="34" charset="0"/>
+              </a:rPr>
+              <a:t>Velocity</a:t>
             </a:r>
           </a:p>
         </p:txBody>
@@ -5757,7 +5638,7 @@
     </p:spTree>
     <p:extLst>
       <p:ext uri="{BB962C8B-B14F-4D97-AF65-F5344CB8AC3E}">
-        <p14:creationId xmlns:p14="http://schemas.microsoft.com/office/powerpoint/2010/main" val="2413428036"/>
+        <p14:creationId xmlns:p14="http://schemas.microsoft.com/office/powerpoint/2010/main" val="3232024903"/>
       </p:ext>
     </p:extLst>
   </p:cSld>
@@ -5821,6 +5702,954 @@
                 <a:latin typeface="Arial" pitchFamily="34" charset="0"/>
                 <a:cs typeface="Arial" pitchFamily="34" charset="0"/>
               </a:rPr>
+              <a:t>Volume</a:t>
+            </a:r>
+            <a:endParaRPr lang="en-IN" sz="3200" i="1" dirty="0">
+              <a:solidFill>
+                <a:srgbClr val="FF9900"/>
+              </a:solidFill>
+              <a:latin typeface="Arial" pitchFamily="34" charset="0"/>
+              <a:cs typeface="Arial" pitchFamily="34" charset="0"/>
+            </a:endParaRPr>
+          </a:p>
+        </p:txBody>
+      </p:sp>
+      <p:sp>
+        <p:nvSpPr>
+          <p:cNvPr id="3" name="TextBox 2">
+            <a:extLst>
+              <a:ext uri="{FF2B5EF4-FFF2-40B4-BE49-F238E27FC236}">
+                <a16:creationId xmlns:a16="http://schemas.microsoft.com/office/drawing/2014/main" id="{0BD80FA2-0692-8C0A-410E-6B42560A0A5E}"/>
+              </a:ext>
+            </a:extLst>
+          </p:cNvPr>
+          <p:cNvSpPr txBox="1"/>
+          <p:nvPr/>
+        </p:nvSpPr>
+        <p:spPr>
+          <a:xfrm>
+            <a:off x="263352" y="2366878"/>
+            <a:ext cx="11521280" cy="2862322"/>
+          </a:xfrm>
+          <a:prstGeom prst="rect">
+            <a:avLst/>
+          </a:prstGeom>
+          <a:noFill/>
+        </p:spPr>
+        <p:txBody>
+          <a:bodyPr wrap="square">
+            <a:spAutoFit/>
+          </a:bodyPr>
+          <a:lstStyle/>
+          <a:p>
+            <a:pPr marL="342900" indent="-342900" algn="just">
+              <a:buFont typeface="Arial" panose="020B0604020202020204" pitchFamily="34" charset="0"/>
+              <a:buChar char="•"/>
+            </a:pPr>
+            <a:r>
+              <a:rPr lang="en-US" sz="2000" b="0" i="0" dirty="0">
+                <a:solidFill>
+                  <a:srgbClr val="333333"/>
+                </a:solidFill>
+                <a:effectLst/>
+                <a:latin typeface="Arial" panose="020B0604020202020204" pitchFamily="34" charset="0"/>
+                <a:cs typeface="Arial" panose="020B0604020202020204" pitchFamily="34" charset="0"/>
+              </a:rPr>
+              <a:t>Big Data is a vast 'volumes' of data generated from many sources daily, such as </a:t>
+            </a:r>
+            <a:r>
+              <a:rPr lang="en-US" sz="2000" b="1" i="0" dirty="0">
+                <a:solidFill>
+                  <a:srgbClr val="333333"/>
+                </a:solidFill>
+                <a:effectLst/>
+                <a:latin typeface="Arial" panose="020B0604020202020204" pitchFamily="34" charset="0"/>
+                <a:cs typeface="Arial" panose="020B0604020202020204" pitchFamily="34" charset="0"/>
+              </a:rPr>
+              <a:t>business processes, machines, social media platforms, networks, human interactions,</a:t>
+            </a:r>
+            <a:r>
+              <a:rPr lang="en-US" sz="2000" b="0" i="0" dirty="0">
+                <a:solidFill>
+                  <a:srgbClr val="333333"/>
+                </a:solidFill>
+                <a:effectLst/>
+                <a:latin typeface="Arial" panose="020B0604020202020204" pitchFamily="34" charset="0"/>
+                <a:cs typeface="Arial" panose="020B0604020202020204" pitchFamily="34" charset="0"/>
+              </a:rPr>
+              <a:t> and many more.</a:t>
+            </a:r>
+          </a:p>
+          <a:p>
+            <a:pPr marL="342900" indent="-342900" algn="just">
+              <a:buFont typeface="Arial" panose="020B0604020202020204" pitchFamily="34" charset="0"/>
+              <a:buChar char="•"/>
+            </a:pPr>
+            <a:endParaRPr lang="en-US" sz="2000" b="0" i="0" dirty="0">
+              <a:solidFill>
+                <a:srgbClr val="333333"/>
+              </a:solidFill>
+              <a:effectLst/>
+              <a:latin typeface="Arial" panose="020B0604020202020204" pitchFamily="34" charset="0"/>
+              <a:cs typeface="Arial" panose="020B0604020202020204" pitchFamily="34" charset="0"/>
+            </a:endParaRPr>
+          </a:p>
+          <a:p>
+            <a:pPr marL="342900" indent="-342900" algn="just">
+              <a:buFont typeface="Arial" panose="020B0604020202020204" pitchFamily="34" charset="0"/>
+              <a:buChar char="•"/>
+            </a:pPr>
+            <a:r>
+              <a:rPr lang="en-US" sz="2000" b="1" i="0" dirty="0">
+                <a:solidFill>
+                  <a:srgbClr val="333333"/>
+                </a:solidFill>
+                <a:effectLst/>
+                <a:latin typeface="Arial" panose="020B0604020202020204" pitchFamily="34" charset="0"/>
+                <a:cs typeface="Arial" panose="020B0604020202020204" pitchFamily="34" charset="0"/>
+              </a:rPr>
+              <a:t>Facebook</a:t>
+            </a:r>
+            <a:r>
+              <a:rPr lang="en-US" sz="2000" b="0" i="0" dirty="0">
+                <a:solidFill>
+                  <a:srgbClr val="333333"/>
+                </a:solidFill>
+                <a:effectLst/>
+                <a:latin typeface="Arial" panose="020B0604020202020204" pitchFamily="34" charset="0"/>
+                <a:cs typeface="Arial" panose="020B0604020202020204" pitchFamily="34" charset="0"/>
+              </a:rPr>
+              <a:t> can generate approximately a </a:t>
+            </a:r>
+            <a:r>
+              <a:rPr lang="en-US" sz="2000" b="1" i="0" dirty="0">
+                <a:solidFill>
+                  <a:srgbClr val="333333"/>
+                </a:solidFill>
+                <a:effectLst/>
+                <a:latin typeface="Arial" panose="020B0604020202020204" pitchFamily="34" charset="0"/>
+                <a:cs typeface="Arial" panose="020B0604020202020204" pitchFamily="34" charset="0"/>
+              </a:rPr>
+              <a:t>billion</a:t>
+            </a:r>
+            <a:r>
+              <a:rPr lang="en-US" sz="2000" b="0" i="0" dirty="0">
+                <a:solidFill>
+                  <a:srgbClr val="333333"/>
+                </a:solidFill>
+                <a:effectLst/>
+                <a:latin typeface="Arial" panose="020B0604020202020204" pitchFamily="34" charset="0"/>
+                <a:cs typeface="Arial" panose="020B0604020202020204" pitchFamily="34" charset="0"/>
+              </a:rPr>
+              <a:t> messages, </a:t>
+            </a:r>
+          </a:p>
+          <a:p>
+            <a:pPr marL="342900" indent="-342900" algn="just">
+              <a:buFont typeface="Arial" panose="020B0604020202020204" pitchFamily="34" charset="0"/>
+              <a:buChar char="•"/>
+            </a:pPr>
+            <a:endParaRPr lang="en-US" sz="2000" dirty="0">
+              <a:solidFill>
+                <a:srgbClr val="333333"/>
+              </a:solidFill>
+              <a:latin typeface="Arial" panose="020B0604020202020204" pitchFamily="34" charset="0"/>
+              <a:cs typeface="Arial" panose="020B0604020202020204" pitchFamily="34" charset="0"/>
+            </a:endParaRPr>
+          </a:p>
+          <a:p>
+            <a:pPr marL="342900" indent="-342900" algn="just">
+              <a:buFont typeface="Arial" panose="020B0604020202020204" pitchFamily="34" charset="0"/>
+              <a:buChar char="•"/>
+            </a:pPr>
+            <a:r>
+              <a:rPr lang="en-US" sz="2000" b="1" i="0" dirty="0">
+                <a:solidFill>
+                  <a:srgbClr val="333333"/>
+                </a:solidFill>
+                <a:effectLst/>
+                <a:latin typeface="Arial" panose="020B0604020202020204" pitchFamily="34" charset="0"/>
+                <a:cs typeface="Arial" panose="020B0604020202020204" pitchFamily="34" charset="0"/>
+              </a:rPr>
+              <a:t>Billion</a:t>
+            </a:r>
+            <a:r>
+              <a:rPr lang="en-US" sz="2000" b="0" i="0" dirty="0">
+                <a:solidFill>
+                  <a:srgbClr val="333333"/>
+                </a:solidFill>
+                <a:effectLst/>
+                <a:latin typeface="Arial" panose="020B0604020202020204" pitchFamily="34" charset="0"/>
+                <a:cs typeface="Arial" panose="020B0604020202020204" pitchFamily="34" charset="0"/>
+              </a:rPr>
+              <a:t> of times, the "</a:t>
+            </a:r>
+            <a:r>
+              <a:rPr lang="en-US" sz="2000" b="1" i="0" dirty="0">
+                <a:solidFill>
+                  <a:srgbClr val="333333"/>
+                </a:solidFill>
+                <a:effectLst/>
+                <a:latin typeface="Arial" panose="020B0604020202020204" pitchFamily="34" charset="0"/>
+                <a:cs typeface="Arial" panose="020B0604020202020204" pitchFamily="34" charset="0"/>
+              </a:rPr>
+              <a:t>Like</a:t>
+            </a:r>
+            <a:r>
+              <a:rPr lang="en-US" sz="2000" b="0" i="0" dirty="0">
+                <a:solidFill>
+                  <a:srgbClr val="333333"/>
+                </a:solidFill>
+                <a:effectLst/>
+                <a:latin typeface="Arial" panose="020B0604020202020204" pitchFamily="34" charset="0"/>
+                <a:cs typeface="Arial" panose="020B0604020202020204" pitchFamily="34" charset="0"/>
+              </a:rPr>
+              <a:t>" button is recorded, </a:t>
+            </a:r>
+          </a:p>
+          <a:p>
+            <a:pPr marL="342900" indent="-342900" algn="just">
+              <a:buFont typeface="Arial" panose="020B0604020202020204" pitchFamily="34" charset="0"/>
+              <a:buChar char="•"/>
+            </a:pPr>
+            <a:endParaRPr lang="en-US" sz="2000" dirty="0">
+              <a:solidFill>
+                <a:srgbClr val="333333"/>
+              </a:solidFill>
+              <a:latin typeface="Arial" panose="020B0604020202020204" pitchFamily="34" charset="0"/>
+              <a:cs typeface="Arial" panose="020B0604020202020204" pitchFamily="34" charset="0"/>
+            </a:endParaRPr>
+          </a:p>
+          <a:p>
+            <a:pPr marL="342900" indent="-342900" algn="just">
+              <a:buFont typeface="Arial" panose="020B0604020202020204" pitchFamily="34" charset="0"/>
+              <a:buChar char="•"/>
+            </a:pPr>
+            <a:r>
+              <a:rPr lang="en-US" sz="2000" b="0" i="0" dirty="0">
+                <a:solidFill>
+                  <a:srgbClr val="333333"/>
+                </a:solidFill>
+                <a:effectLst/>
+                <a:latin typeface="Arial" panose="020B0604020202020204" pitchFamily="34" charset="0"/>
+                <a:cs typeface="Arial" panose="020B0604020202020204" pitchFamily="34" charset="0"/>
+              </a:rPr>
+              <a:t>and </a:t>
+            </a:r>
+            <a:r>
+              <a:rPr lang="en-US" sz="2000" b="1" i="0" dirty="0">
+                <a:solidFill>
+                  <a:srgbClr val="333333"/>
+                </a:solidFill>
+                <a:effectLst/>
+                <a:latin typeface="Arial" panose="020B0604020202020204" pitchFamily="34" charset="0"/>
+                <a:cs typeface="Arial" panose="020B0604020202020204" pitchFamily="34" charset="0"/>
+              </a:rPr>
+              <a:t>millions</a:t>
+            </a:r>
+            <a:r>
+              <a:rPr lang="en-US" sz="2000" b="0" i="0" dirty="0">
+                <a:solidFill>
+                  <a:srgbClr val="333333"/>
+                </a:solidFill>
+                <a:effectLst/>
+                <a:latin typeface="Arial" panose="020B0604020202020204" pitchFamily="34" charset="0"/>
+                <a:cs typeface="Arial" panose="020B0604020202020204" pitchFamily="34" charset="0"/>
+              </a:rPr>
+              <a:t> of new posts are uploaded each day. </a:t>
+            </a:r>
+          </a:p>
+        </p:txBody>
+      </p:sp>
+      <p:sp>
+        <p:nvSpPr>
+          <p:cNvPr id="5" name="TextBox 4">
+            <a:extLst>
+              <a:ext uri="{FF2B5EF4-FFF2-40B4-BE49-F238E27FC236}">
+                <a16:creationId xmlns:a16="http://schemas.microsoft.com/office/drawing/2014/main" id="{4BBE33AB-BF80-A13E-D5B7-119EB9740A68}"/>
+              </a:ext>
+            </a:extLst>
+          </p:cNvPr>
+          <p:cNvSpPr txBox="1"/>
+          <p:nvPr/>
+        </p:nvSpPr>
+        <p:spPr>
+          <a:xfrm>
+            <a:off x="551384" y="1008355"/>
+            <a:ext cx="11233248" cy="830997"/>
+          </a:xfrm>
+          <a:prstGeom prst="rect">
+            <a:avLst/>
+          </a:prstGeom>
+          <a:noFill/>
+        </p:spPr>
+        <p:txBody>
+          <a:bodyPr wrap="square">
+            <a:spAutoFit/>
+          </a:bodyPr>
+          <a:lstStyle/>
+          <a:p>
+            <a:pPr algn="just"/>
+            <a:r>
+              <a:rPr lang="en-US" sz="2400" b="0" i="0" dirty="0">
+                <a:solidFill>
+                  <a:srgbClr val="C00000"/>
+                </a:solidFill>
+                <a:effectLst/>
+                <a:latin typeface="Arial" panose="020B0604020202020204" pitchFamily="34" charset="0"/>
+                <a:cs typeface="Arial" panose="020B0604020202020204" pitchFamily="34" charset="0"/>
+              </a:rPr>
+              <a:t>The name Big Data itself is related to an enormous size of data. </a:t>
+            </a:r>
+            <a:r>
+              <a:rPr lang="en-US" sz="2400" b="0" i="0" dirty="0">
+                <a:solidFill>
+                  <a:srgbClr val="333333"/>
+                </a:solidFill>
+                <a:effectLst/>
+                <a:latin typeface="Arial" panose="020B0604020202020204" pitchFamily="34" charset="0"/>
+                <a:cs typeface="Arial" panose="020B0604020202020204" pitchFamily="34" charset="0"/>
+              </a:rPr>
+              <a:t>Big data technologies can handle large amounts of data.</a:t>
+            </a:r>
+          </a:p>
+        </p:txBody>
+      </p:sp>
+      <p:pic>
+        <p:nvPicPr>
+          <p:cNvPr id="2" name="Picture 2" descr="Big Data Volume Growth - Big Data Tutorial - Edureka">
+            <a:extLst>
+              <a:ext uri="{FF2B5EF4-FFF2-40B4-BE49-F238E27FC236}">
+                <a16:creationId xmlns:a16="http://schemas.microsoft.com/office/drawing/2014/main" id="{5A774089-67ED-8738-2FF5-785289EB2AC4}"/>
+              </a:ext>
+            </a:extLst>
+          </p:cNvPr>
+          <p:cNvPicPr>
+            <a:picLocks noChangeAspect="1" noChangeArrowheads="1"/>
+          </p:cNvPicPr>
+          <p:nvPr/>
+        </p:nvPicPr>
+        <p:blipFill>
+          <a:blip r:embed="rId2"/>
+          <a:srcRect/>
+          <a:stretch>
+            <a:fillRect/>
+          </a:stretch>
+        </p:blipFill>
+        <p:spPr bwMode="auto">
+          <a:xfrm>
+            <a:off x="8382016" y="3535026"/>
+            <a:ext cx="3258600" cy="3299418"/>
+          </a:xfrm>
+          <a:prstGeom prst="rect">
+            <a:avLst/>
+          </a:prstGeom>
+          <a:noFill/>
+        </p:spPr>
+      </p:pic>
+    </p:spTree>
+    <p:extLst>
+      <p:ext uri="{BB962C8B-B14F-4D97-AF65-F5344CB8AC3E}">
+        <p14:creationId xmlns:p14="http://schemas.microsoft.com/office/powerpoint/2010/main" val="255849756"/>
+      </p:ext>
+    </p:extLst>
+  </p:cSld>
+  <p:clrMapOvr>
+    <a:masterClrMapping/>
+  </p:clrMapOvr>
+</p:sld>
+</file>
+
+<file path=ppt/slides/slide19.xml><?xml version="1.0" encoding="utf-8"?>
+<p:sld xmlns:a="http://schemas.openxmlformats.org/drawingml/2006/main" xmlns:r="http://schemas.openxmlformats.org/officeDocument/2006/relationships" xmlns:p="http://schemas.openxmlformats.org/presentationml/2006/main">
+  <p:cSld>
+    <p:spTree>
+      <p:nvGrpSpPr>
+        <p:cNvPr id="1" name=""/>
+        <p:cNvGrpSpPr/>
+        <p:nvPr/>
+      </p:nvGrpSpPr>
+      <p:grpSpPr>
+        <a:xfrm>
+          <a:off x="0" y="0"/>
+          <a:ext cx="0" cy="0"/>
+          <a:chOff x="0" y="0"/>
+          <a:chExt cx="0" cy="0"/>
+        </a:xfrm>
+      </p:grpSpPr>
+      <p:sp>
+        <p:nvSpPr>
+          <p:cNvPr id="4" name="Rectangle 3">
+            <a:extLst>
+              <a:ext uri="{FF2B5EF4-FFF2-40B4-BE49-F238E27FC236}">
+                <a16:creationId xmlns:a16="http://schemas.microsoft.com/office/drawing/2014/main" id="{6524962B-7610-4EFD-AA5E-DDE403AB8860}"/>
+              </a:ext>
+            </a:extLst>
+          </p:cNvPr>
+          <p:cNvSpPr/>
+          <p:nvPr/>
+        </p:nvSpPr>
+        <p:spPr>
+          <a:xfrm>
+            <a:off x="1524000" y="1"/>
+            <a:ext cx="9144000" cy="584775"/>
+          </a:xfrm>
+          <a:prstGeom prst="rect">
+            <a:avLst/>
+          </a:prstGeom>
+          <a:noFill/>
+        </p:spPr>
+        <p:txBody>
+          <a:bodyPr wrap="square">
+            <a:spAutoFit/>
+          </a:bodyPr>
+          <a:lstStyle/>
+          <a:p>
+            <a:pPr algn="r"/>
+            <a:r>
+              <a:rPr lang="en-US" sz="3200" i="1" dirty="0">
+                <a:solidFill>
+                  <a:srgbClr val="FF9900"/>
+                </a:solidFill>
+                <a:latin typeface="Arial" pitchFamily="34" charset="0"/>
+                <a:cs typeface="Arial" pitchFamily="34" charset="0"/>
+              </a:rPr>
+              <a:t>Veracity</a:t>
+            </a:r>
+            <a:endParaRPr lang="en-IN" sz="3200" i="1" dirty="0">
+              <a:solidFill>
+                <a:srgbClr val="FF9900"/>
+              </a:solidFill>
+              <a:latin typeface="Arial" pitchFamily="34" charset="0"/>
+              <a:cs typeface="Arial" pitchFamily="34" charset="0"/>
+            </a:endParaRPr>
+          </a:p>
+        </p:txBody>
+      </p:sp>
+      <p:sp>
+        <p:nvSpPr>
+          <p:cNvPr id="3" name="TextBox 2">
+            <a:extLst>
+              <a:ext uri="{FF2B5EF4-FFF2-40B4-BE49-F238E27FC236}">
+                <a16:creationId xmlns:a16="http://schemas.microsoft.com/office/drawing/2014/main" id="{4B5CEDCA-EEE7-04D8-EDEC-C2FA5EFF6CE5}"/>
+              </a:ext>
+            </a:extLst>
+          </p:cNvPr>
+          <p:cNvSpPr txBox="1"/>
+          <p:nvPr/>
+        </p:nvSpPr>
+        <p:spPr>
+          <a:xfrm>
+            <a:off x="191344" y="215444"/>
+            <a:ext cx="4608512" cy="461665"/>
+          </a:xfrm>
+          <a:prstGeom prst="rect">
+            <a:avLst/>
+          </a:prstGeom>
+          <a:noFill/>
+        </p:spPr>
+        <p:txBody>
+          <a:bodyPr wrap="square">
+            <a:spAutoFit/>
+          </a:bodyPr>
+          <a:lstStyle/>
+          <a:p>
+            <a:r>
+              <a:rPr lang="en-IN" sz="2400" b="0" i="0" u="none" strike="noStrike" dirty="0">
+                <a:solidFill>
+                  <a:srgbClr val="202124"/>
+                </a:solidFill>
+                <a:effectLst/>
+                <a:latin typeface="arial" panose="020B0604020202020204" pitchFamily="34" charset="0"/>
+              </a:rPr>
+              <a:t>Conformity</a:t>
+            </a:r>
+            <a:r>
+              <a:rPr lang="en-IN" sz="2400" b="0" i="0" dirty="0">
+                <a:solidFill>
+                  <a:srgbClr val="202124"/>
+                </a:solidFill>
+                <a:effectLst/>
+                <a:latin typeface="arial" panose="020B0604020202020204" pitchFamily="34" charset="0"/>
+              </a:rPr>
+              <a:t> to facts; accuracy.</a:t>
+            </a:r>
+            <a:endParaRPr lang="en-IN" sz="2400" dirty="0"/>
+          </a:p>
+        </p:txBody>
+      </p:sp>
+      <p:sp>
+        <p:nvSpPr>
+          <p:cNvPr id="5" name="TextBox 4">
+            <a:extLst>
+              <a:ext uri="{FF2B5EF4-FFF2-40B4-BE49-F238E27FC236}">
+                <a16:creationId xmlns:a16="http://schemas.microsoft.com/office/drawing/2014/main" id="{60A76E6C-5DA9-1FE0-BCA5-8C766DE8FD05}"/>
+              </a:ext>
+            </a:extLst>
+          </p:cNvPr>
+          <p:cNvSpPr txBox="1"/>
+          <p:nvPr/>
+        </p:nvSpPr>
+        <p:spPr>
+          <a:xfrm>
+            <a:off x="407368" y="1008355"/>
+            <a:ext cx="11377264" cy="1938992"/>
+          </a:xfrm>
+          <a:prstGeom prst="rect">
+            <a:avLst/>
+          </a:prstGeom>
+          <a:noFill/>
+        </p:spPr>
+        <p:txBody>
+          <a:bodyPr wrap="square">
+            <a:spAutoFit/>
+          </a:bodyPr>
+          <a:lstStyle/>
+          <a:p>
+            <a:pPr marL="342900" indent="-342900" algn="just">
+              <a:buFont typeface="Arial" panose="020B0604020202020204" pitchFamily="34" charset="0"/>
+              <a:buChar char="•"/>
+            </a:pPr>
+            <a:r>
+              <a:rPr lang="en-US" sz="2400" b="0" i="0" dirty="0">
+                <a:effectLst/>
+                <a:latin typeface="Arial" panose="020B0604020202020204" pitchFamily="34" charset="0"/>
+                <a:cs typeface="Arial" panose="020B0604020202020204" pitchFamily="34" charset="0"/>
+              </a:rPr>
+              <a:t>Veracity means how much the data is reliable and accurate. </a:t>
+            </a:r>
+          </a:p>
+          <a:p>
+            <a:pPr algn="just"/>
+            <a:endParaRPr lang="en-US" sz="2400" b="0" i="0" dirty="0">
+              <a:effectLst/>
+              <a:latin typeface="Arial" panose="020B0604020202020204" pitchFamily="34" charset="0"/>
+              <a:cs typeface="Arial" panose="020B0604020202020204" pitchFamily="34" charset="0"/>
+            </a:endParaRPr>
+          </a:p>
+          <a:p>
+            <a:pPr marL="342900" indent="-342900" algn="just">
+              <a:buFont typeface="Arial" panose="020B0604020202020204" pitchFamily="34" charset="0"/>
+              <a:buChar char="•"/>
+            </a:pPr>
+            <a:r>
+              <a:rPr lang="en-US" sz="2400" b="0" i="0" dirty="0">
+                <a:effectLst/>
+                <a:latin typeface="Arial" panose="020B0604020202020204" pitchFamily="34" charset="0"/>
+                <a:cs typeface="Arial" panose="020B0604020202020204" pitchFamily="34" charset="0"/>
+              </a:rPr>
+              <a:t>It has many ways to filter the data.</a:t>
+            </a:r>
+          </a:p>
+          <a:p>
+            <a:pPr algn="just"/>
+            <a:endParaRPr lang="en-US" sz="2400" b="0" i="0" dirty="0">
+              <a:effectLst/>
+              <a:latin typeface="Arial" panose="020B0604020202020204" pitchFamily="34" charset="0"/>
+              <a:cs typeface="Arial" panose="020B0604020202020204" pitchFamily="34" charset="0"/>
+            </a:endParaRPr>
+          </a:p>
+          <a:p>
+            <a:pPr marL="342900" indent="-342900" algn="just">
+              <a:buFont typeface="Arial" panose="020B0604020202020204" pitchFamily="34" charset="0"/>
+              <a:buChar char="•"/>
+            </a:pPr>
+            <a:r>
+              <a:rPr lang="en-US" sz="2400" b="0" i="0" dirty="0">
+                <a:effectLst/>
+                <a:latin typeface="Arial" panose="020B0604020202020204" pitchFamily="34" charset="0"/>
+                <a:cs typeface="Arial" panose="020B0604020202020204" pitchFamily="34" charset="0"/>
+              </a:rPr>
+              <a:t> Veracity is the process to handle and manage data efficiently.</a:t>
+            </a:r>
+          </a:p>
+        </p:txBody>
+      </p:sp>
+    </p:spTree>
+    <p:extLst>
+      <p:ext uri="{BB962C8B-B14F-4D97-AF65-F5344CB8AC3E}">
+        <p14:creationId xmlns:p14="http://schemas.microsoft.com/office/powerpoint/2010/main" val="2413428036"/>
+      </p:ext>
+    </p:extLst>
+  </p:cSld>
+  <p:clrMapOvr>
+    <a:masterClrMapping/>
+  </p:clrMapOvr>
+</p:sld>
+</file>
+
+<file path=ppt/slides/slide2.xml><?xml version="1.0" encoding="utf-8"?>
+<p:sld xmlns:a="http://schemas.openxmlformats.org/drawingml/2006/main" xmlns:r="http://schemas.openxmlformats.org/officeDocument/2006/relationships" xmlns:p="http://schemas.openxmlformats.org/presentationml/2006/main">
+  <p:cSld>
+    <p:spTree>
+      <p:nvGrpSpPr>
+        <p:cNvPr id="1" name=""/>
+        <p:cNvGrpSpPr/>
+        <p:nvPr/>
+      </p:nvGrpSpPr>
+      <p:grpSpPr>
+        <a:xfrm>
+          <a:off x="0" y="0"/>
+          <a:ext cx="0" cy="0"/>
+          <a:chOff x="0" y="0"/>
+          <a:chExt cx="0" cy="0"/>
+        </a:xfrm>
+      </p:grpSpPr>
+      <p:sp>
+        <p:nvSpPr>
+          <p:cNvPr id="5" name="Rectangle 4"/>
+          <p:cNvSpPr/>
+          <p:nvPr/>
+        </p:nvSpPr>
+        <p:spPr>
+          <a:xfrm>
+            <a:off x="1524596" y="4"/>
+            <a:ext cx="9142810" cy="584775"/>
+          </a:xfrm>
+          <a:prstGeom prst="rect">
+            <a:avLst/>
+          </a:prstGeom>
+          <a:noFill/>
+        </p:spPr>
+        <p:txBody>
+          <a:bodyPr wrap="square">
+            <a:spAutoFit/>
+          </a:bodyPr>
+          <a:lstStyle/>
+          <a:p>
+            <a:pPr algn="r"/>
+            <a:r>
+              <a:rPr lang="en-IN" sz="3200" i="1" dirty="0">
+                <a:solidFill>
+                  <a:srgbClr val="FF9900"/>
+                </a:solidFill>
+                <a:latin typeface="Arial" pitchFamily="34" charset="0"/>
+                <a:cs typeface="Arial" pitchFamily="34" charset="0"/>
+              </a:rPr>
+              <a:t>First Generation of Computers</a:t>
+            </a:r>
+          </a:p>
+        </p:txBody>
+      </p:sp>
+      <p:sp>
+        <p:nvSpPr>
+          <p:cNvPr id="4" name="TextBox 3">
+            <a:extLst>
+              <a:ext uri="{FF2B5EF4-FFF2-40B4-BE49-F238E27FC236}">
+                <a16:creationId xmlns:a16="http://schemas.microsoft.com/office/drawing/2014/main" id="{25232946-F519-C45A-F91D-1C84AB18C593}"/>
+              </a:ext>
+            </a:extLst>
+          </p:cNvPr>
+          <p:cNvSpPr txBox="1"/>
+          <p:nvPr/>
+        </p:nvSpPr>
+        <p:spPr>
+          <a:xfrm>
+            <a:off x="263352" y="1404930"/>
+            <a:ext cx="11593288" cy="2862322"/>
+          </a:xfrm>
+          <a:prstGeom prst="rect">
+            <a:avLst/>
+          </a:prstGeom>
+          <a:noFill/>
+        </p:spPr>
+        <p:txBody>
+          <a:bodyPr wrap="square">
+            <a:spAutoFit/>
+          </a:bodyPr>
+          <a:lstStyle/>
+          <a:p>
+            <a:pPr marL="285750" indent="-285750">
+              <a:buFont typeface="Arial" panose="020B0604020202020204" pitchFamily="34" charset="0"/>
+              <a:buChar char="•"/>
+            </a:pPr>
+            <a:r>
+              <a:rPr lang="en-IN" sz="2000" dirty="0">
+                <a:solidFill>
+                  <a:srgbClr val="C00000"/>
+                </a:solidFill>
+                <a:latin typeface="Arial" panose="020B0604020202020204" pitchFamily="34" charset="0"/>
+                <a:cs typeface="Arial" panose="020B0604020202020204" pitchFamily="34" charset="0"/>
+              </a:rPr>
+              <a:t>First Generation</a:t>
+            </a:r>
+            <a:r>
+              <a:rPr lang="en-IN" sz="2000" dirty="0">
+                <a:latin typeface="Arial" panose="020B0604020202020204" pitchFamily="34" charset="0"/>
+                <a:cs typeface="Arial" panose="020B0604020202020204" pitchFamily="34" charset="0"/>
+              </a:rPr>
+              <a:t>: The period of first generation: 1946-1959. Vacuum tube based.</a:t>
+            </a:r>
+          </a:p>
+          <a:p>
+            <a:pPr marL="285750" indent="-285750">
+              <a:buFont typeface="Arial" panose="020B0604020202020204" pitchFamily="34" charset="0"/>
+              <a:buChar char="•"/>
+            </a:pPr>
+            <a:endParaRPr lang="en-IN" sz="2000" dirty="0">
+              <a:latin typeface="Arial" panose="020B0604020202020204" pitchFamily="34" charset="0"/>
+              <a:cs typeface="Arial" panose="020B0604020202020204" pitchFamily="34" charset="0"/>
+            </a:endParaRPr>
+          </a:p>
+          <a:p>
+            <a:pPr marL="285750" indent="-285750">
+              <a:buFont typeface="Arial" panose="020B0604020202020204" pitchFamily="34" charset="0"/>
+              <a:buChar char="•"/>
+            </a:pPr>
+            <a:r>
+              <a:rPr lang="en-IN" sz="2000" dirty="0">
+                <a:solidFill>
+                  <a:srgbClr val="C00000"/>
+                </a:solidFill>
+                <a:latin typeface="Arial" panose="020B0604020202020204" pitchFamily="34" charset="0"/>
+                <a:cs typeface="Arial" panose="020B0604020202020204" pitchFamily="34" charset="0"/>
+              </a:rPr>
+              <a:t>Second</a:t>
+            </a:r>
+            <a:r>
+              <a:rPr lang="en-IN" sz="2000" dirty="0">
+                <a:latin typeface="Arial" panose="020B0604020202020204" pitchFamily="34" charset="0"/>
+                <a:cs typeface="Arial" panose="020B0604020202020204" pitchFamily="34" charset="0"/>
+              </a:rPr>
+              <a:t> </a:t>
+            </a:r>
+            <a:r>
+              <a:rPr lang="en-IN" sz="2000" dirty="0">
+                <a:solidFill>
+                  <a:srgbClr val="C00000"/>
+                </a:solidFill>
+                <a:latin typeface="Arial" panose="020B0604020202020204" pitchFamily="34" charset="0"/>
+                <a:cs typeface="Arial" panose="020B0604020202020204" pitchFamily="34" charset="0"/>
+              </a:rPr>
+              <a:t>Generation</a:t>
+            </a:r>
+            <a:r>
+              <a:rPr lang="en-IN" sz="2000" dirty="0">
+                <a:latin typeface="Arial" panose="020B0604020202020204" pitchFamily="34" charset="0"/>
+                <a:cs typeface="Arial" panose="020B0604020202020204" pitchFamily="34" charset="0"/>
+              </a:rPr>
+              <a:t>: The period of second generation: 1959-1965. Transistor based.</a:t>
+            </a:r>
+          </a:p>
+          <a:p>
+            <a:pPr marL="285750" indent="-285750">
+              <a:buFont typeface="Arial" panose="020B0604020202020204" pitchFamily="34" charset="0"/>
+              <a:buChar char="•"/>
+            </a:pPr>
+            <a:endParaRPr lang="en-IN" sz="2000" dirty="0">
+              <a:latin typeface="Arial" panose="020B0604020202020204" pitchFamily="34" charset="0"/>
+              <a:cs typeface="Arial" panose="020B0604020202020204" pitchFamily="34" charset="0"/>
+            </a:endParaRPr>
+          </a:p>
+          <a:p>
+            <a:pPr marL="285750" indent="-285750">
+              <a:buFont typeface="Arial" panose="020B0604020202020204" pitchFamily="34" charset="0"/>
+              <a:buChar char="•"/>
+            </a:pPr>
+            <a:r>
+              <a:rPr lang="en-IN" sz="2000" dirty="0">
+                <a:solidFill>
+                  <a:srgbClr val="C00000"/>
+                </a:solidFill>
+                <a:latin typeface="Arial" panose="020B0604020202020204" pitchFamily="34" charset="0"/>
+                <a:cs typeface="Arial" panose="020B0604020202020204" pitchFamily="34" charset="0"/>
+              </a:rPr>
+              <a:t>Third</a:t>
+            </a:r>
+            <a:r>
+              <a:rPr lang="en-IN" sz="2000" dirty="0">
+                <a:latin typeface="Arial" panose="020B0604020202020204" pitchFamily="34" charset="0"/>
+                <a:cs typeface="Arial" panose="020B0604020202020204" pitchFamily="34" charset="0"/>
+              </a:rPr>
+              <a:t> </a:t>
+            </a:r>
+            <a:r>
+              <a:rPr lang="en-IN" sz="2000" dirty="0">
+                <a:solidFill>
+                  <a:srgbClr val="C00000"/>
+                </a:solidFill>
+                <a:latin typeface="Arial" panose="020B0604020202020204" pitchFamily="34" charset="0"/>
+                <a:cs typeface="Arial" panose="020B0604020202020204" pitchFamily="34" charset="0"/>
+              </a:rPr>
+              <a:t>Generation</a:t>
+            </a:r>
+            <a:r>
+              <a:rPr lang="en-IN" sz="2000" dirty="0">
+                <a:latin typeface="Arial" panose="020B0604020202020204" pitchFamily="34" charset="0"/>
+                <a:cs typeface="Arial" panose="020B0604020202020204" pitchFamily="34" charset="0"/>
+              </a:rPr>
+              <a:t>: The period of third generation: 1965-1971. Integrated Circuit based.</a:t>
+            </a:r>
+          </a:p>
+          <a:p>
+            <a:pPr marL="285750" indent="-285750">
+              <a:buFont typeface="Arial" panose="020B0604020202020204" pitchFamily="34" charset="0"/>
+              <a:buChar char="•"/>
+            </a:pPr>
+            <a:endParaRPr lang="en-IN" sz="2000" dirty="0">
+              <a:latin typeface="Arial" panose="020B0604020202020204" pitchFamily="34" charset="0"/>
+              <a:cs typeface="Arial" panose="020B0604020202020204" pitchFamily="34" charset="0"/>
+            </a:endParaRPr>
+          </a:p>
+          <a:p>
+            <a:pPr marL="285750" indent="-285750">
+              <a:buFont typeface="Arial" panose="020B0604020202020204" pitchFamily="34" charset="0"/>
+              <a:buChar char="•"/>
+            </a:pPr>
+            <a:r>
+              <a:rPr lang="en-IN" sz="2000" dirty="0">
+                <a:solidFill>
+                  <a:srgbClr val="C00000"/>
+                </a:solidFill>
+                <a:latin typeface="Arial" panose="020B0604020202020204" pitchFamily="34" charset="0"/>
+                <a:cs typeface="Arial" panose="020B0604020202020204" pitchFamily="34" charset="0"/>
+              </a:rPr>
+              <a:t>Fourth</a:t>
+            </a:r>
+            <a:r>
+              <a:rPr lang="en-IN" sz="2000" dirty="0">
+                <a:latin typeface="Arial" panose="020B0604020202020204" pitchFamily="34" charset="0"/>
+                <a:cs typeface="Arial" panose="020B0604020202020204" pitchFamily="34" charset="0"/>
+              </a:rPr>
+              <a:t> </a:t>
+            </a:r>
+            <a:r>
+              <a:rPr lang="en-IN" sz="2000" dirty="0">
+                <a:solidFill>
+                  <a:srgbClr val="C00000"/>
+                </a:solidFill>
+                <a:latin typeface="Arial" panose="020B0604020202020204" pitchFamily="34" charset="0"/>
+                <a:cs typeface="Arial" panose="020B0604020202020204" pitchFamily="34" charset="0"/>
+              </a:rPr>
+              <a:t>Generation</a:t>
+            </a:r>
+            <a:r>
+              <a:rPr lang="en-IN" sz="2000" dirty="0">
+                <a:latin typeface="Arial" panose="020B0604020202020204" pitchFamily="34" charset="0"/>
+                <a:cs typeface="Arial" panose="020B0604020202020204" pitchFamily="34" charset="0"/>
+              </a:rPr>
+              <a:t>: The period of fourth generation: 1971-1980. VLSI microprocessor based.</a:t>
+            </a:r>
+          </a:p>
+          <a:p>
+            <a:pPr marL="285750" indent="-285750">
+              <a:buFont typeface="Arial" panose="020B0604020202020204" pitchFamily="34" charset="0"/>
+              <a:buChar char="•"/>
+            </a:pPr>
+            <a:endParaRPr lang="en-IN" sz="2000" dirty="0">
+              <a:latin typeface="Arial" panose="020B0604020202020204" pitchFamily="34" charset="0"/>
+              <a:cs typeface="Arial" panose="020B0604020202020204" pitchFamily="34" charset="0"/>
+            </a:endParaRPr>
+          </a:p>
+          <a:p>
+            <a:pPr marL="285750" indent="-285750">
+              <a:buFont typeface="Arial" panose="020B0604020202020204" pitchFamily="34" charset="0"/>
+              <a:buChar char="•"/>
+            </a:pPr>
+            <a:r>
+              <a:rPr lang="en-IN" sz="2000" dirty="0">
+                <a:solidFill>
+                  <a:srgbClr val="C00000"/>
+                </a:solidFill>
+                <a:latin typeface="Arial" panose="020B0604020202020204" pitchFamily="34" charset="0"/>
+                <a:cs typeface="Arial" panose="020B0604020202020204" pitchFamily="34" charset="0"/>
+              </a:rPr>
+              <a:t>Fifth</a:t>
+            </a:r>
+            <a:r>
+              <a:rPr lang="en-IN" sz="2000" dirty="0">
+                <a:latin typeface="Arial" panose="020B0604020202020204" pitchFamily="34" charset="0"/>
+                <a:cs typeface="Arial" panose="020B0604020202020204" pitchFamily="34" charset="0"/>
+              </a:rPr>
+              <a:t> </a:t>
+            </a:r>
+            <a:r>
+              <a:rPr lang="en-IN" sz="2000" dirty="0">
+                <a:solidFill>
+                  <a:srgbClr val="C00000"/>
+                </a:solidFill>
+                <a:latin typeface="Arial" panose="020B0604020202020204" pitchFamily="34" charset="0"/>
+                <a:cs typeface="Arial" panose="020B0604020202020204" pitchFamily="34" charset="0"/>
+              </a:rPr>
+              <a:t>Generation</a:t>
+            </a:r>
+            <a:r>
+              <a:rPr lang="en-IN" sz="2000" dirty="0">
+                <a:latin typeface="Arial" panose="020B0604020202020204" pitchFamily="34" charset="0"/>
+                <a:cs typeface="Arial" panose="020B0604020202020204" pitchFamily="34" charset="0"/>
+              </a:rPr>
+              <a:t>: The period of fifth generation: 1980-onwards. ULSI microprocessor based.</a:t>
+            </a:r>
+          </a:p>
+        </p:txBody>
+      </p:sp>
+    </p:spTree>
+    <p:extLst>
+      <p:ext uri="{BB962C8B-B14F-4D97-AF65-F5344CB8AC3E}">
+        <p14:creationId xmlns:p14="http://schemas.microsoft.com/office/powerpoint/2010/main" val="3255976312"/>
+      </p:ext>
+    </p:extLst>
+  </p:cSld>
+  <p:clrMapOvr>
+    <a:masterClrMapping/>
+  </p:clrMapOvr>
+</p:sld>
+</file>
+
+<file path=ppt/slides/slide20.xml><?xml version="1.0" encoding="utf-8"?>
+<p:sld xmlns:a="http://schemas.openxmlformats.org/drawingml/2006/main" xmlns:r="http://schemas.openxmlformats.org/officeDocument/2006/relationships" xmlns:p="http://schemas.openxmlformats.org/presentationml/2006/main">
+  <p:cSld>
+    <p:spTree>
+      <p:nvGrpSpPr>
+        <p:cNvPr id="1" name=""/>
+        <p:cNvGrpSpPr/>
+        <p:nvPr/>
+      </p:nvGrpSpPr>
+      <p:grpSpPr>
+        <a:xfrm>
+          <a:off x="0" y="0"/>
+          <a:ext cx="0" cy="0"/>
+          <a:chOff x="0" y="0"/>
+          <a:chExt cx="0" cy="0"/>
+        </a:xfrm>
+      </p:grpSpPr>
+      <p:sp>
+        <p:nvSpPr>
+          <p:cNvPr id="4" name="Rectangle 3">
+            <a:extLst>
+              <a:ext uri="{FF2B5EF4-FFF2-40B4-BE49-F238E27FC236}">
+                <a16:creationId xmlns:a16="http://schemas.microsoft.com/office/drawing/2014/main" id="{6524962B-7610-4EFD-AA5E-DDE403AB8860}"/>
+              </a:ext>
+            </a:extLst>
+          </p:cNvPr>
+          <p:cNvSpPr/>
+          <p:nvPr/>
+        </p:nvSpPr>
+        <p:spPr>
+          <a:xfrm>
+            <a:off x="1524000" y="1"/>
+            <a:ext cx="9144000" cy="584775"/>
+          </a:xfrm>
+          <a:prstGeom prst="rect">
+            <a:avLst/>
+          </a:prstGeom>
+          <a:noFill/>
+        </p:spPr>
+        <p:txBody>
+          <a:bodyPr wrap="square">
+            <a:spAutoFit/>
+          </a:bodyPr>
+          <a:lstStyle/>
+          <a:p>
+            <a:pPr algn="r"/>
+            <a:r>
+              <a:rPr lang="en-US" sz="3200" i="1" dirty="0">
+                <a:solidFill>
+                  <a:srgbClr val="FF9900"/>
+                </a:solidFill>
+                <a:latin typeface="Arial" pitchFamily="34" charset="0"/>
+                <a:cs typeface="Arial" pitchFamily="34" charset="0"/>
+              </a:rPr>
               <a:t>Variety </a:t>
             </a:r>
             <a:endParaRPr lang="en-IN" sz="3200" i="1" dirty="0">
@@ -5876,7 +6705,7 @@
 </p:sld>
 </file>
 
-<file path=ppt/slides/slide19.xml><?xml version="1.0" encoding="utf-8"?>
+<file path=ppt/slides/slide21.xml><?xml version="1.0" encoding="utf-8"?>
 <p:sld xmlns:a="http://schemas.openxmlformats.org/drawingml/2006/main" xmlns:r="http://schemas.openxmlformats.org/officeDocument/2006/relationships" xmlns:p="http://schemas.openxmlformats.org/presentationml/2006/main">
   <p:cSld>
     <p:spTree>
@@ -6215,325 +7044,7 @@
 </p:sld>
 </file>
 
-<file path=ppt/slides/slide2.xml><?xml version="1.0" encoding="utf-8"?>
-<p:sld xmlns:a="http://schemas.openxmlformats.org/drawingml/2006/main" xmlns:r="http://schemas.openxmlformats.org/officeDocument/2006/relationships" xmlns:p="http://schemas.openxmlformats.org/presentationml/2006/main">
-  <p:cSld>
-    <p:spTree>
-      <p:nvGrpSpPr>
-        <p:cNvPr id="1" name=""/>
-        <p:cNvGrpSpPr/>
-        <p:nvPr/>
-      </p:nvGrpSpPr>
-      <p:grpSpPr>
-        <a:xfrm>
-          <a:off x="0" y="0"/>
-          <a:ext cx="0" cy="0"/>
-          <a:chOff x="0" y="0"/>
-          <a:chExt cx="0" cy="0"/>
-        </a:xfrm>
-      </p:grpSpPr>
-      <p:sp>
-        <p:nvSpPr>
-          <p:cNvPr id="5" name="Rectangle 4"/>
-          <p:cNvSpPr/>
-          <p:nvPr/>
-        </p:nvSpPr>
-        <p:spPr>
-          <a:xfrm>
-            <a:off x="1524596" y="4"/>
-            <a:ext cx="9142810" cy="584775"/>
-          </a:xfrm>
-          <a:prstGeom prst="rect">
-            <a:avLst/>
-          </a:prstGeom>
-          <a:noFill/>
-        </p:spPr>
-        <p:txBody>
-          <a:bodyPr wrap="square">
-            <a:spAutoFit/>
-          </a:bodyPr>
-          <a:lstStyle/>
-          <a:p>
-            <a:pPr algn="r"/>
-            <a:r>
-              <a:rPr lang="en-IN" sz="3200" i="1" dirty="0">
-                <a:solidFill>
-                  <a:srgbClr val="FF9900"/>
-                </a:solidFill>
-                <a:latin typeface="Arial" pitchFamily="34" charset="0"/>
-                <a:cs typeface="Arial" pitchFamily="34" charset="0"/>
-              </a:rPr>
-              <a:t>First Generation of Computers</a:t>
-            </a:r>
-          </a:p>
-        </p:txBody>
-      </p:sp>
-      <p:sp>
-        <p:nvSpPr>
-          <p:cNvPr id="4" name="TextBox 3">
-            <a:extLst>
-              <a:ext uri="{FF2B5EF4-FFF2-40B4-BE49-F238E27FC236}">
-                <a16:creationId xmlns:a16="http://schemas.microsoft.com/office/drawing/2014/main" id="{25232946-F519-C45A-F91D-1C84AB18C593}"/>
-              </a:ext>
-            </a:extLst>
-          </p:cNvPr>
-          <p:cNvSpPr txBox="1"/>
-          <p:nvPr/>
-        </p:nvSpPr>
-        <p:spPr>
-          <a:xfrm>
-            <a:off x="263352" y="1404930"/>
-            <a:ext cx="11593288" cy="2862322"/>
-          </a:xfrm>
-          <a:prstGeom prst="rect">
-            <a:avLst/>
-          </a:prstGeom>
-          <a:noFill/>
-        </p:spPr>
-        <p:txBody>
-          <a:bodyPr wrap="square">
-            <a:spAutoFit/>
-          </a:bodyPr>
-          <a:lstStyle/>
-          <a:p>
-            <a:pPr marL="285750" indent="-285750">
-              <a:buFont typeface="Arial" panose="020B0604020202020204" pitchFamily="34" charset="0"/>
-              <a:buChar char="•"/>
-            </a:pPr>
-            <a:r>
-              <a:rPr lang="en-IN" sz="2000" dirty="0">
-                <a:solidFill>
-                  <a:srgbClr val="C00000"/>
-                </a:solidFill>
-                <a:latin typeface="Arial" panose="020B0604020202020204" pitchFamily="34" charset="0"/>
-                <a:cs typeface="Arial" panose="020B0604020202020204" pitchFamily="34" charset="0"/>
-              </a:rPr>
-              <a:t>First Generation</a:t>
-            </a:r>
-            <a:r>
-              <a:rPr lang="en-IN" sz="2000" dirty="0">
-                <a:latin typeface="Arial" panose="020B0604020202020204" pitchFamily="34" charset="0"/>
-                <a:cs typeface="Arial" panose="020B0604020202020204" pitchFamily="34" charset="0"/>
-              </a:rPr>
-              <a:t>: The period of first generation: 1946-1959. Vacuum tube based.</a:t>
-            </a:r>
-          </a:p>
-          <a:p>
-            <a:pPr marL="285750" indent="-285750">
-              <a:buFont typeface="Arial" panose="020B0604020202020204" pitchFamily="34" charset="0"/>
-              <a:buChar char="•"/>
-            </a:pPr>
-            <a:endParaRPr lang="en-IN" sz="2000" dirty="0">
-              <a:latin typeface="Arial" panose="020B0604020202020204" pitchFamily="34" charset="0"/>
-              <a:cs typeface="Arial" panose="020B0604020202020204" pitchFamily="34" charset="0"/>
-            </a:endParaRPr>
-          </a:p>
-          <a:p>
-            <a:pPr marL="285750" indent="-285750">
-              <a:buFont typeface="Arial" panose="020B0604020202020204" pitchFamily="34" charset="0"/>
-              <a:buChar char="•"/>
-            </a:pPr>
-            <a:r>
-              <a:rPr lang="en-IN" sz="2000" dirty="0">
-                <a:solidFill>
-                  <a:srgbClr val="C00000"/>
-                </a:solidFill>
-                <a:latin typeface="Arial" panose="020B0604020202020204" pitchFamily="34" charset="0"/>
-                <a:cs typeface="Arial" panose="020B0604020202020204" pitchFamily="34" charset="0"/>
-              </a:rPr>
-              <a:t>Second</a:t>
-            </a:r>
-            <a:r>
-              <a:rPr lang="en-IN" sz="2000" dirty="0">
-                <a:latin typeface="Arial" panose="020B0604020202020204" pitchFamily="34" charset="0"/>
-                <a:cs typeface="Arial" panose="020B0604020202020204" pitchFamily="34" charset="0"/>
-              </a:rPr>
-              <a:t> </a:t>
-            </a:r>
-            <a:r>
-              <a:rPr lang="en-IN" sz="2000" dirty="0">
-                <a:solidFill>
-                  <a:srgbClr val="C00000"/>
-                </a:solidFill>
-                <a:latin typeface="Arial" panose="020B0604020202020204" pitchFamily="34" charset="0"/>
-                <a:cs typeface="Arial" panose="020B0604020202020204" pitchFamily="34" charset="0"/>
-              </a:rPr>
-              <a:t>Generation</a:t>
-            </a:r>
-            <a:r>
-              <a:rPr lang="en-IN" sz="2000" dirty="0">
-                <a:latin typeface="Arial" panose="020B0604020202020204" pitchFamily="34" charset="0"/>
-                <a:cs typeface="Arial" panose="020B0604020202020204" pitchFamily="34" charset="0"/>
-              </a:rPr>
-              <a:t>: The period of second generation: 1959-1965. Transistor based.</a:t>
-            </a:r>
-          </a:p>
-          <a:p>
-            <a:pPr marL="285750" indent="-285750">
-              <a:buFont typeface="Arial" panose="020B0604020202020204" pitchFamily="34" charset="0"/>
-              <a:buChar char="•"/>
-            </a:pPr>
-            <a:endParaRPr lang="en-IN" sz="2000" dirty="0">
-              <a:latin typeface="Arial" panose="020B0604020202020204" pitchFamily="34" charset="0"/>
-              <a:cs typeface="Arial" panose="020B0604020202020204" pitchFamily="34" charset="0"/>
-            </a:endParaRPr>
-          </a:p>
-          <a:p>
-            <a:pPr marL="285750" indent="-285750">
-              <a:buFont typeface="Arial" panose="020B0604020202020204" pitchFamily="34" charset="0"/>
-              <a:buChar char="•"/>
-            </a:pPr>
-            <a:r>
-              <a:rPr lang="en-IN" sz="2000" dirty="0">
-                <a:solidFill>
-                  <a:srgbClr val="C00000"/>
-                </a:solidFill>
-                <a:latin typeface="Arial" panose="020B0604020202020204" pitchFamily="34" charset="0"/>
-                <a:cs typeface="Arial" panose="020B0604020202020204" pitchFamily="34" charset="0"/>
-              </a:rPr>
-              <a:t>Third</a:t>
-            </a:r>
-            <a:r>
-              <a:rPr lang="en-IN" sz="2000" dirty="0">
-                <a:latin typeface="Arial" panose="020B0604020202020204" pitchFamily="34" charset="0"/>
-                <a:cs typeface="Arial" panose="020B0604020202020204" pitchFamily="34" charset="0"/>
-              </a:rPr>
-              <a:t> </a:t>
-            </a:r>
-            <a:r>
-              <a:rPr lang="en-IN" sz="2000" dirty="0">
-                <a:solidFill>
-                  <a:srgbClr val="C00000"/>
-                </a:solidFill>
-                <a:latin typeface="Arial" panose="020B0604020202020204" pitchFamily="34" charset="0"/>
-                <a:cs typeface="Arial" panose="020B0604020202020204" pitchFamily="34" charset="0"/>
-              </a:rPr>
-              <a:t>Generation</a:t>
-            </a:r>
-            <a:r>
-              <a:rPr lang="en-IN" sz="2000" dirty="0">
-                <a:latin typeface="Arial" panose="020B0604020202020204" pitchFamily="34" charset="0"/>
-                <a:cs typeface="Arial" panose="020B0604020202020204" pitchFamily="34" charset="0"/>
-              </a:rPr>
-              <a:t>: The period of third generation: 1965-1971. Integrated Circuit based.</a:t>
-            </a:r>
-          </a:p>
-          <a:p>
-            <a:pPr marL="285750" indent="-285750">
-              <a:buFont typeface="Arial" panose="020B0604020202020204" pitchFamily="34" charset="0"/>
-              <a:buChar char="•"/>
-            </a:pPr>
-            <a:endParaRPr lang="en-IN" sz="2000" dirty="0">
-              <a:latin typeface="Arial" panose="020B0604020202020204" pitchFamily="34" charset="0"/>
-              <a:cs typeface="Arial" panose="020B0604020202020204" pitchFamily="34" charset="0"/>
-            </a:endParaRPr>
-          </a:p>
-          <a:p>
-            <a:pPr marL="285750" indent="-285750">
-              <a:buFont typeface="Arial" panose="020B0604020202020204" pitchFamily="34" charset="0"/>
-              <a:buChar char="•"/>
-            </a:pPr>
-            <a:r>
-              <a:rPr lang="en-IN" sz="2000" dirty="0">
-                <a:solidFill>
-                  <a:srgbClr val="C00000"/>
-                </a:solidFill>
-                <a:latin typeface="Arial" panose="020B0604020202020204" pitchFamily="34" charset="0"/>
-                <a:cs typeface="Arial" panose="020B0604020202020204" pitchFamily="34" charset="0"/>
-              </a:rPr>
-              <a:t>Fourth</a:t>
-            </a:r>
-            <a:r>
-              <a:rPr lang="en-IN" sz="2000" dirty="0">
-                <a:latin typeface="Arial" panose="020B0604020202020204" pitchFamily="34" charset="0"/>
-                <a:cs typeface="Arial" panose="020B0604020202020204" pitchFamily="34" charset="0"/>
-              </a:rPr>
-              <a:t> </a:t>
-            </a:r>
-            <a:r>
-              <a:rPr lang="en-IN" sz="2000" dirty="0">
-                <a:solidFill>
-                  <a:srgbClr val="C00000"/>
-                </a:solidFill>
-                <a:latin typeface="Arial" panose="020B0604020202020204" pitchFamily="34" charset="0"/>
-                <a:cs typeface="Arial" panose="020B0604020202020204" pitchFamily="34" charset="0"/>
-              </a:rPr>
-              <a:t>Generation</a:t>
-            </a:r>
-            <a:r>
-              <a:rPr lang="en-IN" sz="2000" dirty="0">
-                <a:latin typeface="Arial" panose="020B0604020202020204" pitchFamily="34" charset="0"/>
-                <a:cs typeface="Arial" panose="020B0604020202020204" pitchFamily="34" charset="0"/>
-              </a:rPr>
-              <a:t>: The period of fourth generation: 1971-1980. VLSI microprocessor based.</a:t>
-            </a:r>
-          </a:p>
-          <a:p>
-            <a:pPr marL="285750" indent="-285750">
-              <a:buFont typeface="Arial" panose="020B0604020202020204" pitchFamily="34" charset="0"/>
-              <a:buChar char="•"/>
-            </a:pPr>
-            <a:endParaRPr lang="en-IN" sz="2000" dirty="0">
-              <a:latin typeface="Arial" panose="020B0604020202020204" pitchFamily="34" charset="0"/>
-              <a:cs typeface="Arial" panose="020B0604020202020204" pitchFamily="34" charset="0"/>
-            </a:endParaRPr>
-          </a:p>
-          <a:p>
-            <a:pPr marL="285750" indent="-285750">
-              <a:buFont typeface="Arial" panose="020B0604020202020204" pitchFamily="34" charset="0"/>
-              <a:buChar char="•"/>
-            </a:pPr>
-            <a:r>
-              <a:rPr lang="en-IN" sz="2000" dirty="0">
-                <a:solidFill>
-                  <a:srgbClr val="C00000"/>
-                </a:solidFill>
-                <a:latin typeface="Arial" panose="020B0604020202020204" pitchFamily="34" charset="0"/>
-                <a:cs typeface="Arial" panose="020B0604020202020204" pitchFamily="34" charset="0"/>
-              </a:rPr>
-              <a:t>Fifth</a:t>
-            </a:r>
-            <a:r>
-              <a:rPr lang="en-IN" sz="2000" dirty="0">
-                <a:latin typeface="Arial" panose="020B0604020202020204" pitchFamily="34" charset="0"/>
-                <a:cs typeface="Arial" panose="020B0604020202020204" pitchFamily="34" charset="0"/>
-              </a:rPr>
-              <a:t> </a:t>
-            </a:r>
-            <a:r>
-              <a:rPr lang="en-IN" sz="2000" dirty="0">
-                <a:solidFill>
-                  <a:srgbClr val="C00000"/>
-                </a:solidFill>
-                <a:latin typeface="Arial" panose="020B0604020202020204" pitchFamily="34" charset="0"/>
-                <a:cs typeface="Arial" panose="020B0604020202020204" pitchFamily="34" charset="0"/>
-              </a:rPr>
-              <a:t>Generation</a:t>
-            </a:r>
-            <a:r>
-              <a:rPr lang="en-IN" sz="2000" dirty="0">
-                <a:latin typeface="Arial" panose="020B0604020202020204" pitchFamily="34" charset="0"/>
-                <a:cs typeface="Arial" panose="020B0604020202020204" pitchFamily="34" charset="0"/>
-              </a:rPr>
-              <a:t>: The period of fifth generation: 1980-onwards. ULSI microprocessor based.</a:t>
-            </a:r>
-          </a:p>
-        </p:txBody>
-      </p:sp>
-    </p:spTree>
-    <p:extLst>
-      <p:ext uri="{BB962C8B-B14F-4D97-AF65-F5344CB8AC3E}">
-        <p14:creationId xmlns:p14="http://schemas.microsoft.com/office/powerpoint/2010/main" val="3255976312"/>
-      </p:ext>
-    </p:extLst>
-  </p:cSld>
-  <p:clrMapOvr>
-    <a:masterClrMapping/>
-  </p:clrMapOvr>
-</p:sld>
-</file>
-
-<file path=ppt/slides/slide20.xml><?xml version="1.0" encoding="utf-8"?>
+<file path=ppt/slides/slide22.xml><?xml version="1.0" encoding="utf-8"?>
 <p:sld xmlns:a="http://schemas.openxmlformats.org/drawingml/2006/main" xmlns:r="http://schemas.openxmlformats.org/officeDocument/2006/relationships" xmlns:p="http://schemas.openxmlformats.org/presentationml/2006/main">
   <p:cSld>
     <p:spTree>
@@ -6766,7 +7277,7 @@
 </p:sld>
 </file>
 
-<file path=ppt/slides/slide21.xml><?xml version="1.0" encoding="utf-8"?>
+<file path=ppt/slides/slide23.xml><?xml version="1.0" encoding="utf-8"?>
 <p:sld xmlns:a="http://schemas.openxmlformats.org/drawingml/2006/main" xmlns:r="http://schemas.openxmlformats.org/officeDocument/2006/relationships" xmlns:p="http://schemas.openxmlformats.org/presentationml/2006/main">
   <p:cSld>
     <p:spTree>
@@ -6885,7 +7396,7 @@
 </p:sld>
 </file>
 
-<file path=ppt/slides/slide22.xml><?xml version="1.0" encoding="utf-8"?>
+<file path=ppt/slides/slide24.xml><?xml version="1.0" encoding="utf-8"?>
 <p:sld xmlns:a="http://schemas.openxmlformats.org/drawingml/2006/main" xmlns:r="http://schemas.openxmlformats.org/officeDocument/2006/relationships" xmlns:p="http://schemas.openxmlformats.org/presentationml/2006/main">
   <p:cSld>
     <p:spTree>
@@ -7034,7 +7545,7 @@
 </p:sld>
 </file>
 
-<file path=ppt/slides/slide23.xml><?xml version="1.0" encoding="utf-8"?>
+<file path=ppt/slides/slide25.xml><?xml version="1.0" encoding="utf-8"?>
 <p:sld xmlns:a="http://schemas.openxmlformats.org/drawingml/2006/main" xmlns:r="http://schemas.openxmlformats.org/officeDocument/2006/relationships" xmlns:p="http://schemas.openxmlformats.org/presentationml/2006/main">
   <p:cSld>
     <p:spTree>
@@ -7113,7 +7624,7 @@
 </p:sld>
 </file>
 
-<file path=ppt/slides/slide24.xml><?xml version="1.0" encoding="utf-8"?>
+<file path=ppt/slides/slide26.xml><?xml version="1.0" encoding="utf-8"?>
 <p:sld xmlns:a="http://schemas.openxmlformats.org/drawingml/2006/main" xmlns:r="http://schemas.openxmlformats.org/officeDocument/2006/relationships" xmlns:p="http://schemas.openxmlformats.org/presentationml/2006/main">
   <p:cSld>
     <p:spTree>
@@ -7398,7 +7909,7 @@
 </p:sld>
 </file>
 
-<file path=ppt/slides/slide25.xml><?xml version="1.0" encoding="utf-8"?>
+<file path=ppt/slides/slide27.xml><?xml version="1.0" encoding="utf-8"?>
 <p:sld xmlns:a="http://schemas.openxmlformats.org/drawingml/2006/main" xmlns:r="http://schemas.openxmlformats.org/officeDocument/2006/relationships" xmlns:p="http://schemas.openxmlformats.org/presentationml/2006/main">
   <p:cSld>
     <p:spTree>
@@ -7590,7 +8101,7 @@
 </p:sld>
 </file>
 
-<file path=ppt/slides/slide26.xml><?xml version="1.0" encoding="utf-8"?>
+<file path=ppt/slides/slide28.xml><?xml version="1.0" encoding="utf-8"?>
 <p:sld xmlns:a="http://schemas.openxmlformats.org/drawingml/2006/main" xmlns:r="http://schemas.openxmlformats.org/officeDocument/2006/relationships" xmlns:p="http://schemas.openxmlformats.org/presentationml/2006/main">
   <p:cSld>
     <p:spTree>
@@ -7669,7 +8180,7 @@
 </p:sld>
 </file>
 
-<file path=ppt/slides/slide27.xml><?xml version="1.0" encoding="utf-8"?>
+<file path=ppt/slides/slide29.xml><?xml version="1.0" encoding="utf-8"?>
 <p:sld xmlns:a="http://schemas.openxmlformats.org/drawingml/2006/main" xmlns:r="http://schemas.openxmlformats.org/officeDocument/2006/relationships" xmlns:p="http://schemas.openxmlformats.org/presentationml/2006/main">
   <p:cSld>
     <p:spTree>
@@ -8114,7 +8625,488 @@
 </p:sld>
 </file>
 
-<file path=ppt/slides/slide28.xml><?xml version="1.0" encoding="utf-8"?>
+<file path=ppt/slides/slide3.xml><?xml version="1.0" encoding="utf-8"?>
+<p:sld xmlns:a="http://schemas.openxmlformats.org/drawingml/2006/main" xmlns:r="http://schemas.openxmlformats.org/officeDocument/2006/relationships" xmlns:p="http://schemas.openxmlformats.org/presentationml/2006/main">
+  <p:cSld>
+    <p:spTree>
+      <p:nvGrpSpPr>
+        <p:cNvPr id="1" name=""/>
+        <p:cNvGrpSpPr/>
+        <p:nvPr/>
+      </p:nvGrpSpPr>
+      <p:grpSpPr>
+        <a:xfrm>
+          <a:off x="0" y="0"/>
+          <a:ext cx="0" cy="0"/>
+          <a:chOff x="0" y="0"/>
+          <a:chExt cx="0" cy="0"/>
+        </a:xfrm>
+      </p:grpSpPr>
+      <p:sp>
+        <p:nvSpPr>
+          <p:cNvPr id="5" name="Rectangle 4"/>
+          <p:cNvSpPr/>
+          <p:nvPr/>
+        </p:nvSpPr>
+        <p:spPr>
+          <a:xfrm>
+            <a:off x="1524596" y="4"/>
+            <a:ext cx="9142810" cy="584775"/>
+          </a:xfrm>
+          <a:prstGeom prst="rect">
+            <a:avLst/>
+          </a:prstGeom>
+          <a:noFill/>
+        </p:spPr>
+        <p:txBody>
+          <a:bodyPr wrap="square">
+            <a:spAutoFit/>
+          </a:bodyPr>
+          <a:lstStyle/>
+          <a:p>
+            <a:pPr algn="r"/>
+            <a:r>
+              <a:rPr lang="en-IN" sz="3200" i="1" dirty="0">
+                <a:solidFill>
+                  <a:srgbClr val="FF9900"/>
+                </a:solidFill>
+                <a:latin typeface="Arial" pitchFamily="34" charset="0"/>
+                <a:cs typeface="Arial" pitchFamily="34" charset="0"/>
+              </a:rPr>
+              <a:t>First Generation of Computers</a:t>
+            </a:r>
+          </a:p>
+        </p:txBody>
+      </p:sp>
+      <p:sp>
+        <p:nvSpPr>
+          <p:cNvPr id="4" name="TextBox 3">
+            <a:extLst>
+              <a:ext uri="{FF2B5EF4-FFF2-40B4-BE49-F238E27FC236}">
+                <a16:creationId xmlns:a16="http://schemas.microsoft.com/office/drawing/2014/main" id="{25232946-F519-C45A-F91D-1C84AB18C593}"/>
+              </a:ext>
+            </a:extLst>
+          </p:cNvPr>
+          <p:cNvSpPr txBox="1"/>
+          <p:nvPr/>
+        </p:nvSpPr>
+        <p:spPr>
+          <a:xfrm>
+            <a:off x="191344" y="908720"/>
+            <a:ext cx="11809312" cy="2492990"/>
+          </a:xfrm>
+          <a:prstGeom prst="rect">
+            <a:avLst/>
+          </a:prstGeom>
+          <a:noFill/>
+        </p:spPr>
+        <p:txBody>
+          <a:bodyPr wrap="square">
+            <a:spAutoFit/>
+          </a:bodyPr>
+          <a:lstStyle/>
+          <a:p>
+            <a:pPr marL="342900" indent="-342900" algn="just">
+              <a:buFont typeface="Arial" panose="020B0604020202020204" pitchFamily="34" charset="0"/>
+              <a:buChar char="•"/>
+            </a:pPr>
+            <a:r>
+              <a:rPr lang="en-US" sz="2000" b="0" i="0" dirty="0">
+                <a:solidFill>
+                  <a:srgbClr val="000000"/>
+                </a:solidFill>
+                <a:effectLst/>
+                <a:latin typeface="Arial" panose="020B0604020202020204" pitchFamily="34" charset="0"/>
+                <a:cs typeface="Arial" panose="020B0604020202020204" pitchFamily="34" charset="0"/>
+              </a:rPr>
+              <a:t>The period of first generation was from 1946-1959. </a:t>
+            </a:r>
+          </a:p>
+          <a:p>
+            <a:pPr marL="342900" indent="-342900" algn="just">
+              <a:buFont typeface="Arial" panose="020B0604020202020204" pitchFamily="34" charset="0"/>
+              <a:buChar char="•"/>
+            </a:pPr>
+            <a:endParaRPr lang="en-US" sz="1200" b="0" i="0" dirty="0">
+              <a:solidFill>
+                <a:srgbClr val="000000"/>
+              </a:solidFill>
+              <a:effectLst/>
+              <a:latin typeface="Arial" panose="020B0604020202020204" pitchFamily="34" charset="0"/>
+              <a:cs typeface="Arial" panose="020B0604020202020204" pitchFamily="34" charset="0"/>
+            </a:endParaRPr>
+          </a:p>
+          <a:p>
+            <a:pPr marL="342900" indent="-342900" algn="just">
+              <a:buFont typeface="Arial" panose="020B0604020202020204" pitchFamily="34" charset="0"/>
+              <a:buChar char="•"/>
+            </a:pPr>
+            <a:r>
+              <a:rPr lang="en-US" sz="2000" b="0" i="0" dirty="0">
+                <a:solidFill>
+                  <a:srgbClr val="000000"/>
+                </a:solidFill>
+                <a:effectLst/>
+                <a:latin typeface="Arial" panose="020B0604020202020204" pitchFamily="34" charset="0"/>
+                <a:cs typeface="Arial" panose="020B0604020202020204" pitchFamily="34" charset="0"/>
+              </a:rPr>
+              <a:t>The computers of first generation used vacuum tubes as the basic components for memory.</a:t>
+            </a:r>
+          </a:p>
+          <a:p>
+            <a:pPr marL="342900" indent="-342900" algn="just">
+              <a:buFont typeface="Arial" panose="020B0604020202020204" pitchFamily="34" charset="0"/>
+              <a:buChar char="•"/>
+            </a:pPr>
+            <a:endParaRPr lang="en-US" sz="1200" b="0" i="0" dirty="0">
+              <a:solidFill>
+                <a:srgbClr val="000000"/>
+              </a:solidFill>
+              <a:effectLst/>
+              <a:latin typeface="Arial" panose="020B0604020202020204" pitchFamily="34" charset="0"/>
+              <a:cs typeface="Arial" panose="020B0604020202020204" pitchFamily="34" charset="0"/>
+            </a:endParaRPr>
+          </a:p>
+          <a:p>
+            <a:pPr marL="342900" indent="-342900" algn="just">
+              <a:buFont typeface="Arial" panose="020B0604020202020204" pitchFamily="34" charset="0"/>
+              <a:buChar char="•"/>
+            </a:pPr>
+            <a:r>
+              <a:rPr lang="en-US" sz="2000" b="0" i="0" dirty="0">
+                <a:solidFill>
+                  <a:srgbClr val="000000"/>
+                </a:solidFill>
+                <a:effectLst/>
+                <a:latin typeface="Arial" panose="020B0604020202020204" pitchFamily="34" charset="0"/>
+                <a:cs typeface="Arial" panose="020B0604020202020204" pitchFamily="34" charset="0"/>
+              </a:rPr>
+              <a:t>In this generation, mainly batch processing operating system was used. Punch cards, paper tape, and magnetic tape was used as input and output devices. </a:t>
+            </a:r>
+          </a:p>
+          <a:p>
+            <a:pPr marL="342900" indent="-342900" algn="just">
+              <a:buFont typeface="Arial" panose="020B0604020202020204" pitchFamily="34" charset="0"/>
+              <a:buChar char="•"/>
+            </a:pPr>
+            <a:endParaRPr lang="en-US" sz="1200" dirty="0">
+              <a:solidFill>
+                <a:srgbClr val="000000"/>
+              </a:solidFill>
+              <a:latin typeface="Arial" panose="020B0604020202020204" pitchFamily="34" charset="0"/>
+              <a:cs typeface="Arial" panose="020B0604020202020204" pitchFamily="34" charset="0"/>
+            </a:endParaRPr>
+          </a:p>
+          <a:p>
+            <a:pPr marL="342900" indent="-342900" algn="just">
+              <a:buFont typeface="Arial" panose="020B0604020202020204" pitchFamily="34" charset="0"/>
+              <a:buChar char="•"/>
+            </a:pPr>
+            <a:r>
+              <a:rPr lang="en-US" sz="2000" b="0" i="0" dirty="0">
+                <a:solidFill>
+                  <a:srgbClr val="000000"/>
+                </a:solidFill>
+                <a:effectLst/>
+                <a:latin typeface="Arial" panose="020B0604020202020204" pitchFamily="34" charset="0"/>
+                <a:cs typeface="Arial" panose="020B0604020202020204" pitchFamily="34" charset="0"/>
+              </a:rPr>
+              <a:t>The computers in this generation used machine code (</a:t>
+            </a:r>
+            <a:r>
+              <a:rPr lang="en-US" sz="2000" b="0" i="0" dirty="0">
+                <a:solidFill>
+                  <a:schemeClr val="bg1">
+                    <a:lumMod val="50000"/>
+                  </a:schemeClr>
+                </a:solidFill>
+                <a:effectLst/>
+                <a:latin typeface="Arial" panose="020B0604020202020204" pitchFamily="34" charset="0"/>
+                <a:cs typeface="Arial" panose="020B0604020202020204" pitchFamily="34" charset="0"/>
+              </a:rPr>
+              <a:t>Machine language is a low-level language made up of binary numbers or bits that a computer can understand.</a:t>
+            </a:r>
+            <a:r>
+              <a:rPr lang="en-US" sz="2000" b="0" i="0" dirty="0">
+                <a:solidFill>
+                  <a:srgbClr val="000000"/>
+                </a:solidFill>
+                <a:effectLst/>
+                <a:latin typeface="Arial" panose="020B0604020202020204" pitchFamily="34" charset="0"/>
+                <a:cs typeface="Arial" panose="020B0604020202020204" pitchFamily="34" charset="0"/>
+              </a:rPr>
+              <a:t>) as the programming language.</a:t>
+            </a:r>
+          </a:p>
+        </p:txBody>
+      </p:sp>
+      <p:sp>
+        <p:nvSpPr>
+          <p:cNvPr id="8" name="TextBox 7">
+            <a:extLst>
+              <a:ext uri="{FF2B5EF4-FFF2-40B4-BE49-F238E27FC236}">
+                <a16:creationId xmlns:a16="http://schemas.microsoft.com/office/drawing/2014/main" id="{100ABC39-7515-EDCC-5A51-CD990F2F691E}"/>
+              </a:ext>
+            </a:extLst>
+          </p:cNvPr>
+          <p:cNvSpPr txBox="1"/>
+          <p:nvPr/>
+        </p:nvSpPr>
+        <p:spPr>
+          <a:xfrm>
+            <a:off x="263352" y="3946888"/>
+            <a:ext cx="6048672" cy="2246769"/>
+          </a:xfrm>
+          <a:prstGeom prst="rect">
+            <a:avLst/>
+          </a:prstGeom>
+          <a:noFill/>
+        </p:spPr>
+        <p:txBody>
+          <a:bodyPr wrap="square">
+            <a:spAutoFit/>
+          </a:bodyPr>
+          <a:lstStyle/>
+          <a:p>
+            <a:pPr algn="just"/>
+            <a:r>
+              <a:rPr lang="en-US" sz="2000" b="1" i="0" dirty="0">
+                <a:solidFill>
+                  <a:srgbClr val="000000"/>
+                </a:solidFill>
+                <a:effectLst/>
+                <a:latin typeface="Arial" panose="020B0604020202020204" pitchFamily="34" charset="0"/>
+                <a:cs typeface="Arial" panose="020B0604020202020204" pitchFamily="34" charset="0"/>
+              </a:rPr>
+              <a:t>The main features of the first generation are −</a:t>
+            </a:r>
+          </a:p>
+          <a:p>
+            <a:pPr algn="just"/>
+            <a:endParaRPr lang="en-US" sz="2000" b="0" i="0" dirty="0">
+              <a:solidFill>
+                <a:srgbClr val="000000"/>
+              </a:solidFill>
+              <a:effectLst/>
+              <a:latin typeface="Arial" panose="020B0604020202020204" pitchFamily="34" charset="0"/>
+              <a:cs typeface="Arial" panose="020B0604020202020204" pitchFamily="34" charset="0"/>
+            </a:endParaRPr>
+          </a:p>
+          <a:p>
+            <a:pPr marL="342900" indent="-342900" algn="l">
+              <a:buFont typeface="+mj-lt"/>
+              <a:buAutoNum type="arabicPeriod"/>
+            </a:pPr>
+            <a:r>
+              <a:rPr lang="en-US" sz="2000" b="0" i="0" dirty="0">
+                <a:solidFill>
+                  <a:srgbClr val="000000"/>
+                </a:solidFill>
+                <a:effectLst/>
+                <a:latin typeface="Arial" panose="020B0604020202020204" pitchFamily="34" charset="0"/>
+                <a:cs typeface="Arial" panose="020B0604020202020204" pitchFamily="34" charset="0"/>
+              </a:rPr>
+              <a:t>Vacuum tube technology</a:t>
+            </a:r>
+          </a:p>
+          <a:p>
+            <a:pPr marL="342900" indent="-342900" algn="l">
+              <a:buFont typeface="+mj-lt"/>
+              <a:buAutoNum type="arabicPeriod"/>
+            </a:pPr>
+            <a:r>
+              <a:rPr lang="en-US" sz="2000" b="0" i="0" dirty="0">
+                <a:solidFill>
+                  <a:srgbClr val="000000"/>
+                </a:solidFill>
+                <a:effectLst/>
+                <a:latin typeface="Arial" panose="020B0604020202020204" pitchFamily="34" charset="0"/>
+                <a:cs typeface="Arial" panose="020B0604020202020204" pitchFamily="34" charset="0"/>
+              </a:rPr>
+              <a:t>Unreliable</a:t>
+            </a:r>
+          </a:p>
+          <a:p>
+            <a:pPr marL="342900" indent="-342900" algn="l">
+              <a:buFont typeface="+mj-lt"/>
+              <a:buAutoNum type="arabicPeriod"/>
+            </a:pPr>
+            <a:r>
+              <a:rPr lang="en-US" sz="2000" b="0" i="0" dirty="0">
+                <a:solidFill>
+                  <a:srgbClr val="000000"/>
+                </a:solidFill>
+                <a:effectLst/>
+                <a:latin typeface="Arial" panose="020B0604020202020204" pitchFamily="34" charset="0"/>
+                <a:cs typeface="Arial" panose="020B0604020202020204" pitchFamily="34" charset="0"/>
+              </a:rPr>
+              <a:t>Supported machine language only</a:t>
+            </a:r>
+          </a:p>
+          <a:p>
+            <a:pPr marL="342900" indent="-342900" algn="l">
+              <a:buFont typeface="+mj-lt"/>
+              <a:buAutoNum type="arabicPeriod"/>
+            </a:pPr>
+            <a:r>
+              <a:rPr lang="en-US" sz="2000" b="0" i="0" dirty="0">
+                <a:solidFill>
+                  <a:srgbClr val="000000"/>
+                </a:solidFill>
+                <a:effectLst/>
+                <a:latin typeface="Arial" panose="020B0604020202020204" pitchFamily="34" charset="0"/>
+                <a:cs typeface="Arial" panose="020B0604020202020204" pitchFamily="34" charset="0"/>
+              </a:rPr>
+              <a:t>Very costly</a:t>
+            </a:r>
+          </a:p>
+          <a:p>
+            <a:pPr marL="342900" indent="-342900" algn="l">
+              <a:buFont typeface="+mj-lt"/>
+              <a:buAutoNum type="arabicPeriod"/>
+            </a:pPr>
+            <a:r>
+              <a:rPr lang="en-US" sz="2000" b="0" i="0" dirty="0">
+                <a:solidFill>
+                  <a:srgbClr val="000000"/>
+                </a:solidFill>
+                <a:effectLst/>
+                <a:latin typeface="Arial" panose="020B0604020202020204" pitchFamily="34" charset="0"/>
+                <a:cs typeface="Arial" panose="020B0604020202020204" pitchFamily="34" charset="0"/>
+              </a:rPr>
+              <a:t>Generated a lot of heat</a:t>
+            </a:r>
+          </a:p>
+        </p:txBody>
+      </p:sp>
+      <p:sp>
+        <p:nvSpPr>
+          <p:cNvPr id="9" name="TextBox 8">
+            <a:extLst>
+              <a:ext uri="{FF2B5EF4-FFF2-40B4-BE49-F238E27FC236}">
+                <a16:creationId xmlns:a16="http://schemas.microsoft.com/office/drawing/2014/main" id="{DA9BB401-39C0-000A-95D4-DEC93CD65E57}"/>
+              </a:ext>
+            </a:extLst>
+          </p:cNvPr>
+          <p:cNvSpPr txBox="1"/>
+          <p:nvPr/>
+        </p:nvSpPr>
+        <p:spPr>
+          <a:xfrm>
+            <a:off x="6168008" y="4562441"/>
+            <a:ext cx="5476392" cy="1631216"/>
+          </a:xfrm>
+          <a:prstGeom prst="rect">
+            <a:avLst/>
+          </a:prstGeom>
+          <a:noFill/>
+        </p:spPr>
+        <p:txBody>
+          <a:bodyPr wrap="square">
+            <a:spAutoFit/>
+          </a:bodyPr>
+          <a:lstStyle/>
+          <a:p>
+            <a:pPr marL="457200" indent="-457200" algn="l">
+              <a:buFont typeface="+mj-lt"/>
+              <a:buAutoNum type="arabicPeriod" startAt="6"/>
+            </a:pPr>
+            <a:r>
+              <a:rPr lang="en-US" sz="2000" b="0" i="0" dirty="0">
+                <a:solidFill>
+                  <a:srgbClr val="000000"/>
+                </a:solidFill>
+                <a:effectLst/>
+                <a:latin typeface="Arial" panose="020B0604020202020204" pitchFamily="34" charset="0"/>
+                <a:cs typeface="Arial" panose="020B0604020202020204" pitchFamily="34" charset="0"/>
+              </a:rPr>
+              <a:t>Slow input and output devices</a:t>
+            </a:r>
+          </a:p>
+          <a:p>
+            <a:pPr marL="457200" indent="-457200" algn="l">
+              <a:buFont typeface="+mj-lt"/>
+              <a:buAutoNum type="arabicPeriod" startAt="6"/>
+            </a:pPr>
+            <a:r>
+              <a:rPr lang="en-US" sz="2000" b="0" i="0" dirty="0">
+                <a:solidFill>
+                  <a:srgbClr val="000000"/>
+                </a:solidFill>
+                <a:effectLst/>
+                <a:latin typeface="Arial" panose="020B0604020202020204" pitchFamily="34" charset="0"/>
+                <a:cs typeface="Arial" panose="020B0604020202020204" pitchFamily="34" charset="0"/>
+              </a:rPr>
+              <a:t>Huge size</a:t>
+            </a:r>
+          </a:p>
+          <a:p>
+            <a:pPr marL="457200" indent="-457200" algn="l">
+              <a:buFont typeface="+mj-lt"/>
+              <a:buAutoNum type="arabicPeriod" startAt="6"/>
+            </a:pPr>
+            <a:r>
+              <a:rPr lang="en-US" sz="2000" b="0" i="0" dirty="0">
+                <a:solidFill>
+                  <a:srgbClr val="000000"/>
+                </a:solidFill>
+                <a:effectLst/>
+                <a:latin typeface="Arial" panose="020B0604020202020204" pitchFamily="34" charset="0"/>
+                <a:cs typeface="Arial" panose="020B0604020202020204" pitchFamily="34" charset="0"/>
+              </a:rPr>
+              <a:t>Need of AC</a:t>
+            </a:r>
+          </a:p>
+          <a:p>
+            <a:pPr marL="457200" indent="-457200" algn="l">
+              <a:buFont typeface="+mj-lt"/>
+              <a:buAutoNum type="arabicPeriod" startAt="6"/>
+            </a:pPr>
+            <a:r>
+              <a:rPr lang="en-US" sz="2000" b="0" i="0" dirty="0">
+                <a:solidFill>
+                  <a:srgbClr val="000000"/>
+                </a:solidFill>
+                <a:effectLst/>
+                <a:latin typeface="Arial" panose="020B0604020202020204" pitchFamily="34" charset="0"/>
+                <a:cs typeface="Arial" panose="020B0604020202020204" pitchFamily="34" charset="0"/>
+              </a:rPr>
+              <a:t>Non-portable</a:t>
+            </a:r>
+          </a:p>
+          <a:p>
+            <a:pPr marL="457200" indent="-457200" algn="l">
+              <a:buFont typeface="+mj-lt"/>
+              <a:buAutoNum type="arabicPeriod" startAt="6"/>
+            </a:pPr>
+            <a:r>
+              <a:rPr lang="en-US" sz="2000" b="0" i="0" dirty="0">
+                <a:solidFill>
+                  <a:srgbClr val="000000"/>
+                </a:solidFill>
+                <a:effectLst/>
+                <a:latin typeface="Arial" panose="020B0604020202020204" pitchFamily="34" charset="0"/>
+                <a:cs typeface="Arial" panose="020B0604020202020204" pitchFamily="34" charset="0"/>
+              </a:rPr>
+              <a:t>Consumed a lot of electricity</a:t>
+            </a:r>
+          </a:p>
+        </p:txBody>
+      </p:sp>
+    </p:spTree>
+    <p:extLst>
+      <p:ext uri="{BB962C8B-B14F-4D97-AF65-F5344CB8AC3E}">
+        <p14:creationId xmlns:p14="http://schemas.microsoft.com/office/powerpoint/2010/main" val="641634191"/>
+      </p:ext>
+    </p:extLst>
+  </p:cSld>
+  <p:clrMapOvr>
+    <a:masterClrMapping/>
+  </p:clrMapOvr>
+</p:sld>
+</file>
+
+<file path=ppt/slides/slide30.xml><?xml version="1.0" encoding="utf-8"?>
 <p:sld xmlns:a="http://schemas.openxmlformats.org/drawingml/2006/main" xmlns:r="http://schemas.openxmlformats.org/officeDocument/2006/relationships" xmlns:p="http://schemas.openxmlformats.org/presentationml/2006/main">
   <p:cSld>
     <p:spTree>
@@ -8217,7 +9209,7 @@
 </p:sld>
 </file>
 
-<file path=ppt/slides/slide29.xml><?xml version="1.0" encoding="utf-8"?>
+<file path=ppt/slides/slide31.xml><?xml version="1.0" encoding="utf-8"?>
 <p:sld xmlns:a="http://schemas.openxmlformats.org/drawingml/2006/main" xmlns:r="http://schemas.openxmlformats.org/officeDocument/2006/relationships" xmlns:p="http://schemas.openxmlformats.org/presentationml/2006/main">
   <p:cSld>
     <p:spTree>
@@ -8294,464 +9286,7 @@
 </p:sld>
 </file>
 
-<file path=ppt/slides/slide3.xml><?xml version="1.0" encoding="utf-8"?>
-<p:sld xmlns:a="http://schemas.openxmlformats.org/drawingml/2006/main" xmlns:r="http://schemas.openxmlformats.org/officeDocument/2006/relationships" xmlns:p="http://schemas.openxmlformats.org/presentationml/2006/main">
-  <p:cSld>
-    <p:spTree>
-      <p:nvGrpSpPr>
-        <p:cNvPr id="1" name=""/>
-        <p:cNvGrpSpPr/>
-        <p:nvPr/>
-      </p:nvGrpSpPr>
-      <p:grpSpPr>
-        <a:xfrm>
-          <a:off x="0" y="0"/>
-          <a:ext cx="0" cy="0"/>
-          <a:chOff x="0" y="0"/>
-          <a:chExt cx="0" cy="0"/>
-        </a:xfrm>
-      </p:grpSpPr>
-      <p:sp>
-        <p:nvSpPr>
-          <p:cNvPr id="5" name="Rectangle 4"/>
-          <p:cNvSpPr/>
-          <p:nvPr/>
-        </p:nvSpPr>
-        <p:spPr>
-          <a:xfrm>
-            <a:off x="1524596" y="4"/>
-            <a:ext cx="9142810" cy="584775"/>
-          </a:xfrm>
-          <a:prstGeom prst="rect">
-            <a:avLst/>
-          </a:prstGeom>
-          <a:noFill/>
-        </p:spPr>
-        <p:txBody>
-          <a:bodyPr wrap="square">
-            <a:spAutoFit/>
-          </a:bodyPr>
-          <a:lstStyle/>
-          <a:p>
-            <a:pPr algn="r"/>
-            <a:r>
-              <a:rPr lang="en-IN" sz="3200" i="1" dirty="0">
-                <a:solidFill>
-                  <a:srgbClr val="FF9900"/>
-                </a:solidFill>
-                <a:latin typeface="Arial" pitchFamily="34" charset="0"/>
-                <a:cs typeface="Arial" pitchFamily="34" charset="0"/>
-              </a:rPr>
-              <a:t>First Generation of Computers</a:t>
-            </a:r>
-          </a:p>
-        </p:txBody>
-      </p:sp>
-      <p:sp>
-        <p:nvSpPr>
-          <p:cNvPr id="4" name="TextBox 3">
-            <a:extLst>
-              <a:ext uri="{FF2B5EF4-FFF2-40B4-BE49-F238E27FC236}">
-                <a16:creationId xmlns:a16="http://schemas.microsoft.com/office/drawing/2014/main" id="{25232946-F519-C45A-F91D-1C84AB18C593}"/>
-              </a:ext>
-            </a:extLst>
-          </p:cNvPr>
-          <p:cNvSpPr txBox="1"/>
-          <p:nvPr/>
-        </p:nvSpPr>
-        <p:spPr>
-          <a:xfrm>
-            <a:off x="191344" y="908720"/>
-            <a:ext cx="11809312" cy="2492990"/>
-          </a:xfrm>
-          <a:prstGeom prst="rect">
-            <a:avLst/>
-          </a:prstGeom>
-          <a:noFill/>
-        </p:spPr>
-        <p:txBody>
-          <a:bodyPr wrap="square">
-            <a:spAutoFit/>
-          </a:bodyPr>
-          <a:lstStyle/>
-          <a:p>
-            <a:pPr marL="342900" indent="-342900" algn="just">
-              <a:buFont typeface="Arial" panose="020B0604020202020204" pitchFamily="34" charset="0"/>
-              <a:buChar char="•"/>
-            </a:pPr>
-            <a:r>
-              <a:rPr lang="en-US" sz="2000" b="0" i="0" dirty="0">
-                <a:solidFill>
-                  <a:srgbClr val="000000"/>
-                </a:solidFill>
-                <a:effectLst/>
-                <a:latin typeface="Arial" panose="020B0604020202020204" pitchFamily="34" charset="0"/>
-                <a:cs typeface="Arial" panose="020B0604020202020204" pitchFamily="34" charset="0"/>
-              </a:rPr>
-              <a:t>The period of first generation was from 1946-1959. </a:t>
-            </a:r>
-          </a:p>
-          <a:p>
-            <a:pPr marL="342900" indent="-342900" algn="just">
-              <a:buFont typeface="Arial" panose="020B0604020202020204" pitchFamily="34" charset="0"/>
-              <a:buChar char="•"/>
-            </a:pPr>
-            <a:endParaRPr lang="en-US" sz="1200" b="0" i="0" dirty="0">
-              <a:solidFill>
-                <a:srgbClr val="000000"/>
-              </a:solidFill>
-              <a:effectLst/>
-              <a:latin typeface="Arial" panose="020B0604020202020204" pitchFamily="34" charset="0"/>
-              <a:cs typeface="Arial" panose="020B0604020202020204" pitchFamily="34" charset="0"/>
-            </a:endParaRPr>
-          </a:p>
-          <a:p>
-            <a:pPr marL="342900" indent="-342900" algn="just">
-              <a:buFont typeface="Arial" panose="020B0604020202020204" pitchFamily="34" charset="0"/>
-              <a:buChar char="•"/>
-            </a:pPr>
-            <a:r>
-              <a:rPr lang="en-US" sz="2000" b="0" i="0" dirty="0">
-                <a:solidFill>
-                  <a:srgbClr val="000000"/>
-                </a:solidFill>
-                <a:effectLst/>
-                <a:latin typeface="Arial" panose="020B0604020202020204" pitchFamily="34" charset="0"/>
-                <a:cs typeface="Arial" panose="020B0604020202020204" pitchFamily="34" charset="0"/>
-              </a:rPr>
-              <a:t>The computers of first generation used vacuum tubes as the basic components for memory and circuitry for CPU (Central Processing Unit). </a:t>
-            </a:r>
-          </a:p>
-          <a:p>
-            <a:pPr marL="342900" indent="-342900" algn="just">
-              <a:buFont typeface="Arial" panose="020B0604020202020204" pitchFamily="34" charset="0"/>
-              <a:buChar char="•"/>
-            </a:pPr>
-            <a:endParaRPr lang="en-US" sz="1200" b="0" i="0" dirty="0">
-              <a:solidFill>
-                <a:srgbClr val="000000"/>
-              </a:solidFill>
-              <a:effectLst/>
-              <a:latin typeface="Arial" panose="020B0604020202020204" pitchFamily="34" charset="0"/>
-              <a:cs typeface="Arial" panose="020B0604020202020204" pitchFamily="34" charset="0"/>
-            </a:endParaRPr>
-          </a:p>
-          <a:p>
-            <a:pPr marL="342900" indent="-342900" algn="just">
-              <a:buFont typeface="Arial" panose="020B0604020202020204" pitchFamily="34" charset="0"/>
-              <a:buChar char="•"/>
-            </a:pPr>
-            <a:r>
-              <a:rPr lang="en-US" sz="2000" b="0" i="0" dirty="0">
-                <a:solidFill>
-                  <a:srgbClr val="000000"/>
-                </a:solidFill>
-                <a:effectLst/>
-                <a:latin typeface="Arial" panose="020B0604020202020204" pitchFamily="34" charset="0"/>
-                <a:cs typeface="Arial" panose="020B0604020202020204" pitchFamily="34" charset="0"/>
-              </a:rPr>
-              <a:t>In this generation, mainly batch processing operating system was used. Punch cards, paper tape, and magnetic tape was used as input and output devices. </a:t>
-            </a:r>
-          </a:p>
-          <a:p>
-            <a:pPr marL="342900" indent="-342900" algn="just">
-              <a:buFont typeface="Arial" panose="020B0604020202020204" pitchFamily="34" charset="0"/>
-              <a:buChar char="•"/>
-            </a:pPr>
-            <a:endParaRPr lang="en-US" sz="1200" dirty="0">
-              <a:solidFill>
-                <a:srgbClr val="000000"/>
-              </a:solidFill>
-              <a:latin typeface="Arial" panose="020B0604020202020204" pitchFamily="34" charset="0"/>
-              <a:cs typeface="Arial" panose="020B0604020202020204" pitchFamily="34" charset="0"/>
-            </a:endParaRPr>
-          </a:p>
-          <a:p>
-            <a:pPr marL="342900" indent="-342900" algn="just">
-              <a:buFont typeface="Arial" panose="020B0604020202020204" pitchFamily="34" charset="0"/>
-              <a:buChar char="•"/>
-            </a:pPr>
-            <a:r>
-              <a:rPr lang="en-US" sz="2000" b="0" i="0" dirty="0">
-                <a:solidFill>
-                  <a:srgbClr val="000000"/>
-                </a:solidFill>
-                <a:effectLst/>
-                <a:latin typeface="Arial" panose="020B0604020202020204" pitchFamily="34" charset="0"/>
-                <a:cs typeface="Arial" panose="020B0604020202020204" pitchFamily="34" charset="0"/>
-              </a:rPr>
-              <a:t>The computers in this generation used machine code as the programming language.</a:t>
-            </a:r>
-          </a:p>
-        </p:txBody>
-      </p:sp>
-      <p:sp>
-        <p:nvSpPr>
-          <p:cNvPr id="8" name="TextBox 7">
-            <a:extLst>
-              <a:ext uri="{FF2B5EF4-FFF2-40B4-BE49-F238E27FC236}">
-                <a16:creationId xmlns:a16="http://schemas.microsoft.com/office/drawing/2014/main" id="{100ABC39-7515-EDCC-5A51-CD990F2F691E}"/>
-              </a:ext>
-            </a:extLst>
-          </p:cNvPr>
-          <p:cNvSpPr txBox="1"/>
-          <p:nvPr/>
-        </p:nvSpPr>
-        <p:spPr>
-          <a:xfrm>
-            <a:off x="263352" y="3946888"/>
-            <a:ext cx="6048672" cy="2246769"/>
-          </a:xfrm>
-          <a:prstGeom prst="rect">
-            <a:avLst/>
-          </a:prstGeom>
-          <a:noFill/>
-        </p:spPr>
-        <p:txBody>
-          <a:bodyPr wrap="square">
-            <a:spAutoFit/>
-          </a:bodyPr>
-          <a:lstStyle/>
-          <a:p>
-            <a:pPr algn="just"/>
-            <a:r>
-              <a:rPr lang="en-US" sz="2000" b="1" i="0" dirty="0">
-                <a:solidFill>
-                  <a:srgbClr val="000000"/>
-                </a:solidFill>
-                <a:effectLst/>
-                <a:latin typeface="Arial" panose="020B0604020202020204" pitchFamily="34" charset="0"/>
-                <a:cs typeface="Arial" panose="020B0604020202020204" pitchFamily="34" charset="0"/>
-              </a:rPr>
-              <a:t>The main features of the first generation are −</a:t>
-            </a:r>
-          </a:p>
-          <a:p>
-            <a:pPr algn="just"/>
-            <a:endParaRPr lang="en-US" sz="2000" b="0" i="0" dirty="0">
-              <a:solidFill>
-                <a:srgbClr val="000000"/>
-              </a:solidFill>
-              <a:effectLst/>
-              <a:latin typeface="Arial" panose="020B0604020202020204" pitchFamily="34" charset="0"/>
-              <a:cs typeface="Arial" panose="020B0604020202020204" pitchFamily="34" charset="0"/>
-            </a:endParaRPr>
-          </a:p>
-          <a:p>
-            <a:pPr marL="342900" indent="-342900" algn="l">
-              <a:buFont typeface="+mj-lt"/>
-              <a:buAutoNum type="arabicPeriod"/>
-            </a:pPr>
-            <a:r>
-              <a:rPr lang="en-US" sz="2000" b="0" i="0" dirty="0">
-                <a:solidFill>
-                  <a:srgbClr val="000000"/>
-                </a:solidFill>
-                <a:effectLst/>
-                <a:latin typeface="Arial" panose="020B0604020202020204" pitchFamily="34" charset="0"/>
-                <a:cs typeface="Arial" panose="020B0604020202020204" pitchFamily="34" charset="0"/>
-              </a:rPr>
-              <a:t>Vacuum tube technology</a:t>
-            </a:r>
-          </a:p>
-          <a:p>
-            <a:pPr marL="342900" indent="-342900" algn="l">
-              <a:buFont typeface="+mj-lt"/>
-              <a:buAutoNum type="arabicPeriod"/>
-            </a:pPr>
-            <a:r>
-              <a:rPr lang="en-US" sz="2000" b="0" i="0" dirty="0">
-                <a:solidFill>
-                  <a:srgbClr val="000000"/>
-                </a:solidFill>
-                <a:effectLst/>
-                <a:latin typeface="Arial" panose="020B0604020202020204" pitchFamily="34" charset="0"/>
-                <a:cs typeface="Arial" panose="020B0604020202020204" pitchFamily="34" charset="0"/>
-              </a:rPr>
-              <a:t>Unreliable</a:t>
-            </a:r>
-          </a:p>
-          <a:p>
-            <a:pPr marL="342900" indent="-342900" algn="l">
-              <a:buFont typeface="+mj-lt"/>
-              <a:buAutoNum type="arabicPeriod"/>
-            </a:pPr>
-            <a:r>
-              <a:rPr lang="en-US" sz="2000" b="0" i="0" dirty="0">
-                <a:solidFill>
-                  <a:srgbClr val="000000"/>
-                </a:solidFill>
-                <a:effectLst/>
-                <a:latin typeface="Arial" panose="020B0604020202020204" pitchFamily="34" charset="0"/>
-                <a:cs typeface="Arial" panose="020B0604020202020204" pitchFamily="34" charset="0"/>
-              </a:rPr>
-              <a:t>Supported machine language only</a:t>
-            </a:r>
-          </a:p>
-          <a:p>
-            <a:pPr marL="342900" indent="-342900" algn="l">
-              <a:buFont typeface="+mj-lt"/>
-              <a:buAutoNum type="arabicPeriod"/>
-            </a:pPr>
-            <a:r>
-              <a:rPr lang="en-US" sz="2000" b="0" i="0" dirty="0">
-                <a:solidFill>
-                  <a:srgbClr val="000000"/>
-                </a:solidFill>
-                <a:effectLst/>
-                <a:latin typeface="Arial" panose="020B0604020202020204" pitchFamily="34" charset="0"/>
-                <a:cs typeface="Arial" panose="020B0604020202020204" pitchFamily="34" charset="0"/>
-              </a:rPr>
-              <a:t>Very costly</a:t>
-            </a:r>
-          </a:p>
-          <a:p>
-            <a:pPr marL="342900" indent="-342900" algn="l">
-              <a:buFont typeface="+mj-lt"/>
-              <a:buAutoNum type="arabicPeriod"/>
-            </a:pPr>
-            <a:r>
-              <a:rPr lang="en-US" sz="2000" b="0" i="0" dirty="0">
-                <a:solidFill>
-                  <a:srgbClr val="000000"/>
-                </a:solidFill>
-                <a:effectLst/>
-                <a:latin typeface="Arial" panose="020B0604020202020204" pitchFamily="34" charset="0"/>
-                <a:cs typeface="Arial" panose="020B0604020202020204" pitchFamily="34" charset="0"/>
-              </a:rPr>
-              <a:t>Generated a lot of heat</a:t>
-            </a:r>
-          </a:p>
-        </p:txBody>
-      </p:sp>
-      <p:sp>
-        <p:nvSpPr>
-          <p:cNvPr id="9" name="TextBox 8">
-            <a:extLst>
-              <a:ext uri="{FF2B5EF4-FFF2-40B4-BE49-F238E27FC236}">
-                <a16:creationId xmlns:a16="http://schemas.microsoft.com/office/drawing/2014/main" id="{DA9BB401-39C0-000A-95D4-DEC93CD65E57}"/>
-              </a:ext>
-            </a:extLst>
-          </p:cNvPr>
-          <p:cNvSpPr txBox="1"/>
-          <p:nvPr/>
-        </p:nvSpPr>
-        <p:spPr>
-          <a:xfrm>
-            <a:off x="6168008" y="4562441"/>
-            <a:ext cx="5476392" cy="1631216"/>
-          </a:xfrm>
-          <a:prstGeom prst="rect">
-            <a:avLst/>
-          </a:prstGeom>
-          <a:noFill/>
-        </p:spPr>
-        <p:txBody>
-          <a:bodyPr wrap="square">
-            <a:spAutoFit/>
-          </a:bodyPr>
-          <a:lstStyle/>
-          <a:p>
-            <a:pPr marL="457200" indent="-457200" algn="l">
-              <a:buFont typeface="+mj-lt"/>
-              <a:buAutoNum type="arabicPeriod" startAt="6"/>
-            </a:pPr>
-            <a:r>
-              <a:rPr lang="en-US" sz="2000" b="0" i="0" dirty="0">
-                <a:solidFill>
-                  <a:srgbClr val="000000"/>
-                </a:solidFill>
-                <a:effectLst/>
-                <a:latin typeface="Arial" panose="020B0604020202020204" pitchFamily="34" charset="0"/>
-                <a:cs typeface="Arial" panose="020B0604020202020204" pitchFamily="34" charset="0"/>
-              </a:rPr>
-              <a:t>Slow input and output devices</a:t>
-            </a:r>
-          </a:p>
-          <a:p>
-            <a:pPr marL="457200" indent="-457200" algn="l">
-              <a:buFont typeface="+mj-lt"/>
-              <a:buAutoNum type="arabicPeriod" startAt="6"/>
-            </a:pPr>
-            <a:r>
-              <a:rPr lang="en-US" sz="2000" b="0" i="0" dirty="0">
-                <a:solidFill>
-                  <a:srgbClr val="000000"/>
-                </a:solidFill>
-                <a:effectLst/>
-                <a:latin typeface="Arial" panose="020B0604020202020204" pitchFamily="34" charset="0"/>
-                <a:cs typeface="Arial" panose="020B0604020202020204" pitchFamily="34" charset="0"/>
-              </a:rPr>
-              <a:t>Huge size</a:t>
-            </a:r>
-          </a:p>
-          <a:p>
-            <a:pPr marL="457200" indent="-457200" algn="l">
-              <a:buFont typeface="+mj-lt"/>
-              <a:buAutoNum type="arabicPeriod" startAt="6"/>
-            </a:pPr>
-            <a:r>
-              <a:rPr lang="en-US" sz="2000" b="0" i="0" dirty="0">
-                <a:solidFill>
-                  <a:srgbClr val="000000"/>
-                </a:solidFill>
-                <a:effectLst/>
-                <a:latin typeface="Arial" panose="020B0604020202020204" pitchFamily="34" charset="0"/>
-                <a:cs typeface="Arial" panose="020B0604020202020204" pitchFamily="34" charset="0"/>
-              </a:rPr>
-              <a:t>Need of AC</a:t>
-            </a:r>
-          </a:p>
-          <a:p>
-            <a:pPr marL="457200" indent="-457200" algn="l">
-              <a:buFont typeface="+mj-lt"/>
-              <a:buAutoNum type="arabicPeriod" startAt="6"/>
-            </a:pPr>
-            <a:r>
-              <a:rPr lang="en-US" sz="2000" b="0" i="0" dirty="0">
-                <a:solidFill>
-                  <a:srgbClr val="000000"/>
-                </a:solidFill>
-                <a:effectLst/>
-                <a:latin typeface="Arial" panose="020B0604020202020204" pitchFamily="34" charset="0"/>
-                <a:cs typeface="Arial" panose="020B0604020202020204" pitchFamily="34" charset="0"/>
-              </a:rPr>
-              <a:t>Non-portable</a:t>
-            </a:r>
-          </a:p>
-          <a:p>
-            <a:pPr marL="457200" indent="-457200" algn="l">
-              <a:buFont typeface="+mj-lt"/>
-              <a:buAutoNum type="arabicPeriod" startAt="6"/>
-            </a:pPr>
-            <a:r>
-              <a:rPr lang="en-US" sz="2000" b="0" i="0" dirty="0">
-                <a:solidFill>
-                  <a:srgbClr val="000000"/>
-                </a:solidFill>
-                <a:effectLst/>
-                <a:latin typeface="Arial" panose="020B0604020202020204" pitchFamily="34" charset="0"/>
-                <a:cs typeface="Arial" panose="020B0604020202020204" pitchFamily="34" charset="0"/>
-              </a:rPr>
-              <a:t>Consumed a lot of electricity</a:t>
-            </a:r>
-          </a:p>
-        </p:txBody>
-      </p:sp>
-    </p:spTree>
-    <p:extLst>
-      <p:ext uri="{BB962C8B-B14F-4D97-AF65-F5344CB8AC3E}">
-        <p14:creationId xmlns:p14="http://schemas.microsoft.com/office/powerpoint/2010/main" val="641634191"/>
-      </p:ext>
-    </p:extLst>
-  </p:cSld>
-  <p:clrMapOvr>
-    <a:masterClrMapping/>
-  </p:clrMapOvr>
-</p:sld>
-</file>
-
-<file path=ppt/slides/slide30.xml><?xml version="1.0" encoding="utf-8"?>
+<file path=ppt/slides/slide32.xml><?xml version="1.0" encoding="utf-8"?>
 <p:sld xmlns:a="http://schemas.openxmlformats.org/drawingml/2006/main" xmlns:r="http://schemas.openxmlformats.org/officeDocument/2006/relationships" xmlns:p="http://schemas.openxmlformats.org/presentationml/2006/main">
   <p:cSld>
     <p:bg>
@@ -9797,230 +10332,6 @@
     <p:extLst>
       <p:ext uri="{BB962C8B-B14F-4D97-AF65-F5344CB8AC3E}">
         <p14:creationId xmlns:p14="http://schemas.microsoft.com/office/powerpoint/2010/main" val="2532309092"/>
-      </p:ext>
-    </p:extLst>
-  </p:cSld>
-  <p:clrMapOvr>
-    <a:masterClrMapping/>
-  </p:clrMapOvr>
-</p:sld>
-</file>
-
-<file path=ppt/slides/slide31.xml><?xml version="1.0" encoding="utf-8"?>
-<p:sld xmlns:a="http://schemas.openxmlformats.org/drawingml/2006/main" xmlns:r="http://schemas.openxmlformats.org/officeDocument/2006/relationships" xmlns:p="http://schemas.openxmlformats.org/presentationml/2006/main">
-  <p:cSld>
-    <p:spTree>
-      <p:nvGrpSpPr>
-        <p:cNvPr id="1" name=""/>
-        <p:cNvGrpSpPr/>
-        <p:nvPr/>
-      </p:nvGrpSpPr>
-      <p:grpSpPr>
-        <a:xfrm>
-          <a:off x="0" y="0"/>
-          <a:ext cx="0" cy="0"/>
-          <a:chOff x="0" y="0"/>
-          <a:chExt cx="0" cy="0"/>
-        </a:xfrm>
-      </p:grpSpPr>
-      <p:sp>
-        <p:nvSpPr>
-          <p:cNvPr id="4" name="Rectangle 3">
-            <a:extLst>
-              <a:ext uri="{FF2B5EF4-FFF2-40B4-BE49-F238E27FC236}">
-                <a16:creationId xmlns:a16="http://schemas.microsoft.com/office/drawing/2014/main" id="{6524962B-7610-4EFD-AA5E-DDE403AB8860}"/>
-              </a:ext>
-            </a:extLst>
-          </p:cNvPr>
-          <p:cNvSpPr/>
-          <p:nvPr/>
-        </p:nvSpPr>
-        <p:spPr>
-          <a:xfrm>
-            <a:off x="1524000" y="1"/>
-            <a:ext cx="9144000" cy="584775"/>
-          </a:xfrm>
-          <a:prstGeom prst="rect">
-            <a:avLst/>
-          </a:prstGeom>
-          <a:noFill/>
-        </p:spPr>
-        <p:txBody>
-          <a:bodyPr wrap="square">
-            <a:spAutoFit/>
-          </a:bodyPr>
-          <a:lstStyle/>
-          <a:p>
-            <a:pPr algn="r"/>
-            <a:r>
-              <a:rPr lang="en-US" sz="3200" i="1" dirty="0">
-                <a:solidFill>
-                  <a:srgbClr val="FF9900"/>
-                </a:solidFill>
-                <a:latin typeface="Arial" pitchFamily="34" charset="0"/>
-                <a:cs typeface="Arial" pitchFamily="34" charset="0"/>
-              </a:rPr>
-              <a:t>procedural programming paradigm</a:t>
-            </a:r>
-            <a:endParaRPr lang="en-IN" sz="3200" i="1" dirty="0">
-              <a:solidFill>
-                <a:srgbClr val="FF9900"/>
-              </a:solidFill>
-              <a:latin typeface="Arial" pitchFamily="34" charset="0"/>
-              <a:cs typeface="Arial" pitchFamily="34" charset="0"/>
-            </a:endParaRPr>
-          </a:p>
-        </p:txBody>
-      </p:sp>
-      <p:sp>
-        <p:nvSpPr>
-          <p:cNvPr id="6" name="TextBox 5">
-            <a:extLst>
-              <a:ext uri="{FF2B5EF4-FFF2-40B4-BE49-F238E27FC236}">
-                <a16:creationId xmlns:a16="http://schemas.microsoft.com/office/drawing/2014/main" id="{B6D0F145-F4AF-AB8D-0658-1541B6EBF168}"/>
-              </a:ext>
-            </a:extLst>
-          </p:cNvPr>
-          <p:cNvSpPr txBox="1"/>
-          <p:nvPr/>
-        </p:nvSpPr>
-        <p:spPr>
-          <a:xfrm>
-            <a:off x="191344" y="1052736"/>
-            <a:ext cx="11809312" cy="2554545"/>
-          </a:xfrm>
-          <a:prstGeom prst="rect">
-            <a:avLst/>
-          </a:prstGeom>
-          <a:noFill/>
-        </p:spPr>
-        <p:txBody>
-          <a:bodyPr wrap="square">
-            <a:spAutoFit/>
-          </a:bodyPr>
-          <a:lstStyle>
-            <a:defPPr>
-              <a:defRPr lang="en-US"/>
-            </a:defPPr>
-            <a:lvl1pPr marL="285750" indent="-285750">
-              <a:buFont typeface="Arial" panose="020B0604020202020204" pitchFamily="34" charset="0"/>
-              <a:buChar char="•"/>
-              <a:defRPr b="1">
-                <a:latin typeface="Arial" panose="020B0604020202020204" pitchFamily="34" charset="0"/>
-                <a:cs typeface="Arial" panose="020B0604020202020204" pitchFamily="34" charset="0"/>
-              </a:defRPr>
-            </a:lvl1pPr>
-          </a:lstStyle>
-          <a:p>
-            <a:r>
-              <a:rPr lang="en-US" sz="2000" b="0" dirty="0"/>
-              <a:t>Procedural programming revolves around a sequence of instructions given to the computer. These sequences of instructions are known as procedures.</a:t>
-            </a:r>
-          </a:p>
-          <a:p>
-            <a:endParaRPr lang="en-US" sz="2000" b="0" dirty="0"/>
-          </a:p>
-          <a:p>
-            <a:r>
-              <a:rPr lang="en-US" sz="2000" b="0" dirty="0"/>
-              <a:t>Since the instructions are carried out in well-defined sequences, we say that procedural programming takes a top-down approach.</a:t>
-            </a:r>
-          </a:p>
-          <a:p>
-            <a:endParaRPr lang="en-US" sz="2000" b="0" dirty="0"/>
-          </a:p>
-          <a:p>
-            <a:r>
-              <a:rPr lang="en-US" sz="2000" b="0" dirty="0"/>
-              <a:t>In procedural programming, we divide our instructions into smaller blocks of well-defined code. These code blocks are known as functions, where each function performs a specific task.</a:t>
-            </a:r>
-            <a:endParaRPr lang="en-IN" sz="2000" b="0" dirty="0"/>
-          </a:p>
-        </p:txBody>
-      </p:sp>
-    </p:spTree>
-    <p:extLst>
-      <p:ext uri="{BB962C8B-B14F-4D97-AF65-F5344CB8AC3E}">
-        <p14:creationId xmlns:p14="http://schemas.microsoft.com/office/powerpoint/2010/main" val="2207908433"/>
-      </p:ext>
-    </p:extLst>
-  </p:cSld>
-  <p:clrMapOvr>
-    <a:masterClrMapping/>
-  </p:clrMapOvr>
-</p:sld>
-</file>
-
-<file path=ppt/slides/slide32.xml><?xml version="1.0" encoding="utf-8"?>
-<p:sld xmlns:a="http://schemas.openxmlformats.org/drawingml/2006/main" xmlns:r="http://schemas.openxmlformats.org/officeDocument/2006/relationships" xmlns:p="http://schemas.openxmlformats.org/presentationml/2006/main">
-  <p:cSld>
-    <p:spTree>
-      <p:nvGrpSpPr>
-        <p:cNvPr id="1" name=""/>
-        <p:cNvGrpSpPr/>
-        <p:nvPr/>
-      </p:nvGrpSpPr>
-      <p:grpSpPr>
-        <a:xfrm>
-          <a:off x="0" y="0"/>
-          <a:ext cx="0" cy="0"/>
-          <a:chOff x="0" y="0"/>
-          <a:chExt cx="0" cy="0"/>
-        </a:xfrm>
-      </p:grpSpPr>
-      <p:sp>
-        <p:nvSpPr>
-          <p:cNvPr id="4" name="Rectangle 3">
-            <a:extLst>
-              <a:ext uri="{FF2B5EF4-FFF2-40B4-BE49-F238E27FC236}">
-                <a16:creationId xmlns:a16="http://schemas.microsoft.com/office/drawing/2014/main" id="{6524962B-7610-4EFD-AA5E-DDE403AB8860}"/>
-              </a:ext>
-            </a:extLst>
-          </p:cNvPr>
-          <p:cNvSpPr/>
-          <p:nvPr/>
-        </p:nvSpPr>
-        <p:spPr>
-          <a:xfrm>
-            <a:off x="1524000" y="1"/>
-            <a:ext cx="9144000" cy="584775"/>
-          </a:xfrm>
-          <a:prstGeom prst="rect">
-            <a:avLst/>
-          </a:prstGeom>
-          <a:noFill/>
-        </p:spPr>
-        <p:txBody>
-          <a:bodyPr wrap="square">
-            <a:spAutoFit/>
-          </a:bodyPr>
-          <a:lstStyle/>
-          <a:p>
-            <a:pPr algn="r"/>
-            <a:r>
-              <a:rPr lang="en-US" sz="3200" i="1" dirty="0">
-                <a:solidFill>
-                  <a:srgbClr val="FF9900"/>
-                </a:solidFill>
-                <a:latin typeface="Arial" pitchFamily="34" charset="0"/>
-                <a:cs typeface="Arial" pitchFamily="34" charset="0"/>
-              </a:rPr>
-              <a:t>object oriented programming paradigm</a:t>
-            </a:r>
-            <a:endParaRPr lang="en-IN" sz="3200" i="1" dirty="0">
-              <a:solidFill>
-                <a:srgbClr val="FF9900"/>
-              </a:solidFill>
-              <a:latin typeface="Arial" pitchFamily="34" charset="0"/>
-              <a:cs typeface="Arial" pitchFamily="34" charset="0"/>
-            </a:endParaRPr>
-          </a:p>
-        </p:txBody>
-      </p:sp>
-    </p:spTree>
-    <p:extLst>
-      <p:ext uri="{BB962C8B-B14F-4D97-AF65-F5344CB8AC3E}">
-        <p14:creationId xmlns:p14="http://schemas.microsoft.com/office/powerpoint/2010/main" val="1921851627"/>
       </p:ext>
     </p:extLst>
   </p:cSld>
@@ -10084,6 +10395,230 @@
                 <a:latin typeface="Arial" pitchFamily="34" charset="0"/>
                 <a:cs typeface="Arial" pitchFamily="34" charset="0"/>
               </a:rPr>
+              <a:t>procedural programming paradigm</a:t>
+            </a:r>
+            <a:endParaRPr lang="en-IN" sz="3200" i="1" dirty="0">
+              <a:solidFill>
+                <a:srgbClr val="FF9900"/>
+              </a:solidFill>
+              <a:latin typeface="Arial" pitchFamily="34" charset="0"/>
+              <a:cs typeface="Arial" pitchFamily="34" charset="0"/>
+            </a:endParaRPr>
+          </a:p>
+        </p:txBody>
+      </p:sp>
+      <p:sp>
+        <p:nvSpPr>
+          <p:cNvPr id="6" name="TextBox 5">
+            <a:extLst>
+              <a:ext uri="{FF2B5EF4-FFF2-40B4-BE49-F238E27FC236}">
+                <a16:creationId xmlns:a16="http://schemas.microsoft.com/office/drawing/2014/main" id="{B6D0F145-F4AF-AB8D-0658-1541B6EBF168}"/>
+              </a:ext>
+            </a:extLst>
+          </p:cNvPr>
+          <p:cNvSpPr txBox="1"/>
+          <p:nvPr/>
+        </p:nvSpPr>
+        <p:spPr>
+          <a:xfrm>
+            <a:off x="191344" y="1052736"/>
+            <a:ext cx="11809312" cy="2554545"/>
+          </a:xfrm>
+          <a:prstGeom prst="rect">
+            <a:avLst/>
+          </a:prstGeom>
+          <a:noFill/>
+        </p:spPr>
+        <p:txBody>
+          <a:bodyPr wrap="square">
+            <a:spAutoFit/>
+          </a:bodyPr>
+          <a:lstStyle>
+            <a:defPPr>
+              <a:defRPr lang="en-US"/>
+            </a:defPPr>
+            <a:lvl1pPr marL="285750" indent="-285750">
+              <a:buFont typeface="Arial" panose="020B0604020202020204" pitchFamily="34" charset="0"/>
+              <a:buChar char="•"/>
+              <a:defRPr b="1">
+                <a:latin typeface="Arial" panose="020B0604020202020204" pitchFamily="34" charset="0"/>
+                <a:cs typeface="Arial" panose="020B0604020202020204" pitchFamily="34" charset="0"/>
+              </a:defRPr>
+            </a:lvl1pPr>
+          </a:lstStyle>
+          <a:p>
+            <a:r>
+              <a:rPr lang="en-US" sz="2000" b="0" dirty="0"/>
+              <a:t>Procedural programming revolves around a sequence of instructions given to the computer. These sequences of instructions are known as procedures.</a:t>
+            </a:r>
+          </a:p>
+          <a:p>
+            <a:endParaRPr lang="en-US" sz="2000" b="0" dirty="0"/>
+          </a:p>
+          <a:p>
+            <a:r>
+              <a:rPr lang="en-US" sz="2000" b="0" dirty="0"/>
+              <a:t>Since the instructions are carried out in well-defined sequences, we say that procedural programming takes a top-down approach.</a:t>
+            </a:r>
+          </a:p>
+          <a:p>
+            <a:endParaRPr lang="en-US" sz="2000" b="0" dirty="0"/>
+          </a:p>
+          <a:p>
+            <a:r>
+              <a:rPr lang="en-US" sz="2000" b="0" dirty="0"/>
+              <a:t>In procedural programming, we divide our instructions into smaller blocks of well-defined code. These code blocks are known as functions, where each function performs a specific task.</a:t>
+            </a:r>
+            <a:endParaRPr lang="en-IN" sz="2000" b="0" dirty="0"/>
+          </a:p>
+        </p:txBody>
+      </p:sp>
+    </p:spTree>
+    <p:extLst>
+      <p:ext uri="{BB962C8B-B14F-4D97-AF65-F5344CB8AC3E}">
+        <p14:creationId xmlns:p14="http://schemas.microsoft.com/office/powerpoint/2010/main" val="2207908433"/>
+      </p:ext>
+    </p:extLst>
+  </p:cSld>
+  <p:clrMapOvr>
+    <a:masterClrMapping/>
+  </p:clrMapOvr>
+</p:sld>
+</file>
+
+<file path=ppt/slides/slide34.xml><?xml version="1.0" encoding="utf-8"?>
+<p:sld xmlns:a="http://schemas.openxmlformats.org/drawingml/2006/main" xmlns:r="http://schemas.openxmlformats.org/officeDocument/2006/relationships" xmlns:p="http://schemas.openxmlformats.org/presentationml/2006/main">
+  <p:cSld>
+    <p:spTree>
+      <p:nvGrpSpPr>
+        <p:cNvPr id="1" name=""/>
+        <p:cNvGrpSpPr/>
+        <p:nvPr/>
+      </p:nvGrpSpPr>
+      <p:grpSpPr>
+        <a:xfrm>
+          <a:off x="0" y="0"/>
+          <a:ext cx="0" cy="0"/>
+          <a:chOff x="0" y="0"/>
+          <a:chExt cx="0" cy="0"/>
+        </a:xfrm>
+      </p:grpSpPr>
+      <p:sp>
+        <p:nvSpPr>
+          <p:cNvPr id="4" name="Rectangle 3">
+            <a:extLst>
+              <a:ext uri="{FF2B5EF4-FFF2-40B4-BE49-F238E27FC236}">
+                <a16:creationId xmlns:a16="http://schemas.microsoft.com/office/drawing/2014/main" id="{6524962B-7610-4EFD-AA5E-DDE403AB8860}"/>
+              </a:ext>
+            </a:extLst>
+          </p:cNvPr>
+          <p:cNvSpPr/>
+          <p:nvPr/>
+        </p:nvSpPr>
+        <p:spPr>
+          <a:xfrm>
+            <a:off x="1524000" y="1"/>
+            <a:ext cx="9144000" cy="584775"/>
+          </a:xfrm>
+          <a:prstGeom prst="rect">
+            <a:avLst/>
+          </a:prstGeom>
+          <a:noFill/>
+        </p:spPr>
+        <p:txBody>
+          <a:bodyPr wrap="square">
+            <a:spAutoFit/>
+          </a:bodyPr>
+          <a:lstStyle/>
+          <a:p>
+            <a:pPr algn="r"/>
+            <a:r>
+              <a:rPr lang="en-US" sz="3200" i="1" dirty="0">
+                <a:solidFill>
+                  <a:srgbClr val="FF9900"/>
+                </a:solidFill>
+                <a:latin typeface="Arial" pitchFamily="34" charset="0"/>
+                <a:cs typeface="Arial" pitchFamily="34" charset="0"/>
+              </a:rPr>
+              <a:t>object oriented programming paradigm</a:t>
+            </a:r>
+            <a:endParaRPr lang="en-IN" sz="3200" i="1" dirty="0">
+              <a:solidFill>
+                <a:srgbClr val="FF9900"/>
+              </a:solidFill>
+              <a:latin typeface="Arial" pitchFamily="34" charset="0"/>
+              <a:cs typeface="Arial" pitchFamily="34" charset="0"/>
+            </a:endParaRPr>
+          </a:p>
+        </p:txBody>
+      </p:sp>
+    </p:spTree>
+    <p:extLst>
+      <p:ext uri="{BB962C8B-B14F-4D97-AF65-F5344CB8AC3E}">
+        <p14:creationId xmlns:p14="http://schemas.microsoft.com/office/powerpoint/2010/main" val="1921851627"/>
+      </p:ext>
+    </p:extLst>
+  </p:cSld>
+  <p:clrMapOvr>
+    <a:masterClrMapping/>
+  </p:clrMapOvr>
+</p:sld>
+</file>
+
+<file path=ppt/slides/slide35.xml><?xml version="1.0" encoding="utf-8"?>
+<p:sld xmlns:a="http://schemas.openxmlformats.org/drawingml/2006/main" xmlns:r="http://schemas.openxmlformats.org/officeDocument/2006/relationships" xmlns:p="http://schemas.openxmlformats.org/presentationml/2006/main">
+  <p:cSld>
+    <p:spTree>
+      <p:nvGrpSpPr>
+        <p:cNvPr id="1" name=""/>
+        <p:cNvGrpSpPr/>
+        <p:nvPr/>
+      </p:nvGrpSpPr>
+      <p:grpSpPr>
+        <a:xfrm>
+          <a:off x="0" y="0"/>
+          <a:ext cx="0" cy="0"/>
+          <a:chOff x="0" y="0"/>
+          <a:chExt cx="0" cy="0"/>
+        </a:xfrm>
+      </p:grpSpPr>
+      <p:sp>
+        <p:nvSpPr>
+          <p:cNvPr id="4" name="Rectangle 3">
+            <a:extLst>
+              <a:ext uri="{FF2B5EF4-FFF2-40B4-BE49-F238E27FC236}">
+                <a16:creationId xmlns:a16="http://schemas.microsoft.com/office/drawing/2014/main" id="{6524962B-7610-4EFD-AA5E-DDE403AB8860}"/>
+              </a:ext>
+            </a:extLst>
+          </p:cNvPr>
+          <p:cNvSpPr/>
+          <p:nvPr/>
+        </p:nvSpPr>
+        <p:spPr>
+          <a:xfrm>
+            <a:off x="1524000" y="1"/>
+            <a:ext cx="9144000" cy="584775"/>
+          </a:xfrm>
+          <a:prstGeom prst="rect">
+            <a:avLst/>
+          </a:prstGeom>
+          <a:noFill/>
+        </p:spPr>
+        <p:txBody>
+          <a:bodyPr wrap="square">
+            <a:spAutoFit/>
+          </a:bodyPr>
+          <a:lstStyle/>
+          <a:p>
+            <a:pPr algn="r"/>
+            <a:r>
+              <a:rPr lang="en-US" sz="3200" i="1" dirty="0">
+                <a:solidFill>
+                  <a:srgbClr val="FF9900"/>
+                </a:solidFill>
+                <a:latin typeface="Arial" pitchFamily="34" charset="0"/>
+                <a:cs typeface="Arial" pitchFamily="34" charset="0"/>
+              </a:rPr>
               <a:t>parallel processing programming paradigm</a:t>
             </a:r>
             <a:endParaRPr lang="en-IN" sz="3200" i="1" dirty="0">
@@ -10109,7 +10644,7 @@
 </p:sld>
 </file>
 
-<file path=ppt/slides/slide34.xml><?xml version="1.0" encoding="utf-8"?>
+<file path=ppt/slides/slide36.xml><?xml version="1.0" encoding="utf-8"?>
 <p:sld xmlns:a="http://schemas.openxmlformats.org/drawingml/2006/main" xmlns:r="http://schemas.openxmlformats.org/officeDocument/2006/relationships" xmlns:p="http://schemas.openxmlformats.org/presentationml/2006/main">
   <p:cSld>
     <p:spTree>
@@ -10188,7 +10723,7 @@
 </p:sld>
 </file>
 
-<file path=ppt/slides/slide35.xml><?xml version="1.0" encoding="utf-8"?>
+<file path=ppt/slides/slide37.xml><?xml version="1.0" encoding="utf-8"?>
 <p:sld xmlns:a="http://schemas.openxmlformats.org/drawingml/2006/main" xmlns:r="http://schemas.openxmlformats.org/officeDocument/2006/relationships" xmlns:p="http://schemas.openxmlformats.org/presentationml/2006/main">
   <p:cSld>
     <p:spTree>
@@ -12371,7 +12906,7 @@
           <p:nvPr>
             <p:extLst>
               <p:ext uri="{D42A27DB-BD31-4B8C-83A1-F6EECF244321}">
-                <p14:modId xmlns:p14="http://schemas.microsoft.com/office/powerpoint/2010/main" val="2381240656"/>
+                <p14:modId xmlns:p14="http://schemas.microsoft.com/office/powerpoint/2010/main" val="3489637013"/>
               </p:ext>
             </p:extLst>
           </p:nvPr>
@@ -12392,14 +12927,14 @@
                     </a:ext>
                   </a:extLst>
                 </a:gridCol>
-                <a:gridCol w="2987408">
+                <a:gridCol w="2555360">
                   <a:extLst>
                     <a:ext uri="{9D8B030D-6E8A-4147-A177-3AD203B41FA5}">
                       <a16:colId xmlns:a16="http://schemas.microsoft.com/office/drawing/2014/main" val="1478835061"/>
                     </a:ext>
                   </a:extLst>
                 </a:gridCol>
-                <a:gridCol w="8064896">
+                <a:gridCol w="8496944">
                   <a:extLst>
                     <a:ext uri="{9D8B030D-6E8A-4147-A177-3AD203B41FA5}">
                       <a16:colId xmlns:a16="http://schemas.microsoft.com/office/drawing/2014/main" val="4021145643"/>
@@ -12656,7 +13191,7 @@
                           <a:latin typeface="Arial" panose="020B0604020202020204" pitchFamily="34" charset="0"/>
                           <a:cs typeface="Arial" panose="020B0604020202020204" pitchFamily="34" charset="0"/>
                         </a:rPr>
-                        <a:t>PC (Personal Computer)</a:t>
+                        <a:t>Personal Computer</a:t>
                       </a:r>
                     </a:p>
                   </a:txBody>
@@ -13466,7 +14001,7 @@
 </file>
 
 <file path=ppt/slides/slide9.xml><?xml version="1.0" encoding="utf-8"?>
-<p:sld xmlns:a="http://schemas.openxmlformats.org/drawingml/2006/main" xmlns:r="http://schemas.openxmlformats.org/officeDocument/2006/relationships" xmlns:p="http://schemas.openxmlformats.org/presentationml/2006/main" showMasterSp="0">
+<p:sld xmlns:a="http://schemas.openxmlformats.org/drawingml/2006/main" xmlns:r="http://schemas.openxmlformats.org/officeDocument/2006/relationships" xmlns:p="http://schemas.openxmlformats.org/presentationml/2006/main">
   <p:cSld>
     <p:spTree>
       <p:nvGrpSpPr>
@@ -13490,12 +14025,13 @@
         </p:nvSpPr>
         <p:spPr>
           <a:xfrm>
-            <a:off x="4583833" y="145754"/>
-            <a:ext cx="7608168" cy="1569660"/>
+            <a:off x="1524596" y="4"/>
+            <a:ext cx="9142810" cy="584775"/>
           </a:xfrm>
           <a:prstGeom prst="rect">
             <a:avLst/>
           </a:prstGeom>
+          <a:noFill/>
         </p:spPr>
         <p:txBody>
           <a:bodyPr wrap="square">
@@ -13503,74 +14039,41 @@
           </a:bodyPr>
           <a:lstStyle/>
           <a:p>
-            <a:r>
-              <a:rPr lang="en-IN" sz="4800" dirty="0">
-                <a:solidFill>
-                  <a:srgbClr val="FF6000"/>
-                </a:solidFill>
-                <a:latin typeface="Segoe Print" panose="02000600000000000000" pitchFamily="2" charset="0"/>
-              </a:rPr>
-              <a:t>A day without new knowledge is a lost day.</a:t>
+            <a:pPr algn="r"/>
+            <a:r>
+              <a:rPr lang="en-IN" sz="3200" i="1" dirty="0">
+                <a:solidFill>
+                  <a:srgbClr val="FF9900"/>
+                </a:solidFill>
+                <a:latin typeface="Arial" pitchFamily="34" charset="0"/>
+                <a:cs typeface="Arial" pitchFamily="34" charset="0"/>
+              </a:rPr>
+              <a:t>Low level language</a:t>
             </a:r>
           </a:p>
         </p:txBody>
       </p:sp>
       <p:sp>
         <p:nvSpPr>
-          <p:cNvPr id="8" name="Title 2"/>
-          <p:cNvSpPr>
-            <a:spLocks noGrp="1"/>
-          </p:cNvSpPr>
-          <p:nvPr>
-            <p:ph type="ctrTitle"/>
-          </p:nvPr>
-        </p:nvSpPr>
-        <p:spPr>
-          <a:xfrm>
-            <a:off x="1367120" y="3068960"/>
-            <a:ext cx="9142810" cy="990600"/>
-          </a:xfrm>
-        </p:spPr>
-        <p:txBody>
-          <a:bodyPr vert="horz" anchor="t" anchorCtr="0">
-            <a:noAutofit/>
-          </a:bodyPr>
-          <a:lstStyle/>
-          <a:p>
-            <a:r>
-              <a:rPr lang="en-US" sz="4200" b="1" i="1" dirty="0">
-                <a:solidFill>
-                  <a:srgbClr val="00B0F0"/>
-                </a:solidFill>
-                <a:latin typeface="SimSun" panose="02010600030101010101" pitchFamily="2" charset="-122"/>
-                <a:ea typeface="SimSun" panose="02010600030101010101" pitchFamily="2" charset="-122"/>
-                <a:cs typeface="Arial" pitchFamily="34" charset="0"/>
-              </a:rPr>
-              <a:t>Big Data</a:t>
-            </a:r>
-          </a:p>
-        </p:txBody>
-      </p:sp>
-      <p:sp>
-        <p:nvSpPr>
-          <p:cNvPr id="7" name="Rectangle 6">
+          <p:cNvPr id="3" name="TextBox 2">
             <a:extLst>
               <a:ext uri="{FF2B5EF4-FFF2-40B4-BE49-F238E27FC236}">
-                <a16:creationId xmlns:a16="http://schemas.microsoft.com/office/drawing/2014/main" id="{682DE853-F794-4EAA-A4F6-EF487D25296F}"/>
+                <a16:creationId xmlns:a16="http://schemas.microsoft.com/office/drawing/2014/main" id="{58AB581D-83C6-3256-C60D-A719F7FEE21B}"/>
               </a:ext>
             </a:extLst>
           </p:cNvPr>
-          <p:cNvSpPr/>
+          <p:cNvSpPr txBox="1"/>
           <p:nvPr/>
         </p:nvSpPr>
         <p:spPr>
           <a:xfrm>
-            <a:off x="181341" y="1767537"/>
-            <a:ext cx="3610403" cy="430887"/>
+            <a:off x="191344" y="913938"/>
+            <a:ext cx="11665296" cy="5293757"/>
           </a:xfrm>
           <a:prstGeom prst="rect">
             <a:avLst/>
           </a:prstGeom>
+          <a:noFill/>
         </p:spPr>
         <p:txBody>
           <a:bodyPr wrap="square">
@@ -13579,20 +14082,302 @@
           <a:lstStyle/>
           <a:p>
             <a:r>
-              <a:rPr lang="en-IN" sz="2200" dirty="0">
-                <a:solidFill>
-                  <a:schemeClr val="bg1"/>
-                </a:solidFill>
-              </a:rPr>
-              <a:t>Before we start DBT module.</a:t>
-            </a:r>
+              <a:rPr lang="en-US" sz="2000" dirty="0">
+                <a:latin typeface="Arial" panose="020B0604020202020204" pitchFamily="34" charset="0"/>
+                <a:cs typeface="Arial" panose="020B0604020202020204" pitchFamily="34" charset="0"/>
+              </a:rPr>
+              <a:t>A Low-Level Language is also a category of computer programming language in which the computer codes are written in the binary language or machine codes. Because of this, low-level language is sometimes also known as machine language. The low-level language is less friendly for human.</a:t>
+            </a:r>
+          </a:p>
+          <a:p>
+            <a:endParaRPr lang="en-IN" sz="2000" dirty="0">
+              <a:latin typeface="Arial" panose="020B0604020202020204" pitchFamily="34" charset="0"/>
+              <a:cs typeface="Arial" panose="020B0604020202020204" pitchFamily="34" charset="0"/>
+            </a:endParaRPr>
+          </a:p>
+          <a:p>
+            <a:r>
+              <a:rPr lang="en-IN" b="1" dirty="0">
+                <a:latin typeface="Arial" panose="020B0604020202020204" pitchFamily="34" charset="0"/>
+                <a:cs typeface="Arial" panose="020B0604020202020204" pitchFamily="34" charset="0"/>
+              </a:rPr>
+              <a:t>Here is a list of some important characteristics of high-level languages</a:t>
+            </a:r>
+            <a:endParaRPr lang="en-IN" sz="2000" dirty="0">
+              <a:latin typeface="Arial" panose="020B0604020202020204" pitchFamily="34" charset="0"/>
+              <a:cs typeface="Arial" panose="020B0604020202020204" pitchFamily="34" charset="0"/>
+            </a:endParaRPr>
+          </a:p>
+          <a:p>
+            <a:endParaRPr lang="en-IN" sz="800" dirty="0">
+              <a:latin typeface="Arial" panose="020B0604020202020204" pitchFamily="34" charset="0"/>
+              <a:cs typeface="Arial" panose="020B0604020202020204" pitchFamily="34" charset="0"/>
+            </a:endParaRPr>
+          </a:p>
+          <a:p>
+            <a:pPr marL="342900" indent="-342900" algn="just">
+              <a:buFont typeface="Arial" panose="020B0604020202020204" pitchFamily="34" charset="0"/>
+              <a:buChar char="•"/>
+            </a:pPr>
+            <a:r>
+              <a:rPr lang="en-US" sz="2000" b="0" i="0" dirty="0">
+                <a:solidFill>
+                  <a:srgbClr val="000000"/>
+                </a:solidFill>
+                <a:effectLst/>
+                <a:latin typeface="Nunito" pitchFamily="2" charset="0"/>
+              </a:rPr>
+              <a:t>It can be understood easily by the machine.</a:t>
+            </a:r>
+          </a:p>
+          <a:p>
+            <a:pPr marL="342900" indent="-342900" algn="just">
+              <a:buFont typeface="Arial" panose="020B0604020202020204" pitchFamily="34" charset="0"/>
+              <a:buChar char="•"/>
+            </a:pPr>
+            <a:endParaRPr lang="en-US" sz="400" b="0" i="0" dirty="0">
+              <a:solidFill>
+                <a:srgbClr val="000000"/>
+              </a:solidFill>
+              <a:effectLst/>
+              <a:latin typeface="Nunito" pitchFamily="2" charset="0"/>
+            </a:endParaRPr>
+          </a:p>
+          <a:p>
+            <a:pPr marL="342900" indent="-342900" algn="just">
+              <a:buFont typeface="Arial" panose="020B0604020202020204" pitchFamily="34" charset="0"/>
+              <a:buChar char="•"/>
+            </a:pPr>
+            <a:r>
+              <a:rPr lang="en-US" sz="2000" b="0" i="0" dirty="0">
+                <a:solidFill>
+                  <a:srgbClr val="000000"/>
+                </a:solidFill>
+                <a:effectLst/>
+                <a:latin typeface="Nunito" pitchFamily="2" charset="0"/>
+              </a:rPr>
+              <a:t>It is considered as a machine-friendly language.</a:t>
+            </a:r>
+          </a:p>
+          <a:p>
+            <a:pPr marL="342900" indent="-342900" algn="just">
+              <a:buFont typeface="Arial" panose="020B0604020202020204" pitchFamily="34" charset="0"/>
+              <a:buChar char="•"/>
+            </a:pPr>
+            <a:endParaRPr lang="en-US" sz="400" b="0" i="0" dirty="0">
+              <a:solidFill>
+                <a:srgbClr val="000000"/>
+              </a:solidFill>
+              <a:effectLst/>
+              <a:latin typeface="Nunito" pitchFamily="2" charset="0"/>
+            </a:endParaRPr>
+          </a:p>
+          <a:p>
+            <a:pPr marL="342900" indent="-342900" algn="just">
+              <a:buFont typeface="Arial" panose="020B0604020202020204" pitchFamily="34" charset="0"/>
+              <a:buChar char="•"/>
+            </a:pPr>
+            <a:r>
+              <a:rPr lang="en-US" sz="2000" b="0" i="0" dirty="0">
+                <a:solidFill>
+                  <a:srgbClr val="000000"/>
+                </a:solidFill>
+                <a:effectLst/>
+                <a:latin typeface="Nunito" pitchFamily="2" charset="0"/>
+              </a:rPr>
+              <a:t>It is difficult to understand.</a:t>
+            </a:r>
+          </a:p>
+          <a:p>
+            <a:pPr marL="342900" indent="-342900" algn="just">
+              <a:buFont typeface="Arial" panose="020B0604020202020204" pitchFamily="34" charset="0"/>
+              <a:buChar char="•"/>
+            </a:pPr>
+            <a:endParaRPr lang="en-US" sz="400" b="0" i="0" dirty="0">
+              <a:solidFill>
+                <a:srgbClr val="000000"/>
+              </a:solidFill>
+              <a:effectLst/>
+              <a:latin typeface="Nunito" pitchFamily="2" charset="0"/>
+            </a:endParaRPr>
+          </a:p>
+          <a:p>
+            <a:pPr marL="342900" indent="-342900" algn="just">
+              <a:buFont typeface="Arial" panose="020B0604020202020204" pitchFamily="34" charset="0"/>
+              <a:buChar char="•"/>
+            </a:pPr>
+            <a:r>
+              <a:rPr lang="en-US" sz="2000" b="0" i="0" dirty="0">
+                <a:solidFill>
+                  <a:srgbClr val="000000"/>
+                </a:solidFill>
+                <a:effectLst/>
+                <a:latin typeface="Nunito" pitchFamily="2" charset="0"/>
+              </a:rPr>
+              <a:t>It is difficult to debug.</a:t>
+            </a:r>
+          </a:p>
+          <a:p>
+            <a:pPr marL="342900" indent="-342900" algn="just">
+              <a:buFont typeface="Arial" panose="020B0604020202020204" pitchFamily="34" charset="0"/>
+              <a:buChar char="•"/>
+            </a:pPr>
+            <a:endParaRPr lang="en-US" sz="400" b="0" i="0" dirty="0">
+              <a:solidFill>
+                <a:srgbClr val="000000"/>
+              </a:solidFill>
+              <a:effectLst/>
+              <a:latin typeface="Nunito" pitchFamily="2" charset="0"/>
+            </a:endParaRPr>
+          </a:p>
+          <a:p>
+            <a:pPr marL="342900" indent="-342900" algn="just">
+              <a:buFont typeface="Arial" panose="020B0604020202020204" pitchFamily="34" charset="0"/>
+              <a:buChar char="•"/>
+            </a:pPr>
+            <a:r>
+              <a:rPr lang="en-US" sz="2000" b="0" i="0" dirty="0">
+                <a:solidFill>
+                  <a:srgbClr val="000000"/>
+                </a:solidFill>
+                <a:effectLst/>
+                <a:latin typeface="Nunito" pitchFamily="2" charset="0"/>
+              </a:rPr>
+              <a:t>Its maintenance is also complex.</a:t>
+            </a:r>
+          </a:p>
+          <a:p>
+            <a:pPr marL="342900" indent="-342900" algn="just">
+              <a:buFont typeface="Arial" panose="020B0604020202020204" pitchFamily="34" charset="0"/>
+              <a:buChar char="•"/>
+            </a:pPr>
+            <a:endParaRPr lang="en-US" sz="400" b="0" i="0" dirty="0">
+              <a:solidFill>
+                <a:srgbClr val="000000"/>
+              </a:solidFill>
+              <a:effectLst/>
+              <a:latin typeface="Nunito" pitchFamily="2" charset="0"/>
+            </a:endParaRPr>
+          </a:p>
+          <a:p>
+            <a:pPr marL="342900" indent="-342900" algn="just">
+              <a:buFont typeface="Arial" panose="020B0604020202020204" pitchFamily="34" charset="0"/>
+              <a:buChar char="•"/>
+            </a:pPr>
+            <a:r>
+              <a:rPr lang="en-US" sz="2000" b="0" i="0" dirty="0">
+                <a:solidFill>
+                  <a:srgbClr val="000000"/>
+                </a:solidFill>
+                <a:effectLst/>
+                <a:latin typeface="Nunito" pitchFamily="2" charset="0"/>
+              </a:rPr>
+              <a:t>It is not portable.</a:t>
+            </a:r>
+          </a:p>
+          <a:p>
+            <a:pPr marL="342900" indent="-342900" algn="just">
+              <a:buFont typeface="Arial" panose="020B0604020202020204" pitchFamily="34" charset="0"/>
+              <a:buChar char="•"/>
+            </a:pPr>
+            <a:endParaRPr lang="en-US" sz="400" b="0" i="0" dirty="0">
+              <a:solidFill>
+                <a:srgbClr val="000000"/>
+              </a:solidFill>
+              <a:effectLst/>
+              <a:latin typeface="Nunito" pitchFamily="2" charset="0"/>
+            </a:endParaRPr>
+          </a:p>
+          <a:p>
+            <a:pPr marL="342900" indent="-342900" algn="just">
+              <a:buFont typeface="Arial" panose="020B0604020202020204" pitchFamily="34" charset="0"/>
+              <a:buChar char="•"/>
+            </a:pPr>
+            <a:r>
+              <a:rPr lang="en-US" sz="2000" b="0" i="0" dirty="0">
+                <a:solidFill>
+                  <a:srgbClr val="000000"/>
+                </a:solidFill>
+                <a:effectLst/>
+                <a:latin typeface="Nunito" pitchFamily="2" charset="0"/>
+              </a:rPr>
+              <a:t>It depends on the machine; hence it can't be run on different platforms.</a:t>
+            </a:r>
+          </a:p>
+          <a:p>
+            <a:pPr marL="342900" indent="-342900" algn="just">
+              <a:buFont typeface="Arial" panose="020B0604020202020204" pitchFamily="34" charset="0"/>
+              <a:buChar char="•"/>
+            </a:pPr>
+            <a:endParaRPr lang="en-US" sz="400" b="0" i="0" dirty="0">
+              <a:solidFill>
+                <a:srgbClr val="000000"/>
+              </a:solidFill>
+              <a:effectLst/>
+              <a:latin typeface="Nunito" pitchFamily="2" charset="0"/>
+            </a:endParaRPr>
+          </a:p>
+          <a:p>
+            <a:pPr marL="342900" indent="-342900" algn="just">
+              <a:buFont typeface="Arial" panose="020B0604020202020204" pitchFamily="34" charset="0"/>
+              <a:buChar char="•"/>
+            </a:pPr>
+            <a:r>
+              <a:rPr lang="en-US" sz="2000" b="0" i="0" dirty="0">
+                <a:solidFill>
+                  <a:srgbClr val="000000"/>
+                </a:solidFill>
+                <a:effectLst/>
+                <a:latin typeface="Nunito" pitchFamily="2" charset="0"/>
+              </a:rPr>
+              <a:t>It requires an assembler that would translate instructions.</a:t>
+            </a:r>
+          </a:p>
+          <a:p>
+            <a:pPr marL="342900" indent="-342900" algn="just">
+              <a:buFont typeface="Arial" panose="020B0604020202020204" pitchFamily="34" charset="0"/>
+              <a:buChar char="•"/>
+            </a:pPr>
+            <a:endParaRPr lang="en-US" sz="400" b="0" i="0" dirty="0">
+              <a:solidFill>
+                <a:srgbClr val="000000"/>
+              </a:solidFill>
+              <a:effectLst/>
+              <a:latin typeface="Nunito" pitchFamily="2" charset="0"/>
+            </a:endParaRPr>
+          </a:p>
+          <a:p>
+            <a:pPr marL="342900" indent="-342900" algn="just">
+              <a:buFont typeface="Arial" panose="020B0604020202020204" pitchFamily="34" charset="0"/>
+              <a:buChar char="•"/>
+            </a:pPr>
+            <a:r>
+              <a:rPr lang="en-US" sz="2000" b="0" i="0" dirty="0">
+                <a:solidFill>
+                  <a:srgbClr val="000000"/>
+                </a:solidFill>
+                <a:effectLst/>
+                <a:latin typeface="Nunito" pitchFamily="2" charset="0"/>
+              </a:rPr>
+              <a:t>It is not used widely in today's times.</a:t>
+            </a:r>
+          </a:p>
+          <a:p>
+            <a:pPr marL="342900" indent="-342900">
+              <a:buFont typeface="Arial" panose="020B0604020202020204" pitchFamily="34" charset="0"/>
+              <a:buChar char="•"/>
+            </a:pPr>
+            <a:endParaRPr lang="en-IN" sz="2000" dirty="0">
+              <a:latin typeface="Arial" panose="020B0604020202020204" pitchFamily="34" charset="0"/>
+              <a:cs typeface="Arial" panose="020B0604020202020204" pitchFamily="34" charset="0"/>
+            </a:endParaRPr>
           </a:p>
         </p:txBody>
       </p:sp>
     </p:spTree>
     <p:extLst>
       <p:ext uri="{BB962C8B-B14F-4D97-AF65-F5344CB8AC3E}">
-        <p14:creationId xmlns:p14="http://schemas.microsoft.com/office/powerpoint/2010/main" val="2378133558"/>
+        <p14:creationId xmlns:p14="http://schemas.microsoft.com/office/powerpoint/2010/main" val="300528514"/>
       </p:ext>
     </p:extLst>
   </p:cSld>

--- a/BIG Data.pptx
+++ b/BIG Data.pptx
@@ -5,7 +5,7 @@
     <p:sldMasterId id="2147483720" r:id="rId1"/>
   </p:sldMasterIdLst>
   <p:notesMasterIdLst>
-    <p:notesMasterId r:id="rId39"/>
+    <p:notesMasterId r:id="rId42"/>
   </p:notesMasterIdLst>
   <p:sldIdLst>
     <p:sldId id="257" r:id="rId2"/>
@@ -18,33 +18,36 @@
     <p:sldId id="1344" r:id="rId9"/>
     <p:sldId id="1346" r:id="rId10"/>
     <p:sldId id="1345" r:id="rId11"/>
-    <p:sldId id="1337" r:id="rId12"/>
-    <p:sldId id="599" r:id="rId13"/>
-    <p:sldId id="271" r:id="rId14"/>
-    <p:sldId id="1184" r:id="rId15"/>
-    <p:sldId id="1185" r:id="rId16"/>
-    <p:sldId id="1123" r:id="rId17"/>
-    <p:sldId id="1177" r:id="rId18"/>
-    <p:sldId id="1180" r:id="rId19"/>
-    <p:sldId id="1181" r:id="rId20"/>
-    <p:sldId id="1182" r:id="rId21"/>
-    <p:sldId id="1321" r:id="rId22"/>
-    <p:sldId id="864" r:id="rId23"/>
-    <p:sldId id="1179" r:id="rId24"/>
-    <p:sldId id="1183" r:id="rId25"/>
-    <p:sldId id="1322" r:id="rId26"/>
-    <p:sldId id="1323" r:id="rId27"/>
-    <p:sldId id="1324" r:id="rId28"/>
-    <p:sldId id="1325" r:id="rId29"/>
-    <p:sldId id="1326" r:id="rId30"/>
-    <p:sldId id="1327" r:id="rId31"/>
-    <p:sldId id="1328" r:id="rId32"/>
-    <p:sldId id="1329" r:id="rId33"/>
-    <p:sldId id="1330" r:id="rId34"/>
-    <p:sldId id="1331" r:id="rId35"/>
-    <p:sldId id="1332" r:id="rId36"/>
-    <p:sldId id="1335" r:id="rId37"/>
-    <p:sldId id="1336" r:id="rId38"/>
+    <p:sldId id="1347" r:id="rId12"/>
+    <p:sldId id="1348" r:id="rId13"/>
+    <p:sldId id="1349" r:id="rId14"/>
+    <p:sldId id="1337" r:id="rId15"/>
+    <p:sldId id="599" r:id="rId16"/>
+    <p:sldId id="271" r:id="rId17"/>
+    <p:sldId id="1184" r:id="rId18"/>
+    <p:sldId id="1185" r:id="rId19"/>
+    <p:sldId id="1123" r:id="rId20"/>
+    <p:sldId id="1177" r:id="rId21"/>
+    <p:sldId id="1180" r:id="rId22"/>
+    <p:sldId id="1181" r:id="rId23"/>
+    <p:sldId id="1182" r:id="rId24"/>
+    <p:sldId id="1321" r:id="rId25"/>
+    <p:sldId id="864" r:id="rId26"/>
+    <p:sldId id="1179" r:id="rId27"/>
+    <p:sldId id="1183" r:id="rId28"/>
+    <p:sldId id="1322" r:id="rId29"/>
+    <p:sldId id="1323" r:id="rId30"/>
+    <p:sldId id="1324" r:id="rId31"/>
+    <p:sldId id="1325" r:id="rId32"/>
+    <p:sldId id="1326" r:id="rId33"/>
+    <p:sldId id="1327" r:id="rId34"/>
+    <p:sldId id="1328" r:id="rId35"/>
+    <p:sldId id="1329" r:id="rId36"/>
+    <p:sldId id="1330" r:id="rId37"/>
+    <p:sldId id="1331" r:id="rId38"/>
+    <p:sldId id="1332" r:id="rId39"/>
+    <p:sldId id="1335" r:id="rId40"/>
+    <p:sldId id="1336" r:id="rId41"/>
   </p:sldIdLst>
   <p:sldSz cx="12192000" cy="6858000"/>
   <p:notesSz cx="6858000" cy="9144000"/>
@@ -4339,6 +4342,682 @@
 </file>
 
 <file path=ppt/slides/slide11.xml><?xml version="1.0" encoding="utf-8"?>
+<p:sld xmlns:a="http://schemas.openxmlformats.org/drawingml/2006/main" xmlns:r="http://schemas.openxmlformats.org/officeDocument/2006/relationships" xmlns:p="http://schemas.openxmlformats.org/presentationml/2006/main">
+  <p:cSld>
+    <p:spTree>
+      <p:nvGrpSpPr>
+        <p:cNvPr id="1" name=""/>
+        <p:cNvGrpSpPr/>
+        <p:nvPr/>
+      </p:nvGrpSpPr>
+      <p:grpSpPr>
+        <a:xfrm>
+          <a:off x="0" y="0"/>
+          <a:ext cx="0" cy="0"/>
+          <a:chOff x="0" y="0"/>
+          <a:chExt cx="0" cy="0"/>
+        </a:xfrm>
+      </p:grpSpPr>
+      <p:sp>
+        <p:nvSpPr>
+          <p:cNvPr id="5" name="Rectangle 4"/>
+          <p:cNvSpPr/>
+          <p:nvPr/>
+        </p:nvSpPr>
+        <p:spPr>
+          <a:xfrm>
+            <a:off x="1524596" y="4"/>
+            <a:ext cx="9142810" cy="584775"/>
+          </a:xfrm>
+          <a:prstGeom prst="rect">
+            <a:avLst/>
+          </a:prstGeom>
+          <a:noFill/>
+        </p:spPr>
+        <p:txBody>
+          <a:bodyPr wrap="square">
+            <a:spAutoFit/>
+          </a:bodyPr>
+          <a:lstStyle/>
+          <a:p>
+            <a:pPr algn="r"/>
+            <a:r>
+              <a:rPr lang="en-IN" sz="3200" i="1" dirty="0">
+                <a:solidFill>
+                  <a:srgbClr val="FF9900"/>
+                </a:solidFill>
+                <a:latin typeface="Arial" pitchFamily="34" charset="0"/>
+                <a:cs typeface="Arial" pitchFamily="34" charset="0"/>
+              </a:rPr>
+              <a:t>High level vs Low level language</a:t>
+            </a:r>
+          </a:p>
+        </p:txBody>
+      </p:sp>
+      <p:sp>
+        <p:nvSpPr>
+          <p:cNvPr id="6" name="TextBox 5">
+            <a:extLst>
+              <a:ext uri="{FF2B5EF4-FFF2-40B4-BE49-F238E27FC236}">
+                <a16:creationId xmlns:a16="http://schemas.microsoft.com/office/drawing/2014/main" id="{529DB899-05D9-DE50-BCA4-9505892590C9}"/>
+              </a:ext>
+            </a:extLst>
+          </p:cNvPr>
+          <p:cNvSpPr txBox="1"/>
+          <p:nvPr/>
+        </p:nvSpPr>
+        <p:spPr>
+          <a:xfrm>
+            <a:off x="335360" y="989432"/>
+            <a:ext cx="11593288" cy="4651979"/>
+          </a:xfrm>
+          <a:prstGeom prst="rect">
+            <a:avLst/>
+          </a:prstGeom>
+          <a:noFill/>
+        </p:spPr>
+        <p:txBody>
+          <a:bodyPr wrap="square">
+            <a:spAutoFit/>
+          </a:bodyPr>
+          <a:lstStyle/>
+          <a:p>
+            <a:pPr>
+              <a:lnSpc>
+                <a:spcPct val="150000"/>
+              </a:lnSpc>
+            </a:pPr>
+            <a:r>
+              <a:rPr lang="en-IN" sz="2000" dirty="0">
+                <a:latin typeface="Arial" panose="020B0604020202020204" pitchFamily="34" charset="0"/>
+                <a:cs typeface="Arial" panose="020B0604020202020204" pitchFamily="34" charset="0"/>
+              </a:rPr>
+              <a:t>1.   It is programmer friendly language.			It is a machine friendly language.</a:t>
+            </a:r>
+          </a:p>
+          <a:p>
+            <a:pPr>
+              <a:lnSpc>
+                <a:spcPct val="150000"/>
+              </a:lnSpc>
+            </a:pPr>
+            <a:r>
+              <a:rPr lang="en-IN" sz="2000" dirty="0">
+                <a:latin typeface="Arial" panose="020B0604020202020204" pitchFamily="34" charset="0"/>
+                <a:cs typeface="Arial" panose="020B0604020202020204" pitchFamily="34" charset="0"/>
+              </a:rPr>
+              <a:t>2.   High level language is less memory efficient.		Low level language is high memory efficient.</a:t>
+            </a:r>
+          </a:p>
+          <a:p>
+            <a:pPr>
+              <a:lnSpc>
+                <a:spcPct val="150000"/>
+              </a:lnSpc>
+            </a:pPr>
+            <a:r>
+              <a:rPr lang="en-IN" sz="2000" dirty="0">
+                <a:latin typeface="Arial" panose="020B0604020202020204" pitchFamily="34" charset="0"/>
+                <a:cs typeface="Arial" panose="020B0604020202020204" pitchFamily="34" charset="0"/>
+              </a:rPr>
+              <a:t>3.   It is easy to understand.				It is tough to understand.</a:t>
+            </a:r>
+          </a:p>
+          <a:p>
+            <a:pPr>
+              <a:lnSpc>
+                <a:spcPct val="150000"/>
+              </a:lnSpc>
+            </a:pPr>
+            <a:r>
+              <a:rPr lang="en-IN" sz="2000" dirty="0">
+                <a:latin typeface="Arial" panose="020B0604020202020204" pitchFamily="34" charset="0"/>
+                <a:cs typeface="Arial" panose="020B0604020202020204" pitchFamily="34" charset="0"/>
+              </a:rPr>
+              <a:t>4.   Debugging is easy.					Debugging is complex comparatively.</a:t>
+            </a:r>
+          </a:p>
+          <a:p>
+            <a:pPr>
+              <a:lnSpc>
+                <a:spcPct val="150000"/>
+              </a:lnSpc>
+            </a:pPr>
+            <a:r>
+              <a:rPr lang="en-IN" sz="2000" dirty="0">
+                <a:latin typeface="Arial" panose="020B0604020202020204" pitchFamily="34" charset="0"/>
+                <a:cs typeface="Arial" panose="020B0604020202020204" pitchFamily="34" charset="0"/>
+              </a:rPr>
+              <a:t>5.   It is simple to maintain.				It is complex to maintain comparatively.</a:t>
+            </a:r>
+          </a:p>
+          <a:p>
+            <a:pPr>
+              <a:lnSpc>
+                <a:spcPct val="150000"/>
+              </a:lnSpc>
+            </a:pPr>
+            <a:r>
+              <a:rPr lang="en-IN" sz="2000" dirty="0">
+                <a:latin typeface="Arial" panose="020B0604020202020204" pitchFamily="34" charset="0"/>
+                <a:cs typeface="Arial" panose="020B0604020202020204" pitchFamily="34" charset="0"/>
+              </a:rPr>
+              <a:t>6.   It is portable.					It is non-portable.</a:t>
+            </a:r>
+          </a:p>
+          <a:p>
+            <a:pPr>
+              <a:lnSpc>
+                <a:spcPct val="150000"/>
+              </a:lnSpc>
+            </a:pPr>
+            <a:r>
+              <a:rPr lang="en-IN" sz="2000" dirty="0">
+                <a:latin typeface="Arial" panose="020B0604020202020204" pitchFamily="34" charset="0"/>
+                <a:cs typeface="Arial" panose="020B0604020202020204" pitchFamily="34" charset="0"/>
+              </a:rPr>
+              <a:t>7.   It can run on any platform.				It is machine-dependent.</a:t>
+            </a:r>
+          </a:p>
+          <a:p>
+            <a:pPr>
+              <a:lnSpc>
+                <a:spcPct val="150000"/>
+              </a:lnSpc>
+            </a:pPr>
+            <a:r>
+              <a:rPr lang="en-IN" sz="2000" dirty="0">
+                <a:latin typeface="Arial" panose="020B0604020202020204" pitchFamily="34" charset="0"/>
+                <a:cs typeface="Arial" panose="020B0604020202020204" pitchFamily="34" charset="0"/>
+              </a:rPr>
+              <a:t>8.   It needs compiler or interpreter for translation.	It needs assembler for translation.</a:t>
+            </a:r>
+          </a:p>
+          <a:p>
+            <a:pPr marL="6459538" indent="-6459538">
+              <a:lnSpc>
+                <a:spcPct val="150000"/>
+              </a:lnSpc>
+            </a:pPr>
+            <a:r>
+              <a:rPr lang="en-IN" sz="2000" dirty="0">
+                <a:latin typeface="Arial" panose="020B0604020202020204" pitchFamily="34" charset="0"/>
+                <a:cs typeface="Arial" panose="020B0604020202020204" pitchFamily="34" charset="0"/>
+              </a:rPr>
+              <a:t>9.   It is used widely for programming.	It is not commonly used now-a-days in programming.</a:t>
+            </a:r>
+          </a:p>
+        </p:txBody>
+      </p:sp>
+    </p:spTree>
+    <p:extLst>
+      <p:ext uri="{BB962C8B-B14F-4D97-AF65-F5344CB8AC3E}">
+        <p14:creationId xmlns:p14="http://schemas.microsoft.com/office/powerpoint/2010/main" val="1467290257"/>
+      </p:ext>
+    </p:extLst>
+  </p:cSld>
+  <p:clrMapOvr>
+    <a:masterClrMapping/>
+  </p:clrMapOvr>
+</p:sld>
+</file>
+
+<file path=ppt/slides/slide12.xml><?xml version="1.0" encoding="utf-8"?>
+<p:sld xmlns:a="http://schemas.openxmlformats.org/drawingml/2006/main" xmlns:r="http://schemas.openxmlformats.org/officeDocument/2006/relationships" xmlns:p="http://schemas.openxmlformats.org/presentationml/2006/main">
+  <p:cSld>
+    <p:spTree>
+      <p:nvGrpSpPr>
+        <p:cNvPr id="1" name=""/>
+        <p:cNvGrpSpPr/>
+        <p:nvPr/>
+      </p:nvGrpSpPr>
+      <p:grpSpPr>
+        <a:xfrm>
+          <a:off x="0" y="0"/>
+          <a:ext cx="0" cy="0"/>
+          <a:chOff x="0" y="0"/>
+          <a:chExt cx="0" cy="0"/>
+        </a:xfrm>
+      </p:grpSpPr>
+      <p:sp>
+        <p:nvSpPr>
+          <p:cNvPr id="5" name="Rectangle 4"/>
+          <p:cNvSpPr/>
+          <p:nvPr/>
+        </p:nvSpPr>
+        <p:spPr>
+          <a:xfrm>
+            <a:off x="1524596" y="4"/>
+            <a:ext cx="9142810" cy="584775"/>
+          </a:xfrm>
+          <a:prstGeom prst="rect">
+            <a:avLst/>
+          </a:prstGeom>
+          <a:noFill/>
+        </p:spPr>
+        <p:txBody>
+          <a:bodyPr wrap="square">
+            <a:spAutoFit/>
+          </a:bodyPr>
+          <a:lstStyle/>
+          <a:p>
+            <a:pPr algn="r"/>
+            <a:r>
+              <a:rPr lang="en-IN" sz="3200" i="1" dirty="0">
+                <a:solidFill>
+                  <a:srgbClr val="FF9900"/>
+                </a:solidFill>
+                <a:latin typeface="Arial" pitchFamily="34" charset="0"/>
+                <a:cs typeface="Arial" pitchFamily="34" charset="0"/>
+              </a:rPr>
+              <a:t>Evolution of Programming Languages</a:t>
+            </a:r>
+          </a:p>
+        </p:txBody>
+      </p:sp>
+      <p:sp>
+        <p:nvSpPr>
+          <p:cNvPr id="7" name="TextBox 6">
+            <a:extLst>
+              <a:ext uri="{FF2B5EF4-FFF2-40B4-BE49-F238E27FC236}">
+                <a16:creationId xmlns:a16="http://schemas.microsoft.com/office/drawing/2014/main" id="{0929427E-C272-D364-ECEA-51C5C323044B}"/>
+              </a:ext>
+            </a:extLst>
+          </p:cNvPr>
+          <p:cNvSpPr txBox="1"/>
+          <p:nvPr/>
+        </p:nvSpPr>
+        <p:spPr>
+          <a:xfrm>
+            <a:off x="191344" y="908720"/>
+            <a:ext cx="11809312" cy="5632311"/>
+          </a:xfrm>
+          <a:prstGeom prst="rect">
+            <a:avLst/>
+          </a:prstGeom>
+          <a:noFill/>
+        </p:spPr>
+        <p:txBody>
+          <a:bodyPr wrap="square">
+            <a:spAutoFit/>
+          </a:bodyPr>
+          <a:lstStyle/>
+          <a:p>
+            <a:pPr algn="just" fontAlgn="base"/>
+            <a:r>
+              <a:rPr lang="en-US" b="1" i="0" dirty="0">
+                <a:effectLst/>
+                <a:latin typeface="Arial" panose="020B0604020202020204" pitchFamily="34" charset="0"/>
+                <a:cs typeface="Arial" panose="020B0604020202020204" pitchFamily="34" charset="0"/>
+              </a:rPr>
+              <a:t>1883: </a:t>
+            </a:r>
+            <a:r>
+              <a:rPr lang="en-US" b="0" i="0" dirty="0">
+                <a:effectLst/>
+                <a:latin typeface="Arial" panose="020B0604020202020204" pitchFamily="34" charset="0"/>
+                <a:cs typeface="Arial" panose="020B0604020202020204" pitchFamily="34" charset="0"/>
+              </a:rPr>
+              <a:t>In the early days, Charles Babbage had made the device, but he was confused about how to give instructions to the machine, and then Ada Lovelace wrote the instructions for the analytical engine.</a:t>
+            </a:r>
+          </a:p>
+          <a:p>
+            <a:pPr marL="285750" indent="-285750" algn="just" fontAlgn="base">
+              <a:buFont typeface="Arial" panose="020B0604020202020204" pitchFamily="34" charset="0"/>
+              <a:buChar char="•"/>
+            </a:pPr>
+            <a:r>
+              <a:rPr lang="en-US" b="0" i="0" dirty="0">
+                <a:effectLst/>
+                <a:latin typeface="Arial" panose="020B0604020202020204" pitchFamily="34" charset="0"/>
+                <a:cs typeface="Arial" panose="020B0604020202020204" pitchFamily="34" charset="0"/>
+              </a:rPr>
+              <a:t>The device was made by Charles Babbage and the code was written by Ada Lovelace for computing Bernoulli’s number.</a:t>
+            </a:r>
+          </a:p>
+          <a:p>
+            <a:pPr marL="285750" indent="-285750" algn="just" fontAlgn="base">
+              <a:buFont typeface="Arial" panose="020B0604020202020204" pitchFamily="34" charset="0"/>
+              <a:buChar char="•"/>
+            </a:pPr>
+            <a:endParaRPr lang="en-US" dirty="0">
+              <a:latin typeface="Arial" panose="020B0604020202020204" pitchFamily="34" charset="0"/>
+              <a:cs typeface="Arial" panose="020B0604020202020204" pitchFamily="34" charset="0"/>
+            </a:endParaRPr>
+          </a:p>
+          <a:p>
+            <a:pPr algn="just" fontAlgn="base"/>
+            <a:r>
+              <a:rPr lang="en-US" b="1" dirty="0">
+                <a:latin typeface="Arial" panose="020B0604020202020204" pitchFamily="34" charset="0"/>
+                <a:cs typeface="Arial" panose="020B0604020202020204" pitchFamily="34" charset="0"/>
+              </a:rPr>
+              <a:t>1949 Assembly Language</a:t>
+            </a:r>
+            <a:r>
+              <a:rPr lang="en-US" b="0" i="0" dirty="0">
+                <a:effectLst/>
+                <a:latin typeface="Arial" panose="020B0604020202020204" pitchFamily="34" charset="0"/>
+                <a:cs typeface="Arial" panose="020B0604020202020204" pitchFamily="34" charset="0"/>
+              </a:rPr>
+              <a:t>: It is a type of low-level language. It mainly consists of instructions that only machines could understand. Assembly language is used in real-time programs such as simulation flight navigation systems and medical equipment.</a:t>
+            </a:r>
+          </a:p>
+          <a:p>
+            <a:pPr algn="just" fontAlgn="base"/>
+            <a:endParaRPr lang="en-US" b="0" i="0" dirty="0">
+              <a:effectLst/>
+              <a:latin typeface="Arial" panose="020B0604020202020204" pitchFamily="34" charset="0"/>
+              <a:cs typeface="Arial" panose="020B0604020202020204" pitchFamily="34" charset="0"/>
+            </a:endParaRPr>
+          </a:p>
+          <a:p>
+            <a:pPr algn="just" fontAlgn="base"/>
+            <a:r>
+              <a:rPr lang="en-US" b="1" dirty="0">
+                <a:latin typeface="Arial" panose="020B0604020202020204" pitchFamily="34" charset="0"/>
+                <a:cs typeface="Arial" panose="020B0604020202020204" pitchFamily="34" charset="0"/>
+              </a:rPr>
+              <a:t>1952 Autocode</a:t>
+            </a:r>
+            <a:r>
+              <a:rPr lang="en-US" b="0" i="0" dirty="0">
+                <a:effectLst/>
+                <a:latin typeface="Arial" panose="020B0604020202020204" pitchFamily="34" charset="0"/>
+                <a:cs typeface="Arial" panose="020B0604020202020204" pitchFamily="34" charset="0"/>
+              </a:rPr>
+              <a:t>: Developed by </a:t>
+            </a:r>
+            <a:r>
+              <a:rPr lang="en-US" b="0" i="0" dirty="0" err="1">
+                <a:effectLst/>
+                <a:latin typeface="Arial" panose="020B0604020202020204" pitchFamily="34" charset="0"/>
+                <a:cs typeface="Arial" panose="020B0604020202020204" pitchFamily="34" charset="0"/>
+              </a:rPr>
+              <a:t>Alick</a:t>
+            </a:r>
+            <a:r>
+              <a:rPr lang="en-US" b="0" i="0" dirty="0">
+                <a:effectLst/>
+                <a:latin typeface="Arial" panose="020B0604020202020204" pitchFamily="34" charset="0"/>
+                <a:cs typeface="Arial" panose="020B0604020202020204" pitchFamily="34" charset="0"/>
+              </a:rPr>
+              <a:t> Glennie. The first compiled computer programming language. COBOL and FORTRAN are the languages referred to as Autocode.</a:t>
+            </a:r>
+          </a:p>
+          <a:p>
+            <a:pPr algn="just" fontAlgn="base"/>
+            <a:endParaRPr lang="en-US" dirty="0">
+              <a:latin typeface="Arial" panose="020B0604020202020204" pitchFamily="34" charset="0"/>
+              <a:cs typeface="Arial" panose="020B0604020202020204" pitchFamily="34" charset="0"/>
+            </a:endParaRPr>
+          </a:p>
+          <a:p>
+            <a:pPr algn="just" fontAlgn="base"/>
+            <a:r>
+              <a:rPr lang="en-US" b="1" dirty="0">
+                <a:latin typeface="Arial" panose="020B0604020202020204" pitchFamily="34" charset="0"/>
+                <a:cs typeface="Arial" panose="020B0604020202020204" pitchFamily="34" charset="0"/>
+              </a:rPr>
+              <a:t>1957 FORTRAN</a:t>
+            </a:r>
+            <a:r>
+              <a:rPr lang="en-US" b="0" i="0" dirty="0">
+                <a:effectLst/>
+                <a:latin typeface="Arial" panose="020B0604020202020204" pitchFamily="34" charset="0"/>
+                <a:cs typeface="Arial" panose="020B0604020202020204" pitchFamily="34" charset="0"/>
+              </a:rPr>
+              <a:t>: Developers are John Backus and IBM. It was designed for numeric computation and scientific computing. Software for NASA probes voyager-1 (space probe) and voyager-2 (space probe) was originally written in FORTRAN 5.</a:t>
+            </a:r>
+          </a:p>
+          <a:p>
+            <a:pPr algn="just" fontAlgn="base"/>
+            <a:endParaRPr lang="en-US" b="0" i="0" dirty="0">
+              <a:effectLst/>
+              <a:latin typeface="Arial" panose="020B0604020202020204" pitchFamily="34" charset="0"/>
+              <a:cs typeface="Arial" panose="020B0604020202020204" pitchFamily="34" charset="0"/>
+            </a:endParaRPr>
+          </a:p>
+          <a:p>
+            <a:pPr algn="just" fontAlgn="base"/>
+            <a:r>
+              <a:rPr lang="en-US" b="1" dirty="0">
+                <a:latin typeface="Arial" panose="020B0604020202020204" pitchFamily="34" charset="0"/>
+                <a:cs typeface="Arial" panose="020B0604020202020204" pitchFamily="34" charset="0"/>
+              </a:rPr>
+              <a:t>1958  ALGOL</a:t>
+            </a:r>
+            <a:r>
+              <a:rPr lang="en-US" b="0" i="0" dirty="0">
+                <a:effectLst/>
+                <a:latin typeface="Arial" panose="020B0604020202020204" pitchFamily="34" charset="0"/>
+                <a:cs typeface="Arial" panose="020B0604020202020204" pitchFamily="34" charset="0"/>
+              </a:rPr>
+              <a:t>: ALGOL stands for </a:t>
+            </a:r>
+            <a:r>
+              <a:rPr lang="en-US" b="0" i="0" dirty="0" err="1">
+                <a:effectLst/>
+                <a:latin typeface="Arial" panose="020B0604020202020204" pitchFamily="34" charset="0"/>
+                <a:cs typeface="Arial" panose="020B0604020202020204" pitchFamily="34" charset="0"/>
+              </a:rPr>
+              <a:t>ALGOrithmic</a:t>
+            </a:r>
+            <a:r>
+              <a:rPr lang="en-US" b="0" i="0" dirty="0">
+                <a:effectLst/>
+                <a:latin typeface="Arial" panose="020B0604020202020204" pitchFamily="34" charset="0"/>
+                <a:cs typeface="Arial" panose="020B0604020202020204" pitchFamily="34" charset="0"/>
+              </a:rPr>
+              <a:t> Language. The initial phase of the most popular programming languages of C, C++, and JAVA. It was also the first language implementing the nested function and has a simple syntax than FORTRAN. The first programming language to have a code block like “begin” that indicates that your program has started and “end” means you have ended your code.</a:t>
+            </a:r>
+          </a:p>
+        </p:txBody>
+      </p:sp>
+    </p:spTree>
+    <p:extLst>
+      <p:ext uri="{BB962C8B-B14F-4D97-AF65-F5344CB8AC3E}">
+        <p14:creationId xmlns:p14="http://schemas.microsoft.com/office/powerpoint/2010/main" val="3207288877"/>
+      </p:ext>
+    </p:extLst>
+  </p:cSld>
+  <p:clrMapOvr>
+    <a:masterClrMapping/>
+  </p:clrMapOvr>
+</p:sld>
+</file>
+
+<file path=ppt/slides/slide13.xml><?xml version="1.0" encoding="utf-8"?>
+<p:sld xmlns:a="http://schemas.openxmlformats.org/drawingml/2006/main" xmlns:r="http://schemas.openxmlformats.org/officeDocument/2006/relationships" xmlns:p="http://schemas.openxmlformats.org/presentationml/2006/main">
+  <p:cSld>
+    <p:spTree>
+      <p:nvGrpSpPr>
+        <p:cNvPr id="1" name=""/>
+        <p:cNvGrpSpPr/>
+        <p:nvPr/>
+      </p:nvGrpSpPr>
+      <p:grpSpPr>
+        <a:xfrm>
+          <a:off x="0" y="0"/>
+          <a:ext cx="0" cy="0"/>
+          <a:chOff x="0" y="0"/>
+          <a:chExt cx="0" cy="0"/>
+        </a:xfrm>
+      </p:grpSpPr>
+      <p:sp>
+        <p:nvSpPr>
+          <p:cNvPr id="5" name="Rectangle 4"/>
+          <p:cNvSpPr/>
+          <p:nvPr/>
+        </p:nvSpPr>
+        <p:spPr>
+          <a:xfrm>
+            <a:off x="1524596" y="4"/>
+            <a:ext cx="9142810" cy="584775"/>
+          </a:xfrm>
+          <a:prstGeom prst="rect">
+            <a:avLst/>
+          </a:prstGeom>
+          <a:noFill/>
+        </p:spPr>
+        <p:txBody>
+          <a:bodyPr wrap="square">
+            <a:spAutoFit/>
+          </a:bodyPr>
+          <a:lstStyle/>
+          <a:p>
+            <a:pPr algn="r"/>
+            <a:r>
+              <a:rPr lang="en-IN" sz="3200" i="1" dirty="0">
+                <a:solidFill>
+                  <a:srgbClr val="FF9900"/>
+                </a:solidFill>
+                <a:latin typeface="Arial" pitchFamily="34" charset="0"/>
+                <a:cs typeface="Arial" pitchFamily="34" charset="0"/>
+              </a:rPr>
+              <a:t>Evolution of Programming Languages</a:t>
+            </a:r>
+          </a:p>
+        </p:txBody>
+      </p:sp>
+      <p:sp>
+        <p:nvSpPr>
+          <p:cNvPr id="7" name="TextBox 6">
+            <a:extLst>
+              <a:ext uri="{FF2B5EF4-FFF2-40B4-BE49-F238E27FC236}">
+                <a16:creationId xmlns:a16="http://schemas.microsoft.com/office/drawing/2014/main" id="{0929427E-C272-D364-ECEA-51C5C323044B}"/>
+              </a:ext>
+            </a:extLst>
+          </p:cNvPr>
+          <p:cNvSpPr txBox="1"/>
+          <p:nvPr/>
+        </p:nvSpPr>
+        <p:spPr>
+          <a:xfrm>
+            <a:off x="191344" y="908720"/>
+            <a:ext cx="11809312" cy="3693319"/>
+          </a:xfrm>
+          <a:prstGeom prst="rect">
+            <a:avLst/>
+          </a:prstGeom>
+          <a:noFill/>
+        </p:spPr>
+        <p:txBody>
+          <a:bodyPr wrap="square">
+            <a:spAutoFit/>
+          </a:bodyPr>
+          <a:lstStyle/>
+          <a:p>
+            <a:pPr algn="just" fontAlgn="base"/>
+            <a:r>
+              <a:rPr lang="en-US" b="1" i="0" dirty="0">
+                <a:effectLst/>
+                <a:latin typeface="Arial" panose="020B0604020202020204" pitchFamily="34" charset="0"/>
+                <a:cs typeface="Arial" panose="020B0604020202020204" pitchFamily="34" charset="0"/>
+              </a:rPr>
+              <a:t>1959 COBOL</a:t>
+            </a:r>
+            <a:r>
+              <a:rPr lang="en-US" dirty="0">
+                <a:latin typeface="Arial" panose="020B0604020202020204" pitchFamily="34" charset="0"/>
+                <a:cs typeface="Arial" panose="020B0604020202020204" pitchFamily="34" charset="0"/>
+              </a:rPr>
+              <a:t>:</a:t>
+            </a:r>
+            <a:r>
+              <a:rPr lang="en-US" b="1" i="0" dirty="0">
+                <a:effectLst/>
+                <a:latin typeface="Arial" panose="020B0604020202020204" pitchFamily="34" charset="0"/>
+                <a:cs typeface="Arial" panose="020B0604020202020204" pitchFamily="34" charset="0"/>
+              </a:rPr>
+              <a:t> </a:t>
+            </a:r>
+            <a:r>
+              <a:rPr lang="en-US" dirty="0">
+                <a:latin typeface="Arial" panose="020B0604020202020204" pitchFamily="34" charset="0"/>
+                <a:cs typeface="Arial" panose="020B0604020202020204" pitchFamily="34" charset="0"/>
+              </a:rPr>
+              <a:t>It stands for Common Business-Oriented Language. In 1997, 80% of the world’s business ran on Cobol.</a:t>
+            </a:r>
+          </a:p>
+          <a:p>
+            <a:pPr algn="just" fontAlgn="base"/>
+            <a:endParaRPr lang="en-US" dirty="0">
+              <a:latin typeface="Arial" panose="020B0604020202020204" pitchFamily="34" charset="0"/>
+              <a:cs typeface="Arial" panose="020B0604020202020204" pitchFamily="34" charset="0"/>
+            </a:endParaRPr>
+          </a:p>
+          <a:p>
+            <a:pPr algn="just" fontAlgn="base"/>
+            <a:r>
+              <a:rPr lang="en-US" b="1" dirty="0">
+                <a:latin typeface="Arial" panose="020B0604020202020204" pitchFamily="34" charset="0"/>
+                <a:cs typeface="Arial" panose="020B0604020202020204" pitchFamily="34" charset="0"/>
+              </a:rPr>
+              <a:t>1964 BASIC</a:t>
+            </a:r>
+            <a:r>
+              <a:rPr lang="en-US" dirty="0">
+                <a:latin typeface="Arial" panose="020B0604020202020204" pitchFamily="34" charset="0"/>
+                <a:cs typeface="Arial" panose="020B0604020202020204" pitchFamily="34" charset="0"/>
+              </a:rPr>
+              <a:t>:</a:t>
+            </a:r>
+            <a:r>
+              <a:rPr lang="en-US" b="1" dirty="0">
+                <a:latin typeface="Arial" panose="020B0604020202020204" pitchFamily="34" charset="0"/>
+                <a:cs typeface="Arial" panose="020B0604020202020204" pitchFamily="34" charset="0"/>
+              </a:rPr>
+              <a:t> </a:t>
+            </a:r>
+            <a:r>
+              <a:rPr lang="en-US" dirty="0">
+                <a:latin typeface="Arial" panose="020B0604020202020204" pitchFamily="34" charset="0"/>
+                <a:cs typeface="Arial" panose="020B0604020202020204" pitchFamily="34" charset="0"/>
+              </a:rPr>
+              <a:t>It stands for beginners All-purpose symbolic instruction code. In 1991 Microsoft released Visual Basic, an updated version of Basic the first microcomputer version of Basic was co-written by Bill Gates, Paul Allen, and Monte Davidoff for their newly-formed company, Microsoft.</a:t>
+            </a:r>
+          </a:p>
+          <a:p>
+            <a:pPr algn="just" fontAlgn="base"/>
+            <a:endParaRPr lang="en-US" dirty="0">
+              <a:latin typeface="Arial" panose="020B0604020202020204" pitchFamily="34" charset="0"/>
+              <a:cs typeface="Arial" panose="020B0604020202020204" pitchFamily="34" charset="0"/>
+            </a:endParaRPr>
+          </a:p>
+          <a:p>
+            <a:pPr algn="just" fontAlgn="base"/>
+            <a:r>
+              <a:rPr lang="en-US" b="1" dirty="0">
+                <a:latin typeface="Arial" panose="020B0604020202020204" pitchFamily="34" charset="0"/>
+                <a:cs typeface="Arial" panose="020B0604020202020204" pitchFamily="34" charset="0"/>
+              </a:rPr>
+              <a:t>1972 C</a:t>
+            </a:r>
+            <a:r>
+              <a:rPr lang="en-US" dirty="0">
+                <a:latin typeface="Arial" panose="020B0604020202020204" pitchFamily="34" charset="0"/>
+                <a:cs typeface="Arial" panose="020B0604020202020204" pitchFamily="34" charset="0"/>
+              </a:rPr>
+              <a:t>: It is a general-purpose, procedural programming language and the most popular programming language till now. All the code that was previously written in assembly language gets replaced by the C language like operating system, kernel, and many other applications. It can be used in implementing an operating system, embedded system, and also on the website using the Common Gateway Interface (CGI). C is the mother of almost all higher-level programming languages like C#, D, Go, Java, JavaScript, Limbo, LPC, Perl, PHP, Python, and Unix’s C shell.</a:t>
+            </a:r>
+          </a:p>
+        </p:txBody>
+      </p:sp>
+    </p:spTree>
+    <p:extLst>
+      <p:ext uri="{BB962C8B-B14F-4D97-AF65-F5344CB8AC3E}">
+        <p14:creationId xmlns:p14="http://schemas.microsoft.com/office/powerpoint/2010/main" val="1300038749"/>
+      </p:ext>
+    </p:extLst>
+  </p:cSld>
+  <p:clrMapOvr>
+    <a:masterClrMapping/>
+  </p:clrMapOvr>
+</p:sld>
+</file>
+
+<file path=ppt/slides/slide14.xml><?xml version="1.0" encoding="utf-8"?>
 <p:sld xmlns:a="http://schemas.openxmlformats.org/drawingml/2006/main" xmlns:r="http://schemas.openxmlformats.org/officeDocument/2006/relationships" xmlns:p="http://schemas.openxmlformats.org/presentationml/2006/main" showMasterSp="0">
   <p:cSld>
     <p:spTree>
@@ -4475,7 +5154,7 @@
 </p:sld>
 </file>
 
-<file path=ppt/slides/slide12.xml><?xml version="1.0" encoding="utf-8"?>
+<file path=ppt/slides/slide15.xml><?xml version="1.0" encoding="utf-8"?>
 <p:sld xmlns:a="http://schemas.openxmlformats.org/drawingml/2006/main" xmlns:r="http://schemas.openxmlformats.org/officeDocument/2006/relationships" xmlns:p="http://schemas.openxmlformats.org/presentationml/2006/main">
   <p:cSld>
     <p:spTree>
@@ -4591,7 +5270,7 @@
 </p:sld>
 </file>
 
-<file path=ppt/slides/slide13.xml><?xml version="1.0" encoding="utf-8"?>
+<file path=ppt/slides/slide16.xml><?xml version="1.0" encoding="utf-8"?>
 <p:sld xmlns:a="http://schemas.openxmlformats.org/drawingml/2006/main" xmlns:r="http://schemas.openxmlformats.org/officeDocument/2006/relationships" xmlns:p="http://schemas.openxmlformats.org/presentationml/2006/main">
   <p:cSld>
     <p:spTree>
@@ -5031,7 +5710,7 @@
 </p:sld>
 </file>
 
-<file path=ppt/slides/slide14.xml><?xml version="1.0" encoding="utf-8"?>
+<file path=ppt/slides/slide17.xml><?xml version="1.0" encoding="utf-8"?>
 <p:sld xmlns:a="http://schemas.openxmlformats.org/drawingml/2006/main" xmlns:r="http://schemas.openxmlformats.org/officeDocument/2006/relationships" xmlns:p="http://schemas.openxmlformats.org/presentationml/2006/main">
   <p:cSld>
     <p:spTree>
@@ -5117,7 +5796,7 @@
 </p:sld>
 </file>
 
-<file path=ppt/slides/slide15.xml><?xml version="1.0" encoding="utf-8"?>
+<file path=ppt/slides/slide18.xml><?xml version="1.0" encoding="utf-8"?>
 <p:sld xmlns:a="http://schemas.openxmlformats.org/drawingml/2006/main" xmlns:r="http://schemas.openxmlformats.org/officeDocument/2006/relationships" xmlns:p="http://schemas.openxmlformats.org/presentationml/2006/main">
   <p:cSld>
     <p:spTree>
@@ -5263,7 +5942,7 @@
 </p:sld>
 </file>
 
-<file path=ppt/slides/slide16.xml><?xml version="1.0" encoding="utf-8"?>
+<file path=ppt/slides/slide19.xml><?xml version="1.0" encoding="utf-8"?>
 <p:sld xmlns:a="http://schemas.openxmlformats.org/drawingml/2006/main" xmlns:r="http://schemas.openxmlformats.org/officeDocument/2006/relationships" xmlns:p="http://schemas.openxmlformats.org/presentationml/2006/main" showMasterSp="0">
   <p:cSld>
     <p:spTree>
@@ -5353,922 +6032,6 @@
     <p:extLst>
       <p:ext uri="{BB962C8B-B14F-4D97-AF65-F5344CB8AC3E}">
         <p14:creationId xmlns:p14="http://schemas.microsoft.com/office/powerpoint/2010/main" val="862324416"/>
-      </p:ext>
-    </p:extLst>
-  </p:cSld>
-  <p:clrMapOvr>
-    <a:masterClrMapping/>
-  </p:clrMapOvr>
-</p:sld>
-</file>
-
-<file path=ppt/slides/slide17.xml><?xml version="1.0" encoding="utf-8"?>
-<p:sld xmlns:a="http://schemas.openxmlformats.org/drawingml/2006/main" xmlns:r="http://schemas.openxmlformats.org/officeDocument/2006/relationships" xmlns:p="http://schemas.openxmlformats.org/presentationml/2006/main">
-  <p:cSld>
-    <p:spTree>
-      <p:nvGrpSpPr>
-        <p:cNvPr id="1" name=""/>
-        <p:cNvGrpSpPr/>
-        <p:nvPr/>
-      </p:nvGrpSpPr>
-      <p:grpSpPr>
-        <a:xfrm>
-          <a:off x="0" y="0"/>
-          <a:ext cx="0" cy="0"/>
-          <a:chOff x="0" y="0"/>
-          <a:chExt cx="0" cy="0"/>
-        </a:xfrm>
-      </p:grpSpPr>
-      <p:sp>
-        <p:nvSpPr>
-          <p:cNvPr id="4" name="Rectangle 3">
-            <a:extLst>
-              <a:ext uri="{FF2B5EF4-FFF2-40B4-BE49-F238E27FC236}">
-                <a16:creationId xmlns:a16="http://schemas.microsoft.com/office/drawing/2014/main" id="{6524962B-7610-4EFD-AA5E-DDE403AB8860}"/>
-              </a:ext>
-            </a:extLst>
-          </p:cNvPr>
-          <p:cNvSpPr/>
-          <p:nvPr/>
-        </p:nvSpPr>
-        <p:spPr>
-          <a:xfrm>
-            <a:off x="1524000" y="1"/>
-            <a:ext cx="9144000" cy="584775"/>
-          </a:xfrm>
-          <a:prstGeom prst="rect">
-            <a:avLst/>
-          </a:prstGeom>
-          <a:noFill/>
-        </p:spPr>
-        <p:txBody>
-          <a:bodyPr wrap="square">
-            <a:spAutoFit/>
-          </a:bodyPr>
-          <a:lstStyle/>
-          <a:p>
-            <a:pPr algn="r"/>
-            <a:r>
-              <a:rPr lang="en-US" sz="3200" i="1" dirty="0">
-                <a:solidFill>
-                  <a:srgbClr val="FF9900"/>
-                </a:solidFill>
-                <a:latin typeface="Arial" pitchFamily="34" charset="0"/>
-                <a:cs typeface="Arial" pitchFamily="34" charset="0"/>
-              </a:rPr>
-              <a:t>Characteristics of Big Data</a:t>
-            </a:r>
-            <a:endParaRPr lang="en-IN" sz="3200" i="1" dirty="0">
-              <a:solidFill>
-                <a:srgbClr val="FF9900"/>
-              </a:solidFill>
-              <a:latin typeface="Arial" pitchFamily="34" charset="0"/>
-              <a:cs typeface="Arial" pitchFamily="34" charset="0"/>
-            </a:endParaRPr>
-          </a:p>
-        </p:txBody>
-      </p:sp>
-      <p:sp>
-        <p:nvSpPr>
-          <p:cNvPr id="6" name="TextBox 5">
-            <a:extLst>
-              <a:ext uri="{FF2B5EF4-FFF2-40B4-BE49-F238E27FC236}">
-                <a16:creationId xmlns:a16="http://schemas.microsoft.com/office/drawing/2014/main" id="{7A4EC6FF-50F3-7757-E8E3-74F1C85A625C}"/>
-              </a:ext>
-            </a:extLst>
-          </p:cNvPr>
-          <p:cNvSpPr txBox="1"/>
-          <p:nvPr/>
-        </p:nvSpPr>
-        <p:spPr>
-          <a:xfrm>
-            <a:off x="191344" y="908720"/>
-            <a:ext cx="11809312" cy="1045223"/>
-          </a:xfrm>
-          <a:prstGeom prst="rect">
-            <a:avLst/>
-          </a:prstGeom>
-          <a:noFill/>
-        </p:spPr>
-        <p:txBody>
-          <a:bodyPr wrap="square">
-            <a:spAutoFit/>
-          </a:bodyPr>
-          <a:lstStyle/>
-          <a:p>
-            <a:pPr>
-              <a:lnSpc>
-                <a:spcPct val="150000"/>
-              </a:lnSpc>
-            </a:pPr>
-            <a:r>
-              <a:rPr lang="en-IN" sz="2200" dirty="0">
-                <a:latin typeface="Arial" panose="020B0604020202020204" pitchFamily="34" charset="0"/>
-                <a:cs typeface="Arial" panose="020B0604020202020204" pitchFamily="34" charset="0"/>
-              </a:rPr>
-              <a:t>It is used by many multinational companies to process the data and business of many organizations. The data flow would exceed 150 exabytes per day before replication.</a:t>
-            </a:r>
-          </a:p>
-        </p:txBody>
-      </p:sp>
-      <p:sp>
-        <p:nvSpPr>
-          <p:cNvPr id="9" name="TextBox 8">
-            <a:extLst>
-              <a:ext uri="{FF2B5EF4-FFF2-40B4-BE49-F238E27FC236}">
-                <a16:creationId xmlns:a16="http://schemas.microsoft.com/office/drawing/2014/main" id="{AB4E6DC9-BF67-59E6-9A9C-1C759377F018}"/>
-              </a:ext>
-            </a:extLst>
-          </p:cNvPr>
-          <p:cNvSpPr txBox="1"/>
-          <p:nvPr/>
-        </p:nvSpPr>
-        <p:spPr>
-          <a:xfrm>
-            <a:off x="407368" y="2420888"/>
-            <a:ext cx="11377264" cy="3420873"/>
-          </a:xfrm>
-          <a:prstGeom prst="rect">
-            <a:avLst/>
-          </a:prstGeom>
-          <a:noFill/>
-        </p:spPr>
-        <p:txBody>
-          <a:bodyPr wrap="square">
-            <a:spAutoFit/>
-          </a:bodyPr>
-          <a:lstStyle/>
-          <a:p>
-            <a:pPr algn="just"/>
-            <a:r>
-              <a:rPr lang="en-US" sz="2400" b="0" i="0" dirty="0">
-                <a:solidFill>
-                  <a:srgbClr val="C00000"/>
-                </a:solidFill>
-                <a:effectLst/>
-                <a:latin typeface="Arial" panose="020B0604020202020204" pitchFamily="34" charset="0"/>
-                <a:cs typeface="Arial" panose="020B0604020202020204" pitchFamily="34" charset="0"/>
-              </a:rPr>
-              <a:t>There are five v's of Big Data that explains the characteristics.</a:t>
-            </a:r>
-          </a:p>
-          <a:p>
-            <a:pPr algn="just"/>
-            <a:endParaRPr lang="en-US" sz="1200" b="0" i="0" dirty="0">
-              <a:solidFill>
-                <a:srgbClr val="333333"/>
-              </a:solidFill>
-              <a:effectLst/>
-              <a:latin typeface="Arial" panose="020B0604020202020204" pitchFamily="34" charset="0"/>
-              <a:cs typeface="Arial" panose="020B0604020202020204" pitchFamily="34" charset="0"/>
-            </a:endParaRPr>
-          </a:p>
-          <a:p>
-            <a:pPr algn="just"/>
-            <a:r>
-              <a:rPr lang="en-US" sz="2200" b="0" i="0" dirty="0">
-                <a:solidFill>
-                  <a:srgbClr val="610B4B"/>
-                </a:solidFill>
-                <a:effectLst/>
-                <a:latin typeface="Arial" panose="020B0604020202020204" pitchFamily="34" charset="0"/>
-                <a:cs typeface="Arial" panose="020B0604020202020204" pitchFamily="34" charset="0"/>
-              </a:rPr>
-              <a:t>5 V's of Big Data</a:t>
-            </a:r>
-          </a:p>
-          <a:p>
-            <a:pPr algn="just"/>
-            <a:endParaRPr lang="en-US" sz="1200" b="0" i="0" dirty="0">
-              <a:solidFill>
-                <a:srgbClr val="610B4B"/>
-              </a:solidFill>
-              <a:effectLst/>
-              <a:latin typeface="Arial" panose="020B0604020202020204" pitchFamily="34" charset="0"/>
-              <a:cs typeface="Arial" panose="020B0604020202020204" pitchFamily="34" charset="0"/>
-            </a:endParaRPr>
-          </a:p>
-          <a:p>
-            <a:pPr marL="342900" indent="-342900" algn="just">
-              <a:lnSpc>
-                <a:spcPct val="150000"/>
-              </a:lnSpc>
-              <a:buFont typeface="Arial" panose="020B0604020202020204" pitchFamily="34" charset="0"/>
-              <a:buChar char="•"/>
-            </a:pPr>
-            <a:r>
-              <a:rPr lang="en-US" sz="2000" b="1" i="0" dirty="0">
-                <a:effectLst/>
-                <a:latin typeface="Arial" panose="020B0604020202020204" pitchFamily="34" charset="0"/>
-                <a:cs typeface="Arial" panose="020B0604020202020204" pitchFamily="34" charset="0"/>
-              </a:rPr>
-              <a:t>Volume</a:t>
-            </a:r>
-          </a:p>
-          <a:p>
-            <a:pPr marL="342900" indent="-342900" algn="just">
-              <a:lnSpc>
-                <a:spcPct val="150000"/>
-              </a:lnSpc>
-              <a:buFont typeface="Arial" panose="020B0604020202020204" pitchFamily="34" charset="0"/>
-              <a:buChar char="•"/>
-            </a:pPr>
-            <a:r>
-              <a:rPr lang="en-US" sz="2000" b="1" i="0" dirty="0">
-                <a:effectLst/>
-                <a:latin typeface="Arial" panose="020B0604020202020204" pitchFamily="34" charset="0"/>
-                <a:cs typeface="Arial" panose="020B0604020202020204" pitchFamily="34" charset="0"/>
-              </a:rPr>
-              <a:t>Veracity</a:t>
-            </a:r>
-          </a:p>
-          <a:p>
-            <a:pPr marL="342900" indent="-342900" algn="just">
-              <a:lnSpc>
-                <a:spcPct val="150000"/>
-              </a:lnSpc>
-              <a:buFont typeface="Arial" panose="020B0604020202020204" pitchFamily="34" charset="0"/>
-              <a:buChar char="•"/>
-            </a:pPr>
-            <a:r>
-              <a:rPr lang="en-US" sz="2000" b="1" i="0" dirty="0">
-                <a:effectLst/>
-                <a:latin typeface="Arial" panose="020B0604020202020204" pitchFamily="34" charset="0"/>
-                <a:cs typeface="Arial" panose="020B0604020202020204" pitchFamily="34" charset="0"/>
-              </a:rPr>
-              <a:t>Variety</a:t>
-            </a:r>
-          </a:p>
-          <a:p>
-            <a:pPr marL="342900" indent="-342900" algn="just">
-              <a:lnSpc>
-                <a:spcPct val="150000"/>
-              </a:lnSpc>
-              <a:buFont typeface="Arial" panose="020B0604020202020204" pitchFamily="34" charset="0"/>
-              <a:buChar char="•"/>
-            </a:pPr>
-            <a:r>
-              <a:rPr lang="en-US" sz="2000" b="1" i="0" dirty="0">
-                <a:effectLst/>
-                <a:latin typeface="Arial" panose="020B0604020202020204" pitchFamily="34" charset="0"/>
-                <a:cs typeface="Arial" panose="020B0604020202020204" pitchFamily="34" charset="0"/>
-              </a:rPr>
-              <a:t>Value</a:t>
-            </a:r>
-          </a:p>
-          <a:p>
-            <a:pPr marL="342900" indent="-342900" algn="just">
-              <a:lnSpc>
-                <a:spcPct val="150000"/>
-              </a:lnSpc>
-              <a:buFont typeface="Arial" panose="020B0604020202020204" pitchFamily="34" charset="0"/>
-              <a:buChar char="•"/>
-            </a:pPr>
-            <a:r>
-              <a:rPr lang="en-US" sz="2000" b="1" i="0" dirty="0">
-                <a:effectLst/>
-                <a:latin typeface="Arial" panose="020B0604020202020204" pitchFamily="34" charset="0"/>
-                <a:cs typeface="Arial" panose="020B0604020202020204" pitchFamily="34" charset="0"/>
-              </a:rPr>
-              <a:t>Velocity</a:t>
-            </a:r>
-          </a:p>
-        </p:txBody>
-      </p:sp>
-    </p:spTree>
-    <p:extLst>
-      <p:ext uri="{BB962C8B-B14F-4D97-AF65-F5344CB8AC3E}">
-        <p14:creationId xmlns:p14="http://schemas.microsoft.com/office/powerpoint/2010/main" val="3232024903"/>
-      </p:ext>
-    </p:extLst>
-  </p:cSld>
-  <p:clrMapOvr>
-    <a:masterClrMapping/>
-  </p:clrMapOvr>
-</p:sld>
-</file>
-
-<file path=ppt/slides/slide18.xml><?xml version="1.0" encoding="utf-8"?>
-<p:sld xmlns:a="http://schemas.openxmlformats.org/drawingml/2006/main" xmlns:r="http://schemas.openxmlformats.org/officeDocument/2006/relationships" xmlns:p="http://schemas.openxmlformats.org/presentationml/2006/main">
-  <p:cSld>
-    <p:spTree>
-      <p:nvGrpSpPr>
-        <p:cNvPr id="1" name=""/>
-        <p:cNvGrpSpPr/>
-        <p:nvPr/>
-      </p:nvGrpSpPr>
-      <p:grpSpPr>
-        <a:xfrm>
-          <a:off x="0" y="0"/>
-          <a:ext cx="0" cy="0"/>
-          <a:chOff x="0" y="0"/>
-          <a:chExt cx="0" cy="0"/>
-        </a:xfrm>
-      </p:grpSpPr>
-      <p:sp>
-        <p:nvSpPr>
-          <p:cNvPr id="4" name="Rectangle 3">
-            <a:extLst>
-              <a:ext uri="{FF2B5EF4-FFF2-40B4-BE49-F238E27FC236}">
-                <a16:creationId xmlns:a16="http://schemas.microsoft.com/office/drawing/2014/main" id="{6524962B-7610-4EFD-AA5E-DDE403AB8860}"/>
-              </a:ext>
-            </a:extLst>
-          </p:cNvPr>
-          <p:cNvSpPr/>
-          <p:nvPr/>
-        </p:nvSpPr>
-        <p:spPr>
-          <a:xfrm>
-            <a:off x="1524000" y="1"/>
-            <a:ext cx="9144000" cy="584775"/>
-          </a:xfrm>
-          <a:prstGeom prst="rect">
-            <a:avLst/>
-          </a:prstGeom>
-          <a:noFill/>
-        </p:spPr>
-        <p:txBody>
-          <a:bodyPr wrap="square">
-            <a:spAutoFit/>
-          </a:bodyPr>
-          <a:lstStyle/>
-          <a:p>
-            <a:pPr algn="r"/>
-            <a:r>
-              <a:rPr lang="en-US" sz="3200" i="1" dirty="0">
-                <a:solidFill>
-                  <a:srgbClr val="FF9900"/>
-                </a:solidFill>
-                <a:latin typeface="Arial" pitchFamily="34" charset="0"/>
-                <a:cs typeface="Arial" pitchFamily="34" charset="0"/>
-              </a:rPr>
-              <a:t>Volume</a:t>
-            </a:r>
-            <a:endParaRPr lang="en-IN" sz="3200" i="1" dirty="0">
-              <a:solidFill>
-                <a:srgbClr val="FF9900"/>
-              </a:solidFill>
-              <a:latin typeface="Arial" pitchFamily="34" charset="0"/>
-              <a:cs typeface="Arial" pitchFamily="34" charset="0"/>
-            </a:endParaRPr>
-          </a:p>
-        </p:txBody>
-      </p:sp>
-      <p:sp>
-        <p:nvSpPr>
-          <p:cNvPr id="3" name="TextBox 2">
-            <a:extLst>
-              <a:ext uri="{FF2B5EF4-FFF2-40B4-BE49-F238E27FC236}">
-                <a16:creationId xmlns:a16="http://schemas.microsoft.com/office/drawing/2014/main" id="{0BD80FA2-0692-8C0A-410E-6B42560A0A5E}"/>
-              </a:ext>
-            </a:extLst>
-          </p:cNvPr>
-          <p:cNvSpPr txBox="1"/>
-          <p:nvPr/>
-        </p:nvSpPr>
-        <p:spPr>
-          <a:xfrm>
-            <a:off x="263352" y="2366878"/>
-            <a:ext cx="11521280" cy="2862322"/>
-          </a:xfrm>
-          <a:prstGeom prst="rect">
-            <a:avLst/>
-          </a:prstGeom>
-          <a:noFill/>
-        </p:spPr>
-        <p:txBody>
-          <a:bodyPr wrap="square">
-            <a:spAutoFit/>
-          </a:bodyPr>
-          <a:lstStyle/>
-          <a:p>
-            <a:pPr marL="342900" indent="-342900" algn="just">
-              <a:buFont typeface="Arial" panose="020B0604020202020204" pitchFamily="34" charset="0"/>
-              <a:buChar char="•"/>
-            </a:pPr>
-            <a:r>
-              <a:rPr lang="en-US" sz="2000" b="0" i="0" dirty="0">
-                <a:solidFill>
-                  <a:srgbClr val="333333"/>
-                </a:solidFill>
-                <a:effectLst/>
-                <a:latin typeface="Arial" panose="020B0604020202020204" pitchFamily="34" charset="0"/>
-                <a:cs typeface="Arial" panose="020B0604020202020204" pitchFamily="34" charset="0"/>
-              </a:rPr>
-              <a:t>Big Data is a vast 'volumes' of data generated from many sources daily, such as </a:t>
-            </a:r>
-            <a:r>
-              <a:rPr lang="en-US" sz="2000" b="1" i="0" dirty="0">
-                <a:solidFill>
-                  <a:srgbClr val="333333"/>
-                </a:solidFill>
-                <a:effectLst/>
-                <a:latin typeface="Arial" panose="020B0604020202020204" pitchFamily="34" charset="0"/>
-                <a:cs typeface="Arial" panose="020B0604020202020204" pitchFamily="34" charset="0"/>
-              </a:rPr>
-              <a:t>business processes, machines, social media platforms, networks, human interactions,</a:t>
-            </a:r>
-            <a:r>
-              <a:rPr lang="en-US" sz="2000" b="0" i="0" dirty="0">
-                <a:solidFill>
-                  <a:srgbClr val="333333"/>
-                </a:solidFill>
-                <a:effectLst/>
-                <a:latin typeface="Arial" panose="020B0604020202020204" pitchFamily="34" charset="0"/>
-                <a:cs typeface="Arial" panose="020B0604020202020204" pitchFamily="34" charset="0"/>
-              </a:rPr>
-              <a:t> and many more.</a:t>
-            </a:r>
-          </a:p>
-          <a:p>
-            <a:pPr marL="342900" indent="-342900" algn="just">
-              <a:buFont typeface="Arial" panose="020B0604020202020204" pitchFamily="34" charset="0"/>
-              <a:buChar char="•"/>
-            </a:pPr>
-            <a:endParaRPr lang="en-US" sz="2000" b="0" i="0" dirty="0">
-              <a:solidFill>
-                <a:srgbClr val="333333"/>
-              </a:solidFill>
-              <a:effectLst/>
-              <a:latin typeface="Arial" panose="020B0604020202020204" pitchFamily="34" charset="0"/>
-              <a:cs typeface="Arial" panose="020B0604020202020204" pitchFamily="34" charset="0"/>
-            </a:endParaRPr>
-          </a:p>
-          <a:p>
-            <a:pPr marL="342900" indent="-342900" algn="just">
-              <a:buFont typeface="Arial" panose="020B0604020202020204" pitchFamily="34" charset="0"/>
-              <a:buChar char="•"/>
-            </a:pPr>
-            <a:r>
-              <a:rPr lang="en-US" sz="2000" b="1" i="0" dirty="0">
-                <a:solidFill>
-                  <a:srgbClr val="333333"/>
-                </a:solidFill>
-                <a:effectLst/>
-                <a:latin typeface="Arial" panose="020B0604020202020204" pitchFamily="34" charset="0"/>
-                <a:cs typeface="Arial" panose="020B0604020202020204" pitchFamily="34" charset="0"/>
-              </a:rPr>
-              <a:t>Facebook</a:t>
-            </a:r>
-            <a:r>
-              <a:rPr lang="en-US" sz="2000" b="0" i="0" dirty="0">
-                <a:solidFill>
-                  <a:srgbClr val="333333"/>
-                </a:solidFill>
-                <a:effectLst/>
-                <a:latin typeface="Arial" panose="020B0604020202020204" pitchFamily="34" charset="0"/>
-                <a:cs typeface="Arial" panose="020B0604020202020204" pitchFamily="34" charset="0"/>
-              </a:rPr>
-              <a:t> can generate approximately a </a:t>
-            </a:r>
-            <a:r>
-              <a:rPr lang="en-US" sz="2000" b="1" i="0" dirty="0">
-                <a:solidFill>
-                  <a:srgbClr val="333333"/>
-                </a:solidFill>
-                <a:effectLst/>
-                <a:latin typeface="Arial" panose="020B0604020202020204" pitchFamily="34" charset="0"/>
-                <a:cs typeface="Arial" panose="020B0604020202020204" pitchFamily="34" charset="0"/>
-              </a:rPr>
-              <a:t>billion</a:t>
-            </a:r>
-            <a:r>
-              <a:rPr lang="en-US" sz="2000" b="0" i="0" dirty="0">
-                <a:solidFill>
-                  <a:srgbClr val="333333"/>
-                </a:solidFill>
-                <a:effectLst/>
-                <a:latin typeface="Arial" panose="020B0604020202020204" pitchFamily="34" charset="0"/>
-                <a:cs typeface="Arial" panose="020B0604020202020204" pitchFamily="34" charset="0"/>
-              </a:rPr>
-              <a:t> messages, </a:t>
-            </a:r>
-          </a:p>
-          <a:p>
-            <a:pPr marL="342900" indent="-342900" algn="just">
-              <a:buFont typeface="Arial" panose="020B0604020202020204" pitchFamily="34" charset="0"/>
-              <a:buChar char="•"/>
-            </a:pPr>
-            <a:endParaRPr lang="en-US" sz="2000" dirty="0">
-              <a:solidFill>
-                <a:srgbClr val="333333"/>
-              </a:solidFill>
-              <a:latin typeface="Arial" panose="020B0604020202020204" pitchFamily="34" charset="0"/>
-              <a:cs typeface="Arial" panose="020B0604020202020204" pitchFamily="34" charset="0"/>
-            </a:endParaRPr>
-          </a:p>
-          <a:p>
-            <a:pPr marL="342900" indent="-342900" algn="just">
-              <a:buFont typeface="Arial" panose="020B0604020202020204" pitchFamily="34" charset="0"/>
-              <a:buChar char="•"/>
-            </a:pPr>
-            <a:r>
-              <a:rPr lang="en-US" sz="2000" b="1" i="0" dirty="0">
-                <a:solidFill>
-                  <a:srgbClr val="333333"/>
-                </a:solidFill>
-                <a:effectLst/>
-                <a:latin typeface="Arial" panose="020B0604020202020204" pitchFamily="34" charset="0"/>
-                <a:cs typeface="Arial" panose="020B0604020202020204" pitchFamily="34" charset="0"/>
-              </a:rPr>
-              <a:t>Billion</a:t>
-            </a:r>
-            <a:r>
-              <a:rPr lang="en-US" sz="2000" b="0" i="0" dirty="0">
-                <a:solidFill>
-                  <a:srgbClr val="333333"/>
-                </a:solidFill>
-                <a:effectLst/>
-                <a:latin typeface="Arial" panose="020B0604020202020204" pitchFamily="34" charset="0"/>
-                <a:cs typeface="Arial" panose="020B0604020202020204" pitchFamily="34" charset="0"/>
-              </a:rPr>
-              <a:t> of times, the "</a:t>
-            </a:r>
-            <a:r>
-              <a:rPr lang="en-US" sz="2000" b="1" i="0" dirty="0">
-                <a:solidFill>
-                  <a:srgbClr val="333333"/>
-                </a:solidFill>
-                <a:effectLst/>
-                <a:latin typeface="Arial" panose="020B0604020202020204" pitchFamily="34" charset="0"/>
-                <a:cs typeface="Arial" panose="020B0604020202020204" pitchFamily="34" charset="0"/>
-              </a:rPr>
-              <a:t>Like</a:t>
-            </a:r>
-            <a:r>
-              <a:rPr lang="en-US" sz="2000" b="0" i="0" dirty="0">
-                <a:solidFill>
-                  <a:srgbClr val="333333"/>
-                </a:solidFill>
-                <a:effectLst/>
-                <a:latin typeface="Arial" panose="020B0604020202020204" pitchFamily="34" charset="0"/>
-                <a:cs typeface="Arial" panose="020B0604020202020204" pitchFamily="34" charset="0"/>
-              </a:rPr>
-              <a:t>" button is recorded, </a:t>
-            </a:r>
-          </a:p>
-          <a:p>
-            <a:pPr marL="342900" indent="-342900" algn="just">
-              <a:buFont typeface="Arial" panose="020B0604020202020204" pitchFamily="34" charset="0"/>
-              <a:buChar char="•"/>
-            </a:pPr>
-            <a:endParaRPr lang="en-US" sz="2000" dirty="0">
-              <a:solidFill>
-                <a:srgbClr val="333333"/>
-              </a:solidFill>
-              <a:latin typeface="Arial" panose="020B0604020202020204" pitchFamily="34" charset="0"/>
-              <a:cs typeface="Arial" panose="020B0604020202020204" pitchFamily="34" charset="0"/>
-            </a:endParaRPr>
-          </a:p>
-          <a:p>
-            <a:pPr marL="342900" indent="-342900" algn="just">
-              <a:buFont typeface="Arial" panose="020B0604020202020204" pitchFamily="34" charset="0"/>
-              <a:buChar char="•"/>
-            </a:pPr>
-            <a:r>
-              <a:rPr lang="en-US" sz="2000" b="0" i="0" dirty="0">
-                <a:solidFill>
-                  <a:srgbClr val="333333"/>
-                </a:solidFill>
-                <a:effectLst/>
-                <a:latin typeface="Arial" panose="020B0604020202020204" pitchFamily="34" charset="0"/>
-                <a:cs typeface="Arial" panose="020B0604020202020204" pitchFamily="34" charset="0"/>
-              </a:rPr>
-              <a:t>and </a:t>
-            </a:r>
-            <a:r>
-              <a:rPr lang="en-US" sz="2000" b="1" i="0" dirty="0">
-                <a:solidFill>
-                  <a:srgbClr val="333333"/>
-                </a:solidFill>
-                <a:effectLst/>
-                <a:latin typeface="Arial" panose="020B0604020202020204" pitchFamily="34" charset="0"/>
-                <a:cs typeface="Arial" panose="020B0604020202020204" pitchFamily="34" charset="0"/>
-              </a:rPr>
-              <a:t>millions</a:t>
-            </a:r>
-            <a:r>
-              <a:rPr lang="en-US" sz="2000" b="0" i="0" dirty="0">
-                <a:solidFill>
-                  <a:srgbClr val="333333"/>
-                </a:solidFill>
-                <a:effectLst/>
-                <a:latin typeface="Arial" panose="020B0604020202020204" pitchFamily="34" charset="0"/>
-                <a:cs typeface="Arial" panose="020B0604020202020204" pitchFamily="34" charset="0"/>
-              </a:rPr>
-              <a:t> of new posts are uploaded each day. </a:t>
-            </a:r>
-          </a:p>
-        </p:txBody>
-      </p:sp>
-      <p:sp>
-        <p:nvSpPr>
-          <p:cNvPr id="5" name="TextBox 4">
-            <a:extLst>
-              <a:ext uri="{FF2B5EF4-FFF2-40B4-BE49-F238E27FC236}">
-                <a16:creationId xmlns:a16="http://schemas.microsoft.com/office/drawing/2014/main" id="{4BBE33AB-BF80-A13E-D5B7-119EB9740A68}"/>
-              </a:ext>
-            </a:extLst>
-          </p:cNvPr>
-          <p:cNvSpPr txBox="1"/>
-          <p:nvPr/>
-        </p:nvSpPr>
-        <p:spPr>
-          <a:xfrm>
-            <a:off x="551384" y="1008355"/>
-            <a:ext cx="11233248" cy="830997"/>
-          </a:xfrm>
-          <a:prstGeom prst="rect">
-            <a:avLst/>
-          </a:prstGeom>
-          <a:noFill/>
-        </p:spPr>
-        <p:txBody>
-          <a:bodyPr wrap="square">
-            <a:spAutoFit/>
-          </a:bodyPr>
-          <a:lstStyle/>
-          <a:p>
-            <a:pPr algn="just"/>
-            <a:r>
-              <a:rPr lang="en-US" sz="2400" b="0" i="0" dirty="0">
-                <a:solidFill>
-                  <a:srgbClr val="C00000"/>
-                </a:solidFill>
-                <a:effectLst/>
-                <a:latin typeface="Arial" panose="020B0604020202020204" pitchFamily="34" charset="0"/>
-                <a:cs typeface="Arial" panose="020B0604020202020204" pitchFamily="34" charset="0"/>
-              </a:rPr>
-              <a:t>The name Big Data itself is related to an enormous size of data. </a:t>
-            </a:r>
-            <a:r>
-              <a:rPr lang="en-US" sz="2400" b="0" i="0" dirty="0">
-                <a:solidFill>
-                  <a:srgbClr val="333333"/>
-                </a:solidFill>
-                <a:effectLst/>
-                <a:latin typeface="Arial" panose="020B0604020202020204" pitchFamily="34" charset="0"/>
-                <a:cs typeface="Arial" panose="020B0604020202020204" pitchFamily="34" charset="0"/>
-              </a:rPr>
-              <a:t>Big data technologies can handle large amounts of data.</a:t>
-            </a:r>
-          </a:p>
-        </p:txBody>
-      </p:sp>
-      <p:pic>
-        <p:nvPicPr>
-          <p:cNvPr id="2" name="Picture 2" descr="Big Data Volume Growth - Big Data Tutorial - Edureka">
-            <a:extLst>
-              <a:ext uri="{FF2B5EF4-FFF2-40B4-BE49-F238E27FC236}">
-                <a16:creationId xmlns:a16="http://schemas.microsoft.com/office/drawing/2014/main" id="{5A774089-67ED-8738-2FF5-785289EB2AC4}"/>
-              </a:ext>
-            </a:extLst>
-          </p:cNvPr>
-          <p:cNvPicPr>
-            <a:picLocks noChangeAspect="1" noChangeArrowheads="1"/>
-          </p:cNvPicPr>
-          <p:nvPr/>
-        </p:nvPicPr>
-        <p:blipFill>
-          <a:blip r:embed="rId2"/>
-          <a:srcRect/>
-          <a:stretch>
-            <a:fillRect/>
-          </a:stretch>
-        </p:blipFill>
-        <p:spPr bwMode="auto">
-          <a:xfrm>
-            <a:off x="8382016" y="3535026"/>
-            <a:ext cx="3258600" cy="3299418"/>
-          </a:xfrm>
-          <a:prstGeom prst="rect">
-            <a:avLst/>
-          </a:prstGeom>
-          <a:noFill/>
-        </p:spPr>
-      </p:pic>
-    </p:spTree>
-    <p:extLst>
-      <p:ext uri="{BB962C8B-B14F-4D97-AF65-F5344CB8AC3E}">
-        <p14:creationId xmlns:p14="http://schemas.microsoft.com/office/powerpoint/2010/main" val="255849756"/>
-      </p:ext>
-    </p:extLst>
-  </p:cSld>
-  <p:clrMapOvr>
-    <a:masterClrMapping/>
-  </p:clrMapOvr>
-</p:sld>
-</file>
-
-<file path=ppt/slides/slide19.xml><?xml version="1.0" encoding="utf-8"?>
-<p:sld xmlns:a="http://schemas.openxmlformats.org/drawingml/2006/main" xmlns:r="http://schemas.openxmlformats.org/officeDocument/2006/relationships" xmlns:p="http://schemas.openxmlformats.org/presentationml/2006/main">
-  <p:cSld>
-    <p:spTree>
-      <p:nvGrpSpPr>
-        <p:cNvPr id="1" name=""/>
-        <p:cNvGrpSpPr/>
-        <p:nvPr/>
-      </p:nvGrpSpPr>
-      <p:grpSpPr>
-        <a:xfrm>
-          <a:off x="0" y="0"/>
-          <a:ext cx="0" cy="0"/>
-          <a:chOff x="0" y="0"/>
-          <a:chExt cx="0" cy="0"/>
-        </a:xfrm>
-      </p:grpSpPr>
-      <p:sp>
-        <p:nvSpPr>
-          <p:cNvPr id="4" name="Rectangle 3">
-            <a:extLst>
-              <a:ext uri="{FF2B5EF4-FFF2-40B4-BE49-F238E27FC236}">
-                <a16:creationId xmlns:a16="http://schemas.microsoft.com/office/drawing/2014/main" id="{6524962B-7610-4EFD-AA5E-DDE403AB8860}"/>
-              </a:ext>
-            </a:extLst>
-          </p:cNvPr>
-          <p:cNvSpPr/>
-          <p:nvPr/>
-        </p:nvSpPr>
-        <p:spPr>
-          <a:xfrm>
-            <a:off x="1524000" y="1"/>
-            <a:ext cx="9144000" cy="584775"/>
-          </a:xfrm>
-          <a:prstGeom prst="rect">
-            <a:avLst/>
-          </a:prstGeom>
-          <a:noFill/>
-        </p:spPr>
-        <p:txBody>
-          <a:bodyPr wrap="square">
-            <a:spAutoFit/>
-          </a:bodyPr>
-          <a:lstStyle/>
-          <a:p>
-            <a:pPr algn="r"/>
-            <a:r>
-              <a:rPr lang="en-US" sz="3200" i="1" dirty="0">
-                <a:solidFill>
-                  <a:srgbClr val="FF9900"/>
-                </a:solidFill>
-                <a:latin typeface="Arial" pitchFamily="34" charset="0"/>
-                <a:cs typeface="Arial" pitchFamily="34" charset="0"/>
-              </a:rPr>
-              <a:t>Veracity</a:t>
-            </a:r>
-            <a:endParaRPr lang="en-IN" sz="3200" i="1" dirty="0">
-              <a:solidFill>
-                <a:srgbClr val="FF9900"/>
-              </a:solidFill>
-              <a:latin typeface="Arial" pitchFamily="34" charset="0"/>
-              <a:cs typeface="Arial" pitchFamily="34" charset="0"/>
-            </a:endParaRPr>
-          </a:p>
-        </p:txBody>
-      </p:sp>
-      <p:sp>
-        <p:nvSpPr>
-          <p:cNvPr id="3" name="TextBox 2">
-            <a:extLst>
-              <a:ext uri="{FF2B5EF4-FFF2-40B4-BE49-F238E27FC236}">
-                <a16:creationId xmlns:a16="http://schemas.microsoft.com/office/drawing/2014/main" id="{4B5CEDCA-EEE7-04D8-EDEC-C2FA5EFF6CE5}"/>
-              </a:ext>
-            </a:extLst>
-          </p:cNvPr>
-          <p:cNvSpPr txBox="1"/>
-          <p:nvPr/>
-        </p:nvSpPr>
-        <p:spPr>
-          <a:xfrm>
-            <a:off x="191344" y="215444"/>
-            <a:ext cx="4608512" cy="461665"/>
-          </a:xfrm>
-          <a:prstGeom prst="rect">
-            <a:avLst/>
-          </a:prstGeom>
-          <a:noFill/>
-        </p:spPr>
-        <p:txBody>
-          <a:bodyPr wrap="square">
-            <a:spAutoFit/>
-          </a:bodyPr>
-          <a:lstStyle/>
-          <a:p>
-            <a:r>
-              <a:rPr lang="en-IN" sz="2400" b="0" i="0" u="none" strike="noStrike" dirty="0">
-                <a:solidFill>
-                  <a:srgbClr val="202124"/>
-                </a:solidFill>
-                <a:effectLst/>
-                <a:latin typeface="arial" panose="020B0604020202020204" pitchFamily="34" charset="0"/>
-              </a:rPr>
-              <a:t>Conformity</a:t>
-            </a:r>
-            <a:r>
-              <a:rPr lang="en-IN" sz="2400" b="0" i="0" dirty="0">
-                <a:solidFill>
-                  <a:srgbClr val="202124"/>
-                </a:solidFill>
-                <a:effectLst/>
-                <a:latin typeface="arial" panose="020B0604020202020204" pitchFamily="34" charset="0"/>
-              </a:rPr>
-              <a:t> to facts; accuracy.</a:t>
-            </a:r>
-            <a:endParaRPr lang="en-IN" sz="2400" dirty="0"/>
-          </a:p>
-        </p:txBody>
-      </p:sp>
-      <p:sp>
-        <p:nvSpPr>
-          <p:cNvPr id="5" name="TextBox 4">
-            <a:extLst>
-              <a:ext uri="{FF2B5EF4-FFF2-40B4-BE49-F238E27FC236}">
-                <a16:creationId xmlns:a16="http://schemas.microsoft.com/office/drawing/2014/main" id="{60A76E6C-5DA9-1FE0-BCA5-8C766DE8FD05}"/>
-              </a:ext>
-            </a:extLst>
-          </p:cNvPr>
-          <p:cNvSpPr txBox="1"/>
-          <p:nvPr/>
-        </p:nvSpPr>
-        <p:spPr>
-          <a:xfrm>
-            <a:off x="407368" y="1008355"/>
-            <a:ext cx="11377264" cy="1938992"/>
-          </a:xfrm>
-          <a:prstGeom prst="rect">
-            <a:avLst/>
-          </a:prstGeom>
-          <a:noFill/>
-        </p:spPr>
-        <p:txBody>
-          <a:bodyPr wrap="square">
-            <a:spAutoFit/>
-          </a:bodyPr>
-          <a:lstStyle/>
-          <a:p>
-            <a:pPr marL="342900" indent="-342900" algn="just">
-              <a:buFont typeface="Arial" panose="020B0604020202020204" pitchFamily="34" charset="0"/>
-              <a:buChar char="•"/>
-            </a:pPr>
-            <a:r>
-              <a:rPr lang="en-US" sz="2400" b="0" i="0" dirty="0">
-                <a:effectLst/>
-                <a:latin typeface="Arial" panose="020B0604020202020204" pitchFamily="34" charset="0"/>
-                <a:cs typeface="Arial" panose="020B0604020202020204" pitchFamily="34" charset="0"/>
-              </a:rPr>
-              <a:t>Veracity means how much the data is reliable and accurate. </a:t>
-            </a:r>
-          </a:p>
-          <a:p>
-            <a:pPr algn="just"/>
-            <a:endParaRPr lang="en-US" sz="2400" b="0" i="0" dirty="0">
-              <a:effectLst/>
-              <a:latin typeface="Arial" panose="020B0604020202020204" pitchFamily="34" charset="0"/>
-              <a:cs typeface="Arial" panose="020B0604020202020204" pitchFamily="34" charset="0"/>
-            </a:endParaRPr>
-          </a:p>
-          <a:p>
-            <a:pPr marL="342900" indent="-342900" algn="just">
-              <a:buFont typeface="Arial" panose="020B0604020202020204" pitchFamily="34" charset="0"/>
-              <a:buChar char="•"/>
-            </a:pPr>
-            <a:r>
-              <a:rPr lang="en-US" sz="2400" b="0" i="0" dirty="0">
-                <a:effectLst/>
-                <a:latin typeface="Arial" panose="020B0604020202020204" pitchFamily="34" charset="0"/>
-                <a:cs typeface="Arial" panose="020B0604020202020204" pitchFamily="34" charset="0"/>
-              </a:rPr>
-              <a:t>It has many ways to filter the data.</a:t>
-            </a:r>
-          </a:p>
-          <a:p>
-            <a:pPr algn="just"/>
-            <a:endParaRPr lang="en-US" sz="2400" b="0" i="0" dirty="0">
-              <a:effectLst/>
-              <a:latin typeface="Arial" panose="020B0604020202020204" pitchFamily="34" charset="0"/>
-              <a:cs typeface="Arial" panose="020B0604020202020204" pitchFamily="34" charset="0"/>
-            </a:endParaRPr>
-          </a:p>
-          <a:p>
-            <a:pPr marL="342900" indent="-342900" algn="just">
-              <a:buFont typeface="Arial" panose="020B0604020202020204" pitchFamily="34" charset="0"/>
-              <a:buChar char="•"/>
-            </a:pPr>
-            <a:r>
-              <a:rPr lang="en-US" sz="2400" b="0" i="0" dirty="0">
-                <a:effectLst/>
-                <a:latin typeface="Arial" panose="020B0604020202020204" pitchFamily="34" charset="0"/>
-                <a:cs typeface="Arial" panose="020B0604020202020204" pitchFamily="34" charset="0"/>
-              </a:rPr>
-              <a:t> Veracity is the process to handle and manage data efficiently.</a:t>
-            </a:r>
-          </a:p>
-        </p:txBody>
-      </p:sp>
-    </p:spTree>
-    <p:extLst>
-      <p:ext uri="{BB962C8B-B14F-4D97-AF65-F5344CB8AC3E}">
-        <p14:creationId xmlns:p14="http://schemas.microsoft.com/office/powerpoint/2010/main" val="2413428036"/>
       </p:ext>
     </p:extLst>
   </p:cSld>
@@ -6650,6 +6413,922 @@
                 <a:latin typeface="Arial" pitchFamily="34" charset="0"/>
                 <a:cs typeface="Arial" pitchFamily="34" charset="0"/>
               </a:rPr>
+              <a:t>Characteristics of Big Data</a:t>
+            </a:r>
+            <a:endParaRPr lang="en-IN" sz="3200" i="1" dirty="0">
+              <a:solidFill>
+                <a:srgbClr val="FF9900"/>
+              </a:solidFill>
+              <a:latin typeface="Arial" pitchFamily="34" charset="0"/>
+              <a:cs typeface="Arial" pitchFamily="34" charset="0"/>
+            </a:endParaRPr>
+          </a:p>
+        </p:txBody>
+      </p:sp>
+      <p:sp>
+        <p:nvSpPr>
+          <p:cNvPr id="6" name="TextBox 5">
+            <a:extLst>
+              <a:ext uri="{FF2B5EF4-FFF2-40B4-BE49-F238E27FC236}">
+                <a16:creationId xmlns:a16="http://schemas.microsoft.com/office/drawing/2014/main" id="{7A4EC6FF-50F3-7757-E8E3-74F1C85A625C}"/>
+              </a:ext>
+            </a:extLst>
+          </p:cNvPr>
+          <p:cNvSpPr txBox="1"/>
+          <p:nvPr/>
+        </p:nvSpPr>
+        <p:spPr>
+          <a:xfrm>
+            <a:off x="191344" y="908720"/>
+            <a:ext cx="11809312" cy="1045223"/>
+          </a:xfrm>
+          <a:prstGeom prst="rect">
+            <a:avLst/>
+          </a:prstGeom>
+          <a:noFill/>
+        </p:spPr>
+        <p:txBody>
+          <a:bodyPr wrap="square">
+            <a:spAutoFit/>
+          </a:bodyPr>
+          <a:lstStyle/>
+          <a:p>
+            <a:pPr>
+              <a:lnSpc>
+                <a:spcPct val="150000"/>
+              </a:lnSpc>
+            </a:pPr>
+            <a:r>
+              <a:rPr lang="en-IN" sz="2200" dirty="0">
+                <a:latin typeface="Arial" panose="020B0604020202020204" pitchFamily="34" charset="0"/>
+                <a:cs typeface="Arial" panose="020B0604020202020204" pitchFamily="34" charset="0"/>
+              </a:rPr>
+              <a:t>It is used by many multinational companies to process the data and business of many organizations. The data flow would exceed 150 exabytes per day before replication.</a:t>
+            </a:r>
+          </a:p>
+        </p:txBody>
+      </p:sp>
+      <p:sp>
+        <p:nvSpPr>
+          <p:cNvPr id="9" name="TextBox 8">
+            <a:extLst>
+              <a:ext uri="{FF2B5EF4-FFF2-40B4-BE49-F238E27FC236}">
+                <a16:creationId xmlns:a16="http://schemas.microsoft.com/office/drawing/2014/main" id="{AB4E6DC9-BF67-59E6-9A9C-1C759377F018}"/>
+              </a:ext>
+            </a:extLst>
+          </p:cNvPr>
+          <p:cNvSpPr txBox="1"/>
+          <p:nvPr/>
+        </p:nvSpPr>
+        <p:spPr>
+          <a:xfrm>
+            <a:off x="407368" y="2420888"/>
+            <a:ext cx="11377264" cy="3420873"/>
+          </a:xfrm>
+          <a:prstGeom prst="rect">
+            <a:avLst/>
+          </a:prstGeom>
+          <a:noFill/>
+        </p:spPr>
+        <p:txBody>
+          <a:bodyPr wrap="square">
+            <a:spAutoFit/>
+          </a:bodyPr>
+          <a:lstStyle/>
+          <a:p>
+            <a:pPr algn="just"/>
+            <a:r>
+              <a:rPr lang="en-US" sz="2400" b="0" i="0" dirty="0">
+                <a:solidFill>
+                  <a:srgbClr val="C00000"/>
+                </a:solidFill>
+                <a:effectLst/>
+                <a:latin typeface="Arial" panose="020B0604020202020204" pitchFamily="34" charset="0"/>
+                <a:cs typeface="Arial" panose="020B0604020202020204" pitchFamily="34" charset="0"/>
+              </a:rPr>
+              <a:t>There are five v's of Big Data that explains the characteristics.</a:t>
+            </a:r>
+          </a:p>
+          <a:p>
+            <a:pPr algn="just"/>
+            <a:endParaRPr lang="en-US" sz="1200" b="0" i="0" dirty="0">
+              <a:solidFill>
+                <a:srgbClr val="333333"/>
+              </a:solidFill>
+              <a:effectLst/>
+              <a:latin typeface="Arial" panose="020B0604020202020204" pitchFamily="34" charset="0"/>
+              <a:cs typeface="Arial" panose="020B0604020202020204" pitchFamily="34" charset="0"/>
+            </a:endParaRPr>
+          </a:p>
+          <a:p>
+            <a:pPr algn="just"/>
+            <a:r>
+              <a:rPr lang="en-US" sz="2200" b="0" i="0" dirty="0">
+                <a:solidFill>
+                  <a:srgbClr val="610B4B"/>
+                </a:solidFill>
+                <a:effectLst/>
+                <a:latin typeface="Arial" panose="020B0604020202020204" pitchFamily="34" charset="0"/>
+                <a:cs typeface="Arial" panose="020B0604020202020204" pitchFamily="34" charset="0"/>
+              </a:rPr>
+              <a:t>5 V's of Big Data</a:t>
+            </a:r>
+          </a:p>
+          <a:p>
+            <a:pPr algn="just"/>
+            <a:endParaRPr lang="en-US" sz="1200" b="0" i="0" dirty="0">
+              <a:solidFill>
+                <a:srgbClr val="610B4B"/>
+              </a:solidFill>
+              <a:effectLst/>
+              <a:latin typeface="Arial" panose="020B0604020202020204" pitchFamily="34" charset="0"/>
+              <a:cs typeface="Arial" panose="020B0604020202020204" pitchFamily="34" charset="0"/>
+            </a:endParaRPr>
+          </a:p>
+          <a:p>
+            <a:pPr marL="342900" indent="-342900" algn="just">
+              <a:lnSpc>
+                <a:spcPct val="150000"/>
+              </a:lnSpc>
+              <a:buFont typeface="Arial" panose="020B0604020202020204" pitchFamily="34" charset="0"/>
+              <a:buChar char="•"/>
+            </a:pPr>
+            <a:r>
+              <a:rPr lang="en-US" sz="2000" b="1" i="0" dirty="0">
+                <a:effectLst/>
+                <a:latin typeface="Arial" panose="020B0604020202020204" pitchFamily="34" charset="0"/>
+                <a:cs typeface="Arial" panose="020B0604020202020204" pitchFamily="34" charset="0"/>
+              </a:rPr>
+              <a:t>Volume</a:t>
+            </a:r>
+          </a:p>
+          <a:p>
+            <a:pPr marL="342900" indent="-342900" algn="just">
+              <a:lnSpc>
+                <a:spcPct val="150000"/>
+              </a:lnSpc>
+              <a:buFont typeface="Arial" panose="020B0604020202020204" pitchFamily="34" charset="0"/>
+              <a:buChar char="•"/>
+            </a:pPr>
+            <a:r>
+              <a:rPr lang="en-US" sz="2000" b="1" i="0" dirty="0">
+                <a:effectLst/>
+                <a:latin typeface="Arial" panose="020B0604020202020204" pitchFamily="34" charset="0"/>
+                <a:cs typeface="Arial" panose="020B0604020202020204" pitchFamily="34" charset="0"/>
+              </a:rPr>
+              <a:t>Veracity</a:t>
+            </a:r>
+          </a:p>
+          <a:p>
+            <a:pPr marL="342900" indent="-342900" algn="just">
+              <a:lnSpc>
+                <a:spcPct val="150000"/>
+              </a:lnSpc>
+              <a:buFont typeface="Arial" panose="020B0604020202020204" pitchFamily="34" charset="0"/>
+              <a:buChar char="•"/>
+            </a:pPr>
+            <a:r>
+              <a:rPr lang="en-US" sz="2000" b="1" i="0" dirty="0">
+                <a:effectLst/>
+                <a:latin typeface="Arial" panose="020B0604020202020204" pitchFamily="34" charset="0"/>
+                <a:cs typeface="Arial" panose="020B0604020202020204" pitchFamily="34" charset="0"/>
+              </a:rPr>
+              <a:t>Variety</a:t>
+            </a:r>
+          </a:p>
+          <a:p>
+            <a:pPr marL="342900" indent="-342900" algn="just">
+              <a:lnSpc>
+                <a:spcPct val="150000"/>
+              </a:lnSpc>
+              <a:buFont typeface="Arial" panose="020B0604020202020204" pitchFamily="34" charset="0"/>
+              <a:buChar char="•"/>
+            </a:pPr>
+            <a:r>
+              <a:rPr lang="en-US" sz="2000" b="1" i="0" dirty="0">
+                <a:effectLst/>
+                <a:latin typeface="Arial" panose="020B0604020202020204" pitchFamily="34" charset="0"/>
+                <a:cs typeface="Arial" panose="020B0604020202020204" pitchFamily="34" charset="0"/>
+              </a:rPr>
+              <a:t>Value</a:t>
+            </a:r>
+          </a:p>
+          <a:p>
+            <a:pPr marL="342900" indent="-342900" algn="just">
+              <a:lnSpc>
+                <a:spcPct val="150000"/>
+              </a:lnSpc>
+              <a:buFont typeface="Arial" panose="020B0604020202020204" pitchFamily="34" charset="0"/>
+              <a:buChar char="•"/>
+            </a:pPr>
+            <a:r>
+              <a:rPr lang="en-US" sz="2000" b="1" i="0" dirty="0">
+                <a:effectLst/>
+                <a:latin typeface="Arial" panose="020B0604020202020204" pitchFamily="34" charset="0"/>
+                <a:cs typeface="Arial" panose="020B0604020202020204" pitchFamily="34" charset="0"/>
+              </a:rPr>
+              <a:t>Velocity</a:t>
+            </a:r>
+          </a:p>
+        </p:txBody>
+      </p:sp>
+    </p:spTree>
+    <p:extLst>
+      <p:ext uri="{BB962C8B-B14F-4D97-AF65-F5344CB8AC3E}">
+        <p14:creationId xmlns:p14="http://schemas.microsoft.com/office/powerpoint/2010/main" val="3232024903"/>
+      </p:ext>
+    </p:extLst>
+  </p:cSld>
+  <p:clrMapOvr>
+    <a:masterClrMapping/>
+  </p:clrMapOvr>
+</p:sld>
+</file>
+
+<file path=ppt/slides/slide21.xml><?xml version="1.0" encoding="utf-8"?>
+<p:sld xmlns:a="http://schemas.openxmlformats.org/drawingml/2006/main" xmlns:r="http://schemas.openxmlformats.org/officeDocument/2006/relationships" xmlns:p="http://schemas.openxmlformats.org/presentationml/2006/main">
+  <p:cSld>
+    <p:spTree>
+      <p:nvGrpSpPr>
+        <p:cNvPr id="1" name=""/>
+        <p:cNvGrpSpPr/>
+        <p:nvPr/>
+      </p:nvGrpSpPr>
+      <p:grpSpPr>
+        <a:xfrm>
+          <a:off x="0" y="0"/>
+          <a:ext cx="0" cy="0"/>
+          <a:chOff x="0" y="0"/>
+          <a:chExt cx="0" cy="0"/>
+        </a:xfrm>
+      </p:grpSpPr>
+      <p:sp>
+        <p:nvSpPr>
+          <p:cNvPr id="4" name="Rectangle 3">
+            <a:extLst>
+              <a:ext uri="{FF2B5EF4-FFF2-40B4-BE49-F238E27FC236}">
+                <a16:creationId xmlns:a16="http://schemas.microsoft.com/office/drawing/2014/main" id="{6524962B-7610-4EFD-AA5E-DDE403AB8860}"/>
+              </a:ext>
+            </a:extLst>
+          </p:cNvPr>
+          <p:cNvSpPr/>
+          <p:nvPr/>
+        </p:nvSpPr>
+        <p:spPr>
+          <a:xfrm>
+            <a:off x="1524000" y="1"/>
+            <a:ext cx="9144000" cy="584775"/>
+          </a:xfrm>
+          <a:prstGeom prst="rect">
+            <a:avLst/>
+          </a:prstGeom>
+          <a:noFill/>
+        </p:spPr>
+        <p:txBody>
+          <a:bodyPr wrap="square">
+            <a:spAutoFit/>
+          </a:bodyPr>
+          <a:lstStyle/>
+          <a:p>
+            <a:pPr algn="r"/>
+            <a:r>
+              <a:rPr lang="en-US" sz="3200" i="1" dirty="0">
+                <a:solidFill>
+                  <a:srgbClr val="FF9900"/>
+                </a:solidFill>
+                <a:latin typeface="Arial" pitchFamily="34" charset="0"/>
+                <a:cs typeface="Arial" pitchFamily="34" charset="0"/>
+              </a:rPr>
+              <a:t>Volume</a:t>
+            </a:r>
+            <a:endParaRPr lang="en-IN" sz="3200" i="1" dirty="0">
+              <a:solidFill>
+                <a:srgbClr val="FF9900"/>
+              </a:solidFill>
+              <a:latin typeface="Arial" pitchFamily="34" charset="0"/>
+              <a:cs typeface="Arial" pitchFamily="34" charset="0"/>
+            </a:endParaRPr>
+          </a:p>
+        </p:txBody>
+      </p:sp>
+      <p:sp>
+        <p:nvSpPr>
+          <p:cNvPr id="3" name="TextBox 2">
+            <a:extLst>
+              <a:ext uri="{FF2B5EF4-FFF2-40B4-BE49-F238E27FC236}">
+                <a16:creationId xmlns:a16="http://schemas.microsoft.com/office/drawing/2014/main" id="{0BD80FA2-0692-8C0A-410E-6B42560A0A5E}"/>
+              </a:ext>
+            </a:extLst>
+          </p:cNvPr>
+          <p:cNvSpPr txBox="1"/>
+          <p:nvPr/>
+        </p:nvSpPr>
+        <p:spPr>
+          <a:xfrm>
+            <a:off x="263352" y="2366878"/>
+            <a:ext cx="11521280" cy="2862322"/>
+          </a:xfrm>
+          <a:prstGeom prst="rect">
+            <a:avLst/>
+          </a:prstGeom>
+          <a:noFill/>
+        </p:spPr>
+        <p:txBody>
+          <a:bodyPr wrap="square">
+            <a:spAutoFit/>
+          </a:bodyPr>
+          <a:lstStyle/>
+          <a:p>
+            <a:pPr marL="342900" indent="-342900" algn="just">
+              <a:buFont typeface="Arial" panose="020B0604020202020204" pitchFamily="34" charset="0"/>
+              <a:buChar char="•"/>
+            </a:pPr>
+            <a:r>
+              <a:rPr lang="en-US" sz="2000" b="0" i="0" dirty="0">
+                <a:solidFill>
+                  <a:srgbClr val="333333"/>
+                </a:solidFill>
+                <a:effectLst/>
+                <a:latin typeface="Arial" panose="020B0604020202020204" pitchFamily="34" charset="0"/>
+                <a:cs typeface="Arial" panose="020B0604020202020204" pitchFamily="34" charset="0"/>
+              </a:rPr>
+              <a:t>Big Data is a vast 'volumes' of data generated from many sources daily, such as </a:t>
+            </a:r>
+            <a:r>
+              <a:rPr lang="en-US" sz="2000" b="1" i="0" dirty="0">
+                <a:solidFill>
+                  <a:srgbClr val="333333"/>
+                </a:solidFill>
+                <a:effectLst/>
+                <a:latin typeface="Arial" panose="020B0604020202020204" pitchFamily="34" charset="0"/>
+                <a:cs typeface="Arial" panose="020B0604020202020204" pitchFamily="34" charset="0"/>
+              </a:rPr>
+              <a:t>business processes, machines, social media platforms, networks, human interactions,</a:t>
+            </a:r>
+            <a:r>
+              <a:rPr lang="en-US" sz="2000" b="0" i="0" dirty="0">
+                <a:solidFill>
+                  <a:srgbClr val="333333"/>
+                </a:solidFill>
+                <a:effectLst/>
+                <a:latin typeface="Arial" panose="020B0604020202020204" pitchFamily="34" charset="0"/>
+                <a:cs typeface="Arial" panose="020B0604020202020204" pitchFamily="34" charset="0"/>
+              </a:rPr>
+              <a:t> and many more.</a:t>
+            </a:r>
+          </a:p>
+          <a:p>
+            <a:pPr marL="342900" indent="-342900" algn="just">
+              <a:buFont typeface="Arial" panose="020B0604020202020204" pitchFamily="34" charset="0"/>
+              <a:buChar char="•"/>
+            </a:pPr>
+            <a:endParaRPr lang="en-US" sz="2000" b="0" i="0" dirty="0">
+              <a:solidFill>
+                <a:srgbClr val="333333"/>
+              </a:solidFill>
+              <a:effectLst/>
+              <a:latin typeface="Arial" panose="020B0604020202020204" pitchFamily="34" charset="0"/>
+              <a:cs typeface="Arial" panose="020B0604020202020204" pitchFamily="34" charset="0"/>
+            </a:endParaRPr>
+          </a:p>
+          <a:p>
+            <a:pPr marL="342900" indent="-342900" algn="just">
+              <a:buFont typeface="Arial" panose="020B0604020202020204" pitchFamily="34" charset="0"/>
+              <a:buChar char="•"/>
+            </a:pPr>
+            <a:r>
+              <a:rPr lang="en-US" sz="2000" b="1" i="0" dirty="0">
+                <a:solidFill>
+                  <a:srgbClr val="333333"/>
+                </a:solidFill>
+                <a:effectLst/>
+                <a:latin typeface="Arial" panose="020B0604020202020204" pitchFamily="34" charset="0"/>
+                <a:cs typeface="Arial" panose="020B0604020202020204" pitchFamily="34" charset="0"/>
+              </a:rPr>
+              <a:t>Facebook</a:t>
+            </a:r>
+            <a:r>
+              <a:rPr lang="en-US" sz="2000" b="0" i="0" dirty="0">
+                <a:solidFill>
+                  <a:srgbClr val="333333"/>
+                </a:solidFill>
+                <a:effectLst/>
+                <a:latin typeface="Arial" panose="020B0604020202020204" pitchFamily="34" charset="0"/>
+                <a:cs typeface="Arial" panose="020B0604020202020204" pitchFamily="34" charset="0"/>
+              </a:rPr>
+              <a:t> can generate approximately a </a:t>
+            </a:r>
+            <a:r>
+              <a:rPr lang="en-US" sz="2000" b="1" i="0" dirty="0">
+                <a:solidFill>
+                  <a:srgbClr val="333333"/>
+                </a:solidFill>
+                <a:effectLst/>
+                <a:latin typeface="Arial" panose="020B0604020202020204" pitchFamily="34" charset="0"/>
+                <a:cs typeface="Arial" panose="020B0604020202020204" pitchFamily="34" charset="0"/>
+              </a:rPr>
+              <a:t>billion</a:t>
+            </a:r>
+            <a:r>
+              <a:rPr lang="en-US" sz="2000" b="0" i="0" dirty="0">
+                <a:solidFill>
+                  <a:srgbClr val="333333"/>
+                </a:solidFill>
+                <a:effectLst/>
+                <a:latin typeface="Arial" panose="020B0604020202020204" pitchFamily="34" charset="0"/>
+                <a:cs typeface="Arial" panose="020B0604020202020204" pitchFamily="34" charset="0"/>
+              </a:rPr>
+              <a:t> messages, </a:t>
+            </a:r>
+          </a:p>
+          <a:p>
+            <a:pPr marL="342900" indent="-342900" algn="just">
+              <a:buFont typeface="Arial" panose="020B0604020202020204" pitchFamily="34" charset="0"/>
+              <a:buChar char="•"/>
+            </a:pPr>
+            <a:endParaRPr lang="en-US" sz="2000" dirty="0">
+              <a:solidFill>
+                <a:srgbClr val="333333"/>
+              </a:solidFill>
+              <a:latin typeface="Arial" panose="020B0604020202020204" pitchFamily="34" charset="0"/>
+              <a:cs typeface="Arial" panose="020B0604020202020204" pitchFamily="34" charset="0"/>
+            </a:endParaRPr>
+          </a:p>
+          <a:p>
+            <a:pPr marL="342900" indent="-342900" algn="just">
+              <a:buFont typeface="Arial" panose="020B0604020202020204" pitchFamily="34" charset="0"/>
+              <a:buChar char="•"/>
+            </a:pPr>
+            <a:r>
+              <a:rPr lang="en-US" sz="2000" b="1" i="0" dirty="0">
+                <a:solidFill>
+                  <a:srgbClr val="333333"/>
+                </a:solidFill>
+                <a:effectLst/>
+                <a:latin typeface="Arial" panose="020B0604020202020204" pitchFamily="34" charset="0"/>
+                <a:cs typeface="Arial" panose="020B0604020202020204" pitchFamily="34" charset="0"/>
+              </a:rPr>
+              <a:t>Billion</a:t>
+            </a:r>
+            <a:r>
+              <a:rPr lang="en-US" sz="2000" b="0" i="0" dirty="0">
+                <a:solidFill>
+                  <a:srgbClr val="333333"/>
+                </a:solidFill>
+                <a:effectLst/>
+                <a:latin typeface="Arial" panose="020B0604020202020204" pitchFamily="34" charset="0"/>
+                <a:cs typeface="Arial" panose="020B0604020202020204" pitchFamily="34" charset="0"/>
+              </a:rPr>
+              <a:t> of times, the "</a:t>
+            </a:r>
+            <a:r>
+              <a:rPr lang="en-US" sz="2000" b="1" i="0" dirty="0">
+                <a:solidFill>
+                  <a:srgbClr val="333333"/>
+                </a:solidFill>
+                <a:effectLst/>
+                <a:latin typeface="Arial" panose="020B0604020202020204" pitchFamily="34" charset="0"/>
+                <a:cs typeface="Arial" panose="020B0604020202020204" pitchFamily="34" charset="0"/>
+              </a:rPr>
+              <a:t>Like</a:t>
+            </a:r>
+            <a:r>
+              <a:rPr lang="en-US" sz="2000" b="0" i="0" dirty="0">
+                <a:solidFill>
+                  <a:srgbClr val="333333"/>
+                </a:solidFill>
+                <a:effectLst/>
+                <a:latin typeface="Arial" panose="020B0604020202020204" pitchFamily="34" charset="0"/>
+                <a:cs typeface="Arial" panose="020B0604020202020204" pitchFamily="34" charset="0"/>
+              </a:rPr>
+              <a:t>" button is recorded, </a:t>
+            </a:r>
+          </a:p>
+          <a:p>
+            <a:pPr marL="342900" indent="-342900" algn="just">
+              <a:buFont typeface="Arial" panose="020B0604020202020204" pitchFamily="34" charset="0"/>
+              <a:buChar char="•"/>
+            </a:pPr>
+            <a:endParaRPr lang="en-US" sz="2000" dirty="0">
+              <a:solidFill>
+                <a:srgbClr val="333333"/>
+              </a:solidFill>
+              <a:latin typeface="Arial" panose="020B0604020202020204" pitchFamily="34" charset="0"/>
+              <a:cs typeface="Arial" panose="020B0604020202020204" pitchFamily="34" charset="0"/>
+            </a:endParaRPr>
+          </a:p>
+          <a:p>
+            <a:pPr marL="342900" indent="-342900" algn="just">
+              <a:buFont typeface="Arial" panose="020B0604020202020204" pitchFamily="34" charset="0"/>
+              <a:buChar char="•"/>
+            </a:pPr>
+            <a:r>
+              <a:rPr lang="en-US" sz="2000" b="0" i="0" dirty="0">
+                <a:solidFill>
+                  <a:srgbClr val="333333"/>
+                </a:solidFill>
+                <a:effectLst/>
+                <a:latin typeface="Arial" panose="020B0604020202020204" pitchFamily="34" charset="0"/>
+                <a:cs typeface="Arial" panose="020B0604020202020204" pitchFamily="34" charset="0"/>
+              </a:rPr>
+              <a:t>and </a:t>
+            </a:r>
+            <a:r>
+              <a:rPr lang="en-US" sz="2000" b="1" i="0" dirty="0">
+                <a:solidFill>
+                  <a:srgbClr val="333333"/>
+                </a:solidFill>
+                <a:effectLst/>
+                <a:latin typeface="Arial" panose="020B0604020202020204" pitchFamily="34" charset="0"/>
+                <a:cs typeface="Arial" panose="020B0604020202020204" pitchFamily="34" charset="0"/>
+              </a:rPr>
+              <a:t>millions</a:t>
+            </a:r>
+            <a:r>
+              <a:rPr lang="en-US" sz="2000" b="0" i="0" dirty="0">
+                <a:solidFill>
+                  <a:srgbClr val="333333"/>
+                </a:solidFill>
+                <a:effectLst/>
+                <a:latin typeface="Arial" panose="020B0604020202020204" pitchFamily="34" charset="0"/>
+                <a:cs typeface="Arial" panose="020B0604020202020204" pitchFamily="34" charset="0"/>
+              </a:rPr>
+              <a:t> of new posts are uploaded each day. </a:t>
+            </a:r>
+          </a:p>
+        </p:txBody>
+      </p:sp>
+      <p:sp>
+        <p:nvSpPr>
+          <p:cNvPr id="5" name="TextBox 4">
+            <a:extLst>
+              <a:ext uri="{FF2B5EF4-FFF2-40B4-BE49-F238E27FC236}">
+                <a16:creationId xmlns:a16="http://schemas.microsoft.com/office/drawing/2014/main" id="{4BBE33AB-BF80-A13E-D5B7-119EB9740A68}"/>
+              </a:ext>
+            </a:extLst>
+          </p:cNvPr>
+          <p:cNvSpPr txBox="1"/>
+          <p:nvPr/>
+        </p:nvSpPr>
+        <p:spPr>
+          <a:xfrm>
+            <a:off x="551384" y="1008355"/>
+            <a:ext cx="11233248" cy="830997"/>
+          </a:xfrm>
+          <a:prstGeom prst="rect">
+            <a:avLst/>
+          </a:prstGeom>
+          <a:noFill/>
+        </p:spPr>
+        <p:txBody>
+          <a:bodyPr wrap="square">
+            <a:spAutoFit/>
+          </a:bodyPr>
+          <a:lstStyle/>
+          <a:p>
+            <a:pPr algn="just"/>
+            <a:r>
+              <a:rPr lang="en-US" sz="2400" b="0" i="0" dirty="0">
+                <a:solidFill>
+                  <a:srgbClr val="C00000"/>
+                </a:solidFill>
+                <a:effectLst/>
+                <a:latin typeface="Arial" panose="020B0604020202020204" pitchFamily="34" charset="0"/>
+                <a:cs typeface="Arial" panose="020B0604020202020204" pitchFamily="34" charset="0"/>
+              </a:rPr>
+              <a:t>The name Big Data itself is related to an enormous size of data. </a:t>
+            </a:r>
+            <a:r>
+              <a:rPr lang="en-US" sz="2400" b="0" i="0" dirty="0">
+                <a:solidFill>
+                  <a:srgbClr val="333333"/>
+                </a:solidFill>
+                <a:effectLst/>
+                <a:latin typeface="Arial" panose="020B0604020202020204" pitchFamily="34" charset="0"/>
+                <a:cs typeface="Arial" panose="020B0604020202020204" pitchFamily="34" charset="0"/>
+              </a:rPr>
+              <a:t>Big data technologies can handle large amounts of data.</a:t>
+            </a:r>
+          </a:p>
+        </p:txBody>
+      </p:sp>
+      <p:pic>
+        <p:nvPicPr>
+          <p:cNvPr id="2" name="Picture 2" descr="Big Data Volume Growth - Big Data Tutorial - Edureka">
+            <a:extLst>
+              <a:ext uri="{FF2B5EF4-FFF2-40B4-BE49-F238E27FC236}">
+                <a16:creationId xmlns:a16="http://schemas.microsoft.com/office/drawing/2014/main" id="{5A774089-67ED-8738-2FF5-785289EB2AC4}"/>
+              </a:ext>
+            </a:extLst>
+          </p:cNvPr>
+          <p:cNvPicPr>
+            <a:picLocks noChangeAspect="1" noChangeArrowheads="1"/>
+          </p:cNvPicPr>
+          <p:nvPr/>
+        </p:nvPicPr>
+        <p:blipFill>
+          <a:blip r:embed="rId2"/>
+          <a:srcRect/>
+          <a:stretch>
+            <a:fillRect/>
+          </a:stretch>
+        </p:blipFill>
+        <p:spPr bwMode="auto">
+          <a:xfrm>
+            <a:off x="8382016" y="3535026"/>
+            <a:ext cx="3258600" cy="3299418"/>
+          </a:xfrm>
+          <a:prstGeom prst="rect">
+            <a:avLst/>
+          </a:prstGeom>
+          <a:noFill/>
+        </p:spPr>
+      </p:pic>
+    </p:spTree>
+    <p:extLst>
+      <p:ext uri="{BB962C8B-B14F-4D97-AF65-F5344CB8AC3E}">
+        <p14:creationId xmlns:p14="http://schemas.microsoft.com/office/powerpoint/2010/main" val="255849756"/>
+      </p:ext>
+    </p:extLst>
+  </p:cSld>
+  <p:clrMapOvr>
+    <a:masterClrMapping/>
+  </p:clrMapOvr>
+</p:sld>
+</file>
+
+<file path=ppt/slides/slide22.xml><?xml version="1.0" encoding="utf-8"?>
+<p:sld xmlns:a="http://schemas.openxmlformats.org/drawingml/2006/main" xmlns:r="http://schemas.openxmlformats.org/officeDocument/2006/relationships" xmlns:p="http://schemas.openxmlformats.org/presentationml/2006/main">
+  <p:cSld>
+    <p:spTree>
+      <p:nvGrpSpPr>
+        <p:cNvPr id="1" name=""/>
+        <p:cNvGrpSpPr/>
+        <p:nvPr/>
+      </p:nvGrpSpPr>
+      <p:grpSpPr>
+        <a:xfrm>
+          <a:off x="0" y="0"/>
+          <a:ext cx="0" cy="0"/>
+          <a:chOff x="0" y="0"/>
+          <a:chExt cx="0" cy="0"/>
+        </a:xfrm>
+      </p:grpSpPr>
+      <p:sp>
+        <p:nvSpPr>
+          <p:cNvPr id="4" name="Rectangle 3">
+            <a:extLst>
+              <a:ext uri="{FF2B5EF4-FFF2-40B4-BE49-F238E27FC236}">
+                <a16:creationId xmlns:a16="http://schemas.microsoft.com/office/drawing/2014/main" id="{6524962B-7610-4EFD-AA5E-DDE403AB8860}"/>
+              </a:ext>
+            </a:extLst>
+          </p:cNvPr>
+          <p:cNvSpPr/>
+          <p:nvPr/>
+        </p:nvSpPr>
+        <p:spPr>
+          <a:xfrm>
+            <a:off x="1524000" y="1"/>
+            <a:ext cx="9144000" cy="584775"/>
+          </a:xfrm>
+          <a:prstGeom prst="rect">
+            <a:avLst/>
+          </a:prstGeom>
+          <a:noFill/>
+        </p:spPr>
+        <p:txBody>
+          <a:bodyPr wrap="square">
+            <a:spAutoFit/>
+          </a:bodyPr>
+          <a:lstStyle/>
+          <a:p>
+            <a:pPr algn="r"/>
+            <a:r>
+              <a:rPr lang="en-US" sz="3200" i="1" dirty="0">
+                <a:solidFill>
+                  <a:srgbClr val="FF9900"/>
+                </a:solidFill>
+                <a:latin typeface="Arial" pitchFamily="34" charset="0"/>
+                <a:cs typeface="Arial" pitchFamily="34" charset="0"/>
+              </a:rPr>
+              <a:t>Veracity</a:t>
+            </a:r>
+            <a:endParaRPr lang="en-IN" sz="3200" i="1" dirty="0">
+              <a:solidFill>
+                <a:srgbClr val="FF9900"/>
+              </a:solidFill>
+              <a:latin typeface="Arial" pitchFamily="34" charset="0"/>
+              <a:cs typeface="Arial" pitchFamily="34" charset="0"/>
+            </a:endParaRPr>
+          </a:p>
+        </p:txBody>
+      </p:sp>
+      <p:sp>
+        <p:nvSpPr>
+          <p:cNvPr id="3" name="TextBox 2">
+            <a:extLst>
+              <a:ext uri="{FF2B5EF4-FFF2-40B4-BE49-F238E27FC236}">
+                <a16:creationId xmlns:a16="http://schemas.microsoft.com/office/drawing/2014/main" id="{4B5CEDCA-EEE7-04D8-EDEC-C2FA5EFF6CE5}"/>
+              </a:ext>
+            </a:extLst>
+          </p:cNvPr>
+          <p:cNvSpPr txBox="1"/>
+          <p:nvPr/>
+        </p:nvSpPr>
+        <p:spPr>
+          <a:xfrm>
+            <a:off x="191344" y="215444"/>
+            <a:ext cx="4608512" cy="461665"/>
+          </a:xfrm>
+          <a:prstGeom prst="rect">
+            <a:avLst/>
+          </a:prstGeom>
+          <a:noFill/>
+        </p:spPr>
+        <p:txBody>
+          <a:bodyPr wrap="square">
+            <a:spAutoFit/>
+          </a:bodyPr>
+          <a:lstStyle/>
+          <a:p>
+            <a:r>
+              <a:rPr lang="en-IN" sz="2400" b="0" i="0" u="none" strike="noStrike" dirty="0">
+                <a:solidFill>
+                  <a:srgbClr val="202124"/>
+                </a:solidFill>
+                <a:effectLst/>
+                <a:latin typeface="arial" panose="020B0604020202020204" pitchFamily="34" charset="0"/>
+              </a:rPr>
+              <a:t>Conformity</a:t>
+            </a:r>
+            <a:r>
+              <a:rPr lang="en-IN" sz="2400" b="0" i="0" dirty="0">
+                <a:solidFill>
+                  <a:srgbClr val="202124"/>
+                </a:solidFill>
+                <a:effectLst/>
+                <a:latin typeface="arial" panose="020B0604020202020204" pitchFamily="34" charset="0"/>
+              </a:rPr>
+              <a:t> to facts; accuracy.</a:t>
+            </a:r>
+            <a:endParaRPr lang="en-IN" sz="2400" dirty="0"/>
+          </a:p>
+        </p:txBody>
+      </p:sp>
+      <p:sp>
+        <p:nvSpPr>
+          <p:cNvPr id="5" name="TextBox 4">
+            <a:extLst>
+              <a:ext uri="{FF2B5EF4-FFF2-40B4-BE49-F238E27FC236}">
+                <a16:creationId xmlns:a16="http://schemas.microsoft.com/office/drawing/2014/main" id="{60A76E6C-5DA9-1FE0-BCA5-8C766DE8FD05}"/>
+              </a:ext>
+            </a:extLst>
+          </p:cNvPr>
+          <p:cNvSpPr txBox="1"/>
+          <p:nvPr/>
+        </p:nvSpPr>
+        <p:spPr>
+          <a:xfrm>
+            <a:off x="407368" y="1008355"/>
+            <a:ext cx="11377264" cy="1938992"/>
+          </a:xfrm>
+          <a:prstGeom prst="rect">
+            <a:avLst/>
+          </a:prstGeom>
+          <a:noFill/>
+        </p:spPr>
+        <p:txBody>
+          <a:bodyPr wrap="square">
+            <a:spAutoFit/>
+          </a:bodyPr>
+          <a:lstStyle/>
+          <a:p>
+            <a:pPr marL="342900" indent="-342900" algn="just">
+              <a:buFont typeface="Arial" panose="020B0604020202020204" pitchFamily="34" charset="0"/>
+              <a:buChar char="•"/>
+            </a:pPr>
+            <a:r>
+              <a:rPr lang="en-US" sz="2400" b="0" i="0" dirty="0">
+                <a:effectLst/>
+                <a:latin typeface="Arial" panose="020B0604020202020204" pitchFamily="34" charset="0"/>
+                <a:cs typeface="Arial" panose="020B0604020202020204" pitchFamily="34" charset="0"/>
+              </a:rPr>
+              <a:t>Veracity means how much the data is reliable and accurate. </a:t>
+            </a:r>
+          </a:p>
+          <a:p>
+            <a:pPr algn="just"/>
+            <a:endParaRPr lang="en-US" sz="2400" b="0" i="0" dirty="0">
+              <a:effectLst/>
+              <a:latin typeface="Arial" panose="020B0604020202020204" pitchFamily="34" charset="0"/>
+              <a:cs typeface="Arial" panose="020B0604020202020204" pitchFamily="34" charset="0"/>
+            </a:endParaRPr>
+          </a:p>
+          <a:p>
+            <a:pPr marL="342900" indent="-342900" algn="just">
+              <a:buFont typeface="Arial" panose="020B0604020202020204" pitchFamily="34" charset="0"/>
+              <a:buChar char="•"/>
+            </a:pPr>
+            <a:r>
+              <a:rPr lang="en-US" sz="2400" b="0" i="0" dirty="0">
+                <a:effectLst/>
+                <a:latin typeface="Arial" panose="020B0604020202020204" pitchFamily="34" charset="0"/>
+                <a:cs typeface="Arial" panose="020B0604020202020204" pitchFamily="34" charset="0"/>
+              </a:rPr>
+              <a:t>It has many ways to filter the data.</a:t>
+            </a:r>
+          </a:p>
+          <a:p>
+            <a:pPr algn="just"/>
+            <a:endParaRPr lang="en-US" sz="2400" b="0" i="0" dirty="0">
+              <a:effectLst/>
+              <a:latin typeface="Arial" panose="020B0604020202020204" pitchFamily="34" charset="0"/>
+              <a:cs typeface="Arial" panose="020B0604020202020204" pitchFamily="34" charset="0"/>
+            </a:endParaRPr>
+          </a:p>
+          <a:p>
+            <a:pPr marL="342900" indent="-342900" algn="just">
+              <a:buFont typeface="Arial" panose="020B0604020202020204" pitchFamily="34" charset="0"/>
+              <a:buChar char="•"/>
+            </a:pPr>
+            <a:r>
+              <a:rPr lang="en-US" sz="2400" b="0" i="0" dirty="0">
+                <a:effectLst/>
+                <a:latin typeface="Arial" panose="020B0604020202020204" pitchFamily="34" charset="0"/>
+                <a:cs typeface="Arial" panose="020B0604020202020204" pitchFamily="34" charset="0"/>
+              </a:rPr>
+              <a:t> Veracity is the process to handle and manage data efficiently.</a:t>
+            </a:r>
+          </a:p>
+        </p:txBody>
+      </p:sp>
+    </p:spTree>
+    <p:extLst>
+      <p:ext uri="{BB962C8B-B14F-4D97-AF65-F5344CB8AC3E}">
+        <p14:creationId xmlns:p14="http://schemas.microsoft.com/office/powerpoint/2010/main" val="2413428036"/>
+      </p:ext>
+    </p:extLst>
+  </p:cSld>
+  <p:clrMapOvr>
+    <a:masterClrMapping/>
+  </p:clrMapOvr>
+</p:sld>
+</file>
+
+<file path=ppt/slides/slide23.xml><?xml version="1.0" encoding="utf-8"?>
+<p:sld xmlns:a="http://schemas.openxmlformats.org/drawingml/2006/main" xmlns:r="http://schemas.openxmlformats.org/officeDocument/2006/relationships" xmlns:p="http://schemas.openxmlformats.org/presentationml/2006/main">
+  <p:cSld>
+    <p:spTree>
+      <p:nvGrpSpPr>
+        <p:cNvPr id="1" name=""/>
+        <p:cNvGrpSpPr/>
+        <p:nvPr/>
+      </p:nvGrpSpPr>
+      <p:grpSpPr>
+        <a:xfrm>
+          <a:off x="0" y="0"/>
+          <a:ext cx="0" cy="0"/>
+          <a:chOff x="0" y="0"/>
+          <a:chExt cx="0" cy="0"/>
+        </a:xfrm>
+      </p:grpSpPr>
+      <p:sp>
+        <p:nvSpPr>
+          <p:cNvPr id="4" name="Rectangle 3">
+            <a:extLst>
+              <a:ext uri="{FF2B5EF4-FFF2-40B4-BE49-F238E27FC236}">
+                <a16:creationId xmlns:a16="http://schemas.microsoft.com/office/drawing/2014/main" id="{6524962B-7610-4EFD-AA5E-DDE403AB8860}"/>
+              </a:ext>
+            </a:extLst>
+          </p:cNvPr>
+          <p:cNvSpPr/>
+          <p:nvPr/>
+        </p:nvSpPr>
+        <p:spPr>
+          <a:xfrm>
+            <a:off x="1524000" y="1"/>
+            <a:ext cx="9144000" cy="584775"/>
+          </a:xfrm>
+          <a:prstGeom prst="rect">
+            <a:avLst/>
+          </a:prstGeom>
+          <a:noFill/>
+        </p:spPr>
+        <p:txBody>
+          <a:bodyPr wrap="square">
+            <a:spAutoFit/>
+          </a:bodyPr>
+          <a:lstStyle/>
+          <a:p>
+            <a:pPr algn="r"/>
+            <a:r>
+              <a:rPr lang="en-US" sz="3200" i="1" dirty="0">
+                <a:solidFill>
+                  <a:srgbClr val="FF9900"/>
+                </a:solidFill>
+                <a:latin typeface="Arial" pitchFamily="34" charset="0"/>
+                <a:cs typeface="Arial" pitchFamily="34" charset="0"/>
+              </a:rPr>
               <a:t>Variety </a:t>
             </a:r>
             <a:endParaRPr lang="en-IN" sz="3200" i="1" dirty="0">
@@ -6705,7 +7384,7 @@
 </p:sld>
 </file>
 
-<file path=ppt/slides/slide21.xml><?xml version="1.0" encoding="utf-8"?>
+<file path=ppt/slides/slide24.xml><?xml version="1.0" encoding="utf-8"?>
 <p:sld xmlns:a="http://schemas.openxmlformats.org/drawingml/2006/main" xmlns:r="http://schemas.openxmlformats.org/officeDocument/2006/relationships" xmlns:p="http://schemas.openxmlformats.org/presentationml/2006/main">
   <p:cSld>
     <p:spTree>
@@ -7044,7 +7723,7 @@
 </p:sld>
 </file>
 
-<file path=ppt/slides/slide22.xml><?xml version="1.0" encoding="utf-8"?>
+<file path=ppt/slides/slide25.xml><?xml version="1.0" encoding="utf-8"?>
 <p:sld xmlns:a="http://schemas.openxmlformats.org/drawingml/2006/main" xmlns:r="http://schemas.openxmlformats.org/officeDocument/2006/relationships" xmlns:p="http://schemas.openxmlformats.org/presentationml/2006/main">
   <p:cSld>
     <p:spTree>
@@ -7277,7 +7956,7 @@
 </p:sld>
 </file>
 
-<file path=ppt/slides/slide23.xml><?xml version="1.0" encoding="utf-8"?>
+<file path=ppt/slides/slide26.xml><?xml version="1.0" encoding="utf-8"?>
 <p:sld xmlns:a="http://schemas.openxmlformats.org/drawingml/2006/main" xmlns:r="http://schemas.openxmlformats.org/officeDocument/2006/relationships" xmlns:p="http://schemas.openxmlformats.org/presentationml/2006/main">
   <p:cSld>
     <p:spTree>
@@ -7396,7 +8075,7 @@
 </p:sld>
 </file>
 
-<file path=ppt/slides/slide24.xml><?xml version="1.0" encoding="utf-8"?>
+<file path=ppt/slides/slide27.xml><?xml version="1.0" encoding="utf-8"?>
 <p:sld xmlns:a="http://schemas.openxmlformats.org/drawingml/2006/main" xmlns:r="http://schemas.openxmlformats.org/officeDocument/2006/relationships" xmlns:p="http://schemas.openxmlformats.org/presentationml/2006/main">
   <p:cSld>
     <p:spTree>
@@ -7536,562 +8215,6 @@
     <p:extLst>
       <p:ext uri="{BB962C8B-B14F-4D97-AF65-F5344CB8AC3E}">
         <p14:creationId xmlns:p14="http://schemas.microsoft.com/office/powerpoint/2010/main" val="4166802548"/>
-      </p:ext>
-    </p:extLst>
-  </p:cSld>
-  <p:clrMapOvr>
-    <a:masterClrMapping/>
-  </p:clrMapOvr>
-</p:sld>
-</file>
-
-<file path=ppt/slides/slide25.xml><?xml version="1.0" encoding="utf-8"?>
-<p:sld xmlns:a="http://schemas.openxmlformats.org/drawingml/2006/main" xmlns:r="http://schemas.openxmlformats.org/officeDocument/2006/relationships" xmlns:p="http://schemas.openxmlformats.org/presentationml/2006/main">
-  <p:cSld>
-    <p:spTree>
-      <p:nvGrpSpPr>
-        <p:cNvPr id="1" name=""/>
-        <p:cNvGrpSpPr/>
-        <p:nvPr/>
-      </p:nvGrpSpPr>
-      <p:grpSpPr>
-        <a:xfrm>
-          <a:off x="0" y="0"/>
-          <a:ext cx="0" cy="0"/>
-          <a:chOff x="0" y="0"/>
-          <a:chExt cx="0" cy="0"/>
-        </a:xfrm>
-      </p:grpSpPr>
-      <p:sp>
-        <p:nvSpPr>
-          <p:cNvPr id="2" name="Title 1"/>
-          <p:cNvSpPr txBox="1">
-            <a:spLocks/>
-          </p:cNvSpPr>
-          <p:nvPr/>
-        </p:nvSpPr>
-        <p:spPr>
-          <a:xfrm>
-            <a:off x="1676400" y="2057400"/>
-            <a:ext cx="8839200" cy="1676400"/>
-          </a:xfrm>
-          <a:prstGeom prst="rect">
-            <a:avLst/>
-          </a:prstGeom>
-        </p:spPr>
-        <p:txBody>
-          <a:bodyPr>
-            <a:noAutofit/>
-          </a:bodyPr>
-          <a:lstStyle>
-            <a:defPPr>
-              <a:defRPr lang="en-US"/>
-            </a:defPPr>
-            <a:lvl1pPr lvl="0" algn="ctr">
-              <a:spcBef>
-                <a:spcPct val="0"/>
-              </a:spcBef>
-              <a:defRPr sz="4800">
-                <a:latin typeface="Arial" pitchFamily="34" charset="0"/>
-                <a:cs typeface="Arial" pitchFamily="34" charset="0"/>
-              </a:defRPr>
-            </a:lvl1pPr>
-          </a:lstStyle>
-          <a:p>
-            <a:r>
-              <a:rPr lang="en-US" dirty="0">
-                <a:solidFill>
-                  <a:srgbClr val="DC525C"/>
-                </a:solidFill>
-                <a:latin typeface="Segoe UI Light" panose="020B0502040204020203" pitchFamily="34" charset="0"/>
-                <a:cs typeface="Segoe UI Light" panose="020B0502040204020203" pitchFamily="34" charset="0"/>
-              </a:rPr>
-              <a:t>Jobs in Big Data</a:t>
-            </a:r>
-          </a:p>
-        </p:txBody>
-      </p:sp>
-    </p:spTree>
-    <p:extLst>
-      <p:ext uri="{BB962C8B-B14F-4D97-AF65-F5344CB8AC3E}">
-        <p14:creationId xmlns:p14="http://schemas.microsoft.com/office/powerpoint/2010/main" val="3468983804"/>
-      </p:ext>
-    </p:extLst>
-  </p:cSld>
-  <p:clrMapOvr>
-    <a:masterClrMapping/>
-  </p:clrMapOvr>
-</p:sld>
-</file>
-
-<file path=ppt/slides/slide26.xml><?xml version="1.0" encoding="utf-8"?>
-<p:sld xmlns:a="http://schemas.openxmlformats.org/drawingml/2006/main" xmlns:r="http://schemas.openxmlformats.org/officeDocument/2006/relationships" xmlns:p="http://schemas.openxmlformats.org/presentationml/2006/main">
-  <p:cSld>
-    <p:spTree>
-      <p:nvGrpSpPr>
-        <p:cNvPr id="1" name=""/>
-        <p:cNvGrpSpPr/>
-        <p:nvPr/>
-      </p:nvGrpSpPr>
-      <p:grpSpPr>
-        <a:xfrm>
-          <a:off x="0" y="0"/>
-          <a:ext cx="0" cy="0"/>
-          <a:chOff x="0" y="0"/>
-          <a:chExt cx="0" cy="0"/>
-        </a:xfrm>
-      </p:grpSpPr>
-      <p:sp>
-        <p:nvSpPr>
-          <p:cNvPr id="4" name="Rectangle 3">
-            <a:extLst>
-              <a:ext uri="{FF2B5EF4-FFF2-40B4-BE49-F238E27FC236}">
-                <a16:creationId xmlns:a16="http://schemas.microsoft.com/office/drawing/2014/main" id="{6524962B-7610-4EFD-AA5E-DDE403AB8860}"/>
-              </a:ext>
-            </a:extLst>
-          </p:cNvPr>
-          <p:cNvSpPr/>
-          <p:nvPr/>
-        </p:nvSpPr>
-        <p:spPr>
-          <a:xfrm>
-            <a:off x="1524000" y="1"/>
-            <a:ext cx="9144000" cy="584775"/>
-          </a:xfrm>
-          <a:prstGeom prst="rect">
-            <a:avLst/>
-          </a:prstGeom>
-          <a:noFill/>
-        </p:spPr>
-        <p:txBody>
-          <a:bodyPr wrap="square">
-            <a:spAutoFit/>
-          </a:bodyPr>
-          <a:lstStyle/>
-          <a:p>
-            <a:pPr algn="r"/>
-            <a:r>
-              <a:rPr lang="en-US" sz="3200" i="1" dirty="0">
-                <a:solidFill>
-                  <a:srgbClr val="FF9900"/>
-                </a:solidFill>
-                <a:latin typeface="Arial" pitchFamily="34" charset="0"/>
-                <a:cs typeface="Arial" pitchFamily="34" charset="0"/>
-              </a:rPr>
-              <a:t>List of Job Roles in Data Science / Big Data</a:t>
-            </a:r>
-            <a:endParaRPr lang="en-IN" sz="3200" i="1" dirty="0">
-              <a:solidFill>
-                <a:srgbClr val="FF9900"/>
-              </a:solidFill>
-              <a:latin typeface="Arial" pitchFamily="34" charset="0"/>
-              <a:cs typeface="Arial" pitchFamily="34" charset="0"/>
-            </a:endParaRPr>
-          </a:p>
-        </p:txBody>
-      </p:sp>
-      <p:sp>
-        <p:nvSpPr>
-          <p:cNvPr id="3" name="TextBox 2">
-            <a:extLst>
-              <a:ext uri="{FF2B5EF4-FFF2-40B4-BE49-F238E27FC236}">
-                <a16:creationId xmlns:a16="http://schemas.microsoft.com/office/drawing/2014/main" id="{2565C291-4449-7040-F797-629192AAC461}"/>
-              </a:ext>
-            </a:extLst>
-          </p:cNvPr>
-          <p:cNvSpPr txBox="1"/>
-          <p:nvPr/>
-        </p:nvSpPr>
-        <p:spPr>
-          <a:xfrm>
-            <a:off x="119336" y="1124744"/>
-            <a:ext cx="11809312" cy="5078313"/>
-          </a:xfrm>
-          <a:prstGeom prst="rect">
-            <a:avLst/>
-          </a:prstGeom>
-          <a:noFill/>
-        </p:spPr>
-        <p:txBody>
-          <a:bodyPr wrap="square">
-            <a:spAutoFit/>
-          </a:bodyPr>
-          <a:lstStyle/>
-          <a:p>
-            <a:pPr marL="285750" indent="-285750">
-              <a:buFont typeface="Arial" panose="020B0604020202020204" pitchFamily="34" charset="0"/>
-              <a:buChar char="•"/>
-            </a:pPr>
-            <a:r>
-              <a:rPr lang="en-IN" b="1" dirty="0">
-                <a:latin typeface="Arial" panose="020B0604020202020204" pitchFamily="34" charset="0"/>
-                <a:cs typeface="Arial" panose="020B0604020202020204" pitchFamily="34" charset="0"/>
-              </a:rPr>
-              <a:t>MIS Reporting Executive</a:t>
-            </a:r>
-            <a:r>
-              <a:rPr lang="en-IN" dirty="0">
-                <a:latin typeface="Arial" panose="020B0604020202020204" pitchFamily="34" charset="0"/>
-                <a:cs typeface="Arial" panose="020B0604020202020204" pitchFamily="34" charset="0"/>
-              </a:rPr>
-              <a:t>: Business managers rely on Management Information System reports to automatically track progress, make decisions, and identify problems.</a:t>
-            </a:r>
-          </a:p>
-          <a:p>
-            <a:pPr marL="285750" indent="-285750">
-              <a:buFont typeface="Arial" panose="020B0604020202020204" pitchFamily="34" charset="0"/>
-              <a:buChar char="•"/>
-            </a:pPr>
-            <a:endParaRPr lang="en-IN" dirty="0">
-              <a:latin typeface="Arial" panose="020B0604020202020204" pitchFamily="34" charset="0"/>
-              <a:cs typeface="Arial" panose="020B0604020202020204" pitchFamily="34" charset="0"/>
-            </a:endParaRPr>
-          </a:p>
-          <a:p>
-            <a:pPr marL="285750" indent="-285750">
-              <a:buFont typeface="Arial" panose="020B0604020202020204" pitchFamily="34" charset="0"/>
-              <a:buChar char="•"/>
-            </a:pPr>
-            <a:r>
-              <a:rPr lang="en-US" b="1" dirty="0">
-                <a:latin typeface="Arial" panose="020B0604020202020204" pitchFamily="34" charset="0"/>
-                <a:cs typeface="Arial" panose="020B0604020202020204" pitchFamily="34" charset="0"/>
-              </a:rPr>
-              <a:t>Business Analyst</a:t>
-            </a:r>
-            <a:r>
-              <a:rPr lang="en-US" dirty="0">
-                <a:latin typeface="Arial" panose="020B0604020202020204" pitchFamily="34" charset="0"/>
-                <a:cs typeface="Arial" panose="020B0604020202020204" pitchFamily="34" charset="0"/>
-              </a:rPr>
-              <a:t>:  Although many of their job tasks are similar to that of data analysts, business analysts are experts in the domain they work in. They try to narrow the gap between business and IT.</a:t>
-            </a:r>
-          </a:p>
-          <a:p>
-            <a:pPr marL="285750" indent="-285750">
-              <a:buFont typeface="Arial" panose="020B0604020202020204" pitchFamily="34" charset="0"/>
-              <a:buChar char="•"/>
-            </a:pPr>
-            <a:endParaRPr lang="en-US" dirty="0">
-              <a:latin typeface="Arial" panose="020B0604020202020204" pitchFamily="34" charset="0"/>
-              <a:cs typeface="Arial" panose="020B0604020202020204" pitchFamily="34" charset="0"/>
-            </a:endParaRPr>
-          </a:p>
-          <a:p>
-            <a:pPr marL="285750" indent="-285750">
-              <a:buFont typeface="Arial" panose="020B0604020202020204" pitchFamily="34" charset="0"/>
-              <a:buChar char="•"/>
-            </a:pPr>
-            <a:r>
-              <a:rPr lang="en-US" b="1" dirty="0">
-                <a:latin typeface="Arial" panose="020B0604020202020204" pitchFamily="34" charset="0"/>
-                <a:cs typeface="Arial" panose="020B0604020202020204" pitchFamily="34" charset="0"/>
-              </a:rPr>
-              <a:t>Data Analyst</a:t>
-            </a:r>
-            <a:r>
-              <a:rPr lang="en-US" dirty="0">
-                <a:latin typeface="Arial" panose="020B0604020202020204" pitchFamily="34" charset="0"/>
-                <a:cs typeface="Arial" panose="020B0604020202020204" pitchFamily="34" charset="0"/>
-              </a:rPr>
-              <a:t>: </a:t>
-            </a:r>
-            <a:r>
-              <a:rPr lang="en-US" b="0" i="0" dirty="0">
-                <a:solidFill>
-                  <a:srgbClr val="202124"/>
-                </a:solidFill>
-                <a:effectLst/>
-                <a:latin typeface="Arial" panose="020B0604020202020204" pitchFamily="34" charset="0"/>
-                <a:cs typeface="Arial" panose="020B0604020202020204" pitchFamily="34" charset="0"/>
-              </a:rPr>
-              <a:t>A Data Analyst's responsibilities include the </a:t>
-            </a:r>
-            <a:r>
-              <a:rPr lang="en-US" b="0" i="0" dirty="0">
-                <a:solidFill>
-                  <a:srgbClr val="040C28"/>
-                </a:solidFill>
-                <a:effectLst/>
-                <a:latin typeface="Arial" panose="020B0604020202020204" pitchFamily="34" charset="0"/>
-                <a:cs typeface="Arial" panose="020B0604020202020204" pitchFamily="34" charset="0"/>
-              </a:rPr>
-              <a:t>deep analysis of data and then determining the best way to represent it visually to managers and stakeholders</a:t>
-            </a:r>
-            <a:r>
-              <a:rPr lang="en-US" b="0" i="0" dirty="0">
-                <a:solidFill>
-                  <a:srgbClr val="202124"/>
-                </a:solidFill>
-                <a:effectLst/>
-                <a:latin typeface="Arial" panose="020B0604020202020204" pitchFamily="34" charset="0"/>
-                <a:cs typeface="Arial" panose="020B0604020202020204" pitchFamily="34" charset="0"/>
-              </a:rPr>
-              <a:t>. They also ensure quality assurance and process documentation and define Key Performance Indicators</a:t>
-            </a:r>
-          </a:p>
-          <a:p>
-            <a:pPr marL="285750" indent="-285750">
-              <a:buFont typeface="Arial" panose="020B0604020202020204" pitchFamily="34" charset="0"/>
-              <a:buChar char="•"/>
-            </a:pPr>
-            <a:endParaRPr lang="en-US" dirty="0">
-              <a:latin typeface="Arial" panose="020B0604020202020204" pitchFamily="34" charset="0"/>
-              <a:cs typeface="Arial" panose="020B0604020202020204" pitchFamily="34" charset="0"/>
-            </a:endParaRPr>
-          </a:p>
-          <a:p>
-            <a:pPr marL="285750" indent="-285750">
-              <a:buFont typeface="Arial" panose="020B0604020202020204" pitchFamily="34" charset="0"/>
-              <a:buChar char="•"/>
-            </a:pPr>
-            <a:r>
-              <a:rPr lang="en-US" b="1" dirty="0">
-                <a:latin typeface="Arial" panose="020B0604020202020204" pitchFamily="34" charset="0"/>
-                <a:cs typeface="Arial" panose="020B0604020202020204" pitchFamily="34" charset="0"/>
-              </a:rPr>
-              <a:t>Statistician</a:t>
-            </a:r>
-            <a:r>
-              <a:rPr lang="en-US" dirty="0">
-                <a:latin typeface="Arial" panose="020B0604020202020204" pitchFamily="34" charset="0"/>
-                <a:cs typeface="Arial" panose="020B0604020202020204" pitchFamily="34" charset="0"/>
-              </a:rPr>
-              <a:t>: Statisticians collect, organize, present, analyze, and interpret data to reach valid conclusions and make correct decisions. They are key players in ensuring the success of companies involved in market research, transportation, product development, finance, forensics, sport, quality control, environment, education, and also in governmental agencies.</a:t>
-            </a:r>
-          </a:p>
-          <a:p>
-            <a:pPr marL="285750" indent="-285750">
-              <a:buFont typeface="Arial" panose="020B0604020202020204" pitchFamily="34" charset="0"/>
-              <a:buChar char="•"/>
-            </a:pPr>
-            <a:endParaRPr lang="en-US" dirty="0">
-              <a:latin typeface="Arial" panose="020B0604020202020204" pitchFamily="34" charset="0"/>
-              <a:cs typeface="Arial" panose="020B0604020202020204" pitchFamily="34" charset="0"/>
-            </a:endParaRPr>
-          </a:p>
-          <a:p>
-            <a:pPr marL="285750" indent="-285750">
-              <a:buFont typeface="Arial" panose="020B0604020202020204" pitchFamily="34" charset="0"/>
-              <a:buChar char="•"/>
-            </a:pPr>
-            <a:r>
-              <a:rPr lang="en-US" b="1" dirty="0">
-                <a:latin typeface="Arial" panose="020B0604020202020204" pitchFamily="34" charset="0"/>
-                <a:cs typeface="Arial" panose="020B0604020202020204" pitchFamily="34" charset="0"/>
-              </a:rPr>
-              <a:t>Data Scientist</a:t>
-            </a:r>
-            <a:r>
-              <a:rPr lang="en-US" dirty="0">
-                <a:latin typeface="Arial" panose="020B0604020202020204" pitchFamily="34" charset="0"/>
-                <a:cs typeface="Arial" panose="020B0604020202020204" pitchFamily="34" charset="0"/>
-              </a:rPr>
-              <a:t>: A Data Scientist is a professional who collects large amounts of data using analytical, statistical, and programmable skills. It is their responsibility to use data to develop solutions tailored to meet the organization's unique needs.</a:t>
-            </a:r>
-            <a:endParaRPr lang="en-IN" dirty="0">
-              <a:latin typeface="Arial" panose="020B0604020202020204" pitchFamily="34" charset="0"/>
-              <a:cs typeface="Arial" panose="020B0604020202020204" pitchFamily="34" charset="0"/>
-            </a:endParaRPr>
-          </a:p>
-        </p:txBody>
-      </p:sp>
-    </p:spTree>
-    <p:extLst>
-      <p:ext uri="{BB962C8B-B14F-4D97-AF65-F5344CB8AC3E}">
-        <p14:creationId xmlns:p14="http://schemas.microsoft.com/office/powerpoint/2010/main" val="3264250979"/>
-      </p:ext>
-    </p:extLst>
-  </p:cSld>
-  <p:clrMapOvr>
-    <a:masterClrMapping/>
-  </p:clrMapOvr>
-</p:sld>
-</file>
-
-<file path=ppt/slides/slide27.xml><?xml version="1.0" encoding="utf-8"?>
-<p:sld xmlns:a="http://schemas.openxmlformats.org/drawingml/2006/main" xmlns:r="http://schemas.openxmlformats.org/officeDocument/2006/relationships" xmlns:p="http://schemas.openxmlformats.org/presentationml/2006/main">
-  <p:cSld>
-    <p:spTree>
-      <p:nvGrpSpPr>
-        <p:cNvPr id="1" name=""/>
-        <p:cNvGrpSpPr/>
-        <p:nvPr/>
-      </p:nvGrpSpPr>
-      <p:grpSpPr>
-        <a:xfrm>
-          <a:off x="0" y="0"/>
-          <a:ext cx="0" cy="0"/>
-          <a:chOff x="0" y="0"/>
-          <a:chExt cx="0" cy="0"/>
-        </a:xfrm>
-      </p:grpSpPr>
-      <p:sp>
-        <p:nvSpPr>
-          <p:cNvPr id="4" name="Rectangle 3">
-            <a:extLst>
-              <a:ext uri="{FF2B5EF4-FFF2-40B4-BE49-F238E27FC236}">
-                <a16:creationId xmlns:a16="http://schemas.microsoft.com/office/drawing/2014/main" id="{6524962B-7610-4EFD-AA5E-DDE403AB8860}"/>
-              </a:ext>
-            </a:extLst>
-          </p:cNvPr>
-          <p:cNvSpPr/>
-          <p:nvPr/>
-        </p:nvSpPr>
-        <p:spPr>
-          <a:xfrm>
-            <a:off x="1524000" y="1"/>
-            <a:ext cx="9144000" cy="584775"/>
-          </a:xfrm>
-          <a:prstGeom prst="rect">
-            <a:avLst/>
-          </a:prstGeom>
-          <a:noFill/>
-        </p:spPr>
-        <p:txBody>
-          <a:bodyPr wrap="square">
-            <a:spAutoFit/>
-          </a:bodyPr>
-          <a:lstStyle/>
-          <a:p>
-            <a:pPr algn="r"/>
-            <a:r>
-              <a:rPr lang="en-US" sz="3200" i="1" dirty="0">
-                <a:solidFill>
-                  <a:srgbClr val="FF9900"/>
-                </a:solidFill>
-                <a:latin typeface="Arial" pitchFamily="34" charset="0"/>
-                <a:cs typeface="Arial" pitchFamily="34" charset="0"/>
-              </a:rPr>
-              <a:t>List of Job Roles in Data Science / Big Data</a:t>
-            </a:r>
-            <a:endParaRPr lang="en-IN" sz="3200" i="1" dirty="0">
-              <a:solidFill>
-                <a:srgbClr val="FF9900"/>
-              </a:solidFill>
-              <a:latin typeface="Arial" pitchFamily="34" charset="0"/>
-              <a:cs typeface="Arial" pitchFamily="34" charset="0"/>
-            </a:endParaRPr>
-          </a:p>
-        </p:txBody>
-      </p:sp>
-      <p:sp>
-        <p:nvSpPr>
-          <p:cNvPr id="3" name="TextBox 2">
-            <a:extLst>
-              <a:ext uri="{FF2B5EF4-FFF2-40B4-BE49-F238E27FC236}">
-                <a16:creationId xmlns:a16="http://schemas.microsoft.com/office/drawing/2014/main" id="{2565C291-4449-7040-F797-629192AAC461}"/>
-              </a:ext>
-            </a:extLst>
-          </p:cNvPr>
-          <p:cNvSpPr txBox="1"/>
-          <p:nvPr/>
-        </p:nvSpPr>
-        <p:spPr>
-          <a:xfrm>
-            <a:off x="119336" y="1124744"/>
-            <a:ext cx="11809312" cy="2862322"/>
-          </a:xfrm>
-          <a:prstGeom prst="rect">
-            <a:avLst/>
-          </a:prstGeom>
-          <a:noFill/>
-        </p:spPr>
-        <p:txBody>
-          <a:bodyPr wrap="square">
-            <a:spAutoFit/>
-          </a:bodyPr>
-          <a:lstStyle/>
-          <a:p>
-            <a:pPr marL="285750" indent="-285750">
-              <a:buFont typeface="Arial" panose="020B0604020202020204" pitchFamily="34" charset="0"/>
-              <a:buChar char="•"/>
-            </a:pPr>
-            <a:r>
-              <a:rPr lang="en-US" b="1" dirty="0">
-                <a:latin typeface="Arial" panose="020B0604020202020204" pitchFamily="34" charset="0"/>
-                <a:cs typeface="Arial" panose="020B0604020202020204" pitchFamily="34" charset="0"/>
-              </a:rPr>
-              <a:t>Data Engineer/Data Architect: </a:t>
-            </a:r>
-            <a:r>
-              <a:rPr lang="en-US" dirty="0">
-                <a:latin typeface="Arial" panose="020B0604020202020204" pitchFamily="34" charset="0"/>
-                <a:cs typeface="Arial" panose="020B0604020202020204" pitchFamily="34" charset="0"/>
-              </a:rPr>
-              <a:t>“Data engineers are the designers, builders and managers of the information or “big data” infrastructure.” Data engineers ensure that an organization’s big data ecosystem is running without glitches for data scientists to carry out the analysis.</a:t>
-            </a:r>
-          </a:p>
-          <a:p>
-            <a:pPr marL="285750" indent="-285750">
-              <a:buFont typeface="Arial" panose="020B0604020202020204" pitchFamily="34" charset="0"/>
-              <a:buChar char="•"/>
-            </a:pPr>
-            <a:endParaRPr lang="en-US" dirty="0">
-              <a:latin typeface="Arial" panose="020B0604020202020204" pitchFamily="34" charset="0"/>
-              <a:cs typeface="Arial" panose="020B0604020202020204" pitchFamily="34" charset="0"/>
-            </a:endParaRPr>
-          </a:p>
-          <a:p>
-            <a:pPr marL="285750" indent="-285750">
-              <a:buFont typeface="Arial" panose="020B0604020202020204" pitchFamily="34" charset="0"/>
-              <a:buChar char="•"/>
-            </a:pPr>
-            <a:r>
-              <a:rPr lang="en-US" b="1" dirty="0">
-                <a:latin typeface="Arial" panose="020B0604020202020204" pitchFamily="34" charset="0"/>
-                <a:cs typeface="Arial" panose="020B0604020202020204" pitchFamily="34" charset="0"/>
-              </a:rPr>
-              <a:t>Machine Learning Engineer</a:t>
-            </a:r>
-            <a:r>
-              <a:rPr lang="en-US" dirty="0">
-                <a:latin typeface="Arial" panose="020B0604020202020204" pitchFamily="34" charset="0"/>
-                <a:cs typeface="Arial" panose="020B0604020202020204" pitchFamily="34" charset="0"/>
-              </a:rPr>
-              <a:t>: A Machine Learning Engineer is responsible for designing and developing machine learning systems, implementing appropriate ML algorithms, and conducting experiments. They possess strong programming skills, knowledge of data science, and expertise in statistics.</a:t>
-            </a:r>
-          </a:p>
-          <a:p>
-            <a:pPr marL="285750" indent="-285750">
-              <a:buFont typeface="Arial" panose="020B0604020202020204" pitchFamily="34" charset="0"/>
-              <a:buChar char="•"/>
-            </a:pPr>
-            <a:endParaRPr lang="en-US" dirty="0">
-              <a:latin typeface="Arial" panose="020B0604020202020204" pitchFamily="34" charset="0"/>
-              <a:cs typeface="Arial" panose="020B0604020202020204" pitchFamily="34" charset="0"/>
-            </a:endParaRPr>
-          </a:p>
-          <a:p>
-            <a:pPr marL="285750" indent="-285750">
-              <a:buFont typeface="Arial" panose="020B0604020202020204" pitchFamily="34" charset="0"/>
-              <a:buChar char="•"/>
-            </a:pPr>
-            <a:r>
-              <a:rPr lang="en-US" b="1" dirty="0">
-                <a:latin typeface="Arial" panose="020B0604020202020204" pitchFamily="34" charset="0"/>
-                <a:cs typeface="Arial" panose="020B0604020202020204" pitchFamily="34" charset="0"/>
-              </a:rPr>
-              <a:t>Big Data Engineer</a:t>
-            </a:r>
-            <a:r>
-              <a:rPr lang="en-US" dirty="0">
-                <a:latin typeface="Arial" panose="020B0604020202020204" pitchFamily="34" charset="0"/>
-                <a:cs typeface="Arial" panose="020B0604020202020204" pitchFamily="34" charset="0"/>
-              </a:rPr>
-              <a:t>: The big data engineer's role is to Design, construct and maintain large-scale data processing systems.</a:t>
-            </a:r>
-            <a:endParaRPr lang="en-IN" dirty="0">
-              <a:latin typeface="Arial" panose="020B0604020202020204" pitchFamily="34" charset="0"/>
-              <a:cs typeface="Arial" panose="020B0604020202020204" pitchFamily="34" charset="0"/>
-            </a:endParaRPr>
-          </a:p>
-        </p:txBody>
-      </p:sp>
-    </p:spTree>
-    <p:extLst>
-      <p:ext uri="{BB962C8B-B14F-4D97-AF65-F5344CB8AC3E}">
-        <p14:creationId xmlns:p14="http://schemas.microsoft.com/office/powerpoint/2010/main" val="2577086294"/>
       </p:ext>
     </p:extLst>
   </p:cSld>
@@ -8162,6 +8285,1043 @@
                 <a:latin typeface="Segoe UI Light" panose="020B0502040204020203" pitchFamily="34" charset="0"/>
                 <a:cs typeface="Segoe UI Light" panose="020B0502040204020203" pitchFamily="34" charset="0"/>
               </a:rPr>
+              <a:t>Jobs in Big Data</a:t>
+            </a:r>
+          </a:p>
+        </p:txBody>
+      </p:sp>
+    </p:spTree>
+    <p:extLst>
+      <p:ext uri="{BB962C8B-B14F-4D97-AF65-F5344CB8AC3E}">
+        <p14:creationId xmlns:p14="http://schemas.microsoft.com/office/powerpoint/2010/main" val="3468983804"/>
+      </p:ext>
+    </p:extLst>
+  </p:cSld>
+  <p:clrMapOvr>
+    <a:masterClrMapping/>
+  </p:clrMapOvr>
+</p:sld>
+</file>
+
+<file path=ppt/slides/slide29.xml><?xml version="1.0" encoding="utf-8"?>
+<p:sld xmlns:a="http://schemas.openxmlformats.org/drawingml/2006/main" xmlns:r="http://schemas.openxmlformats.org/officeDocument/2006/relationships" xmlns:p="http://schemas.openxmlformats.org/presentationml/2006/main">
+  <p:cSld>
+    <p:spTree>
+      <p:nvGrpSpPr>
+        <p:cNvPr id="1" name=""/>
+        <p:cNvGrpSpPr/>
+        <p:nvPr/>
+      </p:nvGrpSpPr>
+      <p:grpSpPr>
+        <a:xfrm>
+          <a:off x="0" y="0"/>
+          <a:ext cx="0" cy="0"/>
+          <a:chOff x="0" y="0"/>
+          <a:chExt cx="0" cy="0"/>
+        </a:xfrm>
+      </p:grpSpPr>
+      <p:sp>
+        <p:nvSpPr>
+          <p:cNvPr id="4" name="Rectangle 3">
+            <a:extLst>
+              <a:ext uri="{FF2B5EF4-FFF2-40B4-BE49-F238E27FC236}">
+                <a16:creationId xmlns:a16="http://schemas.microsoft.com/office/drawing/2014/main" id="{6524962B-7610-4EFD-AA5E-DDE403AB8860}"/>
+              </a:ext>
+            </a:extLst>
+          </p:cNvPr>
+          <p:cNvSpPr/>
+          <p:nvPr/>
+        </p:nvSpPr>
+        <p:spPr>
+          <a:xfrm>
+            <a:off x="1524000" y="1"/>
+            <a:ext cx="9144000" cy="584775"/>
+          </a:xfrm>
+          <a:prstGeom prst="rect">
+            <a:avLst/>
+          </a:prstGeom>
+          <a:noFill/>
+        </p:spPr>
+        <p:txBody>
+          <a:bodyPr wrap="square">
+            <a:spAutoFit/>
+          </a:bodyPr>
+          <a:lstStyle/>
+          <a:p>
+            <a:pPr algn="r"/>
+            <a:r>
+              <a:rPr lang="en-US" sz="3200" i="1" dirty="0">
+                <a:solidFill>
+                  <a:srgbClr val="FF9900"/>
+                </a:solidFill>
+                <a:latin typeface="Arial" pitchFamily="34" charset="0"/>
+                <a:cs typeface="Arial" pitchFamily="34" charset="0"/>
+              </a:rPr>
+              <a:t>List of Job Roles in Data Science / Big Data</a:t>
+            </a:r>
+            <a:endParaRPr lang="en-IN" sz="3200" i="1" dirty="0">
+              <a:solidFill>
+                <a:srgbClr val="FF9900"/>
+              </a:solidFill>
+              <a:latin typeface="Arial" pitchFamily="34" charset="0"/>
+              <a:cs typeface="Arial" pitchFamily="34" charset="0"/>
+            </a:endParaRPr>
+          </a:p>
+        </p:txBody>
+      </p:sp>
+      <p:sp>
+        <p:nvSpPr>
+          <p:cNvPr id="3" name="TextBox 2">
+            <a:extLst>
+              <a:ext uri="{FF2B5EF4-FFF2-40B4-BE49-F238E27FC236}">
+                <a16:creationId xmlns:a16="http://schemas.microsoft.com/office/drawing/2014/main" id="{2565C291-4449-7040-F797-629192AAC461}"/>
+              </a:ext>
+            </a:extLst>
+          </p:cNvPr>
+          <p:cNvSpPr txBox="1"/>
+          <p:nvPr/>
+        </p:nvSpPr>
+        <p:spPr>
+          <a:xfrm>
+            <a:off x="119336" y="1124744"/>
+            <a:ext cx="11809312" cy="5078313"/>
+          </a:xfrm>
+          <a:prstGeom prst="rect">
+            <a:avLst/>
+          </a:prstGeom>
+          <a:noFill/>
+        </p:spPr>
+        <p:txBody>
+          <a:bodyPr wrap="square">
+            <a:spAutoFit/>
+          </a:bodyPr>
+          <a:lstStyle/>
+          <a:p>
+            <a:pPr marL="285750" indent="-285750">
+              <a:buFont typeface="Arial" panose="020B0604020202020204" pitchFamily="34" charset="0"/>
+              <a:buChar char="•"/>
+            </a:pPr>
+            <a:r>
+              <a:rPr lang="en-IN" b="1" dirty="0">
+                <a:latin typeface="Arial" panose="020B0604020202020204" pitchFamily="34" charset="0"/>
+                <a:cs typeface="Arial" panose="020B0604020202020204" pitchFamily="34" charset="0"/>
+              </a:rPr>
+              <a:t>MIS Reporting Executive</a:t>
+            </a:r>
+            <a:r>
+              <a:rPr lang="en-IN" dirty="0">
+                <a:latin typeface="Arial" panose="020B0604020202020204" pitchFamily="34" charset="0"/>
+                <a:cs typeface="Arial" panose="020B0604020202020204" pitchFamily="34" charset="0"/>
+              </a:rPr>
+              <a:t>: Business managers rely on Management Information System reports to automatically track progress, make decisions, and identify problems.</a:t>
+            </a:r>
+          </a:p>
+          <a:p>
+            <a:pPr marL="285750" indent="-285750">
+              <a:buFont typeface="Arial" panose="020B0604020202020204" pitchFamily="34" charset="0"/>
+              <a:buChar char="•"/>
+            </a:pPr>
+            <a:endParaRPr lang="en-IN" dirty="0">
+              <a:latin typeface="Arial" panose="020B0604020202020204" pitchFamily="34" charset="0"/>
+              <a:cs typeface="Arial" panose="020B0604020202020204" pitchFamily="34" charset="0"/>
+            </a:endParaRPr>
+          </a:p>
+          <a:p>
+            <a:pPr marL="285750" indent="-285750">
+              <a:buFont typeface="Arial" panose="020B0604020202020204" pitchFamily="34" charset="0"/>
+              <a:buChar char="•"/>
+            </a:pPr>
+            <a:r>
+              <a:rPr lang="en-US" b="1" dirty="0">
+                <a:latin typeface="Arial" panose="020B0604020202020204" pitchFamily="34" charset="0"/>
+                <a:cs typeface="Arial" panose="020B0604020202020204" pitchFamily="34" charset="0"/>
+              </a:rPr>
+              <a:t>Business Analyst</a:t>
+            </a:r>
+            <a:r>
+              <a:rPr lang="en-US" dirty="0">
+                <a:latin typeface="Arial" panose="020B0604020202020204" pitchFamily="34" charset="0"/>
+                <a:cs typeface="Arial" panose="020B0604020202020204" pitchFamily="34" charset="0"/>
+              </a:rPr>
+              <a:t>:  Although many of their job tasks are similar to that of data analysts, business analysts are experts in the domain they work in. They try to narrow the gap between business and IT.</a:t>
+            </a:r>
+          </a:p>
+          <a:p>
+            <a:pPr marL="285750" indent="-285750">
+              <a:buFont typeface="Arial" panose="020B0604020202020204" pitchFamily="34" charset="0"/>
+              <a:buChar char="•"/>
+            </a:pPr>
+            <a:endParaRPr lang="en-US" dirty="0">
+              <a:latin typeface="Arial" panose="020B0604020202020204" pitchFamily="34" charset="0"/>
+              <a:cs typeface="Arial" panose="020B0604020202020204" pitchFamily="34" charset="0"/>
+            </a:endParaRPr>
+          </a:p>
+          <a:p>
+            <a:pPr marL="285750" indent="-285750">
+              <a:buFont typeface="Arial" panose="020B0604020202020204" pitchFamily="34" charset="0"/>
+              <a:buChar char="•"/>
+            </a:pPr>
+            <a:r>
+              <a:rPr lang="en-US" b="1" dirty="0">
+                <a:latin typeface="Arial" panose="020B0604020202020204" pitchFamily="34" charset="0"/>
+                <a:cs typeface="Arial" panose="020B0604020202020204" pitchFamily="34" charset="0"/>
+              </a:rPr>
+              <a:t>Data Analyst</a:t>
+            </a:r>
+            <a:r>
+              <a:rPr lang="en-US" dirty="0">
+                <a:latin typeface="Arial" panose="020B0604020202020204" pitchFamily="34" charset="0"/>
+                <a:cs typeface="Arial" panose="020B0604020202020204" pitchFamily="34" charset="0"/>
+              </a:rPr>
+              <a:t>: </a:t>
+            </a:r>
+            <a:r>
+              <a:rPr lang="en-US" b="0" i="0" dirty="0">
+                <a:solidFill>
+                  <a:srgbClr val="202124"/>
+                </a:solidFill>
+                <a:effectLst/>
+                <a:latin typeface="Arial" panose="020B0604020202020204" pitchFamily="34" charset="0"/>
+                <a:cs typeface="Arial" panose="020B0604020202020204" pitchFamily="34" charset="0"/>
+              </a:rPr>
+              <a:t>A Data Analyst's responsibilities include the </a:t>
+            </a:r>
+            <a:r>
+              <a:rPr lang="en-US" b="0" i="0" dirty="0">
+                <a:solidFill>
+                  <a:srgbClr val="040C28"/>
+                </a:solidFill>
+                <a:effectLst/>
+                <a:latin typeface="Arial" panose="020B0604020202020204" pitchFamily="34" charset="0"/>
+                <a:cs typeface="Arial" panose="020B0604020202020204" pitchFamily="34" charset="0"/>
+              </a:rPr>
+              <a:t>deep analysis of data and then determining the best way to represent it visually to managers and stakeholders</a:t>
+            </a:r>
+            <a:r>
+              <a:rPr lang="en-US" b="0" i="0" dirty="0">
+                <a:solidFill>
+                  <a:srgbClr val="202124"/>
+                </a:solidFill>
+                <a:effectLst/>
+                <a:latin typeface="Arial" panose="020B0604020202020204" pitchFamily="34" charset="0"/>
+                <a:cs typeface="Arial" panose="020B0604020202020204" pitchFamily="34" charset="0"/>
+              </a:rPr>
+              <a:t>. They also ensure quality assurance and process documentation and define Key Performance Indicators</a:t>
+            </a:r>
+          </a:p>
+          <a:p>
+            <a:pPr marL="285750" indent="-285750">
+              <a:buFont typeface="Arial" panose="020B0604020202020204" pitchFamily="34" charset="0"/>
+              <a:buChar char="•"/>
+            </a:pPr>
+            <a:endParaRPr lang="en-US" dirty="0">
+              <a:latin typeface="Arial" panose="020B0604020202020204" pitchFamily="34" charset="0"/>
+              <a:cs typeface="Arial" panose="020B0604020202020204" pitchFamily="34" charset="0"/>
+            </a:endParaRPr>
+          </a:p>
+          <a:p>
+            <a:pPr marL="285750" indent="-285750">
+              <a:buFont typeface="Arial" panose="020B0604020202020204" pitchFamily="34" charset="0"/>
+              <a:buChar char="•"/>
+            </a:pPr>
+            <a:r>
+              <a:rPr lang="en-US" b="1" dirty="0">
+                <a:latin typeface="Arial" panose="020B0604020202020204" pitchFamily="34" charset="0"/>
+                <a:cs typeface="Arial" panose="020B0604020202020204" pitchFamily="34" charset="0"/>
+              </a:rPr>
+              <a:t>Statistician</a:t>
+            </a:r>
+            <a:r>
+              <a:rPr lang="en-US" dirty="0">
+                <a:latin typeface="Arial" panose="020B0604020202020204" pitchFamily="34" charset="0"/>
+                <a:cs typeface="Arial" panose="020B0604020202020204" pitchFamily="34" charset="0"/>
+              </a:rPr>
+              <a:t>: Statisticians collect, organize, present, analyze, and interpret data to reach valid conclusions and make correct decisions. They are key players in ensuring the success of companies involved in market research, transportation, product development, finance, forensics, sport, quality control, environment, education, and also in governmental agencies.</a:t>
+            </a:r>
+          </a:p>
+          <a:p>
+            <a:pPr marL="285750" indent="-285750">
+              <a:buFont typeface="Arial" panose="020B0604020202020204" pitchFamily="34" charset="0"/>
+              <a:buChar char="•"/>
+            </a:pPr>
+            <a:endParaRPr lang="en-US" dirty="0">
+              <a:latin typeface="Arial" panose="020B0604020202020204" pitchFamily="34" charset="0"/>
+              <a:cs typeface="Arial" panose="020B0604020202020204" pitchFamily="34" charset="0"/>
+            </a:endParaRPr>
+          </a:p>
+          <a:p>
+            <a:pPr marL="285750" indent="-285750">
+              <a:buFont typeface="Arial" panose="020B0604020202020204" pitchFamily="34" charset="0"/>
+              <a:buChar char="•"/>
+            </a:pPr>
+            <a:r>
+              <a:rPr lang="en-US" b="1" dirty="0">
+                <a:latin typeface="Arial" panose="020B0604020202020204" pitchFamily="34" charset="0"/>
+                <a:cs typeface="Arial" panose="020B0604020202020204" pitchFamily="34" charset="0"/>
+              </a:rPr>
+              <a:t>Data Scientist</a:t>
+            </a:r>
+            <a:r>
+              <a:rPr lang="en-US" dirty="0">
+                <a:latin typeface="Arial" panose="020B0604020202020204" pitchFamily="34" charset="0"/>
+                <a:cs typeface="Arial" panose="020B0604020202020204" pitchFamily="34" charset="0"/>
+              </a:rPr>
+              <a:t>: A Data Scientist is a professional who collects large amounts of data using analytical, statistical, and programmable skills. It is their responsibility to use data to develop solutions tailored to meet the organization's unique needs.</a:t>
+            </a:r>
+            <a:endParaRPr lang="en-IN" dirty="0">
+              <a:latin typeface="Arial" panose="020B0604020202020204" pitchFamily="34" charset="0"/>
+              <a:cs typeface="Arial" panose="020B0604020202020204" pitchFamily="34" charset="0"/>
+            </a:endParaRPr>
+          </a:p>
+        </p:txBody>
+      </p:sp>
+    </p:spTree>
+    <p:extLst>
+      <p:ext uri="{BB962C8B-B14F-4D97-AF65-F5344CB8AC3E}">
+        <p14:creationId xmlns:p14="http://schemas.microsoft.com/office/powerpoint/2010/main" val="3264250979"/>
+      </p:ext>
+    </p:extLst>
+  </p:cSld>
+  <p:clrMapOvr>
+    <a:masterClrMapping/>
+  </p:clrMapOvr>
+</p:sld>
+</file>
+
+<file path=ppt/slides/slide3.xml><?xml version="1.0" encoding="utf-8"?>
+<p:sld xmlns:a="http://schemas.openxmlformats.org/drawingml/2006/main" xmlns:r="http://schemas.openxmlformats.org/officeDocument/2006/relationships" xmlns:p="http://schemas.openxmlformats.org/presentationml/2006/main">
+  <p:cSld>
+    <p:spTree>
+      <p:nvGrpSpPr>
+        <p:cNvPr id="1" name=""/>
+        <p:cNvGrpSpPr/>
+        <p:nvPr/>
+      </p:nvGrpSpPr>
+      <p:grpSpPr>
+        <a:xfrm>
+          <a:off x="0" y="0"/>
+          <a:ext cx="0" cy="0"/>
+          <a:chOff x="0" y="0"/>
+          <a:chExt cx="0" cy="0"/>
+        </a:xfrm>
+      </p:grpSpPr>
+      <p:sp>
+        <p:nvSpPr>
+          <p:cNvPr id="5" name="Rectangle 4"/>
+          <p:cNvSpPr/>
+          <p:nvPr/>
+        </p:nvSpPr>
+        <p:spPr>
+          <a:xfrm>
+            <a:off x="1524596" y="4"/>
+            <a:ext cx="9142810" cy="584775"/>
+          </a:xfrm>
+          <a:prstGeom prst="rect">
+            <a:avLst/>
+          </a:prstGeom>
+          <a:noFill/>
+        </p:spPr>
+        <p:txBody>
+          <a:bodyPr wrap="square">
+            <a:spAutoFit/>
+          </a:bodyPr>
+          <a:lstStyle/>
+          <a:p>
+            <a:pPr algn="r"/>
+            <a:r>
+              <a:rPr lang="en-IN" sz="3200" i="1" dirty="0">
+                <a:solidFill>
+                  <a:srgbClr val="FF9900"/>
+                </a:solidFill>
+                <a:latin typeface="Arial" pitchFamily="34" charset="0"/>
+                <a:cs typeface="Arial" pitchFamily="34" charset="0"/>
+              </a:rPr>
+              <a:t>First Generation of Computers</a:t>
+            </a:r>
+          </a:p>
+        </p:txBody>
+      </p:sp>
+      <p:sp>
+        <p:nvSpPr>
+          <p:cNvPr id="4" name="TextBox 3">
+            <a:extLst>
+              <a:ext uri="{FF2B5EF4-FFF2-40B4-BE49-F238E27FC236}">
+                <a16:creationId xmlns:a16="http://schemas.microsoft.com/office/drawing/2014/main" id="{25232946-F519-C45A-F91D-1C84AB18C593}"/>
+              </a:ext>
+            </a:extLst>
+          </p:cNvPr>
+          <p:cNvSpPr txBox="1"/>
+          <p:nvPr/>
+        </p:nvSpPr>
+        <p:spPr>
+          <a:xfrm>
+            <a:off x="191344" y="908720"/>
+            <a:ext cx="11809312" cy="2492990"/>
+          </a:xfrm>
+          <a:prstGeom prst="rect">
+            <a:avLst/>
+          </a:prstGeom>
+          <a:noFill/>
+        </p:spPr>
+        <p:txBody>
+          <a:bodyPr wrap="square">
+            <a:spAutoFit/>
+          </a:bodyPr>
+          <a:lstStyle/>
+          <a:p>
+            <a:pPr marL="342900" indent="-342900" algn="just">
+              <a:buFont typeface="Arial" panose="020B0604020202020204" pitchFamily="34" charset="0"/>
+              <a:buChar char="•"/>
+            </a:pPr>
+            <a:r>
+              <a:rPr lang="en-US" sz="2000" b="0" i="0" dirty="0">
+                <a:solidFill>
+                  <a:srgbClr val="000000"/>
+                </a:solidFill>
+                <a:effectLst/>
+                <a:latin typeface="Arial" panose="020B0604020202020204" pitchFamily="34" charset="0"/>
+                <a:cs typeface="Arial" panose="020B0604020202020204" pitchFamily="34" charset="0"/>
+              </a:rPr>
+              <a:t>The period of first generation was from 1946-1959. </a:t>
+            </a:r>
+          </a:p>
+          <a:p>
+            <a:pPr marL="342900" indent="-342900" algn="just">
+              <a:buFont typeface="Arial" panose="020B0604020202020204" pitchFamily="34" charset="0"/>
+              <a:buChar char="•"/>
+            </a:pPr>
+            <a:endParaRPr lang="en-US" sz="1200" b="0" i="0" dirty="0">
+              <a:solidFill>
+                <a:srgbClr val="000000"/>
+              </a:solidFill>
+              <a:effectLst/>
+              <a:latin typeface="Arial" panose="020B0604020202020204" pitchFamily="34" charset="0"/>
+              <a:cs typeface="Arial" panose="020B0604020202020204" pitchFamily="34" charset="0"/>
+            </a:endParaRPr>
+          </a:p>
+          <a:p>
+            <a:pPr marL="342900" indent="-342900" algn="just">
+              <a:buFont typeface="Arial" panose="020B0604020202020204" pitchFamily="34" charset="0"/>
+              <a:buChar char="•"/>
+            </a:pPr>
+            <a:r>
+              <a:rPr lang="en-US" sz="2000" b="0" i="0" dirty="0">
+                <a:solidFill>
+                  <a:srgbClr val="000000"/>
+                </a:solidFill>
+                <a:effectLst/>
+                <a:latin typeface="Arial" panose="020B0604020202020204" pitchFamily="34" charset="0"/>
+                <a:cs typeface="Arial" panose="020B0604020202020204" pitchFamily="34" charset="0"/>
+              </a:rPr>
+              <a:t>The computers of first generation used vacuum tubes as the basic components for memory.</a:t>
+            </a:r>
+          </a:p>
+          <a:p>
+            <a:pPr marL="342900" indent="-342900" algn="just">
+              <a:buFont typeface="Arial" panose="020B0604020202020204" pitchFamily="34" charset="0"/>
+              <a:buChar char="•"/>
+            </a:pPr>
+            <a:endParaRPr lang="en-US" sz="1200" b="0" i="0" dirty="0">
+              <a:solidFill>
+                <a:srgbClr val="000000"/>
+              </a:solidFill>
+              <a:effectLst/>
+              <a:latin typeface="Arial" panose="020B0604020202020204" pitchFamily="34" charset="0"/>
+              <a:cs typeface="Arial" panose="020B0604020202020204" pitchFamily="34" charset="0"/>
+            </a:endParaRPr>
+          </a:p>
+          <a:p>
+            <a:pPr marL="342900" indent="-342900" algn="just">
+              <a:buFont typeface="Arial" panose="020B0604020202020204" pitchFamily="34" charset="0"/>
+              <a:buChar char="•"/>
+            </a:pPr>
+            <a:r>
+              <a:rPr lang="en-US" sz="2000" b="0" i="0" dirty="0">
+                <a:solidFill>
+                  <a:srgbClr val="000000"/>
+                </a:solidFill>
+                <a:effectLst/>
+                <a:latin typeface="Arial" panose="020B0604020202020204" pitchFamily="34" charset="0"/>
+                <a:cs typeface="Arial" panose="020B0604020202020204" pitchFamily="34" charset="0"/>
+              </a:rPr>
+              <a:t>In this generation, mainly batch processing operating system was used. Punch cards, paper tape, and magnetic tape was used as input and output devices. </a:t>
+            </a:r>
+          </a:p>
+          <a:p>
+            <a:pPr marL="342900" indent="-342900" algn="just">
+              <a:buFont typeface="Arial" panose="020B0604020202020204" pitchFamily="34" charset="0"/>
+              <a:buChar char="•"/>
+            </a:pPr>
+            <a:endParaRPr lang="en-US" sz="1200" dirty="0">
+              <a:solidFill>
+                <a:srgbClr val="000000"/>
+              </a:solidFill>
+              <a:latin typeface="Arial" panose="020B0604020202020204" pitchFamily="34" charset="0"/>
+              <a:cs typeface="Arial" panose="020B0604020202020204" pitchFamily="34" charset="0"/>
+            </a:endParaRPr>
+          </a:p>
+          <a:p>
+            <a:pPr marL="342900" indent="-342900" algn="just">
+              <a:buFont typeface="Arial" panose="020B0604020202020204" pitchFamily="34" charset="0"/>
+              <a:buChar char="•"/>
+            </a:pPr>
+            <a:r>
+              <a:rPr lang="en-US" sz="2000" b="0" i="0" dirty="0">
+                <a:solidFill>
+                  <a:srgbClr val="000000"/>
+                </a:solidFill>
+                <a:effectLst/>
+                <a:latin typeface="Arial" panose="020B0604020202020204" pitchFamily="34" charset="0"/>
+                <a:cs typeface="Arial" panose="020B0604020202020204" pitchFamily="34" charset="0"/>
+              </a:rPr>
+              <a:t>The computers in this generation used machine code (</a:t>
+            </a:r>
+            <a:r>
+              <a:rPr lang="en-US" sz="2000" b="0" i="0" dirty="0">
+                <a:solidFill>
+                  <a:schemeClr val="bg1">
+                    <a:lumMod val="50000"/>
+                  </a:schemeClr>
+                </a:solidFill>
+                <a:effectLst/>
+                <a:latin typeface="Arial" panose="020B0604020202020204" pitchFamily="34" charset="0"/>
+                <a:cs typeface="Arial" panose="020B0604020202020204" pitchFamily="34" charset="0"/>
+              </a:rPr>
+              <a:t>Machine language is a low-level language made up of binary numbers or bits that a computer can understand.</a:t>
+            </a:r>
+            <a:r>
+              <a:rPr lang="en-US" sz="2000" b="0" i="0" dirty="0">
+                <a:solidFill>
+                  <a:srgbClr val="000000"/>
+                </a:solidFill>
+                <a:effectLst/>
+                <a:latin typeface="Arial" panose="020B0604020202020204" pitchFamily="34" charset="0"/>
+                <a:cs typeface="Arial" panose="020B0604020202020204" pitchFamily="34" charset="0"/>
+              </a:rPr>
+              <a:t>) as the programming language.</a:t>
+            </a:r>
+          </a:p>
+        </p:txBody>
+      </p:sp>
+      <p:sp>
+        <p:nvSpPr>
+          <p:cNvPr id="8" name="TextBox 7">
+            <a:extLst>
+              <a:ext uri="{FF2B5EF4-FFF2-40B4-BE49-F238E27FC236}">
+                <a16:creationId xmlns:a16="http://schemas.microsoft.com/office/drawing/2014/main" id="{100ABC39-7515-EDCC-5A51-CD990F2F691E}"/>
+              </a:ext>
+            </a:extLst>
+          </p:cNvPr>
+          <p:cNvSpPr txBox="1"/>
+          <p:nvPr/>
+        </p:nvSpPr>
+        <p:spPr>
+          <a:xfrm>
+            <a:off x="263352" y="3946888"/>
+            <a:ext cx="6048672" cy="2246769"/>
+          </a:xfrm>
+          <a:prstGeom prst="rect">
+            <a:avLst/>
+          </a:prstGeom>
+          <a:noFill/>
+        </p:spPr>
+        <p:txBody>
+          <a:bodyPr wrap="square">
+            <a:spAutoFit/>
+          </a:bodyPr>
+          <a:lstStyle/>
+          <a:p>
+            <a:pPr algn="just"/>
+            <a:r>
+              <a:rPr lang="en-US" sz="2000" b="1" i="0" dirty="0">
+                <a:solidFill>
+                  <a:srgbClr val="000000"/>
+                </a:solidFill>
+                <a:effectLst/>
+                <a:latin typeface="Arial" panose="020B0604020202020204" pitchFamily="34" charset="0"/>
+                <a:cs typeface="Arial" panose="020B0604020202020204" pitchFamily="34" charset="0"/>
+              </a:rPr>
+              <a:t>The main features of the first generation are −</a:t>
+            </a:r>
+          </a:p>
+          <a:p>
+            <a:pPr algn="just"/>
+            <a:endParaRPr lang="en-US" sz="2000" b="0" i="0" dirty="0">
+              <a:solidFill>
+                <a:srgbClr val="000000"/>
+              </a:solidFill>
+              <a:effectLst/>
+              <a:latin typeface="Arial" panose="020B0604020202020204" pitchFamily="34" charset="0"/>
+              <a:cs typeface="Arial" panose="020B0604020202020204" pitchFamily="34" charset="0"/>
+            </a:endParaRPr>
+          </a:p>
+          <a:p>
+            <a:pPr marL="342900" indent="-342900" algn="l">
+              <a:buFont typeface="+mj-lt"/>
+              <a:buAutoNum type="arabicPeriod"/>
+            </a:pPr>
+            <a:r>
+              <a:rPr lang="en-US" sz="2000" b="0" i="0" dirty="0">
+                <a:solidFill>
+                  <a:srgbClr val="000000"/>
+                </a:solidFill>
+                <a:effectLst/>
+                <a:latin typeface="Arial" panose="020B0604020202020204" pitchFamily="34" charset="0"/>
+                <a:cs typeface="Arial" panose="020B0604020202020204" pitchFamily="34" charset="0"/>
+              </a:rPr>
+              <a:t>Vacuum tube technology</a:t>
+            </a:r>
+          </a:p>
+          <a:p>
+            <a:pPr marL="342900" indent="-342900" algn="l">
+              <a:buFont typeface="+mj-lt"/>
+              <a:buAutoNum type="arabicPeriod"/>
+            </a:pPr>
+            <a:r>
+              <a:rPr lang="en-US" sz="2000" b="0" i="0" dirty="0">
+                <a:solidFill>
+                  <a:srgbClr val="000000"/>
+                </a:solidFill>
+                <a:effectLst/>
+                <a:latin typeface="Arial" panose="020B0604020202020204" pitchFamily="34" charset="0"/>
+                <a:cs typeface="Arial" panose="020B0604020202020204" pitchFamily="34" charset="0"/>
+              </a:rPr>
+              <a:t>Unreliable</a:t>
+            </a:r>
+          </a:p>
+          <a:p>
+            <a:pPr marL="342900" indent="-342900" algn="l">
+              <a:buFont typeface="+mj-lt"/>
+              <a:buAutoNum type="arabicPeriod"/>
+            </a:pPr>
+            <a:r>
+              <a:rPr lang="en-US" sz="2000" b="0" i="0" dirty="0">
+                <a:solidFill>
+                  <a:srgbClr val="000000"/>
+                </a:solidFill>
+                <a:effectLst/>
+                <a:latin typeface="Arial" panose="020B0604020202020204" pitchFamily="34" charset="0"/>
+                <a:cs typeface="Arial" panose="020B0604020202020204" pitchFamily="34" charset="0"/>
+              </a:rPr>
+              <a:t>Supported machine language only</a:t>
+            </a:r>
+          </a:p>
+          <a:p>
+            <a:pPr marL="342900" indent="-342900" algn="l">
+              <a:buFont typeface="+mj-lt"/>
+              <a:buAutoNum type="arabicPeriod"/>
+            </a:pPr>
+            <a:r>
+              <a:rPr lang="en-US" sz="2000" b="0" i="0" dirty="0">
+                <a:solidFill>
+                  <a:srgbClr val="000000"/>
+                </a:solidFill>
+                <a:effectLst/>
+                <a:latin typeface="Arial" panose="020B0604020202020204" pitchFamily="34" charset="0"/>
+                <a:cs typeface="Arial" panose="020B0604020202020204" pitchFamily="34" charset="0"/>
+              </a:rPr>
+              <a:t>Very costly</a:t>
+            </a:r>
+          </a:p>
+          <a:p>
+            <a:pPr marL="342900" indent="-342900" algn="l">
+              <a:buFont typeface="+mj-lt"/>
+              <a:buAutoNum type="arabicPeriod"/>
+            </a:pPr>
+            <a:r>
+              <a:rPr lang="en-US" sz="2000" b="0" i="0" dirty="0">
+                <a:solidFill>
+                  <a:srgbClr val="000000"/>
+                </a:solidFill>
+                <a:effectLst/>
+                <a:latin typeface="Arial" panose="020B0604020202020204" pitchFamily="34" charset="0"/>
+                <a:cs typeface="Arial" panose="020B0604020202020204" pitchFamily="34" charset="0"/>
+              </a:rPr>
+              <a:t>Generated a lot of heat</a:t>
+            </a:r>
+          </a:p>
+        </p:txBody>
+      </p:sp>
+      <p:sp>
+        <p:nvSpPr>
+          <p:cNvPr id="9" name="TextBox 8">
+            <a:extLst>
+              <a:ext uri="{FF2B5EF4-FFF2-40B4-BE49-F238E27FC236}">
+                <a16:creationId xmlns:a16="http://schemas.microsoft.com/office/drawing/2014/main" id="{DA9BB401-39C0-000A-95D4-DEC93CD65E57}"/>
+              </a:ext>
+            </a:extLst>
+          </p:cNvPr>
+          <p:cNvSpPr txBox="1"/>
+          <p:nvPr/>
+        </p:nvSpPr>
+        <p:spPr>
+          <a:xfrm>
+            <a:off x="6168008" y="4562441"/>
+            <a:ext cx="5476392" cy="1631216"/>
+          </a:xfrm>
+          <a:prstGeom prst="rect">
+            <a:avLst/>
+          </a:prstGeom>
+          <a:noFill/>
+        </p:spPr>
+        <p:txBody>
+          <a:bodyPr wrap="square">
+            <a:spAutoFit/>
+          </a:bodyPr>
+          <a:lstStyle/>
+          <a:p>
+            <a:pPr marL="457200" indent="-457200" algn="l">
+              <a:buFont typeface="+mj-lt"/>
+              <a:buAutoNum type="arabicPeriod" startAt="6"/>
+            </a:pPr>
+            <a:r>
+              <a:rPr lang="en-US" sz="2000" b="0" i="0" dirty="0">
+                <a:solidFill>
+                  <a:srgbClr val="000000"/>
+                </a:solidFill>
+                <a:effectLst/>
+                <a:latin typeface="Arial" panose="020B0604020202020204" pitchFamily="34" charset="0"/>
+                <a:cs typeface="Arial" panose="020B0604020202020204" pitchFamily="34" charset="0"/>
+              </a:rPr>
+              <a:t>Slow input and output devices</a:t>
+            </a:r>
+          </a:p>
+          <a:p>
+            <a:pPr marL="457200" indent="-457200" algn="l">
+              <a:buFont typeface="+mj-lt"/>
+              <a:buAutoNum type="arabicPeriod" startAt="6"/>
+            </a:pPr>
+            <a:r>
+              <a:rPr lang="en-US" sz="2000" b="0" i="0" dirty="0">
+                <a:solidFill>
+                  <a:srgbClr val="000000"/>
+                </a:solidFill>
+                <a:effectLst/>
+                <a:latin typeface="Arial" panose="020B0604020202020204" pitchFamily="34" charset="0"/>
+                <a:cs typeface="Arial" panose="020B0604020202020204" pitchFamily="34" charset="0"/>
+              </a:rPr>
+              <a:t>Huge size</a:t>
+            </a:r>
+          </a:p>
+          <a:p>
+            <a:pPr marL="457200" indent="-457200" algn="l">
+              <a:buFont typeface="+mj-lt"/>
+              <a:buAutoNum type="arabicPeriod" startAt="6"/>
+            </a:pPr>
+            <a:r>
+              <a:rPr lang="en-US" sz="2000" b="0" i="0" dirty="0">
+                <a:solidFill>
+                  <a:srgbClr val="000000"/>
+                </a:solidFill>
+                <a:effectLst/>
+                <a:latin typeface="Arial" panose="020B0604020202020204" pitchFamily="34" charset="0"/>
+                <a:cs typeface="Arial" panose="020B0604020202020204" pitchFamily="34" charset="0"/>
+              </a:rPr>
+              <a:t>Need of AC</a:t>
+            </a:r>
+          </a:p>
+          <a:p>
+            <a:pPr marL="457200" indent="-457200" algn="l">
+              <a:buFont typeface="+mj-lt"/>
+              <a:buAutoNum type="arabicPeriod" startAt="6"/>
+            </a:pPr>
+            <a:r>
+              <a:rPr lang="en-US" sz="2000" b="0" i="0" dirty="0">
+                <a:solidFill>
+                  <a:srgbClr val="000000"/>
+                </a:solidFill>
+                <a:effectLst/>
+                <a:latin typeface="Arial" panose="020B0604020202020204" pitchFamily="34" charset="0"/>
+                <a:cs typeface="Arial" panose="020B0604020202020204" pitchFamily="34" charset="0"/>
+              </a:rPr>
+              <a:t>Non-portable</a:t>
+            </a:r>
+          </a:p>
+          <a:p>
+            <a:pPr marL="457200" indent="-457200" algn="l">
+              <a:buFont typeface="+mj-lt"/>
+              <a:buAutoNum type="arabicPeriod" startAt="6"/>
+            </a:pPr>
+            <a:r>
+              <a:rPr lang="en-US" sz="2000" b="0" i="0" dirty="0">
+                <a:solidFill>
+                  <a:srgbClr val="000000"/>
+                </a:solidFill>
+                <a:effectLst/>
+                <a:latin typeface="Arial" panose="020B0604020202020204" pitchFamily="34" charset="0"/>
+                <a:cs typeface="Arial" panose="020B0604020202020204" pitchFamily="34" charset="0"/>
+              </a:rPr>
+              <a:t>Consumed a lot of electricity</a:t>
+            </a:r>
+          </a:p>
+        </p:txBody>
+      </p:sp>
+    </p:spTree>
+    <p:extLst>
+      <p:ext uri="{BB962C8B-B14F-4D97-AF65-F5344CB8AC3E}">
+        <p14:creationId xmlns:p14="http://schemas.microsoft.com/office/powerpoint/2010/main" val="641634191"/>
+      </p:ext>
+    </p:extLst>
+  </p:cSld>
+  <p:clrMapOvr>
+    <a:masterClrMapping/>
+  </p:clrMapOvr>
+</p:sld>
+</file>
+
+<file path=ppt/slides/slide30.xml><?xml version="1.0" encoding="utf-8"?>
+<p:sld xmlns:a="http://schemas.openxmlformats.org/drawingml/2006/main" xmlns:r="http://schemas.openxmlformats.org/officeDocument/2006/relationships" xmlns:p="http://schemas.openxmlformats.org/presentationml/2006/main">
+  <p:cSld>
+    <p:spTree>
+      <p:nvGrpSpPr>
+        <p:cNvPr id="1" name=""/>
+        <p:cNvGrpSpPr/>
+        <p:nvPr/>
+      </p:nvGrpSpPr>
+      <p:grpSpPr>
+        <a:xfrm>
+          <a:off x="0" y="0"/>
+          <a:ext cx="0" cy="0"/>
+          <a:chOff x="0" y="0"/>
+          <a:chExt cx="0" cy="0"/>
+        </a:xfrm>
+      </p:grpSpPr>
+      <p:sp>
+        <p:nvSpPr>
+          <p:cNvPr id="4" name="Rectangle 3">
+            <a:extLst>
+              <a:ext uri="{FF2B5EF4-FFF2-40B4-BE49-F238E27FC236}">
+                <a16:creationId xmlns:a16="http://schemas.microsoft.com/office/drawing/2014/main" id="{6524962B-7610-4EFD-AA5E-DDE403AB8860}"/>
+              </a:ext>
+            </a:extLst>
+          </p:cNvPr>
+          <p:cNvSpPr/>
+          <p:nvPr/>
+        </p:nvSpPr>
+        <p:spPr>
+          <a:xfrm>
+            <a:off x="1524000" y="1"/>
+            <a:ext cx="9144000" cy="584775"/>
+          </a:xfrm>
+          <a:prstGeom prst="rect">
+            <a:avLst/>
+          </a:prstGeom>
+          <a:noFill/>
+        </p:spPr>
+        <p:txBody>
+          <a:bodyPr wrap="square">
+            <a:spAutoFit/>
+          </a:bodyPr>
+          <a:lstStyle/>
+          <a:p>
+            <a:pPr algn="r"/>
+            <a:r>
+              <a:rPr lang="en-US" sz="3200" i="1" dirty="0">
+                <a:solidFill>
+                  <a:srgbClr val="FF9900"/>
+                </a:solidFill>
+                <a:latin typeface="Arial" pitchFamily="34" charset="0"/>
+                <a:cs typeface="Arial" pitchFamily="34" charset="0"/>
+              </a:rPr>
+              <a:t>List of Job Roles in Data Science / Big Data</a:t>
+            </a:r>
+            <a:endParaRPr lang="en-IN" sz="3200" i="1" dirty="0">
+              <a:solidFill>
+                <a:srgbClr val="FF9900"/>
+              </a:solidFill>
+              <a:latin typeface="Arial" pitchFamily="34" charset="0"/>
+              <a:cs typeface="Arial" pitchFamily="34" charset="0"/>
+            </a:endParaRPr>
+          </a:p>
+        </p:txBody>
+      </p:sp>
+      <p:sp>
+        <p:nvSpPr>
+          <p:cNvPr id="3" name="TextBox 2">
+            <a:extLst>
+              <a:ext uri="{FF2B5EF4-FFF2-40B4-BE49-F238E27FC236}">
+                <a16:creationId xmlns:a16="http://schemas.microsoft.com/office/drawing/2014/main" id="{2565C291-4449-7040-F797-629192AAC461}"/>
+              </a:ext>
+            </a:extLst>
+          </p:cNvPr>
+          <p:cNvSpPr txBox="1"/>
+          <p:nvPr/>
+        </p:nvSpPr>
+        <p:spPr>
+          <a:xfrm>
+            <a:off x="119336" y="1124744"/>
+            <a:ext cx="11809312" cy="2862322"/>
+          </a:xfrm>
+          <a:prstGeom prst="rect">
+            <a:avLst/>
+          </a:prstGeom>
+          <a:noFill/>
+        </p:spPr>
+        <p:txBody>
+          <a:bodyPr wrap="square">
+            <a:spAutoFit/>
+          </a:bodyPr>
+          <a:lstStyle/>
+          <a:p>
+            <a:pPr marL="285750" indent="-285750">
+              <a:buFont typeface="Arial" panose="020B0604020202020204" pitchFamily="34" charset="0"/>
+              <a:buChar char="•"/>
+            </a:pPr>
+            <a:r>
+              <a:rPr lang="en-US" b="1" dirty="0">
+                <a:latin typeface="Arial" panose="020B0604020202020204" pitchFamily="34" charset="0"/>
+                <a:cs typeface="Arial" panose="020B0604020202020204" pitchFamily="34" charset="0"/>
+              </a:rPr>
+              <a:t>Data Engineer/Data Architect: </a:t>
+            </a:r>
+            <a:r>
+              <a:rPr lang="en-US" dirty="0">
+                <a:latin typeface="Arial" panose="020B0604020202020204" pitchFamily="34" charset="0"/>
+                <a:cs typeface="Arial" panose="020B0604020202020204" pitchFamily="34" charset="0"/>
+              </a:rPr>
+              <a:t>“Data engineers are the designers, builders and managers of the information or “big data” infrastructure.” Data engineers ensure that an organization’s big data ecosystem is running without glitches for data scientists to carry out the analysis.</a:t>
+            </a:r>
+          </a:p>
+          <a:p>
+            <a:pPr marL="285750" indent="-285750">
+              <a:buFont typeface="Arial" panose="020B0604020202020204" pitchFamily="34" charset="0"/>
+              <a:buChar char="•"/>
+            </a:pPr>
+            <a:endParaRPr lang="en-US" dirty="0">
+              <a:latin typeface="Arial" panose="020B0604020202020204" pitchFamily="34" charset="0"/>
+              <a:cs typeface="Arial" panose="020B0604020202020204" pitchFamily="34" charset="0"/>
+            </a:endParaRPr>
+          </a:p>
+          <a:p>
+            <a:pPr marL="285750" indent="-285750">
+              <a:buFont typeface="Arial" panose="020B0604020202020204" pitchFamily="34" charset="0"/>
+              <a:buChar char="•"/>
+            </a:pPr>
+            <a:r>
+              <a:rPr lang="en-US" b="1" dirty="0">
+                <a:latin typeface="Arial" panose="020B0604020202020204" pitchFamily="34" charset="0"/>
+                <a:cs typeface="Arial" panose="020B0604020202020204" pitchFamily="34" charset="0"/>
+              </a:rPr>
+              <a:t>Machine Learning Engineer</a:t>
+            </a:r>
+            <a:r>
+              <a:rPr lang="en-US" dirty="0">
+                <a:latin typeface="Arial" panose="020B0604020202020204" pitchFamily="34" charset="0"/>
+                <a:cs typeface="Arial" panose="020B0604020202020204" pitchFamily="34" charset="0"/>
+              </a:rPr>
+              <a:t>: A Machine Learning Engineer is responsible for designing and developing machine learning systems, implementing appropriate ML algorithms, and conducting experiments. They possess strong programming skills, knowledge of data science, and expertise in statistics.</a:t>
+            </a:r>
+          </a:p>
+          <a:p>
+            <a:pPr marL="285750" indent="-285750">
+              <a:buFont typeface="Arial" panose="020B0604020202020204" pitchFamily="34" charset="0"/>
+              <a:buChar char="•"/>
+            </a:pPr>
+            <a:endParaRPr lang="en-US" dirty="0">
+              <a:latin typeface="Arial" panose="020B0604020202020204" pitchFamily="34" charset="0"/>
+              <a:cs typeface="Arial" panose="020B0604020202020204" pitchFamily="34" charset="0"/>
+            </a:endParaRPr>
+          </a:p>
+          <a:p>
+            <a:pPr marL="285750" indent="-285750">
+              <a:buFont typeface="Arial" panose="020B0604020202020204" pitchFamily="34" charset="0"/>
+              <a:buChar char="•"/>
+            </a:pPr>
+            <a:r>
+              <a:rPr lang="en-US" b="1" dirty="0">
+                <a:latin typeface="Arial" panose="020B0604020202020204" pitchFamily="34" charset="0"/>
+                <a:cs typeface="Arial" panose="020B0604020202020204" pitchFamily="34" charset="0"/>
+              </a:rPr>
+              <a:t>Big Data Engineer</a:t>
+            </a:r>
+            <a:r>
+              <a:rPr lang="en-US" dirty="0">
+                <a:latin typeface="Arial" panose="020B0604020202020204" pitchFamily="34" charset="0"/>
+                <a:cs typeface="Arial" panose="020B0604020202020204" pitchFamily="34" charset="0"/>
+              </a:rPr>
+              <a:t>: The big data engineer's role is to Design, construct and maintain large-scale data processing systems.</a:t>
+            </a:r>
+            <a:endParaRPr lang="en-IN" dirty="0">
+              <a:latin typeface="Arial" panose="020B0604020202020204" pitchFamily="34" charset="0"/>
+              <a:cs typeface="Arial" panose="020B0604020202020204" pitchFamily="34" charset="0"/>
+            </a:endParaRPr>
+          </a:p>
+        </p:txBody>
+      </p:sp>
+    </p:spTree>
+    <p:extLst>
+      <p:ext uri="{BB962C8B-B14F-4D97-AF65-F5344CB8AC3E}">
+        <p14:creationId xmlns:p14="http://schemas.microsoft.com/office/powerpoint/2010/main" val="2577086294"/>
+      </p:ext>
+    </p:extLst>
+  </p:cSld>
+  <p:clrMapOvr>
+    <a:masterClrMapping/>
+  </p:clrMapOvr>
+</p:sld>
+</file>
+
+<file path=ppt/slides/slide31.xml><?xml version="1.0" encoding="utf-8"?>
+<p:sld xmlns:a="http://schemas.openxmlformats.org/drawingml/2006/main" xmlns:r="http://schemas.openxmlformats.org/officeDocument/2006/relationships" xmlns:p="http://schemas.openxmlformats.org/presentationml/2006/main">
+  <p:cSld>
+    <p:spTree>
+      <p:nvGrpSpPr>
+        <p:cNvPr id="1" name=""/>
+        <p:cNvGrpSpPr/>
+        <p:nvPr/>
+      </p:nvGrpSpPr>
+      <p:grpSpPr>
+        <a:xfrm>
+          <a:off x="0" y="0"/>
+          <a:ext cx="0" cy="0"/>
+          <a:chOff x="0" y="0"/>
+          <a:chExt cx="0" cy="0"/>
+        </a:xfrm>
+      </p:grpSpPr>
+      <p:sp>
+        <p:nvSpPr>
+          <p:cNvPr id="2" name="Title 1"/>
+          <p:cNvSpPr txBox="1">
+            <a:spLocks/>
+          </p:cNvSpPr>
+          <p:nvPr/>
+        </p:nvSpPr>
+        <p:spPr>
+          <a:xfrm>
+            <a:off x="1676400" y="2057400"/>
+            <a:ext cx="8839200" cy="1676400"/>
+          </a:xfrm>
+          <a:prstGeom prst="rect">
+            <a:avLst/>
+          </a:prstGeom>
+        </p:spPr>
+        <p:txBody>
+          <a:bodyPr>
+            <a:noAutofit/>
+          </a:bodyPr>
+          <a:lstStyle>
+            <a:defPPr>
+              <a:defRPr lang="en-US"/>
+            </a:defPPr>
+            <a:lvl1pPr lvl="0" algn="ctr">
+              <a:spcBef>
+                <a:spcPct val="0"/>
+              </a:spcBef>
+              <a:defRPr sz="4800">
+                <a:latin typeface="Arial" pitchFamily="34" charset="0"/>
+                <a:cs typeface="Arial" pitchFamily="34" charset="0"/>
+              </a:defRPr>
+            </a:lvl1pPr>
+          </a:lstStyle>
+          <a:p>
+            <a:r>
+              <a:rPr lang="en-US" dirty="0">
+                <a:solidFill>
+                  <a:srgbClr val="DC525C"/>
+                </a:solidFill>
+                <a:latin typeface="Segoe UI Light" panose="020B0502040204020203" pitchFamily="34" charset="0"/>
+                <a:cs typeface="Segoe UI Light" panose="020B0502040204020203" pitchFamily="34" charset="0"/>
+              </a:rPr>
               <a:t>Big Data Frameworks</a:t>
             </a:r>
           </a:p>
@@ -8180,7 +9340,7 @@
 </p:sld>
 </file>
 
-<file path=ppt/slides/slide29.xml><?xml version="1.0" encoding="utf-8"?>
+<file path=ppt/slides/slide32.xml><?xml version="1.0" encoding="utf-8"?>
 <p:sld xmlns:a="http://schemas.openxmlformats.org/drawingml/2006/main" xmlns:r="http://schemas.openxmlformats.org/officeDocument/2006/relationships" xmlns:p="http://schemas.openxmlformats.org/presentationml/2006/main">
   <p:cSld>
     <p:spTree>
@@ -8625,488 +9785,7 @@
 </p:sld>
 </file>
 
-<file path=ppt/slides/slide3.xml><?xml version="1.0" encoding="utf-8"?>
-<p:sld xmlns:a="http://schemas.openxmlformats.org/drawingml/2006/main" xmlns:r="http://schemas.openxmlformats.org/officeDocument/2006/relationships" xmlns:p="http://schemas.openxmlformats.org/presentationml/2006/main">
-  <p:cSld>
-    <p:spTree>
-      <p:nvGrpSpPr>
-        <p:cNvPr id="1" name=""/>
-        <p:cNvGrpSpPr/>
-        <p:nvPr/>
-      </p:nvGrpSpPr>
-      <p:grpSpPr>
-        <a:xfrm>
-          <a:off x="0" y="0"/>
-          <a:ext cx="0" cy="0"/>
-          <a:chOff x="0" y="0"/>
-          <a:chExt cx="0" cy="0"/>
-        </a:xfrm>
-      </p:grpSpPr>
-      <p:sp>
-        <p:nvSpPr>
-          <p:cNvPr id="5" name="Rectangle 4"/>
-          <p:cNvSpPr/>
-          <p:nvPr/>
-        </p:nvSpPr>
-        <p:spPr>
-          <a:xfrm>
-            <a:off x="1524596" y="4"/>
-            <a:ext cx="9142810" cy="584775"/>
-          </a:xfrm>
-          <a:prstGeom prst="rect">
-            <a:avLst/>
-          </a:prstGeom>
-          <a:noFill/>
-        </p:spPr>
-        <p:txBody>
-          <a:bodyPr wrap="square">
-            <a:spAutoFit/>
-          </a:bodyPr>
-          <a:lstStyle/>
-          <a:p>
-            <a:pPr algn="r"/>
-            <a:r>
-              <a:rPr lang="en-IN" sz="3200" i="1" dirty="0">
-                <a:solidFill>
-                  <a:srgbClr val="FF9900"/>
-                </a:solidFill>
-                <a:latin typeface="Arial" pitchFamily="34" charset="0"/>
-                <a:cs typeface="Arial" pitchFamily="34" charset="0"/>
-              </a:rPr>
-              <a:t>First Generation of Computers</a:t>
-            </a:r>
-          </a:p>
-        </p:txBody>
-      </p:sp>
-      <p:sp>
-        <p:nvSpPr>
-          <p:cNvPr id="4" name="TextBox 3">
-            <a:extLst>
-              <a:ext uri="{FF2B5EF4-FFF2-40B4-BE49-F238E27FC236}">
-                <a16:creationId xmlns:a16="http://schemas.microsoft.com/office/drawing/2014/main" id="{25232946-F519-C45A-F91D-1C84AB18C593}"/>
-              </a:ext>
-            </a:extLst>
-          </p:cNvPr>
-          <p:cNvSpPr txBox="1"/>
-          <p:nvPr/>
-        </p:nvSpPr>
-        <p:spPr>
-          <a:xfrm>
-            <a:off x="191344" y="908720"/>
-            <a:ext cx="11809312" cy="2492990"/>
-          </a:xfrm>
-          <a:prstGeom prst="rect">
-            <a:avLst/>
-          </a:prstGeom>
-          <a:noFill/>
-        </p:spPr>
-        <p:txBody>
-          <a:bodyPr wrap="square">
-            <a:spAutoFit/>
-          </a:bodyPr>
-          <a:lstStyle/>
-          <a:p>
-            <a:pPr marL="342900" indent="-342900" algn="just">
-              <a:buFont typeface="Arial" panose="020B0604020202020204" pitchFamily="34" charset="0"/>
-              <a:buChar char="•"/>
-            </a:pPr>
-            <a:r>
-              <a:rPr lang="en-US" sz="2000" b="0" i="0" dirty="0">
-                <a:solidFill>
-                  <a:srgbClr val="000000"/>
-                </a:solidFill>
-                <a:effectLst/>
-                <a:latin typeface="Arial" panose="020B0604020202020204" pitchFamily="34" charset="0"/>
-                <a:cs typeface="Arial" panose="020B0604020202020204" pitchFamily="34" charset="0"/>
-              </a:rPr>
-              <a:t>The period of first generation was from 1946-1959. </a:t>
-            </a:r>
-          </a:p>
-          <a:p>
-            <a:pPr marL="342900" indent="-342900" algn="just">
-              <a:buFont typeface="Arial" panose="020B0604020202020204" pitchFamily="34" charset="0"/>
-              <a:buChar char="•"/>
-            </a:pPr>
-            <a:endParaRPr lang="en-US" sz="1200" b="0" i="0" dirty="0">
-              <a:solidFill>
-                <a:srgbClr val="000000"/>
-              </a:solidFill>
-              <a:effectLst/>
-              <a:latin typeface="Arial" panose="020B0604020202020204" pitchFamily="34" charset="0"/>
-              <a:cs typeface="Arial" panose="020B0604020202020204" pitchFamily="34" charset="0"/>
-            </a:endParaRPr>
-          </a:p>
-          <a:p>
-            <a:pPr marL="342900" indent="-342900" algn="just">
-              <a:buFont typeface="Arial" panose="020B0604020202020204" pitchFamily="34" charset="0"/>
-              <a:buChar char="•"/>
-            </a:pPr>
-            <a:r>
-              <a:rPr lang="en-US" sz="2000" b="0" i="0" dirty="0">
-                <a:solidFill>
-                  <a:srgbClr val="000000"/>
-                </a:solidFill>
-                <a:effectLst/>
-                <a:latin typeface="Arial" panose="020B0604020202020204" pitchFamily="34" charset="0"/>
-                <a:cs typeface="Arial" panose="020B0604020202020204" pitchFamily="34" charset="0"/>
-              </a:rPr>
-              <a:t>The computers of first generation used vacuum tubes as the basic components for memory.</a:t>
-            </a:r>
-          </a:p>
-          <a:p>
-            <a:pPr marL="342900" indent="-342900" algn="just">
-              <a:buFont typeface="Arial" panose="020B0604020202020204" pitchFamily="34" charset="0"/>
-              <a:buChar char="•"/>
-            </a:pPr>
-            <a:endParaRPr lang="en-US" sz="1200" b="0" i="0" dirty="0">
-              <a:solidFill>
-                <a:srgbClr val="000000"/>
-              </a:solidFill>
-              <a:effectLst/>
-              <a:latin typeface="Arial" panose="020B0604020202020204" pitchFamily="34" charset="0"/>
-              <a:cs typeface="Arial" panose="020B0604020202020204" pitchFamily="34" charset="0"/>
-            </a:endParaRPr>
-          </a:p>
-          <a:p>
-            <a:pPr marL="342900" indent="-342900" algn="just">
-              <a:buFont typeface="Arial" panose="020B0604020202020204" pitchFamily="34" charset="0"/>
-              <a:buChar char="•"/>
-            </a:pPr>
-            <a:r>
-              <a:rPr lang="en-US" sz="2000" b="0" i="0" dirty="0">
-                <a:solidFill>
-                  <a:srgbClr val="000000"/>
-                </a:solidFill>
-                <a:effectLst/>
-                <a:latin typeface="Arial" panose="020B0604020202020204" pitchFamily="34" charset="0"/>
-                <a:cs typeface="Arial" panose="020B0604020202020204" pitchFamily="34" charset="0"/>
-              </a:rPr>
-              <a:t>In this generation, mainly batch processing operating system was used. Punch cards, paper tape, and magnetic tape was used as input and output devices. </a:t>
-            </a:r>
-          </a:p>
-          <a:p>
-            <a:pPr marL="342900" indent="-342900" algn="just">
-              <a:buFont typeface="Arial" panose="020B0604020202020204" pitchFamily="34" charset="0"/>
-              <a:buChar char="•"/>
-            </a:pPr>
-            <a:endParaRPr lang="en-US" sz="1200" dirty="0">
-              <a:solidFill>
-                <a:srgbClr val="000000"/>
-              </a:solidFill>
-              <a:latin typeface="Arial" panose="020B0604020202020204" pitchFamily="34" charset="0"/>
-              <a:cs typeface="Arial" panose="020B0604020202020204" pitchFamily="34" charset="0"/>
-            </a:endParaRPr>
-          </a:p>
-          <a:p>
-            <a:pPr marL="342900" indent="-342900" algn="just">
-              <a:buFont typeface="Arial" panose="020B0604020202020204" pitchFamily="34" charset="0"/>
-              <a:buChar char="•"/>
-            </a:pPr>
-            <a:r>
-              <a:rPr lang="en-US" sz="2000" b="0" i="0" dirty="0">
-                <a:solidFill>
-                  <a:srgbClr val="000000"/>
-                </a:solidFill>
-                <a:effectLst/>
-                <a:latin typeface="Arial" panose="020B0604020202020204" pitchFamily="34" charset="0"/>
-                <a:cs typeface="Arial" panose="020B0604020202020204" pitchFamily="34" charset="0"/>
-              </a:rPr>
-              <a:t>The computers in this generation used machine code (</a:t>
-            </a:r>
-            <a:r>
-              <a:rPr lang="en-US" sz="2000" b="0" i="0" dirty="0">
-                <a:solidFill>
-                  <a:schemeClr val="bg1">
-                    <a:lumMod val="50000"/>
-                  </a:schemeClr>
-                </a:solidFill>
-                <a:effectLst/>
-                <a:latin typeface="Arial" panose="020B0604020202020204" pitchFamily="34" charset="0"/>
-                <a:cs typeface="Arial" panose="020B0604020202020204" pitchFamily="34" charset="0"/>
-              </a:rPr>
-              <a:t>Machine language is a low-level language made up of binary numbers or bits that a computer can understand.</a:t>
-            </a:r>
-            <a:r>
-              <a:rPr lang="en-US" sz="2000" b="0" i="0" dirty="0">
-                <a:solidFill>
-                  <a:srgbClr val="000000"/>
-                </a:solidFill>
-                <a:effectLst/>
-                <a:latin typeface="Arial" panose="020B0604020202020204" pitchFamily="34" charset="0"/>
-                <a:cs typeface="Arial" panose="020B0604020202020204" pitchFamily="34" charset="0"/>
-              </a:rPr>
-              <a:t>) as the programming language.</a:t>
-            </a:r>
-          </a:p>
-        </p:txBody>
-      </p:sp>
-      <p:sp>
-        <p:nvSpPr>
-          <p:cNvPr id="8" name="TextBox 7">
-            <a:extLst>
-              <a:ext uri="{FF2B5EF4-FFF2-40B4-BE49-F238E27FC236}">
-                <a16:creationId xmlns:a16="http://schemas.microsoft.com/office/drawing/2014/main" id="{100ABC39-7515-EDCC-5A51-CD990F2F691E}"/>
-              </a:ext>
-            </a:extLst>
-          </p:cNvPr>
-          <p:cNvSpPr txBox="1"/>
-          <p:nvPr/>
-        </p:nvSpPr>
-        <p:spPr>
-          <a:xfrm>
-            <a:off x="263352" y="3946888"/>
-            <a:ext cx="6048672" cy="2246769"/>
-          </a:xfrm>
-          <a:prstGeom prst="rect">
-            <a:avLst/>
-          </a:prstGeom>
-          <a:noFill/>
-        </p:spPr>
-        <p:txBody>
-          <a:bodyPr wrap="square">
-            <a:spAutoFit/>
-          </a:bodyPr>
-          <a:lstStyle/>
-          <a:p>
-            <a:pPr algn="just"/>
-            <a:r>
-              <a:rPr lang="en-US" sz="2000" b="1" i="0" dirty="0">
-                <a:solidFill>
-                  <a:srgbClr val="000000"/>
-                </a:solidFill>
-                <a:effectLst/>
-                <a:latin typeface="Arial" panose="020B0604020202020204" pitchFamily="34" charset="0"/>
-                <a:cs typeface="Arial" panose="020B0604020202020204" pitchFamily="34" charset="0"/>
-              </a:rPr>
-              <a:t>The main features of the first generation are −</a:t>
-            </a:r>
-          </a:p>
-          <a:p>
-            <a:pPr algn="just"/>
-            <a:endParaRPr lang="en-US" sz="2000" b="0" i="0" dirty="0">
-              <a:solidFill>
-                <a:srgbClr val="000000"/>
-              </a:solidFill>
-              <a:effectLst/>
-              <a:latin typeface="Arial" panose="020B0604020202020204" pitchFamily="34" charset="0"/>
-              <a:cs typeface="Arial" panose="020B0604020202020204" pitchFamily="34" charset="0"/>
-            </a:endParaRPr>
-          </a:p>
-          <a:p>
-            <a:pPr marL="342900" indent="-342900" algn="l">
-              <a:buFont typeface="+mj-lt"/>
-              <a:buAutoNum type="arabicPeriod"/>
-            </a:pPr>
-            <a:r>
-              <a:rPr lang="en-US" sz="2000" b="0" i="0" dirty="0">
-                <a:solidFill>
-                  <a:srgbClr val="000000"/>
-                </a:solidFill>
-                <a:effectLst/>
-                <a:latin typeface="Arial" panose="020B0604020202020204" pitchFamily="34" charset="0"/>
-                <a:cs typeface="Arial" panose="020B0604020202020204" pitchFamily="34" charset="0"/>
-              </a:rPr>
-              <a:t>Vacuum tube technology</a:t>
-            </a:r>
-          </a:p>
-          <a:p>
-            <a:pPr marL="342900" indent="-342900" algn="l">
-              <a:buFont typeface="+mj-lt"/>
-              <a:buAutoNum type="arabicPeriod"/>
-            </a:pPr>
-            <a:r>
-              <a:rPr lang="en-US" sz="2000" b="0" i="0" dirty="0">
-                <a:solidFill>
-                  <a:srgbClr val="000000"/>
-                </a:solidFill>
-                <a:effectLst/>
-                <a:latin typeface="Arial" panose="020B0604020202020204" pitchFamily="34" charset="0"/>
-                <a:cs typeface="Arial" panose="020B0604020202020204" pitchFamily="34" charset="0"/>
-              </a:rPr>
-              <a:t>Unreliable</a:t>
-            </a:r>
-          </a:p>
-          <a:p>
-            <a:pPr marL="342900" indent="-342900" algn="l">
-              <a:buFont typeface="+mj-lt"/>
-              <a:buAutoNum type="arabicPeriod"/>
-            </a:pPr>
-            <a:r>
-              <a:rPr lang="en-US" sz="2000" b="0" i="0" dirty="0">
-                <a:solidFill>
-                  <a:srgbClr val="000000"/>
-                </a:solidFill>
-                <a:effectLst/>
-                <a:latin typeface="Arial" panose="020B0604020202020204" pitchFamily="34" charset="0"/>
-                <a:cs typeface="Arial" panose="020B0604020202020204" pitchFamily="34" charset="0"/>
-              </a:rPr>
-              <a:t>Supported machine language only</a:t>
-            </a:r>
-          </a:p>
-          <a:p>
-            <a:pPr marL="342900" indent="-342900" algn="l">
-              <a:buFont typeface="+mj-lt"/>
-              <a:buAutoNum type="arabicPeriod"/>
-            </a:pPr>
-            <a:r>
-              <a:rPr lang="en-US" sz="2000" b="0" i="0" dirty="0">
-                <a:solidFill>
-                  <a:srgbClr val="000000"/>
-                </a:solidFill>
-                <a:effectLst/>
-                <a:latin typeface="Arial" panose="020B0604020202020204" pitchFamily="34" charset="0"/>
-                <a:cs typeface="Arial" panose="020B0604020202020204" pitchFamily="34" charset="0"/>
-              </a:rPr>
-              <a:t>Very costly</a:t>
-            </a:r>
-          </a:p>
-          <a:p>
-            <a:pPr marL="342900" indent="-342900" algn="l">
-              <a:buFont typeface="+mj-lt"/>
-              <a:buAutoNum type="arabicPeriod"/>
-            </a:pPr>
-            <a:r>
-              <a:rPr lang="en-US" sz="2000" b="0" i="0" dirty="0">
-                <a:solidFill>
-                  <a:srgbClr val="000000"/>
-                </a:solidFill>
-                <a:effectLst/>
-                <a:latin typeface="Arial" panose="020B0604020202020204" pitchFamily="34" charset="0"/>
-                <a:cs typeface="Arial" panose="020B0604020202020204" pitchFamily="34" charset="0"/>
-              </a:rPr>
-              <a:t>Generated a lot of heat</a:t>
-            </a:r>
-          </a:p>
-        </p:txBody>
-      </p:sp>
-      <p:sp>
-        <p:nvSpPr>
-          <p:cNvPr id="9" name="TextBox 8">
-            <a:extLst>
-              <a:ext uri="{FF2B5EF4-FFF2-40B4-BE49-F238E27FC236}">
-                <a16:creationId xmlns:a16="http://schemas.microsoft.com/office/drawing/2014/main" id="{DA9BB401-39C0-000A-95D4-DEC93CD65E57}"/>
-              </a:ext>
-            </a:extLst>
-          </p:cNvPr>
-          <p:cNvSpPr txBox="1"/>
-          <p:nvPr/>
-        </p:nvSpPr>
-        <p:spPr>
-          <a:xfrm>
-            <a:off x="6168008" y="4562441"/>
-            <a:ext cx="5476392" cy="1631216"/>
-          </a:xfrm>
-          <a:prstGeom prst="rect">
-            <a:avLst/>
-          </a:prstGeom>
-          <a:noFill/>
-        </p:spPr>
-        <p:txBody>
-          <a:bodyPr wrap="square">
-            <a:spAutoFit/>
-          </a:bodyPr>
-          <a:lstStyle/>
-          <a:p>
-            <a:pPr marL="457200" indent="-457200" algn="l">
-              <a:buFont typeface="+mj-lt"/>
-              <a:buAutoNum type="arabicPeriod" startAt="6"/>
-            </a:pPr>
-            <a:r>
-              <a:rPr lang="en-US" sz="2000" b="0" i="0" dirty="0">
-                <a:solidFill>
-                  <a:srgbClr val="000000"/>
-                </a:solidFill>
-                <a:effectLst/>
-                <a:latin typeface="Arial" panose="020B0604020202020204" pitchFamily="34" charset="0"/>
-                <a:cs typeface="Arial" panose="020B0604020202020204" pitchFamily="34" charset="0"/>
-              </a:rPr>
-              <a:t>Slow input and output devices</a:t>
-            </a:r>
-          </a:p>
-          <a:p>
-            <a:pPr marL="457200" indent="-457200" algn="l">
-              <a:buFont typeface="+mj-lt"/>
-              <a:buAutoNum type="arabicPeriod" startAt="6"/>
-            </a:pPr>
-            <a:r>
-              <a:rPr lang="en-US" sz="2000" b="0" i="0" dirty="0">
-                <a:solidFill>
-                  <a:srgbClr val="000000"/>
-                </a:solidFill>
-                <a:effectLst/>
-                <a:latin typeface="Arial" panose="020B0604020202020204" pitchFamily="34" charset="0"/>
-                <a:cs typeface="Arial" panose="020B0604020202020204" pitchFamily="34" charset="0"/>
-              </a:rPr>
-              <a:t>Huge size</a:t>
-            </a:r>
-          </a:p>
-          <a:p>
-            <a:pPr marL="457200" indent="-457200" algn="l">
-              <a:buFont typeface="+mj-lt"/>
-              <a:buAutoNum type="arabicPeriod" startAt="6"/>
-            </a:pPr>
-            <a:r>
-              <a:rPr lang="en-US" sz="2000" b="0" i="0" dirty="0">
-                <a:solidFill>
-                  <a:srgbClr val="000000"/>
-                </a:solidFill>
-                <a:effectLst/>
-                <a:latin typeface="Arial" panose="020B0604020202020204" pitchFamily="34" charset="0"/>
-                <a:cs typeface="Arial" panose="020B0604020202020204" pitchFamily="34" charset="0"/>
-              </a:rPr>
-              <a:t>Need of AC</a:t>
-            </a:r>
-          </a:p>
-          <a:p>
-            <a:pPr marL="457200" indent="-457200" algn="l">
-              <a:buFont typeface="+mj-lt"/>
-              <a:buAutoNum type="arabicPeriod" startAt="6"/>
-            </a:pPr>
-            <a:r>
-              <a:rPr lang="en-US" sz="2000" b="0" i="0" dirty="0">
-                <a:solidFill>
-                  <a:srgbClr val="000000"/>
-                </a:solidFill>
-                <a:effectLst/>
-                <a:latin typeface="Arial" panose="020B0604020202020204" pitchFamily="34" charset="0"/>
-                <a:cs typeface="Arial" panose="020B0604020202020204" pitchFamily="34" charset="0"/>
-              </a:rPr>
-              <a:t>Non-portable</a:t>
-            </a:r>
-          </a:p>
-          <a:p>
-            <a:pPr marL="457200" indent="-457200" algn="l">
-              <a:buFont typeface="+mj-lt"/>
-              <a:buAutoNum type="arabicPeriod" startAt="6"/>
-            </a:pPr>
-            <a:r>
-              <a:rPr lang="en-US" sz="2000" b="0" i="0" dirty="0">
-                <a:solidFill>
-                  <a:srgbClr val="000000"/>
-                </a:solidFill>
-                <a:effectLst/>
-                <a:latin typeface="Arial" panose="020B0604020202020204" pitchFamily="34" charset="0"/>
-                <a:cs typeface="Arial" panose="020B0604020202020204" pitchFamily="34" charset="0"/>
-              </a:rPr>
-              <a:t>Consumed a lot of electricity</a:t>
-            </a:r>
-          </a:p>
-        </p:txBody>
-      </p:sp>
-    </p:spTree>
-    <p:extLst>
-      <p:ext uri="{BB962C8B-B14F-4D97-AF65-F5344CB8AC3E}">
-        <p14:creationId xmlns:p14="http://schemas.microsoft.com/office/powerpoint/2010/main" val="641634191"/>
-      </p:ext>
-    </p:extLst>
-  </p:cSld>
-  <p:clrMapOvr>
-    <a:masterClrMapping/>
-  </p:clrMapOvr>
-</p:sld>
-</file>
-
-<file path=ppt/slides/slide30.xml><?xml version="1.0" encoding="utf-8"?>
+<file path=ppt/slides/slide33.xml><?xml version="1.0" encoding="utf-8"?>
 <p:sld xmlns:a="http://schemas.openxmlformats.org/drawingml/2006/main" xmlns:r="http://schemas.openxmlformats.org/officeDocument/2006/relationships" xmlns:p="http://schemas.openxmlformats.org/presentationml/2006/main">
   <p:cSld>
     <p:spTree>
@@ -9209,7 +9888,7 @@
 </p:sld>
 </file>
 
-<file path=ppt/slides/slide31.xml><?xml version="1.0" encoding="utf-8"?>
+<file path=ppt/slides/slide34.xml><?xml version="1.0" encoding="utf-8"?>
 <p:sld xmlns:a="http://schemas.openxmlformats.org/drawingml/2006/main" xmlns:r="http://schemas.openxmlformats.org/officeDocument/2006/relationships" xmlns:p="http://schemas.openxmlformats.org/presentationml/2006/main">
   <p:cSld>
     <p:spTree>
@@ -9286,7 +9965,7 @@
 </p:sld>
 </file>
 
-<file path=ppt/slides/slide32.xml><?xml version="1.0" encoding="utf-8"?>
+<file path=ppt/slides/slide35.xml><?xml version="1.0" encoding="utf-8"?>
 <p:sld xmlns:a="http://schemas.openxmlformats.org/drawingml/2006/main" xmlns:r="http://schemas.openxmlformats.org/officeDocument/2006/relationships" xmlns:p="http://schemas.openxmlformats.org/presentationml/2006/main">
   <p:cSld>
     <p:bg>
@@ -10341,7 +11020,7 @@
 </p:sld>
 </file>
 
-<file path=ppt/slides/slide33.xml><?xml version="1.0" encoding="utf-8"?>
+<file path=ppt/slides/slide36.xml><?xml version="1.0" encoding="utf-8"?>
 <p:sld xmlns:a="http://schemas.openxmlformats.org/drawingml/2006/main" xmlns:r="http://schemas.openxmlformats.org/officeDocument/2006/relationships" xmlns:p="http://schemas.openxmlformats.org/presentationml/2006/main">
   <p:cSld>
     <p:spTree>
@@ -10486,7 +11165,7 @@
 </p:sld>
 </file>
 
-<file path=ppt/slides/slide34.xml><?xml version="1.0" encoding="utf-8"?>
+<file path=ppt/slides/slide37.xml><?xml version="1.0" encoding="utf-8"?>
 <p:sld xmlns:a="http://schemas.openxmlformats.org/drawingml/2006/main" xmlns:r="http://schemas.openxmlformats.org/officeDocument/2006/relationships" xmlns:p="http://schemas.openxmlformats.org/presentationml/2006/main">
   <p:cSld>
     <p:spTree>
@@ -10565,7 +11244,7 @@
 </p:sld>
 </file>
 
-<file path=ppt/slides/slide35.xml><?xml version="1.0" encoding="utf-8"?>
+<file path=ppt/slides/slide38.xml><?xml version="1.0" encoding="utf-8"?>
 <p:sld xmlns:a="http://schemas.openxmlformats.org/drawingml/2006/main" xmlns:r="http://schemas.openxmlformats.org/officeDocument/2006/relationships" xmlns:p="http://schemas.openxmlformats.org/presentationml/2006/main">
   <p:cSld>
     <p:spTree>
@@ -10644,7 +11323,7 @@
 </p:sld>
 </file>
 
-<file path=ppt/slides/slide36.xml><?xml version="1.0" encoding="utf-8"?>
+<file path=ppt/slides/slide39.xml><?xml version="1.0" encoding="utf-8"?>
 <p:sld xmlns:a="http://schemas.openxmlformats.org/drawingml/2006/main" xmlns:r="http://schemas.openxmlformats.org/officeDocument/2006/relationships" xmlns:p="http://schemas.openxmlformats.org/presentationml/2006/main">
   <p:cSld>
     <p:spTree>
@@ -10723,7 +11402,446 @@
 </p:sld>
 </file>
 
-<file path=ppt/slides/slide37.xml><?xml version="1.0" encoding="utf-8"?>
+<file path=ppt/slides/slide4.xml><?xml version="1.0" encoding="utf-8"?>
+<p:sld xmlns:a="http://schemas.openxmlformats.org/drawingml/2006/main" xmlns:r="http://schemas.openxmlformats.org/officeDocument/2006/relationships" xmlns:p="http://schemas.openxmlformats.org/presentationml/2006/main">
+  <p:cSld>
+    <p:spTree>
+      <p:nvGrpSpPr>
+        <p:cNvPr id="1" name=""/>
+        <p:cNvGrpSpPr/>
+        <p:nvPr/>
+      </p:nvGrpSpPr>
+      <p:grpSpPr>
+        <a:xfrm>
+          <a:off x="0" y="0"/>
+          <a:ext cx="0" cy="0"/>
+          <a:chOff x="0" y="0"/>
+          <a:chExt cx="0" cy="0"/>
+        </a:xfrm>
+      </p:grpSpPr>
+      <p:sp>
+        <p:nvSpPr>
+          <p:cNvPr id="5" name="Rectangle 4"/>
+          <p:cNvSpPr/>
+          <p:nvPr/>
+        </p:nvSpPr>
+        <p:spPr>
+          <a:xfrm>
+            <a:off x="1524596" y="4"/>
+            <a:ext cx="9142810" cy="584775"/>
+          </a:xfrm>
+          <a:prstGeom prst="rect">
+            <a:avLst/>
+          </a:prstGeom>
+          <a:noFill/>
+        </p:spPr>
+        <p:txBody>
+          <a:bodyPr wrap="square">
+            <a:spAutoFit/>
+          </a:bodyPr>
+          <a:lstStyle/>
+          <a:p>
+            <a:pPr algn="r"/>
+            <a:r>
+              <a:rPr lang="en-IN" sz="3200" i="1" dirty="0">
+                <a:solidFill>
+                  <a:srgbClr val="FF9900"/>
+                </a:solidFill>
+                <a:latin typeface="Arial" pitchFamily="34" charset="0"/>
+                <a:cs typeface="Arial" pitchFamily="34" charset="0"/>
+              </a:rPr>
+              <a:t>Second Generation of Computers</a:t>
+            </a:r>
+          </a:p>
+        </p:txBody>
+      </p:sp>
+      <p:sp>
+        <p:nvSpPr>
+          <p:cNvPr id="2" name="TextBox 1">
+            <a:extLst>
+              <a:ext uri="{FF2B5EF4-FFF2-40B4-BE49-F238E27FC236}">
+                <a16:creationId xmlns:a16="http://schemas.microsoft.com/office/drawing/2014/main" id="{3ECBB028-1365-FB7C-0374-717123690D5B}"/>
+              </a:ext>
+            </a:extLst>
+          </p:cNvPr>
+          <p:cNvSpPr txBox="1"/>
+          <p:nvPr/>
+        </p:nvSpPr>
+        <p:spPr>
+          <a:xfrm>
+            <a:off x="191344" y="908720"/>
+            <a:ext cx="11809312" cy="2800767"/>
+          </a:xfrm>
+          <a:prstGeom prst="rect">
+            <a:avLst/>
+          </a:prstGeom>
+          <a:noFill/>
+        </p:spPr>
+        <p:txBody>
+          <a:bodyPr wrap="square">
+            <a:spAutoFit/>
+          </a:bodyPr>
+          <a:lstStyle/>
+          <a:p>
+            <a:pPr marL="342900" indent="-342900" algn="just">
+              <a:buFont typeface="Arial" panose="020B0604020202020204" pitchFamily="34" charset="0"/>
+              <a:buChar char="•"/>
+            </a:pPr>
+            <a:r>
+              <a:rPr lang="en-US" sz="2000" b="0" i="0" dirty="0">
+                <a:solidFill>
+                  <a:srgbClr val="000000"/>
+                </a:solidFill>
+                <a:effectLst/>
+                <a:latin typeface="Arial" panose="020B0604020202020204" pitchFamily="34" charset="0"/>
+                <a:cs typeface="Arial" panose="020B0604020202020204" pitchFamily="34" charset="0"/>
+              </a:rPr>
+              <a:t>The period of second generation was from 1959-1965. </a:t>
+            </a:r>
+          </a:p>
+          <a:p>
+            <a:pPr marL="171450" indent="-171450" algn="just">
+              <a:buFont typeface="Arial" panose="020B0604020202020204" pitchFamily="34" charset="0"/>
+              <a:buChar char="•"/>
+            </a:pPr>
+            <a:endParaRPr lang="en-US" sz="1200" dirty="0">
+              <a:solidFill>
+                <a:srgbClr val="000000"/>
+              </a:solidFill>
+              <a:latin typeface="Arial" panose="020B0604020202020204" pitchFamily="34" charset="0"/>
+              <a:cs typeface="Arial" panose="020B0604020202020204" pitchFamily="34" charset="0"/>
+            </a:endParaRPr>
+          </a:p>
+          <a:p>
+            <a:pPr marL="342900" indent="-342900" algn="just">
+              <a:buFont typeface="Arial" panose="020B0604020202020204" pitchFamily="34" charset="0"/>
+              <a:buChar char="•"/>
+            </a:pPr>
+            <a:r>
+              <a:rPr lang="en-US" sz="2000" b="0" i="0" dirty="0">
+                <a:solidFill>
+                  <a:srgbClr val="000000"/>
+                </a:solidFill>
+                <a:effectLst/>
+                <a:latin typeface="Arial" panose="020B0604020202020204" pitchFamily="34" charset="0"/>
+                <a:cs typeface="Arial" panose="020B0604020202020204" pitchFamily="34" charset="0"/>
+              </a:rPr>
+              <a:t>In this generation, transistors were used that were cheaper, consumed less power and faster than the first generation machines made of vacuum tubes. </a:t>
+            </a:r>
+          </a:p>
+          <a:p>
+            <a:pPr marL="171450" indent="-171450" algn="just">
+              <a:buFont typeface="Arial" panose="020B0604020202020204" pitchFamily="34" charset="0"/>
+              <a:buChar char="•"/>
+            </a:pPr>
+            <a:endParaRPr lang="en-US" sz="1200" dirty="0">
+              <a:solidFill>
+                <a:srgbClr val="000000"/>
+              </a:solidFill>
+              <a:latin typeface="Arial" panose="020B0604020202020204" pitchFamily="34" charset="0"/>
+              <a:cs typeface="Arial" panose="020B0604020202020204" pitchFamily="34" charset="0"/>
+            </a:endParaRPr>
+          </a:p>
+          <a:p>
+            <a:pPr marL="342900" indent="-342900" algn="just">
+              <a:buFont typeface="Arial" panose="020B0604020202020204" pitchFamily="34" charset="0"/>
+              <a:buChar char="•"/>
+            </a:pPr>
+            <a:r>
+              <a:rPr lang="en-US" sz="2000" b="0" i="0" dirty="0">
+                <a:solidFill>
+                  <a:srgbClr val="000000"/>
+                </a:solidFill>
+                <a:effectLst/>
+                <a:latin typeface="Arial" panose="020B0604020202020204" pitchFamily="34" charset="0"/>
+                <a:cs typeface="Arial" panose="020B0604020202020204" pitchFamily="34" charset="0"/>
+              </a:rPr>
+              <a:t>In this generation, magnetic cores were used as the primary memory and magnetic tape and magnetic disks as secondary storage devices.</a:t>
+            </a:r>
+          </a:p>
+          <a:p>
+            <a:pPr marL="171450" indent="-171450" algn="just">
+              <a:buFont typeface="Arial" panose="020B0604020202020204" pitchFamily="34" charset="0"/>
+              <a:buChar char="•"/>
+            </a:pPr>
+            <a:endParaRPr lang="en-US" sz="1200" b="0" i="0" dirty="0">
+              <a:solidFill>
+                <a:srgbClr val="000000"/>
+              </a:solidFill>
+              <a:effectLst/>
+              <a:latin typeface="Arial" panose="020B0604020202020204" pitchFamily="34" charset="0"/>
+              <a:cs typeface="Arial" panose="020B0604020202020204" pitchFamily="34" charset="0"/>
+            </a:endParaRPr>
+          </a:p>
+          <a:p>
+            <a:pPr marL="342900" indent="-342900" algn="just">
+              <a:buFont typeface="Arial" panose="020B0604020202020204" pitchFamily="34" charset="0"/>
+              <a:buChar char="•"/>
+            </a:pPr>
+            <a:r>
+              <a:rPr lang="en-US" sz="2000" b="0" i="0" dirty="0">
+                <a:solidFill>
+                  <a:srgbClr val="000000"/>
+                </a:solidFill>
+                <a:effectLst/>
+                <a:latin typeface="Arial" panose="020B0604020202020204" pitchFamily="34" charset="0"/>
+                <a:cs typeface="Arial" panose="020B0604020202020204" pitchFamily="34" charset="0"/>
+              </a:rPr>
+              <a:t>In this generation, assembly language and high-level programming languages like FORTRAN, COBOL were used. The computers used batch processing and multiprogramming operating system.</a:t>
+            </a:r>
+          </a:p>
+        </p:txBody>
+      </p:sp>
+      <p:sp>
+        <p:nvSpPr>
+          <p:cNvPr id="3" name="TextBox 2">
+            <a:extLst>
+              <a:ext uri="{FF2B5EF4-FFF2-40B4-BE49-F238E27FC236}">
+                <a16:creationId xmlns:a16="http://schemas.microsoft.com/office/drawing/2014/main" id="{A0527D66-7CD6-FA26-B7C7-440DBC054928}"/>
+              </a:ext>
+            </a:extLst>
+          </p:cNvPr>
+          <p:cNvSpPr txBox="1"/>
+          <p:nvPr/>
+        </p:nvSpPr>
+        <p:spPr>
+          <a:xfrm>
+            <a:off x="263352" y="3933056"/>
+            <a:ext cx="6768752" cy="2554545"/>
+          </a:xfrm>
+          <a:prstGeom prst="rect">
+            <a:avLst/>
+          </a:prstGeom>
+          <a:noFill/>
+        </p:spPr>
+        <p:txBody>
+          <a:bodyPr wrap="square">
+            <a:spAutoFit/>
+          </a:bodyPr>
+          <a:lstStyle/>
+          <a:p>
+            <a:pPr algn="just"/>
+            <a:r>
+              <a:rPr lang="en-US" sz="2000" b="1" i="0" dirty="0">
+                <a:solidFill>
+                  <a:srgbClr val="000000"/>
+                </a:solidFill>
+                <a:effectLst/>
+                <a:latin typeface="Arial" panose="020B0604020202020204" pitchFamily="34" charset="0"/>
+                <a:cs typeface="Arial" panose="020B0604020202020204" pitchFamily="34" charset="0"/>
+              </a:rPr>
+              <a:t>The main features of the second generation are −</a:t>
+            </a:r>
+          </a:p>
+          <a:p>
+            <a:pPr algn="just"/>
+            <a:endParaRPr lang="en-US" sz="2000" b="0" i="0" dirty="0">
+              <a:solidFill>
+                <a:srgbClr val="000000"/>
+              </a:solidFill>
+              <a:effectLst/>
+              <a:latin typeface="Arial" panose="020B0604020202020204" pitchFamily="34" charset="0"/>
+              <a:cs typeface="Arial" panose="020B0604020202020204" pitchFamily="34" charset="0"/>
+            </a:endParaRPr>
+          </a:p>
+          <a:p>
+            <a:pPr marL="457200" indent="-457200" algn="l">
+              <a:buFont typeface="+mj-lt"/>
+              <a:buAutoNum type="arabicPeriod"/>
+            </a:pPr>
+            <a:r>
+              <a:rPr lang="en-US" sz="2000" b="0" i="0" dirty="0">
+                <a:solidFill>
+                  <a:srgbClr val="000000"/>
+                </a:solidFill>
+                <a:effectLst/>
+                <a:latin typeface="Arial" panose="020B0604020202020204" pitchFamily="34" charset="0"/>
+                <a:cs typeface="Arial" panose="020B0604020202020204" pitchFamily="34" charset="0"/>
+              </a:rPr>
+              <a:t>Use of transistors</a:t>
+            </a:r>
+          </a:p>
+          <a:p>
+            <a:pPr marL="457200" indent="-457200" algn="l">
+              <a:buFont typeface="+mj-lt"/>
+              <a:buAutoNum type="arabicPeriod"/>
+            </a:pPr>
+            <a:r>
+              <a:rPr lang="en-US" sz="2000" b="0" i="0" dirty="0">
+                <a:solidFill>
+                  <a:srgbClr val="000000"/>
+                </a:solidFill>
+                <a:effectLst/>
+                <a:latin typeface="Arial" panose="020B0604020202020204" pitchFamily="34" charset="0"/>
+                <a:cs typeface="Arial" panose="020B0604020202020204" pitchFamily="34" charset="0"/>
+              </a:rPr>
+              <a:t>Reliable in comparison to first generation computers</a:t>
+            </a:r>
+          </a:p>
+          <a:p>
+            <a:pPr marL="457200" indent="-457200" algn="l">
+              <a:buFont typeface="+mj-lt"/>
+              <a:buAutoNum type="arabicPeriod"/>
+            </a:pPr>
+            <a:r>
+              <a:rPr lang="en-US" sz="2000" b="0" i="0" dirty="0">
+                <a:solidFill>
+                  <a:srgbClr val="000000"/>
+                </a:solidFill>
+                <a:effectLst/>
+                <a:latin typeface="Arial" panose="020B0604020202020204" pitchFamily="34" charset="0"/>
+                <a:cs typeface="Arial" panose="020B0604020202020204" pitchFamily="34" charset="0"/>
+              </a:rPr>
+              <a:t>Smaller size as compared to first generation</a:t>
+            </a:r>
+          </a:p>
+          <a:p>
+            <a:pPr marL="457200" indent="-457200" algn="l">
+              <a:buFont typeface="+mj-lt"/>
+              <a:buAutoNum type="arabicPeriod"/>
+            </a:pPr>
+            <a:r>
+              <a:rPr lang="en-US" sz="2000" b="0" i="0" dirty="0">
+                <a:solidFill>
+                  <a:srgbClr val="000000"/>
+                </a:solidFill>
+                <a:effectLst/>
+                <a:latin typeface="Arial" panose="020B0604020202020204" pitchFamily="34" charset="0"/>
+                <a:cs typeface="Arial" panose="020B0604020202020204" pitchFamily="34" charset="0"/>
+              </a:rPr>
+              <a:t>Generated less heat as compared to first generation</a:t>
+            </a:r>
+          </a:p>
+          <a:p>
+            <a:pPr marL="457200" indent="-457200">
+              <a:buFont typeface="+mj-lt"/>
+              <a:buAutoNum type="arabicPeriod"/>
+            </a:pPr>
+            <a:r>
+              <a:rPr lang="en-US" sz="2000" b="0" i="0" dirty="0">
+                <a:solidFill>
+                  <a:srgbClr val="000000"/>
+                </a:solidFill>
+                <a:effectLst/>
+                <a:latin typeface="Arial" panose="020B0604020202020204" pitchFamily="34" charset="0"/>
+                <a:cs typeface="Arial" panose="020B0604020202020204" pitchFamily="34" charset="0"/>
+              </a:rPr>
+              <a:t>Consumed less electricity as compared to first generation</a:t>
+            </a:r>
+          </a:p>
+        </p:txBody>
+      </p:sp>
+      <p:sp>
+        <p:nvSpPr>
+          <p:cNvPr id="6" name="TextBox 5">
+            <a:extLst>
+              <a:ext uri="{FF2B5EF4-FFF2-40B4-BE49-F238E27FC236}">
+                <a16:creationId xmlns:a16="http://schemas.microsoft.com/office/drawing/2014/main" id="{1888DE6B-7BCE-EEBD-AF05-A1F01FA2BF59}"/>
+              </a:ext>
+            </a:extLst>
+          </p:cNvPr>
+          <p:cNvSpPr txBox="1"/>
+          <p:nvPr/>
+        </p:nvSpPr>
+        <p:spPr>
+          <a:xfrm>
+            <a:off x="7176120" y="4856385"/>
+            <a:ext cx="4824536" cy="1631216"/>
+          </a:xfrm>
+          <a:prstGeom prst="rect">
+            <a:avLst/>
+          </a:prstGeom>
+          <a:noFill/>
+        </p:spPr>
+        <p:txBody>
+          <a:bodyPr wrap="square">
+            <a:spAutoFit/>
+          </a:bodyPr>
+          <a:lstStyle/>
+          <a:p>
+            <a:pPr marL="457200" indent="-457200" algn="l">
+              <a:buFont typeface="+mj-lt"/>
+              <a:buAutoNum type="arabicPeriod" startAt="5"/>
+            </a:pPr>
+            <a:r>
+              <a:rPr lang="en-US" sz="2000" b="0" i="0" dirty="0">
+                <a:solidFill>
+                  <a:srgbClr val="000000"/>
+                </a:solidFill>
+                <a:effectLst/>
+                <a:latin typeface="Arial" panose="020B0604020202020204" pitchFamily="34" charset="0"/>
+                <a:cs typeface="Arial" panose="020B0604020202020204" pitchFamily="34" charset="0"/>
+              </a:rPr>
+              <a:t>Faster than first generation</a:t>
+            </a:r>
+          </a:p>
+          <a:p>
+            <a:pPr marL="457200" indent="-457200" algn="l">
+              <a:buFont typeface="+mj-lt"/>
+              <a:buAutoNum type="arabicPeriod" startAt="5"/>
+            </a:pPr>
+            <a:r>
+              <a:rPr lang="en-US" sz="2000" b="0" i="0" dirty="0">
+                <a:solidFill>
+                  <a:srgbClr val="000000"/>
+                </a:solidFill>
+                <a:effectLst/>
+                <a:latin typeface="Arial" panose="020B0604020202020204" pitchFamily="34" charset="0"/>
+                <a:cs typeface="Arial" panose="020B0604020202020204" pitchFamily="34" charset="0"/>
+              </a:rPr>
+              <a:t>Still very costly</a:t>
+            </a:r>
+          </a:p>
+          <a:p>
+            <a:pPr marL="457200" indent="-457200" algn="l">
+              <a:buFont typeface="+mj-lt"/>
+              <a:buAutoNum type="arabicPeriod" startAt="5"/>
+            </a:pPr>
+            <a:r>
+              <a:rPr lang="en-US" sz="2000" b="0" i="0" dirty="0">
+                <a:solidFill>
+                  <a:srgbClr val="000000"/>
+                </a:solidFill>
+                <a:effectLst/>
+                <a:latin typeface="Arial" panose="020B0604020202020204" pitchFamily="34" charset="0"/>
+                <a:cs typeface="Arial" panose="020B0604020202020204" pitchFamily="34" charset="0"/>
+              </a:rPr>
+              <a:t>AC required</a:t>
+            </a:r>
+          </a:p>
+          <a:p>
+            <a:pPr marL="457200" indent="-457200" algn="l">
+              <a:buFont typeface="+mj-lt"/>
+              <a:buAutoNum type="arabicPeriod" startAt="5"/>
+            </a:pPr>
+            <a:r>
+              <a:rPr lang="en-US" sz="2000" b="0" i="0" dirty="0">
+                <a:solidFill>
+                  <a:srgbClr val="000000"/>
+                </a:solidFill>
+                <a:effectLst/>
+                <a:latin typeface="Arial" panose="020B0604020202020204" pitchFamily="34" charset="0"/>
+                <a:cs typeface="Arial" panose="020B0604020202020204" pitchFamily="34" charset="0"/>
+              </a:rPr>
+              <a:t>Supported machine and assembly languages</a:t>
+            </a:r>
+          </a:p>
+        </p:txBody>
+      </p:sp>
+    </p:spTree>
+    <p:extLst>
+      <p:ext uri="{BB962C8B-B14F-4D97-AF65-F5344CB8AC3E}">
+        <p14:creationId xmlns:p14="http://schemas.microsoft.com/office/powerpoint/2010/main" val="3239572161"/>
+      </p:ext>
+    </p:extLst>
+  </p:cSld>
+  <p:clrMapOvr>
+    <a:masterClrMapping/>
+  </p:clrMapOvr>
+</p:sld>
+</file>
+
+<file path=ppt/slides/slide40.xml><?xml version="1.0" encoding="utf-8"?>
 <p:sld xmlns:a="http://schemas.openxmlformats.org/drawingml/2006/main" xmlns:r="http://schemas.openxmlformats.org/officeDocument/2006/relationships" xmlns:p="http://schemas.openxmlformats.org/presentationml/2006/main">
   <p:cSld>
     <p:spTree>
@@ -10978,445 +12096,6 @@
     <p:extLst>
       <p:ext uri="{BB962C8B-B14F-4D97-AF65-F5344CB8AC3E}">
         <p14:creationId xmlns:p14="http://schemas.microsoft.com/office/powerpoint/2010/main" val="1144714866"/>
-      </p:ext>
-    </p:extLst>
-  </p:cSld>
-  <p:clrMapOvr>
-    <a:masterClrMapping/>
-  </p:clrMapOvr>
-</p:sld>
-</file>
-
-<file path=ppt/slides/slide4.xml><?xml version="1.0" encoding="utf-8"?>
-<p:sld xmlns:a="http://schemas.openxmlformats.org/drawingml/2006/main" xmlns:r="http://schemas.openxmlformats.org/officeDocument/2006/relationships" xmlns:p="http://schemas.openxmlformats.org/presentationml/2006/main">
-  <p:cSld>
-    <p:spTree>
-      <p:nvGrpSpPr>
-        <p:cNvPr id="1" name=""/>
-        <p:cNvGrpSpPr/>
-        <p:nvPr/>
-      </p:nvGrpSpPr>
-      <p:grpSpPr>
-        <a:xfrm>
-          <a:off x="0" y="0"/>
-          <a:ext cx="0" cy="0"/>
-          <a:chOff x="0" y="0"/>
-          <a:chExt cx="0" cy="0"/>
-        </a:xfrm>
-      </p:grpSpPr>
-      <p:sp>
-        <p:nvSpPr>
-          <p:cNvPr id="5" name="Rectangle 4"/>
-          <p:cNvSpPr/>
-          <p:nvPr/>
-        </p:nvSpPr>
-        <p:spPr>
-          <a:xfrm>
-            <a:off x="1524596" y="4"/>
-            <a:ext cx="9142810" cy="584775"/>
-          </a:xfrm>
-          <a:prstGeom prst="rect">
-            <a:avLst/>
-          </a:prstGeom>
-          <a:noFill/>
-        </p:spPr>
-        <p:txBody>
-          <a:bodyPr wrap="square">
-            <a:spAutoFit/>
-          </a:bodyPr>
-          <a:lstStyle/>
-          <a:p>
-            <a:pPr algn="r"/>
-            <a:r>
-              <a:rPr lang="en-IN" sz="3200" i="1" dirty="0">
-                <a:solidFill>
-                  <a:srgbClr val="FF9900"/>
-                </a:solidFill>
-                <a:latin typeface="Arial" pitchFamily="34" charset="0"/>
-                <a:cs typeface="Arial" pitchFamily="34" charset="0"/>
-              </a:rPr>
-              <a:t>Second Generation of Computers</a:t>
-            </a:r>
-          </a:p>
-        </p:txBody>
-      </p:sp>
-      <p:sp>
-        <p:nvSpPr>
-          <p:cNvPr id="2" name="TextBox 1">
-            <a:extLst>
-              <a:ext uri="{FF2B5EF4-FFF2-40B4-BE49-F238E27FC236}">
-                <a16:creationId xmlns:a16="http://schemas.microsoft.com/office/drawing/2014/main" id="{3ECBB028-1365-FB7C-0374-717123690D5B}"/>
-              </a:ext>
-            </a:extLst>
-          </p:cNvPr>
-          <p:cNvSpPr txBox="1"/>
-          <p:nvPr/>
-        </p:nvSpPr>
-        <p:spPr>
-          <a:xfrm>
-            <a:off x="191344" y="908720"/>
-            <a:ext cx="11809312" cy="2800767"/>
-          </a:xfrm>
-          <a:prstGeom prst="rect">
-            <a:avLst/>
-          </a:prstGeom>
-          <a:noFill/>
-        </p:spPr>
-        <p:txBody>
-          <a:bodyPr wrap="square">
-            <a:spAutoFit/>
-          </a:bodyPr>
-          <a:lstStyle/>
-          <a:p>
-            <a:pPr marL="342900" indent="-342900" algn="just">
-              <a:buFont typeface="Arial" panose="020B0604020202020204" pitchFamily="34" charset="0"/>
-              <a:buChar char="•"/>
-            </a:pPr>
-            <a:r>
-              <a:rPr lang="en-US" sz="2000" b="0" i="0" dirty="0">
-                <a:solidFill>
-                  <a:srgbClr val="000000"/>
-                </a:solidFill>
-                <a:effectLst/>
-                <a:latin typeface="Arial" panose="020B0604020202020204" pitchFamily="34" charset="0"/>
-                <a:cs typeface="Arial" panose="020B0604020202020204" pitchFamily="34" charset="0"/>
-              </a:rPr>
-              <a:t>The period of second generation was from 1959-1965. </a:t>
-            </a:r>
-          </a:p>
-          <a:p>
-            <a:pPr marL="171450" indent="-171450" algn="just">
-              <a:buFont typeface="Arial" panose="020B0604020202020204" pitchFamily="34" charset="0"/>
-              <a:buChar char="•"/>
-            </a:pPr>
-            <a:endParaRPr lang="en-US" sz="1200" dirty="0">
-              <a:solidFill>
-                <a:srgbClr val="000000"/>
-              </a:solidFill>
-              <a:latin typeface="Arial" panose="020B0604020202020204" pitchFamily="34" charset="0"/>
-              <a:cs typeface="Arial" panose="020B0604020202020204" pitchFamily="34" charset="0"/>
-            </a:endParaRPr>
-          </a:p>
-          <a:p>
-            <a:pPr marL="342900" indent="-342900" algn="just">
-              <a:buFont typeface="Arial" panose="020B0604020202020204" pitchFamily="34" charset="0"/>
-              <a:buChar char="•"/>
-            </a:pPr>
-            <a:r>
-              <a:rPr lang="en-US" sz="2000" b="0" i="0" dirty="0">
-                <a:solidFill>
-                  <a:srgbClr val="000000"/>
-                </a:solidFill>
-                <a:effectLst/>
-                <a:latin typeface="Arial" panose="020B0604020202020204" pitchFamily="34" charset="0"/>
-                <a:cs typeface="Arial" panose="020B0604020202020204" pitchFamily="34" charset="0"/>
-              </a:rPr>
-              <a:t>In this generation, transistors were used that were cheaper, consumed less power and faster than the first generation machines made of vacuum tubes. </a:t>
-            </a:r>
-          </a:p>
-          <a:p>
-            <a:pPr marL="171450" indent="-171450" algn="just">
-              <a:buFont typeface="Arial" panose="020B0604020202020204" pitchFamily="34" charset="0"/>
-              <a:buChar char="•"/>
-            </a:pPr>
-            <a:endParaRPr lang="en-US" sz="1200" dirty="0">
-              <a:solidFill>
-                <a:srgbClr val="000000"/>
-              </a:solidFill>
-              <a:latin typeface="Arial" panose="020B0604020202020204" pitchFamily="34" charset="0"/>
-              <a:cs typeface="Arial" panose="020B0604020202020204" pitchFamily="34" charset="0"/>
-            </a:endParaRPr>
-          </a:p>
-          <a:p>
-            <a:pPr marL="342900" indent="-342900" algn="just">
-              <a:buFont typeface="Arial" panose="020B0604020202020204" pitchFamily="34" charset="0"/>
-              <a:buChar char="•"/>
-            </a:pPr>
-            <a:r>
-              <a:rPr lang="en-US" sz="2000" b="0" i="0" dirty="0">
-                <a:solidFill>
-                  <a:srgbClr val="000000"/>
-                </a:solidFill>
-                <a:effectLst/>
-                <a:latin typeface="Arial" panose="020B0604020202020204" pitchFamily="34" charset="0"/>
-                <a:cs typeface="Arial" panose="020B0604020202020204" pitchFamily="34" charset="0"/>
-              </a:rPr>
-              <a:t>In this generation, magnetic cores were used as the primary memory and magnetic tape and magnetic disks as secondary storage devices.</a:t>
-            </a:r>
-          </a:p>
-          <a:p>
-            <a:pPr marL="171450" indent="-171450" algn="just">
-              <a:buFont typeface="Arial" panose="020B0604020202020204" pitchFamily="34" charset="0"/>
-              <a:buChar char="•"/>
-            </a:pPr>
-            <a:endParaRPr lang="en-US" sz="1200" b="0" i="0" dirty="0">
-              <a:solidFill>
-                <a:srgbClr val="000000"/>
-              </a:solidFill>
-              <a:effectLst/>
-              <a:latin typeface="Arial" panose="020B0604020202020204" pitchFamily="34" charset="0"/>
-              <a:cs typeface="Arial" panose="020B0604020202020204" pitchFamily="34" charset="0"/>
-            </a:endParaRPr>
-          </a:p>
-          <a:p>
-            <a:pPr marL="342900" indent="-342900" algn="just">
-              <a:buFont typeface="Arial" panose="020B0604020202020204" pitchFamily="34" charset="0"/>
-              <a:buChar char="•"/>
-            </a:pPr>
-            <a:r>
-              <a:rPr lang="en-US" sz="2000" b="0" i="0" dirty="0">
-                <a:solidFill>
-                  <a:srgbClr val="000000"/>
-                </a:solidFill>
-                <a:effectLst/>
-                <a:latin typeface="Arial" panose="020B0604020202020204" pitchFamily="34" charset="0"/>
-                <a:cs typeface="Arial" panose="020B0604020202020204" pitchFamily="34" charset="0"/>
-              </a:rPr>
-              <a:t>In this generation, assembly language and high-level programming languages like FORTRAN, COBOL were used. The computers used batch processing and multiprogramming operating system.</a:t>
-            </a:r>
-          </a:p>
-        </p:txBody>
-      </p:sp>
-      <p:sp>
-        <p:nvSpPr>
-          <p:cNvPr id="3" name="TextBox 2">
-            <a:extLst>
-              <a:ext uri="{FF2B5EF4-FFF2-40B4-BE49-F238E27FC236}">
-                <a16:creationId xmlns:a16="http://schemas.microsoft.com/office/drawing/2014/main" id="{A0527D66-7CD6-FA26-B7C7-440DBC054928}"/>
-              </a:ext>
-            </a:extLst>
-          </p:cNvPr>
-          <p:cNvSpPr txBox="1"/>
-          <p:nvPr/>
-        </p:nvSpPr>
-        <p:spPr>
-          <a:xfrm>
-            <a:off x="263352" y="3933056"/>
-            <a:ext cx="6768752" cy="2554545"/>
-          </a:xfrm>
-          <a:prstGeom prst="rect">
-            <a:avLst/>
-          </a:prstGeom>
-          <a:noFill/>
-        </p:spPr>
-        <p:txBody>
-          <a:bodyPr wrap="square">
-            <a:spAutoFit/>
-          </a:bodyPr>
-          <a:lstStyle/>
-          <a:p>
-            <a:pPr algn="just"/>
-            <a:r>
-              <a:rPr lang="en-US" sz="2000" b="1" i="0" dirty="0">
-                <a:solidFill>
-                  <a:srgbClr val="000000"/>
-                </a:solidFill>
-                <a:effectLst/>
-                <a:latin typeface="Arial" panose="020B0604020202020204" pitchFamily="34" charset="0"/>
-                <a:cs typeface="Arial" panose="020B0604020202020204" pitchFamily="34" charset="0"/>
-              </a:rPr>
-              <a:t>The main features of the second generation are −</a:t>
-            </a:r>
-          </a:p>
-          <a:p>
-            <a:pPr algn="just"/>
-            <a:endParaRPr lang="en-US" sz="2000" b="0" i="0" dirty="0">
-              <a:solidFill>
-                <a:srgbClr val="000000"/>
-              </a:solidFill>
-              <a:effectLst/>
-              <a:latin typeface="Arial" panose="020B0604020202020204" pitchFamily="34" charset="0"/>
-              <a:cs typeface="Arial" panose="020B0604020202020204" pitchFamily="34" charset="0"/>
-            </a:endParaRPr>
-          </a:p>
-          <a:p>
-            <a:pPr marL="457200" indent="-457200" algn="l">
-              <a:buFont typeface="+mj-lt"/>
-              <a:buAutoNum type="arabicPeriod"/>
-            </a:pPr>
-            <a:r>
-              <a:rPr lang="en-US" sz="2000" b="0" i="0" dirty="0">
-                <a:solidFill>
-                  <a:srgbClr val="000000"/>
-                </a:solidFill>
-                <a:effectLst/>
-                <a:latin typeface="Arial" panose="020B0604020202020204" pitchFamily="34" charset="0"/>
-                <a:cs typeface="Arial" panose="020B0604020202020204" pitchFamily="34" charset="0"/>
-              </a:rPr>
-              <a:t>Use of transistors</a:t>
-            </a:r>
-          </a:p>
-          <a:p>
-            <a:pPr marL="457200" indent="-457200" algn="l">
-              <a:buFont typeface="+mj-lt"/>
-              <a:buAutoNum type="arabicPeriod"/>
-            </a:pPr>
-            <a:r>
-              <a:rPr lang="en-US" sz="2000" b="0" i="0" dirty="0">
-                <a:solidFill>
-                  <a:srgbClr val="000000"/>
-                </a:solidFill>
-                <a:effectLst/>
-                <a:latin typeface="Arial" panose="020B0604020202020204" pitchFamily="34" charset="0"/>
-                <a:cs typeface="Arial" panose="020B0604020202020204" pitchFamily="34" charset="0"/>
-              </a:rPr>
-              <a:t>Reliable in comparison to first generation computers</a:t>
-            </a:r>
-          </a:p>
-          <a:p>
-            <a:pPr marL="457200" indent="-457200" algn="l">
-              <a:buFont typeface="+mj-lt"/>
-              <a:buAutoNum type="arabicPeriod"/>
-            </a:pPr>
-            <a:r>
-              <a:rPr lang="en-US" sz="2000" b="0" i="0" dirty="0">
-                <a:solidFill>
-                  <a:srgbClr val="000000"/>
-                </a:solidFill>
-                <a:effectLst/>
-                <a:latin typeface="Arial" panose="020B0604020202020204" pitchFamily="34" charset="0"/>
-                <a:cs typeface="Arial" panose="020B0604020202020204" pitchFamily="34" charset="0"/>
-              </a:rPr>
-              <a:t>Smaller size as compared to first generation</a:t>
-            </a:r>
-          </a:p>
-          <a:p>
-            <a:pPr marL="457200" indent="-457200" algn="l">
-              <a:buFont typeface="+mj-lt"/>
-              <a:buAutoNum type="arabicPeriod"/>
-            </a:pPr>
-            <a:r>
-              <a:rPr lang="en-US" sz="2000" b="0" i="0" dirty="0">
-                <a:solidFill>
-                  <a:srgbClr val="000000"/>
-                </a:solidFill>
-                <a:effectLst/>
-                <a:latin typeface="Arial" panose="020B0604020202020204" pitchFamily="34" charset="0"/>
-                <a:cs typeface="Arial" panose="020B0604020202020204" pitchFamily="34" charset="0"/>
-              </a:rPr>
-              <a:t>Generated less heat as compared to first generation</a:t>
-            </a:r>
-          </a:p>
-          <a:p>
-            <a:pPr marL="457200" indent="-457200">
-              <a:buFont typeface="+mj-lt"/>
-              <a:buAutoNum type="arabicPeriod"/>
-            </a:pPr>
-            <a:r>
-              <a:rPr lang="en-US" sz="2000" b="0" i="0" dirty="0">
-                <a:solidFill>
-                  <a:srgbClr val="000000"/>
-                </a:solidFill>
-                <a:effectLst/>
-                <a:latin typeface="Arial" panose="020B0604020202020204" pitchFamily="34" charset="0"/>
-                <a:cs typeface="Arial" panose="020B0604020202020204" pitchFamily="34" charset="0"/>
-              </a:rPr>
-              <a:t>Consumed less electricity as compared to first generation</a:t>
-            </a:r>
-          </a:p>
-        </p:txBody>
-      </p:sp>
-      <p:sp>
-        <p:nvSpPr>
-          <p:cNvPr id="6" name="TextBox 5">
-            <a:extLst>
-              <a:ext uri="{FF2B5EF4-FFF2-40B4-BE49-F238E27FC236}">
-                <a16:creationId xmlns:a16="http://schemas.microsoft.com/office/drawing/2014/main" id="{1888DE6B-7BCE-EEBD-AF05-A1F01FA2BF59}"/>
-              </a:ext>
-            </a:extLst>
-          </p:cNvPr>
-          <p:cNvSpPr txBox="1"/>
-          <p:nvPr/>
-        </p:nvSpPr>
-        <p:spPr>
-          <a:xfrm>
-            <a:off x="7176120" y="4856385"/>
-            <a:ext cx="4824536" cy="1631216"/>
-          </a:xfrm>
-          <a:prstGeom prst="rect">
-            <a:avLst/>
-          </a:prstGeom>
-          <a:noFill/>
-        </p:spPr>
-        <p:txBody>
-          <a:bodyPr wrap="square">
-            <a:spAutoFit/>
-          </a:bodyPr>
-          <a:lstStyle/>
-          <a:p>
-            <a:pPr marL="457200" indent="-457200" algn="l">
-              <a:buFont typeface="+mj-lt"/>
-              <a:buAutoNum type="arabicPeriod" startAt="5"/>
-            </a:pPr>
-            <a:r>
-              <a:rPr lang="en-US" sz="2000" b="0" i="0" dirty="0">
-                <a:solidFill>
-                  <a:srgbClr val="000000"/>
-                </a:solidFill>
-                <a:effectLst/>
-                <a:latin typeface="Arial" panose="020B0604020202020204" pitchFamily="34" charset="0"/>
-                <a:cs typeface="Arial" panose="020B0604020202020204" pitchFamily="34" charset="0"/>
-              </a:rPr>
-              <a:t>Faster than first generation</a:t>
-            </a:r>
-          </a:p>
-          <a:p>
-            <a:pPr marL="457200" indent="-457200" algn="l">
-              <a:buFont typeface="+mj-lt"/>
-              <a:buAutoNum type="arabicPeriod" startAt="5"/>
-            </a:pPr>
-            <a:r>
-              <a:rPr lang="en-US" sz="2000" b="0" i="0" dirty="0">
-                <a:solidFill>
-                  <a:srgbClr val="000000"/>
-                </a:solidFill>
-                <a:effectLst/>
-                <a:latin typeface="Arial" panose="020B0604020202020204" pitchFamily="34" charset="0"/>
-                <a:cs typeface="Arial" panose="020B0604020202020204" pitchFamily="34" charset="0"/>
-              </a:rPr>
-              <a:t>Still very costly</a:t>
-            </a:r>
-          </a:p>
-          <a:p>
-            <a:pPr marL="457200" indent="-457200" algn="l">
-              <a:buFont typeface="+mj-lt"/>
-              <a:buAutoNum type="arabicPeriod" startAt="5"/>
-            </a:pPr>
-            <a:r>
-              <a:rPr lang="en-US" sz="2000" b="0" i="0" dirty="0">
-                <a:solidFill>
-                  <a:srgbClr val="000000"/>
-                </a:solidFill>
-                <a:effectLst/>
-                <a:latin typeface="Arial" panose="020B0604020202020204" pitchFamily="34" charset="0"/>
-                <a:cs typeface="Arial" panose="020B0604020202020204" pitchFamily="34" charset="0"/>
-              </a:rPr>
-              <a:t>AC required</a:t>
-            </a:r>
-          </a:p>
-          <a:p>
-            <a:pPr marL="457200" indent="-457200" algn="l">
-              <a:buFont typeface="+mj-lt"/>
-              <a:buAutoNum type="arabicPeriod" startAt="5"/>
-            </a:pPr>
-            <a:r>
-              <a:rPr lang="en-US" sz="2000" b="0" i="0" dirty="0">
-                <a:solidFill>
-                  <a:srgbClr val="000000"/>
-                </a:solidFill>
-                <a:effectLst/>
-                <a:latin typeface="Arial" panose="020B0604020202020204" pitchFamily="34" charset="0"/>
-                <a:cs typeface="Arial" panose="020B0604020202020204" pitchFamily="34" charset="0"/>
-              </a:rPr>
-              <a:t>Supported machine and assembly languages</a:t>
-            </a:r>
-          </a:p>
-        </p:txBody>
-      </p:sp>
-    </p:spTree>
-    <p:extLst>
-      <p:ext uri="{BB962C8B-B14F-4D97-AF65-F5344CB8AC3E}">
-        <p14:creationId xmlns:p14="http://schemas.microsoft.com/office/powerpoint/2010/main" val="3239572161"/>
       </p:ext>
     </p:extLst>
   </p:cSld>

--- a/BIG Data.pptx
+++ b/BIG Data.pptx
@@ -5,7 +5,7 @@
     <p:sldMasterId id="2147483720" r:id="rId1"/>
   </p:sldMasterIdLst>
   <p:notesMasterIdLst>
-    <p:notesMasterId r:id="rId42"/>
+    <p:notesMasterId r:id="rId45"/>
   </p:notesMasterIdLst>
   <p:sldIdLst>
     <p:sldId id="257" r:id="rId2"/>
@@ -21,33 +21,36 @@
     <p:sldId id="1347" r:id="rId12"/>
     <p:sldId id="1348" r:id="rId13"/>
     <p:sldId id="1349" r:id="rId14"/>
-    <p:sldId id="1337" r:id="rId15"/>
-    <p:sldId id="599" r:id="rId16"/>
-    <p:sldId id="271" r:id="rId17"/>
-    <p:sldId id="1184" r:id="rId18"/>
-    <p:sldId id="1185" r:id="rId19"/>
-    <p:sldId id="1123" r:id="rId20"/>
-    <p:sldId id="1177" r:id="rId21"/>
-    <p:sldId id="1180" r:id="rId22"/>
-    <p:sldId id="1181" r:id="rId23"/>
-    <p:sldId id="1182" r:id="rId24"/>
-    <p:sldId id="1321" r:id="rId25"/>
-    <p:sldId id="864" r:id="rId26"/>
-    <p:sldId id="1179" r:id="rId27"/>
-    <p:sldId id="1183" r:id="rId28"/>
-    <p:sldId id="1322" r:id="rId29"/>
-    <p:sldId id="1323" r:id="rId30"/>
-    <p:sldId id="1324" r:id="rId31"/>
-    <p:sldId id="1325" r:id="rId32"/>
-    <p:sldId id="1326" r:id="rId33"/>
-    <p:sldId id="1327" r:id="rId34"/>
-    <p:sldId id="1328" r:id="rId35"/>
-    <p:sldId id="1329" r:id="rId36"/>
-    <p:sldId id="1330" r:id="rId37"/>
-    <p:sldId id="1331" r:id="rId38"/>
-    <p:sldId id="1332" r:id="rId39"/>
-    <p:sldId id="1335" r:id="rId40"/>
-    <p:sldId id="1336" r:id="rId41"/>
+    <p:sldId id="1350" r:id="rId15"/>
+    <p:sldId id="1351" r:id="rId16"/>
+    <p:sldId id="1352" r:id="rId17"/>
+    <p:sldId id="1337" r:id="rId18"/>
+    <p:sldId id="599" r:id="rId19"/>
+    <p:sldId id="271" r:id="rId20"/>
+    <p:sldId id="1184" r:id="rId21"/>
+    <p:sldId id="1185" r:id="rId22"/>
+    <p:sldId id="1123" r:id="rId23"/>
+    <p:sldId id="1177" r:id="rId24"/>
+    <p:sldId id="1180" r:id="rId25"/>
+    <p:sldId id="1181" r:id="rId26"/>
+    <p:sldId id="1182" r:id="rId27"/>
+    <p:sldId id="1321" r:id="rId28"/>
+    <p:sldId id="864" r:id="rId29"/>
+    <p:sldId id="1179" r:id="rId30"/>
+    <p:sldId id="1183" r:id="rId31"/>
+    <p:sldId id="1322" r:id="rId32"/>
+    <p:sldId id="1323" r:id="rId33"/>
+    <p:sldId id="1324" r:id="rId34"/>
+    <p:sldId id="1325" r:id="rId35"/>
+    <p:sldId id="1326" r:id="rId36"/>
+    <p:sldId id="1327" r:id="rId37"/>
+    <p:sldId id="1328" r:id="rId38"/>
+    <p:sldId id="1329" r:id="rId39"/>
+    <p:sldId id="1330" r:id="rId40"/>
+    <p:sldId id="1331" r:id="rId41"/>
+    <p:sldId id="1332" r:id="rId42"/>
+    <p:sldId id="1335" r:id="rId43"/>
+    <p:sldId id="1336" r:id="rId44"/>
   </p:sldIdLst>
   <p:sldSz cx="12192000" cy="6858000"/>
   <p:notesSz cx="6858000" cy="9144000"/>
@@ -4726,23 +4729,7 @@
                 <a:latin typeface="Arial" panose="020B0604020202020204" pitchFamily="34" charset="0"/>
                 <a:cs typeface="Arial" panose="020B0604020202020204" pitchFamily="34" charset="0"/>
               </a:rPr>
-              <a:t>: Developed by </a:t>
-            </a:r>
-            <a:r>
-              <a:rPr lang="en-US" b="0" i="0" dirty="0" err="1">
-                <a:effectLst/>
-                <a:latin typeface="Arial" panose="020B0604020202020204" pitchFamily="34" charset="0"/>
-                <a:cs typeface="Arial" panose="020B0604020202020204" pitchFamily="34" charset="0"/>
-              </a:rPr>
-              <a:t>Alick</a:t>
-            </a:r>
-            <a:r>
-              <a:rPr lang="en-US" b="0" i="0" dirty="0">
-                <a:effectLst/>
-                <a:latin typeface="Arial" panose="020B0604020202020204" pitchFamily="34" charset="0"/>
-                <a:cs typeface="Arial" panose="020B0604020202020204" pitchFamily="34" charset="0"/>
-              </a:rPr>
-              <a:t> Glennie. The first compiled computer programming language. COBOL and FORTRAN are the languages referred to as Autocode.</a:t>
+              <a:t>: Developed by Alick Glennie. The first compiled computer programming language. COBOL and FORTRAN are the languages referred to as Autocode.</a:t>
             </a:r>
           </a:p>
           <a:p>
@@ -4793,23 +4780,7 @@
                 <a:latin typeface="Arial" panose="020B0604020202020204" pitchFamily="34" charset="0"/>
                 <a:cs typeface="Arial" panose="020B0604020202020204" pitchFamily="34" charset="0"/>
               </a:rPr>
-              <a:t>: ALGOL stands for </a:t>
-            </a:r>
-            <a:r>
-              <a:rPr lang="en-US" b="0" i="0" dirty="0" err="1">
-                <a:effectLst/>
-                <a:latin typeface="Arial" panose="020B0604020202020204" pitchFamily="34" charset="0"/>
-                <a:cs typeface="Arial" panose="020B0604020202020204" pitchFamily="34" charset="0"/>
-              </a:rPr>
-              <a:t>ALGOrithmic</a:t>
-            </a:r>
-            <a:r>
-              <a:rPr lang="en-US" b="0" i="0" dirty="0">
-                <a:effectLst/>
-                <a:latin typeface="Arial" panose="020B0604020202020204" pitchFamily="34" charset="0"/>
-                <a:cs typeface="Arial" panose="020B0604020202020204" pitchFamily="34" charset="0"/>
-              </a:rPr>
-              <a:t> Language. The initial phase of the most popular programming languages of C, C++, and JAVA. It was also the first language implementing the nested function and has a simple syntax than FORTRAN. The first programming language to have a code block like “begin” that indicates that your program has started and “end” means you have ended your code.</a:t>
+              <a:t>: ALGOL stands for ALGOrithmic Language. The initial phase of the most popular programming languages of C, C++, and JAVA. It was also the first language implementing the nested function and has a simple syntax than FORTRAN. The first programming language to have a code block like “begin” that indicates that your program has started and “end” means you have ended your code.</a:t>
             </a:r>
           </a:p>
         </p:txBody>
@@ -5018,6 +4989,642 @@
 </file>
 
 <file path=ppt/slides/slide14.xml><?xml version="1.0" encoding="utf-8"?>
+<p:sld xmlns:a="http://schemas.openxmlformats.org/drawingml/2006/main" xmlns:r="http://schemas.openxmlformats.org/officeDocument/2006/relationships" xmlns:p="http://schemas.openxmlformats.org/presentationml/2006/main">
+  <p:cSld>
+    <p:spTree>
+      <p:nvGrpSpPr>
+        <p:cNvPr id="1" name=""/>
+        <p:cNvGrpSpPr/>
+        <p:nvPr/>
+      </p:nvGrpSpPr>
+      <p:grpSpPr>
+        <a:xfrm>
+          <a:off x="0" y="0"/>
+          <a:ext cx="0" cy="0"/>
+          <a:chOff x="0" y="0"/>
+          <a:chExt cx="0" cy="0"/>
+        </a:xfrm>
+      </p:grpSpPr>
+      <p:sp>
+        <p:nvSpPr>
+          <p:cNvPr id="5" name="Rectangle 4"/>
+          <p:cNvSpPr/>
+          <p:nvPr/>
+        </p:nvSpPr>
+        <p:spPr>
+          <a:xfrm>
+            <a:off x="1524596" y="4"/>
+            <a:ext cx="9142810" cy="584775"/>
+          </a:xfrm>
+          <a:prstGeom prst="rect">
+            <a:avLst/>
+          </a:prstGeom>
+          <a:noFill/>
+        </p:spPr>
+        <p:txBody>
+          <a:bodyPr wrap="square">
+            <a:spAutoFit/>
+          </a:bodyPr>
+          <a:lstStyle/>
+          <a:p>
+            <a:pPr algn="r"/>
+            <a:r>
+              <a:rPr lang="en-IN" sz="3200" i="1" dirty="0">
+                <a:solidFill>
+                  <a:srgbClr val="FF9900"/>
+                </a:solidFill>
+                <a:latin typeface="Arial" pitchFamily="34" charset="0"/>
+                <a:cs typeface="Arial" pitchFamily="34" charset="0"/>
+              </a:rPr>
+              <a:t>Evolution of Programming Languages</a:t>
+            </a:r>
+          </a:p>
+        </p:txBody>
+      </p:sp>
+      <p:sp>
+        <p:nvSpPr>
+          <p:cNvPr id="7" name="TextBox 6">
+            <a:extLst>
+              <a:ext uri="{FF2B5EF4-FFF2-40B4-BE49-F238E27FC236}">
+                <a16:creationId xmlns:a16="http://schemas.microsoft.com/office/drawing/2014/main" id="{0929427E-C272-D364-ECEA-51C5C323044B}"/>
+              </a:ext>
+            </a:extLst>
+          </p:cNvPr>
+          <p:cNvSpPr txBox="1"/>
+          <p:nvPr/>
+        </p:nvSpPr>
+        <p:spPr>
+          <a:xfrm>
+            <a:off x="191344" y="908720"/>
+            <a:ext cx="11809312" cy="4801314"/>
+          </a:xfrm>
+          <a:prstGeom prst="rect">
+            <a:avLst/>
+          </a:prstGeom>
+          <a:noFill/>
+        </p:spPr>
+        <p:txBody>
+          <a:bodyPr wrap="square">
+            <a:spAutoFit/>
+          </a:bodyPr>
+          <a:lstStyle/>
+          <a:p>
+            <a:pPr algn="just" fontAlgn="base"/>
+            <a:r>
+              <a:rPr lang="en-US" b="1" i="0" dirty="0">
+                <a:effectLst/>
+                <a:latin typeface="Arial" panose="020B0604020202020204" pitchFamily="34" charset="0"/>
+                <a:cs typeface="Arial" panose="020B0604020202020204" pitchFamily="34" charset="0"/>
+              </a:rPr>
+              <a:t>1972 SQL</a:t>
+            </a:r>
+            <a:r>
+              <a:rPr lang="en-US" dirty="0">
+                <a:latin typeface="Arial" panose="020B0604020202020204" pitchFamily="34" charset="0"/>
+                <a:cs typeface="Arial" panose="020B0604020202020204" pitchFamily="34" charset="0"/>
+              </a:rPr>
+              <a:t>:</a:t>
+            </a:r>
+            <a:r>
+              <a:rPr lang="en-US" b="1" i="0" dirty="0">
+                <a:effectLst/>
+                <a:latin typeface="Arial" panose="020B0604020202020204" pitchFamily="34" charset="0"/>
+                <a:cs typeface="Arial" panose="020B0604020202020204" pitchFamily="34" charset="0"/>
+              </a:rPr>
+              <a:t> </a:t>
+            </a:r>
+            <a:r>
+              <a:rPr lang="en-US" dirty="0">
+                <a:latin typeface="Arial" panose="020B0604020202020204" pitchFamily="34" charset="0"/>
+                <a:cs typeface="Arial" panose="020B0604020202020204" pitchFamily="34" charset="0"/>
+              </a:rPr>
+              <a:t>SQL was developed at IBM by Donald D. Chamberlin and Raymond F. Boyce. The earlier name was SEQUEL (Structured English Query Language).</a:t>
+            </a:r>
+          </a:p>
+          <a:p>
+            <a:pPr algn="just" fontAlgn="base"/>
+            <a:endParaRPr lang="en-US" dirty="0">
+              <a:latin typeface="Arial" panose="020B0604020202020204" pitchFamily="34" charset="0"/>
+              <a:cs typeface="Arial" panose="020B0604020202020204" pitchFamily="34" charset="0"/>
+            </a:endParaRPr>
+          </a:p>
+          <a:p>
+            <a:pPr algn="just" fontAlgn="base"/>
+            <a:r>
+              <a:rPr lang="en-US" b="1" dirty="0">
+                <a:latin typeface="Arial" panose="020B0604020202020204" pitchFamily="34" charset="0"/>
+                <a:cs typeface="Arial" panose="020B0604020202020204" pitchFamily="34" charset="0"/>
+              </a:rPr>
+              <a:t>1978 MATLAB</a:t>
+            </a:r>
+            <a:r>
+              <a:rPr lang="en-US" dirty="0">
+                <a:latin typeface="Arial" panose="020B0604020202020204" pitchFamily="34" charset="0"/>
+                <a:cs typeface="Arial" panose="020B0604020202020204" pitchFamily="34" charset="0"/>
+              </a:rPr>
+              <a:t>: It stands for MATrix LABoratory. It is used for matrix manipulation, implementation of an algorithm, and creation of a user interface.</a:t>
+            </a:r>
+          </a:p>
+          <a:p>
+            <a:pPr algn="just" fontAlgn="base"/>
+            <a:endParaRPr lang="en-US" dirty="0">
+              <a:latin typeface="Arial" panose="020B0604020202020204" pitchFamily="34" charset="0"/>
+              <a:cs typeface="Arial" panose="020B0604020202020204" pitchFamily="34" charset="0"/>
+            </a:endParaRPr>
+          </a:p>
+          <a:p>
+            <a:pPr algn="just" fontAlgn="base"/>
+            <a:r>
+              <a:rPr lang="en-US" b="1" dirty="0">
+                <a:latin typeface="Arial" panose="020B0604020202020204" pitchFamily="34" charset="0"/>
+                <a:cs typeface="Arial" panose="020B0604020202020204" pitchFamily="34" charset="0"/>
+              </a:rPr>
+              <a:t>1983 Objective-C</a:t>
+            </a:r>
+            <a:r>
+              <a:rPr lang="en-US" dirty="0">
+                <a:latin typeface="Arial" panose="020B0604020202020204" pitchFamily="34" charset="0"/>
+                <a:cs typeface="Arial" panose="020B0604020202020204" pitchFamily="34" charset="0"/>
+              </a:rPr>
+              <a:t>, </a:t>
+            </a:r>
+            <a:r>
+              <a:rPr lang="en-US" b="1" dirty="0">
+                <a:latin typeface="Arial" panose="020B0604020202020204" pitchFamily="34" charset="0"/>
+                <a:cs typeface="Arial" panose="020B0604020202020204" pitchFamily="34" charset="0"/>
+              </a:rPr>
+              <a:t>C+</a:t>
+            </a:r>
+            <a:r>
+              <a:rPr lang="en-US" dirty="0">
+                <a:latin typeface="Arial" panose="020B0604020202020204" pitchFamily="34" charset="0"/>
+                <a:cs typeface="Arial" panose="020B0604020202020204" pitchFamily="34" charset="0"/>
+              </a:rPr>
+              <a:t>+: C++ is the fastest high-level programming language. Earlier, Apple Inc uses Objective-C to make applications.</a:t>
+            </a:r>
+          </a:p>
+          <a:p>
+            <a:pPr algn="just" fontAlgn="base"/>
+            <a:endParaRPr lang="en-US" dirty="0">
+              <a:latin typeface="Arial" panose="020B0604020202020204" pitchFamily="34" charset="0"/>
+              <a:cs typeface="Arial" panose="020B0604020202020204" pitchFamily="34" charset="0"/>
+            </a:endParaRPr>
+          </a:p>
+          <a:p>
+            <a:pPr algn="just" fontAlgn="base"/>
+            <a:r>
+              <a:rPr lang="en-US" b="1" dirty="0">
+                <a:latin typeface="Arial" panose="020B0604020202020204" pitchFamily="34" charset="0"/>
+                <a:cs typeface="Arial" panose="020B0604020202020204" pitchFamily="34" charset="0"/>
+              </a:rPr>
+              <a:t>1990 Haskell</a:t>
+            </a:r>
+            <a:r>
+              <a:rPr lang="en-US" dirty="0">
+                <a:latin typeface="Arial" panose="020B0604020202020204" pitchFamily="34" charset="0"/>
+                <a:cs typeface="Arial" panose="020B0604020202020204" pitchFamily="34" charset="0"/>
+              </a:rPr>
+              <a:t>: It is a purely functional programming language.</a:t>
+            </a:r>
+          </a:p>
+          <a:p>
+            <a:pPr algn="just" fontAlgn="base"/>
+            <a:endParaRPr lang="en-US" dirty="0">
+              <a:latin typeface="Arial" panose="020B0604020202020204" pitchFamily="34" charset="0"/>
+              <a:cs typeface="Arial" panose="020B0604020202020204" pitchFamily="34" charset="0"/>
+            </a:endParaRPr>
+          </a:p>
+          <a:p>
+            <a:pPr algn="just" fontAlgn="base"/>
+            <a:r>
+              <a:rPr lang="en-US" b="1" dirty="0">
+                <a:latin typeface="Arial" panose="020B0604020202020204" pitchFamily="34" charset="0"/>
+                <a:cs typeface="Arial" panose="020B0604020202020204" pitchFamily="34" charset="0"/>
+              </a:rPr>
+              <a:t>1991 Python</a:t>
+            </a:r>
+            <a:r>
+              <a:rPr lang="en-US" dirty="0">
+                <a:latin typeface="Arial" panose="020B0604020202020204" pitchFamily="34" charset="0"/>
+                <a:cs typeface="Arial" panose="020B0604020202020204" pitchFamily="34" charset="0"/>
+              </a:rPr>
+              <a:t>: The language is very easy to understand.  Famous language among data scientists and analysts.</a:t>
+            </a:r>
+          </a:p>
+          <a:p>
+            <a:pPr algn="just" fontAlgn="base"/>
+            <a:endParaRPr lang="en-US" dirty="0">
+              <a:latin typeface="Arial" panose="020B0604020202020204" pitchFamily="34" charset="0"/>
+              <a:cs typeface="Arial" panose="020B0604020202020204" pitchFamily="34" charset="0"/>
+            </a:endParaRPr>
+          </a:p>
+          <a:p>
+            <a:pPr algn="just" fontAlgn="base"/>
+            <a:r>
+              <a:rPr lang="en-US" b="1" dirty="0">
+                <a:latin typeface="Arial" panose="020B0604020202020204" pitchFamily="34" charset="0"/>
+                <a:cs typeface="Arial" panose="020B0604020202020204" pitchFamily="34" charset="0"/>
+              </a:rPr>
+              <a:t>1995 JAVA, PHP, JavaScript</a:t>
+            </a:r>
+            <a:r>
+              <a:rPr lang="en-US" dirty="0">
+                <a:latin typeface="Arial" panose="020B0604020202020204" pitchFamily="34" charset="0"/>
+                <a:cs typeface="Arial" panose="020B0604020202020204" pitchFamily="34" charset="0"/>
+              </a:rPr>
+              <a:t>: JAVA is everywhere. JAVA is the platform-independent language. PHP is a scripting language mainly used in web programming for connecting databases. JavaScript enables interactive web pages. JS is the most popular programming language. JS is famous for building a web application. It makes our page interactive.</a:t>
+            </a:r>
+          </a:p>
+        </p:txBody>
+      </p:sp>
+    </p:spTree>
+    <p:extLst>
+      <p:ext uri="{BB962C8B-B14F-4D97-AF65-F5344CB8AC3E}">
+        <p14:creationId xmlns:p14="http://schemas.microsoft.com/office/powerpoint/2010/main" val="1977295623"/>
+      </p:ext>
+    </p:extLst>
+  </p:cSld>
+  <p:clrMapOvr>
+    <a:masterClrMapping/>
+  </p:clrMapOvr>
+</p:sld>
+</file>
+
+<file path=ppt/slides/slide15.xml><?xml version="1.0" encoding="utf-8"?>
+<p:sld xmlns:a="http://schemas.openxmlformats.org/drawingml/2006/main" xmlns:r="http://schemas.openxmlformats.org/officeDocument/2006/relationships" xmlns:p="http://schemas.openxmlformats.org/presentationml/2006/main">
+  <p:cSld>
+    <p:spTree>
+      <p:nvGrpSpPr>
+        <p:cNvPr id="1" name=""/>
+        <p:cNvGrpSpPr/>
+        <p:nvPr/>
+      </p:nvGrpSpPr>
+      <p:grpSpPr>
+        <a:xfrm>
+          <a:off x="0" y="0"/>
+          <a:ext cx="0" cy="0"/>
+          <a:chOff x="0" y="0"/>
+          <a:chExt cx="0" cy="0"/>
+        </a:xfrm>
+      </p:grpSpPr>
+      <p:sp>
+        <p:nvSpPr>
+          <p:cNvPr id="5" name="Rectangle 4"/>
+          <p:cNvSpPr/>
+          <p:nvPr/>
+        </p:nvSpPr>
+        <p:spPr>
+          <a:xfrm>
+            <a:off x="1524596" y="4"/>
+            <a:ext cx="9142810" cy="584775"/>
+          </a:xfrm>
+          <a:prstGeom prst="rect">
+            <a:avLst/>
+          </a:prstGeom>
+          <a:noFill/>
+        </p:spPr>
+        <p:txBody>
+          <a:bodyPr wrap="square">
+            <a:spAutoFit/>
+          </a:bodyPr>
+          <a:lstStyle/>
+          <a:p>
+            <a:pPr algn="r"/>
+            <a:r>
+              <a:rPr lang="en-IN" sz="3200" i="1" dirty="0">
+                <a:solidFill>
+                  <a:srgbClr val="FF9900"/>
+                </a:solidFill>
+                <a:latin typeface="Arial" pitchFamily="34" charset="0"/>
+                <a:cs typeface="Arial" pitchFamily="34" charset="0"/>
+              </a:rPr>
+              <a:t>Evolution of Programming Languages</a:t>
+            </a:r>
+          </a:p>
+        </p:txBody>
+      </p:sp>
+      <p:sp>
+        <p:nvSpPr>
+          <p:cNvPr id="7" name="TextBox 6">
+            <a:extLst>
+              <a:ext uri="{FF2B5EF4-FFF2-40B4-BE49-F238E27FC236}">
+                <a16:creationId xmlns:a16="http://schemas.microsoft.com/office/drawing/2014/main" id="{0929427E-C272-D364-ECEA-51C5C323044B}"/>
+              </a:ext>
+            </a:extLst>
+          </p:cNvPr>
+          <p:cNvSpPr txBox="1"/>
+          <p:nvPr/>
+        </p:nvSpPr>
+        <p:spPr>
+          <a:xfrm>
+            <a:off x="191344" y="908720"/>
+            <a:ext cx="11809312" cy="2308324"/>
+          </a:xfrm>
+          <a:prstGeom prst="rect">
+            <a:avLst/>
+          </a:prstGeom>
+          <a:noFill/>
+        </p:spPr>
+        <p:txBody>
+          <a:bodyPr wrap="square">
+            <a:spAutoFit/>
+          </a:bodyPr>
+          <a:lstStyle/>
+          <a:p>
+            <a:pPr algn="just" fontAlgn="base"/>
+            <a:r>
+              <a:rPr lang="en-US" b="1" dirty="0">
+                <a:latin typeface="Arial" panose="020B0604020202020204" pitchFamily="34" charset="0"/>
+                <a:cs typeface="Arial" panose="020B0604020202020204" pitchFamily="34" charset="0"/>
+              </a:rPr>
+              <a:t>2000 C#</a:t>
+            </a:r>
+            <a:r>
+              <a:rPr lang="en-US" dirty="0">
+                <a:latin typeface="Arial" panose="020B0604020202020204" pitchFamily="34" charset="0"/>
+                <a:cs typeface="Arial" panose="020B0604020202020204" pitchFamily="34" charset="0"/>
+              </a:rPr>
+              <a:t>: C-sharp is mainly used for making games. Unity engine uses C# for making amazing games for all platforms</a:t>
+            </a:r>
+          </a:p>
+          <a:p>
+            <a:pPr algn="just" fontAlgn="base"/>
+            <a:endParaRPr lang="en-US" dirty="0">
+              <a:latin typeface="Arial" panose="020B0604020202020204" pitchFamily="34" charset="0"/>
+              <a:cs typeface="Arial" panose="020B0604020202020204" pitchFamily="34" charset="0"/>
+            </a:endParaRPr>
+          </a:p>
+          <a:p>
+            <a:pPr algn="just" fontAlgn="base"/>
+            <a:r>
+              <a:rPr lang="en-US" b="1" dirty="0">
+                <a:latin typeface="Arial" panose="020B0604020202020204" pitchFamily="34" charset="0"/>
+                <a:cs typeface="Arial" panose="020B0604020202020204" pitchFamily="34" charset="0"/>
+              </a:rPr>
+              <a:t>2009 GO</a:t>
+            </a:r>
+            <a:r>
+              <a:rPr lang="en-US" dirty="0">
+                <a:latin typeface="Arial" panose="020B0604020202020204" pitchFamily="34" charset="0"/>
+                <a:cs typeface="Arial" panose="020B0604020202020204" pitchFamily="34" charset="0"/>
+              </a:rPr>
+              <a:t>: GO language is developed in Google by Robert Griesemer, Rob Pike, and Ken Thompson.</a:t>
+            </a:r>
+          </a:p>
+          <a:p>
+            <a:pPr algn="just" fontAlgn="base"/>
+            <a:endParaRPr lang="en-US" dirty="0">
+              <a:latin typeface="Arial" panose="020B0604020202020204" pitchFamily="34" charset="0"/>
+              <a:cs typeface="Arial" panose="020B0604020202020204" pitchFamily="34" charset="0"/>
+            </a:endParaRPr>
+          </a:p>
+          <a:p>
+            <a:pPr algn="just" fontAlgn="base"/>
+            <a:r>
+              <a:rPr lang="en-US" b="1" dirty="0">
+                <a:latin typeface="Arial" panose="020B0604020202020204" pitchFamily="34" charset="0"/>
+                <a:cs typeface="Arial" panose="020B0604020202020204" pitchFamily="34" charset="0"/>
+              </a:rPr>
+              <a:t>2011 Kotlin</a:t>
+            </a:r>
+            <a:r>
+              <a:rPr lang="en-US" dirty="0">
+                <a:latin typeface="Arial" panose="020B0604020202020204" pitchFamily="34" charset="0"/>
+                <a:cs typeface="Arial" panose="020B0604020202020204" pitchFamily="34" charset="0"/>
+              </a:rPr>
+              <a:t>: Kotlin is developed by JetBrains. It is used for making an android application.</a:t>
+            </a:r>
+          </a:p>
+          <a:p>
+            <a:pPr algn="just" fontAlgn="base"/>
+            <a:endParaRPr lang="en-US" dirty="0">
+              <a:latin typeface="Arial" panose="020B0604020202020204" pitchFamily="34" charset="0"/>
+              <a:cs typeface="Arial" panose="020B0604020202020204" pitchFamily="34" charset="0"/>
+            </a:endParaRPr>
+          </a:p>
+          <a:p>
+            <a:pPr algn="just" fontAlgn="base"/>
+            <a:r>
+              <a:rPr lang="en-US" b="1" dirty="0">
+                <a:latin typeface="Arial" panose="020B0604020202020204" pitchFamily="34" charset="0"/>
+                <a:cs typeface="Arial" panose="020B0604020202020204" pitchFamily="34" charset="0"/>
+              </a:rPr>
+              <a:t>2014 Swift</a:t>
+            </a:r>
+            <a:r>
+              <a:rPr lang="en-US" dirty="0">
+                <a:latin typeface="Arial" panose="020B0604020202020204" pitchFamily="34" charset="0"/>
+                <a:cs typeface="Arial" panose="020B0604020202020204" pitchFamily="34" charset="0"/>
+              </a:rPr>
+              <a:t>: Swift language is developed by Apple Inc. It is a general-purpose programming language.</a:t>
+            </a:r>
+          </a:p>
+        </p:txBody>
+      </p:sp>
+    </p:spTree>
+    <p:extLst>
+      <p:ext uri="{BB962C8B-B14F-4D97-AF65-F5344CB8AC3E}">
+        <p14:creationId xmlns:p14="http://schemas.microsoft.com/office/powerpoint/2010/main" val="462569164"/>
+      </p:ext>
+    </p:extLst>
+  </p:cSld>
+  <p:clrMapOvr>
+    <a:masterClrMapping/>
+  </p:clrMapOvr>
+</p:sld>
+</file>
+
+<file path=ppt/slides/slide16.xml><?xml version="1.0" encoding="utf-8"?>
+<p:sld xmlns:a="http://schemas.openxmlformats.org/drawingml/2006/main" xmlns:r="http://schemas.openxmlformats.org/officeDocument/2006/relationships" xmlns:p="http://schemas.openxmlformats.org/presentationml/2006/main">
+  <p:cSld>
+    <p:spTree>
+      <p:nvGrpSpPr>
+        <p:cNvPr id="1" name=""/>
+        <p:cNvGrpSpPr/>
+        <p:nvPr/>
+      </p:nvGrpSpPr>
+      <p:grpSpPr>
+        <a:xfrm>
+          <a:off x="0" y="0"/>
+          <a:ext cx="0" cy="0"/>
+          <a:chOff x="0" y="0"/>
+          <a:chExt cx="0" cy="0"/>
+        </a:xfrm>
+      </p:grpSpPr>
+      <p:sp>
+        <p:nvSpPr>
+          <p:cNvPr id="5" name="Rectangle 4"/>
+          <p:cNvSpPr/>
+          <p:nvPr/>
+        </p:nvSpPr>
+        <p:spPr>
+          <a:xfrm>
+            <a:off x="1524596" y="4"/>
+            <a:ext cx="9142810" cy="584775"/>
+          </a:xfrm>
+          <a:prstGeom prst="rect">
+            <a:avLst/>
+          </a:prstGeom>
+          <a:noFill/>
+        </p:spPr>
+        <p:txBody>
+          <a:bodyPr wrap="square">
+            <a:spAutoFit/>
+          </a:bodyPr>
+          <a:lstStyle/>
+          <a:p>
+            <a:pPr algn="r"/>
+            <a:r>
+              <a:rPr lang="en-IN" sz="3200" i="1" dirty="0">
+                <a:solidFill>
+                  <a:srgbClr val="FF9900"/>
+                </a:solidFill>
+                <a:latin typeface="Arial" pitchFamily="34" charset="0"/>
+                <a:cs typeface="Arial" pitchFamily="34" charset="0"/>
+              </a:rPr>
+              <a:t>Algorithm and Flowcharts</a:t>
+            </a:r>
+          </a:p>
+        </p:txBody>
+      </p:sp>
+      <p:sp>
+        <p:nvSpPr>
+          <p:cNvPr id="3" name="TextBox 2">
+            <a:extLst>
+              <a:ext uri="{FF2B5EF4-FFF2-40B4-BE49-F238E27FC236}">
+                <a16:creationId xmlns:a16="http://schemas.microsoft.com/office/drawing/2014/main" id="{53AFD542-136E-AC25-E7F0-2F809E6F037F}"/>
+              </a:ext>
+            </a:extLst>
+          </p:cNvPr>
+          <p:cNvSpPr txBox="1"/>
+          <p:nvPr/>
+        </p:nvSpPr>
+        <p:spPr>
+          <a:xfrm>
+            <a:off x="623392" y="1196752"/>
+            <a:ext cx="10945216" cy="1323439"/>
+          </a:xfrm>
+          <a:prstGeom prst="rect">
+            <a:avLst/>
+          </a:prstGeom>
+          <a:noFill/>
+        </p:spPr>
+        <p:txBody>
+          <a:bodyPr wrap="square">
+            <a:spAutoFit/>
+          </a:bodyPr>
+          <a:lstStyle/>
+          <a:p>
+            <a:pPr marL="457200" indent="-457200">
+              <a:buFont typeface="+mj-lt"/>
+              <a:buAutoNum type="arabicPeriod"/>
+            </a:pPr>
+            <a:r>
+              <a:rPr lang="en-US" sz="2000" b="1" i="0" dirty="0">
+                <a:solidFill>
+                  <a:srgbClr val="202124"/>
+                </a:solidFill>
+                <a:effectLst/>
+                <a:latin typeface="Arial" panose="020B0604020202020204" pitchFamily="34" charset="0"/>
+                <a:cs typeface="Arial" panose="020B0604020202020204" pitchFamily="34" charset="0"/>
+              </a:rPr>
+              <a:t>Algorithms</a:t>
+            </a:r>
+            <a:r>
+              <a:rPr lang="en-US" sz="2000" b="0" i="0" dirty="0">
+                <a:solidFill>
+                  <a:srgbClr val="202124"/>
+                </a:solidFill>
+                <a:effectLst/>
+                <a:latin typeface="Arial" panose="020B0604020202020204" pitchFamily="34" charset="0"/>
+                <a:cs typeface="Arial" panose="020B0604020202020204" pitchFamily="34" charset="0"/>
+              </a:rPr>
+              <a:t>: An algorithm is a step-by-step method to solve problems. It includes a series of rules or instructions in which the program will be executed. </a:t>
+            </a:r>
+          </a:p>
+          <a:p>
+            <a:pPr marL="457200" indent="-457200">
+              <a:buFont typeface="+mj-lt"/>
+              <a:buAutoNum type="arabicPeriod"/>
+            </a:pPr>
+            <a:endParaRPr lang="en-US" sz="2000" dirty="0">
+              <a:solidFill>
+                <a:srgbClr val="202124"/>
+              </a:solidFill>
+              <a:latin typeface="Arial" panose="020B0604020202020204" pitchFamily="34" charset="0"/>
+              <a:cs typeface="Arial" panose="020B0604020202020204" pitchFamily="34" charset="0"/>
+            </a:endParaRPr>
+          </a:p>
+          <a:p>
+            <a:pPr marL="457200" indent="-457200">
+              <a:buFont typeface="+mj-lt"/>
+              <a:buAutoNum type="arabicPeriod"/>
+            </a:pPr>
+            <a:r>
+              <a:rPr lang="en-US" sz="2000" b="1" i="0" dirty="0">
+                <a:solidFill>
+                  <a:srgbClr val="202124"/>
+                </a:solidFill>
+                <a:effectLst/>
+                <a:latin typeface="Arial" panose="020B0604020202020204" pitchFamily="34" charset="0"/>
+                <a:cs typeface="Arial" panose="020B0604020202020204" pitchFamily="34" charset="0"/>
+              </a:rPr>
+              <a:t>Flowchart</a:t>
+            </a:r>
+            <a:r>
+              <a:rPr lang="en-US" sz="2000" b="0" i="0" dirty="0">
+                <a:solidFill>
+                  <a:srgbClr val="202124"/>
+                </a:solidFill>
+                <a:effectLst/>
+                <a:latin typeface="Arial" panose="020B0604020202020204" pitchFamily="34" charset="0"/>
+                <a:cs typeface="Arial" panose="020B0604020202020204" pitchFamily="34" charset="0"/>
+              </a:rPr>
+              <a:t>: </a:t>
+            </a:r>
+            <a:r>
+              <a:rPr lang="en-US" sz="2000" b="0" i="0" dirty="0">
+                <a:solidFill>
+                  <a:srgbClr val="040C28"/>
+                </a:solidFill>
+                <a:effectLst/>
+                <a:latin typeface="Arial" panose="020B0604020202020204" pitchFamily="34" charset="0"/>
+                <a:cs typeface="Arial" panose="020B0604020202020204" pitchFamily="34" charset="0"/>
+              </a:rPr>
+              <a:t>A flowchart is a pictorial representation of an algorithm</a:t>
+            </a:r>
+            <a:r>
+              <a:rPr lang="en-US" sz="2000" b="0" i="0" dirty="0">
+                <a:solidFill>
+                  <a:srgbClr val="202124"/>
+                </a:solidFill>
+                <a:effectLst/>
+                <a:latin typeface="Arial" panose="020B0604020202020204" pitchFamily="34" charset="0"/>
+                <a:cs typeface="Arial" panose="020B0604020202020204" pitchFamily="34" charset="0"/>
+              </a:rPr>
+              <a:t>.</a:t>
+            </a:r>
+            <a:endParaRPr lang="en-IN" sz="2000" dirty="0">
+              <a:latin typeface="Arial" panose="020B0604020202020204" pitchFamily="34" charset="0"/>
+              <a:cs typeface="Arial" panose="020B0604020202020204" pitchFamily="34" charset="0"/>
+            </a:endParaRPr>
+          </a:p>
+        </p:txBody>
+      </p:sp>
+    </p:spTree>
+    <p:extLst>
+      <p:ext uri="{BB962C8B-B14F-4D97-AF65-F5344CB8AC3E}">
+        <p14:creationId xmlns:p14="http://schemas.microsoft.com/office/powerpoint/2010/main" val="4215209383"/>
+      </p:ext>
+    </p:extLst>
+  </p:cSld>
+  <p:clrMapOvr>
+    <a:masterClrMapping/>
+  </p:clrMapOvr>
+</p:sld>
+</file>
+
+<file path=ppt/slides/slide17.xml><?xml version="1.0" encoding="utf-8"?>
 <p:sld xmlns:a="http://schemas.openxmlformats.org/drawingml/2006/main" xmlns:r="http://schemas.openxmlformats.org/officeDocument/2006/relationships" xmlns:p="http://schemas.openxmlformats.org/presentationml/2006/main" showMasterSp="0">
   <p:cSld>
     <p:spTree>
@@ -5154,7 +5761,7 @@
 </p:sld>
 </file>
 
-<file path=ppt/slides/slide15.xml><?xml version="1.0" encoding="utf-8"?>
+<file path=ppt/slides/slide18.xml><?xml version="1.0" encoding="utf-8"?>
 <p:sld xmlns:a="http://schemas.openxmlformats.org/drawingml/2006/main" xmlns:r="http://schemas.openxmlformats.org/officeDocument/2006/relationships" xmlns:p="http://schemas.openxmlformats.org/presentationml/2006/main">
   <p:cSld>
     <p:spTree>
@@ -5270,7 +5877,7 @@
 </p:sld>
 </file>
 
-<file path=ppt/slides/slide16.xml><?xml version="1.0" encoding="utf-8"?>
+<file path=ppt/slides/slide19.xml><?xml version="1.0" encoding="utf-8"?>
 <p:sld xmlns:a="http://schemas.openxmlformats.org/drawingml/2006/main" xmlns:r="http://schemas.openxmlformats.org/officeDocument/2006/relationships" xmlns:p="http://schemas.openxmlformats.org/presentationml/2006/main">
   <p:cSld>
     <p:spTree>
@@ -5710,7 +6317,325 @@
 </p:sld>
 </file>
 
-<file path=ppt/slides/slide17.xml><?xml version="1.0" encoding="utf-8"?>
+<file path=ppt/slides/slide2.xml><?xml version="1.0" encoding="utf-8"?>
+<p:sld xmlns:a="http://schemas.openxmlformats.org/drawingml/2006/main" xmlns:r="http://schemas.openxmlformats.org/officeDocument/2006/relationships" xmlns:p="http://schemas.openxmlformats.org/presentationml/2006/main">
+  <p:cSld>
+    <p:spTree>
+      <p:nvGrpSpPr>
+        <p:cNvPr id="1" name=""/>
+        <p:cNvGrpSpPr/>
+        <p:nvPr/>
+      </p:nvGrpSpPr>
+      <p:grpSpPr>
+        <a:xfrm>
+          <a:off x="0" y="0"/>
+          <a:ext cx="0" cy="0"/>
+          <a:chOff x="0" y="0"/>
+          <a:chExt cx="0" cy="0"/>
+        </a:xfrm>
+      </p:grpSpPr>
+      <p:sp>
+        <p:nvSpPr>
+          <p:cNvPr id="5" name="Rectangle 4"/>
+          <p:cNvSpPr/>
+          <p:nvPr/>
+        </p:nvSpPr>
+        <p:spPr>
+          <a:xfrm>
+            <a:off x="1524596" y="4"/>
+            <a:ext cx="9142810" cy="584775"/>
+          </a:xfrm>
+          <a:prstGeom prst="rect">
+            <a:avLst/>
+          </a:prstGeom>
+          <a:noFill/>
+        </p:spPr>
+        <p:txBody>
+          <a:bodyPr wrap="square">
+            <a:spAutoFit/>
+          </a:bodyPr>
+          <a:lstStyle/>
+          <a:p>
+            <a:pPr algn="r"/>
+            <a:r>
+              <a:rPr lang="en-IN" sz="3200" i="1" dirty="0">
+                <a:solidFill>
+                  <a:srgbClr val="FF9900"/>
+                </a:solidFill>
+                <a:latin typeface="Arial" pitchFamily="34" charset="0"/>
+                <a:cs typeface="Arial" pitchFamily="34" charset="0"/>
+              </a:rPr>
+              <a:t>First Generation of Computers</a:t>
+            </a:r>
+          </a:p>
+        </p:txBody>
+      </p:sp>
+      <p:sp>
+        <p:nvSpPr>
+          <p:cNvPr id="4" name="TextBox 3">
+            <a:extLst>
+              <a:ext uri="{FF2B5EF4-FFF2-40B4-BE49-F238E27FC236}">
+                <a16:creationId xmlns:a16="http://schemas.microsoft.com/office/drawing/2014/main" id="{25232946-F519-C45A-F91D-1C84AB18C593}"/>
+              </a:ext>
+            </a:extLst>
+          </p:cNvPr>
+          <p:cNvSpPr txBox="1"/>
+          <p:nvPr/>
+        </p:nvSpPr>
+        <p:spPr>
+          <a:xfrm>
+            <a:off x="263352" y="1404930"/>
+            <a:ext cx="11593288" cy="2862322"/>
+          </a:xfrm>
+          <a:prstGeom prst="rect">
+            <a:avLst/>
+          </a:prstGeom>
+          <a:noFill/>
+        </p:spPr>
+        <p:txBody>
+          <a:bodyPr wrap="square">
+            <a:spAutoFit/>
+          </a:bodyPr>
+          <a:lstStyle/>
+          <a:p>
+            <a:pPr marL="285750" indent="-285750">
+              <a:buFont typeface="Arial" panose="020B0604020202020204" pitchFamily="34" charset="0"/>
+              <a:buChar char="•"/>
+            </a:pPr>
+            <a:r>
+              <a:rPr lang="en-IN" sz="2000" dirty="0">
+                <a:solidFill>
+                  <a:srgbClr val="C00000"/>
+                </a:solidFill>
+                <a:latin typeface="Arial" panose="020B0604020202020204" pitchFamily="34" charset="0"/>
+                <a:cs typeface="Arial" panose="020B0604020202020204" pitchFamily="34" charset="0"/>
+              </a:rPr>
+              <a:t>First Generation</a:t>
+            </a:r>
+            <a:r>
+              <a:rPr lang="en-IN" sz="2000" dirty="0">
+                <a:latin typeface="Arial" panose="020B0604020202020204" pitchFamily="34" charset="0"/>
+                <a:cs typeface="Arial" panose="020B0604020202020204" pitchFamily="34" charset="0"/>
+              </a:rPr>
+              <a:t>: The period of first generation: 1946-1959. Vacuum tube based.</a:t>
+            </a:r>
+          </a:p>
+          <a:p>
+            <a:pPr marL="285750" indent="-285750">
+              <a:buFont typeface="Arial" panose="020B0604020202020204" pitchFamily="34" charset="0"/>
+              <a:buChar char="•"/>
+            </a:pPr>
+            <a:endParaRPr lang="en-IN" sz="2000" dirty="0">
+              <a:latin typeface="Arial" panose="020B0604020202020204" pitchFamily="34" charset="0"/>
+              <a:cs typeface="Arial" panose="020B0604020202020204" pitchFamily="34" charset="0"/>
+            </a:endParaRPr>
+          </a:p>
+          <a:p>
+            <a:pPr marL="285750" indent="-285750">
+              <a:buFont typeface="Arial" panose="020B0604020202020204" pitchFamily="34" charset="0"/>
+              <a:buChar char="•"/>
+            </a:pPr>
+            <a:r>
+              <a:rPr lang="en-IN" sz="2000" dirty="0">
+                <a:solidFill>
+                  <a:srgbClr val="C00000"/>
+                </a:solidFill>
+                <a:latin typeface="Arial" panose="020B0604020202020204" pitchFamily="34" charset="0"/>
+                <a:cs typeface="Arial" panose="020B0604020202020204" pitchFamily="34" charset="0"/>
+              </a:rPr>
+              <a:t>Second</a:t>
+            </a:r>
+            <a:r>
+              <a:rPr lang="en-IN" sz="2000" dirty="0">
+                <a:latin typeface="Arial" panose="020B0604020202020204" pitchFamily="34" charset="0"/>
+                <a:cs typeface="Arial" panose="020B0604020202020204" pitchFamily="34" charset="0"/>
+              </a:rPr>
+              <a:t> </a:t>
+            </a:r>
+            <a:r>
+              <a:rPr lang="en-IN" sz="2000" dirty="0">
+                <a:solidFill>
+                  <a:srgbClr val="C00000"/>
+                </a:solidFill>
+                <a:latin typeface="Arial" panose="020B0604020202020204" pitchFamily="34" charset="0"/>
+                <a:cs typeface="Arial" panose="020B0604020202020204" pitchFamily="34" charset="0"/>
+              </a:rPr>
+              <a:t>Generation</a:t>
+            </a:r>
+            <a:r>
+              <a:rPr lang="en-IN" sz="2000" dirty="0">
+                <a:latin typeface="Arial" panose="020B0604020202020204" pitchFamily="34" charset="0"/>
+                <a:cs typeface="Arial" panose="020B0604020202020204" pitchFamily="34" charset="0"/>
+              </a:rPr>
+              <a:t>: The period of second generation: 1959-1965. Transistor based.</a:t>
+            </a:r>
+          </a:p>
+          <a:p>
+            <a:pPr marL="285750" indent="-285750">
+              <a:buFont typeface="Arial" panose="020B0604020202020204" pitchFamily="34" charset="0"/>
+              <a:buChar char="•"/>
+            </a:pPr>
+            <a:endParaRPr lang="en-IN" sz="2000" dirty="0">
+              <a:latin typeface="Arial" panose="020B0604020202020204" pitchFamily="34" charset="0"/>
+              <a:cs typeface="Arial" panose="020B0604020202020204" pitchFamily="34" charset="0"/>
+            </a:endParaRPr>
+          </a:p>
+          <a:p>
+            <a:pPr marL="285750" indent="-285750">
+              <a:buFont typeface="Arial" panose="020B0604020202020204" pitchFamily="34" charset="0"/>
+              <a:buChar char="•"/>
+            </a:pPr>
+            <a:r>
+              <a:rPr lang="en-IN" sz="2000" dirty="0">
+                <a:solidFill>
+                  <a:srgbClr val="C00000"/>
+                </a:solidFill>
+                <a:latin typeface="Arial" panose="020B0604020202020204" pitchFamily="34" charset="0"/>
+                <a:cs typeface="Arial" panose="020B0604020202020204" pitchFamily="34" charset="0"/>
+              </a:rPr>
+              <a:t>Third</a:t>
+            </a:r>
+            <a:r>
+              <a:rPr lang="en-IN" sz="2000" dirty="0">
+                <a:latin typeface="Arial" panose="020B0604020202020204" pitchFamily="34" charset="0"/>
+                <a:cs typeface="Arial" panose="020B0604020202020204" pitchFamily="34" charset="0"/>
+              </a:rPr>
+              <a:t> </a:t>
+            </a:r>
+            <a:r>
+              <a:rPr lang="en-IN" sz="2000" dirty="0">
+                <a:solidFill>
+                  <a:srgbClr val="C00000"/>
+                </a:solidFill>
+                <a:latin typeface="Arial" panose="020B0604020202020204" pitchFamily="34" charset="0"/>
+                <a:cs typeface="Arial" panose="020B0604020202020204" pitchFamily="34" charset="0"/>
+              </a:rPr>
+              <a:t>Generation</a:t>
+            </a:r>
+            <a:r>
+              <a:rPr lang="en-IN" sz="2000" dirty="0">
+                <a:latin typeface="Arial" panose="020B0604020202020204" pitchFamily="34" charset="0"/>
+                <a:cs typeface="Arial" panose="020B0604020202020204" pitchFamily="34" charset="0"/>
+              </a:rPr>
+              <a:t>: The period of third generation: 1965-1971. Integrated Circuit based.</a:t>
+            </a:r>
+          </a:p>
+          <a:p>
+            <a:pPr marL="285750" indent="-285750">
+              <a:buFont typeface="Arial" panose="020B0604020202020204" pitchFamily="34" charset="0"/>
+              <a:buChar char="•"/>
+            </a:pPr>
+            <a:endParaRPr lang="en-IN" sz="2000" dirty="0">
+              <a:latin typeface="Arial" panose="020B0604020202020204" pitchFamily="34" charset="0"/>
+              <a:cs typeface="Arial" panose="020B0604020202020204" pitchFamily="34" charset="0"/>
+            </a:endParaRPr>
+          </a:p>
+          <a:p>
+            <a:pPr marL="285750" indent="-285750">
+              <a:buFont typeface="Arial" panose="020B0604020202020204" pitchFamily="34" charset="0"/>
+              <a:buChar char="•"/>
+            </a:pPr>
+            <a:r>
+              <a:rPr lang="en-IN" sz="2000" dirty="0">
+                <a:solidFill>
+                  <a:srgbClr val="C00000"/>
+                </a:solidFill>
+                <a:latin typeface="Arial" panose="020B0604020202020204" pitchFamily="34" charset="0"/>
+                <a:cs typeface="Arial" panose="020B0604020202020204" pitchFamily="34" charset="0"/>
+              </a:rPr>
+              <a:t>Fourth</a:t>
+            </a:r>
+            <a:r>
+              <a:rPr lang="en-IN" sz="2000" dirty="0">
+                <a:latin typeface="Arial" panose="020B0604020202020204" pitchFamily="34" charset="0"/>
+                <a:cs typeface="Arial" panose="020B0604020202020204" pitchFamily="34" charset="0"/>
+              </a:rPr>
+              <a:t> </a:t>
+            </a:r>
+            <a:r>
+              <a:rPr lang="en-IN" sz="2000" dirty="0">
+                <a:solidFill>
+                  <a:srgbClr val="C00000"/>
+                </a:solidFill>
+                <a:latin typeface="Arial" panose="020B0604020202020204" pitchFamily="34" charset="0"/>
+                <a:cs typeface="Arial" panose="020B0604020202020204" pitchFamily="34" charset="0"/>
+              </a:rPr>
+              <a:t>Generation</a:t>
+            </a:r>
+            <a:r>
+              <a:rPr lang="en-IN" sz="2000" dirty="0">
+                <a:latin typeface="Arial" panose="020B0604020202020204" pitchFamily="34" charset="0"/>
+                <a:cs typeface="Arial" panose="020B0604020202020204" pitchFamily="34" charset="0"/>
+              </a:rPr>
+              <a:t>: The period of fourth generation: 1971-1980. VLSI microprocessor based.</a:t>
+            </a:r>
+          </a:p>
+          <a:p>
+            <a:pPr marL="285750" indent="-285750">
+              <a:buFont typeface="Arial" panose="020B0604020202020204" pitchFamily="34" charset="0"/>
+              <a:buChar char="•"/>
+            </a:pPr>
+            <a:endParaRPr lang="en-IN" sz="2000" dirty="0">
+              <a:latin typeface="Arial" panose="020B0604020202020204" pitchFamily="34" charset="0"/>
+              <a:cs typeface="Arial" panose="020B0604020202020204" pitchFamily="34" charset="0"/>
+            </a:endParaRPr>
+          </a:p>
+          <a:p>
+            <a:pPr marL="285750" indent="-285750">
+              <a:buFont typeface="Arial" panose="020B0604020202020204" pitchFamily="34" charset="0"/>
+              <a:buChar char="•"/>
+            </a:pPr>
+            <a:r>
+              <a:rPr lang="en-IN" sz="2000" dirty="0">
+                <a:solidFill>
+                  <a:srgbClr val="C00000"/>
+                </a:solidFill>
+                <a:latin typeface="Arial" panose="020B0604020202020204" pitchFamily="34" charset="0"/>
+                <a:cs typeface="Arial" panose="020B0604020202020204" pitchFamily="34" charset="0"/>
+              </a:rPr>
+              <a:t>Fifth</a:t>
+            </a:r>
+            <a:r>
+              <a:rPr lang="en-IN" sz="2000" dirty="0">
+                <a:latin typeface="Arial" panose="020B0604020202020204" pitchFamily="34" charset="0"/>
+                <a:cs typeface="Arial" panose="020B0604020202020204" pitchFamily="34" charset="0"/>
+              </a:rPr>
+              <a:t> </a:t>
+            </a:r>
+            <a:r>
+              <a:rPr lang="en-IN" sz="2000" dirty="0">
+                <a:solidFill>
+                  <a:srgbClr val="C00000"/>
+                </a:solidFill>
+                <a:latin typeface="Arial" panose="020B0604020202020204" pitchFamily="34" charset="0"/>
+                <a:cs typeface="Arial" panose="020B0604020202020204" pitchFamily="34" charset="0"/>
+              </a:rPr>
+              <a:t>Generation</a:t>
+            </a:r>
+            <a:r>
+              <a:rPr lang="en-IN" sz="2000" dirty="0">
+                <a:latin typeface="Arial" panose="020B0604020202020204" pitchFamily="34" charset="0"/>
+                <a:cs typeface="Arial" panose="020B0604020202020204" pitchFamily="34" charset="0"/>
+              </a:rPr>
+              <a:t>: The period of fifth generation: 1980-onwards. ULSI microprocessor based.</a:t>
+            </a:r>
+          </a:p>
+        </p:txBody>
+      </p:sp>
+    </p:spTree>
+    <p:extLst>
+      <p:ext uri="{BB962C8B-B14F-4D97-AF65-F5344CB8AC3E}">
+        <p14:creationId xmlns:p14="http://schemas.microsoft.com/office/powerpoint/2010/main" val="3255976312"/>
+      </p:ext>
+    </p:extLst>
+  </p:cSld>
+  <p:clrMapOvr>
+    <a:masterClrMapping/>
+  </p:clrMapOvr>
+</p:sld>
+</file>
+
+<file path=ppt/slides/slide20.xml><?xml version="1.0" encoding="utf-8"?>
 <p:sld xmlns:a="http://schemas.openxmlformats.org/drawingml/2006/main" xmlns:r="http://schemas.openxmlformats.org/officeDocument/2006/relationships" xmlns:p="http://schemas.openxmlformats.org/presentationml/2006/main">
   <p:cSld>
     <p:spTree>
@@ -5796,7 +6721,7 @@
 </p:sld>
 </file>
 
-<file path=ppt/slides/slide18.xml><?xml version="1.0" encoding="utf-8"?>
+<file path=ppt/slides/slide21.xml><?xml version="1.0" encoding="utf-8"?>
 <p:sld xmlns:a="http://schemas.openxmlformats.org/drawingml/2006/main" xmlns:r="http://schemas.openxmlformats.org/officeDocument/2006/relationships" xmlns:p="http://schemas.openxmlformats.org/presentationml/2006/main">
   <p:cSld>
     <p:spTree>
@@ -5942,7 +6867,7 @@
 </p:sld>
 </file>
 
-<file path=ppt/slides/slide19.xml><?xml version="1.0" encoding="utf-8"?>
+<file path=ppt/slides/slide22.xml><?xml version="1.0" encoding="utf-8"?>
 <p:sld xmlns:a="http://schemas.openxmlformats.org/drawingml/2006/main" xmlns:r="http://schemas.openxmlformats.org/officeDocument/2006/relationships" xmlns:p="http://schemas.openxmlformats.org/presentationml/2006/main" showMasterSp="0">
   <p:cSld>
     <p:spTree>
@@ -6032,1240 +6957,6 @@
     <p:extLst>
       <p:ext uri="{BB962C8B-B14F-4D97-AF65-F5344CB8AC3E}">
         <p14:creationId xmlns:p14="http://schemas.microsoft.com/office/powerpoint/2010/main" val="862324416"/>
-      </p:ext>
-    </p:extLst>
-  </p:cSld>
-  <p:clrMapOvr>
-    <a:masterClrMapping/>
-  </p:clrMapOvr>
-</p:sld>
-</file>
-
-<file path=ppt/slides/slide2.xml><?xml version="1.0" encoding="utf-8"?>
-<p:sld xmlns:a="http://schemas.openxmlformats.org/drawingml/2006/main" xmlns:r="http://schemas.openxmlformats.org/officeDocument/2006/relationships" xmlns:p="http://schemas.openxmlformats.org/presentationml/2006/main">
-  <p:cSld>
-    <p:spTree>
-      <p:nvGrpSpPr>
-        <p:cNvPr id="1" name=""/>
-        <p:cNvGrpSpPr/>
-        <p:nvPr/>
-      </p:nvGrpSpPr>
-      <p:grpSpPr>
-        <a:xfrm>
-          <a:off x="0" y="0"/>
-          <a:ext cx="0" cy="0"/>
-          <a:chOff x="0" y="0"/>
-          <a:chExt cx="0" cy="0"/>
-        </a:xfrm>
-      </p:grpSpPr>
-      <p:sp>
-        <p:nvSpPr>
-          <p:cNvPr id="5" name="Rectangle 4"/>
-          <p:cNvSpPr/>
-          <p:nvPr/>
-        </p:nvSpPr>
-        <p:spPr>
-          <a:xfrm>
-            <a:off x="1524596" y="4"/>
-            <a:ext cx="9142810" cy="584775"/>
-          </a:xfrm>
-          <a:prstGeom prst="rect">
-            <a:avLst/>
-          </a:prstGeom>
-          <a:noFill/>
-        </p:spPr>
-        <p:txBody>
-          <a:bodyPr wrap="square">
-            <a:spAutoFit/>
-          </a:bodyPr>
-          <a:lstStyle/>
-          <a:p>
-            <a:pPr algn="r"/>
-            <a:r>
-              <a:rPr lang="en-IN" sz="3200" i="1" dirty="0">
-                <a:solidFill>
-                  <a:srgbClr val="FF9900"/>
-                </a:solidFill>
-                <a:latin typeface="Arial" pitchFamily="34" charset="0"/>
-                <a:cs typeface="Arial" pitchFamily="34" charset="0"/>
-              </a:rPr>
-              <a:t>First Generation of Computers</a:t>
-            </a:r>
-          </a:p>
-        </p:txBody>
-      </p:sp>
-      <p:sp>
-        <p:nvSpPr>
-          <p:cNvPr id="4" name="TextBox 3">
-            <a:extLst>
-              <a:ext uri="{FF2B5EF4-FFF2-40B4-BE49-F238E27FC236}">
-                <a16:creationId xmlns:a16="http://schemas.microsoft.com/office/drawing/2014/main" id="{25232946-F519-C45A-F91D-1C84AB18C593}"/>
-              </a:ext>
-            </a:extLst>
-          </p:cNvPr>
-          <p:cNvSpPr txBox="1"/>
-          <p:nvPr/>
-        </p:nvSpPr>
-        <p:spPr>
-          <a:xfrm>
-            <a:off x="263352" y="1404930"/>
-            <a:ext cx="11593288" cy="2862322"/>
-          </a:xfrm>
-          <a:prstGeom prst="rect">
-            <a:avLst/>
-          </a:prstGeom>
-          <a:noFill/>
-        </p:spPr>
-        <p:txBody>
-          <a:bodyPr wrap="square">
-            <a:spAutoFit/>
-          </a:bodyPr>
-          <a:lstStyle/>
-          <a:p>
-            <a:pPr marL="285750" indent="-285750">
-              <a:buFont typeface="Arial" panose="020B0604020202020204" pitchFamily="34" charset="0"/>
-              <a:buChar char="•"/>
-            </a:pPr>
-            <a:r>
-              <a:rPr lang="en-IN" sz="2000" dirty="0">
-                <a:solidFill>
-                  <a:srgbClr val="C00000"/>
-                </a:solidFill>
-                <a:latin typeface="Arial" panose="020B0604020202020204" pitchFamily="34" charset="0"/>
-                <a:cs typeface="Arial" panose="020B0604020202020204" pitchFamily="34" charset="0"/>
-              </a:rPr>
-              <a:t>First Generation</a:t>
-            </a:r>
-            <a:r>
-              <a:rPr lang="en-IN" sz="2000" dirty="0">
-                <a:latin typeface="Arial" panose="020B0604020202020204" pitchFamily="34" charset="0"/>
-                <a:cs typeface="Arial" panose="020B0604020202020204" pitchFamily="34" charset="0"/>
-              </a:rPr>
-              <a:t>: The period of first generation: 1946-1959. Vacuum tube based.</a:t>
-            </a:r>
-          </a:p>
-          <a:p>
-            <a:pPr marL="285750" indent="-285750">
-              <a:buFont typeface="Arial" panose="020B0604020202020204" pitchFamily="34" charset="0"/>
-              <a:buChar char="•"/>
-            </a:pPr>
-            <a:endParaRPr lang="en-IN" sz="2000" dirty="0">
-              <a:latin typeface="Arial" panose="020B0604020202020204" pitchFamily="34" charset="0"/>
-              <a:cs typeface="Arial" panose="020B0604020202020204" pitchFamily="34" charset="0"/>
-            </a:endParaRPr>
-          </a:p>
-          <a:p>
-            <a:pPr marL="285750" indent="-285750">
-              <a:buFont typeface="Arial" panose="020B0604020202020204" pitchFamily="34" charset="0"/>
-              <a:buChar char="•"/>
-            </a:pPr>
-            <a:r>
-              <a:rPr lang="en-IN" sz="2000" dirty="0">
-                <a:solidFill>
-                  <a:srgbClr val="C00000"/>
-                </a:solidFill>
-                <a:latin typeface="Arial" panose="020B0604020202020204" pitchFamily="34" charset="0"/>
-                <a:cs typeface="Arial" panose="020B0604020202020204" pitchFamily="34" charset="0"/>
-              </a:rPr>
-              <a:t>Second</a:t>
-            </a:r>
-            <a:r>
-              <a:rPr lang="en-IN" sz="2000" dirty="0">
-                <a:latin typeface="Arial" panose="020B0604020202020204" pitchFamily="34" charset="0"/>
-                <a:cs typeface="Arial" panose="020B0604020202020204" pitchFamily="34" charset="0"/>
-              </a:rPr>
-              <a:t> </a:t>
-            </a:r>
-            <a:r>
-              <a:rPr lang="en-IN" sz="2000" dirty="0">
-                <a:solidFill>
-                  <a:srgbClr val="C00000"/>
-                </a:solidFill>
-                <a:latin typeface="Arial" panose="020B0604020202020204" pitchFamily="34" charset="0"/>
-                <a:cs typeface="Arial" panose="020B0604020202020204" pitchFamily="34" charset="0"/>
-              </a:rPr>
-              <a:t>Generation</a:t>
-            </a:r>
-            <a:r>
-              <a:rPr lang="en-IN" sz="2000" dirty="0">
-                <a:latin typeface="Arial" panose="020B0604020202020204" pitchFamily="34" charset="0"/>
-                <a:cs typeface="Arial" panose="020B0604020202020204" pitchFamily="34" charset="0"/>
-              </a:rPr>
-              <a:t>: The period of second generation: 1959-1965. Transistor based.</a:t>
-            </a:r>
-          </a:p>
-          <a:p>
-            <a:pPr marL="285750" indent="-285750">
-              <a:buFont typeface="Arial" panose="020B0604020202020204" pitchFamily="34" charset="0"/>
-              <a:buChar char="•"/>
-            </a:pPr>
-            <a:endParaRPr lang="en-IN" sz="2000" dirty="0">
-              <a:latin typeface="Arial" panose="020B0604020202020204" pitchFamily="34" charset="0"/>
-              <a:cs typeface="Arial" panose="020B0604020202020204" pitchFamily="34" charset="0"/>
-            </a:endParaRPr>
-          </a:p>
-          <a:p>
-            <a:pPr marL="285750" indent="-285750">
-              <a:buFont typeface="Arial" panose="020B0604020202020204" pitchFamily="34" charset="0"/>
-              <a:buChar char="•"/>
-            </a:pPr>
-            <a:r>
-              <a:rPr lang="en-IN" sz="2000" dirty="0">
-                <a:solidFill>
-                  <a:srgbClr val="C00000"/>
-                </a:solidFill>
-                <a:latin typeface="Arial" panose="020B0604020202020204" pitchFamily="34" charset="0"/>
-                <a:cs typeface="Arial" panose="020B0604020202020204" pitchFamily="34" charset="0"/>
-              </a:rPr>
-              <a:t>Third</a:t>
-            </a:r>
-            <a:r>
-              <a:rPr lang="en-IN" sz="2000" dirty="0">
-                <a:latin typeface="Arial" panose="020B0604020202020204" pitchFamily="34" charset="0"/>
-                <a:cs typeface="Arial" panose="020B0604020202020204" pitchFamily="34" charset="0"/>
-              </a:rPr>
-              <a:t> </a:t>
-            </a:r>
-            <a:r>
-              <a:rPr lang="en-IN" sz="2000" dirty="0">
-                <a:solidFill>
-                  <a:srgbClr val="C00000"/>
-                </a:solidFill>
-                <a:latin typeface="Arial" panose="020B0604020202020204" pitchFamily="34" charset="0"/>
-                <a:cs typeface="Arial" panose="020B0604020202020204" pitchFamily="34" charset="0"/>
-              </a:rPr>
-              <a:t>Generation</a:t>
-            </a:r>
-            <a:r>
-              <a:rPr lang="en-IN" sz="2000" dirty="0">
-                <a:latin typeface="Arial" panose="020B0604020202020204" pitchFamily="34" charset="0"/>
-                <a:cs typeface="Arial" panose="020B0604020202020204" pitchFamily="34" charset="0"/>
-              </a:rPr>
-              <a:t>: The period of third generation: 1965-1971. Integrated Circuit based.</a:t>
-            </a:r>
-          </a:p>
-          <a:p>
-            <a:pPr marL="285750" indent="-285750">
-              <a:buFont typeface="Arial" panose="020B0604020202020204" pitchFamily="34" charset="0"/>
-              <a:buChar char="•"/>
-            </a:pPr>
-            <a:endParaRPr lang="en-IN" sz="2000" dirty="0">
-              <a:latin typeface="Arial" panose="020B0604020202020204" pitchFamily="34" charset="0"/>
-              <a:cs typeface="Arial" panose="020B0604020202020204" pitchFamily="34" charset="0"/>
-            </a:endParaRPr>
-          </a:p>
-          <a:p>
-            <a:pPr marL="285750" indent="-285750">
-              <a:buFont typeface="Arial" panose="020B0604020202020204" pitchFamily="34" charset="0"/>
-              <a:buChar char="•"/>
-            </a:pPr>
-            <a:r>
-              <a:rPr lang="en-IN" sz="2000" dirty="0">
-                <a:solidFill>
-                  <a:srgbClr val="C00000"/>
-                </a:solidFill>
-                <a:latin typeface="Arial" panose="020B0604020202020204" pitchFamily="34" charset="0"/>
-                <a:cs typeface="Arial" panose="020B0604020202020204" pitchFamily="34" charset="0"/>
-              </a:rPr>
-              <a:t>Fourth</a:t>
-            </a:r>
-            <a:r>
-              <a:rPr lang="en-IN" sz="2000" dirty="0">
-                <a:latin typeface="Arial" panose="020B0604020202020204" pitchFamily="34" charset="0"/>
-                <a:cs typeface="Arial" panose="020B0604020202020204" pitchFamily="34" charset="0"/>
-              </a:rPr>
-              <a:t> </a:t>
-            </a:r>
-            <a:r>
-              <a:rPr lang="en-IN" sz="2000" dirty="0">
-                <a:solidFill>
-                  <a:srgbClr val="C00000"/>
-                </a:solidFill>
-                <a:latin typeface="Arial" panose="020B0604020202020204" pitchFamily="34" charset="0"/>
-                <a:cs typeface="Arial" panose="020B0604020202020204" pitchFamily="34" charset="0"/>
-              </a:rPr>
-              <a:t>Generation</a:t>
-            </a:r>
-            <a:r>
-              <a:rPr lang="en-IN" sz="2000" dirty="0">
-                <a:latin typeface="Arial" panose="020B0604020202020204" pitchFamily="34" charset="0"/>
-                <a:cs typeface="Arial" panose="020B0604020202020204" pitchFamily="34" charset="0"/>
-              </a:rPr>
-              <a:t>: The period of fourth generation: 1971-1980. VLSI microprocessor based.</a:t>
-            </a:r>
-          </a:p>
-          <a:p>
-            <a:pPr marL="285750" indent="-285750">
-              <a:buFont typeface="Arial" panose="020B0604020202020204" pitchFamily="34" charset="0"/>
-              <a:buChar char="•"/>
-            </a:pPr>
-            <a:endParaRPr lang="en-IN" sz="2000" dirty="0">
-              <a:latin typeface="Arial" panose="020B0604020202020204" pitchFamily="34" charset="0"/>
-              <a:cs typeface="Arial" panose="020B0604020202020204" pitchFamily="34" charset="0"/>
-            </a:endParaRPr>
-          </a:p>
-          <a:p>
-            <a:pPr marL="285750" indent="-285750">
-              <a:buFont typeface="Arial" panose="020B0604020202020204" pitchFamily="34" charset="0"/>
-              <a:buChar char="•"/>
-            </a:pPr>
-            <a:r>
-              <a:rPr lang="en-IN" sz="2000" dirty="0">
-                <a:solidFill>
-                  <a:srgbClr val="C00000"/>
-                </a:solidFill>
-                <a:latin typeface="Arial" panose="020B0604020202020204" pitchFamily="34" charset="0"/>
-                <a:cs typeface="Arial" panose="020B0604020202020204" pitchFamily="34" charset="0"/>
-              </a:rPr>
-              <a:t>Fifth</a:t>
-            </a:r>
-            <a:r>
-              <a:rPr lang="en-IN" sz="2000" dirty="0">
-                <a:latin typeface="Arial" panose="020B0604020202020204" pitchFamily="34" charset="0"/>
-                <a:cs typeface="Arial" panose="020B0604020202020204" pitchFamily="34" charset="0"/>
-              </a:rPr>
-              <a:t> </a:t>
-            </a:r>
-            <a:r>
-              <a:rPr lang="en-IN" sz="2000" dirty="0">
-                <a:solidFill>
-                  <a:srgbClr val="C00000"/>
-                </a:solidFill>
-                <a:latin typeface="Arial" panose="020B0604020202020204" pitchFamily="34" charset="0"/>
-                <a:cs typeface="Arial" panose="020B0604020202020204" pitchFamily="34" charset="0"/>
-              </a:rPr>
-              <a:t>Generation</a:t>
-            </a:r>
-            <a:r>
-              <a:rPr lang="en-IN" sz="2000" dirty="0">
-                <a:latin typeface="Arial" panose="020B0604020202020204" pitchFamily="34" charset="0"/>
-                <a:cs typeface="Arial" panose="020B0604020202020204" pitchFamily="34" charset="0"/>
-              </a:rPr>
-              <a:t>: The period of fifth generation: 1980-onwards. ULSI microprocessor based.</a:t>
-            </a:r>
-          </a:p>
-        </p:txBody>
-      </p:sp>
-    </p:spTree>
-    <p:extLst>
-      <p:ext uri="{BB962C8B-B14F-4D97-AF65-F5344CB8AC3E}">
-        <p14:creationId xmlns:p14="http://schemas.microsoft.com/office/powerpoint/2010/main" val="3255976312"/>
-      </p:ext>
-    </p:extLst>
-  </p:cSld>
-  <p:clrMapOvr>
-    <a:masterClrMapping/>
-  </p:clrMapOvr>
-</p:sld>
-</file>
-
-<file path=ppt/slides/slide20.xml><?xml version="1.0" encoding="utf-8"?>
-<p:sld xmlns:a="http://schemas.openxmlformats.org/drawingml/2006/main" xmlns:r="http://schemas.openxmlformats.org/officeDocument/2006/relationships" xmlns:p="http://schemas.openxmlformats.org/presentationml/2006/main">
-  <p:cSld>
-    <p:spTree>
-      <p:nvGrpSpPr>
-        <p:cNvPr id="1" name=""/>
-        <p:cNvGrpSpPr/>
-        <p:nvPr/>
-      </p:nvGrpSpPr>
-      <p:grpSpPr>
-        <a:xfrm>
-          <a:off x="0" y="0"/>
-          <a:ext cx="0" cy="0"/>
-          <a:chOff x="0" y="0"/>
-          <a:chExt cx="0" cy="0"/>
-        </a:xfrm>
-      </p:grpSpPr>
-      <p:sp>
-        <p:nvSpPr>
-          <p:cNvPr id="4" name="Rectangle 3">
-            <a:extLst>
-              <a:ext uri="{FF2B5EF4-FFF2-40B4-BE49-F238E27FC236}">
-                <a16:creationId xmlns:a16="http://schemas.microsoft.com/office/drawing/2014/main" id="{6524962B-7610-4EFD-AA5E-DDE403AB8860}"/>
-              </a:ext>
-            </a:extLst>
-          </p:cNvPr>
-          <p:cNvSpPr/>
-          <p:nvPr/>
-        </p:nvSpPr>
-        <p:spPr>
-          <a:xfrm>
-            <a:off x="1524000" y="1"/>
-            <a:ext cx="9144000" cy="584775"/>
-          </a:xfrm>
-          <a:prstGeom prst="rect">
-            <a:avLst/>
-          </a:prstGeom>
-          <a:noFill/>
-        </p:spPr>
-        <p:txBody>
-          <a:bodyPr wrap="square">
-            <a:spAutoFit/>
-          </a:bodyPr>
-          <a:lstStyle/>
-          <a:p>
-            <a:pPr algn="r"/>
-            <a:r>
-              <a:rPr lang="en-US" sz="3200" i="1" dirty="0">
-                <a:solidFill>
-                  <a:srgbClr val="FF9900"/>
-                </a:solidFill>
-                <a:latin typeface="Arial" pitchFamily="34" charset="0"/>
-                <a:cs typeface="Arial" pitchFamily="34" charset="0"/>
-              </a:rPr>
-              <a:t>Characteristics of Big Data</a:t>
-            </a:r>
-            <a:endParaRPr lang="en-IN" sz="3200" i="1" dirty="0">
-              <a:solidFill>
-                <a:srgbClr val="FF9900"/>
-              </a:solidFill>
-              <a:latin typeface="Arial" pitchFamily="34" charset="0"/>
-              <a:cs typeface="Arial" pitchFamily="34" charset="0"/>
-            </a:endParaRPr>
-          </a:p>
-        </p:txBody>
-      </p:sp>
-      <p:sp>
-        <p:nvSpPr>
-          <p:cNvPr id="6" name="TextBox 5">
-            <a:extLst>
-              <a:ext uri="{FF2B5EF4-FFF2-40B4-BE49-F238E27FC236}">
-                <a16:creationId xmlns:a16="http://schemas.microsoft.com/office/drawing/2014/main" id="{7A4EC6FF-50F3-7757-E8E3-74F1C85A625C}"/>
-              </a:ext>
-            </a:extLst>
-          </p:cNvPr>
-          <p:cNvSpPr txBox="1"/>
-          <p:nvPr/>
-        </p:nvSpPr>
-        <p:spPr>
-          <a:xfrm>
-            <a:off x="191344" y="908720"/>
-            <a:ext cx="11809312" cy="1045223"/>
-          </a:xfrm>
-          <a:prstGeom prst="rect">
-            <a:avLst/>
-          </a:prstGeom>
-          <a:noFill/>
-        </p:spPr>
-        <p:txBody>
-          <a:bodyPr wrap="square">
-            <a:spAutoFit/>
-          </a:bodyPr>
-          <a:lstStyle/>
-          <a:p>
-            <a:pPr>
-              <a:lnSpc>
-                <a:spcPct val="150000"/>
-              </a:lnSpc>
-            </a:pPr>
-            <a:r>
-              <a:rPr lang="en-IN" sz="2200" dirty="0">
-                <a:latin typeface="Arial" panose="020B0604020202020204" pitchFamily="34" charset="0"/>
-                <a:cs typeface="Arial" panose="020B0604020202020204" pitchFamily="34" charset="0"/>
-              </a:rPr>
-              <a:t>It is used by many multinational companies to process the data and business of many organizations. The data flow would exceed 150 exabytes per day before replication.</a:t>
-            </a:r>
-          </a:p>
-        </p:txBody>
-      </p:sp>
-      <p:sp>
-        <p:nvSpPr>
-          <p:cNvPr id="9" name="TextBox 8">
-            <a:extLst>
-              <a:ext uri="{FF2B5EF4-FFF2-40B4-BE49-F238E27FC236}">
-                <a16:creationId xmlns:a16="http://schemas.microsoft.com/office/drawing/2014/main" id="{AB4E6DC9-BF67-59E6-9A9C-1C759377F018}"/>
-              </a:ext>
-            </a:extLst>
-          </p:cNvPr>
-          <p:cNvSpPr txBox="1"/>
-          <p:nvPr/>
-        </p:nvSpPr>
-        <p:spPr>
-          <a:xfrm>
-            <a:off x="407368" y="2420888"/>
-            <a:ext cx="11377264" cy="3420873"/>
-          </a:xfrm>
-          <a:prstGeom prst="rect">
-            <a:avLst/>
-          </a:prstGeom>
-          <a:noFill/>
-        </p:spPr>
-        <p:txBody>
-          <a:bodyPr wrap="square">
-            <a:spAutoFit/>
-          </a:bodyPr>
-          <a:lstStyle/>
-          <a:p>
-            <a:pPr algn="just"/>
-            <a:r>
-              <a:rPr lang="en-US" sz="2400" b="0" i="0" dirty="0">
-                <a:solidFill>
-                  <a:srgbClr val="C00000"/>
-                </a:solidFill>
-                <a:effectLst/>
-                <a:latin typeface="Arial" panose="020B0604020202020204" pitchFamily="34" charset="0"/>
-                <a:cs typeface="Arial" panose="020B0604020202020204" pitchFamily="34" charset="0"/>
-              </a:rPr>
-              <a:t>There are five v's of Big Data that explains the characteristics.</a:t>
-            </a:r>
-          </a:p>
-          <a:p>
-            <a:pPr algn="just"/>
-            <a:endParaRPr lang="en-US" sz="1200" b="0" i="0" dirty="0">
-              <a:solidFill>
-                <a:srgbClr val="333333"/>
-              </a:solidFill>
-              <a:effectLst/>
-              <a:latin typeface="Arial" panose="020B0604020202020204" pitchFamily="34" charset="0"/>
-              <a:cs typeface="Arial" panose="020B0604020202020204" pitchFamily="34" charset="0"/>
-            </a:endParaRPr>
-          </a:p>
-          <a:p>
-            <a:pPr algn="just"/>
-            <a:r>
-              <a:rPr lang="en-US" sz="2200" b="0" i="0" dirty="0">
-                <a:solidFill>
-                  <a:srgbClr val="610B4B"/>
-                </a:solidFill>
-                <a:effectLst/>
-                <a:latin typeface="Arial" panose="020B0604020202020204" pitchFamily="34" charset="0"/>
-                <a:cs typeface="Arial" panose="020B0604020202020204" pitchFamily="34" charset="0"/>
-              </a:rPr>
-              <a:t>5 V's of Big Data</a:t>
-            </a:r>
-          </a:p>
-          <a:p>
-            <a:pPr algn="just"/>
-            <a:endParaRPr lang="en-US" sz="1200" b="0" i="0" dirty="0">
-              <a:solidFill>
-                <a:srgbClr val="610B4B"/>
-              </a:solidFill>
-              <a:effectLst/>
-              <a:latin typeface="Arial" panose="020B0604020202020204" pitchFamily="34" charset="0"/>
-              <a:cs typeface="Arial" panose="020B0604020202020204" pitchFamily="34" charset="0"/>
-            </a:endParaRPr>
-          </a:p>
-          <a:p>
-            <a:pPr marL="342900" indent="-342900" algn="just">
-              <a:lnSpc>
-                <a:spcPct val="150000"/>
-              </a:lnSpc>
-              <a:buFont typeface="Arial" panose="020B0604020202020204" pitchFamily="34" charset="0"/>
-              <a:buChar char="•"/>
-            </a:pPr>
-            <a:r>
-              <a:rPr lang="en-US" sz="2000" b="1" i="0" dirty="0">
-                <a:effectLst/>
-                <a:latin typeface="Arial" panose="020B0604020202020204" pitchFamily="34" charset="0"/>
-                <a:cs typeface="Arial" panose="020B0604020202020204" pitchFamily="34" charset="0"/>
-              </a:rPr>
-              <a:t>Volume</a:t>
-            </a:r>
-          </a:p>
-          <a:p>
-            <a:pPr marL="342900" indent="-342900" algn="just">
-              <a:lnSpc>
-                <a:spcPct val="150000"/>
-              </a:lnSpc>
-              <a:buFont typeface="Arial" panose="020B0604020202020204" pitchFamily="34" charset="0"/>
-              <a:buChar char="•"/>
-            </a:pPr>
-            <a:r>
-              <a:rPr lang="en-US" sz="2000" b="1" i="0" dirty="0">
-                <a:effectLst/>
-                <a:latin typeface="Arial" panose="020B0604020202020204" pitchFamily="34" charset="0"/>
-                <a:cs typeface="Arial" panose="020B0604020202020204" pitchFamily="34" charset="0"/>
-              </a:rPr>
-              <a:t>Veracity</a:t>
-            </a:r>
-          </a:p>
-          <a:p>
-            <a:pPr marL="342900" indent="-342900" algn="just">
-              <a:lnSpc>
-                <a:spcPct val="150000"/>
-              </a:lnSpc>
-              <a:buFont typeface="Arial" panose="020B0604020202020204" pitchFamily="34" charset="0"/>
-              <a:buChar char="•"/>
-            </a:pPr>
-            <a:r>
-              <a:rPr lang="en-US" sz="2000" b="1" i="0" dirty="0">
-                <a:effectLst/>
-                <a:latin typeface="Arial" panose="020B0604020202020204" pitchFamily="34" charset="0"/>
-                <a:cs typeface="Arial" panose="020B0604020202020204" pitchFamily="34" charset="0"/>
-              </a:rPr>
-              <a:t>Variety</a:t>
-            </a:r>
-          </a:p>
-          <a:p>
-            <a:pPr marL="342900" indent="-342900" algn="just">
-              <a:lnSpc>
-                <a:spcPct val="150000"/>
-              </a:lnSpc>
-              <a:buFont typeface="Arial" panose="020B0604020202020204" pitchFamily="34" charset="0"/>
-              <a:buChar char="•"/>
-            </a:pPr>
-            <a:r>
-              <a:rPr lang="en-US" sz="2000" b="1" i="0" dirty="0">
-                <a:effectLst/>
-                <a:latin typeface="Arial" panose="020B0604020202020204" pitchFamily="34" charset="0"/>
-                <a:cs typeface="Arial" panose="020B0604020202020204" pitchFamily="34" charset="0"/>
-              </a:rPr>
-              <a:t>Value</a:t>
-            </a:r>
-          </a:p>
-          <a:p>
-            <a:pPr marL="342900" indent="-342900" algn="just">
-              <a:lnSpc>
-                <a:spcPct val="150000"/>
-              </a:lnSpc>
-              <a:buFont typeface="Arial" panose="020B0604020202020204" pitchFamily="34" charset="0"/>
-              <a:buChar char="•"/>
-            </a:pPr>
-            <a:r>
-              <a:rPr lang="en-US" sz="2000" b="1" i="0" dirty="0">
-                <a:effectLst/>
-                <a:latin typeface="Arial" panose="020B0604020202020204" pitchFamily="34" charset="0"/>
-                <a:cs typeface="Arial" panose="020B0604020202020204" pitchFamily="34" charset="0"/>
-              </a:rPr>
-              <a:t>Velocity</a:t>
-            </a:r>
-          </a:p>
-        </p:txBody>
-      </p:sp>
-    </p:spTree>
-    <p:extLst>
-      <p:ext uri="{BB962C8B-B14F-4D97-AF65-F5344CB8AC3E}">
-        <p14:creationId xmlns:p14="http://schemas.microsoft.com/office/powerpoint/2010/main" val="3232024903"/>
-      </p:ext>
-    </p:extLst>
-  </p:cSld>
-  <p:clrMapOvr>
-    <a:masterClrMapping/>
-  </p:clrMapOvr>
-</p:sld>
-</file>
-
-<file path=ppt/slides/slide21.xml><?xml version="1.0" encoding="utf-8"?>
-<p:sld xmlns:a="http://schemas.openxmlformats.org/drawingml/2006/main" xmlns:r="http://schemas.openxmlformats.org/officeDocument/2006/relationships" xmlns:p="http://schemas.openxmlformats.org/presentationml/2006/main">
-  <p:cSld>
-    <p:spTree>
-      <p:nvGrpSpPr>
-        <p:cNvPr id="1" name=""/>
-        <p:cNvGrpSpPr/>
-        <p:nvPr/>
-      </p:nvGrpSpPr>
-      <p:grpSpPr>
-        <a:xfrm>
-          <a:off x="0" y="0"/>
-          <a:ext cx="0" cy="0"/>
-          <a:chOff x="0" y="0"/>
-          <a:chExt cx="0" cy="0"/>
-        </a:xfrm>
-      </p:grpSpPr>
-      <p:sp>
-        <p:nvSpPr>
-          <p:cNvPr id="4" name="Rectangle 3">
-            <a:extLst>
-              <a:ext uri="{FF2B5EF4-FFF2-40B4-BE49-F238E27FC236}">
-                <a16:creationId xmlns:a16="http://schemas.microsoft.com/office/drawing/2014/main" id="{6524962B-7610-4EFD-AA5E-DDE403AB8860}"/>
-              </a:ext>
-            </a:extLst>
-          </p:cNvPr>
-          <p:cNvSpPr/>
-          <p:nvPr/>
-        </p:nvSpPr>
-        <p:spPr>
-          <a:xfrm>
-            <a:off x="1524000" y="1"/>
-            <a:ext cx="9144000" cy="584775"/>
-          </a:xfrm>
-          <a:prstGeom prst="rect">
-            <a:avLst/>
-          </a:prstGeom>
-          <a:noFill/>
-        </p:spPr>
-        <p:txBody>
-          <a:bodyPr wrap="square">
-            <a:spAutoFit/>
-          </a:bodyPr>
-          <a:lstStyle/>
-          <a:p>
-            <a:pPr algn="r"/>
-            <a:r>
-              <a:rPr lang="en-US" sz="3200" i="1" dirty="0">
-                <a:solidFill>
-                  <a:srgbClr val="FF9900"/>
-                </a:solidFill>
-                <a:latin typeface="Arial" pitchFamily="34" charset="0"/>
-                <a:cs typeface="Arial" pitchFamily="34" charset="0"/>
-              </a:rPr>
-              <a:t>Volume</a:t>
-            </a:r>
-            <a:endParaRPr lang="en-IN" sz="3200" i="1" dirty="0">
-              <a:solidFill>
-                <a:srgbClr val="FF9900"/>
-              </a:solidFill>
-              <a:latin typeface="Arial" pitchFamily="34" charset="0"/>
-              <a:cs typeface="Arial" pitchFamily="34" charset="0"/>
-            </a:endParaRPr>
-          </a:p>
-        </p:txBody>
-      </p:sp>
-      <p:sp>
-        <p:nvSpPr>
-          <p:cNvPr id="3" name="TextBox 2">
-            <a:extLst>
-              <a:ext uri="{FF2B5EF4-FFF2-40B4-BE49-F238E27FC236}">
-                <a16:creationId xmlns:a16="http://schemas.microsoft.com/office/drawing/2014/main" id="{0BD80FA2-0692-8C0A-410E-6B42560A0A5E}"/>
-              </a:ext>
-            </a:extLst>
-          </p:cNvPr>
-          <p:cNvSpPr txBox="1"/>
-          <p:nvPr/>
-        </p:nvSpPr>
-        <p:spPr>
-          <a:xfrm>
-            <a:off x="263352" y="2366878"/>
-            <a:ext cx="11521280" cy="2862322"/>
-          </a:xfrm>
-          <a:prstGeom prst="rect">
-            <a:avLst/>
-          </a:prstGeom>
-          <a:noFill/>
-        </p:spPr>
-        <p:txBody>
-          <a:bodyPr wrap="square">
-            <a:spAutoFit/>
-          </a:bodyPr>
-          <a:lstStyle/>
-          <a:p>
-            <a:pPr marL="342900" indent="-342900" algn="just">
-              <a:buFont typeface="Arial" panose="020B0604020202020204" pitchFamily="34" charset="0"/>
-              <a:buChar char="•"/>
-            </a:pPr>
-            <a:r>
-              <a:rPr lang="en-US" sz="2000" b="0" i="0" dirty="0">
-                <a:solidFill>
-                  <a:srgbClr val="333333"/>
-                </a:solidFill>
-                <a:effectLst/>
-                <a:latin typeface="Arial" panose="020B0604020202020204" pitchFamily="34" charset="0"/>
-                <a:cs typeface="Arial" panose="020B0604020202020204" pitchFamily="34" charset="0"/>
-              </a:rPr>
-              <a:t>Big Data is a vast 'volumes' of data generated from many sources daily, such as </a:t>
-            </a:r>
-            <a:r>
-              <a:rPr lang="en-US" sz="2000" b="1" i="0" dirty="0">
-                <a:solidFill>
-                  <a:srgbClr val="333333"/>
-                </a:solidFill>
-                <a:effectLst/>
-                <a:latin typeface="Arial" panose="020B0604020202020204" pitchFamily="34" charset="0"/>
-                <a:cs typeface="Arial" panose="020B0604020202020204" pitchFamily="34" charset="0"/>
-              </a:rPr>
-              <a:t>business processes, machines, social media platforms, networks, human interactions,</a:t>
-            </a:r>
-            <a:r>
-              <a:rPr lang="en-US" sz="2000" b="0" i="0" dirty="0">
-                <a:solidFill>
-                  <a:srgbClr val="333333"/>
-                </a:solidFill>
-                <a:effectLst/>
-                <a:latin typeface="Arial" panose="020B0604020202020204" pitchFamily="34" charset="0"/>
-                <a:cs typeface="Arial" panose="020B0604020202020204" pitchFamily="34" charset="0"/>
-              </a:rPr>
-              <a:t> and many more.</a:t>
-            </a:r>
-          </a:p>
-          <a:p>
-            <a:pPr marL="342900" indent="-342900" algn="just">
-              <a:buFont typeface="Arial" panose="020B0604020202020204" pitchFamily="34" charset="0"/>
-              <a:buChar char="•"/>
-            </a:pPr>
-            <a:endParaRPr lang="en-US" sz="2000" b="0" i="0" dirty="0">
-              <a:solidFill>
-                <a:srgbClr val="333333"/>
-              </a:solidFill>
-              <a:effectLst/>
-              <a:latin typeface="Arial" panose="020B0604020202020204" pitchFamily="34" charset="0"/>
-              <a:cs typeface="Arial" panose="020B0604020202020204" pitchFamily="34" charset="0"/>
-            </a:endParaRPr>
-          </a:p>
-          <a:p>
-            <a:pPr marL="342900" indent="-342900" algn="just">
-              <a:buFont typeface="Arial" panose="020B0604020202020204" pitchFamily="34" charset="0"/>
-              <a:buChar char="•"/>
-            </a:pPr>
-            <a:r>
-              <a:rPr lang="en-US" sz="2000" b="1" i="0" dirty="0">
-                <a:solidFill>
-                  <a:srgbClr val="333333"/>
-                </a:solidFill>
-                <a:effectLst/>
-                <a:latin typeface="Arial" panose="020B0604020202020204" pitchFamily="34" charset="0"/>
-                <a:cs typeface="Arial" panose="020B0604020202020204" pitchFamily="34" charset="0"/>
-              </a:rPr>
-              <a:t>Facebook</a:t>
-            </a:r>
-            <a:r>
-              <a:rPr lang="en-US" sz="2000" b="0" i="0" dirty="0">
-                <a:solidFill>
-                  <a:srgbClr val="333333"/>
-                </a:solidFill>
-                <a:effectLst/>
-                <a:latin typeface="Arial" panose="020B0604020202020204" pitchFamily="34" charset="0"/>
-                <a:cs typeface="Arial" panose="020B0604020202020204" pitchFamily="34" charset="0"/>
-              </a:rPr>
-              <a:t> can generate approximately a </a:t>
-            </a:r>
-            <a:r>
-              <a:rPr lang="en-US" sz="2000" b="1" i="0" dirty="0">
-                <a:solidFill>
-                  <a:srgbClr val="333333"/>
-                </a:solidFill>
-                <a:effectLst/>
-                <a:latin typeface="Arial" panose="020B0604020202020204" pitchFamily="34" charset="0"/>
-                <a:cs typeface="Arial" panose="020B0604020202020204" pitchFamily="34" charset="0"/>
-              </a:rPr>
-              <a:t>billion</a:t>
-            </a:r>
-            <a:r>
-              <a:rPr lang="en-US" sz="2000" b="0" i="0" dirty="0">
-                <a:solidFill>
-                  <a:srgbClr val="333333"/>
-                </a:solidFill>
-                <a:effectLst/>
-                <a:latin typeface="Arial" panose="020B0604020202020204" pitchFamily="34" charset="0"/>
-                <a:cs typeface="Arial" panose="020B0604020202020204" pitchFamily="34" charset="0"/>
-              </a:rPr>
-              <a:t> messages, </a:t>
-            </a:r>
-          </a:p>
-          <a:p>
-            <a:pPr marL="342900" indent="-342900" algn="just">
-              <a:buFont typeface="Arial" panose="020B0604020202020204" pitchFamily="34" charset="0"/>
-              <a:buChar char="•"/>
-            </a:pPr>
-            <a:endParaRPr lang="en-US" sz="2000" dirty="0">
-              <a:solidFill>
-                <a:srgbClr val="333333"/>
-              </a:solidFill>
-              <a:latin typeface="Arial" panose="020B0604020202020204" pitchFamily="34" charset="0"/>
-              <a:cs typeface="Arial" panose="020B0604020202020204" pitchFamily="34" charset="0"/>
-            </a:endParaRPr>
-          </a:p>
-          <a:p>
-            <a:pPr marL="342900" indent="-342900" algn="just">
-              <a:buFont typeface="Arial" panose="020B0604020202020204" pitchFamily="34" charset="0"/>
-              <a:buChar char="•"/>
-            </a:pPr>
-            <a:r>
-              <a:rPr lang="en-US" sz="2000" b="1" i="0" dirty="0">
-                <a:solidFill>
-                  <a:srgbClr val="333333"/>
-                </a:solidFill>
-                <a:effectLst/>
-                <a:latin typeface="Arial" panose="020B0604020202020204" pitchFamily="34" charset="0"/>
-                <a:cs typeface="Arial" panose="020B0604020202020204" pitchFamily="34" charset="0"/>
-              </a:rPr>
-              <a:t>Billion</a:t>
-            </a:r>
-            <a:r>
-              <a:rPr lang="en-US" sz="2000" b="0" i="0" dirty="0">
-                <a:solidFill>
-                  <a:srgbClr val="333333"/>
-                </a:solidFill>
-                <a:effectLst/>
-                <a:latin typeface="Arial" panose="020B0604020202020204" pitchFamily="34" charset="0"/>
-                <a:cs typeface="Arial" panose="020B0604020202020204" pitchFamily="34" charset="0"/>
-              </a:rPr>
-              <a:t> of times, the "</a:t>
-            </a:r>
-            <a:r>
-              <a:rPr lang="en-US" sz="2000" b="1" i="0" dirty="0">
-                <a:solidFill>
-                  <a:srgbClr val="333333"/>
-                </a:solidFill>
-                <a:effectLst/>
-                <a:latin typeface="Arial" panose="020B0604020202020204" pitchFamily="34" charset="0"/>
-                <a:cs typeface="Arial" panose="020B0604020202020204" pitchFamily="34" charset="0"/>
-              </a:rPr>
-              <a:t>Like</a:t>
-            </a:r>
-            <a:r>
-              <a:rPr lang="en-US" sz="2000" b="0" i="0" dirty="0">
-                <a:solidFill>
-                  <a:srgbClr val="333333"/>
-                </a:solidFill>
-                <a:effectLst/>
-                <a:latin typeface="Arial" panose="020B0604020202020204" pitchFamily="34" charset="0"/>
-                <a:cs typeface="Arial" panose="020B0604020202020204" pitchFamily="34" charset="0"/>
-              </a:rPr>
-              <a:t>" button is recorded, </a:t>
-            </a:r>
-          </a:p>
-          <a:p>
-            <a:pPr marL="342900" indent="-342900" algn="just">
-              <a:buFont typeface="Arial" panose="020B0604020202020204" pitchFamily="34" charset="0"/>
-              <a:buChar char="•"/>
-            </a:pPr>
-            <a:endParaRPr lang="en-US" sz="2000" dirty="0">
-              <a:solidFill>
-                <a:srgbClr val="333333"/>
-              </a:solidFill>
-              <a:latin typeface="Arial" panose="020B0604020202020204" pitchFamily="34" charset="0"/>
-              <a:cs typeface="Arial" panose="020B0604020202020204" pitchFamily="34" charset="0"/>
-            </a:endParaRPr>
-          </a:p>
-          <a:p>
-            <a:pPr marL="342900" indent="-342900" algn="just">
-              <a:buFont typeface="Arial" panose="020B0604020202020204" pitchFamily="34" charset="0"/>
-              <a:buChar char="•"/>
-            </a:pPr>
-            <a:r>
-              <a:rPr lang="en-US" sz="2000" b="0" i="0" dirty="0">
-                <a:solidFill>
-                  <a:srgbClr val="333333"/>
-                </a:solidFill>
-                <a:effectLst/>
-                <a:latin typeface="Arial" panose="020B0604020202020204" pitchFamily="34" charset="0"/>
-                <a:cs typeface="Arial" panose="020B0604020202020204" pitchFamily="34" charset="0"/>
-              </a:rPr>
-              <a:t>and </a:t>
-            </a:r>
-            <a:r>
-              <a:rPr lang="en-US" sz="2000" b="1" i="0" dirty="0">
-                <a:solidFill>
-                  <a:srgbClr val="333333"/>
-                </a:solidFill>
-                <a:effectLst/>
-                <a:latin typeface="Arial" panose="020B0604020202020204" pitchFamily="34" charset="0"/>
-                <a:cs typeface="Arial" panose="020B0604020202020204" pitchFamily="34" charset="0"/>
-              </a:rPr>
-              <a:t>millions</a:t>
-            </a:r>
-            <a:r>
-              <a:rPr lang="en-US" sz="2000" b="0" i="0" dirty="0">
-                <a:solidFill>
-                  <a:srgbClr val="333333"/>
-                </a:solidFill>
-                <a:effectLst/>
-                <a:latin typeface="Arial" panose="020B0604020202020204" pitchFamily="34" charset="0"/>
-                <a:cs typeface="Arial" panose="020B0604020202020204" pitchFamily="34" charset="0"/>
-              </a:rPr>
-              <a:t> of new posts are uploaded each day. </a:t>
-            </a:r>
-          </a:p>
-        </p:txBody>
-      </p:sp>
-      <p:sp>
-        <p:nvSpPr>
-          <p:cNvPr id="5" name="TextBox 4">
-            <a:extLst>
-              <a:ext uri="{FF2B5EF4-FFF2-40B4-BE49-F238E27FC236}">
-                <a16:creationId xmlns:a16="http://schemas.microsoft.com/office/drawing/2014/main" id="{4BBE33AB-BF80-A13E-D5B7-119EB9740A68}"/>
-              </a:ext>
-            </a:extLst>
-          </p:cNvPr>
-          <p:cNvSpPr txBox="1"/>
-          <p:nvPr/>
-        </p:nvSpPr>
-        <p:spPr>
-          <a:xfrm>
-            <a:off x="551384" y="1008355"/>
-            <a:ext cx="11233248" cy="830997"/>
-          </a:xfrm>
-          <a:prstGeom prst="rect">
-            <a:avLst/>
-          </a:prstGeom>
-          <a:noFill/>
-        </p:spPr>
-        <p:txBody>
-          <a:bodyPr wrap="square">
-            <a:spAutoFit/>
-          </a:bodyPr>
-          <a:lstStyle/>
-          <a:p>
-            <a:pPr algn="just"/>
-            <a:r>
-              <a:rPr lang="en-US" sz="2400" b="0" i="0" dirty="0">
-                <a:solidFill>
-                  <a:srgbClr val="C00000"/>
-                </a:solidFill>
-                <a:effectLst/>
-                <a:latin typeface="Arial" panose="020B0604020202020204" pitchFamily="34" charset="0"/>
-                <a:cs typeface="Arial" panose="020B0604020202020204" pitchFamily="34" charset="0"/>
-              </a:rPr>
-              <a:t>The name Big Data itself is related to an enormous size of data. </a:t>
-            </a:r>
-            <a:r>
-              <a:rPr lang="en-US" sz="2400" b="0" i="0" dirty="0">
-                <a:solidFill>
-                  <a:srgbClr val="333333"/>
-                </a:solidFill>
-                <a:effectLst/>
-                <a:latin typeface="Arial" panose="020B0604020202020204" pitchFamily="34" charset="0"/>
-                <a:cs typeface="Arial" panose="020B0604020202020204" pitchFamily="34" charset="0"/>
-              </a:rPr>
-              <a:t>Big data technologies can handle large amounts of data.</a:t>
-            </a:r>
-          </a:p>
-        </p:txBody>
-      </p:sp>
-      <p:pic>
-        <p:nvPicPr>
-          <p:cNvPr id="2" name="Picture 2" descr="Big Data Volume Growth - Big Data Tutorial - Edureka">
-            <a:extLst>
-              <a:ext uri="{FF2B5EF4-FFF2-40B4-BE49-F238E27FC236}">
-                <a16:creationId xmlns:a16="http://schemas.microsoft.com/office/drawing/2014/main" id="{5A774089-67ED-8738-2FF5-785289EB2AC4}"/>
-              </a:ext>
-            </a:extLst>
-          </p:cNvPr>
-          <p:cNvPicPr>
-            <a:picLocks noChangeAspect="1" noChangeArrowheads="1"/>
-          </p:cNvPicPr>
-          <p:nvPr/>
-        </p:nvPicPr>
-        <p:blipFill>
-          <a:blip r:embed="rId2"/>
-          <a:srcRect/>
-          <a:stretch>
-            <a:fillRect/>
-          </a:stretch>
-        </p:blipFill>
-        <p:spPr bwMode="auto">
-          <a:xfrm>
-            <a:off x="8382016" y="3535026"/>
-            <a:ext cx="3258600" cy="3299418"/>
-          </a:xfrm>
-          <a:prstGeom prst="rect">
-            <a:avLst/>
-          </a:prstGeom>
-          <a:noFill/>
-        </p:spPr>
-      </p:pic>
-    </p:spTree>
-    <p:extLst>
-      <p:ext uri="{BB962C8B-B14F-4D97-AF65-F5344CB8AC3E}">
-        <p14:creationId xmlns:p14="http://schemas.microsoft.com/office/powerpoint/2010/main" val="255849756"/>
-      </p:ext>
-    </p:extLst>
-  </p:cSld>
-  <p:clrMapOvr>
-    <a:masterClrMapping/>
-  </p:clrMapOvr>
-</p:sld>
-</file>
-
-<file path=ppt/slides/slide22.xml><?xml version="1.0" encoding="utf-8"?>
-<p:sld xmlns:a="http://schemas.openxmlformats.org/drawingml/2006/main" xmlns:r="http://schemas.openxmlformats.org/officeDocument/2006/relationships" xmlns:p="http://schemas.openxmlformats.org/presentationml/2006/main">
-  <p:cSld>
-    <p:spTree>
-      <p:nvGrpSpPr>
-        <p:cNvPr id="1" name=""/>
-        <p:cNvGrpSpPr/>
-        <p:nvPr/>
-      </p:nvGrpSpPr>
-      <p:grpSpPr>
-        <a:xfrm>
-          <a:off x="0" y="0"/>
-          <a:ext cx="0" cy="0"/>
-          <a:chOff x="0" y="0"/>
-          <a:chExt cx="0" cy="0"/>
-        </a:xfrm>
-      </p:grpSpPr>
-      <p:sp>
-        <p:nvSpPr>
-          <p:cNvPr id="4" name="Rectangle 3">
-            <a:extLst>
-              <a:ext uri="{FF2B5EF4-FFF2-40B4-BE49-F238E27FC236}">
-                <a16:creationId xmlns:a16="http://schemas.microsoft.com/office/drawing/2014/main" id="{6524962B-7610-4EFD-AA5E-DDE403AB8860}"/>
-              </a:ext>
-            </a:extLst>
-          </p:cNvPr>
-          <p:cNvSpPr/>
-          <p:nvPr/>
-        </p:nvSpPr>
-        <p:spPr>
-          <a:xfrm>
-            <a:off x="1524000" y="1"/>
-            <a:ext cx="9144000" cy="584775"/>
-          </a:xfrm>
-          <a:prstGeom prst="rect">
-            <a:avLst/>
-          </a:prstGeom>
-          <a:noFill/>
-        </p:spPr>
-        <p:txBody>
-          <a:bodyPr wrap="square">
-            <a:spAutoFit/>
-          </a:bodyPr>
-          <a:lstStyle/>
-          <a:p>
-            <a:pPr algn="r"/>
-            <a:r>
-              <a:rPr lang="en-US" sz="3200" i="1" dirty="0">
-                <a:solidFill>
-                  <a:srgbClr val="FF9900"/>
-                </a:solidFill>
-                <a:latin typeface="Arial" pitchFamily="34" charset="0"/>
-                <a:cs typeface="Arial" pitchFamily="34" charset="0"/>
-              </a:rPr>
-              <a:t>Veracity</a:t>
-            </a:r>
-            <a:endParaRPr lang="en-IN" sz="3200" i="1" dirty="0">
-              <a:solidFill>
-                <a:srgbClr val="FF9900"/>
-              </a:solidFill>
-              <a:latin typeface="Arial" pitchFamily="34" charset="0"/>
-              <a:cs typeface="Arial" pitchFamily="34" charset="0"/>
-            </a:endParaRPr>
-          </a:p>
-        </p:txBody>
-      </p:sp>
-      <p:sp>
-        <p:nvSpPr>
-          <p:cNvPr id="3" name="TextBox 2">
-            <a:extLst>
-              <a:ext uri="{FF2B5EF4-FFF2-40B4-BE49-F238E27FC236}">
-                <a16:creationId xmlns:a16="http://schemas.microsoft.com/office/drawing/2014/main" id="{4B5CEDCA-EEE7-04D8-EDEC-C2FA5EFF6CE5}"/>
-              </a:ext>
-            </a:extLst>
-          </p:cNvPr>
-          <p:cNvSpPr txBox="1"/>
-          <p:nvPr/>
-        </p:nvSpPr>
-        <p:spPr>
-          <a:xfrm>
-            <a:off x="191344" y="215444"/>
-            <a:ext cx="4608512" cy="461665"/>
-          </a:xfrm>
-          <a:prstGeom prst="rect">
-            <a:avLst/>
-          </a:prstGeom>
-          <a:noFill/>
-        </p:spPr>
-        <p:txBody>
-          <a:bodyPr wrap="square">
-            <a:spAutoFit/>
-          </a:bodyPr>
-          <a:lstStyle/>
-          <a:p>
-            <a:r>
-              <a:rPr lang="en-IN" sz="2400" b="0" i="0" u="none" strike="noStrike" dirty="0">
-                <a:solidFill>
-                  <a:srgbClr val="202124"/>
-                </a:solidFill>
-                <a:effectLst/>
-                <a:latin typeface="arial" panose="020B0604020202020204" pitchFamily="34" charset="0"/>
-              </a:rPr>
-              <a:t>Conformity</a:t>
-            </a:r>
-            <a:r>
-              <a:rPr lang="en-IN" sz="2400" b="0" i="0" dirty="0">
-                <a:solidFill>
-                  <a:srgbClr val="202124"/>
-                </a:solidFill>
-                <a:effectLst/>
-                <a:latin typeface="arial" panose="020B0604020202020204" pitchFamily="34" charset="0"/>
-              </a:rPr>
-              <a:t> to facts; accuracy.</a:t>
-            </a:r>
-            <a:endParaRPr lang="en-IN" sz="2400" dirty="0"/>
-          </a:p>
-        </p:txBody>
-      </p:sp>
-      <p:sp>
-        <p:nvSpPr>
-          <p:cNvPr id="5" name="TextBox 4">
-            <a:extLst>
-              <a:ext uri="{FF2B5EF4-FFF2-40B4-BE49-F238E27FC236}">
-                <a16:creationId xmlns:a16="http://schemas.microsoft.com/office/drawing/2014/main" id="{60A76E6C-5DA9-1FE0-BCA5-8C766DE8FD05}"/>
-              </a:ext>
-            </a:extLst>
-          </p:cNvPr>
-          <p:cNvSpPr txBox="1"/>
-          <p:nvPr/>
-        </p:nvSpPr>
-        <p:spPr>
-          <a:xfrm>
-            <a:off x="407368" y="1008355"/>
-            <a:ext cx="11377264" cy="1938992"/>
-          </a:xfrm>
-          <a:prstGeom prst="rect">
-            <a:avLst/>
-          </a:prstGeom>
-          <a:noFill/>
-        </p:spPr>
-        <p:txBody>
-          <a:bodyPr wrap="square">
-            <a:spAutoFit/>
-          </a:bodyPr>
-          <a:lstStyle/>
-          <a:p>
-            <a:pPr marL="342900" indent="-342900" algn="just">
-              <a:buFont typeface="Arial" panose="020B0604020202020204" pitchFamily="34" charset="0"/>
-              <a:buChar char="•"/>
-            </a:pPr>
-            <a:r>
-              <a:rPr lang="en-US" sz="2400" b="0" i="0" dirty="0">
-                <a:effectLst/>
-                <a:latin typeface="Arial" panose="020B0604020202020204" pitchFamily="34" charset="0"/>
-                <a:cs typeface="Arial" panose="020B0604020202020204" pitchFamily="34" charset="0"/>
-              </a:rPr>
-              <a:t>Veracity means how much the data is reliable and accurate. </a:t>
-            </a:r>
-          </a:p>
-          <a:p>
-            <a:pPr algn="just"/>
-            <a:endParaRPr lang="en-US" sz="2400" b="0" i="0" dirty="0">
-              <a:effectLst/>
-              <a:latin typeface="Arial" panose="020B0604020202020204" pitchFamily="34" charset="0"/>
-              <a:cs typeface="Arial" panose="020B0604020202020204" pitchFamily="34" charset="0"/>
-            </a:endParaRPr>
-          </a:p>
-          <a:p>
-            <a:pPr marL="342900" indent="-342900" algn="just">
-              <a:buFont typeface="Arial" panose="020B0604020202020204" pitchFamily="34" charset="0"/>
-              <a:buChar char="•"/>
-            </a:pPr>
-            <a:r>
-              <a:rPr lang="en-US" sz="2400" b="0" i="0" dirty="0">
-                <a:effectLst/>
-                <a:latin typeface="Arial" panose="020B0604020202020204" pitchFamily="34" charset="0"/>
-                <a:cs typeface="Arial" panose="020B0604020202020204" pitchFamily="34" charset="0"/>
-              </a:rPr>
-              <a:t>It has many ways to filter the data.</a:t>
-            </a:r>
-          </a:p>
-          <a:p>
-            <a:pPr algn="just"/>
-            <a:endParaRPr lang="en-US" sz="2400" b="0" i="0" dirty="0">
-              <a:effectLst/>
-              <a:latin typeface="Arial" panose="020B0604020202020204" pitchFamily="34" charset="0"/>
-              <a:cs typeface="Arial" panose="020B0604020202020204" pitchFamily="34" charset="0"/>
-            </a:endParaRPr>
-          </a:p>
-          <a:p>
-            <a:pPr marL="342900" indent="-342900" algn="just">
-              <a:buFont typeface="Arial" panose="020B0604020202020204" pitchFamily="34" charset="0"/>
-              <a:buChar char="•"/>
-            </a:pPr>
-            <a:r>
-              <a:rPr lang="en-US" sz="2400" b="0" i="0" dirty="0">
-                <a:effectLst/>
-                <a:latin typeface="Arial" panose="020B0604020202020204" pitchFamily="34" charset="0"/>
-                <a:cs typeface="Arial" panose="020B0604020202020204" pitchFamily="34" charset="0"/>
-              </a:rPr>
-              <a:t> Veracity is the process to handle and manage data efficiently.</a:t>
-            </a:r>
-          </a:p>
-        </p:txBody>
-      </p:sp>
-    </p:spTree>
-    <p:extLst>
-      <p:ext uri="{BB962C8B-B14F-4D97-AF65-F5344CB8AC3E}">
-        <p14:creationId xmlns:p14="http://schemas.microsoft.com/office/powerpoint/2010/main" val="2413428036"/>
       </p:ext>
     </p:extLst>
   </p:cSld>
@@ -7329,6 +7020,922 @@
                 <a:latin typeface="Arial" pitchFamily="34" charset="0"/>
                 <a:cs typeface="Arial" pitchFamily="34" charset="0"/>
               </a:rPr>
+              <a:t>Characteristics of Big Data</a:t>
+            </a:r>
+            <a:endParaRPr lang="en-IN" sz="3200" i="1" dirty="0">
+              <a:solidFill>
+                <a:srgbClr val="FF9900"/>
+              </a:solidFill>
+              <a:latin typeface="Arial" pitchFamily="34" charset="0"/>
+              <a:cs typeface="Arial" pitchFamily="34" charset="0"/>
+            </a:endParaRPr>
+          </a:p>
+        </p:txBody>
+      </p:sp>
+      <p:sp>
+        <p:nvSpPr>
+          <p:cNvPr id="6" name="TextBox 5">
+            <a:extLst>
+              <a:ext uri="{FF2B5EF4-FFF2-40B4-BE49-F238E27FC236}">
+                <a16:creationId xmlns:a16="http://schemas.microsoft.com/office/drawing/2014/main" id="{7A4EC6FF-50F3-7757-E8E3-74F1C85A625C}"/>
+              </a:ext>
+            </a:extLst>
+          </p:cNvPr>
+          <p:cNvSpPr txBox="1"/>
+          <p:nvPr/>
+        </p:nvSpPr>
+        <p:spPr>
+          <a:xfrm>
+            <a:off x="191344" y="908720"/>
+            <a:ext cx="11809312" cy="1045223"/>
+          </a:xfrm>
+          <a:prstGeom prst="rect">
+            <a:avLst/>
+          </a:prstGeom>
+          <a:noFill/>
+        </p:spPr>
+        <p:txBody>
+          <a:bodyPr wrap="square">
+            <a:spAutoFit/>
+          </a:bodyPr>
+          <a:lstStyle/>
+          <a:p>
+            <a:pPr>
+              <a:lnSpc>
+                <a:spcPct val="150000"/>
+              </a:lnSpc>
+            </a:pPr>
+            <a:r>
+              <a:rPr lang="en-IN" sz="2200" dirty="0">
+                <a:latin typeface="Arial" panose="020B0604020202020204" pitchFamily="34" charset="0"/>
+                <a:cs typeface="Arial" panose="020B0604020202020204" pitchFamily="34" charset="0"/>
+              </a:rPr>
+              <a:t>It is used by many multinational companies to process the data and business of many organizations. The data flow would exceed 150 exabytes per day before replication.</a:t>
+            </a:r>
+          </a:p>
+        </p:txBody>
+      </p:sp>
+      <p:sp>
+        <p:nvSpPr>
+          <p:cNvPr id="9" name="TextBox 8">
+            <a:extLst>
+              <a:ext uri="{FF2B5EF4-FFF2-40B4-BE49-F238E27FC236}">
+                <a16:creationId xmlns:a16="http://schemas.microsoft.com/office/drawing/2014/main" id="{AB4E6DC9-BF67-59E6-9A9C-1C759377F018}"/>
+              </a:ext>
+            </a:extLst>
+          </p:cNvPr>
+          <p:cNvSpPr txBox="1"/>
+          <p:nvPr/>
+        </p:nvSpPr>
+        <p:spPr>
+          <a:xfrm>
+            <a:off x="407368" y="2420888"/>
+            <a:ext cx="11377264" cy="3420873"/>
+          </a:xfrm>
+          <a:prstGeom prst="rect">
+            <a:avLst/>
+          </a:prstGeom>
+          <a:noFill/>
+        </p:spPr>
+        <p:txBody>
+          <a:bodyPr wrap="square">
+            <a:spAutoFit/>
+          </a:bodyPr>
+          <a:lstStyle/>
+          <a:p>
+            <a:pPr algn="just"/>
+            <a:r>
+              <a:rPr lang="en-US" sz="2400" b="0" i="0" dirty="0">
+                <a:solidFill>
+                  <a:srgbClr val="C00000"/>
+                </a:solidFill>
+                <a:effectLst/>
+                <a:latin typeface="Arial" panose="020B0604020202020204" pitchFamily="34" charset="0"/>
+                <a:cs typeface="Arial" panose="020B0604020202020204" pitchFamily="34" charset="0"/>
+              </a:rPr>
+              <a:t>There are five v's of Big Data that explains the characteristics.</a:t>
+            </a:r>
+          </a:p>
+          <a:p>
+            <a:pPr algn="just"/>
+            <a:endParaRPr lang="en-US" sz="1200" b="0" i="0" dirty="0">
+              <a:solidFill>
+                <a:srgbClr val="333333"/>
+              </a:solidFill>
+              <a:effectLst/>
+              <a:latin typeface="Arial" panose="020B0604020202020204" pitchFamily="34" charset="0"/>
+              <a:cs typeface="Arial" panose="020B0604020202020204" pitchFamily="34" charset="0"/>
+            </a:endParaRPr>
+          </a:p>
+          <a:p>
+            <a:pPr algn="just"/>
+            <a:r>
+              <a:rPr lang="en-US" sz="2200" b="0" i="0" dirty="0">
+                <a:solidFill>
+                  <a:srgbClr val="610B4B"/>
+                </a:solidFill>
+                <a:effectLst/>
+                <a:latin typeface="Arial" panose="020B0604020202020204" pitchFamily="34" charset="0"/>
+                <a:cs typeface="Arial" panose="020B0604020202020204" pitchFamily="34" charset="0"/>
+              </a:rPr>
+              <a:t>5 V's of Big Data</a:t>
+            </a:r>
+          </a:p>
+          <a:p>
+            <a:pPr algn="just"/>
+            <a:endParaRPr lang="en-US" sz="1200" b="0" i="0" dirty="0">
+              <a:solidFill>
+                <a:srgbClr val="610B4B"/>
+              </a:solidFill>
+              <a:effectLst/>
+              <a:latin typeface="Arial" panose="020B0604020202020204" pitchFamily="34" charset="0"/>
+              <a:cs typeface="Arial" panose="020B0604020202020204" pitchFamily="34" charset="0"/>
+            </a:endParaRPr>
+          </a:p>
+          <a:p>
+            <a:pPr marL="342900" indent="-342900" algn="just">
+              <a:lnSpc>
+                <a:spcPct val="150000"/>
+              </a:lnSpc>
+              <a:buFont typeface="Arial" panose="020B0604020202020204" pitchFamily="34" charset="0"/>
+              <a:buChar char="•"/>
+            </a:pPr>
+            <a:r>
+              <a:rPr lang="en-US" sz="2000" b="1" i="0" dirty="0">
+                <a:effectLst/>
+                <a:latin typeface="Arial" panose="020B0604020202020204" pitchFamily="34" charset="0"/>
+                <a:cs typeface="Arial" panose="020B0604020202020204" pitchFamily="34" charset="0"/>
+              </a:rPr>
+              <a:t>Volume</a:t>
+            </a:r>
+          </a:p>
+          <a:p>
+            <a:pPr marL="342900" indent="-342900" algn="just">
+              <a:lnSpc>
+                <a:spcPct val="150000"/>
+              </a:lnSpc>
+              <a:buFont typeface="Arial" panose="020B0604020202020204" pitchFamily="34" charset="0"/>
+              <a:buChar char="•"/>
+            </a:pPr>
+            <a:r>
+              <a:rPr lang="en-US" sz="2000" b="1" i="0" dirty="0">
+                <a:effectLst/>
+                <a:latin typeface="Arial" panose="020B0604020202020204" pitchFamily="34" charset="0"/>
+                <a:cs typeface="Arial" panose="020B0604020202020204" pitchFamily="34" charset="0"/>
+              </a:rPr>
+              <a:t>Veracity</a:t>
+            </a:r>
+          </a:p>
+          <a:p>
+            <a:pPr marL="342900" indent="-342900" algn="just">
+              <a:lnSpc>
+                <a:spcPct val="150000"/>
+              </a:lnSpc>
+              <a:buFont typeface="Arial" panose="020B0604020202020204" pitchFamily="34" charset="0"/>
+              <a:buChar char="•"/>
+            </a:pPr>
+            <a:r>
+              <a:rPr lang="en-US" sz="2000" b="1" i="0" dirty="0">
+                <a:effectLst/>
+                <a:latin typeface="Arial" panose="020B0604020202020204" pitchFamily="34" charset="0"/>
+                <a:cs typeface="Arial" panose="020B0604020202020204" pitchFamily="34" charset="0"/>
+              </a:rPr>
+              <a:t>Variety</a:t>
+            </a:r>
+          </a:p>
+          <a:p>
+            <a:pPr marL="342900" indent="-342900" algn="just">
+              <a:lnSpc>
+                <a:spcPct val="150000"/>
+              </a:lnSpc>
+              <a:buFont typeface="Arial" panose="020B0604020202020204" pitchFamily="34" charset="0"/>
+              <a:buChar char="•"/>
+            </a:pPr>
+            <a:r>
+              <a:rPr lang="en-US" sz="2000" b="1" i="0" dirty="0">
+                <a:effectLst/>
+                <a:latin typeface="Arial" panose="020B0604020202020204" pitchFamily="34" charset="0"/>
+                <a:cs typeface="Arial" panose="020B0604020202020204" pitchFamily="34" charset="0"/>
+              </a:rPr>
+              <a:t>Value</a:t>
+            </a:r>
+          </a:p>
+          <a:p>
+            <a:pPr marL="342900" indent="-342900" algn="just">
+              <a:lnSpc>
+                <a:spcPct val="150000"/>
+              </a:lnSpc>
+              <a:buFont typeface="Arial" panose="020B0604020202020204" pitchFamily="34" charset="0"/>
+              <a:buChar char="•"/>
+            </a:pPr>
+            <a:r>
+              <a:rPr lang="en-US" sz="2000" b="1" i="0" dirty="0">
+                <a:effectLst/>
+                <a:latin typeface="Arial" panose="020B0604020202020204" pitchFamily="34" charset="0"/>
+                <a:cs typeface="Arial" panose="020B0604020202020204" pitchFamily="34" charset="0"/>
+              </a:rPr>
+              <a:t>Velocity</a:t>
+            </a:r>
+          </a:p>
+        </p:txBody>
+      </p:sp>
+    </p:spTree>
+    <p:extLst>
+      <p:ext uri="{BB962C8B-B14F-4D97-AF65-F5344CB8AC3E}">
+        <p14:creationId xmlns:p14="http://schemas.microsoft.com/office/powerpoint/2010/main" val="3232024903"/>
+      </p:ext>
+    </p:extLst>
+  </p:cSld>
+  <p:clrMapOvr>
+    <a:masterClrMapping/>
+  </p:clrMapOvr>
+</p:sld>
+</file>
+
+<file path=ppt/slides/slide24.xml><?xml version="1.0" encoding="utf-8"?>
+<p:sld xmlns:a="http://schemas.openxmlformats.org/drawingml/2006/main" xmlns:r="http://schemas.openxmlformats.org/officeDocument/2006/relationships" xmlns:p="http://schemas.openxmlformats.org/presentationml/2006/main">
+  <p:cSld>
+    <p:spTree>
+      <p:nvGrpSpPr>
+        <p:cNvPr id="1" name=""/>
+        <p:cNvGrpSpPr/>
+        <p:nvPr/>
+      </p:nvGrpSpPr>
+      <p:grpSpPr>
+        <a:xfrm>
+          <a:off x="0" y="0"/>
+          <a:ext cx="0" cy="0"/>
+          <a:chOff x="0" y="0"/>
+          <a:chExt cx="0" cy="0"/>
+        </a:xfrm>
+      </p:grpSpPr>
+      <p:sp>
+        <p:nvSpPr>
+          <p:cNvPr id="4" name="Rectangle 3">
+            <a:extLst>
+              <a:ext uri="{FF2B5EF4-FFF2-40B4-BE49-F238E27FC236}">
+                <a16:creationId xmlns:a16="http://schemas.microsoft.com/office/drawing/2014/main" id="{6524962B-7610-4EFD-AA5E-DDE403AB8860}"/>
+              </a:ext>
+            </a:extLst>
+          </p:cNvPr>
+          <p:cNvSpPr/>
+          <p:nvPr/>
+        </p:nvSpPr>
+        <p:spPr>
+          <a:xfrm>
+            <a:off x="1524000" y="1"/>
+            <a:ext cx="9144000" cy="584775"/>
+          </a:xfrm>
+          <a:prstGeom prst="rect">
+            <a:avLst/>
+          </a:prstGeom>
+          <a:noFill/>
+        </p:spPr>
+        <p:txBody>
+          <a:bodyPr wrap="square">
+            <a:spAutoFit/>
+          </a:bodyPr>
+          <a:lstStyle/>
+          <a:p>
+            <a:pPr algn="r"/>
+            <a:r>
+              <a:rPr lang="en-US" sz="3200" i="1" dirty="0">
+                <a:solidFill>
+                  <a:srgbClr val="FF9900"/>
+                </a:solidFill>
+                <a:latin typeface="Arial" pitchFamily="34" charset="0"/>
+                <a:cs typeface="Arial" pitchFamily="34" charset="0"/>
+              </a:rPr>
+              <a:t>Volume</a:t>
+            </a:r>
+            <a:endParaRPr lang="en-IN" sz="3200" i="1" dirty="0">
+              <a:solidFill>
+                <a:srgbClr val="FF9900"/>
+              </a:solidFill>
+              <a:latin typeface="Arial" pitchFamily="34" charset="0"/>
+              <a:cs typeface="Arial" pitchFamily="34" charset="0"/>
+            </a:endParaRPr>
+          </a:p>
+        </p:txBody>
+      </p:sp>
+      <p:sp>
+        <p:nvSpPr>
+          <p:cNvPr id="3" name="TextBox 2">
+            <a:extLst>
+              <a:ext uri="{FF2B5EF4-FFF2-40B4-BE49-F238E27FC236}">
+                <a16:creationId xmlns:a16="http://schemas.microsoft.com/office/drawing/2014/main" id="{0BD80FA2-0692-8C0A-410E-6B42560A0A5E}"/>
+              </a:ext>
+            </a:extLst>
+          </p:cNvPr>
+          <p:cNvSpPr txBox="1"/>
+          <p:nvPr/>
+        </p:nvSpPr>
+        <p:spPr>
+          <a:xfrm>
+            <a:off x="263352" y="2366878"/>
+            <a:ext cx="11521280" cy="2862322"/>
+          </a:xfrm>
+          <a:prstGeom prst="rect">
+            <a:avLst/>
+          </a:prstGeom>
+          <a:noFill/>
+        </p:spPr>
+        <p:txBody>
+          <a:bodyPr wrap="square">
+            <a:spAutoFit/>
+          </a:bodyPr>
+          <a:lstStyle/>
+          <a:p>
+            <a:pPr marL="342900" indent="-342900" algn="just">
+              <a:buFont typeface="Arial" panose="020B0604020202020204" pitchFamily="34" charset="0"/>
+              <a:buChar char="•"/>
+            </a:pPr>
+            <a:r>
+              <a:rPr lang="en-US" sz="2000" b="0" i="0" dirty="0">
+                <a:solidFill>
+                  <a:srgbClr val="333333"/>
+                </a:solidFill>
+                <a:effectLst/>
+                <a:latin typeface="Arial" panose="020B0604020202020204" pitchFamily="34" charset="0"/>
+                <a:cs typeface="Arial" panose="020B0604020202020204" pitchFamily="34" charset="0"/>
+              </a:rPr>
+              <a:t>Big Data is a vast 'volumes' of data generated from many sources daily, such as </a:t>
+            </a:r>
+            <a:r>
+              <a:rPr lang="en-US" sz="2000" b="1" i="0" dirty="0">
+                <a:solidFill>
+                  <a:srgbClr val="333333"/>
+                </a:solidFill>
+                <a:effectLst/>
+                <a:latin typeface="Arial" panose="020B0604020202020204" pitchFamily="34" charset="0"/>
+                <a:cs typeface="Arial" panose="020B0604020202020204" pitchFamily="34" charset="0"/>
+              </a:rPr>
+              <a:t>business processes, machines, social media platforms, networks, human interactions,</a:t>
+            </a:r>
+            <a:r>
+              <a:rPr lang="en-US" sz="2000" b="0" i="0" dirty="0">
+                <a:solidFill>
+                  <a:srgbClr val="333333"/>
+                </a:solidFill>
+                <a:effectLst/>
+                <a:latin typeface="Arial" panose="020B0604020202020204" pitchFamily="34" charset="0"/>
+                <a:cs typeface="Arial" panose="020B0604020202020204" pitchFamily="34" charset="0"/>
+              </a:rPr>
+              <a:t> and many more.</a:t>
+            </a:r>
+          </a:p>
+          <a:p>
+            <a:pPr marL="342900" indent="-342900" algn="just">
+              <a:buFont typeface="Arial" panose="020B0604020202020204" pitchFamily="34" charset="0"/>
+              <a:buChar char="•"/>
+            </a:pPr>
+            <a:endParaRPr lang="en-US" sz="2000" b="0" i="0" dirty="0">
+              <a:solidFill>
+                <a:srgbClr val="333333"/>
+              </a:solidFill>
+              <a:effectLst/>
+              <a:latin typeface="Arial" panose="020B0604020202020204" pitchFamily="34" charset="0"/>
+              <a:cs typeface="Arial" panose="020B0604020202020204" pitchFamily="34" charset="0"/>
+            </a:endParaRPr>
+          </a:p>
+          <a:p>
+            <a:pPr marL="342900" indent="-342900" algn="just">
+              <a:buFont typeface="Arial" panose="020B0604020202020204" pitchFamily="34" charset="0"/>
+              <a:buChar char="•"/>
+            </a:pPr>
+            <a:r>
+              <a:rPr lang="en-US" sz="2000" b="1" i="0" dirty="0">
+                <a:solidFill>
+                  <a:srgbClr val="333333"/>
+                </a:solidFill>
+                <a:effectLst/>
+                <a:latin typeface="Arial" panose="020B0604020202020204" pitchFamily="34" charset="0"/>
+                <a:cs typeface="Arial" panose="020B0604020202020204" pitchFamily="34" charset="0"/>
+              </a:rPr>
+              <a:t>Facebook</a:t>
+            </a:r>
+            <a:r>
+              <a:rPr lang="en-US" sz="2000" b="0" i="0" dirty="0">
+                <a:solidFill>
+                  <a:srgbClr val="333333"/>
+                </a:solidFill>
+                <a:effectLst/>
+                <a:latin typeface="Arial" panose="020B0604020202020204" pitchFamily="34" charset="0"/>
+                <a:cs typeface="Arial" panose="020B0604020202020204" pitchFamily="34" charset="0"/>
+              </a:rPr>
+              <a:t> can generate approximately a </a:t>
+            </a:r>
+            <a:r>
+              <a:rPr lang="en-US" sz="2000" b="1" i="0" dirty="0">
+                <a:solidFill>
+                  <a:srgbClr val="333333"/>
+                </a:solidFill>
+                <a:effectLst/>
+                <a:latin typeface="Arial" panose="020B0604020202020204" pitchFamily="34" charset="0"/>
+                <a:cs typeface="Arial" panose="020B0604020202020204" pitchFamily="34" charset="0"/>
+              </a:rPr>
+              <a:t>billion</a:t>
+            </a:r>
+            <a:r>
+              <a:rPr lang="en-US" sz="2000" b="0" i="0" dirty="0">
+                <a:solidFill>
+                  <a:srgbClr val="333333"/>
+                </a:solidFill>
+                <a:effectLst/>
+                <a:latin typeface="Arial" panose="020B0604020202020204" pitchFamily="34" charset="0"/>
+                <a:cs typeface="Arial" panose="020B0604020202020204" pitchFamily="34" charset="0"/>
+              </a:rPr>
+              <a:t> messages, </a:t>
+            </a:r>
+          </a:p>
+          <a:p>
+            <a:pPr marL="342900" indent="-342900" algn="just">
+              <a:buFont typeface="Arial" panose="020B0604020202020204" pitchFamily="34" charset="0"/>
+              <a:buChar char="•"/>
+            </a:pPr>
+            <a:endParaRPr lang="en-US" sz="2000" dirty="0">
+              <a:solidFill>
+                <a:srgbClr val="333333"/>
+              </a:solidFill>
+              <a:latin typeface="Arial" panose="020B0604020202020204" pitchFamily="34" charset="0"/>
+              <a:cs typeface="Arial" panose="020B0604020202020204" pitchFamily="34" charset="0"/>
+            </a:endParaRPr>
+          </a:p>
+          <a:p>
+            <a:pPr marL="342900" indent="-342900" algn="just">
+              <a:buFont typeface="Arial" panose="020B0604020202020204" pitchFamily="34" charset="0"/>
+              <a:buChar char="•"/>
+            </a:pPr>
+            <a:r>
+              <a:rPr lang="en-US" sz="2000" b="1" i="0" dirty="0">
+                <a:solidFill>
+                  <a:srgbClr val="333333"/>
+                </a:solidFill>
+                <a:effectLst/>
+                <a:latin typeface="Arial" panose="020B0604020202020204" pitchFamily="34" charset="0"/>
+                <a:cs typeface="Arial" panose="020B0604020202020204" pitchFamily="34" charset="0"/>
+              </a:rPr>
+              <a:t>Billion</a:t>
+            </a:r>
+            <a:r>
+              <a:rPr lang="en-US" sz="2000" b="0" i="0" dirty="0">
+                <a:solidFill>
+                  <a:srgbClr val="333333"/>
+                </a:solidFill>
+                <a:effectLst/>
+                <a:latin typeface="Arial" panose="020B0604020202020204" pitchFamily="34" charset="0"/>
+                <a:cs typeface="Arial" panose="020B0604020202020204" pitchFamily="34" charset="0"/>
+              </a:rPr>
+              <a:t> of times, the "</a:t>
+            </a:r>
+            <a:r>
+              <a:rPr lang="en-US" sz="2000" b="1" i="0" dirty="0">
+                <a:solidFill>
+                  <a:srgbClr val="333333"/>
+                </a:solidFill>
+                <a:effectLst/>
+                <a:latin typeface="Arial" panose="020B0604020202020204" pitchFamily="34" charset="0"/>
+                <a:cs typeface="Arial" panose="020B0604020202020204" pitchFamily="34" charset="0"/>
+              </a:rPr>
+              <a:t>Like</a:t>
+            </a:r>
+            <a:r>
+              <a:rPr lang="en-US" sz="2000" b="0" i="0" dirty="0">
+                <a:solidFill>
+                  <a:srgbClr val="333333"/>
+                </a:solidFill>
+                <a:effectLst/>
+                <a:latin typeface="Arial" panose="020B0604020202020204" pitchFamily="34" charset="0"/>
+                <a:cs typeface="Arial" panose="020B0604020202020204" pitchFamily="34" charset="0"/>
+              </a:rPr>
+              <a:t>" button is recorded, </a:t>
+            </a:r>
+          </a:p>
+          <a:p>
+            <a:pPr marL="342900" indent="-342900" algn="just">
+              <a:buFont typeface="Arial" panose="020B0604020202020204" pitchFamily="34" charset="0"/>
+              <a:buChar char="•"/>
+            </a:pPr>
+            <a:endParaRPr lang="en-US" sz="2000" dirty="0">
+              <a:solidFill>
+                <a:srgbClr val="333333"/>
+              </a:solidFill>
+              <a:latin typeface="Arial" panose="020B0604020202020204" pitchFamily="34" charset="0"/>
+              <a:cs typeface="Arial" panose="020B0604020202020204" pitchFamily="34" charset="0"/>
+            </a:endParaRPr>
+          </a:p>
+          <a:p>
+            <a:pPr marL="342900" indent="-342900" algn="just">
+              <a:buFont typeface="Arial" panose="020B0604020202020204" pitchFamily="34" charset="0"/>
+              <a:buChar char="•"/>
+            </a:pPr>
+            <a:r>
+              <a:rPr lang="en-US" sz="2000" b="0" i="0" dirty="0">
+                <a:solidFill>
+                  <a:srgbClr val="333333"/>
+                </a:solidFill>
+                <a:effectLst/>
+                <a:latin typeface="Arial" panose="020B0604020202020204" pitchFamily="34" charset="0"/>
+                <a:cs typeface="Arial" panose="020B0604020202020204" pitchFamily="34" charset="0"/>
+              </a:rPr>
+              <a:t>and </a:t>
+            </a:r>
+            <a:r>
+              <a:rPr lang="en-US" sz="2000" b="1" i="0" dirty="0">
+                <a:solidFill>
+                  <a:srgbClr val="333333"/>
+                </a:solidFill>
+                <a:effectLst/>
+                <a:latin typeface="Arial" panose="020B0604020202020204" pitchFamily="34" charset="0"/>
+                <a:cs typeface="Arial" panose="020B0604020202020204" pitchFamily="34" charset="0"/>
+              </a:rPr>
+              <a:t>millions</a:t>
+            </a:r>
+            <a:r>
+              <a:rPr lang="en-US" sz="2000" b="0" i="0" dirty="0">
+                <a:solidFill>
+                  <a:srgbClr val="333333"/>
+                </a:solidFill>
+                <a:effectLst/>
+                <a:latin typeface="Arial" panose="020B0604020202020204" pitchFamily="34" charset="0"/>
+                <a:cs typeface="Arial" panose="020B0604020202020204" pitchFamily="34" charset="0"/>
+              </a:rPr>
+              <a:t> of new posts are uploaded each day. </a:t>
+            </a:r>
+          </a:p>
+        </p:txBody>
+      </p:sp>
+      <p:sp>
+        <p:nvSpPr>
+          <p:cNvPr id="5" name="TextBox 4">
+            <a:extLst>
+              <a:ext uri="{FF2B5EF4-FFF2-40B4-BE49-F238E27FC236}">
+                <a16:creationId xmlns:a16="http://schemas.microsoft.com/office/drawing/2014/main" id="{4BBE33AB-BF80-A13E-D5B7-119EB9740A68}"/>
+              </a:ext>
+            </a:extLst>
+          </p:cNvPr>
+          <p:cNvSpPr txBox="1"/>
+          <p:nvPr/>
+        </p:nvSpPr>
+        <p:spPr>
+          <a:xfrm>
+            <a:off x="551384" y="1008355"/>
+            <a:ext cx="11233248" cy="830997"/>
+          </a:xfrm>
+          <a:prstGeom prst="rect">
+            <a:avLst/>
+          </a:prstGeom>
+          <a:noFill/>
+        </p:spPr>
+        <p:txBody>
+          <a:bodyPr wrap="square">
+            <a:spAutoFit/>
+          </a:bodyPr>
+          <a:lstStyle/>
+          <a:p>
+            <a:pPr algn="just"/>
+            <a:r>
+              <a:rPr lang="en-US" sz="2400" b="0" i="0" dirty="0">
+                <a:solidFill>
+                  <a:srgbClr val="C00000"/>
+                </a:solidFill>
+                <a:effectLst/>
+                <a:latin typeface="Arial" panose="020B0604020202020204" pitchFamily="34" charset="0"/>
+                <a:cs typeface="Arial" panose="020B0604020202020204" pitchFamily="34" charset="0"/>
+              </a:rPr>
+              <a:t>The name Big Data itself is related to an enormous size of data. </a:t>
+            </a:r>
+            <a:r>
+              <a:rPr lang="en-US" sz="2400" b="0" i="0" dirty="0">
+                <a:solidFill>
+                  <a:srgbClr val="333333"/>
+                </a:solidFill>
+                <a:effectLst/>
+                <a:latin typeface="Arial" panose="020B0604020202020204" pitchFamily="34" charset="0"/>
+                <a:cs typeface="Arial" panose="020B0604020202020204" pitchFamily="34" charset="0"/>
+              </a:rPr>
+              <a:t>Big data technologies can handle large amounts of data.</a:t>
+            </a:r>
+          </a:p>
+        </p:txBody>
+      </p:sp>
+      <p:pic>
+        <p:nvPicPr>
+          <p:cNvPr id="2" name="Picture 2" descr="Big Data Volume Growth - Big Data Tutorial - Edureka">
+            <a:extLst>
+              <a:ext uri="{FF2B5EF4-FFF2-40B4-BE49-F238E27FC236}">
+                <a16:creationId xmlns:a16="http://schemas.microsoft.com/office/drawing/2014/main" id="{5A774089-67ED-8738-2FF5-785289EB2AC4}"/>
+              </a:ext>
+            </a:extLst>
+          </p:cNvPr>
+          <p:cNvPicPr>
+            <a:picLocks noChangeAspect="1" noChangeArrowheads="1"/>
+          </p:cNvPicPr>
+          <p:nvPr/>
+        </p:nvPicPr>
+        <p:blipFill>
+          <a:blip r:embed="rId2"/>
+          <a:srcRect/>
+          <a:stretch>
+            <a:fillRect/>
+          </a:stretch>
+        </p:blipFill>
+        <p:spPr bwMode="auto">
+          <a:xfrm>
+            <a:off x="8382016" y="3535026"/>
+            <a:ext cx="3258600" cy="3299418"/>
+          </a:xfrm>
+          <a:prstGeom prst="rect">
+            <a:avLst/>
+          </a:prstGeom>
+          <a:noFill/>
+        </p:spPr>
+      </p:pic>
+    </p:spTree>
+    <p:extLst>
+      <p:ext uri="{BB962C8B-B14F-4D97-AF65-F5344CB8AC3E}">
+        <p14:creationId xmlns:p14="http://schemas.microsoft.com/office/powerpoint/2010/main" val="255849756"/>
+      </p:ext>
+    </p:extLst>
+  </p:cSld>
+  <p:clrMapOvr>
+    <a:masterClrMapping/>
+  </p:clrMapOvr>
+</p:sld>
+</file>
+
+<file path=ppt/slides/slide25.xml><?xml version="1.0" encoding="utf-8"?>
+<p:sld xmlns:a="http://schemas.openxmlformats.org/drawingml/2006/main" xmlns:r="http://schemas.openxmlformats.org/officeDocument/2006/relationships" xmlns:p="http://schemas.openxmlformats.org/presentationml/2006/main">
+  <p:cSld>
+    <p:spTree>
+      <p:nvGrpSpPr>
+        <p:cNvPr id="1" name=""/>
+        <p:cNvGrpSpPr/>
+        <p:nvPr/>
+      </p:nvGrpSpPr>
+      <p:grpSpPr>
+        <a:xfrm>
+          <a:off x="0" y="0"/>
+          <a:ext cx="0" cy="0"/>
+          <a:chOff x="0" y="0"/>
+          <a:chExt cx="0" cy="0"/>
+        </a:xfrm>
+      </p:grpSpPr>
+      <p:sp>
+        <p:nvSpPr>
+          <p:cNvPr id="4" name="Rectangle 3">
+            <a:extLst>
+              <a:ext uri="{FF2B5EF4-FFF2-40B4-BE49-F238E27FC236}">
+                <a16:creationId xmlns:a16="http://schemas.microsoft.com/office/drawing/2014/main" id="{6524962B-7610-4EFD-AA5E-DDE403AB8860}"/>
+              </a:ext>
+            </a:extLst>
+          </p:cNvPr>
+          <p:cNvSpPr/>
+          <p:nvPr/>
+        </p:nvSpPr>
+        <p:spPr>
+          <a:xfrm>
+            <a:off x="1524000" y="1"/>
+            <a:ext cx="9144000" cy="584775"/>
+          </a:xfrm>
+          <a:prstGeom prst="rect">
+            <a:avLst/>
+          </a:prstGeom>
+          <a:noFill/>
+        </p:spPr>
+        <p:txBody>
+          <a:bodyPr wrap="square">
+            <a:spAutoFit/>
+          </a:bodyPr>
+          <a:lstStyle/>
+          <a:p>
+            <a:pPr algn="r"/>
+            <a:r>
+              <a:rPr lang="en-US" sz="3200" i="1" dirty="0">
+                <a:solidFill>
+                  <a:srgbClr val="FF9900"/>
+                </a:solidFill>
+                <a:latin typeface="Arial" pitchFamily="34" charset="0"/>
+                <a:cs typeface="Arial" pitchFamily="34" charset="0"/>
+              </a:rPr>
+              <a:t>Veracity</a:t>
+            </a:r>
+            <a:endParaRPr lang="en-IN" sz="3200" i="1" dirty="0">
+              <a:solidFill>
+                <a:srgbClr val="FF9900"/>
+              </a:solidFill>
+              <a:latin typeface="Arial" pitchFamily="34" charset="0"/>
+              <a:cs typeface="Arial" pitchFamily="34" charset="0"/>
+            </a:endParaRPr>
+          </a:p>
+        </p:txBody>
+      </p:sp>
+      <p:sp>
+        <p:nvSpPr>
+          <p:cNvPr id="3" name="TextBox 2">
+            <a:extLst>
+              <a:ext uri="{FF2B5EF4-FFF2-40B4-BE49-F238E27FC236}">
+                <a16:creationId xmlns:a16="http://schemas.microsoft.com/office/drawing/2014/main" id="{4B5CEDCA-EEE7-04D8-EDEC-C2FA5EFF6CE5}"/>
+              </a:ext>
+            </a:extLst>
+          </p:cNvPr>
+          <p:cNvSpPr txBox="1"/>
+          <p:nvPr/>
+        </p:nvSpPr>
+        <p:spPr>
+          <a:xfrm>
+            <a:off x="191344" y="215444"/>
+            <a:ext cx="4608512" cy="461665"/>
+          </a:xfrm>
+          <a:prstGeom prst="rect">
+            <a:avLst/>
+          </a:prstGeom>
+          <a:noFill/>
+        </p:spPr>
+        <p:txBody>
+          <a:bodyPr wrap="square">
+            <a:spAutoFit/>
+          </a:bodyPr>
+          <a:lstStyle/>
+          <a:p>
+            <a:r>
+              <a:rPr lang="en-IN" sz="2400" b="0" i="0" u="none" strike="noStrike" dirty="0">
+                <a:solidFill>
+                  <a:srgbClr val="202124"/>
+                </a:solidFill>
+                <a:effectLst/>
+                <a:latin typeface="arial" panose="020B0604020202020204" pitchFamily="34" charset="0"/>
+              </a:rPr>
+              <a:t>Conformity</a:t>
+            </a:r>
+            <a:r>
+              <a:rPr lang="en-IN" sz="2400" b="0" i="0" dirty="0">
+                <a:solidFill>
+                  <a:srgbClr val="202124"/>
+                </a:solidFill>
+                <a:effectLst/>
+                <a:latin typeface="arial" panose="020B0604020202020204" pitchFamily="34" charset="0"/>
+              </a:rPr>
+              <a:t> to facts; accuracy.</a:t>
+            </a:r>
+            <a:endParaRPr lang="en-IN" sz="2400" dirty="0"/>
+          </a:p>
+        </p:txBody>
+      </p:sp>
+      <p:sp>
+        <p:nvSpPr>
+          <p:cNvPr id="5" name="TextBox 4">
+            <a:extLst>
+              <a:ext uri="{FF2B5EF4-FFF2-40B4-BE49-F238E27FC236}">
+                <a16:creationId xmlns:a16="http://schemas.microsoft.com/office/drawing/2014/main" id="{60A76E6C-5DA9-1FE0-BCA5-8C766DE8FD05}"/>
+              </a:ext>
+            </a:extLst>
+          </p:cNvPr>
+          <p:cNvSpPr txBox="1"/>
+          <p:nvPr/>
+        </p:nvSpPr>
+        <p:spPr>
+          <a:xfrm>
+            <a:off x="407368" y="1008355"/>
+            <a:ext cx="11377264" cy="1938992"/>
+          </a:xfrm>
+          <a:prstGeom prst="rect">
+            <a:avLst/>
+          </a:prstGeom>
+          <a:noFill/>
+        </p:spPr>
+        <p:txBody>
+          <a:bodyPr wrap="square">
+            <a:spAutoFit/>
+          </a:bodyPr>
+          <a:lstStyle/>
+          <a:p>
+            <a:pPr marL="342900" indent="-342900" algn="just">
+              <a:buFont typeface="Arial" panose="020B0604020202020204" pitchFamily="34" charset="0"/>
+              <a:buChar char="•"/>
+            </a:pPr>
+            <a:r>
+              <a:rPr lang="en-US" sz="2400" b="0" i="0" dirty="0">
+                <a:effectLst/>
+                <a:latin typeface="Arial" panose="020B0604020202020204" pitchFamily="34" charset="0"/>
+                <a:cs typeface="Arial" panose="020B0604020202020204" pitchFamily="34" charset="0"/>
+              </a:rPr>
+              <a:t>Veracity means how much the data is reliable and accurate. </a:t>
+            </a:r>
+          </a:p>
+          <a:p>
+            <a:pPr algn="just"/>
+            <a:endParaRPr lang="en-US" sz="2400" b="0" i="0" dirty="0">
+              <a:effectLst/>
+              <a:latin typeface="Arial" panose="020B0604020202020204" pitchFamily="34" charset="0"/>
+              <a:cs typeface="Arial" panose="020B0604020202020204" pitchFamily="34" charset="0"/>
+            </a:endParaRPr>
+          </a:p>
+          <a:p>
+            <a:pPr marL="342900" indent="-342900" algn="just">
+              <a:buFont typeface="Arial" panose="020B0604020202020204" pitchFamily="34" charset="0"/>
+              <a:buChar char="•"/>
+            </a:pPr>
+            <a:r>
+              <a:rPr lang="en-US" sz="2400" b="0" i="0" dirty="0">
+                <a:effectLst/>
+                <a:latin typeface="Arial" panose="020B0604020202020204" pitchFamily="34" charset="0"/>
+                <a:cs typeface="Arial" panose="020B0604020202020204" pitchFamily="34" charset="0"/>
+              </a:rPr>
+              <a:t>It has many ways to filter the data.</a:t>
+            </a:r>
+          </a:p>
+          <a:p>
+            <a:pPr algn="just"/>
+            <a:endParaRPr lang="en-US" sz="2400" b="0" i="0" dirty="0">
+              <a:effectLst/>
+              <a:latin typeface="Arial" panose="020B0604020202020204" pitchFamily="34" charset="0"/>
+              <a:cs typeface="Arial" panose="020B0604020202020204" pitchFamily="34" charset="0"/>
+            </a:endParaRPr>
+          </a:p>
+          <a:p>
+            <a:pPr marL="342900" indent="-342900" algn="just">
+              <a:buFont typeface="Arial" panose="020B0604020202020204" pitchFamily="34" charset="0"/>
+              <a:buChar char="•"/>
+            </a:pPr>
+            <a:r>
+              <a:rPr lang="en-US" sz="2400" b="0" i="0" dirty="0">
+                <a:effectLst/>
+                <a:latin typeface="Arial" panose="020B0604020202020204" pitchFamily="34" charset="0"/>
+                <a:cs typeface="Arial" panose="020B0604020202020204" pitchFamily="34" charset="0"/>
+              </a:rPr>
+              <a:t> Veracity is the process to handle and manage data efficiently.</a:t>
+            </a:r>
+          </a:p>
+        </p:txBody>
+      </p:sp>
+    </p:spTree>
+    <p:extLst>
+      <p:ext uri="{BB962C8B-B14F-4D97-AF65-F5344CB8AC3E}">
+        <p14:creationId xmlns:p14="http://schemas.microsoft.com/office/powerpoint/2010/main" val="2413428036"/>
+      </p:ext>
+    </p:extLst>
+  </p:cSld>
+  <p:clrMapOvr>
+    <a:masterClrMapping/>
+  </p:clrMapOvr>
+</p:sld>
+</file>
+
+<file path=ppt/slides/slide26.xml><?xml version="1.0" encoding="utf-8"?>
+<p:sld xmlns:a="http://schemas.openxmlformats.org/drawingml/2006/main" xmlns:r="http://schemas.openxmlformats.org/officeDocument/2006/relationships" xmlns:p="http://schemas.openxmlformats.org/presentationml/2006/main">
+  <p:cSld>
+    <p:spTree>
+      <p:nvGrpSpPr>
+        <p:cNvPr id="1" name=""/>
+        <p:cNvGrpSpPr/>
+        <p:nvPr/>
+      </p:nvGrpSpPr>
+      <p:grpSpPr>
+        <a:xfrm>
+          <a:off x="0" y="0"/>
+          <a:ext cx="0" cy="0"/>
+          <a:chOff x="0" y="0"/>
+          <a:chExt cx="0" cy="0"/>
+        </a:xfrm>
+      </p:grpSpPr>
+      <p:sp>
+        <p:nvSpPr>
+          <p:cNvPr id="4" name="Rectangle 3">
+            <a:extLst>
+              <a:ext uri="{FF2B5EF4-FFF2-40B4-BE49-F238E27FC236}">
+                <a16:creationId xmlns:a16="http://schemas.microsoft.com/office/drawing/2014/main" id="{6524962B-7610-4EFD-AA5E-DDE403AB8860}"/>
+              </a:ext>
+            </a:extLst>
+          </p:cNvPr>
+          <p:cNvSpPr/>
+          <p:nvPr/>
+        </p:nvSpPr>
+        <p:spPr>
+          <a:xfrm>
+            <a:off x="1524000" y="1"/>
+            <a:ext cx="9144000" cy="584775"/>
+          </a:xfrm>
+          <a:prstGeom prst="rect">
+            <a:avLst/>
+          </a:prstGeom>
+          <a:noFill/>
+        </p:spPr>
+        <p:txBody>
+          <a:bodyPr wrap="square">
+            <a:spAutoFit/>
+          </a:bodyPr>
+          <a:lstStyle/>
+          <a:p>
+            <a:pPr algn="r"/>
+            <a:r>
+              <a:rPr lang="en-US" sz="3200" i="1" dirty="0">
+                <a:solidFill>
+                  <a:srgbClr val="FF9900"/>
+                </a:solidFill>
+                <a:latin typeface="Arial" pitchFamily="34" charset="0"/>
+                <a:cs typeface="Arial" pitchFamily="34" charset="0"/>
+              </a:rPr>
               <a:t>Variety </a:t>
             </a:r>
             <a:endParaRPr lang="en-IN" sz="3200" i="1" dirty="0">
@@ -7384,7 +7991,7 @@
 </p:sld>
 </file>
 
-<file path=ppt/slides/slide24.xml><?xml version="1.0" encoding="utf-8"?>
+<file path=ppt/slides/slide27.xml><?xml version="1.0" encoding="utf-8"?>
 <p:sld xmlns:a="http://schemas.openxmlformats.org/drawingml/2006/main" xmlns:r="http://schemas.openxmlformats.org/officeDocument/2006/relationships" xmlns:p="http://schemas.openxmlformats.org/presentationml/2006/main">
   <p:cSld>
     <p:spTree>
@@ -7723,7 +8330,7 @@
 </p:sld>
 </file>
 
-<file path=ppt/slides/slide25.xml><?xml version="1.0" encoding="utf-8"?>
+<file path=ppt/slides/slide28.xml><?xml version="1.0" encoding="utf-8"?>
 <p:sld xmlns:a="http://schemas.openxmlformats.org/drawingml/2006/main" xmlns:r="http://schemas.openxmlformats.org/officeDocument/2006/relationships" xmlns:p="http://schemas.openxmlformats.org/presentationml/2006/main">
   <p:cSld>
     <p:spTree>
@@ -7956,7 +8563,7 @@
 </p:sld>
 </file>
 
-<file path=ppt/slides/slide26.xml><?xml version="1.0" encoding="utf-8"?>
+<file path=ppt/slides/slide29.xml><?xml version="1.0" encoding="utf-8"?>
 <p:sld xmlns:a="http://schemas.openxmlformats.org/drawingml/2006/main" xmlns:r="http://schemas.openxmlformats.org/officeDocument/2006/relationships" xmlns:p="http://schemas.openxmlformats.org/presentationml/2006/main">
   <p:cSld>
     <p:spTree>
@@ -8075,7 +8682,488 @@
 </p:sld>
 </file>
 
-<file path=ppt/slides/slide27.xml><?xml version="1.0" encoding="utf-8"?>
+<file path=ppt/slides/slide3.xml><?xml version="1.0" encoding="utf-8"?>
+<p:sld xmlns:a="http://schemas.openxmlformats.org/drawingml/2006/main" xmlns:r="http://schemas.openxmlformats.org/officeDocument/2006/relationships" xmlns:p="http://schemas.openxmlformats.org/presentationml/2006/main">
+  <p:cSld>
+    <p:spTree>
+      <p:nvGrpSpPr>
+        <p:cNvPr id="1" name=""/>
+        <p:cNvGrpSpPr/>
+        <p:nvPr/>
+      </p:nvGrpSpPr>
+      <p:grpSpPr>
+        <a:xfrm>
+          <a:off x="0" y="0"/>
+          <a:ext cx="0" cy="0"/>
+          <a:chOff x="0" y="0"/>
+          <a:chExt cx="0" cy="0"/>
+        </a:xfrm>
+      </p:grpSpPr>
+      <p:sp>
+        <p:nvSpPr>
+          <p:cNvPr id="5" name="Rectangle 4"/>
+          <p:cNvSpPr/>
+          <p:nvPr/>
+        </p:nvSpPr>
+        <p:spPr>
+          <a:xfrm>
+            <a:off x="1524596" y="4"/>
+            <a:ext cx="9142810" cy="584775"/>
+          </a:xfrm>
+          <a:prstGeom prst="rect">
+            <a:avLst/>
+          </a:prstGeom>
+          <a:noFill/>
+        </p:spPr>
+        <p:txBody>
+          <a:bodyPr wrap="square">
+            <a:spAutoFit/>
+          </a:bodyPr>
+          <a:lstStyle/>
+          <a:p>
+            <a:pPr algn="r"/>
+            <a:r>
+              <a:rPr lang="en-IN" sz="3200" i="1" dirty="0">
+                <a:solidFill>
+                  <a:srgbClr val="FF9900"/>
+                </a:solidFill>
+                <a:latin typeface="Arial" pitchFamily="34" charset="0"/>
+                <a:cs typeface="Arial" pitchFamily="34" charset="0"/>
+              </a:rPr>
+              <a:t>First Generation of Computers</a:t>
+            </a:r>
+          </a:p>
+        </p:txBody>
+      </p:sp>
+      <p:sp>
+        <p:nvSpPr>
+          <p:cNvPr id="4" name="TextBox 3">
+            <a:extLst>
+              <a:ext uri="{FF2B5EF4-FFF2-40B4-BE49-F238E27FC236}">
+                <a16:creationId xmlns:a16="http://schemas.microsoft.com/office/drawing/2014/main" id="{25232946-F519-C45A-F91D-1C84AB18C593}"/>
+              </a:ext>
+            </a:extLst>
+          </p:cNvPr>
+          <p:cNvSpPr txBox="1"/>
+          <p:nvPr/>
+        </p:nvSpPr>
+        <p:spPr>
+          <a:xfrm>
+            <a:off x="191344" y="908720"/>
+            <a:ext cx="11809312" cy="2492990"/>
+          </a:xfrm>
+          <a:prstGeom prst="rect">
+            <a:avLst/>
+          </a:prstGeom>
+          <a:noFill/>
+        </p:spPr>
+        <p:txBody>
+          <a:bodyPr wrap="square">
+            <a:spAutoFit/>
+          </a:bodyPr>
+          <a:lstStyle/>
+          <a:p>
+            <a:pPr marL="342900" indent="-342900" algn="just">
+              <a:buFont typeface="Arial" panose="020B0604020202020204" pitchFamily="34" charset="0"/>
+              <a:buChar char="•"/>
+            </a:pPr>
+            <a:r>
+              <a:rPr lang="en-US" sz="2000" b="0" i="0" dirty="0">
+                <a:solidFill>
+                  <a:srgbClr val="000000"/>
+                </a:solidFill>
+                <a:effectLst/>
+                <a:latin typeface="Arial" panose="020B0604020202020204" pitchFamily="34" charset="0"/>
+                <a:cs typeface="Arial" panose="020B0604020202020204" pitchFamily="34" charset="0"/>
+              </a:rPr>
+              <a:t>The period of first generation was from 1946-1959. </a:t>
+            </a:r>
+          </a:p>
+          <a:p>
+            <a:pPr marL="342900" indent="-342900" algn="just">
+              <a:buFont typeface="Arial" panose="020B0604020202020204" pitchFamily="34" charset="0"/>
+              <a:buChar char="•"/>
+            </a:pPr>
+            <a:endParaRPr lang="en-US" sz="1200" b="0" i="0" dirty="0">
+              <a:solidFill>
+                <a:srgbClr val="000000"/>
+              </a:solidFill>
+              <a:effectLst/>
+              <a:latin typeface="Arial" panose="020B0604020202020204" pitchFamily="34" charset="0"/>
+              <a:cs typeface="Arial" panose="020B0604020202020204" pitchFamily="34" charset="0"/>
+            </a:endParaRPr>
+          </a:p>
+          <a:p>
+            <a:pPr marL="342900" indent="-342900" algn="just">
+              <a:buFont typeface="Arial" panose="020B0604020202020204" pitchFamily="34" charset="0"/>
+              <a:buChar char="•"/>
+            </a:pPr>
+            <a:r>
+              <a:rPr lang="en-US" sz="2000" b="0" i="0" dirty="0">
+                <a:solidFill>
+                  <a:srgbClr val="000000"/>
+                </a:solidFill>
+                <a:effectLst/>
+                <a:latin typeface="Arial" panose="020B0604020202020204" pitchFamily="34" charset="0"/>
+                <a:cs typeface="Arial" panose="020B0604020202020204" pitchFamily="34" charset="0"/>
+              </a:rPr>
+              <a:t>The computers of first generation used vacuum tubes as the basic components for memory.</a:t>
+            </a:r>
+          </a:p>
+          <a:p>
+            <a:pPr marL="342900" indent="-342900" algn="just">
+              <a:buFont typeface="Arial" panose="020B0604020202020204" pitchFamily="34" charset="0"/>
+              <a:buChar char="•"/>
+            </a:pPr>
+            <a:endParaRPr lang="en-US" sz="1200" b="0" i="0" dirty="0">
+              <a:solidFill>
+                <a:srgbClr val="000000"/>
+              </a:solidFill>
+              <a:effectLst/>
+              <a:latin typeface="Arial" panose="020B0604020202020204" pitchFamily="34" charset="0"/>
+              <a:cs typeface="Arial" panose="020B0604020202020204" pitchFamily="34" charset="0"/>
+            </a:endParaRPr>
+          </a:p>
+          <a:p>
+            <a:pPr marL="342900" indent="-342900" algn="just">
+              <a:buFont typeface="Arial" panose="020B0604020202020204" pitchFamily="34" charset="0"/>
+              <a:buChar char="•"/>
+            </a:pPr>
+            <a:r>
+              <a:rPr lang="en-US" sz="2000" b="0" i="0" dirty="0">
+                <a:solidFill>
+                  <a:srgbClr val="000000"/>
+                </a:solidFill>
+                <a:effectLst/>
+                <a:latin typeface="Arial" panose="020B0604020202020204" pitchFamily="34" charset="0"/>
+                <a:cs typeface="Arial" panose="020B0604020202020204" pitchFamily="34" charset="0"/>
+              </a:rPr>
+              <a:t>In this generation, mainly batch processing operating system was used. Punch cards, paper tape, and magnetic tape was used as input and output devices. </a:t>
+            </a:r>
+          </a:p>
+          <a:p>
+            <a:pPr marL="342900" indent="-342900" algn="just">
+              <a:buFont typeface="Arial" panose="020B0604020202020204" pitchFamily="34" charset="0"/>
+              <a:buChar char="•"/>
+            </a:pPr>
+            <a:endParaRPr lang="en-US" sz="1200" dirty="0">
+              <a:solidFill>
+                <a:srgbClr val="000000"/>
+              </a:solidFill>
+              <a:latin typeface="Arial" panose="020B0604020202020204" pitchFamily="34" charset="0"/>
+              <a:cs typeface="Arial" panose="020B0604020202020204" pitchFamily="34" charset="0"/>
+            </a:endParaRPr>
+          </a:p>
+          <a:p>
+            <a:pPr marL="342900" indent="-342900" algn="just">
+              <a:buFont typeface="Arial" panose="020B0604020202020204" pitchFamily="34" charset="0"/>
+              <a:buChar char="•"/>
+            </a:pPr>
+            <a:r>
+              <a:rPr lang="en-US" sz="2000" b="0" i="0" dirty="0">
+                <a:solidFill>
+                  <a:srgbClr val="000000"/>
+                </a:solidFill>
+                <a:effectLst/>
+                <a:latin typeface="Arial" panose="020B0604020202020204" pitchFamily="34" charset="0"/>
+                <a:cs typeface="Arial" panose="020B0604020202020204" pitchFamily="34" charset="0"/>
+              </a:rPr>
+              <a:t>The computers in this generation used machine code (</a:t>
+            </a:r>
+            <a:r>
+              <a:rPr lang="en-US" sz="2000" b="0" i="0" dirty="0">
+                <a:solidFill>
+                  <a:schemeClr val="bg1">
+                    <a:lumMod val="50000"/>
+                  </a:schemeClr>
+                </a:solidFill>
+                <a:effectLst/>
+                <a:latin typeface="Arial" panose="020B0604020202020204" pitchFamily="34" charset="0"/>
+                <a:cs typeface="Arial" panose="020B0604020202020204" pitchFamily="34" charset="0"/>
+              </a:rPr>
+              <a:t>Machine language is a low-level language made up of binary numbers or bits that a computer can understand.</a:t>
+            </a:r>
+            <a:r>
+              <a:rPr lang="en-US" sz="2000" b="0" i="0" dirty="0">
+                <a:solidFill>
+                  <a:srgbClr val="000000"/>
+                </a:solidFill>
+                <a:effectLst/>
+                <a:latin typeface="Arial" panose="020B0604020202020204" pitchFamily="34" charset="0"/>
+                <a:cs typeface="Arial" panose="020B0604020202020204" pitchFamily="34" charset="0"/>
+              </a:rPr>
+              <a:t>) as the programming language.</a:t>
+            </a:r>
+          </a:p>
+        </p:txBody>
+      </p:sp>
+      <p:sp>
+        <p:nvSpPr>
+          <p:cNvPr id="8" name="TextBox 7">
+            <a:extLst>
+              <a:ext uri="{FF2B5EF4-FFF2-40B4-BE49-F238E27FC236}">
+                <a16:creationId xmlns:a16="http://schemas.microsoft.com/office/drawing/2014/main" id="{100ABC39-7515-EDCC-5A51-CD990F2F691E}"/>
+              </a:ext>
+            </a:extLst>
+          </p:cNvPr>
+          <p:cNvSpPr txBox="1"/>
+          <p:nvPr/>
+        </p:nvSpPr>
+        <p:spPr>
+          <a:xfrm>
+            <a:off x="263352" y="3946888"/>
+            <a:ext cx="6048672" cy="2246769"/>
+          </a:xfrm>
+          <a:prstGeom prst="rect">
+            <a:avLst/>
+          </a:prstGeom>
+          <a:noFill/>
+        </p:spPr>
+        <p:txBody>
+          <a:bodyPr wrap="square">
+            <a:spAutoFit/>
+          </a:bodyPr>
+          <a:lstStyle/>
+          <a:p>
+            <a:pPr algn="just"/>
+            <a:r>
+              <a:rPr lang="en-US" sz="2000" b="1" i="0" dirty="0">
+                <a:solidFill>
+                  <a:srgbClr val="000000"/>
+                </a:solidFill>
+                <a:effectLst/>
+                <a:latin typeface="Arial" panose="020B0604020202020204" pitchFamily="34" charset="0"/>
+                <a:cs typeface="Arial" panose="020B0604020202020204" pitchFamily="34" charset="0"/>
+              </a:rPr>
+              <a:t>The main features of the first generation are −</a:t>
+            </a:r>
+          </a:p>
+          <a:p>
+            <a:pPr algn="just"/>
+            <a:endParaRPr lang="en-US" sz="2000" b="0" i="0" dirty="0">
+              <a:solidFill>
+                <a:srgbClr val="000000"/>
+              </a:solidFill>
+              <a:effectLst/>
+              <a:latin typeface="Arial" panose="020B0604020202020204" pitchFamily="34" charset="0"/>
+              <a:cs typeface="Arial" panose="020B0604020202020204" pitchFamily="34" charset="0"/>
+            </a:endParaRPr>
+          </a:p>
+          <a:p>
+            <a:pPr marL="342900" indent="-342900" algn="l">
+              <a:buFont typeface="+mj-lt"/>
+              <a:buAutoNum type="arabicPeriod"/>
+            </a:pPr>
+            <a:r>
+              <a:rPr lang="en-US" sz="2000" b="0" i="0" dirty="0">
+                <a:solidFill>
+                  <a:srgbClr val="000000"/>
+                </a:solidFill>
+                <a:effectLst/>
+                <a:latin typeface="Arial" panose="020B0604020202020204" pitchFamily="34" charset="0"/>
+                <a:cs typeface="Arial" panose="020B0604020202020204" pitchFamily="34" charset="0"/>
+              </a:rPr>
+              <a:t>Vacuum tube technology</a:t>
+            </a:r>
+          </a:p>
+          <a:p>
+            <a:pPr marL="342900" indent="-342900" algn="l">
+              <a:buFont typeface="+mj-lt"/>
+              <a:buAutoNum type="arabicPeriod"/>
+            </a:pPr>
+            <a:r>
+              <a:rPr lang="en-US" sz="2000" b="0" i="0" dirty="0">
+                <a:solidFill>
+                  <a:srgbClr val="000000"/>
+                </a:solidFill>
+                <a:effectLst/>
+                <a:latin typeface="Arial" panose="020B0604020202020204" pitchFamily="34" charset="0"/>
+                <a:cs typeface="Arial" panose="020B0604020202020204" pitchFamily="34" charset="0"/>
+              </a:rPr>
+              <a:t>Unreliable</a:t>
+            </a:r>
+          </a:p>
+          <a:p>
+            <a:pPr marL="342900" indent="-342900" algn="l">
+              <a:buFont typeface="+mj-lt"/>
+              <a:buAutoNum type="arabicPeriod"/>
+            </a:pPr>
+            <a:r>
+              <a:rPr lang="en-US" sz="2000" b="0" i="0" dirty="0">
+                <a:solidFill>
+                  <a:srgbClr val="000000"/>
+                </a:solidFill>
+                <a:effectLst/>
+                <a:latin typeface="Arial" panose="020B0604020202020204" pitchFamily="34" charset="0"/>
+                <a:cs typeface="Arial" panose="020B0604020202020204" pitchFamily="34" charset="0"/>
+              </a:rPr>
+              <a:t>Supported machine language only</a:t>
+            </a:r>
+          </a:p>
+          <a:p>
+            <a:pPr marL="342900" indent="-342900" algn="l">
+              <a:buFont typeface="+mj-lt"/>
+              <a:buAutoNum type="arabicPeriod"/>
+            </a:pPr>
+            <a:r>
+              <a:rPr lang="en-US" sz="2000" b="0" i="0" dirty="0">
+                <a:solidFill>
+                  <a:srgbClr val="000000"/>
+                </a:solidFill>
+                <a:effectLst/>
+                <a:latin typeface="Arial" panose="020B0604020202020204" pitchFamily="34" charset="0"/>
+                <a:cs typeface="Arial" panose="020B0604020202020204" pitchFamily="34" charset="0"/>
+              </a:rPr>
+              <a:t>Very costly</a:t>
+            </a:r>
+          </a:p>
+          <a:p>
+            <a:pPr marL="342900" indent="-342900" algn="l">
+              <a:buFont typeface="+mj-lt"/>
+              <a:buAutoNum type="arabicPeriod"/>
+            </a:pPr>
+            <a:r>
+              <a:rPr lang="en-US" sz="2000" b="0" i="0" dirty="0">
+                <a:solidFill>
+                  <a:srgbClr val="000000"/>
+                </a:solidFill>
+                <a:effectLst/>
+                <a:latin typeface="Arial" panose="020B0604020202020204" pitchFamily="34" charset="0"/>
+                <a:cs typeface="Arial" panose="020B0604020202020204" pitchFamily="34" charset="0"/>
+              </a:rPr>
+              <a:t>Generated a lot of heat</a:t>
+            </a:r>
+          </a:p>
+        </p:txBody>
+      </p:sp>
+      <p:sp>
+        <p:nvSpPr>
+          <p:cNvPr id="9" name="TextBox 8">
+            <a:extLst>
+              <a:ext uri="{FF2B5EF4-FFF2-40B4-BE49-F238E27FC236}">
+                <a16:creationId xmlns:a16="http://schemas.microsoft.com/office/drawing/2014/main" id="{DA9BB401-39C0-000A-95D4-DEC93CD65E57}"/>
+              </a:ext>
+            </a:extLst>
+          </p:cNvPr>
+          <p:cNvSpPr txBox="1"/>
+          <p:nvPr/>
+        </p:nvSpPr>
+        <p:spPr>
+          <a:xfrm>
+            <a:off x="6168008" y="4562441"/>
+            <a:ext cx="5476392" cy="1631216"/>
+          </a:xfrm>
+          <a:prstGeom prst="rect">
+            <a:avLst/>
+          </a:prstGeom>
+          <a:noFill/>
+        </p:spPr>
+        <p:txBody>
+          <a:bodyPr wrap="square">
+            <a:spAutoFit/>
+          </a:bodyPr>
+          <a:lstStyle/>
+          <a:p>
+            <a:pPr marL="457200" indent="-457200" algn="l">
+              <a:buFont typeface="+mj-lt"/>
+              <a:buAutoNum type="arabicPeriod" startAt="6"/>
+            </a:pPr>
+            <a:r>
+              <a:rPr lang="en-US" sz="2000" b="0" i="0" dirty="0">
+                <a:solidFill>
+                  <a:srgbClr val="000000"/>
+                </a:solidFill>
+                <a:effectLst/>
+                <a:latin typeface="Arial" panose="020B0604020202020204" pitchFamily="34" charset="0"/>
+                <a:cs typeface="Arial" panose="020B0604020202020204" pitchFamily="34" charset="0"/>
+              </a:rPr>
+              <a:t>Slow input and output devices</a:t>
+            </a:r>
+          </a:p>
+          <a:p>
+            <a:pPr marL="457200" indent="-457200" algn="l">
+              <a:buFont typeface="+mj-lt"/>
+              <a:buAutoNum type="arabicPeriod" startAt="6"/>
+            </a:pPr>
+            <a:r>
+              <a:rPr lang="en-US" sz="2000" b="0" i="0" dirty="0">
+                <a:solidFill>
+                  <a:srgbClr val="000000"/>
+                </a:solidFill>
+                <a:effectLst/>
+                <a:latin typeface="Arial" panose="020B0604020202020204" pitchFamily="34" charset="0"/>
+                <a:cs typeface="Arial" panose="020B0604020202020204" pitchFamily="34" charset="0"/>
+              </a:rPr>
+              <a:t>Huge size</a:t>
+            </a:r>
+          </a:p>
+          <a:p>
+            <a:pPr marL="457200" indent="-457200" algn="l">
+              <a:buFont typeface="+mj-lt"/>
+              <a:buAutoNum type="arabicPeriod" startAt="6"/>
+            </a:pPr>
+            <a:r>
+              <a:rPr lang="en-US" sz="2000" b="0" i="0" dirty="0">
+                <a:solidFill>
+                  <a:srgbClr val="000000"/>
+                </a:solidFill>
+                <a:effectLst/>
+                <a:latin typeface="Arial" panose="020B0604020202020204" pitchFamily="34" charset="0"/>
+                <a:cs typeface="Arial" panose="020B0604020202020204" pitchFamily="34" charset="0"/>
+              </a:rPr>
+              <a:t>Need of AC</a:t>
+            </a:r>
+          </a:p>
+          <a:p>
+            <a:pPr marL="457200" indent="-457200" algn="l">
+              <a:buFont typeface="+mj-lt"/>
+              <a:buAutoNum type="arabicPeriod" startAt="6"/>
+            </a:pPr>
+            <a:r>
+              <a:rPr lang="en-US" sz="2000" b="0" i="0" dirty="0">
+                <a:solidFill>
+                  <a:srgbClr val="000000"/>
+                </a:solidFill>
+                <a:effectLst/>
+                <a:latin typeface="Arial" panose="020B0604020202020204" pitchFamily="34" charset="0"/>
+                <a:cs typeface="Arial" panose="020B0604020202020204" pitchFamily="34" charset="0"/>
+              </a:rPr>
+              <a:t>Non-portable</a:t>
+            </a:r>
+          </a:p>
+          <a:p>
+            <a:pPr marL="457200" indent="-457200" algn="l">
+              <a:buFont typeface="+mj-lt"/>
+              <a:buAutoNum type="arabicPeriod" startAt="6"/>
+            </a:pPr>
+            <a:r>
+              <a:rPr lang="en-US" sz="2000" b="0" i="0" dirty="0">
+                <a:solidFill>
+                  <a:srgbClr val="000000"/>
+                </a:solidFill>
+                <a:effectLst/>
+                <a:latin typeface="Arial" panose="020B0604020202020204" pitchFamily="34" charset="0"/>
+                <a:cs typeface="Arial" panose="020B0604020202020204" pitchFamily="34" charset="0"/>
+              </a:rPr>
+              <a:t>Consumed a lot of electricity</a:t>
+            </a:r>
+          </a:p>
+        </p:txBody>
+      </p:sp>
+    </p:spTree>
+    <p:extLst>
+      <p:ext uri="{BB962C8B-B14F-4D97-AF65-F5344CB8AC3E}">
+        <p14:creationId xmlns:p14="http://schemas.microsoft.com/office/powerpoint/2010/main" val="641634191"/>
+      </p:ext>
+    </p:extLst>
+  </p:cSld>
+  <p:clrMapOvr>
+    <a:masterClrMapping/>
+  </p:clrMapOvr>
+</p:sld>
+</file>
+
+<file path=ppt/slides/slide30.xml><?xml version="1.0" encoding="utf-8"?>
 <p:sld xmlns:a="http://schemas.openxmlformats.org/drawingml/2006/main" xmlns:r="http://schemas.openxmlformats.org/officeDocument/2006/relationships" xmlns:p="http://schemas.openxmlformats.org/presentationml/2006/main">
   <p:cSld>
     <p:spTree>
@@ -8215,1043 +9303,6 @@
     <p:extLst>
       <p:ext uri="{BB962C8B-B14F-4D97-AF65-F5344CB8AC3E}">
         <p14:creationId xmlns:p14="http://schemas.microsoft.com/office/powerpoint/2010/main" val="4166802548"/>
-      </p:ext>
-    </p:extLst>
-  </p:cSld>
-  <p:clrMapOvr>
-    <a:masterClrMapping/>
-  </p:clrMapOvr>
-</p:sld>
-</file>
-
-<file path=ppt/slides/slide28.xml><?xml version="1.0" encoding="utf-8"?>
-<p:sld xmlns:a="http://schemas.openxmlformats.org/drawingml/2006/main" xmlns:r="http://schemas.openxmlformats.org/officeDocument/2006/relationships" xmlns:p="http://schemas.openxmlformats.org/presentationml/2006/main">
-  <p:cSld>
-    <p:spTree>
-      <p:nvGrpSpPr>
-        <p:cNvPr id="1" name=""/>
-        <p:cNvGrpSpPr/>
-        <p:nvPr/>
-      </p:nvGrpSpPr>
-      <p:grpSpPr>
-        <a:xfrm>
-          <a:off x="0" y="0"/>
-          <a:ext cx="0" cy="0"/>
-          <a:chOff x="0" y="0"/>
-          <a:chExt cx="0" cy="0"/>
-        </a:xfrm>
-      </p:grpSpPr>
-      <p:sp>
-        <p:nvSpPr>
-          <p:cNvPr id="2" name="Title 1"/>
-          <p:cNvSpPr txBox="1">
-            <a:spLocks/>
-          </p:cNvSpPr>
-          <p:nvPr/>
-        </p:nvSpPr>
-        <p:spPr>
-          <a:xfrm>
-            <a:off x="1676400" y="2057400"/>
-            <a:ext cx="8839200" cy="1676400"/>
-          </a:xfrm>
-          <a:prstGeom prst="rect">
-            <a:avLst/>
-          </a:prstGeom>
-        </p:spPr>
-        <p:txBody>
-          <a:bodyPr>
-            <a:noAutofit/>
-          </a:bodyPr>
-          <a:lstStyle>
-            <a:defPPr>
-              <a:defRPr lang="en-US"/>
-            </a:defPPr>
-            <a:lvl1pPr lvl="0" algn="ctr">
-              <a:spcBef>
-                <a:spcPct val="0"/>
-              </a:spcBef>
-              <a:defRPr sz="4800">
-                <a:latin typeface="Arial" pitchFamily="34" charset="0"/>
-                <a:cs typeface="Arial" pitchFamily="34" charset="0"/>
-              </a:defRPr>
-            </a:lvl1pPr>
-          </a:lstStyle>
-          <a:p>
-            <a:r>
-              <a:rPr lang="en-US" dirty="0">
-                <a:solidFill>
-                  <a:srgbClr val="DC525C"/>
-                </a:solidFill>
-                <a:latin typeface="Segoe UI Light" panose="020B0502040204020203" pitchFamily="34" charset="0"/>
-                <a:cs typeface="Segoe UI Light" panose="020B0502040204020203" pitchFamily="34" charset="0"/>
-              </a:rPr>
-              <a:t>Jobs in Big Data</a:t>
-            </a:r>
-          </a:p>
-        </p:txBody>
-      </p:sp>
-    </p:spTree>
-    <p:extLst>
-      <p:ext uri="{BB962C8B-B14F-4D97-AF65-F5344CB8AC3E}">
-        <p14:creationId xmlns:p14="http://schemas.microsoft.com/office/powerpoint/2010/main" val="3468983804"/>
-      </p:ext>
-    </p:extLst>
-  </p:cSld>
-  <p:clrMapOvr>
-    <a:masterClrMapping/>
-  </p:clrMapOvr>
-</p:sld>
-</file>
-
-<file path=ppt/slides/slide29.xml><?xml version="1.0" encoding="utf-8"?>
-<p:sld xmlns:a="http://schemas.openxmlformats.org/drawingml/2006/main" xmlns:r="http://schemas.openxmlformats.org/officeDocument/2006/relationships" xmlns:p="http://schemas.openxmlformats.org/presentationml/2006/main">
-  <p:cSld>
-    <p:spTree>
-      <p:nvGrpSpPr>
-        <p:cNvPr id="1" name=""/>
-        <p:cNvGrpSpPr/>
-        <p:nvPr/>
-      </p:nvGrpSpPr>
-      <p:grpSpPr>
-        <a:xfrm>
-          <a:off x="0" y="0"/>
-          <a:ext cx="0" cy="0"/>
-          <a:chOff x="0" y="0"/>
-          <a:chExt cx="0" cy="0"/>
-        </a:xfrm>
-      </p:grpSpPr>
-      <p:sp>
-        <p:nvSpPr>
-          <p:cNvPr id="4" name="Rectangle 3">
-            <a:extLst>
-              <a:ext uri="{FF2B5EF4-FFF2-40B4-BE49-F238E27FC236}">
-                <a16:creationId xmlns:a16="http://schemas.microsoft.com/office/drawing/2014/main" id="{6524962B-7610-4EFD-AA5E-DDE403AB8860}"/>
-              </a:ext>
-            </a:extLst>
-          </p:cNvPr>
-          <p:cNvSpPr/>
-          <p:nvPr/>
-        </p:nvSpPr>
-        <p:spPr>
-          <a:xfrm>
-            <a:off x="1524000" y="1"/>
-            <a:ext cx="9144000" cy="584775"/>
-          </a:xfrm>
-          <a:prstGeom prst="rect">
-            <a:avLst/>
-          </a:prstGeom>
-          <a:noFill/>
-        </p:spPr>
-        <p:txBody>
-          <a:bodyPr wrap="square">
-            <a:spAutoFit/>
-          </a:bodyPr>
-          <a:lstStyle/>
-          <a:p>
-            <a:pPr algn="r"/>
-            <a:r>
-              <a:rPr lang="en-US" sz="3200" i="1" dirty="0">
-                <a:solidFill>
-                  <a:srgbClr val="FF9900"/>
-                </a:solidFill>
-                <a:latin typeface="Arial" pitchFamily="34" charset="0"/>
-                <a:cs typeface="Arial" pitchFamily="34" charset="0"/>
-              </a:rPr>
-              <a:t>List of Job Roles in Data Science / Big Data</a:t>
-            </a:r>
-            <a:endParaRPr lang="en-IN" sz="3200" i="1" dirty="0">
-              <a:solidFill>
-                <a:srgbClr val="FF9900"/>
-              </a:solidFill>
-              <a:latin typeface="Arial" pitchFamily="34" charset="0"/>
-              <a:cs typeface="Arial" pitchFamily="34" charset="0"/>
-            </a:endParaRPr>
-          </a:p>
-        </p:txBody>
-      </p:sp>
-      <p:sp>
-        <p:nvSpPr>
-          <p:cNvPr id="3" name="TextBox 2">
-            <a:extLst>
-              <a:ext uri="{FF2B5EF4-FFF2-40B4-BE49-F238E27FC236}">
-                <a16:creationId xmlns:a16="http://schemas.microsoft.com/office/drawing/2014/main" id="{2565C291-4449-7040-F797-629192AAC461}"/>
-              </a:ext>
-            </a:extLst>
-          </p:cNvPr>
-          <p:cNvSpPr txBox="1"/>
-          <p:nvPr/>
-        </p:nvSpPr>
-        <p:spPr>
-          <a:xfrm>
-            <a:off x="119336" y="1124744"/>
-            <a:ext cx="11809312" cy="5078313"/>
-          </a:xfrm>
-          <a:prstGeom prst="rect">
-            <a:avLst/>
-          </a:prstGeom>
-          <a:noFill/>
-        </p:spPr>
-        <p:txBody>
-          <a:bodyPr wrap="square">
-            <a:spAutoFit/>
-          </a:bodyPr>
-          <a:lstStyle/>
-          <a:p>
-            <a:pPr marL="285750" indent="-285750">
-              <a:buFont typeface="Arial" panose="020B0604020202020204" pitchFamily="34" charset="0"/>
-              <a:buChar char="•"/>
-            </a:pPr>
-            <a:r>
-              <a:rPr lang="en-IN" b="1" dirty="0">
-                <a:latin typeface="Arial" panose="020B0604020202020204" pitchFamily="34" charset="0"/>
-                <a:cs typeface="Arial" panose="020B0604020202020204" pitchFamily="34" charset="0"/>
-              </a:rPr>
-              <a:t>MIS Reporting Executive</a:t>
-            </a:r>
-            <a:r>
-              <a:rPr lang="en-IN" dirty="0">
-                <a:latin typeface="Arial" panose="020B0604020202020204" pitchFamily="34" charset="0"/>
-                <a:cs typeface="Arial" panose="020B0604020202020204" pitchFamily="34" charset="0"/>
-              </a:rPr>
-              <a:t>: Business managers rely on Management Information System reports to automatically track progress, make decisions, and identify problems.</a:t>
-            </a:r>
-          </a:p>
-          <a:p>
-            <a:pPr marL="285750" indent="-285750">
-              <a:buFont typeface="Arial" panose="020B0604020202020204" pitchFamily="34" charset="0"/>
-              <a:buChar char="•"/>
-            </a:pPr>
-            <a:endParaRPr lang="en-IN" dirty="0">
-              <a:latin typeface="Arial" panose="020B0604020202020204" pitchFamily="34" charset="0"/>
-              <a:cs typeface="Arial" panose="020B0604020202020204" pitchFamily="34" charset="0"/>
-            </a:endParaRPr>
-          </a:p>
-          <a:p>
-            <a:pPr marL="285750" indent="-285750">
-              <a:buFont typeface="Arial" panose="020B0604020202020204" pitchFamily="34" charset="0"/>
-              <a:buChar char="•"/>
-            </a:pPr>
-            <a:r>
-              <a:rPr lang="en-US" b="1" dirty="0">
-                <a:latin typeface="Arial" panose="020B0604020202020204" pitchFamily="34" charset="0"/>
-                <a:cs typeface="Arial" panose="020B0604020202020204" pitchFamily="34" charset="0"/>
-              </a:rPr>
-              <a:t>Business Analyst</a:t>
-            </a:r>
-            <a:r>
-              <a:rPr lang="en-US" dirty="0">
-                <a:latin typeface="Arial" panose="020B0604020202020204" pitchFamily="34" charset="0"/>
-                <a:cs typeface="Arial" panose="020B0604020202020204" pitchFamily="34" charset="0"/>
-              </a:rPr>
-              <a:t>:  Although many of their job tasks are similar to that of data analysts, business analysts are experts in the domain they work in. They try to narrow the gap between business and IT.</a:t>
-            </a:r>
-          </a:p>
-          <a:p>
-            <a:pPr marL="285750" indent="-285750">
-              <a:buFont typeface="Arial" panose="020B0604020202020204" pitchFamily="34" charset="0"/>
-              <a:buChar char="•"/>
-            </a:pPr>
-            <a:endParaRPr lang="en-US" dirty="0">
-              <a:latin typeface="Arial" panose="020B0604020202020204" pitchFamily="34" charset="0"/>
-              <a:cs typeface="Arial" panose="020B0604020202020204" pitchFamily="34" charset="0"/>
-            </a:endParaRPr>
-          </a:p>
-          <a:p>
-            <a:pPr marL="285750" indent="-285750">
-              <a:buFont typeface="Arial" panose="020B0604020202020204" pitchFamily="34" charset="0"/>
-              <a:buChar char="•"/>
-            </a:pPr>
-            <a:r>
-              <a:rPr lang="en-US" b="1" dirty="0">
-                <a:latin typeface="Arial" panose="020B0604020202020204" pitchFamily="34" charset="0"/>
-                <a:cs typeface="Arial" panose="020B0604020202020204" pitchFamily="34" charset="0"/>
-              </a:rPr>
-              <a:t>Data Analyst</a:t>
-            </a:r>
-            <a:r>
-              <a:rPr lang="en-US" dirty="0">
-                <a:latin typeface="Arial" panose="020B0604020202020204" pitchFamily="34" charset="0"/>
-                <a:cs typeface="Arial" panose="020B0604020202020204" pitchFamily="34" charset="0"/>
-              </a:rPr>
-              <a:t>: </a:t>
-            </a:r>
-            <a:r>
-              <a:rPr lang="en-US" b="0" i="0" dirty="0">
-                <a:solidFill>
-                  <a:srgbClr val="202124"/>
-                </a:solidFill>
-                <a:effectLst/>
-                <a:latin typeface="Arial" panose="020B0604020202020204" pitchFamily="34" charset="0"/>
-                <a:cs typeface="Arial" panose="020B0604020202020204" pitchFamily="34" charset="0"/>
-              </a:rPr>
-              <a:t>A Data Analyst's responsibilities include the </a:t>
-            </a:r>
-            <a:r>
-              <a:rPr lang="en-US" b="0" i="0" dirty="0">
-                <a:solidFill>
-                  <a:srgbClr val="040C28"/>
-                </a:solidFill>
-                <a:effectLst/>
-                <a:latin typeface="Arial" panose="020B0604020202020204" pitchFamily="34" charset="0"/>
-                <a:cs typeface="Arial" panose="020B0604020202020204" pitchFamily="34" charset="0"/>
-              </a:rPr>
-              <a:t>deep analysis of data and then determining the best way to represent it visually to managers and stakeholders</a:t>
-            </a:r>
-            <a:r>
-              <a:rPr lang="en-US" b="0" i="0" dirty="0">
-                <a:solidFill>
-                  <a:srgbClr val="202124"/>
-                </a:solidFill>
-                <a:effectLst/>
-                <a:latin typeface="Arial" panose="020B0604020202020204" pitchFamily="34" charset="0"/>
-                <a:cs typeface="Arial" panose="020B0604020202020204" pitchFamily="34" charset="0"/>
-              </a:rPr>
-              <a:t>. They also ensure quality assurance and process documentation and define Key Performance Indicators</a:t>
-            </a:r>
-          </a:p>
-          <a:p>
-            <a:pPr marL="285750" indent="-285750">
-              <a:buFont typeface="Arial" panose="020B0604020202020204" pitchFamily="34" charset="0"/>
-              <a:buChar char="•"/>
-            </a:pPr>
-            <a:endParaRPr lang="en-US" dirty="0">
-              <a:latin typeface="Arial" panose="020B0604020202020204" pitchFamily="34" charset="0"/>
-              <a:cs typeface="Arial" panose="020B0604020202020204" pitchFamily="34" charset="0"/>
-            </a:endParaRPr>
-          </a:p>
-          <a:p>
-            <a:pPr marL="285750" indent="-285750">
-              <a:buFont typeface="Arial" panose="020B0604020202020204" pitchFamily="34" charset="0"/>
-              <a:buChar char="•"/>
-            </a:pPr>
-            <a:r>
-              <a:rPr lang="en-US" b="1" dirty="0">
-                <a:latin typeface="Arial" panose="020B0604020202020204" pitchFamily="34" charset="0"/>
-                <a:cs typeface="Arial" panose="020B0604020202020204" pitchFamily="34" charset="0"/>
-              </a:rPr>
-              <a:t>Statistician</a:t>
-            </a:r>
-            <a:r>
-              <a:rPr lang="en-US" dirty="0">
-                <a:latin typeface="Arial" panose="020B0604020202020204" pitchFamily="34" charset="0"/>
-                <a:cs typeface="Arial" panose="020B0604020202020204" pitchFamily="34" charset="0"/>
-              </a:rPr>
-              <a:t>: Statisticians collect, organize, present, analyze, and interpret data to reach valid conclusions and make correct decisions. They are key players in ensuring the success of companies involved in market research, transportation, product development, finance, forensics, sport, quality control, environment, education, and also in governmental agencies.</a:t>
-            </a:r>
-          </a:p>
-          <a:p>
-            <a:pPr marL="285750" indent="-285750">
-              <a:buFont typeface="Arial" panose="020B0604020202020204" pitchFamily="34" charset="0"/>
-              <a:buChar char="•"/>
-            </a:pPr>
-            <a:endParaRPr lang="en-US" dirty="0">
-              <a:latin typeface="Arial" panose="020B0604020202020204" pitchFamily="34" charset="0"/>
-              <a:cs typeface="Arial" panose="020B0604020202020204" pitchFamily="34" charset="0"/>
-            </a:endParaRPr>
-          </a:p>
-          <a:p>
-            <a:pPr marL="285750" indent="-285750">
-              <a:buFont typeface="Arial" panose="020B0604020202020204" pitchFamily="34" charset="0"/>
-              <a:buChar char="•"/>
-            </a:pPr>
-            <a:r>
-              <a:rPr lang="en-US" b="1" dirty="0">
-                <a:latin typeface="Arial" panose="020B0604020202020204" pitchFamily="34" charset="0"/>
-                <a:cs typeface="Arial" panose="020B0604020202020204" pitchFamily="34" charset="0"/>
-              </a:rPr>
-              <a:t>Data Scientist</a:t>
-            </a:r>
-            <a:r>
-              <a:rPr lang="en-US" dirty="0">
-                <a:latin typeface="Arial" panose="020B0604020202020204" pitchFamily="34" charset="0"/>
-                <a:cs typeface="Arial" panose="020B0604020202020204" pitchFamily="34" charset="0"/>
-              </a:rPr>
-              <a:t>: A Data Scientist is a professional who collects large amounts of data using analytical, statistical, and programmable skills. It is their responsibility to use data to develop solutions tailored to meet the organization's unique needs.</a:t>
-            </a:r>
-            <a:endParaRPr lang="en-IN" dirty="0">
-              <a:latin typeface="Arial" panose="020B0604020202020204" pitchFamily="34" charset="0"/>
-              <a:cs typeface="Arial" panose="020B0604020202020204" pitchFamily="34" charset="0"/>
-            </a:endParaRPr>
-          </a:p>
-        </p:txBody>
-      </p:sp>
-    </p:spTree>
-    <p:extLst>
-      <p:ext uri="{BB962C8B-B14F-4D97-AF65-F5344CB8AC3E}">
-        <p14:creationId xmlns:p14="http://schemas.microsoft.com/office/powerpoint/2010/main" val="3264250979"/>
-      </p:ext>
-    </p:extLst>
-  </p:cSld>
-  <p:clrMapOvr>
-    <a:masterClrMapping/>
-  </p:clrMapOvr>
-</p:sld>
-</file>
-
-<file path=ppt/slides/slide3.xml><?xml version="1.0" encoding="utf-8"?>
-<p:sld xmlns:a="http://schemas.openxmlformats.org/drawingml/2006/main" xmlns:r="http://schemas.openxmlformats.org/officeDocument/2006/relationships" xmlns:p="http://schemas.openxmlformats.org/presentationml/2006/main">
-  <p:cSld>
-    <p:spTree>
-      <p:nvGrpSpPr>
-        <p:cNvPr id="1" name=""/>
-        <p:cNvGrpSpPr/>
-        <p:nvPr/>
-      </p:nvGrpSpPr>
-      <p:grpSpPr>
-        <a:xfrm>
-          <a:off x="0" y="0"/>
-          <a:ext cx="0" cy="0"/>
-          <a:chOff x="0" y="0"/>
-          <a:chExt cx="0" cy="0"/>
-        </a:xfrm>
-      </p:grpSpPr>
-      <p:sp>
-        <p:nvSpPr>
-          <p:cNvPr id="5" name="Rectangle 4"/>
-          <p:cNvSpPr/>
-          <p:nvPr/>
-        </p:nvSpPr>
-        <p:spPr>
-          <a:xfrm>
-            <a:off x="1524596" y="4"/>
-            <a:ext cx="9142810" cy="584775"/>
-          </a:xfrm>
-          <a:prstGeom prst="rect">
-            <a:avLst/>
-          </a:prstGeom>
-          <a:noFill/>
-        </p:spPr>
-        <p:txBody>
-          <a:bodyPr wrap="square">
-            <a:spAutoFit/>
-          </a:bodyPr>
-          <a:lstStyle/>
-          <a:p>
-            <a:pPr algn="r"/>
-            <a:r>
-              <a:rPr lang="en-IN" sz="3200" i="1" dirty="0">
-                <a:solidFill>
-                  <a:srgbClr val="FF9900"/>
-                </a:solidFill>
-                <a:latin typeface="Arial" pitchFamily="34" charset="0"/>
-                <a:cs typeface="Arial" pitchFamily="34" charset="0"/>
-              </a:rPr>
-              <a:t>First Generation of Computers</a:t>
-            </a:r>
-          </a:p>
-        </p:txBody>
-      </p:sp>
-      <p:sp>
-        <p:nvSpPr>
-          <p:cNvPr id="4" name="TextBox 3">
-            <a:extLst>
-              <a:ext uri="{FF2B5EF4-FFF2-40B4-BE49-F238E27FC236}">
-                <a16:creationId xmlns:a16="http://schemas.microsoft.com/office/drawing/2014/main" id="{25232946-F519-C45A-F91D-1C84AB18C593}"/>
-              </a:ext>
-            </a:extLst>
-          </p:cNvPr>
-          <p:cNvSpPr txBox="1"/>
-          <p:nvPr/>
-        </p:nvSpPr>
-        <p:spPr>
-          <a:xfrm>
-            <a:off x="191344" y="908720"/>
-            <a:ext cx="11809312" cy="2492990"/>
-          </a:xfrm>
-          <a:prstGeom prst="rect">
-            <a:avLst/>
-          </a:prstGeom>
-          <a:noFill/>
-        </p:spPr>
-        <p:txBody>
-          <a:bodyPr wrap="square">
-            <a:spAutoFit/>
-          </a:bodyPr>
-          <a:lstStyle/>
-          <a:p>
-            <a:pPr marL="342900" indent="-342900" algn="just">
-              <a:buFont typeface="Arial" panose="020B0604020202020204" pitchFamily="34" charset="0"/>
-              <a:buChar char="•"/>
-            </a:pPr>
-            <a:r>
-              <a:rPr lang="en-US" sz="2000" b="0" i="0" dirty="0">
-                <a:solidFill>
-                  <a:srgbClr val="000000"/>
-                </a:solidFill>
-                <a:effectLst/>
-                <a:latin typeface="Arial" panose="020B0604020202020204" pitchFamily="34" charset="0"/>
-                <a:cs typeface="Arial" panose="020B0604020202020204" pitchFamily="34" charset="0"/>
-              </a:rPr>
-              <a:t>The period of first generation was from 1946-1959. </a:t>
-            </a:r>
-          </a:p>
-          <a:p>
-            <a:pPr marL="342900" indent="-342900" algn="just">
-              <a:buFont typeface="Arial" panose="020B0604020202020204" pitchFamily="34" charset="0"/>
-              <a:buChar char="•"/>
-            </a:pPr>
-            <a:endParaRPr lang="en-US" sz="1200" b="0" i="0" dirty="0">
-              <a:solidFill>
-                <a:srgbClr val="000000"/>
-              </a:solidFill>
-              <a:effectLst/>
-              <a:latin typeface="Arial" panose="020B0604020202020204" pitchFamily="34" charset="0"/>
-              <a:cs typeface="Arial" panose="020B0604020202020204" pitchFamily="34" charset="0"/>
-            </a:endParaRPr>
-          </a:p>
-          <a:p>
-            <a:pPr marL="342900" indent="-342900" algn="just">
-              <a:buFont typeface="Arial" panose="020B0604020202020204" pitchFamily="34" charset="0"/>
-              <a:buChar char="•"/>
-            </a:pPr>
-            <a:r>
-              <a:rPr lang="en-US" sz="2000" b="0" i="0" dirty="0">
-                <a:solidFill>
-                  <a:srgbClr val="000000"/>
-                </a:solidFill>
-                <a:effectLst/>
-                <a:latin typeface="Arial" panose="020B0604020202020204" pitchFamily="34" charset="0"/>
-                <a:cs typeface="Arial" panose="020B0604020202020204" pitchFamily="34" charset="0"/>
-              </a:rPr>
-              <a:t>The computers of first generation used vacuum tubes as the basic components for memory.</a:t>
-            </a:r>
-          </a:p>
-          <a:p>
-            <a:pPr marL="342900" indent="-342900" algn="just">
-              <a:buFont typeface="Arial" panose="020B0604020202020204" pitchFamily="34" charset="0"/>
-              <a:buChar char="•"/>
-            </a:pPr>
-            <a:endParaRPr lang="en-US" sz="1200" b="0" i="0" dirty="0">
-              <a:solidFill>
-                <a:srgbClr val="000000"/>
-              </a:solidFill>
-              <a:effectLst/>
-              <a:latin typeface="Arial" panose="020B0604020202020204" pitchFamily="34" charset="0"/>
-              <a:cs typeface="Arial" panose="020B0604020202020204" pitchFamily="34" charset="0"/>
-            </a:endParaRPr>
-          </a:p>
-          <a:p>
-            <a:pPr marL="342900" indent="-342900" algn="just">
-              <a:buFont typeface="Arial" panose="020B0604020202020204" pitchFamily="34" charset="0"/>
-              <a:buChar char="•"/>
-            </a:pPr>
-            <a:r>
-              <a:rPr lang="en-US" sz="2000" b="0" i="0" dirty="0">
-                <a:solidFill>
-                  <a:srgbClr val="000000"/>
-                </a:solidFill>
-                <a:effectLst/>
-                <a:latin typeface="Arial" panose="020B0604020202020204" pitchFamily="34" charset="0"/>
-                <a:cs typeface="Arial" panose="020B0604020202020204" pitchFamily="34" charset="0"/>
-              </a:rPr>
-              <a:t>In this generation, mainly batch processing operating system was used. Punch cards, paper tape, and magnetic tape was used as input and output devices. </a:t>
-            </a:r>
-          </a:p>
-          <a:p>
-            <a:pPr marL="342900" indent="-342900" algn="just">
-              <a:buFont typeface="Arial" panose="020B0604020202020204" pitchFamily="34" charset="0"/>
-              <a:buChar char="•"/>
-            </a:pPr>
-            <a:endParaRPr lang="en-US" sz="1200" dirty="0">
-              <a:solidFill>
-                <a:srgbClr val="000000"/>
-              </a:solidFill>
-              <a:latin typeface="Arial" panose="020B0604020202020204" pitchFamily="34" charset="0"/>
-              <a:cs typeface="Arial" panose="020B0604020202020204" pitchFamily="34" charset="0"/>
-            </a:endParaRPr>
-          </a:p>
-          <a:p>
-            <a:pPr marL="342900" indent="-342900" algn="just">
-              <a:buFont typeface="Arial" panose="020B0604020202020204" pitchFamily="34" charset="0"/>
-              <a:buChar char="•"/>
-            </a:pPr>
-            <a:r>
-              <a:rPr lang="en-US" sz="2000" b="0" i="0" dirty="0">
-                <a:solidFill>
-                  <a:srgbClr val="000000"/>
-                </a:solidFill>
-                <a:effectLst/>
-                <a:latin typeface="Arial" panose="020B0604020202020204" pitchFamily="34" charset="0"/>
-                <a:cs typeface="Arial" panose="020B0604020202020204" pitchFamily="34" charset="0"/>
-              </a:rPr>
-              <a:t>The computers in this generation used machine code (</a:t>
-            </a:r>
-            <a:r>
-              <a:rPr lang="en-US" sz="2000" b="0" i="0" dirty="0">
-                <a:solidFill>
-                  <a:schemeClr val="bg1">
-                    <a:lumMod val="50000"/>
-                  </a:schemeClr>
-                </a:solidFill>
-                <a:effectLst/>
-                <a:latin typeface="Arial" panose="020B0604020202020204" pitchFamily="34" charset="0"/>
-                <a:cs typeface="Arial" panose="020B0604020202020204" pitchFamily="34" charset="0"/>
-              </a:rPr>
-              <a:t>Machine language is a low-level language made up of binary numbers or bits that a computer can understand.</a:t>
-            </a:r>
-            <a:r>
-              <a:rPr lang="en-US" sz="2000" b="0" i="0" dirty="0">
-                <a:solidFill>
-                  <a:srgbClr val="000000"/>
-                </a:solidFill>
-                <a:effectLst/>
-                <a:latin typeface="Arial" panose="020B0604020202020204" pitchFamily="34" charset="0"/>
-                <a:cs typeface="Arial" panose="020B0604020202020204" pitchFamily="34" charset="0"/>
-              </a:rPr>
-              <a:t>) as the programming language.</a:t>
-            </a:r>
-          </a:p>
-        </p:txBody>
-      </p:sp>
-      <p:sp>
-        <p:nvSpPr>
-          <p:cNvPr id="8" name="TextBox 7">
-            <a:extLst>
-              <a:ext uri="{FF2B5EF4-FFF2-40B4-BE49-F238E27FC236}">
-                <a16:creationId xmlns:a16="http://schemas.microsoft.com/office/drawing/2014/main" id="{100ABC39-7515-EDCC-5A51-CD990F2F691E}"/>
-              </a:ext>
-            </a:extLst>
-          </p:cNvPr>
-          <p:cNvSpPr txBox="1"/>
-          <p:nvPr/>
-        </p:nvSpPr>
-        <p:spPr>
-          <a:xfrm>
-            <a:off x="263352" y="3946888"/>
-            <a:ext cx="6048672" cy="2246769"/>
-          </a:xfrm>
-          <a:prstGeom prst="rect">
-            <a:avLst/>
-          </a:prstGeom>
-          <a:noFill/>
-        </p:spPr>
-        <p:txBody>
-          <a:bodyPr wrap="square">
-            <a:spAutoFit/>
-          </a:bodyPr>
-          <a:lstStyle/>
-          <a:p>
-            <a:pPr algn="just"/>
-            <a:r>
-              <a:rPr lang="en-US" sz="2000" b="1" i="0" dirty="0">
-                <a:solidFill>
-                  <a:srgbClr val="000000"/>
-                </a:solidFill>
-                <a:effectLst/>
-                <a:latin typeface="Arial" panose="020B0604020202020204" pitchFamily="34" charset="0"/>
-                <a:cs typeface="Arial" panose="020B0604020202020204" pitchFamily="34" charset="0"/>
-              </a:rPr>
-              <a:t>The main features of the first generation are −</a:t>
-            </a:r>
-          </a:p>
-          <a:p>
-            <a:pPr algn="just"/>
-            <a:endParaRPr lang="en-US" sz="2000" b="0" i="0" dirty="0">
-              <a:solidFill>
-                <a:srgbClr val="000000"/>
-              </a:solidFill>
-              <a:effectLst/>
-              <a:latin typeface="Arial" panose="020B0604020202020204" pitchFamily="34" charset="0"/>
-              <a:cs typeface="Arial" panose="020B0604020202020204" pitchFamily="34" charset="0"/>
-            </a:endParaRPr>
-          </a:p>
-          <a:p>
-            <a:pPr marL="342900" indent="-342900" algn="l">
-              <a:buFont typeface="+mj-lt"/>
-              <a:buAutoNum type="arabicPeriod"/>
-            </a:pPr>
-            <a:r>
-              <a:rPr lang="en-US" sz="2000" b="0" i="0" dirty="0">
-                <a:solidFill>
-                  <a:srgbClr val="000000"/>
-                </a:solidFill>
-                <a:effectLst/>
-                <a:latin typeface="Arial" panose="020B0604020202020204" pitchFamily="34" charset="0"/>
-                <a:cs typeface="Arial" panose="020B0604020202020204" pitchFamily="34" charset="0"/>
-              </a:rPr>
-              <a:t>Vacuum tube technology</a:t>
-            </a:r>
-          </a:p>
-          <a:p>
-            <a:pPr marL="342900" indent="-342900" algn="l">
-              <a:buFont typeface="+mj-lt"/>
-              <a:buAutoNum type="arabicPeriod"/>
-            </a:pPr>
-            <a:r>
-              <a:rPr lang="en-US" sz="2000" b="0" i="0" dirty="0">
-                <a:solidFill>
-                  <a:srgbClr val="000000"/>
-                </a:solidFill>
-                <a:effectLst/>
-                <a:latin typeface="Arial" panose="020B0604020202020204" pitchFamily="34" charset="0"/>
-                <a:cs typeface="Arial" panose="020B0604020202020204" pitchFamily="34" charset="0"/>
-              </a:rPr>
-              <a:t>Unreliable</a:t>
-            </a:r>
-          </a:p>
-          <a:p>
-            <a:pPr marL="342900" indent="-342900" algn="l">
-              <a:buFont typeface="+mj-lt"/>
-              <a:buAutoNum type="arabicPeriod"/>
-            </a:pPr>
-            <a:r>
-              <a:rPr lang="en-US" sz="2000" b="0" i="0" dirty="0">
-                <a:solidFill>
-                  <a:srgbClr val="000000"/>
-                </a:solidFill>
-                <a:effectLst/>
-                <a:latin typeface="Arial" panose="020B0604020202020204" pitchFamily="34" charset="0"/>
-                <a:cs typeface="Arial" panose="020B0604020202020204" pitchFamily="34" charset="0"/>
-              </a:rPr>
-              <a:t>Supported machine language only</a:t>
-            </a:r>
-          </a:p>
-          <a:p>
-            <a:pPr marL="342900" indent="-342900" algn="l">
-              <a:buFont typeface="+mj-lt"/>
-              <a:buAutoNum type="arabicPeriod"/>
-            </a:pPr>
-            <a:r>
-              <a:rPr lang="en-US" sz="2000" b="0" i="0" dirty="0">
-                <a:solidFill>
-                  <a:srgbClr val="000000"/>
-                </a:solidFill>
-                <a:effectLst/>
-                <a:latin typeface="Arial" panose="020B0604020202020204" pitchFamily="34" charset="0"/>
-                <a:cs typeface="Arial" panose="020B0604020202020204" pitchFamily="34" charset="0"/>
-              </a:rPr>
-              <a:t>Very costly</a:t>
-            </a:r>
-          </a:p>
-          <a:p>
-            <a:pPr marL="342900" indent="-342900" algn="l">
-              <a:buFont typeface="+mj-lt"/>
-              <a:buAutoNum type="arabicPeriod"/>
-            </a:pPr>
-            <a:r>
-              <a:rPr lang="en-US" sz="2000" b="0" i="0" dirty="0">
-                <a:solidFill>
-                  <a:srgbClr val="000000"/>
-                </a:solidFill>
-                <a:effectLst/>
-                <a:latin typeface="Arial" panose="020B0604020202020204" pitchFamily="34" charset="0"/>
-                <a:cs typeface="Arial" panose="020B0604020202020204" pitchFamily="34" charset="0"/>
-              </a:rPr>
-              <a:t>Generated a lot of heat</a:t>
-            </a:r>
-          </a:p>
-        </p:txBody>
-      </p:sp>
-      <p:sp>
-        <p:nvSpPr>
-          <p:cNvPr id="9" name="TextBox 8">
-            <a:extLst>
-              <a:ext uri="{FF2B5EF4-FFF2-40B4-BE49-F238E27FC236}">
-                <a16:creationId xmlns:a16="http://schemas.microsoft.com/office/drawing/2014/main" id="{DA9BB401-39C0-000A-95D4-DEC93CD65E57}"/>
-              </a:ext>
-            </a:extLst>
-          </p:cNvPr>
-          <p:cNvSpPr txBox="1"/>
-          <p:nvPr/>
-        </p:nvSpPr>
-        <p:spPr>
-          <a:xfrm>
-            <a:off x="6168008" y="4562441"/>
-            <a:ext cx="5476392" cy="1631216"/>
-          </a:xfrm>
-          <a:prstGeom prst="rect">
-            <a:avLst/>
-          </a:prstGeom>
-          <a:noFill/>
-        </p:spPr>
-        <p:txBody>
-          <a:bodyPr wrap="square">
-            <a:spAutoFit/>
-          </a:bodyPr>
-          <a:lstStyle/>
-          <a:p>
-            <a:pPr marL="457200" indent="-457200" algn="l">
-              <a:buFont typeface="+mj-lt"/>
-              <a:buAutoNum type="arabicPeriod" startAt="6"/>
-            </a:pPr>
-            <a:r>
-              <a:rPr lang="en-US" sz="2000" b="0" i="0" dirty="0">
-                <a:solidFill>
-                  <a:srgbClr val="000000"/>
-                </a:solidFill>
-                <a:effectLst/>
-                <a:latin typeface="Arial" panose="020B0604020202020204" pitchFamily="34" charset="0"/>
-                <a:cs typeface="Arial" panose="020B0604020202020204" pitchFamily="34" charset="0"/>
-              </a:rPr>
-              <a:t>Slow input and output devices</a:t>
-            </a:r>
-          </a:p>
-          <a:p>
-            <a:pPr marL="457200" indent="-457200" algn="l">
-              <a:buFont typeface="+mj-lt"/>
-              <a:buAutoNum type="arabicPeriod" startAt="6"/>
-            </a:pPr>
-            <a:r>
-              <a:rPr lang="en-US" sz="2000" b="0" i="0" dirty="0">
-                <a:solidFill>
-                  <a:srgbClr val="000000"/>
-                </a:solidFill>
-                <a:effectLst/>
-                <a:latin typeface="Arial" panose="020B0604020202020204" pitchFamily="34" charset="0"/>
-                <a:cs typeface="Arial" panose="020B0604020202020204" pitchFamily="34" charset="0"/>
-              </a:rPr>
-              <a:t>Huge size</a:t>
-            </a:r>
-          </a:p>
-          <a:p>
-            <a:pPr marL="457200" indent="-457200" algn="l">
-              <a:buFont typeface="+mj-lt"/>
-              <a:buAutoNum type="arabicPeriod" startAt="6"/>
-            </a:pPr>
-            <a:r>
-              <a:rPr lang="en-US" sz="2000" b="0" i="0" dirty="0">
-                <a:solidFill>
-                  <a:srgbClr val="000000"/>
-                </a:solidFill>
-                <a:effectLst/>
-                <a:latin typeface="Arial" panose="020B0604020202020204" pitchFamily="34" charset="0"/>
-                <a:cs typeface="Arial" panose="020B0604020202020204" pitchFamily="34" charset="0"/>
-              </a:rPr>
-              <a:t>Need of AC</a:t>
-            </a:r>
-          </a:p>
-          <a:p>
-            <a:pPr marL="457200" indent="-457200" algn="l">
-              <a:buFont typeface="+mj-lt"/>
-              <a:buAutoNum type="arabicPeriod" startAt="6"/>
-            </a:pPr>
-            <a:r>
-              <a:rPr lang="en-US" sz="2000" b="0" i="0" dirty="0">
-                <a:solidFill>
-                  <a:srgbClr val="000000"/>
-                </a:solidFill>
-                <a:effectLst/>
-                <a:latin typeface="Arial" panose="020B0604020202020204" pitchFamily="34" charset="0"/>
-                <a:cs typeface="Arial" panose="020B0604020202020204" pitchFamily="34" charset="0"/>
-              </a:rPr>
-              <a:t>Non-portable</a:t>
-            </a:r>
-          </a:p>
-          <a:p>
-            <a:pPr marL="457200" indent="-457200" algn="l">
-              <a:buFont typeface="+mj-lt"/>
-              <a:buAutoNum type="arabicPeriod" startAt="6"/>
-            </a:pPr>
-            <a:r>
-              <a:rPr lang="en-US" sz="2000" b="0" i="0" dirty="0">
-                <a:solidFill>
-                  <a:srgbClr val="000000"/>
-                </a:solidFill>
-                <a:effectLst/>
-                <a:latin typeface="Arial" panose="020B0604020202020204" pitchFamily="34" charset="0"/>
-                <a:cs typeface="Arial" panose="020B0604020202020204" pitchFamily="34" charset="0"/>
-              </a:rPr>
-              <a:t>Consumed a lot of electricity</a:t>
-            </a:r>
-          </a:p>
-        </p:txBody>
-      </p:sp>
-    </p:spTree>
-    <p:extLst>
-      <p:ext uri="{BB962C8B-B14F-4D97-AF65-F5344CB8AC3E}">
-        <p14:creationId xmlns:p14="http://schemas.microsoft.com/office/powerpoint/2010/main" val="641634191"/>
-      </p:ext>
-    </p:extLst>
-  </p:cSld>
-  <p:clrMapOvr>
-    <a:masterClrMapping/>
-  </p:clrMapOvr>
-</p:sld>
-</file>
-
-<file path=ppt/slides/slide30.xml><?xml version="1.0" encoding="utf-8"?>
-<p:sld xmlns:a="http://schemas.openxmlformats.org/drawingml/2006/main" xmlns:r="http://schemas.openxmlformats.org/officeDocument/2006/relationships" xmlns:p="http://schemas.openxmlformats.org/presentationml/2006/main">
-  <p:cSld>
-    <p:spTree>
-      <p:nvGrpSpPr>
-        <p:cNvPr id="1" name=""/>
-        <p:cNvGrpSpPr/>
-        <p:nvPr/>
-      </p:nvGrpSpPr>
-      <p:grpSpPr>
-        <a:xfrm>
-          <a:off x="0" y="0"/>
-          <a:ext cx="0" cy="0"/>
-          <a:chOff x="0" y="0"/>
-          <a:chExt cx="0" cy="0"/>
-        </a:xfrm>
-      </p:grpSpPr>
-      <p:sp>
-        <p:nvSpPr>
-          <p:cNvPr id="4" name="Rectangle 3">
-            <a:extLst>
-              <a:ext uri="{FF2B5EF4-FFF2-40B4-BE49-F238E27FC236}">
-                <a16:creationId xmlns:a16="http://schemas.microsoft.com/office/drawing/2014/main" id="{6524962B-7610-4EFD-AA5E-DDE403AB8860}"/>
-              </a:ext>
-            </a:extLst>
-          </p:cNvPr>
-          <p:cNvSpPr/>
-          <p:nvPr/>
-        </p:nvSpPr>
-        <p:spPr>
-          <a:xfrm>
-            <a:off x="1524000" y="1"/>
-            <a:ext cx="9144000" cy="584775"/>
-          </a:xfrm>
-          <a:prstGeom prst="rect">
-            <a:avLst/>
-          </a:prstGeom>
-          <a:noFill/>
-        </p:spPr>
-        <p:txBody>
-          <a:bodyPr wrap="square">
-            <a:spAutoFit/>
-          </a:bodyPr>
-          <a:lstStyle/>
-          <a:p>
-            <a:pPr algn="r"/>
-            <a:r>
-              <a:rPr lang="en-US" sz="3200" i="1" dirty="0">
-                <a:solidFill>
-                  <a:srgbClr val="FF9900"/>
-                </a:solidFill>
-                <a:latin typeface="Arial" pitchFamily="34" charset="0"/>
-                <a:cs typeface="Arial" pitchFamily="34" charset="0"/>
-              </a:rPr>
-              <a:t>List of Job Roles in Data Science / Big Data</a:t>
-            </a:r>
-            <a:endParaRPr lang="en-IN" sz="3200" i="1" dirty="0">
-              <a:solidFill>
-                <a:srgbClr val="FF9900"/>
-              </a:solidFill>
-              <a:latin typeface="Arial" pitchFamily="34" charset="0"/>
-              <a:cs typeface="Arial" pitchFamily="34" charset="0"/>
-            </a:endParaRPr>
-          </a:p>
-        </p:txBody>
-      </p:sp>
-      <p:sp>
-        <p:nvSpPr>
-          <p:cNvPr id="3" name="TextBox 2">
-            <a:extLst>
-              <a:ext uri="{FF2B5EF4-FFF2-40B4-BE49-F238E27FC236}">
-                <a16:creationId xmlns:a16="http://schemas.microsoft.com/office/drawing/2014/main" id="{2565C291-4449-7040-F797-629192AAC461}"/>
-              </a:ext>
-            </a:extLst>
-          </p:cNvPr>
-          <p:cNvSpPr txBox="1"/>
-          <p:nvPr/>
-        </p:nvSpPr>
-        <p:spPr>
-          <a:xfrm>
-            <a:off x="119336" y="1124744"/>
-            <a:ext cx="11809312" cy="2862322"/>
-          </a:xfrm>
-          <a:prstGeom prst="rect">
-            <a:avLst/>
-          </a:prstGeom>
-          <a:noFill/>
-        </p:spPr>
-        <p:txBody>
-          <a:bodyPr wrap="square">
-            <a:spAutoFit/>
-          </a:bodyPr>
-          <a:lstStyle/>
-          <a:p>
-            <a:pPr marL="285750" indent="-285750">
-              <a:buFont typeface="Arial" panose="020B0604020202020204" pitchFamily="34" charset="0"/>
-              <a:buChar char="•"/>
-            </a:pPr>
-            <a:r>
-              <a:rPr lang="en-US" b="1" dirty="0">
-                <a:latin typeface="Arial" panose="020B0604020202020204" pitchFamily="34" charset="0"/>
-                <a:cs typeface="Arial" panose="020B0604020202020204" pitchFamily="34" charset="0"/>
-              </a:rPr>
-              <a:t>Data Engineer/Data Architect: </a:t>
-            </a:r>
-            <a:r>
-              <a:rPr lang="en-US" dirty="0">
-                <a:latin typeface="Arial" panose="020B0604020202020204" pitchFamily="34" charset="0"/>
-                <a:cs typeface="Arial" panose="020B0604020202020204" pitchFamily="34" charset="0"/>
-              </a:rPr>
-              <a:t>“Data engineers are the designers, builders and managers of the information or “big data” infrastructure.” Data engineers ensure that an organization’s big data ecosystem is running without glitches for data scientists to carry out the analysis.</a:t>
-            </a:r>
-          </a:p>
-          <a:p>
-            <a:pPr marL="285750" indent="-285750">
-              <a:buFont typeface="Arial" panose="020B0604020202020204" pitchFamily="34" charset="0"/>
-              <a:buChar char="•"/>
-            </a:pPr>
-            <a:endParaRPr lang="en-US" dirty="0">
-              <a:latin typeface="Arial" panose="020B0604020202020204" pitchFamily="34" charset="0"/>
-              <a:cs typeface="Arial" panose="020B0604020202020204" pitchFamily="34" charset="0"/>
-            </a:endParaRPr>
-          </a:p>
-          <a:p>
-            <a:pPr marL="285750" indent="-285750">
-              <a:buFont typeface="Arial" panose="020B0604020202020204" pitchFamily="34" charset="0"/>
-              <a:buChar char="•"/>
-            </a:pPr>
-            <a:r>
-              <a:rPr lang="en-US" b="1" dirty="0">
-                <a:latin typeface="Arial" panose="020B0604020202020204" pitchFamily="34" charset="0"/>
-                <a:cs typeface="Arial" panose="020B0604020202020204" pitchFamily="34" charset="0"/>
-              </a:rPr>
-              <a:t>Machine Learning Engineer</a:t>
-            </a:r>
-            <a:r>
-              <a:rPr lang="en-US" dirty="0">
-                <a:latin typeface="Arial" panose="020B0604020202020204" pitchFamily="34" charset="0"/>
-                <a:cs typeface="Arial" panose="020B0604020202020204" pitchFamily="34" charset="0"/>
-              </a:rPr>
-              <a:t>: A Machine Learning Engineer is responsible for designing and developing machine learning systems, implementing appropriate ML algorithms, and conducting experiments. They possess strong programming skills, knowledge of data science, and expertise in statistics.</a:t>
-            </a:r>
-          </a:p>
-          <a:p>
-            <a:pPr marL="285750" indent="-285750">
-              <a:buFont typeface="Arial" panose="020B0604020202020204" pitchFamily="34" charset="0"/>
-              <a:buChar char="•"/>
-            </a:pPr>
-            <a:endParaRPr lang="en-US" dirty="0">
-              <a:latin typeface="Arial" panose="020B0604020202020204" pitchFamily="34" charset="0"/>
-              <a:cs typeface="Arial" panose="020B0604020202020204" pitchFamily="34" charset="0"/>
-            </a:endParaRPr>
-          </a:p>
-          <a:p>
-            <a:pPr marL="285750" indent="-285750">
-              <a:buFont typeface="Arial" panose="020B0604020202020204" pitchFamily="34" charset="0"/>
-              <a:buChar char="•"/>
-            </a:pPr>
-            <a:r>
-              <a:rPr lang="en-US" b="1" dirty="0">
-                <a:latin typeface="Arial" panose="020B0604020202020204" pitchFamily="34" charset="0"/>
-                <a:cs typeface="Arial" panose="020B0604020202020204" pitchFamily="34" charset="0"/>
-              </a:rPr>
-              <a:t>Big Data Engineer</a:t>
-            </a:r>
-            <a:r>
-              <a:rPr lang="en-US" dirty="0">
-                <a:latin typeface="Arial" panose="020B0604020202020204" pitchFamily="34" charset="0"/>
-                <a:cs typeface="Arial" panose="020B0604020202020204" pitchFamily="34" charset="0"/>
-              </a:rPr>
-              <a:t>: The big data engineer's role is to Design, construct and maintain large-scale data processing systems.</a:t>
-            </a:r>
-            <a:endParaRPr lang="en-IN" dirty="0">
-              <a:latin typeface="Arial" panose="020B0604020202020204" pitchFamily="34" charset="0"/>
-              <a:cs typeface="Arial" panose="020B0604020202020204" pitchFamily="34" charset="0"/>
-            </a:endParaRPr>
-          </a:p>
-        </p:txBody>
-      </p:sp>
-    </p:spTree>
-    <p:extLst>
-      <p:ext uri="{BB962C8B-B14F-4D97-AF65-F5344CB8AC3E}">
-        <p14:creationId xmlns:p14="http://schemas.microsoft.com/office/powerpoint/2010/main" val="2577086294"/>
       </p:ext>
     </p:extLst>
   </p:cSld>
@@ -9322,6 +9373,562 @@
                 <a:latin typeface="Segoe UI Light" panose="020B0502040204020203" pitchFamily="34" charset="0"/>
                 <a:cs typeface="Segoe UI Light" panose="020B0502040204020203" pitchFamily="34" charset="0"/>
               </a:rPr>
+              <a:t>Jobs in Big Data</a:t>
+            </a:r>
+          </a:p>
+        </p:txBody>
+      </p:sp>
+    </p:spTree>
+    <p:extLst>
+      <p:ext uri="{BB962C8B-B14F-4D97-AF65-F5344CB8AC3E}">
+        <p14:creationId xmlns:p14="http://schemas.microsoft.com/office/powerpoint/2010/main" val="3468983804"/>
+      </p:ext>
+    </p:extLst>
+  </p:cSld>
+  <p:clrMapOvr>
+    <a:masterClrMapping/>
+  </p:clrMapOvr>
+</p:sld>
+</file>
+
+<file path=ppt/slides/slide32.xml><?xml version="1.0" encoding="utf-8"?>
+<p:sld xmlns:a="http://schemas.openxmlformats.org/drawingml/2006/main" xmlns:r="http://schemas.openxmlformats.org/officeDocument/2006/relationships" xmlns:p="http://schemas.openxmlformats.org/presentationml/2006/main">
+  <p:cSld>
+    <p:spTree>
+      <p:nvGrpSpPr>
+        <p:cNvPr id="1" name=""/>
+        <p:cNvGrpSpPr/>
+        <p:nvPr/>
+      </p:nvGrpSpPr>
+      <p:grpSpPr>
+        <a:xfrm>
+          <a:off x="0" y="0"/>
+          <a:ext cx="0" cy="0"/>
+          <a:chOff x="0" y="0"/>
+          <a:chExt cx="0" cy="0"/>
+        </a:xfrm>
+      </p:grpSpPr>
+      <p:sp>
+        <p:nvSpPr>
+          <p:cNvPr id="4" name="Rectangle 3">
+            <a:extLst>
+              <a:ext uri="{FF2B5EF4-FFF2-40B4-BE49-F238E27FC236}">
+                <a16:creationId xmlns:a16="http://schemas.microsoft.com/office/drawing/2014/main" id="{6524962B-7610-4EFD-AA5E-DDE403AB8860}"/>
+              </a:ext>
+            </a:extLst>
+          </p:cNvPr>
+          <p:cNvSpPr/>
+          <p:nvPr/>
+        </p:nvSpPr>
+        <p:spPr>
+          <a:xfrm>
+            <a:off x="1524000" y="1"/>
+            <a:ext cx="9144000" cy="584775"/>
+          </a:xfrm>
+          <a:prstGeom prst="rect">
+            <a:avLst/>
+          </a:prstGeom>
+          <a:noFill/>
+        </p:spPr>
+        <p:txBody>
+          <a:bodyPr wrap="square">
+            <a:spAutoFit/>
+          </a:bodyPr>
+          <a:lstStyle/>
+          <a:p>
+            <a:pPr algn="r"/>
+            <a:r>
+              <a:rPr lang="en-US" sz="3200" i="1" dirty="0">
+                <a:solidFill>
+                  <a:srgbClr val="FF9900"/>
+                </a:solidFill>
+                <a:latin typeface="Arial" pitchFamily="34" charset="0"/>
+                <a:cs typeface="Arial" pitchFamily="34" charset="0"/>
+              </a:rPr>
+              <a:t>List of Job Roles in Data Science / Big Data</a:t>
+            </a:r>
+            <a:endParaRPr lang="en-IN" sz="3200" i="1" dirty="0">
+              <a:solidFill>
+                <a:srgbClr val="FF9900"/>
+              </a:solidFill>
+              <a:latin typeface="Arial" pitchFamily="34" charset="0"/>
+              <a:cs typeface="Arial" pitchFamily="34" charset="0"/>
+            </a:endParaRPr>
+          </a:p>
+        </p:txBody>
+      </p:sp>
+      <p:sp>
+        <p:nvSpPr>
+          <p:cNvPr id="3" name="TextBox 2">
+            <a:extLst>
+              <a:ext uri="{FF2B5EF4-FFF2-40B4-BE49-F238E27FC236}">
+                <a16:creationId xmlns:a16="http://schemas.microsoft.com/office/drawing/2014/main" id="{2565C291-4449-7040-F797-629192AAC461}"/>
+              </a:ext>
+            </a:extLst>
+          </p:cNvPr>
+          <p:cNvSpPr txBox="1"/>
+          <p:nvPr/>
+        </p:nvSpPr>
+        <p:spPr>
+          <a:xfrm>
+            <a:off x="119336" y="1124744"/>
+            <a:ext cx="11809312" cy="5078313"/>
+          </a:xfrm>
+          <a:prstGeom prst="rect">
+            <a:avLst/>
+          </a:prstGeom>
+          <a:noFill/>
+        </p:spPr>
+        <p:txBody>
+          <a:bodyPr wrap="square">
+            <a:spAutoFit/>
+          </a:bodyPr>
+          <a:lstStyle/>
+          <a:p>
+            <a:pPr marL="285750" indent="-285750">
+              <a:buFont typeface="Arial" panose="020B0604020202020204" pitchFamily="34" charset="0"/>
+              <a:buChar char="•"/>
+            </a:pPr>
+            <a:r>
+              <a:rPr lang="en-IN" b="1" dirty="0">
+                <a:latin typeface="Arial" panose="020B0604020202020204" pitchFamily="34" charset="0"/>
+                <a:cs typeface="Arial" panose="020B0604020202020204" pitchFamily="34" charset="0"/>
+              </a:rPr>
+              <a:t>MIS Reporting Executive</a:t>
+            </a:r>
+            <a:r>
+              <a:rPr lang="en-IN" dirty="0">
+                <a:latin typeface="Arial" panose="020B0604020202020204" pitchFamily="34" charset="0"/>
+                <a:cs typeface="Arial" panose="020B0604020202020204" pitchFamily="34" charset="0"/>
+              </a:rPr>
+              <a:t>: Business managers rely on Management Information System reports to automatically track progress, make decisions, and identify problems.</a:t>
+            </a:r>
+          </a:p>
+          <a:p>
+            <a:pPr marL="285750" indent="-285750">
+              <a:buFont typeface="Arial" panose="020B0604020202020204" pitchFamily="34" charset="0"/>
+              <a:buChar char="•"/>
+            </a:pPr>
+            <a:endParaRPr lang="en-IN" dirty="0">
+              <a:latin typeface="Arial" panose="020B0604020202020204" pitchFamily="34" charset="0"/>
+              <a:cs typeface="Arial" panose="020B0604020202020204" pitchFamily="34" charset="0"/>
+            </a:endParaRPr>
+          </a:p>
+          <a:p>
+            <a:pPr marL="285750" indent="-285750">
+              <a:buFont typeface="Arial" panose="020B0604020202020204" pitchFamily="34" charset="0"/>
+              <a:buChar char="•"/>
+            </a:pPr>
+            <a:r>
+              <a:rPr lang="en-US" b="1" dirty="0">
+                <a:latin typeface="Arial" panose="020B0604020202020204" pitchFamily="34" charset="0"/>
+                <a:cs typeface="Arial" panose="020B0604020202020204" pitchFamily="34" charset="0"/>
+              </a:rPr>
+              <a:t>Business Analyst</a:t>
+            </a:r>
+            <a:r>
+              <a:rPr lang="en-US" dirty="0">
+                <a:latin typeface="Arial" panose="020B0604020202020204" pitchFamily="34" charset="0"/>
+                <a:cs typeface="Arial" panose="020B0604020202020204" pitchFamily="34" charset="0"/>
+              </a:rPr>
+              <a:t>:  Although many of their job tasks are similar to that of data analysts, business analysts are experts in the domain they work in. They try to narrow the gap between business and IT.</a:t>
+            </a:r>
+          </a:p>
+          <a:p>
+            <a:pPr marL="285750" indent="-285750">
+              <a:buFont typeface="Arial" panose="020B0604020202020204" pitchFamily="34" charset="0"/>
+              <a:buChar char="•"/>
+            </a:pPr>
+            <a:endParaRPr lang="en-US" dirty="0">
+              <a:latin typeface="Arial" panose="020B0604020202020204" pitchFamily="34" charset="0"/>
+              <a:cs typeface="Arial" panose="020B0604020202020204" pitchFamily="34" charset="0"/>
+            </a:endParaRPr>
+          </a:p>
+          <a:p>
+            <a:pPr marL="285750" indent="-285750">
+              <a:buFont typeface="Arial" panose="020B0604020202020204" pitchFamily="34" charset="0"/>
+              <a:buChar char="•"/>
+            </a:pPr>
+            <a:r>
+              <a:rPr lang="en-US" b="1" dirty="0">
+                <a:latin typeface="Arial" panose="020B0604020202020204" pitchFamily="34" charset="0"/>
+                <a:cs typeface="Arial" panose="020B0604020202020204" pitchFamily="34" charset="0"/>
+              </a:rPr>
+              <a:t>Data Analyst</a:t>
+            </a:r>
+            <a:r>
+              <a:rPr lang="en-US" dirty="0">
+                <a:latin typeface="Arial" panose="020B0604020202020204" pitchFamily="34" charset="0"/>
+                <a:cs typeface="Arial" panose="020B0604020202020204" pitchFamily="34" charset="0"/>
+              </a:rPr>
+              <a:t>: </a:t>
+            </a:r>
+            <a:r>
+              <a:rPr lang="en-US" b="0" i="0" dirty="0">
+                <a:solidFill>
+                  <a:srgbClr val="202124"/>
+                </a:solidFill>
+                <a:effectLst/>
+                <a:latin typeface="Arial" panose="020B0604020202020204" pitchFamily="34" charset="0"/>
+                <a:cs typeface="Arial" panose="020B0604020202020204" pitchFamily="34" charset="0"/>
+              </a:rPr>
+              <a:t>A Data Analyst's responsibilities include the </a:t>
+            </a:r>
+            <a:r>
+              <a:rPr lang="en-US" b="0" i="0" dirty="0">
+                <a:solidFill>
+                  <a:srgbClr val="040C28"/>
+                </a:solidFill>
+                <a:effectLst/>
+                <a:latin typeface="Arial" panose="020B0604020202020204" pitchFamily="34" charset="0"/>
+                <a:cs typeface="Arial" panose="020B0604020202020204" pitchFamily="34" charset="0"/>
+              </a:rPr>
+              <a:t>deep analysis of data and then determining the best way to represent it visually to managers and stakeholders</a:t>
+            </a:r>
+            <a:r>
+              <a:rPr lang="en-US" b="0" i="0" dirty="0">
+                <a:solidFill>
+                  <a:srgbClr val="202124"/>
+                </a:solidFill>
+                <a:effectLst/>
+                <a:latin typeface="Arial" panose="020B0604020202020204" pitchFamily="34" charset="0"/>
+                <a:cs typeface="Arial" panose="020B0604020202020204" pitchFamily="34" charset="0"/>
+              </a:rPr>
+              <a:t>. They also ensure quality assurance and process documentation and define Key Performance Indicators</a:t>
+            </a:r>
+          </a:p>
+          <a:p>
+            <a:pPr marL="285750" indent="-285750">
+              <a:buFont typeface="Arial" panose="020B0604020202020204" pitchFamily="34" charset="0"/>
+              <a:buChar char="•"/>
+            </a:pPr>
+            <a:endParaRPr lang="en-US" dirty="0">
+              <a:latin typeface="Arial" panose="020B0604020202020204" pitchFamily="34" charset="0"/>
+              <a:cs typeface="Arial" panose="020B0604020202020204" pitchFamily="34" charset="0"/>
+            </a:endParaRPr>
+          </a:p>
+          <a:p>
+            <a:pPr marL="285750" indent="-285750">
+              <a:buFont typeface="Arial" panose="020B0604020202020204" pitchFamily="34" charset="0"/>
+              <a:buChar char="•"/>
+            </a:pPr>
+            <a:r>
+              <a:rPr lang="en-US" b="1" dirty="0">
+                <a:latin typeface="Arial" panose="020B0604020202020204" pitchFamily="34" charset="0"/>
+                <a:cs typeface="Arial" panose="020B0604020202020204" pitchFamily="34" charset="0"/>
+              </a:rPr>
+              <a:t>Statistician</a:t>
+            </a:r>
+            <a:r>
+              <a:rPr lang="en-US" dirty="0">
+                <a:latin typeface="Arial" panose="020B0604020202020204" pitchFamily="34" charset="0"/>
+                <a:cs typeface="Arial" panose="020B0604020202020204" pitchFamily="34" charset="0"/>
+              </a:rPr>
+              <a:t>: Statisticians collect, organize, present, analyze, and interpret data to reach valid conclusions and make correct decisions. They are key players in ensuring the success of companies involved in market research, transportation, product development, finance, forensics, sport, quality control, environment, education, and also in governmental agencies.</a:t>
+            </a:r>
+          </a:p>
+          <a:p>
+            <a:pPr marL="285750" indent="-285750">
+              <a:buFont typeface="Arial" panose="020B0604020202020204" pitchFamily="34" charset="0"/>
+              <a:buChar char="•"/>
+            </a:pPr>
+            <a:endParaRPr lang="en-US" dirty="0">
+              <a:latin typeface="Arial" panose="020B0604020202020204" pitchFamily="34" charset="0"/>
+              <a:cs typeface="Arial" panose="020B0604020202020204" pitchFamily="34" charset="0"/>
+            </a:endParaRPr>
+          </a:p>
+          <a:p>
+            <a:pPr marL="285750" indent="-285750">
+              <a:buFont typeface="Arial" panose="020B0604020202020204" pitchFamily="34" charset="0"/>
+              <a:buChar char="•"/>
+            </a:pPr>
+            <a:r>
+              <a:rPr lang="en-US" b="1" dirty="0">
+                <a:latin typeface="Arial" panose="020B0604020202020204" pitchFamily="34" charset="0"/>
+                <a:cs typeface="Arial" panose="020B0604020202020204" pitchFamily="34" charset="0"/>
+              </a:rPr>
+              <a:t>Data Scientist</a:t>
+            </a:r>
+            <a:r>
+              <a:rPr lang="en-US" dirty="0">
+                <a:latin typeface="Arial" panose="020B0604020202020204" pitchFamily="34" charset="0"/>
+                <a:cs typeface="Arial" panose="020B0604020202020204" pitchFamily="34" charset="0"/>
+              </a:rPr>
+              <a:t>: A Data Scientist is a professional who collects large amounts of data using analytical, statistical, and programmable skills. It is their responsibility to use data to develop solutions tailored to meet the organization's unique needs.</a:t>
+            </a:r>
+            <a:endParaRPr lang="en-IN" dirty="0">
+              <a:latin typeface="Arial" panose="020B0604020202020204" pitchFamily="34" charset="0"/>
+              <a:cs typeface="Arial" panose="020B0604020202020204" pitchFamily="34" charset="0"/>
+            </a:endParaRPr>
+          </a:p>
+        </p:txBody>
+      </p:sp>
+    </p:spTree>
+    <p:extLst>
+      <p:ext uri="{BB962C8B-B14F-4D97-AF65-F5344CB8AC3E}">
+        <p14:creationId xmlns:p14="http://schemas.microsoft.com/office/powerpoint/2010/main" val="3264250979"/>
+      </p:ext>
+    </p:extLst>
+  </p:cSld>
+  <p:clrMapOvr>
+    <a:masterClrMapping/>
+  </p:clrMapOvr>
+</p:sld>
+</file>
+
+<file path=ppt/slides/slide33.xml><?xml version="1.0" encoding="utf-8"?>
+<p:sld xmlns:a="http://schemas.openxmlformats.org/drawingml/2006/main" xmlns:r="http://schemas.openxmlformats.org/officeDocument/2006/relationships" xmlns:p="http://schemas.openxmlformats.org/presentationml/2006/main">
+  <p:cSld>
+    <p:spTree>
+      <p:nvGrpSpPr>
+        <p:cNvPr id="1" name=""/>
+        <p:cNvGrpSpPr/>
+        <p:nvPr/>
+      </p:nvGrpSpPr>
+      <p:grpSpPr>
+        <a:xfrm>
+          <a:off x="0" y="0"/>
+          <a:ext cx="0" cy="0"/>
+          <a:chOff x="0" y="0"/>
+          <a:chExt cx="0" cy="0"/>
+        </a:xfrm>
+      </p:grpSpPr>
+      <p:sp>
+        <p:nvSpPr>
+          <p:cNvPr id="4" name="Rectangle 3">
+            <a:extLst>
+              <a:ext uri="{FF2B5EF4-FFF2-40B4-BE49-F238E27FC236}">
+                <a16:creationId xmlns:a16="http://schemas.microsoft.com/office/drawing/2014/main" id="{6524962B-7610-4EFD-AA5E-DDE403AB8860}"/>
+              </a:ext>
+            </a:extLst>
+          </p:cNvPr>
+          <p:cNvSpPr/>
+          <p:nvPr/>
+        </p:nvSpPr>
+        <p:spPr>
+          <a:xfrm>
+            <a:off x="1524000" y="1"/>
+            <a:ext cx="9144000" cy="584775"/>
+          </a:xfrm>
+          <a:prstGeom prst="rect">
+            <a:avLst/>
+          </a:prstGeom>
+          <a:noFill/>
+        </p:spPr>
+        <p:txBody>
+          <a:bodyPr wrap="square">
+            <a:spAutoFit/>
+          </a:bodyPr>
+          <a:lstStyle/>
+          <a:p>
+            <a:pPr algn="r"/>
+            <a:r>
+              <a:rPr lang="en-US" sz="3200" i="1" dirty="0">
+                <a:solidFill>
+                  <a:srgbClr val="FF9900"/>
+                </a:solidFill>
+                <a:latin typeface="Arial" pitchFamily="34" charset="0"/>
+                <a:cs typeface="Arial" pitchFamily="34" charset="0"/>
+              </a:rPr>
+              <a:t>List of Job Roles in Data Science / Big Data</a:t>
+            </a:r>
+            <a:endParaRPr lang="en-IN" sz="3200" i="1" dirty="0">
+              <a:solidFill>
+                <a:srgbClr val="FF9900"/>
+              </a:solidFill>
+              <a:latin typeface="Arial" pitchFamily="34" charset="0"/>
+              <a:cs typeface="Arial" pitchFamily="34" charset="0"/>
+            </a:endParaRPr>
+          </a:p>
+        </p:txBody>
+      </p:sp>
+      <p:sp>
+        <p:nvSpPr>
+          <p:cNvPr id="3" name="TextBox 2">
+            <a:extLst>
+              <a:ext uri="{FF2B5EF4-FFF2-40B4-BE49-F238E27FC236}">
+                <a16:creationId xmlns:a16="http://schemas.microsoft.com/office/drawing/2014/main" id="{2565C291-4449-7040-F797-629192AAC461}"/>
+              </a:ext>
+            </a:extLst>
+          </p:cNvPr>
+          <p:cNvSpPr txBox="1"/>
+          <p:nvPr/>
+        </p:nvSpPr>
+        <p:spPr>
+          <a:xfrm>
+            <a:off x="119336" y="1124744"/>
+            <a:ext cx="11809312" cy="2862322"/>
+          </a:xfrm>
+          <a:prstGeom prst="rect">
+            <a:avLst/>
+          </a:prstGeom>
+          <a:noFill/>
+        </p:spPr>
+        <p:txBody>
+          <a:bodyPr wrap="square">
+            <a:spAutoFit/>
+          </a:bodyPr>
+          <a:lstStyle/>
+          <a:p>
+            <a:pPr marL="285750" indent="-285750">
+              <a:buFont typeface="Arial" panose="020B0604020202020204" pitchFamily="34" charset="0"/>
+              <a:buChar char="•"/>
+            </a:pPr>
+            <a:r>
+              <a:rPr lang="en-US" b="1" dirty="0">
+                <a:latin typeface="Arial" panose="020B0604020202020204" pitchFamily="34" charset="0"/>
+                <a:cs typeface="Arial" panose="020B0604020202020204" pitchFamily="34" charset="0"/>
+              </a:rPr>
+              <a:t>Data Engineer/Data Architect: </a:t>
+            </a:r>
+            <a:r>
+              <a:rPr lang="en-US" dirty="0">
+                <a:latin typeface="Arial" panose="020B0604020202020204" pitchFamily="34" charset="0"/>
+                <a:cs typeface="Arial" panose="020B0604020202020204" pitchFamily="34" charset="0"/>
+              </a:rPr>
+              <a:t>“Data engineers are the designers, builders and managers of the information or “big data” infrastructure.” Data engineers ensure that an organization’s big data ecosystem is running without glitches for data scientists to carry out the analysis.</a:t>
+            </a:r>
+          </a:p>
+          <a:p>
+            <a:pPr marL="285750" indent="-285750">
+              <a:buFont typeface="Arial" panose="020B0604020202020204" pitchFamily="34" charset="0"/>
+              <a:buChar char="•"/>
+            </a:pPr>
+            <a:endParaRPr lang="en-US" dirty="0">
+              <a:latin typeface="Arial" panose="020B0604020202020204" pitchFamily="34" charset="0"/>
+              <a:cs typeface="Arial" panose="020B0604020202020204" pitchFamily="34" charset="0"/>
+            </a:endParaRPr>
+          </a:p>
+          <a:p>
+            <a:pPr marL="285750" indent="-285750">
+              <a:buFont typeface="Arial" panose="020B0604020202020204" pitchFamily="34" charset="0"/>
+              <a:buChar char="•"/>
+            </a:pPr>
+            <a:r>
+              <a:rPr lang="en-US" b="1" dirty="0">
+                <a:latin typeface="Arial" panose="020B0604020202020204" pitchFamily="34" charset="0"/>
+                <a:cs typeface="Arial" panose="020B0604020202020204" pitchFamily="34" charset="0"/>
+              </a:rPr>
+              <a:t>Machine Learning Engineer</a:t>
+            </a:r>
+            <a:r>
+              <a:rPr lang="en-US" dirty="0">
+                <a:latin typeface="Arial" panose="020B0604020202020204" pitchFamily="34" charset="0"/>
+                <a:cs typeface="Arial" panose="020B0604020202020204" pitchFamily="34" charset="0"/>
+              </a:rPr>
+              <a:t>: A Machine Learning Engineer is responsible for designing and developing machine learning systems, implementing appropriate ML algorithms, and conducting experiments. They possess strong programming skills, knowledge of data science, and expertise in statistics.</a:t>
+            </a:r>
+          </a:p>
+          <a:p>
+            <a:pPr marL="285750" indent="-285750">
+              <a:buFont typeface="Arial" panose="020B0604020202020204" pitchFamily="34" charset="0"/>
+              <a:buChar char="•"/>
+            </a:pPr>
+            <a:endParaRPr lang="en-US" dirty="0">
+              <a:latin typeface="Arial" panose="020B0604020202020204" pitchFamily="34" charset="0"/>
+              <a:cs typeface="Arial" panose="020B0604020202020204" pitchFamily="34" charset="0"/>
+            </a:endParaRPr>
+          </a:p>
+          <a:p>
+            <a:pPr marL="285750" indent="-285750">
+              <a:buFont typeface="Arial" panose="020B0604020202020204" pitchFamily="34" charset="0"/>
+              <a:buChar char="•"/>
+            </a:pPr>
+            <a:r>
+              <a:rPr lang="en-US" b="1" dirty="0">
+                <a:latin typeface="Arial" panose="020B0604020202020204" pitchFamily="34" charset="0"/>
+                <a:cs typeface="Arial" panose="020B0604020202020204" pitchFamily="34" charset="0"/>
+              </a:rPr>
+              <a:t>Big Data Engineer</a:t>
+            </a:r>
+            <a:r>
+              <a:rPr lang="en-US" dirty="0">
+                <a:latin typeface="Arial" panose="020B0604020202020204" pitchFamily="34" charset="0"/>
+                <a:cs typeface="Arial" panose="020B0604020202020204" pitchFamily="34" charset="0"/>
+              </a:rPr>
+              <a:t>: The big data engineer's role is to Design, construct and maintain large-scale data processing systems.</a:t>
+            </a:r>
+            <a:endParaRPr lang="en-IN" dirty="0">
+              <a:latin typeface="Arial" panose="020B0604020202020204" pitchFamily="34" charset="0"/>
+              <a:cs typeface="Arial" panose="020B0604020202020204" pitchFamily="34" charset="0"/>
+            </a:endParaRPr>
+          </a:p>
+        </p:txBody>
+      </p:sp>
+    </p:spTree>
+    <p:extLst>
+      <p:ext uri="{BB962C8B-B14F-4D97-AF65-F5344CB8AC3E}">
+        <p14:creationId xmlns:p14="http://schemas.microsoft.com/office/powerpoint/2010/main" val="2577086294"/>
+      </p:ext>
+    </p:extLst>
+  </p:cSld>
+  <p:clrMapOvr>
+    <a:masterClrMapping/>
+  </p:clrMapOvr>
+</p:sld>
+</file>
+
+<file path=ppt/slides/slide34.xml><?xml version="1.0" encoding="utf-8"?>
+<p:sld xmlns:a="http://schemas.openxmlformats.org/drawingml/2006/main" xmlns:r="http://schemas.openxmlformats.org/officeDocument/2006/relationships" xmlns:p="http://schemas.openxmlformats.org/presentationml/2006/main">
+  <p:cSld>
+    <p:spTree>
+      <p:nvGrpSpPr>
+        <p:cNvPr id="1" name=""/>
+        <p:cNvGrpSpPr/>
+        <p:nvPr/>
+      </p:nvGrpSpPr>
+      <p:grpSpPr>
+        <a:xfrm>
+          <a:off x="0" y="0"/>
+          <a:ext cx="0" cy="0"/>
+          <a:chOff x="0" y="0"/>
+          <a:chExt cx="0" cy="0"/>
+        </a:xfrm>
+      </p:grpSpPr>
+      <p:sp>
+        <p:nvSpPr>
+          <p:cNvPr id="2" name="Title 1"/>
+          <p:cNvSpPr txBox="1">
+            <a:spLocks/>
+          </p:cNvSpPr>
+          <p:nvPr/>
+        </p:nvSpPr>
+        <p:spPr>
+          <a:xfrm>
+            <a:off x="1676400" y="2057400"/>
+            <a:ext cx="8839200" cy="1676400"/>
+          </a:xfrm>
+          <a:prstGeom prst="rect">
+            <a:avLst/>
+          </a:prstGeom>
+        </p:spPr>
+        <p:txBody>
+          <a:bodyPr>
+            <a:noAutofit/>
+          </a:bodyPr>
+          <a:lstStyle>
+            <a:defPPr>
+              <a:defRPr lang="en-US"/>
+            </a:defPPr>
+            <a:lvl1pPr lvl="0" algn="ctr">
+              <a:spcBef>
+                <a:spcPct val="0"/>
+              </a:spcBef>
+              <a:defRPr sz="4800">
+                <a:latin typeface="Arial" pitchFamily="34" charset="0"/>
+                <a:cs typeface="Arial" pitchFamily="34" charset="0"/>
+              </a:defRPr>
+            </a:lvl1pPr>
+          </a:lstStyle>
+          <a:p>
+            <a:r>
+              <a:rPr lang="en-US" dirty="0">
+                <a:solidFill>
+                  <a:srgbClr val="DC525C"/>
+                </a:solidFill>
+                <a:latin typeface="Segoe UI Light" panose="020B0502040204020203" pitchFamily="34" charset="0"/>
+                <a:cs typeface="Segoe UI Light" panose="020B0502040204020203" pitchFamily="34" charset="0"/>
+              </a:rPr>
               <a:t>Big Data Frameworks</a:t>
             </a:r>
           </a:p>
@@ -9340,7 +9947,7 @@
 </p:sld>
 </file>
 
-<file path=ppt/slides/slide32.xml><?xml version="1.0" encoding="utf-8"?>
+<file path=ppt/slides/slide35.xml><?xml version="1.0" encoding="utf-8"?>
 <p:sld xmlns:a="http://schemas.openxmlformats.org/drawingml/2006/main" xmlns:r="http://schemas.openxmlformats.org/officeDocument/2006/relationships" xmlns:p="http://schemas.openxmlformats.org/presentationml/2006/main">
   <p:cSld>
     <p:spTree>
@@ -9785,7 +10392,7 @@
 </p:sld>
 </file>
 
-<file path=ppt/slides/slide33.xml><?xml version="1.0" encoding="utf-8"?>
+<file path=ppt/slides/slide36.xml><?xml version="1.0" encoding="utf-8"?>
 <p:sld xmlns:a="http://schemas.openxmlformats.org/drawingml/2006/main" xmlns:r="http://schemas.openxmlformats.org/officeDocument/2006/relationships" xmlns:p="http://schemas.openxmlformats.org/presentationml/2006/main">
   <p:cSld>
     <p:spTree>
@@ -9888,7 +10495,7 @@
 </p:sld>
 </file>
 
-<file path=ppt/slides/slide34.xml><?xml version="1.0" encoding="utf-8"?>
+<file path=ppt/slides/slide37.xml><?xml version="1.0" encoding="utf-8"?>
 <p:sld xmlns:a="http://schemas.openxmlformats.org/drawingml/2006/main" xmlns:r="http://schemas.openxmlformats.org/officeDocument/2006/relationships" xmlns:p="http://schemas.openxmlformats.org/presentationml/2006/main">
   <p:cSld>
     <p:spTree>
@@ -9965,7 +10572,7 @@
 </p:sld>
 </file>
 
-<file path=ppt/slides/slide35.xml><?xml version="1.0" encoding="utf-8"?>
+<file path=ppt/slides/slide38.xml><?xml version="1.0" encoding="utf-8"?>
 <p:sld xmlns:a="http://schemas.openxmlformats.org/drawingml/2006/main" xmlns:r="http://schemas.openxmlformats.org/officeDocument/2006/relationships" xmlns:p="http://schemas.openxmlformats.org/presentationml/2006/main">
   <p:cSld>
     <p:bg>
@@ -11020,7 +11627,7 @@
 </p:sld>
 </file>
 
-<file path=ppt/slides/slide36.xml><?xml version="1.0" encoding="utf-8"?>
+<file path=ppt/slides/slide39.xml><?xml version="1.0" encoding="utf-8"?>
 <p:sld xmlns:a="http://schemas.openxmlformats.org/drawingml/2006/main" xmlns:r="http://schemas.openxmlformats.org/officeDocument/2006/relationships" xmlns:p="http://schemas.openxmlformats.org/presentationml/2006/main">
   <p:cSld>
     <p:spTree>
@@ -11165,7 +11772,446 @@
 </p:sld>
 </file>
 
-<file path=ppt/slides/slide37.xml><?xml version="1.0" encoding="utf-8"?>
+<file path=ppt/slides/slide4.xml><?xml version="1.0" encoding="utf-8"?>
+<p:sld xmlns:a="http://schemas.openxmlformats.org/drawingml/2006/main" xmlns:r="http://schemas.openxmlformats.org/officeDocument/2006/relationships" xmlns:p="http://schemas.openxmlformats.org/presentationml/2006/main">
+  <p:cSld>
+    <p:spTree>
+      <p:nvGrpSpPr>
+        <p:cNvPr id="1" name=""/>
+        <p:cNvGrpSpPr/>
+        <p:nvPr/>
+      </p:nvGrpSpPr>
+      <p:grpSpPr>
+        <a:xfrm>
+          <a:off x="0" y="0"/>
+          <a:ext cx="0" cy="0"/>
+          <a:chOff x="0" y="0"/>
+          <a:chExt cx="0" cy="0"/>
+        </a:xfrm>
+      </p:grpSpPr>
+      <p:sp>
+        <p:nvSpPr>
+          <p:cNvPr id="5" name="Rectangle 4"/>
+          <p:cNvSpPr/>
+          <p:nvPr/>
+        </p:nvSpPr>
+        <p:spPr>
+          <a:xfrm>
+            <a:off x="1524596" y="4"/>
+            <a:ext cx="9142810" cy="584775"/>
+          </a:xfrm>
+          <a:prstGeom prst="rect">
+            <a:avLst/>
+          </a:prstGeom>
+          <a:noFill/>
+        </p:spPr>
+        <p:txBody>
+          <a:bodyPr wrap="square">
+            <a:spAutoFit/>
+          </a:bodyPr>
+          <a:lstStyle/>
+          <a:p>
+            <a:pPr algn="r"/>
+            <a:r>
+              <a:rPr lang="en-IN" sz="3200" i="1" dirty="0">
+                <a:solidFill>
+                  <a:srgbClr val="FF9900"/>
+                </a:solidFill>
+                <a:latin typeface="Arial" pitchFamily="34" charset="0"/>
+                <a:cs typeface="Arial" pitchFamily="34" charset="0"/>
+              </a:rPr>
+              <a:t>Second Generation of Computers</a:t>
+            </a:r>
+          </a:p>
+        </p:txBody>
+      </p:sp>
+      <p:sp>
+        <p:nvSpPr>
+          <p:cNvPr id="2" name="TextBox 1">
+            <a:extLst>
+              <a:ext uri="{FF2B5EF4-FFF2-40B4-BE49-F238E27FC236}">
+                <a16:creationId xmlns:a16="http://schemas.microsoft.com/office/drawing/2014/main" id="{3ECBB028-1365-FB7C-0374-717123690D5B}"/>
+              </a:ext>
+            </a:extLst>
+          </p:cNvPr>
+          <p:cNvSpPr txBox="1"/>
+          <p:nvPr/>
+        </p:nvSpPr>
+        <p:spPr>
+          <a:xfrm>
+            <a:off x="191344" y="908720"/>
+            <a:ext cx="11809312" cy="2800767"/>
+          </a:xfrm>
+          <a:prstGeom prst="rect">
+            <a:avLst/>
+          </a:prstGeom>
+          <a:noFill/>
+        </p:spPr>
+        <p:txBody>
+          <a:bodyPr wrap="square">
+            <a:spAutoFit/>
+          </a:bodyPr>
+          <a:lstStyle/>
+          <a:p>
+            <a:pPr marL="342900" indent="-342900" algn="just">
+              <a:buFont typeface="Arial" panose="020B0604020202020204" pitchFamily="34" charset="0"/>
+              <a:buChar char="•"/>
+            </a:pPr>
+            <a:r>
+              <a:rPr lang="en-US" sz="2000" b="0" i="0" dirty="0">
+                <a:solidFill>
+                  <a:srgbClr val="000000"/>
+                </a:solidFill>
+                <a:effectLst/>
+                <a:latin typeface="Arial" panose="020B0604020202020204" pitchFamily="34" charset="0"/>
+                <a:cs typeface="Arial" panose="020B0604020202020204" pitchFamily="34" charset="0"/>
+              </a:rPr>
+              <a:t>The period of second generation was from 1959-1965. </a:t>
+            </a:r>
+          </a:p>
+          <a:p>
+            <a:pPr marL="171450" indent="-171450" algn="just">
+              <a:buFont typeface="Arial" panose="020B0604020202020204" pitchFamily="34" charset="0"/>
+              <a:buChar char="•"/>
+            </a:pPr>
+            <a:endParaRPr lang="en-US" sz="1200" dirty="0">
+              <a:solidFill>
+                <a:srgbClr val="000000"/>
+              </a:solidFill>
+              <a:latin typeface="Arial" panose="020B0604020202020204" pitchFamily="34" charset="0"/>
+              <a:cs typeface="Arial" panose="020B0604020202020204" pitchFamily="34" charset="0"/>
+            </a:endParaRPr>
+          </a:p>
+          <a:p>
+            <a:pPr marL="342900" indent="-342900" algn="just">
+              <a:buFont typeface="Arial" panose="020B0604020202020204" pitchFamily="34" charset="0"/>
+              <a:buChar char="•"/>
+            </a:pPr>
+            <a:r>
+              <a:rPr lang="en-US" sz="2000" b="0" i="0" dirty="0">
+                <a:solidFill>
+                  <a:srgbClr val="000000"/>
+                </a:solidFill>
+                <a:effectLst/>
+                <a:latin typeface="Arial" panose="020B0604020202020204" pitchFamily="34" charset="0"/>
+                <a:cs typeface="Arial" panose="020B0604020202020204" pitchFamily="34" charset="0"/>
+              </a:rPr>
+              <a:t>In this generation, transistors were used that were cheaper, consumed less power and faster than the first generation machines made of vacuum tubes. </a:t>
+            </a:r>
+          </a:p>
+          <a:p>
+            <a:pPr marL="171450" indent="-171450" algn="just">
+              <a:buFont typeface="Arial" panose="020B0604020202020204" pitchFamily="34" charset="0"/>
+              <a:buChar char="•"/>
+            </a:pPr>
+            <a:endParaRPr lang="en-US" sz="1200" dirty="0">
+              <a:solidFill>
+                <a:srgbClr val="000000"/>
+              </a:solidFill>
+              <a:latin typeface="Arial" panose="020B0604020202020204" pitchFamily="34" charset="0"/>
+              <a:cs typeface="Arial" panose="020B0604020202020204" pitchFamily="34" charset="0"/>
+            </a:endParaRPr>
+          </a:p>
+          <a:p>
+            <a:pPr marL="342900" indent="-342900" algn="just">
+              <a:buFont typeface="Arial" panose="020B0604020202020204" pitchFamily="34" charset="0"/>
+              <a:buChar char="•"/>
+            </a:pPr>
+            <a:r>
+              <a:rPr lang="en-US" sz="2000" b="0" i="0" dirty="0">
+                <a:solidFill>
+                  <a:srgbClr val="000000"/>
+                </a:solidFill>
+                <a:effectLst/>
+                <a:latin typeface="Arial" panose="020B0604020202020204" pitchFamily="34" charset="0"/>
+                <a:cs typeface="Arial" panose="020B0604020202020204" pitchFamily="34" charset="0"/>
+              </a:rPr>
+              <a:t>In this generation, magnetic cores were used as the primary memory and magnetic tape and magnetic disks as secondary storage devices.</a:t>
+            </a:r>
+          </a:p>
+          <a:p>
+            <a:pPr marL="171450" indent="-171450" algn="just">
+              <a:buFont typeface="Arial" panose="020B0604020202020204" pitchFamily="34" charset="0"/>
+              <a:buChar char="•"/>
+            </a:pPr>
+            <a:endParaRPr lang="en-US" sz="1200" b="0" i="0" dirty="0">
+              <a:solidFill>
+                <a:srgbClr val="000000"/>
+              </a:solidFill>
+              <a:effectLst/>
+              <a:latin typeface="Arial" panose="020B0604020202020204" pitchFamily="34" charset="0"/>
+              <a:cs typeface="Arial" panose="020B0604020202020204" pitchFamily="34" charset="0"/>
+            </a:endParaRPr>
+          </a:p>
+          <a:p>
+            <a:pPr marL="342900" indent="-342900" algn="just">
+              <a:buFont typeface="Arial" panose="020B0604020202020204" pitchFamily="34" charset="0"/>
+              <a:buChar char="•"/>
+            </a:pPr>
+            <a:r>
+              <a:rPr lang="en-US" sz="2000" b="0" i="0" dirty="0">
+                <a:solidFill>
+                  <a:srgbClr val="000000"/>
+                </a:solidFill>
+                <a:effectLst/>
+                <a:latin typeface="Arial" panose="020B0604020202020204" pitchFamily="34" charset="0"/>
+                <a:cs typeface="Arial" panose="020B0604020202020204" pitchFamily="34" charset="0"/>
+              </a:rPr>
+              <a:t>In this generation, assembly language and high-level programming languages like FORTRAN, COBOL were used. The computers used batch processing and multiprogramming operating system.</a:t>
+            </a:r>
+          </a:p>
+        </p:txBody>
+      </p:sp>
+      <p:sp>
+        <p:nvSpPr>
+          <p:cNvPr id="3" name="TextBox 2">
+            <a:extLst>
+              <a:ext uri="{FF2B5EF4-FFF2-40B4-BE49-F238E27FC236}">
+                <a16:creationId xmlns:a16="http://schemas.microsoft.com/office/drawing/2014/main" id="{A0527D66-7CD6-FA26-B7C7-440DBC054928}"/>
+              </a:ext>
+            </a:extLst>
+          </p:cNvPr>
+          <p:cNvSpPr txBox="1"/>
+          <p:nvPr/>
+        </p:nvSpPr>
+        <p:spPr>
+          <a:xfrm>
+            <a:off x="263352" y="3933056"/>
+            <a:ext cx="6768752" cy="2554545"/>
+          </a:xfrm>
+          <a:prstGeom prst="rect">
+            <a:avLst/>
+          </a:prstGeom>
+          <a:noFill/>
+        </p:spPr>
+        <p:txBody>
+          <a:bodyPr wrap="square">
+            <a:spAutoFit/>
+          </a:bodyPr>
+          <a:lstStyle/>
+          <a:p>
+            <a:pPr algn="just"/>
+            <a:r>
+              <a:rPr lang="en-US" sz="2000" b="1" i="0" dirty="0">
+                <a:solidFill>
+                  <a:srgbClr val="000000"/>
+                </a:solidFill>
+                <a:effectLst/>
+                <a:latin typeface="Arial" panose="020B0604020202020204" pitchFamily="34" charset="0"/>
+                <a:cs typeface="Arial" panose="020B0604020202020204" pitchFamily="34" charset="0"/>
+              </a:rPr>
+              <a:t>The main features of the second generation are −</a:t>
+            </a:r>
+          </a:p>
+          <a:p>
+            <a:pPr algn="just"/>
+            <a:endParaRPr lang="en-US" sz="2000" b="0" i="0" dirty="0">
+              <a:solidFill>
+                <a:srgbClr val="000000"/>
+              </a:solidFill>
+              <a:effectLst/>
+              <a:latin typeface="Arial" panose="020B0604020202020204" pitchFamily="34" charset="0"/>
+              <a:cs typeface="Arial" panose="020B0604020202020204" pitchFamily="34" charset="0"/>
+            </a:endParaRPr>
+          </a:p>
+          <a:p>
+            <a:pPr marL="457200" indent="-457200" algn="l">
+              <a:buFont typeface="+mj-lt"/>
+              <a:buAutoNum type="arabicPeriod"/>
+            </a:pPr>
+            <a:r>
+              <a:rPr lang="en-US" sz="2000" b="0" i="0" dirty="0">
+                <a:solidFill>
+                  <a:srgbClr val="000000"/>
+                </a:solidFill>
+                <a:effectLst/>
+                <a:latin typeface="Arial" panose="020B0604020202020204" pitchFamily="34" charset="0"/>
+                <a:cs typeface="Arial" panose="020B0604020202020204" pitchFamily="34" charset="0"/>
+              </a:rPr>
+              <a:t>Use of transistors</a:t>
+            </a:r>
+          </a:p>
+          <a:p>
+            <a:pPr marL="457200" indent="-457200" algn="l">
+              <a:buFont typeface="+mj-lt"/>
+              <a:buAutoNum type="arabicPeriod"/>
+            </a:pPr>
+            <a:r>
+              <a:rPr lang="en-US" sz="2000" b="0" i="0" dirty="0">
+                <a:solidFill>
+                  <a:srgbClr val="000000"/>
+                </a:solidFill>
+                <a:effectLst/>
+                <a:latin typeface="Arial" panose="020B0604020202020204" pitchFamily="34" charset="0"/>
+                <a:cs typeface="Arial" panose="020B0604020202020204" pitchFamily="34" charset="0"/>
+              </a:rPr>
+              <a:t>Reliable in comparison to first generation computers</a:t>
+            </a:r>
+          </a:p>
+          <a:p>
+            <a:pPr marL="457200" indent="-457200" algn="l">
+              <a:buFont typeface="+mj-lt"/>
+              <a:buAutoNum type="arabicPeriod"/>
+            </a:pPr>
+            <a:r>
+              <a:rPr lang="en-US" sz="2000" b="0" i="0" dirty="0">
+                <a:solidFill>
+                  <a:srgbClr val="000000"/>
+                </a:solidFill>
+                <a:effectLst/>
+                <a:latin typeface="Arial" panose="020B0604020202020204" pitchFamily="34" charset="0"/>
+                <a:cs typeface="Arial" panose="020B0604020202020204" pitchFamily="34" charset="0"/>
+              </a:rPr>
+              <a:t>Smaller size as compared to first generation</a:t>
+            </a:r>
+          </a:p>
+          <a:p>
+            <a:pPr marL="457200" indent="-457200" algn="l">
+              <a:buFont typeface="+mj-lt"/>
+              <a:buAutoNum type="arabicPeriod"/>
+            </a:pPr>
+            <a:r>
+              <a:rPr lang="en-US" sz="2000" b="0" i="0" dirty="0">
+                <a:solidFill>
+                  <a:srgbClr val="000000"/>
+                </a:solidFill>
+                <a:effectLst/>
+                <a:latin typeface="Arial" panose="020B0604020202020204" pitchFamily="34" charset="0"/>
+                <a:cs typeface="Arial" panose="020B0604020202020204" pitchFamily="34" charset="0"/>
+              </a:rPr>
+              <a:t>Generated less heat as compared to first generation</a:t>
+            </a:r>
+          </a:p>
+          <a:p>
+            <a:pPr marL="457200" indent="-457200">
+              <a:buFont typeface="+mj-lt"/>
+              <a:buAutoNum type="arabicPeriod"/>
+            </a:pPr>
+            <a:r>
+              <a:rPr lang="en-US" sz="2000" b="0" i="0" dirty="0">
+                <a:solidFill>
+                  <a:srgbClr val="000000"/>
+                </a:solidFill>
+                <a:effectLst/>
+                <a:latin typeface="Arial" panose="020B0604020202020204" pitchFamily="34" charset="0"/>
+                <a:cs typeface="Arial" panose="020B0604020202020204" pitchFamily="34" charset="0"/>
+              </a:rPr>
+              <a:t>Consumed less electricity as compared to first generation</a:t>
+            </a:r>
+          </a:p>
+        </p:txBody>
+      </p:sp>
+      <p:sp>
+        <p:nvSpPr>
+          <p:cNvPr id="6" name="TextBox 5">
+            <a:extLst>
+              <a:ext uri="{FF2B5EF4-FFF2-40B4-BE49-F238E27FC236}">
+                <a16:creationId xmlns:a16="http://schemas.microsoft.com/office/drawing/2014/main" id="{1888DE6B-7BCE-EEBD-AF05-A1F01FA2BF59}"/>
+              </a:ext>
+            </a:extLst>
+          </p:cNvPr>
+          <p:cNvSpPr txBox="1"/>
+          <p:nvPr/>
+        </p:nvSpPr>
+        <p:spPr>
+          <a:xfrm>
+            <a:off x="7176120" y="4856385"/>
+            <a:ext cx="4824536" cy="1631216"/>
+          </a:xfrm>
+          <a:prstGeom prst="rect">
+            <a:avLst/>
+          </a:prstGeom>
+          <a:noFill/>
+        </p:spPr>
+        <p:txBody>
+          <a:bodyPr wrap="square">
+            <a:spAutoFit/>
+          </a:bodyPr>
+          <a:lstStyle/>
+          <a:p>
+            <a:pPr marL="457200" indent="-457200" algn="l">
+              <a:buFont typeface="+mj-lt"/>
+              <a:buAutoNum type="arabicPeriod" startAt="5"/>
+            </a:pPr>
+            <a:r>
+              <a:rPr lang="en-US" sz="2000" b="0" i="0" dirty="0">
+                <a:solidFill>
+                  <a:srgbClr val="000000"/>
+                </a:solidFill>
+                <a:effectLst/>
+                <a:latin typeface="Arial" panose="020B0604020202020204" pitchFamily="34" charset="0"/>
+                <a:cs typeface="Arial" panose="020B0604020202020204" pitchFamily="34" charset="0"/>
+              </a:rPr>
+              <a:t>Faster than first generation</a:t>
+            </a:r>
+          </a:p>
+          <a:p>
+            <a:pPr marL="457200" indent="-457200" algn="l">
+              <a:buFont typeface="+mj-lt"/>
+              <a:buAutoNum type="arabicPeriod" startAt="5"/>
+            </a:pPr>
+            <a:r>
+              <a:rPr lang="en-US" sz="2000" b="0" i="0" dirty="0">
+                <a:solidFill>
+                  <a:srgbClr val="000000"/>
+                </a:solidFill>
+                <a:effectLst/>
+                <a:latin typeface="Arial" panose="020B0604020202020204" pitchFamily="34" charset="0"/>
+                <a:cs typeface="Arial" panose="020B0604020202020204" pitchFamily="34" charset="0"/>
+              </a:rPr>
+              <a:t>Still very costly</a:t>
+            </a:r>
+          </a:p>
+          <a:p>
+            <a:pPr marL="457200" indent="-457200" algn="l">
+              <a:buFont typeface="+mj-lt"/>
+              <a:buAutoNum type="arabicPeriod" startAt="5"/>
+            </a:pPr>
+            <a:r>
+              <a:rPr lang="en-US" sz="2000" b="0" i="0" dirty="0">
+                <a:solidFill>
+                  <a:srgbClr val="000000"/>
+                </a:solidFill>
+                <a:effectLst/>
+                <a:latin typeface="Arial" panose="020B0604020202020204" pitchFamily="34" charset="0"/>
+                <a:cs typeface="Arial" panose="020B0604020202020204" pitchFamily="34" charset="0"/>
+              </a:rPr>
+              <a:t>AC required</a:t>
+            </a:r>
+          </a:p>
+          <a:p>
+            <a:pPr marL="457200" indent="-457200" algn="l">
+              <a:buFont typeface="+mj-lt"/>
+              <a:buAutoNum type="arabicPeriod" startAt="5"/>
+            </a:pPr>
+            <a:r>
+              <a:rPr lang="en-US" sz="2000" b="0" i="0" dirty="0">
+                <a:solidFill>
+                  <a:srgbClr val="000000"/>
+                </a:solidFill>
+                <a:effectLst/>
+                <a:latin typeface="Arial" panose="020B0604020202020204" pitchFamily="34" charset="0"/>
+                <a:cs typeface="Arial" panose="020B0604020202020204" pitchFamily="34" charset="0"/>
+              </a:rPr>
+              <a:t>Supported machine and assembly languages</a:t>
+            </a:r>
+          </a:p>
+        </p:txBody>
+      </p:sp>
+    </p:spTree>
+    <p:extLst>
+      <p:ext uri="{BB962C8B-B14F-4D97-AF65-F5344CB8AC3E}">
+        <p14:creationId xmlns:p14="http://schemas.microsoft.com/office/powerpoint/2010/main" val="3239572161"/>
+      </p:ext>
+    </p:extLst>
+  </p:cSld>
+  <p:clrMapOvr>
+    <a:masterClrMapping/>
+  </p:clrMapOvr>
+</p:sld>
+</file>
+
+<file path=ppt/slides/slide40.xml><?xml version="1.0" encoding="utf-8"?>
 <p:sld xmlns:a="http://schemas.openxmlformats.org/drawingml/2006/main" xmlns:r="http://schemas.openxmlformats.org/officeDocument/2006/relationships" xmlns:p="http://schemas.openxmlformats.org/presentationml/2006/main">
   <p:cSld>
     <p:spTree>
@@ -11244,7 +12290,7 @@
 </p:sld>
 </file>
 
-<file path=ppt/slides/slide38.xml><?xml version="1.0" encoding="utf-8"?>
+<file path=ppt/slides/slide41.xml><?xml version="1.0" encoding="utf-8"?>
 <p:sld xmlns:a="http://schemas.openxmlformats.org/drawingml/2006/main" xmlns:r="http://schemas.openxmlformats.org/officeDocument/2006/relationships" xmlns:p="http://schemas.openxmlformats.org/presentationml/2006/main">
   <p:cSld>
     <p:spTree>
@@ -11323,7 +12369,7 @@
 </p:sld>
 </file>
 
-<file path=ppt/slides/slide39.xml><?xml version="1.0" encoding="utf-8"?>
+<file path=ppt/slides/slide42.xml><?xml version="1.0" encoding="utf-8"?>
 <p:sld xmlns:a="http://schemas.openxmlformats.org/drawingml/2006/main" xmlns:r="http://schemas.openxmlformats.org/officeDocument/2006/relationships" xmlns:p="http://schemas.openxmlformats.org/presentationml/2006/main">
   <p:cSld>
     <p:spTree>
@@ -11402,446 +12448,7 @@
 </p:sld>
 </file>
 
-<file path=ppt/slides/slide4.xml><?xml version="1.0" encoding="utf-8"?>
-<p:sld xmlns:a="http://schemas.openxmlformats.org/drawingml/2006/main" xmlns:r="http://schemas.openxmlformats.org/officeDocument/2006/relationships" xmlns:p="http://schemas.openxmlformats.org/presentationml/2006/main">
-  <p:cSld>
-    <p:spTree>
-      <p:nvGrpSpPr>
-        <p:cNvPr id="1" name=""/>
-        <p:cNvGrpSpPr/>
-        <p:nvPr/>
-      </p:nvGrpSpPr>
-      <p:grpSpPr>
-        <a:xfrm>
-          <a:off x="0" y="0"/>
-          <a:ext cx="0" cy="0"/>
-          <a:chOff x="0" y="0"/>
-          <a:chExt cx="0" cy="0"/>
-        </a:xfrm>
-      </p:grpSpPr>
-      <p:sp>
-        <p:nvSpPr>
-          <p:cNvPr id="5" name="Rectangle 4"/>
-          <p:cNvSpPr/>
-          <p:nvPr/>
-        </p:nvSpPr>
-        <p:spPr>
-          <a:xfrm>
-            <a:off x="1524596" y="4"/>
-            <a:ext cx="9142810" cy="584775"/>
-          </a:xfrm>
-          <a:prstGeom prst="rect">
-            <a:avLst/>
-          </a:prstGeom>
-          <a:noFill/>
-        </p:spPr>
-        <p:txBody>
-          <a:bodyPr wrap="square">
-            <a:spAutoFit/>
-          </a:bodyPr>
-          <a:lstStyle/>
-          <a:p>
-            <a:pPr algn="r"/>
-            <a:r>
-              <a:rPr lang="en-IN" sz="3200" i="1" dirty="0">
-                <a:solidFill>
-                  <a:srgbClr val="FF9900"/>
-                </a:solidFill>
-                <a:latin typeface="Arial" pitchFamily="34" charset="0"/>
-                <a:cs typeface="Arial" pitchFamily="34" charset="0"/>
-              </a:rPr>
-              <a:t>Second Generation of Computers</a:t>
-            </a:r>
-          </a:p>
-        </p:txBody>
-      </p:sp>
-      <p:sp>
-        <p:nvSpPr>
-          <p:cNvPr id="2" name="TextBox 1">
-            <a:extLst>
-              <a:ext uri="{FF2B5EF4-FFF2-40B4-BE49-F238E27FC236}">
-                <a16:creationId xmlns:a16="http://schemas.microsoft.com/office/drawing/2014/main" id="{3ECBB028-1365-FB7C-0374-717123690D5B}"/>
-              </a:ext>
-            </a:extLst>
-          </p:cNvPr>
-          <p:cNvSpPr txBox="1"/>
-          <p:nvPr/>
-        </p:nvSpPr>
-        <p:spPr>
-          <a:xfrm>
-            <a:off x="191344" y="908720"/>
-            <a:ext cx="11809312" cy="2800767"/>
-          </a:xfrm>
-          <a:prstGeom prst="rect">
-            <a:avLst/>
-          </a:prstGeom>
-          <a:noFill/>
-        </p:spPr>
-        <p:txBody>
-          <a:bodyPr wrap="square">
-            <a:spAutoFit/>
-          </a:bodyPr>
-          <a:lstStyle/>
-          <a:p>
-            <a:pPr marL="342900" indent="-342900" algn="just">
-              <a:buFont typeface="Arial" panose="020B0604020202020204" pitchFamily="34" charset="0"/>
-              <a:buChar char="•"/>
-            </a:pPr>
-            <a:r>
-              <a:rPr lang="en-US" sz="2000" b="0" i="0" dirty="0">
-                <a:solidFill>
-                  <a:srgbClr val="000000"/>
-                </a:solidFill>
-                <a:effectLst/>
-                <a:latin typeface="Arial" panose="020B0604020202020204" pitchFamily="34" charset="0"/>
-                <a:cs typeface="Arial" panose="020B0604020202020204" pitchFamily="34" charset="0"/>
-              </a:rPr>
-              <a:t>The period of second generation was from 1959-1965. </a:t>
-            </a:r>
-          </a:p>
-          <a:p>
-            <a:pPr marL="171450" indent="-171450" algn="just">
-              <a:buFont typeface="Arial" panose="020B0604020202020204" pitchFamily="34" charset="0"/>
-              <a:buChar char="•"/>
-            </a:pPr>
-            <a:endParaRPr lang="en-US" sz="1200" dirty="0">
-              <a:solidFill>
-                <a:srgbClr val="000000"/>
-              </a:solidFill>
-              <a:latin typeface="Arial" panose="020B0604020202020204" pitchFamily="34" charset="0"/>
-              <a:cs typeface="Arial" panose="020B0604020202020204" pitchFamily="34" charset="0"/>
-            </a:endParaRPr>
-          </a:p>
-          <a:p>
-            <a:pPr marL="342900" indent="-342900" algn="just">
-              <a:buFont typeface="Arial" panose="020B0604020202020204" pitchFamily="34" charset="0"/>
-              <a:buChar char="•"/>
-            </a:pPr>
-            <a:r>
-              <a:rPr lang="en-US" sz="2000" b="0" i="0" dirty="0">
-                <a:solidFill>
-                  <a:srgbClr val="000000"/>
-                </a:solidFill>
-                <a:effectLst/>
-                <a:latin typeface="Arial" panose="020B0604020202020204" pitchFamily="34" charset="0"/>
-                <a:cs typeface="Arial" panose="020B0604020202020204" pitchFamily="34" charset="0"/>
-              </a:rPr>
-              <a:t>In this generation, transistors were used that were cheaper, consumed less power and faster than the first generation machines made of vacuum tubes. </a:t>
-            </a:r>
-          </a:p>
-          <a:p>
-            <a:pPr marL="171450" indent="-171450" algn="just">
-              <a:buFont typeface="Arial" panose="020B0604020202020204" pitchFamily="34" charset="0"/>
-              <a:buChar char="•"/>
-            </a:pPr>
-            <a:endParaRPr lang="en-US" sz="1200" dirty="0">
-              <a:solidFill>
-                <a:srgbClr val="000000"/>
-              </a:solidFill>
-              <a:latin typeface="Arial" panose="020B0604020202020204" pitchFamily="34" charset="0"/>
-              <a:cs typeface="Arial" panose="020B0604020202020204" pitchFamily="34" charset="0"/>
-            </a:endParaRPr>
-          </a:p>
-          <a:p>
-            <a:pPr marL="342900" indent="-342900" algn="just">
-              <a:buFont typeface="Arial" panose="020B0604020202020204" pitchFamily="34" charset="0"/>
-              <a:buChar char="•"/>
-            </a:pPr>
-            <a:r>
-              <a:rPr lang="en-US" sz="2000" b="0" i="0" dirty="0">
-                <a:solidFill>
-                  <a:srgbClr val="000000"/>
-                </a:solidFill>
-                <a:effectLst/>
-                <a:latin typeface="Arial" panose="020B0604020202020204" pitchFamily="34" charset="0"/>
-                <a:cs typeface="Arial" panose="020B0604020202020204" pitchFamily="34" charset="0"/>
-              </a:rPr>
-              <a:t>In this generation, magnetic cores were used as the primary memory and magnetic tape and magnetic disks as secondary storage devices.</a:t>
-            </a:r>
-          </a:p>
-          <a:p>
-            <a:pPr marL="171450" indent="-171450" algn="just">
-              <a:buFont typeface="Arial" panose="020B0604020202020204" pitchFamily="34" charset="0"/>
-              <a:buChar char="•"/>
-            </a:pPr>
-            <a:endParaRPr lang="en-US" sz="1200" b="0" i="0" dirty="0">
-              <a:solidFill>
-                <a:srgbClr val="000000"/>
-              </a:solidFill>
-              <a:effectLst/>
-              <a:latin typeface="Arial" panose="020B0604020202020204" pitchFamily="34" charset="0"/>
-              <a:cs typeface="Arial" panose="020B0604020202020204" pitchFamily="34" charset="0"/>
-            </a:endParaRPr>
-          </a:p>
-          <a:p>
-            <a:pPr marL="342900" indent="-342900" algn="just">
-              <a:buFont typeface="Arial" panose="020B0604020202020204" pitchFamily="34" charset="0"/>
-              <a:buChar char="•"/>
-            </a:pPr>
-            <a:r>
-              <a:rPr lang="en-US" sz="2000" b="0" i="0" dirty="0">
-                <a:solidFill>
-                  <a:srgbClr val="000000"/>
-                </a:solidFill>
-                <a:effectLst/>
-                <a:latin typeface="Arial" panose="020B0604020202020204" pitchFamily="34" charset="0"/>
-                <a:cs typeface="Arial" panose="020B0604020202020204" pitchFamily="34" charset="0"/>
-              </a:rPr>
-              <a:t>In this generation, assembly language and high-level programming languages like FORTRAN, COBOL were used. The computers used batch processing and multiprogramming operating system.</a:t>
-            </a:r>
-          </a:p>
-        </p:txBody>
-      </p:sp>
-      <p:sp>
-        <p:nvSpPr>
-          <p:cNvPr id="3" name="TextBox 2">
-            <a:extLst>
-              <a:ext uri="{FF2B5EF4-FFF2-40B4-BE49-F238E27FC236}">
-                <a16:creationId xmlns:a16="http://schemas.microsoft.com/office/drawing/2014/main" id="{A0527D66-7CD6-FA26-B7C7-440DBC054928}"/>
-              </a:ext>
-            </a:extLst>
-          </p:cNvPr>
-          <p:cNvSpPr txBox="1"/>
-          <p:nvPr/>
-        </p:nvSpPr>
-        <p:spPr>
-          <a:xfrm>
-            <a:off x="263352" y="3933056"/>
-            <a:ext cx="6768752" cy="2554545"/>
-          </a:xfrm>
-          <a:prstGeom prst="rect">
-            <a:avLst/>
-          </a:prstGeom>
-          <a:noFill/>
-        </p:spPr>
-        <p:txBody>
-          <a:bodyPr wrap="square">
-            <a:spAutoFit/>
-          </a:bodyPr>
-          <a:lstStyle/>
-          <a:p>
-            <a:pPr algn="just"/>
-            <a:r>
-              <a:rPr lang="en-US" sz="2000" b="1" i="0" dirty="0">
-                <a:solidFill>
-                  <a:srgbClr val="000000"/>
-                </a:solidFill>
-                <a:effectLst/>
-                <a:latin typeface="Arial" panose="020B0604020202020204" pitchFamily="34" charset="0"/>
-                <a:cs typeface="Arial" panose="020B0604020202020204" pitchFamily="34" charset="0"/>
-              </a:rPr>
-              <a:t>The main features of the second generation are −</a:t>
-            </a:r>
-          </a:p>
-          <a:p>
-            <a:pPr algn="just"/>
-            <a:endParaRPr lang="en-US" sz="2000" b="0" i="0" dirty="0">
-              <a:solidFill>
-                <a:srgbClr val="000000"/>
-              </a:solidFill>
-              <a:effectLst/>
-              <a:latin typeface="Arial" panose="020B0604020202020204" pitchFamily="34" charset="0"/>
-              <a:cs typeface="Arial" panose="020B0604020202020204" pitchFamily="34" charset="0"/>
-            </a:endParaRPr>
-          </a:p>
-          <a:p>
-            <a:pPr marL="457200" indent="-457200" algn="l">
-              <a:buFont typeface="+mj-lt"/>
-              <a:buAutoNum type="arabicPeriod"/>
-            </a:pPr>
-            <a:r>
-              <a:rPr lang="en-US" sz="2000" b="0" i="0" dirty="0">
-                <a:solidFill>
-                  <a:srgbClr val="000000"/>
-                </a:solidFill>
-                <a:effectLst/>
-                <a:latin typeface="Arial" panose="020B0604020202020204" pitchFamily="34" charset="0"/>
-                <a:cs typeface="Arial" panose="020B0604020202020204" pitchFamily="34" charset="0"/>
-              </a:rPr>
-              <a:t>Use of transistors</a:t>
-            </a:r>
-          </a:p>
-          <a:p>
-            <a:pPr marL="457200" indent="-457200" algn="l">
-              <a:buFont typeface="+mj-lt"/>
-              <a:buAutoNum type="arabicPeriod"/>
-            </a:pPr>
-            <a:r>
-              <a:rPr lang="en-US" sz="2000" b="0" i="0" dirty="0">
-                <a:solidFill>
-                  <a:srgbClr val="000000"/>
-                </a:solidFill>
-                <a:effectLst/>
-                <a:latin typeface="Arial" panose="020B0604020202020204" pitchFamily="34" charset="0"/>
-                <a:cs typeface="Arial" panose="020B0604020202020204" pitchFamily="34" charset="0"/>
-              </a:rPr>
-              <a:t>Reliable in comparison to first generation computers</a:t>
-            </a:r>
-          </a:p>
-          <a:p>
-            <a:pPr marL="457200" indent="-457200" algn="l">
-              <a:buFont typeface="+mj-lt"/>
-              <a:buAutoNum type="arabicPeriod"/>
-            </a:pPr>
-            <a:r>
-              <a:rPr lang="en-US" sz="2000" b="0" i="0" dirty="0">
-                <a:solidFill>
-                  <a:srgbClr val="000000"/>
-                </a:solidFill>
-                <a:effectLst/>
-                <a:latin typeface="Arial" panose="020B0604020202020204" pitchFamily="34" charset="0"/>
-                <a:cs typeface="Arial" panose="020B0604020202020204" pitchFamily="34" charset="0"/>
-              </a:rPr>
-              <a:t>Smaller size as compared to first generation</a:t>
-            </a:r>
-          </a:p>
-          <a:p>
-            <a:pPr marL="457200" indent="-457200" algn="l">
-              <a:buFont typeface="+mj-lt"/>
-              <a:buAutoNum type="arabicPeriod"/>
-            </a:pPr>
-            <a:r>
-              <a:rPr lang="en-US" sz="2000" b="0" i="0" dirty="0">
-                <a:solidFill>
-                  <a:srgbClr val="000000"/>
-                </a:solidFill>
-                <a:effectLst/>
-                <a:latin typeface="Arial" panose="020B0604020202020204" pitchFamily="34" charset="0"/>
-                <a:cs typeface="Arial" panose="020B0604020202020204" pitchFamily="34" charset="0"/>
-              </a:rPr>
-              <a:t>Generated less heat as compared to first generation</a:t>
-            </a:r>
-          </a:p>
-          <a:p>
-            <a:pPr marL="457200" indent="-457200">
-              <a:buFont typeface="+mj-lt"/>
-              <a:buAutoNum type="arabicPeriod"/>
-            </a:pPr>
-            <a:r>
-              <a:rPr lang="en-US" sz="2000" b="0" i="0" dirty="0">
-                <a:solidFill>
-                  <a:srgbClr val="000000"/>
-                </a:solidFill>
-                <a:effectLst/>
-                <a:latin typeface="Arial" panose="020B0604020202020204" pitchFamily="34" charset="0"/>
-                <a:cs typeface="Arial" panose="020B0604020202020204" pitchFamily="34" charset="0"/>
-              </a:rPr>
-              <a:t>Consumed less electricity as compared to first generation</a:t>
-            </a:r>
-          </a:p>
-        </p:txBody>
-      </p:sp>
-      <p:sp>
-        <p:nvSpPr>
-          <p:cNvPr id="6" name="TextBox 5">
-            <a:extLst>
-              <a:ext uri="{FF2B5EF4-FFF2-40B4-BE49-F238E27FC236}">
-                <a16:creationId xmlns:a16="http://schemas.microsoft.com/office/drawing/2014/main" id="{1888DE6B-7BCE-EEBD-AF05-A1F01FA2BF59}"/>
-              </a:ext>
-            </a:extLst>
-          </p:cNvPr>
-          <p:cNvSpPr txBox="1"/>
-          <p:nvPr/>
-        </p:nvSpPr>
-        <p:spPr>
-          <a:xfrm>
-            <a:off x="7176120" y="4856385"/>
-            <a:ext cx="4824536" cy="1631216"/>
-          </a:xfrm>
-          <a:prstGeom prst="rect">
-            <a:avLst/>
-          </a:prstGeom>
-          <a:noFill/>
-        </p:spPr>
-        <p:txBody>
-          <a:bodyPr wrap="square">
-            <a:spAutoFit/>
-          </a:bodyPr>
-          <a:lstStyle/>
-          <a:p>
-            <a:pPr marL="457200" indent="-457200" algn="l">
-              <a:buFont typeface="+mj-lt"/>
-              <a:buAutoNum type="arabicPeriod" startAt="5"/>
-            </a:pPr>
-            <a:r>
-              <a:rPr lang="en-US" sz="2000" b="0" i="0" dirty="0">
-                <a:solidFill>
-                  <a:srgbClr val="000000"/>
-                </a:solidFill>
-                <a:effectLst/>
-                <a:latin typeface="Arial" panose="020B0604020202020204" pitchFamily="34" charset="0"/>
-                <a:cs typeface="Arial" panose="020B0604020202020204" pitchFamily="34" charset="0"/>
-              </a:rPr>
-              <a:t>Faster than first generation</a:t>
-            </a:r>
-          </a:p>
-          <a:p>
-            <a:pPr marL="457200" indent="-457200" algn="l">
-              <a:buFont typeface="+mj-lt"/>
-              <a:buAutoNum type="arabicPeriod" startAt="5"/>
-            </a:pPr>
-            <a:r>
-              <a:rPr lang="en-US" sz="2000" b="0" i="0" dirty="0">
-                <a:solidFill>
-                  <a:srgbClr val="000000"/>
-                </a:solidFill>
-                <a:effectLst/>
-                <a:latin typeface="Arial" panose="020B0604020202020204" pitchFamily="34" charset="0"/>
-                <a:cs typeface="Arial" panose="020B0604020202020204" pitchFamily="34" charset="0"/>
-              </a:rPr>
-              <a:t>Still very costly</a:t>
-            </a:r>
-          </a:p>
-          <a:p>
-            <a:pPr marL="457200" indent="-457200" algn="l">
-              <a:buFont typeface="+mj-lt"/>
-              <a:buAutoNum type="arabicPeriod" startAt="5"/>
-            </a:pPr>
-            <a:r>
-              <a:rPr lang="en-US" sz="2000" b="0" i="0" dirty="0">
-                <a:solidFill>
-                  <a:srgbClr val="000000"/>
-                </a:solidFill>
-                <a:effectLst/>
-                <a:latin typeface="Arial" panose="020B0604020202020204" pitchFamily="34" charset="0"/>
-                <a:cs typeface="Arial" panose="020B0604020202020204" pitchFamily="34" charset="0"/>
-              </a:rPr>
-              <a:t>AC required</a:t>
-            </a:r>
-          </a:p>
-          <a:p>
-            <a:pPr marL="457200" indent="-457200" algn="l">
-              <a:buFont typeface="+mj-lt"/>
-              <a:buAutoNum type="arabicPeriod" startAt="5"/>
-            </a:pPr>
-            <a:r>
-              <a:rPr lang="en-US" sz="2000" b="0" i="0" dirty="0">
-                <a:solidFill>
-                  <a:srgbClr val="000000"/>
-                </a:solidFill>
-                <a:effectLst/>
-                <a:latin typeface="Arial" panose="020B0604020202020204" pitchFamily="34" charset="0"/>
-                <a:cs typeface="Arial" panose="020B0604020202020204" pitchFamily="34" charset="0"/>
-              </a:rPr>
-              <a:t>Supported machine and assembly languages</a:t>
-            </a:r>
-          </a:p>
-        </p:txBody>
-      </p:sp>
-    </p:spTree>
-    <p:extLst>
-      <p:ext uri="{BB962C8B-B14F-4D97-AF65-F5344CB8AC3E}">
-        <p14:creationId xmlns:p14="http://schemas.microsoft.com/office/powerpoint/2010/main" val="3239572161"/>
-      </p:ext>
-    </p:extLst>
-  </p:cSld>
-  <p:clrMapOvr>
-    <a:masterClrMapping/>
-  </p:clrMapOvr>
-</p:sld>
-</file>
-
-<file path=ppt/slides/slide40.xml><?xml version="1.0" encoding="utf-8"?>
+<file path=ppt/slides/slide43.xml><?xml version="1.0" encoding="utf-8"?>
 <p:sld xmlns:a="http://schemas.openxmlformats.org/drawingml/2006/main" xmlns:r="http://schemas.openxmlformats.org/officeDocument/2006/relationships" xmlns:p="http://schemas.openxmlformats.org/presentationml/2006/main">
   <p:cSld>
     <p:spTree>

--- a/BIG Data.pptx
+++ b/BIG Data.pptx
@@ -5,7 +5,7 @@
     <p:sldMasterId id="2147483720" r:id="rId1"/>
   </p:sldMasterIdLst>
   <p:notesMasterIdLst>
-    <p:notesMasterId r:id="rId45"/>
+    <p:notesMasterId r:id="rId47"/>
   </p:notesMasterIdLst>
   <p:sldIdLst>
     <p:sldId id="257" r:id="rId2"/>
@@ -23,34 +23,36 @@
     <p:sldId id="1349" r:id="rId14"/>
     <p:sldId id="1350" r:id="rId15"/>
     <p:sldId id="1351" r:id="rId16"/>
-    <p:sldId id="1352" r:id="rId17"/>
-    <p:sldId id="1337" r:id="rId18"/>
-    <p:sldId id="599" r:id="rId19"/>
-    <p:sldId id="271" r:id="rId20"/>
-    <p:sldId id="1184" r:id="rId21"/>
-    <p:sldId id="1185" r:id="rId22"/>
-    <p:sldId id="1123" r:id="rId23"/>
-    <p:sldId id="1177" r:id="rId24"/>
-    <p:sldId id="1180" r:id="rId25"/>
-    <p:sldId id="1181" r:id="rId26"/>
-    <p:sldId id="1182" r:id="rId27"/>
-    <p:sldId id="1321" r:id="rId28"/>
-    <p:sldId id="864" r:id="rId29"/>
-    <p:sldId id="1179" r:id="rId30"/>
-    <p:sldId id="1183" r:id="rId31"/>
-    <p:sldId id="1322" r:id="rId32"/>
-    <p:sldId id="1323" r:id="rId33"/>
-    <p:sldId id="1324" r:id="rId34"/>
-    <p:sldId id="1325" r:id="rId35"/>
-    <p:sldId id="1326" r:id="rId36"/>
-    <p:sldId id="1327" r:id="rId37"/>
-    <p:sldId id="1328" r:id="rId38"/>
-    <p:sldId id="1329" r:id="rId39"/>
-    <p:sldId id="1330" r:id="rId40"/>
-    <p:sldId id="1331" r:id="rId41"/>
-    <p:sldId id="1332" r:id="rId42"/>
-    <p:sldId id="1335" r:id="rId43"/>
-    <p:sldId id="1336" r:id="rId44"/>
+    <p:sldId id="1353" r:id="rId17"/>
+    <p:sldId id="1354" r:id="rId18"/>
+    <p:sldId id="1352" r:id="rId19"/>
+    <p:sldId id="1337" r:id="rId20"/>
+    <p:sldId id="599" r:id="rId21"/>
+    <p:sldId id="271" r:id="rId22"/>
+    <p:sldId id="1184" r:id="rId23"/>
+    <p:sldId id="1185" r:id="rId24"/>
+    <p:sldId id="1123" r:id="rId25"/>
+    <p:sldId id="1177" r:id="rId26"/>
+    <p:sldId id="1180" r:id="rId27"/>
+    <p:sldId id="1181" r:id="rId28"/>
+    <p:sldId id="1182" r:id="rId29"/>
+    <p:sldId id="1321" r:id="rId30"/>
+    <p:sldId id="864" r:id="rId31"/>
+    <p:sldId id="1179" r:id="rId32"/>
+    <p:sldId id="1183" r:id="rId33"/>
+    <p:sldId id="1322" r:id="rId34"/>
+    <p:sldId id="1323" r:id="rId35"/>
+    <p:sldId id="1324" r:id="rId36"/>
+    <p:sldId id="1325" r:id="rId37"/>
+    <p:sldId id="1326" r:id="rId38"/>
+    <p:sldId id="1327" r:id="rId39"/>
+    <p:sldId id="1328" r:id="rId40"/>
+    <p:sldId id="1329" r:id="rId41"/>
+    <p:sldId id="1330" r:id="rId42"/>
+    <p:sldId id="1331" r:id="rId43"/>
+    <p:sldId id="1332" r:id="rId44"/>
+    <p:sldId id="1335" r:id="rId45"/>
+    <p:sldId id="1336" r:id="rId46"/>
   </p:sldIdLst>
   <p:sldSz cx="12192000" cy="6858000"/>
   <p:notesSz cx="6858000" cy="9144000"/>
@@ -263,7 +265,7 @@
             <a:fld id="{757F699C-254E-44B6-B18D-E7E82B2FC743}" type="datetimeFigureOut">
               <a:rPr lang="en-IN" smtClean="0"/>
               <a:pPr/>
-              <a:t>22-08-2023</a:t>
+              <a:t>14-09-2023</a:t>
             </a:fld>
             <a:endParaRPr lang="en-IN"/>
           </a:p>
@@ -1089,7 +1091,7 @@
             <a:fld id="{52F73076-280E-4994-B9AF-08CB19D7A53F}" type="datetimeFigureOut">
               <a:rPr lang="en-US" smtClean="0"/>
               <a:pPr/>
-              <a:t>8/22/2023</a:t>
+              <a:t>9/14/2023</a:t>
             </a:fld>
             <a:endParaRPr lang="en-US" dirty="0"/>
           </a:p>
@@ -1534,7 +1536,7 @@
             <a:fld id="{52F73076-280E-4994-B9AF-08CB19D7A53F}" type="datetimeFigureOut">
               <a:rPr lang="en-US" smtClean="0"/>
               <a:pPr/>
-              <a:t>8/22/2023</a:t>
+              <a:t>9/14/2023</a:t>
             </a:fld>
             <a:endParaRPr lang="en-US" dirty="0"/>
           </a:p>
@@ -2466,7 +2468,7 @@
             <a:fld id="{52F73076-280E-4994-B9AF-08CB19D7A53F}" type="datetimeFigureOut">
               <a:rPr lang="en-US" smtClean="0"/>
               <a:pPr/>
-              <a:t>8/22/2023</a:t>
+              <a:t>9/14/2023</a:t>
             </a:fld>
             <a:endParaRPr lang="en-US" dirty="0"/>
           </a:p>
@@ -2884,7 +2886,7 @@
             <a:fld id="{52F73076-280E-4994-B9AF-08CB19D7A53F}" type="datetimeFigureOut">
               <a:rPr lang="en-US" smtClean="0"/>
               <a:pPr/>
-              <a:t>8/22/2023</a:t>
+              <a:t>9/14/2023</a:t>
             </a:fld>
             <a:endParaRPr lang="en-US" dirty="0"/>
           </a:p>
@@ -3854,39 +3856,6 @@
       </p:grpSpPr>
       <p:sp>
         <p:nvSpPr>
-          <p:cNvPr id="5" name="Rectangle 4"/>
-          <p:cNvSpPr/>
-          <p:nvPr/>
-        </p:nvSpPr>
-        <p:spPr>
-          <a:xfrm>
-            <a:off x="4583833" y="145754"/>
-            <a:ext cx="7608168" cy="1569660"/>
-          </a:xfrm>
-          <a:prstGeom prst="rect">
-            <a:avLst/>
-          </a:prstGeom>
-        </p:spPr>
-        <p:txBody>
-          <a:bodyPr wrap="square">
-            <a:spAutoFit/>
-          </a:bodyPr>
-          <a:lstStyle/>
-          <a:p>
-            <a:r>
-              <a:rPr lang="en-IN" sz="4800" dirty="0">
-                <a:solidFill>
-                  <a:srgbClr val="FF6000"/>
-                </a:solidFill>
-                <a:latin typeface="Segoe Print" panose="02000600000000000000" pitchFamily="2" charset="0"/>
-              </a:rPr>
-              <a:t>A day without new knowledge is a lost day.</a:t>
-            </a:r>
-          </a:p>
-        </p:txBody>
-      </p:sp>
-      <p:sp>
-        <p:nvSpPr>
           <p:cNvPr id="8" name="Title 2"/>
           <p:cNvSpPr>
             <a:spLocks noGrp="1"/>
@@ -5298,17 +5267,17 @@
                 <a:latin typeface="Arial" pitchFamily="34" charset="0"/>
                 <a:cs typeface="Arial" pitchFamily="34" charset="0"/>
               </a:rPr>
-              <a:t>Evolution of Programming Languages</a:t>
+              <a:t>Number Systems</a:t>
             </a:r>
           </a:p>
         </p:txBody>
       </p:sp>
       <p:sp>
         <p:nvSpPr>
-          <p:cNvPr id="7" name="TextBox 6">
+          <p:cNvPr id="6" name="TextBox 5">
             <a:extLst>
               <a:ext uri="{FF2B5EF4-FFF2-40B4-BE49-F238E27FC236}">
-                <a16:creationId xmlns:a16="http://schemas.microsoft.com/office/drawing/2014/main" id="{0929427E-C272-D364-ECEA-51C5C323044B}"/>
+                <a16:creationId xmlns:a16="http://schemas.microsoft.com/office/drawing/2014/main" id="{79F74193-348B-524A-93DE-1E99946D86B5}"/>
               </a:ext>
             </a:extLst>
           </p:cNvPr>
@@ -5317,8 +5286,8 @@
         </p:nvSpPr>
         <p:spPr>
           <a:xfrm>
-            <a:off x="191344" y="908720"/>
-            <a:ext cx="11809312" cy="2308324"/>
+            <a:off x="335360" y="836712"/>
+            <a:ext cx="11377264" cy="1200329"/>
           </a:xfrm>
           <a:prstGeom prst="rect">
             <a:avLst/>
@@ -5331,93 +5300,209 @@
           </a:bodyPr>
           <a:lstStyle/>
           <a:p>
-            <a:pPr algn="just" fontAlgn="base"/>
-            <a:r>
-              <a:rPr lang="en-US" b="1" dirty="0">
-                <a:latin typeface="Arial" panose="020B0604020202020204" pitchFamily="34" charset="0"/>
-                <a:cs typeface="Arial" panose="020B0604020202020204" pitchFamily="34" charset="0"/>
-              </a:rPr>
-              <a:t>2000 C#</a:t>
-            </a:r>
-            <a:r>
-              <a:rPr lang="en-US" dirty="0">
-                <a:latin typeface="Arial" panose="020B0604020202020204" pitchFamily="34" charset="0"/>
-                <a:cs typeface="Arial" panose="020B0604020202020204" pitchFamily="34" charset="0"/>
-              </a:rPr>
-              <a:t>: C-sharp is mainly used for making games. Unity engine uses C# for making amazing games for all platforms</a:t>
-            </a:r>
-          </a:p>
-          <a:p>
-            <a:pPr algn="just" fontAlgn="base"/>
+            <a:pPr algn="l"/>
+            <a:r>
+              <a:rPr lang="en-US" b="0" i="0" dirty="0">
+                <a:solidFill>
+                  <a:srgbClr val="444444"/>
+                </a:solidFill>
+                <a:effectLst/>
+                <a:latin typeface="Arial" panose="020B0604020202020204" pitchFamily="34" charset="0"/>
+                <a:cs typeface="Arial" panose="020B0604020202020204" pitchFamily="34" charset="0"/>
+              </a:rPr>
+              <a:t>A number is a mathematical value used for counting or measuring or labelling objects. </a:t>
+            </a:r>
+          </a:p>
+          <a:p>
+            <a:pPr algn="l"/>
+            <a:r>
+              <a:rPr lang="en-US" b="0" i="0" dirty="0">
+                <a:solidFill>
+                  <a:srgbClr val="444444"/>
+                </a:solidFill>
+                <a:effectLst/>
+                <a:latin typeface="Arial" panose="020B0604020202020204" pitchFamily="34" charset="0"/>
+                <a:cs typeface="Arial" panose="020B0604020202020204" pitchFamily="34" charset="0"/>
+              </a:rPr>
+              <a:t>Numbers are used to performing arithmetic calculations.  </a:t>
+            </a:r>
+          </a:p>
+          <a:p>
+            <a:pPr algn="l"/>
+            <a:r>
+              <a:rPr lang="en-US" b="0" i="0" dirty="0">
+                <a:solidFill>
+                  <a:srgbClr val="444444"/>
+                </a:solidFill>
+                <a:effectLst/>
+                <a:latin typeface="Arial" panose="020B0604020202020204" pitchFamily="34" charset="0"/>
+                <a:cs typeface="Arial" panose="020B0604020202020204" pitchFamily="34" charset="0"/>
+              </a:rPr>
+              <a:t>Examples of numbers are natural numbers, whole numbers, rational and irrational numbers, etc. 0 is also a number that represents a null value. </a:t>
+            </a:r>
+          </a:p>
+        </p:txBody>
+      </p:sp>
+      <p:sp>
+        <p:nvSpPr>
+          <p:cNvPr id="9" name="TextBox 8">
+            <a:extLst>
+              <a:ext uri="{FF2B5EF4-FFF2-40B4-BE49-F238E27FC236}">
+                <a16:creationId xmlns:a16="http://schemas.microsoft.com/office/drawing/2014/main" id="{48DCFB51-27EF-C3F6-94E3-FBFE288C9587}"/>
+              </a:ext>
+            </a:extLst>
+          </p:cNvPr>
+          <p:cNvSpPr txBox="1"/>
+          <p:nvPr/>
+        </p:nvSpPr>
+        <p:spPr>
+          <a:xfrm>
+            <a:off x="407368" y="2492896"/>
+            <a:ext cx="10945216" cy="2862322"/>
+          </a:xfrm>
+          <a:prstGeom prst="rect">
+            <a:avLst/>
+          </a:prstGeom>
+          <a:noFill/>
+        </p:spPr>
+        <p:txBody>
+          <a:bodyPr wrap="square">
+            <a:spAutoFit/>
+          </a:bodyPr>
+          <a:lstStyle/>
+          <a:p>
+            <a:pPr marL="285750" indent="-285750">
+              <a:buFont typeface="Arial" panose="020B0604020202020204" pitchFamily="34" charset="0"/>
+              <a:buChar char="•"/>
+            </a:pPr>
+            <a:r>
+              <a:rPr lang="en-US" b="0" i="0" dirty="0">
+                <a:solidFill>
+                  <a:srgbClr val="444444"/>
+                </a:solidFill>
+                <a:effectLst/>
+                <a:latin typeface="Arial" panose="020B0604020202020204" pitchFamily="34" charset="0"/>
+                <a:cs typeface="Arial" panose="020B0604020202020204" pitchFamily="34" charset="0"/>
+              </a:rPr>
+              <a:t>Natural Numbers : </a:t>
+            </a:r>
+            <a:r>
+              <a:rPr lang="en-US" b="0" i="0" dirty="0">
+                <a:solidFill>
+                  <a:srgbClr val="040C28"/>
+                </a:solidFill>
+                <a:effectLst/>
+                <a:latin typeface="Arial" panose="020B0604020202020204" pitchFamily="34" charset="0"/>
+                <a:cs typeface="Arial" panose="020B0604020202020204" pitchFamily="34" charset="0"/>
+              </a:rPr>
+              <a:t>a part of the number system which includes all the positive integers from 1 till infinity.</a:t>
+            </a:r>
+          </a:p>
+          <a:p>
+            <a:pPr marL="285750" indent="-285750">
+              <a:buFont typeface="Arial" panose="020B0604020202020204" pitchFamily="34" charset="0"/>
+              <a:buChar char="•"/>
+            </a:pPr>
             <a:endParaRPr lang="en-US" dirty="0">
+              <a:solidFill>
+                <a:srgbClr val="040C28"/>
+              </a:solidFill>
               <a:latin typeface="Arial" panose="020B0604020202020204" pitchFamily="34" charset="0"/>
               <a:cs typeface="Arial" panose="020B0604020202020204" pitchFamily="34" charset="0"/>
             </a:endParaRPr>
           </a:p>
           <a:p>
-            <a:pPr algn="just" fontAlgn="base"/>
-            <a:r>
-              <a:rPr lang="en-US" b="1" dirty="0">
-                <a:latin typeface="Arial" panose="020B0604020202020204" pitchFamily="34" charset="0"/>
-                <a:cs typeface="Arial" panose="020B0604020202020204" pitchFamily="34" charset="0"/>
-              </a:rPr>
-              <a:t>2009 GO</a:t>
-            </a:r>
-            <a:r>
-              <a:rPr lang="en-US" dirty="0">
-                <a:latin typeface="Arial" panose="020B0604020202020204" pitchFamily="34" charset="0"/>
-                <a:cs typeface="Arial" panose="020B0604020202020204" pitchFamily="34" charset="0"/>
-              </a:rPr>
-              <a:t>: GO language is developed in Google by Robert Griesemer, Rob Pike, and Ken Thompson.</a:t>
-            </a:r>
-          </a:p>
-          <a:p>
-            <a:pPr algn="just" fontAlgn="base"/>
+            <a:pPr marL="285750" indent="-285750">
+              <a:buFont typeface="Arial" panose="020B0604020202020204" pitchFamily="34" charset="0"/>
+              <a:buChar char="•"/>
+            </a:pPr>
+            <a:r>
+              <a:rPr lang="en-US" b="0" i="0" dirty="0">
+                <a:solidFill>
+                  <a:srgbClr val="444444"/>
+                </a:solidFill>
+                <a:effectLst/>
+                <a:latin typeface="Arial" panose="020B0604020202020204" pitchFamily="34" charset="0"/>
+                <a:cs typeface="Arial" panose="020B0604020202020204" pitchFamily="34" charset="0"/>
+              </a:rPr>
+              <a:t>Whole Numbers: </a:t>
+            </a:r>
+            <a:r>
+              <a:rPr lang="en-US" b="0" i="0" dirty="0">
+                <a:solidFill>
+                  <a:srgbClr val="040C28"/>
+                </a:solidFill>
+                <a:effectLst/>
+                <a:latin typeface="Arial" panose="020B0604020202020204" pitchFamily="34" charset="0"/>
+                <a:cs typeface="Arial" panose="020B0604020202020204" pitchFamily="34" charset="0"/>
+              </a:rPr>
+              <a:t>the numbers without fractions and it is a collection of positive integers and zero.</a:t>
+            </a:r>
+          </a:p>
+          <a:p>
+            <a:pPr marL="285750" indent="-285750">
+              <a:buFont typeface="Arial" panose="020B0604020202020204" pitchFamily="34" charset="0"/>
+              <a:buChar char="•"/>
+            </a:pPr>
             <a:endParaRPr lang="en-US" dirty="0">
+              <a:solidFill>
+                <a:srgbClr val="040C28"/>
+              </a:solidFill>
               <a:latin typeface="Arial" panose="020B0604020202020204" pitchFamily="34" charset="0"/>
               <a:cs typeface="Arial" panose="020B0604020202020204" pitchFamily="34" charset="0"/>
             </a:endParaRPr>
           </a:p>
           <a:p>
-            <a:pPr algn="just" fontAlgn="base"/>
-            <a:r>
-              <a:rPr lang="en-US" b="1" dirty="0">
-                <a:latin typeface="Arial" panose="020B0604020202020204" pitchFamily="34" charset="0"/>
-                <a:cs typeface="Arial" panose="020B0604020202020204" pitchFamily="34" charset="0"/>
-              </a:rPr>
-              <a:t>2011 Kotlin</a:t>
-            </a:r>
+            <a:pPr marL="285750" indent="-285750">
+              <a:buFont typeface="Arial" panose="020B0604020202020204" pitchFamily="34" charset="0"/>
+              <a:buChar char="•"/>
+            </a:pPr>
             <a:r>
               <a:rPr lang="en-US" dirty="0">
-                <a:latin typeface="Arial" panose="020B0604020202020204" pitchFamily="34" charset="0"/>
-                <a:cs typeface="Arial" panose="020B0604020202020204" pitchFamily="34" charset="0"/>
-              </a:rPr>
-              <a:t>: Kotlin is developed by JetBrains. It is used for making an android application.</a:t>
-            </a:r>
-          </a:p>
-          <a:p>
-            <a:pPr algn="just" fontAlgn="base"/>
+                <a:solidFill>
+                  <a:srgbClr val="444444"/>
+                </a:solidFill>
+                <a:latin typeface="Arial" panose="020B0604020202020204" pitchFamily="34" charset="0"/>
+                <a:cs typeface="Arial" panose="020B0604020202020204" pitchFamily="34" charset="0"/>
+              </a:rPr>
+              <a:t>Rational numbers: - Rational numbers can be represented in the p/q form, where p and q are integers, and q is not equal to 0. p can be a positive, negative, or even a zero integer.</a:t>
+            </a:r>
+          </a:p>
+          <a:p>
+            <a:pPr marL="285750" indent="-285750">
+              <a:buFont typeface="Arial" panose="020B0604020202020204" pitchFamily="34" charset="0"/>
+              <a:buChar char="•"/>
+            </a:pPr>
             <a:endParaRPr lang="en-US" dirty="0">
+              <a:solidFill>
+                <a:srgbClr val="444444"/>
+              </a:solidFill>
               <a:latin typeface="Arial" panose="020B0604020202020204" pitchFamily="34" charset="0"/>
               <a:cs typeface="Arial" panose="020B0604020202020204" pitchFamily="34" charset="0"/>
             </a:endParaRPr>
           </a:p>
           <a:p>
-            <a:pPr algn="just" fontAlgn="base"/>
-            <a:r>
-              <a:rPr lang="en-US" b="1" dirty="0">
-                <a:latin typeface="Arial" panose="020B0604020202020204" pitchFamily="34" charset="0"/>
-                <a:cs typeface="Arial" panose="020B0604020202020204" pitchFamily="34" charset="0"/>
-              </a:rPr>
-              <a:t>2014 Swift</a:t>
-            </a:r>
+            <a:pPr marL="285750" indent="-285750">
+              <a:buFont typeface="Arial" panose="020B0604020202020204" pitchFamily="34" charset="0"/>
+              <a:buChar char="•"/>
+            </a:pPr>
             <a:r>
               <a:rPr lang="en-US" dirty="0">
-                <a:latin typeface="Arial" panose="020B0604020202020204" pitchFamily="34" charset="0"/>
-                <a:cs typeface="Arial" panose="020B0604020202020204" pitchFamily="34" charset="0"/>
-              </a:rPr>
-              <a:t>: Swift language is developed by Apple Inc. It is a general-purpose programming language.</a:t>
-            </a:r>
+                <a:solidFill>
+                  <a:srgbClr val="444444"/>
+                </a:solidFill>
+                <a:latin typeface="Arial" panose="020B0604020202020204" pitchFamily="34" charset="0"/>
+                <a:cs typeface="Arial" panose="020B0604020202020204" pitchFamily="34" charset="0"/>
+              </a:rPr>
+              <a:t>Irrational numbers: - In simple terms, the numbers which are not rational are called irrational numbers. Strictly speaking, the numbers represented in decimal but not in the fractional form are called irrational numbers.</a:t>
+            </a:r>
+            <a:endParaRPr lang="en-IN" dirty="0">
+              <a:solidFill>
+                <a:srgbClr val="444444"/>
+              </a:solidFill>
+              <a:latin typeface="Arial" panose="020B0604020202020204" pitchFamily="34" charset="0"/>
+              <a:cs typeface="Arial" panose="020B0604020202020204" pitchFamily="34" charset="0"/>
+            </a:endParaRPr>
           </a:p>
         </p:txBody>
       </p:sp>
@@ -5482,6 +5567,487 @@
                 <a:latin typeface="Arial" pitchFamily="34" charset="0"/>
                 <a:cs typeface="Arial" pitchFamily="34" charset="0"/>
               </a:rPr>
+              <a:t>Number Systems</a:t>
+            </a:r>
+          </a:p>
+        </p:txBody>
+      </p:sp>
+      <p:sp>
+        <p:nvSpPr>
+          <p:cNvPr id="6" name="TextBox 5">
+            <a:extLst>
+              <a:ext uri="{FF2B5EF4-FFF2-40B4-BE49-F238E27FC236}">
+                <a16:creationId xmlns:a16="http://schemas.microsoft.com/office/drawing/2014/main" id="{79F74193-348B-524A-93DE-1E99946D86B5}"/>
+              </a:ext>
+            </a:extLst>
+          </p:cNvPr>
+          <p:cNvSpPr txBox="1"/>
+          <p:nvPr/>
+        </p:nvSpPr>
+        <p:spPr>
+          <a:xfrm>
+            <a:off x="335360" y="836712"/>
+            <a:ext cx="11377264" cy="1200329"/>
+          </a:xfrm>
+          <a:prstGeom prst="rect">
+            <a:avLst/>
+          </a:prstGeom>
+          <a:noFill/>
+        </p:spPr>
+        <p:txBody>
+          <a:bodyPr wrap="square">
+            <a:spAutoFit/>
+          </a:bodyPr>
+          <a:lstStyle/>
+          <a:p>
+            <a:pPr algn="l"/>
+            <a:r>
+              <a:rPr lang="en-US" b="0" i="0" dirty="0">
+                <a:solidFill>
+                  <a:srgbClr val="444444"/>
+                </a:solidFill>
+                <a:effectLst/>
+                <a:latin typeface="Arial" panose="020B0604020202020204" pitchFamily="34" charset="0"/>
+                <a:cs typeface="Arial" panose="020B0604020202020204" pitchFamily="34" charset="0"/>
+              </a:rPr>
+              <a:t>A number is a mathematical value used for counting or measuring or labelling objects. </a:t>
+            </a:r>
+          </a:p>
+          <a:p>
+            <a:pPr algn="l"/>
+            <a:r>
+              <a:rPr lang="en-US" b="0" i="0" dirty="0">
+                <a:solidFill>
+                  <a:srgbClr val="444444"/>
+                </a:solidFill>
+                <a:effectLst/>
+                <a:latin typeface="Arial" panose="020B0604020202020204" pitchFamily="34" charset="0"/>
+                <a:cs typeface="Arial" panose="020B0604020202020204" pitchFamily="34" charset="0"/>
+              </a:rPr>
+              <a:t>Numbers are used to performing arithmetic calculations.  </a:t>
+            </a:r>
+          </a:p>
+          <a:p>
+            <a:pPr algn="l"/>
+            <a:r>
+              <a:rPr lang="en-US" b="0" i="0" dirty="0">
+                <a:solidFill>
+                  <a:srgbClr val="444444"/>
+                </a:solidFill>
+                <a:effectLst/>
+                <a:latin typeface="Arial" panose="020B0604020202020204" pitchFamily="34" charset="0"/>
+                <a:cs typeface="Arial" panose="020B0604020202020204" pitchFamily="34" charset="0"/>
+              </a:rPr>
+              <a:t>Examples of numbers are natural numbers, whole numbers, rational and irrational numbers, etc. 0 is also a number that represents a null value. </a:t>
+            </a:r>
+          </a:p>
+        </p:txBody>
+      </p:sp>
+      <p:sp>
+        <p:nvSpPr>
+          <p:cNvPr id="9" name="TextBox 8">
+            <a:extLst>
+              <a:ext uri="{FF2B5EF4-FFF2-40B4-BE49-F238E27FC236}">
+                <a16:creationId xmlns:a16="http://schemas.microsoft.com/office/drawing/2014/main" id="{48DCFB51-27EF-C3F6-94E3-FBFE288C9587}"/>
+              </a:ext>
+            </a:extLst>
+          </p:cNvPr>
+          <p:cNvSpPr txBox="1"/>
+          <p:nvPr/>
+        </p:nvSpPr>
+        <p:spPr>
+          <a:xfrm>
+            <a:off x="407368" y="2492896"/>
+            <a:ext cx="10945216" cy="2862322"/>
+          </a:xfrm>
+          <a:prstGeom prst="rect">
+            <a:avLst/>
+          </a:prstGeom>
+          <a:noFill/>
+        </p:spPr>
+        <p:txBody>
+          <a:bodyPr wrap="square">
+            <a:spAutoFit/>
+          </a:bodyPr>
+          <a:lstStyle/>
+          <a:p>
+            <a:pPr marL="285750" indent="-285750">
+              <a:buFont typeface="Arial" panose="020B0604020202020204" pitchFamily="34" charset="0"/>
+              <a:buChar char="•"/>
+            </a:pPr>
+            <a:r>
+              <a:rPr lang="en-US" b="0" i="0" dirty="0">
+                <a:solidFill>
+                  <a:srgbClr val="444444"/>
+                </a:solidFill>
+                <a:effectLst/>
+                <a:latin typeface="Arial" panose="020B0604020202020204" pitchFamily="34" charset="0"/>
+                <a:cs typeface="Arial" panose="020B0604020202020204" pitchFamily="34" charset="0"/>
+              </a:rPr>
+              <a:t>Natural Numbers : </a:t>
+            </a:r>
+            <a:r>
+              <a:rPr lang="en-US" b="0" i="0" dirty="0">
+                <a:solidFill>
+                  <a:srgbClr val="040C28"/>
+                </a:solidFill>
+                <a:effectLst/>
+                <a:latin typeface="Arial" panose="020B0604020202020204" pitchFamily="34" charset="0"/>
+                <a:cs typeface="Arial" panose="020B0604020202020204" pitchFamily="34" charset="0"/>
+              </a:rPr>
+              <a:t>a part of the number system which includes all the positive integers from 1 till infinity.</a:t>
+            </a:r>
+          </a:p>
+          <a:p>
+            <a:pPr marL="285750" indent="-285750">
+              <a:buFont typeface="Arial" panose="020B0604020202020204" pitchFamily="34" charset="0"/>
+              <a:buChar char="•"/>
+            </a:pPr>
+            <a:endParaRPr lang="en-US" dirty="0">
+              <a:solidFill>
+                <a:srgbClr val="040C28"/>
+              </a:solidFill>
+              <a:latin typeface="Arial" panose="020B0604020202020204" pitchFamily="34" charset="0"/>
+              <a:cs typeface="Arial" panose="020B0604020202020204" pitchFamily="34" charset="0"/>
+            </a:endParaRPr>
+          </a:p>
+          <a:p>
+            <a:pPr marL="285750" indent="-285750">
+              <a:buFont typeface="Arial" panose="020B0604020202020204" pitchFamily="34" charset="0"/>
+              <a:buChar char="•"/>
+            </a:pPr>
+            <a:r>
+              <a:rPr lang="en-US" b="0" i="0" dirty="0">
+                <a:solidFill>
+                  <a:srgbClr val="444444"/>
+                </a:solidFill>
+                <a:effectLst/>
+                <a:latin typeface="Arial" panose="020B0604020202020204" pitchFamily="34" charset="0"/>
+                <a:cs typeface="Arial" panose="020B0604020202020204" pitchFamily="34" charset="0"/>
+              </a:rPr>
+              <a:t>Whole Numbers: </a:t>
+            </a:r>
+            <a:r>
+              <a:rPr lang="en-US" b="0" i="0" dirty="0">
+                <a:solidFill>
+                  <a:srgbClr val="040C28"/>
+                </a:solidFill>
+                <a:effectLst/>
+                <a:latin typeface="Arial" panose="020B0604020202020204" pitchFamily="34" charset="0"/>
+                <a:cs typeface="Arial" panose="020B0604020202020204" pitchFamily="34" charset="0"/>
+              </a:rPr>
+              <a:t>the numbers without fractions and it is a collection of positive integers and zero.</a:t>
+            </a:r>
+          </a:p>
+          <a:p>
+            <a:pPr marL="285750" indent="-285750">
+              <a:buFont typeface="Arial" panose="020B0604020202020204" pitchFamily="34" charset="0"/>
+              <a:buChar char="•"/>
+            </a:pPr>
+            <a:endParaRPr lang="en-US" dirty="0">
+              <a:solidFill>
+                <a:srgbClr val="040C28"/>
+              </a:solidFill>
+              <a:latin typeface="Arial" panose="020B0604020202020204" pitchFamily="34" charset="0"/>
+              <a:cs typeface="Arial" panose="020B0604020202020204" pitchFamily="34" charset="0"/>
+            </a:endParaRPr>
+          </a:p>
+          <a:p>
+            <a:pPr marL="285750" indent="-285750">
+              <a:buFont typeface="Arial" panose="020B0604020202020204" pitchFamily="34" charset="0"/>
+              <a:buChar char="•"/>
+            </a:pPr>
+            <a:r>
+              <a:rPr lang="en-US" dirty="0">
+                <a:solidFill>
+                  <a:srgbClr val="444444"/>
+                </a:solidFill>
+                <a:latin typeface="Arial" panose="020B0604020202020204" pitchFamily="34" charset="0"/>
+                <a:cs typeface="Arial" panose="020B0604020202020204" pitchFamily="34" charset="0"/>
+              </a:rPr>
+              <a:t>Rational numbers: - Rational numbers can be represented in the p/q form, where p and q are integers, and q is not equal to 0. p can be a positive, negative, or even a zero integer.</a:t>
+            </a:r>
+          </a:p>
+          <a:p>
+            <a:pPr marL="285750" indent="-285750">
+              <a:buFont typeface="Arial" panose="020B0604020202020204" pitchFamily="34" charset="0"/>
+              <a:buChar char="•"/>
+            </a:pPr>
+            <a:endParaRPr lang="en-US" dirty="0">
+              <a:solidFill>
+                <a:srgbClr val="444444"/>
+              </a:solidFill>
+              <a:latin typeface="Arial" panose="020B0604020202020204" pitchFamily="34" charset="0"/>
+              <a:cs typeface="Arial" panose="020B0604020202020204" pitchFamily="34" charset="0"/>
+            </a:endParaRPr>
+          </a:p>
+          <a:p>
+            <a:pPr marL="285750" indent="-285750">
+              <a:buFont typeface="Arial" panose="020B0604020202020204" pitchFamily="34" charset="0"/>
+              <a:buChar char="•"/>
+            </a:pPr>
+            <a:r>
+              <a:rPr lang="en-US" dirty="0">
+                <a:solidFill>
+                  <a:srgbClr val="444444"/>
+                </a:solidFill>
+                <a:latin typeface="Arial" panose="020B0604020202020204" pitchFamily="34" charset="0"/>
+                <a:cs typeface="Arial" panose="020B0604020202020204" pitchFamily="34" charset="0"/>
+              </a:rPr>
+              <a:t>Irrational numbers: - In simple terms, the numbers which are not rational are called irrational numbers. Strictly speaking, the numbers represented in decimal but not in the fractional form are called irrational numbers.</a:t>
+            </a:r>
+            <a:endParaRPr lang="en-IN" dirty="0">
+              <a:solidFill>
+                <a:srgbClr val="444444"/>
+              </a:solidFill>
+              <a:latin typeface="Arial" panose="020B0604020202020204" pitchFamily="34" charset="0"/>
+              <a:cs typeface="Arial" panose="020B0604020202020204" pitchFamily="34" charset="0"/>
+            </a:endParaRPr>
+          </a:p>
+        </p:txBody>
+      </p:sp>
+    </p:spTree>
+    <p:extLst>
+      <p:ext uri="{BB962C8B-B14F-4D97-AF65-F5344CB8AC3E}">
+        <p14:creationId xmlns:p14="http://schemas.microsoft.com/office/powerpoint/2010/main" val="1079002515"/>
+      </p:ext>
+    </p:extLst>
+  </p:cSld>
+  <p:clrMapOvr>
+    <a:masterClrMapping/>
+  </p:clrMapOvr>
+</p:sld>
+</file>
+
+<file path=ppt/slides/slide17.xml><?xml version="1.0" encoding="utf-8"?>
+<p:sld xmlns:a="http://schemas.openxmlformats.org/drawingml/2006/main" xmlns:r="http://schemas.openxmlformats.org/officeDocument/2006/relationships" xmlns:p="http://schemas.openxmlformats.org/presentationml/2006/main">
+  <p:cSld>
+    <p:spTree>
+      <p:nvGrpSpPr>
+        <p:cNvPr id="1" name=""/>
+        <p:cNvGrpSpPr/>
+        <p:nvPr/>
+      </p:nvGrpSpPr>
+      <p:grpSpPr>
+        <a:xfrm>
+          <a:off x="0" y="0"/>
+          <a:ext cx="0" cy="0"/>
+          <a:chOff x="0" y="0"/>
+          <a:chExt cx="0" cy="0"/>
+        </a:xfrm>
+      </p:grpSpPr>
+      <p:sp>
+        <p:nvSpPr>
+          <p:cNvPr id="5" name="Rectangle 4"/>
+          <p:cNvSpPr/>
+          <p:nvPr/>
+        </p:nvSpPr>
+        <p:spPr>
+          <a:xfrm>
+            <a:off x="1524596" y="4"/>
+            <a:ext cx="9142810" cy="584775"/>
+          </a:xfrm>
+          <a:prstGeom prst="rect">
+            <a:avLst/>
+          </a:prstGeom>
+          <a:noFill/>
+        </p:spPr>
+        <p:txBody>
+          <a:bodyPr wrap="square">
+            <a:spAutoFit/>
+          </a:bodyPr>
+          <a:lstStyle/>
+          <a:p>
+            <a:pPr algn="r"/>
+            <a:r>
+              <a:rPr lang="en-IN" sz="3200" i="1" dirty="0">
+                <a:solidFill>
+                  <a:srgbClr val="FF9900"/>
+                </a:solidFill>
+                <a:latin typeface="Arial" pitchFamily="34" charset="0"/>
+                <a:cs typeface="Arial" pitchFamily="34" charset="0"/>
+              </a:rPr>
+              <a:t>Number Systems</a:t>
+            </a:r>
+          </a:p>
+        </p:txBody>
+      </p:sp>
+      <p:sp>
+        <p:nvSpPr>
+          <p:cNvPr id="7" name="TextBox 6">
+            <a:extLst>
+              <a:ext uri="{FF2B5EF4-FFF2-40B4-BE49-F238E27FC236}">
+                <a16:creationId xmlns:a16="http://schemas.microsoft.com/office/drawing/2014/main" id="{C54E8F26-3F19-669E-3145-AB6ED0C86F09}"/>
+              </a:ext>
+            </a:extLst>
+          </p:cNvPr>
+          <p:cNvSpPr txBox="1"/>
+          <p:nvPr/>
+        </p:nvSpPr>
+        <p:spPr>
+          <a:xfrm>
+            <a:off x="587388" y="836712"/>
+            <a:ext cx="11017224" cy="1200329"/>
+          </a:xfrm>
+          <a:prstGeom prst="rect">
+            <a:avLst/>
+          </a:prstGeom>
+          <a:noFill/>
+        </p:spPr>
+        <p:txBody>
+          <a:bodyPr wrap="square">
+            <a:spAutoFit/>
+          </a:bodyPr>
+          <a:lstStyle/>
+          <a:p>
+            <a:pPr algn="l"/>
+            <a:r>
+              <a:rPr lang="en-US" b="0" i="0" dirty="0">
+                <a:solidFill>
+                  <a:srgbClr val="000000"/>
+                </a:solidFill>
+                <a:effectLst/>
+                <a:latin typeface="Arial" panose="020B0604020202020204" pitchFamily="34" charset="0"/>
+                <a:cs typeface="Arial" panose="020B0604020202020204" pitchFamily="34" charset="0"/>
+              </a:rPr>
+              <a:t>Decimal to Binary</a:t>
+            </a:r>
+          </a:p>
+          <a:p>
+            <a:pPr algn="l"/>
+            <a:endParaRPr lang="en-US" b="0" i="0" dirty="0">
+              <a:solidFill>
+                <a:srgbClr val="000000"/>
+              </a:solidFill>
+              <a:effectLst/>
+              <a:latin typeface="Arial" panose="020B0604020202020204" pitchFamily="34" charset="0"/>
+              <a:cs typeface="Arial" panose="020B0604020202020204" pitchFamily="34" charset="0"/>
+            </a:endParaRPr>
+          </a:p>
+          <a:p>
+            <a:pPr algn="l"/>
+            <a:r>
+              <a:rPr lang="en-US" b="0" i="0" dirty="0">
+                <a:solidFill>
+                  <a:srgbClr val="000000"/>
+                </a:solidFill>
+                <a:effectLst/>
+                <a:latin typeface="Arial" panose="020B0604020202020204" pitchFamily="34" charset="0"/>
+                <a:cs typeface="Arial" panose="020B0604020202020204" pitchFamily="34" charset="0"/>
+              </a:rPr>
+              <a:t>Decimal numbers can be converted to binary by repeated division of the number by 2 while recording the remainder.</a:t>
+            </a:r>
+          </a:p>
+        </p:txBody>
+      </p:sp>
+      <p:pic>
+        <p:nvPicPr>
+          <p:cNvPr id="1026" name="Picture 2" descr="Decimal To Binary">
+            <a:extLst>
+              <a:ext uri="{FF2B5EF4-FFF2-40B4-BE49-F238E27FC236}">
+                <a16:creationId xmlns:a16="http://schemas.microsoft.com/office/drawing/2014/main" id="{A893AF4C-11D3-FB84-FAE6-A6863F6D74E5}"/>
+              </a:ext>
+            </a:extLst>
+          </p:cNvPr>
+          <p:cNvPicPr>
+            <a:picLocks noChangeAspect="1" noChangeArrowheads="1"/>
+          </p:cNvPicPr>
+          <p:nvPr/>
+        </p:nvPicPr>
+        <p:blipFill>
+          <a:blip r:embed="rId2">
+            <a:extLst>
+              <a:ext uri="{28A0092B-C50C-407E-A947-70E740481C1C}">
+                <a14:useLocalDpi xmlns:a14="http://schemas.microsoft.com/office/drawing/2010/main" val="0"/>
+              </a:ext>
+            </a:extLst>
+          </a:blip>
+          <a:srcRect/>
+          <a:stretch>
+            <a:fillRect/>
+          </a:stretch>
+        </p:blipFill>
+        <p:spPr bwMode="auto">
+          <a:xfrm>
+            <a:off x="695400" y="2544291"/>
+            <a:ext cx="6860611" cy="3044949"/>
+          </a:xfrm>
+          <a:prstGeom prst="rect">
+            <a:avLst/>
+          </a:prstGeom>
+          <a:noFill/>
+          <a:extLst>
+            <a:ext uri="{909E8E84-426E-40DD-AFC4-6F175D3DCCD1}">
+              <a14:hiddenFill xmlns:a14="http://schemas.microsoft.com/office/drawing/2010/main">
+                <a:solidFill>
+                  <a:srgbClr val="FFFFFF"/>
+                </a:solidFill>
+              </a14:hiddenFill>
+            </a:ext>
+          </a:extLst>
+        </p:spPr>
+      </p:pic>
+    </p:spTree>
+    <p:extLst>
+      <p:ext uri="{BB962C8B-B14F-4D97-AF65-F5344CB8AC3E}">
+        <p14:creationId xmlns:p14="http://schemas.microsoft.com/office/powerpoint/2010/main" val="3074587592"/>
+      </p:ext>
+    </p:extLst>
+  </p:cSld>
+  <p:clrMapOvr>
+    <a:masterClrMapping/>
+  </p:clrMapOvr>
+</p:sld>
+</file>
+
+<file path=ppt/slides/slide18.xml><?xml version="1.0" encoding="utf-8"?>
+<p:sld xmlns:a="http://schemas.openxmlformats.org/drawingml/2006/main" xmlns:r="http://schemas.openxmlformats.org/officeDocument/2006/relationships" xmlns:p="http://schemas.openxmlformats.org/presentationml/2006/main">
+  <p:cSld>
+    <p:spTree>
+      <p:nvGrpSpPr>
+        <p:cNvPr id="1" name=""/>
+        <p:cNvGrpSpPr/>
+        <p:nvPr/>
+      </p:nvGrpSpPr>
+      <p:grpSpPr>
+        <a:xfrm>
+          <a:off x="0" y="0"/>
+          <a:ext cx="0" cy="0"/>
+          <a:chOff x="0" y="0"/>
+          <a:chExt cx="0" cy="0"/>
+        </a:xfrm>
+      </p:grpSpPr>
+      <p:sp>
+        <p:nvSpPr>
+          <p:cNvPr id="5" name="Rectangle 4"/>
+          <p:cNvSpPr/>
+          <p:nvPr/>
+        </p:nvSpPr>
+        <p:spPr>
+          <a:xfrm>
+            <a:off x="1524596" y="4"/>
+            <a:ext cx="9142810" cy="584775"/>
+          </a:xfrm>
+          <a:prstGeom prst="rect">
+            <a:avLst/>
+          </a:prstGeom>
+          <a:noFill/>
+        </p:spPr>
+        <p:txBody>
+          <a:bodyPr wrap="square">
+            <a:spAutoFit/>
+          </a:bodyPr>
+          <a:lstStyle/>
+          <a:p>
+            <a:pPr algn="r"/>
+            <a:r>
+              <a:rPr lang="en-IN" sz="3200" i="1" dirty="0">
+                <a:solidFill>
+                  <a:srgbClr val="FF9900"/>
+                </a:solidFill>
+                <a:latin typeface="Arial" pitchFamily="34" charset="0"/>
+                <a:cs typeface="Arial" pitchFamily="34" charset="0"/>
+              </a:rPr>
               <a:t>Algorithm and Flowcharts</a:t>
             </a:r>
           </a:p>
@@ -5624,7 +6190,7 @@
 </p:sld>
 </file>
 
-<file path=ppt/slides/slide17.xml><?xml version="1.0" encoding="utf-8"?>
+<file path=ppt/slides/slide19.xml><?xml version="1.0" encoding="utf-8"?>
 <p:sld xmlns:a="http://schemas.openxmlformats.org/drawingml/2006/main" xmlns:r="http://schemas.openxmlformats.org/officeDocument/2006/relationships" xmlns:p="http://schemas.openxmlformats.org/presentationml/2006/main" showMasterSp="0">
   <p:cSld>
     <p:spTree>
@@ -5754,562 +6320,6 @@
         <p14:creationId xmlns:p14="http://schemas.microsoft.com/office/powerpoint/2010/main" val="2378133558"/>
       </p:ext>
     </p:extLst>
-  </p:cSld>
-  <p:clrMapOvr>
-    <a:masterClrMapping/>
-  </p:clrMapOvr>
-</p:sld>
-</file>
-
-<file path=ppt/slides/slide18.xml><?xml version="1.0" encoding="utf-8"?>
-<p:sld xmlns:a="http://schemas.openxmlformats.org/drawingml/2006/main" xmlns:r="http://schemas.openxmlformats.org/officeDocument/2006/relationships" xmlns:p="http://schemas.openxmlformats.org/presentationml/2006/main">
-  <p:cSld>
-    <p:spTree>
-      <p:nvGrpSpPr>
-        <p:cNvPr id="1" name=""/>
-        <p:cNvGrpSpPr/>
-        <p:nvPr/>
-      </p:nvGrpSpPr>
-      <p:grpSpPr>
-        <a:xfrm>
-          <a:off x="0" y="0"/>
-          <a:ext cx="0" cy="0"/>
-          <a:chOff x="0" y="0"/>
-          <a:chExt cx="0" cy="0"/>
-        </a:xfrm>
-      </p:grpSpPr>
-      <p:sp>
-        <p:nvSpPr>
-          <p:cNvPr id="2" name="Title 1"/>
-          <p:cNvSpPr txBox="1">
-            <a:spLocks/>
-          </p:cNvSpPr>
-          <p:nvPr/>
-        </p:nvSpPr>
-        <p:spPr>
-          <a:xfrm>
-            <a:off x="1676400" y="2133600"/>
-            <a:ext cx="8839200" cy="838200"/>
-          </a:xfrm>
-          <a:prstGeom prst="rect">
-            <a:avLst/>
-          </a:prstGeom>
-        </p:spPr>
-        <p:txBody>
-          <a:bodyPr>
-            <a:noAutofit/>
-          </a:bodyPr>
-          <a:lstStyle>
-            <a:defPPr>
-              <a:defRPr lang="en-US"/>
-            </a:defPPr>
-            <a:lvl1pPr lvl="0" algn="ctr">
-              <a:spcBef>
-                <a:spcPct val="0"/>
-              </a:spcBef>
-              <a:defRPr sz="4800">
-                <a:latin typeface="Arial" pitchFamily="34" charset="0"/>
-                <a:cs typeface="Arial" pitchFamily="34" charset="0"/>
-              </a:defRPr>
-            </a:lvl1pPr>
-          </a:lstStyle>
-          <a:p>
-            <a:r>
-              <a:rPr lang="en-IN" dirty="0">
-                <a:solidFill>
-                  <a:srgbClr val="DC525C"/>
-                </a:solidFill>
-                <a:latin typeface="Segoe UI Light" panose="020B0502040204020203" pitchFamily="34" charset="0"/>
-                <a:cs typeface="Segoe UI Light" panose="020B0502040204020203" pitchFamily="34" charset="0"/>
-              </a:rPr>
-              <a:t>What is data?</a:t>
-            </a:r>
-            <a:endParaRPr lang="en-US" dirty="0">
-              <a:solidFill>
-                <a:srgbClr val="DC525C"/>
-              </a:solidFill>
-              <a:latin typeface="Segoe UI Light" panose="020B0502040204020203" pitchFamily="34" charset="0"/>
-              <a:cs typeface="Segoe UI Light" panose="020B0502040204020203" pitchFamily="34" charset="0"/>
-            </a:endParaRPr>
-          </a:p>
-        </p:txBody>
-      </p:sp>
-      <p:pic>
-        <p:nvPicPr>
-          <p:cNvPr id="5" name="Picture 4"/>
-          <p:cNvPicPr>
-            <a:picLocks noChangeAspect="1"/>
-          </p:cNvPicPr>
-          <p:nvPr/>
-        </p:nvPicPr>
-        <p:blipFill>
-          <a:blip r:embed="rId2" cstate="print">
-            <a:extLst>
-              <a:ext uri="{28A0092B-C50C-407E-A947-70E740481C1C}">
-                <a14:useLocalDpi xmlns:a14="http://schemas.microsoft.com/office/drawing/2010/main" val="0"/>
-              </a:ext>
-            </a:extLst>
-          </a:blip>
-          <a:stretch>
-            <a:fillRect/>
-          </a:stretch>
-        </p:blipFill>
-        <p:spPr>
-          <a:xfrm>
-            <a:off x="3896680" y="3435879"/>
-            <a:ext cx="4398640" cy="1837715"/>
-          </a:xfrm>
-          <a:prstGeom prst="rect">
-            <a:avLst/>
-          </a:prstGeom>
-        </p:spPr>
-      </p:pic>
-    </p:spTree>
-    <p:extLst>
-      <p:ext uri="{BB962C8B-B14F-4D97-AF65-F5344CB8AC3E}">
-        <p14:creationId xmlns:p14="http://schemas.microsoft.com/office/powerpoint/2010/main" val="1235374328"/>
-      </p:ext>
-    </p:extLst>
-  </p:cSld>
-  <p:clrMapOvr>
-    <a:masterClrMapping/>
-  </p:clrMapOvr>
-</p:sld>
-</file>
-
-<file path=ppt/slides/slide19.xml><?xml version="1.0" encoding="utf-8"?>
-<p:sld xmlns:a="http://schemas.openxmlformats.org/drawingml/2006/main" xmlns:r="http://schemas.openxmlformats.org/officeDocument/2006/relationships" xmlns:p="http://schemas.openxmlformats.org/presentationml/2006/main">
-  <p:cSld>
-    <p:spTree>
-      <p:nvGrpSpPr>
-        <p:cNvPr id="1" name=""/>
-        <p:cNvGrpSpPr/>
-        <p:nvPr/>
-      </p:nvGrpSpPr>
-      <p:grpSpPr>
-        <a:xfrm>
-          <a:off x="0" y="0"/>
-          <a:ext cx="0" cy="0"/>
-          <a:chOff x="0" y="0"/>
-          <a:chExt cx="0" cy="0"/>
-        </a:xfrm>
-      </p:grpSpPr>
-      <p:sp>
-        <p:nvSpPr>
-          <p:cNvPr id="3" name="Rectangle 2"/>
-          <p:cNvSpPr/>
-          <p:nvPr/>
-        </p:nvSpPr>
-        <p:spPr>
-          <a:xfrm>
-            <a:off x="239433" y="758315"/>
-            <a:ext cx="11617207" cy="2739211"/>
-          </a:xfrm>
-          <a:prstGeom prst="rect">
-            <a:avLst/>
-          </a:prstGeom>
-        </p:spPr>
-        <p:txBody>
-          <a:bodyPr wrap="square">
-            <a:spAutoFit/>
-          </a:bodyPr>
-          <a:lstStyle/>
-          <a:p>
-            <a:r>
-              <a:rPr lang="en-US" sz="2200" dirty="0">
-                <a:latin typeface="Arial" pitchFamily="34" charset="0"/>
-                <a:cs typeface="Arial" pitchFamily="34" charset="0"/>
-              </a:rPr>
-              <a:t>Data is any facts that can be stored and that can be processed by a computer.</a:t>
-            </a:r>
-          </a:p>
-          <a:p>
-            <a:endParaRPr lang="en-US" sz="2200" dirty="0">
-              <a:latin typeface="Arial" pitchFamily="34" charset="0"/>
-              <a:cs typeface="Arial" pitchFamily="34" charset="0"/>
-            </a:endParaRPr>
-          </a:p>
-          <a:p>
-            <a:r>
-              <a:rPr lang="en-US" sz="2400" dirty="0">
-                <a:latin typeface="Arial" pitchFamily="34" charset="0"/>
-                <a:cs typeface="Arial" pitchFamily="34" charset="0"/>
-              </a:rPr>
-              <a:t>Data can be in the form of </a:t>
-            </a:r>
-            <a:r>
-              <a:rPr lang="en-US" sz="2800" dirty="0">
-                <a:solidFill>
-                  <a:schemeClr val="bg2">
-                    <a:lumMod val="25000"/>
-                  </a:schemeClr>
-                </a:solidFill>
-                <a:latin typeface="Arial" pitchFamily="34" charset="0"/>
-                <a:cs typeface="Arial" pitchFamily="34" charset="0"/>
-              </a:rPr>
-              <a:t>Text</a:t>
-            </a:r>
-            <a:r>
-              <a:rPr lang="en-US" sz="2800" dirty="0">
-                <a:latin typeface="Arial" pitchFamily="34" charset="0"/>
-                <a:cs typeface="Arial" pitchFamily="34" charset="0"/>
-              </a:rPr>
-              <a:t> or </a:t>
-            </a:r>
-            <a:r>
-              <a:rPr lang="en-US" sz="2800" dirty="0">
-                <a:solidFill>
-                  <a:schemeClr val="bg2">
-                    <a:lumMod val="25000"/>
-                  </a:schemeClr>
-                </a:solidFill>
-                <a:latin typeface="Arial" pitchFamily="34" charset="0"/>
-                <a:cs typeface="Arial" pitchFamily="34" charset="0"/>
-              </a:rPr>
-              <a:t>Multimedia</a:t>
-            </a:r>
-            <a:endParaRPr lang="en-US" sz="3200" dirty="0">
-              <a:solidFill>
-                <a:schemeClr val="bg2">
-                  <a:lumMod val="25000"/>
-                </a:schemeClr>
-              </a:solidFill>
-              <a:latin typeface="Arial" pitchFamily="34" charset="0"/>
-              <a:cs typeface="Arial" pitchFamily="34" charset="0"/>
-            </a:endParaRPr>
-          </a:p>
-          <a:p>
-            <a:endParaRPr lang="en-US" sz="2200" dirty="0">
-              <a:solidFill>
-                <a:srgbClr val="FF0000"/>
-              </a:solidFill>
-              <a:latin typeface="Arial" panose="020B0604020202020204" pitchFamily="34" charset="0"/>
-              <a:cs typeface="Arial" panose="020B0604020202020204" pitchFamily="34" charset="0"/>
-            </a:endParaRPr>
-          </a:p>
-          <a:p>
-            <a:r>
-              <a:rPr lang="en-US" sz="2200" dirty="0">
-                <a:solidFill>
-                  <a:srgbClr val="FF0000"/>
-                </a:solidFill>
-                <a:latin typeface="Arial" panose="020B0604020202020204" pitchFamily="34" charset="0"/>
-                <a:cs typeface="Arial" panose="020B0604020202020204" pitchFamily="34" charset="0"/>
-              </a:rPr>
-              <a:t>e.g.</a:t>
-            </a:r>
-          </a:p>
-          <a:p>
-            <a:endParaRPr lang="en-US" sz="800" dirty="0">
-              <a:latin typeface="Arial" pitchFamily="34" charset="0"/>
-              <a:cs typeface="Arial" pitchFamily="34" charset="0"/>
-            </a:endParaRPr>
-          </a:p>
-          <a:p>
-            <a:pPr marL="457200" indent="-457200">
-              <a:buFont typeface="Arial" panose="020B0604020202020204" pitchFamily="34" charset="0"/>
-              <a:buChar char="•"/>
-            </a:pPr>
-            <a:r>
-              <a:rPr lang="en-US" sz="2000" dirty="0">
-                <a:solidFill>
-                  <a:schemeClr val="bg2">
-                    <a:lumMod val="25000"/>
-                  </a:schemeClr>
-                </a:solidFill>
-                <a:latin typeface="Arial" pitchFamily="34" charset="0"/>
-                <a:cs typeface="Arial" pitchFamily="34" charset="0"/>
-              </a:rPr>
-              <a:t>number</a:t>
-            </a:r>
-            <a:r>
-              <a:rPr lang="en-US" sz="2000" b="1" dirty="0">
-                <a:solidFill>
-                  <a:schemeClr val="bg2">
-                    <a:lumMod val="25000"/>
-                  </a:schemeClr>
-                </a:solidFill>
-                <a:latin typeface="Arial" pitchFamily="34" charset="0"/>
-                <a:cs typeface="Arial" pitchFamily="34" charset="0"/>
-              </a:rPr>
-              <a:t>, </a:t>
-            </a:r>
-            <a:r>
-              <a:rPr lang="en-IN" sz="2000" dirty="0">
-                <a:solidFill>
-                  <a:schemeClr val="bg2">
-                    <a:lumMod val="25000"/>
-                  </a:schemeClr>
-                </a:solidFill>
-                <a:latin typeface="Arial" pitchFamily="34" charset="0"/>
-                <a:cs typeface="Arial" pitchFamily="34" charset="0"/>
-              </a:rPr>
-              <a:t>characters</a:t>
-            </a:r>
-            <a:r>
-              <a:rPr lang="en-US" sz="2000" b="1" dirty="0">
-                <a:solidFill>
-                  <a:schemeClr val="bg2">
-                    <a:lumMod val="25000"/>
-                  </a:schemeClr>
-                </a:solidFill>
-                <a:latin typeface="Arial" pitchFamily="34" charset="0"/>
-                <a:cs typeface="Arial" pitchFamily="34" charset="0"/>
-              </a:rPr>
-              <a:t>, </a:t>
-            </a:r>
-            <a:r>
-              <a:rPr lang="en-US" sz="1600" dirty="0">
-                <a:solidFill>
-                  <a:schemeClr val="bg2">
-                    <a:lumMod val="25000"/>
-                  </a:schemeClr>
-                </a:solidFill>
-                <a:latin typeface="Arial" pitchFamily="34" charset="0"/>
-                <a:cs typeface="Arial" pitchFamily="34" charset="0"/>
-              </a:rPr>
-              <a:t>or</a:t>
-            </a:r>
-            <a:r>
-              <a:rPr lang="en-US" sz="2000" dirty="0">
-                <a:solidFill>
-                  <a:schemeClr val="bg2">
-                    <a:lumMod val="25000"/>
-                  </a:schemeClr>
-                </a:solidFill>
-                <a:latin typeface="Arial" pitchFamily="34" charset="0"/>
-                <a:cs typeface="Arial" pitchFamily="34" charset="0"/>
-              </a:rPr>
-              <a:t> symbol</a:t>
-            </a:r>
-          </a:p>
-          <a:p>
-            <a:pPr marL="457200" indent="-457200">
-              <a:buFont typeface="Arial" panose="020B0604020202020204" pitchFamily="34" charset="0"/>
-              <a:buChar char="•"/>
-            </a:pPr>
-            <a:endParaRPr lang="en-US" sz="800" b="1" dirty="0">
-              <a:solidFill>
-                <a:schemeClr val="bg2">
-                  <a:lumMod val="25000"/>
-                </a:schemeClr>
-              </a:solidFill>
-              <a:latin typeface="Arial" pitchFamily="34" charset="0"/>
-              <a:cs typeface="Arial" pitchFamily="34" charset="0"/>
-            </a:endParaRPr>
-          </a:p>
-          <a:p>
-            <a:pPr marL="457200" indent="-457200">
-              <a:buFont typeface="Arial" panose="020B0604020202020204" pitchFamily="34" charset="0"/>
-              <a:buChar char="•"/>
-            </a:pPr>
-            <a:r>
-              <a:rPr lang="en-US" sz="2000" dirty="0">
-                <a:solidFill>
-                  <a:schemeClr val="bg2">
-                    <a:lumMod val="25000"/>
-                  </a:schemeClr>
-                </a:solidFill>
-                <a:latin typeface="Arial" pitchFamily="34" charset="0"/>
-                <a:cs typeface="Arial" pitchFamily="34" charset="0"/>
-              </a:rPr>
-              <a:t>images</a:t>
-            </a:r>
-            <a:r>
-              <a:rPr lang="en-US" sz="2000" b="1" dirty="0">
-                <a:solidFill>
-                  <a:schemeClr val="bg2">
-                    <a:lumMod val="25000"/>
-                  </a:schemeClr>
-                </a:solidFill>
-                <a:latin typeface="Arial" pitchFamily="34" charset="0"/>
-                <a:cs typeface="Arial" pitchFamily="34" charset="0"/>
-              </a:rPr>
-              <a:t>, </a:t>
-            </a:r>
-            <a:r>
-              <a:rPr lang="en-US" sz="2000" dirty="0">
-                <a:solidFill>
-                  <a:schemeClr val="bg2">
-                    <a:lumMod val="25000"/>
-                  </a:schemeClr>
-                </a:solidFill>
-                <a:latin typeface="Arial" pitchFamily="34" charset="0"/>
-                <a:cs typeface="Arial" pitchFamily="34" charset="0"/>
-              </a:rPr>
-              <a:t>audio</a:t>
-            </a:r>
-            <a:r>
-              <a:rPr lang="en-US" sz="2000" b="1" dirty="0">
-                <a:solidFill>
-                  <a:schemeClr val="bg2">
-                    <a:lumMod val="25000"/>
-                  </a:schemeClr>
-                </a:solidFill>
-                <a:latin typeface="Arial" pitchFamily="34" charset="0"/>
-                <a:cs typeface="Arial" pitchFamily="34" charset="0"/>
-              </a:rPr>
-              <a:t>, </a:t>
-            </a:r>
-            <a:r>
-              <a:rPr lang="en-US" sz="2000" dirty="0">
-                <a:solidFill>
-                  <a:schemeClr val="bg2">
-                    <a:lumMod val="25000"/>
-                  </a:schemeClr>
-                </a:solidFill>
-                <a:latin typeface="Arial" pitchFamily="34" charset="0"/>
-                <a:cs typeface="Arial" pitchFamily="34" charset="0"/>
-              </a:rPr>
-              <a:t>video</a:t>
-            </a:r>
-            <a:r>
-              <a:rPr lang="en-US" sz="2000" b="1" dirty="0">
-                <a:solidFill>
-                  <a:schemeClr val="bg2">
-                    <a:lumMod val="25000"/>
-                  </a:schemeClr>
-                </a:solidFill>
-                <a:latin typeface="Arial" pitchFamily="34" charset="0"/>
-                <a:cs typeface="Arial" pitchFamily="34" charset="0"/>
-              </a:rPr>
-              <a:t>, </a:t>
-            </a:r>
-            <a:r>
-              <a:rPr lang="en-US" sz="1600" dirty="0">
-                <a:solidFill>
-                  <a:schemeClr val="bg2">
-                    <a:lumMod val="25000"/>
-                  </a:schemeClr>
-                </a:solidFill>
-                <a:latin typeface="Arial" pitchFamily="34" charset="0"/>
-                <a:cs typeface="Arial" pitchFamily="34" charset="0"/>
-              </a:rPr>
-              <a:t>or</a:t>
-            </a:r>
-            <a:r>
-              <a:rPr lang="en-US" sz="2000" b="1" dirty="0">
-                <a:solidFill>
-                  <a:schemeClr val="bg2">
-                    <a:lumMod val="25000"/>
-                  </a:schemeClr>
-                </a:solidFill>
-                <a:latin typeface="Arial" pitchFamily="34" charset="0"/>
-                <a:cs typeface="Arial" pitchFamily="34" charset="0"/>
-              </a:rPr>
-              <a:t> </a:t>
-            </a:r>
-            <a:r>
-              <a:rPr lang="en-US" sz="2000" dirty="0">
-                <a:solidFill>
-                  <a:schemeClr val="bg2">
-                    <a:lumMod val="25000"/>
-                  </a:schemeClr>
-                </a:solidFill>
-                <a:latin typeface="Arial" pitchFamily="34" charset="0"/>
-                <a:cs typeface="Arial" pitchFamily="34" charset="0"/>
-              </a:rPr>
-              <a:t>signal</a:t>
-            </a:r>
-            <a:endParaRPr lang="en-US" sz="1600" dirty="0">
-              <a:solidFill>
-                <a:schemeClr val="bg2">
-                  <a:lumMod val="25000"/>
-                </a:schemeClr>
-              </a:solidFill>
-              <a:latin typeface="Arial" pitchFamily="34" charset="0"/>
-              <a:cs typeface="Arial" pitchFamily="34" charset="0"/>
-            </a:endParaRPr>
-          </a:p>
-        </p:txBody>
-      </p:sp>
-      <p:sp>
-        <p:nvSpPr>
-          <p:cNvPr id="5" name="Rectangle 4"/>
-          <p:cNvSpPr/>
-          <p:nvPr/>
-        </p:nvSpPr>
-        <p:spPr>
-          <a:xfrm>
-            <a:off x="1524596" y="4"/>
-            <a:ext cx="9142810" cy="584775"/>
-          </a:xfrm>
-          <a:prstGeom prst="rect">
-            <a:avLst/>
-          </a:prstGeom>
-          <a:noFill/>
-        </p:spPr>
-        <p:txBody>
-          <a:bodyPr wrap="square">
-            <a:spAutoFit/>
-          </a:bodyPr>
-          <a:lstStyle/>
-          <a:p>
-            <a:pPr algn="r"/>
-            <a:r>
-              <a:rPr lang="en-IN" sz="3200" i="1" dirty="0">
-                <a:solidFill>
-                  <a:srgbClr val="FF9900"/>
-                </a:solidFill>
-                <a:latin typeface="Arial" pitchFamily="34" charset="0"/>
-                <a:cs typeface="Arial" pitchFamily="34" charset="0"/>
-              </a:rPr>
-              <a:t>what is </a:t>
-            </a:r>
-            <a:r>
-              <a:rPr lang="en-US" sz="3200" i="1" dirty="0">
-                <a:solidFill>
-                  <a:srgbClr val="FF9900"/>
-                </a:solidFill>
-                <a:latin typeface="Arial" pitchFamily="34" charset="0"/>
-                <a:cs typeface="Arial" pitchFamily="34" charset="0"/>
-              </a:rPr>
-              <a:t>data </a:t>
-            </a:r>
-            <a:r>
-              <a:rPr lang="en-IN" sz="3200" i="1" dirty="0">
-                <a:solidFill>
-                  <a:srgbClr val="FF9900"/>
-                </a:solidFill>
-                <a:latin typeface="Arial" pitchFamily="34" charset="0"/>
-                <a:cs typeface="Arial" pitchFamily="34" charset="0"/>
-              </a:rPr>
-              <a:t> </a:t>
-            </a:r>
-          </a:p>
-        </p:txBody>
-      </p:sp>
-      <p:pic>
-        <p:nvPicPr>
-          <p:cNvPr id="6" name="Picture 5"/>
-          <p:cNvPicPr>
-            <a:picLocks noChangeAspect="1"/>
-          </p:cNvPicPr>
-          <p:nvPr/>
-        </p:nvPicPr>
-        <p:blipFill>
-          <a:blip r:embed="rId2" cstate="print">
-            <a:extLst>
-              <a:ext uri="{28A0092B-C50C-407E-A947-70E740481C1C}">
-                <a14:useLocalDpi xmlns:a14="http://schemas.microsoft.com/office/drawing/2010/main" val="0"/>
-              </a:ext>
-            </a:extLst>
-          </a:blip>
-          <a:stretch>
-            <a:fillRect/>
-          </a:stretch>
-        </p:blipFill>
-        <p:spPr>
-          <a:xfrm>
-            <a:off x="7896200" y="2626251"/>
-            <a:ext cx="3816424" cy="3972779"/>
-          </a:xfrm>
-          <a:prstGeom prst="rect">
-            <a:avLst/>
-          </a:prstGeom>
-        </p:spPr>
-      </p:pic>
-    </p:spTree>
   </p:cSld>
   <p:clrMapOvr>
     <a:masterClrMapping/>
@@ -6696,6 +6706,562 @@
                 <a:latin typeface="Segoe UI Light" panose="020B0502040204020203" pitchFamily="34" charset="0"/>
                 <a:cs typeface="Segoe UI Light" panose="020B0502040204020203" pitchFamily="34" charset="0"/>
               </a:rPr>
+              <a:t>What is data?</a:t>
+            </a:r>
+            <a:endParaRPr lang="en-US" dirty="0">
+              <a:solidFill>
+                <a:srgbClr val="DC525C"/>
+              </a:solidFill>
+              <a:latin typeface="Segoe UI Light" panose="020B0502040204020203" pitchFamily="34" charset="0"/>
+              <a:cs typeface="Segoe UI Light" panose="020B0502040204020203" pitchFamily="34" charset="0"/>
+            </a:endParaRPr>
+          </a:p>
+        </p:txBody>
+      </p:sp>
+      <p:pic>
+        <p:nvPicPr>
+          <p:cNvPr id="5" name="Picture 4"/>
+          <p:cNvPicPr>
+            <a:picLocks noChangeAspect="1"/>
+          </p:cNvPicPr>
+          <p:nvPr/>
+        </p:nvPicPr>
+        <p:blipFill>
+          <a:blip r:embed="rId2" cstate="print">
+            <a:extLst>
+              <a:ext uri="{28A0092B-C50C-407E-A947-70E740481C1C}">
+                <a14:useLocalDpi xmlns:a14="http://schemas.microsoft.com/office/drawing/2010/main" val="0"/>
+              </a:ext>
+            </a:extLst>
+          </a:blip>
+          <a:stretch>
+            <a:fillRect/>
+          </a:stretch>
+        </p:blipFill>
+        <p:spPr>
+          <a:xfrm>
+            <a:off x="3896680" y="3435879"/>
+            <a:ext cx="4398640" cy="1837715"/>
+          </a:xfrm>
+          <a:prstGeom prst="rect">
+            <a:avLst/>
+          </a:prstGeom>
+        </p:spPr>
+      </p:pic>
+    </p:spTree>
+    <p:extLst>
+      <p:ext uri="{BB962C8B-B14F-4D97-AF65-F5344CB8AC3E}">
+        <p14:creationId xmlns:p14="http://schemas.microsoft.com/office/powerpoint/2010/main" val="1235374328"/>
+      </p:ext>
+    </p:extLst>
+  </p:cSld>
+  <p:clrMapOvr>
+    <a:masterClrMapping/>
+  </p:clrMapOvr>
+</p:sld>
+</file>
+
+<file path=ppt/slides/slide21.xml><?xml version="1.0" encoding="utf-8"?>
+<p:sld xmlns:a="http://schemas.openxmlformats.org/drawingml/2006/main" xmlns:r="http://schemas.openxmlformats.org/officeDocument/2006/relationships" xmlns:p="http://schemas.openxmlformats.org/presentationml/2006/main">
+  <p:cSld>
+    <p:spTree>
+      <p:nvGrpSpPr>
+        <p:cNvPr id="1" name=""/>
+        <p:cNvGrpSpPr/>
+        <p:nvPr/>
+      </p:nvGrpSpPr>
+      <p:grpSpPr>
+        <a:xfrm>
+          <a:off x="0" y="0"/>
+          <a:ext cx="0" cy="0"/>
+          <a:chOff x="0" y="0"/>
+          <a:chExt cx="0" cy="0"/>
+        </a:xfrm>
+      </p:grpSpPr>
+      <p:sp>
+        <p:nvSpPr>
+          <p:cNvPr id="3" name="Rectangle 2"/>
+          <p:cNvSpPr/>
+          <p:nvPr/>
+        </p:nvSpPr>
+        <p:spPr>
+          <a:xfrm>
+            <a:off x="239433" y="758315"/>
+            <a:ext cx="11617207" cy="2739211"/>
+          </a:xfrm>
+          <a:prstGeom prst="rect">
+            <a:avLst/>
+          </a:prstGeom>
+        </p:spPr>
+        <p:txBody>
+          <a:bodyPr wrap="square">
+            <a:spAutoFit/>
+          </a:bodyPr>
+          <a:lstStyle/>
+          <a:p>
+            <a:r>
+              <a:rPr lang="en-US" sz="2200" dirty="0">
+                <a:latin typeface="Arial" pitchFamily="34" charset="0"/>
+                <a:cs typeface="Arial" pitchFamily="34" charset="0"/>
+              </a:rPr>
+              <a:t>Data is any facts that can be stored and that can be processed by a computer.</a:t>
+            </a:r>
+          </a:p>
+          <a:p>
+            <a:endParaRPr lang="en-US" sz="2200" dirty="0">
+              <a:latin typeface="Arial" pitchFamily="34" charset="0"/>
+              <a:cs typeface="Arial" pitchFamily="34" charset="0"/>
+            </a:endParaRPr>
+          </a:p>
+          <a:p>
+            <a:r>
+              <a:rPr lang="en-US" sz="2400" dirty="0">
+                <a:latin typeface="Arial" pitchFamily="34" charset="0"/>
+                <a:cs typeface="Arial" pitchFamily="34" charset="0"/>
+              </a:rPr>
+              <a:t>Data can be in the form of </a:t>
+            </a:r>
+            <a:r>
+              <a:rPr lang="en-US" sz="2800" dirty="0">
+                <a:solidFill>
+                  <a:schemeClr val="bg2">
+                    <a:lumMod val="25000"/>
+                  </a:schemeClr>
+                </a:solidFill>
+                <a:latin typeface="Arial" pitchFamily="34" charset="0"/>
+                <a:cs typeface="Arial" pitchFamily="34" charset="0"/>
+              </a:rPr>
+              <a:t>Text</a:t>
+            </a:r>
+            <a:r>
+              <a:rPr lang="en-US" sz="2800" dirty="0">
+                <a:latin typeface="Arial" pitchFamily="34" charset="0"/>
+                <a:cs typeface="Arial" pitchFamily="34" charset="0"/>
+              </a:rPr>
+              <a:t> or </a:t>
+            </a:r>
+            <a:r>
+              <a:rPr lang="en-US" sz="2800" dirty="0">
+                <a:solidFill>
+                  <a:schemeClr val="bg2">
+                    <a:lumMod val="25000"/>
+                  </a:schemeClr>
+                </a:solidFill>
+                <a:latin typeface="Arial" pitchFamily="34" charset="0"/>
+                <a:cs typeface="Arial" pitchFamily="34" charset="0"/>
+              </a:rPr>
+              <a:t>Multimedia</a:t>
+            </a:r>
+            <a:endParaRPr lang="en-US" sz="3200" dirty="0">
+              <a:solidFill>
+                <a:schemeClr val="bg2">
+                  <a:lumMod val="25000"/>
+                </a:schemeClr>
+              </a:solidFill>
+              <a:latin typeface="Arial" pitchFamily="34" charset="0"/>
+              <a:cs typeface="Arial" pitchFamily="34" charset="0"/>
+            </a:endParaRPr>
+          </a:p>
+          <a:p>
+            <a:endParaRPr lang="en-US" sz="2200" dirty="0">
+              <a:solidFill>
+                <a:srgbClr val="FF0000"/>
+              </a:solidFill>
+              <a:latin typeface="Arial" panose="020B0604020202020204" pitchFamily="34" charset="0"/>
+              <a:cs typeface="Arial" panose="020B0604020202020204" pitchFamily="34" charset="0"/>
+            </a:endParaRPr>
+          </a:p>
+          <a:p>
+            <a:r>
+              <a:rPr lang="en-US" sz="2200" dirty="0">
+                <a:solidFill>
+                  <a:srgbClr val="FF0000"/>
+                </a:solidFill>
+                <a:latin typeface="Arial" panose="020B0604020202020204" pitchFamily="34" charset="0"/>
+                <a:cs typeface="Arial" panose="020B0604020202020204" pitchFamily="34" charset="0"/>
+              </a:rPr>
+              <a:t>e.g.</a:t>
+            </a:r>
+          </a:p>
+          <a:p>
+            <a:endParaRPr lang="en-US" sz="800" dirty="0">
+              <a:latin typeface="Arial" pitchFamily="34" charset="0"/>
+              <a:cs typeface="Arial" pitchFamily="34" charset="0"/>
+            </a:endParaRPr>
+          </a:p>
+          <a:p>
+            <a:pPr marL="457200" indent="-457200">
+              <a:buFont typeface="Arial" panose="020B0604020202020204" pitchFamily="34" charset="0"/>
+              <a:buChar char="•"/>
+            </a:pPr>
+            <a:r>
+              <a:rPr lang="en-US" sz="2000" dirty="0">
+                <a:solidFill>
+                  <a:schemeClr val="bg2">
+                    <a:lumMod val="25000"/>
+                  </a:schemeClr>
+                </a:solidFill>
+                <a:latin typeface="Arial" pitchFamily="34" charset="0"/>
+                <a:cs typeface="Arial" pitchFamily="34" charset="0"/>
+              </a:rPr>
+              <a:t>number</a:t>
+            </a:r>
+            <a:r>
+              <a:rPr lang="en-US" sz="2000" b="1" dirty="0">
+                <a:solidFill>
+                  <a:schemeClr val="bg2">
+                    <a:lumMod val="25000"/>
+                  </a:schemeClr>
+                </a:solidFill>
+                <a:latin typeface="Arial" pitchFamily="34" charset="0"/>
+                <a:cs typeface="Arial" pitchFamily="34" charset="0"/>
+              </a:rPr>
+              <a:t>, </a:t>
+            </a:r>
+            <a:r>
+              <a:rPr lang="en-IN" sz="2000" dirty="0">
+                <a:solidFill>
+                  <a:schemeClr val="bg2">
+                    <a:lumMod val="25000"/>
+                  </a:schemeClr>
+                </a:solidFill>
+                <a:latin typeface="Arial" pitchFamily="34" charset="0"/>
+                <a:cs typeface="Arial" pitchFamily="34" charset="0"/>
+              </a:rPr>
+              <a:t>characters</a:t>
+            </a:r>
+            <a:r>
+              <a:rPr lang="en-US" sz="2000" b="1" dirty="0">
+                <a:solidFill>
+                  <a:schemeClr val="bg2">
+                    <a:lumMod val="25000"/>
+                  </a:schemeClr>
+                </a:solidFill>
+                <a:latin typeface="Arial" pitchFamily="34" charset="0"/>
+                <a:cs typeface="Arial" pitchFamily="34" charset="0"/>
+              </a:rPr>
+              <a:t>, </a:t>
+            </a:r>
+            <a:r>
+              <a:rPr lang="en-US" sz="1600" dirty="0">
+                <a:solidFill>
+                  <a:schemeClr val="bg2">
+                    <a:lumMod val="25000"/>
+                  </a:schemeClr>
+                </a:solidFill>
+                <a:latin typeface="Arial" pitchFamily="34" charset="0"/>
+                <a:cs typeface="Arial" pitchFamily="34" charset="0"/>
+              </a:rPr>
+              <a:t>or</a:t>
+            </a:r>
+            <a:r>
+              <a:rPr lang="en-US" sz="2000" dirty="0">
+                <a:solidFill>
+                  <a:schemeClr val="bg2">
+                    <a:lumMod val="25000"/>
+                  </a:schemeClr>
+                </a:solidFill>
+                <a:latin typeface="Arial" pitchFamily="34" charset="0"/>
+                <a:cs typeface="Arial" pitchFamily="34" charset="0"/>
+              </a:rPr>
+              <a:t> symbol</a:t>
+            </a:r>
+          </a:p>
+          <a:p>
+            <a:pPr marL="457200" indent="-457200">
+              <a:buFont typeface="Arial" panose="020B0604020202020204" pitchFamily="34" charset="0"/>
+              <a:buChar char="•"/>
+            </a:pPr>
+            <a:endParaRPr lang="en-US" sz="800" b="1" dirty="0">
+              <a:solidFill>
+                <a:schemeClr val="bg2">
+                  <a:lumMod val="25000"/>
+                </a:schemeClr>
+              </a:solidFill>
+              <a:latin typeface="Arial" pitchFamily="34" charset="0"/>
+              <a:cs typeface="Arial" pitchFamily="34" charset="0"/>
+            </a:endParaRPr>
+          </a:p>
+          <a:p>
+            <a:pPr marL="457200" indent="-457200">
+              <a:buFont typeface="Arial" panose="020B0604020202020204" pitchFamily="34" charset="0"/>
+              <a:buChar char="•"/>
+            </a:pPr>
+            <a:r>
+              <a:rPr lang="en-US" sz="2000" dirty="0">
+                <a:solidFill>
+                  <a:schemeClr val="bg2">
+                    <a:lumMod val="25000"/>
+                  </a:schemeClr>
+                </a:solidFill>
+                <a:latin typeface="Arial" pitchFamily="34" charset="0"/>
+                <a:cs typeface="Arial" pitchFamily="34" charset="0"/>
+              </a:rPr>
+              <a:t>images</a:t>
+            </a:r>
+            <a:r>
+              <a:rPr lang="en-US" sz="2000" b="1" dirty="0">
+                <a:solidFill>
+                  <a:schemeClr val="bg2">
+                    <a:lumMod val="25000"/>
+                  </a:schemeClr>
+                </a:solidFill>
+                <a:latin typeface="Arial" pitchFamily="34" charset="0"/>
+                <a:cs typeface="Arial" pitchFamily="34" charset="0"/>
+              </a:rPr>
+              <a:t>, </a:t>
+            </a:r>
+            <a:r>
+              <a:rPr lang="en-US" sz="2000" dirty="0">
+                <a:solidFill>
+                  <a:schemeClr val="bg2">
+                    <a:lumMod val="25000"/>
+                  </a:schemeClr>
+                </a:solidFill>
+                <a:latin typeface="Arial" pitchFamily="34" charset="0"/>
+                <a:cs typeface="Arial" pitchFamily="34" charset="0"/>
+              </a:rPr>
+              <a:t>audio</a:t>
+            </a:r>
+            <a:r>
+              <a:rPr lang="en-US" sz="2000" b="1" dirty="0">
+                <a:solidFill>
+                  <a:schemeClr val="bg2">
+                    <a:lumMod val="25000"/>
+                  </a:schemeClr>
+                </a:solidFill>
+                <a:latin typeface="Arial" pitchFamily="34" charset="0"/>
+                <a:cs typeface="Arial" pitchFamily="34" charset="0"/>
+              </a:rPr>
+              <a:t>, </a:t>
+            </a:r>
+            <a:r>
+              <a:rPr lang="en-US" sz="2000" dirty="0">
+                <a:solidFill>
+                  <a:schemeClr val="bg2">
+                    <a:lumMod val="25000"/>
+                  </a:schemeClr>
+                </a:solidFill>
+                <a:latin typeface="Arial" pitchFamily="34" charset="0"/>
+                <a:cs typeface="Arial" pitchFamily="34" charset="0"/>
+              </a:rPr>
+              <a:t>video</a:t>
+            </a:r>
+            <a:r>
+              <a:rPr lang="en-US" sz="2000" b="1" dirty="0">
+                <a:solidFill>
+                  <a:schemeClr val="bg2">
+                    <a:lumMod val="25000"/>
+                  </a:schemeClr>
+                </a:solidFill>
+                <a:latin typeface="Arial" pitchFamily="34" charset="0"/>
+                <a:cs typeface="Arial" pitchFamily="34" charset="0"/>
+              </a:rPr>
+              <a:t>, </a:t>
+            </a:r>
+            <a:r>
+              <a:rPr lang="en-US" sz="1600" dirty="0">
+                <a:solidFill>
+                  <a:schemeClr val="bg2">
+                    <a:lumMod val="25000"/>
+                  </a:schemeClr>
+                </a:solidFill>
+                <a:latin typeface="Arial" pitchFamily="34" charset="0"/>
+                <a:cs typeface="Arial" pitchFamily="34" charset="0"/>
+              </a:rPr>
+              <a:t>or</a:t>
+            </a:r>
+            <a:r>
+              <a:rPr lang="en-US" sz="2000" b="1" dirty="0">
+                <a:solidFill>
+                  <a:schemeClr val="bg2">
+                    <a:lumMod val="25000"/>
+                  </a:schemeClr>
+                </a:solidFill>
+                <a:latin typeface="Arial" pitchFamily="34" charset="0"/>
+                <a:cs typeface="Arial" pitchFamily="34" charset="0"/>
+              </a:rPr>
+              <a:t> </a:t>
+            </a:r>
+            <a:r>
+              <a:rPr lang="en-US" sz="2000" dirty="0">
+                <a:solidFill>
+                  <a:schemeClr val="bg2">
+                    <a:lumMod val="25000"/>
+                  </a:schemeClr>
+                </a:solidFill>
+                <a:latin typeface="Arial" pitchFamily="34" charset="0"/>
+                <a:cs typeface="Arial" pitchFamily="34" charset="0"/>
+              </a:rPr>
+              <a:t>signal</a:t>
+            </a:r>
+            <a:endParaRPr lang="en-US" sz="1600" dirty="0">
+              <a:solidFill>
+                <a:schemeClr val="bg2">
+                  <a:lumMod val="25000"/>
+                </a:schemeClr>
+              </a:solidFill>
+              <a:latin typeface="Arial" pitchFamily="34" charset="0"/>
+              <a:cs typeface="Arial" pitchFamily="34" charset="0"/>
+            </a:endParaRPr>
+          </a:p>
+        </p:txBody>
+      </p:sp>
+      <p:sp>
+        <p:nvSpPr>
+          <p:cNvPr id="5" name="Rectangle 4"/>
+          <p:cNvSpPr/>
+          <p:nvPr/>
+        </p:nvSpPr>
+        <p:spPr>
+          <a:xfrm>
+            <a:off x="1524596" y="4"/>
+            <a:ext cx="9142810" cy="584775"/>
+          </a:xfrm>
+          <a:prstGeom prst="rect">
+            <a:avLst/>
+          </a:prstGeom>
+          <a:noFill/>
+        </p:spPr>
+        <p:txBody>
+          <a:bodyPr wrap="square">
+            <a:spAutoFit/>
+          </a:bodyPr>
+          <a:lstStyle/>
+          <a:p>
+            <a:pPr algn="r"/>
+            <a:r>
+              <a:rPr lang="en-IN" sz="3200" i="1" dirty="0">
+                <a:solidFill>
+                  <a:srgbClr val="FF9900"/>
+                </a:solidFill>
+                <a:latin typeface="Arial" pitchFamily="34" charset="0"/>
+                <a:cs typeface="Arial" pitchFamily="34" charset="0"/>
+              </a:rPr>
+              <a:t>what is </a:t>
+            </a:r>
+            <a:r>
+              <a:rPr lang="en-US" sz="3200" i="1" dirty="0">
+                <a:solidFill>
+                  <a:srgbClr val="FF9900"/>
+                </a:solidFill>
+                <a:latin typeface="Arial" pitchFamily="34" charset="0"/>
+                <a:cs typeface="Arial" pitchFamily="34" charset="0"/>
+              </a:rPr>
+              <a:t>data </a:t>
+            </a:r>
+            <a:r>
+              <a:rPr lang="en-IN" sz="3200" i="1" dirty="0">
+                <a:solidFill>
+                  <a:srgbClr val="FF9900"/>
+                </a:solidFill>
+                <a:latin typeface="Arial" pitchFamily="34" charset="0"/>
+                <a:cs typeface="Arial" pitchFamily="34" charset="0"/>
+              </a:rPr>
+              <a:t> </a:t>
+            </a:r>
+          </a:p>
+        </p:txBody>
+      </p:sp>
+      <p:pic>
+        <p:nvPicPr>
+          <p:cNvPr id="6" name="Picture 5"/>
+          <p:cNvPicPr>
+            <a:picLocks noChangeAspect="1"/>
+          </p:cNvPicPr>
+          <p:nvPr/>
+        </p:nvPicPr>
+        <p:blipFill>
+          <a:blip r:embed="rId2" cstate="print">
+            <a:extLst>
+              <a:ext uri="{28A0092B-C50C-407E-A947-70E740481C1C}">
+                <a14:useLocalDpi xmlns:a14="http://schemas.microsoft.com/office/drawing/2010/main" val="0"/>
+              </a:ext>
+            </a:extLst>
+          </a:blip>
+          <a:stretch>
+            <a:fillRect/>
+          </a:stretch>
+        </p:blipFill>
+        <p:spPr>
+          <a:xfrm>
+            <a:off x="7896200" y="2626251"/>
+            <a:ext cx="3816424" cy="3972779"/>
+          </a:xfrm>
+          <a:prstGeom prst="rect">
+            <a:avLst/>
+          </a:prstGeom>
+        </p:spPr>
+      </p:pic>
+    </p:spTree>
+  </p:cSld>
+  <p:clrMapOvr>
+    <a:masterClrMapping/>
+  </p:clrMapOvr>
+</p:sld>
+</file>
+
+<file path=ppt/slides/slide22.xml><?xml version="1.0" encoding="utf-8"?>
+<p:sld xmlns:a="http://schemas.openxmlformats.org/drawingml/2006/main" xmlns:r="http://schemas.openxmlformats.org/officeDocument/2006/relationships" xmlns:p="http://schemas.openxmlformats.org/presentationml/2006/main">
+  <p:cSld>
+    <p:spTree>
+      <p:nvGrpSpPr>
+        <p:cNvPr id="1" name=""/>
+        <p:cNvGrpSpPr/>
+        <p:nvPr/>
+      </p:nvGrpSpPr>
+      <p:grpSpPr>
+        <a:xfrm>
+          <a:off x="0" y="0"/>
+          <a:ext cx="0" cy="0"/>
+          <a:chOff x="0" y="0"/>
+          <a:chExt cx="0" cy="0"/>
+        </a:xfrm>
+      </p:grpSpPr>
+      <p:sp>
+        <p:nvSpPr>
+          <p:cNvPr id="2" name="Title 1"/>
+          <p:cNvSpPr txBox="1">
+            <a:spLocks/>
+          </p:cNvSpPr>
+          <p:nvPr/>
+        </p:nvSpPr>
+        <p:spPr>
+          <a:xfrm>
+            <a:off x="1676400" y="2133600"/>
+            <a:ext cx="8839200" cy="838200"/>
+          </a:xfrm>
+          <a:prstGeom prst="rect">
+            <a:avLst/>
+          </a:prstGeom>
+        </p:spPr>
+        <p:txBody>
+          <a:bodyPr>
+            <a:noAutofit/>
+          </a:bodyPr>
+          <a:lstStyle>
+            <a:defPPr>
+              <a:defRPr lang="en-US"/>
+            </a:defPPr>
+            <a:lvl1pPr lvl="0" algn="ctr">
+              <a:spcBef>
+                <a:spcPct val="0"/>
+              </a:spcBef>
+              <a:defRPr sz="4800">
+                <a:latin typeface="Arial" pitchFamily="34" charset="0"/>
+                <a:cs typeface="Arial" pitchFamily="34" charset="0"/>
+              </a:defRPr>
+            </a:lvl1pPr>
+          </a:lstStyle>
+          <a:p>
+            <a:r>
+              <a:rPr lang="en-IN" dirty="0">
+                <a:solidFill>
+                  <a:srgbClr val="DC525C"/>
+                </a:solidFill>
+                <a:latin typeface="Segoe UI Light" panose="020B0502040204020203" pitchFamily="34" charset="0"/>
+                <a:cs typeface="Segoe UI Light" panose="020B0502040204020203" pitchFamily="34" charset="0"/>
+              </a:rPr>
               <a:t>What is big data?</a:t>
             </a:r>
             <a:endParaRPr lang="en-US" dirty="0">
@@ -6721,7 +7287,7 @@
 </p:sld>
 </file>
 
-<file path=ppt/slides/slide21.xml><?xml version="1.0" encoding="utf-8"?>
+<file path=ppt/slides/slide23.xml><?xml version="1.0" encoding="utf-8"?>
 <p:sld xmlns:a="http://schemas.openxmlformats.org/drawingml/2006/main" xmlns:r="http://schemas.openxmlformats.org/officeDocument/2006/relationships" xmlns:p="http://schemas.openxmlformats.org/presentationml/2006/main">
   <p:cSld>
     <p:spTree>
@@ -6867,7 +7433,7 @@
 </p:sld>
 </file>
 
-<file path=ppt/slides/slide22.xml><?xml version="1.0" encoding="utf-8"?>
+<file path=ppt/slides/slide24.xml><?xml version="1.0" encoding="utf-8"?>
 <p:sld xmlns:a="http://schemas.openxmlformats.org/drawingml/2006/main" xmlns:r="http://schemas.openxmlformats.org/officeDocument/2006/relationships" xmlns:p="http://schemas.openxmlformats.org/presentationml/2006/main" showMasterSp="0">
   <p:cSld>
     <p:spTree>
@@ -6957,704 +7523,6 @@
     <p:extLst>
       <p:ext uri="{BB962C8B-B14F-4D97-AF65-F5344CB8AC3E}">
         <p14:creationId xmlns:p14="http://schemas.microsoft.com/office/powerpoint/2010/main" val="862324416"/>
-      </p:ext>
-    </p:extLst>
-  </p:cSld>
-  <p:clrMapOvr>
-    <a:masterClrMapping/>
-  </p:clrMapOvr>
-</p:sld>
-</file>
-
-<file path=ppt/slides/slide23.xml><?xml version="1.0" encoding="utf-8"?>
-<p:sld xmlns:a="http://schemas.openxmlformats.org/drawingml/2006/main" xmlns:r="http://schemas.openxmlformats.org/officeDocument/2006/relationships" xmlns:p="http://schemas.openxmlformats.org/presentationml/2006/main">
-  <p:cSld>
-    <p:spTree>
-      <p:nvGrpSpPr>
-        <p:cNvPr id="1" name=""/>
-        <p:cNvGrpSpPr/>
-        <p:nvPr/>
-      </p:nvGrpSpPr>
-      <p:grpSpPr>
-        <a:xfrm>
-          <a:off x="0" y="0"/>
-          <a:ext cx="0" cy="0"/>
-          <a:chOff x="0" y="0"/>
-          <a:chExt cx="0" cy="0"/>
-        </a:xfrm>
-      </p:grpSpPr>
-      <p:sp>
-        <p:nvSpPr>
-          <p:cNvPr id="4" name="Rectangle 3">
-            <a:extLst>
-              <a:ext uri="{FF2B5EF4-FFF2-40B4-BE49-F238E27FC236}">
-                <a16:creationId xmlns:a16="http://schemas.microsoft.com/office/drawing/2014/main" id="{6524962B-7610-4EFD-AA5E-DDE403AB8860}"/>
-              </a:ext>
-            </a:extLst>
-          </p:cNvPr>
-          <p:cNvSpPr/>
-          <p:nvPr/>
-        </p:nvSpPr>
-        <p:spPr>
-          <a:xfrm>
-            <a:off x="1524000" y="1"/>
-            <a:ext cx="9144000" cy="584775"/>
-          </a:xfrm>
-          <a:prstGeom prst="rect">
-            <a:avLst/>
-          </a:prstGeom>
-          <a:noFill/>
-        </p:spPr>
-        <p:txBody>
-          <a:bodyPr wrap="square">
-            <a:spAutoFit/>
-          </a:bodyPr>
-          <a:lstStyle/>
-          <a:p>
-            <a:pPr algn="r"/>
-            <a:r>
-              <a:rPr lang="en-US" sz="3200" i="1" dirty="0">
-                <a:solidFill>
-                  <a:srgbClr val="FF9900"/>
-                </a:solidFill>
-                <a:latin typeface="Arial" pitchFamily="34" charset="0"/>
-                <a:cs typeface="Arial" pitchFamily="34" charset="0"/>
-              </a:rPr>
-              <a:t>Characteristics of Big Data</a:t>
-            </a:r>
-            <a:endParaRPr lang="en-IN" sz="3200" i="1" dirty="0">
-              <a:solidFill>
-                <a:srgbClr val="FF9900"/>
-              </a:solidFill>
-              <a:latin typeface="Arial" pitchFamily="34" charset="0"/>
-              <a:cs typeface="Arial" pitchFamily="34" charset="0"/>
-            </a:endParaRPr>
-          </a:p>
-        </p:txBody>
-      </p:sp>
-      <p:sp>
-        <p:nvSpPr>
-          <p:cNvPr id="6" name="TextBox 5">
-            <a:extLst>
-              <a:ext uri="{FF2B5EF4-FFF2-40B4-BE49-F238E27FC236}">
-                <a16:creationId xmlns:a16="http://schemas.microsoft.com/office/drawing/2014/main" id="{7A4EC6FF-50F3-7757-E8E3-74F1C85A625C}"/>
-              </a:ext>
-            </a:extLst>
-          </p:cNvPr>
-          <p:cNvSpPr txBox="1"/>
-          <p:nvPr/>
-        </p:nvSpPr>
-        <p:spPr>
-          <a:xfrm>
-            <a:off x="191344" y="908720"/>
-            <a:ext cx="11809312" cy="1045223"/>
-          </a:xfrm>
-          <a:prstGeom prst="rect">
-            <a:avLst/>
-          </a:prstGeom>
-          <a:noFill/>
-        </p:spPr>
-        <p:txBody>
-          <a:bodyPr wrap="square">
-            <a:spAutoFit/>
-          </a:bodyPr>
-          <a:lstStyle/>
-          <a:p>
-            <a:pPr>
-              <a:lnSpc>
-                <a:spcPct val="150000"/>
-              </a:lnSpc>
-            </a:pPr>
-            <a:r>
-              <a:rPr lang="en-IN" sz="2200" dirty="0">
-                <a:latin typeface="Arial" panose="020B0604020202020204" pitchFamily="34" charset="0"/>
-                <a:cs typeface="Arial" panose="020B0604020202020204" pitchFamily="34" charset="0"/>
-              </a:rPr>
-              <a:t>It is used by many multinational companies to process the data and business of many organizations. The data flow would exceed 150 exabytes per day before replication.</a:t>
-            </a:r>
-          </a:p>
-        </p:txBody>
-      </p:sp>
-      <p:sp>
-        <p:nvSpPr>
-          <p:cNvPr id="9" name="TextBox 8">
-            <a:extLst>
-              <a:ext uri="{FF2B5EF4-FFF2-40B4-BE49-F238E27FC236}">
-                <a16:creationId xmlns:a16="http://schemas.microsoft.com/office/drawing/2014/main" id="{AB4E6DC9-BF67-59E6-9A9C-1C759377F018}"/>
-              </a:ext>
-            </a:extLst>
-          </p:cNvPr>
-          <p:cNvSpPr txBox="1"/>
-          <p:nvPr/>
-        </p:nvSpPr>
-        <p:spPr>
-          <a:xfrm>
-            <a:off x="407368" y="2420888"/>
-            <a:ext cx="11377264" cy="3420873"/>
-          </a:xfrm>
-          <a:prstGeom prst="rect">
-            <a:avLst/>
-          </a:prstGeom>
-          <a:noFill/>
-        </p:spPr>
-        <p:txBody>
-          <a:bodyPr wrap="square">
-            <a:spAutoFit/>
-          </a:bodyPr>
-          <a:lstStyle/>
-          <a:p>
-            <a:pPr algn="just"/>
-            <a:r>
-              <a:rPr lang="en-US" sz="2400" b="0" i="0" dirty="0">
-                <a:solidFill>
-                  <a:srgbClr val="C00000"/>
-                </a:solidFill>
-                <a:effectLst/>
-                <a:latin typeface="Arial" panose="020B0604020202020204" pitchFamily="34" charset="0"/>
-                <a:cs typeface="Arial" panose="020B0604020202020204" pitchFamily="34" charset="0"/>
-              </a:rPr>
-              <a:t>There are five v's of Big Data that explains the characteristics.</a:t>
-            </a:r>
-          </a:p>
-          <a:p>
-            <a:pPr algn="just"/>
-            <a:endParaRPr lang="en-US" sz="1200" b="0" i="0" dirty="0">
-              <a:solidFill>
-                <a:srgbClr val="333333"/>
-              </a:solidFill>
-              <a:effectLst/>
-              <a:latin typeface="Arial" panose="020B0604020202020204" pitchFamily="34" charset="0"/>
-              <a:cs typeface="Arial" panose="020B0604020202020204" pitchFamily="34" charset="0"/>
-            </a:endParaRPr>
-          </a:p>
-          <a:p>
-            <a:pPr algn="just"/>
-            <a:r>
-              <a:rPr lang="en-US" sz="2200" b="0" i="0" dirty="0">
-                <a:solidFill>
-                  <a:srgbClr val="610B4B"/>
-                </a:solidFill>
-                <a:effectLst/>
-                <a:latin typeface="Arial" panose="020B0604020202020204" pitchFamily="34" charset="0"/>
-                <a:cs typeface="Arial" panose="020B0604020202020204" pitchFamily="34" charset="0"/>
-              </a:rPr>
-              <a:t>5 V's of Big Data</a:t>
-            </a:r>
-          </a:p>
-          <a:p>
-            <a:pPr algn="just"/>
-            <a:endParaRPr lang="en-US" sz="1200" b="0" i="0" dirty="0">
-              <a:solidFill>
-                <a:srgbClr val="610B4B"/>
-              </a:solidFill>
-              <a:effectLst/>
-              <a:latin typeface="Arial" panose="020B0604020202020204" pitchFamily="34" charset="0"/>
-              <a:cs typeface="Arial" panose="020B0604020202020204" pitchFamily="34" charset="0"/>
-            </a:endParaRPr>
-          </a:p>
-          <a:p>
-            <a:pPr marL="342900" indent="-342900" algn="just">
-              <a:lnSpc>
-                <a:spcPct val="150000"/>
-              </a:lnSpc>
-              <a:buFont typeface="Arial" panose="020B0604020202020204" pitchFamily="34" charset="0"/>
-              <a:buChar char="•"/>
-            </a:pPr>
-            <a:r>
-              <a:rPr lang="en-US" sz="2000" b="1" i="0" dirty="0">
-                <a:effectLst/>
-                <a:latin typeface="Arial" panose="020B0604020202020204" pitchFamily="34" charset="0"/>
-                <a:cs typeface="Arial" panose="020B0604020202020204" pitchFamily="34" charset="0"/>
-              </a:rPr>
-              <a:t>Volume</a:t>
-            </a:r>
-          </a:p>
-          <a:p>
-            <a:pPr marL="342900" indent="-342900" algn="just">
-              <a:lnSpc>
-                <a:spcPct val="150000"/>
-              </a:lnSpc>
-              <a:buFont typeface="Arial" panose="020B0604020202020204" pitchFamily="34" charset="0"/>
-              <a:buChar char="•"/>
-            </a:pPr>
-            <a:r>
-              <a:rPr lang="en-US" sz="2000" b="1" i="0" dirty="0">
-                <a:effectLst/>
-                <a:latin typeface="Arial" panose="020B0604020202020204" pitchFamily="34" charset="0"/>
-                <a:cs typeface="Arial" panose="020B0604020202020204" pitchFamily="34" charset="0"/>
-              </a:rPr>
-              <a:t>Veracity</a:t>
-            </a:r>
-          </a:p>
-          <a:p>
-            <a:pPr marL="342900" indent="-342900" algn="just">
-              <a:lnSpc>
-                <a:spcPct val="150000"/>
-              </a:lnSpc>
-              <a:buFont typeface="Arial" panose="020B0604020202020204" pitchFamily="34" charset="0"/>
-              <a:buChar char="•"/>
-            </a:pPr>
-            <a:r>
-              <a:rPr lang="en-US" sz="2000" b="1" i="0" dirty="0">
-                <a:effectLst/>
-                <a:latin typeface="Arial" panose="020B0604020202020204" pitchFamily="34" charset="0"/>
-                <a:cs typeface="Arial" panose="020B0604020202020204" pitchFamily="34" charset="0"/>
-              </a:rPr>
-              <a:t>Variety</a:t>
-            </a:r>
-          </a:p>
-          <a:p>
-            <a:pPr marL="342900" indent="-342900" algn="just">
-              <a:lnSpc>
-                <a:spcPct val="150000"/>
-              </a:lnSpc>
-              <a:buFont typeface="Arial" panose="020B0604020202020204" pitchFamily="34" charset="0"/>
-              <a:buChar char="•"/>
-            </a:pPr>
-            <a:r>
-              <a:rPr lang="en-US" sz="2000" b="1" i="0" dirty="0">
-                <a:effectLst/>
-                <a:latin typeface="Arial" panose="020B0604020202020204" pitchFamily="34" charset="0"/>
-                <a:cs typeface="Arial" panose="020B0604020202020204" pitchFamily="34" charset="0"/>
-              </a:rPr>
-              <a:t>Value</a:t>
-            </a:r>
-          </a:p>
-          <a:p>
-            <a:pPr marL="342900" indent="-342900" algn="just">
-              <a:lnSpc>
-                <a:spcPct val="150000"/>
-              </a:lnSpc>
-              <a:buFont typeface="Arial" panose="020B0604020202020204" pitchFamily="34" charset="0"/>
-              <a:buChar char="•"/>
-            </a:pPr>
-            <a:r>
-              <a:rPr lang="en-US" sz="2000" b="1" i="0" dirty="0">
-                <a:effectLst/>
-                <a:latin typeface="Arial" panose="020B0604020202020204" pitchFamily="34" charset="0"/>
-                <a:cs typeface="Arial" panose="020B0604020202020204" pitchFamily="34" charset="0"/>
-              </a:rPr>
-              <a:t>Velocity</a:t>
-            </a:r>
-          </a:p>
-        </p:txBody>
-      </p:sp>
-    </p:spTree>
-    <p:extLst>
-      <p:ext uri="{BB962C8B-B14F-4D97-AF65-F5344CB8AC3E}">
-        <p14:creationId xmlns:p14="http://schemas.microsoft.com/office/powerpoint/2010/main" val="3232024903"/>
-      </p:ext>
-    </p:extLst>
-  </p:cSld>
-  <p:clrMapOvr>
-    <a:masterClrMapping/>
-  </p:clrMapOvr>
-</p:sld>
-</file>
-
-<file path=ppt/slides/slide24.xml><?xml version="1.0" encoding="utf-8"?>
-<p:sld xmlns:a="http://schemas.openxmlformats.org/drawingml/2006/main" xmlns:r="http://schemas.openxmlformats.org/officeDocument/2006/relationships" xmlns:p="http://schemas.openxmlformats.org/presentationml/2006/main">
-  <p:cSld>
-    <p:spTree>
-      <p:nvGrpSpPr>
-        <p:cNvPr id="1" name=""/>
-        <p:cNvGrpSpPr/>
-        <p:nvPr/>
-      </p:nvGrpSpPr>
-      <p:grpSpPr>
-        <a:xfrm>
-          <a:off x="0" y="0"/>
-          <a:ext cx="0" cy="0"/>
-          <a:chOff x="0" y="0"/>
-          <a:chExt cx="0" cy="0"/>
-        </a:xfrm>
-      </p:grpSpPr>
-      <p:sp>
-        <p:nvSpPr>
-          <p:cNvPr id="4" name="Rectangle 3">
-            <a:extLst>
-              <a:ext uri="{FF2B5EF4-FFF2-40B4-BE49-F238E27FC236}">
-                <a16:creationId xmlns:a16="http://schemas.microsoft.com/office/drawing/2014/main" id="{6524962B-7610-4EFD-AA5E-DDE403AB8860}"/>
-              </a:ext>
-            </a:extLst>
-          </p:cNvPr>
-          <p:cNvSpPr/>
-          <p:nvPr/>
-        </p:nvSpPr>
-        <p:spPr>
-          <a:xfrm>
-            <a:off x="1524000" y="1"/>
-            <a:ext cx="9144000" cy="584775"/>
-          </a:xfrm>
-          <a:prstGeom prst="rect">
-            <a:avLst/>
-          </a:prstGeom>
-          <a:noFill/>
-        </p:spPr>
-        <p:txBody>
-          <a:bodyPr wrap="square">
-            <a:spAutoFit/>
-          </a:bodyPr>
-          <a:lstStyle/>
-          <a:p>
-            <a:pPr algn="r"/>
-            <a:r>
-              <a:rPr lang="en-US" sz="3200" i="1" dirty="0">
-                <a:solidFill>
-                  <a:srgbClr val="FF9900"/>
-                </a:solidFill>
-                <a:latin typeface="Arial" pitchFamily="34" charset="0"/>
-                <a:cs typeface="Arial" pitchFamily="34" charset="0"/>
-              </a:rPr>
-              <a:t>Volume</a:t>
-            </a:r>
-            <a:endParaRPr lang="en-IN" sz="3200" i="1" dirty="0">
-              <a:solidFill>
-                <a:srgbClr val="FF9900"/>
-              </a:solidFill>
-              <a:latin typeface="Arial" pitchFamily="34" charset="0"/>
-              <a:cs typeface="Arial" pitchFamily="34" charset="0"/>
-            </a:endParaRPr>
-          </a:p>
-        </p:txBody>
-      </p:sp>
-      <p:sp>
-        <p:nvSpPr>
-          <p:cNvPr id="3" name="TextBox 2">
-            <a:extLst>
-              <a:ext uri="{FF2B5EF4-FFF2-40B4-BE49-F238E27FC236}">
-                <a16:creationId xmlns:a16="http://schemas.microsoft.com/office/drawing/2014/main" id="{0BD80FA2-0692-8C0A-410E-6B42560A0A5E}"/>
-              </a:ext>
-            </a:extLst>
-          </p:cNvPr>
-          <p:cNvSpPr txBox="1"/>
-          <p:nvPr/>
-        </p:nvSpPr>
-        <p:spPr>
-          <a:xfrm>
-            <a:off x="263352" y="2366878"/>
-            <a:ext cx="11521280" cy="2862322"/>
-          </a:xfrm>
-          <a:prstGeom prst="rect">
-            <a:avLst/>
-          </a:prstGeom>
-          <a:noFill/>
-        </p:spPr>
-        <p:txBody>
-          <a:bodyPr wrap="square">
-            <a:spAutoFit/>
-          </a:bodyPr>
-          <a:lstStyle/>
-          <a:p>
-            <a:pPr marL="342900" indent="-342900" algn="just">
-              <a:buFont typeface="Arial" panose="020B0604020202020204" pitchFamily="34" charset="0"/>
-              <a:buChar char="•"/>
-            </a:pPr>
-            <a:r>
-              <a:rPr lang="en-US" sz="2000" b="0" i="0" dirty="0">
-                <a:solidFill>
-                  <a:srgbClr val="333333"/>
-                </a:solidFill>
-                <a:effectLst/>
-                <a:latin typeface="Arial" panose="020B0604020202020204" pitchFamily="34" charset="0"/>
-                <a:cs typeface="Arial" panose="020B0604020202020204" pitchFamily="34" charset="0"/>
-              </a:rPr>
-              <a:t>Big Data is a vast 'volumes' of data generated from many sources daily, such as </a:t>
-            </a:r>
-            <a:r>
-              <a:rPr lang="en-US" sz="2000" b="1" i="0" dirty="0">
-                <a:solidFill>
-                  <a:srgbClr val="333333"/>
-                </a:solidFill>
-                <a:effectLst/>
-                <a:latin typeface="Arial" panose="020B0604020202020204" pitchFamily="34" charset="0"/>
-                <a:cs typeface="Arial" panose="020B0604020202020204" pitchFamily="34" charset="0"/>
-              </a:rPr>
-              <a:t>business processes, machines, social media platforms, networks, human interactions,</a:t>
-            </a:r>
-            <a:r>
-              <a:rPr lang="en-US" sz="2000" b="0" i="0" dirty="0">
-                <a:solidFill>
-                  <a:srgbClr val="333333"/>
-                </a:solidFill>
-                <a:effectLst/>
-                <a:latin typeface="Arial" panose="020B0604020202020204" pitchFamily="34" charset="0"/>
-                <a:cs typeface="Arial" panose="020B0604020202020204" pitchFamily="34" charset="0"/>
-              </a:rPr>
-              <a:t> and many more.</a:t>
-            </a:r>
-          </a:p>
-          <a:p>
-            <a:pPr marL="342900" indent="-342900" algn="just">
-              <a:buFont typeface="Arial" panose="020B0604020202020204" pitchFamily="34" charset="0"/>
-              <a:buChar char="•"/>
-            </a:pPr>
-            <a:endParaRPr lang="en-US" sz="2000" b="0" i="0" dirty="0">
-              <a:solidFill>
-                <a:srgbClr val="333333"/>
-              </a:solidFill>
-              <a:effectLst/>
-              <a:latin typeface="Arial" panose="020B0604020202020204" pitchFamily="34" charset="0"/>
-              <a:cs typeface="Arial" panose="020B0604020202020204" pitchFamily="34" charset="0"/>
-            </a:endParaRPr>
-          </a:p>
-          <a:p>
-            <a:pPr marL="342900" indent="-342900" algn="just">
-              <a:buFont typeface="Arial" panose="020B0604020202020204" pitchFamily="34" charset="0"/>
-              <a:buChar char="•"/>
-            </a:pPr>
-            <a:r>
-              <a:rPr lang="en-US" sz="2000" b="1" i="0" dirty="0">
-                <a:solidFill>
-                  <a:srgbClr val="333333"/>
-                </a:solidFill>
-                <a:effectLst/>
-                <a:latin typeface="Arial" panose="020B0604020202020204" pitchFamily="34" charset="0"/>
-                <a:cs typeface="Arial" panose="020B0604020202020204" pitchFamily="34" charset="0"/>
-              </a:rPr>
-              <a:t>Facebook</a:t>
-            </a:r>
-            <a:r>
-              <a:rPr lang="en-US" sz="2000" b="0" i="0" dirty="0">
-                <a:solidFill>
-                  <a:srgbClr val="333333"/>
-                </a:solidFill>
-                <a:effectLst/>
-                <a:latin typeface="Arial" panose="020B0604020202020204" pitchFamily="34" charset="0"/>
-                <a:cs typeface="Arial" panose="020B0604020202020204" pitchFamily="34" charset="0"/>
-              </a:rPr>
-              <a:t> can generate approximately a </a:t>
-            </a:r>
-            <a:r>
-              <a:rPr lang="en-US" sz="2000" b="1" i="0" dirty="0">
-                <a:solidFill>
-                  <a:srgbClr val="333333"/>
-                </a:solidFill>
-                <a:effectLst/>
-                <a:latin typeface="Arial" panose="020B0604020202020204" pitchFamily="34" charset="0"/>
-                <a:cs typeface="Arial" panose="020B0604020202020204" pitchFamily="34" charset="0"/>
-              </a:rPr>
-              <a:t>billion</a:t>
-            </a:r>
-            <a:r>
-              <a:rPr lang="en-US" sz="2000" b="0" i="0" dirty="0">
-                <a:solidFill>
-                  <a:srgbClr val="333333"/>
-                </a:solidFill>
-                <a:effectLst/>
-                <a:latin typeface="Arial" panose="020B0604020202020204" pitchFamily="34" charset="0"/>
-                <a:cs typeface="Arial" panose="020B0604020202020204" pitchFamily="34" charset="0"/>
-              </a:rPr>
-              <a:t> messages, </a:t>
-            </a:r>
-          </a:p>
-          <a:p>
-            <a:pPr marL="342900" indent="-342900" algn="just">
-              <a:buFont typeface="Arial" panose="020B0604020202020204" pitchFamily="34" charset="0"/>
-              <a:buChar char="•"/>
-            </a:pPr>
-            <a:endParaRPr lang="en-US" sz="2000" dirty="0">
-              <a:solidFill>
-                <a:srgbClr val="333333"/>
-              </a:solidFill>
-              <a:latin typeface="Arial" panose="020B0604020202020204" pitchFamily="34" charset="0"/>
-              <a:cs typeface="Arial" panose="020B0604020202020204" pitchFamily="34" charset="0"/>
-            </a:endParaRPr>
-          </a:p>
-          <a:p>
-            <a:pPr marL="342900" indent="-342900" algn="just">
-              <a:buFont typeface="Arial" panose="020B0604020202020204" pitchFamily="34" charset="0"/>
-              <a:buChar char="•"/>
-            </a:pPr>
-            <a:r>
-              <a:rPr lang="en-US" sz="2000" b="1" i="0" dirty="0">
-                <a:solidFill>
-                  <a:srgbClr val="333333"/>
-                </a:solidFill>
-                <a:effectLst/>
-                <a:latin typeface="Arial" panose="020B0604020202020204" pitchFamily="34" charset="0"/>
-                <a:cs typeface="Arial" panose="020B0604020202020204" pitchFamily="34" charset="0"/>
-              </a:rPr>
-              <a:t>Billion</a:t>
-            </a:r>
-            <a:r>
-              <a:rPr lang="en-US" sz="2000" b="0" i="0" dirty="0">
-                <a:solidFill>
-                  <a:srgbClr val="333333"/>
-                </a:solidFill>
-                <a:effectLst/>
-                <a:latin typeface="Arial" panose="020B0604020202020204" pitchFamily="34" charset="0"/>
-                <a:cs typeface="Arial" panose="020B0604020202020204" pitchFamily="34" charset="0"/>
-              </a:rPr>
-              <a:t> of times, the "</a:t>
-            </a:r>
-            <a:r>
-              <a:rPr lang="en-US" sz="2000" b="1" i="0" dirty="0">
-                <a:solidFill>
-                  <a:srgbClr val="333333"/>
-                </a:solidFill>
-                <a:effectLst/>
-                <a:latin typeface="Arial" panose="020B0604020202020204" pitchFamily="34" charset="0"/>
-                <a:cs typeface="Arial" panose="020B0604020202020204" pitchFamily="34" charset="0"/>
-              </a:rPr>
-              <a:t>Like</a:t>
-            </a:r>
-            <a:r>
-              <a:rPr lang="en-US" sz="2000" b="0" i="0" dirty="0">
-                <a:solidFill>
-                  <a:srgbClr val="333333"/>
-                </a:solidFill>
-                <a:effectLst/>
-                <a:latin typeface="Arial" panose="020B0604020202020204" pitchFamily="34" charset="0"/>
-                <a:cs typeface="Arial" panose="020B0604020202020204" pitchFamily="34" charset="0"/>
-              </a:rPr>
-              <a:t>" button is recorded, </a:t>
-            </a:r>
-          </a:p>
-          <a:p>
-            <a:pPr marL="342900" indent="-342900" algn="just">
-              <a:buFont typeface="Arial" panose="020B0604020202020204" pitchFamily="34" charset="0"/>
-              <a:buChar char="•"/>
-            </a:pPr>
-            <a:endParaRPr lang="en-US" sz="2000" dirty="0">
-              <a:solidFill>
-                <a:srgbClr val="333333"/>
-              </a:solidFill>
-              <a:latin typeface="Arial" panose="020B0604020202020204" pitchFamily="34" charset="0"/>
-              <a:cs typeface="Arial" panose="020B0604020202020204" pitchFamily="34" charset="0"/>
-            </a:endParaRPr>
-          </a:p>
-          <a:p>
-            <a:pPr marL="342900" indent="-342900" algn="just">
-              <a:buFont typeface="Arial" panose="020B0604020202020204" pitchFamily="34" charset="0"/>
-              <a:buChar char="•"/>
-            </a:pPr>
-            <a:r>
-              <a:rPr lang="en-US" sz="2000" b="0" i="0" dirty="0">
-                <a:solidFill>
-                  <a:srgbClr val="333333"/>
-                </a:solidFill>
-                <a:effectLst/>
-                <a:latin typeface="Arial" panose="020B0604020202020204" pitchFamily="34" charset="0"/>
-                <a:cs typeface="Arial" panose="020B0604020202020204" pitchFamily="34" charset="0"/>
-              </a:rPr>
-              <a:t>and </a:t>
-            </a:r>
-            <a:r>
-              <a:rPr lang="en-US" sz="2000" b="1" i="0" dirty="0">
-                <a:solidFill>
-                  <a:srgbClr val="333333"/>
-                </a:solidFill>
-                <a:effectLst/>
-                <a:latin typeface="Arial" panose="020B0604020202020204" pitchFamily="34" charset="0"/>
-                <a:cs typeface="Arial" panose="020B0604020202020204" pitchFamily="34" charset="0"/>
-              </a:rPr>
-              <a:t>millions</a:t>
-            </a:r>
-            <a:r>
-              <a:rPr lang="en-US" sz="2000" b="0" i="0" dirty="0">
-                <a:solidFill>
-                  <a:srgbClr val="333333"/>
-                </a:solidFill>
-                <a:effectLst/>
-                <a:latin typeface="Arial" panose="020B0604020202020204" pitchFamily="34" charset="0"/>
-                <a:cs typeface="Arial" panose="020B0604020202020204" pitchFamily="34" charset="0"/>
-              </a:rPr>
-              <a:t> of new posts are uploaded each day. </a:t>
-            </a:r>
-          </a:p>
-        </p:txBody>
-      </p:sp>
-      <p:sp>
-        <p:nvSpPr>
-          <p:cNvPr id="5" name="TextBox 4">
-            <a:extLst>
-              <a:ext uri="{FF2B5EF4-FFF2-40B4-BE49-F238E27FC236}">
-                <a16:creationId xmlns:a16="http://schemas.microsoft.com/office/drawing/2014/main" id="{4BBE33AB-BF80-A13E-D5B7-119EB9740A68}"/>
-              </a:ext>
-            </a:extLst>
-          </p:cNvPr>
-          <p:cNvSpPr txBox="1"/>
-          <p:nvPr/>
-        </p:nvSpPr>
-        <p:spPr>
-          <a:xfrm>
-            <a:off x="551384" y="1008355"/>
-            <a:ext cx="11233248" cy="830997"/>
-          </a:xfrm>
-          <a:prstGeom prst="rect">
-            <a:avLst/>
-          </a:prstGeom>
-          <a:noFill/>
-        </p:spPr>
-        <p:txBody>
-          <a:bodyPr wrap="square">
-            <a:spAutoFit/>
-          </a:bodyPr>
-          <a:lstStyle/>
-          <a:p>
-            <a:pPr algn="just"/>
-            <a:r>
-              <a:rPr lang="en-US" sz="2400" b="0" i="0" dirty="0">
-                <a:solidFill>
-                  <a:srgbClr val="C00000"/>
-                </a:solidFill>
-                <a:effectLst/>
-                <a:latin typeface="Arial" panose="020B0604020202020204" pitchFamily="34" charset="0"/>
-                <a:cs typeface="Arial" panose="020B0604020202020204" pitchFamily="34" charset="0"/>
-              </a:rPr>
-              <a:t>The name Big Data itself is related to an enormous size of data. </a:t>
-            </a:r>
-            <a:r>
-              <a:rPr lang="en-US" sz="2400" b="0" i="0" dirty="0">
-                <a:solidFill>
-                  <a:srgbClr val="333333"/>
-                </a:solidFill>
-                <a:effectLst/>
-                <a:latin typeface="Arial" panose="020B0604020202020204" pitchFamily="34" charset="0"/>
-                <a:cs typeface="Arial" panose="020B0604020202020204" pitchFamily="34" charset="0"/>
-              </a:rPr>
-              <a:t>Big data technologies can handle large amounts of data.</a:t>
-            </a:r>
-          </a:p>
-        </p:txBody>
-      </p:sp>
-      <p:pic>
-        <p:nvPicPr>
-          <p:cNvPr id="2" name="Picture 2" descr="Big Data Volume Growth - Big Data Tutorial - Edureka">
-            <a:extLst>
-              <a:ext uri="{FF2B5EF4-FFF2-40B4-BE49-F238E27FC236}">
-                <a16:creationId xmlns:a16="http://schemas.microsoft.com/office/drawing/2014/main" id="{5A774089-67ED-8738-2FF5-785289EB2AC4}"/>
-              </a:ext>
-            </a:extLst>
-          </p:cNvPr>
-          <p:cNvPicPr>
-            <a:picLocks noChangeAspect="1" noChangeArrowheads="1"/>
-          </p:cNvPicPr>
-          <p:nvPr/>
-        </p:nvPicPr>
-        <p:blipFill>
-          <a:blip r:embed="rId2"/>
-          <a:srcRect/>
-          <a:stretch>
-            <a:fillRect/>
-          </a:stretch>
-        </p:blipFill>
-        <p:spPr bwMode="auto">
-          <a:xfrm>
-            <a:off x="8382016" y="3535026"/>
-            <a:ext cx="3258600" cy="3299418"/>
-          </a:xfrm>
-          <a:prstGeom prst="rect">
-            <a:avLst/>
-          </a:prstGeom>
-          <a:noFill/>
-        </p:spPr>
-      </p:pic>
-    </p:spTree>
-    <p:extLst>
-      <p:ext uri="{BB962C8B-B14F-4D97-AF65-F5344CB8AC3E}">
-        <p14:creationId xmlns:p14="http://schemas.microsoft.com/office/powerpoint/2010/main" val="255849756"/>
       </p:ext>
     </p:extLst>
   </p:cSld>
@@ -7718,7 +7586,7 @@
                 <a:latin typeface="Arial" pitchFamily="34" charset="0"/>
                 <a:cs typeface="Arial" pitchFamily="34" charset="0"/>
               </a:rPr>
-              <a:t>Veracity</a:t>
+              <a:t>Characteristics of Big Data</a:t>
             </a:r>
             <a:endParaRPr lang="en-IN" sz="3200" i="1" dirty="0">
               <a:solidFill>
@@ -7732,10 +7600,10 @@
       </p:sp>
       <p:sp>
         <p:nvSpPr>
-          <p:cNvPr id="3" name="TextBox 2">
+          <p:cNvPr id="6" name="TextBox 5">
             <a:extLst>
               <a:ext uri="{FF2B5EF4-FFF2-40B4-BE49-F238E27FC236}">
-                <a16:creationId xmlns:a16="http://schemas.microsoft.com/office/drawing/2014/main" id="{4B5CEDCA-EEE7-04D8-EDEC-C2FA5EFF6CE5}"/>
+                <a16:creationId xmlns:a16="http://schemas.microsoft.com/office/drawing/2014/main" id="{7A4EC6FF-50F3-7757-E8E3-74F1C85A625C}"/>
               </a:ext>
             </a:extLst>
           </p:cNvPr>
@@ -7744,8 +7612,8 @@
         </p:nvSpPr>
         <p:spPr>
           <a:xfrm>
-            <a:off x="191344" y="215444"/>
-            <a:ext cx="4608512" cy="461665"/>
+            <a:off x="191344" y="908720"/>
+            <a:ext cx="11809312" cy="1045223"/>
           </a:xfrm>
           <a:prstGeom prst="rect">
             <a:avLst/>
@@ -7758,36 +7626,27 @@
           </a:bodyPr>
           <a:lstStyle/>
           <a:p>
-            <a:r>
-              <a:rPr lang="en-IN" sz="2400" b="0" i="0" u="none" strike="noStrike" dirty="0">
-                <a:solidFill>
-                  <a:srgbClr val="202124"/>
-                </a:solidFill>
-                <a:effectLst/>
-                <a:latin typeface="arial" panose="020B0604020202020204" pitchFamily="34" charset="0"/>
-              </a:rPr>
-              <a:t>Conformity</a:t>
-            </a:r>
-            <a:r>
-              <a:rPr lang="en-IN" sz="2400" b="0" i="0" dirty="0">
-                <a:solidFill>
-                  <a:srgbClr val="202124"/>
-                </a:solidFill>
-                <a:effectLst/>
-                <a:latin typeface="arial" panose="020B0604020202020204" pitchFamily="34" charset="0"/>
-              </a:rPr>
-              <a:t> to facts; accuracy.</a:t>
-            </a:r>
-            <a:endParaRPr lang="en-IN" sz="2400" dirty="0"/>
+            <a:pPr>
+              <a:lnSpc>
+                <a:spcPct val="150000"/>
+              </a:lnSpc>
+            </a:pPr>
+            <a:r>
+              <a:rPr lang="en-IN" sz="2200" dirty="0">
+                <a:latin typeface="Arial" panose="020B0604020202020204" pitchFamily="34" charset="0"/>
+                <a:cs typeface="Arial" panose="020B0604020202020204" pitchFamily="34" charset="0"/>
+              </a:rPr>
+              <a:t>It is used by many multinational companies to process the data and business of many organizations. The data flow would exceed 150 exabytes per day before replication.</a:t>
+            </a:r>
           </a:p>
         </p:txBody>
       </p:sp>
       <p:sp>
         <p:nvSpPr>
-          <p:cNvPr id="5" name="TextBox 4">
+          <p:cNvPr id="9" name="TextBox 8">
             <a:extLst>
               <a:ext uri="{FF2B5EF4-FFF2-40B4-BE49-F238E27FC236}">
-                <a16:creationId xmlns:a16="http://schemas.microsoft.com/office/drawing/2014/main" id="{60A76E6C-5DA9-1FE0-BCA5-8C766DE8FD05}"/>
+                <a16:creationId xmlns:a16="http://schemas.microsoft.com/office/drawing/2014/main" id="{AB4E6DC9-BF67-59E6-9A9C-1C759377F018}"/>
               </a:ext>
             </a:extLst>
           </p:cNvPr>
@@ -7796,8 +7655,8 @@
         </p:nvSpPr>
         <p:spPr>
           <a:xfrm>
-            <a:off x="407368" y="1008355"/>
-            <a:ext cx="11377264" cy="1938992"/>
+            <a:off x="407368" y="2420888"/>
+            <a:ext cx="11377264" cy="3420873"/>
           </a:xfrm>
           <a:prstGeom prst="rect">
             <a:avLst/>
@@ -7810,44 +7669,50 @@
           </a:bodyPr>
           <a:lstStyle/>
           <a:p>
-            <a:pPr marL="342900" indent="-342900" algn="just">
-              <a:buFont typeface="Arial" panose="020B0604020202020204" pitchFamily="34" charset="0"/>
-              <a:buChar char="•"/>
-            </a:pPr>
+            <a:pPr algn="just"/>
             <a:r>
               <a:rPr lang="en-US" sz="2400" b="0" i="0" dirty="0">
-                <a:effectLst/>
-                <a:latin typeface="Arial" panose="020B0604020202020204" pitchFamily="34" charset="0"/>
-                <a:cs typeface="Arial" panose="020B0604020202020204" pitchFamily="34" charset="0"/>
-              </a:rPr>
-              <a:t>Veracity means how much the data is reliable and accurate. </a:t>
+                <a:solidFill>
+                  <a:srgbClr val="C00000"/>
+                </a:solidFill>
+                <a:effectLst/>
+                <a:latin typeface="Arial" panose="020B0604020202020204" pitchFamily="34" charset="0"/>
+                <a:cs typeface="Arial" panose="020B0604020202020204" pitchFamily="34" charset="0"/>
+              </a:rPr>
+              <a:t>There are five v's of Big Data that explains the characteristics.</a:t>
             </a:r>
           </a:p>
           <a:p>
             <a:pPr algn="just"/>
-            <a:endParaRPr lang="en-US" sz="2400" b="0" i="0" dirty="0">
+            <a:endParaRPr lang="en-US" sz="1200" b="0" i="0" dirty="0">
+              <a:solidFill>
+                <a:srgbClr val="333333"/>
+              </a:solidFill>
               <a:effectLst/>
               <a:latin typeface="Arial" panose="020B0604020202020204" pitchFamily="34" charset="0"/>
               <a:cs typeface="Arial" panose="020B0604020202020204" pitchFamily="34" charset="0"/>
             </a:endParaRPr>
           </a:p>
           <a:p>
-            <a:pPr marL="342900" indent="-342900" algn="just">
-              <a:buFont typeface="Arial" panose="020B0604020202020204" pitchFamily="34" charset="0"/>
-              <a:buChar char="•"/>
-            </a:pPr>
-            <a:r>
-              <a:rPr lang="en-US" sz="2400" b="0" i="0" dirty="0">
-                <a:effectLst/>
-                <a:latin typeface="Arial" panose="020B0604020202020204" pitchFamily="34" charset="0"/>
-                <a:cs typeface="Arial" panose="020B0604020202020204" pitchFamily="34" charset="0"/>
-              </a:rPr>
-              <a:t>It has many ways to filter the data.</a:t>
-            </a:r>
-          </a:p>
-          <a:p>
             <a:pPr algn="just"/>
-            <a:endParaRPr lang="en-US" sz="2400" b="0" i="0" dirty="0">
+            <a:r>
+              <a:rPr lang="en-US" sz="2200" b="0" i="0" dirty="0">
+                <a:solidFill>
+                  <a:srgbClr val="610B4B"/>
+                </a:solidFill>
+                <a:effectLst/>
+                <a:latin typeface="Arial" panose="020B0604020202020204" pitchFamily="34" charset="0"/>
+                <a:cs typeface="Arial" panose="020B0604020202020204" pitchFamily="34" charset="0"/>
+              </a:rPr>
+              <a:t>5 V's of Big Data</a:t>
+            </a:r>
+          </a:p>
+          <a:p>
+            <a:pPr algn="just"/>
+            <a:endParaRPr lang="en-US" sz="1200" b="0" i="0" dirty="0">
+              <a:solidFill>
+                <a:srgbClr val="610B4B"/>
+              </a:solidFill>
               <a:effectLst/>
               <a:latin typeface="Arial" panose="020B0604020202020204" pitchFamily="34" charset="0"/>
               <a:cs typeface="Arial" panose="020B0604020202020204" pitchFamily="34" charset="0"/>
@@ -7855,16 +7720,87 @@
           </a:p>
           <a:p>
             <a:pPr marL="342900" indent="-342900" algn="just">
+              <a:lnSpc>
+                <a:spcPct val="150000"/>
+              </a:lnSpc>
               <a:buFont typeface="Arial" panose="020B0604020202020204" pitchFamily="34" charset="0"/>
               <a:buChar char="•"/>
             </a:pPr>
             <a:r>
-              <a:rPr lang="en-US" sz="2400" b="0" i="0" dirty="0">
-                <a:effectLst/>
-                <a:latin typeface="Arial" panose="020B0604020202020204" pitchFamily="34" charset="0"/>
-                <a:cs typeface="Arial" panose="020B0604020202020204" pitchFamily="34" charset="0"/>
-              </a:rPr>
-              <a:t> Veracity is the process to handle and manage data efficiently.</a:t>
+              <a:rPr lang="en-US" sz="2000" b="1" i="0" dirty="0">
+                <a:effectLst/>
+                <a:latin typeface="Arial" panose="020B0604020202020204" pitchFamily="34" charset="0"/>
+                <a:cs typeface="Arial" panose="020B0604020202020204" pitchFamily="34" charset="0"/>
+              </a:rPr>
+              <a:t>Volume</a:t>
+            </a:r>
+          </a:p>
+          <a:p>
+            <a:pPr marL="342900" indent="-342900" algn="just">
+              <a:lnSpc>
+                <a:spcPct val="150000"/>
+              </a:lnSpc>
+              <a:buFont typeface="Arial" panose="020B0604020202020204" pitchFamily="34" charset="0"/>
+              <a:buChar char="•"/>
+            </a:pPr>
+            <a:r>
+              <a:rPr lang="en-US" sz="2000" b="1" i="0" dirty="0">
+                <a:effectLst/>
+                <a:latin typeface="Arial" panose="020B0604020202020204" pitchFamily="34" charset="0"/>
+                <a:cs typeface="Arial" panose="020B0604020202020204" pitchFamily="34" charset="0"/>
+              </a:rPr>
+              <a:t>Veracity</a:t>
+            </a:r>
+          </a:p>
+          <a:p>
+            <a:pPr marL="342900" indent="-342900" algn="just">
+              <a:lnSpc>
+                <a:spcPct val="150000"/>
+              </a:lnSpc>
+              <a:buFont typeface="Arial" panose="020B0604020202020204" pitchFamily="34" charset="0"/>
+              <a:buChar char="•"/>
+            </a:pPr>
+            <a:r>
+              <a:rPr lang="en-US" sz="2000" b="1" i="0" dirty="0">
+                <a:effectLst/>
+                <a:latin typeface="Arial" panose="020B0604020202020204" pitchFamily="34" charset="0"/>
+                <a:cs typeface="Arial" panose="020B0604020202020204" pitchFamily="34" charset="0"/>
+              </a:rPr>
+              <a:t>Variety</a:t>
+            </a:r>
+          </a:p>
+          <a:p>
+            <a:pPr marL="342900" indent="-342900" algn="just">
+              <a:lnSpc>
+                <a:spcPct val="150000"/>
+              </a:lnSpc>
+              <a:buFont typeface="Arial" panose="020B0604020202020204" pitchFamily="34" charset="0"/>
+              <a:buChar char="•"/>
+            </a:pPr>
+            <a:r>
+              <a:rPr lang="en-US" sz="2000" b="1" i="0" dirty="0">
+                <a:effectLst/>
+                <a:latin typeface="Arial" panose="020B0604020202020204" pitchFamily="34" charset="0"/>
+                <a:cs typeface="Arial" panose="020B0604020202020204" pitchFamily="34" charset="0"/>
+              </a:rPr>
+              <a:t>Value</a:t>
+            </a:r>
+          </a:p>
+          <a:p>
+            <a:pPr marL="342900" indent="-342900" algn="just">
+              <a:lnSpc>
+                <a:spcPct val="150000"/>
+              </a:lnSpc>
+              <a:buFont typeface="Arial" panose="020B0604020202020204" pitchFamily="34" charset="0"/>
+              <a:buChar char="•"/>
+            </a:pPr>
+            <a:r>
+              <a:rPr lang="en-US" sz="2000" b="1" i="0" dirty="0">
+                <a:effectLst/>
+                <a:latin typeface="Arial" panose="020B0604020202020204" pitchFamily="34" charset="0"/>
+                <a:cs typeface="Arial" panose="020B0604020202020204" pitchFamily="34" charset="0"/>
+              </a:rPr>
+              <a:t>Velocity</a:t>
             </a:r>
           </a:p>
         </p:txBody>
@@ -7872,7 +7808,7 @@
     </p:spTree>
     <p:extLst>
       <p:ext uri="{BB962C8B-B14F-4D97-AF65-F5344CB8AC3E}">
-        <p14:creationId xmlns:p14="http://schemas.microsoft.com/office/powerpoint/2010/main" val="2413428036"/>
+        <p14:creationId xmlns:p14="http://schemas.microsoft.com/office/powerpoint/2010/main" val="3232024903"/>
       </p:ext>
     </p:extLst>
   </p:cSld>
@@ -7936,6 +7872,636 @@
                 <a:latin typeface="Arial" pitchFamily="34" charset="0"/>
                 <a:cs typeface="Arial" pitchFamily="34" charset="0"/>
               </a:rPr>
+              <a:t>Volume</a:t>
+            </a:r>
+            <a:endParaRPr lang="en-IN" sz="3200" i="1" dirty="0">
+              <a:solidFill>
+                <a:srgbClr val="FF9900"/>
+              </a:solidFill>
+              <a:latin typeface="Arial" pitchFamily="34" charset="0"/>
+              <a:cs typeface="Arial" pitchFamily="34" charset="0"/>
+            </a:endParaRPr>
+          </a:p>
+        </p:txBody>
+      </p:sp>
+      <p:sp>
+        <p:nvSpPr>
+          <p:cNvPr id="3" name="TextBox 2">
+            <a:extLst>
+              <a:ext uri="{FF2B5EF4-FFF2-40B4-BE49-F238E27FC236}">
+                <a16:creationId xmlns:a16="http://schemas.microsoft.com/office/drawing/2014/main" id="{0BD80FA2-0692-8C0A-410E-6B42560A0A5E}"/>
+              </a:ext>
+            </a:extLst>
+          </p:cNvPr>
+          <p:cNvSpPr txBox="1"/>
+          <p:nvPr/>
+        </p:nvSpPr>
+        <p:spPr>
+          <a:xfrm>
+            <a:off x="263352" y="2366878"/>
+            <a:ext cx="11521280" cy="2862322"/>
+          </a:xfrm>
+          <a:prstGeom prst="rect">
+            <a:avLst/>
+          </a:prstGeom>
+          <a:noFill/>
+        </p:spPr>
+        <p:txBody>
+          <a:bodyPr wrap="square">
+            <a:spAutoFit/>
+          </a:bodyPr>
+          <a:lstStyle/>
+          <a:p>
+            <a:pPr marL="342900" indent="-342900" algn="just">
+              <a:buFont typeface="Arial" panose="020B0604020202020204" pitchFamily="34" charset="0"/>
+              <a:buChar char="•"/>
+            </a:pPr>
+            <a:r>
+              <a:rPr lang="en-US" sz="2000" b="0" i="0" dirty="0">
+                <a:solidFill>
+                  <a:srgbClr val="333333"/>
+                </a:solidFill>
+                <a:effectLst/>
+                <a:latin typeface="Arial" panose="020B0604020202020204" pitchFamily="34" charset="0"/>
+                <a:cs typeface="Arial" panose="020B0604020202020204" pitchFamily="34" charset="0"/>
+              </a:rPr>
+              <a:t>Big Data is a vast 'volumes' of data generated from many sources daily, such as </a:t>
+            </a:r>
+            <a:r>
+              <a:rPr lang="en-US" sz="2000" b="1" i="0" dirty="0">
+                <a:solidFill>
+                  <a:srgbClr val="333333"/>
+                </a:solidFill>
+                <a:effectLst/>
+                <a:latin typeface="Arial" panose="020B0604020202020204" pitchFamily="34" charset="0"/>
+                <a:cs typeface="Arial" panose="020B0604020202020204" pitchFamily="34" charset="0"/>
+              </a:rPr>
+              <a:t>business processes, machines, social media platforms, networks, human interactions,</a:t>
+            </a:r>
+            <a:r>
+              <a:rPr lang="en-US" sz="2000" b="0" i="0" dirty="0">
+                <a:solidFill>
+                  <a:srgbClr val="333333"/>
+                </a:solidFill>
+                <a:effectLst/>
+                <a:latin typeface="Arial" panose="020B0604020202020204" pitchFamily="34" charset="0"/>
+                <a:cs typeface="Arial" panose="020B0604020202020204" pitchFamily="34" charset="0"/>
+              </a:rPr>
+              <a:t> and many more.</a:t>
+            </a:r>
+          </a:p>
+          <a:p>
+            <a:pPr marL="342900" indent="-342900" algn="just">
+              <a:buFont typeface="Arial" panose="020B0604020202020204" pitchFamily="34" charset="0"/>
+              <a:buChar char="•"/>
+            </a:pPr>
+            <a:endParaRPr lang="en-US" sz="2000" b="0" i="0" dirty="0">
+              <a:solidFill>
+                <a:srgbClr val="333333"/>
+              </a:solidFill>
+              <a:effectLst/>
+              <a:latin typeface="Arial" panose="020B0604020202020204" pitchFamily="34" charset="0"/>
+              <a:cs typeface="Arial" panose="020B0604020202020204" pitchFamily="34" charset="0"/>
+            </a:endParaRPr>
+          </a:p>
+          <a:p>
+            <a:pPr marL="342900" indent="-342900" algn="just">
+              <a:buFont typeface="Arial" panose="020B0604020202020204" pitchFamily="34" charset="0"/>
+              <a:buChar char="•"/>
+            </a:pPr>
+            <a:r>
+              <a:rPr lang="en-US" sz="2000" b="1" i="0" dirty="0">
+                <a:solidFill>
+                  <a:srgbClr val="333333"/>
+                </a:solidFill>
+                <a:effectLst/>
+                <a:latin typeface="Arial" panose="020B0604020202020204" pitchFamily="34" charset="0"/>
+                <a:cs typeface="Arial" panose="020B0604020202020204" pitchFamily="34" charset="0"/>
+              </a:rPr>
+              <a:t>Facebook</a:t>
+            </a:r>
+            <a:r>
+              <a:rPr lang="en-US" sz="2000" b="0" i="0" dirty="0">
+                <a:solidFill>
+                  <a:srgbClr val="333333"/>
+                </a:solidFill>
+                <a:effectLst/>
+                <a:latin typeface="Arial" panose="020B0604020202020204" pitchFamily="34" charset="0"/>
+                <a:cs typeface="Arial" panose="020B0604020202020204" pitchFamily="34" charset="0"/>
+              </a:rPr>
+              <a:t> can generate approximately a </a:t>
+            </a:r>
+            <a:r>
+              <a:rPr lang="en-US" sz="2000" b="1" i="0" dirty="0">
+                <a:solidFill>
+                  <a:srgbClr val="333333"/>
+                </a:solidFill>
+                <a:effectLst/>
+                <a:latin typeface="Arial" panose="020B0604020202020204" pitchFamily="34" charset="0"/>
+                <a:cs typeface="Arial" panose="020B0604020202020204" pitchFamily="34" charset="0"/>
+              </a:rPr>
+              <a:t>billion</a:t>
+            </a:r>
+            <a:r>
+              <a:rPr lang="en-US" sz="2000" b="0" i="0" dirty="0">
+                <a:solidFill>
+                  <a:srgbClr val="333333"/>
+                </a:solidFill>
+                <a:effectLst/>
+                <a:latin typeface="Arial" panose="020B0604020202020204" pitchFamily="34" charset="0"/>
+                <a:cs typeface="Arial" panose="020B0604020202020204" pitchFamily="34" charset="0"/>
+              </a:rPr>
+              <a:t> messages, </a:t>
+            </a:r>
+          </a:p>
+          <a:p>
+            <a:pPr marL="342900" indent="-342900" algn="just">
+              <a:buFont typeface="Arial" panose="020B0604020202020204" pitchFamily="34" charset="0"/>
+              <a:buChar char="•"/>
+            </a:pPr>
+            <a:endParaRPr lang="en-US" sz="2000" dirty="0">
+              <a:solidFill>
+                <a:srgbClr val="333333"/>
+              </a:solidFill>
+              <a:latin typeface="Arial" panose="020B0604020202020204" pitchFamily="34" charset="0"/>
+              <a:cs typeface="Arial" panose="020B0604020202020204" pitchFamily="34" charset="0"/>
+            </a:endParaRPr>
+          </a:p>
+          <a:p>
+            <a:pPr marL="342900" indent="-342900" algn="just">
+              <a:buFont typeface="Arial" panose="020B0604020202020204" pitchFamily="34" charset="0"/>
+              <a:buChar char="•"/>
+            </a:pPr>
+            <a:r>
+              <a:rPr lang="en-US" sz="2000" b="1" i="0" dirty="0">
+                <a:solidFill>
+                  <a:srgbClr val="333333"/>
+                </a:solidFill>
+                <a:effectLst/>
+                <a:latin typeface="Arial" panose="020B0604020202020204" pitchFamily="34" charset="0"/>
+                <a:cs typeface="Arial" panose="020B0604020202020204" pitchFamily="34" charset="0"/>
+              </a:rPr>
+              <a:t>Billion</a:t>
+            </a:r>
+            <a:r>
+              <a:rPr lang="en-US" sz="2000" b="0" i="0" dirty="0">
+                <a:solidFill>
+                  <a:srgbClr val="333333"/>
+                </a:solidFill>
+                <a:effectLst/>
+                <a:latin typeface="Arial" panose="020B0604020202020204" pitchFamily="34" charset="0"/>
+                <a:cs typeface="Arial" panose="020B0604020202020204" pitchFamily="34" charset="0"/>
+              </a:rPr>
+              <a:t> of times, the "</a:t>
+            </a:r>
+            <a:r>
+              <a:rPr lang="en-US" sz="2000" b="1" i="0" dirty="0">
+                <a:solidFill>
+                  <a:srgbClr val="333333"/>
+                </a:solidFill>
+                <a:effectLst/>
+                <a:latin typeface="Arial" panose="020B0604020202020204" pitchFamily="34" charset="0"/>
+                <a:cs typeface="Arial" panose="020B0604020202020204" pitchFamily="34" charset="0"/>
+              </a:rPr>
+              <a:t>Like</a:t>
+            </a:r>
+            <a:r>
+              <a:rPr lang="en-US" sz="2000" b="0" i="0" dirty="0">
+                <a:solidFill>
+                  <a:srgbClr val="333333"/>
+                </a:solidFill>
+                <a:effectLst/>
+                <a:latin typeface="Arial" panose="020B0604020202020204" pitchFamily="34" charset="0"/>
+                <a:cs typeface="Arial" panose="020B0604020202020204" pitchFamily="34" charset="0"/>
+              </a:rPr>
+              <a:t>" button is recorded, </a:t>
+            </a:r>
+          </a:p>
+          <a:p>
+            <a:pPr marL="342900" indent="-342900" algn="just">
+              <a:buFont typeface="Arial" panose="020B0604020202020204" pitchFamily="34" charset="0"/>
+              <a:buChar char="•"/>
+            </a:pPr>
+            <a:endParaRPr lang="en-US" sz="2000" dirty="0">
+              <a:solidFill>
+                <a:srgbClr val="333333"/>
+              </a:solidFill>
+              <a:latin typeface="Arial" panose="020B0604020202020204" pitchFamily="34" charset="0"/>
+              <a:cs typeface="Arial" panose="020B0604020202020204" pitchFamily="34" charset="0"/>
+            </a:endParaRPr>
+          </a:p>
+          <a:p>
+            <a:pPr marL="342900" indent="-342900" algn="just">
+              <a:buFont typeface="Arial" panose="020B0604020202020204" pitchFamily="34" charset="0"/>
+              <a:buChar char="•"/>
+            </a:pPr>
+            <a:r>
+              <a:rPr lang="en-US" sz="2000" b="0" i="0" dirty="0">
+                <a:solidFill>
+                  <a:srgbClr val="333333"/>
+                </a:solidFill>
+                <a:effectLst/>
+                <a:latin typeface="Arial" panose="020B0604020202020204" pitchFamily="34" charset="0"/>
+                <a:cs typeface="Arial" panose="020B0604020202020204" pitchFamily="34" charset="0"/>
+              </a:rPr>
+              <a:t>and </a:t>
+            </a:r>
+            <a:r>
+              <a:rPr lang="en-US" sz="2000" b="1" i="0" dirty="0">
+                <a:solidFill>
+                  <a:srgbClr val="333333"/>
+                </a:solidFill>
+                <a:effectLst/>
+                <a:latin typeface="Arial" panose="020B0604020202020204" pitchFamily="34" charset="0"/>
+                <a:cs typeface="Arial" panose="020B0604020202020204" pitchFamily="34" charset="0"/>
+              </a:rPr>
+              <a:t>millions</a:t>
+            </a:r>
+            <a:r>
+              <a:rPr lang="en-US" sz="2000" b="0" i="0" dirty="0">
+                <a:solidFill>
+                  <a:srgbClr val="333333"/>
+                </a:solidFill>
+                <a:effectLst/>
+                <a:latin typeface="Arial" panose="020B0604020202020204" pitchFamily="34" charset="0"/>
+                <a:cs typeface="Arial" panose="020B0604020202020204" pitchFamily="34" charset="0"/>
+              </a:rPr>
+              <a:t> of new posts are uploaded each day. </a:t>
+            </a:r>
+          </a:p>
+        </p:txBody>
+      </p:sp>
+      <p:sp>
+        <p:nvSpPr>
+          <p:cNvPr id="5" name="TextBox 4">
+            <a:extLst>
+              <a:ext uri="{FF2B5EF4-FFF2-40B4-BE49-F238E27FC236}">
+                <a16:creationId xmlns:a16="http://schemas.microsoft.com/office/drawing/2014/main" id="{4BBE33AB-BF80-A13E-D5B7-119EB9740A68}"/>
+              </a:ext>
+            </a:extLst>
+          </p:cNvPr>
+          <p:cNvSpPr txBox="1"/>
+          <p:nvPr/>
+        </p:nvSpPr>
+        <p:spPr>
+          <a:xfrm>
+            <a:off x="551384" y="1008355"/>
+            <a:ext cx="11233248" cy="830997"/>
+          </a:xfrm>
+          <a:prstGeom prst="rect">
+            <a:avLst/>
+          </a:prstGeom>
+          <a:noFill/>
+        </p:spPr>
+        <p:txBody>
+          <a:bodyPr wrap="square">
+            <a:spAutoFit/>
+          </a:bodyPr>
+          <a:lstStyle/>
+          <a:p>
+            <a:pPr algn="just"/>
+            <a:r>
+              <a:rPr lang="en-US" sz="2400" b="0" i="0" dirty="0">
+                <a:solidFill>
+                  <a:srgbClr val="C00000"/>
+                </a:solidFill>
+                <a:effectLst/>
+                <a:latin typeface="Arial" panose="020B0604020202020204" pitchFamily="34" charset="0"/>
+                <a:cs typeface="Arial" panose="020B0604020202020204" pitchFamily="34" charset="0"/>
+              </a:rPr>
+              <a:t>The name Big Data itself is related to an enormous size of data. </a:t>
+            </a:r>
+            <a:r>
+              <a:rPr lang="en-US" sz="2400" b="0" i="0" dirty="0">
+                <a:solidFill>
+                  <a:srgbClr val="333333"/>
+                </a:solidFill>
+                <a:effectLst/>
+                <a:latin typeface="Arial" panose="020B0604020202020204" pitchFamily="34" charset="0"/>
+                <a:cs typeface="Arial" panose="020B0604020202020204" pitchFamily="34" charset="0"/>
+              </a:rPr>
+              <a:t>Big data technologies can handle large amounts of data.</a:t>
+            </a:r>
+          </a:p>
+        </p:txBody>
+      </p:sp>
+      <p:pic>
+        <p:nvPicPr>
+          <p:cNvPr id="2" name="Picture 2" descr="Big Data Volume Growth - Big Data Tutorial - Edureka">
+            <a:extLst>
+              <a:ext uri="{FF2B5EF4-FFF2-40B4-BE49-F238E27FC236}">
+                <a16:creationId xmlns:a16="http://schemas.microsoft.com/office/drawing/2014/main" id="{5A774089-67ED-8738-2FF5-785289EB2AC4}"/>
+              </a:ext>
+            </a:extLst>
+          </p:cNvPr>
+          <p:cNvPicPr>
+            <a:picLocks noChangeAspect="1" noChangeArrowheads="1"/>
+          </p:cNvPicPr>
+          <p:nvPr/>
+        </p:nvPicPr>
+        <p:blipFill>
+          <a:blip r:embed="rId2"/>
+          <a:srcRect/>
+          <a:stretch>
+            <a:fillRect/>
+          </a:stretch>
+        </p:blipFill>
+        <p:spPr bwMode="auto">
+          <a:xfrm>
+            <a:off x="8382016" y="3535026"/>
+            <a:ext cx="3258600" cy="3299418"/>
+          </a:xfrm>
+          <a:prstGeom prst="rect">
+            <a:avLst/>
+          </a:prstGeom>
+          <a:noFill/>
+        </p:spPr>
+      </p:pic>
+    </p:spTree>
+    <p:extLst>
+      <p:ext uri="{BB962C8B-B14F-4D97-AF65-F5344CB8AC3E}">
+        <p14:creationId xmlns:p14="http://schemas.microsoft.com/office/powerpoint/2010/main" val="255849756"/>
+      </p:ext>
+    </p:extLst>
+  </p:cSld>
+  <p:clrMapOvr>
+    <a:masterClrMapping/>
+  </p:clrMapOvr>
+</p:sld>
+</file>
+
+<file path=ppt/slides/slide27.xml><?xml version="1.0" encoding="utf-8"?>
+<p:sld xmlns:a="http://schemas.openxmlformats.org/drawingml/2006/main" xmlns:r="http://schemas.openxmlformats.org/officeDocument/2006/relationships" xmlns:p="http://schemas.openxmlformats.org/presentationml/2006/main">
+  <p:cSld>
+    <p:spTree>
+      <p:nvGrpSpPr>
+        <p:cNvPr id="1" name=""/>
+        <p:cNvGrpSpPr/>
+        <p:nvPr/>
+      </p:nvGrpSpPr>
+      <p:grpSpPr>
+        <a:xfrm>
+          <a:off x="0" y="0"/>
+          <a:ext cx="0" cy="0"/>
+          <a:chOff x="0" y="0"/>
+          <a:chExt cx="0" cy="0"/>
+        </a:xfrm>
+      </p:grpSpPr>
+      <p:sp>
+        <p:nvSpPr>
+          <p:cNvPr id="4" name="Rectangle 3">
+            <a:extLst>
+              <a:ext uri="{FF2B5EF4-FFF2-40B4-BE49-F238E27FC236}">
+                <a16:creationId xmlns:a16="http://schemas.microsoft.com/office/drawing/2014/main" id="{6524962B-7610-4EFD-AA5E-DDE403AB8860}"/>
+              </a:ext>
+            </a:extLst>
+          </p:cNvPr>
+          <p:cNvSpPr/>
+          <p:nvPr/>
+        </p:nvSpPr>
+        <p:spPr>
+          <a:xfrm>
+            <a:off x="1524000" y="1"/>
+            <a:ext cx="9144000" cy="584775"/>
+          </a:xfrm>
+          <a:prstGeom prst="rect">
+            <a:avLst/>
+          </a:prstGeom>
+          <a:noFill/>
+        </p:spPr>
+        <p:txBody>
+          <a:bodyPr wrap="square">
+            <a:spAutoFit/>
+          </a:bodyPr>
+          <a:lstStyle/>
+          <a:p>
+            <a:pPr algn="r"/>
+            <a:r>
+              <a:rPr lang="en-US" sz="3200" i="1" dirty="0">
+                <a:solidFill>
+                  <a:srgbClr val="FF9900"/>
+                </a:solidFill>
+                <a:latin typeface="Arial" pitchFamily="34" charset="0"/>
+                <a:cs typeface="Arial" pitchFamily="34" charset="0"/>
+              </a:rPr>
+              <a:t>Veracity</a:t>
+            </a:r>
+            <a:endParaRPr lang="en-IN" sz="3200" i="1" dirty="0">
+              <a:solidFill>
+                <a:srgbClr val="FF9900"/>
+              </a:solidFill>
+              <a:latin typeface="Arial" pitchFamily="34" charset="0"/>
+              <a:cs typeface="Arial" pitchFamily="34" charset="0"/>
+            </a:endParaRPr>
+          </a:p>
+        </p:txBody>
+      </p:sp>
+      <p:sp>
+        <p:nvSpPr>
+          <p:cNvPr id="3" name="TextBox 2">
+            <a:extLst>
+              <a:ext uri="{FF2B5EF4-FFF2-40B4-BE49-F238E27FC236}">
+                <a16:creationId xmlns:a16="http://schemas.microsoft.com/office/drawing/2014/main" id="{4B5CEDCA-EEE7-04D8-EDEC-C2FA5EFF6CE5}"/>
+              </a:ext>
+            </a:extLst>
+          </p:cNvPr>
+          <p:cNvSpPr txBox="1"/>
+          <p:nvPr/>
+        </p:nvSpPr>
+        <p:spPr>
+          <a:xfrm>
+            <a:off x="191344" y="215444"/>
+            <a:ext cx="4608512" cy="461665"/>
+          </a:xfrm>
+          <a:prstGeom prst="rect">
+            <a:avLst/>
+          </a:prstGeom>
+          <a:noFill/>
+        </p:spPr>
+        <p:txBody>
+          <a:bodyPr wrap="square">
+            <a:spAutoFit/>
+          </a:bodyPr>
+          <a:lstStyle/>
+          <a:p>
+            <a:r>
+              <a:rPr lang="en-IN" sz="2400" b="0" i="0" u="none" strike="noStrike" dirty="0">
+                <a:solidFill>
+                  <a:srgbClr val="202124"/>
+                </a:solidFill>
+                <a:effectLst/>
+                <a:latin typeface="arial" panose="020B0604020202020204" pitchFamily="34" charset="0"/>
+              </a:rPr>
+              <a:t>Conformity</a:t>
+            </a:r>
+            <a:r>
+              <a:rPr lang="en-IN" sz="2400" b="0" i="0" dirty="0">
+                <a:solidFill>
+                  <a:srgbClr val="202124"/>
+                </a:solidFill>
+                <a:effectLst/>
+                <a:latin typeface="arial" panose="020B0604020202020204" pitchFamily="34" charset="0"/>
+              </a:rPr>
+              <a:t> to facts; accuracy.</a:t>
+            </a:r>
+            <a:endParaRPr lang="en-IN" sz="2400" dirty="0"/>
+          </a:p>
+        </p:txBody>
+      </p:sp>
+      <p:sp>
+        <p:nvSpPr>
+          <p:cNvPr id="5" name="TextBox 4">
+            <a:extLst>
+              <a:ext uri="{FF2B5EF4-FFF2-40B4-BE49-F238E27FC236}">
+                <a16:creationId xmlns:a16="http://schemas.microsoft.com/office/drawing/2014/main" id="{60A76E6C-5DA9-1FE0-BCA5-8C766DE8FD05}"/>
+              </a:ext>
+            </a:extLst>
+          </p:cNvPr>
+          <p:cNvSpPr txBox="1"/>
+          <p:nvPr/>
+        </p:nvSpPr>
+        <p:spPr>
+          <a:xfrm>
+            <a:off x="407368" y="1008355"/>
+            <a:ext cx="11377264" cy="1938992"/>
+          </a:xfrm>
+          <a:prstGeom prst="rect">
+            <a:avLst/>
+          </a:prstGeom>
+          <a:noFill/>
+        </p:spPr>
+        <p:txBody>
+          <a:bodyPr wrap="square">
+            <a:spAutoFit/>
+          </a:bodyPr>
+          <a:lstStyle/>
+          <a:p>
+            <a:pPr marL="342900" indent="-342900" algn="just">
+              <a:buFont typeface="Arial" panose="020B0604020202020204" pitchFamily="34" charset="0"/>
+              <a:buChar char="•"/>
+            </a:pPr>
+            <a:r>
+              <a:rPr lang="en-US" sz="2400" b="0" i="0" dirty="0">
+                <a:effectLst/>
+                <a:latin typeface="Arial" panose="020B0604020202020204" pitchFamily="34" charset="0"/>
+                <a:cs typeface="Arial" panose="020B0604020202020204" pitchFamily="34" charset="0"/>
+              </a:rPr>
+              <a:t>Veracity means how much the data is reliable and accurate. </a:t>
+            </a:r>
+          </a:p>
+          <a:p>
+            <a:pPr algn="just"/>
+            <a:endParaRPr lang="en-US" sz="2400" b="0" i="0" dirty="0">
+              <a:effectLst/>
+              <a:latin typeface="Arial" panose="020B0604020202020204" pitchFamily="34" charset="0"/>
+              <a:cs typeface="Arial" panose="020B0604020202020204" pitchFamily="34" charset="0"/>
+            </a:endParaRPr>
+          </a:p>
+          <a:p>
+            <a:pPr marL="342900" indent="-342900" algn="just">
+              <a:buFont typeface="Arial" panose="020B0604020202020204" pitchFamily="34" charset="0"/>
+              <a:buChar char="•"/>
+            </a:pPr>
+            <a:r>
+              <a:rPr lang="en-US" sz="2400" b="0" i="0" dirty="0">
+                <a:effectLst/>
+                <a:latin typeface="Arial" panose="020B0604020202020204" pitchFamily="34" charset="0"/>
+                <a:cs typeface="Arial" panose="020B0604020202020204" pitchFamily="34" charset="0"/>
+              </a:rPr>
+              <a:t>It has many ways to filter the data.</a:t>
+            </a:r>
+          </a:p>
+          <a:p>
+            <a:pPr algn="just"/>
+            <a:endParaRPr lang="en-US" sz="2400" b="0" i="0" dirty="0">
+              <a:effectLst/>
+              <a:latin typeface="Arial" panose="020B0604020202020204" pitchFamily="34" charset="0"/>
+              <a:cs typeface="Arial" panose="020B0604020202020204" pitchFamily="34" charset="0"/>
+            </a:endParaRPr>
+          </a:p>
+          <a:p>
+            <a:pPr marL="342900" indent="-342900" algn="just">
+              <a:buFont typeface="Arial" panose="020B0604020202020204" pitchFamily="34" charset="0"/>
+              <a:buChar char="•"/>
+            </a:pPr>
+            <a:r>
+              <a:rPr lang="en-US" sz="2400" b="0" i="0" dirty="0">
+                <a:effectLst/>
+                <a:latin typeface="Arial" panose="020B0604020202020204" pitchFamily="34" charset="0"/>
+                <a:cs typeface="Arial" panose="020B0604020202020204" pitchFamily="34" charset="0"/>
+              </a:rPr>
+              <a:t> Veracity is the process to handle and manage data efficiently.</a:t>
+            </a:r>
+          </a:p>
+        </p:txBody>
+      </p:sp>
+    </p:spTree>
+    <p:extLst>
+      <p:ext uri="{BB962C8B-B14F-4D97-AF65-F5344CB8AC3E}">
+        <p14:creationId xmlns:p14="http://schemas.microsoft.com/office/powerpoint/2010/main" val="2413428036"/>
+      </p:ext>
+    </p:extLst>
+  </p:cSld>
+  <p:clrMapOvr>
+    <a:masterClrMapping/>
+  </p:clrMapOvr>
+</p:sld>
+</file>
+
+<file path=ppt/slides/slide28.xml><?xml version="1.0" encoding="utf-8"?>
+<p:sld xmlns:a="http://schemas.openxmlformats.org/drawingml/2006/main" xmlns:r="http://schemas.openxmlformats.org/officeDocument/2006/relationships" xmlns:p="http://schemas.openxmlformats.org/presentationml/2006/main">
+  <p:cSld>
+    <p:spTree>
+      <p:nvGrpSpPr>
+        <p:cNvPr id="1" name=""/>
+        <p:cNvGrpSpPr/>
+        <p:nvPr/>
+      </p:nvGrpSpPr>
+      <p:grpSpPr>
+        <a:xfrm>
+          <a:off x="0" y="0"/>
+          <a:ext cx="0" cy="0"/>
+          <a:chOff x="0" y="0"/>
+          <a:chExt cx="0" cy="0"/>
+        </a:xfrm>
+      </p:grpSpPr>
+      <p:sp>
+        <p:nvSpPr>
+          <p:cNvPr id="4" name="Rectangle 3">
+            <a:extLst>
+              <a:ext uri="{FF2B5EF4-FFF2-40B4-BE49-F238E27FC236}">
+                <a16:creationId xmlns:a16="http://schemas.microsoft.com/office/drawing/2014/main" id="{6524962B-7610-4EFD-AA5E-DDE403AB8860}"/>
+              </a:ext>
+            </a:extLst>
+          </p:cNvPr>
+          <p:cNvSpPr/>
+          <p:nvPr/>
+        </p:nvSpPr>
+        <p:spPr>
+          <a:xfrm>
+            <a:off x="1524000" y="1"/>
+            <a:ext cx="9144000" cy="584775"/>
+          </a:xfrm>
+          <a:prstGeom prst="rect">
+            <a:avLst/>
+          </a:prstGeom>
+          <a:noFill/>
+        </p:spPr>
+        <p:txBody>
+          <a:bodyPr wrap="square">
+            <a:spAutoFit/>
+          </a:bodyPr>
+          <a:lstStyle/>
+          <a:p>
+            <a:pPr algn="r"/>
+            <a:r>
+              <a:rPr lang="en-US" sz="3200" i="1" dirty="0">
+                <a:solidFill>
+                  <a:srgbClr val="FF9900"/>
+                </a:solidFill>
+                <a:latin typeface="Arial" pitchFamily="34" charset="0"/>
+                <a:cs typeface="Arial" pitchFamily="34" charset="0"/>
+              </a:rPr>
               <a:t>Variety </a:t>
             </a:r>
             <a:endParaRPr lang="en-IN" sz="3200" i="1" dirty="0">
@@ -7991,7 +8557,7 @@
 </p:sld>
 </file>
 
-<file path=ppt/slides/slide27.xml><?xml version="1.0" encoding="utf-8"?>
+<file path=ppt/slides/slide29.xml><?xml version="1.0" encoding="utf-8"?>
 <p:sld xmlns:a="http://schemas.openxmlformats.org/drawingml/2006/main" xmlns:r="http://schemas.openxmlformats.org/officeDocument/2006/relationships" xmlns:p="http://schemas.openxmlformats.org/presentationml/2006/main">
   <p:cSld>
     <p:spTree>
@@ -8330,7 +8896,488 @@
 </p:sld>
 </file>
 
-<file path=ppt/slides/slide28.xml><?xml version="1.0" encoding="utf-8"?>
+<file path=ppt/slides/slide3.xml><?xml version="1.0" encoding="utf-8"?>
+<p:sld xmlns:a="http://schemas.openxmlformats.org/drawingml/2006/main" xmlns:r="http://schemas.openxmlformats.org/officeDocument/2006/relationships" xmlns:p="http://schemas.openxmlformats.org/presentationml/2006/main">
+  <p:cSld>
+    <p:spTree>
+      <p:nvGrpSpPr>
+        <p:cNvPr id="1" name=""/>
+        <p:cNvGrpSpPr/>
+        <p:nvPr/>
+      </p:nvGrpSpPr>
+      <p:grpSpPr>
+        <a:xfrm>
+          <a:off x="0" y="0"/>
+          <a:ext cx="0" cy="0"/>
+          <a:chOff x="0" y="0"/>
+          <a:chExt cx="0" cy="0"/>
+        </a:xfrm>
+      </p:grpSpPr>
+      <p:sp>
+        <p:nvSpPr>
+          <p:cNvPr id="5" name="Rectangle 4"/>
+          <p:cNvSpPr/>
+          <p:nvPr/>
+        </p:nvSpPr>
+        <p:spPr>
+          <a:xfrm>
+            <a:off x="1524596" y="4"/>
+            <a:ext cx="9142810" cy="584775"/>
+          </a:xfrm>
+          <a:prstGeom prst="rect">
+            <a:avLst/>
+          </a:prstGeom>
+          <a:noFill/>
+        </p:spPr>
+        <p:txBody>
+          <a:bodyPr wrap="square">
+            <a:spAutoFit/>
+          </a:bodyPr>
+          <a:lstStyle/>
+          <a:p>
+            <a:pPr algn="r"/>
+            <a:r>
+              <a:rPr lang="en-IN" sz="3200" i="1" dirty="0">
+                <a:solidFill>
+                  <a:srgbClr val="FF9900"/>
+                </a:solidFill>
+                <a:latin typeface="Arial" pitchFamily="34" charset="0"/>
+                <a:cs typeface="Arial" pitchFamily="34" charset="0"/>
+              </a:rPr>
+              <a:t>First Generation of Computers</a:t>
+            </a:r>
+          </a:p>
+        </p:txBody>
+      </p:sp>
+      <p:sp>
+        <p:nvSpPr>
+          <p:cNvPr id="4" name="TextBox 3">
+            <a:extLst>
+              <a:ext uri="{FF2B5EF4-FFF2-40B4-BE49-F238E27FC236}">
+                <a16:creationId xmlns:a16="http://schemas.microsoft.com/office/drawing/2014/main" id="{25232946-F519-C45A-F91D-1C84AB18C593}"/>
+              </a:ext>
+            </a:extLst>
+          </p:cNvPr>
+          <p:cNvSpPr txBox="1"/>
+          <p:nvPr/>
+        </p:nvSpPr>
+        <p:spPr>
+          <a:xfrm>
+            <a:off x="191344" y="908720"/>
+            <a:ext cx="11809312" cy="2492990"/>
+          </a:xfrm>
+          <a:prstGeom prst="rect">
+            <a:avLst/>
+          </a:prstGeom>
+          <a:noFill/>
+        </p:spPr>
+        <p:txBody>
+          <a:bodyPr wrap="square">
+            <a:spAutoFit/>
+          </a:bodyPr>
+          <a:lstStyle/>
+          <a:p>
+            <a:pPr marL="342900" indent="-342900" algn="just">
+              <a:buFont typeface="Arial" panose="020B0604020202020204" pitchFamily="34" charset="0"/>
+              <a:buChar char="•"/>
+            </a:pPr>
+            <a:r>
+              <a:rPr lang="en-US" sz="2000" b="0" i="0" dirty="0">
+                <a:solidFill>
+                  <a:srgbClr val="000000"/>
+                </a:solidFill>
+                <a:effectLst/>
+                <a:latin typeface="Arial" panose="020B0604020202020204" pitchFamily="34" charset="0"/>
+                <a:cs typeface="Arial" panose="020B0604020202020204" pitchFamily="34" charset="0"/>
+              </a:rPr>
+              <a:t>The period of first generation was from 1946-1959. </a:t>
+            </a:r>
+          </a:p>
+          <a:p>
+            <a:pPr marL="342900" indent="-342900" algn="just">
+              <a:buFont typeface="Arial" panose="020B0604020202020204" pitchFamily="34" charset="0"/>
+              <a:buChar char="•"/>
+            </a:pPr>
+            <a:endParaRPr lang="en-US" sz="1200" b="0" i="0" dirty="0">
+              <a:solidFill>
+                <a:srgbClr val="000000"/>
+              </a:solidFill>
+              <a:effectLst/>
+              <a:latin typeface="Arial" panose="020B0604020202020204" pitchFamily="34" charset="0"/>
+              <a:cs typeface="Arial" panose="020B0604020202020204" pitchFamily="34" charset="0"/>
+            </a:endParaRPr>
+          </a:p>
+          <a:p>
+            <a:pPr marL="342900" indent="-342900" algn="just">
+              <a:buFont typeface="Arial" panose="020B0604020202020204" pitchFamily="34" charset="0"/>
+              <a:buChar char="•"/>
+            </a:pPr>
+            <a:r>
+              <a:rPr lang="en-US" sz="2000" b="0" i="0" dirty="0">
+                <a:solidFill>
+                  <a:srgbClr val="000000"/>
+                </a:solidFill>
+                <a:effectLst/>
+                <a:latin typeface="Arial" panose="020B0604020202020204" pitchFamily="34" charset="0"/>
+                <a:cs typeface="Arial" panose="020B0604020202020204" pitchFamily="34" charset="0"/>
+              </a:rPr>
+              <a:t>The computers of first generation used vacuum tubes as the basic components for memory.</a:t>
+            </a:r>
+          </a:p>
+          <a:p>
+            <a:pPr marL="342900" indent="-342900" algn="just">
+              <a:buFont typeface="Arial" panose="020B0604020202020204" pitchFamily="34" charset="0"/>
+              <a:buChar char="•"/>
+            </a:pPr>
+            <a:endParaRPr lang="en-US" sz="1200" b="0" i="0" dirty="0">
+              <a:solidFill>
+                <a:srgbClr val="000000"/>
+              </a:solidFill>
+              <a:effectLst/>
+              <a:latin typeface="Arial" panose="020B0604020202020204" pitchFamily="34" charset="0"/>
+              <a:cs typeface="Arial" panose="020B0604020202020204" pitchFamily="34" charset="0"/>
+            </a:endParaRPr>
+          </a:p>
+          <a:p>
+            <a:pPr marL="342900" indent="-342900" algn="just">
+              <a:buFont typeface="Arial" panose="020B0604020202020204" pitchFamily="34" charset="0"/>
+              <a:buChar char="•"/>
+            </a:pPr>
+            <a:r>
+              <a:rPr lang="en-US" sz="2000" b="0" i="0" dirty="0">
+                <a:solidFill>
+                  <a:srgbClr val="000000"/>
+                </a:solidFill>
+                <a:effectLst/>
+                <a:latin typeface="Arial" panose="020B0604020202020204" pitchFamily="34" charset="0"/>
+                <a:cs typeface="Arial" panose="020B0604020202020204" pitchFamily="34" charset="0"/>
+              </a:rPr>
+              <a:t>In this generation, mainly batch processing operating system was used. Punch cards, paper tape, and magnetic tape was used as input and output devices. </a:t>
+            </a:r>
+          </a:p>
+          <a:p>
+            <a:pPr marL="342900" indent="-342900" algn="just">
+              <a:buFont typeface="Arial" panose="020B0604020202020204" pitchFamily="34" charset="0"/>
+              <a:buChar char="•"/>
+            </a:pPr>
+            <a:endParaRPr lang="en-US" sz="1200" dirty="0">
+              <a:solidFill>
+                <a:srgbClr val="000000"/>
+              </a:solidFill>
+              <a:latin typeface="Arial" panose="020B0604020202020204" pitchFamily="34" charset="0"/>
+              <a:cs typeface="Arial" panose="020B0604020202020204" pitchFamily="34" charset="0"/>
+            </a:endParaRPr>
+          </a:p>
+          <a:p>
+            <a:pPr marL="342900" indent="-342900" algn="just">
+              <a:buFont typeface="Arial" panose="020B0604020202020204" pitchFamily="34" charset="0"/>
+              <a:buChar char="•"/>
+            </a:pPr>
+            <a:r>
+              <a:rPr lang="en-US" sz="2000" b="0" i="0" dirty="0">
+                <a:solidFill>
+                  <a:srgbClr val="000000"/>
+                </a:solidFill>
+                <a:effectLst/>
+                <a:latin typeface="Arial" panose="020B0604020202020204" pitchFamily="34" charset="0"/>
+                <a:cs typeface="Arial" panose="020B0604020202020204" pitchFamily="34" charset="0"/>
+              </a:rPr>
+              <a:t>The computers in this generation used machine code (</a:t>
+            </a:r>
+            <a:r>
+              <a:rPr lang="en-US" sz="2000" b="0" i="0" dirty="0">
+                <a:solidFill>
+                  <a:schemeClr val="bg1">
+                    <a:lumMod val="50000"/>
+                  </a:schemeClr>
+                </a:solidFill>
+                <a:effectLst/>
+                <a:latin typeface="Arial" panose="020B0604020202020204" pitchFamily="34" charset="0"/>
+                <a:cs typeface="Arial" panose="020B0604020202020204" pitchFamily="34" charset="0"/>
+              </a:rPr>
+              <a:t>Machine language is a low-level language made up of binary numbers or bits that a computer can understand.</a:t>
+            </a:r>
+            <a:r>
+              <a:rPr lang="en-US" sz="2000" b="0" i="0" dirty="0">
+                <a:solidFill>
+                  <a:srgbClr val="000000"/>
+                </a:solidFill>
+                <a:effectLst/>
+                <a:latin typeface="Arial" panose="020B0604020202020204" pitchFamily="34" charset="0"/>
+                <a:cs typeface="Arial" panose="020B0604020202020204" pitchFamily="34" charset="0"/>
+              </a:rPr>
+              <a:t>) as the programming language.</a:t>
+            </a:r>
+          </a:p>
+        </p:txBody>
+      </p:sp>
+      <p:sp>
+        <p:nvSpPr>
+          <p:cNvPr id="8" name="TextBox 7">
+            <a:extLst>
+              <a:ext uri="{FF2B5EF4-FFF2-40B4-BE49-F238E27FC236}">
+                <a16:creationId xmlns:a16="http://schemas.microsoft.com/office/drawing/2014/main" id="{100ABC39-7515-EDCC-5A51-CD990F2F691E}"/>
+              </a:ext>
+            </a:extLst>
+          </p:cNvPr>
+          <p:cNvSpPr txBox="1"/>
+          <p:nvPr/>
+        </p:nvSpPr>
+        <p:spPr>
+          <a:xfrm>
+            <a:off x="263352" y="3946888"/>
+            <a:ext cx="6048672" cy="2246769"/>
+          </a:xfrm>
+          <a:prstGeom prst="rect">
+            <a:avLst/>
+          </a:prstGeom>
+          <a:noFill/>
+        </p:spPr>
+        <p:txBody>
+          <a:bodyPr wrap="square">
+            <a:spAutoFit/>
+          </a:bodyPr>
+          <a:lstStyle/>
+          <a:p>
+            <a:pPr algn="just"/>
+            <a:r>
+              <a:rPr lang="en-US" sz="2000" b="1" i="0" dirty="0">
+                <a:solidFill>
+                  <a:srgbClr val="000000"/>
+                </a:solidFill>
+                <a:effectLst/>
+                <a:latin typeface="Arial" panose="020B0604020202020204" pitchFamily="34" charset="0"/>
+                <a:cs typeface="Arial" panose="020B0604020202020204" pitchFamily="34" charset="0"/>
+              </a:rPr>
+              <a:t>The main features of the first generation are −</a:t>
+            </a:r>
+          </a:p>
+          <a:p>
+            <a:pPr algn="just"/>
+            <a:endParaRPr lang="en-US" sz="2000" b="0" i="0" dirty="0">
+              <a:solidFill>
+                <a:srgbClr val="000000"/>
+              </a:solidFill>
+              <a:effectLst/>
+              <a:latin typeface="Arial" panose="020B0604020202020204" pitchFamily="34" charset="0"/>
+              <a:cs typeface="Arial" panose="020B0604020202020204" pitchFamily="34" charset="0"/>
+            </a:endParaRPr>
+          </a:p>
+          <a:p>
+            <a:pPr marL="342900" indent="-342900" algn="l">
+              <a:buFont typeface="+mj-lt"/>
+              <a:buAutoNum type="arabicPeriod"/>
+            </a:pPr>
+            <a:r>
+              <a:rPr lang="en-US" sz="2000" b="0" i="0" dirty="0">
+                <a:solidFill>
+                  <a:srgbClr val="000000"/>
+                </a:solidFill>
+                <a:effectLst/>
+                <a:latin typeface="Arial" panose="020B0604020202020204" pitchFamily="34" charset="0"/>
+                <a:cs typeface="Arial" panose="020B0604020202020204" pitchFamily="34" charset="0"/>
+              </a:rPr>
+              <a:t>Vacuum tube technology</a:t>
+            </a:r>
+          </a:p>
+          <a:p>
+            <a:pPr marL="342900" indent="-342900" algn="l">
+              <a:buFont typeface="+mj-lt"/>
+              <a:buAutoNum type="arabicPeriod"/>
+            </a:pPr>
+            <a:r>
+              <a:rPr lang="en-US" sz="2000" b="0" i="0" dirty="0">
+                <a:solidFill>
+                  <a:srgbClr val="000000"/>
+                </a:solidFill>
+                <a:effectLst/>
+                <a:latin typeface="Arial" panose="020B0604020202020204" pitchFamily="34" charset="0"/>
+                <a:cs typeface="Arial" panose="020B0604020202020204" pitchFamily="34" charset="0"/>
+              </a:rPr>
+              <a:t>Unreliable</a:t>
+            </a:r>
+          </a:p>
+          <a:p>
+            <a:pPr marL="342900" indent="-342900" algn="l">
+              <a:buFont typeface="+mj-lt"/>
+              <a:buAutoNum type="arabicPeriod"/>
+            </a:pPr>
+            <a:r>
+              <a:rPr lang="en-US" sz="2000" b="0" i="0" dirty="0">
+                <a:solidFill>
+                  <a:srgbClr val="000000"/>
+                </a:solidFill>
+                <a:effectLst/>
+                <a:latin typeface="Arial" panose="020B0604020202020204" pitchFamily="34" charset="0"/>
+                <a:cs typeface="Arial" panose="020B0604020202020204" pitchFamily="34" charset="0"/>
+              </a:rPr>
+              <a:t>Supported machine language only</a:t>
+            </a:r>
+          </a:p>
+          <a:p>
+            <a:pPr marL="342900" indent="-342900" algn="l">
+              <a:buFont typeface="+mj-lt"/>
+              <a:buAutoNum type="arabicPeriod"/>
+            </a:pPr>
+            <a:r>
+              <a:rPr lang="en-US" sz="2000" b="0" i="0" dirty="0">
+                <a:solidFill>
+                  <a:srgbClr val="000000"/>
+                </a:solidFill>
+                <a:effectLst/>
+                <a:latin typeface="Arial" panose="020B0604020202020204" pitchFamily="34" charset="0"/>
+                <a:cs typeface="Arial" panose="020B0604020202020204" pitchFamily="34" charset="0"/>
+              </a:rPr>
+              <a:t>Very costly</a:t>
+            </a:r>
+          </a:p>
+          <a:p>
+            <a:pPr marL="342900" indent="-342900" algn="l">
+              <a:buFont typeface="+mj-lt"/>
+              <a:buAutoNum type="arabicPeriod"/>
+            </a:pPr>
+            <a:r>
+              <a:rPr lang="en-US" sz="2000" b="0" i="0" dirty="0">
+                <a:solidFill>
+                  <a:srgbClr val="000000"/>
+                </a:solidFill>
+                <a:effectLst/>
+                <a:latin typeface="Arial" panose="020B0604020202020204" pitchFamily="34" charset="0"/>
+                <a:cs typeface="Arial" panose="020B0604020202020204" pitchFamily="34" charset="0"/>
+              </a:rPr>
+              <a:t>Generated a lot of heat</a:t>
+            </a:r>
+          </a:p>
+        </p:txBody>
+      </p:sp>
+      <p:sp>
+        <p:nvSpPr>
+          <p:cNvPr id="9" name="TextBox 8">
+            <a:extLst>
+              <a:ext uri="{FF2B5EF4-FFF2-40B4-BE49-F238E27FC236}">
+                <a16:creationId xmlns:a16="http://schemas.microsoft.com/office/drawing/2014/main" id="{DA9BB401-39C0-000A-95D4-DEC93CD65E57}"/>
+              </a:ext>
+            </a:extLst>
+          </p:cNvPr>
+          <p:cNvSpPr txBox="1"/>
+          <p:nvPr/>
+        </p:nvSpPr>
+        <p:spPr>
+          <a:xfrm>
+            <a:off x="6168008" y="4562441"/>
+            <a:ext cx="5476392" cy="1631216"/>
+          </a:xfrm>
+          <a:prstGeom prst="rect">
+            <a:avLst/>
+          </a:prstGeom>
+          <a:noFill/>
+        </p:spPr>
+        <p:txBody>
+          <a:bodyPr wrap="square">
+            <a:spAutoFit/>
+          </a:bodyPr>
+          <a:lstStyle/>
+          <a:p>
+            <a:pPr marL="457200" indent="-457200" algn="l">
+              <a:buFont typeface="+mj-lt"/>
+              <a:buAutoNum type="arabicPeriod" startAt="6"/>
+            </a:pPr>
+            <a:r>
+              <a:rPr lang="en-US" sz="2000" b="0" i="0" dirty="0">
+                <a:solidFill>
+                  <a:srgbClr val="000000"/>
+                </a:solidFill>
+                <a:effectLst/>
+                <a:latin typeface="Arial" panose="020B0604020202020204" pitchFamily="34" charset="0"/>
+                <a:cs typeface="Arial" panose="020B0604020202020204" pitchFamily="34" charset="0"/>
+              </a:rPr>
+              <a:t>Slow input and output devices</a:t>
+            </a:r>
+          </a:p>
+          <a:p>
+            <a:pPr marL="457200" indent="-457200" algn="l">
+              <a:buFont typeface="+mj-lt"/>
+              <a:buAutoNum type="arabicPeriod" startAt="6"/>
+            </a:pPr>
+            <a:r>
+              <a:rPr lang="en-US" sz="2000" b="0" i="0" dirty="0">
+                <a:solidFill>
+                  <a:srgbClr val="000000"/>
+                </a:solidFill>
+                <a:effectLst/>
+                <a:latin typeface="Arial" panose="020B0604020202020204" pitchFamily="34" charset="0"/>
+                <a:cs typeface="Arial" panose="020B0604020202020204" pitchFamily="34" charset="0"/>
+              </a:rPr>
+              <a:t>Huge size</a:t>
+            </a:r>
+          </a:p>
+          <a:p>
+            <a:pPr marL="457200" indent="-457200" algn="l">
+              <a:buFont typeface="+mj-lt"/>
+              <a:buAutoNum type="arabicPeriod" startAt="6"/>
+            </a:pPr>
+            <a:r>
+              <a:rPr lang="en-US" sz="2000" b="0" i="0" dirty="0">
+                <a:solidFill>
+                  <a:srgbClr val="000000"/>
+                </a:solidFill>
+                <a:effectLst/>
+                <a:latin typeface="Arial" panose="020B0604020202020204" pitchFamily="34" charset="0"/>
+                <a:cs typeface="Arial" panose="020B0604020202020204" pitchFamily="34" charset="0"/>
+              </a:rPr>
+              <a:t>Need of AC</a:t>
+            </a:r>
+          </a:p>
+          <a:p>
+            <a:pPr marL="457200" indent="-457200" algn="l">
+              <a:buFont typeface="+mj-lt"/>
+              <a:buAutoNum type="arabicPeriod" startAt="6"/>
+            </a:pPr>
+            <a:r>
+              <a:rPr lang="en-US" sz="2000" b="0" i="0" dirty="0">
+                <a:solidFill>
+                  <a:srgbClr val="000000"/>
+                </a:solidFill>
+                <a:effectLst/>
+                <a:latin typeface="Arial" panose="020B0604020202020204" pitchFamily="34" charset="0"/>
+                <a:cs typeface="Arial" panose="020B0604020202020204" pitchFamily="34" charset="0"/>
+              </a:rPr>
+              <a:t>Non-portable</a:t>
+            </a:r>
+          </a:p>
+          <a:p>
+            <a:pPr marL="457200" indent="-457200" algn="l">
+              <a:buFont typeface="+mj-lt"/>
+              <a:buAutoNum type="arabicPeriod" startAt="6"/>
+            </a:pPr>
+            <a:r>
+              <a:rPr lang="en-US" sz="2000" b="0" i="0" dirty="0">
+                <a:solidFill>
+                  <a:srgbClr val="000000"/>
+                </a:solidFill>
+                <a:effectLst/>
+                <a:latin typeface="Arial" panose="020B0604020202020204" pitchFamily="34" charset="0"/>
+                <a:cs typeface="Arial" panose="020B0604020202020204" pitchFamily="34" charset="0"/>
+              </a:rPr>
+              <a:t>Consumed a lot of electricity</a:t>
+            </a:r>
+          </a:p>
+        </p:txBody>
+      </p:sp>
+    </p:spTree>
+    <p:extLst>
+      <p:ext uri="{BB962C8B-B14F-4D97-AF65-F5344CB8AC3E}">
+        <p14:creationId xmlns:p14="http://schemas.microsoft.com/office/powerpoint/2010/main" val="641634191"/>
+      </p:ext>
+    </p:extLst>
+  </p:cSld>
+  <p:clrMapOvr>
+    <a:masterClrMapping/>
+  </p:clrMapOvr>
+</p:sld>
+</file>
+
+<file path=ppt/slides/slide30.xml><?xml version="1.0" encoding="utf-8"?>
 <p:sld xmlns:a="http://schemas.openxmlformats.org/drawingml/2006/main" xmlns:r="http://schemas.openxmlformats.org/officeDocument/2006/relationships" xmlns:p="http://schemas.openxmlformats.org/presentationml/2006/main">
   <p:cSld>
     <p:spTree>
@@ -8563,7 +9610,7 @@
 </p:sld>
 </file>
 
-<file path=ppt/slides/slide29.xml><?xml version="1.0" encoding="utf-8"?>
+<file path=ppt/slides/slide31.xml><?xml version="1.0" encoding="utf-8"?>
 <p:sld xmlns:a="http://schemas.openxmlformats.org/drawingml/2006/main" xmlns:r="http://schemas.openxmlformats.org/officeDocument/2006/relationships" xmlns:p="http://schemas.openxmlformats.org/presentationml/2006/main">
   <p:cSld>
     <p:spTree>
@@ -8682,488 +9729,7 @@
 </p:sld>
 </file>
 
-<file path=ppt/slides/slide3.xml><?xml version="1.0" encoding="utf-8"?>
-<p:sld xmlns:a="http://schemas.openxmlformats.org/drawingml/2006/main" xmlns:r="http://schemas.openxmlformats.org/officeDocument/2006/relationships" xmlns:p="http://schemas.openxmlformats.org/presentationml/2006/main">
-  <p:cSld>
-    <p:spTree>
-      <p:nvGrpSpPr>
-        <p:cNvPr id="1" name=""/>
-        <p:cNvGrpSpPr/>
-        <p:nvPr/>
-      </p:nvGrpSpPr>
-      <p:grpSpPr>
-        <a:xfrm>
-          <a:off x="0" y="0"/>
-          <a:ext cx="0" cy="0"/>
-          <a:chOff x="0" y="0"/>
-          <a:chExt cx="0" cy="0"/>
-        </a:xfrm>
-      </p:grpSpPr>
-      <p:sp>
-        <p:nvSpPr>
-          <p:cNvPr id="5" name="Rectangle 4"/>
-          <p:cNvSpPr/>
-          <p:nvPr/>
-        </p:nvSpPr>
-        <p:spPr>
-          <a:xfrm>
-            <a:off x="1524596" y="4"/>
-            <a:ext cx="9142810" cy="584775"/>
-          </a:xfrm>
-          <a:prstGeom prst="rect">
-            <a:avLst/>
-          </a:prstGeom>
-          <a:noFill/>
-        </p:spPr>
-        <p:txBody>
-          <a:bodyPr wrap="square">
-            <a:spAutoFit/>
-          </a:bodyPr>
-          <a:lstStyle/>
-          <a:p>
-            <a:pPr algn="r"/>
-            <a:r>
-              <a:rPr lang="en-IN" sz="3200" i="1" dirty="0">
-                <a:solidFill>
-                  <a:srgbClr val="FF9900"/>
-                </a:solidFill>
-                <a:latin typeface="Arial" pitchFamily="34" charset="0"/>
-                <a:cs typeface="Arial" pitchFamily="34" charset="0"/>
-              </a:rPr>
-              <a:t>First Generation of Computers</a:t>
-            </a:r>
-          </a:p>
-        </p:txBody>
-      </p:sp>
-      <p:sp>
-        <p:nvSpPr>
-          <p:cNvPr id="4" name="TextBox 3">
-            <a:extLst>
-              <a:ext uri="{FF2B5EF4-FFF2-40B4-BE49-F238E27FC236}">
-                <a16:creationId xmlns:a16="http://schemas.microsoft.com/office/drawing/2014/main" id="{25232946-F519-C45A-F91D-1C84AB18C593}"/>
-              </a:ext>
-            </a:extLst>
-          </p:cNvPr>
-          <p:cNvSpPr txBox="1"/>
-          <p:nvPr/>
-        </p:nvSpPr>
-        <p:spPr>
-          <a:xfrm>
-            <a:off x="191344" y="908720"/>
-            <a:ext cx="11809312" cy="2492990"/>
-          </a:xfrm>
-          <a:prstGeom prst="rect">
-            <a:avLst/>
-          </a:prstGeom>
-          <a:noFill/>
-        </p:spPr>
-        <p:txBody>
-          <a:bodyPr wrap="square">
-            <a:spAutoFit/>
-          </a:bodyPr>
-          <a:lstStyle/>
-          <a:p>
-            <a:pPr marL="342900" indent="-342900" algn="just">
-              <a:buFont typeface="Arial" panose="020B0604020202020204" pitchFamily="34" charset="0"/>
-              <a:buChar char="•"/>
-            </a:pPr>
-            <a:r>
-              <a:rPr lang="en-US" sz="2000" b="0" i="0" dirty="0">
-                <a:solidFill>
-                  <a:srgbClr val="000000"/>
-                </a:solidFill>
-                <a:effectLst/>
-                <a:latin typeface="Arial" panose="020B0604020202020204" pitchFamily="34" charset="0"/>
-                <a:cs typeface="Arial" panose="020B0604020202020204" pitchFamily="34" charset="0"/>
-              </a:rPr>
-              <a:t>The period of first generation was from 1946-1959. </a:t>
-            </a:r>
-          </a:p>
-          <a:p>
-            <a:pPr marL="342900" indent="-342900" algn="just">
-              <a:buFont typeface="Arial" panose="020B0604020202020204" pitchFamily="34" charset="0"/>
-              <a:buChar char="•"/>
-            </a:pPr>
-            <a:endParaRPr lang="en-US" sz="1200" b="0" i="0" dirty="0">
-              <a:solidFill>
-                <a:srgbClr val="000000"/>
-              </a:solidFill>
-              <a:effectLst/>
-              <a:latin typeface="Arial" panose="020B0604020202020204" pitchFamily="34" charset="0"/>
-              <a:cs typeface="Arial" panose="020B0604020202020204" pitchFamily="34" charset="0"/>
-            </a:endParaRPr>
-          </a:p>
-          <a:p>
-            <a:pPr marL="342900" indent="-342900" algn="just">
-              <a:buFont typeface="Arial" panose="020B0604020202020204" pitchFamily="34" charset="0"/>
-              <a:buChar char="•"/>
-            </a:pPr>
-            <a:r>
-              <a:rPr lang="en-US" sz="2000" b="0" i="0" dirty="0">
-                <a:solidFill>
-                  <a:srgbClr val="000000"/>
-                </a:solidFill>
-                <a:effectLst/>
-                <a:latin typeface="Arial" panose="020B0604020202020204" pitchFamily="34" charset="0"/>
-                <a:cs typeface="Arial" panose="020B0604020202020204" pitchFamily="34" charset="0"/>
-              </a:rPr>
-              <a:t>The computers of first generation used vacuum tubes as the basic components for memory.</a:t>
-            </a:r>
-          </a:p>
-          <a:p>
-            <a:pPr marL="342900" indent="-342900" algn="just">
-              <a:buFont typeface="Arial" panose="020B0604020202020204" pitchFamily="34" charset="0"/>
-              <a:buChar char="•"/>
-            </a:pPr>
-            <a:endParaRPr lang="en-US" sz="1200" b="0" i="0" dirty="0">
-              <a:solidFill>
-                <a:srgbClr val="000000"/>
-              </a:solidFill>
-              <a:effectLst/>
-              <a:latin typeface="Arial" panose="020B0604020202020204" pitchFamily="34" charset="0"/>
-              <a:cs typeface="Arial" panose="020B0604020202020204" pitchFamily="34" charset="0"/>
-            </a:endParaRPr>
-          </a:p>
-          <a:p>
-            <a:pPr marL="342900" indent="-342900" algn="just">
-              <a:buFont typeface="Arial" panose="020B0604020202020204" pitchFamily="34" charset="0"/>
-              <a:buChar char="•"/>
-            </a:pPr>
-            <a:r>
-              <a:rPr lang="en-US" sz="2000" b="0" i="0" dirty="0">
-                <a:solidFill>
-                  <a:srgbClr val="000000"/>
-                </a:solidFill>
-                <a:effectLst/>
-                <a:latin typeface="Arial" panose="020B0604020202020204" pitchFamily="34" charset="0"/>
-                <a:cs typeface="Arial" panose="020B0604020202020204" pitchFamily="34" charset="0"/>
-              </a:rPr>
-              <a:t>In this generation, mainly batch processing operating system was used. Punch cards, paper tape, and magnetic tape was used as input and output devices. </a:t>
-            </a:r>
-          </a:p>
-          <a:p>
-            <a:pPr marL="342900" indent="-342900" algn="just">
-              <a:buFont typeface="Arial" panose="020B0604020202020204" pitchFamily="34" charset="0"/>
-              <a:buChar char="•"/>
-            </a:pPr>
-            <a:endParaRPr lang="en-US" sz="1200" dirty="0">
-              <a:solidFill>
-                <a:srgbClr val="000000"/>
-              </a:solidFill>
-              <a:latin typeface="Arial" panose="020B0604020202020204" pitchFamily="34" charset="0"/>
-              <a:cs typeface="Arial" panose="020B0604020202020204" pitchFamily="34" charset="0"/>
-            </a:endParaRPr>
-          </a:p>
-          <a:p>
-            <a:pPr marL="342900" indent="-342900" algn="just">
-              <a:buFont typeface="Arial" panose="020B0604020202020204" pitchFamily="34" charset="0"/>
-              <a:buChar char="•"/>
-            </a:pPr>
-            <a:r>
-              <a:rPr lang="en-US" sz="2000" b="0" i="0" dirty="0">
-                <a:solidFill>
-                  <a:srgbClr val="000000"/>
-                </a:solidFill>
-                <a:effectLst/>
-                <a:latin typeface="Arial" panose="020B0604020202020204" pitchFamily="34" charset="0"/>
-                <a:cs typeface="Arial" panose="020B0604020202020204" pitchFamily="34" charset="0"/>
-              </a:rPr>
-              <a:t>The computers in this generation used machine code (</a:t>
-            </a:r>
-            <a:r>
-              <a:rPr lang="en-US" sz="2000" b="0" i="0" dirty="0">
-                <a:solidFill>
-                  <a:schemeClr val="bg1">
-                    <a:lumMod val="50000"/>
-                  </a:schemeClr>
-                </a:solidFill>
-                <a:effectLst/>
-                <a:latin typeface="Arial" panose="020B0604020202020204" pitchFamily="34" charset="0"/>
-                <a:cs typeface="Arial" panose="020B0604020202020204" pitchFamily="34" charset="0"/>
-              </a:rPr>
-              <a:t>Machine language is a low-level language made up of binary numbers or bits that a computer can understand.</a:t>
-            </a:r>
-            <a:r>
-              <a:rPr lang="en-US" sz="2000" b="0" i="0" dirty="0">
-                <a:solidFill>
-                  <a:srgbClr val="000000"/>
-                </a:solidFill>
-                <a:effectLst/>
-                <a:latin typeface="Arial" panose="020B0604020202020204" pitchFamily="34" charset="0"/>
-                <a:cs typeface="Arial" panose="020B0604020202020204" pitchFamily="34" charset="0"/>
-              </a:rPr>
-              <a:t>) as the programming language.</a:t>
-            </a:r>
-          </a:p>
-        </p:txBody>
-      </p:sp>
-      <p:sp>
-        <p:nvSpPr>
-          <p:cNvPr id="8" name="TextBox 7">
-            <a:extLst>
-              <a:ext uri="{FF2B5EF4-FFF2-40B4-BE49-F238E27FC236}">
-                <a16:creationId xmlns:a16="http://schemas.microsoft.com/office/drawing/2014/main" id="{100ABC39-7515-EDCC-5A51-CD990F2F691E}"/>
-              </a:ext>
-            </a:extLst>
-          </p:cNvPr>
-          <p:cNvSpPr txBox="1"/>
-          <p:nvPr/>
-        </p:nvSpPr>
-        <p:spPr>
-          <a:xfrm>
-            <a:off x="263352" y="3946888"/>
-            <a:ext cx="6048672" cy="2246769"/>
-          </a:xfrm>
-          <a:prstGeom prst="rect">
-            <a:avLst/>
-          </a:prstGeom>
-          <a:noFill/>
-        </p:spPr>
-        <p:txBody>
-          <a:bodyPr wrap="square">
-            <a:spAutoFit/>
-          </a:bodyPr>
-          <a:lstStyle/>
-          <a:p>
-            <a:pPr algn="just"/>
-            <a:r>
-              <a:rPr lang="en-US" sz="2000" b="1" i="0" dirty="0">
-                <a:solidFill>
-                  <a:srgbClr val="000000"/>
-                </a:solidFill>
-                <a:effectLst/>
-                <a:latin typeface="Arial" panose="020B0604020202020204" pitchFamily="34" charset="0"/>
-                <a:cs typeface="Arial" panose="020B0604020202020204" pitchFamily="34" charset="0"/>
-              </a:rPr>
-              <a:t>The main features of the first generation are −</a:t>
-            </a:r>
-          </a:p>
-          <a:p>
-            <a:pPr algn="just"/>
-            <a:endParaRPr lang="en-US" sz="2000" b="0" i="0" dirty="0">
-              <a:solidFill>
-                <a:srgbClr val="000000"/>
-              </a:solidFill>
-              <a:effectLst/>
-              <a:latin typeface="Arial" panose="020B0604020202020204" pitchFamily="34" charset="0"/>
-              <a:cs typeface="Arial" panose="020B0604020202020204" pitchFamily="34" charset="0"/>
-            </a:endParaRPr>
-          </a:p>
-          <a:p>
-            <a:pPr marL="342900" indent="-342900" algn="l">
-              <a:buFont typeface="+mj-lt"/>
-              <a:buAutoNum type="arabicPeriod"/>
-            </a:pPr>
-            <a:r>
-              <a:rPr lang="en-US" sz="2000" b="0" i="0" dirty="0">
-                <a:solidFill>
-                  <a:srgbClr val="000000"/>
-                </a:solidFill>
-                <a:effectLst/>
-                <a:latin typeface="Arial" panose="020B0604020202020204" pitchFamily="34" charset="0"/>
-                <a:cs typeface="Arial" panose="020B0604020202020204" pitchFamily="34" charset="0"/>
-              </a:rPr>
-              <a:t>Vacuum tube technology</a:t>
-            </a:r>
-          </a:p>
-          <a:p>
-            <a:pPr marL="342900" indent="-342900" algn="l">
-              <a:buFont typeface="+mj-lt"/>
-              <a:buAutoNum type="arabicPeriod"/>
-            </a:pPr>
-            <a:r>
-              <a:rPr lang="en-US" sz="2000" b="0" i="0" dirty="0">
-                <a:solidFill>
-                  <a:srgbClr val="000000"/>
-                </a:solidFill>
-                <a:effectLst/>
-                <a:latin typeface="Arial" panose="020B0604020202020204" pitchFamily="34" charset="0"/>
-                <a:cs typeface="Arial" panose="020B0604020202020204" pitchFamily="34" charset="0"/>
-              </a:rPr>
-              <a:t>Unreliable</a:t>
-            </a:r>
-          </a:p>
-          <a:p>
-            <a:pPr marL="342900" indent="-342900" algn="l">
-              <a:buFont typeface="+mj-lt"/>
-              <a:buAutoNum type="arabicPeriod"/>
-            </a:pPr>
-            <a:r>
-              <a:rPr lang="en-US" sz="2000" b="0" i="0" dirty="0">
-                <a:solidFill>
-                  <a:srgbClr val="000000"/>
-                </a:solidFill>
-                <a:effectLst/>
-                <a:latin typeface="Arial" panose="020B0604020202020204" pitchFamily="34" charset="0"/>
-                <a:cs typeface="Arial" panose="020B0604020202020204" pitchFamily="34" charset="0"/>
-              </a:rPr>
-              <a:t>Supported machine language only</a:t>
-            </a:r>
-          </a:p>
-          <a:p>
-            <a:pPr marL="342900" indent="-342900" algn="l">
-              <a:buFont typeface="+mj-lt"/>
-              <a:buAutoNum type="arabicPeriod"/>
-            </a:pPr>
-            <a:r>
-              <a:rPr lang="en-US" sz="2000" b="0" i="0" dirty="0">
-                <a:solidFill>
-                  <a:srgbClr val="000000"/>
-                </a:solidFill>
-                <a:effectLst/>
-                <a:latin typeface="Arial" panose="020B0604020202020204" pitchFamily="34" charset="0"/>
-                <a:cs typeface="Arial" panose="020B0604020202020204" pitchFamily="34" charset="0"/>
-              </a:rPr>
-              <a:t>Very costly</a:t>
-            </a:r>
-          </a:p>
-          <a:p>
-            <a:pPr marL="342900" indent="-342900" algn="l">
-              <a:buFont typeface="+mj-lt"/>
-              <a:buAutoNum type="arabicPeriod"/>
-            </a:pPr>
-            <a:r>
-              <a:rPr lang="en-US" sz="2000" b="0" i="0" dirty="0">
-                <a:solidFill>
-                  <a:srgbClr val="000000"/>
-                </a:solidFill>
-                <a:effectLst/>
-                <a:latin typeface="Arial" panose="020B0604020202020204" pitchFamily="34" charset="0"/>
-                <a:cs typeface="Arial" panose="020B0604020202020204" pitchFamily="34" charset="0"/>
-              </a:rPr>
-              <a:t>Generated a lot of heat</a:t>
-            </a:r>
-          </a:p>
-        </p:txBody>
-      </p:sp>
-      <p:sp>
-        <p:nvSpPr>
-          <p:cNvPr id="9" name="TextBox 8">
-            <a:extLst>
-              <a:ext uri="{FF2B5EF4-FFF2-40B4-BE49-F238E27FC236}">
-                <a16:creationId xmlns:a16="http://schemas.microsoft.com/office/drawing/2014/main" id="{DA9BB401-39C0-000A-95D4-DEC93CD65E57}"/>
-              </a:ext>
-            </a:extLst>
-          </p:cNvPr>
-          <p:cNvSpPr txBox="1"/>
-          <p:nvPr/>
-        </p:nvSpPr>
-        <p:spPr>
-          <a:xfrm>
-            <a:off x="6168008" y="4562441"/>
-            <a:ext cx="5476392" cy="1631216"/>
-          </a:xfrm>
-          <a:prstGeom prst="rect">
-            <a:avLst/>
-          </a:prstGeom>
-          <a:noFill/>
-        </p:spPr>
-        <p:txBody>
-          <a:bodyPr wrap="square">
-            <a:spAutoFit/>
-          </a:bodyPr>
-          <a:lstStyle/>
-          <a:p>
-            <a:pPr marL="457200" indent="-457200" algn="l">
-              <a:buFont typeface="+mj-lt"/>
-              <a:buAutoNum type="arabicPeriod" startAt="6"/>
-            </a:pPr>
-            <a:r>
-              <a:rPr lang="en-US" sz="2000" b="0" i="0" dirty="0">
-                <a:solidFill>
-                  <a:srgbClr val="000000"/>
-                </a:solidFill>
-                <a:effectLst/>
-                <a:latin typeface="Arial" panose="020B0604020202020204" pitchFamily="34" charset="0"/>
-                <a:cs typeface="Arial" panose="020B0604020202020204" pitchFamily="34" charset="0"/>
-              </a:rPr>
-              <a:t>Slow input and output devices</a:t>
-            </a:r>
-          </a:p>
-          <a:p>
-            <a:pPr marL="457200" indent="-457200" algn="l">
-              <a:buFont typeface="+mj-lt"/>
-              <a:buAutoNum type="arabicPeriod" startAt="6"/>
-            </a:pPr>
-            <a:r>
-              <a:rPr lang="en-US" sz="2000" b="0" i="0" dirty="0">
-                <a:solidFill>
-                  <a:srgbClr val="000000"/>
-                </a:solidFill>
-                <a:effectLst/>
-                <a:latin typeface="Arial" panose="020B0604020202020204" pitchFamily="34" charset="0"/>
-                <a:cs typeface="Arial" panose="020B0604020202020204" pitchFamily="34" charset="0"/>
-              </a:rPr>
-              <a:t>Huge size</a:t>
-            </a:r>
-          </a:p>
-          <a:p>
-            <a:pPr marL="457200" indent="-457200" algn="l">
-              <a:buFont typeface="+mj-lt"/>
-              <a:buAutoNum type="arabicPeriod" startAt="6"/>
-            </a:pPr>
-            <a:r>
-              <a:rPr lang="en-US" sz="2000" b="0" i="0" dirty="0">
-                <a:solidFill>
-                  <a:srgbClr val="000000"/>
-                </a:solidFill>
-                <a:effectLst/>
-                <a:latin typeface="Arial" panose="020B0604020202020204" pitchFamily="34" charset="0"/>
-                <a:cs typeface="Arial" panose="020B0604020202020204" pitchFamily="34" charset="0"/>
-              </a:rPr>
-              <a:t>Need of AC</a:t>
-            </a:r>
-          </a:p>
-          <a:p>
-            <a:pPr marL="457200" indent="-457200" algn="l">
-              <a:buFont typeface="+mj-lt"/>
-              <a:buAutoNum type="arabicPeriod" startAt="6"/>
-            </a:pPr>
-            <a:r>
-              <a:rPr lang="en-US" sz="2000" b="0" i="0" dirty="0">
-                <a:solidFill>
-                  <a:srgbClr val="000000"/>
-                </a:solidFill>
-                <a:effectLst/>
-                <a:latin typeface="Arial" panose="020B0604020202020204" pitchFamily="34" charset="0"/>
-                <a:cs typeface="Arial" panose="020B0604020202020204" pitchFamily="34" charset="0"/>
-              </a:rPr>
-              <a:t>Non-portable</a:t>
-            </a:r>
-          </a:p>
-          <a:p>
-            <a:pPr marL="457200" indent="-457200" algn="l">
-              <a:buFont typeface="+mj-lt"/>
-              <a:buAutoNum type="arabicPeriod" startAt="6"/>
-            </a:pPr>
-            <a:r>
-              <a:rPr lang="en-US" sz="2000" b="0" i="0" dirty="0">
-                <a:solidFill>
-                  <a:srgbClr val="000000"/>
-                </a:solidFill>
-                <a:effectLst/>
-                <a:latin typeface="Arial" panose="020B0604020202020204" pitchFamily="34" charset="0"/>
-                <a:cs typeface="Arial" panose="020B0604020202020204" pitchFamily="34" charset="0"/>
-              </a:rPr>
-              <a:t>Consumed a lot of electricity</a:t>
-            </a:r>
-          </a:p>
-        </p:txBody>
-      </p:sp>
-    </p:spTree>
-    <p:extLst>
-      <p:ext uri="{BB962C8B-B14F-4D97-AF65-F5344CB8AC3E}">
-        <p14:creationId xmlns:p14="http://schemas.microsoft.com/office/powerpoint/2010/main" val="641634191"/>
-      </p:ext>
-    </p:extLst>
-  </p:cSld>
-  <p:clrMapOvr>
-    <a:masterClrMapping/>
-  </p:clrMapOvr>
-</p:sld>
-</file>
-
-<file path=ppt/slides/slide30.xml><?xml version="1.0" encoding="utf-8"?>
+<file path=ppt/slides/slide32.xml><?xml version="1.0" encoding="utf-8"?>
 <p:sld xmlns:a="http://schemas.openxmlformats.org/drawingml/2006/main" xmlns:r="http://schemas.openxmlformats.org/officeDocument/2006/relationships" xmlns:p="http://schemas.openxmlformats.org/presentationml/2006/main">
   <p:cSld>
     <p:spTree>
@@ -9312,7 +9878,7 @@
 </p:sld>
 </file>
 
-<file path=ppt/slides/slide31.xml><?xml version="1.0" encoding="utf-8"?>
+<file path=ppt/slides/slide33.xml><?xml version="1.0" encoding="utf-8"?>
 <p:sld xmlns:a="http://schemas.openxmlformats.org/drawingml/2006/main" xmlns:r="http://schemas.openxmlformats.org/officeDocument/2006/relationships" xmlns:p="http://schemas.openxmlformats.org/presentationml/2006/main">
   <p:cSld>
     <p:spTree>
@@ -9391,7 +9957,7 @@
 </p:sld>
 </file>
 
-<file path=ppt/slides/slide32.xml><?xml version="1.0" encoding="utf-8"?>
+<file path=ppt/slides/slide34.xml><?xml version="1.0" encoding="utf-8"?>
 <p:sld xmlns:a="http://schemas.openxmlformats.org/drawingml/2006/main" xmlns:r="http://schemas.openxmlformats.org/officeDocument/2006/relationships" xmlns:p="http://schemas.openxmlformats.org/presentationml/2006/main">
   <p:cSld>
     <p:spTree>
@@ -9676,7 +10242,7 @@
 </p:sld>
 </file>
 
-<file path=ppt/slides/slide33.xml><?xml version="1.0" encoding="utf-8"?>
+<file path=ppt/slides/slide35.xml><?xml version="1.0" encoding="utf-8"?>
 <p:sld xmlns:a="http://schemas.openxmlformats.org/drawingml/2006/main" xmlns:r="http://schemas.openxmlformats.org/officeDocument/2006/relationships" xmlns:p="http://schemas.openxmlformats.org/presentationml/2006/main">
   <p:cSld>
     <p:spTree>
@@ -9868,7 +10434,7 @@
 </p:sld>
 </file>
 
-<file path=ppt/slides/slide34.xml><?xml version="1.0" encoding="utf-8"?>
+<file path=ppt/slides/slide36.xml><?xml version="1.0" encoding="utf-8"?>
 <p:sld xmlns:a="http://schemas.openxmlformats.org/drawingml/2006/main" xmlns:r="http://schemas.openxmlformats.org/officeDocument/2006/relationships" xmlns:p="http://schemas.openxmlformats.org/presentationml/2006/main">
   <p:cSld>
     <p:spTree>
@@ -9947,7 +10513,7 @@
 </p:sld>
 </file>
 
-<file path=ppt/slides/slide35.xml><?xml version="1.0" encoding="utf-8"?>
+<file path=ppt/slides/slide37.xml><?xml version="1.0" encoding="utf-8"?>
 <p:sld xmlns:a="http://schemas.openxmlformats.org/drawingml/2006/main" xmlns:r="http://schemas.openxmlformats.org/officeDocument/2006/relationships" xmlns:p="http://schemas.openxmlformats.org/presentationml/2006/main">
   <p:cSld>
     <p:spTree>
@@ -10392,7 +10958,7 @@
 </p:sld>
 </file>
 
-<file path=ppt/slides/slide36.xml><?xml version="1.0" encoding="utf-8"?>
+<file path=ppt/slides/slide38.xml><?xml version="1.0" encoding="utf-8"?>
 <p:sld xmlns:a="http://schemas.openxmlformats.org/drawingml/2006/main" xmlns:r="http://schemas.openxmlformats.org/officeDocument/2006/relationships" xmlns:p="http://schemas.openxmlformats.org/presentationml/2006/main">
   <p:cSld>
     <p:spTree>
@@ -10495,7 +11061,7 @@
 </p:sld>
 </file>
 
-<file path=ppt/slides/slide37.xml><?xml version="1.0" encoding="utf-8"?>
+<file path=ppt/slides/slide39.xml><?xml version="1.0" encoding="utf-8"?>
 <p:sld xmlns:a="http://schemas.openxmlformats.org/drawingml/2006/main" xmlns:r="http://schemas.openxmlformats.org/officeDocument/2006/relationships" xmlns:p="http://schemas.openxmlformats.org/presentationml/2006/main">
   <p:cSld>
     <p:spTree>
@@ -10572,7 +11138,446 @@
 </p:sld>
 </file>
 
-<file path=ppt/slides/slide38.xml><?xml version="1.0" encoding="utf-8"?>
+<file path=ppt/slides/slide4.xml><?xml version="1.0" encoding="utf-8"?>
+<p:sld xmlns:a="http://schemas.openxmlformats.org/drawingml/2006/main" xmlns:r="http://schemas.openxmlformats.org/officeDocument/2006/relationships" xmlns:p="http://schemas.openxmlformats.org/presentationml/2006/main">
+  <p:cSld>
+    <p:spTree>
+      <p:nvGrpSpPr>
+        <p:cNvPr id="1" name=""/>
+        <p:cNvGrpSpPr/>
+        <p:nvPr/>
+      </p:nvGrpSpPr>
+      <p:grpSpPr>
+        <a:xfrm>
+          <a:off x="0" y="0"/>
+          <a:ext cx="0" cy="0"/>
+          <a:chOff x="0" y="0"/>
+          <a:chExt cx="0" cy="0"/>
+        </a:xfrm>
+      </p:grpSpPr>
+      <p:sp>
+        <p:nvSpPr>
+          <p:cNvPr id="5" name="Rectangle 4"/>
+          <p:cNvSpPr/>
+          <p:nvPr/>
+        </p:nvSpPr>
+        <p:spPr>
+          <a:xfrm>
+            <a:off x="1524596" y="4"/>
+            <a:ext cx="9142810" cy="584775"/>
+          </a:xfrm>
+          <a:prstGeom prst="rect">
+            <a:avLst/>
+          </a:prstGeom>
+          <a:noFill/>
+        </p:spPr>
+        <p:txBody>
+          <a:bodyPr wrap="square">
+            <a:spAutoFit/>
+          </a:bodyPr>
+          <a:lstStyle/>
+          <a:p>
+            <a:pPr algn="r"/>
+            <a:r>
+              <a:rPr lang="en-IN" sz="3200" i="1" dirty="0">
+                <a:solidFill>
+                  <a:srgbClr val="FF9900"/>
+                </a:solidFill>
+                <a:latin typeface="Arial" pitchFamily="34" charset="0"/>
+                <a:cs typeface="Arial" pitchFamily="34" charset="0"/>
+              </a:rPr>
+              <a:t>Second Generation of Computers</a:t>
+            </a:r>
+          </a:p>
+        </p:txBody>
+      </p:sp>
+      <p:sp>
+        <p:nvSpPr>
+          <p:cNvPr id="2" name="TextBox 1">
+            <a:extLst>
+              <a:ext uri="{FF2B5EF4-FFF2-40B4-BE49-F238E27FC236}">
+                <a16:creationId xmlns:a16="http://schemas.microsoft.com/office/drawing/2014/main" id="{3ECBB028-1365-FB7C-0374-717123690D5B}"/>
+              </a:ext>
+            </a:extLst>
+          </p:cNvPr>
+          <p:cNvSpPr txBox="1"/>
+          <p:nvPr/>
+        </p:nvSpPr>
+        <p:spPr>
+          <a:xfrm>
+            <a:off x="191344" y="908720"/>
+            <a:ext cx="11809312" cy="2800767"/>
+          </a:xfrm>
+          <a:prstGeom prst="rect">
+            <a:avLst/>
+          </a:prstGeom>
+          <a:noFill/>
+        </p:spPr>
+        <p:txBody>
+          <a:bodyPr wrap="square">
+            <a:spAutoFit/>
+          </a:bodyPr>
+          <a:lstStyle/>
+          <a:p>
+            <a:pPr marL="342900" indent="-342900" algn="just">
+              <a:buFont typeface="Arial" panose="020B0604020202020204" pitchFamily="34" charset="0"/>
+              <a:buChar char="•"/>
+            </a:pPr>
+            <a:r>
+              <a:rPr lang="en-US" sz="2000" b="0" i="0" dirty="0">
+                <a:solidFill>
+                  <a:srgbClr val="000000"/>
+                </a:solidFill>
+                <a:effectLst/>
+                <a:latin typeface="Arial" panose="020B0604020202020204" pitchFamily="34" charset="0"/>
+                <a:cs typeface="Arial" panose="020B0604020202020204" pitchFamily="34" charset="0"/>
+              </a:rPr>
+              <a:t>The period of second generation was from 1959-1965. </a:t>
+            </a:r>
+          </a:p>
+          <a:p>
+            <a:pPr marL="171450" indent="-171450" algn="just">
+              <a:buFont typeface="Arial" panose="020B0604020202020204" pitchFamily="34" charset="0"/>
+              <a:buChar char="•"/>
+            </a:pPr>
+            <a:endParaRPr lang="en-US" sz="1200" dirty="0">
+              <a:solidFill>
+                <a:srgbClr val="000000"/>
+              </a:solidFill>
+              <a:latin typeface="Arial" panose="020B0604020202020204" pitchFamily="34" charset="0"/>
+              <a:cs typeface="Arial" panose="020B0604020202020204" pitchFamily="34" charset="0"/>
+            </a:endParaRPr>
+          </a:p>
+          <a:p>
+            <a:pPr marL="342900" indent="-342900" algn="just">
+              <a:buFont typeface="Arial" panose="020B0604020202020204" pitchFamily="34" charset="0"/>
+              <a:buChar char="•"/>
+            </a:pPr>
+            <a:r>
+              <a:rPr lang="en-US" sz="2000" b="0" i="0" dirty="0">
+                <a:solidFill>
+                  <a:srgbClr val="000000"/>
+                </a:solidFill>
+                <a:effectLst/>
+                <a:latin typeface="Arial" panose="020B0604020202020204" pitchFamily="34" charset="0"/>
+                <a:cs typeface="Arial" panose="020B0604020202020204" pitchFamily="34" charset="0"/>
+              </a:rPr>
+              <a:t>In this generation, transistors were used that were cheaper, consumed less power and faster than the first generation machines made of vacuum tubes. </a:t>
+            </a:r>
+          </a:p>
+          <a:p>
+            <a:pPr marL="171450" indent="-171450" algn="just">
+              <a:buFont typeface="Arial" panose="020B0604020202020204" pitchFamily="34" charset="0"/>
+              <a:buChar char="•"/>
+            </a:pPr>
+            <a:endParaRPr lang="en-US" sz="1200" dirty="0">
+              <a:solidFill>
+                <a:srgbClr val="000000"/>
+              </a:solidFill>
+              <a:latin typeface="Arial" panose="020B0604020202020204" pitchFamily="34" charset="0"/>
+              <a:cs typeface="Arial" panose="020B0604020202020204" pitchFamily="34" charset="0"/>
+            </a:endParaRPr>
+          </a:p>
+          <a:p>
+            <a:pPr marL="342900" indent="-342900" algn="just">
+              <a:buFont typeface="Arial" panose="020B0604020202020204" pitchFamily="34" charset="0"/>
+              <a:buChar char="•"/>
+            </a:pPr>
+            <a:r>
+              <a:rPr lang="en-US" sz="2000" b="0" i="0" dirty="0">
+                <a:solidFill>
+                  <a:srgbClr val="000000"/>
+                </a:solidFill>
+                <a:effectLst/>
+                <a:latin typeface="Arial" panose="020B0604020202020204" pitchFamily="34" charset="0"/>
+                <a:cs typeface="Arial" panose="020B0604020202020204" pitchFamily="34" charset="0"/>
+              </a:rPr>
+              <a:t>In this generation, magnetic cores were used as the primary memory and magnetic tape and magnetic disks as secondary storage devices.</a:t>
+            </a:r>
+          </a:p>
+          <a:p>
+            <a:pPr marL="171450" indent="-171450" algn="just">
+              <a:buFont typeface="Arial" panose="020B0604020202020204" pitchFamily="34" charset="0"/>
+              <a:buChar char="•"/>
+            </a:pPr>
+            <a:endParaRPr lang="en-US" sz="1200" b="0" i="0" dirty="0">
+              <a:solidFill>
+                <a:srgbClr val="000000"/>
+              </a:solidFill>
+              <a:effectLst/>
+              <a:latin typeface="Arial" panose="020B0604020202020204" pitchFamily="34" charset="0"/>
+              <a:cs typeface="Arial" panose="020B0604020202020204" pitchFamily="34" charset="0"/>
+            </a:endParaRPr>
+          </a:p>
+          <a:p>
+            <a:pPr marL="342900" indent="-342900" algn="just">
+              <a:buFont typeface="Arial" panose="020B0604020202020204" pitchFamily="34" charset="0"/>
+              <a:buChar char="•"/>
+            </a:pPr>
+            <a:r>
+              <a:rPr lang="en-US" sz="2000" b="0" i="0" dirty="0">
+                <a:solidFill>
+                  <a:srgbClr val="000000"/>
+                </a:solidFill>
+                <a:effectLst/>
+                <a:latin typeface="Arial" panose="020B0604020202020204" pitchFamily="34" charset="0"/>
+                <a:cs typeface="Arial" panose="020B0604020202020204" pitchFamily="34" charset="0"/>
+              </a:rPr>
+              <a:t>In this generation, assembly language and high-level programming languages like FORTRAN, COBOL were used. The computers used batch processing and multiprogramming operating system.</a:t>
+            </a:r>
+          </a:p>
+        </p:txBody>
+      </p:sp>
+      <p:sp>
+        <p:nvSpPr>
+          <p:cNvPr id="3" name="TextBox 2">
+            <a:extLst>
+              <a:ext uri="{FF2B5EF4-FFF2-40B4-BE49-F238E27FC236}">
+                <a16:creationId xmlns:a16="http://schemas.microsoft.com/office/drawing/2014/main" id="{A0527D66-7CD6-FA26-B7C7-440DBC054928}"/>
+              </a:ext>
+            </a:extLst>
+          </p:cNvPr>
+          <p:cNvSpPr txBox="1"/>
+          <p:nvPr/>
+        </p:nvSpPr>
+        <p:spPr>
+          <a:xfrm>
+            <a:off x="263352" y="3933056"/>
+            <a:ext cx="6768752" cy="2554545"/>
+          </a:xfrm>
+          <a:prstGeom prst="rect">
+            <a:avLst/>
+          </a:prstGeom>
+          <a:noFill/>
+        </p:spPr>
+        <p:txBody>
+          <a:bodyPr wrap="square">
+            <a:spAutoFit/>
+          </a:bodyPr>
+          <a:lstStyle/>
+          <a:p>
+            <a:pPr algn="just"/>
+            <a:r>
+              <a:rPr lang="en-US" sz="2000" b="1" i="0" dirty="0">
+                <a:solidFill>
+                  <a:srgbClr val="000000"/>
+                </a:solidFill>
+                <a:effectLst/>
+                <a:latin typeface="Arial" panose="020B0604020202020204" pitchFamily="34" charset="0"/>
+                <a:cs typeface="Arial" panose="020B0604020202020204" pitchFamily="34" charset="0"/>
+              </a:rPr>
+              <a:t>The main features of the second generation are −</a:t>
+            </a:r>
+          </a:p>
+          <a:p>
+            <a:pPr algn="just"/>
+            <a:endParaRPr lang="en-US" sz="2000" b="0" i="0" dirty="0">
+              <a:solidFill>
+                <a:srgbClr val="000000"/>
+              </a:solidFill>
+              <a:effectLst/>
+              <a:latin typeface="Arial" panose="020B0604020202020204" pitchFamily="34" charset="0"/>
+              <a:cs typeface="Arial" panose="020B0604020202020204" pitchFamily="34" charset="0"/>
+            </a:endParaRPr>
+          </a:p>
+          <a:p>
+            <a:pPr marL="457200" indent="-457200" algn="l">
+              <a:buFont typeface="+mj-lt"/>
+              <a:buAutoNum type="arabicPeriod"/>
+            </a:pPr>
+            <a:r>
+              <a:rPr lang="en-US" sz="2000" b="0" i="0" dirty="0">
+                <a:solidFill>
+                  <a:srgbClr val="000000"/>
+                </a:solidFill>
+                <a:effectLst/>
+                <a:latin typeface="Arial" panose="020B0604020202020204" pitchFamily="34" charset="0"/>
+                <a:cs typeface="Arial" panose="020B0604020202020204" pitchFamily="34" charset="0"/>
+              </a:rPr>
+              <a:t>Use of transistors</a:t>
+            </a:r>
+          </a:p>
+          <a:p>
+            <a:pPr marL="457200" indent="-457200" algn="l">
+              <a:buFont typeface="+mj-lt"/>
+              <a:buAutoNum type="arabicPeriod"/>
+            </a:pPr>
+            <a:r>
+              <a:rPr lang="en-US" sz="2000" b="0" i="0" dirty="0">
+                <a:solidFill>
+                  <a:srgbClr val="000000"/>
+                </a:solidFill>
+                <a:effectLst/>
+                <a:latin typeface="Arial" panose="020B0604020202020204" pitchFamily="34" charset="0"/>
+                <a:cs typeface="Arial" panose="020B0604020202020204" pitchFamily="34" charset="0"/>
+              </a:rPr>
+              <a:t>Reliable in comparison to first generation computers</a:t>
+            </a:r>
+          </a:p>
+          <a:p>
+            <a:pPr marL="457200" indent="-457200" algn="l">
+              <a:buFont typeface="+mj-lt"/>
+              <a:buAutoNum type="arabicPeriod"/>
+            </a:pPr>
+            <a:r>
+              <a:rPr lang="en-US" sz="2000" b="0" i="0" dirty="0">
+                <a:solidFill>
+                  <a:srgbClr val="000000"/>
+                </a:solidFill>
+                <a:effectLst/>
+                <a:latin typeface="Arial" panose="020B0604020202020204" pitchFamily="34" charset="0"/>
+                <a:cs typeface="Arial" panose="020B0604020202020204" pitchFamily="34" charset="0"/>
+              </a:rPr>
+              <a:t>Smaller size as compared to first generation</a:t>
+            </a:r>
+          </a:p>
+          <a:p>
+            <a:pPr marL="457200" indent="-457200" algn="l">
+              <a:buFont typeface="+mj-lt"/>
+              <a:buAutoNum type="arabicPeriod"/>
+            </a:pPr>
+            <a:r>
+              <a:rPr lang="en-US" sz="2000" b="0" i="0" dirty="0">
+                <a:solidFill>
+                  <a:srgbClr val="000000"/>
+                </a:solidFill>
+                <a:effectLst/>
+                <a:latin typeface="Arial" panose="020B0604020202020204" pitchFamily="34" charset="0"/>
+                <a:cs typeface="Arial" panose="020B0604020202020204" pitchFamily="34" charset="0"/>
+              </a:rPr>
+              <a:t>Generated less heat as compared to first generation</a:t>
+            </a:r>
+          </a:p>
+          <a:p>
+            <a:pPr marL="457200" indent="-457200">
+              <a:buFont typeface="+mj-lt"/>
+              <a:buAutoNum type="arabicPeriod"/>
+            </a:pPr>
+            <a:r>
+              <a:rPr lang="en-US" sz="2000" b="0" i="0" dirty="0">
+                <a:solidFill>
+                  <a:srgbClr val="000000"/>
+                </a:solidFill>
+                <a:effectLst/>
+                <a:latin typeface="Arial" panose="020B0604020202020204" pitchFamily="34" charset="0"/>
+                <a:cs typeface="Arial" panose="020B0604020202020204" pitchFamily="34" charset="0"/>
+              </a:rPr>
+              <a:t>Consumed less electricity as compared to first generation</a:t>
+            </a:r>
+          </a:p>
+        </p:txBody>
+      </p:sp>
+      <p:sp>
+        <p:nvSpPr>
+          <p:cNvPr id="6" name="TextBox 5">
+            <a:extLst>
+              <a:ext uri="{FF2B5EF4-FFF2-40B4-BE49-F238E27FC236}">
+                <a16:creationId xmlns:a16="http://schemas.microsoft.com/office/drawing/2014/main" id="{1888DE6B-7BCE-EEBD-AF05-A1F01FA2BF59}"/>
+              </a:ext>
+            </a:extLst>
+          </p:cNvPr>
+          <p:cNvSpPr txBox="1"/>
+          <p:nvPr/>
+        </p:nvSpPr>
+        <p:spPr>
+          <a:xfrm>
+            <a:off x="7176120" y="4856385"/>
+            <a:ext cx="4824536" cy="1631216"/>
+          </a:xfrm>
+          <a:prstGeom prst="rect">
+            <a:avLst/>
+          </a:prstGeom>
+          <a:noFill/>
+        </p:spPr>
+        <p:txBody>
+          <a:bodyPr wrap="square">
+            <a:spAutoFit/>
+          </a:bodyPr>
+          <a:lstStyle/>
+          <a:p>
+            <a:pPr marL="457200" indent="-457200" algn="l">
+              <a:buFont typeface="+mj-lt"/>
+              <a:buAutoNum type="arabicPeriod" startAt="5"/>
+            </a:pPr>
+            <a:r>
+              <a:rPr lang="en-US" sz="2000" b="0" i="0" dirty="0">
+                <a:solidFill>
+                  <a:srgbClr val="000000"/>
+                </a:solidFill>
+                <a:effectLst/>
+                <a:latin typeface="Arial" panose="020B0604020202020204" pitchFamily="34" charset="0"/>
+                <a:cs typeface="Arial" panose="020B0604020202020204" pitchFamily="34" charset="0"/>
+              </a:rPr>
+              <a:t>Faster than first generation</a:t>
+            </a:r>
+          </a:p>
+          <a:p>
+            <a:pPr marL="457200" indent="-457200" algn="l">
+              <a:buFont typeface="+mj-lt"/>
+              <a:buAutoNum type="arabicPeriod" startAt="5"/>
+            </a:pPr>
+            <a:r>
+              <a:rPr lang="en-US" sz="2000" b="0" i="0" dirty="0">
+                <a:solidFill>
+                  <a:srgbClr val="000000"/>
+                </a:solidFill>
+                <a:effectLst/>
+                <a:latin typeface="Arial" panose="020B0604020202020204" pitchFamily="34" charset="0"/>
+                <a:cs typeface="Arial" panose="020B0604020202020204" pitchFamily="34" charset="0"/>
+              </a:rPr>
+              <a:t>Still very costly</a:t>
+            </a:r>
+          </a:p>
+          <a:p>
+            <a:pPr marL="457200" indent="-457200" algn="l">
+              <a:buFont typeface="+mj-lt"/>
+              <a:buAutoNum type="arabicPeriod" startAt="5"/>
+            </a:pPr>
+            <a:r>
+              <a:rPr lang="en-US" sz="2000" b="0" i="0" dirty="0">
+                <a:solidFill>
+                  <a:srgbClr val="000000"/>
+                </a:solidFill>
+                <a:effectLst/>
+                <a:latin typeface="Arial" panose="020B0604020202020204" pitchFamily="34" charset="0"/>
+                <a:cs typeface="Arial" panose="020B0604020202020204" pitchFamily="34" charset="0"/>
+              </a:rPr>
+              <a:t>AC required</a:t>
+            </a:r>
+          </a:p>
+          <a:p>
+            <a:pPr marL="457200" indent="-457200" algn="l">
+              <a:buFont typeface="+mj-lt"/>
+              <a:buAutoNum type="arabicPeriod" startAt="5"/>
+            </a:pPr>
+            <a:r>
+              <a:rPr lang="en-US" sz="2000" b="0" i="0" dirty="0">
+                <a:solidFill>
+                  <a:srgbClr val="000000"/>
+                </a:solidFill>
+                <a:effectLst/>
+                <a:latin typeface="Arial" panose="020B0604020202020204" pitchFamily="34" charset="0"/>
+                <a:cs typeface="Arial" panose="020B0604020202020204" pitchFamily="34" charset="0"/>
+              </a:rPr>
+              <a:t>Supported machine and assembly languages</a:t>
+            </a:r>
+          </a:p>
+        </p:txBody>
+      </p:sp>
+    </p:spTree>
+    <p:extLst>
+      <p:ext uri="{BB962C8B-B14F-4D97-AF65-F5344CB8AC3E}">
+        <p14:creationId xmlns:p14="http://schemas.microsoft.com/office/powerpoint/2010/main" val="3239572161"/>
+      </p:ext>
+    </p:extLst>
+  </p:cSld>
+  <p:clrMapOvr>
+    <a:masterClrMapping/>
+  </p:clrMapOvr>
+</p:sld>
+</file>
+
+<file path=ppt/slides/slide40.xml><?xml version="1.0" encoding="utf-8"?>
 <p:sld xmlns:a="http://schemas.openxmlformats.org/drawingml/2006/main" xmlns:r="http://schemas.openxmlformats.org/officeDocument/2006/relationships" xmlns:p="http://schemas.openxmlformats.org/presentationml/2006/main">
   <p:cSld>
     <p:bg>
@@ -11618,669 +12623,6 @@
     <p:extLst>
       <p:ext uri="{BB962C8B-B14F-4D97-AF65-F5344CB8AC3E}">
         <p14:creationId xmlns:p14="http://schemas.microsoft.com/office/powerpoint/2010/main" val="2532309092"/>
-      </p:ext>
-    </p:extLst>
-  </p:cSld>
-  <p:clrMapOvr>
-    <a:masterClrMapping/>
-  </p:clrMapOvr>
-</p:sld>
-</file>
-
-<file path=ppt/slides/slide39.xml><?xml version="1.0" encoding="utf-8"?>
-<p:sld xmlns:a="http://schemas.openxmlformats.org/drawingml/2006/main" xmlns:r="http://schemas.openxmlformats.org/officeDocument/2006/relationships" xmlns:p="http://schemas.openxmlformats.org/presentationml/2006/main">
-  <p:cSld>
-    <p:spTree>
-      <p:nvGrpSpPr>
-        <p:cNvPr id="1" name=""/>
-        <p:cNvGrpSpPr/>
-        <p:nvPr/>
-      </p:nvGrpSpPr>
-      <p:grpSpPr>
-        <a:xfrm>
-          <a:off x="0" y="0"/>
-          <a:ext cx="0" cy="0"/>
-          <a:chOff x="0" y="0"/>
-          <a:chExt cx="0" cy="0"/>
-        </a:xfrm>
-      </p:grpSpPr>
-      <p:sp>
-        <p:nvSpPr>
-          <p:cNvPr id="4" name="Rectangle 3">
-            <a:extLst>
-              <a:ext uri="{FF2B5EF4-FFF2-40B4-BE49-F238E27FC236}">
-                <a16:creationId xmlns:a16="http://schemas.microsoft.com/office/drawing/2014/main" id="{6524962B-7610-4EFD-AA5E-DDE403AB8860}"/>
-              </a:ext>
-            </a:extLst>
-          </p:cNvPr>
-          <p:cNvSpPr/>
-          <p:nvPr/>
-        </p:nvSpPr>
-        <p:spPr>
-          <a:xfrm>
-            <a:off x="1524000" y="1"/>
-            <a:ext cx="9144000" cy="584775"/>
-          </a:xfrm>
-          <a:prstGeom prst="rect">
-            <a:avLst/>
-          </a:prstGeom>
-          <a:noFill/>
-        </p:spPr>
-        <p:txBody>
-          <a:bodyPr wrap="square">
-            <a:spAutoFit/>
-          </a:bodyPr>
-          <a:lstStyle/>
-          <a:p>
-            <a:pPr algn="r"/>
-            <a:r>
-              <a:rPr lang="en-US" sz="3200" i="1" dirty="0">
-                <a:solidFill>
-                  <a:srgbClr val="FF9900"/>
-                </a:solidFill>
-                <a:latin typeface="Arial" pitchFamily="34" charset="0"/>
-                <a:cs typeface="Arial" pitchFamily="34" charset="0"/>
-              </a:rPr>
-              <a:t>procedural programming paradigm</a:t>
-            </a:r>
-            <a:endParaRPr lang="en-IN" sz="3200" i="1" dirty="0">
-              <a:solidFill>
-                <a:srgbClr val="FF9900"/>
-              </a:solidFill>
-              <a:latin typeface="Arial" pitchFamily="34" charset="0"/>
-              <a:cs typeface="Arial" pitchFamily="34" charset="0"/>
-            </a:endParaRPr>
-          </a:p>
-        </p:txBody>
-      </p:sp>
-      <p:sp>
-        <p:nvSpPr>
-          <p:cNvPr id="6" name="TextBox 5">
-            <a:extLst>
-              <a:ext uri="{FF2B5EF4-FFF2-40B4-BE49-F238E27FC236}">
-                <a16:creationId xmlns:a16="http://schemas.microsoft.com/office/drawing/2014/main" id="{B6D0F145-F4AF-AB8D-0658-1541B6EBF168}"/>
-              </a:ext>
-            </a:extLst>
-          </p:cNvPr>
-          <p:cNvSpPr txBox="1"/>
-          <p:nvPr/>
-        </p:nvSpPr>
-        <p:spPr>
-          <a:xfrm>
-            <a:off x="191344" y="1052736"/>
-            <a:ext cx="11809312" cy="2554545"/>
-          </a:xfrm>
-          <a:prstGeom prst="rect">
-            <a:avLst/>
-          </a:prstGeom>
-          <a:noFill/>
-        </p:spPr>
-        <p:txBody>
-          <a:bodyPr wrap="square">
-            <a:spAutoFit/>
-          </a:bodyPr>
-          <a:lstStyle>
-            <a:defPPr>
-              <a:defRPr lang="en-US"/>
-            </a:defPPr>
-            <a:lvl1pPr marL="285750" indent="-285750">
-              <a:buFont typeface="Arial" panose="020B0604020202020204" pitchFamily="34" charset="0"/>
-              <a:buChar char="•"/>
-              <a:defRPr b="1">
-                <a:latin typeface="Arial" panose="020B0604020202020204" pitchFamily="34" charset="0"/>
-                <a:cs typeface="Arial" panose="020B0604020202020204" pitchFamily="34" charset="0"/>
-              </a:defRPr>
-            </a:lvl1pPr>
-          </a:lstStyle>
-          <a:p>
-            <a:r>
-              <a:rPr lang="en-US" sz="2000" b="0" dirty="0"/>
-              <a:t>Procedural programming revolves around a sequence of instructions given to the computer. These sequences of instructions are known as procedures.</a:t>
-            </a:r>
-          </a:p>
-          <a:p>
-            <a:endParaRPr lang="en-US" sz="2000" b="0" dirty="0"/>
-          </a:p>
-          <a:p>
-            <a:r>
-              <a:rPr lang="en-US" sz="2000" b="0" dirty="0"/>
-              <a:t>Since the instructions are carried out in well-defined sequences, we say that procedural programming takes a top-down approach.</a:t>
-            </a:r>
-          </a:p>
-          <a:p>
-            <a:endParaRPr lang="en-US" sz="2000" b="0" dirty="0"/>
-          </a:p>
-          <a:p>
-            <a:r>
-              <a:rPr lang="en-US" sz="2000" b="0" dirty="0"/>
-              <a:t>In procedural programming, we divide our instructions into smaller blocks of well-defined code. These code blocks are known as functions, where each function performs a specific task.</a:t>
-            </a:r>
-            <a:endParaRPr lang="en-IN" sz="2000" b="0" dirty="0"/>
-          </a:p>
-        </p:txBody>
-      </p:sp>
-    </p:spTree>
-    <p:extLst>
-      <p:ext uri="{BB962C8B-B14F-4D97-AF65-F5344CB8AC3E}">
-        <p14:creationId xmlns:p14="http://schemas.microsoft.com/office/powerpoint/2010/main" val="2207908433"/>
-      </p:ext>
-    </p:extLst>
-  </p:cSld>
-  <p:clrMapOvr>
-    <a:masterClrMapping/>
-  </p:clrMapOvr>
-</p:sld>
-</file>
-
-<file path=ppt/slides/slide4.xml><?xml version="1.0" encoding="utf-8"?>
-<p:sld xmlns:a="http://schemas.openxmlformats.org/drawingml/2006/main" xmlns:r="http://schemas.openxmlformats.org/officeDocument/2006/relationships" xmlns:p="http://schemas.openxmlformats.org/presentationml/2006/main">
-  <p:cSld>
-    <p:spTree>
-      <p:nvGrpSpPr>
-        <p:cNvPr id="1" name=""/>
-        <p:cNvGrpSpPr/>
-        <p:nvPr/>
-      </p:nvGrpSpPr>
-      <p:grpSpPr>
-        <a:xfrm>
-          <a:off x="0" y="0"/>
-          <a:ext cx="0" cy="0"/>
-          <a:chOff x="0" y="0"/>
-          <a:chExt cx="0" cy="0"/>
-        </a:xfrm>
-      </p:grpSpPr>
-      <p:sp>
-        <p:nvSpPr>
-          <p:cNvPr id="5" name="Rectangle 4"/>
-          <p:cNvSpPr/>
-          <p:nvPr/>
-        </p:nvSpPr>
-        <p:spPr>
-          <a:xfrm>
-            <a:off x="1524596" y="4"/>
-            <a:ext cx="9142810" cy="584775"/>
-          </a:xfrm>
-          <a:prstGeom prst="rect">
-            <a:avLst/>
-          </a:prstGeom>
-          <a:noFill/>
-        </p:spPr>
-        <p:txBody>
-          <a:bodyPr wrap="square">
-            <a:spAutoFit/>
-          </a:bodyPr>
-          <a:lstStyle/>
-          <a:p>
-            <a:pPr algn="r"/>
-            <a:r>
-              <a:rPr lang="en-IN" sz="3200" i="1" dirty="0">
-                <a:solidFill>
-                  <a:srgbClr val="FF9900"/>
-                </a:solidFill>
-                <a:latin typeface="Arial" pitchFamily="34" charset="0"/>
-                <a:cs typeface="Arial" pitchFamily="34" charset="0"/>
-              </a:rPr>
-              <a:t>Second Generation of Computers</a:t>
-            </a:r>
-          </a:p>
-        </p:txBody>
-      </p:sp>
-      <p:sp>
-        <p:nvSpPr>
-          <p:cNvPr id="2" name="TextBox 1">
-            <a:extLst>
-              <a:ext uri="{FF2B5EF4-FFF2-40B4-BE49-F238E27FC236}">
-                <a16:creationId xmlns:a16="http://schemas.microsoft.com/office/drawing/2014/main" id="{3ECBB028-1365-FB7C-0374-717123690D5B}"/>
-              </a:ext>
-            </a:extLst>
-          </p:cNvPr>
-          <p:cNvSpPr txBox="1"/>
-          <p:nvPr/>
-        </p:nvSpPr>
-        <p:spPr>
-          <a:xfrm>
-            <a:off x="191344" y="908720"/>
-            <a:ext cx="11809312" cy="2800767"/>
-          </a:xfrm>
-          <a:prstGeom prst="rect">
-            <a:avLst/>
-          </a:prstGeom>
-          <a:noFill/>
-        </p:spPr>
-        <p:txBody>
-          <a:bodyPr wrap="square">
-            <a:spAutoFit/>
-          </a:bodyPr>
-          <a:lstStyle/>
-          <a:p>
-            <a:pPr marL="342900" indent="-342900" algn="just">
-              <a:buFont typeface="Arial" panose="020B0604020202020204" pitchFamily="34" charset="0"/>
-              <a:buChar char="•"/>
-            </a:pPr>
-            <a:r>
-              <a:rPr lang="en-US" sz="2000" b="0" i="0" dirty="0">
-                <a:solidFill>
-                  <a:srgbClr val="000000"/>
-                </a:solidFill>
-                <a:effectLst/>
-                <a:latin typeface="Arial" panose="020B0604020202020204" pitchFamily="34" charset="0"/>
-                <a:cs typeface="Arial" panose="020B0604020202020204" pitchFamily="34" charset="0"/>
-              </a:rPr>
-              <a:t>The period of second generation was from 1959-1965. </a:t>
-            </a:r>
-          </a:p>
-          <a:p>
-            <a:pPr marL="171450" indent="-171450" algn="just">
-              <a:buFont typeface="Arial" panose="020B0604020202020204" pitchFamily="34" charset="0"/>
-              <a:buChar char="•"/>
-            </a:pPr>
-            <a:endParaRPr lang="en-US" sz="1200" dirty="0">
-              <a:solidFill>
-                <a:srgbClr val="000000"/>
-              </a:solidFill>
-              <a:latin typeface="Arial" panose="020B0604020202020204" pitchFamily="34" charset="0"/>
-              <a:cs typeface="Arial" panose="020B0604020202020204" pitchFamily="34" charset="0"/>
-            </a:endParaRPr>
-          </a:p>
-          <a:p>
-            <a:pPr marL="342900" indent="-342900" algn="just">
-              <a:buFont typeface="Arial" panose="020B0604020202020204" pitchFamily="34" charset="0"/>
-              <a:buChar char="•"/>
-            </a:pPr>
-            <a:r>
-              <a:rPr lang="en-US" sz="2000" b="0" i="0" dirty="0">
-                <a:solidFill>
-                  <a:srgbClr val="000000"/>
-                </a:solidFill>
-                <a:effectLst/>
-                <a:latin typeface="Arial" panose="020B0604020202020204" pitchFamily="34" charset="0"/>
-                <a:cs typeface="Arial" panose="020B0604020202020204" pitchFamily="34" charset="0"/>
-              </a:rPr>
-              <a:t>In this generation, transistors were used that were cheaper, consumed less power and faster than the first generation machines made of vacuum tubes. </a:t>
-            </a:r>
-          </a:p>
-          <a:p>
-            <a:pPr marL="171450" indent="-171450" algn="just">
-              <a:buFont typeface="Arial" panose="020B0604020202020204" pitchFamily="34" charset="0"/>
-              <a:buChar char="•"/>
-            </a:pPr>
-            <a:endParaRPr lang="en-US" sz="1200" dirty="0">
-              <a:solidFill>
-                <a:srgbClr val="000000"/>
-              </a:solidFill>
-              <a:latin typeface="Arial" panose="020B0604020202020204" pitchFamily="34" charset="0"/>
-              <a:cs typeface="Arial" panose="020B0604020202020204" pitchFamily="34" charset="0"/>
-            </a:endParaRPr>
-          </a:p>
-          <a:p>
-            <a:pPr marL="342900" indent="-342900" algn="just">
-              <a:buFont typeface="Arial" panose="020B0604020202020204" pitchFamily="34" charset="0"/>
-              <a:buChar char="•"/>
-            </a:pPr>
-            <a:r>
-              <a:rPr lang="en-US" sz="2000" b="0" i="0" dirty="0">
-                <a:solidFill>
-                  <a:srgbClr val="000000"/>
-                </a:solidFill>
-                <a:effectLst/>
-                <a:latin typeface="Arial" panose="020B0604020202020204" pitchFamily="34" charset="0"/>
-                <a:cs typeface="Arial" panose="020B0604020202020204" pitchFamily="34" charset="0"/>
-              </a:rPr>
-              <a:t>In this generation, magnetic cores were used as the primary memory and magnetic tape and magnetic disks as secondary storage devices.</a:t>
-            </a:r>
-          </a:p>
-          <a:p>
-            <a:pPr marL="171450" indent="-171450" algn="just">
-              <a:buFont typeface="Arial" panose="020B0604020202020204" pitchFamily="34" charset="0"/>
-              <a:buChar char="•"/>
-            </a:pPr>
-            <a:endParaRPr lang="en-US" sz="1200" b="0" i="0" dirty="0">
-              <a:solidFill>
-                <a:srgbClr val="000000"/>
-              </a:solidFill>
-              <a:effectLst/>
-              <a:latin typeface="Arial" panose="020B0604020202020204" pitchFamily="34" charset="0"/>
-              <a:cs typeface="Arial" panose="020B0604020202020204" pitchFamily="34" charset="0"/>
-            </a:endParaRPr>
-          </a:p>
-          <a:p>
-            <a:pPr marL="342900" indent="-342900" algn="just">
-              <a:buFont typeface="Arial" panose="020B0604020202020204" pitchFamily="34" charset="0"/>
-              <a:buChar char="•"/>
-            </a:pPr>
-            <a:r>
-              <a:rPr lang="en-US" sz="2000" b="0" i="0" dirty="0">
-                <a:solidFill>
-                  <a:srgbClr val="000000"/>
-                </a:solidFill>
-                <a:effectLst/>
-                <a:latin typeface="Arial" panose="020B0604020202020204" pitchFamily="34" charset="0"/>
-                <a:cs typeface="Arial" panose="020B0604020202020204" pitchFamily="34" charset="0"/>
-              </a:rPr>
-              <a:t>In this generation, assembly language and high-level programming languages like FORTRAN, COBOL were used. The computers used batch processing and multiprogramming operating system.</a:t>
-            </a:r>
-          </a:p>
-        </p:txBody>
-      </p:sp>
-      <p:sp>
-        <p:nvSpPr>
-          <p:cNvPr id="3" name="TextBox 2">
-            <a:extLst>
-              <a:ext uri="{FF2B5EF4-FFF2-40B4-BE49-F238E27FC236}">
-                <a16:creationId xmlns:a16="http://schemas.microsoft.com/office/drawing/2014/main" id="{A0527D66-7CD6-FA26-B7C7-440DBC054928}"/>
-              </a:ext>
-            </a:extLst>
-          </p:cNvPr>
-          <p:cNvSpPr txBox="1"/>
-          <p:nvPr/>
-        </p:nvSpPr>
-        <p:spPr>
-          <a:xfrm>
-            <a:off x="263352" y="3933056"/>
-            <a:ext cx="6768752" cy="2554545"/>
-          </a:xfrm>
-          <a:prstGeom prst="rect">
-            <a:avLst/>
-          </a:prstGeom>
-          <a:noFill/>
-        </p:spPr>
-        <p:txBody>
-          <a:bodyPr wrap="square">
-            <a:spAutoFit/>
-          </a:bodyPr>
-          <a:lstStyle/>
-          <a:p>
-            <a:pPr algn="just"/>
-            <a:r>
-              <a:rPr lang="en-US" sz="2000" b="1" i="0" dirty="0">
-                <a:solidFill>
-                  <a:srgbClr val="000000"/>
-                </a:solidFill>
-                <a:effectLst/>
-                <a:latin typeface="Arial" panose="020B0604020202020204" pitchFamily="34" charset="0"/>
-                <a:cs typeface="Arial" panose="020B0604020202020204" pitchFamily="34" charset="0"/>
-              </a:rPr>
-              <a:t>The main features of the second generation are −</a:t>
-            </a:r>
-          </a:p>
-          <a:p>
-            <a:pPr algn="just"/>
-            <a:endParaRPr lang="en-US" sz="2000" b="0" i="0" dirty="0">
-              <a:solidFill>
-                <a:srgbClr val="000000"/>
-              </a:solidFill>
-              <a:effectLst/>
-              <a:latin typeface="Arial" panose="020B0604020202020204" pitchFamily="34" charset="0"/>
-              <a:cs typeface="Arial" panose="020B0604020202020204" pitchFamily="34" charset="0"/>
-            </a:endParaRPr>
-          </a:p>
-          <a:p>
-            <a:pPr marL="457200" indent="-457200" algn="l">
-              <a:buFont typeface="+mj-lt"/>
-              <a:buAutoNum type="arabicPeriod"/>
-            </a:pPr>
-            <a:r>
-              <a:rPr lang="en-US" sz="2000" b="0" i="0" dirty="0">
-                <a:solidFill>
-                  <a:srgbClr val="000000"/>
-                </a:solidFill>
-                <a:effectLst/>
-                <a:latin typeface="Arial" panose="020B0604020202020204" pitchFamily="34" charset="0"/>
-                <a:cs typeface="Arial" panose="020B0604020202020204" pitchFamily="34" charset="0"/>
-              </a:rPr>
-              <a:t>Use of transistors</a:t>
-            </a:r>
-          </a:p>
-          <a:p>
-            <a:pPr marL="457200" indent="-457200" algn="l">
-              <a:buFont typeface="+mj-lt"/>
-              <a:buAutoNum type="arabicPeriod"/>
-            </a:pPr>
-            <a:r>
-              <a:rPr lang="en-US" sz="2000" b="0" i="0" dirty="0">
-                <a:solidFill>
-                  <a:srgbClr val="000000"/>
-                </a:solidFill>
-                <a:effectLst/>
-                <a:latin typeface="Arial" panose="020B0604020202020204" pitchFamily="34" charset="0"/>
-                <a:cs typeface="Arial" panose="020B0604020202020204" pitchFamily="34" charset="0"/>
-              </a:rPr>
-              <a:t>Reliable in comparison to first generation computers</a:t>
-            </a:r>
-          </a:p>
-          <a:p>
-            <a:pPr marL="457200" indent="-457200" algn="l">
-              <a:buFont typeface="+mj-lt"/>
-              <a:buAutoNum type="arabicPeriod"/>
-            </a:pPr>
-            <a:r>
-              <a:rPr lang="en-US" sz="2000" b="0" i="0" dirty="0">
-                <a:solidFill>
-                  <a:srgbClr val="000000"/>
-                </a:solidFill>
-                <a:effectLst/>
-                <a:latin typeface="Arial" panose="020B0604020202020204" pitchFamily="34" charset="0"/>
-                <a:cs typeface="Arial" panose="020B0604020202020204" pitchFamily="34" charset="0"/>
-              </a:rPr>
-              <a:t>Smaller size as compared to first generation</a:t>
-            </a:r>
-          </a:p>
-          <a:p>
-            <a:pPr marL="457200" indent="-457200" algn="l">
-              <a:buFont typeface="+mj-lt"/>
-              <a:buAutoNum type="arabicPeriod"/>
-            </a:pPr>
-            <a:r>
-              <a:rPr lang="en-US" sz="2000" b="0" i="0" dirty="0">
-                <a:solidFill>
-                  <a:srgbClr val="000000"/>
-                </a:solidFill>
-                <a:effectLst/>
-                <a:latin typeface="Arial" panose="020B0604020202020204" pitchFamily="34" charset="0"/>
-                <a:cs typeface="Arial" panose="020B0604020202020204" pitchFamily="34" charset="0"/>
-              </a:rPr>
-              <a:t>Generated less heat as compared to first generation</a:t>
-            </a:r>
-          </a:p>
-          <a:p>
-            <a:pPr marL="457200" indent="-457200">
-              <a:buFont typeface="+mj-lt"/>
-              <a:buAutoNum type="arabicPeriod"/>
-            </a:pPr>
-            <a:r>
-              <a:rPr lang="en-US" sz="2000" b="0" i="0" dirty="0">
-                <a:solidFill>
-                  <a:srgbClr val="000000"/>
-                </a:solidFill>
-                <a:effectLst/>
-                <a:latin typeface="Arial" panose="020B0604020202020204" pitchFamily="34" charset="0"/>
-                <a:cs typeface="Arial" panose="020B0604020202020204" pitchFamily="34" charset="0"/>
-              </a:rPr>
-              <a:t>Consumed less electricity as compared to first generation</a:t>
-            </a:r>
-          </a:p>
-        </p:txBody>
-      </p:sp>
-      <p:sp>
-        <p:nvSpPr>
-          <p:cNvPr id="6" name="TextBox 5">
-            <a:extLst>
-              <a:ext uri="{FF2B5EF4-FFF2-40B4-BE49-F238E27FC236}">
-                <a16:creationId xmlns:a16="http://schemas.microsoft.com/office/drawing/2014/main" id="{1888DE6B-7BCE-EEBD-AF05-A1F01FA2BF59}"/>
-              </a:ext>
-            </a:extLst>
-          </p:cNvPr>
-          <p:cNvSpPr txBox="1"/>
-          <p:nvPr/>
-        </p:nvSpPr>
-        <p:spPr>
-          <a:xfrm>
-            <a:off x="7176120" y="4856385"/>
-            <a:ext cx="4824536" cy="1631216"/>
-          </a:xfrm>
-          <a:prstGeom prst="rect">
-            <a:avLst/>
-          </a:prstGeom>
-          <a:noFill/>
-        </p:spPr>
-        <p:txBody>
-          <a:bodyPr wrap="square">
-            <a:spAutoFit/>
-          </a:bodyPr>
-          <a:lstStyle/>
-          <a:p>
-            <a:pPr marL="457200" indent="-457200" algn="l">
-              <a:buFont typeface="+mj-lt"/>
-              <a:buAutoNum type="arabicPeriod" startAt="5"/>
-            </a:pPr>
-            <a:r>
-              <a:rPr lang="en-US" sz="2000" b="0" i="0" dirty="0">
-                <a:solidFill>
-                  <a:srgbClr val="000000"/>
-                </a:solidFill>
-                <a:effectLst/>
-                <a:latin typeface="Arial" panose="020B0604020202020204" pitchFamily="34" charset="0"/>
-                <a:cs typeface="Arial" panose="020B0604020202020204" pitchFamily="34" charset="0"/>
-              </a:rPr>
-              <a:t>Faster than first generation</a:t>
-            </a:r>
-          </a:p>
-          <a:p>
-            <a:pPr marL="457200" indent="-457200" algn="l">
-              <a:buFont typeface="+mj-lt"/>
-              <a:buAutoNum type="arabicPeriod" startAt="5"/>
-            </a:pPr>
-            <a:r>
-              <a:rPr lang="en-US" sz="2000" b="0" i="0" dirty="0">
-                <a:solidFill>
-                  <a:srgbClr val="000000"/>
-                </a:solidFill>
-                <a:effectLst/>
-                <a:latin typeface="Arial" panose="020B0604020202020204" pitchFamily="34" charset="0"/>
-                <a:cs typeface="Arial" panose="020B0604020202020204" pitchFamily="34" charset="0"/>
-              </a:rPr>
-              <a:t>Still very costly</a:t>
-            </a:r>
-          </a:p>
-          <a:p>
-            <a:pPr marL="457200" indent="-457200" algn="l">
-              <a:buFont typeface="+mj-lt"/>
-              <a:buAutoNum type="arabicPeriod" startAt="5"/>
-            </a:pPr>
-            <a:r>
-              <a:rPr lang="en-US" sz="2000" b="0" i="0" dirty="0">
-                <a:solidFill>
-                  <a:srgbClr val="000000"/>
-                </a:solidFill>
-                <a:effectLst/>
-                <a:latin typeface="Arial" panose="020B0604020202020204" pitchFamily="34" charset="0"/>
-                <a:cs typeface="Arial" panose="020B0604020202020204" pitchFamily="34" charset="0"/>
-              </a:rPr>
-              <a:t>AC required</a:t>
-            </a:r>
-          </a:p>
-          <a:p>
-            <a:pPr marL="457200" indent="-457200" algn="l">
-              <a:buFont typeface="+mj-lt"/>
-              <a:buAutoNum type="arabicPeriod" startAt="5"/>
-            </a:pPr>
-            <a:r>
-              <a:rPr lang="en-US" sz="2000" b="0" i="0" dirty="0">
-                <a:solidFill>
-                  <a:srgbClr val="000000"/>
-                </a:solidFill>
-                <a:effectLst/>
-                <a:latin typeface="Arial" panose="020B0604020202020204" pitchFamily="34" charset="0"/>
-                <a:cs typeface="Arial" panose="020B0604020202020204" pitchFamily="34" charset="0"/>
-              </a:rPr>
-              <a:t>Supported machine and assembly languages</a:t>
-            </a:r>
-          </a:p>
-        </p:txBody>
-      </p:sp>
-    </p:spTree>
-    <p:extLst>
-      <p:ext uri="{BB962C8B-B14F-4D97-AF65-F5344CB8AC3E}">
-        <p14:creationId xmlns:p14="http://schemas.microsoft.com/office/powerpoint/2010/main" val="3239572161"/>
-      </p:ext>
-    </p:extLst>
-  </p:cSld>
-  <p:clrMapOvr>
-    <a:masterClrMapping/>
-  </p:clrMapOvr>
-</p:sld>
-</file>
-
-<file path=ppt/slides/slide40.xml><?xml version="1.0" encoding="utf-8"?>
-<p:sld xmlns:a="http://schemas.openxmlformats.org/drawingml/2006/main" xmlns:r="http://schemas.openxmlformats.org/officeDocument/2006/relationships" xmlns:p="http://schemas.openxmlformats.org/presentationml/2006/main">
-  <p:cSld>
-    <p:spTree>
-      <p:nvGrpSpPr>
-        <p:cNvPr id="1" name=""/>
-        <p:cNvGrpSpPr/>
-        <p:nvPr/>
-      </p:nvGrpSpPr>
-      <p:grpSpPr>
-        <a:xfrm>
-          <a:off x="0" y="0"/>
-          <a:ext cx="0" cy="0"/>
-          <a:chOff x="0" y="0"/>
-          <a:chExt cx="0" cy="0"/>
-        </a:xfrm>
-      </p:grpSpPr>
-      <p:sp>
-        <p:nvSpPr>
-          <p:cNvPr id="4" name="Rectangle 3">
-            <a:extLst>
-              <a:ext uri="{FF2B5EF4-FFF2-40B4-BE49-F238E27FC236}">
-                <a16:creationId xmlns:a16="http://schemas.microsoft.com/office/drawing/2014/main" id="{6524962B-7610-4EFD-AA5E-DDE403AB8860}"/>
-              </a:ext>
-            </a:extLst>
-          </p:cNvPr>
-          <p:cNvSpPr/>
-          <p:nvPr/>
-        </p:nvSpPr>
-        <p:spPr>
-          <a:xfrm>
-            <a:off x="1524000" y="1"/>
-            <a:ext cx="9144000" cy="584775"/>
-          </a:xfrm>
-          <a:prstGeom prst="rect">
-            <a:avLst/>
-          </a:prstGeom>
-          <a:noFill/>
-        </p:spPr>
-        <p:txBody>
-          <a:bodyPr wrap="square">
-            <a:spAutoFit/>
-          </a:bodyPr>
-          <a:lstStyle/>
-          <a:p>
-            <a:pPr algn="r"/>
-            <a:r>
-              <a:rPr lang="en-US" sz="3200" i="1" dirty="0">
-                <a:solidFill>
-                  <a:srgbClr val="FF9900"/>
-                </a:solidFill>
-                <a:latin typeface="Arial" pitchFamily="34" charset="0"/>
-                <a:cs typeface="Arial" pitchFamily="34" charset="0"/>
-              </a:rPr>
-              <a:t>object oriented programming paradigm</a:t>
-            </a:r>
-            <a:endParaRPr lang="en-IN" sz="3200" i="1" dirty="0">
-              <a:solidFill>
-                <a:srgbClr val="FF9900"/>
-              </a:solidFill>
-              <a:latin typeface="Arial" pitchFamily="34" charset="0"/>
-              <a:cs typeface="Arial" pitchFamily="34" charset="0"/>
-            </a:endParaRPr>
-          </a:p>
-        </p:txBody>
-      </p:sp>
-    </p:spTree>
-    <p:extLst>
-      <p:ext uri="{BB962C8B-B14F-4D97-AF65-F5344CB8AC3E}">
-        <p14:creationId xmlns:p14="http://schemas.microsoft.com/office/powerpoint/2010/main" val="1921851627"/>
       </p:ext>
     </p:extLst>
   </p:cSld>
@@ -12344,6 +12686,230 @@
                 <a:latin typeface="Arial" pitchFamily="34" charset="0"/>
                 <a:cs typeface="Arial" pitchFamily="34" charset="0"/>
               </a:rPr>
+              <a:t>procedural programming paradigm</a:t>
+            </a:r>
+            <a:endParaRPr lang="en-IN" sz="3200" i="1" dirty="0">
+              <a:solidFill>
+                <a:srgbClr val="FF9900"/>
+              </a:solidFill>
+              <a:latin typeface="Arial" pitchFamily="34" charset="0"/>
+              <a:cs typeface="Arial" pitchFamily="34" charset="0"/>
+            </a:endParaRPr>
+          </a:p>
+        </p:txBody>
+      </p:sp>
+      <p:sp>
+        <p:nvSpPr>
+          <p:cNvPr id="6" name="TextBox 5">
+            <a:extLst>
+              <a:ext uri="{FF2B5EF4-FFF2-40B4-BE49-F238E27FC236}">
+                <a16:creationId xmlns:a16="http://schemas.microsoft.com/office/drawing/2014/main" id="{B6D0F145-F4AF-AB8D-0658-1541B6EBF168}"/>
+              </a:ext>
+            </a:extLst>
+          </p:cNvPr>
+          <p:cNvSpPr txBox="1"/>
+          <p:nvPr/>
+        </p:nvSpPr>
+        <p:spPr>
+          <a:xfrm>
+            <a:off x="191344" y="1052736"/>
+            <a:ext cx="11809312" cy="2554545"/>
+          </a:xfrm>
+          <a:prstGeom prst="rect">
+            <a:avLst/>
+          </a:prstGeom>
+          <a:noFill/>
+        </p:spPr>
+        <p:txBody>
+          <a:bodyPr wrap="square">
+            <a:spAutoFit/>
+          </a:bodyPr>
+          <a:lstStyle>
+            <a:defPPr>
+              <a:defRPr lang="en-US"/>
+            </a:defPPr>
+            <a:lvl1pPr marL="285750" indent="-285750">
+              <a:buFont typeface="Arial" panose="020B0604020202020204" pitchFamily="34" charset="0"/>
+              <a:buChar char="•"/>
+              <a:defRPr b="1">
+                <a:latin typeface="Arial" panose="020B0604020202020204" pitchFamily="34" charset="0"/>
+                <a:cs typeface="Arial" panose="020B0604020202020204" pitchFamily="34" charset="0"/>
+              </a:defRPr>
+            </a:lvl1pPr>
+          </a:lstStyle>
+          <a:p>
+            <a:r>
+              <a:rPr lang="en-US" sz="2000" b="0" dirty="0"/>
+              <a:t>Procedural programming revolves around a sequence of instructions given to the computer. These sequences of instructions are known as procedures.</a:t>
+            </a:r>
+          </a:p>
+          <a:p>
+            <a:endParaRPr lang="en-US" sz="2000" b="0" dirty="0"/>
+          </a:p>
+          <a:p>
+            <a:r>
+              <a:rPr lang="en-US" sz="2000" b="0" dirty="0"/>
+              <a:t>Since the instructions are carried out in well-defined sequences, we say that procedural programming takes a top-down approach.</a:t>
+            </a:r>
+          </a:p>
+          <a:p>
+            <a:endParaRPr lang="en-US" sz="2000" b="0" dirty="0"/>
+          </a:p>
+          <a:p>
+            <a:r>
+              <a:rPr lang="en-US" sz="2000" b="0" dirty="0"/>
+              <a:t>In procedural programming, we divide our instructions into smaller blocks of well-defined code. These code blocks are known as functions, where each function performs a specific task.</a:t>
+            </a:r>
+            <a:endParaRPr lang="en-IN" sz="2000" b="0" dirty="0"/>
+          </a:p>
+        </p:txBody>
+      </p:sp>
+    </p:spTree>
+    <p:extLst>
+      <p:ext uri="{BB962C8B-B14F-4D97-AF65-F5344CB8AC3E}">
+        <p14:creationId xmlns:p14="http://schemas.microsoft.com/office/powerpoint/2010/main" val="2207908433"/>
+      </p:ext>
+    </p:extLst>
+  </p:cSld>
+  <p:clrMapOvr>
+    <a:masterClrMapping/>
+  </p:clrMapOvr>
+</p:sld>
+</file>
+
+<file path=ppt/slides/slide42.xml><?xml version="1.0" encoding="utf-8"?>
+<p:sld xmlns:a="http://schemas.openxmlformats.org/drawingml/2006/main" xmlns:r="http://schemas.openxmlformats.org/officeDocument/2006/relationships" xmlns:p="http://schemas.openxmlformats.org/presentationml/2006/main">
+  <p:cSld>
+    <p:spTree>
+      <p:nvGrpSpPr>
+        <p:cNvPr id="1" name=""/>
+        <p:cNvGrpSpPr/>
+        <p:nvPr/>
+      </p:nvGrpSpPr>
+      <p:grpSpPr>
+        <a:xfrm>
+          <a:off x="0" y="0"/>
+          <a:ext cx="0" cy="0"/>
+          <a:chOff x="0" y="0"/>
+          <a:chExt cx="0" cy="0"/>
+        </a:xfrm>
+      </p:grpSpPr>
+      <p:sp>
+        <p:nvSpPr>
+          <p:cNvPr id="4" name="Rectangle 3">
+            <a:extLst>
+              <a:ext uri="{FF2B5EF4-FFF2-40B4-BE49-F238E27FC236}">
+                <a16:creationId xmlns:a16="http://schemas.microsoft.com/office/drawing/2014/main" id="{6524962B-7610-4EFD-AA5E-DDE403AB8860}"/>
+              </a:ext>
+            </a:extLst>
+          </p:cNvPr>
+          <p:cNvSpPr/>
+          <p:nvPr/>
+        </p:nvSpPr>
+        <p:spPr>
+          <a:xfrm>
+            <a:off x="1524000" y="1"/>
+            <a:ext cx="9144000" cy="584775"/>
+          </a:xfrm>
+          <a:prstGeom prst="rect">
+            <a:avLst/>
+          </a:prstGeom>
+          <a:noFill/>
+        </p:spPr>
+        <p:txBody>
+          <a:bodyPr wrap="square">
+            <a:spAutoFit/>
+          </a:bodyPr>
+          <a:lstStyle/>
+          <a:p>
+            <a:pPr algn="r"/>
+            <a:r>
+              <a:rPr lang="en-US" sz="3200" i="1" dirty="0">
+                <a:solidFill>
+                  <a:srgbClr val="FF9900"/>
+                </a:solidFill>
+                <a:latin typeface="Arial" pitchFamily="34" charset="0"/>
+                <a:cs typeface="Arial" pitchFamily="34" charset="0"/>
+              </a:rPr>
+              <a:t>object oriented programming paradigm</a:t>
+            </a:r>
+            <a:endParaRPr lang="en-IN" sz="3200" i="1" dirty="0">
+              <a:solidFill>
+                <a:srgbClr val="FF9900"/>
+              </a:solidFill>
+              <a:latin typeface="Arial" pitchFamily="34" charset="0"/>
+              <a:cs typeface="Arial" pitchFamily="34" charset="0"/>
+            </a:endParaRPr>
+          </a:p>
+        </p:txBody>
+      </p:sp>
+    </p:spTree>
+    <p:extLst>
+      <p:ext uri="{BB962C8B-B14F-4D97-AF65-F5344CB8AC3E}">
+        <p14:creationId xmlns:p14="http://schemas.microsoft.com/office/powerpoint/2010/main" val="1921851627"/>
+      </p:ext>
+    </p:extLst>
+  </p:cSld>
+  <p:clrMapOvr>
+    <a:masterClrMapping/>
+  </p:clrMapOvr>
+</p:sld>
+</file>
+
+<file path=ppt/slides/slide43.xml><?xml version="1.0" encoding="utf-8"?>
+<p:sld xmlns:a="http://schemas.openxmlformats.org/drawingml/2006/main" xmlns:r="http://schemas.openxmlformats.org/officeDocument/2006/relationships" xmlns:p="http://schemas.openxmlformats.org/presentationml/2006/main">
+  <p:cSld>
+    <p:spTree>
+      <p:nvGrpSpPr>
+        <p:cNvPr id="1" name=""/>
+        <p:cNvGrpSpPr/>
+        <p:nvPr/>
+      </p:nvGrpSpPr>
+      <p:grpSpPr>
+        <a:xfrm>
+          <a:off x="0" y="0"/>
+          <a:ext cx="0" cy="0"/>
+          <a:chOff x="0" y="0"/>
+          <a:chExt cx="0" cy="0"/>
+        </a:xfrm>
+      </p:grpSpPr>
+      <p:sp>
+        <p:nvSpPr>
+          <p:cNvPr id="4" name="Rectangle 3">
+            <a:extLst>
+              <a:ext uri="{FF2B5EF4-FFF2-40B4-BE49-F238E27FC236}">
+                <a16:creationId xmlns:a16="http://schemas.microsoft.com/office/drawing/2014/main" id="{6524962B-7610-4EFD-AA5E-DDE403AB8860}"/>
+              </a:ext>
+            </a:extLst>
+          </p:cNvPr>
+          <p:cNvSpPr/>
+          <p:nvPr/>
+        </p:nvSpPr>
+        <p:spPr>
+          <a:xfrm>
+            <a:off x="1524000" y="1"/>
+            <a:ext cx="9144000" cy="584775"/>
+          </a:xfrm>
+          <a:prstGeom prst="rect">
+            <a:avLst/>
+          </a:prstGeom>
+          <a:noFill/>
+        </p:spPr>
+        <p:txBody>
+          <a:bodyPr wrap="square">
+            <a:spAutoFit/>
+          </a:bodyPr>
+          <a:lstStyle/>
+          <a:p>
+            <a:pPr algn="r"/>
+            <a:r>
+              <a:rPr lang="en-US" sz="3200" i="1" dirty="0">
+                <a:solidFill>
+                  <a:srgbClr val="FF9900"/>
+                </a:solidFill>
+                <a:latin typeface="Arial" pitchFamily="34" charset="0"/>
+                <a:cs typeface="Arial" pitchFamily="34" charset="0"/>
+              </a:rPr>
               <a:t>parallel processing programming paradigm</a:t>
             </a:r>
             <a:endParaRPr lang="en-IN" sz="3200" i="1" dirty="0">
@@ -12369,7 +12935,7 @@
 </p:sld>
 </file>
 
-<file path=ppt/slides/slide42.xml><?xml version="1.0" encoding="utf-8"?>
+<file path=ppt/slides/slide44.xml><?xml version="1.0" encoding="utf-8"?>
 <p:sld xmlns:a="http://schemas.openxmlformats.org/drawingml/2006/main" xmlns:r="http://schemas.openxmlformats.org/officeDocument/2006/relationships" xmlns:p="http://schemas.openxmlformats.org/presentationml/2006/main">
   <p:cSld>
     <p:spTree>
@@ -12448,7 +13014,7 @@
 </p:sld>
 </file>
 
-<file path=ppt/slides/slide43.xml><?xml version="1.0" encoding="utf-8"?>
+<file path=ppt/slides/slide45.xml><?xml version="1.0" encoding="utf-8"?>
 <p:sld xmlns:a="http://schemas.openxmlformats.org/drawingml/2006/main" xmlns:r="http://schemas.openxmlformats.org/officeDocument/2006/relationships" xmlns:p="http://schemas.openxmlformats.org/presentationml/2006/main">
   <p:cSld>
     <p:spTree>

--- a/BIG Data.pptx
+++ b/BIG Data.pptx
@@ -5,7 +5,7 @@
     <p:sldMasterId id="2147483720" r:id="rId1"/>
   </p:sldMasterIdLst>
   <p:notesMasterIdLst>
-    <p:notesMasterId r:id="rId47"/>
+    <p:notesMasterId r:id="rId49"/>
   </p:notesMasterIdLst>
   <p:sldIdLst>
     <p:sldId id="257" r:id="rId2"/>
@@ -25,34 +25,36 @@
     <p:sldId id="1351" r:id="rId16"/>
     <p:sldId id="1353" r:id="rId17"/>
     <p:sldId id="1354" r:id="rId18"/>
-    <p:sldId id="1352" r:id="rId19"/>
-    <p:sldId id="1337" r:id="rId20"/>
-    <p:sldId id="599" r:id="rId21"/>
-    <p:sldId id="271" r:id="rId22"/>
-    <p:sldId id="1184" r:id="rId23"/>
-    <p:sldId id="1185" r:id="rId24"/>
-    <p:sldId id="1123" r:id="rId25"/>
-    <p:sldId id="1177" r:id="rId26"/>
-    <p:sldId id="1180" r:id="rId27"/>
-    <p:sldId id="1181" r:id="rId28"/>
-    <p:sldId id="1182" r:id="rId29"/>
-    <p:sldId id="1321" r:id="rId30"/>
-    <p:sldId id="864" r:id="rId31"/>
-    <p:sldId id="1179" r:id="rId32"/>
-    <p:sldId id="1183" r:id="rId33"/>
-    <p:sldId id="1322" r:id="rId34"/>
-    <p:sldId id="1323" r:id="rId35"/>
-    <p:sldId id="1324" r:id="rId36"/>
-    <p:sldId id="1325" r:id="rId37"/>
-    <p:sldId id="1326" r:id="rId38"/>
-    <p:sldId id="1327" r:id="rId39"/>
-    <p:sldId id="1328" r:id="rId40"/>
-    <p:sldId id="1329" r:id="rId41"/>
-    <p:sldId id="1330" r:id="rId42"/>
-    <p:sldId id="1331" r:id="rId43"/>
-    <p:sldId id="1332" r:id="rId44"/>
-    <p:sldId id="1335" r:id="rId45"/>
-    <p:sldId id="1336" r:id="rId46"/>
+    <p:sldId id="1356" r:id="rId19"/>
+    <p:sldId id="1355" r:id="rId20"/>
+    <p:sldId id="1352" r:id="rId21"/>
+    <p:sldId id="1337" r:id="rId22"/>
+    <p:sldId id="599" r:id="rId23"/>
+    <p:sldId id="271" r:id="rId24"/>
+    <p:sldId id="1184" r:id="rId25"/>
+    <p:sldId id="1185" r:id="rId26"/>
+    <p:sldId id="1123" r:id="rId27"/>
+    <p:sldId id="1177" r:id="rId28"/>
+    <p:sldId id="1180" r:id="rId29"/>
+    <p:sldId id="1181" r:id="rId30"/>
+    <p:sldId id="1182" r:id="rId31"/>
+    <p:sldId id="1321" r:id="rId32"/>
+    <p:sldId id="864" r:id="rId33"/>
+    <p:sldId id="1179" r:id="rId34"/>
+    <p:sldId id="1183" r:id="rId35"/>
+    <p:sldId id="1322" r:id="rId36"/>
+    <p:sldId id="1323" r:id="rId37"/>
+    <p:sldId id="1324" r:id="rId38"/>
+    <p:sldId id="1325" r:id="rId39"/>
+    <p:sldId id="1326" r:id="rId40"/>
+    <p:sldId id="1327" r:id="rId41"/>
+    <p:sldId id="1328" r:id="rId42"/>
+    <p:sldId id="1329" r:id="rId43"/>
+    <p:sldId id="1330" r:id="rId44"/>
+    <p:sldId id="1331" r:id="rId45"/>
+    <p:sldId id="1332" r:id="rId46"/>
+    <p:sldId id="1335" r:id="rId47"/>
+    <p:sldId id="1336" r:id="rId48"/>
   </p:sldIdLst>
   <p:sldSz cx="12192000" cy="6858000"/>
   <p:notesSz cx="6858000" cy="9144000"/>
@@ -5886,8 +5888,8 @@
         </p:nvSpPr>
         <p:spPr>
           <a:xfrm>
-            <a:off x="587388" y="836712"/>
-            <a:ext cx="11017224" cy="1200329"/>
+            <a:off x="551384" y="836712"/>
+            <a:ext cx="11053228" cy="1231106"/>
           </a:xfrm>
           <a:prstGeom prst="rect">
             <a:avLst/>
@@ -5902,7 +5904,7 @@
           <a:p>
             <a:pPr algn="l"/>
             <a:r>
-              <a:rPr lang="en-US" b="0" i="0" dirty="0">
+              <a:rPr lang="en-US" sz="2000" b="0" i="0" dirty="0">
                 <a:solidFill>
                   <a:srgbClr val="000000"/>
                 </a:solidFill>
@@ -5969,8 +5971,8 @@
         </p:blipFill>
         <p:spPr bwMode="auto">
           <a:xfrm>
-            <a:off x="695400" y="2544291"/>
-            <a:ext cx="6860611" cy="3044949"/>
+            <a:off x="695400" y="2319751"/>
+            <a:ext cx="5760640" cy="2556748"/>
           </a:xfrm>
           <a:prstGeom prst="rect">
             <a:avLst/>
@@ -5987,6 +5989,197 @@
           </a:extLst>
         </p:spPr>
       </p:pic>
+      <p:sp>
+        <p:nvSpPr>
+          <p:cNvPr id="3" name="TextBox 2">
+            <a:extLst>
+              <a:ext uri="{FF2B5EF4-FFF2-40B4-BE49-F238E27FC236}">
+                <a16:creationId xmlns:a16="http://schemas.microsoft.com/office/drawing/2014/main" id="{977CC290-A577-E309-91C8-01DB02D8DA79}"/>
+              </a:ext>
+            </a:extLst>
+          </p:cNvPr>
+          <p:cNvSpPr txBox="1"/>
+          <p:nvPr/>
+        </p:nvSpPr>
+        <p:spPr>
+          <a:xfrm>
+            <a:off x="558369" y="5229200"/>
+            <a:ext cx="6094378" cy="400110"/>
+          </a:xfrm>
+          <a:prstGeom prst="rect">
+            <a:avLst/>
+          </a:prstGeom>
+          <a:noFill/>
+        </p:spPr>
+        <p:txBody>
+          <a:bodyPr wrap="square">
+            <a:spAutoFit/>
+          </a:bodyPr>
+          <a:lstStyle/>
+          <a:p>
+            <a:r>
+              <a:rPr lang="en-IN" sz="2000" i="0" dirty="0">
+                <a:solidFill>
+                  <a:srgbClr val="444444"/>
+                </a:solidFill>
+                <a:effectLst/>
+                <a:latin typeface="Arial" panose="020B0604020202020204" pitchFamily="34" charset="0"/>
+                <a:cs typeface="Arial" panose="020B0604020202020204" pitchFamily="34" charset="0"/>
+              </a:rPr>
+              <a:t>Binary to Decimal Conversion</a:t>
+            </a:r>
+            <a:endParaRPr lang="en-IN" sz="2000" dirty="0">
+              <a:latin typeface="Arial" panose="020B0604020202020204" pitchFamily="34" charset="0"/>
+              <a:cs typeface="Arial" panose="020B0604020202020204" pitchFamily="34" charset="0"/>
+            </a:endParaRPr>
+          </a:p>
+        </p:txBody>
+      </p:sp>
+      <p:sp>
+        <p:nvSpPr>
+          <p:cNvPr id="6" name="TextBox 5">
+            <a:extLst>
+              <a:ext uri="{FF2B5EF4-FFF2-40B4-BE49-F238E27FC236}">
+                <a16:creationId xmlns:a16="http://schemas.microsoft.com/office/drawing/2014/main" id="{2FA0BEFC-C5EF-CB51-159C-E1BEBF95E866}"/>
+              </a:ext>
+            </a:extLst>
+          </p:cNvPr>
+          <p:cNvSpPr txBox="1"/>
+          <p:nvPr/>
+        </p:nvSpPr>
+        <p:spPr>
+          <a:xfrm>
+            <a:off x="551384" y="5654679"/>
+            <a:ext cx="5105583" cy="923330"/>
+          </a:xfrm>
+          <a:prstGeom prst="rect">
+            <a:avLst/>
+          </a:prstGeom>
+          <a:noFill/>
+        </p:spPr>
+        <p:txBody>
+          <a:bodyPr wrap="square">
+            <a:spAutoFit/>
+          </a:bodyPr>
+          <a:lstStyle/>
+          <a:p>
+            <a:pPr algn="l"/>
+            <a:r>
+              <a:rPr lang="en-IN" b="0" i="0" dirty="0">
+                <a:solidFill>
+                  <a:srgbClr val="444444"/>
+                </a:solidFill>
+                <a:effectLst/>
+                <a:latin typeface="Poppins" panose="00000500000000000000" pitchFamily="2" charset="0"/>
+              </a:rPr>
+              <a:t>1 × 2</a:t>
+            </a:r>
+            <a:r>
+              <a:rPr lang="en-IN" b="0" i="0" baseline="30000" dirty="0">
+                <a:solidFill>
+                  <a:srgbClr val="444444"/>
+                </a:solidFill>
+                <a:effectLst/>
+                <a:latin typeface="Poppins" panose="00000500000000000000" pitchFamily="2" charset="0"/>
+              </a:rPr>
+              <a:t>3</a:t>
+            </a:r>
+            <a:r>
+              <a:rPr lang="en-IN" b="0" i="0" dirty="0">
+                <a:solidFill>
+                  <a:srgbClr val="444444"/>
+                </a:solidFill>
+                <a:effectLst/>
+                <a:latin typeface="Poppins" panose="00000500000000000000" pitchFamily="2" charset="0"/>
+              </a:rPr>
+              <a:t> + 1 × 2</a:t>
+            </a:r>
+            <a:r>
+              <a:rPr lang="en-IN" b="0" i="0" baseline="30000" dirty="0">
+                <a:solidFill>
+                  <a:srgbClr val="444444"/>
+                </a:solidFill>
+                <a:effectLst/>
+                <a:latin typeface="Poppins" panose="00000500000000000000" pitchFamily="2" charset="0"/>
+              </a:rPr>
+              <a:t>2 </a:t>
+            </a:r>
+            <a:r>
+              <a:rPr lang="en-IN" b="0" i="0" dirty="0">
+                <a:solidFill>
+                  <a:srgbClr val="444444"/>
+                </a:solidFill>
+                <a:effectLst/>
+                <a:latin typeface="Poppins" panose="00000500000000000000" pitchFamily="2" charset="0"/>
+              </a:rPr>
+              <a:t>+ 0 × 2</a:t>
+            </a:r>
+            <a:r>
+              <a:rPr lang="en-IN" b="0" i="0" baseline="30000" dirty="0">
+                <a:solidFill>
+                  <a:srgbClr val="444444"/>
+                </a:solidFill>
+                <a:effectLst/>
+                <a:latin typeface="Poppins" panose="00000500000000000000" pitchFamily="2" charset="0"/>
+              </a:rPr>
+              <a:t>1</a:t>
+            </a:r>
+            <a:r>
+              <a:rPr lang="en-IN" b="0" i="0" dirty="0">
+                <a:solidFill>
+                  <a:srgbClr val="444444"/>
+                </a:solidFill>
+                <a:effectLst/>
+                <a:latin typeface="Poppins" panose="00000500000000000000" pitchFamily="2" charset="0"/>
+              </a:rPr>
+              <a:t> + 1 × 2</a:t>
+            </a:r>
+            <a:r>
+              <a:rPr lang="en-IN" b="0" i="0" baseline="30000" dirty="0">
+                <a:solidFill>
+                  <a:srgbClr val="444444"/>
+                </a:solidFill>
+                <a:effectLst/>
+                <a:latin typeface="Poppins" panose="00000500000000000000" pitchFamily="2" charset="0"/>
+              </a:rPr>
+              <a:t>0</a:t>
+            </a:r>
+            <a:endParaRPr lang="en-IN" b="0" i="0" dirty="0">
+              <a:solidFill>
+                <a:srgbClr val="444444"/>
+              </a:solidFill>
+              <a:effectLst/>
+              <a:latin typeface="Poppins" panose="00000500000000000000" pitchFamily="2" charset="0"/>
+            </a:endParaRPr>
+          </a:p>
+          <a:p>
+            <a:pPr algn="l"/>
+            <a:r>
+              <a:rPr lang="en-IN" b="0" i="0" dirty="0">
+                <a:solidFill>
+                  <a:srgbClr val="444444"/>
+                </a:solidFill>
+                <a:effectLst/>
+                <a:latin typeface="Poppins" panose="00000500000000000000" pitchFamily="2" charset="0"/>
+              </a:rPr>
+              <a:t>= 8 + 4 + 0 + 1</a:t>
+            </a:r>
+          </a:p>
+          <a:p>
+            <a:pPr algn="l"/>
+            <a:r>
+              <a:rPr lang="en-IN" b="0" i="0" dirty="0">
+                <a:solidFill>
+                  <a:srgbClr val="444444"/>
+                </a:solidFill>
+                <a:effectLst/>
+                <a:latin typeface="Poppins" panose="00000500000000000000" pitchFamily="2" charset="0"/>
+              </a:rPr>
+              <a:t>= 13</a:t>
+            </a:r>
+          </a:p>
+        </p:txBody>
+      </p:sp>
     </p:spTree>
     <p:extLst>
       <p:ext uri="{BB962C8B-B14F-4D97-AF65-F5344CB8AC3E}">
@@ -6048,17 +6241,17 @@
                 <a:latin typeface="Arial" pitchFamily="34" charset="0"/>
                 <a:cs typeface="Arial" pitchFamily="34" charset="0"/>
               </a:rPr>
-              <a:t>Algorithm and Flowcharts</a:t>
+              <a:t>Number Systems</a:t>
             </a:r>
           </a:p>
         </p:txBody>
       </p:sp>
       <p:sp>
         <p:nvSpPr>
-          <p:cNvPr id="3" name="TextBox 2">
+          <p:cNvPr id="7" name="TextBox 6">
             <a:extLst>
               <a:ext uri="{FF2B5EF4-FFF2-40B4-BE49-F238E27FC236}">
-                <a16:creationId xmlns:a16="http://schemas.microsoft.com/office/drawing/2014/main" id="{53AFD542-136E-AC25-E7F0-2F809E6F037F}"/>
+                <a16:creationId xmlns:a16="http://schemas.microsoft.com/office/drawing/2014/main" id="{C54E8F26-3F19-669E-3145-AB6ED0C86F09}"/>
               </a:ext>
             </a:extLst>
           </p:cNvPr>
@@ -6067,8 +6260,8 @@
         </p:nvSpPr>
         <p:spPr>
           <a:xfrm>
-            <a:off x="623392" y="1196752"/>
-            <a:ext cx="10945216" cy="1323439"/>
+            <a:off x="551384" y="836712"/>
+            <a:ext cx="11053228" cy="1231106"/>
           </a:xfrm>
           <a:prstGeom prst="rect">
             <a:avLst/>
@@ -6081,106 +6274,95 @@
           </a:bodyPr>
           <a:lstStyle/>
           <a:p>
-            <a:pPr marL="457200" indent="-457200">
-              <a:buFont typeface="+mj-lt"/>
-              <a:buAutoNum type="arabicPeriod"/>
-            </a:pPr>
-            <a:r>
-              <a:rPr lang="en-US" sz="2000" b="1" i="0" dirty="0">
-                <a:solidFill>
-                  <a:srgbClr val="202124"/>
-                </a:solidFill>
-                <a:effectLst/>
-                <a:latin typeface="Arial" panose="020B0604020202020204" pitchFamily="34" charset="0"/>
-                <a:cs typeface="Arial" panose="020B0604020202020204" pitchFamily="34" charset="0"/>
-              </a:rPr>
-              <a:t>Algorithms</a:t>
-            </a:r>
-            <a:r>
-              <a:rPr lang="en-US" sz="2000" b="0" i="0" dirty="0">
-                <a:solidFill>
-                  <a:srgbClr val="202124"/>
-                </a:solidFill>
-                <a:effectLst/>
-                <a:latin typeface="Arial" panose="020B0604020202020204" pitchFamily="34" charset="0"/>
-                <a:cs typeface="Arial" panose="020B0604020202020204" pitchFamily="34" charset="0"/>
-              </a:rPr>
-              <a:t>: An algorithm is a step-by-step method to solve problems. It includes a series of rules or instructions in which the program will be executed. </a:t>
-            </a:r>
-          </a:p>
-          <a:p>
-            <a:pPr marL="457200" indent="-457200">
-              <a:buFont typeface="+mj-lt"/>
-              <a:buAutoNum type="arabicPeriod"/>
-            </a:pPr>
-            <a:endParaRPr lang="en-US" sz="2000" dirty="0">
+            <a:pPr algn="l"/>
+            <a:r>
+              <a:rPr lang="en-US" sz="2000" dirty="0">
+                <a:solidFill>
+                  <a:srgbClr val="000000"/>
+                </a:solidFill>
+                <a:latin typeface="Arial" panose="020B0604020202020204" pitchFamily="34" charset="0"/>
+                <a:cs typeface="Arial" panose="020B0604020202020204" pitchFamily="34" charset="0"/>
+              </a:rPr>
+              <a:t>Decimal to Octal</a:t>
+            </a:r>
+          </a:p>
+          <a:p>
+            <a:pPr algn="l"/>
+            <a:endParaRPr lang="en-US" dirty="0">
               <a:solidFill>
-                <a:srgbClr val="202124"/>
+                <a:srgbClr val="000000"/>
               </a:solidFill>
               <a:latin typeface="Arial" panose="020B0604020202020204" pitchFamily="34" charset="0"/>
               <a:cs typeface="Arial" panose="020B0604020202020204" pitchFamily="34" charset="0"/>
             </a:endParaRPr>
           </a:p>
           <a:p>
-            <a:pPr marL="457200" indent="-457200">
-              <a:buFont typeface="+mj-lt"/>
-              <a:buAutoNum type="arabicPeriod"/>
-            </a:pPr>
-            <a:r>
-              <a:rPr lang="en-US" sz="2000" b="1" i="0" dirty="0">
-                <a:solidFill>
-                  <a:srgbClr val="202124"/>
-                </a:solidFill>
-                <a:effectLst/>
-                <a:latin typeface="Arial" panose="020B0604020202020204" pitchFamily="34" charset="0"/>
-                <a:cs typeface="Arial" panose="020B0604020202020204" pitchFamily="34" charset="0"/>
-              </a:rPr>
-              <a:t>Flowchart</a:t>
-            </a:r>
-            <a:r>
-              <a:rPr lang="en-US" sz="2000" b="0" i="0" dirty="0">
-                <a:solidFill>
-                  <a:srgbClr val="202124"/>
-                </a:solidFill>
-                <a:effectLst/>
-                <a:latin typeface="Arial" panose="020B0604020202020204" pitchFamily="34" charset="0"/>
-                <a:cs typeface="Arial" panose="020B0604020202020204" pitchFamily="34" charset="0"/>
-              </a:rPr>
-              <a:t>: </a:t>
-            </a:r>
-            <a:r>
-              <a:rPr lang="en-US" sz="2000" b="0" i="0" dirty="0">
-                <a:solidFill>
-                  <a:srgbClr val="040C28"/>
-                </a:solidFill>
-                <a:effectLst/>
-                <a:latin typeface="Arial" panose="020B0604020202020204" pitchFamily="34" charset="0"/>
-                <a:cs typeface="Arial" panose="020B0604020202020204" pitchFamily="34" charset="0"/>
-              </a:rPr>
-              <a:t>A flowchart is a pictorial representation of an algorithm</a:t>
-            </a:r>
-            <a:r>
-              <a:rPr lang="en-US" sz="2000" b="0" i="0" dirty="0">
-                <a:solidFill>
-                  <a:srgbClr val="202124"/>
-                </a:solidFill>
-                <a:effectLst/>
-                <a:latin typeface="Arial" panose="020B0604020202020204" pitchFamily="34" charset="0"/>
-                <a:cs typeface="Arial" panose="020B0604020202020204" pitchFamily="34" charset="0"/>
-              </a:rPr>
-              <a:t>.</a:t>
-            </a:r>
-            <a:endParaRPr lang="en-IN" sz="2000" dirty="0">
-              <a:latin typeface="Arial" panose="020B0604020202020204" pitchFamily="34" charset="0"/>
-              <a:cs typeface="Arial" panose="020B0604020202020204" pitchFamily="34" charset="0"/>
-            </a:endParaRPr>
+            <a:pPr algn="l"/>
+            <a:r>
+              <a:rPr lang="en-US" b="0" i="0" dirty="0">
+                <a:solidFill>
+                  <a:srgbClr val="000000"/>
+                </a:solidFill>
+                <a:effectLst/>
+                <a:latin typeface="Arial" panose="020B0604020202020204" pitchFamily="34" charset="0"/>
+                <a:cs typeface="Arial" panose="020B0604020202020204" pitchFamily="34" charset="0"/>
+              </a:rPr>
+              <a:t>Decimal numbers can be converted to octal by repeated division of the number by 8 while recording the remainder.</a:t>
+            </a:r>
           </a:p>
         </p:txBody>
       </p:sp>
+      <p:pic>
+        <p:nvPicPr>
+          <p:cNvPr id="4" name="Picture 2" descr="Decimal To Octal">
+            <a:extLst>
+              <a:ext uri="{FF2B5EF4-FFF2-40B4-BE49-F238E27FC236}">
+                <a16:creationId xmlns:a16="http://schemas.microsoft.com/office/drawing/2014/main" id="{971EFDB7-A9E0-1521-5E75-E983C7B956F5}"/>
+              </a:ext>
+            </a:extLst>
+          </p:cNvPr>
+          <p:cNvPicPr>
+            <a:picLocks noChangeAspect="1" noChangeArrowheads="1"/>
+          </p:cNvPicPr>
+          <p:nvPr/>
+        </p:nvPicPr>
+        <p:blipFill>
+          <a:blip r:embed="rId2">
+            <a:extLst>
+              <a:ext uri="{28A0092B-C50C-407E-A947-70E740481C1C}">
+                <a14:useLocalDpi xmlns:a14="http://schemas.microsoft.com/office/drawing/2010/main" val="0"/>
+              </a:ext>
+            </a:extLst>
+          </a:blip>
+          <a:srcRect/>
+          <a:stretch>
+            <a:fillRect/>
+          </a:stretch>
+        </p:blipFill>
+        <p:spPr bwMode="auto">
+          <a:xfrm>
+            <a:off x="551384" y="2336941"/>
+            <a:ext cx="6682537" cy="2028163"/>
+          </a:xfrm>
+          <a:prstGeom prst="rect">
+            <a:avLst/>
+          </a:prstGeom>
+          <a:noFill/>
+          <a:extLst>
+            <a:ext uri="{909E8E84-426E-40DD-AFC4-6F175D3DCCD1}">
+              <a14:hiddenFill xmlns:a14="http://schemas.microsoft.com/office/drawing/2010/main">
+                <a:solidFill>
+                  <a:srgbClr val="FFFFFF"/>
+                </a:solidFill>
+              </a14:hiddenFill>
+            </a:ext>
+          </a:extLst>
+        </p:spPr>
+      </p:pic>
     </p:spTree>
     <p:extLst>
       <p:ext uri="{BB962C8B-B14F-4D97-AF65-F5344CB8AC3E}">
-        <p14:creationId xmlns:p14="http://schemas.microsoft.com/office/powerpoint/2010/main" val="4215209383"/>
+        <p14:creationId xmlns:p14="http://schemas.microsoft.com/office/powerpoint/2010/main" val="304609330"/>
       </p:ext>
     </p:extLst>
   </p:cSld>
@@ -6191,7 +6373,7 @@
 </file>
 
 <file path=ppt/slides/slide19.xml><?xml version="1.0" encoding="utf-8"?>
-<p:sld xmlns:a="http://schemas.openxmlformats.org/drawingml/2006/main" xmlns:r="http://schemas.openxmlformats.org/officeDocument/2006/relationships" xmlns:p="http://schemas.openxmlformats.org/presentationml/2006/main" showMasterSp="0">
+<p:sld xmlns:a="http://schemas.openxmlformats.org/drawingml/2006/main" xmlns:r="http://schemas.openxmlformats.org/officeDocument/2006/relationships" xmlns:p="http://schemas.openxmlformats.org/presentationml/2006/main">
   <p:cSld>
     <p:spTree>
       <p:nvGrpSpPr>
@@ -6215,12 +6397,13 @@
         </p:nvSpPr>
         <p:spPr>
           <a:xfrm>
-            <a:off x="4583833" y="145754"/>
-            <a:ext cx="7608168" cy="1569660"/>
+            <a:off x="1524596" y="4"/>
+            <a:ext cx="9142810" cy="584775"/>
           </a:xfrm>
           <a:prstGeom prst="rect">
             <a:avLst/>
           </a:prstGeom>
+          <a:noFill/>
         </p:spPr>
         <p:txBody>
           <a:bodyPr wrap="square">
@@ -6228,74 +6411,41 @@
           </a:bodyPr>
           <a:lstStyle/>
           <a:p>
-            <a:r>
-              <a:rPr lang="en-IN" sz="4800" dirty="0">
-                <a:solidFill>
-                  <a:srgbClr val="FF6000"/>
-                </a:solidFill>
-                <a:latin typeface="Segoe Print" panose="02000600000000000000" pitchFamily="2" charset="0"/>
-              </a:rPr>
-              <a:t>A day without new knowledge is a lost day.</a:t>
+            <a:pPr algn="r"/>
+            <a:r>
+              <a:rPr lang="en-IN" sz="3200" i="1" dirty="0">
+                <a:solidFill>
+                  <a:srgbClr val="FF9900"/>
+                </a:solidFill>
+                <a:latin typeface="Arial" pitchFamily="34" charset="0"/>
+                <a:cs typeface="Arial" pitchFamily="34" charset="0"/>
+              </a:rPr>
+              <a:t>Number Systems</a:t>
             </a:r>
           </a:p>
         </p:txBody>
       </p:sp>
       <p:sp>
         <p:nvSpPr>
-          <p:cNvPr id="8" name="Title 2"/>
-          <p:cNvSpPr>
-            <a:spLocks noGrp="1"/>
-          </p:cNvSpPr>
-          <p:nvPr>
-            <p:ph type="ctrTitle"/>
-          </p:nvPr>
-        </p:nvSpPr>
-        <p:spPr>
-          <a:xfrm>
-            <a:off x="1367120" y="3068960"/>
-            <a:ext cx="9142810" cy="990600"/>
-          </a:xfrm>
-        </p:spPr>
-        <p:txBody>
-          <a:bodyPr vert="horz" anchor="t" anchorCtr="0">
-            <a:noAutofit/>
-          </a:bodyPr>
-          <a:lstStyle/>
-          <a:p>
-            <a:r>
-              <a:rPr lang="en-US" sz="4200" b="1" i="1" dirty="0">
-                <a:solidFill>
-                  <a:srgbClr val="00B0F0"/>
-                </a:solidFill>
-                <a:latin typeface="SimSun" panose="02010600030101010101" pitchFamily="2" charset="-122"/>
-                <a:ea typeface="SimSun" panose="02010600030101010101" pitchFamily="2" charset="-122"/>
-                <a:cs typeface="Arial" pitchFamily="34" charset="0"/>
-              </a:rPr>
-              <a:t>Big Data</a:t>
-            </a:r>
-          </a:p>
-        </p:txBody>
-      </p:sp>
-      <p:sp>
-        <p:nvSpPr>
-          <p:cNvPr id="7" name="Rectangle 6">
+          <p:cNvPr id="7" name="TextBox 6">
             <a:extLst>
               <a:ext uri="{FF2B5EF4-FFF2-40B4-BE49-F238E27FC236}">
-                <a16:creationId xmlns:a16="http://schemas.microsoft.com/office/drawing/2014/main" id="{682DE853-F794-4EAA-A4F6-EF487D25296F}"/>
+                <a16:creationId xmlns:a16="http://schemas.microsoft.com/office/drawing/2014/main" id="{C54E8F26-3F19-669E-3145-AB6ED0C86F09}"/>
               </a:ext>
             </a:extLst>
           </p:cNvPr>
-          <p:cNvSpPr/>
+          <p:cNvSpPr txBox="1"/>
           <p:nvPr/>
         </p:nvSpPr>
         <p:spPr>
           <a:xfrm>
-            <a:off x="181341" y="1767537"/>
-            <a:ext cx="3610403" cy="430887"/>
+            <a:off x="551384" y="836712"/>
+            <a:ext cx="11053228" cy="1261884"/>
           </a:xfrm>
           <a:prstGeom prst="rect">
             <a:avLst/>
           </a:prstGeom>
+          <a:noFill/>
         </p:spPr>
         <p:txBody>
           <a:bodyPr wrap="square">
@@ -6303,21 +6453,97 @@
           </a:bodyPr>
           <a:lstStyle/>
           <a:p>
-            <a:r>
-              <a:rPr lang="en-IN" sz="2200" dirty="0">
-                <a:solidFill>
-                  <a:schemeClr val="bg1"/>
-                </a:solidFill>
-              </a:rPr>
-              <a:t>Before we start DBT module.</a:t>
+            <a:pPr algn="l"/>
+            <a:r>
+              <a:rPr lang="en-US" sz="2000" b="0" i="0" dirty="0">
+                <a:solidFill>
+                  <a:srgbClr val="000000"/>
+                </a:solidFill>
+                <a:effectLst/>
+                <a:latin typeface="Arial" panose="020B0604020202020204" pitchFamily="34" charset="0"/>
+                <a:cs typeface="Arial" panose="020B0604020202020204" pitchFamily="34" charset="0"/>
+              </a:rPr>
+              <a:t>Decimal to Hexadecimal</a:t>
+            </a:r>
+          </a:p>
+          <a:p>
+            <a:pPr algn="l"/>
+            <a:endParaRPr lang="en-US" sz="2000" b="0" i="0" dirty="0">
+              <a:solidFill>
+                <a:srgbClr val="000000"/>
+              </a:solidFill>
+              <a:effectLst/>
+              <a:latin typeface="Arial" panose="020B0604020202020204" pitchFamily="34" charset="0"/>
+              <a:cs typeface="Arial" panose="020B0604020202020204" pitchFamily="34" charset="0"/>
+            </a:endParaRPr>
+          </a:p>
+          <a:p>
+            <a:pPr algn="l"/>
+            <a:r>
+              <a:rPr lang="en-US" b="0" i="0" dirty="0">
+                <a:solidFill>
+                  <a:srgbClr val="000000"/>
+                </a:solidFill>
+                <a:effectLst/>
+                <a:latin typeface="Arial" panose="020B0604020202020204" pitchFamily="34" charset="0"/>
+                <a:cs typeface="Arial" panose="020B0604020202020204" pitchFamily="34" charset="0"/>
+              </a:rPr>
+              <a:t>Decimal numbers can be converted to octal by repeated division of the number by 16 while recording the remainder.</a:t>
             </a:r>
           </a:p>
         </p:txBody>
       </p:sp>
+      <p:pic>
+        <p:nvPicPr>
+          <p:cNvPr id="2050" name="Picture 2" descr="Decimal To Hexadecimal">
+            <a:extLst>
+              <a:ext uri="{FF2B5EF4-FFF2-40B4-BE49-F238E27FC236}">
+                <a16:creationId xmlns:a16="http://schemas.microsoft.com/office/drawing/2014/main" id="{4E11948D-80F9-A698-0C01-545AE509D33D}"/>
+              </a:ext>
+            </a:extLst>
+          </p:cNvPr>
+          <p:cNvPicPr>
+            <a:picLocks noChangeAspect="1" noChangeArrowheads="1"/>
+          </p:cNvPicPr>
+          <p:nvPr/>
+        </p:nvPicPr>
+        <p:blipFill>
+          <a:blip r:embed="rId2">
+            <a:extLst>
+              <a:ext uri="{28A0092B-C50C-407E-A947-70E740481C1C}">
+                <a14:useLocalDpi xmlns:a14="http://schemas.microsoft.com/office/drawing/2010/main" val="0"/>
+              </a:ext>
+            </a:extLst>
+          </a:blip>
+          <a:srcRect/>
+          <a:stretch>
+            <a:fillRect/>
+          </a:stretch>
+        </p:blipFill>
+        <p:spPr bwMode="auto">
+          <a:xfrm>
+            <a:off x="623392" y="2636912"/>
+            <a:ext cx="6507492" cy="2736304"/>
+          </a:xfrm>
+          <a:prstGeom prst="rect">
+            <a:avLst/>
+          </a:prstGeom>
+          <a:noFill/>
+          <a:extLst>
+            <a:ext uri="{909E8E84-426E-40DD-AFC4-6F175D3DCCD1}">
+              <a14:hiddenFill xmlns:a14="http://schemas.microsoft.com/office/drawing/2010/main">
+                <a:solidFill>
+                  <a:srgbClr val="FFFFFF"/>
+                </a:solidFill>
+              </a14:hiddenFill>
+            </a:ext>
+          </a:extLst>
+        </p:spPr>
+      </p:pic>
     </p:spTree>
     <p:extLst>
       <p:ext uri="{BB962C8B-B14F-4D97-AF65-F5344CB8AC3E}">
-        <p14:creationId xmlns:p14="http://schemas.microsoft.com/office/powerpoint/2010/main" val="2378133558"/>
+        <p14:creationId xmlns:p14="http://schemas.microsoft.com/office/powerpoint/2010/main" val="1129266097"/>
       </p:ext>
     </p:extLst>
   </p:cSld>
@@ -6664,94 +6890,168 @@
       </p:grpSpPr>
       <p:sp>
         <p:nvSpPr>
-          <p:cNvPr id="2" name="Title 1"/>
-          <p:cNvSpPr txBox="1">
-            <a:spLocks/>
-          </p:cNvSpPr>
+          <p:cNvPr id="5" name="Rectangle 4"/>
+          <p:cNvSpPr/>
           <p:nvPr/>
         </p:nvSpPr>
         <p:spPr>
           <a:xfrm>
-            <a:off x="1676400" y="2133600"/>
-            <a:ext cx="8839200" cy="838200"/>
+            <a:off x="1524596" y="4"/>
+            <a:ext cx="9142810" cy="584775"/>
           </a:xfrm>
           <a:prstGeom prst="rect">
             <a:avLst/>
           </a:prstGeom>
+          <a:noFill/>
         </p:spPr>
         <p:txBody>
-          <a:bodyPr>
-            <a:noAutofit/>
+          <a:bodyPr wrap="square">
+            <a:spAutoFit/>
           </a:bodyPr>
-          <a:lstStyle>
-            <a:defPPr>
-              <a:defRPr lang="en-US"/>
-            </a:defPPr>
-            <a:lvl1pPr lvl="0" algn="ctr">
-              <a:spcBef>
-                <a:spcPct val="0"/>
-              </a:spcBef>
-              <a:defRPr sz="4800">
+          <a:lstStyle/>
+          <a:p>
+            <a:pPr algn="r"/>
+            <a:r>
+              <a:rPr lang="en-IN" sz="3200" i="1" dirty="0">
+                <a:solidFill>
+                  <a:srgbClr val="FF9900"/>
+                </a:solidFill>
                 <a:latin typeface="Arial" pitchFamily="34" charset="0"/>
                 <a:cs typeface="Arial" pitchFamily="34" charset="0"/>
-              </a:defRPr>
-            </a:lvl1pPr>
-          </a:lstStyle>
-          <a:p>
-            <a:r>
-              <a:rPr lang="en-IN" dirty="0">
-                <a:solidFill>
-                  <a:srgbClr val="DC525C"/>
-                </a:solidFill>
-                <a:latin typeface="Segoe UI Light" panose="020B0502040204020203" pitchFamily="34" charset="0"/>
-                <a:cs typeface="Segoe UI Light" panose="020B0502040204020203" pitchFamily="34" charset="0"/>
-              </a:rPr>
-              <a:t>What is data?</a:t>
-            </a:r>
-            <a:endParaRPr lang="en-US" dirty="0">
-              <a:solidFill>
-                <a:srgbClr val="DC525C"/>
-              </a:solidFill>
-              <a:latin typeface="Segoe UI Light" panose="020B0502040204020203" pitchFamily="34" charset="0"/>
-              <a:cs typeface="Segoe UI Light" panose="020B0502040204020203" pitchFamily="34" charset="0"/>
-            </a:endParaRPr>
+              </a:rPr>
+              <a:t>Algorithm and Flowcharts</a:t>
+            </a:r>
           </a:p>
         </p:txBody>
       </p:sp>
-      <p:pic>
-        <p:nvPicPr>
-          <p:cNvPr id="5" name="Picture 4"/>
-          <p:cNvPicPr>
-            <a:picLocks noChangeAspect="1"/>
-          </p:cNvPicPr>
-          <p:nvPr/>
-        </p:nvPicPr>
-        <p:blipFill>
-          <a:blip r:embed="rId2" cstate="print">
+      <p:sp>
+        <p:nvSpPr>
+          <p:cNvPr id="3" name="TextBox 2">
             <a:extLst>
-              <a:ext uri="{28A0092B-C50C-407E-A947-70E740481C1C}">
-                <a14:useLocalDpi xmlns:a14="http://schemas.microsoft.com/office/drawing/2010/main" val="0"/>
+              <a:ext uri="{FF2B5EF4-FFF2-40B4-BE49-F238E27FC236}">
+                <a16:creationId xmlns:a16="http://schemas.microsoft.com/office/drawing/2014/main" id="{53AFD542-136E-AC25-E7F0-2F809E6F037F}"/>
               </a:ext>
             </a:extLst>
-          </a:blip>
-          <a:stretch>
-            <a:fillRect/>
-          </a:stretch>
-        </p:blipFill>
+          </p:cNvPr>
+          <p:cNvSpPr txBox="1"/>
+          <p:nvPr/>
+        </p:nvSpPr>
         <p:spPr>
           <a:xfrm>
-            <a:off x="3896680" y="3435879"/>
-            <a:ext cx="4398640" cy="1837715"/>
+            <a:off x="623392" y="1196752"/>
+            <a:ext cx="10945216" cy="1323439"/>
           </a:xfrm>
           <a:prstGeom prst="rect">
             <a:avLst/>
           </a:prstGeom>
-        </p:spPr>
-      </p:pic>
+          <a:noFill/>
+        </p:spPr>
+        <p:txBody>
+          <a:bodyPr wrap="square">
+            <a:spAutoFit/>
+          </a:bodyPr>
+          <a:lstStyle/>
+          <a:p>
+            <a:pPr marL="457200" indent="-457200">
+              <a:buFont typeface="+mj-lt"/>
+              <a:buAutoNum type="arabicPeriod"/>
+            </a:pPr>
+            <a:r>
+              <a:rPr lang="en-US" sz="2000" b="1" i="0" dirty="0">
+                <a:solidFill>
+                  <a:srgbClr val="202124"/>
+                </a:solidFill>
+                <a:effectLst/>
+                <a:latin typeface="Arial" panose="020B0604020202020204" pitchFamily="34" charset="0"/>
+                <a:cs typeface="Arial" panose="020B0604020202020204" pitchFamily="34" charset="0"/>
+              </a:rPr>
+              <a:t>Algorithms</a:t>
+            </a:r>
+            <a:r>
+              <a:rPr lang="en-US" sz="2000" b="0" i="0" dirty="0">
+                <a:solidFill>
+                  <a:srgbClr val="202124"/>
+                </a:solidFill>
+                <a:effectLst/>
+                <a:latin typeface="Arial" panose="020B0604020202020204" pitchFamily="34" charset="0"/>
+                <a:cs typeface="Arial" panose="020B0604020202020204" pitchFamily="34" charset="0"/>
+              </a:rPr>
+              <a:t>: An algorithm is a step-by-step method to solve problems. It includes a series of rules or instructions in which the program will be executed. </a:t>
+            </a:r>
+          </a:p>
+          <a:p>
+            <a:pPr marL="457200" indent="-457200">
+              <a:buFont typeface="+mj-lt"/>
+              <a:buAutoNum type="arabicPeriod"/>
+            </a:pPr>
+            <a:endParaRPr lang="en-US" sz="2000" dirty="0">
+              <a:solidFill>
+                <a:srgbClr val="202124"/>
+              </a:solidFill>
+              <a:latin typeface="Arial" panose="020B0604020202020204" pitchFamily="34" charset="0"/>
+              <a:cs typeface="Arial" panose="020B0604020202020204" pitchFamily="34" charset="0"/>
+            </a:endParaRPr>
+          </a:p>
+          <a:p>
+            <a:pPr marL="457200" indent="-457200">
+              <a:buFont typeface="+mj-lt"/>
+              <a:buAutoNum type="arabicPeriod"/>
+            </a:pPr>
+            <a:r>
+              <a:rPr lang="en-US" sz="2000" b="1" i="0" dirty="0">
+                <a:solidFill>
+                  <a:srgbClr val="202124"/>
+                </a:solidFill>
+                <a:effectLst/>
+                <a:latin typeface="Arial" panose="020B0604020202020204" pitchFamily="34" charset="0"/>
+                <a:cs typeface="Arial" panose="020B0604020202020204" pitchFamily="34" charset="0"/>
+              </a:rPr>
+              <a:t>Flowchart</a:t>
+            </a:r>
+            <a:r>
+              <a:rPr lang="en-US" sz="2000" b="0" i="0" dirty="0">
+                <a:solidFill>
+                  <a:srgbClr val="202124"/>
+                </a:solidFill>
+                <a:effectLst/>
+                <a:latin typeface="Arial" panose="020B0604020202020204" pitchFamily="34" charset="0"/>
+                <a:cs typeface="Arial" panose="020B0604020202020204" pitchFamily="34" charset="0"/>
+              </a:rPr>
+              <a:t>: </a:t>
+            </a:r>
+            <a:r>
+              <a:rPr lang="en-US" sz="2000" b="0" i="0" dirty="0">
+                <a:solidFill>
+                  <a:srgbClr val="040C28"/>
+                </a:solidFill>
+                <a:effectLst/>
+                <a:latin typeface="Arial" panose="020B0604020202020204" pitchFamily="34" charset="0"/>
+                <a:cs typeface="Arial" panose="020B0604020202020204" pitchFamily="34" charset="0"/>
+              </a:rPr>
+              <a:t>A flowchart is a pictorial representation of an algorithm</a:t>
+            </a:r>
+            <a:r>
+              <a:rPr lang="en-US" sz="2000" b="0" i="0" dirty="0">
+                <a:solidFill>
+                  <a:srgbClr val="202124"/>
+                </a:solidFill>
+                <a:effectLst/>
+                <a:latin typeface="Arial" panose="020B0604020202020204" pitchFamily="34" charset="0"/>
+                <a:cs typeface="Arial" panose="020B0604020202020204" pitchFamily="34" charset="0"/>
+              </a:rPr>
+              <a:t>.</a:t>
+            </a:r>
+            <a:endParaRPr lang="en-IN" sz="2000" dirty="0">
+              <a:latin typeface="Arial" panose="020B0604020202020204" pitchFamily="34" charset="0"/>
+              <a:cs typeface="Arial" panose="020B0604020202020204" pitchFamily="34" charset="0"/>
+            </a:endParaRPr>
+          </a:p>
+        </p:txBody>
+      </p:sp>
     </p:spTree>
     <p:extLst>
       <p:ext uri="{BB962C8B-B14F-4D97-AF65-F5344CB8AC3E}">
-        <p14:creationId xmlns:p14="http://schemas.microsoft.com/office/powerpoint/2010/main" val="1235374328"/>
+        <p14:creationId xmlns:p14="http://schemas.microsoft.com/office/powerpoint/2010/main" val="4215209383"/>
       </p:ext>
     </p:extLst>
   </p:cSld>
@@ -6762,7 +7062,7 @@
 </file>
 
 <file path=ppt/slides/slide21.xml><?xml version="1.0" encoding="utf-8"?>
-<p:sld xmlns:a="http://schemas.openxmlformats.org/drawingml/2006/main" xmlns:r="http://schemas.openxmlformats.org/officeDocument/2006/relationships" xmlns:p="http://schemas.openxmlformats.org/presentationml/2006/main">
+<p:sld xmlns:a="http://schemas.openxmlformats.org/drawingml/2006/main" xmlns:r="http://schemas.openxmlformats.org/officeDocument/2006/relationships" xmlns:p="http://schemas.openxmlformats.org/presentationml/2006/main" showMasterSp="0">
   <p:cSld>
     <p:spTree>
       <p:nvGrpSpPr>
@@ -6780,348 +7080,18 @@
       </p:grpSpPr>
       <p:sp>
         <p:nvSpPr>
-          <p:cNvPr id="3" name="Rectangle 2"/>
-          <p:cNvSpPr/>
-          <p:nvPr/>
-        </p:nvSpPr>
-        <p:spPr>
-          <a:xfrm>
-            <a:off x="239433" y="758315"/>
-            <a:ext cx="11617207" cy="2739211"/>
-          </a:xfrm>
-          <a:prstGeom prst="rect">
-            <a:avLst/>
-          </a:prstGeom>
-        </p:spPr>
-        <p:txBody>
-          <a:bodyPr wrap="square">
-            <a:spAutoFit/>
-          </a:bodyPr>
-          <a:lstStyle/>
-          <a:p>
-            <a:r>
-              <a:rPr lang="en-US" sz="2200" dirty="0">
-                <a:latin typeface="Arial" pitchFamily="34" charset="0"/>
-                <a:cs typeface="Arial" pitchFamily="34" charset="0"/>
-              </a:rPr>
-              <a:t>Data is any facts that can be stored and that can be processed by a computer.</a:t>
-            </a:r>
-          </a:p>
-          <a:p>
-            <a:endParaRPr lang="en-US" sz="2200" dirty="0">
-              <a:latin typeface="Arial" pitchFamily="34" charset="0"/>
-              <a:cs typeface="Arial" pitchFamily="34" charset="0"/>
-            </a:endParaRPr>
-          </a:p>
-          <a:p>
-            <a:r>
-              <a:rPr lang="en-US" sz="2400" dirty="0">
-                <a:latin typeface="Arial" pitchFamily="34" charset="0"/>
-                <a:cs typeface="Arial" pitchFamily="34" charset="0"/>
-              </a:rPr>
-              <a:t>Data can be in the form of </a:t>
-            </a:r>
-            <a:r>
-              <a:rPr lang="en-US" sz="2800" dirty="0">
-                <a:solidFill>
-                  <a:schemeClr val="bg2">
-                    <a:lumMod val="25000"/>
-                  </a:schemeClr>
-                </a:solidFill>
-                <a:latin typeface="Arial" pitchFamily="34" charset="0"/>
-                <a:cs typeface="Arial" pitchFamily="34" charset="0"/>
-              </a:rPr>
-              <a:t>Text</a:t>
-            </a:r>
-            <a:r>
-              <a:rPr lang="en-US" sz="2800" dirty="0">
-                <a:latin typeface="Arial" pitchFamily="34" charset="0"/>
-                <a:cs typeface="Arial" pitchFamily="34" charset="0"/>
-              </a:rPr>
-              <a:t> or </a:t>
-            </a:r>
-            <a:r>
-              <a:rPr lang="en-US" sz="2800" dirty="0">
-                <a:solidFill>
-                  <a:schemeClr val="bg2">
-                    <a:lumMod val="25000"/>
-                  </a:schemeClr>
-                </a:solidFill>
-                <a:latin typeface="Arial" pitchFamily="34" charset="0"/>
-                <a:cs typeface="Arial" pitchFamily="34" charset="0"/>
-              </a:rPr>
-              <a:t>Multimedia</a:t>
-            </a:r>
-            <a:endParaRPr lang="en-US" sz="3200" dirty="0">
-              <a:solidFill>
-                <a:schemeClr val="bg2">
-                  <a:lumMod val="25000"/>
-                </a:schemeClr>
-              </a:solidFill>
-              <a:latin typeface="Arial" pitchFamily="34" charset="0"/>
-              <a:cs typeface="Arial" pitchFamily="34" charset="0"/>
-            </a:endParaRPr>
-          </a:p>
-          <a:p>
-            <a:endParaRPr lang="en-US" sz="2200" dirty="0">
-              <a:solidFill>
-                <a:srgbClr val="FF0000"/>
-              </a:solidFill>
-              <a:latin typeface="Arial" panose="020B0604020202020204" pitchFamily="34" charset="0"/>
-              <a:cs typeface="Arial" panose="020B0604020202020204" pitchFamily="34" charset="0"/>
-            </a:endParaRPr>
-          </a:p>
-          <a:p>
-            <a:r>
-              <a:rPr lang="en-US" sz="2200" dirty="0">
-                <a:solidFill>
-                  <a:srgbClr val="FF0000"/>
-                </a:solidFill>
-                <a:latin typeface="Arial" panose="020B0604020202020204" pitchFamily="34" charset="0"/>
-                <a:cs typeface="Arial" panose="020B0604020202020204" pitchFamily="34" charset="0"/>
-              </a:rPr>
-              <a:t>e.g.</a:t>
-            </a:r>
-          </a:p>
-          <a:p>
-            <a:endParaRPr lang="en-US" sz="800" dirty="0">
-              <a:latin typeface="Arial" pitchFamily="34" charset="0"/>
-              <a:cs typeface="Arial" pitchFamily="34" charset="0"/>
-            </a:endParaRPr>
-          </a:p>
-          <a:p>
-            <a:pPr marL="457200" indent="-457200">
-              <a:buFont typeface="Arial" panose="020B0604020202020204" pitchFamily="34" charset="0"/>
-              <a:buChar char="•"/>
-            </a:pPr>
-            <a:r>
-              <a:rPr lang="en-US" sz="2000" dirty="0">
-                <a:solidFill>
-                  <a:schemeClr val="bg2">
-                    <a:lumMod val="25000"/>
-                  </a:schemeClr>
-                </a:solidFill>
-                <a:latin typeface="Arial" pitchFamily="34" charset="0"/>
-                <a:cs typeface="Arial" pitchFamily="34" charset="0"/>
-              </a:rPr>
-              <a:t>number</a:t>
-            </a:r>
-            <a:r>
-              <a:rPr lang="en-US" sz="2000" b="1" dirty="0">
-                <a:solidFill>
-                  <a:schemeClr val="bg2">
-                    <a:lumMod val="25000"/>
-                  </a:schemeClr>
-                </a:solidFill>
-                <a:latin typeface="Arial" pitchFamily="34" charset="0"/>
-                <a:cs typeface="Arial" pitchFamily="34" charset="0"/>
-              </a:rPr>
-              <a:t>, </a:t>
-            </a:r>
-            <a:r>
-              <a:rPr lang="en-IN" sz="2000" dirty="0">
-                <a:solidFill>
-                  <a:schemeClr val="bg2">
-                    <a:lumMod val="25000"/>
-                  </a:schemeClr>
-                </a:solidFill>
-                <a:latin typeface="Arial" pitchFamily="34" charset="0"/>
-                <a:cs typeface="Arial" pitchFamily="34" charset="0"/>
-              </a:rPr>
-              <a:t>characters</a:t>
-            </a:r>
-            <a:r>
-              <a:rPr lang="en-US" sz="2000" b="1" dirty="0">
-                <a:solidFill>
-                  <a:schemeClr val="bg2">
-                    <a:lumMod val="25000"/>
-                  </a:schemeClr>
-                </a:solidFill>
-                <a:latin typeface="Arial" pitchFamily="34" charset="0"/>
-                <a:cs typeface="Arial" pitchFamily="34" charset="0"/>
-              </a:rPr>
-              <a:t>, </a:t>
-            </a:r>
-            <a:r>
-              <a:rPr lang="en-US" sz="1600" dirty="0">
-                <a:solidFill>
-                  <a:schemeClr val="bg2">
-                    <a:lumMod val="25000"/>
-                  </a:schemeClr>
-                </a:solidFill>
-                <a:latin typeface="Arial" pitchFamily="34" charset="0"/>
-                <a:cs typeface="Arial" pitchFamily="34" charset="0"/>
-              </a:rPr>
-              <a:t>or</a:t>
-            </a:r>
-            <a:r>
-              <a:rPr lang="en-US" sz="2000" dirty="0">
-                <a:solidFill>
-                  <a:schemeClr val="bg2">
-                    <a:lumMod val="25000"/>
-                  </a:schemeClr>
-                </a:solidFill>
-                <a:latin typeface="Arial" pitchFamily="34" charset="0"/>
-                <a:cs typeface="Arial" pitchFamily="34" charset="0"/>
-              </a:rPr>
-              <a:t> symbol</a:t>
-            </a:r>
-          </a:p>
-          <a:p>
-            <a:pPr marL="457200" indent="-457200">
-              <a:buFont typeface="Arial" panose="020B0604020202020204" pitchFamily="34" charset="0"/>
-              <a:buChar char="•"/>
-            </a:pPr>
-            <a:endParaRPr lang="en-US" sz="800" b="1" dirty="0">
-              <a:solidFill>
-                <a:schemeClr val="bg2">
-                  <a:lumMod val="25000"/>
-                </a:schemeClr>
-              </a:solidFill>
-              <a:latin typeface="Arial" pitchFamily="34" charset="0"/>
-              <a:cs typeface="Arial" pitchFamily="34" charset="0"/>
-            </a:endParaRPr>
-          </a:p>
-          <a:p>
-            <a:pPr marL="457200" indent="-457200">
-              <a:buFont typeface="Arial" panose="020B0604020202020204" pitchFamily="34" charset="0"/>
-              <a:buChar char="•"/>
-            </a:pPr>
-            <a:r>
-              <a:rPr lang="en-US" sz="2000" dirty="0">
-                <a:solidFill>
-                  <a:schemeClr val="bg2">
-                    <a:lumMod val="25000"/>
-                  </a:schemeClr>
-                </a:solidFill>
-                <a:latin typeface="Arial" pitchFamily="34" charset="0"/>
-                <a:cs typeface="Arial" pitchFamily="34" charset="0"/>
-              </a:rPr>
-              <a:t>images</a:t>
-            </a:r>
-            <a:r>
-              <a:rPr lang="en-US" sz="2000" b="1" dirty="0">
-                <a:solidFill>
-                  <a:schemeClr val="bg2">
-                    <a:lumMod val="25000"/>
-                  </a:schemeClr>
-                </a:solidFill>
-                <a:latin typeface="Arial" pitchFamily="34" charset="0"/>
-                <a:cs typeface="Arial" pitchFamily="34" charset="0"/>
-              </a:rPr>
-              <a:t>, </a:t>
-            </a:r>
-            <a:r>
-              <a:rPr lang="en-US" sz="2000" dirty="0">
-                <a:solidFill>
-                  <a:schemeClr val="bg2">
-                    <a:lumMod val="25000"/>
-                  </a:schemeClr>
-                </a:solidFill>
-                <a:latin typeface="Arial" pitchFamily="34" charset="0"/>
-                <a:cs typeface="Arial" pitchFamily="34" charset="0"/>
-              </a:rPr>
-              <a:t>audio</a:t>
-            </a:r>
-            <a:r>
-              <a:rPr lang="en-US" sz="2000" b="1" dirty="0">
-                <a:solidFill>
-                  <a:schemeClr val="bg2">
-                    <a:lumMod val="25000"/>
-                  </a:schemeClr>
-                </a:solidFill>
-                <a:latin typeface="Arial" pitchFamily="34" charset="0"/>
-                <a:cs typeface="Arial" pitchFamily="34" charset="0"/>
-              </a:rPr>
-              <a:t>, </a:t>
-            </a:r>
-            <a:r>
-              <a:rPr lang="en-US" sz="2000" dirty="0">
-                <a:solidFill>
-                  <a:schemeClr val="bg2">
-                    <a:lumMod val="25000"/>
-                  </a:schemeClr>
-                </a:solidFill>
-                <a:latin typeface="Arial" pitchFamily="34" charset="0"/>
-                <a:cs typeface="Arial" pitchFamily="34" charset="0"/>
-              </a:rPr>
-              <a:t>video</a:t>
-            </a:r>
-            <a:r>
-              <a:rPr lang="en-US" sz="2000" b="1" dirty="0">
-                <a:solidFill>
-                  <a:schemeClr val="bg2">
-                    <a:lumMod val="25000"/>
-                  </a:schemeClr>
-                </a:solidFill>
-                <a:latin typeface="Arial" pitchFamily="34" charset="0"/>
-                <a:cs typeface="Arial" pitchFamily="34" charset="0"/>
-              </a:rPr>
-              <a:t>, </a:t>
-            </a:r>
-            <a:r>
-              <a:rPr lang="en-US" sz="1600" dirty="0">
-                <a:solidFill>
-                  <a:schemeClr val="bg2">
-                    <a:lumMod val="25000"/>
-                  </a:schemeClr>
-                </a:solidFill>
-                <a:latin typeface="Arial" pitchFamily="34" charset="0"/>
-                <a:cs typeface="Arial" pitchFamily="34" charset="0"/>
-              </a:rPr>
-              <a:t>or</a:t>
-            </a:r>
-            <a:r>
-              <a:rPr lang="en-US" sz="2000" b="1" dirty="0">
-                <a:solidFill>
-                  <a:schemeClr val="bg2">
-                    <a:lumMod val="25000"/>
-                  </a:schemeClr>
-                </a:solidFill>
-                <a:latin typeface="Arial" pitchFamily="34" charset="0"/>
-                <a:cs typeface="Arial" pitchFamily="34" charset="0"/>
-              </a:rPr>
-              <a:t> </a:t>
-            </a:r>
-            <a:r>
-              <a:rPr lang="en-US" sz="2000" dirty="0">
-                <a:solidFill>
-                  <a:schemeClr val="bg2">
-                    <a:lumMod val="25000"/>
-                  </a:schemeClr>
-                </a:solidFill>
-                <a:latin typeface="Arial" pitchFamily="34" charset="0"/>
-                <a:cs typeface="Arial" pitchFamily="34" charset="0"/>
-              </a:rPr>
-              <a:t>signal</a:t>
-            </a:r>
-            <a:endParaRPr lang="en-US" sz="1600" dirty="0">
-              <a:solidFill>
-                <a:schemeClr val="bg2">
-                  <a:lumMod val="25000"/>
-                </a:schemeClr>
-              </a:solidFill>
-              <a:latin typeface="Arial" pitchFamily="34" charset="0"/>
-              <a:cs typeface="Arial" pitchFamily="34" charset="0"/>
-            </a:endParaRPr>
-          </a:p>
-        </p:txBody>
-      </p:sp>
-      <p:sp>
-        <p:nvSpPr>
           <p:cNvPr id="5" name="Rectangle 4"/>
           <p:cNvSpPr/>
           <p:nvPr/>
         </p:nvSpPr>
         <p:spPr>
           <a:xfrm>
-            <a:off x="1524596" y="4"/>
-            <a:ext cx="9142810" cy="584775"/>
+            <a:off x="4583833" y="145754"/>
+            <a:ext cx="7608168" cy="1569660"/>
           </a:xfrm>
           <a:prstGeom prst="rect">
             <a:avLst/>
           </a:prstGeom>
-          <a:noFill/>
         </p:spPr>
         <p:txBody>
           <a:bodyPr wrap="square">
@@ -7129,71 +7099,98 @@
           </a:bodyPr>
           <a:lstStyle/>
           <a:p>
-            <a:pPr algn="r"/>
-            <a:r>
-              <a:rPr lang="en-IN" sz="3200" i="1" dirty="0">
-                <a:solidFill>
-                  <a:srgbClr val="FF9900"/>
-                </a:solidFill>
-                <a:latin typeface="Arial" pitchFamily="34" charset="0"/>
-                <a:cs typeface="Arial" pitchFamily="34" charset="0"/>
-              </a:rPr>
-              <a:t>what is </a:t>
-            </a:r>
-            <a:r>
-              <a:rPr lang="en-US" sz="3200" i="1" dirty="0">
-                <a:solidFill>
-                  <a:srgbClr val="FF9900"/>
-                </a:solidFill>
-                <a:latin typeface="Arial" pitchFamily="34" charset="0"/>
-                <a:cs typeface="Arial" pitchFamily="34" charset="0"/>
-              </a:rPr>
-              <a:t>data </a:t>
-            </a:r>
-            <a:r>
-              <a:rPr lang="en-IN" sz="3200" i="1" dirty="0">
-                <a:solidFill>
-                  <a:srgbClr val="FF9900"/>
-                </a:solidFill>
-                <a:latin typeface="Arial" pitchFamily="34" charset="0"/>
-                <a:cs typeface="Arial" pitchFamily="34" charset="0"/>
-              </a:rPr>
-              <a:t> </a:t>
+            <a:r>
+              <a:rPr lang="en-IN" sz="4800" dirty="0">
+                <a:solidFill>
+                  <a:srgbClr val="FF6000"/>
+                </a:solidFill>
+                <a:latin typeface="Segoe Print" panose="02000600000000000000" pitchFamily="2" charset="0"/>
+              </a:rPr>
+              <a:t>A day without new knowledge is a lost day.</a:t>
             </a:r>
           </a:p>
         </p:txBody>
       </p:sp>
-      <p:pic>
-        <p:nvPicPr>
-          <p:cNvPr id="6" name="Picture 5"/>
-          <p:cNvPicPr>
-            <a:picLocks noChangeAspect="1"/>
-          </p:cNvPicPr>
-          <p:nvPr/>
-        </p:nvPicPr>
-        <p:blipFill>
-          <a:blip r:embed="rId2" cstate="print">
+      <p:sp>
+        <p:nvSpPr>
+          <p:cNvPr id="8" name="Title 2"/>
+          <p:cNvSpPr>
+            <a:spLocks noGrp="1"/>
+          </p:cNvSpPr>
+          <p:nvPr>
+            <p:ph type="ctrTitle"/>
+          </p:nvPr>
+        </p:nvSpPr>
+        <p:spPr>
+          <a:xfrm>
+            <a:off x="1367120" y="3068960"/>
+            <a:ext cx="9142810" cy="990600"/>
+          </a:xfrm>
+        </p:spPr>
+        <p:txBody>
+          <a:bodyPr vert="horz" anchor="t" anchorCtr="0">
+            <a:noAutofit/>
+          </a:bodyPr>
+          <a:lstStyle/>
+          <a:p>
+            <a:r>
+              <a:rPr lang="en-US" sz="4200" b="1" i="1" dirty="0">
+                <a:solidFill>
+                  <a:srgbClr val="00B0F0"/>
+                </a:solidFill>
+                <a:latin typeface="SimSun" panose="02010600030101010101" pitchFamily="2" charset="-122"/>
+                <a:ea typeface="SimSun" panose="02010600030101010101" pitchFamily="2" charset="-122"/>
+                <a:cs typeface="Arial" pitchFamily="34" charset="0"/>
+              </a:rPr>
+              <a:t>Big Data</a:t>
+            </a:r>
+          </a:p>
+        </p:txBody>
+      </p:sp>
+      <p:sp>
+        <p:nvSpPr>
+          <p:cNvPr id="7" name="Rectangle 6">
             <a:extLst>
-              <a:ext uri="{28A0092B-C50C-407E-A947-70E740481C1C}">
-                <a14:useLocalDpi xmlns:a14="http://schemas.microsoft.com/office/drawing/2010/main" val="0"/>
+              <a:ext uri="{FF2B5EF4-FFF2-40B4-BE49-F238E27FC236}">
+                <a16:creationId xmlns:a16="http://schemas.microsoft.com/office/drawing/2014/main" id="{682DE853-F794-4EAA-A4F6-EF487D25296F}"/>
               </a:ext>
             </a:extLst>
-          </a:blip>
-          <a:stretch>
-            <a:fillRect/>
-          </a:stretch>
-        </p:blipFill>
+          </p:cNvPr>
+          <p:cNvSpPr/>
+          <p:nvPr/>
+        </p:nvSpPr>
         <p:spPr>
           <a:xfrm>
-            <a:off x="7896200" y="2626251"/>
-            <a:ext cx="3816424" cy="3972779"/>
+            <a:off x="181341" y="1767537"/>
+            <a:ext cx="3610403" cy="430887"/>
           </a:xfrm>
           <a:prstGeom prst="rect">
             <a:avLst/>
           </a:prstGeom>
         </p:spPr>
-      </p:pic>
+        <p:txBody>
+          <a:bodyPr wrap="square">
+            <a:spAutoFit/>
+          </a:bodyPr>
+          <a:lstStyle/>
+          <a:p>
+            <a:r>
+              <a:rPr lang="en-IN" sz="2200" dirty="0">
+                <a:solidFill>
+                  <a:schemeClr val="bg1"/>
+                </a:solidFill>
+              </a:rPr>
+              <a:t>Before we start DBT module.</a:t>
+            </a:r>
+          </a:p>
+        </p:txBody>
+      </p:sp>
     </p:spTree>
+    <p:extLst>
+      <p:ext uri="{BB962C8B-B14F-4D97-AF65-F5344CB8AC3E}">
+        <p14:creationId xmlns:p14="http://schemas.microsoft.com/office/powerpoint/2010/main" val="2378133558"/>
+      </p:ext>
+    </p:extLst>
   </p:cSld>
   <p:clrMapOvr>
     <a:masterClrMapping/>
@@ -7262,7 +7259,7 @@
                 <a:latin typeface="Segoe UI Light" panose="020B0502040204020203" pitchFamily="34" charset="0"/>
                 <a:cs typeface="Segoe UI Light" panose="020B0502040204020203" pitchFamily="34" charset="0"/>
               </a:rPr>
-              <a:t>What is big data?</a:t>
+              <a:t>What is data?</a:t>
             </a:r>
             <a:endParaRPr lang="en-US" dirty="0">
               <a:solidFill>
@@ -7274,10 +7271,40 @@
           </a:p>
         </p:txBody>
       </p:sp>
+      <p:pic>
+        <p:nvPicPr>
+          <p:cNvPr id="5" name="Picture 4"/>
+          <p:cNvPicPr>
+            <a:picLocks noChangeAspect="1"/>
+          </p:cNvPicPr>
+          <p:nvPr/>
+        </p:nvPicPr>
+        <p:blipFill>
+          <a:blip r:embed="rId2" cstate="print">
+            <a:extLst>
+              <a:ext uri="{28A0092B-C50C-407E-A947-70E740481C1C}">
+                <a14:useLocalDpi xmlns:a14="http://schemas.microsoft.com/office/drawing/2010/main" val="0"/>
+              </a:ext>
+            </a:extLst>
+          </a:blip>
+          <a:stretch>
+            <a:fillRect/>
+          </a:stretch>
+        </p:blipFill>
+        <p:spPr>
+          <a:xfrm>
+            <a:off x="3896680" y="3435879"/>
+            <a:ext cx="4398640" cy="1837715"/>
+          </a:xfrm>
+          <a:prstGeom prst="rect">
+            <a:avLst/>
+          </a:prstGeom>
+        </p:spPr>
+      </p:pic>
     </p:spTree>
     <p:extLst>
       <p:ext uri="{BB962C8B-B14F-4D97-AF65-F5344CB8AC3E}">
-        <p14:creationId xmlns:p14="http://schemas.microsoft.com/office/powerpoint/2010/main" val="3930946044"/>
+        <p14:creationId xmlns:p14="http://schemas.microsoft.com/office/powerpoint/2010/main" val="1235374328"/>
       </p:ext>
     </p:extLst>
   </p:cSld>
@@ -7313,6 +7340,532 @@
         <p:spPr>
           <a:xfrm>
             <a:off x="239433" y="758315"/>
+            <a:ext cx="11617207" cy="2739211"/>
+          </a:xfrm>
+          <a:prstGeom prst="rect">
+            <a:avLst/>
+          </a:prstGeom>
+        </p:spPr>
+        <p:txBody>
+          <a:bodyPr wrap="square">
+            <a:spAutoFit/>
+          </a:bodyPr>
+          <a:lstStyle/>
+          <a:p>
+            <a:r>
+              <a:rPr lang="en-US" sz="2200" dirty="0">
+                <a:latin typeface="Arial" pitchFamily="34" charset="0"/>
+                <a:cs typeface="Arial" pitchFamily="34" charset="0"/>
+              </a:rPr>
+              <a:t>Data is any facts that can be stored and that can be processed by a computer.</a:t>
+            </a:r>
+          </a:p>
+          <a:p>
+            <a:endParaRPr lang="en-US" sz="2200" dirty="0">
+              <a:latin typeface="Arial" pitchFamily="34" charset="0"/>
+              <a:cs typeface="Arial" pitchFamily="34" charset="0"/>
+            </a:endParaRPr>
+          </a:p>
+          <a:p>
+            <a:r>
+              <a:rPr lang="en-US" sz="2400" dirty="0">
+                <a:latin typeface="Arial" pitchFamily="34" charset="0"/>
+                <a:cs typeface="Arial" pitchFamily="34" charset="0"/>
+              </a:rPr>
+              <a:t>Data can be in the form of </a:t>
+            </a:r>
+            <a:r>
+              <a:rPr lang="en-US" sz="2800" dirty="0">
+                <a:solidFill>
+                  <a:schemeClr val="bg2">
+                    <a:lumMod val="25000"/>
+                  </a:schemeClr>
+                </a:solidFill>
+                <a:latin typeface="Arial" pitchFamily="34" charset="0"/>
+                <a:cs typeface="Arial" pitchFamily="34" charset="0"/>
+              </a:rPr>
+              <a:t>Text</a:t>
+            </a:r>
+            <a:r>
+              <a:rPr lang="en-US" sz="2800" dirty="0">
+                <a:latin typeface="Arial" pitchFamily="34" charset="0"/>
+                <a:cs typeface="Arial" pitchFamily="34" charset="0"/>
+              </a:rPr>
+              <a:t> or </a:t>
+            </a:r>
+            <a:r>
+              <a:rPr lang="en-US" sz="2800" dirty="0">
+                <a:solidFill>
+                  <a:schemeClr val="bg2">
+                    <a:lumMod val="25000"/>
+                  </a:schemeClr>
+                </a:solidFill>
+                <a:latin typeface="Arial" pitchFamily="34" charset="0"/>
+                <a:cs typeface="Arial" pitchFamily="34" charset="0"/>
+              </a:rPr>
+              <a:t>Multimedia</a:t>
+            </a:r>
+            <a:endParaRPr lang="en-US" sz="3200" dirty="0">
+              <a:solidFill>
+                <a:schemeClr val="bg2">
+                  <a:lumMod val="25000"/>
+                </a:schemeClr>
+              </a:solidFill>
+              <a:latin typeface="Arial" pitchFamily="34" charset="0"/>
+              <a:cs typeface="Arial" pitchFamily="34" charset="0"/>
+            </a:endParaRPr>
+          </a:p>
+          <a:p>
+            <a:endParaRPr lang="en-US" sz="2200" dirty="0">
+              <a:solidFill>
+                <a:srgbClr val="FF0000"/>
+              </a:solidFill>
+              <a:latin typeface="Arial" panose="020B0604020202020204" pitchFamily="34" charset="0"/>
+              <a:cs typeface="Arial" panose="020B0604020202020204" pitchFamily="34" charset="0"/>
+            </a:endParaRPr>
+          </a:p>
+          <a:p>
+            <a:r>
+              <a:rPr lang="en-US" sz="2200" dirty="0">
+                <a:solidFill>
+                  <a:srgbClr val="FF0000"/>
+                </a:solidFill>
+                <a:latin typeface="Arial" panose="020B0604020202020204" pitchFamily="34" charset="0"/>
+                <a:cs typeface="Arial" panose="020B0604020202020204" pitchFamily="34" charset="0"/>
+              </a:rPr>
+              <a:t>e.g.</a:t>
+            </a:r>
+          </a:p>
+          <a:p>
+            <a:endParaRPr lang="en-US" sz="800" dirty="0">
+              <a:latin typeface="Arial" pitchFamily="34" charset="0"/>
+              <a:cs typeface="Arial" pitchFamily="34" charset="0"/>
+            </a:endParaRPr>
+          </a:p>
+          <a:p>
+            <a:pPr marL="457200" indent="-457200">
+              <a:buFont typeface="Arial" panose="020B0604020202020204" pitchFamily="34" charset="0"/>
+              <a:buChar char="•"/>
+            </a:pPr>
+            <a:r>
+              <a:rPr lang="en-US" sz="2000" dirty="0">
+                <a:solidFill>
+                  <a:schemeClr val="bg2">
+                    <a:lumMod val="25000"/>
+                  </a:schemeClr>
+                </a:solidFill>
+                <a:latin typeface="Arial" pitchFamily="34" charset="0"/>
+                <a:cs typeface="Arial" pitchFamily="34" charset="0"/>
+              </a:rPr>
+              <a:t>number</a:t>
+            </a:r>
+            <a:r>
+              <a:rPr lang="en-US" sz="2000" b="1" dirty="0">
+                <a:solidFill>
+                  <a:schemeClr val="bg2">
+                    <a:lumMod val="25000"/>
+                  </a:schemeClr>
+                </a:solidFill>
+                <a:latin typeface="Arial" pitchFamily="34" charset="0"/>
+                <a:cs typeface="Arial" pitchFamily="34" charset="0"/>
+              </a:rPr>
+              <a:t>, </a:t>
+            </a:r>
+            <a:r>
+              <a:rPr lang="en-IN" sz="2000" dirty="0">
+                <a:solidFill>
+                  <a:schemeClr val="bg2">
+                    <a:lumMod val="25000"/>
+                  </a:schemeClr>
+                </a:solidFill>
+                <a:latin typeface="Arial" pitchFamily="34" charset="0"/>
+                <a:cs typeface="Arial" pitchFamily="34" charset="0"/>
+              </a:rPr>
+              <a:t>characters</a:t>
+            </a:r>
+            <a:r>
+              <a:rPr lang="en-US" sz="2000" b="1" dirty="0">
+                <a:solidFill>
+                  <a:schemeClr val="bg2">
+                    <a:lumMod val="25000"/>
+                  </a:schemeClr>
+                </a:solidFill>
+                <a:latin typeface="Arial" pitchFamily="34" charset="0"/>
+                <a:cs typeface="Arial" pitchFamily="34" charset="0"/>
+              </a:rPr>
+              <a:t>, </a:t>
+            </a:r>
+            <a:r>
+              <a:rPr lang="en-US" sz="1600" dirty="0">
+                <a:solidFill>
+                  <a:schemeClr val="bg2">
+                    <a:lumMod val="25000"/>
+                  </a:schemeClr>
+                </a:solidFill>
+                <a:latin typeface="Arial" pitchFamily="34" charset="0"/>
+                <a:cs typeface="Arial" pitchFamily="34" charset="0"/>
+              </a:rPr>
+              <a:t>or</a:t>
+            </a:r>
+            <a:r>
+              <a:rPr lang="en-US" sz="2000" dirty="0">
+                <a:solidFill>
+                  <a:schemeClr val="bg2">
+                    <a:lumMod val="25000"/>
+                  </a:schemeClr>
+                </a:solidFill>
+                <a:latin typeface="Arial" pitchFamily="34" charset="0"/>
+                <a:cs typeface="Arial" pitchFamily="34" charset="0"/>
+              </a:rPr>
+              <a:t> symbol</a:t>
+            </a:r>
+          </a:p>
+          <a:p>
+            <a:pPr marL="457200" indent="-457200">
+              <a:buFont typeface="Arial" panose="020B0604020202020204" pitchFamily="34" charset="0"/>
+              <a:buChar char="•"/>
+            </a:pPr>
+            <a:endParaRPr lang="en-US" sz="800" b="1" dirty="0">
+              <a:solidFill>
+                <a:schemeClr val="bg2">
+                  <a:lumMod val="25000"/>
+                </a:schemeClr>
+              </a:solidFill>
+              <a:latin typeface="Arial" pitchFamily="34" charset="0"/>
+              <a:cs typeface="Arial" pitchFamily="34" charset="0"/>
+            </a:endParaRPr>
+          </a:p>
+          <a:p>
+            <a:pPr marL="457200" indent="-457200">
+              <a:buFont typeface="Arial" panose="020B0604020202020204" pitchFamily="34" charset="0"/>
+              <a:buChar char="•"/>
+            </a:pPr>
+            <a:r>
+              <a:rPr lang="en-US" sz="2000" dirty="0">
+                <a:solidFill>
+                  <a:schemeClr val="bg2">
+                    <a:lumMod val="25000"/>
+                  </a:schemeClr>
+                </a:solidFill>
+                <a:latin typeface="Arial" pitchFamily="34" charset="0"/>
+                <a:cs typeface="Arial" pitchFamily="34" charset="0"/>
+              </a:rPr>
+              <a:t>images</a:t>
+            </a:r>
+            <a:r>
+              <a:rPr lang="en-US" sz="2000" b="1" dirty="0">
+                <a:solidFill>
+                  <a:schemeClr val="bg2">
+                    <a:lumMod val="25000"/>
+                  </a:schemeClr>
+                </a:solidFill>
+                <a:latin typeface="Arial" pitchFamily="34" charset="0"/>
+                <a:cs typeface="Arial" pitchFamily="34" charset="0"/>
+              </a:rPr>
+              <a:t>, </a:t>
+            </a:r>
+            <a:r>
+              <a:rPr lang="en-US" sz="2000" dirty="0">
+                <a:solidFill>
+                  <a:schemeClr val="bg2">
+                    <a:lumMod val="25000"/>
+                  </a:schemeClr>
+                </a:solidFill>
+                <a:latin typeface="Arial" pitchFamily="34" charset="0"/>
+                <a:cs typeface="Arial" pitchFamily="34" charset="0"/>
+              </a:rPr>
+              <a:t>audio</a:t>
+            </a:r>
+            <a:r>
+              <a:rPr lang="en-US" sz="2000" b="1" dirty="0">
+                <a:solidFill>
+                  <a:schemeClr val="bg2">
+                    <a:lumMod val="25000"/>
+                  </a:schemeClr>
+                </a:solidFill>
+                <a:latin typeface="Arial" pitchFamily="34" charset="0"/>
+                <a:cs typeface="Arial" pitchFamily="34" charset="0"/>
+              </a:rPr>
+              <a:t>, </a:t>
+            </a:r>
+            <a:r>
+              <a:rPr lang="en-US" sz="2000" dirty="0">
+                <a:solidFill>
+                  <a:schemeClr val="bg2">
+                    <a:lumMod val="25000"/>
+                  </a:schemeClr>
+                </a:solidFill>
+                <a:latin typeface="Arial" pitchFamily="34" charset="0"/>
+                <a:cs typeface="Arial" pitchFamily="34" charset="0"/>
+              </a:rPr>
+              <a:t>video</a:t>
+            </a:r>
+            <a:r>
+              <a:rPr lang="en-US" sz="2000" b="1" dirty="0">
+                <a:solidFill>
+                  <a:schemeClr val="bg2">
+                    <a:lumMod val="25000"/>
+                  </a:schemeClr>
+                </a:solidFill>
+                <a:latin typeface="Arial" pitchFamily="34" charset="0"/>
+                <a:cs typeface="Arial" pitchFamily="34" charset="0"/>
+              </a:rPr>
+              <a:t>, </a:t>
+            </a:r>
+            <a:r>
+              <a:rPr lang="en-US" sz="1600" dirty="0">
+                <a:solidFill>
+                  <a:schemeClr val="bg2">
+                    <a:lumMod val="25000"/>
+                  </a:schemeClr>
+                </a:solidFill>
+                <a:latin typeface="Arial" pitchFamily="34" charset="0"/>
+                <a:cs typeface="Arial" pitchFamily="34" charset="0"/>
+              </a:rPr>
+              <a:t>or</a:t>
+            </a:r>
+            <a:r>
+              <a:rPr lang="en-US" sz="2000" b="1" dirty="0">
+                <a:solidFill>
+                  <a:schemeClr val="bg2">
+                    <a:lumMod val="25000"/>
+                  </a:schemeClr>
+                </a:solidFill>
+                <a:latin typeface="Arial" pitchFamily="34" charset="0"/>
+                <a:cs typeface="Arial" pitchFamily="34" charset="0"/>
+              </a:rPr>
+              <a:t> </a:t>
+            </a:r>
+            <a:r>
+              <a:rPr lang="en-US" sz="2000" dirty="0">
+                <a:solidFill>
+                  <a:schemeClr val="bg2">
+                    <a:lumMod val="25000"/>
+                  </a:schemeClr>
+                </a:solidFill>
+                <a:latin typeface="Arial" pitchFamily="34" charset="0"/>
+                <a:cs typeface="Arial" pitchFamily="34" charset="0"/>
+              </a:rPr>
+              <a:t>signal</a:t>
+            </a:r>
+            <a:endParaRPr lang="en-US" sz="1600" dirty="0">
+              <a:solidFill>
+                <a:schemeClr val="bg2">
+                  <a:lumMod val="25000"/>
+                </a:schemeClr>
+              </a:solidFill>
+              <a:latin typeface="Arial" pitchFamily="34" charset="0"/>
+              <a:cs typeface="Arial" pitchFamily="34" charset="0"/>
+            </a:endParaRPr>
+          </a:p>
+        </p:txBody>
+      </p:sp>
+      <p:sp>
+        <p:nvSpPr>
+          <p:cNvPr id="5" name="Rectangle 4"/>
+          <p:cNvSpPr/>
+          <p:nvPr/>
+        </p:nvSpPr>
+        <p:spPr>
+          <a:xfrm>
+            <a:off x="1524596" y="4"/>
+            <a:ext cx="9142810" cy="584775"/>
+          </a:xfrm>
+          <a:prstGeom prst="rect">
+            <a:avLst/>
+          </a:prstGeom>
+          <a:noFill/>
+        </p:spPr>
+        <p:txBody>
+          <a:bodyPr wrap="square">
+            <a:spAutoFit/>
+          </a:bodyPr>
+          <a:lstStyle/>
+          <a:p>
+            <a:pPr algn="r"/>
+            <a:r>
+              <a:rPr lang="en-IN" sz="3200" i="1" dirty="0">
+                <a:solidFill>
+                  <a:srgbClr val="FF9900"/>
+                </a:solidFill>
+                <a:latin typeface="Arial" pitchFamily="34" charset="0"/>
+                <a:cs typeface="Arial" pitchFamily="34" charset="0"/>
+              </a:rPr>
+              <a:t>what is </a:t>
+            </a:r>
+            <a:r>
+              <a:rPr lang="en-US" sz="3200" i="1" dirty="0">
+                <a:solidFill>
+                  <a:srgbClr val="FF9900"/>
+                </a:solidFill>
+                <a:latin typeface="Arial" pitchFamily="34" charset="0"/>
+                <a:cs typeface="Arial" pitchFamily="34" charset="0"/>
+              </a:rPr>
+              <a:t>data </a:t>
+            </a:r>
+            <a:r>
+              <a:rPr lang="en-IN" sz="3200" i="1" dirty="0">
+                <a:solidFill>
+                  <a:srgbClr val="FF9900"/>
+                </a:solidFill>
+                <a:latin typeface="Arial" pitchFamily="34" charset="0"/>
+                <a:cs typeface="Arial" pitchFamily="34" charset="0"/>
+              </a:rPr>
+              <a:t> </a:t>
+            </a:r>
+          </a:p>
+        </p:txBody>
+      </p:sp>
+      <p:pic>
+        <p:nvPicPr>
+          <p:cNvPr id="6" name="Picture 5"/>
+          <p:cNvPicPr>
+            <a:picLocks noChangeAspect="1"/>
+          </p:cNvPicPr>
+          <p:nvPr/>
+        </p:nvPicPr>
+        <p:blipFill>
+          <a:blip r:embed="rId2" cstate="print">
+            <a:extLst>
+              <a:ext uri="{28A0092B-C50C-407E-A947-70E740481C1C}">
+                <a14:useLocalDpi xmlns:a14="http://schemas.microsoft.com/office/drawing/2010/main" val="0"/>
+              </a:ext>
+            </a:extLst>
+          </a:blip>
+          <a:stretch>
+            <a:fillRect/>
+          </a:stretch>
+        </p:blipFill>
+        <p:spPr>
+          <a:xfrm>
+            <a:off x="7896200" y="2626251"/>
+            <a:ext cx="3816424" cy="3972779"/>
+          </a:xfrm>
+          <a:prstGeom prst="rect">
+            <a:avLst/>
+          </a:prstGeom>
+        </p:spPr>
+      </p:pic>
+    </p:spTree>
+  </p:cSld>
+  <p:clrMapOvr>
+    <a:masterClrMapping/>
+  </p:clrMapOvr>
+</p:sld>
+</file>
+
+<file path=ppt/slides/slide24.xml><?xml version="1.0" encoding="utf-8"?>
+<p:sld xmlns:a="http://schemas.openxmlformats.org/drawingml/2006/main" xmlns:r="http://schemas.openxmlformats.org/officeDocument/2006/relationships" xmlns:p="http://schemas.openxmlformats.org/presentationml/2006/main">
+  <p:cSld>
+    <p:spTree>
+      <p:nvGrpSpPr>
+        <p:cNvPr id="1" name=""/>
+        <p:cNvGrpSpPr/>
+        <p:nvPr/>
+      </p:nvGrpSpPr>
+      <p:grpSpPr>
+        <a:xfrm>
+          <a:off x="0" y="0"/>
+          <a:ext cx="0" cy="0"/>
+          <a:chOff x="0" y="0"/>
+          <a:chExt cx="0" cy="0"/>
+        </a:xfrm>
+      </p:grpSpPr>
+      <p:sp>
+        <p:nvSpPr>
+          <p:cNvPr id="2" name="Title 1"/>
+          <p:cNvSpPr txBox="1">
+            <a:spLocks/>
+          </p:cNvSpPr>
+          <p:nvPr/>
+        </p:nvSpPr>
+        <p:spPr>
+          <a:xfrm>
+            <a:off x="1676400" y="2133600"/>
+            <a:ext cx="8839200" cy="838200"/>
+          </a:xfrm>
+          <a:prstGeom prst="rect">
+            <a:avLst/>
+          </a:prstGeom>
+        </p:spPr>
+        <p:txBody>
+          <a:bodyPr>
+            <a:noAutofit/>
+          </a:bodyPr>
+          <a:lstStyle>
+            <a:defPPr>
+              <a:defRPr lang="en-US"/>
+            </a:defPPr>
+            <a:lvl1pPr lvl="0" algn="ctr">
+              <a:spcBef>
+                <a:spcPct val="0"/>
+              </a:spcBef>
+              <a:defRPr sz="4800">
+                <a:latin typeface="Arial" pitchFamily="34" charset="0"/>
+                <a:cs typeface="Arial" pitchFamily="34" charset="0"/>
+              </a:defRPr>
+            </a:lvl1pPr>
+          </a:lstStyle>
+          <a:p>
+            <a:r>
+              <a:rPr lang="en-IN" dirty="0">
+                <a:solidFill>
+                  <a:srgbClr val="DC525C"/>
+                </a:solidFill>
+                <a:latin typeface="Segoe UI Light" panose="020B0502040204020203" pitchFamily="34" charset="0"/>
+                <a:cs typeface="Segoe UI Light" panose="020B0502040204020203" pitchFamily="34" charset="0"/>
+              </a:rPr>
+              <a:t>What is big data?</a:t>
+            </a:r>
+            <a:endParaRPr lang="en-US" dirty="0">
+              <a:solidFill>
+                <a:srgbClr val="DC525C"/>
+              </a:solidFill>
+              <a:latin typeface="Segoe UI Light" panose="020B0502040204020203" pitchFamily="34" charset="0"/>
+              <a:cs typeface="Segoe UI Light" panose="020B0502040204020203" pitchFamily="34" charset="0"/>
+            </a:endParaRPr>
+          </a:p>
+        </p:txBody>
+      </p:sp>
+    </p:spTree>
+    <p:extLst>
+      <p:ext uri="{BB962C8B-B14F-4D97-AF65-F5344CB8AC3E}">
+        <p14:creationId xmlns:p14="http://schemas.microsoft.com/office/powerpoint/2010/main" val="3930946044"/>
+      </p:ext>
+    </p:extLst>
+  </p:cSld>
+  <p:clrMapOvr>
+    <a:masterClrMapping/>
+  </p:clrMapOvr>
+</p:sld>
+</file>
+
+<file path=ppt/slides/slide25.xml><?xml version="1.0" encoding="utf-8"?>
+<p:sld xmlns:a="http://schemas.openxmlformats.org/drawingml/2006/main" xmlns:r="http://schemas.openxmlformats.org/officeDocument/2006/relationships" xmlns:p="http://schemas.openxmlformats.org/presentationml/2006/main">
+  <p:cSld>
+    <p:spTree>
+      <p:nvGrpSpPr>
+        <p:cNvPr id="1" name=""/>
+        <p:cNvGrpSpPr/>
+        <p:nvPr/>
+      </p:nvGrpSpPr>
+      <p:grpSpPr>
+        <a:xfrm>
+          <a:off x="0" y="0"/>
+          <a:ext cx="0" cy="0"/>
+          <a:chOff x="0" y="0"/>
+          <a:chExt cx="0" cy="0"/>
+        </a:xfrm>
+      </p:grpSpPr>
+      <p:sp>
+        <p:nvSpPr>
+          <p:cNvPr id="3" name="Rectangle 2"/>
+          <p:cNvSpPr/>
+          <p:nvPr/>
+        </p:nvSpPr>
+        <p:spPr>
+          <a:xfrm>
+            <a:off x="239433" y="758315"/>
             <a:ext cx="11617207" cy="1685846"/>
           </a:xfrm>
           <a:prstGeom prst="rect">
@@ -7433,7 +7986,7 @@
 </p:sld>
 </file>
 
-<file path=ppt/slides/slide24.xml><?xml version="1.0" encoding="utf-8"?>
+<file path=ppt/slides/slide26.xml><?xml version="1.0" encoding="utf-8"?>
 <p:sld xmlns:a="http://schemas.openxmlformats.org/drawingml/2006/main" xmlns:r="http://schemas.openxmlformats.org/officeDocument/2006/relationships" xmlns:p="http://schemas.openxmlformats.org/presentationml/2006/main" showMasterSp="0">
   <p:cSld>
     <p:spTree>
@@ -7523,704 +8076,6 @@
     <p:extLst>
       <p:ext uri="{BB962C8B-B14F-4D97-AF65-F5344CB8AC3E}">
         <p14:creationId xmlns:p14="http://schemas.microsoft.com/office/powerpoint/2010/main" val="862324416"/>
-      </p:ext>
-    </p:extLst>
-  </p:cSld>
-  <p:clrMapOvr>
-    <a:masterClrMapping/>
-  </p:clrMapOvr>
-</p:sld>
-</file>
-
-<file path=ppt/slides/slide25.xml><?xml version="1.0" encoding="utf-8"?>
-<p:sld xmlns:a="http://schemas.openxmlformats.org/drawingml/2006/main" xmlns:r="http://schemas.openxmlformats.org/officeDocument/2006/relationships" xmlns:p="http://schemas.openxmlformats.org/presentationml/2006/main">
-  <p:cSld>
-    <p:spTree>
-      <p:nvGrpSpPr>
-        <p:cNvPr id="1" name=""/>
-        <p:cNvGrpSpPr/>
-        <p:nvPr/>
-      </p:nvGrpSpPr>
-      <p:grpSpPr>
-        <a:xfrm>
-          <a:off x="0" y="0"/>
-          <a:ext cx="0" cy="0"/>
-          <a:chOff x="0" y="0"/>
-          <a:chExt cx="0" cy="0"/>
-        </a:xfrm>
-      </p:grpSpPr>
-      <p:sp>
-        <p:nvSpPr>
-          <p:cNvPr id="4" name="Rectangle 3">
-            <a:extLst>
-              <a:ext uri="{FF2B5EF4-FFF2-40B4-BE49-F238E27FC236}">
-                <a16:creationId xmlns:a16="http://schemas.microsoft.com/office/drawing/2014/main" id="{6524962B-7610-4EFD-AA5E-DDE403AB8860}"/>
-              </a:ext>
-            </a:extLst>
-          </p:cNvPr>
-          <p:cNvSpPr/>
-          <p:nvPr/>
-        </p:nvSpPr>
-        <p:spPr>
-          <a:xfrm>
-            <a:off x="1524000" y="1"/>
-            <a:ext cx="9144000" cy="584775"/>
-          </a:xfrm>
-          <a:prstGeom prst="rect">
-            <a:avLst/>
-          </a:prstGeom>
-          <a:noFill/>
-        </p:spPr>
-        <p:txBody>
-          <a:bodyPr wrap="square">
-            <a:spAutoFit/>
-          </a:bodyPr>
-          <a:lstStyle/>
-          <a:p>
-            <a:pPr algn="r"/>
-            <a:r>
-              <a:rPr lang="en-US" sz="3200" i="1" dirty="0">
-                <a:solidFill>
-                  <a:srgbClr val="FF9900"/>
-                </a:solidFill>
-                <a:latin typeface="Arial" pitchFamily="34" charset="0"/>
-                <a:cs typeface="Arial" pitchFamily="34" charset="0"/>
-              </a:rPr>
-              <a:t>Characteristics of Big Data</a:t>
-            </a:r>
-            <a:endParaRPr lang="en-IN" sz="3200" i="1" dirty="0">
-              <a:solidFill>
-                <a:srgbClr val="FF9900"/>
-              </a:solidFill>
-              <a:latin typeface="Arial" pitchFamily="34" charset="0"/>
-              <a:cs typeface="Arial" pitchFamily="34" charset="0"/>
-            </a:endParaRPr>
-          </a:p>
-        </p:txBody>
-      </p:sp>
-      <p:sp>
-        <p:nvSpPr>
-          <p:cNvPr id="6" name="TextBox 5">
-            <a:extLst>
-              <a:ext uri="{FF2B5EF4-FFF2-40B4-BE49-F238E27FC236}">
-                <a16:creationId xmlns:a16="http://schemas.microsoft.com/office/drawing/2014/main" id="{7A4EC6FF-50F3-7757-E8E3-74F1C85A625C}"/>
-              </a:ext>
-            </a:extLst>
-          </p:cNvPr>
-          <p:cNvSpPr txBox="1"/>
-          <p:nvPr/>
-        </p:nvSpPr>
-        <p:spPr>
-          <a:xfrm>
-            <a:off x="191344" y="908720"/>
-            <a:ext cx="11809312" cy="1045223"/>
-          </a:xfrm>
-          <a:prstGeom prst="rect">
-            <a:avLst/>
-          </a:prstGeom>
-          <a:noFill/>
-        </p:spPr>
-        <p:txBody>
-          <a:bodyPr wrap="square">
-            <a:spAutoFit/>
-          </a:bodyPr>
-          <a:lstStyle/>
-          <a:p>
-            <a:pPr>
-              <a:lnSpc>
-                <a:spcPct val="150000"/>
-              </a:lnSpc>
-            </a:pPr>
-            <a:r>
-              <a:rPr lang="en-IN" sz="2200" dirty="0">
-                <a:latin typeface="Arial" panose="020B0604020202020204" pitchFamily="34" charset="0"/>
-                <a:cs typeface="Arial" panose="020B0604020202020204" pitchFamily="34" charset="0"/>
-              </a:rPr>
-              <a:t>It is used by many multinational companies to process the data and business of many organizations. The data flow would exceed 150 exabytes per day before replication.</a:t>
-            </a:r>
-          </a:p>
-        </p:txBody>
-      </p:sp>
-      <p:sp>
-        <p:nvSpPr>
-          <p:cNvPr id="9" name="TextBox 8">
-            <a:extLst>
-              <a:ext uri="{FF2B5EF4-FFF2-40B4-BE49-F238E27FC236}">
-                <a16:creationId xmlns:a16="http://schemas.microsoft.com/office/drawing/2014/main" id="{AB4E6DC9-BF67-59E6-9A9C-1C759377F018}"/>
-              </a:ext>
-            </a:extLst>
-          </p:cNvPr>
-          <p:cNvSpPr txBox="1"/>
-          <p:nvPr/>
-        </p:nvSpPr>
-        <p:spPr>
-          <a:xfrm>
-            <a:off x="407368" y="2420888"/>
-            <a:ext cx="11377264" cy="3420873"/>
-          </a:xfrm>
-          <a:prstGeom prst="rect">
-            <a:avLst/>
-          </a:prstGeom>
-          <a:noFill/>
-        </p:spPr>
-        <p:txBody>
-          <a:bodyPr wrap="square">
-            <a:spAutoFit/>
-          </a:bodyPr>
-          <a:lstStyle/>
-          <a:p>
-            <a:pPr algn="just"/>
-            <a:r>
-              <a:rPr lang="en-US" sz="2400" b="0" i="0" dirty="0">
-                <a:solidFill>
-                  <a:srgbClr val="C00000"/>
-                </a:solidFill>
-                <a:effectLst/>
-                <a:latin typeface="Arial" panose="020B0604020202020204" pitchFamily="34" charset="0"/>
-                <a:cs typeface="Arial" panose="020B0604020202020204" pitchFamily="34" charset="0"/>
-              </a:rPr>
-              <a:t>There are five v's of Big Data that explains the characteristics.</a:t>
-            </a:r>
-          </a:p>
-          <a:p>
-            <a:pPr algn="just"/>
-            <a:endParaRPr lang="en-US" sz="1200" b="0" i="0" dirty="0">
-              <a:solidFill>
-                <a:srgbClr val="333333"/>
-              </a:solidFill>
-              <a:effectLst/>
-              <a:latin typeface="Arial" panose="020B0604020202020204" pitchFamily="34" charset="0"/>
-              <a:cs typeface="Arial" panose="020B0604020202020204" pitchFamily="34" charset="0"/>
-            </a:endParaRPr>
-          </a:p>
-          <a:p>
-            <a:pPr algn="just"/>
-            <a:r>
-              <a:rPr lang="en-US" sz="2200" b="0" i="0" dirty="0">
-                <a:solidFill>
-                  <a:srgbClr val="610B4B"/>
-                </a:solidFill>
-                <a:effectLst/>
-                <a:latin typeface="Arial" panose="020B0604020202020204" pitchFamily="34" charset="0"/>
-                <a:cs typeface="Arial" panose="020B0604020202020204" pitchFamily="34" charset="0"/>
-              </a:rPr>
-              <a:t>5 V's of Big Data</a:t>
-            </a:r>
-          </a:p>
-          <a:p>
-            <a:pPr algn="just"/>
-            <a:endParaRPr lang="en-US" sz="1200" b="0" i="0" dirty="0">
-              <a:solidFill>
-                <a:srgbClr val="610B4B"/>
-              </a:solidFill>
-              <a:effectLst/>
-              <a:latin typeface="Arial" panose="020B0604020202020204" pitchFamily="34" charset="0"/>
-              <a:cs typeface="Arial" panose="020B0604020202020204" pitchFamily="34" charset="0"/>
-            </a:endParaRPr>
-          </a:p>
-          <a:p>
-            <a:pPr marL="342900" indent="-342900" algn="just">
-              <a:lnSpc>
-                <a:spcPct val="150000"/>
-              </a:lnSpc>
-              <a:buFont typeface="Arial" panose="020B0604020202020204" pitchFamily="34" charset="0"/>
-              <a:buChar char="•"/>
-            </a:pPr>
-            <a:r>
-              <a:rPr lang="en-US" sz="2000" b="1" i="0" dirty="0">
-                <a:effectLst/>
-                <a:latin typeface="Arial" panose="020B0604020202020204" pitchFamily="34" charset="0"/>
-                <a:cs typeface="Arial" panose="020B0604020202020204" pitchFamily="34" charset="0"/>
-              </a:rPr>
-              <a:t>Volume</a:t>
-            </a:r>
-          </a:p>
-          <a:p>
-            <a:pPr marL="342900" indent="-342900" algn="just">
-              <a:lnSpc>
-                <a:spcPct val="150000"/>
-              </a:lnSpc>
-              <a:buFont typeface="Arial" panose="020B0604020202020204" pitchFamily="34" charset="0"/>
-              <a:buChar char="•"/>
-            </a:pPr>
-            <a:r>
-              <a:rPr lang="en-US" sz="2000" b="1" i="0" dirty="0">
-                <a:effectLst/>
-                <a:latin typeface="Arial" panose="020B0604020202020204" pitchFamily="34" charset="0"/>
-                <a:cs typeface="Arial" panose="020B0604020202020204" pitchFamily="34" charset="0"/>
-              </a:rPr>
-              <a:t>Veracity</a:t>
-            </a:r>
-          </a:p>
-          <a:p>
-            <a:pPr marL="342900" indent="-342900" algn="just">
-              <a:lnSpc>
-                <a:spcPct val="150000"/>
-              </a:lnSpc>
-              <a:buFont typeface="Arial" panose="020B0604020202020204" pitchFamily="34" charset="0"/>
-              <a:buChar char="•"/>
-            </a:pPr>
-            <a:r>
-              <a:rPr lang="en-US" sz="2000" b="1" i="0" dirty="0">
-                <a:effectLst/>
-                <a:latin typeface="Arial" panose="020B0604020202020204" pitchFamily="34" charset="0"/>
-                <a:cs typeface="Arial" panose="020B0604020202020204" pitchFamily="34" charset="0"/>
-              </a:rPr>
-              <a:t>Variety</a:t>
-            </a:r>
-          </a:p>
-          <a:p>
-            <a:pPr marL="342900" indent="-342900" algn="just">
-              <a:lnSpc>
-                <a:spcPct val="150000"/>
-              </a:lnSpc>
-              <a:buFont typeface="Arial" panose="020B0604020202020204" pitchFamily="34" charset="0"/>
-              <a:buChar char="•"/>
-            </a:pPr>
-            <a:r>
-              <a:rPr lang="en-US" sz="2000" b="1" i="0" dirty="0">
-                <a:effectLst/>
-                <a:latin typeface="Arial" panose="020B0604020202020204" pitchFamily="34" charset="0"/>
-                <a:cs typeface="Arial" panose="020B0604020202020204" pitchFamily="34" charset="0"/>
-              </a:rPr>
-              <a:t>Value</a:t>
-            </a:r>
-          </a:p>
-          <a:p>
-            <a:pPr marL="342900" indent="-342900" algn="just">
-              <a:lnSpc>
-                <a:spcPct val="150000"/>
-              </a:lnSpc>
-              <a:buFont typeface="Arial" panose="020B0604020202020204" pitchFamily="34" charset="0"/>
-              <a:buChar char="•"/>
-            </a:pPr>
-            <a:r>
-              <a:rPr lang="en-US" sz="2000" b="1" i="0" dirty="0">
-                <a:effectLst/>
-                <a:latin typeface="Arial" panose="020B0604020202020204" pitchFamily="34" charset="0"/>
-                <a:cs typeface="Arial" panose="020B0604020202020204" pitchFamily="34" charset="0"/>
-              </a:rPr>
-              <a:t>Velocity</a:t>
-            </a:r>
-          </a:p>
-        </p:txBody>
-      </p:sp>
-    </p:spTree>
-    <p:extLst>
-      <p:ext uri="{BB962C8B-B14F-4D97-AF65-F5344CB8AC3E}">
-        <p14:creationId xmlns:p14="http://schemas.microsoft.com/office/powerpoint/2010/main" val="3232024903"/>
-      </p:ext>
-    </p:extLst>
-  </p:cSld>
-  <p:clrMapOvr>
-    <a:masterClrMapping/>
-  </p:clrMapOvr>
-</p:sld>
-</file>
-
-<file path=ppt/slides/slide26.xml><?xml version="1.0" encoding="utf-8"?>
-<p:sld xmlns:a="http://schemas.openxmlformats.org/drawingml/2006/main" xmlns:r="http://schemas.openxmlformats.org/officeDocument/2006/relationships" xmlns:p="http://schemas.openxmlformats.org/presentationml/2006/main">
-  <p:cSld>
-    <p:spTree>
-      <p:nvGrpSpPr>
-        <p:cNvPr id="1" name=""/>
-        <p:cNvGrpSpPr/>
-        <p:nvPr/>
-      </p:nvGrpSpPr>
-      <p:grpSpPr>
-        <a:xfrm>
-          <a:off x="0" y="0"/>
-          <a:ext cx="0" cy="0"/>
-          <a:chOff x="0" y="0"/>
-          <a:chExt cx="0" cy="0"/>
-        </a:xfrm>
-      </p:grpSpPr>
-      <p:sp>
-        <p:nvSpPr>
-          <p:cNvPr id="4" name="Rectangle 3">
-            <a:extLst>
-              <a:ext uri="{FF2B5EF4-FFF2-40B4-BE49-F238E27FC236}">
-                <a16:creationId xmlns:a16="http://schemas.microsoft.com/office/drawing/2014/main" id="{6524962B-7610-4EFD-AA5E-DDE403AB8860}"/>
-              </a:ext>
-            </a:extLst>
-          </p:cNvPr>
-          <p:cNvSpPr/>
-          <p:nvPr/>
-        </p:nvSpPr>
-        <p:spPr>
-          <a:xfrm>
-            <a:off x="1524000" y="1"/>
-            <a:ext cx="9144000" cy="584775"/>
-          </a:xfrm>
-          <a:prstGeom prst="rect">
-            <a:avLst/>
-          </a:prstGeom>
-          <a:noFill/>
-        </p:spPr>
-        <p:txBody>
-          <a:bodyPr wrap="square">
-            <a:spAutoFit/>
-          </a:bodyPr>
-          <a:lstStyle/>
-          <a:p>
-            <a:pPr algn="r"/>
-            <a:r>
-              <a:rPr lang="en-US" sz="3200" i="1" dirty="0">
-                <a:solidFill>
-                  <a:srgbClr val="FF9900"/>
-                </a:solidFill>
-                <a:latin typeface="Arial" pitchFamily="34" charset="0"/>
-                <a:cs typeface="Arial" pitchFamily="34" charset="0"/>
-              </a:rPr>
-              <a:t>Volume</a:t>
-            </a:r>
-            <a:endParaRPr lang="en-IN" sz="3200" i="1" dirty="0">
-              <a:solidFill>
-                <a:srgbClr val="FF9900"/>
-              </a:solidFill>
-              <a:latin typeface="Arial" pitchFamily="34" charset="0"/>
-              <a:cs typeface="Arial" pitchFamily="34" charset="0"/>
-            </a:endParaRPr>
-          </a:p>
-        </p:txBody>
-      </p:sp>
-      <p:sp>
-        <p:nvSpPr>
-          <p:cNvPr id="3" name="TextBox 2">
-            <a:extLst>
-              <a:ext uri="{FF2B5EF4-FFF2-40B4-BE49-F238E27FC236}">
-                <a16:creationId xmlns:a16="http://schemas.microsoft.com/office/drawing/2014/main" id="{0BD80FA2-0692-8C0A-410E-6B42560A0A5E}"/>
-              </a:ext>
-            </a:extLst>
-          </p:cNvPr>
-          <p:cNvSpPr txBox="1"/>
-          <p:nvPr/>
-        </p:nvSpPr>
-        <p:spPr>
-          <a:xfrm>
-            <a:off x="263352" y="2366878"/>
-            <a:ext cx="11521280" cy="2862322"/>
-          </a:xfrm>
-          <a:prstGeom prst="rect">
-            <a:avLst/>
-          </a:prstGeom>
-          <a:noFill/>
-        </p:spPr>
-        <p:txBody>
-          <a:bodyPr wrap="square">
-            <a:spAutoFit/>
-          </a:bodyPr>
-          <a:lstStyle/>
-          <a:p>
-            <a:pPr marL="342900" indent="-342900" algn="just">
-              <a:buFont typeface="Arial" panose="020B0604020202020204" pitchFamily="34" charset="0"/>
-              <a:buChar char="•"/>
-            </a:pPr>
-            <a:r>
-              <a:rPr lang="en-US" sz="2000" b="0" i="0" dirty="0">
-                <a:solidFill>
-                  <a:srgbClr val="333333"/>
-                </a:solidFill>
-                <a:effectLst/>
-                <a:latin typeface="Arial" panose="020B0604020202020204" pitchFamily="34" charset="0"/>
-                <a:cs typeface="Arial" panose="020B0604020202020204" pitchFamily="34" charset="0"/>
-              </a:rPr>
-              <a:t>Big Data is a vast 'volumes' of data generated from many sources daily, such as </a:t>
-            </a:r>
-            <a:r>
-              <a:rPr lang="en-US" sz="2000" b="1" i="0" dirty="0">
-                <a:solidFill>
-                  <a:srgbClr val="333333"/>
-                </a:solidFill>
-                <a:effectLst/>
-                <a:latin typeface="Arial" panose="020B0604020202020204" pitchFamily="34" charset="0"/>
-                <a:cs typeface="Arial" panose="020B0604020202020204" pitchFamily="34" charset="0"/>
-              </a:rPr>
-              <a:t>business processes, machines, social media platforms, networks, human interactions,</a:t>
-            </a:r>
-            <a:r>
-              <a:rPr lang="en-US" sz="2000" b="0" i="0" dirty="0">
-                <a:solidFill>
-                  <a:srgbClr val="333333"/>
-                </a:solidFill>
-                <a:effectLst/>
-                <a:latin typeface="Arial" panose="020B0604020202020204" pitchFamily="34" charset="0"/>
-                <a:cs typeface="Arial" panose="020B0604020202020204" pitchFamily="34" charset="0"/>
-              </a:rPr>
-              <a:t> and many more.</a:t>
-            </a:r>
-          </a:p>
-          <a:p>
-            <a:pPr marL="342900" indent="-342900" algn="just">
-              <a:buFont typeface="Arial" panose="020B0604020202020204" pitchFamily="34" charset="0"/>
-              <a:buChar char="•"/>
-            </a:pPr>
-            <a:endParaRPr lang="en-US" sz="2000" b="0" i="0" dirty="0">
-              <a:solidFill>
-                <a:srgbClr val="333333"/>
-              </a:solidFill>
-              <a:effectLst/>
-              <a:latin typeface="Arial" panose="020B0604020202020204" pitchFamily="34" charset="0"/>
-              <a:cs typeface="Arial" panose="020B0604020202020204" pitchFamily="34" charset="0"/>
-            </a:endParaRPr>
-          </a:p>
-          <a:p>
-            <a:pPr marL="342900" indent="-342900" algn="just">
-              <a:buFont typeface="Arial" panose="020B0604020202020204" pitchFamily="34" charset="0"/>
-              <a:buChar char="•"/>
-            </a:pPr>
-            <a:r>
-              <a:rPr lang="en-US" sz="2000" b="1" i="0" dirty="0">
-                <a:solidFill>
-                  <a:srgbClr val="333333"/>
-                </a:solidFill>
-                <a:effectLst/>
-                <a:latin typeface="Arial" panose="020B0604020202020204" pitchFamily="34" charset="0"/>
-                <a:cs typeface="Arial" panose="020B0604020202020204" pitchFamily="34" charset="0"/>
-              </a:rPr>
-              <a:t>Facebook</a:t>
-            </a:r>
-            <a:r>
-              <a:rPr lang="en-US" sz="2000" b="0" i="0" dirty="0">
-                <a:solidFill>
-                  <a:srgbClr val="333333"/>
-                </a:solidFill>
-                <a:effectLst/>
-                <a:latin typeface="Arial" panose="020B0604020202020204" pitchFamily="34" charset="0"/>
-                <a:cs typeface="Arial" panose="020B0604020202020204" pitchFamily="34" charset="0"/>
-              </a:rPr>
-              <a:t> can generate approximately a </a:t>
-            </a:r>
-            <a:r>
-              <a:rPr lang="en-US" sz="2000" b="1" i="0" dirty="0">
-                <a:solidFill>
-                  <a:srgbClr val="333333"/>
-                </a:solidFill>
-                <a:effectLst/>
-                <a:latin typeface="Arial" panose="020B0604020202020204" pitchFamily="34" charset="0"/>
-                <a:cs typeface="Arial" panose="020B0604020202020204" pitchFamily="34" charset="0"/>
-              </a:rPr>
-              <a:t>billion</a:t>
-            </a:r>
-            <a:r>
-              <a:rPr lang="en-US" sz="2000" b="0" i="0" dirty="0">
-                <a:solidFill>
-                  <a:srgbClr val="333333"/>
-                </a:solidFill>
-                <a:effectLst/>
-                <a:latin typeface="Arial" panose="020B0604020202020204" pitchFamily="34" charset="0"/>
-                <a:cs typeface="Arial" panose="020B0604020202020204" pitchFamily="34" charset="0"/>
-              </a:rPr>
-              <a:t> messages, </a:t>
-            </a:r>
-          </a:p>
-          <a:p>
-            <a:pPr marL="342900" indent="-342900" algn="just">
-              <a:buFont typeface="Arial" panose="020B0604020202020204" pitchFamily="34" charset="0"/>
-              <a:buChar char="•"/>
-            </a:pPr>
-            <a:endParaRPr lang="en-US" sz="2000" dirty="0">
-              <a:solidFill>
-                <a:srgbClr val="333333"/>
-              </a:solidFill>
-              <a:latin typeface="Arial" panose="020B0604020202020204" pitchFamily="34" charset="0"/>
-              <a:cs typeface="Arial" panose="020B0604020202020204" pitchFamily="34" charset="0"/>
-            </a:endParaRPr>
-          </a:p>
-          <a:p>
-            <a:pPr marL="342900" indent="-342900" algn="just">
-              <a:buFont typeface="Arial" panose="020B0604020202020204" pitchFamily="34" charset="0"/>
-              <a:buChar char="•"/>
-            </a:pPr>
-            <a:r>
-              <a:rPr lang="en-US" sz="2000" b="1" i="0" dirty="0">
-                <a:solidFill>
-                  <a:srgbClr val="333333"/>
-                </a:solidFill>
-                <a:effectLst/>
-                <a:latin typeface="Arial" panose="020B0604020202020204" pitchFamily="34" charset="0"/>
-                <a:cs typeface="Arial" panose="020B0604020202020204" pitchFamily="34" charset="0"/>
-              </a:rPr>
-              <a:t>Billion</a:t>
-            </a:r>
-            <a:r>
-              <a:rPr lang="en-US" sz="2000" b="0" i="0" dirty="0">
-                <a:solidFill>
-                  <a:srgbClr val="333333"/>
-                </a:solidFill>
-                <a:effectLst/>
-                <a:latin typeface="Arial" panose="020B0604020202020204" pitchFamily="34" charset="0"/>
-                <a:cs typeface="Arial" panose="020B0604020202020204" pitchFamily="34" charset="0"/>
-              </a:rPr>
-              <a:t> of times, the "</a:t>
-            </a:r>
-            <a:r>
-              <a:rPr lang="en-US" sz="2000" b="1" i="0" dirty="0">
-                <a:solidFill>
-                  <a:srgbClr val="333333"/>
-                </a:solidFill>
-                <a:effectLst/>
-                <a:latin typeface="Arial" panose="020B0604020202020204" pitchFamily="34" charset="0"/>
-                <a:cs typeface="Arial" panose="020B0604020202020204" pitchFamily="34" charset="0"/>
-              </a:rPr>
-              <a:t>Like</a:t>
-            </a:r>
-            <a:r>
-              <a:rPr lang="en-US" sz="2000" b="0" i="0" dirty="0">
-                <a:solidFill>
-                  <a:srgbClr val="333333"/>
-                </a:solidFill>
-                <a:effectLst/>
-                <a:latin typeface="Arial" panose="020B0604020202020204" pitchFamily="34" charset="0"/>
-                <a:cs typeface="Arial" panose="020B0604020202020204" pitchFamily="34" charset="0"/>
-              </a:rPr>
-              <a:t>" button is recorded, </a:t>
-            </a:r>
-          </a:p>
-          <a:p>
-            <a:pPr marL="342900" indent="-342900" algn="just">
-              <a:buFont typeface="Arial" panose="020B0604020202020204" pitchFamily="34" charset="0"/>
-              <a:buChar char="•"/>
-            </a:pPr>
-            <a:endParaRPr lang="en-US" sz="2000" dirty="0">
-              <a:solidFill>
-                <a:srgbClr val="333333"/>
-              </a:solidFill>
-              <a:latin typeface="Arial" panose="020B0604020202020204" pitchFamily="34" charset="0"/>
-              <a:cs typeface="Arial" panose="020B0604020202020204" pitchFamily="34" charset="0"/>
-            </a:endParaRPr>
-          </a:p>
-          <a:p>
-            <a:pPr marL="342900" indent="-342900" algn="just">
-              <a:buFont typeface="Arial" panose="020B0604020202020204" pitchFamily="34" charset="0"/>
-              <a:buChar char="•"/>
-            </a:pPr>
-            <a:r>
-              <a:rPr lang="en-US" sz="2000" b="0" i="0" dirty="0">
-                <a:solidFill>
-                  <a:srgbClr val="333333"/>
-                </a:solidFill>
-                <a:effectLst/>
-                <a:latin typeface="Arial" panose="020B0604020202020204" pitchFamily="34" charset="0"/>
-                <a:cs typeface="Arial" panose="020B0604020202020204" pitchFamily="34" charset="0"/>
-              </a:rPr>
-              <a:t>and </a:t>
-            </a:r>
-            <a:r>
-              <a:rPr lang="en-US" sz="2000" b="1" i="0" dirty="0">
-                <a:solidFill>
-                  <a:srgbClr val="333333"/>
-                </a:solidFill>
-                <a:effectLst/>
-                <a:latin typeface="Arial" panose="020B0604020202020204" pitchFamily="34" charset="0"/>
-                <a:cs typeface="Arial" panose="020B0604020202020204" pitchFamily="34" charset="0"/>
-              </a:rPr>
-              <a:t>millions</a:t>
-            </a:r>
-            <a:r>
-              <a:rPr lang="en-US" sz="2000" b="0" i="0" dirty="0">
-                <a:solidFill>
-                  <a:srgbClr val="333333"/>
-                </a:solidFill>
-                <a:effectLst/>
-                <a:latin typeface="Arial" panose="020B0604020202020204" pitchFamily="34" charset="0"/>
-                <a:cs typeface="Arial" panose="020B0604020202020204" pitchFamily="34" charset="0"/>
-              </a:rPr>
-              <a:t> of new posts are uploaded each day. </a:t>
-            </a:r>
-          </a:p>
-        </p:txBody>
-      </p:sp>
-      <p:sp>
-        <p:nvSpPr>
-          <p:cNvPr id="5" name="TextBox 4">
-            <a:extLst>
-              <a:ext uri="{FF2B5EF4-FFF2-40B4-BE49-F238E27FC236}">
-                <a16:creationId xmlns:a16="http://schemas.microsoft.com/office/drawing/2014/main" id="{4BBE33AB-BF80-A13E-D5B7-119EB9740A68}"/>
-              </a:ext>
-            </a:extLst>
-          </p:cNvPr>
-          <p:cNvSpPr txBox="1"/>
-          <p:nvPr/>
-        </p:nvSpPr>
-        <p:spPr>
-          <a:xfrm>
-            <a:off x="551384" y="1008355"/>
-            <a:ext cx="11233248" cy="830997"/>
-          </a:xfrm>
-          <a:prstGeom prst="rect">
-            <a:avLst/>
-          </a:prstGeom>
-          <a:noFill/>
-        </p:spPr>
-        <p:txBody>
-          <a:bodyPr wrap="square">
-            <a:spAutoFit/>
-          </a:bodyPr>
-          <a:lstStyle/>
-          <a:p>
-            <a:pPr algn="just"/>
-            <a:r>
-              <a:rPr lang="en-US" sz="2400" b="0" i="0" dirty="0">
-                <a:solidFill>
-                  <a:srgbClr val="C00000"/>
-                </a:solidFill>
-                <a:effectLst/>
-                <a:latin typeface="Arial" panose="020B0604020202020204" pitchFamily="34" charset="0"/>
-                <a:cs typeface="Arial" panose="020B0604020202020204" pitchFamily="34" charset="0"/>
-              </a:rPr>
-              <a:t>The name Big Data itself is related to an enormous size of data. </a:t>
-            </a:r>
-            <a:r>
-              <a:rPr lang="en-US" sz="2400" b="0" i="0" dirty="0">
-                <a:solidFill>
-                  <a:srgbClr val="333333"/>
-                </a:solidFill>
-                <a:effectLst/>
-                <a:latin typeface="Arial" panose="020B0604020202020204" pitchFamily="34" charset="0"/>
-                <a:cs typeface="Arial" panose="020B0604020202020204" pitchFamily="34" charset="0"/>
-              </a:rPr>
-              <a:t>Big data technologies can handle large amounts of data.</a:t>
-            </a:r>
-          </a:p>
-        </p:txBody>
-      </p:sp>
-      <p:pic>
-        <p:nvPicPr>
-          <p:cNvPr id="2" name="Picture 2" descr="Big Data Volume Growth - Big Data Tutorial - Edureka">
-            <a:extLst>
-              <a:ext uri="{FF2B5EF4-FFF2-40B4-BE49-F238E27FC236}">
-                <a16:creationId xmlns:a16="http://schemas.microsoft.com/office/drawing/2014/main" id="{5A774089-67ED-8738-2FF5-785289EB2AC4}"/>
-              </a:ext>
-            </a:extLst>
-          </p:cNvPr>
-          <p:cNvPicPr>
-            <a:picLocks noChangeAspect="1" noChangeArrowheads="1"/>
-          </p:cNvPicPr>
-          <p:nvPr/>
-        </p:nvPicPr>
-        <p:blipFill>
-          <a:blip r:embed="rId2"/>
-          <a:srcRect/>
-          <a:stretch>
-            <a:fillRect/>
-          </a:stretch>
-        </p:blipFill>
-        <p:spPr bwMode="auto">
-          <a:xfrm>
-            <a:off x="8382016" y="3535026"/>
-            <a:ext cx="3258600" cy="3299418"/>
-          </a:xfrm>
-          <a:prstGeom prst="rect">
-            <a:avLst/>
-          </a:prstGeom>
-          <a:noFill/>
-        </p:spPr>
-      </p:pic>
-    </p:spTree>
-    <p:extLst>
-      <p:ext uri="{BB962C8B-B14F-4D97-AF65-F5344CB8AC3E}">
-        <p14:creationId xmlns:p14="http://schemas.microsoft.com/office/powerpoint/2010/main" val="255849756"/>
       </p:ext>
     </p:extLst>
   </p:cSld>
@@ -8284,7 +8139,7 @@
                 <a:latin typeface="Arial" pitchFamily="34" charset="0"/>
                 <a:cs typeface="Arial" pitchFamily="34" charset="0"/>
               </a:rPr>
-              <a:t>Veracity</a:t>
+              <a:t>Characteristics of Big Data</a:t>
             </a:r>
             <a:endParaRPr lang="en-IN" sz="3200" i="1" dirty="0">
               <a:solidFill>
@@ -8298,10 +8153,10 @@
       </p:sp>
       <p:sp>
         <p:nvSpPr>
-          <p:cNvPr id="3" name="TextBox 2">
+          <p:cNvPr id="6" name="TextBox 5">
             <a:extLst>
               <a:ext uri="{FF2B5EF4-FFF2-40B4-BE49-F238E27FC236}">
-                <a16:creationId xmlns:a16="http://schemas.microsoft.com/office/drawing/2014/main" id="{4B5CEDCA-EEE7-04D8-EDEC-C2FA5EFF6CE5}"/>
+                <a16:creationId xmlns:a16="http://schemas.microsoft.com/office/drawing/2014/main" id="{7A4EC6FF-50F3-7757-E8E3-74F1C85A625C}"/>
               </a:ext>
             </a:extLst>
           </p:cNvPr>
@@ -8310,8 +8165,8 @@
         </p:nvSpPr>
         <p:spPr>
           <a:xfrm>
-            <a:off x="191344" y="215444"/>
-            <a:ext cx="4608512" cy="461665"/>
+            <a:off x="191344" y="908720"/>
+            <a:ext cx="11809312" cy="1045223"/>
           </a:xfrm>
           <a:prstGeom prst="rect">
             <a:avLst/>
@@ -8324,36 +8179,27 @@
           </a:bodyPr>
           <a:lstStyle/>
           <a:p>
-            <a:r>
-              <a:rPr lang="en-IN" sz="2400" b="0" i="0" u="none" strike="noStrike" dirty="0">
-                <a:solidFill>
-                  <a:srgbClr val="202124"/>
-                </a:solidFill>
-                <a:effectLst/>
-                <a:latin typeface="arial" panose="020B0604020202020204" pitchFamily="34" charset="0"/>
-              </a:rPr>
-              <a:t>Conformity</a:t>
-            </a:r>
-            <a:r>
-              <a:rPr lang="en-IN" sz="2400" b="0" i="0" dirty="0">
-                <a:solidFill>
-                  <a:srgbClr val="202124"/>
-                </a:solidFill>
-                <a:effectLst/>
-                <a:latin typeface="arial" panose="020B0604020202020204" pitchFamily="34" charset="0"/>
-              </a:rPr>
-              <a:t> to facts; accuracy.</a:t>
-            </a:r>
-            <a:endParaRPr lang="en-IN" sz="2400" dirty="0"/>
+            <a:pPr>
+              <a:lnSpc>
+                <a:spcPct val="150000"/>
+              </a:lnSpc>
+            </a:pPr>
+            <a:r>
+              <a:rPr lang="en-IN" sz="2200" dirty="0">
+                <a:latin typeface="Arial" panose="020B0604020202020204" pitchFamily="34" charset="0"/>
+                <a:cs typeface="Arial" panose="020B0604020202020204" pitchFamily="34" charset="0"/>
+              </a:rPr>
+              <a:t>It is used by many multinational companies to process the data and business of many organizations. The data flow would exceed 150 exabytes per day before replication.</a:t>
+            </a:r>
           </a:p>
         </p:txBody>
       </p:sp>
       <p:sp>
         <p:nvSpPr>
-          <p:cNvPr id="5" name="TextBox 4">
+          <p:cNvPr id="9" name="TextBox 8">
             <a:extLst>
               <a:ext uri="{FF2B5EF4-FFF2-40B4-BE49-F238E27FC236}">
-                <a16:creationId xmlns:a16="http://schemas.microsoft.com/office/drawing/2014/main" id="{60A76E6C-5DA9-1FE0-BCA5-8C766DE8FD05}"/>
+                <a16:creationId xmlns:a16="http://schemas.microsoft.com/office/drawing/2014/main" id="{AB4E6DC9-BF67-59E6-9A9C-1C759377F018}"/>
               </a:ext>
             </a:extLst>
           </p:cNvPr>
@@ -8362,8 +8208,8 @@
         </p:nvSpPr>
         <p:spPr>
           <a:xfrm>
-            <a:off x="407368" y="1008355"/>
-            <a:ext cx="11377264" cy="1938992"/>
+            <a:off x="407368" y="2420888"/>
+            <a:ext cx="11377264" cy="3420873"/>
           </a:xfrm>
           <a:prstGeom prst="rect">
             <a:avLst/>
@@ -8376,44 +8222,50 @@
           </a:bodyPr>
           <a:lstStyle/>
           <a:p>
-            <a:pPr marL="342900" indent="-342900" algn="just">
-              <a:buFont typeface="Arial" panose="020B0604020202020204" pitchFamily="34" charset="0"/>
-              <a:buChar char="•"/>
-            </a:pPr>
+            <a:pPr algn="just"/>
             <a:r>
               <a:rPr lang="en-US" sz="2400" b="0" i="0" dirty="0">
-                <a:effectLst/>
-                <a:latin typeface="Arial" panose="020B0604020202020204" pitchFamily="34" charset="0"/>
-                <a:cs typeface="Arial" panose="020B0604020202020204" pitchFamily="34" charset="0"/>
-              </a:rPr>
-              <a:t>Veracity means how much the data is reliable and accurate. </a:t>
+                <a:solidFill>
+                  <a:srgbClr val="C00000"/>
+                </a:solidFill>
+                <a:effectLst/>
+                <a:latin typeface="Arial" panose="020B0604020202020204" pitchFamily="34" charset="0"/>
+                <a:cs typeface="Arial" panose="020B0604020202020204" pitchFamily="34" charset="0"/>
+              </a:rPr>
+              <a:t>There are five v's of Big Data that explains the characteristics.</a:t>
             </a:r>
           </a:p>
           <a:p>
             <a:pPr algn="just"/>
-            <a:endParaRPr lang="en-US" sz="2400" b="0" i="0" dirty="0">
+            <a:endParaRPr lang="en-US" sz="1200" b="0" i="0" dirty="0">
+              <a:solidFill>
+                <a:srgbClr val="333333"/>
+              </a:solidFill>
               <a:effectLst/>
               <a:latin typeface="Arial" panose="020B0604020202020204" pitchFamily="34" charset="0"/>
               <a:cs typeface="Arial" panose="020B0604020202020204" pitchFamily="34" charset="0"/>
             </a:endParaRPr>
           </a:p>
           <a:p>
-            <a:pPr marL="342900" indent="-342900" algn="just">
-              <a:buFont typeface="Arial" panose="020B0604020202020204" pitchFamily="34" charset="0"/>
-              <a:buChar char="•"/>
-            </a:pPr>
-            <a:r>
-              <a:rPr lang="en-US" sz="2400" b="0" i="0" dirty="0">
-                <a:effectLst/>
-                <a:latin typeface="Arial" panose="020B0604020202020204" pitchFamily="34" charset="0"/>
-                <a:cs typeface="Arial" panose="020B0604020202020204" pitchFamily="34" charset="0"/>
-              </a:rPr>
-              <a:t>It has many ways to filter the data.</a:t>
-            </a:r>
-          </a:p>
-          <a:p>
             <a:pPr algn="just"/>
-            <a:endParaRPr lang="en-US" sz="2400" b="0" i="0" dirty="0">
+            <a:r>
+              <a:rPr lang="en-US" sz="2200" b="0" i="0" dirty="0">
+                <a:solidFill>
+                  <a:srgbClr val="610B4B"/>
+                </a:solidFill>
+                <a:effectLst/>
+                <a:latin typeface="Arial" panose="020B0604020202020204" pitchFamily="34" charset="0"/>
+                <a:cs typeface="Arial" panose="020B0604020202020204" pitchFamily="34" charset="0"/>
+              </a:rPr>
+              <a:t>5 V's of Big Data</a:t>
+            </a:r>
+          </a:p>
+          <a:p>
+            <a:pPr algn="just"/>
+            <a:endParaRPr lang="en-US" sz="1200" b="0" i="0" dirty="0">
+              <a:solidFill>
+                <a:srgbClr val="610B4B"/>
+              </a:solidFill>
               <a:effectLst/>
               <a:latin typeface="Arial" panose="020B0604020202020204" pitchFamily="34" charset="0"/>
               <a:cs typeface="Arial" panose="020B0604020202020204" pitchFamily="34" charset="0"/>
@@ -8421,16 +8273,87 @@
           </a:p>
           <a:p>
             <a:pPr marL="342900" indent="-342900" algn="just">
+              <a:lnSpc>
+                <a:spcPct val="150000"/>
+              </a:lnSpc>
               <a:buFont typeface="Arial" panose="020B0604020202020204" pitchFamily="34" charset="0"/>
               <a:buChar char="•"/>
             </a:pPr>
             <a:r>
-              <a:rPr lang="en-US" sz="2400" b="0" i="0" dirty="0">
-                <a:effectLst/>
-                <a:latin typeface="Arial" panose="020B0604020202020204" pitchFamily="34" charset="0"/>
-                <a:cs typeface="Arial" panose="020B0604020202020204" pitchFamily="34" charset="0"/>
-              </a:rPr>
-              <a:t> Veracity is the process to handle and manage data efficiently.</a:t>
+              <a:rPr lang="en-US" sz="2000" b="1" i="0" dirty="0">
+                <a:effectLst/>
+                <a:latin typeface="Arial" panose="020B0604020202020204" pitchFamily="34" charset="0"/>
+                <a:cs typeface="Arial" panose="020B0604020202020204" pitchFamily="34" charset="0"/>
+              </a:rPr>
+              <a:t>Volume</a:t>
+            </a:r>
+          </a:p>
+          <a:p>
+            <a:pPr marL="342900" indent="-342900" algn="just">
+              <a:lnSpc>
+                <a:spcPct val="150000"/>
+              </a:lnSpc>
+              <a:buFont typeface="Arial" panose="020B0604020202020204" pitchFamily="34" charset="0"/>
+              <a:buChar char="•"/>
+            </a:pPr>
+            <a:r>
+              <a:rPr lang="en-US" sz="2000" b="1" i="0" dirty="0">
+                <a:effectLst/>
+                <a:latin typeface="Arial" panose="020B0604020202020204" pitchFamily="34" charset="0"/>
+                <a:cs typeface="Arial" panose="020B0604020202020204" pitchFamily="34" charset="0"/>
+              </a:rPr>
+              <a:t>Veracity</a:t>
+            </a:r>
+          </a:p>
+          <a:p>
+            <a:pPr marL="342900" indent="-342900" algn="just">
+              <a:lnSpc>
+                <a:spcPct val="150000"/>
+              </a:lnSpc>
+              <a:buFont typeface="Arial" panose="020B0604020202020204" pitchFamily="34" charset="0"/>
+              <a:buChar char="•"/>
+            </a:pPr>
+            <a:r>
+              <a:rPr lang="en-US" sz="2000" b="1" i="0" dirty="0">
+                <a:effectLst/>
+                <a:latin typeface="Arial" panose="020B0604020202020204" pitchFamily="34" charset="0"/>
+                <a:cs typeface="Arial" panose="020B0604020202020204" pitchFamily="34" charset="0"/>
+              </a:rPr>
+              <a:t>Variety</a:t>
+            </a:r>
+          </a:p>
+          <a:p>
+            <a:pPr marL="342900" indent="-342900" algn="just">
+              <a:lnSpc>
+                <a:spcPct val="150000"/>
+              </a:lnSpc>
+              <a:buFont typeface="Arial" panose="020B0604020202020204" pitchFamily="34" charset="0"/>
+              <a:buChar char="•"/>
+            </a:pPr>
+            <a:r>
+              <a:rPr lang="en-US" sz="2000" b="1" i="0" dirty="0">
+                <a:effectLst/>
+                <a:latin typeface="Arial" panose="020B0604020202020204" pitchFamily="34" charset="0"/>
+                <a:cs typeface="Arial" panose="020B0604020202020204" pitchFamily="34" charset="0"/>
+              </a:rPr>
+              <a:t>Value</a:t>
+            </a:r>
+          </a:p>
+          <a:p>
+            <a:pPr marL="342900" indent="-342900" algn="just">
+              <a:lnSpc>
+                <a:spcPct val="150000"/>
+              </a:lnSpc>
+              <a:buFont typeface="Arial" panose="020B0604020202020204" pitchFamily="34" charset="0"/>
+              <a:buChar char="•"/>
+            </a:pPr>
+            <a:r>
+              <a:rPr lang="en-US" sz="2000" b="1" i="0" dirty="0">
+                <a:effectLst/>
+                <a:latin typeface="Arial" panose="020B0604020202020204" pitchFamily="34" charset="0"/>
+                <a:cs typeface="Arial" panose="020B0604020202020204" pitchFamily="34" charset="0"/>
+              </a:rPr>
+              <a:t>Velocity</a:t>
             </a:r>
           </a:p>
         </p:txBody>
@@ -8438,7 +8361,7 @@
     </p:spTree>
     <p:extLst>
       <p:ext uri="{BB962C8B-B14F-4D97-AF65-F5344CB8AC3E}">
-        <p14:creationId xmlns:p14="http://schemas.microsoft.com/office/powerpoint/2010/main" val="2413428036"/>
+        <p14:creationId xmlns:p14="http://schemas.microsoft.com/office/powerpoint/2010/main" val="3232024903"/>
       </p:ext>
     </p:extLst>
   </p:cSld>
@@ -8502,7 +8425,7 @@
                 <a:latin typeface="Arial" pitchFamily="34" charset="0"/>
                 <a:cs typeface="Arial" pitchFamily="34" charset="0"/>
               </a:rPr>
-              <a:t>Variety </a:t>
+              <a:t>Volume</a:t>
             </a:r>
             <a:endParaRPr lang="en-IN" sz="3200" i="1" dirty="0">
               <a:solidFill>
@@ -8514,40 +8437,343 @@
           </a:p>
         </p:txBody>
       </p:sp>
+      <p:sp>
+        <p:nvSpPr>
+          <p:cNvPr id="3" name="TextBox 2">
+            <a:extLst>
+              <a:ext uri="{FF2B5EF4-FFF2-40B4-BE49-F238E27FC236}">
+                <a16:creationId xmlns:a16="http://schemas.microsoft.com/office/drawing/2014/main" id="{0BD80FA2-0692-8C0A-410E-6B42560A0A5E}"/>
+              </a:ext>
+            </a:extLst>
+          </p:cNvPr>
+          <p:cNvSpPr txBox="1"/>
+          <p:nvPr/>
+        </p:nvSpPr>
+        <p:spPr>
+          <a:xfrm>
+            <a:off x="263352" y="2366878"/>
+            <a:ext cx="11521280" cy="2862322"/>
+          </a:xfrm>
+          <a:prstGeom prst="rect">
+            <a:avLst/>
+          </a:prstGeom>
+          <a:noFill/>
+        </p:spPr>
+        <p:txBody>
+          <a:bodyPr wrap="square">
+            <a:spAutoFit/>
+          </a:bodyPr>
+          <a:lstStyle/>
+          <a:p>
+            <a:pPr marL="342900" indent="-342900" algn="just">
+              <a:buFont typeface="Arial" panose="020B0604020202020204" pitchFamily="34" charset="0"/>
+              <a:buChar char="•"/>
+            </a:pPr>
+            <a:r>
+              <a:rPr lang="en-US" sz="2000" b="0" i="0" dirty="0">
+                <a:solidFill>
+                  <a:srgbClr val="333333"/>
+                </a:solidFill>
+                <a:effectLst/>
+                <a:latin typeface="Arial" panose="020B0604020202020204" pitchFamily="34" charset="0"/>
+                <a:cs typeface="Arial" panose="020B0604020202020204" pitchFamily="34" charset="0"/>
+              </a:rPr>
+              <a:t>Big Data is a vast 'volumes' of data generated from many sources daily, such as </a:t>
+            </a:r>
+            <a:r>
+              <a:rPr lang="en-US" sz="2000" b="1" i="0" dirty="0">
+                <a:solidFill>
+                  <a:srgbClr val="333333"/>
+                </a:solidFill>
+                <a:effectLst/>
+                <a:latin typeface="Arial" panose="020B0604020202020204" pitchFamily="34" charset="0"/>
+                <a:cs typeface="Arial" panose="020B0604020202020204" pitchFamily="34" charset="0"/>
+              </a:rPr>
+              <a:t>business processes, machines, social media platforms, networks, human interactions,</a:t>
+            </a:r>
+            <a:r>
+              <a:rPr lang="en-US" sz="2000" b="0" i="0" dirty="0">
+                <a:solidFill>
+                  <a:srgbClr val="333333"/>
+                </a:solidFill>
+                <a:effectLst/>
+                <a:latin typeface="Arial" panose="020B0604020202020204" pitchFamily="34" charset="0"/>
+                <a:cs typeface="Arial" panose="020B0604020202020204" pitchFamily="34" charset="0"/>
+              </a:rPr>
+              <a:t> and many more.</a:t>
+            </a:r>
+          </a:p>
+          <a:p>
+            <a:pPr marL="342900" indent="-342900" algn="just">
+              <a:buFont typeface="Arial" panose="020B0604020202020204" pitchFamily="34" charset="0"/>
+              <a:buChar char="•"/>
+            </a:pPr>
+            <a:endParaRPr lang="en-US" sz="2000" b="0" i="0" dirty="0">
+              <a:solidFill>
+                <a:srgbClr val="333333"/>
+              </a:solidFill>
+              <a:effectLst/>
+              <a:latin typeface="Arial" panose="020B0604020202020204" pitchFamily="34" charset="0"/>
+              <a:cs typeface="Arial" panose="020B0604020202020204" pitchFamily="34" charset="0"/>
+            </a:endParaRPr>
+          </a:p>
+          <a:p>
+            <a:pPr marL="342900" indent="-342900" algn="just">
+              <a:buFont typeface="Arial" panose="020B0604020202020204" pitchFamily="34" charset="0"/>
+              <a:buChar char="•"/>
+            </a:pPr>
+            <a:r>
+              <a:rPr lang="en-US" sz="2000" b="1" i="0" dirty="0">
+                <a:solidFill>
+                  <a:srgbClr val="333333"/>
+                </a:solidFill>
+                <a:effectLst/>
+                <a:latin typeface="Arial" panose="020B0604020202020204" pitchFamily="34" charset="0"/>
+                <a:cs typeface="Arial" panose="020B0604020202020204" pitchFamily="34" charset="0"/>
+              </a:rPr>
+              <a:t>Facebook</a:t>
+            </a:r>
+            <a:r>
+              <a:rPr lang="en-US" sz="2000" b="0" i="0" dirty="0">
+                <a:solidFill>
+                  <a:srgbClr val="333333"/>
+                </a:solidFill>
+                <a:effectLst/>
+                <a:latin typeface="Arial" panose="020B0604020202020204" pitchFamily="34" charset="0"/>
+                <a:cs typeface="Arial" panose="020B0604020202020204" pitchFamily="34" charset="0"/>
+              </a:rPr>
+              <a:t> can generate approximately a </a:t>
+            </a:r>
+            <a:r>
+              <a:rPr lang="en-US" sz="2000" b="1" i="0" dirty="0">
+                <a:solidFill>
+                  <a:srgbClr val="333333"/>
+                </a:solidFill>
+                <a:effectLst/>
+                <a:latin typeface="Arial" panose="020B0604020202020204" pitchFamily="34" charset="0"/>
+                <a:cs typeface="Arial" panose="020B0604020202020204" pitchFamily="34" charset="0"/>
+              </a:rPr>
+              <a:t>billion</a:t>
+            </a:r>
+            <a:r>
+              <a:rPr lang="en-US" sz="2000" b="0" i="0" dirty="0">
+                <a:solidFill>
+                  <a:srgbClr val="333333"/>
+                </a:solidFill>
+                <a:effectLst/>
+                <a:latin typeface="Arial" panose="020B0604020202020204" pitchFamily="34" charset="0"/>
+                <a:cs typeface="Arial" panose="020B0604020202020204" pitchFamily="34" charset="0"/>
+              </a:rPr>
+              <a:t> messages, </a:t>
+            </a:r>
+          </a:p>
+          <a:p>
+            <a:pPr marL="342900" indent="-342900" algn="just">
+              <a:buFont typeface="Arial" panose="020B0604020202020204" pitchFamily="34" charset="0"/>
+              <a:buChar char="•"/>
+            </a:pPr>
+            <a:endParaRPr lang="en-US" sz="2000" dirty="0">
+              <a:solidFill>
+                <a:srgbClr val="333333"/>
+              </a:solidFill>
+              <a:latin typeface="Arial" panose="020B0604020202020204" pitchFamily="34" charset="0"/>
+              <a:cs typeface="Arial" panose="020B0604020202020204" pitchFamily="34" charset="0"/>
+            </a:endParaRPr>
+          </a:p>
+          <a:p>
+            <a:pPr marL="342900" indent="-342900" algn="just">
+              <a:buFont typeface="Arial" panose="020B0604020202020204" pitchFamily="34" charset="0"/>
+              <a:buChar char="•"/>
+            </a:pPr>
+            <a:r>
+              <a:rPr lang="en-US" sz="2000" b="1" i="0" dirty="0">
+                <a:solidFill>
+                  <a:srgbClr val="333333"/>
+                </a:solidFill>
+                <a:effectLst/>
+                <a:latin typeface="Arial" panose="020B0604020202020204" pitchFamily="34" charset="0"/>
+                <a:cs typeface="Arial" panose="020B0604020202020204" pitchFamily="34" charset="0"/>
+              </a:rPr>
+              <a:t>Billion</a:t>
+            </a:r>
+            <a:r>
+              <a:rPr lang="en-US" sz="2000" b="0" i="0" dirty="0">
+                <a:solidFill>
+                  <a:srgbClr val="333333"/>
+                </a:solidFill>
+                <a:effectLst/>
+                <a:latin typeface="Arial" panose="020B0604020202020204" pitchFamily="34" charset="0"/>
+                <a:cs typeface="Arial" panose="020B0604020202020204" pitchFamily="34" charset="0"/>
+              </a:rPr>
+              <a:t> of times, the "</a:t>
+            </a:r>
+            <a:r>
+              <a:rPr lang="en-US" sz="2000" b="1" i="0" dirty="0">
+                <a:solidFill>
+                  <a:srgbClr val="333333"/>
+                </a:solidFill>
+                <a:effectLst/>
+                <a:latin typeface="Arial" panose="020B0604020202020204" pitchFamily="34" charset="0"/>
+                <a:cs typeface="Arial" panose="020B0604020202020204" pitchFamily="34" charset="0"/>
+              </a:rPr>
+              <a:t>Like</a:t>
+            </a:r>
+            <a:r>
+              <a:rPr lang="en-US" sz="2000" b="0" i="0" dirty="0">
+                <a:solidFill>
+                  <a:srgbClr val="333333"/>
+                </a:solidFill>
+                <a:effectLst/>
+                <a:latin typeface="Arial" panose="020B0604020202020204" pitchFamily="34" charset="0"/>
+                <a:cs typeface="Arial" panose="020B0604020202020204" pitchFamily="34" charset="0"/>
+              </a:rPr>
+              <a:t>" button is recorded, </a:t>
+            </a:r>
+          </a:p>
+          <a:p>
+            <a:pPr marL="342900" indent="-342900" algn="just">
+              <a:buFont typeface="Arial" panose="020B0604020202020204" pitchFamily="34" charset="0"/>
+              <a:buChar char="•"/>
+            </a:pPr>
+            <a:endParaRPr lang="en-US" sz="2000" dirty="0">
+              <a:solidFill>
+                <a:srgbClr val="333333"/>
+              </a:solidFill>
+              <a:latin typeface="Arial" panose="020B0604020202020204" pitchFamily="34" charset="0"/>
+              <a:cs typeface="Arial" panose="020B0604020202020204" pitchFamily="34" charset="0"/>
+            </a:endParaRPr>
+          </a:p>
+          <a:p>
+            <a:pPr marL="342900" indent="-342900" algn="just">
+              <a:buFont typeface="Arial" panose="020B0604020202020204" pitchFamily="34" charset="0"/>
+              <a:buChar char="•"/>
+            </a:pPr>
+            <a:r>
+              <a:rPr lang="en-US" sz="2000" b="0" i="0" dirty="0">
+                <a:solidFill>
+                  <a:srgbClr val="333333"/>
+                </a:solidFill>
+                <a:effectLst/>
+                <a:latin typeface="Arial" panose="020B0604020202020204" pitchFamily="34" charset="0"/>
+                <a:cs typeface="Arial" panose="020B0604020202020204" pitchFamily="34" charset="0"/>
+              </a:rPr>
+              <a:t>and </a:t>
+            </a:r>
+            <a:r>
+              <a:rPr lang="en-US" sz="2000" b="1" i="0" dirty="0">
+                <a:solidFill>
+                  <a:srgbClr val="333333"/>
+                </a:solidFill>
+                <a:effectLst/>
+                <a:latin typeface="Arial" panose="020B0604020202020204" pitchFamily="34" charset="0"/>
+                <a:cs typeface="Arial" panose="020B0604020202020204" pitchFamily="34" charset="0"/>
+              </a:rPr>
+              <a:t>millions</a:t>
+            </a:r>
+            <a:r>
+              <a:rPr lang="en-US" sz="2000" b="0" i="0" dirty="0">
+                <a:solidFill>
+                  <a:srgbClr val="333333"/>
+                </a:solidFill>
+                <a:effectLst/>
+                <a:latin typeface="Arial" panose="020B0604020202020204" pitchFamily="34" charset="0"/>
+                <a:cs typeface="Arial" panose="020B0604020202020204" pitchFamily="34" charset="0"/>
+              </a:rPr>
+              <a:t> of new posts are uploaded each day. </a:t>
+            </a:r>
+          </a:p>
+        </p:txBody>
+      </p:sp>
+      <p:sp>
+        <p:nvSpPr>
+          <p:cNvPr id="5" name="TextBox 4">
+            <a:extLst>
+              <a:ext uri="{FF2B5EF4-FFF2-40B4-BE49-F238E27FC236}">
+                <a16:creationId xmlns:a16="http://schemas.microsoft.com/office/drawing/2014/main" id="{4BBE33AB-BF80-A13E-D5B7-119EB9740A68}"/>
+              </a:ext>
+            </a:extLst>
+          </p:cNvPr>
+          <p:cNvSpPr txBox="1"/>
+          <p:nvPr/>
+        </p:nvSpPr>
+        <p:spPr>
+          <a:xfrm>
+            <a:off x="551384" y="1008355"/>
+            <a:ext cx="11233248" cy="830997"/>
+          </a:xfrm>
+          <a:prstGeom prst="rect">
+            <a:avLst/>
+          </a:prstGeom>
+          <a:noFill/>
+        </p:spPr>
+        <p:txBody>
+          <a:bodyPr wrap="square">
+            <a:spAutoFit/>
+          </a:bodyPr>
+          <a:lstStyle/>
+          <a:p>
+            <a:pPr algn="just"/>
+            <a:r>
+              <a:rPr lang="en-US" sz="2400" b="0" i="0" dirty="0">
+                <a:solidFill>
+                  <a:srgbClr val="C00000"/>
+                </a:solidFill>
+                <a:effectLst/>
+                <a:latin typeface="Arial" panose="020B0604020202020204" pitchFamily="34" charset="0"/>
+                <a:cs typeface="Arial" panose="020B0604020202020204" pitchFamily="34" charset="0"/>
+              </a:rPr>
+              <a:t>The name Big Data itself is related to an enormous size of data. </a:t>
+            </a:r>
+            <a:r>
+              <a:rPr lang="en-US" sz="2400" b="0" i="0" dirty="0">
+                <a:solidFill>
+                  <a:srgbClr val="333333"/>
+                </a:solidFill>
+                <a:effectLst/>
+                <a:latin typeface="Arial" panose="020B0604020202020204" pitchFamily="34" charset="0"/>
+                <a:cs typeface="Arial" panose="020B0604020202020204" pitchFamily="34" charset="0"/>
+              </a:rPr>
+              <a:t>Big data technologies can handle large amounts of data.</a:t>
+            </a:r>
+          </a:p>
+        </p:txBody>
+      </p:sp>
       <p:pic>
         <p:nvPicPr>
-          <p:cNvPr id="8" name="Picture 7">
+          <p:cNvPr id="2" name="Picture 2" descr="Big Data Volume Growth - Big Data Tutorial - Edureka">
             <a:extLst>
               <a:ext uri="{FF2B5EF4-FFF2-40B4-BE49-F238E27FC236}">
-                <a16:creationId xmlns:a16="http://schemas.microsoft.com/office/drawing/2014/main" id="{AF1A7F1D-E2F5-31E0-8529-E05791A42820}"/>
+                <a16:creationId xmlns:a16="http://schemas.microsoft.com/office/drawing/2014/main" id="{5A774089-67ED-8738-2FF5-785289EB2AC4}"/>
               </a:ext>
             </a:extLst>
           </p:cNvPr>
           <p:cNvPicPr>
-            <a:picLocks noChangeAspect="1"/>
+            <a:picLocks noChangeAspect="1" noChangeArrowheads="1"/>
           </p:cNvPicPr>
           <p:nvPr/>
         </p:nvPicPr>
         <p:blipFill>
           <a:blip r:embed="rId2"/>
+          <a:srcRect/>
           <a:stretch>
             <a:fillRect/>
           </a:stretch>
         </p:blipFill>
-        <p:spPr>
+        <p:spPr bwMode="auto">
           <a:xfrm>
-            <a:off x="1127448" y="908720"/>
-            <a:ext cx="9716326" cy="5296133"/>
+            <a:off x="8382016" y="3535026"/>
+            <a:ext cx="3258600" cy="3299418"/>
           </a:xfrm>
           <a:prstGeom prst="rect">
             <a:avLst/>
           </a:prstGeom>
+          <a:noFill/>
         </p:spPr>
       </p:pic>
     </p:spTree>
     <p:extLst>
       <p:ext uri="{BB962C8B-B14F-4D97-AF65-F5344CB8AC3E}">
-        <p14:creationId xmlns:p14="http://schemas.microsoft.com/office/powerpoint/2010/main" val="157082165"/>
+        <p14:creationId xmlns:p14="http://schemas.microsoft.com/office/powerpoint/2010/main" val="255849756"/>
       </p:ext>
     </p:extLst>
   </p:cSld>
@@ -8576,270 +8802,10 @@
       </p:grpSpPr>
       <p:sp>
         <p:nvSpPr>
-          <p:cNvPr id="2" name="AutoShape 4" descr="Big Data">
+          <p:cNvPr id="4" name="Rectangle 3">
             <a:extLst>
               <a:ext uri="{FF2B5EF4-FFF2-40B4-BE49-F238E27FC236}">
-                <a16:creationId xmlns:a16="http://schemas.microsoft.com/office/drawing/2014/main" id="{18AD7EE6-ABDB-4214-8FAF-9A686CBFFA71}"/>
-              </a:ext>
-            </a:extLst>
-          </p:cNvPr>
-          <p:cNvSpPr>
-            <a:spLocks noChangeAspect="1" noChangeArrowheads="1"/>
-          </p:cNvSpPr>
-          <p:nvPr/>
-        </p:nvSpPr>
-        <p:spPr bwMode="auto">
-          <a:xfrm>
-            <a:off x="5942807" y="3276600"/>
-            <a:ext cx="304800" cy="304800"/>
-          </a:xfrm>
-          <a:prstGeom prst="rect">
-            <a:avLst/>
-          </a:prstGeom>
-          <a:noFill/>
-          <a:extLst>
-            <a:ext uri="{909E8E84-426E-40DD-AFC4-6F175D3DCCD1}">
-              <a14:hiddenFill xmlns:a14="http://schemas.microsoft.com/office/drawing/2010/main">
-                <a:solidFill>
-                  <a:srgbClr val="FFFFFF"/>
-                </a:solidFill>
-              </a14:hiddenFill>
-            </a:ext>
-          </a:extLst>
-        </p:spPr>
-        <p:txBody>
-          <a:bodyPr vert="horz" wrap="square" lIns="91440" tIns="45720" rIns="91440" bIns="45720" numCol="1" anchor="t" anchorCtr="0" compatLnSpc="1">
-            <a:prstTxWarp prst="textNoShape">
-              <a:avLst/>
-            </a:prstTxWarp>
-          </a:bodyPr>
-          <a:lstStyle/>
-          <a:p>
-            <a:endParaRPr lang="en-IN" dirty="0"/>
-          </a:p>
-        </p:txBody>
-      </p:sp>
-      <p:pic>
-        <p:nvPicPr>
-          <p:cNvPr id="5" name="Picture 4">
-            <a:extLst>
-              <a:ext uri="{FF2B5EF4-FFF2-40B4-BE49-F238E27FC236}">
-                <a16:creationId xmlns:a16="http://schemas.microsoft.com/office/drawing/2014/main" id="{B1118E38-D123-47A0-B778-FE2DF4912987}"/>
-              </a:ext>
-            </a:extLst>
-          </p:cNvPr>
-          <p:cNvPicPr>
-            <a:picLocks noChangeAspect="1"/>
-          </p:cNvPicPr>
-          <p:nvPr/>
-        </p:nvPicPr>
-        <p:blipFill>
-          <a:blip r:embed="rId2" cstate="print"/>
-          <a:stretch>
-            <a:fillRect/>
-          </a:stretch>
-        </p:blipFill>
-        <p:spPr>
-          <a:xfrm>
-            <a:off x="4142582" y="1772817"/>
-            <a:ext cx="3600450" cy="3819525"/>
-          </a:xfrm>
-          <a:prstGeom prst="rect">
-            <a:avLst/>
-          </a:prstGeom>
-        </p:spPr>
-      </p:pic>
-      <p:sp>
-        <p:nvSpPr>
-          <p:cNvPr id="7" name="Rectangle 6">
-            <a:extLst>
-              <a:ext uri="{FF2B5EF4-FFF2-40B4-BE49-F238E27FC236}">
-                <a16:creationId xmlns:a16="http://schemas.microsoft.com/office/drawing/2014/main" id="{77AC5AC2-05EF-4768-BB27-462605F875F9}"/>
-              </a:ext>
-            </a:extLst>
-          </p:cNvPr>
-          <p:cNvSpPr/>
-          <p:nvPr/>
-        </p:nvSpPr>
-        <p:spPr>
-          <a:xfrm>
-            <a:off x="4405946" y="914448"/>
-            <a:ext cx="1851789" cy="369332"/>
-          </a:xfrm>
-          <a:prstGeom prst="rect">
-            <a:avLst/>
-          </a:prstGeom>
-        </p:spPr>
-        <p:txBody>
-          <a:bodyPr wrap="none">
-            <a:spAutoFit/>
-          </a:bodyPr>
-          <a:lstStyle/>
-          <a:p>
-            <a:r>
-              <a:rPr lang="en-US" b="1" i="1" dirty="0">
-                <a:solidFill>
-                  <a:schemeClr val="accent1">
-                    <a:lumMod val="75000"/>
-                  </a:schemeClr>
-                </a:solidFill>
-                <a:latin typeface="Palatino Linotype" panose="02040502050505030304" pitchFamily="18" charset="0"/>
-              </a:rPr>
-              <a:t>Semi-Structured</a:t>
-            </a:r>
-          </a:p>
-        </p:txBody>
-      </p:sp>
-      <p:pic>
-        <p:nvPicPr>
-          <p:cNvPr id="8" name="Picture 7">
-            <a:extLst>
-              <a:ext uri="{FF2B5EF4-FFF2-40B4-BE49-F238E27FC236}">
-                <a16:creationId xmlns:a16="http://schemas.microsoft.com/office/drawing/2014/main" id="{B01FBB5B-3941-4D68-B189-D4C24D6EDCD3}"/>
-              </a:ext>
-            </a:extLst>
-          </p:cNvPr>
-          <p:cNvPicPr>
-            <a:picLocks noChangeAspect="1"/>
-          </p:cNvPicPr>
-          <p:nvPr/>
-        </p:nvPicPr>
-        <p:blipFill>
-          <a:blip r:embed="rId3" cstate="print"/>
-          <a:stretch>
-            <a:fillRect/>
-          </a:stretch>
-        </p:blipFill>
-        <p:spPr>
-          <a:xfrm>
-            <a:off x="407369" y="1409700"/>
-            <a:ext cx="2600325" cy="4038600"/>
-          </a:xfrm>
-          <a:prstGeom prst="rect">
-            <a:avLst/>
-          </a:prstGeom>
-        </p:spPr>
-      </p:pic>
-      <p:pic>
-        <p:nvPicPr>
-          <p:cNvPr id="9" name="Picture 8">
-            <a:extLst>
-              <a:ext uri="{FF2B5EF4-FFF2-40B4-BE49-F238E27FC236}">
-                <a16:creationId xmlns:a16="http://schemas.microsoft.com/office/drawing/2014/main" id="{96593B7E-C28E-4DCF-A380-E4747E28E9D0}"/>
-              </a:ext>
-            </a:extLst>
-          </p:cNvPr>
-          <p:cNvPicPr>
-            <a:picLocks noChangeAspect="1"/>
-          </p:cNvPicPr>
-          <p:nvPr/>
-        </p:nvPicPr>
-        <p:blipFill>
-          <a:blip r:embed="rId4" cstate="print"/>
-          <a:stretch>
-            <a:fillRect/>
-          </a:stretch>
-        </p:blipFill>
-        <p:spPr>
-          <a:xfrm>
-            <a:off x="8536609" y="2343150"/>
-            <a:ext cx="3248025" cy="2476500"/>
-          </a:xfrm>
-          <a:prstGeom prst="rect">
-            <a:avLst/>
-          </a:prstGeom>
-        </p:spPr>
-      </p:pic>
-      <p:sp>
-        <p:nvSpPr>
-          <p:cNvPr id="10" name="Rectangle 9">
-            <a:extLst>
-              <a:ext uri="{FF2B5EF4-FFF2-40B4-BE49-F238E27FC236}">
-                <a16:creationId xmlns:a16="http://schemas.microsoft.com/office/drawing/2014/main" id="{4E5EA228-59D1-459B-944D-844973FAB145}"/>
-              </a:ext>
-            </a:extLst>
-          </p:cNvPr>
-          <p:cNvSpPr/>
-          <p:nvPr/>
-        </p:nvSpPr>
-        <p:spPr>
-          <a:xfrm>
-            <a:off x="767408" y="914448"/>
-            <a:ext cx="1261884" cy="369332"/>
-          </a:xfrm>
-          <a:prstGeom prst="rect">
-            <a:avLst/>
-          </a:prstGeom>
-        </p:spPr>
-        <p:txBody>
-          <a:bodyPr wrap="none">
-            <a:spAutoFit/>
-          </a:bodyPr>
-          <a:lstStyle/>
-          <a:p>
-            <a:r>
-              <a:rPr lang="en-US" b="1" i="1" dirty="0">
-                <a:solidFill>
-                  <a:schemeClr val="accent1">
-                    <a:lumMod val="75000"/>
-                  </a:schemeClr>
-                </a:solidFill>
-                <a:latin typeface="Palatino Linotype" panose="02040502050505030304" pitchFamily="18" charset="0"/>
-              </a:rPr>
-              <a:t>Structured</a:t>
-            </a:r>
-            <a:endParaRPr lang="en-IN" dirty="0"/>
-          </a:p>
-        </p:txBody>
-      </p:sp>
-      <p:sp>
-        <p:nvSpPr>
-          <p:cNvPr id="12" name="Rectangle 11">
-            <a:extLst>
-              <a:ext uri="{FF2B5EF4-FFF2-40B4-BE49-F238E27FC236}">
-                <a16:creationId xmlns:a16="http://schemas.microsoft.com/office/drawing/2014/main" id="{4B533DD1-1B5E-451B-836C-C54940E7FA33}"/>
-              </a:ext>
-            </a:extLst>
-          </p:cNvPr>
-          <p:cNvSpPr/>
-          <p:nvPr/>
-        </p:nvSpPr>
-        <p:spPr>
-          <a:xfrm>
-            <a:off x="8976320" y="920135"/>
-            <a:ext cx="1544012" cy="369332"/>
-          </a:xfrm>
-          <a:prstGeom prst="rect">
-            <a:avLst/>
-          </a:prstGeom>
-        </p:spPr>
-        <p:txBody>
-          <a:bodyPr wrap="none">
-            <a:spAutoFit/>
-          </a:bodyPr>
-          <a:lstStyle/>
-          <a:p>
-            <a:r>
-              <a:rPr lang="en-US" b="1" i="1" dirty="0">
-                <a:solidFill>
-                  <a:schemeClr val="accent1">
-                    <a:lumMod val="75000"/>
-                  </a:schemeClr>
-                </a:solidFill>
-                <a:latin typeface="Palatino Linotype" panose="02040502050505030304" pitchFamily="18" charset="0"/>
-              </a:rPr>
-              <a:t>Unstructured</a:t>
-            </a:r>
-            <a:endParaRPr lang="en-IN" dirty="0"/>
-          </a:p>
-        </p:txBody>
-      </p:sp>
-      <p:sp>
-        <p:nvSpPr>
-          <p:cNvPr id="3" name="Rectangle 2">
-            <a:extLst>
-              <a:ext uri="{FF2B5EF4-FFF2-40B4-BE49-F238E27FC236}">
-                <a16:creationId xmlns:a16="http://schemas.microsoft.com/office/drawing/2014/main" id="{A0E59B27-ACC8-FE63-F904-CF7318D5C223}"/>
+                <a16:creationId xmlns:a16="http://schemas.microsoft.com/office/drawing/2014/main" id="{6524962B-7610-4EFD-AA5E-DDE403AB8860}"/>
               </a:ext>
             </a:extLst>
           </p:cNvPr>
@@ -8871,7 +8837,7 @@
                 <a:latin typeface="Arial" pitchFamily="34" charset="0"/>
                 <a:cs typeface="Arial" pitchFamily="34" charset="0"/>
               </a:rPr>
-              <a:t>Variety </a:t>
+              <a:t>Veracity</a:t>
             </a:r>
             <a:endParaRPr lang="en-IN" sz="3200" i="1" dirty="0">
               <a:solidFill>
@@ -8883,10 +8849,149 @@
           </a:p>
         </p:txBody>
       </p:sp>
+      <p:sp>
+        <p:nvSpPr>
+          <p:cNvPr id="3" name="TextBox 2">
+            <a:extLst>
+              <a:ext uri="{FF2B5EF4-FFF2-40B4-BE49-F238E27FC236}">
+                <a16:creationId xmlns:a16="http://schemas.microsoft.com/office/drawing/2014/main" id="{4B5CEDCA-EEE7-04D8-EDEC-C2FA5EFF6CE5}"/>
+              </a:ext>
+            </a:extLst>
+          </p:cNvPr>
+          <p:cNvSpPr txBox="1"/>
+          <p:nvPr/>
+        </p:nvSpPr>
+        <p:spPr>
+          <a:xfrm>
+            <a:off x="191344" y="215444"/>
+            <a:ext cx="4608512" cy="461665"/>
+          </a:xfrm>
+          <a:prstGeom prst="rect">
+            <a:avLst/>
+          </a:prstGeom>
+          <a:noFill/>
+        </p:spPr>
+        <p:txBody>
+          <a:bodyPr wrap="square">
+            <a:spAutoFit/>
+          </a:bodyPr>
+          <a:lstStyle/>
+          <a:p>
+            <a:r>
+              <a:rPr lang="en-IN" sz="2400" b="0" i="0" u="none" strike="noStrike" dirty="0">
+                <a:solidFill>
+                  <a:srgbClr val="202124"/>
+                </a:solidFill>
+                <a:effectLst/>
+                <a:latin typeface="arial" panose="020B0604020202020204" pitchFamily="34" charset="0"/>
+              </a:rPr>
+              <a:t>Conformity</a:t>
+            </a:r>
+            <a:r>
+              <a:rPr lang="en-IN" sz="2400" b="0" i="0" dirty="0">
+                <a:solidFill>
+                  <a:srgbClr val="202124"/>
+                </a:solidFill>
+                <a:effectLst/>
+                <a:latin typeface="arial" panose="020B0604020202020204" pitchFamily="34" charset="0"/>
+              </a:rPr>
+              <a:t> to facts; accuracy.</a:t>
+            </a:r>
+            <a:endParaRPr lang="en-IN" sz="2400" dirty="0"/>
+          </a:p>
+        </p:txBody>
+      </p:sp>
+      <p:sp>
+        <p:nvSpPr>
+          <p:cNvPr id="5" name="TextBox 4">
+            <a:extLst>
+              <a:ext uri="{FF2B5EF4-FFF2-40B4-BE49-F238E27FC236}">
+                <a16:creationId xmlns:a16="http://schemas.microsoft.com/office/drawing/2014/main" id="{60A76E6C-5DA9-1FE0-BCA5-8C766DE8FD05}"/>
+              </a:ext>
+            </a:extLst>
+          </p:cNvPr>
+          <p:cNvSpPr txBox="1"/>
+          <p:nvPr/>
+        </p:nvSpPr>
+        <p:spPr>
+          <a:xfrm>
+            <a:off x="407368" y="1008355"/>
+            <a:ext cx="11377264" cy="1938992"/>
+          </a:xfrm>
+          <a:prstGeom prst="rect">
+            <a:avLst/>
+          </a:prstGeom>
+          <a:noFill/>
+        </p:spPr>
+        <p:txBody>
+          <a:bodyPr wrap="square">
+            <a:spAutoFit/>
+          </a:bodyPr>
+          <a:lstStyle/>
+          <a:p>
+            <a:pPr marL="342900" indent="-342900" algn="just">
+              <a:buFont typeface="Arial" panose="020B0604020202020204" pitchFamily="34" charset="0"/>
+              <a:buChar char="•"/>
+            </a:pPr>
+            <a:r>
+              <a:rPr lang="en-US" sz="2400" b="0" i="0" dirty="0">
+                <a:effectLst/>
+                <a:latin typeface="Arial" panose="020B0604020202020204" pitchFamily="34" charset="0"/>
+                <a:cs typeface="Arial" panose="020B0604020202020204" pitchFamily="34" charset="0"/>
+              </a:rPr>
+              <a:t>Veracity means how much the data is reliable and accurate. </a:t>
+            </a:r>
+          </a:p>
+          <a:p>
+            <a:pPr algn="just"/>
+            <a:endParaRPr lang="en-US" sz="2400" b="0" i="0" dirty="0">
+              <a:effectLst/>
+              <a:latin typeface="Arial" panose="020B0604020202020204" pitchFamily="34" charset="0"/>
+              <a:cs typeface="Arial" panose="020B0604020202020204" pitchFamily="34" charset="0"/>
+            </a:endParaRPr>
+          </a:p>
+          <a:p>
+            <a:pPr marL="342900" indent="-342900" algn="just">
+              <a:buFont typeface="Arial" panose="020B0604020202020204" pitchFamily="34" charset="0"/>
+              <a:buChar char="•"/>
+            </a:pPr>
+            <a:r>
+              <a:rPr lang="en-US" sz="2400" b="0" i="0" dirty="0">
+                <a:effectLst/>
+                <a:latin typeface="Arial" panose="020B0604020202020204" pitchFamily="34" charset="0"/>
+                <a:cs typeface="Arial" panose="020B0604020202020204" pitchFamily="34" charset="0"/>
+              </a:rPr>
+              <a:t>It has many ways to filter the data.</a:t>
+            </a:r>
+          </a:p>
+          <a:p>
+            <a:pPr algn="just"/>
+            <a:endParaRPr lang="en-US" sz="2400" b="0" i="0" dirty="0">
+              <a:effectLst/>
+              <a:latin typeface="Arial" panose="020B0604020202020204" pitchFamily="34" charset="0"/>
+              <a:cs typeface="Arial" panose="020B0604020202020204" pitchFamily="34" charset="0"/>
+            </a:endParaRPr>
+          </a:p>
+          <a:p>
+            <a:pPr marL="342900" indent="-342900" algn="just">
+              <a:buFont typeface="Arial" panose="020B0604020202020204" pitchFamily="34" charset="0"/>
+              <a:buChar char="•"/>
+            </a:pPr>
+            <a:r>
+              <a:rPr lang="en-US" sz="2400" b="0" i="0" dirty="0">
+                <a:effectLst/>
+                <a:latin typeface="Arial" panose="020B0604020202020204" pitchFamily="34" charset="0"/>
+                <a:cs typeface="Arial" panose="020B0604020202020204" pitchFamily="34" charset="0"/>
+              </a:rPr>
+              <a:t> Veracity is the process to handle and manage data efficiently.</a:t>
+            </a:r>
+          </a:p>
+        </p:txBody>
+      </p:sp>
     </p:spTree>
     <p:extLst>
       <p:ext uri="{BB962C8B-B14F-4D97-AF65-F5344CB8AC3E}">
-        <p14:creationId xmlns:p14="http://schemas.microsoft.com/office/powerpoint/2010/main" val="1921061291"/>
+        <p14:creationId xmlns:p14="http://schemas.microsoft.com/office/powerpoint/2010/main" val="2413428036"/>
       </p:ext>
     </p:extLst>
   </p:cSld>
@@ -9396,6 +9501,454 @@
       </p:grpSpPr>
       <p:sp>
         <p:nvSpPr>
+          <p:cNvPr id="4" name="Rectangle 3">
+            <a:extLst>
+              <a:ext uri="{FF2B5EF4-FFF2-40B4-BE49-F238E27FC236}">
+                <a16:creationId xmlns:a16="http://schemas.microsoft.com/office/drawing/2014/main" id="{6524962B-7610-4EFD-AA5E-DDE403AB8860}"/>
+              </a:ext>
+            </a:extLst>
+          </p:cNvPr>
+          <p:cNvSpPr/>
+          <p:nvPr/>
+        </p:nvSpPr>
+        <p:spPr>
+          <a:xfrm>
+            <a:off x="1524000" y="1"/>
+            <a:ext cx="9144000" cy="584775"/>
+          </a:xfrm>
+          <a:prstGeom prst="rect">
+            <a:avLst/>
+          </a:prstGeom>
+          <a:noFill/>
+        </p:spPr>
+        <p:txBody>
+          <a:bodyPr wrap="square">
+            <a:spAutoFit/>
+          </a:bodyPr>
+          <a:lstStyle/>
+          <a:p>
+            <a:pPr algn="r"/>
+            <a:r>
+              <a:rPr lang="en-US" sz="3200" i="1" dirty="0">
+                <a:solidFill>
+                  <a:srgbClr val="FF9900"/>
+                </a:solidFill>
+                <a:latin typeface="Arial" pitchFamily="34" charset="0"/>
+                <a:cs typeface="Arial" pitchFamily="34" charset="0"/>
+              </a:rPr>
+              <a:t>Variety </a:t>
+            </a:r>
+            <a:endParaRPr lang="en-IN" sz="3200" i="1" dirty="0">
+              <a:solidFill>
+                <a:srgbClr val="FF9900"/>
+              </a:solidFill>
+              <a:latin typeface="Arial" pitchFamily="34" charset="0"/>
+              <a:cs typeface="Arial" pitchFamily="34" charset="0"/>
+            </a:endParaRPr>
+          </a:p>
+        </p:txBody>
+      </p:sp>
+      <p:pic>
+        <p:nvPicPr>
+          <p:cNvPr id="8" name="Picture 7">
+            <a:extLst>
+              <a:ext uri="{FF2B5EF4-FFF2-40B4-BE49-F238E27FC236}">
+                <a16:creationId xmlns:a16="http://schemas.microsoft.com/office/drawing/2014/main" id="{AF1A7F1D-E2F5-31E0-8529-E05791A42820}"/>
+              </a:ext>
+            </a:extLst>
+          </p:cNvPr>
+          <p:cNvPicPr>
+            <a:picLocks noChangeAspect="1"/>
+          </p:cNvPicPr>
+          <p:nvPr/>
+        </p:nvPicPr>
+        <p:blipFill>
+          <a:blip r:embed="rId2"/>
+          <a:stretch>
+            <a:fillRect/>
+          </a:stretch>
+        </p:blipFill>
+        <p:spPr>
+          <a:xfrm>
+            <a:off x="1127448" y="908720"/>
+            <a:ext cx="9716326" cy="5296133"/>
+          </a:xfrm>
+          <a:prstGeom prst="rect">
+            <a:avLst/>
+          </a:prstGeom>
+        </p:spPr>
+      </p:pic>
+    </p:spTree>
+    <p:extLst>
+      <p:ext uri="{BB962C8B-B14F-4D97-AF65-F5344CB8AC3E}">
+        <p14:creationId xmlns:p14="http://schemas.microsoft.com/office/powerpoint/2010/main" val="157082165"/>
+      </p:ext>
+    </p:extLst>
+  </p:cSld>
+  <p:clrMapOvr>
+    <a:masterClrMapping/>
+  </p:clrMapOvr>
+</p:sld>
+</file>
+
+<file path=ppt/slides/slide31.xml><?xml version="1.0" encoding="utf-8"?>
+<p:sld xmlns:a="http://schemas.openxmlformats.org/drawingml/2006/main" xmlns:r="http://schemas.openxmlformats.org/officeDocument/2006/relationships" xmlns:p="http://schemas.openxmlformats.org/presentationml/2006/main">
+  <p:cSld>
+    <p:spTree>
+      <p:nvGrpSpPr>
+        <p:cNvPr id="1" name=""/>
+        <p:cNvGrpSpPr/>
+        <p:nvPr/>
+      </p:nvGrpSpPr>
+      <p:grpSpPr>
+        <a:xfrm>
+          <a:off x="0" y="0"/>
+          <a:ext cx="0" cy="0"/>
+          <a:chOff x="0" y="0"/>
+          <a:chExt cx="0" cy="0"/>
+        </a:xfrm>
+      </p:grpSpPr>
+      <p:sp>
+        <p:nvSpPr>
+          <p:cNvPr id="2" name="AutoShape 4" descr="Big Data">
+            <a:extLst>
+              <a:ext uri="{FF2B5EF4-FFF2-40B4-BE49-F238E27FC236}">
+                <a16:creationId xmlns:a16="http://schemas.microsoft.com/office/drawing/2014/main" id="{18AD7EE6-ABDB-4214-8FAF-9A686CBFFA71}"/>
+              </a:ext>
+            </a:extLst>
+          </p:cNvPr>
+          <p:cNvSpPr>
+            <a:spLocks noChangeAspect="1" noChangeArrowheads="1"/>
+          </p:cNvSpPr>
+          <p:nvPr/>
+        </p:nvSpPr>
+        <p:spPr bwMode="auto">
+          <a:xfrm>
+            <a:off x="5942807" y="3276600"/>
+            <a:ext cx="304800" cy="304800"/>
+          </a:xfrm>
+          <a:prstGeom prst="rect">
+            <a:avLst/>
+          </a:prstGeom>
+          <a:noFill/>
+          <a:extLst>
+            <a:ext uri="{909E8E84-426E-40DD-AFC4-6F175D3DCCD1}">
+              <a14:hiddenFill xmlns:a14="http://schemas.microsoft.com/office/drawing/2010/main">
+                <a:solidFill>
+                  <a:srgbClr val="FFFFFF"/>
+                </a:solidFill>
+              </a14:hiddenFill>
+            </a:ext>
+          </a:extLst>
+        </p:spPr>
+        <p:txBody>
+          <a:bodyPr vert="horz" wrap="square" lIns="91440" tIns="45720" rIns="91440" bIns="45720" numCol="1" anchor="t" anchorCtr="0" compatLnSpc="1">
+            <a:prstTxWarp prst="textNoShape">
+              <a:avLst/>
+            </a:prstTxWarp>
+          </a:bodyPr>
+          <a:lstStyle/>
+          <a:p>
+            <a:endParaRPr lang="en-IN" dirty="0"/>
+          </a:p>
+        </p:txBody>
+      </p:sp>
+      <p:pic>
+        <p:nvPicPr>
+          <p:cNvPr id="5" name="Picture 4">
+            <a:extLst>
+              <a:ext uri="{FF2B5EF4-FFF2-40B4-BE49-F238E27FC236}">
+                <a16:creationId xmlns:a16="http://schemas.microsoft.com/office/drawing/2014/main" id="{B1118E38-D123-47A0-B778-FE2DF4912987}"/>
+              </a:ext>
+            </a:extLst>
+          </p:cNvPr>
+          <p:cNvPicPr>
+            <a:picLocks noChangeAspect="1"/>
+          </p:cNvPicPr>
+          <p:nvPr/>
+        </p:nvPicPr>
+        <p:blipFill>
+          <a:blip r:embed="rId2" cstate="print"/>
+          <a:stretch>
+            <a:fillRect/>
+          </a:stretch>
+        </p:blipFill>
+        <p:spPr>
+          <a:xfrm>
+            <a:off x="4142582" y="1772817"/>
+            <a:ext cx="3600450" cy="3819525"/>
+          </a:xfrm>
+          <a:prstGeom prst="rect">
+            <a:avLst/>
+          </a:prstGeom>
+        </p:spPr>
+      </p:pic>
+      <p:sp>
+        <p:nvSpPr>
+          <p:cNvPr id="7" name="Rectangle 6">
+            <a:extLst>
+              <a:ext uri="{FF2B5EF4-FFF2-40B4-BE49-F238E27FC236}">
+                <a16:creationId xmlns:a16="http://schemas.microsoft.com/office/drawing/2014/main" id="{77AC5AC2-05EF-4768-BB27-462605F875F9}"/>
+              </a:ext>
+            </a:extLst>
+          </p:cNvPr>
+          <p:cNvSpPr/>
+          <p:nvPr/>
+        </p:nvSpPr>
+        <p:spPr>
+          <a:xfrm>
+            <a:off x="4405946" y="914448"/>
+            <a:ext cx="1851789" cy="369332"/>
+          </a:xfrm>
+          <a:prstGeom prst="rect">
+            <a:avLst/>
+          </a:prstGeom>
+        </p:spPr>
+        <p:txBody>
+          <a:bodyPr wrap="none">
+            <a:spAutoFit/>
+          </a:bodyPr>
+          <a:lstStyle/>
+          <a:p>
+            <a:r>
+              <a:rPr lang="en-US" b="1" i="1" dirty="0">
+                <a:solidFill>
+                  <a:schemeClr val="accent1">
+                    <a:lumMod val="75000"/>
+                  </a:schemeClr>
+                </a:solidFill>
+                <a:latin typeface="Palatino Linotype" panose="02040502050505030304" pitchFamily="18" charset="0"/>
+              </a:rPr>
+              <a:t>Semi-Structured</a:t>
+            </a:r>
+          </a:p>
+        </p:txBody>
+      </p:sp>
+      <p:pic>
+        <p:nvPicPr>
+          <p:cNvPr id="8" name="Picture 7">
+            <a:extLst>
+              <a:ext uri="{FF2B5EF4-FFF2-40B4-BE49-F238E27FC236}">
+                <a16:creationId xmlns:a16="http://schemas.microsoft.com/office/drawing/2014/main" id="{B01FBB5B-3941-4D68-B189-D4C24D6EDCD3}"/>
+              </a:ext>
+            </a:extLst>
+          </p:cNvPr>
+          <p:cNvPicPr>
+            <a:picLocks noChangeAspect="1"/>
+          </p:cNvPicPr>
+          <p:nvPr/>
+        </p:nvPicPr>
+        <p:blipFill>
+          <a:blip r:embed="rId3" cstate="print"/>
+          <a:stretch>
+            <a:fillRect/>
+          </a:stretch>
+        </p:blipFill>
+        <p:spPr>
+          <a:xfrm>
+            <a:off x="407369" y="1409700"/>
+            <a:ext cx="2600325" cy="4038600"/>
+          </a:xfrm>
+          <a:prstGeom prst="rect">
+            <a:avLst/>
+          </a:prstGeom>
+        </p:spPr>
+      </p:pic>
+      <p:pic>
+        <p:nvPicPr>
+          <p:cNvPr id="9" name="Picture 8">
+            <a:extLst>
+              <a:ext uri="{FF2B5EF4-FFF2-40B4-BE49-F238E27FC236}">
+                <a16:creationId xmlns:a16="http://schemas.microsoft.com/office/drawing/2014/main" id="{96593B7E-C28E-4DCF-A380-E4747E28E9D0}"/>
+              </a:ext>
+            </a:extLst>
+          </p:cNvPr>
+          <p:cNvPicPr>
+            <a:picLocks noChangeAspect="1"/>
+          </p:cNvPicPr>
+          <p:nvPr/>
+        </p:nvPicPr>
+        <p:blipFill>
+          <a:blip r:embed="rId4" cstate="print"/>
+          <a:stretch>
+            <a:fillRect/>
+          </a:stretch>
+        </p:blipFill>
+        <p:spPr>
+          <a:xfrm>
+            <a:off x="8536609" y="2343150"/>
+            <a:ext cx="3248025" cy="2476500"/>
+          </a:xfrm>
+          <a:prstGeom prst="rect">
+            <a:avLst/>
+          </a:prstGeom>
+        </p:spPr>
+      </p:pic>
+      <p:sp>
+        <p:nvSpPr>
+          <p:cNvPr id="10" name="Rectangle 9">
+            <a:extLst>
+              <a:ext uri="{FF2B5EF4-FFF2-40B4-BE49-F238E27FC236}">
+                <a16:creationId xmlns:a16="http://schemas.microsoft.com/office/drawing/2014/main" id="{4E5EA228-59D1-459B-944D-844973FAB145}"/>
+              </a:ext>
+            </a:extLst>
+          </p:cNvPr>
+          <p:cNvSpPr/>
+          <p:nvPr/>
+        </p:nvSpPr>
+        <p:spPr>
+          <a:xfrm>
+            <a:off x="767408" y="914448"/>
+            <a:ext cx="1261884" cy="369332"/>
+          </a:xfrm>
+          <a:prstGeom prst="rect">
+            <a:avLst/>
+          </a:prstGeom>
+        </p:spPr>
+        <p:txBody>
+          <a:bodyPr wrap="none">
+            <a:spAutoFit/>
+          </a:bodyPr>
+          <a:lstStyle/>
+          <a:p>
+            <a:r>
+              <a:rPr lang="en-US" b="1" i="1" dirty="0">
+                <a:solidFill>
+                  <a:schemeClr val="accent1">
+                    <a:lumMod val="75000"/>
+                  </a:schemeClr>
+                </a:solidFill>
+                <a:latin typeface="Palatino Linotype" panose="02040502050505030304" pitchFamily="18" charset="0"/>
+              </a:rPr>
+              <a:t>Structured</a:t>
+            </a:r>
+            <a:endParaRPr lang="en-IN" dirty="0"/>
+          </a:p>
+        </p:txBody>
+      </p:sp>
+      <p:sp>
+        <p:nvSpPr>
+          <p:cNvPr id="12" name="Rectangle 11">
+            <a:extLst>
+              <a:ext uri="{FF2B5EF4-FFF2-40B4-BE49-F238E27FC236}">
+                <a16:creationId xmlns:a16="http://schemas.microsoft.com/office/drawing/2014/main" id="{4B533DD1-1B5E-451B-836C-C54940E7FA33}"/>
+              </a:ext>
+            </a:extLst>
+          </p:cNvPr>
+          <p:cNvSpPr/>
+          <p:nvPr/>
+        </p:nvSpPr>
+        <p:spPr>
+          <a:xfrm>
+            <a:off x="8976320" y="920135"/>
+            <a:ext cx="1544012" cy="369332"/>
+          </a:xfrm>
+          <a:prstGeom prst="rect">
+            <a:avLst/>
+          </a:prstGeom>
+        </p:spPr>
+        <p:txBody>
+          <a:bodyPr wrap="none">
+            <a:spAutoFit/>
+          </a:bodyPr>
+          <a:lstStyle/>
+          <a:p>
+            <a:r>
+              <a:rPr lang="en-US" b="1" i="1" dirty="0">
+                <a:solidFill>
+                  <a:schemeClr val="accent1">
+                    <a:lumMod val="75000"/>
+                  </a:schemeClr>
+                </a:solidFill>
+                <a:latin typeface="Palatino Linotype" panose="02040502050505030304" pitchFamily="18" charset="0"/>
+              </a:rPr>
+              <a:t>Unstructured</a:t>
+            </a:r>
+            <a:endParaRPr lang="en-IN" dirty="0"/>
+          </a:p>
+        </p:txBody>
+      </p:sp>
+      <p:sp>
+        <p:nvSpPr>
+          <p:cNvPr id="3" name="Rectangle 2">
+            <a:extLst>
+              <a:ext uri="{FF2B5EF4-FFF2-40B4-BE49-F238E27FC236}">
+                <a16:creationId xmlns:a16="http://schemas.microsoft.com/office/drawing/2014/main" id="{A0E59B27-ACC8-FE63-F904-CF7318D5C223}"/>
+              </a:ext>
+            </a:extLst>
+          </p:cNvPr>
+          <p:cNvSpPr/>
+          <p:nvPr/>
+        </p:nvSpPr>
+        <p:spPr>
+          <a:xfrm>
+            <a:off x="1524000" y="1"/>
+            <a:ext cx="9144000" cy="584775"/>
+          </a:xfrm>
+          <a:prstGeom prst="rect">
+            <a:avLst/>
+          </a:prstGeom>
+          <a:noFill/>
+        </p:spPr>
+        <p:txBody>
+          <a:bodyPr wrap="square">
+            <a:spAutoFit/>
+          </a:bodyPr>
+          <a:lstStyle/>
+          <a:p>
+            <a:pPr algn="r"/>
+            <a:r>
+              <a:rPr lang="en-US" sz="3200" i="1" dirty="0">
+                <a:solidFill>
+                  <a:srgbClr val="FF9900"/>
+                </a:solidFill>
+                <a:latin typeface="Arial" pitchFamily="34" charset="0"/>
+                <a:cs typeface="Arial" pitchFamily="34" charset="0"/>
+              </a:rPr>
+              <a:t>Variety </a:t>
+            </a:r>
+            <a:endParaRPr lang="en-IN" sz="3200" i="1" dirty="0">
+              <a:solidFill>
+                <a:srgbClr val="FF9900"/>
+              </a:solidFill>
+              <a:latin typeface="Arial" pitchFamily="34" charset="0"/>
+              <a:cs typeface="Arial" pitchFamily="34" charset="0"/>
+            </a:endParaRPr>
+          </a:p>
+        </p:txBody>
+      </p:sp>
+    </p:spTree>
+    <p:extLst>
+      <p:ext uri="{BB962C8B-B14F-4D97-AF65-F5344CB8AC3E}">
+        <p14:creationId xmlns:p14="http://schemas.microsoft.com/office/powerpoint/2010/main" val="1921061291"/>
+      </p:ext>
+    </p:extLst>
+  </p:cSld>
+  <p:clrMapOvr>
+    <a:masterClrMapping/>
+  </p:clrMapOvr>
+</p:sld>
+</file>
+
+<file path=ppt/slides/slide32.xml><?xml version="1.0" encoding="utf-8"?>
+<p:sld xmlns:a="http://schemas.openxmlformats.org/drawingml/2006/main" xmlns:r="http://schemas.openxmlformats.org/officeDocument/2006/relationships" xmlns:p="http://schemas.openxmlformats.org/presentationml/2006/main">
+  <p:cSld>
+    <p:spTree>
+      <p:nvGrpSpPr>
+        <p:cNvPr id="1" name=""/>
+        <p:cNvGrpSpPr/>
+        <p:nvPr/>
+      </p:nvGrpSpPr>
+      <p:grpSpPr>
+        <a:xfrm>
+          <a:off x="0" y="0"/>
+          <a:ext cx="0" cy="0"/>
+          <a:chOff x="0" y="0"/>
+          <a:chExt cx="0" cy="0"/>
+        </a:xfrm>
+      </p:grpSpPr>
+      <p:sp>
+        <p:nvSpPr>
           <p:cNvPr id="5" name="Rectangle 4"/>
           <p:cNvSpPr/>
           <p:nvPr/>
@@ -9610,7 +10163,7 @@
 </p:sld>
 </file>
 
-<file path=ppt/slides/slide31.xml><?xml version="1.0" encoding="utf-8"?>
+<file path=ppt/slides/slide33.xml><?xml version="1.0" encoding="utf-8"?>
 <p:sld xmlns:a="http://schemas.openxmlformats.org/drawingml/2006/main" xmlns:r="http://schemas.openxmlformats.org/officeDocument/2006/relationships" xmlns:p="http://schemas.openxmlformats.org/presentationml/2006/main">
   <p:cSld>
     <p:spTree>
@@ -9720,234 +10273,6 @@
     <p:extLst>
       <p:ext uri="{BB962C8B-B14F-4D97-AF65-F5344CB8AC3E}">
         <p14:creationId xmlns:p14="http://schemas.microsoft.com/office/powerpoint/2010/main" val="1804314253"/>
-      </p:ext>
-    </p:extLst>
-  </p:cSld>
-  <p:clrMapOvr>
-    <a:masterClrMapping/>
-  </p:clrMapOvr>
-</p:sld>
-</file>
-
-<file path=ppt/slides/slide32.xml><?xml version="1.0" encoding="utf-8"?>
-<p:sld xmlns:a="http://schemas.openxmlformats.org/drawingml/2006/main" xmlns:r="http://schemas.openxmlformats.org/officeDocument/2006/relationships" xmlns:p="http://schemas.openxmlformats.org/presentationml/2006/main">
-  <p:cSld>
-    <p:spTree>
-      <p:nvGrpSpPr>
-        <p:cNvPr id="1" name=""/>
-        <p:cNvGrpSpPr/>
-        <p:nvPr/>
-      </p:nvGrpSpPr>
-      <p:grpSpPr>
-        <a:xfrm>
-          <a:off x="0" y="0"/>
-          <a:ext cx="0" cy="0"/>
-          <a:chOff x="0" y="0"/>
-          <a:chExt cx="0" cy="0"/>
-        </a:xfrm>
-      </p:grpSpPr>
-      <p:sp>
-        <p:nvSpPr>
-          <p:cNvPr id="4" name="Rectangle 3">
-            <a:extLst>
-              <a:ext uri="{FF2B5EF4-FFF2-40B4-BE49-F238E27FC236}">
-                <a16:creationId xmlns:a16="http://schemas.microsoft.com/office/drawing/2014/main" id="{6524962B-7610-4EFD-AA5E-DDE403AB8860}"/>
-              </a:ext>
-            </a:extLst>
-          </p:cNvPr>
-          <p:cNvSpPr/>
-          <p:nvPr/>
-        </p:nvSpPr>
-        <p:spPr>
-          <a:xfrm>
-            <a:off x="1524000" y="1"/>
-            <a:ext cx="9144000" cy="584775"/>
-          </a:xfrm>
-          <a:prstGeom prst="rect">
-            <a:avLst/>
-          </a:prstGeom>
-          <a:noFill/>
-        </p:spPr>
-        <p:txBody>
-          <a:bodyPr wrap="square">
-            <a:spAutoFit/>
-          </a:bodyPr>
-          <a:lstStyle/>
-          <a:p>
-            <a:pPr algn="r"/>
-            <a:r>
-              <a:rPr lang="en-US" sz="3200" i="1" dirty="0">
-                <a:solidFill>
-                  <a:srgbClr val="FF9900"/>
-                </a:solidFill>
-                <a:latin typeface="Arial" pitchFamily="34" charset="0"/>
-                <a:cs typeface="Arial" pitchFamily="34" charset="0"/>
-              </a:rPr>
-              <a:t>Velocity</a:t>
-            </a:r>
-            <a:endParaRPr lang="en-IN" sz="3200" i="1" dirty="0">
-              <a:solidFill>
-                <a:srgbClr val="FF9900"/>
-              </a:solidFill>
-              <a:latin typeface="Arial" pitchFamily="34" charset="0"/>
-              <a:cs typeface="Arial" pitchFamily="34" charset="0"/>
-            </a:endParaRPr>
-          </a:p>
-        </p:txBody>
-      </p:sp>
-      <p:pic>
-        <p:nvPicPr>
-          <p:cNvPr id="5" name="Picture 4">
-            <a:extLst>
-              <a:ext uri="{FF2B5EF4-FFF2-40B4-BE49-F238E27FC236}">
-                <a16:creationId xmlns:a16="http://schemas.microsoft.com/office/drawing/2014/main" id="{5287A31C-4250-DD07-96FC-E2341DACE96E}"/>
-              </a:ext>
-            </a:extLst>
-          </p:cNvPr>
-          <p:cNvPicPr>
-            <a:picLocks noChangeAspect="1"/>
-          </p:cNvPicPr>
-          <p:nvPr/>
-        </p:nvPicPr>
-        <p:blipFill>
-          <a:blip r:embed="rId2"/>
-          <a:stretch>
-            <a:fillRect/>
-          </a:stretch>
-        </p:blipFill>
-        <p:spPr>
-          <a:xfrm>
-            <a:off x="1122956" y="2996952"/>
-            <a:ext cx="9545044" cy="3229347"/>
-          </a:xfrm>
-          <a:prstGeom prst="rect">
-            <a:avLst/>
-          </a:prstGeom>
-        </p:spPr>
-      </p:pic>
-      <p:sp>
-        <p:nvSpPr>
-          <p:cNvPr id="6" name="TextBox 5">
-            <a:extLst>
-              <a:ext uri="{FF2B5EF4-FFF2-40B4-BE49-F238E27FC236}">
-                <a16:creationId xmlns:a16="http://schemas.microsoft.com/office/drawing/2014/main" id="{DECBAD34-3220-60D3-B61D-4FD2174EA290}"/>
-              </a:ext>
-            </a:extLst>
-          </p:cNvPr>
-          <p:cNvSpPr txBox="1"/>
-          <p:nvPr/>
-        </p:nvSpPr>
-        <p:spPr>
-          <a:xfrm>
-            <a:off x="335360" y="1008355"/>
-            <a:ext cx="11449272" cy="830997"/>
-          </a:xfrm>
-          <a:prstGeom prst="rect">
-            <a:avLst/>
-          </a:prstGeom>
-          <a:noFill/>
-        </p:spPr>
-        <p:txBody>
-          <a:bodyPr wrap="square">
-            <a:spAutoFit/>
-          </a:bodyPr>
-          <a:lstStyle/>
-          <a:p>
-            <a:pPr algn="just"/>
-            <a:r>
-              <a:rPr lang="en-US" sz="2400" b="0" i="0" dirty="0">
-                <a:effectLst/>
-                <a:latin typeface="Arial" panose="020B0604020202020204" pitchFamily="34" charset="0"/>
-                <a:cs typeface="Arial" panose="020B0604020202020204" pitchFamily="34" charset="0"/>
-              </a:rPr>
-              <a:t>Velocity deals with the speed at the data flows from sources like business processes, networks, and social media sites, sensors, mobile devices, etc.</a:t>
-            </a:r>
-          </a:p>
-        </p:txBody>
-      </p:sp>
-    </p:spTree>
-    <p:extLst>
-      <p:ext uri="{BB962C8B-B14F-4D97-AF65-F5344CB8AC3E}">
-        <p14:creationId xmlns:p14="http://schemas.microsoft.com/office/powerpoint/2010/main" val="4166802548"/>
-      </p:ext>
-    </p:extLst>
-  </p:cSld>
-  <p:clrMapOvr>
-    <a:masterClrMapping/>
-  </p:clrMapOvr>
-</p:sld>
-</file>
-
-<file path=ppt/slides/slide33.xml><?xml version="1.0" encoding="utf-8"?>
-<p:sld xmlns:a="http://schemas.openxmlformats.org/drawingml/2006/main" xmlns:r="http://schemas.openxmlformats.org/officeDocument/2006/relationships" xmlns:p="http://schemas.openxmlformats.org/presentationml/2006/main">
-  <p:cSld>
-    <p:spTree>
-      <p:nvGrpSpPr>
-        <p:cNvPr id="1" name=""/>
-        <p:cNvGrpSpPr/>
-        <p:nvPr/>
-      </p:nvGrpSpPr>
-      <p:grpSpPr>
-        <a:xfrm>
-          <a:off x="0" y="0"/>
-          <a:ext cx="0" cy="0"/>
-          <a:chOff x="0" y="0"/>
-          <a:chExt cx="0" cy="0"/>
-        </a:xfrm>
-      </p:grpSpPr>
-      <p:sp>
-        <p:nvSpPr>
-          <p:cNvPr id="2" name="Title 1"/>
-          <p:cNvSpPr txBox="1">
-            <a:spLocks/>
-          </p:cNvSpPr>
-          <p:nvPr/>
-        </p:nvSpPr>
-        <p:spPr>
-          <a:xfrm>
-            <a:off x="1676400" y="2057400"/>
-            <a:ext cx="8839200" cy="1676400"/>
-          </a:xfrm>
-          <a:prstGeom prst="rect">
-            <a:avLst/>
-          </a:prstGeom>
-        </p:spPr>
-        <p:txBody>
-          <a:bodyPr>
-            <a:noAutofit/>
-          </a:bodyPr>
-          <a:lstStyle>
-            <a:defPPr>
-              <a:defRPr lang="en-US"/>
-            </a:defPPr>
-            <a:lvl1pPr lvl="0" algn="ctr">
-              <a:spcBef>
-                <a:spcPct val="0"/>
-              </a:spcBef>
-              <a:defRPr sz="4800">
-                <a:latin typeface="Arial" pitchFamily="34" charset="0"/>
-                <a:cs typeface="Arial" pitchFamily="34" charset="0"/>
-              </a:defRPr>
-            </a:lvl1pPr>
-          </a:lstStyle>
-          <a:p>
-            <a:r>
-              <a:rPr lang="en-US" dirty="0">
-                <a:solidFill>
-                  <a:srgbClr val="DC525C"/>
-                </a:solidFill>
-                <a:latin typeface="Segoe UI Light" panose="020B0502040204020203" pitchFamily="34" charset="0"/>
-                <a:cs typeface="Segoe UI Light" panose="020B0502040204020203" pitchFamily="34" charset="0"/>
-              </a:rPr>
-              <a:t>Jobs in Big Data</a:t>
-            </a:r>
-          </a:p>
-        </p:txBody>
-      </p:sp>
-    </p:spTree>
-    <p:extLst>
-      <p:ext uri="{BB962C8B-B14F-4D97-AF65-F5344CB8AC3E}">
-        <p14:creationId xmlns:p14="http://schemas.microsoft.com/office/powerpoint/2010/main" val="3468983804"/>
       </p:ext>
     </p:extLst>
   </p:cSld>
@@ -10011,7 +10336,7 @@
                 <a:latin typeface="Arial" pitchFamily="34" charset="0"/>
                 <a:cs typeface="Arial" pitchFamily="34" charset="0"/>
               </a:rPr>
-              <a:t>List of Job Roles in Data Science / Big Data</a:t>
+              <a:t>Velocity</a:t>
             </a:r>
             <a:endParaRPr lang="en-IN" sz="3200" i="1" dirty="0">
               <a:solidFill>
@@ -10023,12 +10348,42 @@
           </a:p>
         </p:txBody>
       </p:sp>
+      <p:pic>
+        <p:nvPicPr>
+          <p:cNvPr id="5" name="Picture 4">
+            <a:extLst>
+              <a:ext uri="{FF2B5EF4-FFF2-40B4-BE49-F238E27FC236}">
+                <a16:creationId xmlns:a16="http://schemas.microsoft.com/office/drawing/2014/main" id="{5287A31C-4250-DD07-96FC-E2341DACE96E}"/>
+              </a:ext>
+            </a:extLst>
+          </p:cNvPr>
+          <p:cNvPicPr>
+            <a:picLocks noChangeAspect="1"/>
+          </p:cNvPicPr>
+          <p:nvPr/>
+        </p:nvPicPr>
+        <p:blipFill>
+          <a:blip r:embed="rId2"/>
+          <a:stretch>
+            <a:fillRect/>
+          </a:stretch>
+        </p:blipFill>
+        <p:spPr>
+          <a:xfrm>
+            <a:off x="1122956" y="2996952"/>
+            <a:ext cx="9545044" cy="3229347"/>
+          </a:xfrm>
+          <a:prstGeom prst="rect">
+            <a:avLst/>
+          </a:prstGeom>
+        </p:spPr>
+      </p:pic>
       <p:sp>
         <p:nvSpPr>
-          <p:cNvPr id="3" name="TextBox 2">
+          <p:cNvPr id="6" name="TextBox 5">
             <a:extLst>
               <a:ext uri="{FF2B5EF4-FFF2-40B4-BE49-F238E27FC236}">
-                <a16:creationId xmlns:a16="http://schemas.microsoft.com/office/drawing/2014/main" id="{2565C291-4449-7040-F797-629192AAC461}"/>
+                <a16:creationId xmlns:a16="http://schemas.microsoft.com/office/drawing/2014/main" id="{DECBAD34-3220-60D3-B61D-4FD2174EA290}"/>
               </a:ext>
             </a:extLst>
           </p:cNvPr>
@@ -10037,8 +10392,8 @@
         </p:nvSpPr>
         <p:spPr>
           <a:xfrm>
-            <a:off x="119336" y="1124744"/>
-            <a:ext cx="11809312" cy="5078313"/>
+            <a:off x="335360" y="1008355"/>
+            <a:ext cx="11449272" cy="830997"/>
           </a:xfrm>
           <a:prstGeom prst="rect">
             <a:avLst/>
@@ -10051,188 +10406,22 @@
           </a:bodyPr>
           <a:lstStyle/>
           <a:p>
-            <a:pPr marL="285750" indent="-285750">
-              <a:buFont typeface="Arial" panose="020B0604020202020204" pitchFamily="34" charset="0"/>
-              <a:buChar char="•"/>
-            </a:pPr>
-            <a:r>
-              <a:rPr lang="en-IN" b="1" dirty="0">
-                <a:latin typeface="Arial" panose="020B0604020202020204" pitchFamily="34" charset="0"/>
-                <a:cs typeface="Arial" panose="020B0604020202020204" pitchFamily="34" charset="0"/>
-              </a:rPr>
-              <a:t>MIS Reporting Executive</a:t>
-            </a:r>
-            <a:r>
-              <a:rPr lang="en-IN" dirty="0">
-                <a:latin typeface="Arial" panose="020B0604020202020204" pitchFamily="34" charset="0"/>
-                <a:cs typeface="Arial" panose="020B0604020202020204" pitchFamily="34" charset="0"/>
-              </a:rPr>
-              <a:t>: Business managers rely on Management Information System reports to automatically track progress, make decisions, and identify problems.</a:t>
-            </a:r>
-          </a:p>
-          <a:p>
-            <a:pPr marL="285750" indent="-285750">
-              <a:buFont typeface="Arial" panose="020B0604020202020204" pitchFamily="34" charset="0"/>
-              <a:buChar char="•"/>
-            </a:pPr>
-            <a:endParaRPr lang="en-IN" dirty="0">
-              <a:latin typeface="Arial" panose="020B0604020202020204" pitchFamily="34" charset="0"/>
-              <a:cs typeface="Arial" panose="020B0604020202020204" pitchFamily="34" charset="0"/>
-            </a:endParaRPr>
-          </a:p>
-          <a:p>
-            <a:pPr marL="285750" indent="-285750">
-              <a:buFont typeface="Arial" panose="020B0604020202020204" pitchFamily="34" charset="0"/>
-              <a:buChar char="•"/>
-            </a:pPr>
-            <a:r>
-              <a:rPr lang="en-US" b="1" dirty="0">
-                <a:latin typeface="Arial" panose="020B0604020202020204" pitchFamily="34" charset="0"/>
-                <a:cs typeface="Arial" panose="020B0604020202020204" pitchFamily="34" charset="0"/>
-              </a:rPr>
-              <a:t>Business Analyst</a:t>
-            </a:r>
-            <a:r>
-              <a:rPr lang="en-US" dirty="0">
-                <a:latin typeface="Arial" panose="020B0604020202020204" pitchFamily="34" charset="0"/>
-                <a:cs typeface="Arial" panose="020B0604020202020204" pitchFamily="34" charset="0"/>
-              </a:rPr>
-              <a:t>:  Although many of their job tasks are similar to that of data analysts, business analysts are experts in the domain they work in. They try to narrow the gap between business and IT.</a:t>
-            </a:r>
-          </a:p>
-          <a:p>
-            <a:pPr marL="285750" indent="-285750">
-              <a:buFont typeface="Arial" panose="020B0604020202020204" pitchFamily="34" charset="0"/>
-              <a:buChar char="•"/>
-            </a:pPr>
-            <a:endParaRPr lang="en-US" dirty="0">
-              <a:latin typeface="Arial" panose="020B0604020202020204" pitchFamily="34" charset="0"/>
-              <a:cs typeface="Arial" panose="020B0604020202020204" pitchFamily="34" charset="0"/>
-            </a:endParaRPr>
-          </a:p>
-          <a:p>
-            <a:pPr marL="285750" indent="-285750">
-              <a:buFont typeface="Arial" panose="020B0604020202020204" pitchFamily="34" charset="0"/>
-              <a:buChar char="•"/>
-            </a:pPr>
-            <a:r>
-              <a:rPr lang="en-US" b="1" dirty="0">
-                <a:latin typeface="Arial" panose="020B0604020202020204" pitchFamily="34" charset="0"/>
-                <a:cs typeface="Arial" panose="020B0604020202020204" pitchFamily="34" charset="0"/>
-              </a:rPr>
-              <a:t>Data Analyst</a:t>
-            </a:r>
-            <a:r>
-              <a:rPr lang="en-US" dirty="0">
-                <a:latin typeface="Arial" panose="020B0604020202020204" pitchFamily="34" charset="0"/>
-                <a:cs typeface="Arial" panose="020B0604020202020204" pitchFamily="34" charset="0"/>
-              </a:rPr>
-              <a:t>: </a:t>
-            </a:r>
-            <a:r>
-              <a:rPr lang="en-US" b="0" i="0" dirty="0">
-                <a:solidFill>
-                  <a:srgbClr val="202124"/>
-                </a:solidFill>
-                <a:effectLst/>
-                <a:latin typeface="Arial" panose="020B0604020202020204" pitchFamily="34" charset="0"/>
-                <a:cs typeface="Arial" panose="020B0604020202020204" pitchFamily="34" charset="0"/>
-              </a:rPr>
-              <a:t>A Data Analyst's responsibilities include the </a:t>
-            </a:r>
-            <a:r>
-              <a:rPr lang="en-US" b="0" i="0" dirty="0">
-                <a:solidFill>
-                  <a:srgbClr val="040C28"/>
-                </a:solidFill>
-                <a:effectLst/>
-                <a:latin typeface="Arial" panose="020B0604020202020204" pitchFamily="34" charset="0"/>
-                <a:cs typeface="Arial" panose="020B0604020202020204" pitchFamily="34" charset="0"/>
-              </a:rPr>
-              <a:t>deep analysis of data and then determining the best way to represent it visually to managers and stakeholders</a:t>
-            </a:r>
-            <a:r>
-              <a:rPr lang="en-US" b="0" i="0" dirty="0">
-                <a:solidFill>
-                  <a:srgbClr val="202124"/>
-                </a:solidFill>
-                <a:effectLst/>
-                <a:latin typeface="Arial" panose="020B0604020202020204" pitchFamily="34" charset="0"/>
-                <a:cs typeface="Arial" panose="020B0604020202020204" pitchFamily="34" charset="0"/>
-              </a:rPr>
-              <a:t>. They also ensure quality assurance and process documentation and define Key Performance Indicators</a:t>
-            </a:r>
-          </a:p>
-          <a:p>
-            <a:pPr marL="285750" indent="-285750">
-              <a:buFont typeface="Arial" panose="020B0604020202020204" pitchFamily="34" charset="0"/>
-              <a:buChar char="•"/>
-            </a:pPr>
-            <a:endParaRPr lang="en-US" dirty="0">
-              <a:latin typeface="Arial" panose="020B0604020202020204" pitchFamily="34" charset="0"/>
-              <a:cs typeface="Arial" panose="020B0604020202020204" pitchFamily="34" charset="0"/>
-            </a:endParaRPr>
-          </a:p>
-          <a:p>
-            <a:pPr marL="285750" indent="-285750">
-              <a:buFont typeface="Arial" panose="020B0604020202020204" pitchFamily="34" charset="0"/>
-              <a:buChar char="•"/>
-            </a:pPr>
-            <a:r>
-              <a:rPr lang="en-US" b="1" dirty="0">
-                <a:latin typeface="Arial" panose="020B0604020202020204" pitchFamily="34" charset="0"/>
-                <a:cs typeface="Arial" panose="020B0604020202020204" pitchFamily="34" charset="0"/>
-              </a:rPr>
-              <a:t>Statistician</a:t>
-            </a:r>
-            <a:r>
-              <a:rPr lang="en-US" dirty="0">
-                <a:latin typeface="Arial" panose="020B0604020202020204" pitchFamily="34" charset="0"/>
-                <a:cs typeface="Arial" panose="020B0604020202020204" pitchFamily="34" charset="0"/>
-              </a:rPr>
-              <a:t>: Statisticians collect, organize, present, analyze, and interpret data to reach valid conclusions and make correct decisions. They are key players in ensuring the success of companies involved in market research, transportation, product development, finance, forensics, sport, quality control, environment, education, and also in governmental agencies.</a:t>
-            </a:r>
-          </a:p>
-          <a:p>
-            <a:pPr marL="285750" indent="-285750">
-              <a:buFont typeface="Arial" panose="020B0604020202020204" pitchFamily="34" charset="0"/>
-              <a:buChar char="•"/>
-            </a:pPr>
-            <a:endParaRPr lang="en-US" dirty="0">
-              <a:latin typeface="Arial" panose="020B0604020202020204" pitchFamily="34" charset="0"/>
-              <a:cs typeface="Arial" panose="020B0604020202020204" pitchFamily="34" charset="0"/>
-            </a:endParaRPr>
-          </a:p>
-          <a:p>
-            <a:pPr marL="285750" indent="-285750">
-              <a:buFont typeface="Arial" panose="020B0604020202020204" pitchFamily="34" charset="0"/>
-              <a:buChar char="•"/>
-            </a:pPr>
-            <a:r>
-              <a:rPr lang="en-US" b="1" dirty="0">
-                <a:latin typeface="Arial" panose="020B0604020202020204" pitchFamily="34" charset="0"/>
-                <a:cs typeface="Arial" panose="020B0604020202020204" pitchFamily="34" charset="0"/>
-              </a:rPr>
-              <a:t>Data Scientist</a:t>
-            </a:r>
-            <a:r>
-              <a:rPr lang="en-US" dirty="0">
-                <a:latin typeface="Arial" panose="020B0604020202020204" pitchFamily="34" charset="0"/>
-                <a:cs typeface="Arial" panose="020B0604020202020204" pitchFamily="34" charset="0"/>
-              </a:rPr>
-              <a:t>: A Data Scientist is a professional who collects large amounts of data using analytical, statistical, and programmable skills. It is their responsibility to use data to develop solutions tailored to meet the organization's unique needs.</a:t>
-            </a:r>
-            <a:endParaRPr lang="en-IN" dirty="0">
-              <a:latin typeface="Arial" panose="020B0604020202020204" pitchFamily="34" charset="0"/>
-              <a:cs typeface="Arial" panose="020B0604020202020204" pitchFamily="34" charset="0"/>
-            </a:endParaRPr>
+            <a:pPr algn="just"/>
+            <a:r>
+              <a:rPr lang="en-US" sz="2400" b="0" i="0" dirty="0">
+                <a:effectLst/>
+                <a:latin typeface="Arial" panose="020B0604020202020204" pitchFamily="34" charset="0"/>
+                <a:cs typeface="Arial" panose="020B0604020202020204" pitchFamily="34" charset="0"/>
+              </a:rPr>
+              <a:t>Velocity deals with the speed at the data flows from sources like business processes, networks, and social media sites, sensors, mobile devices, etc.</a:t>
+            </a:r>
           </a:p>
         </p:txBody>
       </p:sp>
     </p:spTree>
     <p:extLst>
       <p:ext uri="{BB962C8B-B14F-4D97-AF65-F5344CB8AC3E}">
-        <p14:creationId xmlns:p14="http://schemas.microsoft.com/office/powerpoint/2010/main" val="3264250979"/>
+        <p14:creationId xmlns:p14="http://schemas.microsoft.com/office/powerpoint/2010/main" val="4166802548"/>
       </p:ext>
     </p:extLst>
   </p:cSld>
@@ -10243,6 +10432,85 @@
 </file>
 
 <file path=ppt/slides/slide35.xml><?xml version="1.0" encoding="utf-8"?>
+<p:sld xmlns:a="http://schemas.openxmlformats.org/drawingml/2006/main" xmlns:r="http://schemas.openxmlformats.org/officeDocument/2006/relationships" xmlns:p="http://schemas.openxmlformats.org/presentationml/2006/main">
+  <p:cSld>
+    <p:spTree>
+      <p:nvGrpSpPr>
+        <p:cNvPr id="1" name=""/>
+        <p:cNvGrpSpPr/>
+        <p:nvPr/>
+      </p:nvGrpSpPr>
+      <p:grpSpPr>
+        <a:xfrm>
+          <a:off x="0" y="0"/>
+          <a:ext cx="0" cy="0"/>
+          <a:chOff x="0" y="0"/>
+          <a:chExt cx="0" cy="0"/>
+        </a:xfrm>
+      </p:grpSpPr>
+      <p:sp>
+        <p:nvSpPr>
+          <p:cNvPr id="2" name="Title 1"/>
+          <p:cNvSpPr txBox="1">
+            <a:spLocks/>
+          </p:cNvSpPr>
+          <p:nvPr/>
+        </p:nvSpPr>
+        <p:spPr>
+          <a:xfrm>
+            <a:off x="1676400" y="2057400"/>
+            <a:ext cx="8839200" cy="1676400"/>
+          </a:xfrm>
+          <a:prstGeom prst="rect">
+            <a:avLst/>
+          </a:prstGeom>
+        </p:spPr>
+        <p:txBody>
+          <a:bodyPr>
+            <a:noAutofit/>
+          </a:bodyPr>
+          <a:lstStyle>
+            <a:defPPr>
+              <a:defRPr lang="en-US"/>
+            </a:defPPr>
+            <a:lvl1pPr lvl="0" algn="ctr">
+              <a:spcBef>
+                <a:spcPct val="0"/>
+              </a:spcBef>
+              <a:defRPr sz="4800">
+                <a:latin typeface="Arial" pitchFamily="34" charset="0"/>
+                <a:cs typeface="Arial" pitchFamily="34" charset="0"/>
+              </a:defRPr>
+            </a:lvl1pPr>
+          </a:lstStyle>
+          <a:p>
+            <a:r>
+              <a:rPr lang="en-US" dirty="0">
+                <a:solidFill>
+                  <a:srgbClr val="DC525C"/>
+                </a:solidFill>
+                <a:latin typeface="Segoe UI Light" panose="020B0502040204020203" pitchFamily="34" charset="0"/>
+                <a:cs typeface="Segoe UI Light" panose="020B0502040204020203" pitchFamily="34" charset="0"/>
+              </a:rPr>
+              <a:t>Jobs in Big Data</a:t>
+            </a:r>
+          </a:p>
+        </p:txBody>
+      </p:sp>
+    </p:spTree>
+    <p:extLst>
+      <p:ext uri="{BB962C8B-B14F-4D97-AF65-F5344CB8AC3E}">
+        <p14:creationId xmlns:p14="http://schemas.microsoft.com/office/powerpoint/2010/main" val="3468983804"/>
+      </p:ext>
+    </p:extLst>
+  </p:cSld>
+  <p:clrMapOvr>
+    <a:masterClrMapping/>
+  </p:clrMapOvr>
+</p:sld>
+</file>
+
+<file path=ppt/slides/slide36.xml><?xml version="1.0" encoding="utf-8"?>
 <p:sld xmlns:a="http://schemas.openxmlformats.org/drawingml/2006/main" xmlns:r="http://schemas.openxmlformats.org/officeDocument/2006/relationships" xmlns:p="http://schemas.openxmlformats.org/presentationml/2006/main">
   <p:cSld>
     <p:spTree>
@@ -10323,6 +10591,291 @@
         <p:spPr>
           <a:xfrm>
             <a:off x="119336" y="1124744"/>
+            <a:ext cx="11809312" cy="5078313"/>
+          </a:xfrm>
+          <a:prstGeom prst="rect">
+            <a:avLst/>
+          </a:prstGeom>
+          <a:noFill/>
+        </p:spPr>
+        <p:txBody>
+          <a:bodyPr wrap="square">
+            <a:spAutoFit/>
+          </a:bodyPr>
+          <a:lstStyle/>
+          <a:p>
+            <a:pPr marL="285750" indent="-285750">
+              <a:buFont typeface="Arial" panose="020B0604020202020204" pitchFamily="34" charset="0"/>
+              <a:buChar char="•"/>
+            </a:pPr>
+            <a:r>
+              <a:rPr lang="en-IN" b="1" dirty="0">
+                <a:latin typeface="Arial" panose="020B0604020202020204" pitchFamily="34" charset="0"/>
+                <a:cs typeface="Arial" panose="020B0604020202020204" pitchFamily="34" charset="0"/>
+              </a:rPr>
+              <a:t>MIS Reporting Executive</a:t>
+            </a:r>
+            <a:r>
+              <a:rPr lang="en-IN" dirty="0">
+                <a:latin typeface="Arial" panose="020B0604020202020204" pitchFamily="34" charset="0"/>
+                <a:cs typeface="Arial" panose="020B0604020202020204" pitchFamily="34" charset="0"/>
+              </a:rPr>
+              <a:t>: Business managers rely on Management Information System reports to automatically track progress, make decisions, and identify problems.</a:t>
+            </a:r>
+          </a:p>
+          <a:p>
+            <a:pPr marL="285750" indent="-285750">
+              <a:buFont typeface="Arial" panose="020B0604020202020204" pitchFamily="34" charset="0"/>
+              <a:buChar char="•"/>
+            </a:pPr>
+            <a:endParaRPr lang="en-IN" dirty="0">
+              <a:latin typeface="Arial" panose="020B0604020202020204" pitchFamily="34" charset="0"/>
+              <a:cs typeface="Arial" panose="020B0604020202020204" pitchFamily="34" charset="0"/>
+            </a:endParaRPr>
+          </a:p>
+          <a:p>
+            <a:pPr marL="285750" indent="-285750">
+              <a:buFont typeface="Arial" panose="020B0604020202020204" pitchFamily="34" charset="0"/>
+              <a:buChar char="•"/>
+            </a:pPr>
+            <a:r>
+              <a:rPr lang="en-US" b="1" dirty="0">
+                <a:latin typeface="Arial" panose="020B0604020202020204" pitchFamily="34" charset="0"/>
+                <a:cs typeface="Arial" panose="020B0604020202020204" pitchFamily="34" charset="0"/>
+              </a:rPr>
+              <a:t>Business Analyst</a:t>
+            </a:r>
+            <a:r>
+              <a:rPr lang="en-US" dirty="0">
+                <a:latin typeface="Arial" panose="020B0604020202020204" pitchFamily="34" charset="0"/>
+                <a:cs typeface="Arial" panose="020B0604020202020204" pitchFamily="34" charset="0"/>
+              </a:rPr>
+              <a:t>:  Although many of their job tasks are similar to that of data analysts, business analysts are experts in the domain they work in. They try to narrow the gap between business and IT.</a:t>
+            </a:r>
+          </a:p>
+          <a:p>
+            <a:pPr marL="285750" indent="-285750">
+              <a:buFont typeface="Arial" panose="020B0604020202020204" pitchFamily="34" charset="0"/>
+              <a:buChar char="•"/>
+            </a:pPr>
+            <a:endParaRPr lang="en-US" dirty="0">
+              <a:latin typeface="Arial" panose="020B0604020202020204" pitchFamily="34" charset="0"/>
+              <a:cs typeface="Arial" panose="020B0604020202020204" pitchFamily="34" charset="0"/>
+            </a:endParaRPr>
+          </a:p>
+          <a:p>
+            <a:pPr marL="285750" indent="-285750">
+              <a:buFont typeface="Arial" panose="020B0604020202020204" pitchFamily="34" charset="0"/>
+              <a:buChar char="•"/>
+            </a:pPr>
+            <a:r>
+              <a:rPr lang="en-US" b="1" dirty="0">
+                <a:latin typeface="Arial" panose="020B0604020202020204" pitchFamily="34" charset="0"/>
+                <a:cs typeface="Arial" panose="020B0604020202020204" pitchFamily="34" charset="0"/>
+              </a:rPr>
+              <a:t>Data Analyst</a:t>
+            </a:r>
+            <a:r>
+              <a:rPr lang="en-US" dirty="0">
+                <a:latin typeface="Arial" panose="020B0604020202020204" pitchFamily="34" charset="0"/>
+                <a:cs typeface="Arial" panose="020B0604020202020204" pitchFamily="34" charset="0"/>
+              </a:rPr>
+              <a:t>: </a:t>
+            </a:r>
+            <a:r>
+              <a:rPr lang="en-US" b="0" i="0" dirty="0">
+                <a:solidFill>
+                  <a:srgbClr val="202124"/>
+                </a:solidFill>
+                <a:effectLst/>
+                <a:latin typeface="Arial" panose="020B0604020202020204" pitchFamily="34" charset="0"/>
+                <a:cs typeface="Arial" panose="020B0604020202020204" pitchFamily="34" charset="0"/>
+              </a:rPr>
+              <a:t>A Data Analyst's responsibilities include the </a:t>
+            </a:r>
+            <a:r>
+              <a:rPr lang="en-US" b="0" i="0" dirty="0">
+                <a:solidFill>
+                  <a:srgbClr val="040C28"/>
+                </a:solidFill>
+                <a:effectLst/>
+                <a:latin typeface="Arial" panose="020B0604020202020204" pitchFamily="34" charset="0"/>
+                <a:cs typeface="Arial" panose="020B0604020202020204" pitchFamily="34" charset="0"/>
+              </a:rPr>
+              <a:t>deep analysis of data and then determining the best way to represent it visually to managers and stakeholders</a:t>
+            </a:r>
+            <a:r>
+              <a:rPr lang="en-US" b="0" i="0" dirty="0">
+                <a:solidFill>
+                  <a:srgbClr val="202124"/>
+                </a:solidFill>
+                <a:effectLst/>
+                <a:latin typeface="Arial" panose="020B0604020202020204" pitchFamily="34" charset="0"/>
+                <a:cs typeface="Arial" panose="020B0604020202020204" pitchFamily="34" charset="0"/>
+              </a:rPr>
+              <a:t>. They also ensure quality assurance and process documentation and define Key Performance Indicators</a:t>
+            </a:r>
+          </a:p>
+          <a:p>
+            <a:pPr marL="285750" indent="-285750">
+              <a:buFont typeface="Arial" panose="020B0604020202020204" pitchFamily="34" charset="0"/>
+              <a:buChar char="•"/>
+            </a:pPr>
+            <a:endParaRPr lang="en-US" dirty="0">
+              <a:latin typeface="Arial" panose="020B0604020202020204" pitchFamily="34" charset="0"/>
+              <a:cs typeface="Arial" panose="020B0604020202020204" pitchFamily="34" charset="0"/>
+            </a:endParaRPr>
+          </a:p>
+          <a:p>
+            <a:pPr marL="285750" indent="-285750">
+              <a:buFont typeface="Arial" panose="020B0604020202020204" pitchFamily="34" charset="0"/>
+              <a:buChar char="•"/>
+            </a:pPr>
+            <a:r>
+              <a:rPr lang="en-US" b="1" dirty="0">
+                <a:latin typeface="Arial" panose="020B0604020202020204" pitchFamily="34" charset="0"/>
+                <a:cs typeface="Arial" panose="020B0604020202020204" pitchFamily="34" charset="0"/>
+              </a:rPr>
+              <a:t>Statistician</a:t>
+            </a:r>
+            <a:r>
+              <a:rPr lang="en-US" dirty="0">
+                <a:latin typeface="Arial" panose="020B0604020202020204" pitchFamily="34" charset="0"/>
+                <a:cs typeface="Arial" panose="020B0604020202020204" pitchFamily="34" charset="0"/>
+              </a:rPr>
+              <a:t>: Statisticians collect, organize, present, analyze, and interpret data to reach valid conclusions and make correct decisions. They are key players in ensuring the success of companies involved in market research, transportation, product development, finance, forensics, sport, quality control, environment, education, and also in governmental agencies.</a:t>
+            </a:r>
+          </a:p>
+          <a:p>
+            <a:pPr marL="285750" indent="-285750">
+              <a:buFont typeface="Arial" panose="020B0604020202020204" pitchFamily="34" charset="0"/>
+              <a:buChar char="•"/>
+            </a:pPr>
+            <a:endParaRPr lang="en-US" dirty="0">
+              <a:latin typeface="Arial" panose="020B0604020202020204" pitchFamily="34" charset="0"/>
+              <a:cs typeface="Arial" panose="020B0604020202020204" pitchFamily="34" charset="0"/>
+            </a:endParaRPr>
+          </a:p>
+          <a:p>
+            <a:pPr marL="285750" indent="-285750">
+              <a:buFont typeface="Arial" panose="020B0604020202020204" pitchFamily="34" charset="0"/>
+              <a:buChar char="•"/>
+            </a:pPr>
+            <a:r>
+              <a:rPr lang="en-US" b="1" dirty="0">
+                <a:latin typeface="Arial" panose="020B0604020202020204" pitchFamily="34" charset="0"/>
+                <a:cs typeface="Arial" panose="020B0604020202020204" pitchFamily="34" charset="0"/>
+              </a:rPr>
+              <a:t>Data Scientist</a:t>
+            </a:r>
+            <a:r>
+              <a:rPr lang="en-US" dirty="0">
+                <a:latin typeface="Arial" panose="020B0604020202020204" pitchFamily="34" charset="0"/>
+                <a:cs typeface="Arial" panose="020B0604020202020204" pitchFamily="34" charset="0"/>
+              </a:rPr>
+              <a:t>: A Data Scientist is a professional who collects large amounts of data using analytical, statistical, and programmable skills. It is their responsibility to use data to develop solutions tailored to meet the organization's unique needs.</a:t>
+            </a:r>
+            <a:endParaRPr lang="en-IN" dirty="0">
+              <a:latin typeface="Arial" panose="020B0604020202020204" pitchFamily="34" charset="0"/>
+              <a:cs typeface="Arial" panose="020B0604020202020204" pitchFamily="34" charset="0"/>
+            </a:endParaRPr>
+          </a:p>
+        </p:txBody>
+      </p:sp>
+    </p:spTree>
+    <p:extLst>
+      <p:ext uri="{BB962C8B-B14F-4D97-AF65-F5344CB8AC3E}">
+        <p14:creationId xmlns:p14="http://schemas.microsoft.com/office/powerpoint/2010/main" val="3264250979"/>
+      </p:ext>
+    </p:extLst>
+  </p:cSld>
+  <p:clrMapOvr>
+    <a:masterClrMapping/>
+  </p:clrMapOvr>
+</p:sld>
+</file>
+
+<file path=ppt/slides/slide37.xml><?xml version="1.0" encoding="utf-8"?>
+<p:sld xmlns:a="http://schemas.openxmlformats.org/drawingml/2006/main" xmlns:r="http://schemas.openxmlformats.org/officeDocument/2006/relationships" xmlns:p="http://schemas.openxmlformats.org/presentationml/2006/main">
+  <p:cSld>
+    <p:spTree>
+      <p:nvGrpSpPr>
+        <p:cNvPr id="1" name=""/>
+        <p:cNvGrpSpPr/>
+        <p:nvPr/>
+      </p:nvGrpSpPr>
+      <p:grpSpPr>
+        <a:xfrm>
+          <a:off x="0" y="0"/>
+          <a:ext cx="0" cy="0"/>
+          <a:chOff x="0" y="0"/>
+          <a:chExt cx="0" cy="0"/>
+        </a:xfrm>
+      </p:grpSpPr>
+      <p:sp>
+        <p:nvSpPr>
+          <p:cNvPr id="4" name="Rectangle 3">
+            <a:extLst>
+              <a:ext uri="{FF2B5EF4-FFF2-40B4-BE49-F238E27FC236}">
+                <a16:creationId xmlns:a16="http://schemas.microsoft.com/office/drawing/2014/main" id="{6524962B-7610-4EFD-AA5E-DDE403AB8860}"/>
+              </a:ext>
+            </a:extLst>
+          </p:cNvPr>
+          <p:cNvSpPr/>
+          <p:nvPr/>
+        </p:nvSpPr>
+        <p:spPr>
+          <a:xfrm>
+            <a:off x="1524000" y="1"/>
+            <a:ext cx="9144000" cy="584775"/>
+          </a:xfrm>
+          <a:prstGeom prst="rect">
+            <a:avLst/>
+          </a:prstGeom>
+          <a:noFill/>
+        </p:spPr>
+        <p:txBody>
+          <a:bodyPr wrap="square">
+            <a:spAutoFit/>
+          </a:bodyPr>
+          <a:lstStyle/>
+          <a:p>
+            <a:pPr algn="r"/>
+            <a:r>
+              <a:rPr lang="en-US" sz="3200" i="1" dirty="0">
+                <a:solidFill>
+                  <a:srgbClr val="FF9900"/>
+                </a:solidFill>
+                <a:latin typeface="Arial" pitchFamily="34" charset="0"/>
+                <a:cs typeface="Arial" pitchFamily="34" charset="0"/>
+              </a:rPr>
+              <a:t>List of Job Roles in Data Science / Big Data</a:t>
+            </a:r>
+            <a:endParaRPr lang="en-IN" sz="3200" i="1" dirty="0">
+              <a:solidFill>
+                <a:srgbClr val="FF9900"/>
+              </a:solidFill>
+              <a:latin typeface="Arial" pitchFamily="34" charset="0"/>
+              <a:cs typeface="Arial" pitchFamily="34" charset="0"/>
+            </a:endParaRPr>
+          </a:p>
+        </p:txBody>
+      </p:sp>
+      <p:sp>
+        <p:nvSpPr>
+          <p:cNvPr id="3" name="TextBox 2">
+            <a:extLst>
+              <a:ext uri="{FF2B5EF4-FFF2-40B4-BE49-F238E27FC236}">
+                <a16:creationId xmlns:a16="http://schemas.microsoft.com/office/drawing/2014/main" id="{2565C291-4449-7040-F797-629192AAC461}"/>
+              </a:ext>
+            </a:extLst>
+          </p:cNvPr>
+          <p:cNvSpPr txBox="1"/>
+          <p:nvPr/>
+        </p:nvSpPr>
+        <p:spPr>
+          <a:xfrm>
+            <a:off x="119336" y="1124744"/>
             <a:ext cx="11809312" cy="2862322"/>
           </a:xfrm>
           <a:prstGeom prst="rect">
@@ -10434,7 +10987,7 @@
 </p:sld>
 </file>
 
-<file path=ppt/slides/slide36.xml><?xml version="1.0" encoding="utf-8"?>
+<file path=ppt/slides/slide38.xml><?xml version="1.0" encoding="utf-8"?>
 <p:sld xmlns:a="http://schemas.openxmlformats.org/drawingml/2006/main" xmlns:r="http://schemas.openxmlformats.org/officeDocument/2006/relationships" xmlns:p="http://schemas.openxmlformats.org/presentationml/2006/main">
   <p:cSld>
     <p:spTree>
@@ -10513,7 +11066,7 @@
 </p:sld>
 </file>
 
-<file path=ppt/slides/slide37.xml><?xml version="1.0" encoding="utf-8"?>
+<file path=ppt/slides/slide39.xml><?xml version="1.0" encoding="utf-8"?>
 <p:sld xmlns:a="http://schemas.openxmlformats.org/drawingml/2006/main" xmlns:r="http://schemas.openxmlformats.org/officeDocument/2006/relationships" xmlns:p="http://schemas.openxmlformats.org/presentationml/2006/main">
   <p:cSld>
     <p:spTree>
@@ -10958,7 +11511,446 @@
 </p:sld>
 </file>
 
-<file path=ppt/slides/slide38.xml><?xml version="1.0" encoding="utf-8"?>
+<file path=ppt/slides/slide4.xml><?xml version="1.0" encoding="utf-8"?>
+<p:sld xmlns:a="http://schemas.openxmlformats.org/drawingml/2006/main" xmlns:r="http://schemas.openxmlformats.org/officeDocument/2006/relationships" xmlns:p="http://schemas.openxmlformats.org/presentationml/2006/main">
+  <p:cSld>
+    <p:spTree>
+      <p:nvGrpSpPr>
+        <p:cNvPr id="1" name=""/>
+        <p:cNvGrpSpPr/>
+        <p:nvPr/>
+      </p:nvGrpSpPr>
+      <p:grpSpPr>
+        <a:xfrm>
+          <a:off x="0" y="0"/>
+          <a:ext cx="0" cy="0"/>
+          <a:chOff x="0" y="0"/>
+          <a:chExt cx="0" cy="0"/>
+        </a:xfrm>
+      </p:grpSpPr>
+      <p:sp>
+        <p:nvSpPr>
+          <p:cNvPr id="5" name="Rectangle 4"/>
+          <p:cNvSpPr/>
+          <p:nvPr/>
+        </p:nvSpPr>
+        <p:spPr>
+          <a:xfrm>
+            <a:off x="1524596" y="4"/>
+            <a:ext cx="9142810" cy="584775"/>
+          </a:xfrm>
+          <a:prstGeom prst="rect">
+            <a:avLst/>
+          </a:prstGeom>
+          <a:noFill/>
+        </p:spPr>
+        <p:txBody>
+          <a:bodyPr wrap="square">
+            <a:spAutoFit/>
+          </a:bodyPr>
+          <a:lstStyle/>
+          <a:p>
+            <a:pPr algn="r"/>
+            <a:r>
+              <a:rPr lang="en-IN" sz="3200" i="1" dirty="0">
+                <a:solidFill>
+                  <a:srgbClr val="FF9900"/>
+                </a:solidFill>
+                <a:latin typeface="Arial" pitchFamily="34" charset="0"/>
+                <a:cs typeface="Arial" pitchFamily="34" charset="0"/>
+              </a:rPr>
+              <a:t>Second Generation of Computers</a:t>
+            </a:r>
+          </a:p>
+        </p:txBody>
+      </p:sp>
+      <p:sp>
+        <p:nvSpPr>
+          <p:cNvPr id="2" name="TextBox 1">
+            <a:extLst>
+              <a:ext uri="{FF2B5EF4-FFF2-40B4-BE49-F238E27FC236}">
+                <a16:creationId xmlns:a16="http://schemas.microsoft.com/office/drawing/2014/main" id="{3ECBB028-1365-FB7C-0374-717123690D5B}"/>
+              </a:ext>
+            </a:extLst>
+          </p:cNvPr>
+          <p:cNvSpPr txBox="1"/>
+          <p:nvPr/>
+        </p:nvSpPr>
+        <p:spPr>
+          <a:xfrm>
+            <a:off x="191344" y="908720"/>
+            <a:ext cx="11809312" cy="2800767"/>
+          </a:xfrm>
+          <a:prstGeom prst="rect">
+            <a:avLst/>
+          </a:prstGeom>
+          <a:noFill/>
+        </p:spPr>
+        <p:txBody>
+          <a:bodyPr wrap="square">
+            <a:spAutoFit/>
+          </a:bodyPr>
+          <a:lstStyle/>
+          <a:p>
+            <a:pPr marL="342900" indent="-342900" algn="just">
+              <a:buFont typeface="Arial" panose="020B0604020202020204" pitchFamily="34" charset="0"/>
+              <a:buChar char="•"/>
+            </a:pPr>
+            <a:r>
+              <a:rPr lang="en-US" sz="2000" b="0" i="0" dirty="0">
+                <a:solidFill>
+                  <a:srgbClr val="000000"/>
+                </a:solidFill>
+                <a:effectLst/>
+                <a:latin typeface="Arial" panose="020B0604020202020204" pitchFamily="34" charset="0"/>
+                <a:cs typeface="Arial" panose="020B0604020202020204" pitchFamily="34" charset="0"/>
+              </a:rPr>
+              <a:t>The period of second generation was from 1959-1965. </a:t>
+            </a:r>
+          </a:p>
+          <a:p>
+            <a:pPr marL="171450" indent="-171450" algn="just">
+              <a:buFont typeface="Arial" panose="020B0604020202020204" pitchFamily="34" charset="0"/>
+              <a:buChar char="•"/>
+            </a:pPr>
+            <a:endParaRPr lang="en-US" sz="1200" dirty="0">
+              <a:solidFill>
+                <a:srgbClr val="000000"/>
+              </a:solidFill>
+              <a:latin typeface="Arial" panose="020B0604020202020204" pitchFamily="34" charset="0"/>
+              <a:cs typeface="Arial" panose="020B0604020202020204" pitchFamily="34" charset="0"/>
+            </a:endParaRPr>
+          </a:p>
+          <a:p>
+            <a:pPr marL="342900" indent="-342900" algn="just">
+              <a:buFont typeface="Arial" panose="020B0604020202020204" pitchFamily="34" charset="0"/>
+              <a:buChar char="•"/>
+            </a:pPr>
+            <a:r>
+              <a:rPr lang="en-US" sz="2000" b="0" i="0" dirty="0">
+                <a:solidFill>
+                  <a:srgbClr val="000000"/>
+                </a:solidFill>
+                <a:effectLst/>
+                <a:latin typeface="Arial" panose="020B0604020202020204" pitchFamily="34" charset="0"/>
+                <a:cs typeface="Arial" panose="020B0604020202020204" pitchFamily="34" charset="0"/>
+              </a:rPr>
+              <a:t>In this generation, transistors were used that were cheaper, consumed less power and faster than the first generation machines made of vacuum tubes. </a:t>
+            </a:r>
+          </a:p>
+          <a:p>
+            <a:pPr marL="171450" indent="-171450" algn="just">
+              <a:buFont typeface="Arial" panose="020B0604020202020204" pitchFamily="34" charset="0"/>
+              <a:buChar char="•"/>
+            </a:pPr>
+            <a:endParaRPr lang="en-US" sz="1200" dirty="0">
+              <a:solidFill>
+                <a:srgbClr val="000000"/>
+              </a:solidFill>
+              <a:latin typeface="Arial" panose="020B0604020202020204" pitchFamily="34" charset="0"/>
+              <a:cs typeface="Arial" panose="020B0604020202020204" pitchFamily="34" charset="0"/>
+            </a:endParaRPr>
+          </a:p>
+          <a:p>
+            <a:pPr marL="342900" indent="-342900" algn="just">
+              <a:buFont typeface="Arial" panose="020B0604020202020204" pitchFamily="34" charset="0"/>
+              <a:buChar char="•"/>
+            </a:pPr>
+            <a:r>
+              <a:rPr lang="en-US" sz="2000" b="0" i="0" dirty="0">
+                <a:solidFill>
+                  <a:srgbClr val="000000"/>
+                </a:solidFill>
+                <a:effectLst/>
+                <a:latin typeface="Arial" panose="020B0604020202020204" pitchFamily="34" charset="0"/>
+                <a:cs typeface="Arial" panose="020B0604020202020204" pitchFamily="34" charset="0"/>
+              </a:rPr>
+              <a:t>In this generation, magnetic cores were used as the primary memory and magnetic tape and magnetic disks as secondary storage devices.</a:t>
+            </a:r>
+          </a:p>
+          <a:p>
+            <a:pPr marL="171450" indent="-171450" algn="just">
+              <a:buFont typeface="Arial" panose="020B0604020202020204" pitchFamily="34" charset="0"/>
+              <a:buChar char="•"/>
+            </a:pPr>
+            <a:endParaRPr lang="en-US" sz="1200" b="0" i="0" dirty="0">
+              <a:solidFill>
+                <a:srgbClr val="000000"/>
+              </a:solidFill>
+              <a:effectLst/>
+              <a:latin typeface="Arial" panose="020B0604020202020204" pitchFamily="34" charset="0"/>
+              <a:cs typeface="Arial" panose="020B0604020202020204" pitchFamily="34" charset="0"/>
+            </a:endParaRPr>
+          </a:p>
+          <a:p>
+            <a:pPr marL="342900" indent="-342900" algn="just">
+              <a:buFont typeface="Arial" panose="020B0604020202020204" pitchFamily="34" charset="0"/>
+              <a:buChar char="•"/>
+            </a:pPr>
+            <a:r>
+              <a:rPr lang="en-US" sz="2000" b="0" i="0" dirty="0">
+                <a:solidFill>
+                  <a:srgbClr val="000000"/>
+                </a:solidFill>
+                <a:effectLst/>
+                <a:latin typeface="Arial" panose="020B0604020202020204" pitchFamily="34" charset="0"/>
+                <a:cs typeface="Arial" panose="020B0604020202020204" pitchFamily="34" charset="0"/>
+              </a:rPr>
+              <a:t>In this generation, assembly language and high-level programming languages like FORTRAN, COBOL were used. The computers used batch processing and multiprogramming operating system.</a:t>
+            </a:r>
+          </a:p>
+        </p:txBody>
+      </p:sp>
+      <p:sp>
+        <p:nvSpPr>
+          <p:cNvPr id="3" name="TextBox 2">
+            <a:extLst>
+              <a:ext uri="{FF2B5EF4-FFF2-40B4-BE49-F238E27FC236}">
+                <a16:creationId xmlns:a16="http://schemas.microsoft.com/office/drawing/2014/main" id="{A0527D66-7CD6-FA26-B7C7-440DBC054928}"/>
+              </a:ext>
+            </a:extLst>
+          </p:cNvPr>
+          <p:cNvSpPr txBox="1"/>
+          <p:nvPr/>
+        </p:nvSpPr>
+        <p:spPr>
+          <a:xfrm>
+            <a:off x="263352" y="3933056"/>
+            <a:ext cx="6768752" cy="2554545"/>
+          </a:xfrm>
+          <a:prstGeom prst="rect">
+            <a:avLst/>
+          </a:prstGeom>
+          <a:noFill/>
+        </p:spPr>
+        <p:txBody>
+          <a:bodyPr wrap="square">
+            <a:spAutoFit/>
+          </a:bodyPr>
+          <a:lstStyle/>
+          <a:p>
+            <a:pPr algn="just"/>
+            <a:r>
+              <a:rPr lang="en-US" sz="2000" b="1" i="0" dirty="0">
+                <a:solidFill>
+                  <a:srgbClr val="000000"/>
+                </a:solidFill>
+                <a:effectLst/>
+                <a:latin typeface="Arial" panose="020B0604020202020204" pitchFamily="34" charset="0"/>
+                <a:cs typeface="Arial" panose="020B0604020202020204" pitchFamily="34" charset="0"/>
+              </a:rPr>
+              <a:t>The main features of the second generation are −</a:t>
+            </a:r>
+          </a:p>
+          <a:p>
+            <a:pPr algn="just"/>
+            <a:endParaRPr lang="en-US" sz="2000" b="0" i="0" dirty="0">
+              <a:solidFill>
+                <a:srgbClr val="000000"/>
+              </a:solidFill>
+              <a:effectLst/>
+              <a:latin typeface="Arial" panose="020B0604020202020204" pitchFamily="34" charset="0"/>
+              <a:cs typeface="Arial" panose="020B0604020202020204" pitchFamily="34" charset="0"/>
+            </a:endParaRPr>
+          </a:p>
+          <a:p>
+            <a:pPr marL="457200" indent="-457200" algn="l">
+              <a:buFont typeface="+mj-lt"/>
+              <a:buAutoNum type="arabicPeriod"/>
+            </a:pPr>
+            <a:r>
+              <a:rPr lang="en-US" sz="2000" b="0" i="0" dirty="0">
+                <a:solidFill>
+                  <a:srgbClr val="000000"/>
+                </a:solidFill>
+                <a:effectLst/>
+                <a:latin typeface="Arial" panose="020B0604020202020204" pitchFamily="34" charset="0"/>
+                <a:cs typeface="Arial" panose="020B0604020202020204" pitchFamily="34" charset="0"/>
+              </a:rPr>
+              <a:t>Use of transistors</a:t>
+            </a:r>
+          </a:p>
+          <a:p>
+            <a:pPr marL="457200" indent="-457200" algn="l">
+              <a:buFont typeface="+mj-lt"/>
+              <a:buAutoNum type="arabicPeriod"/>
+            </a:pPr>
+            <a:r>
+              <a:rPr lang="en-US" sz="2000" b="0" i="0" dirty="0">
+                <a:solidFill>
+                  <a:srgbClr val="000000"/>
+                </a:solidFill>
+                <a:effectLst/>
+                <a:latin typeface="Arial" panose="020B0604020202020204" pitchFamily="34" charset="0"/>
+                <a:cs typeface="Arial" panose="020B0604020202020204" pitchFamily="34" charset="0"/>
+              </a:rPr>
+              <a:t>Reliable in comparison to first generation computers</a:t>
+            </a:r>
+          </a:p>
+          <a:p>
+            <a:pPr marL="457200" indent="-457200" algn="l">
+              <a:buFont typeface="+mj-lt"/>
+              <a:buAutoNum type="arabicPeriod"/>
+            </a:pPr>
+            <a:r>
+              <a:rPr lang="en-US" sz="2000" b="0" i="0" dirty="0">
+                <a:solidFill>
+                  <a:srgbClr val="000000"/>
+                </a:solidFill>
+                <a:effectLst/>
+                <a:latin typeface="Arial" panose="020B0604020202020204" pitchFamily="34" charset="0"/>
+                <a:cs typeface="Arial" panose="020B0604020202020204" pitchFamily="34" charset="0"/>
+              </a:rPr>
+              <a:t>Smaller size as compared to first generation</a:t>
+            </a:r>
+          </a:p>
+          <a:p>
+            <a:pPr marL="457200" indent="-457200" algn="l">
+              <a:buFont typeface="+mj-lt"/>
+              <a:buAutoNum type="arabicPeriod"/>
+            </a:pPr>
+            <a:r>
+              <a:rPr lang="en-US" sz="2000" b="0" i="0" dirty="0">
+                <a:solidFill>
+                  <a:srgbClr val="000000"/>
+                </a:solidFill>
+                <a:effectLst/>
+                <a:latin typeface="Arial" panose="020B0604020202020204" pitchFamily="34" charset="0"/>
+                <a:cs typeface="Arial" panose="020B0604020202020204" pitchFamily="34" charset="0"/>
+              </a:rPr>
+              <a:t>Generated less heat as compared to first generation</a:t>
+            </a:r>
+          </a:p>
+          <a:p>
+            <a:pPr marL="457200" indent="-457200">
+              <a:buFont typeface="+mj-lt"/>
+              <a:buAutoNum type="arabicPeriod"/>
+            </a:pPr>
+            <a:r>
+              <a:rPr lang="en-US" sz="2000" b="0" i="0" dirty="0">
+                <a:solidFill>
+                  <a:srgbClr val="000000"/>
+                </a:solidFill>
+                <a:effectLst/>
+                <a:latin typeface="Arial" panose="020B0604020202020204" pitchFamily="34" charset="0"/>
+                <a:cs typeface="Arial" panose="020B0604020202020204" pitchFamily="34" charset="0"/>
+              </a:rPr>
+              <a:t>Consumed less electricity as compared to first generation</a:t>
+            </a:r>
+          </a:p>
+        </p:txBody>
+      </p:sp>
+      <p:sp>
+        <p:nvSpPr>
+          <p:cNvPr id="6" name="TextBox 5">
+            <a:extLst>
+              <a:ext uri="{FF2B5EF4-FFF2-40B4-BE49-F238E27FC236}">
+                <a16:creationId xmlns:a16="http://schemas.microsoft.com/office/drawing/2014/main" id="{1888DE6B-7BCE-EEBD-AF05-A1F01FA2BF59}"/>
+              </a:ext>
+            </a:extLst>
+          </p:cNvPr>
+          <p:cNvSpPr txBox="1"/>
+          <p:nvPr/>
+        </p:nvSpPr>
+        <p:spPr>
+          <a:xfrm>
+            <a:off x="7176120" y="4856385"/>
+            <a:ext cx="4824536" cy="1631216"/>
+          </a:xfrm>
+          <a:prstGeom prst="rect">
+            <a:avLst/>
+          </a:prstGeom>
+          <a:noFill/>
+        </p:spPr>
+        <p:txBody>
+          <a:bodyPr wrap="square">
+            <a:spAutoFit/>
+          </a:bodyPr>
+          <a:lstStyle/>
+          <a:p>
+            <a:pPr marL="457200" indent="-457200" algn="l">
+              <a:buFont typeface="+mj-lt"/>
+              <a:buAutoNum type="arabicPeriod" startAt="5"/>
+            </a:pPr>
+            <a:r>
+              <a:rPr lang="en-US" sz="2000" b="0" i="0" dirty="0">
+                <a:solidFill>
+                  <a:srgbClr val="000000"/>
+                </a:solidFill>
+                <a:effectLst/>
+                <a:latin typeface="Arial" panose="020B0604020202020204" pitchFamily="34" charset="0"/>
+                <a:cs typeface="Arial" panose="020B0604020202020204" pitchFamily="34" charset="0"/>
+              </a:rPr>
+              <a:t>Faster than first generation</a:t>
+            </a:r>
+          </a:p>
+          <a:p>
+            <a:pPr marL="457200" indent="-457200" algn="l">
+              <a:buFont typeface="+mj-lt"/>
+              <a:buAutoNum type="arabicPeriod" startAt="5"/>
+            </a:pPr>
+            <a:r>
+              <a:rPr lang="en-US" sz="2000" b="0" i="0" dirty="0">
+                <a:solidFill>
+                  <a:srgbClr val="000000"/>
+                </a:solidFill>
+                <a:effectLst/>
+                <a:latin typeface="Arial" panose="020B0604020202020204" pitchFamily="34" charset="0"/>
+                <a:cs typeface="Arial" panose="020B0604020202020204" pitchFamily="34" charset="0"/>
+              </a:rPr>
+              <a:t>Still very costly</a:t>
+            </a:r>
+          </a:p>
+          <a:p>
+            <a:pPr marL="457200" indent="-457200" algn="l">
+              <a:buFont typeface="+mj-lt"/>
+              <a:buAutoNum type="arabicPeriod" startAt="5"/>
+            </a:pPr>
+            <a:r>
+              <a:rPr lang="en-US" sz="2000" b="0" i="0" dirty="0">
+                <a:solidFill>
+                  <a:srgbClr val="000000"/>
+                </a:solidFill>
+                <a:effectLst/>
+                <a:latin typeface="Arial" panose="020B0604020202020204" pitchFamily="34" charset="0"/>
+                <a:cs typeface="Arial" panose="020B0604020202020204" pitchFamily="34" charset="0"/>
+              </a:rPr>
+              <a:t>AC required</a:t>
+            </a:r>
+          </a:p>
+          <a:p>
+            <a:pPr marL="457200" indent="-457200" algn="l">
+              <a:buFont typeface="+mj-lt"/>
+              <a:buAutoNum type="arabicPeriod" startAt="5"/>
+            </a:pPr>
+            <a:r>
+              <a:rPr lang="en-US" sz="2000" b="0" i="0" dirty="0">
+                <a:solidFill>
+                  <a:srgbClr val="000000"/>
+                </a:solidFill>
+                <a:effectLst/>
+                <a:latin typeface="Arial" panose="020B0604020202020204" pitchFamily="34" charset="0"/>
+                <a:cs typeface="Arial" panose="020B0604020202020204" pitchFamily="34" charset="0"/>
+              </a:rPr>
+              <a:t>Supported machine and assembly languages</a:t>
+            </a:r>
+          </a:p>
+        </p:txBody>
+      </p:sp>
+    </p:spTree>
+    <p:extLst>
+      <p:ext uri="{BB962C8B-B14F-4D97-AF65-F5344CB8AC3E}">
+        <p14:creationId xmlns:p14="http://schemas.microsoft.com/office/powerpoint/2010/main" val="3239572161"/>
+      </p:ext>
+    </p:extLst>
+  </p:cSld>
+  <p:clrMapOvr>
+    <a:masterClrMapping/>
+  </p:clrMapOvr>
+</p:sld>
+</file>
+
+<file path=ppt/slides/slide40.xml><?xml version="1.0" encoding="utf-8"?>
 <p:sld xmlns:a="http://schemas.openxmlformats.org/drawingml/2006/main" xmlns:r="http://schemas.openxmlformats.org/officeDocument/2006/relationships" xmlns:p="http://schemas.openxmlformats.org/presentationml/2006/main">
   <p:cSld>
     <p:spTree>
@@ -11061,7 +12053,7 @@
 </p:sld>
 </file>
 
-<file path=ppt/slides/slide39.xml><?xml version="1.0" encoding="utf-8"?>
+<file path=ppt/slides/slide41.xml><?xml version="1.0" encoding="utf-8"?>
 <p:sld xmlns:a="http://schemas.openxmlformats.org/drawingml/2006/main" xmlns:r="http://schemas.openxmlformats.org/officeDocument/2006/relationships" xmlns:p="http://schemas.openxmlformats.org/presentationml/2006/main">
   <p:cSld>
     <p:spTree>
@@ -11138,446 +12130,7 @@
 </p:sld>
 </file>
 
-<file path=ppt/slides/slide4.xml><?xml version="1.0" encoding="utf-8"?>
-<p:sld xmlns:a="http://schemas.openxmlformats.org/drawingml/2006/main" xmlns:r="http://schemas.openxmlformats.org/officeDocument/2006/relationships" xmlns:p="http://schemas.openxmlformats.org/presentationml/2006/main">
-  <p:cSld>
-    <p:spTree>
-      <p:nvGrpSpPr>
-        <p:cNvPr id="1" name=""/>
-        <p:cNvGrpSpPr/>
-        <p:nvPr/>
-      </p:nvGrpSpPr>
-      <p:grpSpPr>
-        <a:xfrm>
-          <a:off x="0" y="0"/>
-          <a:ext cx="0" cy="0"/>
-          <a:chOff x="0" y="0"/>
-          <a:chExt cx="0" cy="0"/>
-        </a:xfrm>
-      </p:grpSpPr>
-      <p:sp>
-        <p:nvSpPr>
-          <p:cNvPr id="5" name="Rectangle 4"/>
-          <p:cNvSpPr/>
-          <p:nvPr/>
-        </p:nvSpPr>
-        <p:spPr>
-          <a:xfrm>
-            <a:off x="1524596" y="4"/>
-            <a:ext cx="9142810" cy="584775"/>
-          </a:xfrm>
-          <a:prstGeom prst="rect">
-            <a:avLst/>
-          </a:prstGeom>
-          <a:noFill/>
-        </p:spPr>
-        <p:txBody>
-          <a:bodyPr wrap="square">
-            <a:spAutoFit/>
-          </a:bodyPr>
-          <a:lstStyle/>
-          <a:p>
-            <a:pPr algn="r"/>
-            <a:r>
-              <a:rPr lang="en-IN" sz="3200" i="1" dirty="0">
-                <a:solidFill>
-                  <a:srgbClr val="FF9900"/>
-                </a:solidFill>
-                <a:latin typeface="Arial" pitchFamily="34" charset="0"/>
-                <a:cs typeface="Arial" pitchFamily="34" charset="0"/>
-              </a:rPr>
-              <a:t>Second Generation of Computers</a:t>
-            </a:r>
-          </a:p>
-        </p:txBody>
-      </p:sp>
-      <p:sp>
-        <p:nvSpPr>
-          <p:cNvPr id="2" name="TextBox 1">
-            <a:extLst>
-              <a:ext uri="{FF2B5EF4-FFF2-40B4-BE49-F238E27FC236}">
-                <a16:creationId xmlns:a16="http://schemas.microsoft.com/office/drawing/2014/main" id="{3ECBB028-1365-FB7C-0374-717123690D5B}"/>
-              </a:ext>
-            </a:extLst>
-          </p:cNvPr>
-          <p:cNvSpPr txBox="1"/>
-          <p:nvPr/>
-        </p:nvSpPr>
-        <p:spPr>
-          <a:xfrm>
-            <a:off x="191344" y="908720"/>
-            <a:ext cx="11809312" cy="2800767"/>
-          </a:xfrm>
-          <a:prstGeom prst="rect">
-            <a:avLst/>
-          </a:prstGeom>
-          <a:noFill/>
-        </p:spPr>
-        <p:txBody>
-          <a:bodyPr wrap="square">
-            <a:spAutoFit/>
-          </a:bodyPr>
-          <a:lstStyle/>
-          <a:p>
-            <a:pPr marL="342900" indent="-342900" algn="just">
-              <a:buFont typeface="Arial" panose="020B0604020202020204" pitchFamily="34" charset="0"/>
-              <a:buChar char="•"/>
-            </a:pPr>
-            <a:r>
-              <a:rPr lang="en-US" sz="2000" b="0" i="0" dirty="0">
-                <a:solidFill>
-                  <a:srgbClr val="000000"/>
-                </a:solidFill>
-                <a:effectLst/>
-                <a:latin typeface="Arial" panose="020B0604020202020204" pitchFamily="34" charset="0"/>
-                <a:cs typeface="Arial" panose="020B0604020202020204" pitchFamily="34" charset="0"/>
-              </a:rPr>
-              <a:t>The period of second generation was from 1959-1965. </a:t>
-            </a:r>
-          </a:p>
-          <a:p>
-            <a:pPr marL="171450" indent="-171450" algn="just">
-              <a:buFont typeface="Arial" panose="020B0604020202020204" pitchFamily="34" charset="0"/>
-              <a:buChar char="•"/>
-            </a:pPr>
-            <a:endParaRPr lang="en-US" sz="1200" dirty="0">
-              <a:solidFill>
-                <a:srgbClr val="000000"/>
-              </a:solidFill>
-              <a:latin typeface="Arial" panose="020B0604020202020204" pitchFamily="34" charset="0"/>
-              <a:cs typeface="Arial" panose="020B0604020202020204" pitchFamily="34" charset="0"/>
-            </a:endParaRPr>
-          </a:p>
-          <a:p>
-            <a:pPr marL="342900" indent="-342900" algn="just">
-              <a:buFont typeface="Arial" panose="020B0604020202020204" pitchFamily="34" charset="0"/>
-              <a:buChar char="•"/>
-            </a:pPr>
-            <a:r>
-              <a:rPr lang="en-US" sz="2000" b="0" i="0" dirty="0">
-                <a:solidFill>
-                  <a:srgbClr val="000000"/>
-                </a:solidFill>
-                <a:effectLst/>
-                <a:latin typeface="Arial" panose="020B0604020202020204" pitchFamily="34" charset="0"/>
-                <a:cs typeface="Arial" panose="020B0604020202020204" pitchFamily="34" charset="0"/>
-              </a:rPr>
-              <a:t>In this generation, transistors were used that were cheaper, consumed less power and faster than the first generation machines made of vacuum tubes. </a:t>
-            </a:r>
-          </a:p>
-          <a:p>
-            <a:pPr marL="171450" indent="-171450" algn="just">
-              <a:buFont typeface="Arial" panose="020B0604020202020204" pitchFamily="34" charset="0"/>
-              <a:buChar char="•"/>
-            </a:pPr>
-            <a:endParaRPr lang="en-US" sz="1200" dirty="0">
-              <a:solidFill>
-                <a:srgbClr val="000000"/>
-              </a:solidFill>
-              <a:latin typeface="Arial" panose="020B0604020202020204" pitchFamily="34" charset="0"/>
-              <a:cs typeface="Arial" panose="020B0604020202020204" pitchFamily="34" charset="0"/>
-            </a:endParaRPr>
-          </a:p>
-          <a:p>
-            <a:pPr marL="342900" indent="-342900" algn="just">
-              <a:buFont typeface="Arial" panose="020B0604020202020204" pitchFamily="34" charset="0"/>
-              <a:buChar char="•"/>
-            </a:pPr>
-            <a:r>
-              <a:rPr lang="en-US" sz="2000" b="0" i="0" dirty="0">
-                <a:solidFill>
-                  <a:srgbClr val="000000"/>
-                </a:solidFill>
-                <a:effectLst/>
-                <a:latin typeface="Arial" panose="020B0604020202020204" pitchFamily="34" charset="0"/>
-                <a:cs typeface="Arial" panose="020B0604020202020204" pitchFamily="34" charset="0"/>
-              </a:rPr>
-              <a:t>In this generation, magnetic cores were used as the primary memory and magnetic tape and magnetic disks as secondary storage devices.</a:t>
-            </a:r>
-          </a:p>
-          <a:p>
-            <a:pPr marL="171450" indent="-171450" algn="just">
-              <a:buFont typeface="Arial" panose="020B0604020202020204" pitchFamily="34" charset="0"/>
-              <a:buChar char="•"/>
-            </a:pPr>
-            <a:endParaRPr lang="en-US" sz="1200" b="0" i="0" dirty="0">
-              <a:solidFill>
-                <a:srgbClr val="000000"/>
-              </a:solidFill>
-              <a:effectLst/>
-              <a:latin typeface="Arial" panose="020B0604020202020204" pitchFamily="34" charset="0"/>
-              <a:cs typeface="Arial" panose="020B0604020202020204" pitchFamily="34" charset="0"/>
-            </a:endParaRPr>
-          </a:p>
-          <a:p>
-            <a:pPr marL="342900" indent="-342900" algn="just">
-              <a:buFont typeface="Arial" panose="020B0604020202020204" pitchFamily="34" charset="0"/>
-              <a:buChar char="•"/>
-            </a:pPr>
-            <a:r>
-              <a:rPr lang="en-US" sz="2000" b="0" i="0" dirty="0">
-                <a:solidFill>
-                  <a:srgbClr val="000000"/>
-                </a:solidFill>
-                <a:effectLst/>
-                <a:latin typeface="Arial" panose="020B0604020202020204" pitchFamily="34" charset="0"/>
-                <a:cs typeface="Arial" panose="020B0604020202020204" pitchFamily="34" charset="0"/>
-              </a:rPr>
-              <a:t>In this generation, assembly language and high-level programming languages like FORTRAN, COBOL were used. The computers used batch processing and multiprogramming operating system.</a:t>
-            </a:r>
-          </a:p>
-        </p:txBody>
-      </p:sp>
-      <p:sp>
-        <p:nvSpPr>
-          <p:cNvPr id="3" name="TextBox 2">
-            <a:extLst>
-              <a:ext uri="{FF2B5EF4-FFF2-40B4-BE49-F238E27FC236}">
-                <a16:creationId xmlns:a16="http://schemas.microsoft.com/office/drawing/2014/main" id="{A0527D66-7CD6-FA26-B7C7-440DBC054928}"/>
-              </a:ext>
-            </a:extLst>
-          </p:cNvPr>
-          <p:cNvSpPr txBox="1"/>
-          <p:nvPr/>
-        </p:nvSpPr>
-        <p:spPr>
-          <a:xfrm>
-            <a:off x="263352" y="3933056"/>
-            <a:ext cx="6768752" cy="2554545"/>
-          </a:xfrm>
-          <a:prstGeom prst="rect">
-            <a:avLst/>
-          </a:prstGeom>
-          <a:noFill/>
-        </p:spPr>
-        <p:txBody>
-          <a:bodyPr wrap="square">
-            <a:spAutoFit/>
-          </a:bodyPr>
-          <a:lstStyle/>
-          <a:p>
-            <a:pPr algn="just"/>
-            <a:r>
-              <a:rPr lang="en-US" sz="2000" b="1" i="0" dirty="0">
-                <a:solidFill>
-                  <a:srgbClr val="000000"/>
-                </a:solidFill>
-                <a:effectLst/>
-                <a:latin typeface="Arial" panose="020B0604020202020204" pitchFamily="34" charset="0"/>
-                <a:cs typeface="Arial" panose="020B0604020202020204" pitchFamily="34" charset="0"/>
-              </a:rPr>
-              <a:t>The main features of the second generation are −</a:t>
-            </a:r>
-          </a:p>
-          <a:p>
-            <a:pPr algn="just"/>
-            <a:endParaRPr lang="en-US" sz="2000" b="0" i="0" dirty="0">
-              <a:solidFill>
-                <a:srgbClr val="000000"/>
-              </a:solidFill>
-              <a:effectLst/>
-              <a:latin typeface="Arial" panose="020B0604020202020204" pitchFamily="34" charset="0"/>
-              <a:cs typeface="Arial" panose="020B0604020202020204" pitchFamily="34" charset="0"/>
-            </a:endParaRPr>
-          </a:p>
-          <a:p>
-            <a:pPr marL="457200" indent="-457200" algn="l">
-              <a:buFont typeface="+mj-lt"/>
-              <a:buAutoNum type="arabicPeriod"/>
-            </a:pPr>
-            <a:r>
-              <a:rPr lang="en-US" sz="2000" b="0" i="0" dirty="0">
-                <a:solidFill>
-                  <a:srgbClr val="000000"/>
-                </a:solidFill>
-                <a:effectLst/>
-                <a:latin typeface="Arial" panose="020B0604020202020204" pitchFamily="34" charset="0"/>
-                <a:cs typeface="Arial" panose="020B0604020202020204" pitchFamily="34" charset="0"/>
-              </a:rPr>
-              <a:t>Use of transistors</a:t>
-            </a:r>
-          </a:p>
-          <a:p>
-            <a:pPr marL="457200" indent="-457200" algn="l">
-              <a:buFont typeface="+mj-lt"/>
-              <a:buAutoNum type="arabicPeriod"/>
-            </a:pPr>
-            <a:r>
-              <a:rPr lang="en-US" sz="2000" b="0" i="0" dirty="0">
-                <a:solidFill>
-                  <a:srgbClr val="000000"/>
-                </a:solidFill>
-                <a:effectLst/>
-                <a:latin typeface="Arial" panose="020B0604020202020204" pitchFamily="34" charset="0"/>
-                <a:cs typeface="Arial" panose="020B0604020202020204" pitchFamily="34" charset="0"/>
-              </a:rPr>
-              <a:t>Reliable in comparison to first generation computers</a:t>
-            </a:r>
-          </a:p>
-          <a:p>
-            <a:pPr marL="457200" indent="-457200" algn="l">
-              <a:buFont typeface="+mj-lt"/>
-              <a:buAutoNum type="arabicPeriod"/>
-            </a:pPr>
-            <a:r>
-              <a:rPr lang="en-US" sz="2000" b="0" i="0" dirty="0">
-                <a:solidFill>
-                  <a:srgbClr val="000000"/>
-                </a:solidFill>
-                <a:effectLst/>
-                <a:latin typeface="Arial" panose="020B0604020202020204" pitchFamily="34" charset="0"/>
-                <a:cs typeface="Arial" panose="020B0604020202020204" pitchFamily="34" charset="0"/>
-              </a:rPr>
-              <a:t>Smaller size as compared to first generation</a:t>
-            </a:r>
-          </a:p>
-          <a:p>
-            <a:pPr marL="457200" indent="-457200" algn="l">
-              <a:buFont typeface="+mj-lt"/>
-              <a:buAutoNum type="arabicPeriod"/>
-            </a:pPr>
-            <a:r>
-              <a:rPr lang="en-US" sz="2000" b="0" i="0" dirty="0">
-                <a:solidFill>
-                  <a:srgbClr val="000000"/>
-                </a:solidFill>
-                <a:effectLst/>
-                <a:latin typeface="Arial" panose="020B0604020202020204" pitchFamily="34" charset="0"/>
-                <a:cs typeface="Arial" panose="020B0604020202020204" pitchFamily="34" charset="0"/>
-              </a:rPr>
-              <a:t>Generated less heat as compared to first generation</a:t>
-            </a:r>
-          </a:p>
-          <a:p>
-            <a:pPr marL="457200" indent="-457200">
-              <a:buFont typeface="+mj-lt"/>
-              <a:buAutoNum type="arabicPeriod"/>
-            </a:pPr>
-            <a:r>
-              <a:rPr lang="en-US" sz="2000" b="0" i="0" dirty="0">
-                <a:solidFill>
-                  <a:srgbClr val="000000"/>
-                </a:solidFill>
-                <a:effectLst/>
-                <a:latin typeface="Arial" panose="020B0604020202020204" pitchFamily="34" charset="0"/>
-                <a:cs typeface="Arial" panose="020B0604020202020204" pitchFamily="34" charset="0"/>
-              </a:rPr>
-              <a:t>Consumed less electricity as compared to first generation</a:t>
-            </a:r>
-          </a:p>
-        </p:txBody>
-      </p:sp>
-      <p:sp>
-        <p:nvSpPr>
-          <p:cNvPr id="6" name="TextBox 5">
-            <a:extLst>
-              <a:ext uri="{FF2B5EF4-FFF2-40B4-BE49-F238E27FC236}">
-                <a16:creationId xmlns:a16="http://schemas.microsoft.com/office/drawing/2014/main" id="{1888DE6B-7BCE-EEBD-AF05-A1F01FA2BF59}"/>
-              </a:ext>
-            </a:extLst>
-          </p:cNvPr>
-          <p:cNvSpPr txBox="1"/>
-          <p:nvPr/>
-        </p:nvSpPr>
-        <p:spPr>
-          <a:xfrm>
-            <a:off x="7176120" y="4856385"/>
-            <a:ext cx="4824536" cy="1631216"/>
-          </a:xfrm>
-          <a:prstGeom prst="rect">
-            <a:avLst/>
-          </a:prstGeom>
-          <a:noFill/>
-        </p:spPr>
-        <p:txBody>
-          <a:bodyPr wrap="square">
-            <a:spAutoFit/>
-          </a:bodyPr>
-          <a:lstStyle/>
-          <a:p>
-            <a:pPr marL="457200" indent="-457200" algn="l">
-              <a:buFont typeface="+mj-lt"/>
-              <a:buAutoNum type="arabicPeriod" startAt="5"/>
-            </a:pPr>
-            <a:r>
-              <a:rPr lang="en-US" sz="2000" b="0" i="0" dirty="0">
-                <a:solidFill>
-                  <a:srgbClr val="000000"/>
-                </a:solidFill>
-                <a:effectLst/>
-                <a:latin typeface="Arial" panose="020B0604020202020204" pitchFamily="34" charset="0"/>
-                <a:cs typeface="Arial" panose="020B0604020202020204" pitchFamily="34" charset="0"/>
-              </a:rPr>
-              <a:t>Faster than first generation</a:t>
-            </a:r>
-          </a:p>
-          <a:p>
-            <a:pPr marL="457200" indent="-457200" algn="l">
-              <a:buFont typeface="+mj-lt"/>
-              <a:buAutoNum type="arabicPeriod" startAt="5"/>
-            </a:pPr>
-            <a:r>
-              <a:rPr lang="en-US" sz="2000" b="0" i="0" dirty="0">
-                <a:solidFill>
-                  <a:srgbClr val="000000"/>
-                </a:solidFill>
-                <a:effectLst/>
-                <a:latin typeface="Arial" panose="020B0604020202020204" pitchFamily="34" charset="0"/>
-                <a:cs typeface="Arial" panose="020B0604020202020204" pitchFamily="34" charset="0"/>
-              </a:rPr>
-              <a:t>Still very costly</a:t>
-            </a:r>
-          </a:p>
-          <a:p>
-            <a:pPr marL="457200" indent="-457200" algn="l">
-              <a:buFont typeface="+mj-lt"/>
-              <a:buAutoNum type="arabicPeriod" startAt="5"/>
-            </a:pPr>
-            <a:r>
-              <a:rPr lang="en-US" sz="2000" b="0" i="0" dirty="0">
-                <a:solidFill>
-                  <a:srgbClr val="000000"/>
-                </a:solidFill>
-                <a:effectLst/>
-                <a:latin typeface="Arial" panose="020B0604020202020204" pitchFamily="34" charset="0"/>
-                <a:cs typeface="Arial" panose="020B0604020202020204" pitchFamily="34" charset="0"/>
-              </a:rPr>
-              <a:t>AC required</a:t>
-            </a:r>
-          </a:p>
-          <a:p>
-            <a:pPr marL="457200" indent="-457200" algn="l">
-              <a:buFont typeface="+mj-lt"/>
-              <a:buAutoNum type="arabicPeriod" startAt="5"/>
-            </a:pPr>
-            <a:r>
-              <a:rPr lang="en-US" sz="2000" b="0" i="0" dirty="0">
-                <a:solidFill>
-                  <a:srgbClr val="000000"/>
-                </a:solidFill>
-                <a:effectLst/>
-                <a:latin typeface="Arial" panose="020B0604020202020204" pitchFamily="34" charset="0"/>
-                <a:cs typeface="Arial" panose="020B0604020202020204" pitchFamily="34" charset="0"/>
-              </a:rPr>
-              <a:t>Supported machine and assembly languages</a:t>
-            </a:r>
-          </a:p>
-        </p:txBody>
-      </p:sp>
-    </p:spTree>
-    <p:extLst>
-      <p:ext uri="{BB962C8B-B14F-4D97-AF65-F5344CB8AC3E}">
-        <p14:creationId xmlns:p14="http://schemas.microsoft.com/office/powerpoint/2010/main" val="3239572161"/>
-      </p:ext>
-    </p:extLst>
-  </p:cSld>
-  <p:clrMapOvr>
-    <a:masterClrMapping/>
-  </p:clrMapOvr>
-</p:sld>
-</file>
-
-<file path=ppt/slides/slide40.xml><?xml version="1.0" encoding="utf-8"?>
+<file path=ppt/slides/slide42.xml><?xml version="1.0" encoding="utf-8"?>
 <p:sld xmlns:a="http://schemas.openxmlformats.org/drawingml/2006/main" xmlns:r="http://schemas.openxmlformats.org/officeDocument/2006/relationships" xmlns:p="http://schemas.openxmlformats.org/presentationml/2006/main">
   <p:cSld>
     <p:bg>
@@ -12623,230 +13176,6 @@
     <p:extLst>
       <p:ext uri="{BB962C8B-B14F-4D97-AF65-F5344CB8AC3E}">
         <p14:creationId xmlns:p14="http://schemas.microsoft.com/office/powerpoint/2010/main" val="2532309092"/>
-      </p:ext>
-    </p:extLst>
-  </p:cSld>
-  <p:clrMapOvr>
-    <a:masterClrMapping/>
-  </p:clrMapOvr>
-</p:sld>
-</file>
-
-<file path=ppt/slides/slide41.xml><?xml version="1.0" encoding="utf-8"?>
-<p:sld xmlns:a="http://schemas.openxmlformats.org/drawingml/2006/main" xmlns:r="http://schemas.openxmlformats.org/officeDocument/2006/relationships" xmlns:p="http://schemas.openxmlformats.org/presentationml/2006/main">
-  <p:cSld>
-    <p:spTree>
-      <p:nvGrpSpPr>
-        <p:cNvPr id="1" name=""/>
-        <p:cNvGrpSpPr/>
-        <p:nvPr/>
-      </p:nvGrpSpPr>
-      <p:grpSpPr>
-        <a:xfrm>
-          <a:off x="0" y="0"/>
-          <a:ext cx="0" cy="0"/>
-          <a:chOff x="0" y="0"/>
-          <a:chExt cx="0" cy="0"/>
-        </a:xfrm>
-      </p:grpSpPr>
-      <p:sp>
-        <p:nvSpPr>
-          <p:cNvPr id="4" name="Rectangle 3">
-            <a:extLst>
-              <a:ext uri="{FF2B5EF4-FFF2-40B4-BE49-F238E27FC236}">
-                <a16:creationId xmlns:a16="http://schemas.microsoft.com/office/drawing/2014/main" id="{6524962B-7610-4EFD-AA5E-DDE403AB8860}"/>
-              </a:ext>
-            </a:extLst>
-          </p:cNvPr>
-          <p:cNvSpPr/>
-          <p:nvPr/>
-        </p:nvSpPr>
-        <p:spPr>
-          <a:xfrm>
-            <a:off x="1524000" y="1"/>
-            <a:ext cx="9144000" cy="584775"/>
-          </a:xfrm>
-          <a:prstGeom prst="rect">
-            <a:avLst/>
-          </a:prstGeom>
-          <a:noFill/>
-        </p:spPr>
-        <p:txBody>
-          <a:bodyPr wrap="square">
-            <a:spAutoFit/>
-          </a:bodyPr>
-          <a:lstStyle/>
-          <a:p>
-            <a:pPr algn="r"/>
-            <a:r>
-              <a:rPr lang="en-US" sz="3200" i="1" dirty="0">
-                <a:solidFill>
-                  <a:srgbClr val="FF9900"/>
-                </a:solidFill>
-                <a:latin typeface="Arial" pitchFamily="34" charset="0"/>
-                <a:cs typeface="Arial" pitchFamily="34" charset="0"/>
-              </a:rPr>
-              <a:t>procedural programming paradigm</a:t>
-            </a:r>
-            <a:endParaRPr lang="en-IN" sz="3200" i="1" dirty="0">
-              <a:solidFill>
-                <a:srgbClr val="FF9900"/>
-              </a:solidFill>
-              <a:latin typeface="Arial" pitchFamily="34" charset="0"/>
-              <a:cs typeface="Arial" pitchFamily="34" charset="0"/>
-            </a:endParaRPr>
-          </a:p>
-        </p:txBody>
-      </p:sp>
-      <p:sp>
-        <p:nvSpPr>
-          <p:cNvPr id="6" name="TextBox 5">
-            <a:extLst>
-              <a:ext uri="{FF2B5EF4-FFF2-40B4-BE49-F238E27FC236}">
-                <a16:creationId xmlns:a16="http://schemas.microsoft.com/office/drawing/2014/main" id="{B6D0F145-F4AF-AB8D-0658-1541B6EBF168}"/>
-              </a:ext>
-            </a:extLst>
-          </p:cNvPr>
-          <p:cNvSpPr txBox="1"/>
-          <p:nvPr/>
-        </p:nvSpPr>
-        <p:spPr>
-          <a:xfrm>
-            <a:off x="191344" y="1052736"/>
-            <a:ext cx="11809312" cy="2554545"/>
-          </a:xfrm>
-          <a:prstGeom prst="rect">
-            <a:avLst/>
-          </a:prstGeom>
-          <a:noFill/>
-        </p:spPr>
-        <p:txBody>
-          <a:bodyPr wrap="square">
-            <a:spAutoFit/>
-          </a:bodyPr>
-          <a:lstStyle>
-            <a:defPPr>
-              <a:defRPr lang="en-US"/>
-            </a:defPPr>
-            <a:lvl1pPr marL="285750" indent="-285750">
-              <a:buFont typeface="Arial" panose="020B0604020202020204" pitchFamily="34" charset="0"/>
-              <a:buChar char="•"/>
-              <a:defRPr b="1">
-                <a:latin typeface="Arial" panose="020B0604020202020204" pitchFamily="34" charset="0"/>
-                <a:cs typeface="Arial" panose="020B0604020202020204" pitchFamily="34" charset="0"/>
-              </a:defRPr>
-            </a:lvl1pPr>
-          </a:lstStyle>
-          <a:p>
-            <a:r>
-              <a:rPr lang="en-US" sz="2000" b="0" dirty="0"/>
-              <a:t>Procedural programming revolves around a sequence of instructions given to the computer. These sequences of instructions are known as procedures.</a:t>
-            </a:r>
-          </a:p>
-          <a:p>
-            <a:endParaRPr lang="en-US" sz="2000" b="0" dirty="0"/>
-          </a:p>
-          <a:p>
-            <a:r>
-              <a:rPr lang="en-US" sz="2000" b="0" dirty="0"/>
-              <a:t>Since the instructions are carried out in well-defined sequences, we say that procedural programming takes a top-down approach.</a:t>
-            </a:r>
-          </a:p>
-          <a:p>
-            <a:endParaRPr lang="en-US" sz="2000" b="0" dirty="0"/>
-          </a:p>
-          <a:p>
-            <a:r>
-              <a:rPr lang="en-US" sz="2000" b="0" dirty="0"/>
-              <a:t>In procedural programming, we divide our instructions into smaller blocks of well-defined code. These code blocks are known as functions, where each function performs a specific task.</a:t>
-            </a:r>
-            <a:endParaRPr lang="en-IN" sz="2000" b="0" dirty="0"/>
-          </a:p>
-        </p:txBody>
-      </p:sp>
-    </p:spTree>
-    <p:extLst>
-      <p:ext uri="{BB962C8B-B14F-4D97-AF65-F5344CB8AC3E}">
-        <p14:creationId xmlns:p14="http://schemas.microsoft.com/office/powerpoint/2010/main" val="2207908433"/>
-      </p:ext>
-    </p:extLst>
-  </p:cSld>
-  <p:clrMapOvr>
-    <a:masterClrMapping/>
-  </p:clrMapOvr>
-</p:sld>
-</file>
-
-<file path=ppt/slides/slide42.xml><?xml version="1.0" encoding="utf-8"?>
-<p:sld xmlns:a="http://schemas.openxmlformats.org/drawingml/2006/main" xmlns:r="http://schemas.openxmlformats.org/officeDocument/2006/relationships" xmlns:p="http://schemas.openxmlformats.org/presentationml/2006/main">
-  <p:cSld>
-    <p:spTree>
-      <p:nvGrpSpPr>
-        <p:cNvPr id="1" name=""/>
-        <p:cNvGrpSpPr/>
-        <p:nvPr/>
-      </p:nvGrpSpPr>
-      <p:grpSpPr>
-        <a:xfrm>
-          <a:off x="0" y="0"/>
-          <a:ext cx="0" cy="0"/>
-          <a:chOff x="0" y="0"/>
-          <a:chExt cx="0" cy="0"/>
-        </a:xfrm>
-      </p:grpSpPr>
-      <p:sp>
-        <p:nvSpPr>
-          <p:cNvPr id="4" name="Rectangle 3">
-            <a:extLst>
-              <a:ext uri="{FF2B5EF4-FFF2-40B4-BE49-F238E27FC236}">
-                <a16:creationId xmlns:a16="http://schemas.microsoft.com/office/drawing/2014/main" id="{6524962B-7610-4EFD-AA5E-DDE403AB8860}"/>
-              </a:ext>
-            </a:extLst>
-          </p:cNvPr>
-          <p:cNvSpPr/>
-          <p:nvPr/>
-        </p:nvSpPr>
-        <p:spPr>
-          <a:xfrm>
-            <a:off x="1524000" y="1"/>
-            <a:ext cx="9144000" cy="584775"/>
-          </a:xfrm>
-          <a:prstGeom prst="rect">
-            <a:avLst/>
-          </a:prstGeom>
-          <a:noFill/>
-        </p:spPr>
-        <p:txBody>
-          <a:bodyPr wrap="square">
-            <a:spAutoFit/>
-          </a:bodyPr>
-          <a:lstStyle/>
-          <a:p>
-            <a:pPr algn="r"/>
-            <a:r>
-              <a:rPr lang="en-US" sz="3200" i="1" dirty="0">
-                <a:solidFill>
-                  <a:srgbClr val="FF9900"/>
-                </a:solidFill>
-                <a:latin typeface="Arial" pitchFamily="34" charset="0"/>
-                <a:cs typeface="Arial" pitchFamily="34" charset="0"/>
-              </a:rPr>
-              <a:t>object oriented programming paradigm</a:t>
-            </a:r>
-            <a:endParaRPr lang="en-IN" sz="3200" i="1" dirty="0">
-              <a:solidFill>
-                <a:srgbClr val="FF9900"/>
-              </a:solidFill>
-              <a:latin typeface="Arial" pitchFamily="34" charset="0"/>
-              <a:cs typeface="Arial" pitchFamily="34" charset="0"/>
-            </a:endParaRPr>
-          </a:p>
-        </p:txBody>
-      </p:sp>
-    </p:spTree>
-    <p:extLst>
-      <p:ext uri="{BB962C8B-B14F-4D97-AF65-F5344CB8AC3E}">
-        <p14:creationId xmlns:p14="http://schemas.microsoft.com/office/powerpoint/2010/main" val="1921851627"/>
       </p:ext>
     </p:extLst>
   </p:cSld>
@@ -12910,7 +13239,7 @@
                 <a:latin typeface="Arial" pitchFamily="34" charset="0"/>
                 <a:cs typeface="Arial" pitchFamily="34" charset="0"/>
               </a:rPr>
-              <a:t>parallel processing programming paradigm</a:t>
+              <a:t>procedural programming paradigm</a:t>
             </a:r>
             <a:endParaRPr lang="en-IN" sz="3200" i="1" dirty="0">
               <a:solidFill>
@@ -12922,10 +13251,76 @@
           </a:p>
         </p:txBody>
       </p:sp>
+      <p:sp>
+        <p:nvSpPr>
+          <p:cNvPr id="6" name="TextBox 5">
+            <a:extLst>
+              <a:ext uri="{FF2B5EF4-FFF2-40B4-BE49-F238E27FC236}">
+                <a16:creationId xmlns:a16="http://schemas.microsoft.com/office/drawing/2014/main" id="{B6D0F145-F4AF-AB8D-0658-1541B6EBF168}"/>
+              </a:ext>
+            </a:extLst>
+          </p:cNvPr>
+          <p:cNvSpPr txBox="1"/>
+          <p:nvPr/>
+        </p:nvSpPr>
+        <p:spPr>
+          <a:xfrm>
+            <a:off x="191344" y="1052736"/>
+            <a:ext cx="11809312" cy="2554545"/>
+          </a:xfrm>
+          <a:prstGeom prst="rect">
+            <a:avLst/>
+          </a:prstGeom>
+          <a:noFill/>
+        </p:spPr>
+        <p:txBody>
+          <a:bodyPr wrap="square">
+            <a:spAutoFit/>
+          </a:bodyPr>
+          <a:lstStyle>
+            <a:defPPr>
+              <a:defRPr lang="en-US"/>
+            </a:defPPr>
+            <a:lvl1pPr marL="285750" indent="-285750">
+              <a:buFont typeface="Arial" panose="020B0604020202020204" pitchFamily="34" charset="0"/>
+              <a:buChar char="•"/>
+              <a:defRPr b="1">
+                <a:latin typeface="Arial" panose="020B0604020202020204" pitchFamily="34" charset="0"/>
+                <a:cs typeface="Arial" panose="020B0604020202020204" pitchFamily="34" charset="0"/>
+              </a:defRPr>
+            </a:lvl1pPr>
+          </a:lstStyle>
+          <a:p>
+            <a:r>
+              <a:rPr lang="en-US" sz="2000" b="0" dirty="0"/>
+              <a:t>Procedural programming revolves around a sequence of instructions given to the computer. These sequences of instructions are known as procedures.</a:t>
+            </a:r>
+          </a:p>
+          <a:p>
+            <a:endParaRPr lang="en-US" sz="2000" b="0" dirty="0"/>
+          </a:p>
+          <a:p>
+            <a:r>
+              <a:rPr lang="en-US" sz="2000" b="0" dirty="0"/>
+              <a:t>Since the instructions are carried out in well-defined sequences, we say that procedural programming takes a top-down approach.</a:t>
+            </a:r>
+          </a:p>
+          <a:p>
+            <a:endParaRPr lang="en-US" sz="2000" b="0" dirty="0"/>
+          </a:p>
+          <a:p>
+            <a:r>
+              <a:rPr lang="en-US" sz="2000" b="0" dirty="0"/>
+              <a:t>In procedural programming, we divide our instructions into smaller blocks of well-defined code. These code blocks are known as functions, where each function performs a specific task.</a:t>
+            </a:r>
+            <a:endParaRPr lang="en-IN" sz="2000" b="0" dirty="0"/>
+          </a:p>
+        </p:txBody>
+      </p:sp>
     </p:spTree>
     <p:extLst>
       <p:ext uri="{BB962C8B-B14F-4D97-AF65-F5344CB8AC3E}">
-        <p14:creationId xmlns:p14="http://schemas.microsoft.com/office/powerpoint/2010/main" val="3683696748"/>
+        <p14:creationId xmlns:p14="http://schemas.microsoft.com/office/powerpoint/2010/main" val="2207908433"/>
       </p:ext>
     </p:extLst>
   </p:cSld>
@@ -12954,6 +13349,164 @@
       </p:grpSpPr>
       <p:sp>
         <p:nvSpPr>
+          <p:cNvPr id="4" name="Rectangle 3">
+            <a:extLst>
+              <a:ext uri="{FF2B5EF4-FFF2-40B4-BE49-F238E27FC236}">
+                <a16:creationId xmlns:a16="http://schemas.microsoft.com/office/drawing/2014/main" id="{6524962B-7610-4EFD-AA5E-DDE403AB8860}"/>
+              </a:ext>
+            </a:extLst>
+          </p:cNvPr>
+          <p:cNvSpPr/>
+          <p:nvPr/>
+        </p:nvSpPr>
+        <p:spPr>
+          <a:xfrm>
+            <a:off x="1524000" y="1"/>
+            <a:ext cx="9144000" cy="584775"/>
+          </a:xfrm>
+          <a:prstGeom prst="rect">
+            <a:avLst/>
+          </a:prstGeom>
+          <a:noFill/>
+        </p:spPr>
+        <p:txBody>
+          <a:bodyPr wrap="square">
+            <a:spAutoFit/>
+          </a:bodyPr>
+          <a:lstStyle/>
+          <a:p>
+            <a:pPr algn="r"/>
+            <a:r>
+              <a:rPr lang="en-US" sz="3200" i="1" dirty="0">
+                <a:solidFill>
+                  <a:srgbClr val="FF9900"/>
+                </a:solidFill>
+                <a:latin typeface="Arial" pitchFamily="34" charset="0"/>
+                <a:cs typeface="Arial" pitchFamily="34" charset="0"/>
+              </a:rPr>
+              <a:t>object oriented programming paradigm</a:t>
+            </a:r>
+            <a:endParaRPr lang="en-IN" sz="3200" i="1" dirty="0">
+              <a:solidFill>
+                <a:srgbClr val="FF9900"/>
+              </a:solidFill>
+              <a:latin typeface="Arial" pitchFamily="34" charset="0"/>
+              <a:cs typeface="Arial" pitchFamily="34" charset="0"/>
+            </a:endParaRPr>
+          </a:p>
+        </p:txBody>
+      </p:sp>
+    </p:spTree>
+    <p:extLst>
+      <p:ext uri="{BB962C8B-B14F-4D97-AF65-F5344CB8AC3E}">
+        <p14:creationId xmlns:p14="http://schemas.microsoft.com/office/powerpoint/2010/main" val="1921851627"/>
+      </p:ext>
+    </p:extLst>
+  </p:cSld>
+  <p:clrMapOvr>
+    <a:masterClrMapping/>
+  </p:clrMapOvr>
+</p:sld>
+</file>
+
+<file path=ppt/slides/slide45.xml><?xml version="1.0" encoding="utf-8"?>
+<p:sld xmlns:a="http://schemas.openxmlformats.org/drawingml/2006/main" xmlns:r="http://schemas.openxmlformats.org/officeDocument/2006/relationships" xmlns:p="http://schemas.openxmlformats.org/presentationml/2006/main">
+  <p:cSld>
+    <p:spTree>
+      <p:nvGrpSpPr>
+        <p:cNvPr id="1" name=""/>
+        <p:cNvGrpSpPr/>
+        <p:nvPr/>
+      </p:nvGrpSpPr>
+      <p:grpSpPr>
+        <a:xfrm>
+          <a:off x="0" y="0"/>
+          <a:ext cx="0" cy="0"/>
+          <a:chOff x="0" y="0"/>
+          <a:chExt cx="0" cy="0"/>
+        </a:xfrm>
+      </p:grpSpPr>
+      <p:sp>
+        <p:nvSpPr>
+          <p:cNvPr id="4" name="Rectangle 3">
+            <a:extLst>
+              <a:ext uri="{FF2B5EF4-FFF2-40B4-BE49-F238E27FC236}">
+                <a16:creationId xmlns:a16="http://schemas.microsoft.com/office/drawing/2014/main" id="{6524962B-7610-4EFD-AA5E-DDE403AB8860}"/>
+              </a:ext>
+            </a:extLst>
+          </p:cNvPr>
+          <p:cNvSpPr/>
+          <p:nvPr/>
+        </p:nvSpPr>
+        <p:spPr>
+          <a:xfrm>
+            <a:off x="1524000" y="1"/>
+            <a:ext cx="9144000" cy="584775"/>
+          </a:xfrm>
+          <a:prstGeom prst="rect">
+            <a:avLst/>
+          </a:prstGeom>
+          <a:noFill/>
+        </p:spPr>
+        <p:txBody>
+          <a:bodyPr wrap="square">
+            <a:spAutoFit/>
+          </a:bodyPr>
+          <a:lstStyle/>
+          <a:p>
+            <a:pPr algn="r"/>
+            <a:r>
+              <a:rPr lang="en-US" sz="3200" i="1" dirty="0">
+                <a:solidFill>
+                  <a:srgbClr val="FF9900"/>
+                </a:solidFill>
+                <a:latin typeface="Arial" pitchFamily="34" charset="0"/>
+                <a:cs typeface="Arial" pitchFamily="34" charset="0"/>
+              </a:rPr>
+              <a:t>parallel processing programming paradigm</a:t>
+            </a:r>
+            <a:endParaRPr lang="en-IN" sz="3200" i="1" dirty="0">
+              <a:solidFill>
+                <a:srgbClr val="FF9900"/>
+              </a:solidFill>
+              <a:latin typeface="Arial" pitchFamily="34" charset="0"/>
+              <a:cs typeface="Arial" pitchFamily="34" charset="0"/>
+            </a:endParaRPr>
+          </a:p>
+        </p:txBody>
+      </p:sp>
+    </p:spTree>
+    <p:extLst>
+      <p:ext uri="{BB962C8B-B14F-4D97-AF65-F5344CB8AC3E}">
+        <p14:creationId xmlns:p14="http://schemas.microsoft.com/office/powerpoint/2010/main" val="3683696748"/>
+      </p:ext>
+    </p:extLst>
+  </p:cSld>
+  <p:clrMapOvr>
+    <a:masterClrMapping/>
+  </p:clrMapOvr>
+</p:sld>
+</file>
+
+<file path=ppt/slides/slide46.xml><?xml version="1.0" encoding="utf-8"?>
+<p:sld xmlns:a="http://schemas.openxmlformats.org/drawingml/2006/main" xmlns:r="http://schemas.openxmlformats.org/officeDocument/2006/relationships" xmlns:p="http://schemas.openxmlformats.org/presentationml/2006/main">
+  <p:cSld>
+    <p:spTree>
+      <p:nvGrpSpPr>
+        <p:cNvPr id="1" name=""/>
+        <p:cNvGrpSpPr/>
+        <p:nvPr/>
+      </p:nvGrpSpPr>
+      <p:grpSpPr>
+        <a:xfrm>
+          <a:off x="0" y="0"/>
+          <a:ext cx="0" cy="0"/>
+          <a:chOff x="0" y="0"/>
+          <a:chExt cx="0" cy="0"/>
+        </a:xfrm>
+      </p:grpSpPr>
+      <p:sp>
+        <p:nvSpPr>
           <p:cNvPr id="2" name="Title 1"/>
           <p:cNvSpPr txBox="1">
             <a:spLocks/>
@@ -13014,7 +13567,7 @@
 </p:sld>
 </file>
 
-<file path=ppt/slides/slide45.xml><?xml version="1.0" encoding="utf-8"?>
+<file path=ppt/slides/slide47.xml><?xml version="1.0" encoding="utf-8"?>
 <p:sld xmlns:a="http://schemas.openxmlformats.org/drawingml/2006/main" xmlns:r="http://schemas.openxmlformats.org/officeDocument/2006/relationships" xmlns:p="http://schemas.openxmlformats.org/presentationml/2006/main">
   <p:cSld>
     <p:spTree>

--- a/BIG Data.pptx
+++ b/BIG Data.pptx
@@ -23,7 +23,7 @@
     <p:sldId id="1349" r:id="rId14"/>
     <p:sldId id="1350" r:id="rId15"/>
     <p:sldId id="1351" r:id="rId16"/>
-    <p:sldId id="1353" r:id="rId17"/>
+    <p:sldId id="1357" r:id="rId17"/>
     <p:sldId id="1354" r:id="rId18"/>
     <p:sldId id="1356" r:id="rId19"/>
     <p:sldId id="1355" r:id="rId20"/>
@@ -267,7 +267,7 @@
             <a:fld id="{757F699C-254E-44B6-B18D-E7E82B2FC743}" type="datetimeFigureOut">
               <a:rPr lang="en-IN" smtClean="0"/>
               <a:pPr/>
-              <a:t>14-09-2023</a:t>
+              <a:t>15-09-2023</a:t>
             </a:fld>
             <a:endParaRPr lang="en-IN"/>
           </a:p>
@@ -1093,7 +1093,7 @@
             <a:fld id="{52F73076-280E-4994-B9AF-08CB19D7A53F}" type="datetimeFigureOut">
               <a:rPr lang="en-US" smtClean="0"/>
               <a:pPr/>
-              <a:t>9/14/2023</a:t>
+              <a:t>9/15/2023</a:t>
             </a:fld>
             <a:endParaRPr lang="en-US" dirty="0"/>
           </a:p>
@@ -1538,7 +1538,7 @@
             <a:fld id="{52F73076-280E-4994-B9AF-08CB19D7A53F}" type="datetimeFigureOut">
               <a:rPr lang="en-US" smtClean="0"/>
               <a:pPr/>
-              <a:t>9/14/2023</a:t>
+              <a:t>9/15/2023</a:t>
             </a:fld>
             <a:endParaRPr lang="en-US" dirty="0"/>
           </a:p>
@@ -2470,7 +2470,7 @@
             <a:fld id="{52F73076-280E-4994-B9AF-08CB19D7A53F}" type="datetimeFigureOut">
               <a:rPr lang="en-US" smtClean="0"/>
               <a:pPr/>
-              <a:t>9/14/2023</a:t>
+              <a:t>9/15/2023</a:t>
             </a:fld>
             <a:endParaRPr lang="en-US" dirty="0"/>
           </a:p>
@@ -2888,7 +2888,7 @@
             <a:fld id="{52F73076-280E-4994-B9AF-08CB19D7A53F}" type="datetimeFigureOut">
               <a:rPr lang="en-US" smtClean="0"/>
               <a:pPr/>
-              <a:t>9/14/2023</a:t>
+              <a:t>9/15/2023</a:t>
             </a:fld>
             <a:endParaRPr lang="en-US" dirty="0"/>
           </a:p>
@@ -5569,249 +5569,429 @@
                 <a:latin typeface="Arial" pitchFamily="34" charset="0"/>
                 <a:cs typeface="Arial" pitchFamily="34" charset="0"/>
               </a:rPr>
-              <a:t>Number Systems</a:t>
+              <a:t>Types of Number Systems</a:t>
             </a:r>
           </a:p>
         </p:txBody>
       </p:sp>
-      <p:sp>
-        <p:nvSpPr>
-          <p:cNvPr id="6" name="TextBox 5">
+      <p:grpSp>
+        <p:nvGrpSpPr>
+          <p:cNvPr id="17" name="Group 16">
             <a:extLst>
               <a:ext uri="{FF2B5EF4-FFF2-40B4-BE49-F238E27FC236}">
-                <a16:creationId xmlns:a16="http://schemas.microsoft.com/office/drawing/2014/main" id="{79F74193-348B-524A-93DE-1E99946D86B5}"/>
+                <a16:creationId xmlns:a16="http://schemas.microsoft.com/office/drawing/2014/main" id="{81EF085E-F8E2-29C9-5967-425EB305B31A}"/>
               </a:ext>
             </a:extLst>
           </p:cNvPr>
-          <p:cNvSpPr txBox="1"/>
+          <p:cNvGrpSpPr/>
           <p:nvPr/>
-        </p:nvSpPr>
-        <p:spPr>
+        </p:nvGrpSpPr>
+        <p:grpSpPr>
           <a:xfrm>
-            <a:off x="335360" y="836712"/>
-            <a:ext cx="11377264" cy="1200329"/>
+            <a:off x="551384" y="1052736"/>
+            <a:ext cx="11233248" cy="2940429"/>
+            <a:chOff x="551384" y="1052736"/>
+            <a:chExt cx="11233248" cy="2940429"/>
           </a:xfrm>
-          <a:prstGeom prst="rect">
-            <a:avLst/>
-          </a:prstGeom>
-          <a:noFill/>
-        </p:spPr>
-        <p:txBody>
-          <a:bodyPr wrap="square">
-            <a:spAutoFit/>
-          </a:bodyPr>
-          <a:lstStyle/>
-          <a:p>
-            <a:pPr algn="l"/>
-            <a:r>
-              <a:rPr lang="en-US" b="0" i="0" dirty="0">
-                <a:solidFill>
-                  <a:srgbClr val="444444"/>
-                </a:solidFill>
-                <a:effectLst/>
-                <a:latin typeface="Arial" panose="020B0604020202020204" pitchFamily="34" charset="0"/>
-                <a:cs typeface="Arial" panose="020B0604020202020204" pitchFamily="34" charset="0"/>
-              </a:rPr>
-              <a:t>A number is a mathematical value used for counting or measuring or labelling objects. </a:t>
-            </a:r>
-          </a:p>
-          <a:p>
-            <a:pPr algn="l"/>
-            <a:r>
-              <a:rPr lang="en-US" b="0" i="0" dirty="0">
-                <a:solidFill>
-                  <a:srgbClr val="444444"/>
-                </a:solidFill>
-                <a:effectLst/>
-                <a:latin typeface="Arial" panose="020B0604020202020204" pitchFamily="34" charset="0"/>
-                <a:cs typeface="Arial" panose="020B0604020202020204" pitchFamily="34" charset="0"/>
-              </a:rPr>
-              <a:t>Numbers are used to performing arithmetic calculations.  </a:t>
-            </a:r>
-          </a:p>
-          <a:p>
-            <a:pPr algn="l"/>
-            <a:r>
-              <a:rPr lang="en-US" b="0" i="0" dirty="0">
-                <a:solidFill>
-                  <a:srgbClr val="444444"/>
-                </a:solidFill>
-                <a:effectLst/>
-                <a:latin typeface="Arial" panose="020B0604020202020204" pitchFamily="34" charset="0"/>
-                <a:cs typeface="Arial" panose="020B0604020202020204" pitchFamily="34" charset="0"/>
-              </a:rPr>
-              <a:t>Examples of numbers are natural numbers, whole numbers, rational and irrational numbers, etc. 0 is also a number that represents a null value. </a:t>
-            </a:r>
-          </a:p>
-        </p:txBody>
-      </p:sp>
-      <p:sp>
-        <p:nvSpPr>
-          <p:cNvPr id="9" name="TextBox 8">
-            <a:extLst>
-              <a:ext uri="{FF2B5EF4-FFF2-40B4-BE49-F238E27FC236}">
-                <a16:creationId xmlns:a16="http://schemas.microsoft.com/office/drawing/2014/main" id="{48DCFB51-27EF-C3F6-94E3-FBFE288C9587}"/>
-              </a:ext>
-            </a:extLst>
-          </p:cNvPr>
-          <p:cNvSpPr txBox="1"/>
-          <p:nvPr/>
-        </p:nvSpPr>
-        <p:spPr>
-          <a:xfrm>
-            <a:off x="407368" y="2492896"/>
-            <a:ext cx="10945216" cy="2862322"/>
-          </a:xfrm>
-          <a:prstGeom prst="rect">
-            <a:avLst/>
-          </a:prstGeom>
-          <a:noFill/>
-        </p:spPr>
-        <p:txBody>
-          <a:bodyPr wrap="square">
-            <a:spAutoFit/>
-          </a:bodyPr>
-          <a:lstStyle/>
-          <a:p>
-            <a:pPr marL="285750" indent="-285750">
-              <a:buFont typeface="Arial" panose="020B0604020202020204" pitchFamily="34" charset="0"/>
-              <a:buChar char="•"/>
-            </a:pPr>
-            <a:r>
-              <a:rPr lang="en-US" b="0" i="0" dirty="0">
-                <a:solidFill>
-                  <a:srgbClr val="444444"/>
-                </a:solidFill>
-                <a:effectLst/>
-                <a:latin typeface="Arial" panose="020B0604020202020204" pitchFamily="34" charset="0"/>
-                <a:cs typeface="Arial" panose="020B0604020202020204" pitchFamily="34" charset="0"/>
-              </a:rPr>
-              <a:t>Natural Numbers : </a:t>
-            </a:r>
-            <a:r>
-              <a:rPr lang="en-US" b="0" i="0" dirty="0">
-                <a:solidFill>
-                  <a:srgbClr val="040C28"/>
-                </a:solidFill>
-                <a:effectLst/>
-                <a:latin typeface="Arial" panose="020B0604020202020204" pitchFamily="34" charset="0"/>
-                <a:cs typeface="Arial" panose="020B0604020202020204" pitchFamily="34" charset="0"/>
-              </a:rPr>
-              <a:t>a part of the number system which includes all the positive integers from 1 till infinity.</a:t>
-            </a:r>
-          </a:p>
-          <a:p>
-            <a:pPr marL="285750" indent="-285750">
-              <a:buFont typeface="Arial" panose="020B0604020202020204" pitchFamily="34" charset="0"/>
-              <a:buChar char="•"/>
-            </a:pPr>
-            <a:endParaRPr lang="en-US" dirty="0">
-              <a:solidFill>
-                <a:srgbClr val="040C28"/>
-              </a:solidFill>
-              <a:latin typeface="Arial" panose="020B0604020202020204" pitchFamily="34" charset="0"/>
-              <a:cs typeface="Arial" panose="020B0604020202020204" pitchFamily="34" charset="0"/>
-            </a:endParaRPr>
-          </a:p>
-          <a:p>
-            <a:pPr marL="285750" indent="-285750">
-              <a:buFont typeface="Arial" panose="020B0604020202020204" pitchFamily="34" charset="0"/>
-              <a:buChar char="•"/>
-            </a:pPr>
-            <a:r>
-              <a:rPr lang="en-US" b="0" i="0" dirty="0">
-                <a:solidFill>
-                  <a:srgbClr val="444444"/>
-                </a:solidFill>
-                <a:effectLst/>
-                <a:latin typeface="Arial" panose="020B0604020202020204" pitchFamily="34" charset="0"/>
-                <a:cs typeface="Arial" panose="020B0604020202020204" pitchFamily="34" charset="0"/>
-              </a:rPr>
-              <a:t>Whole Numbers: </a:t>
-            </a:r>
-            <a:r>
-              <a:rPr lang="en-US" b="0" i="0" dirty="0">
-                <a:solidFill>
-                  <a:srgbClr val="040C28"/>
-                </a:solidFill>
-                <a:effectLst/>
-                <a:latin typeface="Arial" panose="020B0604020202020204" pitchFamily="34" charset="0"/>
-                <a:cs typeface="Arial" panose="020B0604020202020204" pitchFamily="34" charset="0"/>
-              </a:rPr>
-              <a:t>the numbers without fractions and it is a collection of positive integers and zero.</a:t>
-            </a:r>
-          </a:p>
-          <a:p>
-            <a:pPr marL="285750" indent="-285750">
-              <a:buFont typeface="Arial" panose="020B0604020202020204" pitchFamily="34" charset="0"/>
-              <a:buChar char="•"/>
-            </a:pPr>
-            <a:endParaRPr lang="en-US" dirty="0">
-              <a:solidFill>
-                <a:srgbClr val="040C28"/>
-              </a:solidFill>
-              <a:latin typeface="Arial" panose="020B0604020202020204" pitchFamily="34" charset="0"/>
-              <a:cs typeface="Arial" panose="020B0604020202020204" pitchFamily="34" charset="0"/>
-            </a:endParaRPr>
-          </a:p>
-          <a:p>
-            <a:pPr marL="285750" indent="-285750">
-              <a:buFont typeface="Arial" panose="020B0604020202020204" pitchFamily="34" charset="0"/>
-              <a:buChar char="•"/>
-            </a:pPr>
-            <a:r>
-              <a:rPr lang="en-US" dirty="0">
-                <a:solidFill>
-                  <a:srgbClr val="444444"/>
-                </a:solidFill>
-                <a:latin typeface="Arial" panose="020B0604020202020204" pitchFamily="34" charset="0"/>
-                <a:cs typeface="Arial" panose="020B0604020202020204" pitchFamily="34" charset="0"/>
-              </a:rPr>
-              <a:t>Rational numbers: - Rational numbers can be represented in the p/q form, where p and q are integers, and q is not equal to 0. p can be a positive, negative, or even a zero integer.</a:t>
-            </a:r>
-          </a:p>
-          <a:p>
-            <a:pPr marL="285750" indent="-285750">
-              <a:buFont typeface="Arial" panose="020B0604020202020204" pitchFamily="34" charset="0"/>
-              <a:buChar char="•"/>
-            </a:pPr>
-            <a:endParaRPr lang="en-US" dirty="0">
-              <a:solidFill>
-                <a:srgbClr val="444444"/>
-              </a:solidFill>
-              <a:latin typeface="Arial" panose="020B0604020202020204" pitchFamily="34" charset="0"/>
-              <a:cs typeface="Arial" panose="020B0604020202020204" pitchFamily="34" charset="0"/>
-            </a:endParaRPr>
-          </a:p>
-          <a:p>
-            <a:pPr marL="285750" indent="-285750">
-              <a:buFont typeface="Arial" panose="020B0604020202020204" pitchFamily="34" charset="0"/>
-              <a:buChar char="•"/>
-            </a:pPr>
-            <a:r>
-              <a:rPr lang="en-US" dirty="0">
-                <a:solidFill>
-                  <a:srgbClr val="444444"/>
-                </a:solidFill>
-                <a:latin typeface="Arial" panose="020B0604020202020204" pitchFamily="34" charset="0"/>
-                <a:cs typeface="Arial" panose="020B0604020202020204" pitchFamily="34" charset="0"/>
-              </a:rPr>
-              <a:t>Irrational numbers: - In simple terms, the numbers which are not rational are called irrational numbers. Strictly speaking, the numbers represented in decimal but not in the fractional form are called irrational numbers.</a:t>
-            </a:r>
-            <a:endParaRPr lang="en-IN" dirty="0">
-              <a:solidFill>
-                <a:srgbClr val="444444"/>
-              </a:solidFill>
-              <a:latin typeface="Arial" panose="020B0604020202020204" pitchFamily="34" charset="0"/>
-              <a:cs typeface="Arial" panose="020B0604020202020204" pitchFamily="34" charset="0"/>
-            </a:endParaRPr>
-          </a:p>
-        </p:txBody>
-      </p:sp>
+        </p:grpSpPr>
+        <p:sp>
+          <p:nvSpPr>
+            <p:cNvPr id="3" name="TextBox 2">
+              <a:extLst>
+                <a:ext uri="{FF2B5EF4-FFF2-40B4-BE49-F238E27FC236}">
+                  <a16:creationId xmlns:a16="http://schemas.microsoft.com/office/drawing/2014/main" id="{A9B1D89D-2309-759E-3AAC-11952D55B51E}"/>
+                </a:ext>
+              </a:extLst>
+            </p:cNvPr>
+            <p:cNvSpPr txBox="1"/>
+            <p:nvPr/>
+          </p:nvSpPr>
+          <p:spPr>
+            <a:xfrm>
+              <a:off x="551384" y="1052736"/>
+              <a:ext cx="11233248" cy="2287806"/>
+            </a:xfrm>
+            <a:prstGeom prst="rect">
+              <a:avLst/>
+            </a:prstGeom>
+            <a:noFill/>
+          </p:spPr>
+          <p:txBody>
+            <a:bodyPr wrap="square">
+              <a:spAutoFit/>
+            </a:bodyPr>
+            <a:lstStyle/>
+            <a:p>
+              <a:r>
+                <a:rPr lang="en-IN" sz="2000" dirty="0">
+                  <a:latin typeface="Arial" panose="020B0604020202020204" pitchFamily="34" charset="0"/>
+                  <a:cs typeface="Arial" panose="020B0604020202020204" pitchFamily="34" charset="0"/>
+                </a:rPr>
+                <a:t>Types of Number Systems</a:t>
+              </a:r>
+            </a:p>
+            <a:p>
+              <a:endParaRPr lang="en-IN" dirty="0">
+                <a:latin typeface="Arial" panose="020B0604020202020204" pitchFamily="34" charset="0"/>
+                <a:cs typeface="Arial" panose="020B0604020202020204" pitchFamily="34" charset="0"/>
+              </a:endParaRPr>
+            </a:p>
+            <a:p>
+              <a:pPr marL="285750" indent="-285750">
+                <a:lnSpc>
+                  <a:spcPct val="150000"/>
+                </a:lnSpc>
+                <a:buFont typeface="Arial" panose="020B0604020202020204" pitchFamily="34" charset="0"/>
+                <a:buChar char="•"/>
+              </a:pPr>
+              <a:r>
+                <a:rPr lang="en-IN" dirty="0">
+                  <a:latin typeface="Arial" panose="020B0604020202020204" pitchFamily="34" charset="0"/>
+                  <a:cs typeface="Arial" panose="020B0604020202020204" pitchFamily="34" charset="0"/>
+                </a:rPr>
+                <a:t>Decimal number system (Base- 10)  =&gt; 0, 1, 2, 3, 4, 5, 6, 7, 8, 9</a:t>
+              </a:r>
+            </a:p>
+            <a:p>
+              <a:pPr marL="285750" indent="-285750">
+                <a:lnSpc>
+                  <a:spcPct val="150000"/>
+                </a:lnSpc>
+                <a:buFont typeface="Arial" panose="020B0604020202020204" pitchFamily="34" charset="0"/>
+                <a:buChar char="•"/>
+              </a:pPr>
+              <a:r>
+                <a:rPr lang="en-IN" dirty="0">
+                  <a:latin typeface="Arial" panose="020B0604020202020204" pitchFamily="34" charset="0"/>
+                  <a:cs typeface="Arial" panose="020B0604020202020204" pitchFamily="34" charset="0"/>
+                </a:rPr>
+                <a:t>Binary number system (Base- 2)   =&gt; 0, 1</a:t>
+              </a:r>
+            </a:p>
+            <a:p>
+              <a:pPr marL="285750" indent="-285750">
+                <a:lnSpc>
+                  <a:spcPct val="150000"/>
+                </a:lnSpc>
+                <a:buFont typeface="Arial" panose="020B0604020202020204" pitchFamily="34" charset="0"/>
+                <a:buChar char="•"/>
+              </a:pPr>
+              <a:r>
+                <a:rPr lang="en-IN" dirty="0">
+                  <a:latin typeface="Arial" panose="020B0604020202020204" pitchFamily="34" charset="0"/>
+                  <a:cs typeface="Arial" panose="020B0604020202020204" pitchFamily="34" charset="0"/>
+                </a:rPr>
+                <a:t>Octal number system (Base-8)    =&gt; 0, 1, 2, 3, 4, 5, 6, 7</a:t>
+              </a:r>
+            </a:p>
+            <a:p>
+              <a:pPr marL="285750" indent="-285750">
+                <a:lnSpc>
+                  <a:spcPct val="150000"/>
+                </a:lnSpc>
+                <a:buFont typeface="Arial" panose="020B0604020202020204" pitchFamily="34" charset="0"/>
+                <a:buChar char="•"/>
+              </a:pPr>
+              <a:r>
+                <a:rPr lang="en-IN" dirty="0">
+                  <a:latin typeface="Arial" panose="020B0604020202020204" pitchFamily="34" charset="0"/>
+                  <a:cs typeface="Arial" panose="020B0604020202020204" pitchFamily="34" charset="0"/>
+                </a:rPr>
+                <a:t>Hexadecimal number system (Base- 16)   =&gt; 0, 1, 2, 3, 4, 5, 6, 7, 8, 9, 10,    11,    12,   13,    14,    15</a:t>
+              </a:r>
+            </a:p>
+          </p:txBody>
+        </p:sp>
+        <p:cxnSp>
+          <p:nvCxnSpPr>
+            <p:cNvPr id="7" name="Straight Arrow Connector 6">
+              <a:extLst>
+                <a:ext uri="{FF2B5EF4-FFF2-40B4-BE49-F238E27FC236}">
+                  <a16:creationId xmlns:a16="http://schemas.microsoft.com/office/drawing/2014/main" id="{7BD1D355-4ED4-0C53-9A5C-1AD53ABD7AA6}"/>
+                </a:ext>
+              </a:extLst>
+            </p:cNvPr>
+            <p:cNvCxnSpPr>
+              <a:cxnSpLocks/>
+            </p:cNvCxnSpPr>
+            <p:nvPr/>
+          </p:nvCxnSpPr>
+          <p:spPr>
+            <a:xfrm>
+              <a:off x="8223144" y="3314168"/>
+              <a:ext cx="0" cy="258848"/>
+            </a:xfrm>
+            <a:prstGeom prst="straightConnector1">
+              <a:avLst/>
+            </a:prstGeom>
+            <a:ln w="38100">
+              <a:tailEnd type="triangle"/>
+            </a:ln>
+          </p:spPr>
+          <p:style>
+            <a:lnRef idx="1">
+              <a:schemeClr val="accent1"/>
+            </a:lnRef>
+            <a:fillRef idx="0">
+              <a:schemeClr val="accent1"/>
+            </a:fillRef>
+            <a:effectRef idx="0">
+              <a:schemeClr val="accent1"/>
+            </a:effectRef>
+            <a:fontRef idx="minor">
+              <a:schemeClr val="tx1"/>
+            </a:fontRef>
+          </p:style>
+        </p:cxnSp>
+        <p:cxnSp>
+          <p:nvCxnSpPr>
+            <p:cNvPr id="10" name="Straight Arrow Connector 9">
+              <a:extLst>
+                <a:ext uri="{FF2B5EF4-FFF2-40B4-BE49-F238E27FC236}">
+                  <a16:creationId xmlns:a16="http://schemas.microsoft.com/office/drawing/2014/main" id="{BD17B746-A723-D2D1-8D4D-5AAC6CDB09F6}"/>
+                </a:ext>
+              </a:extLst>
+            </p:cNvPr>
+            <p:cNvCxnSpPr>
+              <a:cxnSpLocks/>
+            </p:cNvCxnSpPr>
+            <p:nvPr/>
+          </p:nvCxnSpPr>
+          <p:spPr>
+            <a:xfrm>
+              <a:off x="8764208" y="3314168"/>
+              <a:ext cx="0" cy="258848"/>
+            </a:xfrm>
+            <a:prstGeom prst="straightConnector1">
+              <a:avLst/>
+            </a:prstGeom>
+            <a:ln w="38100">
+              <a:tailEnd type="triangle"/>
+            </a:ln>
+          </p:spPr>
+          <p:style>
+            <a:lnRef idx="1">
+              <a:schemeClr val="accent1"/>
+            </a:lnRef>
+            <a:fillRef idx="0">
+              <a:schemeClr val="accent1"/>
+            </a:fillRef>
+            <a:effectRef idx="0">
+              <a:schemeClr val="accent1"/>
+            </a:effectRef>
+            <a:fontRef idx="minor">
+              <a:schemeClr val="tx1"/>
+            </a:fontRef>
+          </p:style>
+        </p:cxnSp>
+        <p:cxnSp>
+          <p:nvCxnSpPr>
+            <p:cNvPr id="11" name="Straight Arrow Connector 10">
+              <a:extLst>
+                <a:ext uri="{FF2B5EF4-FFF2-40B4-BE49-F238E27FC236}">
+                  <a16:creationId xmlns:a16="http://schemas.microsoft.com/office/drawing/2014/main" id="{CFC97A18-9AFD-0CD2-46DA-8E43F9269A7D}"/>
+                </a:ext>
+              </a:extLst>
+            </p:cNvPr>
+            <p:cNvCxnSpPr>
+              <a:cxnSpLocks/>
+            </p:cNvCxnSpPr>
+            <p:nvPr/>
+          </p:nvCxnSpPr>
+          <p:spPr>
+            <a:xfrm>
+              <a:off x="9299352" y="3314168"/>
+              <a:ext cx="0" cy="258848"/>
+            </a:xfrm>
+            <a:prstGeom prst="straightConnector1">
+              <a:avLst/>
+            </a:prstGeom>
+            <a:ln w="38100">
+              <a:tailEnd type="triangle"/>
+            </a:ln>
+          </p:spPr>
+          <p:style>
+            <a:lnRef idx="1">
+              <a:schemeClr val="accent1"/>
+            </a:lnRef>
+            <a:fillRef idx="0">
+              <a:schemeClr val="accent1"/>
+            </a:fillRef>
+            <a:effectRef idx="0">
+              <a:schemeClr val="accent1"/>
+            </a:effectRef>
+            <a:fontRef idx="minor">
+              <a:schemeClr val="tx1"/>
+            </a:fontRef>
+          </p:style>
+        </p:cxnSp>
+        <p:cxnSp>
+          <p:nvCxnSpPr>
+            <p:cNvPr id="12" name="Straight Arrow Connector 11">
+              <a:extLst>
+                <a:ext uri="{FF2B5EF4-FFF2-40B4-BE49-F238E27FC236}">
+                  <a16:creationId xmlns:a16="http://schemas.microsoft.com/office/drawing/2014/main" id="{3C66D745-E992-C4DE-E59F-077E5500F74D}"/>
+                </a:ext>
+              </a:extLst>
+            </p:cNvPr>
+            <p:cNvCxnSpPr>
+              <a:cxnSpLocks/>
+            </p:cNvCxnSpPr>
+            <p:nvPr/>
+          </p:nvCxnSpPr>
+          <p:spPr>
+            <a:xfrm>
+              <a:off x="9840416" y="3314168"/>
+              <a:ext cx="0" cy="258848"/>
+            </a:xfrm>
+            <a:prstGeom prst="straightConnector1">
+              <a:avLst/>
+            </a:prstGeom>
+            <a:ln w="38100">
+              <a:tailEnd type="triangle"/>
+            </a:ln>
+          </p:spPr>
+          <p:style>
+            <a:lnRef idx="1">
+              <a:schemeClr val="accent1"/>
+            </a:lnRef>
+            <a:fillRef idx="0">
+              <a:schemeClr val="accent1"/>
+            </a:fillRef>
+            <a:effectRef idx="0">
+              <a:schemeClr val="accent1"/>
+            </a:effectRef>
+            <a:fontRef idx="minor">
+              <a:schemeClr val="tx1"/>
+            </a:fontRef>
+          </p:style>
+        </p:cxnSp>
+        <p:cxnSp>
+          <p:nvCxnSpPr>
+            <p:cNvPr id="13" name="Straight Arrow Connector 12">
+              <a:extLst>
+                <a:ext uri="{FF2B5EF4-FFF2-40B4-BE49-F238E27FC236}">
+                  <a16:creationId xmlns:a16="http://schemas.microsoft.com/office/drawing/2014/main" id="{FCD58D19-6924-B95B-A8DF-9A57061B7AEF}"/>
+                </a:ext>
+              </a:extLst>
+            </p:cNvPr>
+            <p:cNvCxnSpPr>
+              <a:cxnSpLocks/>
+            </p:cNvCxnSpPr>
+            <p:nvPr/>
+          </p:nvCxnSpPr>
+          <p:spPr>
+            <a:xfrm>
+              <a:off x="10451480" y="3314168"/>
+              <a:ext cx="0" cy="258848"/>
+            </a:xfrm>
+            <a:prstGeom prst="straightConnector1">
+              <a:avLst/>
+            </a:prstGeom>
+            <a:ln w="38100">
+              <a:tailEnd type="triangle"/>
+            </a:ln>
+          </p:spPr>
+          <p:style>
+            <a:lnRef idx="1">
+              <a:schemeClr val="accent1"/>
+            </a:lnRef>
+            <a:fillRef idx="0">
+              <a:schemeClr val="accent1"/>
+            </a:fillRef>
+            <a:effectRef idx="0">
+              <a:schemeClr val="accent1"/>
+            </a:effectRef>
+            <a:fontRef idx="minor">
+              <a:schemeClr val="tx1"/>
+            </a:fontRef>
+          </p:style>
+        </p:cxnSp>
+        <p:cxnSp>
+          <p:nvCxnSpPr>
+            <p:cNvPr id="14" name="Straight Arrow Connector 13">
+              <a:extLst>
+                <a:ext uri="{FF2B5EF4-FFF2-40B4-BE49-F238E27FC236}">
+                  <a16:creationId xmlns:a16="http://schemas.microsoft.com/office/drawing/2014/main" id="{D021B772-9255-AC8F-A71A-24B76932FA7E}"/>
+                </a:ext>
+              </a:extLst>
+            </p:cNvPr>
+            <p:cNvCxnSpPr>
+              <a:cxnSpLocks/>
+            </p:cNvCxnSpPr>
+            <p:nvPr/>
+          </p:nvCxnSpPr>
+          <p:spPr>
+            <a:xfrm>
+              <a:off x="10992544" y="3314168"/>
+              <a:ext cx="0" cy="258848"/>
+            </a:xfrm>
+            <a:prstGeom prst="straightConnector1">
+              <a:avLst/>
+            </a:prstGeom>
+            <a:ln w="38100">
+              <a:tailEnd type="triangle"/>
+            </a:ln>
+          </p:spPr>
+          <p:style>
+            <a:lnRef idx="1">
+              <a:schemeClr val="accent1"/>
+            </a:lnRef>
+            <a:fillRef idx="0">
+              <a:schemeClr val="accent1"/>
+            </a:fillRef>
+            <a:effectRef idx="0">
+              <a:schemeClr val="accent1"/>
+            </a:effectRef>
+            <a:fontRef idx="minor">
+              <a:schemeClr val="tx1"/>
+            </a:fontRef>
+          </p:style>
+        </p:cxnSp>
+        <p:sp>
+          <p:nvSpPr>
+            <p:cNvPr id="16" name="TextBox 15">
+              <a:extLst>
+                <a:ext uri="{FF2B5EF4-FFF2-40B4-BE49-F238E27FC236}">
+                  <a16:creationId xmlns:a16="http://schemas.microsoft.com/office/drawing/2014/main" id="{3B4C18B2-F171-C77F-9393-E9168D0FBE05}"/>
+                </a:ext>
+              </a:extLst>
+            </p:cNvPr>
+            <p:cNvSpPr txBox="1"/>
+            <p:nvPr/>
+          </p:nvSpPr>
+          <p:spPr>
+            <a:xfrm>
+              <a:off x="8063584" y="3623833"/>
+              <a:ext cx="3240360" cy="369332"/>
+            </a:xfrm>
+            <a:prstGeom prst="rect">
+              <a:avLst/>
+            </a:prstGeom>
+            <a:noFill/>
+          </p:spPr>
+          <p:txBody>
+            <a:bodyPr wrap="square">
+              <a:spAutoFit/>
+            </a:bodyPr>
+            <a:lstStyle/>
+            <a:p>
+              <a:r>
+                <a:rPr lang="en-IN" sz="1800" dirty="0">
+                  <a:latin typeface="Arial" panose="020B0604020202020204" pitchFamily="34" charset="0"/>
+                  <a:cs typeface="Arial" panose="020B0604020202020204" pitchFamily="34" charset="0"/>
+                </a:rPr>
+                <a:t>A      B      C       D      E       F</a:t>
+              </a:r>
+              <a:endParaRPr lang="en-IN" dirty="0"/>
+            </a:p>
+          </p:txBody>
+        </p:sp>
+      </p:grpSp>
     </p:spTree>
     <p:extLst>
       <p:ext uri="{BB962C8B-B14F-4D97-AF65-F5344CB8AC3E}">
-        <p14:creationId xmlns:p14="http://schemas.microsoft.com/office/powerpoint/2010/main" val="1079002515"/>
+        <p14:creationId xmlns:p14="http://schemas.microsoft.com/office/powerpoint/2010/main" val="3548192229"/>
       </p:ext>
     </p:extLst>
   </p:cSld>
@@ -5912,7 +6092,40 @@
                 <a:latin typeface="Arial" panose="020B0604020202020204" pitchFamily="34" charset="0"/>
                 <a:cs typeface="Arial" panose="020B0604020202020204" pitchFamily="34" charset="0"/>
               </a:rPr>
-              <a:t>Decimal to Binary</a:t>
+              <a:t>Decimal to Binary  =&gt; (117) </a:t>
+            </a:r>
+            <a:r>
+              <a:rPr lang="en-US" sz="2000" b="0" i="0" baseline="-25000" dirty="0">
+                <a:solidFill>
+                  <a:srgbClr val="000000"/>
+                </a:solidFill>
+                <a:effectLst/>
+                <a:latin typeface="Arial" panose="020B0604020202020204" pitchFamily="34" charset="0"/>
+                <a:cs typeface="Arial" panose="020B0604020202020204" pitchFamily="34" charset="0"/>
+              </a:rPr>
+              <a:t>10</a:t>
+            </a:r>
+            <a:r>
+              <a:rPr lang="en-US" sz="2000" b="0" i="0" dirty="0">
+                <a:solidFill>
+                  <a:srgbClr val="000000"/>
+                </a:solidFill>
+                <a:effectLst/>
+                <a:latin typeface="Arial" panose="020B0604020202020204" pitchFamily="34" charset="0"/>
+                <a:cs typeface="Arial" panose="020B0604020202020204" pitchFamily="34" charset="0"/>
+              </a:rPr>
+              <a:t>  = (?)</a:t>
+            </a:r>
+            <a:r>
+              <a:rPr lang="en-US" sz="2000" b="0" i="0" baseline="-25000" dirty="0">
+                <a:solidFill>
+                  <a:srgbClr val="000000"/>
+                </a:solidFill>
+                <a:effectLst/>
+                <a:latin typeface="Arial" panose="020B0604020202020204" pitchFamily="34" charset="0"/>
+                <a:cs typeface="Arial" panose="020B0604020202020204" pitchFamily="34" charset="0"/>
+              </a:rPr>
+              <a:t>2</a:t>
             </a:r>
           </a:p>
           <a:p>
@@ -6177,6 +6390,98 @@
               </a:rPr>
               <a:t>= 13</a:t>
             </a:r>
+          </a:p>
+        </p:txBody>
+      </p:sp>
+      <p:sp>
+        <p:nvSpPr>
+          <p:cNvPr id="4" name="TextBox 3">
+            <a:extLst>
+              <a:ext uri="{FF2B5EF4-FFF2-40B4-BE49-F238E27FC236}">
+                <a16:creationId xmlns:a16="http://schemas.microsoft.com/office/drawing/2014/main" id="{1B9D514A-AEE3-9997-648A-EF32C60C8F6C}"/>
+              </a:ext>
+            </a:extLst>
+          </p:cNvPr>
+          <p:cNvSpPr txBox="1"/>
+          <p:nvPr/>
+        </p:nvSpPr>
+        <p:spPr>
+          <a:xfrm>
+            <a:off x="6672064" y="4408535"/>
+            <a:ext cx="3240360" cy="369332"/>
+          </a:xfrm>
+          <a:prstGeom prst="rect">
+            <a:avLst/>
+          </a:prstGeom>
+          <a:noFill/>
+        </p:spPr>
+        <p:txBody>
+          <a:bodyPr wrap="square">
+            <a:spAutoFit/>
+          </a:bodyPr>
+          <a:lstStyle/>
+          <a:p>
+            <a:r>
+              <a:rPr lang="en-IN" b="0" i="0" dirty="0">
+                <a:solidFill>
+                  <a:srgbClr val="040C28"/>
+                </a:solidFill>
+                <a:effectLst/>
+                <a:latin typeface="Arial" panose="020B0604020202020204" pitchFamily="34" charset="0"/>
+                <a:cs typeface="Arial" panose="020B0604020202020204" pitchFamily="34" charset="0"/>
+              </a:rPr>
+              <a:t>least-significant digit (LSD)</a:t>
+            </a:r>
+            <a:endParaRPr lang="en-IN" dirty="0">
+              <a:latin typeface="Arial" panose="020B0604020202020204" pitchFamily="34" charset="0"/>
+              <a:cs typeface="Arial" panose="020B0604020202020204" pitchFamily="34" charset="0"/>
+            </a:endParaRPr>
+          </a:p>
+        </p:txBody>
+      </p:sp>
+      <p:sp>
+        <p:nvSpPr>
+          <p:cNvPr id="9" name="TextBox 8">
+            <a:extLst>
+              <a:ext uri="{FF2B5EF4-FFF2-40B4-BE49-F238E27FC236}">
+                <a16:creationId xmlns:a16="http://schemas.microsoft.com/office/drawing/2014/main" id="{069D3804-F41D-8DB0-CA28-9D34BAFAD31A}"/>
+              </a:ext>
+            </a:extLst>
+          </p:cNvPr>
+          <p:cNvSpPr txBox="1"/>
+          <p:nvPr/>
+        </p:nvSpPr>
+        <p:spPr>
+          <a:xfrm>
+            <a:off x="6672064" y="2951714"/>
+            <a:ext cx="3024336" cy="369332"/>
+          </a:xfrm>
+          <a:prstGeom prst="rect">
+            <a:avLst/>
+          </a:prstGeom>
+          <a:noFill/>
+        </p:spPr>
+        <p:txBody>
+          <a:bodyPr wrap="square">
+            <a:spAutoFit/>
+          </a:bodyPr>
+          <a:lstStyle/>
+          <a:p>
+            <a:r>
+              <a:rPr lang="en-IN" b="0" i="0" dirty="0">
+                <a:solidFill>
+                  <a:srgbClr val="040C28"/>
+                </a:solidFill>
+                <a:effectLst/>
+                <a:latin typeface="Arial" panose="020B0604020202020204" pitchFamily="34" charset="0"/>
+                <a:cs typeface="Arial" panose="020B0604020202020204" pitchFamily="34" charset="0"/>
+              </a:rPr>
+              <a:t>most-significant digit (MSD)</a:t>
+            </a:r>
+            <a:endParaRPr lang="en-IN" dirty="0">
+              <a:latin typeface="Arial" panose="020B0604020202020204" pitchFamily="34" charset="0"/>
+              <a:cs typeface="Arial" panose="020B0604020202020204" pitchFamily="34" charset="0"/>
+            </a:endParaRPr>
           </a:p>
         </p:txBody>
       </p:sp>
@@ -6274,7 +6579,6 @@
           </a:bodyPr>
           <a:lstStyle/>
           <a:p>
-            <a:pPr algn="l"/>
             <a:r>
               <a:rPr lang="en-US" sz="2000" dirty="0">
                 <a:solidFill>
@@ -6283,7 +6587,51 @@
                 <a:latin typeface="Arial" panose="020B0604020202020204" pitchFamily="34" charset="0"/>
                 <a:cs typeface="Arial" panose="020B0604020202020204" pitchFamily="34" charset="0"/>
               </a:rPr>
-              <a:t>Decimal to Octal</a:t>
+              <a:t>Decimal to Octal   </a:t>
+            </a:r>
+            <a:r>
+              <a:rPr lang="en-US" sz="2000" b="0" i="0" dirty="0">
+                <a:solidFill>
+                  <a:srgbClr val="000000"/>
+                </a:solidFill>
+                <a:effectLst/>
+                <a:latin typeface="Arial" panose="020B0604020202020204" pitchFamily="34" charset="0"/>
+                <a:cs typeface="Arial" panose="020B0604020202020204" pitchFamily="34" charset="0"/>
+              </a:rPr>
+              <a:t>=&gt; (117) </a:t>
+            </a:r>
+            <a:r>
+              <a:rPr lang="en-US" sz="2000" b="0" i="0" baseline="-25000" dirty="0">
+                <a:solidFill>
+                  <a:srgbClr val="000000"/>
+                </a:solidFill>
+                <a:effectLst/>
+                <a:latin typeface="Arial" panose="020B0604020202020204" pitchFamily="34" charset="0"/>
+                <a:cs typeface="Arial" panose="020B0604020202020204" pitchFamily="34" charset="0"/>
+              </a:rPr>
+              <a:t>10</a:t>
+            </a:r>
+            <a:r>
+              <a:rPr lang="en-US" sz="2000" b="0" i="0" dirty="0">
+                <a:solidFill>
+                  <a:srgbClr val="000000"/>
+                </a:solidFill>
+                <a:effectLst/>
+                <a:latin typeface="Arial" panose="020B0604020202020204" pitchFamily="34" charset="0"/>
+                <a:cs typeface="Arial" panose="020B0604020202020204" pitchFamily="34" charset="0"/>
+              </a:rPr>
+              <a:t>  = (?)</a:t>
+            </a:r>
+            <a:r>
+              <a:rPr lang="en-US" sz="2000" b="0" i="0" baseline="-25000" dirty="0">
+                <a:solidFill>
+                  <a:srgbClr val="000000"/>
+                </a:solidFill>
+                <a:effectLst/>
+                <a:latin typeface="Arial" panose="020B0604020202020204" pitchFamily="34" charset="0"/>
+                <a:cs typeface="Arial" panose="020B0604020202020204" pitchFamily="34" charset="0"/>
+              </a:rPr>
+              <a:t>8</a:t>
             </a:r>
           </a:p>
           <a:p>
@@ -6453,7 +6801,6 @@
           </a:bodyPr>
           <a:lstStyle/>
           <a:p>
-            <a:pPr algn="l"/>
             <a:r>
               <a:rPr lang="en-US" sz="2000" b="0" i="0" dirty="0">
                 <a:solidFill>
@@ -6463,7 +6810,40 @@
                 <a:latin typeface="Arial" panose="020B0604020202020204" pitchFamily="34" charset="0"/>
                 <a:cs typeface="Arial" panose="020B0604020202020204" pitchFamily="34" charset="0"/>
               </a:rPr>
-              <a:t>Decimal to Hexadecimal</a:t>
+              <a:t>Decimal to Hexadecimal   =&gt; (117) </a:t>
+            </a:r>
+            <a:r>
+              <a:rPr lang="en-US" sz="2000" b="0" i="0" baseline="-25000" dirty="0">
+                <a:solidFill>
+                  <a:srgbClr val="000000"/>
+                </a:solidFill>
+                <a:effectLst/>
+                <a:latin typeface="Arial" panose="020B0604020202020204" pitchFamily="34" charset="0"/>
+                <a:cs typeface="Arial" panose="020B0604020202020204" pitchFamily="34" charset="0"/>
+              </a:rPr>
+              <a:t>10</a:t>
+            </a:r>
+            <a:r>
+              <a:rPr lang="en-US" sz="2000" b="0" i="0" dirty="0">
+                <a:solidFill>
+                  <a:srgbClr val="000000"/>
+                </a:solidFill>
+                <a:effectLst/>
+                <a:latin typeface="Arial" panose="020B0604020202020204" pitchFamily="34" charset="0"/>
+                <a:cs typeface="Arial" panose="020B0604020202020204" pitchFamily="34" charset="0"/>
+              </a:rPr>
+              <a:t>  = (?)</a:t>
+            </a:r>
+            <a:r>
+              <a:rPr lang="en-US" sz="2000" b="0" i="0" baseline="-25000" dirty="0">
+                <a:solidFill>
+                  <a:srgbClr val="000000"/>
+                </a:solidFill>
+                <a:effectLst/>
+                <a:latin typeface="Arial" panose="020B0604020202020204" pitchFamily="34" charset="0"/>
+                <a:cs typeface="Arial" panose="020B0604020202020204" pitchFamily="34" charset="0"/>
+              </a:rPr>
+              <a:t>16</a:t>
             </a:r>
           </a:p>
           <a:p>

--- a/BIG Data.pptx
+++ b/BIG Data.pptx
@@ -36,12 +36,12 @@
     <p:sldId id="1123" r:id="rId27"/>
     <p:sldId id="1177" r:id="rId28"/>
     <p:sldId id="1180" r:id="rId29"/>
-    <p:sldId id="1181" r:id="rId30"/>
+    <p:sldId id="864" r:id="rId30"/>
     <p:sldId id="1182" r:id="rId31"/>
-    <p:sldId id="1321" r:id="rId32"/>
-    <p:sldId id="864" r:id="rId33"/>
-    <p:sldId id="1179" r:id="rId34"/>
-    <p:sldId id="1183" r:id="rId35"/>
+    <p:sldId id="1358" r:id="rId32"/>
+    <p:sldId id="1181" r:id="rId33"/>
+    <p:sldId id="1321" r:id="rId34"/>
+    <p:sldId id="1179" r:id="rId35"/>
     <p:sldId id="1322" r:id="rId36"/>
     <p:sldId id="1323" r:id="rId37"/>
     <p:sldId id="1324" r:id="rId38"/>
@@ -4382,8 +4382,8 @@
         </p:nvSpPr>
         <p:spPr>
           <a:xfrm>
-            <a:off x="335360" y="989432"/>
-            <a:ext cx="11593288" cy="4651979"/>
+            <a:off x="191344" y="989432"/>
+            <a:ext cx="11737304" cy="4651979"/>
           </a:xfrm>
           <a:prstGeom prst="rect">
             <a:avLst/>
@@ -5289,7 +5289,7 @@
         <p:spPr>
           <a:xfrm>
             <a:off x="335360" y="836712"/>
-            <a:ext cx="11377264" cy="1200329"/>
+            <a:ext cx="11377264" cy="923330"/>
           </a:xfrm>
           <a:prstGeom prst="rect">
             <a:avLst/>
@@ -5302,78 +5302,7 @@
           </a:bodyPr>
           <a:lstStyle/>
           <a:p>
-            <a:pPr algn="l"/>
-            <a:r>
-              <a:rPr lang="en-US" b="0" i="0" dirty="0">
-                <a:solidFill>
-                  <a:srgbClr val="444444"/>
-                </a:solidFill>
-                <a:effectLst/>
-                <a:latin typeface="Arial" panose="020B0604020202020204" pitchFamily="34" charset="0"/>
-                <a:cs typeface="Arial" panose="020B0604020202020204" pitchFamily="34" charset="0"/>
-              </a:rPr>
-              <a:t>A number is a mathematical value used for counting or measuring or labelling objects. </a:t>
-            </a:r>
-          </a:p>
-          <a:p>
-            <a:pPr algn="l"/>
-            <a:r>
-              <a:rPr lang="en-US" b="0" i="0" dirty="0">
-                <a:solidFill>
-                  <a:srgbClr val="444444"/>
-                </a:solidFill>
-                <a:effectLst/>
-                <a:latin typeface="Arial" panose="020B0604020202020204" pitchFamily="34" charset="0"/>
-                <a:cs typeface="Arial" panose="020B0604020202020204" pitchFamily="34" charset="0"/>
-              </a:rPr>
-              <a:t>Numbers are used to performing arithmetic calculations.  </a:t>
-            </a:r>
-          </a:p>
-          <a:p>
-            <a:pPr algn="l"/>
-            <a:r>
-              <a:rPr lang="en-US" b="0" i="0" dirty="0">
-                <a:solidFill>
-                  <a:srgbClr val="444444"/>
-                </a:solidFill>
-                <a:effectLst/>
-                <a:latin typeface="Arial" panose="020B0604020202020204" pitchFamily="34" charset="0"/>
-                <a:cs typeface="Arial" panose="020B0604020202020204" pitchFamily="34" charset="0"/>
-              </a:rPr>
-              <a:t>Examples of numbers are natural numbers, whole numbers, rational and irrational numbers, etc. 0 is also a number that represents a null value. </a:t>
-            </a:r>
-          </a:p>
-        </p:txBody>
-      </p:sp>
-      <p:sp>
-        <p:nvSpPr>
-          <p:cNvPr id="9" name="TextBox 8">
-            <a:extLst>
-              <a:ext uri="{FF2B5EF4-FFF2-40B4-BE49-F238E27FC236}">
-                <a16:creationId xmlns:a16="http://schemas.microsoft.com/office/drawing/2014/main" id="{48DCFB51-27EF-C3F6-94E3-FBFE288C9587}"/>
-              </a:ext>
-            </a:extLst>
-          </p:cNvPr>
-          <p:cNvSpPr txBox="1"/>
-          <p:nvPr/>
-        </p:nvSpPr>
-        <p:spPr>
-          <a:xfrm>
-            <a:off x="407368" y="2492896"/>
-            <a:ext cx="10945216" cy="2862322"/>
-          </a:xfrm>
-          <a:prstGeom prst="rect">
-            <a:avLst/>
-          </a:prstGeom>
-          <a:noFill/>
-        </p:spPr>
-        <p:txBody>
-          <a:bodyPr wrap="square">
-            <a:spAutoFit/>
-          </a:bodyPr>
-          <a:lstStyle/>
-          <a:p>
-            <a:pPr marL="285750" indent="-285750">
+            <a:pPr marL="285750" indent="-285750" algn="l">
               <a:buFont typeface="Arial" panose="020B0604020202020204" pitchFamily="34" charset="0"/>
               <a:buChar char="•"/>
             </a:pPr>
@@ -5386,35 +5315,113 @@
                 <a:latin typeface="Arial" panose="020B0604020202020204" pitchFamily="34" charset="0"/>
                 <a:cs typeface="Arial" panose="020B0604020202020204" pitchFamily="34" charset="0"/>
               </a:rPr>
-              <a:t>Natural Numbers : </a:t>
+              <a:t>A number is a </a:t>
+            </a:r>
+            <a:r>
+              <a:rPr lang="en-US" b="1" i="0" dirty="0">
+                <a:solidFill>
+                  <a:srgbClr val="444444"/>
+                </a:solidFill>
+                <a:effectLst/>
+                <a:latin typeface="Arial" panose="020B0604020202020204" pitchFamily="34" charset="0"/>
+                <a:cs typeface="Arial" panose="020B0604020202020204" pitchFamily="34" charset="0"/>
+              </a:rPr>
+              <a:t>mathematical value </a:t>
             </a:r>
             <a:r>
               <a:rPr lang="en-US" b="0" i="0" dirty="0">
                 <a:solidFill>
-                  <a:srgbClr val="040C28"/>
-                </a:solidFill>
-                <a:effectLst/>
-                <a:latin typeface="Arial" panose="020B0604020202020204" pitchFamily="34" charset="0"/>
-                <a:cs typeface="Arial" panose="020B0604020202020204" pitchFamily="34" charset="0"/>
-              </a:rPr>
-              <a:t>a part of the number system which includes all the positive integers from 1 till infinity.</a:t>
-            </a:r>
-          </a:p>
-          <a:p>
-            <a:pPr marL="285750" indent="-285750">
+                  <a:srgbClr val="444444"/>
+                </a:solidFill>
+                <a:effectLst/>
+                <a:latin typeface="Arial" panose="020B0604020202020204" pitchFamily="34" charset="0"/>
+                <a:cs typeface="Arial" panose="020B0604020202020204" pitchFamily="34" charset="0"/>
+              </a:rPr>
+              <a:t>used for </a:t>
+            </a:r>
+            <a:r>
+              <a:rPr lang="en-US" b="1" i="0" dirty="0">
+                <a:solidFill>
+                  <a:srgbClr val="444444"/>
+                </a:solidFill>
+                <a:effectLst/>
+                <a:latin typeface="Arial" panose="020B0604020202020204" pitchFamily="34" charset="0"/>
+                <a:cs typeface="Arial" panose="020B0604020202020204" pitchFamily="34" charset="0"/>
+              </a:rPr>
+              <a:t>counting</a:t>
+            </a:r>
+            <a:r>
+              <a:rPr lang="en-US" b="0" i="0" dirty="0">
+                <a:solidFill>
+                  <a:srgbClr val="444444"/>
+                </a:solidFill>
+                <a:effectLst/>
+                <a:latin typeface="Arial" panose="020B0604020202020204" pitchFamily="34" charset="0"/>
+                <a:cs typeface="Arial" panose="020B0604020202020204" pitchFamily="34" charset="0"/>
+              </a:rPr>
+              <a:t> or </a:t>
+            </a:r>
+            <a:r>
+              <a:rPr lang="en-US" b="1" i="0" dirty="0">
+                <a:solidFill>
+                  <a:srgbClr val="444444"/>
+                </a:solidFill>
+                <a:effectLst/>
+                <a:latin typeface="Arial" panose="020B0604020202020204" pitchFamily="34" charset="0"/>
+                <a:cs typeface="Arial" panose="020B0604020202020204" pitchFamily="34" charset="0"/>
+              </a:rPr>
+              <a:t>measuring</a:t>
+            </a:r>
+            <a:r>
+              <a:rPr lang="en-US" b="0" i="0" dirty="0">
+                <a:solidFill>
+                  <a:srgbClr val="444444"/>
+                </a:solidFill>
+                <a:effectLst/>
+                <a:latin typeface="Arial" panose="020B0604020202020204" pitchFamily="34" charset="0"/>
+                <a:cs typeface="Arial" panose="020B0604020202020204" pitchFamily="34" charset="0"/>
+              </a:rPr>
+              <a:t> or </a:t>
+            </a:r>
+            <a:r>
+              <a:rPr lang="en-US" b="1" i="0" dirty="0">
+                <a:solidFill>
+                  <a:srgbClr val="444444"/>
+                </a:solidFill>
+                <a:effectLst/>
+                <a:latin typeface="Arial" panose="020B0604020202020204" pitchFamily="34" charset="0"/>
+                <a:cs typeface="Arial" panose="020B0604020202020204" pitchFamily="34" charset="0"/>
+              </a:rPr>
+              <a:t>labelling objects</a:t>
+            </a:r>
+            <a:r>
+              <a:rPr lang="en-US" b="0" i="0" dirty="0">
+                <a:solidFill>
+                  <a:srgbClr val="444444"/>
+                </a:solidFill>
+                <a:effectLst/>
+                <a:latin typeface="Arial" panose="020B0604020202020204" pitchFamily="34" charset="0"/>
+                <a:cs typeface="Arial" panose="020B0604020202020204" pitchFamily="34" charset="0"/>
+              </a:rPr>
+              <a:t>. </a:t>
+            </a:r>
+          </a:p>
+          <a:p>
+            <a:pPr marL="285750" indent="-285750" algn="l">
               <a:buFont typeface="Arial" panose="020B0604020202020204" pitchFamily="34" charset="0"/>
               <a:buChar char="•"/>
             </a:pPr>
-            <a:endParaRPr lang="en-US" dirty="0">
+            <a:endParaRPr lang="en-US" b="0" i="0" dirty="0">
               <a:solidFill>
-                <a:srgbClr val="040C28"/>
+                <a:srgbClr val="444444"/>
               </a:solidFill>
+              <a:effectLst/>
               <a:latin typeface="Arial" panose="020B0604020202020204" pitchFamily="34" charset="0"/>
               <a:cs typeface="Arial" panose="020B0604020202020204" pitchFamily="34" charset="0"/>
             </a:endParaRPr>
           </a:p>
           <a:p>
-            <a:pPr marL="285750" indent="-285750">
+            <a:pPr marL="285750" indent="-285750" algn="l">
               <a:buFont typeface="Arial" panose="020B0604020202020204" pitchFamily="34" charset="0"/>
               <a:buChar char="•"/>
             </a:pPr>
@@ -5427,84 +5434,8 @@
                 <a:latin typeface="Arial" panose="020B0604020202020204" pitchFamily="34" charset="0"/>
                 <a:cs typeface="Arial" panose="020B0604020202020204" pitchFamily="34" charset="0"/>
               </a:rPr>
-              <a:t>Whole Numbers: </a:t>
-            </a:r>
-            <a:r>
-              <a:rPr lang="en-US" b="0" i="0" dirty="0">
-                <a:solidFill>
-                  <a:srgbClr val="040C28"/>
-                </a:solidFill>
-                <a:effectLst/>
-                <a:latin typeface="Arial" panose="020B0604020202020204" pitchFamily="34" charset="0"/>
-                <a:cs typeface="Arial" panose="020B0604020202020204" pitchFamily="34" charset="0"/>
-              </a:rPr>
-              <a:t>the numbers without fractions and it is a collection of positive integers and zero.</a:t>
-            </a:r>
-          </a:p>
-          <a:p>
-            <a:pPr marL="285750" indent="-285750">
-              <a:buFont typeface="Arial" panose="020B0604020202020204" pitchFamily="34" charset="0"/>
-              <a:buChar char="•"/>
-            </a:pPr>
-            <a:endParaRPr lang="en-US" dirty="0">
-              <a:solidFill>
-                <a:srgbClr val="040C28"/>
-              </a:solidFill>
-              <a:latin typeface="Arial" panose="020B0604020202020204" pitchFamily="34" charset="0"/>
-              <a:cs typeface="Arial" panose="020B0604020202020204" pitchFamily="34" charset="0"/>
-            </a:endParaRPr>
-          </a:p>
-          <a:p>
-            <a:pPr marL="285750" indent="-285750">
-              <a:buFont typeface="Arial" panose="020B0604020202020204" pitchFamily="34" charset="0"/>
-              <a:buChar char="•"/>
-            </a:pPr>
-            <a:r>
-              <a:rPr lang="en-US" dirty="0">
-                <a:solidFill>
-                  <a:srgbClr val="444444"/>
-                </a:solidFill>
-                <a:latin typeface="Arial" panose="020B0604020202020204" pitchFamily="34" charset="0"/>
-                <a:cs typeface="Arial" panose="020B0604020202020204" pitchFamily="34" charset="0"/>
-              </a:rPr>
-              <a:t>Rational numbers: - Rational numbers can be represented in the p/q form, where p and q are integers, and q is not equal to 0. p can be a positive, negative, or even a zero integer.</a:t>
-            </a:r>
-          </a:p>
-          <a:p>
-            <a:pPr marL="285750" indent="-285750">
-              <a:buFont typeface="Arial" panose="020B0604020202020204" pitchFamily="34" charset="0"/>
-              <a:buChar char="•"/>
-            </a:pPr>
-            <a:endParaRPr lang="en-US" dirty="0">
-              <a:solidFill>
-                <a:srgbClr val="444444"/>
-              </a:solidFill>
-              <a:latin typeface="Arial" panose="020B0604020202020204" pitchFamily="34" charset="0"/>
-              <a:cs typeface="Arial" panose="020B0604020202020204" pitchFamily="34" charset="0"/>
-            </a:endParaRPr>
-          </a:p>
-          <a:p>
-            <a:pPr marL="285750" indent="-285750">
-              <a:buFont typeface="Arial" panose="020B0604020202020204" pitchFamily="34" charset="0"/>
-              <a:buChar char="•"/>
-            </a:pPr>
-            <a:r>
-              <a:rPr lang="en-US" dirty="0">
-                <a:solidFill>
-                  <a:srgbClr val="444444"/>
-                </a:solidFill>
-                <a:latin typeface="Arial" panose="020B0604020202020204" pitchFamily="34" charset="0"/>
-                <a:cs typeface="Arial" panose="020B0604020202020204" pitchFamily="34" charset="0"/>
-              </a:rPr>
-              <a:t>Irrational numbers: - In simple terms, the numbers which are not rational are called irrational numbers. Strictly speaking, the numbers represented in decimal but not in the fractional form are called irrational numbers.</a:t>
-            </a:r>
-            <a:endParaRPr lang="en-IN" dirty="0">
-              <a:solidFill>
-                <a:srgbClr val="444444"/>
-              </a:solidFill>
-              <a:latin typeface="Arial" panose="020B0604020202020204" pitchFamily="34" charset="0"/>
-              <a:cs typeface="Arial" panose="020B0604020202020204" pitchFamily="34" charset="0"/>
-            </a:endParaRPr>
+              <a:t>Numbers are used to performing arithmetic calculations.</a:t>
+            </a:r>
           </a:p>
         </p:txBody>
       </p:sp>
@@ -5588,8 +5519,8 @@
         </p:nvGrpSpPr>
         <p:grpSpPr>
           <a:xfrm>
-            <a:off x="551384" y="1052736"/>
-            <a:ext cx="11233248" cy="2940429"/>
+            <a:off x="119336" y="1052736"/>
+            <a:ext cx="11665296" cy="2940429"/>
             <a:chOff x="551384" y="1052736"/>
             <a:chExt cx="11233248" cy="2940429"/>
           </a:xfrm>
@@ -5649,7 +5580,7 @@
                   <a:latin typeface="Arial" panose="020B0604020202020204" pitchFamily="34" charset="0"/>
                   <a:cs typeface="Arial" panose="020B0604020202020204" pitchFamily="34" charset="0"/>
                 </a:rPr>
-                <a:t>Decimal number system (Base- 10)  =&gt; 0, 1, 2, 3, 4, 5, 6, 7, 8, 9</a:t>
+                <a:t>Decimal number system (Base- 10)           =&gt; 0, 1, 2, 3, 4, 5, 6, 7, 8, 9</a:t>
               </a:r>
             </a:p>
             <a:p>
@@ -5665,7 +5596,7 @@
                   <a:latin typeface="Arial" panose="020B0604020202020204" pitchFamily="34" charset="0"/>
                   <a:cs typeface="Arial" panose="020B0604020202020204" pitchFamily="34" charset="0"/>
                 </a:rPr>
-                <a:t>Binary number system (Base- 2)   =&gt; 0, 1</a:t>
+                <a:t>Binary number system (Base- 2)                =&gt; 0, 1</a:t>
               </a:r>
             </a:p>
             <a:p>
@@ -5681,7 +5612,7 @@
                   <a:latin typeface="Arial" panose="020B0604020202020204" pitchFamily="34" charset="0"/>
                   <a:cs typeface="Arial" panose="020B0604020202020204" pitchFamily="34" charset="0"/>
                 </a:rPr>
-                <a:t>Octal number system (Base-8)    =&gt; 0, 1, 2, 3, 4, 5, 6, 7</a:t>
+                <a:t>Octal number system (Base-8)                   =&gt; 0, 1, 2, 3, 4, 5, 6, 7</a:t>
               </a:r>
             </a:p>
             <a:p>
@@ -5718,7 +5649,7 @@
           </p:nvCxnSpPr>
           <p:spPr>
             <a:xfrm>
-              <a:off x="8223144" y="3314168"/>
+              <a:off x="7941081" y="3314168"/>
               <a:ext cx="0" cy="258848"/>
             </a:xfrm>
             <a:prstGeom prst="straightConnector1">
@@ -5759,7 +5690,7 @@
           </p:nvCxnSpPr>
           <p:spPr>
             <a:xfrm>
-              <a:off x="8764208" y="3314168"/>
+              <a:off x="8482145" y="3314168"/>
               <a:ext cx="0" cy="258848"/>
             </a:xfrm>
             <a:prstGeom prst="straightConnector1">
@@ -5800,7 +5731,7 @@
           </p:nvCxnSpPr>
           <p:spPr>
             <a:xfrm>
-              <a:off x="9299352" y="3314168"/>
+              <a:off x="9017288" y="3314168"/>
               <a:ext cx="0" cy="258848"/>
             </a:xfrm>
             <a:prstGeom prst="straightConnector1">
@@ -5841,7 +5772,7 @@
           </p:nvCxnSpPr>
           <p:spPr>
             <a:xfrm>
-              <a:off x="9840416" y="3314168"/>
+              <a:off x="9530249" y="3314168"/>
               <a:ext cx="0" cy="258848"/>
             </a:xfrm>
             <a:prstGeom prst="straightConnector1">
@@ -5882,7 +5813,7 @@
           </p:nvCxnSpPr>
           <p:spPr>
             <a:xfrm>
-              <a:off x="10451480" y="3314168"/>
+              <a:off x="10057004" y="3314168"/>
               <a:ext cx="0" cy="258848"/>
             </a:xfrm>
             <a:prstGeom prst="straightConnector1">
@@ -5923,7 +5854,7 @@
           </p:nvCxnSpPr>
           <p:spPr>
             <a:xfrm>
-              <a:off x="10992544" y="3314168"/>
+              <a:off x="10618969" y="3314168"/>
               <a:ext cx="0" cy="258848"/>
             </a:xfrm>
             <a:prstGeom prst="straightConnector1">
@@ -5962,7 +5893,7 @@
           </p:nvSpPr>
           <p:spPr>
             <a:xfrm>
-              <a:off x="8063584" y="3623833"/>
+              <a:off x="7781521" y="3623833"/>
               <a:ext cx="3240360" cy="369332"/>
             </a:xfrm>
             <a:prstGeom prst="rect">
@@ -6084,7 +6015,7 @@
           <a:p>
             <a:pPr algn="l"/>
             <a:r>
-              <a:rPr lang="en-US" sz="2000" b="0" i="0" dirty="0">
+              <a:rPr lang="en-US" sz="2000" b="1" i="0" dirty="0">
                 <a:solidFill>
                   <a:srgbClr val="000000"/>
                 </a:solidFill>
@@ -6092,10 +6023,10 @@
                 <a:latin typeface="Arial" panose="020B0604020202020204" pitchFamily="34" charset="0"/>
                 <a:cs typeface="Arial" panose="020B0604020202020204" pitchFamily="34" charset="0"/>
               </a:rPr>
-              <a:t>Decimal to Binary  =&gt; (117) </a:t>
-            </a:r>
-            <a:r>
-              <a:rPr lang="en-US" sz="2000" b="0" i="0" baseline="-25000" dirty="0">
+              <a:t>Decimal to Binary  =&gt; (43) </a:t>
+            </a:r>
+            <a:r>
+              <a:rPr lang="en-US" sz="2000" b="1" i="0" baseline="-25000" dirty="0">
                 <a:solidFill>
                   <a:srgbClr val="000000"/>
                 </a:solidFill>
@@ -6106,7 +6037,7 @@
               <a:t>10</a:t>
             </a:r>
             <a:r>
-              <a:rPr lang="en-US" sz="2000" b="0" i="0" dirty="0">
+              <a:rPr lang="en-US" sz="2000" b="1" i="0" dirty="0">
                 <a:solidFill>
                   <a:srgbClr val="000000"/>
                 </a:solidFill>
@@ -6117,7 +6048,7 @@
               <a:t>  = (?)</a:t>
             </a:r>
             <a:r>
-              <a:rPr lang="en-US" sz="2000" b="0" i="0" baseline="-25000" dirty="0">
+              <a:rPr lang="en-US" sz="2000" b="1" i="0" baseline="-25000" dirty="0">
                 <a:solidFill>
                   <a:srgbClr val="000000"/>
                 </a:solidFill>
@@ -6580,7 +6511,7 @@
           <a:lstStyle/>
           <a:p>
             <a:r>
-              <a:rPr lang="en-US" sz="2000" dirty="0">
+              <a:rPr lang="en-US" sz="2000" b="1" dirty="0">
                 <a:solidFill>
                   <a:srgbClr val="000000"/>
                 </a:solidFill>
@@ -6590,7 +6521,7 @@
               <a:t>Decimal to Octal   </a:t>
             </a:r>
             <a:r>
-              <a:rPr lang="en-US" sz="2000" b="0" i="0" dirty="0">
+              <a:rPr lang="en-US" sz="2000" b="1" i="0" dirty="0">
                 <a:solidFill>
                   <a:srgbClr val="000000"/>
                 </a:solidFill>
@@ -6598,10 +6529,10 @@
                 <a:latin typeface="Arial" panose="020B0604020202020204" pitchFamily="34" charset="0"/>
                 <a:cs typeface="Arial" panose="020B0604020202020204" pitchFamily="34" charset="0"/>
               </a:rPr>
-              <a:t>=&gt; (117) </a:t>
-            </a:r>
-            <a:r>
-              <a:rPr lang="en-US" sz="2000" b="0" i="0" baseline="-25000" dirty="0">
+              <a:t>=&gt; (473) </a:t>
+            </a:r>
+            <a:r>
+              <a:rPr lang="en-US" sz="2000" b="1" i="0" baseline="-25000" dirty="0">
                 <a:solidFill>
                   <a:srgbClr val="000000"/>
                 </a:solidFill>
@@ -6612,7 +6543,7 @@
               <a:t>10</a:t>
             </a:r>
             <a:r>
-              <a:rPr lang="en-US" sz="2000" b="0" i="0" dirty="0">
+              <a:rPr lang="en-US" sz="2000" b="1" i="0" dirty="0">
                 <a:solidFill>
                   <a:srgbClr val="000000"/>
                 </a:solidFill>
@@ -6623,7 +6554,7 @@
               <a:t>  = (?)</a:t>
             </a:r>
             <a:r>
-              <a:rPr lang="en-US" sz="2000" b="0" i="0" baseline="-25000" dirty="0">
+              <a:rPr lang="en-US" sz="2000" b="1" i="0" baseline="-25000" dirty="0">
                 <a:solidFill>
                   <a:srgbClr val="000000"/>
                 </a:solidFill>
@@ -6636,7 +6567,7 @@
           </a:p>
           <a:p>
             <a:pPr algn="l"/>
-            <a:endParaRPr lang="en-US" dirty="0">
+            <a:endParaRPr lang="en-US" b="1" dirty="0">
               <a:solidFill>
                 <a:srgbClr val="000000"/>
               </a:solidFill>
@@ -6691,6 +6622,243 @@
           <a:xfrm>
             <a:off x="551384" y="2336941"/>
             <a:ext cx="6682537" cy="2028163"/>
+          </a:xfrm>
+          <a:prstGeom prst="rect">
+            <a:avLst/>
+          </a:prstGeom>
+          <a:noFill/>
+          <a:extLst>
+            <a:ext uri="{909E8E84-426E-40DD-AFC4-6F175D3DCCD1}">
+              <a14:hiddenFill xmlns:a14="http://schemas.microsoft.com/office/drawing/2010/main">
+                <a:solidFill>
+                  <a:srgbClr val="FFFFFF"/>
+                </a:solidFill>
+              </a14:hiddenFill>
+            </a:ext>
+          </a:extLst>
+        </p:spPr>
+      </p:pic>
+      <p:sp>
+        <p:nvSpPr>
+          <p:cNvPr id="2" name="TextBox 1">
+            <a:extLst>
+              <a:ext uri="{FF2B5EF4-FFF2-40B4-BE49-F238E27FC236}">
+                <a16:creationId xmlns:a16="http://schemas.microsoft.com/office/drawing/2014/main" id="{B942050D-C474-C0C0-3A62-A3EE1CDB1C7A}"/>
+              </a:ext>
+            </a:extLst>
+          </p:cNvPr>
+          <p:cNvSpPr txBox="1"/>
+          <p:nvPr/>
+        </p:nvSpPr>
+        <p:spPr>
+          <a:xfrm>
+            <a:off x="558369" y="5229200"/>
+            <a:ext cx="6094378" cy="400110"/>
+          </a:xfrm>
+          <a:prstGeom prst="rect">
+            <a:avLst/>
+          </a:prstGeom>
+          <a:noFill/>
+        </p:spPr>
+        <p:txBody>
+          <a:bodyPr wrap="square">
+            <a:spAutoFit/>
+          </a:bodyPr>
+          <a:lstStyle/>
+          <a:p>
+            <a:r>
+              <a:rPr lang="en-US" sz="2000" dirty="0">
+                <a:solidFill>
+                  <a:srgbClr val="000000"/>
+                </a:solidFill>
+                <a:latin typeface="Arial" panose="020B0604020202020204" pitchFamily="34" charset="0"/>
+                <a:cs typeface="Arial" panose="020B0604020202020204" pitchFamily="34" charset="0"/>
+              </a:rPr>
+              <a:t>Octal</a:t>
+            </a:r>
+            <a:r>
+              <a:rPr lang="en-IN" sz="2000" i="0" dirty="0">
+                <a:solidFill>
+                  <a:srgbClr val="444444"/>
+                </a:solidFill>
+                <a:effectLst/>
+                <a:latin typeface="Arial" panose="020B0604020202020204" pitchFamily="34" charset="0"/>
+                <a:cs typeface="Arial" panose="020B0604020202020204" pitchFamily="34" charset="0"/>
+              </a:rPr>
+              <a:t> to Decimal Conversion</a:t>
+            </a:r>
+            <a:endParaRPr lang="en-IN" sz="2000" dirty="0">
+              <a:latin typeface="Arial" panose="020B0604020202020204" pitchFamily="34" charset="0"/>
+              <a:cs typeface="Arial" panose="020B0604020202020204" pitchFamily="34" charset="0"/>
+            </a:endParaRPr>
+          </a:p>
+        </p:txBody>
+      </p:sp>
+      <p:sp>
+        <p:nvSpPr>
+          <p:cNvPr id="3" name="TextBox 2">
+            <a:extLst>
+              <a:ext uri="{FF2B5EF4-FFF2-40B4-BE49-F238E27FC236}">
+                <a16:creationId xmlns:a16="http://schemas.microsoft.com/office/drawing/2014/main" id="{821708F9-83DD-2C7A-D3A1-549BF127F2BC}"/>
+              </a:ext>
+            </a:extLst>
+          </p:cNvPr>
+          <p:cNvSpPr txBox="1"/>
+          <p:nvPr/>
+        </p:nvSpPr>
+        <p:spPr>
+          <a:xfrm>
+            <a:off x="551384" y="5654679"/>
+            <a:ext cx="5105583" cy="923330"/>
+          </a:xfrm>
+          <a:prstGeom prst="rect">
+            <a:avLst/>
+          </a:prstGeom>
+          <a:noFill/>
+        </p:spPr>
+        <p:txBody>
+          <a:bodyPr wrap="square">
+            <a:spAutoFit/>
+          </a:bodyPr>
+          <a:lstStyle/>
+          <a:p>
+            <a:pPr algn="l"/>
+            <a:r>
+              <a:rPr lang="en-IN" b="0" i="0" dirty="0">
+                <a:solidFill>
+                  <a:srgbClr val="444444"/>
+                </a:solidFill>
+                <a:effectLst/>
+                <a:latin typeface="Poppins" panose="00000500000000000000" pitchFamily="2" charset="0"/>
+              </a:rPr>
+              <a:t>7 × 8</a:t>
+            </a:r>
+            <a:r>
+              <a:rPr lang="en-IN" b="0" i="0" baseline="30000" dirty="0">
+                <a:solidFill>
+                  <a:srgbClr val="444444"/>
+                </a:solidFill>
+                <a:effectLst/>
+                <a:latin typeface="Poppins" panose="00000500000000000000" pitchFamily="2" charset="0"/>
+              </a:rPr>
+              <a:t>2</a:t>
+            </a:r>
+            <a:r>
+              <a:rPr lang="en-IN" b="0" i="0" dirty="0">
+                <a:solidFill>
+                  <a:srgbClr val="444444"/>
+                </a:solidFill>
+                <a:effectLst/>
+                <a:latin typeface="Poppins" panose="00000500000000000000" pitchFamily="2" charset="0"/>
+              </a:rPr>
+              <a:t> + 3× 8</a:t>
+            </a:r>
+            <a:r>
+              <a:rPr lang="en-IN" b="0" i="0" baseline="30000" dirty="0">
+                <a:solidFill>
+                  <a:srgbClr val="444444"/>
+                </a:solidFill>
+                <a:effectLst/>
+                <a:latin typeface="Poppins" panose="00000500000000000000" pitchFamily="2" charset="0"/>
+              </a:rPr>
+              <a:t>1 </a:t>
+            </a:r>
+            <a:r>
+              <a:rPr lang="en-IN" b="0" i="0" dirty="0">
+                <a:solidFill>
+                  <a:srgbClr val="444444"/>
+                </a:solidFill>
+                <a:effectLst/>
+                <a:latin typeface="Poppins" panose="00000500000000000000" pitchFamily="2" charset="0"/>
+              </a:rPr>
+              <a:t>+ 1 × 8</a:t>
+            </a:r>
+            <a:r>
+              <a:rPr lang="en-IN" b="0" i="0" baseline="30000" dirty="0">
+                <a:solidFill>
+                  <a:srgbClr val="444444"/>
+                </a:solidFill>
+                <a:effectLst/>
+                <a:latin typeface="Poppins" panose="00000500000000000000" pitchFamily="2" charset="0"/>
+              </a:rPr>
+              <a:t>0</a:t>
+            </a:r>
+          </a:p>
+          <a:p>
+            <a:pPr algn="l"/>
+            <a:r>
+              <a:rPr lang="en-IN" b="0" i="0" dirty="0">
+                <a:solidFill>
+                  <a:srgbClr val="444444"/>
+                </a:solidFill>
+                <a:effectLst/>
+                <a:latin typeface="Poppins" panose="00000500000000000000" pitchFamily="2" charset="0"/>
+              </a:rPr>
+              <a:t>= 448 + 24 + 1</a:t>
+            </a:r>
+          </a:p>
+          <a:p>
+            <a:pPr algn="l"/>
+            <a:r>
+              <a:rPr lang="en-IN" b="0" i="0" dirty="0">
+                <a:solidFill>
+                  <a:srgbClr val="444444"/>
+                </a:solidFill>
+                <a:effectLst/>
+                <a:latin typeface="Poppins" panose="00000500000000000000" pitchFamily="2" charset="0"/>
+              </a:rPr>
+              <a:t>= </a:t>
+            </a:r>
+            <a:r>
+              <a:rPr lang="en-IN" dirty="0">
+                <a:solidFill>
+                  <a:srgbClr val="444444"/>
+                </a:solidFill>
+                <a:latin typeface="Poppins" panose="00000500000000000000" pitchFamily="2" charset="0"/>
+              </a:rPr>
+              <a:t>731</a:t>
+            </a:r>
+            <a:endParaRPr lang="en-IN" b="0" i="0" dirty="0">
+              <a:solidFill>
+                <a:srgbClr val="444444"/>
+              </a:solidFill>
+              <a:effectLst/>
+              <a:latin typeface="Poppins" panose="00000500000000000000" pitchFamily="2" charset="0"/>
+            </a:endParaRPr>
+          </a:p>
+        </p:txBody>
+      </p:sp>
+      <p:pic>
+        <p:nvPicPr>
+          <p:cNvPr id="1028" name="Picture 4" descr="8 Table - Multiplication Table of 8 | 8 Times Table">
+            <a:extLst>
+              <a:ext uri="{FF2B5EF4-FFF2-40B4-BE49-F238E27FC236}">
+                <a16:creationId xmlns:a16="http://schemas.microsoft.com/office/drawing/2014/main" id="{8557FCF3-863A-0D31-75A5-0EF669BC9DFE}"/>
+              </a:ext>
+            </a:extLst>
+          </p:cNvPr>
+          <p:cNvPicPr>
+            <a:picLocks noChangeAspect="1" noChangeArrowheads="1"/>
+          </p:cNvPicPr>
+          <p:nvPr/>
+        </p:nvPicPr>
+        <p:blipFill>
+          <a:blip r:embed="rId3">
+            <a:extLst>
+              <a:ext uri="{28A0092B-C50C-407E-A947-70E740481C1C}">
+                <a14:useLocalDpi xmlns:a14="http://schemas.microsoft.com/office/drawing/2010/main" val="0"/>
+              </a:ext>
+            </a:extLst>
+          </a:blip>
+          <a:srcRect/>
+          <a:stretch>
+            <a:fillRect/>
+          </a:stretch>
+        </p:blipFill>
+        <p:spPr bwMode="auto">
+          <a:xfrm>
+            <a:off x="8724292" y="2067818"/>
+            <a:ext cx="2880320" cy="4383784"/>
           </a:xfrm>
           <a:prstGeom prst="rect">
             <a:avLst/>
@@ -6802,7 +6970,7 @@
           <a:lstStyle/>
           <a:p>
             <a:r>
-              <a:rPr lang="en-US" sz="2000" b="0" i="0" dirty="0">
+              <a:rPr lang="en-US" sz="2000" b="1" i="0" dirty="0">
                 <a:solidFill>
                   <a:srgbClr val="000000"/>
                 </a:solidFill>
@@ -6810,10 +6978,10 @@
                 <a:latin typeface="Arial" panose="020B0604020202020204" pitchFamily="34" charset="0"/>
                 <a:cs typeface="Arial" panose="020B0604020202020204" pitchFamily="34" charset="0"/>
               </a:rPr>
-              <a:t>Decimal to Hexadecimal   =&gt; (117) </a:t>
-            </a:r>
-            <a:r>
-              <a:rPr lang="en-US" sz="2000" b="0" i="0" baseline="-25000" dirty="0">
+              <a:t>Decimal to Hexadecimal   =&gt; (423) </a:t>
+            </a:r>
+            <a:r>
+              <a:rPr lang="en-US" sz="2000" b="1" i="0" baseline="-25000" dirty="0">
                 <a:solidFill>
                   <a:srgbClr val="000000"/>
                 </a:solidFill>
@@ -6824,7 +6992,7 @@
               <a:t>10</a:t>
             </a:r>
             <a:r>
-              <a:rPr lang="en-US" sz="2000" b="0" i="0" dirty="0">
+              <a:rPr lang="en-US" sz="2000" b="1" i="0" dirty="0">
                 <a:solidFill>
                   <a:srgbClr val="000000"/>
                 </a:solidFill>
@@ -6835,7 +7003,7 @@
               <a:t>  = (?)</a:t>
             </a:r>
             <a:r>
-              <a:rPr lang="en-US" sz="2000" b="0" i="0" baseline="-25000" dirty="0">
+              <a:rPr lang="en-US" sz="2000" b="1" i="0" baseline="-25000" dirty="0">
                 <a:solidFill>
                   <a:srgbClr val="000000"/>
                 </a:solidFill>
@@ -6902,8 +7070,55 @@
         </p:blipFill>
         <p:spPr bwMode="auto">
           <a:xfrm>
-            <a:off x="623392" y="2636912"/>
-            <a:ext cx="6507492" cy="2736304"/>
+            <a:off x="554496" y="2350529"/>
+            <a:ext cx="5184576" cy="2180037"/>
+          </a:xfrm>
+          <a:prstGeom prst="rect">
+            <a:avLst/>
+          </a:prstGeom>
+          <a:noFill/>
+          <a:extLst>
+            <a:ext uri="{909E8E84-426E-40DD-AFC4-6F175D3DCCD1}">
+              <a14:hiddenFill xmlns:a14="http://schemas.microsoft.com/office/drawing/2010/main">
+                <a:solidFill>
+                  <a:srgbClr val="FFFFFF"/>
+                </a:solidFill>
+              </a14:hiddenFill>
+            </a:ext>
+          </a:extLst>
+        </p:spPr>
+      </p:pic>
+      <p:pic>
+        <p:nvPicPr>
+          <p:cNvPr id="2" name="Picture 2" descr="16 Table - Multiplication Table of 16 | 16 Times Table">
+            <a:extLst>
+              <a:ext uri="{FF2B5EF4-FFF2-40B4-BE49-F238E27FC236}">
+                <a16:creationId xmlns:a16="http://schemas.microsoft.com/office/drawing/2014/main" id="{C076DF3C-6BA4-232C-AABD-72005761AA73}"/>
+              </a:ext>
+            </a:extLst>
+          </p:cNvPr>
+          <p:cNvPicPr>
+            <a:picLocks noChangeAspect="1" noChangeArrowheads="1"/>
+          </p:cNvPicPr>
+          <p:nvPr/>
+        </p:nvPicPr>
+        <p:blipFill>
+          <a:blip r:embed="rId3">
+            <a:extLst>
+              <a:ext uri="{28A0092B-C50C-407E-A947-70E740481C1C}">
+                <a14:useLocalDpi xmlns:a14="http://schemas.microsoft.com/office/drawing/2010/main" val="0"/>
+              </a:ext>
+            </a:extLst>
+          </a:blip>
+          <a:srcRect/>
+          <a:stretch>
+            <a:fillRect/>
+          </a:stretch>
+        </p:blipFill>
+        <p:spPr bwMode="auto">
+          <a:xfrm>
+            <a:off x="8616282" y="2066400"/>
+            <a:ext cx="2880000" cy="4372604"/>
           </a:xfrm>
           <a:prstGeom prst="rect">
             <a:avLst/>
@@ -7033,7 +7248,7 @@
                 <a:latin typeface="Arial" panose="020B0604020202020204" pitchFamily="34" charset="0"/>
                 <a:cs typeface="Arial" panose="020B0604020202020204" pitchFamily="34" charset="0"/>
               </a:rPr>
-              <a:t>: The period of first generation: 1946-1959. Vacuum tube based.</a:t>
+              <a:t>: The period of first generation: 1946-1959.</a:t>
             </a:r>
           </a:p>
           <a:p>
@@ -7083,7 +7298,7 @@
                 <a:latin typeface="Arial" panose="020B0604020202020204" pitchFamily="34" charset="0"/>
                 <a:cs typeface="Arial" panose="020B0604020202020204" pitchFamily="34" charset="0"/>
               </a:rPr>
-              <a:t>: The period of second generation: 1959-1965. Transistor based.</a:t>
+              <a:t>: The period of second generation: 1959-1965.</a:t>
             </a:r>
           </a:p>
           <a:p>
@@ -7133,7 +7348,7 @@
                 <a:latin typeface="Arial" panose="020B0604020202020204" pitchFamily="34" charset="0"/>
                 <a:cs typeface="Arial" panose="020B0604020202020204" pitchFamily="34" charset="0"/>
               </a:rPr>
-              <a:t>: The period of third generation: 1965-1971. Integrated Circuit based.</a:t>
+              <a:t>: The period of third generation: 1965-1971.</a:t>
             </a:r>
           </a:p>
           <a:p>
@@ -7183,7 +7398,7 @@
                 <a:latin typeface="Arial" panose="020B0604020202020204" pitchFamily="34" charset="0"/>
                 <a:cs typeface="Arial" panose="020B0604020202020204" pitchFamily="34" charset="0"/>
               </a:rPr>
-              <a:t>: The period of fourth generation: 1971-1980. VLSI microprocessor based.</a:t>
+              <a:t>: The period of fourth generation: 1971-1980.</a:t>
             </a:r>
           </a:p>
           <a:p>
@@ -7233,7 +7448,7 @@
                 <a:latin typeface="Arial" panose="020B0604020202020204" pitchFamily="34" charset="0"/>
                 <a:cs typeface="Arial" panose="020B0604020202020204" pitchFamily="34" charset="0"/>
               </a:rPr>
-              <a:t>: The period of fifth generation: 1980-onwards. ULSI microprocessor based.</a:t>
+              <a:t>: The period of fifth generation: 1980-onwards.</a:t>
             </a:r>
           </a:p>
         </p:txBody>
@@ -8682,7 +8897,7 @@
                 <a:latin typeface="Arial" panose="020B0604020202020204" pitchFamily="34" charset="0"/>
                 <a:cs typeface="Arial" panose="020B0604020202020204" pitchFamily="34" charset="0"/>
               </a:rPr>
-              <a:t>Veracity</a:t>
+              <a:t>Velocity</a:t>
             </a:r>
           </a:p>
           <a:p>
@@ -8716,7 +8931,7 @@
                 <a:latin typeface="Arial" panose="020B0604020202020204" pitchFamily="34" charset="0"/>
                 <a:cs typeface="Arial" panose="020B0604020202020204" pitchFamily="34" charset="0"/>
               </a:rPr>
-              <a:t>Value</a:t>
+              <a:t>Veracity </a:t>
             </a:r>
           </a:p>
           <a:p>
@@ -8733,7 +8948,7 @@
                 <a:latin typeface="Arial" panose="020B0604020202020204" pitchFamily="34" charset="0"/>
                 <a:cs typeface="Arial" panose="020B0604020202020204" pitchFamily="34" charset="0"/>
               </a:rPr>
-              <a:t>Velocity</a:t>
+              <a:t>Value</a:t>
             </a:r>
           </a:p>
         </p:txBody>
@@ -9150,6 +9365,78 @@
           <a:noFill/>
         </p:spPr>
       </p:pic>
+      <p:sp>
+        <p:nvSpPr>
+          <p:cNvPr id="7" name="TextBox 6">
+            <a:extLst>
+              <a:ext uri="{FF2B5EF4-FFF2-40B4-BE49-F238E27FC236}">
+                <a16:creationId xmlns:a16="http://schemas.microsoft.com/office/drawing/2014/main" id="{97061E0D-5AFA-9B1F-0C49-07BF4B63C9D3}"/>
+              </a:ext>
+            </a:extLst>
+          </p:cNvPr>
+          <p:cNvSpPr txBox="1"/>
+          <p:nvPr/>
+        </p:nvSpPr>
+        <p:spPr>
+          <a:xfrm>
+            <a:off x="270302" y="5570157"/>
+            <a:ext cx="7409873" cy="923330"/>
+          </a:xfrm>
+          <a:prstGeom prst="rect">
+            <a:avLst/>
+          </a:prstGeom>
+          <a:noFill/>
+        </p:spPr>
+        <p:txBody>
+          <a:bodyPr wrap="square">
+            <a:spAutoFit/>
+          </a:bodyPr>
+          <a:lstStyle/>
+          <a:p>
+            <a:r>
+              <a:rPr lang="en-US" b="1" i="0" dirty="0">
+                <a:solidFill>
+                  <a:srgbClr val="333333"/>
+                </a:solidFill>
+                <a:effectLst/>
+                <a:latin typeface="inter-bold"/>
+              </a:rPr>
+              <a:t>Big data</a:t>
+            </a:r>
+            <a:r>
+              <a:rPr lang="en-US" b="0" i="0" dirty="0">
+                <a:solidFill>
+                  <a:srgbClr val="333333"/>
+                </a:solidFill>
+                <a:effectLst/>
+                <a:latin typeface="inter-regular"/>
+              </a:rPr>
+              <a:t> velocity deals with the speed at the data flows from sources like </a:t>
+            </a:r>
+            <a:r>
+              <a:rPr lang="en-US" b="1" i="0" dirty="0">
+                <a:solidFill>
+                  <a:srgbClr val="333333"/>
+                </a:solidFill>
+                <a:effectLst/>
+                <a:latin typeface="inter-bold"/>
+              </a:rPr>
+              <a:t>application logs, business processes, networks, and social media sites, sensors, mobile devices,</a:t>
+            </a:r>
+            <a:r>
+              <a:rPr lang="en-US" b="0" i="0" dirty="0">
+                <a:solidFill>
+                  <a:srgbClr val="333333"/>
+                </a:solidFill>
+                <a:effectLst/>
+                <a:latin typeface="inter-regular"/>
+              </a:rPr>
+              <a:t> etc.</a:t>
+            </a:r>
+            <a:endParaRPr lang="en-IN" dirty="0"/>
+          </a:p>
+        </p:txBody>
+      </p:sp>
     </p:spTree>
     <p:extLst>
       <p:ext uri="{BB962C8B-B14F-4D97-AF65-F5344CB8AC3E}">
@@ -9182,10 +9469,10 @@
       </p:grpSpPr>
       <p:sp>
         <p:nvSpPr>
-          <p:cNvPr id="4" name="Rectangle 3">
+          <p:cNvPr id="2" name="Rectangle 1">
             <a:extLst>
               <a:ext uri="{FF2B5EF4-FFF2-40B4-BE49-F238E27FC236}">
-                <a16:creationId xmlns:a16="http://schemas.microsoft.com/office/drawing/2014/main" id="{6524962B-7610-4EFD-AA5E-DDE403AB8860}"/>
+                <a16:creationId xmlns:a16="http://schemas.microsoft.com/office/drawing/2014/main" id="{5D37DDD8-ED2D-67DA-46C1-73764D544429}"/>
               </a:ext>
             </a:extLst>
           </p:cNvPr>
@@ -9217,7 +9504,7 @@
                 <a:latin typeface="Arial" pitchFamily="34" charset="0"/>
                 <a:cs typeface="Arial" pitchFamily="34" charset="0"/>
               </a:rPr>
-              <a:t>Veracity</a:t>
+              <a:t>Velocity </a:t>
             </a:r>
             <a:endParaRPr lang="en-IN" sz="3200" i="1" dirty="0">
               <a:solidFill>
@@ -9231,10 +9518,10 @@
       </p:sp>
       <p:sp>
         <p:nvSpPr>
-          <p:cNvPr id="3" name="TextBox 2">
+          <p:cNvPr id="4" name="TextBox 3">
             <a:extLst>
               <a:ext uri="{FF2B5EF4-FFF2-40B4-BE49-F238E27FC236}">
-                <a16:creationId xmlns:a16="http://schemas.microsoft.com/office/drawing/2014/main" id="{4B5CEDCA-EEE7-04D8-EDEC-C2FA5EFF6CE5}"/>
+                <a16:creationId xmlns:a16="http://schemas.microsoft.com/office/drawing/2014/main" id="{01CFCEBD-13D7-F9D6-03D3-FA7A7A632658}"/>
               </a:ext>
             </a:extLst>
           </p:cNvPr>
@@ -9243,8 +9530,8 @@
         </p:nvSpPr>
         <p:spPr>
           <a:xfrm>
-            <a:off x="191344" y="215444"/>
-            <a:ext cx="4608512" cy="461665"/>
+            <a:off x="335359" y="980728"/>
+            <a:ext cx="11522657" cy="1015663"/>
           </a:xfrm>
           <a:prstGeom prst="rect">
             <a:avLst/>
@@ -9258,120 +9545,96 @@
           <a:lstStyle/>
           <a:p>
             <a:r>
-              <a:rPr lang="en-IN" sz="2400" b="0" i="0" u="none" strike="noStrike" dirty="0">
-                <a:solidFill>
-                  <a:srgbClr val="202124"/>
-                </a:solidFill>
-                <a:effectLst/>
-                <a:latin typeface="arial" panose="020B0604020202020204" pitchFamily="34" charset="0"/>
-              </a:rPr>
-              <a:t>Conformity</a:t>
-            </a:r>
-            <a:r>
-              <a:rPr lang="en-IN" sz="2400" b="0" i="0" dirty="0">
-                <a:solidFill>
-                  <a:srgbClr val="202124"/>
-                </a:solidFill>
-                <a:effectLst/>
-                <a:latin typeface="arial" panose="020B0604020202020204" pitchFamily="34" charset="0"/>
-              </a:rPr>
-              <a:t> to facts; accuracy.</a:t>
-            </a:r>
-            <a:endParaRPr lang="en-IN" sz="2400" dirty="0"/>
+              <a:rPr lang="en-US" sz="2000" b="0" i="0" dirty="0">
+                <a:solidFill>
+                  <a:srgbClr val="51565E"/>
+                </a:solidFill>
+                <a:effectLst/>
+                <a:latin typeface="Arial" panose="020B0604020202020204" pitchFamily="34" charset="0"/>
+                <a:cs typeface="Arial" panose="020B0604020202020204" pitchFamily="34" charset="0"/>
+              </a:rPr>
+              <a:t>Velocity describes how rapidly the data is generated and how quickly it moves. This data flow comes from sources such as </a:t>
+            </a:r>
+            <a:r>
+              <a:rPr lang="en-US" sz="2000" b="1" i="0" dirty="0">
+                <a:solidFill>
+                  <a:srgbClr val="51565E"/>
+                </a:solidFill>
+                <a:effectLst/>
+                <a:latin typeface="Arial" panose="020B0604020202020204" pitchFamily="34" charset="0"/>
+                <a:cs typeface="Arial" panose="020B0604020202020204" pitchFamily="34" charset="0"/>
+              </a:rPr>
+              <a:t>mobile phones, social media, networks, servers</a:t>
+            </a:r>
+            <a:r>
+              <a:rPr lang="en-US" sz="2000" b="0" i="0" dirty="0">
+                <a:solidFill>
+                  <a:srgbClr val="51565E"/>
+                </a:solidFill>
+                <a:effectLst/>
+                <a:latin typeface="Arial" panose="020B0604020202020204" pitchFamily="34" charset="0"/>
+                <a:cs typeface="Arial" panose="020B0604020202020204" pitchFamily="34" charset="0"/>
+              </a:rPr>
+              <a:t>, etc. Velocity covers the data's speed, and it also describes how the information continuously flows.</a:t>
+            </a:r>
+            <a:endParaRPr lang="en-IN" sz="2000" dirty="0">
+              <a:latin typeface="Arial" panose="020B0604020202020204" pitchFamily="34" charset="0"/>
+              <a:cs typeface="Arial" panose="020B0604020202020204" pitchFamily="34" charset="0"/>
+            </a:endParaRPr>
           </a:p>
         </p:txBody>
       </p:sp>
-      <p:sp>
-        <p:nvSpPr>
-          <p:cNvPr id="5" name="TextBox 4">
+      <p:pic>
+        <p:nvPicPr>
+          <p:cNvPr id="3074" name="Picture 2" descr="Big Data Characteristics">
             <a:extLst>
               <a:ext uri="{FF2B5EF4-FFF2-40B4-BE49-F238E27FC236}">
-                <a16:creationId xmlns:a16="http://schemas.microsoft.com/office/drawing/2014/main" id="{60A76E6C-5DA9-1FE0-BCA5-8C766DE8FD05}"/>
+                <a16:creationId xmlns:a16="http://schemas.microsoft.com/office/drawing/2014/main" id="{E7E72EEE-11B0-AA40-7A5D-61F953AB18AA}"/>
               </a:ext>
             </a:extLst>
           </p:cNvPr>
-          <p:cNvSpPr txBox="1"/>
+          <p:cNvPicPr>
+            <a:picLocks noChangeAspect="1" noChangeArrowheads="1"/>
+          </p:cNvPicPr>
           <p:nvPr/>
-        </p:nvSpPr>
-        <p:spPr>
+        </p:nvPicPr>
+        <p:blipFill>
+          <a:blip r:embed="rId2">
+            <a:extLst>
+              <a:ext uri="{28A0092B-C50C-407E-A947-70E740481C1C}">
+                <a14:useLocalDpi xmlns:a14="http://schemas.microsoft.com/office/drawing/2010/main" val="0"/>
+              </a:ext>
+            </a:extLst>
+          </a:blip>
+          <a:srcRect/>
+          <a:stretch>
+            <a:fillRect/>
+          </a:stretch>
+        </p:blipFill>
+        <p:spPr bwMode="auto">
           <a:xfrm>
-            <a:off x="407368" y="1008355"/>
-            <a:ext cx="11377264" cy="1938992"/>
+            <a:off x="479376" y="2636912"/>
+            <a:ext cx="10659667" cy="3081033"/>
           </a:xfrm>
           <a:prstGeom prst="rect">
             <a:avLst/>
           </a:prstGeom>
           <a:noFill/>
+          <a:extLst>
+            <a:ext uri="{909E8E84-426E-40DD-AFC4-6F175D3DCCD1}">
+              <a14:hiddenFill xmlns:a14="http://schemas.microsoft.com/office/drawing/2010/main">
+                <a:solidFill>
+                  <a:srgbClr val="FFFFFF"/>
+                </a:solidFill>
+              </a14:hiddenFill>
+            </a:ext>
+          </a:extLst>
         </p:spPr>
-        <p:txBody>
-          <a:bodyPr wrap="square">
-            <a:spAutoFit/>
-          </a:bodyPr>
-          <a:lstStyle/>
-          <a:p>
-            <a:pPr marL="342900" indent="-342900" algn="just">
-              <a:buFont typeface="Arial" panose="020B0604020202020204" pitchFamily="34" charset="0"/>
-              <a:buChar char="•"/>
-            </a:pPr>
-            <a:r>
-              <a:rPr lang="en-US" sz="2400" b="0" i="0" dirty="0">
-                <a:effectLst/>
-                <a:latin typeface="Arial" panose="020B0604020202020204" pitchFamily="34" charset="0"/>
-                <a:cs typeface="Arial" panose="020B0604020202020204" pitchFamily="34" charset="0"/>
-              </a:rPr>
-              <a:t>Veracity means how much the data is reliable and accurate. </a:t>
-            </a:r>
-          </a:p>
-          <a:p>
-            <a:pPr algn="just"/>
-            <a:endParaRPr lang="en-US" sz="2400" b="0" i="0" dirty="0">
-              <a:effectLst/>
-              <a:latin typeface="Arial" panose="020B0604020202020204" pitchFamily="34" charset="0"/>
-              <a:cs typeface="Arial" panose="020B0604020202020204" pitchFamily="34" charset="0"/>
-            </a:endParaRPr>
-          </a:p>
-          <a:p>
-            <a:pPr marL="342900" indent="-342900" algn="just">
-              <a:buFont typeface="Arial" panose="020B0604020202020204" pitchFamily="34" charset="0"/>
-              <a:buChar char="•"/>
-            </a:pPr>
-            <a:r>
-              <a:rPr lang="en-US" sz="2400" b="0" i="0" dirty="0">
-                <a:effectLst/>
-                <a:latin typeface="Arial" panose="020B0604020202020204" pitchFamily="34" charset="0"/>
-                <a:cs typeface="Arial" panose="020B0604020202020204" pitchFamily="34" charset="0"/>
-              </a:rPr>
-              <a:t>It has many ways to filter the data.</a:t>
-            </a:r>
-          </a:p>
-          <a:p>
-            <a:pPr algn="just"/>
-            <a:endParaRPr lang="en-US" sz="2400" b="0" i="0" dirty="0">
-              <a:effectLst/>
-              <a:latin typeface="Arial" panose="020B0604020202020204" pitchFamily="34" charset="0"/>
-              <a:cs typeface="Arial" panose="020B0604020202020204" pitchFamily="34" charset="0"/>
-            </a:endParaRPr>
-          </a:p>
-          <a:p>
-            <a:pPr marL="342900" indent="-342900" algn="just">
-              <a:buFont typeface="Arial" panose="020B0604020202020204" pitchFamily="34" charset="0"/>
-              <a:buChar char="•"/>
-            </a:pPr>
-            <a:r>
-              <a:rPr lang="en-US" sz="2400" b="0" i="0" dirty="0">
-                <a:effectLst/>
-                <a:latin typeface="Arial" panose="020B0604020202020204" pitchFamily="34" charset="0"/>
-                <a:cs typeface="Arial" panose="020B0604020202020204" pitchFamily="34" charset="0"/>
-              </a:rPr>
-              <a:t> Veracity is the process to handle and manage data efficiently.</a:t>
-            </a:r>
-          </a:p>
-        </p:txBody>
-      </p:sp>
+      </p:pic>
     </p:spTree>
     <p:extLst>
       <p:ext uri="{BB962C8B-B14F-4D97-AF65-F5344CB8AC3E}">
-        <p14:creationId xmlns:p14="http://schemas.microsoft.com/office/powerpoint/2010/main" val="2413428036"/>
+        <p14:creationId xmlns:p14="http://schemas.microsoft.com/office/powerpoint/2010/main" val="4076782708"/>
       </p:ext>
     </p:extLst>
   </p:cSld>
@@ -9610,8 +9873,8 @@
         </p:nvSpPr>
         <p:spPr>
           <a:xfrm>
-            <a:off x="263352" y="3946888"/>
-            <a:ext cx="6048672" cy="2246769"/>
+            <a:off x="263352" y="4247217"/>
+            <a:ext cx="6048672" cy="2062103"/>
           </a:xfrm>
           <a:prstGeom prst="rect">
             <a:avLst/>
@@ -9639,7 +9902,7 @@
           </a:p>
           <a:p>
             <a:pPr algn="just"/>
-            <a:endParaRPr lang="en-US" sz="2000" b="0" i="0" dirty="0">
+            <a:endParaRPr lang="en-US" sz="800" b="0" i="0" dirty="0">
               <a:solidFill>
                 <a:srgbClr val="000000"/>
               </a:solidFill>
@@ -9930,115 +10193,10 @@
       </p:sp>
       <p:pic>
         <p:nvPicPr>
-          <p:cNvPr id="8" name="Picture 7">
+          <p:cNvPr id="2" name="Picture 1">
             <a:extLst>
               <a:ext uri="{FF2B5EF4-FFF2-40B4-BE49-F238E27FC236}">
-                <a16:creationId xmlns:a16="http://schemas.microsoft.com/office/drawing/2014/main" id="{AF1A7F1D-E2F5-31E0-8529-E05791A42820}"/>
-              </a:ext>
-            </a:extLst>
-          </p:cNvPr>
-          <p:cNvPicPr>
-            <a:picLocks noChangeAspect="1"/>
-          </p:cNvPicPr>
-          <p:nvPr/>
-        </p:nvPicPr>
-        <p:blipFill>
-          <a:blip r:embed="rId2"/>
-          <a:stretch>
-            <a:fillRect/>
-          </a:stretch>
-        </p:blipFill>
-        <p:spPr>
-          <a:xfrm>
-            <a:off x="1127448" y="908720"/>
-            <a:ext cx="9716326" cy="5296133"/>
-          </a:xfrm>
-          <a:prstGeom prst="rect">
-            <a:avLst/>
-          </a:prstGeom>
-        </p:spPr>
-      </p:pic>
-    </p:spTree>
-    <p:extLst>
-      <p:ext uri="{BB962C8B-B14F-4D97-AF65-F5344CB8AC3E}">
-        <p14:creationId xmlns:p14="http://schemas.microsoft.com/office/powerpoint/2010/main" val="157082165"/>
-      </p:ext>
-    </p:extLst>
-  </p:cSld>
-  <p:clrMapOvr>
-    <a:masterClrMapping/>
-  </p:clrMapOvr>
-</p:sld>
-</file>
-
-<file path=ppt/slides/slide31.xml><?xml version="1.0" encoding="utf-8"?>
-<p:sld xmlns:a="http://schemas.openxmlformats.org/drawingml/2006/main" xmlns:r="http://schemas.openxmlformats.org/officeDocument/2006/relationships" xmlns:p="http://schemas.openxmlformats.org/presentationml/2006/main">
-  <p:cSld>
-    <p:spTree>
-      <p:nvGrpSpPr>
-        <p:cNvPr id="1" name=""/>
-        <p:cNvGrpSpPr/>
-        <p:nvPr/>
-      </p:nvGrpSpPr>
-      <p:grpSpPr>
-        <a:xfrm>
-          <a:off x="0" y="0"/>
-          <a:ext cx="0" cy="0"/>
-          <a:chOff x="0" y="0"/>
-          <a:chExt cx="0" cy="0"/>
-        </a:xfrm>
-      </p:grpSpPr>
-      <p:sp>
-        <p:nvSpPr>
-          <p:cNvPr id="2" name="AutoShape 4" descr="Big Data">
-            <a:extLst>
-              <a:ext uri="{FF2B5EF4-FFF2-40B4-BE49-F238E27FC236}">
-                <a16:creationId xmlns:a16="http://schemas.microsoft.com/office/drawing/2014/main" id="{18AD7EE6-ABDB-4214-8FAF-9A686CBFFA71}"/>
-              </a:ext>
-            </a:extLst>
-          </p:cNvPr>
-          <p:cNvSpPr>
-            <a:spLocks noChangeAspect="1" noChangeArrowheads="1"/>
-          </p:cNvSpPr>
-          <p:nvPr/>
-        </p:nvSpPr>
-        <p:spPr bwMode="auto">
-          <a:xfrm>
-            <a:off x="5942807" y="3276600"/>
-            <a:ext cx="304800" cy="304800"/>
-          </a:xfrm>
-          <a:prstGeom prst="rect">
-            <a:avLst/>
-          </a:prstGeom>
-          <a:noFill/>
-          <a:extLst>
-            <a:ext uri="{909E8E84-426E-40DD-AFC4-6F175D3DCCD1}">
-              <a14:hiddenFill xmlns:a14="http://schemas.microsoft.com/office/drawing/2010/main">
-                <a:solidFill>
-                  <a:srgbClr val="FFFFFF"/>
-                </a:solidFill>
-              </a14:hiddenFill>
-            </a:ext>
-          </a:extLst>
-        </p:spPr>
-        <p:txBody>
-          <a:bodyPr vert="horz" wrap="square" lIns="91440" tIns="45720" rIns="91440" bIns="45720" numCol="1" anchor="t" anchorCtr="0" compatLnSpc="1">
-            <a:prstTxWarp prst="textNoShape">
-              <a:avLst/>
-            </a:prstTxWarp>
-          </a:bodyPr>
-          <a:lstStyle/>
-          <a:p>
-            <a:endParaRPr lang="en-IN" dirty="0"/>
-          </a:p>
-        </p:txBody>
-      </p:sp>
-      <p:pic>
-        <p:nvPicPr>
-          <p:cNvPr id="5" name="Picture 4">
-            <a:extLst>
-              <a:ext uri="{FF2B5EF4-FFF2-40B4-BE49-F238E27FC236}">
-                <a16:creationId xmlns:a16="http://schemas.microsoft.com/office/drawing/2014/main" id="{B1118E38-D123-47A0-B778-FE2DF4912987}"/>
+                <a16:creationId xmlns:a16="http://schemas.microsoft.com/office/drawing/2014/main" id="{E659DC69-50C7-EF5A-5948-29917F03CA7C}"/>
               </a:ext>
             </a:extLst>
           </p:cNvPr>
@@ -10055,7 +10213,7 @@
         </p:blipFill>
         <p:spPr>
           <a:xfrm>
-            <a:off x="4142582" y="1772817"/>
+            <a:off x="4142582" y="1985739"/>
             <a:ext cx="3600450" cy="3819525"/>
           </a:xfrm>
           <a:prstGeom prst="rect">
@@ -10065,10 +10223,10 @@
       </p:pic>
       <p:sp>
         <p:nvSpPr>
-          <p:cNvPr id="7" name="Rectangle 6">
+          <p:cNvPr id="3" name="Rectangle 2">
             <a:extLst>
               <a:ext uri="{FF2B5EF4-FFF2-40B4-BE49-F238E27FC236}">
-                <a16:creationId xmlns:a16="http://schemas.microsoft.com/office/drawing/2014/main" id="{77AC5AC2-05EF-4768-BB27-462605F875F9}"/>
+                <a16:creationId xmlns:a16="http://schemas.microsoft.com/office/drawing/2014/main" id="{ED9340B3-5AD8-4417-000A-26695BFDCB86}"/>
               </a:ext>
             </a:extLst>
           </p:cNvPr>
@@ -10077,7 +10235,7 @@
         </p:nvSpPr>
         <p:spPr>
           <a:xfrm>
-            <a:off x="4405946" y="914448"/>
+            <a:off x="4405946" y="1127370"/>
             <a:ext cx="1851789" cy="369332"/>
           </a:xfrm>
           <a:prstGeom prst="rect">
@@ -10106,10 +10264,10 @@
       </p:sp>
       <p:pic>
         <p:nvPicPr>
-          <p:cNvPr id="8" name="Picture 7">
+          <p:cNvPr id="5" name="Picture 4">
             <a:extLst>
               <a:ext uri="{FF2B5EF4-FFF2-40B4-BE49-F238E27FC236}">
-                <a16:creationId xmlns:a16="http://schemas.microsoft.com/office/drawing/2014/main" id="{B01FBB5B-3941-4D68-B189-D4C24D6EDCD3}"/>
+                <a16:creationId xmlns:a16="http://schemas.microsoft.com/office/drawing/2014/main" id="{4976227E-8DAE-32F8-BAF7-4067BCB997FC}"/>
               </a:ext>
             </a:extLst>
           </p:cNvPr>
@@ -10126,7 +10284,7 @@
         </p:blipFill>
         <p:spPr>
           <a:xfrm>
-            <a:off x="407369" y="1409700"/>
+            <a:off x="407369" y="1622622"/>
             <a:ext cx="2600325" cy="4038600"/>
           </a:xfrm>
           <a:prstGeom prst="rect">
@@ -10136,10 +10294,10 @@
       </p:pic>
       <p:pic>
         <p:nvPicPr>
-          <p:cNvPr id="9" name="Picture 8">
+          <p:cNvPr id="6" name="Picture 5">
             <a:extLst>
               <a:ext uri="{FF2B5EF4-FFF2-40B4-BE49-F238E27FC236}">
-                <a16:creationId xmlns:a16="http://schemas.microsoft.com/office/drawing/2014/main" id="{96593B7E-C28E-4DCF-A380-E4747E28E9D0}"/>
+                <a16:creationId xmlns:a16="http://schemas.microsoft.com/office/drawing/2014/main" id="{E23E1C68-DD3D-3585-6CC5-601F3F0ED680}"/>
               </a:ext>
             </a:extLst>
           </p:cNvPr>
@@ -10156,7 +10314,7 @@
         </p:blipFill>
         <p:spPr>
           <a:xfrm>
-            <a:off x="8536609" y="2343150"/>
+            <a:off x="8536609" y="2556072"/>
             <a:ext cx="3248025" cy="2476500"/>
           </a:xfrm>
           <a:prstGeom prst="rect">
@@ -10166,10 +10324,10 @@
       </p:pic>
       <p:sp>
         <p:nvSpPr>
-          <p:cNvPr id="10" name="Rectangle 9">
+          <p:cNvPr id="7" name="Rectangle 6">
             <a:extLst>
               <a:ext uri="{FF2B5EF4-FFF2-40B4-BE49-F238E27FC236}">
-                <a16:creationId xmlns:a16="http://schemas.microsoft.com/office/drawing/2014/main" id="{4E5EA228-59D1-459B-944D-844973FAB145}"/>
+                <a16:creationId xmlns:a16="http://schemas.microsoft.com/office/drawing/2014/main" id="{C06AB82A-EC71-4FB1-2302-E0DC4409BB73}"/>
               </a:ext>
             </a:extLst>
           </p:cNvPr>
@@ -10178,7 +10336,7 @@
         </p:nvSpPr>
         <p:spPr>
           <a:xfrm>
-            <a:off x="767408" y="914448"/>
+            <a:off x="767408" y="1127370"/>
             <a:ext cx="1261884" cy="369332"/>
           </a:xfrm>
           <a:prstGeom prst="rect">
@@ -10208,10 +10366,10 @@
       </p:sp>
       <p:sp>
         <p:nvSpPr>
-          <p:cNvPr id="12" name="Rectangle 11">
+          <p:cNvPr id="9" name="Rectangle 8">
             <a:extLst>
               <a:ext uri="{FF2B5EF4-FFF2-40B4-BE49-F238E27FC236}">
-                <a16:creationId xmlns:a16="http://schemas.microsoft.com/office/drawing/2014/main" id="{4B533DD1-1B5E-451B-836C-C54940E7FA33}"/>
+                <a16:creationId xmlns:a16="http://schemas.microsoft.com/office/drawing/2014/main" id="{6A53DDA9-C5A6-F86A-C38A-BFA67409D99C}"/>
               </a:ext>
             </a:extLst>
           </p:cNvPr>
@@ -10220,7 +10378,7 @@
         </p:nvSpPr>
         <p:spPr>
           <a:xfrm>
-            <a:off x="8976320" y="920135"/>
+            <a:off x="8976320" y="1133057"/>
             <a:ext cx="1544012" cy="369332"/>
           </a:xfrm>
           <a:prstGeom prst="rect">
@@ -10248,59 +10406,10 @@
           </a:p>
         </p:txBody>
       </p:sp>
-      <p:sp>
-        <p:nvSpPr>
-          <p:cNvPr id="3" name="Rectangle 2">
-            <a:extLst>
-              <a:ext uri="{FF2B5EF4-FFF2-40B4-BE49-F238E27FC236}">
-                <a16:creationId xmlns:a16="http://schemas.microsoft.com/office/drawing/2014/main" id="{A0E59B27-ACC8-FE63-F904-CF7318D5C223}"/>
-              </a:ext>
-            </a:extLst>
-          </p:cNvPr>
-          <p:cNvSpPr/>
-          <p:nvPr/>
-        </p:nvSpPr>
-        <p:spPr>
-          <a:xfrm>
-            <a:off x="1524000" y="1"/>
-            <a:ext cx="9144000" cy="584775"/>
-          </a:xfrm>
-          <a:prstGeom prst="rect">
-            <a:avLst/>
-          </a:prstGeom>
-          <a:noFill/>
-        </p:spPr>
-        <p:txBody>
-          <a:bodyPr wrap="square">
-            <a:spAutoFit/>
-          </a:bodyPr>
-          <a:lstStyle/>
-          <a:p>
-            <a:pPr algn="r"/>
-            <a:r>
-              <a:rPr lang="en-US" sz="3200" i="1" dirty="0">
-                <a:solidFill>
-                  <a:srgbClr val="FF9900"/>
-                </a:solidFill>
-                <a:latin typeface="Arial" pitchFamily="34" charset="0"/>
-                <a:cs typeface="Arial" pitchFamily="34" charset="0"/>
-              </a:rPr>
-              <a:t>Variety </a:t>
-            </a:r>
-            <a:endParaRPr lang="en-IN" sz="3200" i="1" dirty="0">
-              <a:solidFill>
-                <a:srgbClr val="FF9900"/>
-              </a:solidFill>
-              <a:latin typeface="Arial" pitchFamily="34" charset="0"/>
-              <a:cs typeface="Arial" pitchFamily="34" charset="0"/>
-            </a:endParaRPr>
-          </a:p>
-        </p:txBody>
-      </p:sp>
     </p:spTree>
     <p:extLst>
       <p:ext uri="{BB962C8B-B14F-4D97-AF65-F5344CB8AC3E}">
-        <p14:creationId xmlns:p14="http://schemas.microsoft.com/office/powerpoint/2010/main" val="1921061291"/>
+        <p14:creationId xmlns:p14="http://schemas.microsoft.com/office/powerpoint/2010/main" val="3030273354"/>
       </p:ext>
     </p:extLst>
   </p:cSld>
@@ -10310,7 +10419,7 @@
 </p:sld>
 </file>
 
-<file path=ppt/slides/slide32.xml><?xml version="1.0" encoding="utf-8"?>
+<file path=ppt/slides/slide31.xml><?xml version="1.0" encoding="utf-8"?>
 <p:sld xmlns:a="http://schemas.openxmlformats.org/drawingml/2006/main" xmlns:r="http://schemas.openxmlformats.org/officeDocument/2006/relationships" xmlns:p="http://schemas.openxmlformats.org/presentationml/2006/main">
   <p:cSld>
     <p:spTree>
@@ -10359,7 +10468,8 @@
                     <a:lumMod val="75000"/>
                   </a:schemeClr>
                 </a:solidFill>
-                <a:latin typeface="Palatino Linotype" panose="02040502050505030304" pitchFamily="18" charset="0"/>
+                <a:latin typeface="Arial" panose="020B0604020202020204" pitchFamily="34" charset="0"/>
+                <a:cs typeface="Arial" panose="020B0604020202020204" pitchFamily="34" charset="0"/>
               </a:rPr>
               <a:t>Structured</a:t>
             </a:r>
@@ -10369,21 +10479,24 @@
                   <a:lumMod val="75000"/>
                 </a:schemeClr>
               </a:solidFill>
-              <a:latin typeface="Palatino Linotype" panose="02040502050505030304" pitchFamily="18" charset="0"/>
+              <a:latin typeface="Arial" panose="020B0604020202020204" pitchFamily="34" charset="0"/>
+              <a:cs typeface="Arial" panose="020B0604020202020204" pitchFamily="34" charset="0"/>
             </a:endParaRPr>
           </a:p>
           <a:p>
             <a:pPr marL="363538"/>
             <a:r>
               <a:rPr lang="en-US" dirty="0">
-                <a:latin typeface="Palatino Linotype" panose="02040502050505030304" pitchFamily="18" charset="0"/>
+                <a:latin typeface="Arial" panose="020B0604020202020204" pitchFamily="34" charset="0"/>
+                <a:cs typeface="Arial" panose="020B0604020202020204" pitchFamily="34" charset="0"/>
               </a:rPr>
               <a:t>The data that can be stored and processed in a fixed format is called as Structured Data. Data stored in a relational database management system (RDBMS) is one example of  ‘structured’ data. It is easy to process structured data as it has a fixed schema. Structured Query Language (SQL) is often used to manage such kind of Data.</a:t>
             </a:r>
           </a:p>
           <a:p>
             <a:endParaRPr lang="en-US" sz="2000" dirty="0">
-              <a:latin typeface="Palatino Linotype" panose="02040502050505030304" pitchFamily="18" charset="0"/>
+              <a:latin typeface="Arial" panose="020B0604020202020204" pitchFamily="34" charset="0"/>
+              <a:cs typeface="Arial" panose="020B0604020202020204" pitchFamily="34" charset="0"/>
             </a:endParaRPr>
           </a:p>
           <a:p>
@@ -10398,7 +10511,8 @@
                     <a:lumMod val="75000"/>
                   </a:schemeClr>
                 </a:solidFill>
-                <a:latin typeface="Palatino Linotype" panose="02040502050505030304" pitchFamily="18" charset="0"/>
+                <a:latin typeface="Arial" panose="020B0604020202020204" pitchFamily="34" charset="0"/>
+                <a:cs typeface="Arial" panose="020B0604020202020204" pitchFamily="34" charset="0"/>
               </a:rPr>
               <a:t>Semi-Structured</a:t>
             </a:r>
@@ -10407,14 +10521,16 @@
             <a:pPr marL="363538"/>
             <a:r>
               <a:rPr lang="en-US" dirty="0">
-                <a:latin typeface="Palatino Linotype" panose="02040502050505030304" pitchFamily="18" charset="0"/>
+                <a:latin typeface="Arial" panose="020B0604020202020204" pitchFamily="34" charset="0"/>
+                <a:cs typeface="Arial" panose="020B0604020202020204" pitchFamily="34" charset="0"/>
               </a:rPr>
               <a:t>Semi-Structured Data is a type of data which does not have a formal structure of a data model, i.e. a table definition in a relational DBMS,  XML files or JSON documents are examples of semi-structured data.</a:t>
             </a:r>
           </a:p>
           <a:p>
             <a:endParaRPr lang="en-US" sz="2000" dirty="0">
-              <a:latin typeface="Palatino Linotype" panose="02040502050505030304" pitchFamily="18" charset="0"/>
+              <a:latin typeface="Arial" panose="020B0604020202020204" pitchFamily="34" charset="0"/>
+              <a:cs typeface="Arial" panose="020B0604020202020204" pitchFamily="34" charset="0"/>
             </a:endParaRPr>
           </a:p>
           <a:p>
@@ -10429,7 +10545,8 @@
                     <a:lumMod val="75000"/>
                   </a:schemeClr>
                 </a:solidFill>
-                <a:latin typeface="Palatino Linotype" panose="02040502050505030304" pitchFamily="18" charset="0"/>
+                <a:latin typeface="Arial" panose="020B0604020202020204" pitchFamily="34" charset="0"/>
+                <a:cs typeface="Arial" panose="020B0604020202020204" pitchFamily="34" charset="0"/>
               </a:rPr>
               <a:t>Unstructured</a:t>
             </a:r>
@@ -10438,7 +10555,8 @@
             <a:pPr marL="363538"/>
             <a:r>
               <a:rPr lang="en-US" dirty="0">
-                <a:latin typeface="Palatino Linotype" panose="02040502050505030304" pitchFamily="18" charset="0"/>
+                <a:latin typeface="Arial" panose="020B0604020202020204" pitchFamily="34" charset="0"/>
+                <a:cs typeface="Arial" panose="020B0604020202020204" pitchFamily="34" charset="0"/>
               </a:rPr>
               <a:t>The data which have unknown form and cannot be stored in RDBMS and cannot be analyzed unless it is transformed into a structured format is called as unstructured data. Text Files and multimedia contents like images, audios, videos are example of unstructured data.</a:t>
             </a:r>
@@ -10446,7 +10564,8 @@
           <a:p>
             <a:pPr marL="363538"/>
             <a:endParaRPr lang="en-US" dirty="0">
-              <a:latin typeface="Palatino Linotype" panose="02040502050505030304" pitchFamily="18" charset="0"/>
+              <a:latin typeface="Arial" panose="020B0604020202020204" pitchFamily="34" charset="0"/>
+              <a:cs typeface="Arial" panose="020B0604020202020204" pitchFamily="34" charset="0"/>
             </a:endParaRPr>
           </a:p>
           <a:p>
@@ -10461,7 +10580,8 @@
                     <a:lumMod val="75000"/>
                   </a:schemeClr>
                 </a:solidFill>
-                <a:latin typeface="Palatino Linotype" panose="02040502050505030304" pitchFamily="18" charset="0"/>
+                <a:latin typeface="Arial" panose="020B0604020202020204" pitchFamily="34" charset="0"/>
+                <a:cs typeface="Arial" panose="020B0604020202020204" pitchFamily="34" charset="0"/>
               </a:rPr>
               <a:t>Quasi-structured Data</a:t>
             </a:r>
@@ -10476,7 +10596,8 @@
           <a:p>
             <a:pPr marL="363538"/>
             <a:endParaRPr lang="en-US" dirty="0">
-              <a:latin typeface="Palatino Linotype" panose="02040502050505030304" pitchFamily="18" charset="0"/>
+              <a:latin typeface="Arial" panose="020B0604020202020204" pitchFamily="34" charset="0"/>
+              <a:cs typeface="Arial" panose="020B0604020202020204" pitchFamily="34" charset="0"/>
             </a:endParaRPr>
           </a:p>
         </p:txBody>
@@ -10533,7 +10654,7 @@
     </p:spTree>
     <p:extLst>
       <p:ext uri="{BB962C8B-B14F-4D97-AF65-F5344CB8AC3E}">
-        <p14:creationId xmlns:p14="http://schemas.microsoft.com/office/powerpoint/2010/main" val="3232694154"/>
+        <p14:creationId xmlns:p14="http://schemas.microsoft.com/office/powerpoint/2010/main" val="2660584220"/>
       </p:ext>
     </p:extLst>
   </p:cSld>
@@ -10543,7 +10664,7 @@
 </p:sld>
 </file>
 
-<file path=ppt/slides/slide33.xml><?xml version="1.0" encoding="utf-8"?>
+<file path=ppt/slides/slide32.xml><?xml version="1.0" encoding="utf-8"?>
 <p:sld xmlns:a="http://schemas.openxmlformats.org/drawingml/2006/main" xmlns:r="http://schemas.openxmlformats.org/officeDocument/2006/relationships" xmlns:p="http://schemas.openxmlformats.org/presentationml/2006/main">
   <p:cSld>
     <p:spTree>
@@ -10597,7 +10718,7 @@
                 <a:latin typeface="Arial" pitchFamily="34" charset="0"/>
                 <a:cs typeface="Arial" pitchFamily="34" charset="0"/>
               </a:rPr>
-              <a:t>Value</a:t>
+              <a:t>Veracity</a:t>
             </a:r>
             <a:endParaRPr lang="en-IN" sz="3200" i="1" dirty="0">
               <a:solidFill>
@@ -10611,10 +10732,10 @@
       </p:sp>
       <p:sp>
         <p:nvSpPr>
-          <p:cNvPr id="2" name="TextBox 1">
+          <p:cNvPr id="7" name="TextBox 6">
             <a:extLst>
               <a:ext uri="{FF2B5EF4-FFF2-40B4-BE49-F238E27FC236}">
-                <a16:creationId xmlns:a16="http://schemas.microsoft.com/office/drawing/2014/main" id="{F0B1D105-7EE0-AA2E-400E-AA8B45C872E1}"/>
+                <a16:creationId xmlns:a16="http://schemas.microsoft.com/office/drawing/2014/main" id="{20B2392D-A9B1-3228-50F3-67C3C8811933}"/>
               </a:ext>
             </a:extLst>
           </p:cNvPr>
@@ -10623,8 +10744,8 @@
         </p:nvSpPr>
         <p:spPr>
           <a:xfrm>
-            <a:off x="335360" y="1008355"/>
-            <a:ext cx="11449272" cy="830997"/>
+            <a:off x="335359" y="980728"/>
+            <a:ext cx="11522657" cy="1015663"/>
           </a:xfrm>
           <a:prstGeom prst="rect">
             <a:avLst/>
@@ -10637,22 +10758,354 @@
           </a:bodyPr>
           <a:lstStyle/>
           <a:p>
-            <a:pPr algn="just"/>
-            <a:r>
-              <a:rPr lang="en-US" sz="2400" b="0" i="0" dirty="0">
-                <a:effectLst/>
-                <a:latin typeface="Arial" panose="020B0604020202020204" pitchFamily="34" charset="0"/>
-                <a:cs typeface="Arial" panose="020B0604020202020204" pitchFamily="34" charset="0"/>
-              </a:rPr>
-              <a:t>Value is an essential characteristic of big data. It is not the data that we process or store. It is valuable and reliable data that we store, process, and also analyze.</a:t>
-            </a:r>
+            <a:r>
+              <a:rPr lang="en-US" sz="2000" b="0" i="0" dirty="0">
+                <a:solidFill>
+                  <a:srgbClr val="242424"/>
+                </a:solidFill>
+                <a:effectLst/>
+                <a:latin typeface="Arial" panose="020B0604020202020204" pitchFamily="34" charset="0"/>
+                <a:cs typeface="Arial" panose="020B0604020202020204" pitchFamily="34" charset="0"/>
+              </a:rPr>
+              <a:t>It refers to the assurance of </a:t>
+            </a:r>
+            <a:r>
+              <a:rPr lang="en-US" sz="2000" b="1" i="0" dirty="0">
+                <a:solidFill>
+                  <a:srgbClr val="242424"/>
+                </a:solidFill>
+                <a:effectLst/>
+                <a:latin typeface="Arial" panose="020B0604020202020204" pitchFamily="34" charset="0"/>
+                <a:cs typeface="Arial" panose="020B0604020202020204" pitchFamily="34" charset="0"/>
+              </a:rPr>
+              <a:t>quality/integrity/credibility/accuracy</a:t>
+            </a:r>
+            <a:r>
+              <a:rPr lang="en-US" sz="2000" b="0" i="0" dirty="0">
+                <a:solidFill>
+                  <a:srgbClr val="242424"/>
+                </a:solidFill>
+                <a:effectLst/>
+                <a:latin typeface="Arial" panose="020B0604020202020204" pitchFamily="34" charset="0"/>
+                <a:cs typeface="Arial" panose="020B0604020202020204" pitchFamily="34" charset="0"/>
+              </a:rPr>
+              <a:t> of the data. Since the data is collected from multiple sources, we need to check the data for accuracy before using it for business insights.</a:t>
+            </a:r>
+            <a:endParaRPr lang="en-IN" sz="2000" dirty="0">
+              <a:latin typeface="Arial" panose="020B0604020202020204" pitchFamily="34" charset="0"/>
+              <a:cs typeface="Arial" panose="020B0604020202020204" pitchFamily="34" charset="0"/>
+            </a:endParaRPr>
           </a:p>
         </p:txBody>
       </p:sp>
     </p:spTree>
     <p:extLst>
       <p:ext uri="{BB962C8B-B14F-4D97-AF65-F5344CB8AC3E}">
-        <p14:creationId xmlns:p14="http://schemas.microsoft.com/office/powerpoint/2010/main" val="1804314253"/>
+        <p14:creationId xmlns:p14="http://schemas.microsoft.com/office/powerpoint/2010/main" val="2413428036"/>
+      </p:ext>
+    </p:extLst>
+  </p:cSld>
+  <p:clrMapOvr>
+    <a:masterClrMapping/>
+  </p:clrMapOvr>
+</p:sld>
+</file>
+
+<file path=ppt/slides/slide33.xml><?xml version="1.0" encoding="utf-8"?>
+<p:sld xmlns:a="http://schemas.openxmlformats.org/drawingml/2006/main" xmlns:r="http://schemas.openxmlformats.org/officeDocument/2006/relationships" xmlns:p="http://schemas.openxmlformats.org/presentationml/2006/main">
+  <p:cSld>
+    <p:spTree>
+      <p:nvGrpSpPr>
+        <p:cNvPr id="1" name=""/>
+        <p:cNvGrpSpPr/>
+        <p:nvPr/>
+      </p:nvGrpSpPr>
+      <p:grpSpPr>
+        <a:xfrm>
+          <a:off x="0" y="0"/>
+          <a:ext cx="0" cy="0"/>
+          <a:chOff x="0" y="0"/>
+          <a:chExt cx="0" cy="0"/>
+        </a:xfrm>
+      </p:grpSpPr>
+      <p:sp>
+        <p:nvSpPr>
+          <p:cNvPr id="2" name="AutoShape 4" descr="Big Data">
+            <a:extLst>
+              <a:ext uri="{FF2B5EF4-FFF2-40B4-BE49-F238E27FC236}">
+                <a16:creationId xmlns:a16="http://schemas.microsoft.com/office/drawing/2014/main" id="{18AD7EE6-ABDB-4214-8FAF-9A686CBFFA71}"/>
+              </a:ext>
+            </a:extLst>
+          </p:cNvPr>
+          <p:cNvSpPr>
+            <a:spLocks noChangeAspect="1" noChangeArrowheads="1"/>
+          </p:cNvSpPr>
+          <p:nvPr/>
+        </p:nvSpPr>
+        <p:spPr bwMode="auto">
+          <a:xfrm>
+            <a:off x="5942807" y="3276600"/>
+            <a:ext cx="304800" cy="304800"/>
+          </a:xfrm>
+          <a:prstGeom prst="rect">
+            <a:avLst/>
+          </a:prstGeom>
+          <a:noFill/>
+          <a:extLst>
+            <a:ext uri="{909E8E84-426E-40DD-AFC4-6F175D3DCCD1}">
+              <a14:hiddenFill xmlns:a14="http://schemas.microsoft.com/office/drawing/2010/main">
+                <a:solidFill>
+                  <a:srgbClr val="FFFFFF"/>
+                </a:solidFill>
+              </a14:hiddenFill>
+            </a:ext>
+          </a:extLst>
+        </p:spPr>
+        <p:txBody>
+          <a:bodyPr vert="horz" wrap="square" lIns="91440" tIns="45720" rIns="91440" bIns="45720" numCol="1" anchor="t" anchorCtr="0" compatLnSpc="1">
+            <a:prstTxWarp prst="textNoShape">
+              <a:avLst/>
+            </a:prstTxWarp>
+          </a:bodyPr>
+          <a:lstStyle/>
+          <a:p>
+            <a:endParaRPr lang="en-IN" dirty="0"/>
+          </a:p>
+        </p:txBody>
+      </p:sp>
+      <p:sp>
+        <p:nvSpPr>
+          <p:cNvPr id="3" name="Rectangle 2">
+            <a:extLst>
+              <a:ext uri="{FF2B5EF4-FFF2-40B4-BE49-F238E27FC236}">
+                <a16:creationId xmlns:a16="http://schemas.microsoft.com/office/drawing/2014/main" id="{A0E59B27-ACC8-FE63-F904-CF7318D5C223}"/>
+              </a:ext>
+            </a:extLst>
+          </p:cNvPr>
+          <p:cNvSpPr/>
+          <p:nvPr/>
+        </p:nvSpPr>
+        <p:spPr>
+          <a:xfrm>
+            <a:off x="1524000" y="1"/>
+            <a:ext cx="9144000" cy="584775"/>
+          </a:xfrm>
+          <a:prstGeom prst="rect">
+            <a:avLst/>
+          </a:prstGeom>
+          <a:noFill/>
+        </p:spPr>
+        <p:txBody>
+          <a:bodyPr wrap="square">
+            <a:spAutoFit/>
+          </a:bodyPr>
+          <a:lstStyle/>
+          <a:p>
+            <a:pPr algn="r"/>
+            <a:r>
+              <a:rPr lang="en-US" sz="3200" i="1" dirty="0">
+                <a:solidFill>
+                  <a:srgbClr val="FF9900"/>
+                </a:solidFill>
+                <a:latin typeface="Arial" pitchFamily="34" charset="0"/>
+                <a:cs typeface="Arial" pitchFamily="34" charset="0"/>
+              </a:rPr>
+              <a:t>Value</a:t>
+            </a:r>
+            <a:endParaRPr lang="en-IN" sz="3200" i="1" dirty="0">
+              <a:solidFill>
+                <a:srgbClr val="FF9900"/>
+              </a:solidFill>
+              <a:latin typeface="Arial" pitchFamily="34" charset="0"/>
+              <a:cs typeface="Arial" pitchFamily="34" charset="0"/>
+            </a:endParaRPr>
+          </a:p>
+        </p:txBody>
+      </p:sp>
+      <p:sp>
+        <p:nvSpPr>
+          <p:cNvPr id="14" name="TextBox 13">
+            <a:extLst>
+              <a:ext uri="{FF2B5EF4-FFF2-40B4-BE49-F238E27FC236}">
+                <a16:creationId xmlns:a16="http://schemas.microsoft.com/office/drawing/2014/main" id="{EE546AD9-68D9-92FE-FE1F-8361A90EC601}"/>
+              </a:ext>
+            </a:extLst>
+          </p:cNvPr>
+          <p:cNvSpPr txBox="1"/>
+          <p:nvPr/>
+        </p:nvSpPr>
+        <p:spPr>
+          <a:xfrm>
+            <a:off x="335359" y="980728"/>
+            <a:ext cx="11522657" cy="707886"/>
+          </a:xfrm>
+          <a:prstGeom prst="rect">
+            <a:avLst/>
+          </a:prstGeom>
+          <a:noFill/>
+        </p:spPr>
+        <p:txBody>
+          <a:bodyPr wrap="square">
+            <a:spAutoFit/>
+          </a:bodyPr>
+          <a:lstStyle/>
+          <a:p>
+            <a:r>
+              <a:rPr lang="en-US" sz="2000" b="0" i="0" dirty="0">
+                <a:solidFill>
+                  <a:srgbClr val="333333"/>
+                </a:solidFill>
+                <a:effectLst/>
+                <a:latin typeface="Arial" panose="020B0604020202020204" pitchFamily="34" charset="0"/>
+                <a:cs typeface="Arial" panose="020B0604020202020204" pitchFamily="34" charset="0"/>
+              </a:rPr>
+              <a:t>Value is an essential characteristic of big data. It is not the data that we process or store. It is </a:t>
+            </a:r>
+            <a:r>
+              <a:rPr lang="en-US" sz="2000" b="1" i="0" dirty="0">
+                <a:solidFill>
+                  <a:srgbClr val="333333"/>
+                </a:solidFill>
+                <a:effectLst/>
+                <a:latin typeface="Arial" panose="020B0604020202020204" pitchFamily="34" charset="0"/>
+                <a:cs typeface="Arial" panose="020B0604020202020204" pitchFamily="34" charset="0"/>
+              </a:rPr>
+              <a:t>valuable</a:t>
+            </a:r>
+            <a:r>
+              <a:rPr lang="en-US" sz="2000" b="0" i="0" dirty="0">
+                <a:solidFill>
+                  <a:srgbClr val="333333"/>
+                </a:solidFill>
+                <a:effectLst/>
+                <a:latin typeface="Arial" panose="020B0604020202020204" pitchFamily="34" charset="0"/>
+                <a:cs typeface="Arial" panose="020B0604020202020204" pitchFamily="34" charset="0"/>
+              </a:rPr>
+              <a:t> and </a:t>
+            </a:r>
+            <a:r>
+              <a:rPr lang="en-US" sz="2000" b="1" i="0" dirty="0">
+                <a:solidFill>
+                  <a:srgbClr val="333333"/>
+                </a:solidFill>
+                <a:effectLst/>
+                <a:latin typeface="Arial" panose="020B0604020202020204" pitchFamily="34" charset="0"/>
+                <a:cs typeface="Arial" panose="020B0604020202020204" pitchFamily="34" charset="0"/>
+              </a:rPr>
+              <a:t>reliable</a:t>
+            </a:r>
+            <a:r>
+              <a:rPr lang="en-US" sz="2000" b="0" i="0" dirty="0">
+                <a:solidFill>
+                  <a:srgbClr val="333333"/>
+                </a:solidFill>
+                <a:effectLst/>
+                <a:latin typeface="Arial" panose="020B0604020202020204" pitchFamily="34" charset="0"/>
+                <a:cs typeface="Arial" panose="020B0604020202020204" pitchFamily="34" charset="0"/>
+              </a:rPr>
+              <a:t> data that we </a:t>
+            </a:r>
+            <a:r>
+              <a:rPr lang="en-US" sz="2000" b="1" i="0" dirty="0">
+                <a:solidFill>
+                  <a:srgbClr val="333333"/>
+                </a:solidFill>
+                <a:effectLst/>
+                <a:latin typeface="Arial" panose="020B0604020202020204" pitchFamily="34" charset="0"/>
+                <a:cs typeface="Arial" panose="020B0604020202020204" pitchFamily="34" charset="0"/>
+              </a:rPr>
+              <a:t>store, process</a:t>
+            </a:r>
+            <a:r>
+              <a:rPr lang="en-US" sz="2000" b="0" i="0" dirty="0">
+                <a:solidFill>
+                  <a:srgbClr val="333333"/>
+                </a:solidFill>
+                <a:effectLst/>
+                <a:latin typeface="Arial" panose="020B0604020202020204" pitchFamily="34" charset="0"/>
+                <a:cs typeface="Arial" panose="020B0604020202020204" pitchFamily="34" charset="0"/>
+              </a:rPr>
+              <a:t>, and also </a:t>
+            </a:r>
+            <a:r>
+              <a:rPr lang="en-US" sz="2000" b="1" i="0" dirty="0">
+                <a:solidFill>
+                  <a:srgbClr val="333333"/>
+                </a:solidFill>
+                <a:effectLst/>
+                <a:latin typeface="Arial" panose="020B0604020202020204" pitchFamily="34" charset="0"/>
+                <a:cs typeface="Arial" panose="020B0604020202020204" pitchFamily="34" charset="0"/>
+              </a:rPr>
+              <a:t>analyze</a:t>
+            </a:r>
+            <a:r>
+              <a:rPr lang="en-US" sz="2000" b="0" i="0" dirty="0">
+                <a:solidFill>
+                  <a:srgbClr val="333333"/>
+                </a:solidFill>
+                <a:effectLst/>
+                <a:latin typeface="Arial" panose="020B0604020202020204" pitchFamily="34" charset="0"/>
+                <a:cs typeface="Arial" panose="020B0604020202020204" pitchFamily="34" charset="0"/>
+              </a:rPr>
+              <a:t>.</a:t>
+            </a:r>
+            <a:endParaRPr lang="en-IN" sz="2000" dirty="0">
+              <a:latin typeface="Arial" panose="020B0604020202020204" pitchFamily="34" charset="0"/>
+              <a:cs typeface="Arial" panose="020B0604020202020204" pitchFamily="34" charset="0"/>
+            </a:endParaRPr>
+          </a:p>
+        </p:txBody>
+      </p:sp>
+      <p:sp>
+        <p:nvSpPr>
+          <p:cNvPr id="16" name="TextBox 15">
+            <a:extLst>
+              <a:ext uri="{FF2B5EF4-FFF2-40B4-BE49-F238E27FC236}">
+                <a16:creationId xmlns:a16="http://schemas.microsoft.com/office/drawing/2014/main" id="{76289246-E02B-2C30-AFA9-B25BCFB46C2A}"/>
+              </a:ext>
+            </a:extLst>
+          </p:cNvPr>
+          <p:cNvSpPr txBox="1"/>
+          <p:nvPr/>
+        </p:nvSpPr>
+        <p:spPr>
+          <a:xfrm>
+            <a:off x="335359" y="2085282"/>
+            <a:ext cx="8704818" cy="400110"/>
+          </a:xfrm>
+          <a:prstGeom prst="rect">
+            <a:avLst/>
+          </a:prstGeom>
+          <a:noFill/>
+        </p:spPr>
+        <p:txBody>
+          <a:bodyPr wrap="square">
+            <a:spAutoFit/>
+          </a:bodyPr>
+          <a:lstStyle/>
+          <a:p>
+            <a:r>
+              <a:rPr lang="en-US" sz="2000" b="0" i="0" dirty="0">
+                <a:solidFill>
+                  <a:srgbClr val="242424"/>
+                </a:solidFill>
+                <a:effectLst/>
+                <a:latin typeface="Arial" panose="020B0604020202020204" pitchFamily="34" charset="0"/>
+                <a:cs typeface="Arial" panose="020B0604020202020204" pitchFamily="34" charset="0"/>
+              </a:rPr>
+              <a:t> Value refers to how useful the data is in decision making.</a:t>
+            </a:r>
+            <a:endParaRPr lang="en-IN" sz="2000" dirty="0">
+              <a:latin typeface="Arial" panose="020B0604020202020204" pitchFamily="34" charset="0"/>
+              <a:cs typeface="Arial" panose="020B0604020202020204" pitchFamily="34" charset="0"/>
+            </a:endParaRPr>
+          </a:p>
+        </p:txBody>
+      </p:sp>
+    </p:spTree>
+    <p:extLst>
+      <p:ext uri="{BB962C8B-B14F-4D97-AF65-F5344CB8AC3E}">
+        <p14:creationId xmlns:p14="http://schemas.microsoft.com/office/powerpoint/2010/main" val="1921061291"/>
       </p:ext>
     </p:extLst>
   </p:cSld>
@@ -10716,7 +11169,7 @@
                 <a:latin typeface="Arial" pitchFamily="34" charset="0"/>
                 <a:cs typeface="Arial" pitchFamily="34" charset="0"/>
               </a:rPr>
-              <a:t>Velocity</a:t>
+              <a:t>Value</a:t>
             </a:r>
             <a:endParaRPr lang="en-IN" sz="3200" i="1" dirty="0">
               <a:solidFill>
@@ -10728,42 +11181,12 @@
           </a:p>
         </p:txBody>
       </p:sp>
-      <p:pic>
-        <p:nvPicPr>
-          <p:cNvPr id="5" name="Picture 4">
+      <p:sp>
+        <p:nvSpPr>
+          <p:cNvPr id="2" name="TextBox 1">
             <a:extLst>
               <a:ext uri="{FF2B5EF4-FFF2-40B4-BE49-F238E27FC236}">
-                <a16:creationId xmlns:a16="http://schemas.microsoft.com/office/drawing/2014/main" id="{5287A31C-4250-DD07-96FC-E2341DACE96E}"/>
-              </a:ext>
-            </a:extLst>
-          </p:cNvPr>
-          <p:cNvPicPr>
-            <a:picLocks noChangeAspect="1"/>
-          </p:cNvPicPr>
-          <p:nvPr/>
-        </p:nvPicPr>
-        <p:blipFill>
-          <a:blip r:embed="rId2"/>
-          <a:stretch>
-            <a:fillRect/>
-          </a:stretch>
-        </p:blipFill>
-        <p:spPr>
-          <a:xfrm>
-            <a:off x="1122956" y="2996952"/>
-            <a:ext cx="9545044" cy="3229347"/>
-          </a:xfrm>
-          <a:prstGeom prst="rect">
-            <a:avLst/>
-          </a:prstGeom>
-        </p:spPr>
-      </p:pic>
-      <p:sp>
-        <p:nvSpPr>
-          <p:cNvPr id="6" name="TextBox 5">
-            <a:extLst>
-              <a:ext uri="{FF2B5EF4-FFF2-40B4-BE49-F238E27FC236}">
-                <a16:creationId xmlns:a16="http://schemas.microsoft.com/office/drawing/2014/main" id="{DECBAD34-3220-60D3-B61D-4FD2174EA290}"/>
+                <a16:creationId xmlns:a16="http://schemas.microsoft.com/office/drawing/2014/main" id="{F0B1D105-7EE0-AA2E-400E-AA8B45C872E1}"/>
               </a:ext>
             </a:extLst>
           </p:cNvPr>
@@ -10793,7 +11216,7 @@
                 <a:latin typeface="Arial" panose="020B0604020202020204" pitchFamily="34" charset="0"/>
                 <a:cs typeface="Arial" panose="020B0604020202020204" pitchFamily="34" charset="0"/>
               </a:rPr>
-              <a:t>Velocity deals with the speed at the data flows from sources like business processes, networks, and social media sites, sensors, mobile devices, etc.</a:t>
+              <a:t>Value is an essential characteristic of big data. It is not the data that we process or store. It is valuable and reliable data that we store, process, and also analyze.</a:t>
             </a:r>
           </a:p>
         </p:txBody>
@@ -10801,7 +11224,7 @@
     </p:spTree>
     <p:extLst>
       <p:ext uri="{BB962C8B-B14F-4D97-AF65-F5344CB8AC3E}">
-        <p14:creationId xmlns:p14="http://schemas.microsoft.com/office/powerpoint/2010/main" val="4166802548"/>
+        <p14:creationId xmlns:p14="http://schemas.microsoft.com/office/powerpoint/2010/main" val="1804314253"/>
       </p:ext>
     </p:extLst>
   </p:cSld>
@@ -12095,8 +12518,8 @@
         </p:nvSpPr>
         <p:spPr>
           <a:xfrm>
-            <a:off x="263352" y="3933056"/>
-            <a:ext cx="6768752" cy="2554545"/>
+            <a:off x="263352" y="4227472"/>
+            <a:ext cx="6768752" cy="2369880"/>
           </a:xfrm>
           <a:prstGeom prst="rect">
             <a:avLst/>
@@ -12124,7 +12547,7 @@
           </a:p>
           <a:p>
             <a:pPr algn="just"/>
-            <a:endParaRPr lang="en-US" sz="2000" b="0" i="0" dirty="0">
+            <a:endParaRPr lang="en-US" sz="800" b="0" i="0" dirty="0">
               <a:solidFill>
                 <a:srgbClr val="000000"/>
               </a:solidFill>
@@ -12250,7 +12673,7 @@
           <a:p>
             <a:pPr marL="457200" indent="-457200" algn="l">
               <a:buFont typeface="+mj-lt"/>
-              <a:buAutoNum type="arabicPeriod" startAt="5"/>
+              <a:buAutoNum type="arabicPeriod" startAt="6"/>
             </a:pPr>
             <a:r>
               <a:rPr lang="en-US" sz="2000" b="0" i="0" dirty="0">
@@ -12267,7 +12690,7 @@
           <a:p>
             <a:pPr marL="457200" indent="-457200" algn="l">
               <a:buFont typeface="+mj-lt"/>
-              <a:buAutoNum type="arabicPeriod" startAt="5"/>
+              <a:buAutoNum type="arabicPeriod" startAt="6"/>
             </a:pPr>
             <a:r>
               <a:rPr lang="en-US" sz="2000" b="0" i="0" dirty="0">
@@ -12284,7 +12707,7 @@
           <a:p>
             <a:pPr marL="457200" indent="-457200" algn="l">
               <a:buFont typeface="+mj-lt"/>
-              <a:buAutoNum type="arabicPeriod" startAt="5"/>
+              <a:buAutoNum type="arabicPeriod" startAt="6"/>
             </a:pPr>
             <a:r>
               <a:rPr lang="en-US" sz="2000" b="0" i="0" dirty="0">
@@ -12301,7 +12724,7 @@
           <a:p>
             <a:pPr marL="457200" indent="-457200" algn="l">
               <a:buFont typeface="+mj-lt"/>
-              <a:buAutoNum type="arabicPeriod" startAt="5"/>
+              <a:buAutoNum type="arabicPeriod" startAt="6"/>
             </a:pPr>
             <a:r>
               <a:rPr lang="en-US" sz="2000" b="0" i="0" dirty="0">
@@ -14415,8 +14838,8 @@
         </p:nvSpPr>
         <p:spPr>
           <a:xfrm>
-            <a:off x="263352" y="3933056"/>
-            <a:ext cx="7056784" cy="2246769"/>
+            <a:off x="263352" y="4247217"/>
+            <a:ext cx="7056784" cy="2062103"/>
           </a:xfrm>
           <a:prstGeom prst="rect">
             <a:avLst/>
@@ -14429,10 +14852,7 @@
           </a:bodyPr>
           <a:lstStyle/>
           <a:p>
-            <a:pPr marL="457200" indent="-457200" algn="just">
-              <a:buFont typeface="+mj-lt"/>
-              <a:buAutoNum type="arabicPeriod"/>
-            </a:pPr>
+            <a:pPr algn="just"/>
             <a:r>
               <a:rPr lang="en-US" sz="2000" b="1" i="0" dirty="0">
                 <a:solidFill>
@@ -14446,11 +14866,8 @@
             </a:r>
           </a:p>
           <a:p>
-            <a:pPr marL="457200" indent="-457200" algn="just">
-              <a:buFont typeface="+mj-lt"/>
-              <a:buAutoNum type="arabicPeriod"/>
-            </a:pPr>
-            <a:endParaRPr lang="en-US" sz="2000" b="0" i="0" dirty="0">
+            <a:pPr algn="just"/>
+            <a:endParaRPr lang="en-US" sz="800" b="0" i="0" dirty="0">
               <a:solidFill>
                 <a:srgbClr val="000000"/>
               </a:solidFill>
@@ -14576,7 +14993,7 @@
           <a:p>
             <a:pPr marL="457200" indent="-457200" algn="l">
               <a:buFont typeface="+mj-lt"/>
-              <a:buAutoNum type="arabicPeriod" startAt="7"/>
+              <a:buAutoNum type="arabicPeriod" startAt="6"/>
             </a:pPr>
             <a:r>
               <a:rPr lang="en-US" sz="2000" b="0" i="0" dirty="0">
@@ -14593,7 +15010,7 @@
           <a:p>
             <a:pPr marL="457200" indent="-457200" algn="l">
               <a:buFont typeface="+mj-lt"/>
-              <a:buAutoNum type="arabicPeriod" startAt="7"/>
+              <a:buAutoNum type="arabicPeriod" startAt="6"/>
             </a:pPr>
             <a:r>
               <a:rPr lang="en-US" sz="2000" b="0" i="0" dirty="0">
@@ -14610,7 +15027,7 @@
           <a:p>
             <a:pPr marL="457200" indent="-457200" algn="l">
               <a:buFont typeface="+mj-lt"/>
-              <a:buAutoNum type="arabicPeriod" startAt="7"/>
+              <a:buAutoNum type="arabicPeriod" startAt="6"/>
             </a:pPr>
             <a:r>
               <a:rPr lang="en-US" sz="2000" b="0" i="0" dirty="0">
@@ -14627,7 +15044,7 @@
           <a:p>
             <a:pPr marL="457200" indent="-457200" algn="l">
               <a:buFont typeface="+mj-lt"/>
-              <a:buAutoNum type="arabicPeriod" startAt="7"/>
+              <a:buAutoNum type="arabicPeriod" startAt="6"/>
             </a:pPr>
             <a:r>
               <a:rPr lang="en-US" sz="2000" b="0" i="0" dirty="0">
@@ -14644,7 +15061,7 @@
           <a:p>
             <a:pPr marL="457200" indent="-457200" algn="l">
               <a:buFont typeface="+mj-lt"/>
-              <a:buAutoNum type="arabicPeriod" startAt="7"/>
+              <a:buAutoNum type="arabicPeriod" startAt="6"/>
             </a:pPr>
             <a:r>
               <a:rPr lang="en-US" sz="2000" b="0" i="0" dirty="0">
@@ -14909,8 +15326,8 @@
         </p:nvSpPr>
         <p:spPr>
           <a:xfrm>
-            <a:off x="263352" y="3933056"/>
-            <a:ext cx="6768752" cy="2554545"/>
+            <a:off x="263352" y="4155464"/>
+            <a:ext cx="6768752" cy="2369880"/>
           </a:xfrm>
           <a:prstGeom prst="rect">
             <a:avLst/>
@@ -14938,7 +15355,7 @@
           </a:p>
           <a:p>
             <a:pPr algn="just"/>
-            <a:endParaRPr lang="en-US" sz="2000" b="0" i="0" dirty="0">
+            <a:endParaRPr lang="en-US" sz="800" b="0" i="0" dirty="0">
               <a:solidFill>
                 <a:srgbClr val="000000"/>
               </a:solidFill>
@@ -15059,8 +15476,8 @@
         </p:nvSpPr>
         <p:spPr>
           <a:xfrm>
-            <a:off x="7176120" y="4856385"/>
-            <a:ext cx="4824536" cy="1631216"/>
+            <a:off x="6023992" y="4856385"/>
+            <a:ext cx="5976664" cy="1323439"/>
           </a:xfrm>
           <a:prstGeom prst="rect">
             <a:avLst/>
@@ -15394,8 +15811,8 @@
         </p:nvSpPr>
         <p:spPr>
           <a:xfrm>
-            <a:off x="263352" y="3933056"/>
-            <a:ext cx="6768752" cy="2246769"/>
+            <a:off x="263352" y="4221088"/>
+            <a:ext cx="6768752" cy="2062103"/>
           </a:xfrm>
           <a:prstGeom prst="rect">
             <a:avLst/>
@@ -15418,34 +15835,12 @@
                 <a:latin typeface="Arial" panose="020B0604020202020204" pitchFamily="34" charset="0"/>
                 <a:cs typeface="Arial" panose="020B0604020202020204" pitchFamily="34" charset="0"/>
               </a:rPr>
-              <a:t>The main features of </a:t>
-            </a:r>
-            <a:r>
-              <a:rPr lang="en-US" sz="2000" b="1" i="0">
-                <a:solidFill>
-                  <a:srgbClr val="000000"/>
-                </a:solidFill>
-                <a:effectLst/>
-                <a:latin typeface="Arial" panose="020B0604020202020204" pitchFamily="34" charset="0"/>
-                <a:cs typeface="Arial" panose="020B0604020202020204" pitchFamily="34" charset="0"/>
-              </a:rPr>
-              <a:t>the fifth </a:t>
-            </a:r>
-            <a:r>
-              <a:rPr lang="en-US" sz="2000" b="1" i="0" dirty="0">
-                <a:solidFill>
-                  <a:srgbClr val="000000"/>
-                </a:solidFill>
-                <a:effectLst/>
-                <a:latin typeface="Arial" panose="020B0604020202020204" pitchFamily="34" charset="0"/>
-                <a:cs typeface="Arial" panose="020B0604020202020204" pitchFamily="34" charset="0"/>
-              </a:rPr>
-              <a:t>generation are −</a:t>
+              <a:t>The main features of the fifth generation are −</a:t>
             </a:r>
           </a:p>
           <a:p>
             <a:pPr algn="just"/>
-            <a:endParaRPr lang="en-US" sz="2000" b="0" i="0" dirty="0">
+            <a:endParaRPr lang="en-US" sz="800" b="0" i="0" dirty="0">
               <a:solidFill>
                 <a:srgbClr val="000000"/>
               </a:solidFill>
@@ -16853,7 +17248,7 @@
         <p:spPr>
           <a:xfrm>
             <a:off x="191344" y="913938"/>
-            <a:ext cx="11665296" cy="5293757"/>
+            <a:ext cx="11665296" cy="4985980"/>
           </a:xfrm>
           <a:prstGeom prst="rect">
             <a:avLst/>
@@ -16871,7 +17266,49 @@
                 <a:latin typeface="Arial" panose="020B0604020202020204" pitchFamily="34" charset="0"/>
                 <a:cs typeface="Arial" panose="020B0604020202020204" pitchFamily="34" charset="0"/>
               </a:rPr>
-              <a:t>A Low-Level Language is also a category of computer programming language in which the computer codes are written in the binary language or machine codes. Because of this, low-level language is sometimes also known as machine language. The low-level language is less friendly for human.</a:t>
+              <a:t>A Low-Level Language is also a category of computer programming language in which the computer codes are written in the </a:t>
+            </a:r>
+            <a:r>
+              <a:rPr lang="en-US" sz="2000" b="1" dirty="0">
+                <a:latin typeface="Arial" panose="020B0604020202020204" pitchFamily="34" charset="0"/>
+                <a:cs typeface="Arial" panose="020B0604020202020204" pitchFamily="34" charset="0"/>
+              </a:rPr>
+              <a:t>binary language </a:t>
+            </a:r>
+            <a:r>
+              <a:rPr lang="en-US" sz="2000" dirty="0">
+                <a:latin typeface="Arial" panose="020B0604020202020204" pitchFamily="34" charset="0"/>
+                <a:cs typeface="Arial" panose="020B0604020202020204" pitchFamily="34" charset="0"/>
+              </a:rPr>
+              <a:t>or </a:t>
+            </a:r>
+            <a:r>
+              <a:rPr lang="en-US" sz="2000" b="1" dirty="0">
+                <a:latin typeface="Arial" panose="020B0604020202020204" pitchFamily="34" charset="0"/>
+                <a:cs typeface="Arial" panose="020B0604020202020204" pitchFamily="34" charset="0"/>
+              </a:rPr>
+              <a:t>machine codes</a:t>
+            </a:r>
+            <a:r>
+              <a:rPr lang="en-US" sz="2000" dirty="0">
+                <a:latin typeface="Arial" panose="020B0604020202020204" pitchFamily="34" charset="0"/>
+                <a:cs typeface="Arial" panose="020B0604020202020204" pitchFamily="34" charset="0"/>
+              </a:rPr>
+              <a:t>. Because of this, </a:t>
+            </a:r>
+            <a:r>
+              <a:rPr lang="en-US" sz="2000" b="1" dirty="0">
+                <a:latin typeface="Arial" panose="020B0604020202020204" pitchFamily="34" charset="0"/>
+                <a:cs typeface="Arial" panose="020B0604020202020204" pitchFamily="34" charset="0"/>
+              </a:rPr>
+              <a:t>low-level language is sometimes also known as machine language</a:t>
+            </a:r>
+            <a:r>
+              <a:rPr lang="en-US" sz="2000" dirty="0">
+                <a:latin typeface="Arial" panose="020B0604020202020204" pitchFamily="34" charset="0"/>
+                <a:cs typeface="Arial" panose="020B0604020202020204" pitchFamily="34" charset="0"/>
+              </a:rPr>
+              <a:t>. The low-level language is less friendly for human.</a:t>
             </a:r>
           </a:p>
           <a:p>
@@ -17146,16 +17583,6 @@
               </a:rPr>
               <a:t>It is not used widely in today's times.</a:t>
             </a:r>
-          </a:p>
-          <a:p>
-            <a:pPr marL="342900" indent="-342900">
-              <a:buFont typeface="Arial" panose="020B0604020202020204" pitchFamily="34" charset="0"/>
-              <a:buChar char="•"/>
-            </a:pPr>
-            <a:endParaRPr lang="en-IN" sz="2000" dirty="0">
-              <a:latin typeface="Arial" panose="020B0604020202020204" pitchFamily="34" charset="0"/>
-              <a:cs typeface="Arial" panose="020B0604020202020204" pitchFamily="34" charset="0"/>
-            </a:endParaRPr>
           </a:p>
         </p:txBody>
       </p:sp>

--- a/BIG Data.pptx
+++ b/BIG Data.pptx
@@ -5,7 +5,7 @@
     <p:sldMasterId id="2147483720" r:id="rId1"/>
   </p:sldMasterIdLst>
   <p:notesMasterIdLst>
-    <p:notesMasterId r:id="rId49"/>
+    <p:notesMasterId r:id="rId51"/>
   </p:notesMasterIdLst>
   <p:sldIdLst>
     <p:sldId id="257" r:id="rId2"/>
@@ -40,21 +40,23 @@
     <p:sldId id="1182" r:id="rId31"/>
     <p:sldId id="1358" r:id="rId32"/>
     <p:sldId id="1181" r:id="rId33"/>
-    <p:sldId id="1321" r:id="rId34"/>
-    <p:sldId id="1179" r:id="rId35"/>
-    <p:sldId id="1322" r:id="rId36"/>
-    <p:sldId id="1323" r:id="rId37"/>
-    <p:sldId id="1324" r:id="rId38"/>
-    <p:sldId id="1325" r:id="rId39"/>
-    <p:sldId id="1326" r:id="rId40"/>
-    <p:sldId id="1327" r:id="rId41"/>
-    <p:sldId id="1328" r:id="rId42"/>
-    <p:sldId id="1329" r:id="rId43"/>
-    <p:sldId id="1330" r:id="rId44"/>
-    <p:sldId id="1331" r:id="rId45"/>
-    <p:sldId id="1332" r:id="rId46"/>
-    <p:sldId id="1335" r:id="rId47"/>
-    <p:sldId id="1336" r:id="rId48"/>
+    <p:sldId id="1322" r:id="rId34"/>
+    <p:sldId id="1323" r:id="rId35"/>
+    <p:sldId id="1324" r:id="rId36"/>
+    <p:sldId id="1325" r:id="rId37"/>
+    <p:sldId id="1326" r:id="rId38"/>
+    <p:sldId id="1327" r:id="rId39"/>
+    <p:sldId id="1328" r:id="rId40"/>
+    <p:sldId id="1329" r:id="rId41"/>
+    <p:sldId id="1330" r:id="rId42"/>
+    <p:sldId id="1331" r:id="rId43"/>
+    <p:sldId id="1332" r:id="rId44"/>
+    <p:sldId id="1335" r:id="rId45"/>
+    <p:sldId id="1336" r:id="rId46"/>
+    <p:sldId id="1359" r:id="rId47"/>
+    <p:sldId id="1360" r:id="rId48"/>
+    <p:sldId id="1363" r:id="rId49"/>
+    <p:sldId id="1362" r:id="rId50"/>
   </p:sldIdLst>
   <p:sldSz cx="12192000" cy="6858000"/>
   <p:notesSz cx="6858000" cy="9144000"/>
@@ -10798,6 +10800,235 @@
           </a:p>
         </p:txBody>
       </p:sp>
+      <p:sp>
+        <p:nvSpPr>
+          <p:cNvPr id="2" name="Rectangle 1">
+            <a:extLst>
+              <a:ext uri="{FF2B5EF4-FFF2-40B4-BE49-F238E27FC236}">
+                <a16:creationId xmlns:a16="http://schemas.microsoft.com/office/drawing/2014/main" id="{EA118802-CBD0-2DC2-5AD8-D1A8A01BB792}"/>
+              </a:ext>
+            </a:extLst>
+          </p:cNvPr>
+          <p:cNvSpPr/>
+          <p:nvPr/>
+        </p:nvSpPr>
+        <p:spPr>
+          <a:xfrm>
+            <a:off x="1524000" y="2844225"/>
+            <a:ext cx="9144000" cy="584775"/>
+          </a:xfrm>
+          <a:prstGeom prst="rect">
+            <a:avLst/>
+          </a:prstGeom>
+          <a:noFill/>
+        </p:spPr>
+        <p:txBody>
+          <a:bodyPr wrap="square">
+            <a:spAutoFit/>
+          </a:bodyPr>
+          <a:lstStyle/>
+          <a:p>
+            <a:pPr algn="r"/>
+            <a:r>
+              <a:rPr lang="en-US" sz="3200" i="1" dirty="0">
+                <a:solidFill>
+                  <a:srgbClr val="FF9900"/>
+                </a:solidFill>
+                <a:latin typeface="Arial" pitchFamily="34" charset="0"/>
+                <a:cs typeface="Arial" pitchFamily="34" charset="0"/>
+              </a:rPr>
+              <a:t>Value</a:t>
+            </a:r>
+            <a:endParaRPr lang="en-IN" sz="3200" i="1" dirty="0">
+              <a:solidFill>
+                <a:srgbClr val="FF9900"/>
+              </a:solidFill>
+              <a:latin typeface="Arial" pitchFamily="34" charset="0"/>
+              <a:cs typeface="Arial" pitchFamily="34" charset="0"/>
+            </a:endParaRPr>
+          </a:p>
+        </p:txBody>
+      </p:sp>
+      <p:sp>
+        <p:nvSpPr>
+          <p:cNvPr id="3" name="TextBox 2">
+            <a:extLst>
+              <a:ext uri="{FF2B5EF4-FFF2-40B4-BE49-F238E27FC236}">
+                <a16:creationId xmlns:a16="http://schemas.microsoft.com/office/drawing/2014/main" id="{E183947B-46A3-7ECB-7C2C-FD7ABA7A6DC6}"/>
+              </a:ext>
+            </a:extLst>
+          </p:cNvPr>
+          <p:cNvSpPr txBox="1"/>
+          <p:nvPr/>
+        </p:nvSpPr>
+        <p:spPr>
+          <a:xfrm>
+            <a:off x="335359" y="3761655"/>
+            <a:ext cx="11522657" cy="707886"/>
+          </a:xfrm>
+          <a:prstGeom prst="rect">
+            <a:avLst/>
+          </a:prstGeom>
+          <a:noFill/>
+        </p:spPr>
+        <p:txBody>
+          <a:bodyPr wrap="square">
+            <a:spAutoFit/>
+          </a:bodyPr>
+          <a:lstStyle/>
+          <a:p>
+            <a:r>
+              <a:rPr lang="en-US" sz="2000" b="0" i="0" dirty="0">
+                <a:solidFill>
+                  <a:srgbClr val="333333"/>
+                </a:solidFill>
+                <a:effectLst/>
+                <a:latin typeface="Arial" panose="020B0604020202020204" pitchFamily="34" charset="0"/>
+                <a:cs typeface="Arial" panose="020B0604020202020204" pitchFamily="34" charset="0"/>
+              </a:rPr>
+              <a:t>Value is an essential characteristic of big data. It is not the data that we process or store. It is </a:t>
+            </a:r>
+            <a:r>
+              <a:rPr lang="en-US" sz="2000" b="1" i="0" dirty="0">
+                <a:solidFill>
+                  <a:srgbClr val="333333"/>
+                </a:solidFill>
+                <a:effectLst/>
+                <a:latin typeface="Arial" panose="020B0604020202020204" pitchFamily="34" charset="0"/>
+                <a:cs typeface="Arial" panose="020B0604020202020204" pitchFamily="34" charset="0"/>
+              </a:rPr>
+              <a:t>valuable</a:t>
+            </a:r>
+            <a:r>
+              <a:rPr lang="en-US" sz="2000" b="0" i="0" dirty="0">
+                <a:solidFill>
+                  <a:srgbClr val="333333"/>
+                </a:solidFill>
+                <a:effectLst/>
+                <a:latin typeface="Arial" panose="020B0604020202020204" pitchFamily="34" charset="0"/>
+                <a:cs typeface="Arial" panose="020B0604020202020204" pitchFamily="34" charset="0"/>
+              </a:rPr>
+              <a:t> and </a:t>
+            </a:r>
+            <a:r>
+              <a:rPr lang="en-US" sz="2000" b="1" i="0" dirty="0">
+                <a:solidFill>
+                  <a:srgbClr val="333333"/>
+                </a:solidFill>
+                <a:effectLst/>
+                <a:latin typeface="Arial" panose="020B0604020202020204" pitchFamily="34" charset="0"/>
+                <a:cs typeface="Arial" panose="020B0604020202020204" pitchFamily="34" charset="0"/>
+              </a:rPr>
+              <a:t>reliable</a:t>
+            </a:r>
+            <a:r>
+              <a:rPr lang="en-US" sz="2000" b="0" i="0" dirty="0">
+                <a:solidFill>
+                  <a:srgbClr val="333333"/>
+                </a:solidFill>
+                <a:effectLst/>
+                <a:latin typeface="Arial" panose="020B0604020202020204" pitchFamily="34" charset="0"/>
+                <a:cs typeface="Arial" panose="020B0604020202020204" pitchFamily="34" charset="0"/>
+              </a:rPr>
+              <a:t> data that we </a:t>
+            </a:r>
+            <a:r>
+              <a:rPr lang="en-US" sz="2000" b="1" i="0" dirty="0">
+                <a:solidFill>
+                  <a:srgbClr val="333333"/>
+                </a:solidFill>
+                <a:effectLst/>
+                <a:latin typeface="Arial" panose="020B0604020202020204" pitchFamily="34" charset="0"/>
+                <a:cs typeface="Arial" panose="020B0604020202020204" pitchFamily="34" charset="0"/>
+              </a:rPr>
+              <a:t>store, process</a:t>
+            </a:r>
+            <a:r>
+              <a:rPr lang="en-US" sz="2000" b="0" i="0" dirty="0">
+                <a:solidFill>
+                  <a:srgbClr val="333333"/>
+                </a:solidFill>
+                <a:effectLst/>
+                <a:latin typeface="Arial" panose="020B0604020202020204" pitchFamily="34" charset="0"/>
+                <a:cs typeface="Arial" panose="020B0604020202020204" pitchFamily="34" charset="0"/>
+              </a:rPr>
+              <a:t>, and also </a:t>
+            </a:r>
+            <a:r>
+              <a:rPr lang="en-US" sz="2000" b="1" i="0" dirty="0">
+                <a:solidFill>
+                  <a:srgbClr val="333333"/>
+                </a:solidFill>
+                <a:effectLst/>
+                <a:latin typeface="Arial" panose="020B0604020202020204" pitchFamily="34" charset="0"/>
+                <a:cs typeface="Arial" panose="020B0604020202020204" pitchFamily="34" charset="0"/>
+              </a:rPr>
+              <a:t>analyze</a:t>
+            </a:r>
+            <a:r>
+              <a:rPr lang="en-US" sz="2000" b="0" i="0" dirty="0">
+                <a:solidFill>
+                  <a:srgbClr val="333333"/>
+                </a:solidFill>
+                <a:effectLst/>
+                <a:latin typeface="Arial" panose="020B0604020202020204" pitchFamily="34" charset="0"/>
+                <a:cs typeface="Arial" panose="020B0604020202020204" pitchFamily="34" charset="0"/>
+              </a:rPr>
+              <a:t>.</a:t>
+            </a:r>
+            <a:endParaRPr lang="en-IN" sz="2000" dirty="0">
+              <a:latin typeface="Arial" panose="020B0604020202020204" pitchFamily="34" charset="0"/>
+              <a:cs typeface="Arial" panose="020B0604020202020204" pitchFamily="34" charset="0"/>
+            </a:endParaRPr>
+          </a:p>
+        </p:txBody>
+      </p:sp>
+      <p:sp>
+        <p:nvSpPr>
+          <p:cNvPr id="5" name="TextBox 4">
+            <a:extLst>
+              <a:ext uri="{FF2B5EF4-FFF2-40B4-BE49-F238E27FC236}">
+                <a16:creationId xmlns:a16="http://schemas.microsoft.com/office/drawing/2014/main" id="{9C79472D-223E-7865-B739-98F0A8AB5A6B}"/>
+              </a:ext>
+            </a:extLst>
+          </p:cNvPr>
+          <p:cNvSpPr txBox="1"/>
+          <p:nvPr/>
+        </p:nvSpPr>
+        <p:spPr>
+          <a:xfrm>
+            <a:off x="335359" y="4866209"/>
+            <a:ext cx="8704818" cy="400110"/>
+          </a:xfrm>
+          <a:prstGeom prst="rect">
+            <a:avLst/>
+          </a:prstGeom>
+          <a:noFill/>
+        </p:spPr>
+        <p:txBody>
+          <a:bodyPr wrap="square">
+            <a:spAutoFit/>
+          </a:bodyPr>
+          <a:lstStyle/>
+          <a:p>
+            <a:r>
+              <a:rPr lang="en-US" sz="2000" b="0" i="0" dirty="0">
+                <a:solidFill>
+                  <a:srgbClr val="242424"/>
+                </a:solidFill>
+                <a:effectLst/>
+                <a:latin typeface="Arial" panose="020B0604020202020204" pitchFamily="34" charset="0"/>
+                <a:cs typeface="Arial" panose="020B0604020202020204" pitchFamily="34" charset="0"/>
+              </a:rPr>
+              <a:t> Value refers to how useful the data is in decision making.</a:t>
+            </a:r>
+            <a:endParaRPr lang="en-IN" sz="2000" dirty="0">
+              <a:latin typeface="Arial" panose="020B0604020202020204" pitchFamily="34" charset="0"/>
+              <a:cs typeface="Arial" panose="020B0604020202020204" pitchFamily="34" charset="0"/>
+            </a:endParaRPr>
+          </a:p>
+        </p:txBody>
+      </p:sp>
     </p:spTree>
     <p:extLst>
       <p:ext uri="{BB962C8B-B14F-4D97-AF65-F5344CB8AC3E}">
@@ -10830,282 +11061,57 @@
       </p:grpSpPr>
       <p:sp>
         <p:nvSpPr>
-          <p:cNvPr id="2" name="AutoShape 4" descr="Big Data">
-            <a:extLst>
-              <a:ext uri="{FF2B5EF4-FFF2-40B4-BE49-F238E27FC236}">
-                <a16:creationId xmlns:a16="http://schemas.microsoft.com/office/drawing/2014/main" id="{18AD7EE6-ABDB-4214-8FAF-9A686CBFFA71}"/>
-              </a:ext>
-            </a:extLst>
-          </p:cNvPr>
-          <p:cNvSpPr>
-            <a:spLocks noChangeAspect="1" noChangeArrowheads="1"/>
+          <p:cNvPr id="2" name="Title 1"/>
+          <p:cNvSpPr txBox="1">
+            <a:spLocks/>
           </p:cNvSpPr>
           <p:nvPr/>
         </p:nvSpPr>
-        <p:spPr bwMode="auto">
+        <p:spPr>
           <a:xfrm>
-            <a:off x="5942807" y="3276600"/>
-            <a:ext cx="304800" cy="304800"/>
+            <a:off x="1676400" y="2057400"/>
+            <a:ext cx="8839200" cy="1676400"/>
           </a:xfrm>
           <a:prstGeom prst="rect">
             <a:avLst/>
           </a:prstGeom>
-          <a:noFill/>
-          <a:extLst>
-            <a:ext uri="{909E8E84-426E-40DD-AFC4-6F175D3DCCD1}">
-              <a14:hiddenFill xmlns:a14="http://schemas.microsoft.com/office/drawing/2010/main">
-                <a:solidFill>
-                  <a:srgbClr val="FFFFFF"/>
-                </a:solidFill>
-              </a14:hiddenFill>
-            </a:ext>
-          </a:extLst>
         </p:spPr>
         <p:txBody>
-          <a:bodyPr vert="horz" wrap="square" lIns="91440" tIns="45720" rIns="91440" bIns="45720" numCol="1" anchor="t" anchorCtr="0" compatLnSpc="1">
-            <a:prstTxWarp prst="textNoShape">
-              <a:avLst/>
-            </a:prstTxWarp>
+          <a:bodyPr>
+            <a:noAutofit/>
           </a:bodyPr>
-          <a:lstStyle/>
-          <a:p>
-            <a:endParaRPr lang="en-IN" dirty="0"/>
-          </a:p>
-        </p:txBody>
-      </p:sp>
-      <p:sp>
-        <p:nvSpPr>
-          <p:cNvPr id="3" name="Rectangle 2">
-            <a:extLst>
-              <a:ext uri="{FF2B5EF4-FFF2-40B4-BE49-F238E27FC236}">
-                <a16:creationId xmlns:a16="http://schemas.microsoft.com/office/drawing/2014/main" id="{A0E59B27-ACC8-FE63-F904-CF7318D5C223}"/>
-              </a:ext>
-            </a:extLst>
-          </p:cNvPr>
-          <p:cNvSpPr/>
-          <p:nvPr/>
-        </p:nvSpPr>
-        <p:spPr>
-          <a:xfrm>
-            <a:off x="1524000" y="1"/>
-            <a:ext cx="9144000" cy="584775"/>
-          </a:xfrm>
-          <a:prstGeom prst="rect">
-            <a:avLst/>
-          </a:prstGeom>
-          <a:noFill/>
-        </p:spPr>
-        <p:txBody>
-          <a:bodyPr wrap="square">
-            <a:spAutoFit/>
-          </a:bodyPr>
-          <a:lstStyle/>
-          <a:p>
-            <a:pPr algn="r"/>
-            <a:r>
-              <a:rPr lang="en-US" sz="3200" i="1" dirty="0">
-                <a:solidFill>
-                  <a:srgbClr val="FF9900"/>
-                </a:solidFill>
+          <a:lstStyle>
+            <a:defPPr>
+              <a:defRPr lang="en-US"/>
+            </a:defPPr>
+            <a:lvl1pPr lvl="0" algn="ctr">
+              <a:spcBef>
+                <a:spcPct val="0"/>
+              </a:spcBef>
+              <a:defRPr sz="4800">
                 <a:latin typeface="Arial" pitchFamily="34" charset="0"/>
                 <a:cs typeface="Arial" pitchFamily="34" charset="0"/>
-              </a:rPr>
-              <a:t>Value</a:t>
-            </a:r>
-            <a:endParaRPr lang="en-IN" sz="3200" i="1" dirty="0">
-              <a:solidFill>
-                <a:srgbClr val="FF9900"/>
-              </a:solidFill>
-              <a:latin typeface="Arial" pitchFamily="34" charset="0"/>
-              <a:cs typeface="Arial" pitchFamily="34" charset="0"/>
-            </a:endParaRPr>
-          </a:p>
-        </p:txBody>
-      </p:sp>
-      <p:sp>
-        <p:nvSpPr>
-          <p:cNvPr id="14" name="TextBox 13">
-            <a:extLst>
-              <a:ext uri="{FF2B5EF4-FFF2-40B4-BE49-F238E27FC236}">
-                <a16:creationId xmlns:a16="http://schemas.microsoft.com/office/drawing/2014/main" id="{EE546AD9-68D9-92FE-FE1F-8361A90EC601}"/>
-              </a:ext>
-            </a:extLst>
-          </p:cNvPr>
-          <p:cNvSpPr txBox="1"/>
-          <p:nvPr/>
-        </p:nvSpPr>
-        <p:spPr>
-          <a:xfrm>
-            <a:off x="335359" y="980728"/>
-            <a:ext cx="11522657" cy="707886"/>
-          </a:xfrm>
-          <a:prstGeom prst="rect">
-            <a:avLst/>
-          </a:prstGeom>
-          <a:noFill/>
-        </p:spPr>
-        <p:txBody>
-          <a:bodyPr wrap="square">
-            <a:spAutoFit/>
-          </a:bodyPr>
-          <a:lstStyle/>
-          <a:p>
-            <a:r>
-              <a:rPr lang="en-US" sz="2000" b="0" i="0" dirty="0">
-                <a:solidFill>
-                  <a:srgbClr val="333333"/>
-                </a:solidFill>
-                <a:effectLst/>
-                <a:latin typeface="Arial" panose="020B0604020202020204" pitchFamily="34" charset="0"/>
-                <a:cs typeface="Arial" panose="020B0604020202020204" pitchFamily="34" charset="0"/>
-              </a:rPr>
-              <a:t>Value is an essential characteristic of big data. It is not the data that we process or store. It is </a:t>
-            </a:r>
-            <a:r>
-              <a:rPr lang="en-US" sz="2000" b="1" i="0" dirty="0">
-                <a:solidFill>
-                  <a:srgbClr val="333333"/>
-                </a:solidFill>
-                <a:effectLst/>
-                <a:latin typeface="Arial" panose="020B0604020202020204" pitchFamily="34" charset="0"/>
-                <a:cs typeface="Arial" panose="020B0604020202020204" pitchFamily="34" charset="0"/>
-              </a:rPr>
-              <a:t>valuable</a:t>
-            </a:r>
-            <a:r>
-              <a:rPr lang="en-US" sz="2000" b="0" i="0" dirty="0">
-                <a:solidFill>
-                  <a:srgbClr val="333333"/>
-                </a:solidFill>
-                <a:effectLst/>
-                <a:latin typeface="Arial" panose="020B0604020202020204" pitchFamily="34" charset="0"/>
-                <a:cs typeface="Arial" panose="020B0604020202020204" pitchFamily="34" charset="0"/>
-              </a:rPr>
-              <a:t> and </a:t>
-            </a:r>
-            <a:r>
-              <a:rPr lang="en-US" sz="2000" b="1" i="0" dirty="0">
-                <a:solidFill>
-                  <a:srgbClr val="333333"/>
-                </a:solidFill>
-                <a:effectLst/>
-                <a:latin typeface="Arial" panose="020B0604020202020204" pitchFamily="34" charset="0"/>
-                <a:cs typeface="Arial" panose="020B0604020202020204" pitchFamily="34" charset="0"/>
-              </a:rPr>
-              <a:t>reliable</a:t>
-            </a:r>
-            <a:r>
-              <a:rPr lang="en-US" sz="2000" b="0" i="0" dirty="0">
-                <a:solidFill>
-                  <a:srgbClr val="333333"/>
-                </a:solidFill>
-                <a:effectLst/>
-                <a:latin typeface="Arial" panose="020B0604020202020204" pitchFamily="34" charset="0"/>
-                <a:cs typeface="Arial" panose="020B0604020202020204" pitchFamily="34" charset="0"/>
-              </a:rPr>
-              <a:t> data that we </a:t>
-            </a:r>
-            <a:r>
-              <a:rPr lang="en-US" sz="2000" b="1" i="0" dirty="0">
-                <a:solidFill>
-                  <a:srgbClr val="333333"/>
-                </a:solidFill>
-                <a:effectLst/>
-                <a:latin typeface="Arial" panose="020B0604020202020204" pitchFamily="34" charset="0"/>
-                <a:cs typeface="Arial" panose="020B0604020202020204" pitchFamily="34" charset="0"/>
-              </a:rPr>
-              <a:t>store, process</a:t>
-            </a:r>
-            <a:r>
-              <a:rPr lang="en-US" sz="2000" b="0" i="0" dirty="0">
-                <a:solidFill>
-                  <a:srgbClr val="333333"/>
-                </a:solidFill>
-                <a:effectLst/>
-                <a:latin typeface="Arial" panose="020B0604020202020204" pitchFamily="34" charset="0"/>
-                <a:cs typeface="Arial" panose="020B0604020202020204" pitchFamily="34" charset="0"/>
-              </a:rPr>
-              <a:t>, and also </a:t>
-            </a:r>
-            <a:r>
-              <a:rPr lang="en-US" sz="2000" b="1" i="0" dirty="0">
-                <a:solidFill>
-                  <a:srgbClr val="333333"/>
-                </a:solidFill>
-                <a:effectLst/>
-                <a:latin typeface="Arial" panose="020B0604020202020204" pitchFamily="34" charset="0"/>
-                <a:cs typeface="Arial" panose="020B0604020202020204" pitchFamily="34" charset="0"/>
-              </a:rPr>
-              <a:t>analyze</a:t>
-            </a:r>
-            <a:r>
-              <a:rPr lang="en-US" sz="2000" b="0" i="0" dirty="0">
-                <a:solidFill>
-                  <a:srgbClr val="333333"/>
-                </a:solidFill>
-                <a:effectLst/>
-                <a:latin typeface="Arial" panose="020B0604020202020204" pitchFamily="34" charset="0"/>
-                <a:cs typeface="Arial" panose="020B0604020202020204" pitchFamily="34" charset="0"/>
-              </a:rPr>
-              <a:t>.</a:t>
-            </a:r>
-            <a:endParaRPr lang="en-IN" sz="2000" dirty="0">
-              <a:latin typeface="Arial" panose="020B0604020202020204" pitchFamily="34" charset="0"/>
-              <a:cs typeface="Arial" panose="020B0604020202020204" pitchFamily="34" charset="0"/>
-            </a:endParaRPr>
-          </a:p>
-        </p:txBody>
-      </p:sp>
-      <p:sp>
-        <p:nvSpPr>
-          <p:cNvPr id="16" name="TextBox 15">
-            <a:extLst>
-              <a:ext uri="{FF2B5EF4-FFF2-40B4-BE49-F238E27FC236}">
-                <a16:creationId xmlns:a16="http://schemas.microsoft.com/office/drawing/2014/main" id="{76289246-E02B-2C30-AFA9-B25BCFB46C2A}"/>
-              </a:ext>
-            </a:extLst>
-          </p:cNvPr>
-          <p:cNvSpPr txBox="1"/>
-          <p:nvPr/>
-        </p:nvSpPr>
-        <p:spPr>
-          <a:xfrm>
-            <a:off x="335359" y="2085282"/>
-            <a:ext cx="8704818" cy="400110"/>
-          </a:xfrm>
-          <a:prstGeom prst="rect">
-            <a:avLst/>
-          </a:prstGeom>
-          <a:noFill/>
-        </p:spPr>
-        <p:txBody>
-          <a:bodyPr wrap="square">
-            <a:spAutoFit/>
-          </a:bodyPr>
-          <a:lstStyle/>
-          <a:p>
-            <a:r>
-              <a:rPr lang="en-US" sz="2000" b="0" i="0" dirty="0">
-                <a:solidFill>
-                  <a:srgbClr val="242424"/>
-                </a:solidFill>
-                <a:effectLst/>
-                <a:latin typeface="Arial" panose="020B0604020202020204" pitchFamily="34" charset="0"/>
-                <a:cs typeface="Arial" panose="020B0604020202020204" pitchFamily="34" charset="0"/>
-              </a:rPr>
-              <a:t> Value refers to how useful the data is in decision making.</a:t>
-            </a:r>
-            <a:endParaRPr lang="en-IN" sz="2000" dirty="0">
-              <a:latin typeface="Arial" panose="020B0604020202020204" pitchFamily="34" charset="0"/>
-              <a:cs typeface="Arial" panose="020B0604020202020204" pitchFamily="34" charset="0"/>
-            </a:endParaRPr>
+              </a:defRPr>
+            </a:lvl1pPr>
+          </a:lstStyle>
+          <a:p>
+            <a:r>
+              <a:rPr lang="en-US" dirty="0">
+                <a:solidFill>
+                  <a:srgbClr val="DC525C"/>
+                </a:solidFill>
+                <a:latin typeface="Segoe UI Light" panose="020B0502040204020203" pitchFamily="34" charset="0"/>
+                <a:cs typeface="Segoe UI Light" panose="020B0502040204020203" pitchFamily="34" charset="0"/>
+              </a:rPr>
+              <a:t>Jobs in Big Data</a:t>
+            </a:r>
           </a:p>
         </p:txBody>
       </p:sp>
     </p:spTree>
     <p:extLst>
       <p:ext uri="{BB962C8B-B14F-4D97-AF65-F5344CB8AC3E}">
-        <p14:creationId xmlns:p14="http://schemas.microsoft.com/office/powerpoint/2010/main" val="1921061291"/>
+        <p14:creationId xmlns:p14="http://schemas.microsoft.com/office/powerpoint/2010/main" val="3468983804"/>
       </p:ext>
     </p:extLst>
   </p:cSld>
@@ -11169,7 +11175,7 @@
                 <a:latin typeface="Arial" pitchFamily="34" charset="0"/>
                 <a:cs typeface="Arial" pitchFamily="34" charset="0"/>
               </a:rPr>
-              <a:t>Value</a:t>
+              <a:t>List of Job Roles in Data Science / Big Data</a:t>
             </a:r>
             <a:endParaRPr lang="en-IN" sz="3200" i="1" dirty="0">
               <a:solidFill>
@@ -11183,10 +11189,10 @@
       </p:sp>
       <p:sp>
         <p:nvSpPr>
-          <p:cNvPr id="2" name="TextBox 1">
+          <p:cNvPr id="3" name="TextBox 2">
             <a:extLst>
               <a:ext uri="{FF2B5EF4-FFF2-40B4-BE49-F238E27FC236}">
-                <a16:creationId xmlns:a16="http://schemas.microsoft.com/office/drawing/2014/main" id="{F0B1D105-7EE0-AA2E-400E-AA8B45C872E1}"/>
+                <a16:creationId xmlns:a16="http://schemas.microsoft.com/office/drawing/2014/main" id="{2565C291-4449-7040-F797-629192AAC461}"/>
               </a:ext>
             </a:extLst>
           </p:cNvPr>
@@ -11195,8 +11201,8 @@
         </p:nvSpPr>
         <p:spPr>
           <a:xfrm>
-            <a:off x="335360" y="1008355"/>
-            <a:ext cx="11449272" cy="830997"/>
+            <a:off x="119336" y="1124744"/>
+            <a:ext cx="11809312" cy="5078313"/>
           </a:xfrm>
           <a:prstGeom prst="rect">
             <a:avLst/>
@@ -11209,22 +11215,188 @@
           </a:bodyPr>
           <a:lstStyle/>
           <a:p>
-            <a:pPr algn="just"/>
-            <a:r>
-              <a:rPr lang="en-US" sz="2400" b="0" i="0" dirty="0">
-                <a:effectLst/>
-                <a:latin typeface="Arial" panose="020B0604020202020204" pitchFamily="34" charset="0"/>
-                <a:cs typeface="Arial" panose="020B0604020202020204" pitchFamily="34" charset="0"/>
-              </a:rPr>
-              <a:t>Value is an essential characteristic of big data. It is not the data that we process or store. It is valuable and reliable data that we store, process, and also analyze.</a:t>
-            </a:r>
+            <a:pPr marL="285750" indent="-285750">
+              <a:buFont typeface="Arial" panose="020B0604020202020204" pitchFamily="34" charset="0"/>
+              <a:buChar char="•"/>
+            </a:pPr>
+            <a:r>
+              <a:rPr lang="en-IN" b="1" dirty="0">
+                <a:latin typeface="Arial" panose="020B0604020202020204" pitchFamily="34" charset="0"/>
+                <a:cs typeface="Arial" panose="020B0604020202020204" pitchFamily="34" charset="0"/>
+              </a:rPr>
+              <a:t>MIS Reporting Executive</a:t>
+            </a:r>
+            <a:r>
+              <a:rPr lang="en-IN" dirty="0">
+                <a:latin typeface="Arial" panose="020B0604020202020204" pitchFamily="34" charset="0"/>
+                <a:cs typeface="Arial" panose="020B0604020202020204" pitchFamily="34" charset="0"/>
+              </a:rPr>
+              <a:t>: Business managers rely on Management Information System reports to automatically track progress, make decisions, and identify problems.</a:t>
+            </a:r>
+          </a:p>
+          <a:p>
+            <a:pPr marL="285750" indent="-285750">
+              <a:buFont typeface="Arial" panose="020B0604020202020204" pitchFamily="34" charset="0"/>
+              <a:buChar char="•"/>
+            </a:pPr>
+            <a:endParaRPr lang="en-IN" dirty="0">
+              <a:latin typeface="Arial" panose="020B0604020202020204" pitchFamily="34" charset="0"/>
+              <a:cs typeface="Arial" panose="020B0604020202020204" pitchFamily="34" charset="0"/>
+            </a:endParaRPr>
+          </a:p>
+          <a:p>
+            <a:pPr marL="285750" indent="-285750">
+              <a:buFont typeface="Arial" panose="020B0604020202020204" pitchFamily="34" charset="0"/>
+              <a:buChar char="•"/>
+            </a:pPr>
+            <a:r>
+              <a:rPr lang="en-US" b="1" dirty="0">
+                <a:latin typeface="Arial" panose="020B0604020202020204" pitchFamily="34" charset="0"/>
+                <a:cs typeface="Arial" panose="020B0604020202020204" pitchFamily="34" charset="0"/>
+              </a:rPr>
+              <a:t>Business Analyst</a:t>
+            </a:r>
+            <a:r>
+              <a:rPr lang="en-US" dirty="0">
+                <a:latin typeface="Arial" panose="020B0604020202020204" pitchFamily="34" charset="0"/>
+                <a:cs typeface="Arial" panose="020B0604020202020204" pitchFamily="34" charset="0"/>
+              </a:rPr>
+              <a:t>:  Although many of their job tasks are similar to that of data analysts, business analysts are experts in the domain they work in. They try to narrow the gap between business and IT.</a:t>
+            </a:r>
+          </a:p>
+          <a:p>
+            <a:pPr marL="285750" indent="-285750">
+              <a:buFont typeface="Arial" panose="020B0604020202020204" pitchFamily="34" charset="0"/>
+              <a:buChar char="•"/>
+            </a:pPr>
+            <a:endParaRPr lang="en-US" dirty="0">
+              <a:latin typeface="Arial" panose="020B0604020202020204" pitchFamily="34" charset="0"/>
+              <a:cs typeface="Arial" panose="020B0604020202020204" pitchFamily="34" charset="0"/>
+            </a:endParaRPr>
+          </a:p>
+          <a:p>
+            <a:pPr marL="285750" indent="-285750">
+              <a:buFont typeface="Arial" panose="020B0604020202020204" pitchFamily="34" charset="0"/>
+              <a:buChar char="•"/>
+            </a:pPr>
+            <a:r>
+              <a:rPr lang="en-US" b="1" dirty="0">
+                <a:latin typeface="Arial" panose="020B0604020202020204" pitchFamily="34" charset="0"/>
+                <a:cs typeface="Arial" panose="020B0604020202020204" pitchFamily="34" charset="0"/>
+              </a:rPr>
+              <a:t>Data Analyst</a:t>
+            </a:r>
+            <a:r>
+              <a:rPr lang="en-US" dirty="0">
+                <a:latin typeface="Arial" panose="020B0604020202020204" pitchFamily="34" charset="0"/>
+                <a:cs typeface="Arial" panose="020B0604020202020204" pitchFamily="34" charset="0"/>
+              </a:rPr>
+              <a:t>: </a:t>
+            </a:r>
+            <a:r>
+              <a:rPr lang="en-US" b="0" i="0" dirty="0">
+                <a:solidFill>
+                  <a:srgbClr val="202124"/>
+                </a:solidFill>
+                <a:effectLst/>
+                <a:latin typeface="Arial" panose="020B0604020202020204" pitchFamily="34" charset="0"/>
+                <a:cs typeface="Arial" panose="020B0604020202020204" pitchFamily="34" charset="0"/>
+              </a:rPr>
+              <a:t>A Data Analyst's responsibilities include the </a:t>
+            </a:r>
+            <a:r>
+              <a:rPr lang="en-US" b="0" i="0" dirty="0">
+                <a:solidFill>
+                  <a:srgbClr val="040C28"/>
+                </a:solidFill>
+                <a:effectLst/>
+                <a:latin typeface="Arial" panose="020B0604020202020204" pitchFamily="34" charset="0"/>
+                <a:cs typeface="Arial" panose="020B0604020202020204" pitchFamily="34" charset="0"/>
+              </a:rPr>
+              <a:t>deep analysis of data and then determining the best way to represent it visually to managers and stakeholders</a:t>
+            </a:r>
+            <a:r>
+              <a:rPr lang="en-US" b="0" i="0" dirty="0">
+                <a:solidFill>
+                  <a:srgbClr val="202124"/>
+                </a:solidFill>
+                <a:effectLst/>
+                <a:latin typeface="Arial" panose="020B0604020202020204" pitchFamily="34" charset="0"/>
+                <a:cs typeface="Arial" panose="020B0604020202020204" pitchFamily="34" charset="0"/>
+              </a:rPr>
+              <a:t>. They also ensure quality assurance and process documentation and define Key Performance Indicators</a:t>
+            </a:r>
+          </a:p>
+          <a:p>
+            <a:pPr marL="285750" indent="-285750">
+              <a:buFont typeface="Arial" panose="020B0604020202020204" pitchFamily="34" charset="0"/>
+              <a:buChar char="•"/>
+            </a:pPr>
+            <a:endParaRPr lang="en-US" dirty="0">
+              <a:latin typeface="Arial" panose="020B0604020202020204" pitchFamily="34" charset="0"/>
+              <a:cs typeface="Arial" panose="020B0604020202020204" pitchFamily="34" charset="0"/>
+            </a:endParaRPr>
+          </a:p>
+          <a:p>
+            <a:pPr marL="285750" indent="-285750">
+              <a:buFont typeface="Arial" panose="020B0604020202020204" pitchFamily="34" charset="0"/>
+              <a:buChar char="•"/>
+            </a:pPr>
+            <a:r>
+              <a:rPr lang="en-US" b="1" dirty="0">
+                <a:latin typeface="Arial" panose="020B0604020202020204" pitchFamily="34" charset="0"/>
+                <a:cs typeface="Arial" panose="020B0604020202020204" pitchFamily="34" charset="0"/>
+              </a:rPr>
+              <a:t>Statistician</a:t>
+            </a:r>
+            <a:r>
+              <a:rPr lang="en-US" dirty="0">
+                <a:latin typeface="Arial" panose="020B0604020202020204" pitchFamily="34" charset="0"/>
+                <a:cs typeface="Arial" panose="020B0604020202020204" pitchFamily="34" charset="0"/>
+              </a:rPr>
+              <a:t>: Statisticians collect, organize, present, analyze, and interpret data to reach valid conclusions and make correct decisions. They are key players in ensuring the success of companies involved in market research, transportation, product development, finance, forensics, sport, quality control, environment, education, and also in governmental agencies.</a:t>
+            </a:r>
+          </a:p>
+          <a:p>
+            <a:pPr marL="285750" indent="-285750">
+              <a:buFont typeface="Arial" panose="020B0604020202020204" pitchFamily="34" charset="0"/>
+              <a:buChar char="•"/>
+            </a:pPr>
+            <a:endParaRPr lang="en-US" dirty="0">
+              <a:latin typeface="Arial" panose="020B0604020202020204" pitchFamily="34" charset="0"/>
+              <a:cs typeface="Arial" panose="020B0604020202020204" pitchFamily="34" charset="0"/>
+            </a:endParaRPr>
+          </a:p>
+          <a:p>
+            <a:pPr marL="285750" indent="-285750">
+              <a:buFont typeface="Arial" panose="020B0604020202020204" pitchFamily="34" charset="0"/>
+              <a:buChar char="•"/>
+            </a:pPr>
+            <a:r>
+              <a:rPr lang="en-US" b="1" dirty="0">
+                <a:latin typeface="Arial" panose="020B0604020202020204" pitchFamily="34" charset="0"/>
+                <a:cs typeface="Arial" panose="020B0604020202020204" pitchFamily="34" charset="0"/>
+              </a:rPr>
+              <a:t>Data Scientist</a:t>
+            </a:r>
+            <a:r>
+              <a:rPr lang="en-US" dirty="0">
+                <a:latin typeface="Arial" panose="020B0604020202020204" pitchFamily="34" charset="0"/>
+                <a:cs typeface="Arial" panose="020B0604020202020204" pitchFamily="34" charset="0"/>
+              </a:rPr>
+              <a:t>: A Data Scientist is a professional who collects large amounts of data using analytical, statistical, and programmable skills. It is their responsibility to use data to develop solutions tailored to meet the organization's unique needs.</a:t>
+            </a:r>
+            <a:endParaRPr lang="en-IN" dirty="0">
+              <a:latin typeface="Arial" panose="020B0604020202020204" pitchFamily="34" charset="0"/>
+              <a:cs typeface="Arial" panose="020B0604020202020204" pitchFamily="34" charset="0"/>
+            </a:endParaRPr>
           </a:p>
         </p:txBody>
       </p:sp>
     </p:spTree>
     <p:extLst>
       <p:ext uri="{BB962C8B-B14F-4D97-AF65-F5344CB8AC3E}">
-        <p14:creationId xmlns:p14="http://schemas.microsoft.com/office/powerpoint/2010/main" val="1804314253"/>
+        <p14:creationId xmlns:p14="http://schemas.microsoft.com/office/powerpoint/2010/main" val="3264250979"/>
       </p:ext>
     </p:extLst>
   </p:cSld>
@@ -11235,6 +11407,198 @@
 </file>
 
 <file path=ppt/slides/slide35.xml><?xml version="1.0" encoding="utf-8"?>
+<p:sld xmlns:a="http://schemas.openxmlformats.org/drawingml/2006/main" xmlns:r="http://schemas.openxmlformats.org/officeDocument/2006/relationships" xmlns:p="http://schemas.openxmlformats.org/presentationml/2006/main">
+  <p:cSld>
+    <p:spTree>
+      <p:nvGrpSpPr>
+        <p:cNvPr id="1" name=""/>
+        <p:cNvGrpSpPr/>
+        <p:nvPr/>
+      </p:nvGrpSpPr>
+      <p:grpSpPr>
+        <a:xfrm>
+          <a:off x="0" y="0"/>
+          <a:ext cx="0" cy="0"/>
+          <a:chOff x="0" y="0"/>
+          <a:chExt cx="0" cy="0"/>
+        </a:xfrm>
+      </p:grpSpPr>
+      <p:sp>
+        <p:nvSpPr>
+          <p:cNvPr id="4" name="Rectangle 3">
+            <a:extLst>
+              <a:ext uri="{FF2B5EF4-FFF2-40B4-BE49-F238E27FC236}">
+                <a16:creationId xmlns:a16="http://schemas.microsoft.com/office/drawing/2014/main" id="{6524962B-7610-4EFD-AA5E-DDE403AB8860}"/>
+              </a:ext>
+            </a:extLst>
+          </p:cNvPr>
+          <p:cNvSpPr/>
+          <p:nvPr/>
+        </p:nvSpPr>
+        <p:spPr>
+          <a:xfrm>
+            <a:off x="1524000" y="1"/>
+            <a:ext cx="9144000" cy="584775"/>
+          </a:xfrm>
+          <a:prstGeom prst="rect">
+            <a:avLst/>
+          </a:prstGeom>
+          <a:noFill/>
+        </p:spPr>
+        <p:txBody>
+          <a:bodyPr wrap="square">
+            <a:spAutoFit/>
+          </a:bodyPr>
+          <a:lstStyle/>
+          <a:p>
+            <a:pPr algn="r"/>
+            <a:r>
+              <a:rPr lang="en-US" sz="3200" i="1" dirty="0">
+                <a:solidFill>
+                  <a:srgbClr val="FF9900"/>
+                </a:solidFill>
+                <a:latin typeface="Arial" pitchFamily="34" charset="0"/>
+                <a:cs typeface="Arial" pitchFamily="34" charset="0"/>
+              </a:rPr>
+              <a:t>List of Job Roles in Data Science / Big Data</a:t>
+            </a:r>
+            <a:endParaRPr lang="en-IN" sz="3200" i="1" dirty="0">
+              <a:solidFill>
+                <a:srgbClr val="FF9900"/>
+              </a:solidFill>
+              <a:latin typeface="Arial" pitchFamily="34" charset="0"/>
+              <a:cs typeface="Arial" pitchFamily="34" charset="0"/>
+            </a:endParaRPr>
+          </a:p>
+        </p:txBody>
+      </p:sp>
+      <p:sp>
+        <p:nvSpPr>
+          <p:cNvPr id="3" name="TextBox 2">
+            <a:extLst>
+              <a:ext uri="{FF2B5EF4-FFF2-40B4-BE49-F238E27FC236}">
+                <a16:creationId xmlns:a16="http://schemas.microsoft.com/office/drawing/2014/main" id="{2565C291-4449-7040-F797-629192AAC461}"/>
+              </a:ext>
+            </a:extLst>
+          </p:cNvPr>
+          <p:cNvSpPr txBox="1"/>
+          <p:nvPr/>
+        </p:nvSpPr>
+        <p:spPr>
+          <a:xfrm>
+            <a:off x="119336" y="1124744"/>
+            <a:ext cx="11809312" cy="2862322"/>
+          </a:xfrm>
+          <a:prstGeom prst="rect">
+            <a:avLst/>
+          </a:prstGeom>
+          <a:noFill/>
+        </p:spPr>
+        <p:txBody>
+          <a:bodyPr wrap="square">
+            <a:spAutoFit/>
+          </a:bodyPr>
+          <a:lstStyle/>
+          <a:p>
+            <a:pPr marL="285750" indent="-285750">
+              <a:buFont typeface="Arial" panose="020B0604020202020204" pitchFamily="34" charset="0"/>
+              <a:buChar char="•"/>
+            </a:pPr>
+            <a:r>
+              <a:rPr lang="en-US" b="1" dirty="0">
+                <a:latin typeface="Arial" panose="020B0604020202020204" pitchFamily="34" charset="0"/>
+                <a:cs typeface="Arial" panose="020B0604020202020204" pitchFamily="34" charset="0"/>
+              </a:rPr>
+              <a:t>Data Engineer/Data Architect: </a:t>
+            </a:r>
+            <a:r>
+              <a:rPr lang="en-US" dirty="0">
+                <a:latin typeface="Arial" panose="020B0604020202020204" pitchFamily="34" charset="0"/>
+                <a:cs typeface="Arial" panose="020B0604020202020204" pitchFamily="34" charset="0"/>
+              </a:rPr>
+              <a:t>“Data engineers are the designers, builders and managers of the information or “big data” infrastructure.” Data engineers ensure that an organization’s big data ecosystem is running without glitches for data scientists to carry out the analysis.</a:t>
+            </a:r>
+          </a:p>
+          <a:p>
+            <a:pPr marL="285750" indent="-285750">
+              <a:buFont typeface="Arial" panose="020B0604020202020204" pitchFamily="34" charset="0"/>
+              <a:buChar char="•"/>
+            </a:pPr>
+            <a:endParaRPr lang="en-US" dirty="0">
+              <a:latin typeface="Arial" panose="020B0604020202020204" pitchFamily="34" charset="0"/>
+              <a:cs typeface="Arial" panose="020B0604020202020204" pitchFamily="34" charset="0"/>
+            </a:endParaRPr>
+          </a:p>
+          <a:p>
+            <a:pPr marL="285750" indent="-285750">
+              <a:buFont typeface="Arial" panose="020B0604020202020204" pitchFamily="34" charset="0"/>
+              <a:buChar char="•"/>
+            </a:pPr>
+            <a:r>
+              <a:rPr lang="en-US" b="1" dirty="0">
+                <a:latin typeface="Arial" panose="020B0604020202020204" pitchFamily="34" charset="0"/>
+                <a:cs typeface="Arial" panose="020B0604020202020204" pitchFamily="34" charset="0"/>
+              </a:rPr>
+              <a:t>Machine Learning Engineer</a:t>
+            </a:r>
+            <a:r>
+              <a:rPr lang="en-US" dirty="0">
+                <a:latin typeface="Arial" panose="020B0604020202020204" pitchFamily="34" charset="0"/>
+                <a:cs typeface="Arial" panose="020B0604020202020204" pitchFamily="34" charset="0"/>
+              </a:rPr>
+              <a:t>: A Machine Learning Engineer is responsible for designing and developing machine learning systems, implementing appropriate ML algorithms, and conducting experiments. They possess strong programming skills, knowledge of data science, and expertise in statistics.</a:t>
+            </a:r>
+          </a:p>
+          <a:p>
+            <a:pPr marL="285750" indent="-285750">
+              <a:buFont typeface="Arial" panose="020B0604020202020204" pitchFamily="34" charset="0"/>
+              <a:buChar char="•"/>
+            </a:pPr>
+            <a:endParaRPr lang="en-US" dirty="0">
+              <a:latin typeface="Arial" panose="020B0604020202020204" pitchFamily="34" charset="0"/>
+              <a:cs typeface="Arial" panose="020B0604020202020204" pitchFamily="34" charset="0"/>
+            </a:endParaRPr>
+          </a:p>
+          <a:p>
+            <a:pPr marL="285750" indent="-285750">
+              <a:buFont typeface="Arial" panose="020B0604020202020204" pitchFamily="34" charset="0"/>
+              <a:buChar char="•"/>
+            </a:pPr>
+            <a:r>
+              <a:rPr lang="en-US" b="1" dirty="0">
+                <a:latin typeface="Arial" panose="020B0604020202020204" pitchFamily="34" charset="0"/>
+                <a:cs typeface="Arial" panose="020B0604020202020204" pitchFamily="34" charset="0"/>
+              </a:rPr>
+              <a:t>Big Data Engineer</a:t>
+            </a:r>
+            <a:r>
+              <a:rPr lang="en-US" dirty="0">
+                <a:latin typeface="Arial" panose="020B0604020202020204" pitchFamily="34" charset="0"/>
+                <a:cs typeface="Arial" panose="020B0604020202020204" pitchFamily="34" charset="0"/>
+              </a:rPr>
+              <a:t>: The big data engineer's role is to Design, construct and maintain large-scale data processing systems.</a:t>
+            </a:r>
+            <a:endParaRPr lang="en-IN" dirty="0">
+              <a:latin typeface="Arial" panose="020B0604020202020204" pitchFamily="34" charset="0"/>
+              <a:cs typeface="Arial" panose="020B0604020202020204" pitchFamily="34" charset="0"/>
+            </a:endParaRPr>
+          </a:p>
+        </p:txBody>
+      </p:sp>
+    </p:spTree>
+    <p:extLst>
+      <p:ext uri="{BB962C8B-B14F-4D97-AF65-F5344CB8AC3E}">
+        <p14:creationId xmlns:p14="http://schemas.microsoft.com/office/powerpoint/2010/main" val="2577086294"/>
+      </p:ext>
+    </p:extLst>
+  </p:cSld>
+  <p:clrMapOvr>
+    <a:masterClrMapping/>
+  </p:clrMapOvr>
+</p:sld>
+</file>
+
+<file path=ppt/slides/slide36.xml><?xml version="1.0" encoding="utf-8"?>
 <p:sld xmlns:a="http://schemas.openxmlformats.org/drawingml/2006/main" xmlns:r="http://schemas.openxmlformats.org/officeDocument/2006/relationships" xmlns:p="http://schemas.openxmlformats.org/presentationml/2006/main">
   <p:cSld>
     <p:spTree>
@@ -11295,562 +11659,6 @@
                 <a:latin typeface="Segoe UI Light" panose="020B0502040204020203" pitchFamily="34" charset="0"/>
                 <a:cs typeface="Segoe UI Light" panose="020B0502040204020203" pitchFamily="34" charset="0"/>
               </a:rPr>
-              <a:t>Jobs in Big Data</a:t>
-            </a:r>
-          </a:p>
-        </p:txBody>
-      </p:sp>
-    </p:spTree>
-    <p:extLst>
-      <p:ext uri="{BB962C8B-B14F-4D97-AF65-F5344CB8AC3E}">
-        <p14:creationId xmlns:p14="http://schemas.microsoft.com/office/powerpoint/2010/main" val="3468983804"/>
-      </p:ext>
-    </p:extLst>
-  </p:cSld>
-  <p:clrMapOvr>
-    <a:masterClrMapping/>
-  </p:clrMapOvr>
-</p:sld>
-</file>
-
-<file path=ppt/slides/slide36.xml><?xml version="1.0" encoding="utf-8"?>
-<p:sld xmlns:a="http://schemas.openxmlformats.org/drawingml/2006/main" xmlns:r="http://schemas.openxmlformats.org/officeDocument/2006/relationships" xmlns:p="http://schemas.openxmlformats.org/presentationml/2006/main">
-  <p:cSld>
-    <p:spTree>
-      <p:nvGrpSpPr>
-        <p:cNvPr id="1" name=""/>
-        <p:cNvGrpSpPr/>
-        <p:nvPr/>
-      </p:nvGrpSpPr>
-      <p:grpSpPr>
-        <a:xfrm>
-          <a:off x="0" y="0"/>
-          <a:ext cx="0" cy="0"/>
-          <a:chOff x="0" y="0"/>
-          <a:chExt cx="0" cy="0"/>
-        </a:xfrm>
-      </p:grpSpPr>
-      <p:sp>
-        <p:nvSpPr>
-          <p:cNvPr id="4" name="Rectangle 3">
-            <a:extLst>
-              <a:ext uri="{FF2B5EF4-FFF2-40B4-BE49-F238E27FC236}">
-                <a16:creationId xmlns:a16="http://schemas.microsoft.com/office/drawing/2014/main" id="{6524962B-7610-4EFD-AA5E-DDE403AB8860}"/>
-              </a:ext>
-            </a:extLst>
-          </p:cNvPr>
-          <p:cNvSpPr/>
-          <p:nvPr/>
-        </p:nvSpPr>
-        <p:spPr>
-          <a:xfrm>
-            <a:off x="1524000" y="1"/>
-            <a:ext cx="9144000" cy="584775"/>
-          </a:xfrm>
-          <a:prstGeom prst="rect">
-            <a:avLst/>
-          </a:prstGeom>
-          <a:noFill/>
-        </p:spPr>
-        <p:txBody>
-          <a:bodyPr wrap="square">
-            <a:spAutoFit/>
-          </a:bodyPr>
-          <a:lstStyle/>
-          <a:p>
-            <a:pPr algn="r"/>
-            <a:r>
-              <a:rPr lang="en-US" sz="3200" i="1" dirty="0">
-                <a:solidFill>
-                  <a:srgbClr val="FF9900"/>
-                </a:solidFill>
-                <a:latin typeface="Arial" pitchFamily="34" charset="0"/>
-                <a:cs typeface="Arial" pitchFamily="34" charset="0"/>
-              </a:rPr>
-              <a:t>List of Job Roles in Data Science / Big Data</a:t>
-            </a:r>
-            <a:endParaRPr lang="en-IN" sz="3200" i="1" dirty="0">
-              <a:solidFill>
-                <a:srgbClr val="FF9900"/>
-              </a:solidFill>
-              <a:latin typeface="Arial" pitchFamily="34" charset="0"/>
-              <a:cs typeface="Arial" pitchFamily="34" charset="0"/>
-            </a:endParaRPr>
-          </a:p>
-        </p:txBody>
-      </p:sp>
-      <p:sp>
-        <p:nvSpPr>
-          <p:cNvPr id="3" name="TextBox 2">
-            <a:extLst>
-              <a:ext uri="{FF2B5EF4-FFF2-40B4-BE49-F238E27FC236}">
-                <a16:creationId xmlns:a16="http://schemas.microsoft.com/office/drawing/2014/main" id="{2565C291-4449-7040-F797-629192AAC461}"/>
-              </a:ext>
-            </a:extLst>
-          </p:cNvPr>
-          <p:cNvSpPr txBox="1"/>
-          <p:nvPr/>
-        </p:nvSpPr>
-        <p:spPr>
-          <a:xfrm>
-            <a:off x="119336" y="1124744"/>
-            <a:ext cx="11809312" cy="5078313"/>
-          </a:xfrm>
-          <a:prstGeom prst="rect">
-            <a:avLst/>
-          </a:prstGeom>
-          <a:noFill/>
-        </p:spPr>
-        <p:txBody>
-          <a:bodyPr wrap="square">
-            <a:spAutoFit/>
-          </a:bodyPr>
-          <a:lstStyle/>
-          <a:p>
-            <a:pPr marL="285750" indent="-285750">
-              <a:buFont typeface="Arial" panose="020B0604020202020204" pitchFamily="34" charset="0"/>
-              <a:buChar char="•"/>
-            </a:pPr>
-            <a:r>
-              <a:rPr lang="en-IN" b="1" dirty="0">
-                <a:latin typeface="Arial" panose="020B0604020202020204" pitchFamily="34" charset="0"/>
-                <a:cs typeface="Arial" panose="020B0604020202020204" pitchFamily="34" charset="0"/>
-              </a:rPr>
-              <a:t>MIS Reporting Executive</a:t>
-            </a:r>
-            <a:r>
-              <a:rPr lang="en-IN" dirty="0">
-                <a:latin typeface="Arial" panose="020B0604020202020204" pitchFamily="34" charset="0"/>
-                <a:cs typeface="Arial" panose="020B0604020202020204" pitchFamily="34" charset="0"/>
-              </a:rPr>
-              <a:t>: Business managers rely on Management Information System reports to automatically track progress, make decisions, and identify problems.</a:t>
-            </a:r>
-          </a:p>
-          <a:p>
-            <a:pPr marL="285750" indent="-285750">
-              <a:buFont typeface="Arial" panose="020B0604020202020204" pitchFamily="34" charset="0"/>
-              <a:buChar char="•"/>
-            </a:pPr>
-            <a:endParaRPr lang="en-IN" dirty="0">
-              <a:latin typeface="Arial" panose="020B0604020202020204" pitchFamily="34" charset="0"/>
-              <a:cs typeface="Arial" panose="020B0604020202020204" pitchFamily="34" charset="0"/>
-            </a:endParaRPr>
-          </a:p>
-          <a:p>
-            <a:pPr marL="285750" indent="-285750">
-              <a:buFont typeface="Arial" panose="020B0604020202020204" pitchFamily="34" charset="0"/>
-              <a:buChar char="•"/>
-            </a:pPr>
-            <a:r>
-              <a:rPr lang="en-US" b="1" dirty="0">
-                <a:latin typeface="Arial" panose="020B0604020202020204" pitchFamily="34" charset="0"/>
-                <a:cs typeface="Arial" panose="020B0604020202020204" pitchFamily="34" charset="0"/>
-              </a:rPr>
-              <a:t>Business Analyst</a:t>
-            </a:r>
-            <a:r>
-              <a:rPr lang="en-US" dirty="0">
-                <a:latin typeface="Arial" panose="020B0604020202020204" pitchFamily="34" charset="0"/>
-                <a:cs typeface="Arial" panose="020B0604020202020204" pitchFamily="34" charset="0"/>
-              </a:rPr>
-              <a:t>:  Although many of their job tasks are similar to that of data analysts, business analysts are experts in the domain they work in. They try to narrow the gap between business and IT.</a:t>
-            </a:r>
-          </a:p>
-          <a:p>
-            <a:pPr marL="285750" indent="-285750">
-              <a:buFont typeface="Arial" panose="020B0604020202020204" pitchFamily="34" charset="0"/>
-              <a:buChar char="•"/>
-            </a:pPr>
-            <a:endParaRPr lang="en-US" dirty="0">
-              <a:latin typeface="Arial" panose="020B0604020202020204" pitchFamily="34" charset="0"/>
-              <a:cs typeface="Arial" panose="020B0604020202020204" pitchFamily="34" charset="0"/>
-            </a:endParaRPr>
-          </a:p>
-          <a:p>
-            <a:pPr marL="285750" indent="-285750">
-              <a:buFont typeface="Arial" panose="020B0604020202020204" pitchFamily="34" charset="0"/>
-              <a:buChar char="•"/>
-            </a:pPr>
-            <a:r>
-              <a:rPr lang="en-US" b="1" dirty="0">
-                <a:latin typeface="Arial" panose="020B0604020202020204" pitchFamily="34" charset="0"/>
-                <a:cs typeface="Arial" panose="020B0604020202020204" pitchFamily="34" charset="0"/>
-              </a:rPr>
-              <a:t>Data Analyst</a:t>
-            </a:r>
-            <a:r>
-              <a:rPr lang="en-US" dirty="0">
-                <a:latin typeface="Arial" panose="020B0604020202020204" pitchFamily="34" charset="0"/>
-                <a:cs typeface="Arial" panose="020B0604020202020204" pitchFamily="34" charset="0"/>
-              </a:rPr>
-              <a:t>: </a:t>
-            </a:r>
-            <a:r>
-              <a:rPr lang="en-US" b="0" i="0" dirty="0">
-                <a:solidFill>
-                  <a:srgbClr val="202124"/>
-                </a:solidFill>
-                <a:effectLst/>
-                <a:latin typeface="Arial" panose="020B0604020202020204" pitchFamily="34" charset="0"/>
-                <a:cs typeface="Arial" panose="020B0604020202020204" pitchFamily="34" charset="0"/>
-              </a:rPr>
-              <a:t>A Data Analyst's responsibilities include the </a:t>
-            </a:r>
-            <a:r>
-              <a:rPr lang="en-US" b="0" i="0" dirty="0">
-                <a:solidFill>
-                  <a:srgbClr val="040C28"/>
-                </a:solidFill>
-                <a:effectLst/>
-                <a:latin typeface="Arial" panose="020B0604020202020204" pitchFamily="34" charset="0"/>
-                <a:cs typeface="Arial" panose="020B0604020202020204" pitchFamily="34" charset="0"/>
-              </a:rPr>
-              <a:t>deep analysis of data and then determining the best way to represent it visually to managers and stakeholders</a:t>
-            </a:r>
-            <a:r>
-              <a:rPr lang="en-US" b="0" i="0" dirty="0">
-                <a:solidFill>
-                  <a:srgbClr val="202124"/>
-                </a:solidFill>
-                <a:effectLst/>
-                <a:latin typeface="Arial" panose="020B0604020202020204" pitchFamily="34" charset="0"/>
-                <a:cs typeface="Arial" panose="020B0604020202020204" pitchFamily="34" charset="0"/>
-              </a:rPr>
-              <a:t>. They also ensure quality assurance and process documentation and define Key Performance Indicators</a:t>
-            </a:r>
-          </a:p>
-          <a:p>
-            <a:pPr marL="285750" indent="-285750">
-              <a:buFont typeface="Arial" panose="020B0604020202020204" pitchFamily="34" charset="0"/>
-              <a:buChar char="•"/>
-            </a:pPr>
-            <a:endParaRPr lang="en-US" dirty="0">
-              <a:latin typeface="Arial" panose="020B0604020202020204" pitchFamily="34" charset="0"/>
-              <a:cs typeface="Arial" panose="020B0604020202020204" pitchFamily="34" charset="0"/>
-            </a:endParaRPr>
-          </a:p>
-          <a:p>
-            <a:pPr marL="285750" indent="-285750">
-              <a:buFont typeface="Arial" panose="020B0604020202020204" pitchFamily="34" charset="0"/>
-              <a:buChar char="•"/>
-            </a:pPr>
-            <a:r>
-              <a:rPr lang="en-US" b="1" dirty="0">
-                <a:latin typeface="Arial" panose="020B0604020202020204" pitchFamily="34" charset="0"/>
-                <a:cs typeface="Arial" panose="020B0604020202020204" pitchFamily="34" charset="0"/>
-              </a:rPr>
-              <a:t>Statistician</a:t>
-            </a:r>
-            <a:r>
-              <a:rPr lang="en-US" dirty="0">
-                <a:latin typeface="Arial" panose="020B0604020202020204" pitchFamily="34" charset="0"/>
-                <a:cs typeface="Arial" panose="020B0604020202020204" pitchFamily="34" charset="0"/>
-              </a:rPr>
-              <a:t>: Statisticians collect, organize, present, analyze, and interpret data to reach valid conclusions and make correct decisions. They are key players in ensuring the success of companies involved in market research, transportation, product development, finance, forensics, sport, quality control, environment, education, and also in governmental agencies.</a:t>
-            </a:r>
-          </a:p>
-          <a:p>
-            <a:pPr marL="285750" indent="-285750">
-              <a:buFont typeface="Arial" panose="020B0604020202020204" pitchFamily="34" charset="0"/>
-              <a:buChar char="•"/>
-            </a:pPr>
-            <a:endParaRPr lang="en-US" dirty="0">
-              <a:latin typeface="Arial" panose="020B0604020202020204" pitchFamily="34" charset="0"/>
-              <a:cs typeface="Arial" panose="020B0604020202020204" pitchFamily="34" charset="0"/>
-            </a:endParaRPr>
-          </a:p>
-          <a:p>
-            <a:pPr marL="285750" indent="-285750">
-              <a:buFont typeface="Arial" panose="020B0604020202020204" pitchFamily="34" charset="0"/>
-              <a:buChar char="•"/>
-            </a:pPr>
-            <a:r>
-              <a:rPr lang="en-US" b="1" dirty="0">
-                <a:latin typeface="Arial" panose="020B0604020202020204" pitchFamily="34" charset="0"/>
-                <a:cs typeface="Arial" panose="020B0604020202020204" pitchFamily="34" charset="0"/>
-              </a:rPr>
-              <a:t>Data Scientist</a:t>
-            </a:r>
-            <a:r>
-              <a:rPr lang="en-US" dirty="0">
-                <a:latin typeface="Arial" panose="020B0604020202020204" pitchFamily="34" charset="0"/>
-                <a:cs typeface="Arial" panose="020B0604020202020204" pitchFamily="34" charset="0"/>
-              </a:rPr>
-              <a:t>: A Data Scientist is a professional who collects large amounts of data using analytical, statistical, and programmable skills. It is their responsibility to use data to develop solutions tailored to meet the organization's unique needs.</a:t>
-            </a:r>
-            <a:endParaRPr lang="en-IN" dirty="0">
-              <a:latin typeface="Arial" panose="020B0604020202020204" pitchFamily="34" charset="0"/>
-              <a:cs typeface="Arial" panose="020B0604020202020204" pitchFamily="34" charset="0"/>
-            </a:endParaRPr>
-          </a:p>
-        </p:txBody>
-      </p:sp>
-    </p:spTree>
-    <p:extLst>
-      <p:ext uri="{BB962C8B-B14F-4D97-AF65-F5344CB8AC3E}">
-        <p14:creationId xmlns:p14="http://schemas.microsoft.com/office/powerpoint/2010/main" val="3264250979"/>
-      </p:ext>
-    </p:extLst>
-  </p:cSld>
-  <p:clrMapOvr>
-    <a:masterClrMapping/>
-  </p:clrMapOvr>
-</p:sld>
-</file>
-
-<file path=ppt/slides/slide37.xml><?xml version="1.0" encoding="utf-8"?>
-<p:sld xmlns:a="http://schemas.openxmlformats.org/drawingml/2006/main" xmlns:r="http://schemas.openxmlformats.org/officeDocument/2006/relationships" xmlns:p="http://schemas.openxmlformats.org/presentationml/2006/main">
-  <p:cSld>
-    <p:spTree>
-      <p:nvGrpSpPr>
-        <p:cNvPr id="1" name=""/>
-        <p:cNvGrpSpPr/>
-        <p:nvPr/>
-      </p:nvGrpSpPr>
-      <p:grpSpPr>
-        <a:xfrm>
-          <a:off x="0" y="0"/>
-          <a:ext cx="0" cy="0"/>
-          <a:chOff x="0" y="0"/>
-          <a:chExt cx="0" cy="0"/>
-        </a:xfrm>
-      </p:grpSpPr>
-      <p:sp>
-        <p:nvSpPr>
-          <p:cNvPr id="4" name="Rectangle 3">
-            <a:extLst>
-              <a:ext uri="{FF2B5EF4-FFF2-40B4-BE49-F238E27FC236}">
-                <a16:creationId xmlns:a16="http://schemas.microsoft.com/office/drawing/2014/main" id="{6524962B-7610-4EFD-AA5E-DDE403AB8860}"/>
-              </a:ext>
-            </a:extLst>
-          </p:cNvPr>
-          <p:cNvSpPr/>
-          <p:nvPr/>
-        </p:nvSpPr>
-        <p:spPr>
-          <a:xfrm>
-            <a:off x="1524000" y="1"/>
-            <a:ext cx="9144000" cy="584775"/>
-          </a:xfrm>
-          <a:prstGeom prst="rect">
-            <a:avLst/>
-          </a:prstGeom>
-          <a:noFill/>
-        </p:spPr>
-        <p:txBody>
-          <a:bodyPr wrap="square">
-            <a:spAutoFit/>
-          </a:bodyPr>
-          <a:lstStyle/>
-          <a:p>
-            <a:pPr algn="r"/>
-            <a:r>
-              <a:rPr lang="en-US" sz="3200" i="1" dirty="0">
-                <a:solidFill>
-                  <a:srgbClr val="FF9900"/>
-                </a:solidFill>
-                <a:latin typeface="Arial" pitchFamily="34" charset="0"/>
-                <a:cs typeface="Arial" pitchFamily="34" charset="0"/>
-              </a:rPr>
-              <a:t>List of Job Roles in Data Science / Big Data</a:t>
-            </a:r>
-            <a:endParaRPr lang="en-IN" sz="3200" i="1" dirty="0">
-              <a:solidFill>
-                <a:srgbClr val="FF9900"/>
-              </a:solidFill>
-              <a:latin typeface="Arial" pitchFamily="34" charset="0"/>
-              <a:cs typeface="Arial" pitchFamily="34" charset="0"/>
-            </a:endParaRPr>
-          </a:p>
-        </p:txBody>
-      </p:sp>
-      <p:sp>
-        <p:nvSpPr>
-          <p:cNvPr id="3" name="TextBox 2">
-            <a:extLst>
-              <a:ext uri="{FF2B5EF4-FFF2-40B4-BE49-F238E27FC236}">
-                <a16:creationId xmlns:a16="http://schemas.microsoft.com/office/drawing/2014/main" id="{2565C291-4449-7040-F797-629192AAC461}"/>
-              </a:ext>
-            </a:extLst>
-          </p:cNvPr>
-          <p:cNvSpPr txBox="1"/>
-          <p:nvPr/>
-        </p:nvSpPr>
-        <p:spPr>
-          <a:xfrm>
-            <a:off x="119336" y="1124744"/>
-            <a:ext cx="11809312" cy="2862322"/>
-          </a:xfrm>
-          <a:prstGeom prst="rect">
-            <a:avLst/>
-          </a:prstGeom>
-          <a:noFill/>
-        </p:spPr>
-        <p:txBody>
-          <a:bodyPr wrap="square">
-            <a:spAutoFit/>
-          </a:bodyPr>
-          <a:lstStyle/>
-          <a:p>
-            <a:pPr marL="285750" indent="-285750">
-              <a:buFont typeface="Arial" panose="020B0604020202020204" pitchFamily="34" charset="0"/>
-              <a:buChar char="•"/>
-            </a:pPr>
-            <a:r>
-              <a:rPr lang="en-US" b="1" dirty="0">
-                <a:latin typeface="Arial" panose="020B0604020202020204" pitchFamily="34" charset="0"/>
-                <a:cs typeface="Arial" panose="020B0604020202020204" pitchFamily="34" charset="0"/>
-              </a:rPr>
-              <a:t>Data Engineer/Data Architect: </a:t>
-            </a:r>
-            <a:r>
-              <a:rPr lang="en-US" dirty="0">
-                <a:latin typeface="Arial" panose="020B0604020202020204" pitchFamily="34" charset="0"/>
-                <a:cs typeface="Arial" panose="020B0604020202020204" pitchFamily="34" charset="0"/>
-              </a:rPr>
-              <a:t>“Data engineers are the designers, builders and managers of the information or “big data” infrastructure.” Data engineers ensure that an organization’s big data ecosystem is running without glitches for data scientists to carry out the analysis.</a:t>
-            </a:r>
-          </a:p>
-          <a:p>
-            <a:pPr marL="285750" indent="-285750">
-              <a:buFont typeface="Arial" panose="020B0604020202020204" pitchFamily="34" charset="0"/>
-              <a:buChar char="•"/>
-            </a:pPr>
-            <a:endParaRPr lang="en-US" dirty="0">
-              <a:latin typeface="Arial" panose="020B0604020202020204" pitchFamily="34" charset="0"/>
-              <a:cs typeface="Arial" panose="020B0604020202020204" pitchFamily="34" charset="0"/>
-            </a:endParaRPr>
-          </a:p>
-          <a:p>
-            <a:pPr marL="285750" indent="-285750">
-              <a:buFont typeface="Arial" panose="020B0604020202020204" pitchFamily="34" charset="0"/>
-              <a:buChar char="•"/>
-            </a:pPr>
-            <a:r>
-              <a:rPr lang="en-US" b="1" dirty="0">
-                <a:latin typeface="Arial" panose="020B0604020202020204" pitchFamily="34" charset="0"/>
-                <a:cs typeface="Arial" panose="020B0604020202020204" pitchFamily="34" charset="0"/>
-              </a:rPr>
-              <a:t>Machine Learning Engineer</a:t>
-            </a:r>
-            <a:r>
-              <a:rPr lang="en-US" dirty="0">
-                <a:latin typeface="Arial" panose="020B0604020202020204" pitchFamily="34" charset="0"/>
-                <a:cs typeface="Arial" panose="020B0604020202020204" pitchFamily="34" charset="0"/>
-              </a:rPr>
-              <a:t>: A Machine Learning Engineer is responsible for designing and developing machine learning systems, implementing appropriate ML algorithms, and conducting experiments. They possess strong programming skills, knowledge of data science, and expertise in statistics.</a:t>
-            </a:r>
-          </a:p>
-          <a:p>
-            <a:pPr marL="285750" indent="-285750">
-              <a:buFont typeface="Arial" panose="020B0604020202020204" pitchFamily="34" charset="0"/>
-              <a:buChar char="•"/>
-            </a:pPr>
-            <a:endParaRPr lang="en-US" dirty="0">
-              <a:latin typeface="Arial" panose="020B0604020202020204" pitchFamily="34" charset="0"/>
-              <a:cs typeface="Arial" panose="020B0604020202020204" pitchFamily="34" charset="0"/>
-            </a:endParaRPr>
-          </a:p>
-          <a:p>
-            <a:pPr marL="285750" indent="-285750">
-              <a:buFont typeface="Arial" panose="020B0604020202020204" pitchFamily="34" charset="0"/>
-              <a:buChar char="•"/>
-            </a:pPr>
-            <a:r>
-              <a:rPr lang="en-US" b="1" dirty="0">
-                <a:latin typeface="Arial" panose="020B0604020202020204" pitchFamily="34" charset="0"/>
-                <a:cs typeface="Arial" panose="020B0604020202020204" pitchFamily="34" charset="0"/>
-              </a:rPr>
-              <a:t>Big Data Engineer</a:t>
-            </a:r>
-            <a:r>
-              <a:rPr lang="en-US" dirty="0">
-                <a:latin typeface="Arial" panose="020B0604020202020204" pitchFamily="34" charset="0"/>
-                <a:cs typeface="Arial" panose="020B0604020202020204" pitchFamily="34" charset="0"/>
-              </a:rPr>
-              <a:t>: The big data engineer's role is to Design, construct and maintain large-scale data processing systems.</a:t>
-            </a:r>
-            <a:endParaRPr lang="en-IN" dirty="0">
-              <a:latin typeface="Arial" panose="020B0604020202020204" pitchFamily="34" charset="0"/>
-              <a:cs typeface="Arial" panose="020B0604020202020204" pitchFamily="34" charset="0"/>
-            </a:endParaRPr>
-          </a:p>
-        </p:txBody>
-      </p:sp>
-    </p:spTree>
-    <p:extLst>
-      <p:ext uri="{BB962C8B-B14F-4D97-AF65-F5344CB8AC3E}">
-        <p14:creationId xmlns:p14="http://schemas.microsoft.com/office/powerpoint/2010/main" val="2577086294"/>
-      </p:ext>
-    </p:extLst>
-  </p:cSld>
-  <p:clrMapOvr>
-    <a:masterClrMapping/>
-  </p:clrMapOvr>
-</p:sld>
-</file>
-
-<file path=ppt/slides/slide38.xml><?xml version="1.0" encoding="utf-8"?>
-<p:sld xmlns:a="http://schemas.openxmlformats.org/drawingml/2006/main" xmlns:r="http://schemas.openxmlformats.org/officeDocument/2006/relationships" xmlns:p="http://schemas.openxmlformats.org/presentationml/2006/main">
-  <p:cSld>
-    <p:spTree>
-      <p:nvGrpSpPr>
-        <p:cNvPr id="1" name=""/>
-        <p:cNvGrpSpPr/>
-        <p:nvPr/>
-      </p:nvGrpSpPr>
-      <p:grpSpPr>
-        <a:xfrm>
-          <a:off x="0" y="0"/>
-          <a:ext cx="0" cy="0"/>
-          <a:chOff x="0" y="0"/>
-          <a:chExt cx="0" cy="0"/>
-        </a:xfrm>
-      </p:grpSpPr>
-      <p:sp>
-        <p:nvSpPr>
-          <p:cNvPr id="2" name="Title 1"/>
-          <p:cNvSpPr txBox="1">
-            <a:spLocks/>
-          </p:cNvSpPr>
-          <p:nvPr/>
-        </p:nvSpPr>
-        <p:spPr>
-          <a:xfrm>
-            <a:off x="1676400" y="2057400"/>
-            <a:ext cx="8839200" cy="1676400"/>
-          </a:xfrm>
-          <a:prstGeom prst="rect">
-            <a:avLst/>
-          </a:prstGeom>
-        </p:spPr>
-        <p:txBody>
-          <a:bodyPr>
-            <a:noAutofit/>
-          </a:bodyPr>
-          <a:lstStyle>
-            <a:defPPr>
-              <a:defRPr lang="en-US"/>
-            </a:defPPr>
-            <a:lvl1pPr lvl="0" algn="ctr">
-              <a:spcBef>
-                <a:spcPct val="0"/>
-              </a:spcBef>
-              <a:defRPr sz="4800">
-                <a:latin typeface="Arial" pitchFamily="34" charset="0"/>
-                <a:cs typeface="Arial" pitchFamily="34" charset="0"/>
-              </a:defRPr>
-            </a:lvl1pPr>
-          </a:lstStyle>
-          <a:p>
-            <a:r>
-              <a:rPr lang="en-US" dirty="0">
-                <a:solidFill>
-                  <a:srgbClr val="DC525C"/>
-                </a:solidFill>
-                <a:latin typeface="Segoe UI Light" panose="020B0502040204020203" pitchFamily="34" charset="0"/>
-                <a:cs typeface="Segoe UI Light" panose="020B0502040204020203" pitchFamily="34" charset="0"/>
-              </a:rPr>
               <a:t>Big Data Frameworks</a:t>
             </a:r>
           </a:p>
@@ -11869,7 +11677,7 @@
 </p:sld>
 </file>
 
-<file path=ppt/slides/slide39.xml><?xml version="1.0" encoding="utf-8"?>
+<file path=ppt/slides/slide37.xml><?xml version="1.0" encoding="utf-8"?>
 <p:sld xmlns:a="http://schemas.openxmlformats.org/drawingml/2006/main" xmlns:r="http://schemas.openxmlformats.org/officeDocument/2006/relationships" xmlns:p="http://schemas.openxmlformats.org/presentationml/2006/main">
   <p:cSld>
     <p:spTree>
@@ -12314,446 +12122,7 @@
 </p:sld>
 </file>
 
-<file path=ppt/slides/slide4.xml><?xml version="1.0" encoding="utf-8"?>
-<p:sld xmlns:a="http://schemas.openxmlformats.org/drawingml/2006/main" xmlns:r="http://schemas.openxmlformats.org/officeDocument/2006/relationships" xmlns:p="http://schemas.openxmlformats.org/presentationml/2006/main">
-  <p:cSld>
-    <p:spTree>
-      <p:nvGrpSpPr>
-        <p:cNvPr id="1" name=""/>
-        <p:cNvGrpSpPr/>
-        <p:nvPr/>
-      </p:nvGrpSpPr>
-      <p:grpSpPr>
-        <a:xfrm>
-          <a:off x="0" y="0"/>
-          <a:ext cx="0" cy="0"/>
-          <a:chOff x="0" y="0"/>
-          <a:chExt cx="0" cy="0"/>
-        </a:xfrm>
-      </p:grpSpPr>
-      <p:sp>
-        <p:nvSpPr>
-          <p:cNvPr id="5" name="Rectangle 4"/>
-          <p:cNvSpPr/>
-          <p:nvPr/>
-        </p:nvSpPr>
-        <p:spPr>
-          <a:xfrm>
-            <a:off x="1524596" y="4"/>
-            <a:ext cx="9142810" cy="584775"/>
-          </a:xfrm>
-          <a:prstGeom prst="rect">
-            <a:avLst/>
-          </a:prstGeom>
-          <a:noFill/>
-        </p:spPr>
-        <p:txBody>
-          <a:bodyPr wrap="square">
-            <a:spAutoFit/>
-          </a:bodyPr>
-          <a:lstStyle/>
-          <a:p>
-            <a:pPr algn="r"/>
-            <a:r>
-              <a:rPr lang="en-IN" sz="3200" i="1" dirty="0">
-                <a:solidFill>
-                  <a:srgbClr val="FF9900"/>
-                </a:solidFill>
-                <a:latin typeface="Arial" pitchFamily="34" charset="0"/>
-                <a:cs typeface="Arial" pitchFamily="34" charset="0"/>
-              </a:rPr>
-              <a:t>Second Generation of Computers</a:t>
-            </a:r>
-          </a:p>
-        </p:txBody>
-      </p:sp>
-      <p:sp>
-        <p:nvSpPr>
-          <p:cNvPr id="2" name="TextBox 1">
-            <a:extLst>
-              <a:ext uri="{FF2B5EF4-FFF2-40B4-BE49-F238E27FC236}">
-                <a16:creationId xmlns:a16="http://schemas.microsoft.com/office/drawing/2014/main" id="{3ECBB028-1365-FB7C-0374-717123690D5B}"/>
-              </a:ext>
-            </a:extLst>
-          </p:cNvPr>
-          <p:cNvSpPr txBox="1"/>
-          <p:nvPr/>
-        </p:nvSpPr>
-        <p:spPr>
-          <a:xfrm>
-            <a:off x="191344" y="908720"/>
-            <a:ext cx="11809312" cy="2800767"/>
-          </a:xfrm>
-          <a:prstGeom prst="rect">
-            <a:avLst/>
-          </a:prstGeom>
-          <a:noFill/>
-        </p:spPr>
-        <p:txBody>
-          <a:bodyPr wrap="square">
-            <a:spAutoFit/>
-          </a:bodyPr>
-          <a:lstStyle/>
-          <a:p>
-            <a:pPr marL="342900" indent="-342900" algn="just">
-              <a:buFont typeface="Arial" panose="020B0604020202020204" pitchFamily="34" charset="0"/>
-              <a:buChar char="•"/>
-            </a:pPr>
-            <a:r>
-              <a:rPr lang="en-US" sz="2000" b="0" i="0" dirty="0">
-                <a:solidFill>
-                  <a:srgbClr val="000000"/>
-                </a:solidFill>
-                <a:effectLst/>
-                <a:latin typeface="Arial" panose="020B0604020202020204" pitchFamily="34" charset="0"/>
-                <a:cs typeface="Arial" panose="020B0604020202020204" pitchFamily="34" charset="0"/>
-              </a:rPr>
-              <a:t>The period of second generation was from 1959-1965. </a:t>
-            </a:r>
-          </a:p>
-          <a:p>
-            <a:pPr marL="171450" indent="-171450" algn="just">
-              <a:buFont typeface="Arial" panose="020B0604020202020204" pitchFamily="34" charset="0"/>
-              <a:buChar char="•"/>
-            </a:pPr>
-            <a:endParaRPr lang="en-US" sz="1200" dirty="0">
-              <a:solidFill>
-                <a:srgbClr val="000000"/>
-              </a:solidFill>
-              <a:latin typeface="Arial" panose="020B0604020202020204" pitchFamily="34" charset="0"/>
-              <a:cs typeface="Arial" panose="020B0604020202020204" pitchFamily="34" charset="0"/>
-            </a:endParaRPr>
-          </a:p>
-          <a:p>
-            <a:pPr marL="342900" indent="-342900" algn="just">
-              <a:buFont typeface="Arial" panose="020B0604020202020204" pitchFamily="34" charset="0"/>
-              <a:buChar char="•"/>
-            </a:pPr>
-            <a:r>
-              <a:rPr lang="en-US" sz="2000" b="0" i="0" dirty="0">
-                <a:solidFill>
-                  <a:srgbClr val="000000"/>
-                </a:solidFill>
-                <a:effectLst/>
-                <a:latin typeface="Arial" panose="020B0604020202020204" pitchFamily="34" charset="0"/>
-                <a:cs typeface="Arial" panose="020B0604020202020204" pitchFamily="34" charset="0"/>
-              </a:rPr>
-              <a:t>In this generation, transistors were used that were cheaper, consumed less power and faster than the first generation machines made of vacuum tubes. </a:t>
-            </a:r>
-          </a:p>
-          <a:p>
-            <a:pPr marL="171450" indent="-171450" algn="just">
-              <a:buFont typeface="Arial" panose="020B0604020202020204" pitchFamily="34" charset="0"/>
-              <a:buChar char="•"/>
-            </a:pPr>
-            <a:endParaRPr lang="en-US" sz="1200" dirty="0">
-              <a:solidFill>
-                <a:srgbClr val="000000"/>
-              </a:solidFill>
-              <a:latin typeface="Arial" panose="020B0604020202020204" pitchFamily="34" charset="0"/>
-              <a:cs typeface="Arial" panose="020B0604020202020204" pitchFamily="34" charset="0"/>
-            </a:endParaRPr>
-          </a:p>
-          <a:p>
-            <a:pPr marL="342900" indent="-342900" algn="just">
-              <a:buFont typeface="Arial" panose="020B0604020202020204" pitchFamily="34" charset="0"/>
-              <a:buChar char="•"/>
-            </a:pPr>
-            <a:r>
-              <a:rPr lang="en-US" sz="2000" b="0" i="0" dirty="0">
-                <a:solidFill>
-                  <a:srgbClr val="000000"/>
-                </a:solidFill>
-                <a:effectLst/>
-                <a:latin typeface="Arial" panose="020B0604020202020204" pitchFamily="34" charset="0"/>
-                <a:cs typeface="Arial" panose="020B0604020202020204" pitchFamily="34" charset="0"/>
-              </a:rPr>
-              <a:t>In this generation, magnetic cores were used as the primary memory and magnetic tape and magnetic disks as secondary storage devices.</a:t>
-            </a:r>
-          </a:p>
-          <a:p>
-            <a:pPr marL="171450" indent="-171450" algn="just">
-              <a:buFont typeface="Arial" panose="020B0604020202020204" pitchFamily="34" charset="0"/>
-              <a:buChar char="•"/>
-            </a:pPr>
-            <a:endParaRPr lang="en-US" sz="1200" b="0" i="0" dirty="0">
-              <a:solidFill>
-                <a:srgbClr val="000000"/>
-              </a:solidFill>
-              <a:effectLst/>
-              <a:latin typeface="Arial" panose="020B0604020202020204" pitchFamily="34" charset="0"/>
-              <a:cs typeface="Arial" panose="020B0604020202020204" pitchFamily="34" charset="0"/>
-            </a:endParaRPr>
-          </a:p>
-          <a:p>
-            <a:pPr marL="342900" indent="-342900" algn="just">
-              <a:buFont typeface="Arial" panose="020B0604020202020204" pitchFamily="34" charset="0"/>
-              <a:buChar char="•"/>
-            </a:pPr>
-            <a:r>
-              <a:rPr lang="en-US" sz="2000" b="0" i="0" dirty="0">
-                <a:solidFill>
-                  <a:srgbClr val="000000"/>
-                </a:solidFill>
-                <a:effectLst/>
-                <a:latin typeface="Arial" panose="020B0604020202020204" pitchFamily="34" charset="0"/>
-                <a:cs typeface="Arial" panose="020B0604020202020204" pitchFamily="34" charset="0"/>
-              </a:rPr>
-              <a:t>In this generation, assembly language and high-level programming languages like FORTRAN, COBOL were used. The computers used batch processing and multiprogramming operating system.</a:t>
-            </a:r>
-          </a:p>
-        </p:txBody>
-      </p:sp>
-      <p:sp>
-        <p:nvSpPr>
-          <p:cNvPr id="3" name="TextBox 2">
-            <a:extLst>
-              <a:ext uri="{FF2B5EF4-FFF2-40B4-BE49-F238E27FC236}">
-                <a16:creationId xmlns:a16="http://schemas.microsoft.com/office/drawing/2014/main" id="{A0527D66-7CD6-FA26-B7C7-440DBC054928}"/>
-              </a:ext>
-            </a:extLst>
-          </p:cNvPr>
-          <p:cNvSpPr txBox="1"/>
-          <p:nvPr/>
-        </p:nvSpPr>
-        <p:spPr>
-          <a:xfrm>
-            <a:off x="263352" y="4227472"/>
-            <a:ext cx="6768752" cy="2369880"/>
-          </a:xfrm>
-          <a:prstGeom prst="rect">
-            <a:avLst/>
-          </a:prstGeom>
-          <a:noFill/>
-        </p:spPr>
-        <p:txBody>
-          <a:bodyPr wrap="square">
-            <a:spAutoFit/>
-          </a:bodyPr>
-          <a:lstStyle/>
-          <a:p>
-            <a:pPr algn="just"/>
-            <a:r>
-              <a:rPr lang="en-US" sz="2000" b="1" i="0" dirty="0">
-                <a:solidFill>
-                  <a:srgbClr val="000000"/>
-                </a:solidFill>
-                <a:effectLst/>
-                <a:latin typeface="Arial" panose="020B0604020202020204" pitchFamily="34" charset="0"/>
-                <a:cs typeface="Arial" panose="020B0604020202020204" pitchFamily="34" charset="0"/>
-              </a:rPr>
-              <a:t>The main features of the second generation are −</a:t>
-            </a:r>
-          </a:p>
-          <a:p>
-            <a:pPr algn="just"/>
-            <a:endParaRPr lang="en-US" sz="800" b="0" i="0" dirty="0">
-              <a:solidFill>
-                <a:srgbClr val="000000"/>
-              </a:solidFill>
-              <a:effectLst/>
-              <a:latin typeface="Arial" panose="020B0604020202020204" pitchFamily="34" charset="0"/>
-              <a:cs typeface="Arial" panose="020B0604020202020204" pitchFamily="34" charset="0"/>
-            </a:endParaRPr>
-          </a:p>
-          <a:p>
-            <a:pPr marL="457200" indent="-457200" algn="l">
-              <a:buFont typeface="+mj-lt"/>
-              <a:buAutoNum type="arabicPeriod"/>
-            </a:pPr>
-            <a:r>
-              <a:rPr lang="en-US" sz="2000" b="0" i="0" dirty="0">
-                <a:solidFill>
-                  <a:srgbClr val="000000"/>
-                </a:solidFill>
-                <a:effectLst/>
-                <a:latin typeface="Arial" panose="020B0604020202020204" pitchFamily="34" charset="0"/>
-                <a:cs typeface="Arial" panose="020B0604020202020204" pitchFamily="34" charset="0"/>
-              </a:rPr>
-              <a:t>Use of transistors</a:t>
-            </a:r>
-          </a:p>
-          <a:p>
-            <a:pPr marL="457200" indent="-457200" algn="l">
-              <a:buFont typeface="+mj-lt"/>
-              <a:buAutoNum type="arabicPeriod"/>
-            </a:pPr>
-            <a:r>
-              <a:rPr lang="en-US" sz="2000" b="0" i="0" dirty="0">
-                <a:solidFill>
-                  <a:srgbClr val="000000"/>
-                </a:solidFill>
-                <a:effectLst/>
-                <a:latin typeface="Arial" panose="020B0604020202020204" pitchFamily="34" charset="0"/>
-                <a:cs typeface="Arial" panose="020B0604020202020204" pitchFamily="34" charset="0"/>
-              </a:rPr>
-              <a:t>Reliable in comparison to first generation computers</a:t>
-            </a:r>
-          </a:p>
-          <a:p>
-            <a:pPr marL="457200" indent="-457200" algn="l">
-              <a:buFont typeface="+mj-lt"/>
-              <a:buAutoNum type="arabicPeriod"/>
-            </a:pPr>
-            <a:r>
-              <a:rPr lang="en-US" sz="2000" b="0" i="0" dirty="0">
-                <a:solidFill>
-                  <a:srgbClr val="000000"/>
-                </a:solidFill>
-                <a:effectLst/>
-                <a:latin typeface="Arial" panose="020B0604020202020204" pitchFamily="34" charset="0"/>
-                <a:cs typeface="Arial" panose="020B0604020202020204" pitchFamily="34" charset="0"/>
-              </a:rPr>
-              <a:t>Smaller size as compared to first generation</a:t>
-            </a:r>
-          </a:p>
-          <a:p>
-            <a:pPr marL="457200" indent="-457200" algn="l">
-              <a:buFont typeface="+mj-lt"/>
-              <a:buAutoNum type="arabicPeriod"/>
-            </a:pPr>
-            <a:r>
-              <a:rPr lang="en-US" sz="2000" b="0" i="0" dirty="0">
-                <a:solidFill>
-                  <a:srgbClr val="000000"/>
-                </a:solidFill>
-                <a:effectLst/>
-                <a:latin typeface="Arial" panose="020B0604020202020204" pitchFamily="34" charset="0"/>
-                <a:cs typeface="Arial" panose="020B0604020202020204" pitchFamily="34" charset="0"/>
-              </a:rPr>
-              <a:t>Generated less heat as compared to first generation</a:t>
-            </a:r>
-          </a:p>
-          <a:p>
-            <a:pPr marL="457200" indent="-457200">
-              <a:buFont typeface="+mj-lt"/>
-              <a:buAutoNum type="arabicPeriod"/>
-            </a:pPr>
-            <a:r>
-              <a:rPr lang="en-US" sz="2000" b="0" i="0" dirty="0">
-                <a:solidFill>
-                  <a:srgbClr val="000000"/>
-                </a:solidFill>
-                <a:effectLst/>
-                <a:latin typeface="Arial" panose="020B0604020202020204" pitchFamily="34" charset="0"/>
-                <a:cs typeface="Arial" panose="020B0604020202020204" pitchFamily="34" charset="0"/>
-              </a:rPr>
-              <a:t>Consumed less electricity as compared to first generation</a:t>
-            </a:r>
-          </a:p>
-        </p:txBody>
-      </p:sp>
-      <p:sp>
-        <p:nvSpPr>
-          <p:cNvPr id="6" name="TextBox 5">
-            <a:extLst>
-              <a:ext uri="{FF2B5EF4-FFF2-40B4-BE49-F238E27FC236}">
-                <a16:creationId xmlns:a16="http://schemas.microsoft.com/office/drawing/2014/main" id="{1888DE6B-7BCE-EEBD-AF05-A1F01FA2BF59}"/>
-              </a:ext>
-            </a:extLst>
-          </p:cNvPr>
-          <p:cNvSpPr txBox="1"/>
-          <p:nvPr/>
-        </p:nvSpPr>
-        <p:spPr>
-          <a:xfrm>
-            <a:off x="7176120" y="4856385"/>
-            <a:ext cx="4824536" cy="1631216"/>
-          </a:xfrm>
-          <a:prstGeom prst="rect">
-            <a:avLst/>
-          </a:prstGeom>
-          <a:noFill/>
-        </p:spPr>
-        <p:txBody>
-          <a:bodyPr wrap="square">
-            <a:spAutoFit/>
-          </a:bodyPr>
-          <a:lstStyle/>
-          <a:p>
-            <a:pPr marL="457200" indent="-457200" algn="l">
-              <a:buFont typeface="+mj-lt"/>
-              <a:buAutoNum type="arabicPeriod" startAt="6"/>
-            </a:pPr>
-            <a:r>
-              <a:rPr lang="en-US" sz="2000" b="0" i="0" dirty="0">
-                <a:solidFill>
-                  <a:srgbClr val="000000"/>
-                </a:solidFill>
-                <a:effectLst/>
-                <a:latin typeface="Arial" panose="020B0604020202020204" pitchFamily="34" charset="0"/>
-                <a:cs typeface="Arial" panose="020B0604020202020204" pitchFamily="34" charset="0"/>
-              </a:rPr>
-              <a:t>Faster than first generation</a:t>
-            </a:r>
-          </a:p>
-          <a:p>
-            <a:pPr marL="457200" indent="-457200" algn="l">
-              <a:buFont typeface="+mj-lt"/>
-              <a:buAutoNum type="arabicPeriod" startAt="6"/>
-            </a:pPr>
-            <a:r>
-              <a:rPr lang="en-US" sz="2000" b="0" i="0" dirty="0">
-                <a:solidFill>
-                  <a:srgbClr val="000000"/>
-                </a:solidFill>
-                <a:effectLst/>
-                <a:latin typeface="Arial" panose="020B0604020202020204" pitchFamily="34" charset="0"/>
-                <a:cs typeface="Arial" panose="020B0604020202020204" pitchFamily="34" charset="0"/>
-              </a:rPr>
-              <a:t>Still very costly</a:t>
-            </a:r>
-          </a:p>
-          <a:p>
-            <a:pPr marL="457200" indent="-457200" algn="l">
-              <a:buFont typeface="+mj-lt"/>
-              <a:buAutoNum type="arabicPeriod" startAt="6"/>
-            </a:pPr>
-            <a:r>
-              <a:rPr lang="en-US" sz="2000" b="0" i="0" dirty="0">
-                <a:solidFill>
-                  <a:srgbClr val="000000"/>
-                </a:solidFill>
-                <a:effectLst/>
-                <a:latin typeface="Arial" panose="020B0604020202020204" pitchFamily="34" charset="0"/>
-                <a:cs typeface="Arial" panose="020B0604020202020204" pitchFamily="34" charset="0"/>
-              </a:rPr>
-              <a:t>AC required</a:t>
-            </a:r>
-          </a:p>
-          <a:p>
-            <a:pPr marL="457200" indent="-457200" algn="l">
-              <a:buFont typeface="+mj-lt"/>
-              <a:buAutoNum type="arabicPeriod" startAt="6"/>
-            </a:pPr>
-            <a:r>
-              <a:rPr lang="en-US" sz="2000" b="0" i="0" dirty="0">
-                <a:solidFill>
-                  <a:srgbClr val="000000"/>
-                </a:solidFill>
-                <a:effectLst/>
-                <a:latin typeface="Arial" panose="020B0604020202020204" pitchFamily="34" charset="0"/>
-                <a:cs typeface="Arial" panose="020B0604020202020204" pitchFamily="34" charset="0"/>
-              </a:rPr>
-              <a:t>Supported machine and assembly languages</a:t>
-            </a:r>
-          </a:p>
-        </p:txBody>
-      </p:sp>
-    </p:spTree>
-    <p:extLst>
-      <p:ext uri="{BB962C8B-B14F-4D97-AF65-F5344CB8AC3E}">
-        <p14:creationId xmlns:p14="http://schemas.microsoft.com/office/powerpoint/2010/main" val="3239572161"/>
-      </p:ext>
-    </p:extLst>
-  </p:cSld>
-  <p:clrMapOvr>
-    <a:masterClrMapping/>
-  </p:clrMapOvr>
-</p:sld>
-</file>
-
-<file path=ppt/slides/slide40.xml><?xml version="1.0" encoding="utf-8"?>
+<file path=ppt/slides/slide38.xml><?xml version="1.0" encoding="utf-8"?>
 <p:sld xmlns:a="http://schemas.openxmlformats.org/drawingml/2006/main" xmlns:r="http://schemas.openxmlformats.org/officeDocument/2006/relationships" xmlns:p="http://schemas.openxmlformats.org/presentationml/2006/main">
   <p:cSld>
     <p:spTree>
@@ -12856,7 +12225,7 @@
 </p:sld>
 </file>
 
-<file path=ppt/slides/slide41.xml><?xml version="1.0" encoding="utf-8"?>
+<file path=ppt/slides/slide39.xml><?xml version="1.0" encoding="utf-8"?>
 <p:sld xmlns:a="http://schemas.openxmlformats.org/drawingml/2006/main" xmlns:r="http://schemas.openxmlformats.org/officeDocument/2006/relationships" xmlns:p="http://schemas.openxmlformats.org/presentationml/2006/main">
   <p:cSld>
     <p:spTree>
@@ -12933,7 +12302,446 @@
 </p:sld>
 </file>
 
-<file path=ppt/slides/slide42.xml><?xml version="1.0" encoding="utf-8"?>
+<file path=ppt/slides/slide4.xml><?xml version="1.0" encoding="utf-8"?>
+<p:sld xmlns:a="http://schemas.openxmlformats.org/drawingml/2006/main" xmlns:r="http://schemas.openxmlformats.org/officeDocument/2006/relationships" xmlns:p="http://schemas.openxmlformats.org/presentationml/2006/main">
+  <p:cSld>
+    <p:spTree>
+      <p:nvGrpSpPr>
+        <p:cNvPr id="1" name=""/>
+        <p:cNvGrpSpPr/>
+        <p:nvPr/>
+      </p:nvGrpSpPr>
+      <p:grpSpPr>
+        <a:xfrm>
+          <a:off x="0" y="0"/>
+          <a:ext cx="0" cy="0"/>
+          <a:chOff x="0" y="0"/>
+          <a:chExt cx="0" cy="0"/>
+        </a:xfrm>
+      </p:grpSpPr>
+      <p:sp>
+        <p:nvSpPr>
+          <p:cNvPr id="5" name="Rectangle 4"/>
+          <p:cNvSpPr/>
+          <p:nvPr/>
+        </p:nvSpPr>
+        <p:spPr>
+          <a:xfrm>
+            <a:off x="1524596" y="4"/>
+            <a:ext cx="9142810" cy="584775"/>
+          </a:xfrm>
+          <a:prstGeom prst="rect">
+            <a:avLst/>
+          </a:prstGeom>
+          <a:noFill/>
+        </p:spPr>
+        <p:txBody>
+          <a:bodyPr wrap="square">
+            <a:spAutoFit/>
+          </a:bodyPr>
+          <a:lstStyle/>
+          <a:p>
+            <a:pPr algn="r"/>
+            <a:r>
+              <a:rPr lang="en-IN" sz="3200" i="1" dirty="0">
+                <a:solidFill>
+                  <a:srgbClr val="FF9900"/>
+                </a:solidFill>
+                <a:latin typeface="Arial" pitchFamily="34" charset="0"/>
+                <a:cs typeface="Arial" pitchFamily="34" charset="0"/>
+              </a:rPr>
+              <a:t>Second Generation of Computers</a:t>
+            </a:r>
+          </a:p>
+        </p:txBody>
+      </p:sp>
+      <p:sp>
+        <p:nvSpPr>
+          <p:cNvPr id="2" name="TextBox 1">
+            <a:extLst>
+              <a:ext uri="{FF2B5EF4-FFF2-40B4-BE49-F238E27FC236}">
+                <a16:creationId xmlns:a16="http://schemas.microsoft.com/office/drawing/2014/main" id="{3ECBB028-1365-FB7C-0374-717123690D5B}"/>
+              </a:ext>
+            </a:extLst>
+          </p:cNvPr>
+          <p:cNvSpPr txBox="1"/>
+          <p:nvPr/>
+        </p:nvSpPr>
+        <p:spPr>
+          <a:xfrm>
+            <a:off x="191344" y="908720"/>
+            <a:ext cx="11809312" cy="2800767"/>
+          </a:xfrm>
+          <a:prstGeom prst="rect">
+            <a:avLst/>
+          </a:prstGeom>
+          <a:noFill/>
+        </p:spPr>
+        <p:txBody>
+          <a:bodyPr wrap="square">
+            <a:spAutoFit/>
+          </a:bodyPr>
+          <a:lstStyle/>
+          <a:p>
+            <a:pPr marL="342900" indent="-342900" algn="just">
+              <a:buFont typeface="Arial" panose="020B0604020202020204" pitchFamily="34" charset="0"/>
+              <a:buChar char="•"/>
+            </a:pPr>
+            <a:r>
+              <a:rPr lang="en-US" sz="2000" b="0" i="0" dirty="0">
+                <a:solidFill>
+                  <a:srgbClr val="000000"/>
+                </a:solidFill>
+                <a:effectLst/>
+                <a:latin typeface="Arial" panose="020B0604020202020204" pitchFamily="34" charset="0"/>
+                <a:cs typeface="Arial" panose="020B0604020202020204" pitchFamily="34" charset="0"/>
+              </a:rPr>
+              <a:t>The period of second generation was from 1959-1965. </a:t>
+            </a:r>
+          </a:p>
+          <a:p>
+            <a:pPr marL="171450" indent="-171450" algn="just">
+              <a:buFont typeface="Arial" panose="020B0604020202020204" pitchFamily="34" charset="0"/>
+              <a:buChar char="•"/>
+            </a:pPr>
+            <a:endParaRPr lang="en-US" sz="1200" dirty="0">
+              <a:solidFill>
+                <a:srgbClr val="000000"/>
+              </a:solidFill>
+              <a:latin typeface="Arial" panose="020B0604020202020204" pitchFamily="34" charset="0"/>
+              <a:cs typeface="Arial" panose="020B0604020202020204" pitchFamily="34" charset="0"/>
+            </a:endParaRPr>
+          </a:p>
+          <a:p>
+            <a:pPr marL="342900" indent="-342900" algn="just">
+              <a:buFont typeface="Arial" panose="020B0604020202020204" pitchFamily="34" charset="0"/>
+              <a:buChar char="•"/>
+            </a:pPr>
+            <a:r>
+              <a:rPr lang="en-US" sz="2000" b="0" i="0" dirty="0">
+                <a:solidFill>
+                  <a:srgbClr val="000000"/>
+                </a:solidFill>
+                <a:effectLst/>
+                <a:latin typeface="Arial" panose="020B0604020202020204" pitchFamily="34" charset="0"/>
+                <a:cs typeface="Arial" panose="020B0604020202020204" pitchFamily="34" charset="0"/>
+              </a:rPr>
+              <a:t>In this generation, transistors were used that were cheaper, consumed less power and faster than the first generation machines made of vacuum tubes. </a:t>
+            </a:r>
+          </a:p>
+          <a:p>
+            <a:pPr marL="171450" indent="-171450" algn="just">
+              <a:buFont typeface="Arial" panose="020B0604020202020204" pitchFamily="34" charset="0"/>
+              <a:buChar char="•"/>
+            </a:pPr>
+            <a:endParaRPr lang="en-US" sz="1200" dirty="0">
+              <a:solidFill>
+                <a:srgbClr val="000000"/>
+              </a:solidFill>
+              <a:latin typeface="Arial" panose="020B0604020202020204" pitchFamily="34" charset="0"/>
+              <a:cs typeface="Arial" panose="020B0604020202020204" pitchFamily="34" charset="0"/>
+            </a:endParaRPr>
+          </a:p>
+          <a:p>
+            <a:pPr marL="342900" indent="-342900" algn="just">
+              <a:buFont typeface="Arial" panose="020B0604020202020204" pitchFamily="34" charset="0"/>
+              <a:buChar char="•"/>
+            </a:pPr>
+            <a:r>
+              <a:rPr lang="en-US" sz="2000" b="0" i="0" dirty="0">
+                <a:solidFill>
+                  <a:srgbClr val="000000"/>
+                </a:solidFill>
+                <a:effectLst/>
+                <a:latin typeface="Arial" panose="020B0604020202020204" pitchFamily="34" charset="0"/>
+                <a:cs typeface="Arial" panose="020B0604020202020204" pitchFamily="34" charset="0"/>
+              </a:rPr>
+              <a:t>In this generation, magnetic cores were used as the primary memory and magnetic tape and magnetic disks as secondary storage devices.</a:t>
+            </a:r>
+          </a:p>
+          <a:p>
+            <a:pPr marL="171450" indent="-171450" algn="just">
+              <a:buFont typeface="Arial" panose="020B0604020202020204" pitchFamily="34" charset="0"/>
+              <a:buChar char="•"/>
+            </a:pPr>
+            <a:endParaRPr lang="en-US" sz="1200" b="0" i="0" dirty="0">
+              <a:solidFill>
+                <a:srgbClr val="000000"/>
+              </a:solidFill>
+              <a:effectLst/>
+              <a:latin typeface="Arial" panose="020B0604020202020204" pitchFamily="34" charset="0"/>
+              <a:cs typeface="Arial" panose="020B0604020202020204" pitchFamily="34" charset="0"/>
+            </a:endParaRPr>
+          </a:p>
+          <a:p>
+            <a:pPr marL="342900" indent="-342900" algn="just">
+              <a:buFont typeface="Arial" panose="020B0604020202020204" pitchFamily="34" charset="0"/>
+              <a:buChar char="•"/>
+            </a:pPr>
+            <a:r>
+              <a:rPr lang="en-US" sz="2000" b="0" i="0" dirty="0">
+                <a:solidFill>
+                  <a:srgbClr val="000000"/>
+                </a:solidFill>
+                <a:effectLst/>
+                <a:latin typeface="Arial" panose="020B0604020202020204" pitchFamily="34" charset="0"/>
+                <a:cs typeface="Arial" panose="020B0604020202020204" pitchFamily="34" charset="0"/>
+              </a:rPr>
+              <a:t>In this generation, assembly language and high-level programming languages like FORTRAN, COBOL were used. The computers used batch processing and multiprogramming operating system.</a:t>
+            </a:r>
+          </a:p>
+        </p:txBody>
+      </p:sp>
+      <p:sp>
+        <p:nvSpPr>
+          <p:cNvPr id="3" name="TextBox 2">
+            <a:extLst>
+              <a:ext uri="{FF2B5EF4-FFF2-40B4-BE49-F238E27FC236}">
+                <a16:creationId xmlns:a16="http://schemas.microsoft.com/office/drawing/2014/main" id="{A0527D66-7CD6-FA26-B7C7-440DBC054928}"/>
+              </a:ext>
+            </a:extLst>
+          </p:cNvPr>
+          <p:cNvSpPr txBox="1"/>
+          <p:nvPr/>
+        </p:nvSpPr>
+        <p:spPr>
+          <a:xfrm>
+            <a:off x="263352" y="4227472"/>
+            <a:ext cx="6768752" cy="2369880"/>
+          </a:xfrm>
+          <a:prstGeom prst="rect">
+            <a:avLst/>
+          </a:prstGeom>
+          <a:noFill/>
+        </p:spPr>
+        <p:txBody>
+          <a:bodyPr wrap="square">
+            <a:spAutoFit/>
+          </a:bodyPr>
+          <a:lstStyle/>
+          <a:p>
+            <a:pPr algn="just"/>
+            <a:r>
+              <a:rPr lang="en-US" sz="2000" b="1" i="0" dirty="0">
+                <a:solidFill>
+                  <a:srgbClr val="000000"/>
+                </a:solidFill>
+                <a:effectLst/>
+                <a:latin typeface="Arial" panose="020B0604020202020204" pitchFamily="34" charset="0"/>
+                <a:cs typeface="Arial" panose="020B0604020202020204" pitchFamily="34" charset="0"/>
+              </a:rPr>
+              <a:t>The main features of the second generation are −</a:t>
+            </a:r>
+          </a:p>
+          <a:p>
+            <a:pPr algn="just"/>
+            <a:endParaRPr lang="en-US" sz="800" b="0" i="0" dirty="0">
+              <a:solidFill>
+                <a:srgbClr val="000000"/>
+              </a:solidFill>
+              <a:effectLst/>
+              <a:latin typeface="Arial" panose="020B0604020202020204" pitchFamily="34" charset="0"/>
+              <a:cs typeface="Arial" panose="020B0604020202020204" pitchFamily="34" charset="0"/>
+            </a:endParaRPr>
+          </a:p>
+          <a:p>
+            <a:pPr marL="457200" indent="-457200" algn="l">
+              <a:buFont typeface="+mj-lt"/>
+              <a:buAutoNum type="arabicPeriod"/>
+            </a:pPr>
+            <a:r>
+              <a:rPr lang="en-US" sz="2000" b="0" i="0" dirty="0">
+                <a:solidFill>
+                  <a:srgbClr val="000000"/>
+                </a:solidFill>
+                <a:effectLst/>
+                <a:latin typeface="Arial" panose="020B0604020202020204" pitchFamily="34" charset="0"/>
+                <a:cs typeface="Arial" panose="020B0604020202020204" pitchFamily="34" charset="0"/>
+              </a:rPr>
+              <a:t>Use of transistors</a:t>
+            </a:r>
+          </a:p>
+          <a:p>
+            <a:pPr marL="457200" indent="-457200" algn="l">
+              <a:buFont typeface="+mj-lt"/>
+              <a:buAutoNum type="arabicPeriod"/>
+            </a:pPr>
+            <a:r>
+              <a:rPr lang="en-US" sz="2000" b="0" i="0" dirty="0">
+                <a:solidFill>
+                  <a:srgbClr val="000000"/>
+                </a:solidFill>
+                <a:effectLst/>
+                <a:latin typeface="Arial" panose="020B0604020202020204" pitchFamily="34" charset="0"/>
+                <a:cs typeface="Arial" panose="020B0604020202020204" pitchFamily="34" charset="0"/>
+              </a:rPr>
+              <a:t>Reliable in comparison to first generation computers</a:t>
+            </a:r>
+          </a:p>
+          <a:p>
+            <a:pPr marL="457200" indent="-457200" algn="l">
+              <a:buFont typeface="+mj-lt"/>
+              <a:buAutoNum type="arabicPeriod"/>
+            </a:pPr>
+            <a:r>
+              <a:rPr lang="en-US" sz="2000" b="0" i="0" dirty="0">
+                <a:solidFill>
+                  <a:srgbClr val="000000"/>
+                </a:solidFill>
+                <a:effectLst/>
+                <a:latin typeface="Arial" panose="020B0604020202020204" pitchFamily="34" charset="0"/>
+                <a:cs typeface="Arial" panose="020B0604020202020204" pitchFamily="34" charset="0"/>
+              </a:rPr>
+              <a:t>Smaller size as compared to first generation</a:t>
+            </a:r>
+          </a:p>
+          <a:p>
+            <a:pPr marL="457200" indent="-457200" algn="l">
+              <a:buFont typeface="+mj-lt"/>
+              <a:buAutoNum type="arabicPeriod"/>
+            </a:pPr>
+            <a:r>
+              <a:rPr lang="en-US" sz="2000" b="0" i="0" dirty="0">
+                <a:solidFill>
+                  <a:srgbClr val="000000"/>
+                </a:solidFill>
+                <a:effectLst/>
+                <a:latin typeface="Arial" panose="020B0604020202020204" pitchFamily="34" charset="0"/>
+                <a:cs typeface="Arial" panose="020B0604020202020204" pitchFamily="34" charset="0"/>
+              </a:rPr>
+              <a:t>Generated less heat as compared to first generation</a:t>
+            </a:r>
+          </a:p>
+          <a:p>
+            <a:pPr marL="457200" indent="-457200">
+              <a:buFont typeface="+mj-lt"/>
+              <a:buAutoNum type="arabicPeriod"/>
+            </a:pPr>
+            <a:r>
+              <a:rPr lang="en-US" sz="2000" b="0" i="0" dirty="0">
+                <a:solidFill>
+                  <a:srgbClr val="000000"/>
+                </a:solidFill>
+                <a:effectLst/>
+                <a:latin typeface="Arial" panose="020B0604020202020204" pitchFamily="34" charset="0"/>
+                <a:cs typeface="Arial" panose="020B0604020202020204" pitchFamily="34" charset="0"/>
+              </a:rPr>
+              <a:t>Consumed less electricity as compared to first generation</a:t>
+            </a:r>
+          </a:p>
+        </p:txBody>
+      </p:sp>
+      <p:sp>
+        <p:nvSpPr>
+          <p:cNvPr id="6" name="TextBox 5">
+            <a:extLst>
+              <a:ext uri="{FF2B5EF4-FFF2-40B4-BE49-F238E27FC236}">
+                <a16:creationId xmlns:a16="http://schemas.microsoft.com/office/drawing/2014/main" id="{1888DE6B-7BCE-EEBD-AF05-A1F01FA2BF59}"/>
+              </a:ext>
+            </a:extLst>
+          </p:cNvPr>
+          <p:cNvSpPr txBox="1"/>
+          <p:nvPr/>
+        </p:nvSpPr>
+        <p:spPr>
+          <a:xfrm>
+            <a:off x="7176120" y="4856385"/>
+            <a:ext cx="4824536" cy="1631216"/>
+          </a:xfrm>
+          <a:prstGeom prst="rect">
+            <a:avLst/>
+          </a:prstGeom>
+          <a:noFill/>
+        </p:spPr>
+        <p:txBody>
+          <a:bodyPr wrap="square">
+            <a:spAutoFit/>
+          </a:bodyPr>
+          <a:lstStyle/>
+          <a:p>
+            <a:pPr marL="457200" indent="-457200" algn="l">
+              <a:buFont typeface="+mj-lt"/>
+              <a:buAutoNum type="arabicPeriod" startAt="6"/>
+            </a:pPr>
+            <a:r>
+              <a:rPr lang="en-US" sz="2000" b="0" i="0" dirty="0">
+                <a:solidFill>
+                  <a:srgbClr val="000000"/>
+                </a:solidFill>
+                <a:effectLst/>
+                <a:latin typeface="Arial" panose="020B0604020202020204" pitchFamily="34" charset="0"/>
+                <a:cs typeface="Arial" panose="020B0604020202020204" pitchFamily="34" charset="0"/>
+              </a:rPr>
+              <a:t>Faster than first generation</a:t>
+            </a:r>
+          </a:p>
+          <a:p>
+            <a:pPr marL="457200" indent="-457200" algn="l">
+              <a:buFont typeface="+mj-lt"/>
+              <a:buAutoNum type="arabicPeriod" startAt="6"/>
+            </a:pPr>
+            <a:r>
+              <a:rPr lang="en-US" sz="2000" b="0" i="0" dirty="0">
+                <a:solidFill>
+                  <a:srgbClr val="000000"/>
+                </a:solidFill>
+                <a:effectLst/>
+                <a:latin typeface="Arial" panose="020B0604020202020204" pitchFamily="34" charset="0"/>
+                <a:cs typeface="Arial" panose="020B0604020202020204" pitchFamily="34" charset="0"/>
+              </a:rPr>
+              <a:t>Still very costly</a:t>
+            </a:r>
+          </a:p>
+          <a:p>
+            <a:pPr marL="457200" indent="-457200" algn="l">
+              <a:buFont typeface="+mj-lt"/>
+              <a:buAutoNum type="arabicPeriod" startAt="6"/>
+            </a:pPr>
+            <a:r>
+              <a:rPr lang="en-US" sz="2000" b="0" i="0" dirty="0">
+                <a:solidFill>
+                  <a:srgbClr val="000000"/>
+                </a:solidFill>
+                <a:effectLst/>
+                <a:latin typeface="Arial" panose="020B0604020202020204" pitchFamily="34" charset="0"/>
+                <a:cs typeface="Arial" panose="020B0604020202020204" pitchFamily="34" charset="0"/>
+              </a:rPr>
+              <a:t>AC required</a:t>
+            </a:r>
+          </a:p>
+          <a:p>
+            <a:pPr marL="457200" indent="-457200" algn="l">
+              <a:buFont typeface="+mj-lt"/>
+              <a:buAutoNum type="arabicPeriod" startAt="6"/>
+            </a:pPr>
+            <a:r>
+              <a:rPr lang="en-US" sz="2000" b="0" i="0" dirty="0">
+                <a:solidFill>
+                  <a:srgbClr val="000000"/>
+                </a:solidFill>
+                <a:effectLst/>
+                <a:latin typeface="Arial" panose="020B0604020202020204" pitchFamily="34" charset="0"/>
+                <a:cs typeface="Arial" panose="020B0604020202020204" pitchFamily="34" charset="0"/>
+              </a:rPr>
+              <a:t>Supported machine and assembly languages</a:t>
+            </a:r>
+          </a:p>
+        </p:txBody>
+      </p:sp>
+    </p:spTree>
+    <p:extLst>
+      <p:ext uri="{BB962C8B-B14F-4D97-AF65-F5344CB8AC3E}">
+        <p14:creationId xmlns:p14="http://schemas.microsoft.com/office/powerpoint/2010/main" val="3239572161"/>
+      </p:ext>
+    </p:extLst>
+  </p:cSld>
+  <p:clrMapOvr>
+    <a:masterClrMapping/>
+  </p:clrMapOvr>
+</p:sld>
+</file>
+
+<file path=ppt/slides/slide40.xml><?xml version="1.0" encoding="utf-8"?>
 <p:sld xmlns:a="http://schemas.openxmlformats.org/drawingml/2006/main" xmlns:r="http://schemas.openxmlformats.org/officeDocument/2006/relationships" xmlns:p="http://schemas.openxmlformats.org/presentationml/2006/main">
   <p:cSld>
     <p:bg>
@@ -13979,6 +13787,230 @@
     <p:extLst>
       <p:ext uri="{BB962C8B-B14F-4D97-AF65-F5344CB8AC3E}">
         <p14:creationId xmlns:p14="http://schemas.microsoft.com/office/powerpoint/2010/main" val="2532309092"/>
+      </p:ext>
+    </p:extLst>
+  </p:cSld>
+  <p:clrMapOvr>
+    <a:masterClrMapping/>
+  </p:clrMapOvr>
+</p:sld>
+</file>
+
+<file path=ppt/slides/slide41.xml><?xml version="1.0" encoding="utf-8"?>
+<p:sld xmlns:a="http://schemas.openxmlformats.org/drawingml/2006/main" xmlns:r="http://schemas.openxmlformats.org/officeDocument/2006/relationships" xmlns:p="http://schemas.openxmlformats.org/presentationml/2006/main">
+  <p:cSld>
+    <p:spTree>
+      <p:nvGrpSpPr>
+        <p:cNvPr id="1" name=""/>
+        <p:cNvGrpSpPr/>
+        <p:nvPr/>
+      </p:nvGrpSpPr>
+      <p:grpSpPr>
+        <a:xfrm>
+          <a:off x="0" y="0"/>
+          <a:ext cx="0" cy="0"/>
+          <a:chOff x="0" y="0"/>
+          <a:chExt cx="0" cy="0"/>
+        </a:xfrm>
+      </p:grpSpPr>
+      <p:sp>
+        <p:nvSpPr>
+          <p:cNvPr id="4" name="Rectangle 3">
+            <a:extLst>
+              <a:ext uri="{FF2B5EF4-FFF2-40B4-BE49-F238E27FC236}">
+                <a16:creationId xmlns:a16="http://schemas.microsoft.com/office/drawing/2014/main" id="{6524962B-7610-4EFD-AA5E-DDE403AB8860}"/>
+              </a:ext>
+            </a:extLst>
+          </p:cNvPr>
+          <p:cNvSpPr/>
+          <p:nvPr/>
+        </p:nvSpPr>
+        <p:spPr>
+          <a:xfrm>
+            <a:off x="1524000" y="1"/>
+            <a:ext cx="9144000" cy="584775"/>
+          </a:xfrm>
+          <a:prstGeom prst="rect">
+            <a:avLst/>
+          </a:prstGeom>
+          <a:noFill/>
+        </p:spPr>
+        <p:txBody>
+          <a:bodyPr wrap="square">
+            <a:spAutoFit/>
+          </a:bodyPr>
+          <a:lstStyle/>
+          <a:p>
+            <a:pPr algn="r"/>
+            <a:r>
+              <a:rPr lang="en-US" sz="3200" i="1" dirty="0">
+                <a:solidFill>
+                  <a:srgbClr val="FF9900"/>
+                </a:solidFill>
+                <a:latin typeface="Arial" pitchFamily="34" charset="0"/>
+                <a:cs typeface="Arial" pitchFamily="34" charset="0"/>
+              </a:rPr>
+              <a:t>procedural programming paradigm</a:t>
+            </a:r>
+            <a:endParaRPr lang="en-IN" sz="3200" i="1" dirty="0">
+              <a:solidFill>
+                <a:srgbClr val="FF9900"/>
+              </a:solidFill>
+              <a:latin typeface="Arial" pitchFamily="34" charset="0"/>
+              <a:cs typeface="Arial" pitchFamily="34" charset="0"/>
+            </a:endParaRPr>
+          </a:p>
+        </p:txBody>
+      </p:sp>
+      <p:sp>
+        <p:nvSpPr>
+          <p:cNvPr id="6" name="TextBox 5">
+            <a:extLst>
+              <a:ext uri="{FF2B5EF4-FFF2-40B4-BE49-F238E27FC236}">
+                <a16:creationId xmlns:a16="http://schemas.microsoft.com/office/drawing/2014/main" id="{B6D0F145-F4AF-AB8D-0658-1541B6EBF168}"/>
+              </a:ext>
+            </a:extLst>
+          </p:cNvPr>
+          <p:cNvSpPr txBox="1"/>
+          <p:nvPr/>
+        </p:nvSpPr>
+        <p:spPr>
+          <a:xfrm>
+            <a:off x="191344" y="1052736"/>
+            <a:ext cx="11809312" cy="2554545"/>
+          </a:xfrm>
+          <a:prstGeom prst="rect">
+            <a:avLst/>
+          </a:prstGeom>
+          <a:noFill/>
+        </p:spPr>
+        <p:txBody>
+          <a:bodyPr wrap="square">
+            <a:spAutoFit/>
+          </a:bodyPr>
+          <a:lstStyle>
+            <a:defPPr>
+              <a:defRPr lang="en-US"/>
+            </a:defPPr>
+            <a:lvl1pPr marL="285750" indent="-285750">
+              <a:buFont typeface="Arial" panose="020B0604020202020204" pitchFamily="34" charset="0"/>
+              <a:buChar char="•"/>
+              <a:defRPr b="1">
+                <a:latin typeface="Arial" panose="020B0604020202020204" pitchFamily="34" charset="0"/>
+                <a:cs typeface="Arial" panose="020B0604020202020204" pitchFamily="34" charset="0"/>
+              </a:defRPr>
+            </a:lvl1pPr>
+          </a:lstStyle>
+          <a:p>
+            <a:r>
+              <a:rPr lang="en-US" sz="2000" b="0" dirty="0"/>
+              <a:t>Procedural programming revolves around a sequence of instructions given to the computer. These sequences of instructions are known as procedures.</a:t>
+            </a:r>
+          </a:p>
+          <a:p>
+            <a:endParaRPr lang="en-US" sz="2000" b="0" dirty="0"/>
+          </a:p>
+          <a:p>
+            <a:r>
+              <a:rPr lang="en-US" sz="2000" b="0" dirty="0"/>
+              <a:t>Since the instructions are carried out in well-defined sequences, we say that procedural programming takes a top-down approach.</a:t>
+            </a:r>
+          </a:p>
+          <a:p>
+            <a:endParaRPr lang="en-US" sz="2000" b="0" dirty="0"/>
+          </a:p>
+          <a:p>
+            <a:r>
+              <a:rPr lang="en-US" sz="2000" b="0" dirty="0"/>
+              <a:t>In procedural programming, we divide our instructions into smaller blocks of well-defined code. These code blocks are known as functions, where each function performs a specific task.</a:t>
+            </a:r>
+            <a:endParaRPr lang="en-IN" sz="2000" b="0" dirty="0"/>
+          </a:p>
+        </p:txBody>
+      </p:sp>
+    </p:spTree>
+    <p:extLst>
+      <p:ext uri="{BB962C8B-B14F-4D97-AF65-F5344CB8AC3E}">
+        <p14:creationId xmlns:p14="http://schemas.microsoft.com/office/powerpoint/2010/main" val="2207908433"/>
+      </p:ext>
+    </p:extLst>
+  </p:cSld>
+  <p:clrMapOvr>
+    <a:masterClrMapping/>
+  </p:clrMapOvr>
+</p:sld>
+</file>
+
+<file path=ppt/slides/slide42.xml><?xml version="1.0" encoding="utf-8"?>
+<p:sld xmlns:a="http://schemas.openxmlformats.org/drawingml/2006/main" xmlns:r="http://schemas.openxmlformats.org/officeDocument/2006/relationships" xmlns:p="http://schemas.openxmlformats.org/presentationml/2006/main">
+  <p:cSld>
+    <p:spTree>
+      <p:nvGrpSpPr>
+        <p:cNvPr id="1" name=""/>
+        <p:cNvGrpSpPr/>
+        <p:nvPr/>
+      </p:nvGrpSpPr>
+      <p:grpSpPr>
+        <a:xfrm>
+          <a:off x="0" y="0"/>
+          <a:ext cx="0" cy="0"/>
+          <a:chOff x="0" y="0"/>
+          <a:chExt cx="0" cy="0"/>
+        </a:xfrm>
+      </p:grpSpPr>
+      <p:sp>
+        <p:nvSpPr>
+          <p:cNvPr id="4" name="Rectangle 3">
+            <a:extLst>
+              <a:ext uri="{FF2B5EF4-FFF2-40B4-BE49-F238E27FC236}">
+                <a16:creationId xmlns:a16="http://schemas.microsoft.com/office/drawing/2014/main" id="{6524962B-7610-4EFD-AA5E-DDE403AB8860}"/>
+              </a:ext>
+            </a:extLst>
+          </p:cNvPr>
+          <p:cNvSpPr/>
+          <p:nvPr/>
+        </p:nvSpPr>
+        <p:spPr>
+          <a:xfrm>
+            <a:off x="1524000" y="1"/>
+            <a:ext cx="9144000" cy="584775"/>
+          </a:xfrm>
+          <a:prstGeom prst="rect">
+            <a:avLst/>
+          </a:prstGeom>
+          <a:noFill/>
+        </p:spPr>
+        <p:txBody>
+          <a:bodyPr wrap="square">
+            <a:spAutoFit/>
+          </a:bodyPr>
+          <a:lstStyle/>
+          <a:p>
+            <a:pPr algn="r"/>
+            <a:r>
+              <a:rPr lang="en-US" sz="3200" i="1" dirty="0">
+                <a:solidFill>
+                  <a:srgbClr val="FF9900"/>
+                </a:solidFill>
+                <a:latin typeface="Arial" pitchFamily="34" charset="0"/>
+                <a:cs typeface="Arial" pitchFamily="34" charset="0"/>
+              </a:rPr>
+              <a:t>object oriented programming paradigm</a:t>
+            </a:r>
+            <a:endParaRPr lang="en-IN" sz="3200" i="1" dirty="0">
+              <a:solidFill>
+                <a:srgbClr val="FF9900"/>
+              </a:solidFill>
+              <a:latin typeface="Arial" pitchFamily="34" charset="0"/>
+              <a:cs typeface="Arial" pitchFamily="34" charset="0"/>
+            </a:endParaRPr>
+          </a:p>
+        </p:txBody>
+      </p:sp>
+    </p:spTree>
+    <p:extLst>
+      <p:ext uri="{BB962C8B-B14F-4D97-AF65-F5344CB8AC3E}">
+        <p14:creationId xmlns:p14="http://schemas.microsoft.com/office/powerpoint/2010/main" val="1921851627"/>
       </p:ext>
     </p:extLst>
   </p:cSld>
@@ -14042,7 +14074,7 @@
                 <a:latin typeface="Arial" pitchFamily="34" charset="0"/>
                 <a:cs typeface="Arial" pitchFamily="34" charset="0"/>
               </a:rPr>
-              <a:t>procedural programming paradigm</a:t>
+              <a:t>parallel processing programming paradigm</a:t>
             </a:r>
             <a:endParaRPr lang="en-IN" sz="3200" i="1" dirty="0">
               <a:solidFill>
@@ -14054,76 +14086,10 @@
           </a:p>
         </p:txBody>
       </p:sp>
-      <p:sp>
-        <p:nvSpPr>
-          <p:cNvPr id="6" name="TextBox 5">
-            <a:extLst>
-              <a:ext uri="{FF2B5EF4-FFF2-40B4-BE49-F238E27FC236}">
-                <a16:creationId xmlns:a16="http://schemas.microsoft.com/office/drawing/2014/main" id="{B6D0F145-F4AF-AB8D-0658-1541B6EBF168}"/>
-              </a:ext>
-            </a:extLst>
-          </p:cNvPr>
-          <p:cNvSpPr txBox="1"/>
-          <p:nvPr/>
-        </p:nvSpPr>
-        <p:spPr>
-          <a:xfrm>
-            <a:off x="191344" y="1052736"/>
-            <a:ext cx="11809312" cy="2554545"/>
-          </a:xfrm>
-          <a:prstGeom prst="rect">
-            <a:avLst/>
-          </a:prstGeom>
-          <a:noFill/>
-        </p:spPr>
-        <p:txBody>
-          <a:bodyPr wrap="square">
-            <a:spAutoFit/>
-          </a:bodyPr>
-          <a:lstStyle>
-            <a:defPPr>
-              <a:defRPr lang="en-US"/>
-            </a:defPPr>
-            <a:lvl1pPr marL="285750" indent="-285750">
-              <a:buFont typeface="Arial" panose="020B0604020202020204" pitchFamily="34" charset="0"/>
-              <a:buChar char="•"/>
-              <a:defRPr b="1">
-                <a:latin typeface="Arial" panose="020B0604020202020204" pitchFamily="34" charset="0"/>
-                <a:cs typeface="Arial" panose="020B0604020202020204" pitchFamily="34" charset="0"/>
-              </a:defRPr>
-            </a:lvl1pPr>
-          </a:lstStyle>
-          <a:p>
-            <a:r>
-              <a:rPr lang="en-US" sz="2000" b="0" dirty="0"/>
-              <a:t>Procedural programming revolves around a sequence of instructions given to the computer. These sequences of instructions are known as procedures.</a:t>
-            </a:r>
-          </a:p>
-          <a:p>
-            <a:endParaRPr lang="en-US" sz="2000" b="0" dirty="0"/>
-          </a:p>
-          <a:p>
-            <a:r>
-              <a:rPr lang="en-US" sz="2000" b="0" dirty="0"/>
-              <a:t>Since the instructions are carried out in well-defined sequences, we say that procedural programming takes a top-down approach.</a:t>
-            </a:r>
-          </a:p>
-          <a:p>
-            <a:endParaRPr lang="en-US" sz="2000" b="0" dirty="0"/>
-          </a:p>
-          <a:p>
-            <a:r>
-              <a:rPr lang="en-US" sz="2000" b="0" dirty="0"/>
-              <a:t>In procedural programming, we divide our instructions into smaller blocks of well-defined code. These code blocks are known as functions, where each function performs a specific task.</a:t>
-            </a:r>
-            <a:endParaRPr lang="en-IN" sz="2000" b="0" dirty="0"/>
-          </a:p>
-        </p:txBody>
-      </p:sp>
     </p:spTree>
     <p:extLst>
       <p:ext uri="{BB962C8B-B14F-4D97-AF65-F5344CB8AC3E}">
-        <p14:creationId xmlns:p14="http://schemas.microsoft.com/office/powerpoint/2010/main" val="2207908433"/>
+        <p14:creationId xmlns:p14="http://schemas.microsoft.com/office/powerpoint/2010/main" val="3683696748"/>
       </p:ext>
     </p:extLst>
   </p:cSld>
@@ -14152,57 +14118,57 @@
       </p:grpSpPr>
       <p:sp>
         <p:nvSpPr>
-          <p:cNvPr id="4" name="Rectangle 3">
-            <a:extLst>
-              <a:ext uri="{FF2B5EF4-FFF2-40B4-BE49-F238E27FC236}">
-                <a16:creationId xmlns:a16="http://schemas.microsoft.com/office/drawing/2014/main" id="{6524962B-7610-4EFD-AA5E-DDE403AB8860}"/>
-              </a:ext>
-            </a:extLst>
-          </p:cNvPr>
-          <p:cNvSpPr/>
+          <p:cNvPr id="2" name="Title 1"/>
+          <p:cNvSpPr txBox="1">
+            <a:spLocks/>
+          </p:cNvSpPr>
           <p:nvPr/>
         </p:nvSpPr>
         <p:spPr>
           <a:xfrm>
-            <a:off x="1524000" y="1"/>
-            <a:ext cx="9144000" cy="584775"/>
+            <a:off x="1676400" y="2057400"/>
+            <a:ext cx="8839200" cy="1676400"/>
           </a:xfrm>
           <a:prstGeom prst="rect">
             <a:avLst/>
           </a:prstGeom>
-          <a:noFill/>
         </p:spPr>
         <p:txBody>
-          <a:bodyPr wrap="square">
-            <a:spAutoFit/>
+          <a:bodyPr>
+            <a:noAutofit/>
           </a:bodyPr>
-          <a:lstStyle/>
-          <a:p>
-            <a:pPr algn="r"/>
-            <a:r>
-              <a:rPr lang="en-US" sz="3200" i="1" dirty="0">
-                <a:solidFill>
-                  <a:srgbClr val="FF9900"/>
-                </a:solidFill>
+          <a:lstStyle>
+            <a:defPPr>
+              <a:defRPr lang="en-US"/>
+            </a:defPPr>
+            <a:lvl1pPr lvl="0" algn="ctr">
+              <a:spcBef>
+                <a:spcPct val="0"/>
+              </a:spcBef>
+              <a:defRPr sz="4800">
                 <a:latin typeface="Arial" pitchFamily="34" charset="0"/>
                 <a:cs typeface="Arial" pitchFamily="34" charset="0"/>
-              </a:rPr>
-              <a:t>object oriented programming paradigm</a:t>
-            </a:r>
-            <a:endParaRPr lang="en-IN" sz="3200" i="1" dirty="0">
-              <a:solidFill>
-                <a:srgbClr val="FF9900"/>
-              </a:solidFill>
-              <a:latin typeface="Arial" pitchFamily="34" charset="0"/>
-              <a:cs typeface="Arial" pitchFamily="34" charset="0"/>
-            </a:endParaRPr>
+              </a:defRPr>
+            </a:lvl1pPr>
+          </a:lstStyle>
+          <a:p>
+            <a:r>
+              <a:rPr lang="en-US" dirty="0">
+                <a:solidFill>
+                  <a:srgbClr val="DC525C"/>
+                </a:solidFill>
+                <a:latin typeface="Segoe UI Light" panose="020B0502040204020203" pitchFamily="34" charset="0"/>
+                <a:cs typeface="Segoe UI Light" panose="020B0502040204020203" pitchFamily="34" charset="0"/>
+              </a:rPr>
+              <a:t>Introduction to Data Science and Skillset required for working with Big Data</a:t>
+            </a:r>
           </a:p>
         </p:txBody>
       </p:sp>
     </p:spTree>
     <p:extLst>
       <p:ext uri="{BB962C8B-B14F-4D97-AF65-F5344CB8AC3E}">
-        <p14:creationId xmlns:p14="http://schemas.microsoft.com/office/powerpoint/2010/main" val="1921851627"/>
+        <p14:creationId xmlns:p14="http://schemas.microsoft.com/office/powerpoint/2010/main" val="213268456"/>
       </p:ext>
     </p:extLst>
   </p:cSld>
@@ -14244,7 +14210,7 @@
         <p:spPr>
           <a:xfrm>
             <a:off x="1524000" y="1"/>
-            <a:ext cx="9144000" cy="584775"/>
+            <a:ext cx="9144000" cy="1077218"/>
           </a:xfrm>
           <a:prstGeom prst="rect">
             <a:avLst/>
@@ -14266,7 +14232,7 @@
                 <a:latin typeface="Arial" pitchFamily="34" charset="0"/>
                 <a:cs typeface="Arial" pitchFamily="34" charset="0"/>
               </a:rPr>
-              <a:t>parallel processing programming paradigm</a:t>
+              <a:t>Data Science and Skillset required for working with Big Data</a:t>
             </a:r>
             <a:endParaRPr lang="en-IN" sz="3200" i="1" dirty="0">
               <a:solidFill>
@@ -14278,10 +14244,195 @@
           </a:p>
         </p:txBody>
       </p:sp>
+      <p:sp>
+        <p:nvSpPr>
+          <p:cNvPr id="3" name="TextBox 2">
+            <a:extLst>
+              <a:ext uri="{FF2B5EF4-FFF2-40B4-BE49-F238E27FC236}">
+                <a16:creationId xmlns:a16="http://schemas.microsoft.com/office/drawing/2014/main" id="{2565C291-4449-7040-F797-629192AAC461}"/>
+              </a:ext>
+            </a:extLst>
+          </p:cNvPr>
+          <p:cNvSpPr txBox="1"/>
+          <p:nvPr/>
+        </p:nvSpPr>
+        <p:spPr>
+          <a:xfrm>
+            <a:off x="623392" y="1124744"/>
+            <a:ext cx="10873208" cy="1436419"/>
+          </a:xfrm>
+          <a:prstGeom prst="rect">
+            <a:avLst/>
+          </a:prstGeom>
+          <a:noFill/>
+        </p:spPr>
+        <p:txBody>
+          <a:bodyPr wrap="square">
+            <a:spAutoFit/>
+          </a:bodyPr>
+          <a:lstStyle/>
+          <a:p>
+            <a:pPr>
+              <a:lnSpc>
+                <a:spcPct val="150000"/>
+              </a:lnSpc>
+            </a:pPr>
+            <a:r>
+              <a:rPr lang="en-US" sz="2000" b="0" i="0" dirty="0">
+                <a:solidFill>
+                  <a:srgbClr val="273239"/>
+                </a:solidFill>
+                <a:effectLst/>
+                <a:latin typeface="Arial" panose="020B0604020202020204" pitchFamily="34" charset="0"/>
+                <a:cs typeface="Arial" panose="020B0604020202020204" pitchFamily="34" charset="0"/>
+              </a:rPr>
+              <a:t>Data science is an </a:t>
+            </a:r>
+            <a:r>
+              <a:rPr lang="en-IN" sz="2000" dirty="0">
+                <a:solidFill>
+                  <a:srgbClr val="273239"/>
+                </a:solidFill>
+                <a:latin typeface="Arial" panose="020B0604020202020204" pitchFamily="34" charset="0"/>
+                <a:cs typeface="Arial" panose="020B0604020202020204" pitchFamily="34" charset="0"/>
+              </a:rPr>
+              <a:t>associative</a:t>
+            </a:r>
+            <a:r>
+              <a:rPr lang="en-US" sz="2000" b="0" i="0" dirty="0">
+                <a:solidFill>
+                  <a:srgbClr val="273239"/>
+                </a:solidFill>
+                <a:effectLst/>
+                <a:latin typeface="Arial" panose="020B0604020202020204" pitchFamily="34" charset="0"/>
+                <a:cs typeface="Arial" panose="020B0604020202020204" pitchFamily="34" charset="0"/>
+              </a:rPr>
+              <a:t> field of scientific methods, processes, algorithms, and systems to extract knowledge from data in various forms, either structured or unstructured, similar to data mining.</a:t>
+            </a:r>
+            <a:endParaRPr lang="en-IN" sz="2000" dirty="0">
+              <a:latin typeface="Arial" panose="020B0604020202020204" pitchFamily="34" charset="0"/>
+              <a:cs typeface="Arial" panose="020B0604020202020204" pitchFamily="34" charset="0"/>
+            </a:endParaRPr>
+          </a:p>
+        </p:txBody>
+      </p:sp>
+      <p:sp>
+        <p:nvSpPr>
+          <p:cNvPr id="7" name="TextBox 6">
+            <a:extLst>
+              <a:ext uri="{FF2B5EF4-FFF2-40B4-BE49-F238E27FC236}">
+                <a16:creationId xmlns:a16="http://schemas.microsoft.com/office/drawing/2014/main" id="{E8983A6F-2065-EDF9-141C-9FA7DBEF8C32}"/>
+              </a:ext>
+            </a:extLst>
+          </p:cNvPr>
+          <p:cNvSpPr txBox="1"/>
+          <p:nvPr/>
+        </p:nvSpPr>
+        <p:spPr>
+          <a:xfrm>
+            <a:off x="191344" y="2828835"/>
+            <a:ext cx="11737304" cy="2862322"/>
+          </a:xfrm>
+          <a:prstGeom prst="rect">
+            <a:avLst/>
+          </a:prstGeom>
+          <a:noFill/>
+        </p:spPr>
+        <p:txBody>
+          <a:bodyPr wrap="square">
+            <a:spAutoFit/>
+          </a:bodyPr>
+          <a:lstStyle/>
+          <a:p>
+            <a:pPr marL="285750" indent="-285750">
+              <a:buFont typeface="Arial" panose="020B0604020202020204" pitchFamily="34" charset="0"/>
+              <a:buChar char="•"/>
+            </a:pPr>
+            <a:r>
+              <a:rPr lang="en-IN" b="1" dirty="0">
+                <a:latin typeface="Arial" panose="020B0604020202020204" pitchFamily="34" charset="0"/>
+                <a:cs typeface="Arial" panose="020B0604020202020204" pitchFamily="34" charset="0"/>
+              </a:rPr>
+              <a:t>Technical skills</a:t>
+            </a:r>
+            <a:r>
+              <a:rPr lang="en-IN" dirty="0">
+                <a:latin typeface="Arial" panose="020B0604020202020204" pitchFamily="34" charset="0"/>
+                <a:cs typeface="Arial" panose="020B0604020202020204" pitchFamily="34" charset="0"/>
+              </a:rPr>
+              <a:t>: Data science requires proficiency in programming languages such as Python or R, data visualization tools like Tableau or Power BI, databases such as SQL, and machine learning algorithms.</a:t>
+            </a:r>
+          </a:p>
+          <a:p>
+            <a:pPr marL="285750" indent="-285750">
+              <a:buFont typeface="Arial" panose="020B0604020202020204" pitchFamily="34" charset="0"/>
+              <a:buChar char="•"/>
+            </a:pPr>
+            <a:endParaRPr lang="en-IN" dirty="0">
+              <a:latin typeface="Arial" panose="020B0604020202020204" pitchFamily="34" charset="0"/>
+              <a:cs typeface="Arial" panose="020B0604020202020204" pitchFamily="34" charset="0"/>
+            </a:endParaRPr>
+          </a:p>
+          <a:p>
+            <a:pPr marL="285750" indent="-285750">
+              <a:buFont typeface="Arial" panose="020B0604020202020204" pitchFamily="34" charset="0"/>
+              <a:buChar char="•"/>
+            </a:pPr>
+            <a:r>
+              <a:rPr lang="en-US" b="1" dirty="0">
+                <a:latin typeface="Arial" panose="020B0604020202020204" pitchFamily="34" charset="0"/>
+                <a:cs typeface="Arial" panose="020B0604020202020204" pitchFamily="34" charset="0"/>
+              </a:rPr>
+              <a:t>Domain expertise</a:t>
+            </a:r>
+            <a:r>
+              <a:rPr lang="en-US" dirty="0">
+                <a:latin typeface="Arial" panose="020B0604020202020204" pitchFamily="34" charset="0"/>
+                <a:cs typeface="Arial" panose="020B0604020202020204" pitchFamily="34" charset="0"/>
+              </a:rPr>
+              <a:t>: Data scientists should have an understanding of the business domain in which they work. For example, a data scientist in healthcare should have knowledge of medical terminologies and healthcare workflows.</a:t>
+            </a:r>
+          </a:p>
+          <a:p>
+            <a:pPr marL="285750" indent="-285750">
+              <a:buFont typeface="Arial" panose="020B0604020202020204" pitchFamily="34" charset="0"/>
+              <a:buChar char="•"/>
+            </a:pPr>
+            <a:endParaRPr lang="en-US" dirty="0">
+              <a:latin typeface="Arial" panose="020B0604020202020204" pitchFamily="34" charset="0"/>
+              <a:cs typeface="Arial" panose="020B0604020202020204" pitchFamily="34" charset="0"/>
+            </a:endParaRPr>
+          </a:p>
+          <a:p>
+            <a:pPr marL="285750" indent="-285750">
+              <a:buFont typeface="Arial" panose="020B0604020202020204" pitchFamily="34" charset="0"/>
+              <a:buChar char="•"/>
+            </a:pPr>
+            <a:r>
+              <a:rPr lang="en-US" b="1" dirty="0">
+                <a:latin typeface="Arial" panose="020B0604020202020204" pitchFamily="34" charset="0"/>
+                <a:cs typeface="Arial" panose="020B0604020202020204" pitchFamily="34" charset="0"/>
+              </a:rPr>
+              <a:t>Soft skills</a:t>
+            </a:r>
+            <a:r>
+              <a:rPr lang="en-US" dirty="0">
+                <a:latin typeface="Arial" panose="020B0604020202020204" pitchFamily="34" charset="0"/>
+                <a:cs typeface="Arial" panose="020B0604020202020204" pitchFamily="34" charset="0"/>
+              </a:rPr>
+              <a:t>: Soft skills like communication, collaboration, and problem-solving are essential for a successful data scientist. Data scientists should be able to communicate complex technical concepts to non-technical stakeholders in a clear and concise manner.</a:t>
+            </a:r>
+            <a:endParaRPr lang="en-IN" dirty="0">
+              <a:latin typeface="Arial" panose="020B0604020202020204" pitchFamily="34" charset="0"/>
+              <a:cs typeface="Arial" panose="020B0604020202020204" pitchFamily="34" charset="0"/>
+            </a:endParaRPr>
+          </a:p>
+        </p:txBody>
+      </p:sp>
     </p:spTree>
     <p:extLst>
       <p:ext uri="{BB962C8B-B14F-4D97-AF65-F5344CB8AC3E}">
-        <p14:creationId xmlns:p14="http://schemas.microsoft.com/office/powerpoint/2010/main" val="3683696748"/>
+        <p14:creationId xmlns:p14="http://schemas.microsoft.com/office/powerpoint/2010/main" val="1144714866"/>
       </p:ext>
     </p:extLst>
   </p:cSld>
@@ -14352,15 +14503,32 @@
                 <a:latin typeface="Segoe UI Light" panose="020B0502040204020203" pitchFamily="34" charset="0"/>
                 <a:cs typeface="Segoe UI Light" panose="020B0502040204020203" pitchFamily="34" charset="0"/>
               </a:rPr>
-              <a:t>Introduction to Data Science and Skillset required for working with Big Data</a:t>
-            </a:r>
+              <a:t>Types of Machine Learning </a:t>
+            </a:r>
+            <a:r>
+              <a:rPr lang="en-US" sz="3600" dirty="0">
+                <a:solidFill>
+                  <a:srgbClr val="DC525C"/>
+                </a:solidFill>
+                <a:latin typeface="Segoe UI Light" panose="020B0502040204020203" pitchFamily="34" charset="0"/>
+                <a:cs typeface="Segoe UI Light" panose="020B0502040204020203" pitchFamily="34" charset="0"/>
+              </a:rPr>
+              <a:t>(Supervised, Un-Supervised, Reinforcement) </a:t>
+            </a:r>
+            <a:endParaRPr lang="en-US" dirty="0">
+              <a:solidFill>
+                <a:srgbClr val="DC525C"/>
+              </a:solidFill>
+              <a:latin typeface="Segoe UI Light" panose="020B0502040204020203" pitchFamily="34" charset="0"/>
+              <a:cs typeface="Segoe UI Light" panose="020B0502040204020203" pitchFamily="34" charset="0"/>
+            </a:endParaRPr>
           </a:p>
         </p:txBody>
       </p:sp>
     </p:spTree>
     <p:extLst>
       <p:ext uri="{BB962C8B-B14F-4D97-AF65-F5344CB8AC3E}">
-        <p14:creationId xmlns:p14="http://schemas.microsoft.com/office/powerpoint/2010/main" val="213268456"/>
+        <p14:creationId xmlns:p14="http://schemas.microsoft.com/office/powerpoint/2010/main" val="1331387752"/>
       </p:ext>
     </p:extLst>
   </p:cSld>
@@ -14402,7 +14570,7 @@
         <p:spPr>
           <a:xfrm>
             <a:off x="1524000" y="1"/>
-            <a:ext cx="9144000" cy="1077218"/>
+            <a:ext cx="9144000" cy="584775"/>
           </a:xfrm>
           <a:prstGeom prst="rect">
             <a:avLst/>
@@ -14424,7 +14592,7 @@
                 <a:latin typeface="Arial" pitchFamily="34" charset="0"/>
                 <a:cs typeface="Arial" pitchFamily="34" charset="0"/>
               </a:rPr>
-              <a:t>Data Science and Skillset required for working with Big Data</a:t>
+              <a:t>Supervised Learning</a:t>
             </a:r>
             <a:endParaRPr lang="en-IN" sz="3200" i="1" dirty="0">
               <a:solidFill>
@@ -14436,12 +14604,59 @@
           </a:p>
         </p:txBody>
       </p:sp>
+      <p:pic>
+        <p:nvPicPr>
+          <p:cNvPr id="1032" name="Picture 8" descr="Supervised Learning (How supervised machine learning works?">
+            <a:extLst>
+              <a:ext uri="{FF2B5EF4-FFF2-40B4-BE49-F238E27FC236}">
+                <a16:creationId xmlns:a16="http://schemas.microsoft.com/office/drawing/2014/main" id="{35750175-A72F-BADC-C2DA-9CF5A92156A5}"/>
+              </a:ext>
+            </a:extLst>
+          </p:cNvPr>
+          <p:cNvPicPr>
+            <a:picLocks noChangeAspect="1" noChangeArrowheads="1"/>
+          </p:cNvPicPr>
+          <p:nvPr/>
+        </p:nvPicPr>
+        <p:blipFill>
+          <a:blip r:embed="rId2">
+            <a:extLst>
+              <a:ext uri="{28A0092B-C50C-407E-A947-70E740481C1C}">
+                <a14:useLocalDpi xmlns:a14="http://schemas.microsoft.com/office/drawing/2010/main" val="0"/>
+              </a:ext>
+            </a:extLst>
+          </a:blip>
+          <a:srcRect/>
+          <a:stretch>
+            <a:fillRect/>
+          </a:stretch>
+        </p:blipFill>
+        <p:spPr bwMode="auto">
+          <a:xfrm>
+            <a:off x="5375920" y="2426206"/>
+            <a:ext cx="5810539" cy="4119733"/>
+          </a:xfrm>
+          <a:prstGeom prst="rect">
+            <a:avLst/>
+          </a:prstGeom>
+          <a:noFill/>
+          <a:extLst>
+            <a:ext uri="{909E8E84-426E-40DD-AFC4-6F175D3DCCD1}">
+              <a14:hiddenFill xmlns:a14="http://schemas.microsoft.com/office/drawing/2010/main">
+                <a:solidFill>
+                  <a:srgbClr val="FFFFFF"/>
+                </a:solidFill>
+              </a14:hiddenFill>
+            </a:ext>
+          </a:extLst>
+        </p:spPr>
+      </p:pic>
       <p:sp>
         <p:nvSpPr>
-          <p:cNvPr id="3" name="TextBox 2">
+          <p:cNvPr id="9" name="TextBox 8">
             <a:extLst>
               <a:ext uri="{FF2B5EF4-FFF2-40B4-BE49-F238E27FC236}">
-                <a16:creationId xmlns:a16="http://schemas.microsoft.com/office/drawing/2014/main" id="{2565C291-4449-7040-F797-629192AAC461}"/>
+                <a16:creationId xmlns:a16="http://schemas.microsoft.com/office/drawing/2014/main" id="{C1001DAA-4745-90A0-020D-AD535B56CBBF}"/>
               </a:ext>
             </a:extLst>
           </p:cNvPr>
@@ -14450,8 +14665,8 @@
         </p:nvSpPr>
         <p:spPr>
           <a:xfrm>
-            <a:off x="623392" y="1124744"/>
-            <a:ext cx="10873208" cy="1436419"/>
+            <a:off x="191344" y="584776"/>
+            <a:ext cx="11737304" cy="1446550"/>
           </a:xfrm>
           <a:prstGeom prst="rect">
             <a:avLst/>
@@ -14464,66 +14679,155 @@
           </a:bodyPr>
           <a:lstStyle/>
           <a:p>
-            <a:pPr>
-              <a:lnSpc>
-                <a:spcPct val="150000"/>
-              </a:lnSpc>
-            </a:pPr>
+            <a:pPr algn="l"/>
             <a:r>
               <a:rPr lang="en-US" sz="2000" b="0" i="0" dirty="0">
                 <a:solidFill>
-                  <a:srgbClr val="273239"/>
-                </a:solidFill>
-                <a:effectLst/>
-                <a:latin typeface="Arial" panose="020B0604020202020204" pitchFamily="34" charset="0"/>
-                <a:cs typeface="Arial" panose="020B0604020202020204" pitchFamily="34" charset="0"/>
-              </a:rPr>
-              <a:t>Data science is an </a:t>
-            </a:r>
-            <a:r>
-              <a:rPr lang="en-IN" sz="2000" dirty="0">
-                <a:solidFill>
-                  <a:srgbClr val="273239"/>
-                </a:solidFill>
-                <a:latin typeface="Arial" panose="020B0604020202020204" pitchFamily="34" charset="0"/>
-                <a:cs typeface="Arial" panose="020B0604020202020204" pitchFamily="34" charset="0"/>
-              </a:rPr>
-              <a:t>associative</a:t>
+                  <a:srgbClr val="2D3748"/>
+                </a:solidFill>
+                <a:effectLst/>
+                <a:latin typeface="Arial" panose="020B0604020202020204" pitchFamily="34" charset="0"/>
+                <a:cs typeface="Arial" panose="020B0604020202020204" pitchFamily="34" charset="0"/>
+              </a:rPr>
+              <a:t>Supervised machine learning has two key components: first is </a:t>
+            </a:r>
+            <a:r>
+              <a:rPr lang="en-US" sz="2000" b="1" i="0" dirty="0">
+                <a:solidFill>
+                  <a:srgbClr val="2D3748"/>
+                </a:solidFill>
+                <a:effectLst/>
+                <a:latin typeface="Arial" panose="020B0604020202020204" pitchFamily="34" charset="0"/>
+                <a:cs typeface="Arial" panose="020B0604020202020204" pitchFamily="34" charset="0"/>
+              </a:rPr>
+              <a:t>input data</a:t>
             </a:r>
             <a:r>
               <a:rPr lang="en-US" sz="2000" b="0" i="0" dirty="0">
                 <a:solidFill>
-                  <a:srgbClr val="273239"/>
-                </a:solidFill>
-                <a:effectLst/>
-                <a:latin typeface="Arial" panose="020B0604020202020204" pitchFamily="34" charset="0"/>
-                <a:cs typeface="Arial" panose="020B0604020202020204" pitchFamily="34" charset="0"/>
-              </a:rPr>
-              <a:t> field of scientific methods, processes, algorithms, and systems to extract knowledge from data in various forms, either structured or unstructured, similar to data mining.</a:t>
-            </a:r>
-            <a:endParaRPr lang="en-IN" sz="2000" dirty="0">
+                  <a:srgbClr val="2D3748"/>
+                </a:solidFill>
+                <a:effectLst/>
+                <a:latin typeface="Arial" panose="020B0604020202020204" pitchFamily="34" charset="0"/>
+                <a:cs typeface="Arial" panose="020B0604020202020204" pitchFamily="34" charset="0"/>
+              </a:rPr>
+              <a:t> and second corresponding </a:t>
+            </a:r>
+            <a:r>
+              <a:rPr lang="en-US" sz="2000" b="1" i="0" dirty="0">
+                <a:solidFill>
+                  <a:srgbClr val="2D3748"/>
+                </a:solidFill>
+                <a:effectLst/>
+                <a:latin typeface="Arial" panose="020B0604020202020204" pitchFamily="34" charset="0"/>
+                <a:cs typeface="Arial" panose="020B0604020202020204" pitchFamily="34" charset="0"/>
+              </a:rPr>
+              <a:t>output labels</a:t>
+            </a:r>
+            <a:r>
+              <a:rPr lang="en-US" sz="2000" b="0" i="0" dirty="0">
+                <a:solidFill>
+                  <a:srgbClr val="2D3748"/>
+                </a:solidFill>
+                <a:effectLst/>
+                <a:latin typeface="Arial" panose="020B0604020202020204" pitchFamily="34" charset="0"/>
+                <a:cs typeface="Arial" panose="020B0604020202020204" pitchFamily="34" charset="0"/>
+              </a:rPr>
+              <a:t>. The goal is to build a model that can learn from this labeled data to make predictions or classifications on new, unseen data.</a:t>
+            </a:r>
+          </a:p>
+          <a:p>
+            <a:pPr algn="l"/>
+            <a:endParaRPr lang="en-US" sz="800" b="0" i="0" dirty="0">
+              <a:solidFill>
+                <a:srgbClr val="2D3748"/>
+              </a:solidFill>
+              <a:effectLst/>
               <a:latin typeface="Arial" panose="020B0604020202020204" pitchFamily="34" charset="0"/>
               <a:cs typeface="Arial" panose="020B0604020202020204" pitchFamily="34" charset="0"/>
             </a:endParaRPr>
           </a:p>
+          <a:p>
+            <a:pPr algn="l"/>
+            <a:r>
+              <a:rPr lang="en-US" sz="2000" b="0" i="0" dirty="0">
+                <a:solidFill>
+                  <a:srgbClr val="2D3748"/>
+                </a:solidFill>
+                <a:effectLst/>
+                <a:latin typeface="Arial" panose="020B0604020202020204" pitchFamily="34" charset="0"/>
+                <a:cs typeface="Arial" panose="020B0604020202020204" pitchFamily="34" charset="0"/>
+              </a:rPr>
+              <a:t>The labeled data consists of input features  and the corresponding </a:t>
+            </a:r>
+            <a:r>
+              <a:rPr lang="en-US" sz="2000" b="0" i="0">
+                <a:solidFill>
+                  <a:srgbClr val="2D3748"/>
+                </a:solidFill>
+                <a:effectLst/>
+                <a:latin typeface="Arial" panose="020B0604020202020204" pitchFamily="34" charset="0"/>
+                <a:cs typeface="Arial" panose="020B0604020202020204" pitchFamily="34" charset="0"/>
+              </a:rPr>
+              <a:t>output labels.</a:t>
+            </a:r>
+            <a:endParaRPr lang="en-US" sz="2000" b="0" i="0" dirty="0">
+              <a:solidFill>
+                <a:srgbClr val="2D3748"/>
+              </a:solidFill>
+              <a:effectLst/>
+              <a:latin typeface="Arial" panose="020B0604020202020204" pitchFamily="34" charset="0"/>
+              <a:cs typeface="Arial" panose="020B0604020202020204" pitchFamily="34" charset="0"/>
+            </a:endParaRPr>
+          </a:p>
         </p:txBody>
       </p:sp>
+    </p:spTree>
+    <p:extLst>
+      <p:ext uri="{BB962C8B-B14F-4D97-AF65-F5344CB8AC3E}">
+        <p14:creationId xmlns:p14="http://schemas.microsoft.com/office/powerpoint/2010/main" val="2548373981"/>
+      </p:ext>
+    </p:extLst>
+  </p:cSld>
+  <p:clrMapOvr>
+    <a:masterClrMapping/>
+  </p:clrMapOvr>
+</p:sld>
+</file>
+
+<file path=ppt/slides/slide48.xml><?xml version="1.0" encoding="utf-8"?>
+<p:sld xmlns:a="http://schemas.openxmlformats.org/drawingml/2006/main" xmlns:r="http://schemas.openxmlformats.org/officeDocument/2006/relationships" xmlns:p="http://schemas.openxmlformats.org/presentationml/2006/main">
+  <p:cSld>
+    <p:spTree>
+      <p:nvGrpSpPr>
+        <p:cNvPr id="1" name=""/>
+        <p:cNvGrpSpPr/>
+        <p:nvPr/>
+      </p:nvGrpSpPr>
+      <p:grpSpPr>
+        <a:xfrm>
+          <a:off x="0" y="0"/>
+          <a:ext cx="0" cy="0"/>
+          <a:chOff x="0" y="0"/>
+          <a:chExt cx="0" cy="0"/>
+        </a:xfrm>
+      </p:grpSpPr>
       <p:sp>
         <p:nvSpPr>
-          <p:cNvPr id="7" name="TextBox 6">
+          <p:cNvPr id="4" name="Rectangle 3">
             <a:extLst>
               <a:ext uri="{FF2B5EF4-FFF2-40B4-BE49-F238E27FC236}">
-                <a16:creationId xmlns:a16="http://schemas.microsoft.com/office/drawing/2014/main" id="{E8983A6F-2065-EDF9-141C-9FA7DBEF8C32}"/>
+                <a16:creationId xmlns:a16="http://schemas.microsoft.com/office/drawing/2014/main" id="{6524962B-7610-4EFD-AA5E-DDE403AB8860}"/>
               </a:ext>
             </a:extLst>
           </p:cNvPr>
-          <p:cNvSpPr txBox="1"/>
+          <p:cNvSpPr/>
           <p:nvPr/>
         </p:nvSpPr>
         <p:spPr>
           <a:xfrm>
-            <a:off x="191344" y="2828835"/>
-            <a:ext cx="11737304" cy="2862322"/>
+            <a:off x="1524000" y="1"/>
+            <a:ext cx="9144000" cy="584775"/>
           </a:xfrm>
           <a:prstGeom prst="rect">
             <a:avLst/>
@@ -14536,85 +14840,114 @@
           </a:bodyPr>
           <a:lstStyle/>
           <a:p>
-            <a:pPr marL="285750" indent="-285750">
-              <a:buFont typeface="Arial" panose="020B0604020202020204" pitchFamily="34" charset="0"/>
-              <a:buChar char="•"/>
-            </a:pPr>
-            <a:r>
-              <a:rPr lang="en-IN" b="1" dirty="0">
-                <a:latin typeface="Arial" panose="020B0604020202020204" pitchFamily="34" charset="0"/>
-                <a:cs typeface="Arial" panose="020B0604020202020204" pitchFamily="34" charset="0"/>
-              </a:rPr>
-              <a:t>Technical skills</a:t>
-            </a:r>
-            <a:r>
-              <a:rPr lang="en-IN" dirty="0">
-                <a:latin typeface="Arial" panose="020B0604020202020204" pitchFamily="34" charset="0"/>
-                <a:cs typeface="Arial" panose="020B0604020202020204" pitchFamily="34" charset="0"/>
-              </a:rPr>
-              <a:t>: Data science requires proficiency in programming languages such as Python or R, data visualization tools like Tableau or Power BI, databases such as SQL, and machine learning algorithms.</a:t>
-            </a:r>
-          </a:p>
-          <a:p>
-            <a:pPr marL="285750" indent="-285750">
-              <a:buFont typeface="Arial" panose="020B0604020202020204" pitchFamily="34" charset="0"/>
-              <a:buChar char="•"/>
-            </a:pPr>
-            <a:endParaRPr lang="en-IN" dirty="0">
-              <a:latin typeface="Arial" panose="020B0604020202020204" pitchFamily="34" charset="0"/>
-              <a:cs typeface="Arial" panose="020B0604020202020204" pitchFamily="34" charset="0"/>
+            <a:pPr algn="r"/>
+            <a:r>
+              <a:rPr lang="en-US" sz="3200" i="1" dirty="0">
+                <a:solidFill>
+                  <a:srgbClr val="FF9900"/>
+                </a:solidFill>
+                <a:latin typeface="Arial" pitchFamily="34" charset="0"/>
+                <a:cs typeface="Arial" pitchFamily="34" charset="0"/>
+              </a:rPr>
+              <a:t>Unsupervised Learning</a:t>
+            </a:r>
+            <a:endParaRPr lang="en-IN" sz="3200" i="1" dirty="0">
+              <a:solidFill>
+                <a:srgbClr val="FF9900"/>
+              </a:solidFill>
+              <a:latin typeface="Arial" pitchFamily="34" charset="0"/>
+              <a:cs typeface="Arial" pitchFamily="34" charset="0"/>
             </a:endParaRPr>
           </a:p>
-          <a:p>
-            <a:pPr marL="285750" indent="-285750">
-              <a:buFont typeface="Arial" panose="020B0604020202020204" pitchFamily="34" charset="0"/>
-              <a:buChar char="•"/>
-            </a:pPr>
-            <a:r>
-              <a:rPr lang="en-US" b="1" dirty="0">
-                <a:latin typeface="Arial" panose="020B0604020202020204" pitchFamily="34" charset="0"/>
-                <a:cs typeface="Arial" panose="020B0604020202020204" pitchFamily="34" charset="0"/>
-              </a:rPr>
-              <a:t>Domain expertise</a:t>
-            </a:r>
-            <a:r>
-              <a:rPr lang="en-US" dirty="0">
-                <a:latin typeface="Arial" panose="020B0604020202020204" pitchFamily="34" charset="0"/>
-                <a:cs typeface="Arial" panose="020B0604020202020204" pitchFamily="34" charset="0"/>
-              </a:rPr>
-              <a:t>: Data scientists should have an understanding of the business domain in which they work. For example, a data scientist in healthcare should have knowledge of medical terminologies and healthcare workflows.</a:t>
-            </a:r>
-          </a:p>
-          <a:p>
-            <a:pPr marL="285750" indent="-285750">
-              <a:buFont typeface="Arial" panose="020B0604020202020204" pitchFamily="34" charset="0"/>
-              <a:buChar char="•"/>
-            </a:pPr>
-            <a:endParaRPr lang="en-US" dirty="0">
-              <a:latin typeface="Arial" panose="020B0604020202020204" pitchFamily="34" charset="0"/>
-              <a:cs typeface="Arial" panose="020B0604020202020204" pitchFamily="34" charset="0"/>
-            </a:endParaRPr>
-          </a:p>
-          <a:p>
-            <a:pPr marL="285750" indent="-285750">
-              <a:buFont typeface="Arial" panose="020B0604020202020204" pitchFamily="34" charset="0"/>
-              <a:buChar char="•"/>
-            </a:pPr>
-            <a:r>
-              <a:rPr lang="en-US" b="1" dirty="0">
-                <a:latin typeface="Arial" panose="020B0604020202020204" pitchFamily="34" charset="0"/>
-                <a:cs typeface="Arial" panose="020B0604020202020204" pitchFamily="34" charset="0"/>
-              </a:rPr>
-              <a:t>Soft skills</a:t>
-            </a:r>
-            <a:r>
-              <a:rPr lang="en-US" dirty="0">
-                <a:latin typeface="Arial" panose="020B0604020202020204" pitchFamily="34" charset="0"/>
-                <a:cs typeface="Arial" panose="020B0604020202020204" pitchFamily="34" charset="0"/>
-              </a:rPr>
-              <a:t>: Soft skills like communication, collaboration, and problem-solving are essential for a successful data scientist. Data scientists should be able to communicate complex technical concepts to non-technical stakeholders in a clear and concise manner.</a:t>
-            </a:r>
-            <a:endParaRPr lang="en-IN" dirty="0">
+        </p:txBody>
+      </p:sp>
+      <p:pic>
+        <p:nvPicPr>
+          <p:cNvPr id="2050" name="Picture 2" descr="Unsupervised Learning">
+            <a:extLst>
+              <a:ext uri="{FF2B5EF4-FFF2-40B4-BE49-F238E27FC236}">
+                <a16:creationId xmlns:a16="http://schemas.microsoft.com/office/drawing/2014/main" id="{7E51A808-249E-665C-E076-AB08CEB32FC5}"/>
+              </a:ext>
+            </a:extLst>
+          </p:cNvPr>
+          <p:cNvPicPr>
+            <a:picLocks noChangeAspect="1" noChangeArrowheads="1"/>
+          </p:cNvPicPr>
+          <p:nvPr/>
+        </p:nvPicPr>
+        <p:blipFill>
+          <a:blip r:embed="rId2">
+            <a:extLst>
+              <a:ext uri="{28A0092B-C50C-407E-A947-70E740481C1C}">
+                <a14:useLocalDpi xmlns:a14="http://schemas.microsoft.com/office/drawing/2010/main" val="0"/>
+              </a:ext>
+            </a:extLst>
+          </a:blip>
+          <a:srcRect/>
+          <a:stretch>
+            <a:fillRect/>
+          </a:stretch>
+        </p:blipFill>
+        <p:spPr bwMode="auto">
+          <a:xfrm>
+            <a:off x="5231904" y="1986667"/>
+            <a:ext cx="6412200" cy="4546317"/>
+          </a:xfrm>
+          <a:prstGeom prst="rect">
+            <a:avLst/>
+          </a:prstGeom>
+          <a:noFill/>
+          <a:extLst>
+            <a:ext uri="{909E8E84-426E-40DD-AFC4-6F175D3DCCD1}">
+              <a14:hiddenFill xmlns:a14="http://schemas.microsoft.com/office/drawing/2010/main">
+                <a:solidFill>
+                  <a:srgbClr val="FFFFFF"/>
+                </a:solidFill>
+              </a14:hiddenFill>
+            </a:ext>
+          </a:extLst>
+        </p:spPr>
+      </p:pic>
+      <p:sp>
+        <p:nvSpPr>
+          <p:cNvPr id="3" name="TextBox 2">
+            <a:extLst>
+              <a:ext uri="{FF2B5EF4-FFF2-40B4-BE49-F238E27FC236}">
+                <a16:creationId xmlns:a16="http://schemas.microsoft.com/office/drawing/2014/main" id="{77C63E81-36AD-9FD2-AA77-B0E75D9E17FA}"/>
+              </a:ext>
+            </a:extLst>
+          </p:cNvPr>
+          <p:cNvSpPr txBox="1"/>
+          <p:nvPr/>
+        </p:nvSpPr>
+        <p:spPr>
+          <a:xfrm>
+            <a:off x="335360" y="829161"/>
+            <a:ext cx="11308744" cy="1015663"/>
+          </a:xfrm>
+          <a:prstGeom prst="rect">
+            <a:avLst/>
+          </a:prstGeom>
+          <a:noFill/>
+        </p:spPr>
+        <p:txBody>
+          <a:bodyPr wrap="square">
+            <a:spAutoFit/>
+          </a:bodyPr>
+          <a:lstStyle/>
+          <a:p>
+            <a:r>
+              <a:rPr lang="en-US" sz="2000" b="0" i="0" dirty="0">
+                <a:solidFill>
+                  <a:srgbClr val="2D3748"/>
+                </a:solidFill>
+                <a:effectLst/>
+                <a:latin typeface="Arial" panose="020B0604020202020204" pitchFamily="34" charset="0"/>
+                <a:cs typeface="Arial" panose="020B0604020202020204" pitchFamily="34" charset="0"/>
+              </a:rPr>
+              <a:t>Unsupervised learning is a type of machine learning where the algorithm learns from unlabeled data without any predefined outputs or target variables. The unsupervised learning finds patterns, similarities, or groupings within the data to get insights and make data-driven decisions.</a:t>
+            </a:r>
+            <a:endParaRPr lang="en-IN" sz="2000" dirty="0">
               <a:latin typeface="Arial" panose="020B0604020202020204" pitchFamily="34" charset="0"/>
               <a:cs typeface="Arial" panose="020B0604020202020204" pitchFamily="34" charset="0"/>
             </a:endParaRPr>
@@ -14624,7 +14957,86 @@
     </p:spTree>
     <p:extLst>
       <p:ext uri="{BB962C8B-B14F-4D97-AF65-F5344CB8AC3E}">
-        <p14:creationId xmlns:p14="http://schemas.microsoft.com/office/powerpoint/2010/main" val="1144714866"/>
+        <p14:creationId xmlns:p14="http://schemas.microsoft.com/office/powerpoint/2010/main" val="3616974630"/>
+      </p:ext>
+    </p:extLst>
+  </p:cSld>
+  <p:clrMapOvr>
+    <a:masterClrMapping/>
+  </p:clrMapOvr>
+</p:sld>
+</file>
+
+<file path=ppt/slides/slide49.xml><?xml version="1.0" encoding="utf-8"?>
+<p:sld xmlns:a="http://schemas.openxmlformats.org/drawingml/2006/main" xmlns:r="http://schemas.openxmlformats.org/officeDocument/2006/relationships" xmlns:p="http://schemas.openxmlformats.org/presentationml/2006/main">
+  <p:cSld>
+    <p:spTree>
+      <p:nvGrpSpPr>
+        <p:cNvPr id="1" name=""/>
+        <p:cNvGrpSpPr/>
+        <p:nvPr/>
+      </p:nvGrpSpPr>
+      <p:grpSpPr>
+        <a:xfrm>
+          <a:off x="0" y="0"/>
+          <a:ext cx="0" cy="0"/>
+          <a:chOff x="0" y="0"/>
+          <a:chExt cx="0" cy="0"/>
+        </a:xfrm>
+      </p:grpSpPr>
+      <p:sp>
+        <p:nvSpPr>
+          <p:cNvPr id="4" name="Rectangle 3">
+            <a:extLst>
+              <a:ext uri="{FF2B5EF4-FFF2-40B4-BE49-F238E27FC236}">
+                <a16:creationId xmlns:a16="http://schemas.microsoft.com/office/drawing/2014/main" id="{6524962B-7610-4EFD-AA5E-DDE403AB8860}"/>
+              </a:ext>
+            </a:extLst>
+          </p:cNvPr>
+          <p:cNvSpPr/>
+          <p:nvPr/>
+        </p:nvSpPr>
+        <p:spPr>
+          <a:xfrm>
+            <a:off x="1524000" y="1"/>
+            <a:ext cx="9144000" cy="584775"/>
+          </a:xfrm>
+          <a:prstGeom prst="rect">
+            <a:avLst/>
+          </a:prstGeom>
+          <a:noFill/>
+        </p:spPr>
+        <p:txBody>
+          <a:bodyPr wrap="square">
+            <a:spAutoFit/>
+          </a:bodyPr>
+          <a:lstStyle/>
+          <a:p>
+            <a:pPr algn="r"/>
+            <a:r>
+              <a:rPr lang="en-US" sz="3200" i="1" dirty="0">
+                <a:solidFill>
+                  <a:srgbClr val="FF9900"/>
+                </a:solidFill>
+                <a:latin typeface="Arial" pitchFamily="34" charset="0"/>
+                <a:cs typeface="Arial" pitchFamily="34" charset="0"/>
+              </a:rPr>
+              <a:t>Reinforcement Learning</a:t>
+            </a:r>
+            <a:endParaRPr lang="en-IN" sz="3200" i="1" dirty="0">
+              <a:solidFill>
+                <a:srgbClr val="FF9900"/>
+              </a:solidFill>
+              <a:latin typeface="Arial" pitchFamily="34" charset="0"/>
+              <a:cs typeface="Arial" pitchFamily="34" charset="0"/>
+            </a:endParaRPr>
+          </a:p>
+        </p:txBody>
+      </p:sp>
+    </p:spTree>
+    <p:extLst>
+      <p:ext uri="{BB962C8B-B14F-4D97-AF65-F5344CB8AC3E}">
+        <p14:creationId xmlns:p14="http://schemas.microsoft.com/office/powerpoint/2010/main" val="3884141119"/>
       </p:ext>
     </p:extLst>
   </p:cSld>

--- a/BIG Data.pptx
+++ b/BIG Data.pptx
@@ -5,7 +5,7 @@
     <p:sldMasterId id="2147483720" r:id="rId1"/>
   </p:sldMasterIdLst>
   <p:notesMasterIdLst>
-    <p:notesMasterId r:id="rId51"/>
+    <p:notesMasterId r:id="rId52"/>
   </p:notesMasterIdLst>
   <p:sldIdLst>
     <p:sldId id="257" r:id="rId2"/>
@@ -55,8 +55,9 @@
     <p:sldId id="1336" r:id="rId46"/>
     <p:sldId id="1359" r:id="rId47"/>
     <p:sldId id="1360" r:id="rId48"/>
-    <p:sldId id="1363" r:id="rId49"/>
-    <p:sldId id="1362" r:id="rId50"/>
+    <p:sldId id="1364" r:id="rId49"/>
+    <p:sldId id="1363" r:id="rId50"/>
+    <p:sldId id="1362" r:id="rId51"/>
   </p:sldIdLst>
   <p:sldSz cx="12192000" cy="6858000"/>
   <p:notesSz cx="6858000" cy="9144000"/>
@@ -14849,7 +14850,7 @@
                 <a:latin typeface="Arial" pitchFamily="34" charset="0"/>
                 <a:cs typeface="Arial" pitchFamily="34" charset="0"/>
               </a:rPr>
-              <a:t>Unsupervised Learning</a:t>
+              <a:t>Supervised Learning</a:t>
             </a:r>
             <a:endParaRPr lang="en-IN" sz="3200" i="1" dirty="0">
               <a:solidFill>
@@ -14861,59 +14862,12 @@
           </a:p>
         </p:txBody>
       </p:sp>
-      <p:pic>
-        <p:nvPicPr>
-          <p:cNvPr id="2050" name="Picture 2" descr="Unsupervised Learning">
+      <p:sp>
+        <p:nvSpPr>
+          <p:cNvPr id="9" name="TextBox 8">
             <a:extLst>
               <a:ext uri="{FF2B5EF4-FFF2-40B4-BE49-F238E27FC236}">
-                <a16:creationId xmlns:a16="http://schemas.microsoft.com/office/drawing/2014/main" id="{7E51A808-249E-665C-E076-AB08CEB32FC5}"/>
-              </a:ext>
-            </a:extLst>
-          </p:cNvPr>
-          <p:cNvPicPr>
-            <a:picLocks noChangeAspect="1" noChangeArrowheads="1"/>
-          </p:cNvPicPr>
-          <p:nvPr/>
-        </p:nvPicPr>
-        <p:blipFill>
-          <a:blip r:embed="rId2">
-            <a:extLst>
-              <a:ext uri="{28A0092B-C50C-407E-A947-70E740481C1C}">
-                <a14:useLocalDpi xmlns:a14="http://schemas.microsoft.com/office/drawing/2010/main" val="0"/>
-              </a:ext>
-            </a:extLst>
-          </a:blip>
-          <a:srcRect/>
-          <a:stretch>
-            <a:fillRect/>
-          </a:stretch>
-        </p:blipFill>
-        <p:spPr bwMode="auto">
-          <a:xfrm>
-            <a:off x="5231904" y="1986667"/>
-            <a:ext cx="6412200" cy="4546317"/>
-          </a:xfrm>
-          <a:prstGeom prst="rect">
-            <a:avLst/>
-          </a:prstGeom>
-          <a:noFill/>
-          <a:extLst>
-            <a:ext uri="{909E8E84-426E-40DD-AFC4-6F175D3DCCD1}">
-              <a14:hiddenFill xmlns:a14="http://schemas.microsoft.com/office/drawing/2010/main">
-                <a:solidFill>
-                  <a:srgbClr val="FFFFFF"/>
-                </a:solidFill>
-              </a14:hiddenFill>
-            </a:ext>
-          </a:extLst>
-        </p:spPr>
-      </p:pic>
-      <p:sp>
-        <p:nvSpPr>
-          <p:cNvPr id="3" name="TextBox 2">
-            <a:extLst>
-              <a:ext uri="{FF2B5EF4-FFF2-40B4-BE49-F238E27FC236}">
-                <a16:creationId xmlns:a16="http://schemas.microsoft.com/office/drawing/2014/main" id="{77C63E81-36AD-9FD2-AA77-B0E75D9E17FA}"/>
+                <a16:creationId xmlns:a16="http://schemas.microsoft.com/office/drawing/2014/main" id="{C1001DAA-4745-90A0-020D-AD535B56CBBF}"/>
               </a:ext>
             </a:extLst>
           </p:cNvPr>
@@ -14922,8 +14876,8 @@
         </p:nvSpPr>
         <p:spPr>
           <a:xfrm>
-            <a:off x="335360" y="829161"/>
-            <a:ext cx="11308744" cy="1015663"/>
+            <a:off x="191344" y="834965"/>
+            <a:ext cx="11737304" cy="2862322"/>
           </a:xfrm>
           <a:prstGeom prst="rect">
             <a:avLst/>
@@ -14936,6 +14890,18 @@
           </a:bodyPr>
           <a:lstStyle/>
           <a:p>
+            <a:pPr algn="l"/>
+            <a:r>
+              <a:rPr lang="en-US" sz="2000" b="1" i="0" dirty="0">
+                <a:solidFill>
+                  <a:srgbClr val="2D3748"/>
+                </a:solidFill>
+                <a:effectLst/>
+                <a:latin typeface="Arial" panose="020B0604020202020204" pitchFamily="34" charset="0"/>
+                <a:cs typeface="Arial" panose="020B0604020202020204" pitchFamily="34" charset="0"/>
+              </a:rPr>
+              <a:t>Medical Diagnosis</a:t>
+            </a:r>
             <a:r>
               <a:rPr lang="en-US" sz="2000" b="0" i="0" dirty="0">
                 <a:solidFill>
@@ -14945,19 +14911,87 @@
                 <a:latin typeface="Arial" panose="020B0604020202020204" pitchFamily="34" charset="0"/>
                 <a:cs typeface="Arial" panose="020B0604020202020204" pitchFamily="34" charset="0"/>
               </a:rPr>
-              <a:t>Unsupervised learning is a type of machine learning where the algorithm learns from unlabeled data without any predefined outputs or target variables. The unsupervised learning finds patterns, similarities, or groupings within the data to get insights and make data-driven decisions.</a:t>
-            </a:r>
-            <a:endParaRPr lang="en-IN" sz="2000" dirty="0">
+              <a:t>: Supervised algorithms are also used in the medical field for diagnosis purposes. It is done by using medical images and past labelled data with labels for disease conditions. With such a process, the machine can identify a disease for the new patients.</a:t>
+            </a:r>
+          </a:p>
+          <a:p>
+            <a:pPr algn="l"/>
+            <a:endParaRPr lang="en-US" sz="2000" b="0" i="0" dirty="0">
+              <a:solidFill>
+                <a:srgbClr val="2D3748"/>
+              </a:solidFill>
+              <a:effectLst/>
               <a:latin typeface="Arial" panose="020B0604020202020204" pitchFamily="34" charset="0"/>
               <a:cs typeface="Arial" panose="020B0604020202020204" pitchFamily="34" charset="0"/>
             </a:endParaRPr>
+          </a:p>
+          <a:p>
+            <a:pPr algn="l"/>
+            <a:r>
+              <a:rPr lang="en-US" sz="2000" b="1" i="0" dirty="0">
+                <a:solidFill>
+                  <a:srgbClr val="2D3748"/>
+                </a:solidFill>
+                <a:effectLst/>
+                <a:latin typeface="Arial" panose="020B0604020202020204" pitchFamily="34" charset="0"/>
+                <a:cs typeface="Arial" panose="020B0604020202020204" pitchFamily="34" charset="0"/>
+              </a:rPr>
+              <a:t>Fraud Detection </a:t>
+            </a:r>
+            <a:r>
+              <a:rPr lang="en-US" sz="2000" b="0" i="0" dirty="0">
+                <a:solidFill>
+                  <a:srgbClr val="2D3748"/>
+                </a:solidFill>
+                <a:effectLst/>
+                <a:latin typeface="Arial" panose="020B0604020202020204" pitchFamily="34" charset="0"/>
+                <a:cs typeface="Arial" panose="020B0604020202020204" pitchFamily="34" charset="0"/>
+              </a:rPr>
+              <a:t>- Supervised Learning algorithms are used for identifying fraud transactions, fraud customers, etc. It is done by using historic data to identify the patterns that can lead to possible fraud.</a:t>
+            </a:r>
+          </a:p>
+          <a:p>
+            <a:pPr algn="l"/>
+            <a:endParaRPr lang="en-US" sz="2000" b="0" i="0" dirty="0">
+              <a:solidFill>
+                <a:srgbClr val="2D3748"/>
+              </a:solidFill>
+              <a:effectLst/>
+              <a:latin typeface="Arial" panose="020B0604020202020204" pitchFamily="34" charset="0"/>
+              <a:cs typeface="Arial" panose="020B0604020202020204" pitchFamily="34" charset="0"/>
+            </a:endParaRPr>
+          </a:p>
+          <a:p>
+            <a:pPr algn="l"/>
+            <a:r>
+              <a:rPr lang="en-US" sz="2000" b="1" i="0" dirty="0">
+                <a:solidFill>
+                  <a:srgbClr val="2D3748"/>
+                </a:solidFill>
+                <a:effectLst/>
+                <a:latin typeface="Arial" panose="020B0604020202020204" pitchFamily="34" charset="0"/>
+                <a:cs typeface="Arial" panose="020B0604020202020204" pitchFamily="34" charset="0"/>
+              </a:rPr>
+              <a:t>Spam detection </a:t>
+            </a:r>
+            <a:r>
+              <a:rPr lang="en-US" sz="2000" b="0" i="0" dirty="0">
+                <a:solidFill>
+                  <a:srgbClr val="2D3748"/>
+                </a:solidFill>
+                <a:effectLst/>
+                <a:latin typeface="Arial" panose="020B0604020202020204" pitchFamily="34" charset="0"/>
+                <a:cs typeface="Arial" panose="020B0604020202020204" pitchFamily="34" charset="0"/>
+              </a:rPr>
+              <a:t>- In spam detection &amp; filtering algorithms are used. These algorithms classify an email as spam or not spam. The spam emails are sent to the spam folder.</a:t>
+            </a:r>
           </a:p>
         </p:txBody>
       </p:sp>
     </p:spTree>
     <p:extLst>
       <p:ext uri="{BB962C8B-B14F-4D97-AF65-F5344CB8AC3E}">
-        <p14:creationId xmlns:p14="http://schemas.microsoft.com/office/powerpoint/2010/main" val="3616974630"/>
+        <p14:creationId xmlns:p14="http://schemas.microsoft.com/office/powerpoint/2010/main" val="3761250937"/>
       </p:ext>
     </p:extLst>
   </p:cSld>
@@ -15021,7 +15055,7 @@
                 <a:latin typeface="Arial" pitchFamily="34" charset="0"/>
                 <a:cs typeface="Arial" pitchFamily="34" charset="0"/>
               </a:rPr>
-              <a:t>Reinforcement Learning</a:t>
+              <a:t>Unsupervised Learning</a:t>
             </a:r>
             <a:endParaRPr lang="en-IN" sz="3200" i="1" dirty="0">
               <a:solidFill>
@@ -15033,10 +15067,103 @@
           </a:p>
         </p:txBody>
       </p:sp>
+      <p:pic>
+        <p:nvPicPr>
+          <p:cNvPr id="2050" name="Picture 2" descr="Unsupervised Learning">
+            <a:extLst>
+              <a:ext uri="{FF2B5EF4-FFF2-40B4-BE49-F238E27FC236}">
+                <a16:creationId xmlns:a16="http://schemas.microsoft.com/office/drawing/2014/main" id="{7E51A808-249E-665C-E076-AB08CEB32FC5}"/>
+              </a:ext>
+            </a:extLst>
+          </p:cNvPr>
+          <p:cNvPicPr>
+            <a:picLocks noChangeAspect="1" noChangeArrowheads="1"/>
+          </p:cNvPicPr>
+          <p:nvPr/>
+        </p:nvPicPr>
+        <p:blipFill>
+          <a:blip r:embed="rId2">
+            <a:extLst>
+              <a:ext uri="{28A0092B-C50C-407E-A947-70E740481C1C}">
+                <a14:useLocalDpi xmlns:a14="http://schemas.microsoft.com/office/drawing/2010/main" val="0"/>
+              </a:ext>
+            </a:extLst>
+          </a:blip>
+          <a:srcRect/>
+          <a:stretch>
+            <a:fillRect/>
+          </a:stretch>
+        </p:blipFill>
+        <p:spPr bwMode="auto">
+          <a:xfrm>
+            <a:off x="5231904" y="1986667"/>
+            <a:ext cx="6412200" cy="4546317"/>
+          </a:xfrm>
+          <a:prstGeom prst="rect">
+            <a:avLst/>
+          </a:prstGeom>
+          <a:noFill/>
+          <a:extLst>
+            <a:ext uri="{909E8E84-426E-40DD-AFC4-6F175D3DCCD1}">
+              <a14:hiddenFill xmlns:a14="http://schemas.microsoft.com/office/drawing/2010/main">
+                <a:solidFill>
+                  <a:srgbClr val="FFFFFF"/>
+                </a:solidFill>
+              </a14:hiddenFill>
+            </a:ext>
+          </a:extLst>
+        </p:spPr>
+      </p:pic>
+      <p:sp>
+        <p:nvSpPr>
+          <p:cNvPr id="3" name="TextBox 2">
+            <a:extLst>
+              <a:ext uri="{FF2B5EF4-FFF2-40B4-BE49-F238E27FC236}">
+                <a16:creationId xmlns:a16="http://schemas.microsoft.com/office/drawing/2014/main" id="{77C63E81-36AD-9FD2-AA77-B0E75D9E17FA}"/>
+              </a:ext>
+            </a:extLst>
+          </p:cNvPr>
+          <p:cNvSpPr txBox="1"/>
+          <p:nvPr/>
+        </p:nvSpPr>
+        <p:spPr>
+          <a:xfrm>
+            <a:off x="335360" y="829161"/>
+            <a:ext cx="11308744" cy="1015663"/>
+          </a:xfrm>
+          <a:prstGeom prst="rect">
+            <a:avLst/>
+          </a:prstGeom>
+          <a:noFill/>
+        </p:spPr>
+        <p:txBody>
+          <a:bodyPr wrap="square">
+            <a:spAutoFit/>
+          </a:bodyPr>
+          <a:lstStyle/>
+          <a:p>
+            <a:r>
+              <a:rPr lang="en-US" sz="2000" b="0" i="0" dirty="0">
+                <a:solidFill>
+                  <a:srgbClr val="2D3748"/>
+                </a:solidFill>
+                <a:effectLst/>
+                <a:latin typeface="Arial" panose="020B0604020202020204" pitchFamily="34" charset="0"/>
+                <a:cs typeface="Arial" panose="020B0604020202020204" pitchFamily="34" charset="0"/>
+              </a:rPr>
+              <a:t>Unsupervised learning is a type of machine learning where the algorithm learns from unlabeled data without any predefined outputs or target variables. The unsupervised learning finds patterns, similarities, or groupings within the data to get insights and make data-driven decisions.</a:t>
+            </a:r>
+            <a:endParaRPr lang="en-IN" sz="2000" dirty="0">
+              <a:latin typeface="Arial" panose="020B0604020202020204" pitchFamily="34" charset="0"/>
+              <a:cs typeface="Arial" panose="020B0604020202020204" pitchFamily="34" charset="0"/>
+            </a:endParaRPr>
+          </a:p>
+        </p:txBody>
+      </p:sp>
     </p:spTree>
     <p:extLst>
       <p:ext uri="{BB962C8B-B14F-4D97-AF65-F5344CB8AC3E}">
-        <p14:creationId xmlns:p14="http://schemas.microsoft.com/office/powerpoint/2010/main" val="3884141119"/>
+        <p14:creationId xmlns:p14="http://schemas.microsoft.com/office/powerpoint/2010/main" val="3616974630"/>
       </p:ext>
     </p:extLst>
   </p:cSld>
@@ -15493,6 +15620,85 @@
     <p:extLst>
       <p:ext uri="{BB962C8B-B14F-4D97-AF65-F5344CB8AC3E}">
         <p14:creationId xmlns:p14="http://schemas.microsoft.com/office/powerpoint/2010/main" val="508479491"/>
+      </p:ext>
+    </p:extLst>
+  </p:cSld>
+  <p:clrMapOvr>
+    <a:masterClrMapping/>
+  </p:clrMapOvr>
+</p:sld>
+</file>
+
+<file path=ppt/slides/slide50.xml><?xml version="1.0" encoding="utf-8"?>
+<p:sld xmlns:a="http://schemas.openxmlformats.org/drawingml/2006/main" xmlns:r="http://schemas.openxmlformats.org/officeDocument/2006/relationships" xmlns:p="http://schemas.openxmlformats.org/presentationml/2006/main">
+  <p:cSld>
+    <p:spTree>
+      <p:nvGrpSpPr>
+        <p:cNvPr id="1" name=""/>
+        <p:cNvGrpSpPr/>
+        <p:nvPr/>
+      </p:nvGrpSpPr>
+      <p:grpSpPr>
+        <a:xfrm>
+          <a:off x="0" y="0"/>
+          <a:ext cx="0" cy="0"/>
+          <a:chOff x="0" y="0"/>
+          <a:chExt cx="0" cy="0"/>
+        </a:xfrm>
+      </p:grpSpPr>
+      <p:sp>
+        <p:nvSpPr>
+          <p:cNvPr id="4" name="Rectangle 3">
+            <a:extLst>
+              <a:ext uri="{FF2B5EF4-FFF2-40B4-BE49-F238E27FC236}">
+                <a16:creationId xmlns:a16="http://schemas.microsoft.com/office/drawing/2014/main" id="{6524962B-7610-4EFD-AA5E-DDE403AB8860}"/>
+              </a:ext>
+            </a:extLst>
+          </p:cNvPr>
+          <p:cNvSpPr/>
+          <p:nvPr/>
+        </p:nvSpPr>
+        <p:spPr>
+          <a:xfrm>
+            <a:off x="1524000" y="1"/>
+            <a:ext cx="9144000" cy="584775"/>
+          </a:xfrm>
+          <a:prstGeom prst="rect">
+            <a:avLst/>
+          </a:prstGeom>
+          <a:noFill/>
+        </p:spPr>
+        <p:txBody>
+          <a:bodyPr wrap="square">
+            <a:spAutoFit/>
+          </a:bodyPr>
+          <a:lstStyle/>
+          <a:p>
+            <a:pPr algn="r"/>
+            <a:r>
+              <a:rPr lang="en-US" sz="3200" i="1" dirty="0">
+                <a:solidFill>
+                  <a:srgbClr val="FF9900"/>
+                </a:solidFill>
+                <a:latin typeface="Arial" pitchFamily="34" charset="0"/>
+                <a:cs typeface="Arial" pitchFamily="34" charset="0"/>
+              </a:rPr>
+              <a:t>Reinforcement Learning</a:t>
+            </a:r>
+            <a:endParaRPr lang="en-IN" sz="3200" i="1" dirty="0">
+              <a:solidFill>
+                <a:srgbClr val="FF9900"/>
+              </a:solidFill>
+              <a:latin typeface="Arial" pitchFamily="34" charset="0"/>
+              <a:cs typeface="Arial" pitchFamily="34" charset="0"/>
+            </a:endParaRPr>
+          </a:p>
+        </p:txBody>
+      </p:sp>
+    </p:spTree>
+    <p:extLst>
+      <p:ext uri="{BB962C8B-B14F-4D97-AF65-F5344CB8AC3E}">
+        <p14:creationId xmlns:p14="http://schemas.microsoft.com/office/powerpoint/2010/main" val="3884141119"/>
       </p:ext>
     </p:extLst>
   </p:cSld>

--- a/BIG Data.pptx
+++ b/BIG Data.pptx
@@ -8464,7 +8464,7 @@
         <p:spPr>
           <a:xfrm>
             <a:off x="239433" y="758315"/>
-            <a:ext cx="11617207" cy="1685846"/>
+            <a:ext cx="11617207" cy="1015663"/>
           </a:xfrm>
           <a:prstGeom prst="rect">
             <a:avLst/>
@@ -8476,13 +8476,8 @@
           </a:bodyPr>
           <a:lstStyle/>
           <a:p>
-            <a:pPr>
-              <a:lnSpc>
-                <a:spcPct val="150000"/>
-              </a:lnSpc>
-            </a:pPr>
-            <a:r>
-              <a:rPr lang="en-US" sz="2400" b="1" i="0" dirty="0">
+            <a:r>
+              <a:rPr lang="en-US" sz="2000" b="1" i="0" dirty="0">
                 <a:solidFill>
                   <a:srgbClr val="222222"/>
                 </a:solidFill>
@@ -8493,7 +8488,7 @@
               <a:t>Big Data</a:t>
             </a:r>
             <a:r>
-              <a:rPr lang="en-US" sz="2400" b="0" i="0" dirty="0">
+              <a:rPr lang="en-US" sz="2000" b="0" i="0" dirty="0">
                 <a:solidFill>
                   <a:srgbClr val="222222"/>
                 </a:solidFill>
@@ -8503,7 +8498,7 @@
               </a:rPr>
               <a:t> is a collection of data that is huge in volume, yet growing exponentially with time. It is a data with so large size and complexity that none of traditional data management tools can store it or process it efficiently.</a:t>
             </a:r>
-            <a:endParaRPr lang="en-US" sz="1600" dirty="0">
+            <a:endParaRPr lang="en-US" sz="1400" dirty="0">
               <a:solidFill>
                 <a:schemeClr val="bg2">
                   <a:lumMod val="25000"/>
@@ -9370,10 +9365,10 @@
       </p:pic>
       <p:sp>
         <p:nvSpPr>
-          <p:cNvPr id="7" name="TextBox 6">
+          <p:cNvPr id="8" name="TextBox 7">
             <a:extLst>
               <a:ext uri="{FF2B5EF4-FFF2-40B4-BE49-F238E27FC236}">
-                <a16:creationId xmlns:a16="http://schemas.microsoft.com/office/drawing/2014/main" id="{97061E0D-5AFA-9B1F-0C49-07BF4B63C9D3}"/>
+                <a16:creationId xmlns:a16="http://schemas.microsoft.com/office/drawing/2014/main" id="{FD662FF8-3C46-11D5-45BA-40D5D38D1FB8}"/>
               </a:ext>
             </a:extLst>
           </p:cNvPr>
@@ -9382,8 +9377,8 @@
         </p:nvSpPr>
         <p:spPr>
           <a:xfrm>
-            <a:off x="270302" y="5570157"/>
-            <a:ext cx="7409873" cy="923330"/>
+            <a:off x="407368" y="98261"/>
+            <a:ext cx="7848872" cy="369332"/>
           </a:xfrm>
           <a:prstGeom prst="rect">
             <a:avLst/>
@@ -9397,46 +9392,20 @@
           <a:lstStyle/>
           <a:p>
             <a:r>
-              <a:rPr lang="en-US" b="1" i="0" dirty="0">
-                <a:solidFill>
-                  <a:srgbClr val="333333"/>
-                </a:solidFill>
-                <a:effectLst/>
-                <a:latin typeface="inter-bold"/>
-              </a:rPr>
-              <a:t>Big data</a:t>
-            </a:r>
-            <a:r>
               <a:rPr lang="en-US" b="0" i="0" dirty="0">
                 <a:solidFill>
-                  <a:srgbClr val="333333"/>
-                </a:solidFill>
-                <a:effectLst/>
-                <a:latin typeface="inter-regular"/>
-              </a:rPr>
-              <a:t> velocity deals with the speed at the data flows from sources like </a:t>
-            </a:r>
-            <a:r>
-              <a:rPr lang="en-US" b="1" i="0" dirty="0">
-                <a:solidFill>
-                  <a:srgbClr val="333333"/>
-                </a:solidFill>
-                <a:effectLst/>
-                <a:latin typeface="inter-bold"/>
-              </a:rPr>
-              <a:t>application logs, business processes, networks, and social media sites, sensors, mobile devices,</a:t>
-            </a:r>
-            <a:r>
-              <a:rPr lang="en-US" b="0" i="0" dirty="0">
-                <a:solidFill>
-                  <a:srgbClr val="333333"/>
-                </a:solidFill>
-                <a:effectLst/>
-                <a:latin typeface="inter-regular"/>
-              </a:rPr>
-              <a:t> etc.</a:t>
-            </a:r>
-            <a:endParaRPr lang="en-IN" dirty="0"/>
+                  <a:srgbClr val="374151"/>
+                </a:solidFill>
+                <a:effectLst/>
+                <a:latin typeface="Arial" panose="020B0604020202020204" pitchFamily="34" charset="0"/>
+                <a:cs typeface="Arial" panose="020B0604020202020204" pitchFamily="34" charset="0"/>
+              </a:rPr>
+              <a:t>Traditional databases struggle to handle this volume of data efficiently.</a:t>
+            </a:r>
+            <a:endParaRPr lang="en-IN" dirty="0">
+              <a:latin typeface="Arial" panose="020B0604020202020204" pitchFamily="34" charset="0"/>
+              <a:cs typeface="Arial" panose="020B0604020202020204" pitchFamily="34" charset="0"/>
+            </a:endParaRPr>
           </a:p>
         </p:txBody>
       </p:sp>
@@ -14260,7 +14229,7 @@
         <p:spPr>
           <a:xfrm>
             <a:off x="623392" y="1124744"/>
-            <a:ext cx="10873208" cy="1436419"/>
+            <a:ext cx="10873208" cy="1015663"/>
           </a:xfrm>
           <a:prstGeom prst="rect">
             <a:avLst/>
@@ -14273,11 +14242,17 @@
           </a:bodyPr>
           <a:lstStyle/>
           <a:p>
-            <a:pPr>
-              <a:lnSpc>
-                <a:spcPct val="150000"/>
-              </a:lnSpc>
-            </a:pPr>
+            <a:r>
+              <a:rPr lang="en-US" sz="2000" b="1" i="0" dirty="0">
+                <a:solidFill>
+                  <a:srgbClr val="273239"/>
+                </a:solidFill>
+                <a:effectLst/>
+                <a:latin typeface="Arial" panose="020B0604020202020204" pitchFamily="34" charset="0"/>
+                <a:cs typeface="Arial" panose="020B0604020202020204" pitchFamily="34" charset="0"/>
+              </a:rPr>
+              <a:t>Data science </a:t>
+            </a:r>
             <a:r>
               <a:rPr lang="en-US" sz="2000" b="0" i="0" dirty="0">
                 <a:solidFill>
@@ -14287,7 +14262,7 @@
                 <a:latin typeface="Arial" panose="020B0604020202020204" pitchFamily="34" charset="0"/>
                 <a:cs typeface="Arial" panose="020B0604020202020204" pitchFamily="34" charset="0"/>
               </a:rPr>
-              <a:t>Data science is an </a:t>
+              <a:t>is an </a:t>
             </a:r>
             <a:r>
               <a:rPr lang="en-IN" sz="2000" dirty="0">

--- a/BIG Data.pptx
+++ b/BIG Data.pptx
@@ -270,7 +270,7 @@
             <a:fld id="{757F699C-254E-44B6-B18D-E7E82B2FC743}" type="datetimeFigureOut">
               <a:rPr lang="en-IN" smtClean="0"/>
               <a:pPr/>
-              <a:t>15-09-2023</a:t>
+              <a:t>27-10-2023</a:t>
             </a:fld>
             <a:endParaRPr lang="en-IN"/>
           </a:p>
@@ -1096,7 +1096,7 @@
             <a:fld id="{52F73076-280E-4994-B9AF-08CB19D7A53F}" type="datetimeFigureOut">
               <a:rPr lang="en-US" smtClean="0"/>
               <a:pPr/>
-              <a:t>9/15/2023</a:t>
+              <a:t>10/27/2023</a:t>
             </a:fld>
             <a:endParaRPr lang="en-US" dirty="0"/>
           </a:p>
@@ -1541,7 +1541,7 @@
             <a:fld id="{52F73076-280E-4994-B9AF-08CB19D7A53F}" type="datetimeFigureOut">
               <a:rPr lang="en-US" smtClean="0"/>
               <a:pPr/>
-              <a:t>9/15/2023</a:t>
+              <a:t>10/27/2023</a:t>
             </a:fld>
             <a:endParaRPr lang="en-US" dirty="0"/>
           </a:p>
@@ -2473,7 +2473,7 @@
             <a:fld id="{52F73076-280E-4994-B9AF-08CB19D7A53F}" type="datetimeFigureOut">
               <a:rPr lang="en-US" smtClean="0"/>
               <a:pPr/>
-              <a:t>9/15/2023</a:t>
+              <a:t>10/27/2023</a:t>
             </a:fld>
             <a:endParaRPr lang="en-US" dirty="0"/>
           </a:p>
@@ -2891,7 +2891,7 @@
             <a:fld id="{52F73076-280E-4994-B9AF-08CB19D7A53F}" type="datetimeFigureOut">
               <a:rPr lang="en-US" smtClean="0"/>
               <a:pPr/>
-              <a:t>9/15/2023</a:t>
+              <a:t>10/27/2023</a:t>
             </a:fld>
             <a:endParaRPr lang="en-US" dirty="0"/>
           </a:p>
@@ -6165,20 +6165,15 @@
           <a:lstStyle/>
           <a:p>
             <a:r>
-              <a:rPr lang="en-IN" sz="2000" i="0" dirty="0">
-                <a:solidFill>
-                  <a:srgbClr val="444444"/>
-                </a:solidFill>
-                <a:effectLst/>
+              <a:rPr lang="en-IN" sz="2000" b="1" dirty="0">
+                <a:solidFill>
+                  <a:srgbClr val="000000"/>
+                </a:solidFill>
                 <a:latin typeface="Arial" panose="020B0604020202020204" pitchFamily="34" charset="0"/>
                 <a:cs typeface="Arial" panose="020B0604020202020204" pitchFamily="34" charset="0"/>
               </a:rPr>
               <a:t>Binary to Decimal Conversion</a:t>
             </a:r>
-            <a:endParaRPr lang="en-IN" sz="2000" dirty="0">
-              <a:latin typeface="Arial" panose="020B0604020202020204" pitchFamily="34" charset="0"/>
-              <a:cs typeface="Arial" panose="020B0604020202020204" pitchFamily="34" charset="0"/>
-            </a:endParaRPr>
           </a:p>
         </p:txBody>
       </p:sp>
@@ -6670,7 +6665,7 @@
           <a:lstStyle/>
           <a:p>
             <a:r>
-              <a:rPr lang="en-US" sz="2000" dirty="0">
+              <a:rPr lang="en-US" sz="2000" b="1" dirty="0">
                 <a:solidFill>
                   <a:srgbClr val="000000"/>
                 </a:solidFill>
@@ -6680,20 +6675,15 @@
               <a:t>Octal</a:t>
             </a:r>
             <a:r>
-              <a:rPr lang="en-IN" sz="2000" i="0" dirty="0">
-                <a:solidFill>
-                  <a:srgbClr val="444444"/>
-                </a:solidFill>
-                <a:effectLst/>
+              <a:rPr lang="en-IN" sz="2000" b="1" dirty="0">
+                <a:solidFill>
+                  <a:srgbClr val="000000"/>
+                </a:solidFill>
                 <a:latin typeface="Arial" panose="020B0604020202020204" pitchFamily="34" charset="0"/>
                 <a:cs typeface="Arial" panose="020B0604020202020204" pitchFamily="34" charset="0"/>
               </a:rPr>
               <a:t> to Decimal Conversion</a:t>
             </a:r>
-            <a:endParaRPr lang="en-IN" sz="2000" dirty="0">
-              <a:latin typeface="Arial" panose="020B0604020202020204" pitchFamily="34" charset="0"/>
-              <a:cs typeface="Arial" panose="020B0604020202020204" pitchFamily="34" charset="0"/>
-            </a:endParaRPr>
           </a:p>
         </p:txBody>
       </p:sp>
